--- a/Java 8 Date and Time API.pptx
+++ b/Java 8 Date and Time API.pptx
@@ -325,7 +325,7 @@
           <a:p>
             <a:fld id="{4521DC5A-3FE3-4FD1-BF87-57592AFF8A1E}" type="datetimeFigureOut">
               <a:rPr lang="en-US" smtClean="0"/>
-              <a:t>3/12/2014</a:t>
+              <a:t>3/16/2014</a:t>
             </a:fld>
             <a:endParaRPr lang="en-US"/>
           </a:p>
@@ -495,7 +495,7 @@
           <a:p>
             <a:fld id="{4521DC5A-3FE3-4FD1-BF87-57592AFF8A1E}" type="datetimeFigureOut">
               <a:rPr lang="en-US" smtClean="0"/>
-              <a:t>3/12/2014</a:t>
+              <a:t>3/16/2014</a:t>
             </a:fld>
             <a:endParaRPr lang="en-US"/>
           </a:p>
@@ -675,7 +675,7 @@
           <a:p>
             <a:fld id="{4521DC5A-3FE3-4FD1-BF87-57592AFF8A1E}" type="datetimeFigureOut">
               <a:rPr lang="en-US" smtClean="0"/>
-              <a:t>3/12/2014</a:t>
+              <a:t>3/16/2014</a:t>
             </a:fld>
             <a:endParaRPr lang="en-US"/>
           </a:p>
@@ -845,7 +845,7 @@
           <a:p>
             <a:fld id="{4521DC5A-3FE3-4FD1-BF87-57592AFF8A1E}" type="datetimeFigureOut">
               <a:rPr lang="en-US" smtClean="0"/>
-              <a:t>3/12/2014</a:t>
+              <a:t>3/16/2014</a:t>
             </a:fld>
             <a:endParaRPr lang="en-US"/>
           </a:p>
@@ -1091,7 +1091,7 @@
           <a:p>
             <a:fld id="{4521DC5A-3FE3-4FD1-BF87-57592AFF8A1E}" type="datetimeFigureOut">
               <a:rPr lang="en-US" smtClean="0"/>
-              <a:t>3/12/2014</a:t>
+              <a:t>3/16/2014</a:t>
             </a:fld>
             <a:endParaRPr lang="en-US"/>
           </a:p>
@@ -1379,7 +1379,7 @@
           <a:p>
             <a:fld id="{4521DC5A-3FE3-4FD1-BF87-57592AFF8A1E}" type="datetimeFigureOut">
               <a:rPr lang="en-US" smtClean="0"/>
-              <a:t>3/12/2014</a:t>
+              <a:t>3/16/2014</a:t>
             </a:fld>
             <a:endParaRPr lang="en-US"/>
           </a:p>
@@ -1801,7 +1801,7 @@
           <a:p>
             <a:fld id="{4521DC5A-3FE3-4FD1-BF87-57592AFF8A1E}" type="datetimeFigureOut">
               <a:rPr lang="en-US" smtClean="0"/>
-              <a:t>3/12/2014</a:t>
+              <a:t>3/16/2014</a:t>
             </a:fld>
             <a:endParaRPr lang="en-US"/>
           </a:p>
@@ -1919,7 +1919,7 @@
           <a:p>
             <a:fld id="{4521DC5A-3FE3-4FD1-BF87-57592AFF8A1E}" type="datetimeFigureOut">
               <a:rPr lang="en-US" smtClean="0"/>
-              <a:t>3/12/2014</a:t>
+              <a:t>3/16/2014</a:t>
             </a:fld>
             <a:endParaRPr lang="en-US"/>
           </a:p>
@@ -2014,7 +2014,7 @@
           <a:p>
             <a:fld id="{4521DC5A-3FE3-4FD1-BF87-57592AFF8A1E}" type="datetimeFigureOut">
               <a:rPr lang="en-US" smtClean="0"/>
-              <a:t>3/12/2014</a:t>
+              <a:t>3/16/2014</a:t>
             </a:fld>
             <a:endParaRPr lang="en-US"/>
           </a:p>
@@ -2291,7 +2291,7 @@
           <a:p>
             <a:fld id="{4521DC5A-3FE3-4FD1-BF87-57592AFF8A1E}" type="datetimeFigureOut">
               <a:rPr lang="en-US" smtClean="0"/>
-              <a:t>3/12/2014</a:t>
+              <a:t>3/16/2014</a:t>
             </a:fld>
             <a:endParaRPr lang="en-US"/>
           </a:p>
@@ -2544,7 +2544,7 @@
           <a:p>
             <a:fld id="{4521DC5A-3FE3-4FD1-BF87-57592AFF8A1E}" type="datetimeFigureOut">
               <a:rPr lang="en-US" smtClean="0"/>
-              <a:t>3/12/2014</a:t>
+              <a:t>3/16/2014</a:t>
             </a:fld>
             <a:endParaRPr lang="en-US"/>
           </a:p>
@@ -2757,7 +2757,7 @@
           <a:p>
             <a:fld id="{4521DC5A-3FE3-4FD1-BF87-57592AFF8A1E}" type="datetimeFigureOut">
               <a:rPr lang="en-US" smtClean="0"/>
-              <a:t>3/12/2014</a:t>
+              <a:t>3/16/2014</a:t>
             </a:fld>
             <a:endParaRPr lang="en-US"/>
           </a:p>
@@ -3165,16 +3165,399 @@
             <p:ph type="subTitle" idx="1"/>
           </p:nvPr>
         </p:nvSpPr>
-        <p:spPr/>
+        <p:spPr>
+          <a:xfrm>
+            <a:off x="1371600" y="3886200"/>
+            <a:ext cx="6400800" cy="609600"/>
+          </a:xfrm>
+        </p:spPr>
         <p:txBody>
           <a:bodyPr/>
           <a:lstStyle/>
           <a:p>
             <a:r>
               <a:rPr lang="en-US" dirty="0" smtClean="0"/>
+              <a:t>Sualeh </a:t>
+            </a:r>
+            <a:r>
+              <a:rPr lang="en-US" dirty="0" smtClean="0"/>
+              <a:t>Fatehi</a:t>
+            </a:r>
+            <a:endParaRPr lang="en-US" dirty="0"/>
+          </a:p>
+        </p:txBody>
+      </p:sp>
+      <p:sp>
+        <p:nvSpPr>
+          <p:cNvPr id="4" name="Rectangle 1"/>
+          <p:cNvSpPr>
+            <a:spLocks noChangeArrowheads="1"/>
+          </p:cNvSpPr>
+          <p:nvPr/>
+        </p:nvSpPr>
+        <p:spPr bwMode="auto">
+          <a:xfrm>
+            <a:off x="0" y="-69249"/>
+            <a:ext cx="9144000" cy="138499"/>
+          </a:xfrm>
+          <a:prstGeom prst="rect">
+            <a:avLst/>
+          </a:prstGeom>
+          <a:solidFill>
+            <a:srgbClr val="F5F5F5"/>
+          </a:solidFill>
+          <a:ln>
+            <a:noFill/>
+          </a:ln>
+          <a:effectLst/>
+          <a:extLst>
+            <a:ext uri="{91240B29-F687-4F45-9708-019B960494DF}">
+              <a14:hiddenLine xmlns:a14="http://schemas.microsoft.com/office/drawing/2010/main" w="9525">
+                <a:solidFill>
+                  <a:schemeClr val="tx1"/>
+                </a:solidFill>
+                <a:miter lim="800000"/>
+                <a:headEnd/>
+                <a:tailEnd/>
+              </a14:hiddenLine>
+            </a:ext>
+            <a:ext uri="{AF507438-7753-43E0-B8FC-AC1667EBCBE1}">
+              <a14:hiddenEffects xmlns:a14="http://schemas.microsoft.com/office/drawing/2010/main">
+                <a:effectLst>
+                  <a:outerShdw dist="35921" dir="2700000" algn="ctr" rotWithShape="0">
+                    <a:schemeClr val="bg2"/>
+                  </a:outerShdw>
+                </a:effectLst>
+              </a14:hiddenEffects>
+            </a:ext>
+          </a:extLst>
+        </p:spPr>
+        <p:txBody>
+          <a:bodyPr vert="horz" wrap="square" lIns="0" tIns="0" rIns="0" bIns="0" numCol="1" anchor="ctr" anchorCtr="0" compatLnSpc="1">
+            <a:prstTxWarp prst="textNoShape">
+              <a:avLst/>
+            </a:prstTxWarp>
+            <a:spAutoFit/>
+          </a:bodyPr>
+          <a:lstStyle>
+            <a:lvl1pPr fontAlgn="base">
+              <a:spcBef>
+                <a:spcPct val="0"/>
+              </a:spcBef>
+              <a:spcAft>
+                <a:spcPct val="0"/>
+              </a:spcAft>
+              <a:defRPr>
+                <a:solidFill>
+                  <a:schemeClr val="tx1"/>
+                </a:solidFill>
+                <a:latin typeface="Arial" pitchFamily="34" charset="0"/>
+                <a:cs typeface="Arial" pitchFamily="34" charset="0"/>
+              </a:defRPr>
+            </a:lvl1pPr>
+            <a:lvl2pPr fontAlgn="base">
+              <a:spcBef>
+                <a:spcPct val="0"/>
+              </a:spcBef>
+              <a:spcAft>
+                <a:spcPct val="0"/>
+              </a:spcAft>
+              <a:defRPr>
+                <a:solidFill>
+                  <a:schemeClr val="tx1"/>
+                </a:solidFill>
+                <a:latin typeface="Arial" pitchFamily="34" charset="0"/>
+                <a:cs typeface="Arial" pitchFamily="34" charset="0"/>
+              </a:defRPr>
+            </a:lvl2pPr>
+            <a:lvl3pPr fontAlgn="base">
+              <a:spcBef>
+                <a:spcPct val="0"/>
+              </a:spcBef>
+              <a:spcAft>
+                <a:spcPct val="0"/>
+              </a:spcAft>
+              <a:defRPr>
+                <a:solidFill>
+                  <a:schemeClr val="tx1"/>
+                </a:solidFill>
+                <a:latin typeface="Arial" pitchFamily="34" charset="0"/>
+                <a:cs typeface="Arial" pitchFamily="34" charset="0"/>
+              </a:defRPr>
+            </a:lvl3pPr>
+            <a:lvl4pPr fontAlgn="base">
+              <a:spcBef>
+                <a:spcPct val="0"/>
+              </a:spcBef>
+              <a:spcAft>
+                <a:spcPct val="0"/>
+              </a:spcAft>
+              <a:defRPr>
+                <a:solidFill>
+                  <a:schemeClr val="tx1"/>
+                </a:solidFill>
+                <a:latin typeface="Arial" pitchFamily="34" charset="0"/>
+                <a:cs typeface="Arial" pitchFamily="34" charset="0"/>
+              </a:defRPr>
+            </a:lvl4pPr>
+            <a:lvl5pPr fontAlgn="base">
+              <a:spcBef>
+                <a:spcPct val="0"/>
+              </a:spcBef>
+              <a:spcAft>
+                <a:spcPct val="0"/>
+              </a:spcAft>
+              <a:defRPr>
+                <a:solidFill>
+                  <a:schemeClr val="tx1"/>
+                </a:solidFill>
+                <a:latin typeface="Arial" pitchFamily="34" charset="0"/>
+                <a:cs typeface="Arial" pitchFamily="34" charset="0"/>
+              </a:defRPr>
+            </a:lvl5pPr>
+            <a:lvl6pPr fontAlgn="base">
+              <a:spcBef>
+                <a:spcPct val="0"/>
+              </a:spcBef>
+              <a:spcAft>
+                <a:spcPct val="0"/>
+              </a:spcAft>
+              <a:defRPr>
+                <a:solidFill>
+                  <a:schemeClr val="tx1"/>
+                </a:solidFill>
+                <a:latin typeface="Arial" pitchFamily="34" charset="0"/>
+                <a:cs typeface="Arial" pitchFamily="34" charset="0"/>
+              </a:defRPr>
+            </a:lvl6pPr>
+            <a:lvl7pPr fontAlgn="base">
+              <a:spcBef>
+                <a:spcPct val="0"/>
+              </a:spcBef>
+              <a:spcAft>
+                <a:spcPct val="0"/>
+              </a:spcAft>
+              <a:defRPr>
+                <a:solidFill>
+                  <a:schemeClr val="tx1"/>
+                </a:solidFill>
+                <a:latin typeface="Arial" pitchFamily="34" charset="0"/>
+                <a:cs typeface="Arial" pitchFamily="34" charset="0"/>
+              </a:defRPr>
+            </a:lvl7pPr>
+            <a:lvl8pPr fontAlgn="base">
+              <a:spcBef>
+                <a:spcPct val="0"/>
+              </a:spcBef>
+              <a:spcAft>
+                <a:spcPct val="0"/>
+              </a:spcAft>
+              <a:defRPr>
+                <a:solidFill>
+                  <a:schemeClr val="tx1"/>
+                </a:solidFill>
+                <a:latin typeface="Arial" pitchFamily="34" charset="0"/>
+                <a:cs typeface="Arial" pitchFamily="34" charset="0"/>
+              </a:defRPr>
+            </a:lvl8pPr>
+            <a:lvl9pPr fontAlgn="base">
+              <a:spcBef>
+                <a:spcPct val="0"/>
+              </a:spcBef>
+              <a:spcAft>
+                <a:spcPct val="0"/>
+              </a:spcAft>
+              <a:defRPr>
+                <a:solidFill>
+                  <a:schemeClr val="tx1"/>
+                </a:solidFill>
+                <a:latin typeface="Arial" pitchFamily="34" charset="0"/>
+                <a:cs typeface="Arial" pitchFamily="34" charset="0"/>
+              </a:defRPr>
+            </a:lvl9pPr>
+          </a:lstStyle>
+          <a:p>
+            <a:pPr marL="0" marR="0" lvl="0" indent="0" algn="ctr" defTabSz="914400" rtl="0" eaLnBrk="1" fontAlgn="base" latinLnBrk="0" hangingPunct="1">
+              <a:lnSpc>
+                <a:spcPct val="100000"/>
+              </a:lnSpc>
+              <a:spcBef>
+                <a:spcPct val="0"/>
+              </a:spcBef>
+              <a:spcAft>
+                <a:spcPct val="0"/>
+              </a:spcAft>
+              <a:buClrTx/>
+              <a:buSzTx/>
+              <a:buFontTx/>
+              <a:buNone/>
+              <a:tabLst/>
+            </a:pPr>
+            <a:endParaRPr kumimoji="0" lang="en-US" altLang="en-US" sz="900" b="0" i="0" u="none" strike="noStrike" cap="none" normalizeH="0" baseline="0" dirty="0" smtClean="0">
+              <a:ln>
+                <a:noFill/>
+              </a:ln>
+              <a:solidFill>
+                <a:srgbClr val="4374B7"/>
+              </a:solidFill>
+              <a:effectLst/>
+              <a:latin typeface="Helvetica Neue"/>
+              <a:cs typeface="Arial" pitchFamily="34" charset="0"/>
+            </a:endParaRPr>
+          </a:p>
+        </p:txBody>
+      </p:sp>
+      <p:pic>
+        <p:nvPicPr>
+          <p:cNvPr id="1026" name="Picture 2" descr="Creative Commons License">
+            <a:hlinkClick r:id="rId2"/>
+          </p:cNvPr>
+          <p:cNvPicPr>
+            <a:picLocks noChangeAspect="1" noChangeArrowheads="1"/>
+          </p:cNvPicPr>
+          <p:nvPr/>
+        </p:nvPicPr>
+        <p:blipFill>
+          <a:blip r:embed="rId3">
+            <a:extLst>
+              <a:ext uri="{28A0092B-C50C-407E-A947-70E740481C1C}">
+                <a14:useLocalDpi xmlns:a14="http://schemas.microsoft.com/office/drawing/2010/main" val="0"/>
+              </a:ext>
+            </a:extLst>
+          </a:blip>
+          <a:srcRect/>
+          <a:stretch>
+            <a:fillRect/>
+          </a:stretch>
+        </p:blipFill>
+        <p:spPr bwMode="auto">
+          <a:xfrm>
+            <a:off x="4062321" y="5515217"/>
+            <a:ext cx="769907" cy="271218"/>
+          </a:xfrm>
+          <a:prstGeom prst="rect">
+            <a:avLst/>
+          </a:prstGeom>
+          <a:noFill/>
+          <a:extLst>
+            <a:ext uri="{909E8E84-426E-40DD-AFC4-6F175D3DCCD1}">
+              <a14:hiddenFill xmlns:a14="http://schemas.microsoft.com/office/drawing/2010/main">
+                <a:solidFill>
+                  <a:srgbClr val="FFFFFF"/>
+                </a:solidFill>
+              </a14:hiddenFill>
+            </a:ext>
+          </a:extLst>
+        </p:spPr>
+      </p:pic>
+      <p:sp>
+        <p:nvSpPr>
+          <p:cNvPr id="5" name="Rectangle 4"/>
+          <p:cNvSpPr/>
+          <p:nvPr/>
+        </p:nvSpPr>
+        <p:spPr>
+          <a:xfrm>
+            <a:off x="1600200" y="5925979"/>
+            <a:ext cx="6477000" cy="246221"/>
+          </a:xfrm>
+          <a:prstGeom prst="rect">
+            <a:avLst/>
+          </a:prstGeom>
+        </p:spPr>
+        <p:txBody>
+          <a:bodyPr wrap="square">
+            <a:spAutoFit/>
+          </a:bodyPr>
+          <a:lstStyle/>
+          <a:p>
+            <a:pPr algn="ctr"/>
+            <a:r>
+              <a:rPr lang="en-US" altLang="en-US" sz="1000" dirty="0" smtClean="0">
+                <a:solidFill>
+                  <a:srgbClr val="000000"/>
+                </a:solidFill>
+                <a:cs typeface="Arial" pitchFamily="34" charset="0"/>
+              </a:rPr>
+              <a:t>This </a:t>
+            </a:r>
+            <a:r>
+              <a:rPr lang="en-US" altLang="en-US" sz="1000" dirty="0">
+                <a:solidFill>
+                  <a:srgbClr val="000000"/>
+                </a:solidFill>
+                <a:cs typeface="Arial" pitchFamily="34" charset="0"/>
+              </a:rPr>
+              <a:t>work by </a:t>
+            </a:r>
+            <a:r>
+              <a:rPr lang="en-US" altLang="en-US" sz="1000" dirty="0">
+                <a:solidFill>
+                  <a:srgbClr val="4374B7"/>
+                </a:solidFill>
+                <a:cs typeface="Arial" pitchFamily="34" charset="0"/>
+                <a:hlinkClick r:id="rId4"/>
+              </a:rPr>
               <a:t>Sualeh Fatehi</a:t>
             </a:r>
-            <a:endParaRPr lang="en-US" dirty="0"/>
+            <a:r>
+              <a:rPr lang="en-US" altLang="en-US" sz="1000" dirty="0">
+                <a:solidFill>
+                  <a:srgbClr val="000000"/>
+                </a:solidFill>
+                <a:cs typeface="Arial" pitchFamily="34" charset="0"/>
+              </a:rPr>
+              <a:t> is licensed under a </a:t>
+            </a:r>
+            <a:r>
+              <a:rPr lang="en-US" altLang="en-US" sz="1000" dirty="0">
+                <a:solidFill>
+                  <a:srgbClr val="4374B7"/>
+                </a:solidFill>
+                <a:cs typeface="Arial" pitchFamily="34" charset="0"/>
+                <a:hlinkClick r:id="rId2"/>
+              </a:rPr>
+              <a:t>Creative Commons Attribution-</a:t>
+            </a:r>
+            <a:r>
+              <a:rPr lang="en-US" altLang="en-US" sz="1000" dirty="0" err="1">
+                <a:solidFill>
+                  <a:srgbClr val="4374B7"/>
+                </a:solidFill>
+                <a:cs typeface="Arial" pitchFamily="34" charset="0"/>
+                <a:hlinkClick r:id="rId2"/>
+              </a:rPr>
+              <a:t>NonCommercial</a:t>
+            </a:r>
+            <a:r>
+              <a:rPr lang="en-US" altLang="en-US" sz="1000" dirty="0">
+                <a:solidFill>
+                  <a:srgbClr val="4374B7"/>
+                </a:solidFill>
+                <a:cs typeface="Arial" pitchFamily="34" charset="0"/>
+                <a:hlinkClick r:id="rId2"/>
+              </a:rPr>
+              <a:t> 4.0 International License</a:t>
+            </a:r>
+            <a:r>
+              <a:rPr lang="en-US" altLang="en-US" sz="1000" dirty="0">
+                <a:solidFill>
+                  <a:srgbClr val="000000"/>
+                </a:solidFill>
+                <a:cs typeface="Arial" pitchFamily="34" charset="0"/>
+              </a:rPr>
+              <a:t>.</a:t>
+            </a:r>
+            <a:r>
+              <a:rPr lang="en-US" altLang="en-US" sz="1000" dirty="0">
+                <a:solidFill>
+                  <a:prstClr val="black"/>
+                </a:solidFill>
+                <a:cs typeface="Arial" pitchFamily="34" charset="0"/>
+              </a:rPr>
+              <a:t> </a:t>
+            </a:r>
+            <a:endParaRPr lang="en-US" sz="1000" dirty="0"/>
           </a:p>
         </p:txBody>
       </p:sp>
@@ -3268,8 +3651,14 @@
                 <a:latin typeface="Consolas" panose="020B0609020204030204" pitchFamily="49" charset="0"/>
                 <a:cs typeface="Consolas" panose="020B0609020204030204" pitchFamily="49" charset="0"/>
               </a:rPr>
-              <a:t>Several </a:t>
-            </a:r>
+              <a:t>Several problems here:</a:t>
+            </a:r>
+          </a:p>
+          <a:p>
+            <a:pPr marL="514350" indent="-514350">
+              <a:buFont typeface="+mj-lt"/>
+              <a:buAutoNum type="arabicPeriod"/>
+            </a:pPr>
             <a:r>
               <a:rPr lang="en-US" sz="2800" dirty="0" smtClean="0">
                 <a:solidFill>
@@ -3280,49 +3669,7 @@
                 <a:latin typeface="Consolas" panose="020B0609020204030204" pitchFamily="49" charset="0"/>
                 <a:cs typeface="Consolas" panose="020B0609020204030204" pitchFamily="49" charset="0"/>
               </a:rPr>
-              <a:t>problems here:</a:t>
-            </a:r>
-          </a:p>
-          <a:p>
-            <a:pPr marL="514350" indent="-514350">
-              <a:buFont typeface="+mj-lt"/>
-              <a:buAutoNum type="arabicPeriod"/>
-            </a:pPr>
-            <a:r>
-              <a:rPr lang="en-US" sz="2800" dirty="0" smtClean="0">
-                <a:solidFill>
-                  <a:schemeClr val="accent3">
-                    <a:lumMod val="75000"/>
-                  </a:schemeClr>
-                </a:solidFill>
-                <a:latin typeface="Consolas" panose="020B0609020204030204" pitchFamily="49" charset="0"/>
-                <a:cs typeface="Consolas" panose="020B0609020204030204" pitchFamily="49" charset="0"/>
-              </a:rPr>
-              <a:t>Which </a:t>
-            </a:r>
-            <a:r>
-              <a:rPr lang="en-US" sz="2800" dirty="0" smtClean="0">
-                <a:solidFill>
-                  <a:schemeClr val="accent3">
-                    <a:lumMod val="75000"/>
-                  </a:schemeClr>
-                </a:solidFill>
-                <a:latin typeface="Consolas" panose="020B0609020204030204" pitchFamily="49" charset="0"/>
-                <a:cs typeface="Consolas" panose="020B0609020204030204" pitchFamily="49" charset="0"/>
-              </a:rPr>
-              <a:t>12 </a:t>
-            </a:r>
-            <a:r>
-              <a:rPr lang="en-US" sz="2800" dirty="0" smtClean="0">
-                <a:solidFill>
-                  <a:schemeClr val="accent3">
-                    <a:lumMod val="75000"/>
-                  </a:schemeClr>
-                </a:solidFill>
-                <a:latin typeface="Consolas" panose="020B0609020204030204" pitchFamily="49" charset="0"/>
-                <a:cs typeface="Consolas" panose="020B0609020204030204" pitchFamily="49" charset="0"/>
-              </a:rPr>
-              <a:t>is for which date field?</a:t>
+              <a:t>Which 12 is for which date field?</a:t>
             </a:r>
           </a:p>
           <a:p>
@@ -3417,15 +3764,6 @@
               </a:rPr>
               <a:t>They got the year right! Not quite…</a:t>
             </a:r>
-            <a:endParaRPr lang="en-US" sz="2800" dirty="0" smtClean="0">
-              <a:solidFill>
-                <a:schemeClr val="accent3">
-                  <a:lumMod val="75000"/>
-                </a:schemeClr>
-              </a:solidFill>
-              <a:latin typeface="Consolas" panose="020B0609020204030204" pitchFamily="49" charset="0"/>
-              <a:cs typeface="Consolas" panose="020B0609020204030204" pitchFamily="49" charset="0"/>
-            </a:endParaRPr>
           </a:p>
           <a:p>
             <a:pPr marL="0" indent="0">
@@ -3574,19 +3912,7 @@
                 <a:latin typeface="Consolas" panose="020B0609020204030204" pitchFamily="49" charset="0"/>
                 <a:cs typeface="Consolas" panose="020B0609020204030204" pitchFamily="49" charset="0"/>
               </a:rPr>
-              <a:t>More </a:t>
-            </a:r>
-            <a:r>
-              <a:rPr lang="en-US" sz="2800" dirty="0" smtClean="0">
-                <a:solidFill>
-                  <a:schemeClr val="accent3">
-                    <a:lumMod val="75000"/>
-                  </a:schemeClr>
-                </a:solidFill>
-                <a:latin typeface="Consolas" panose="020B0609020204030204" pitchFamily="49" charset="0"/>
-                <a:cs typeface="Consolas" panose="020B0609020204030204" pitchFamily="49" charset="0"/>
-              </a:rPr>
-              <a:t>than that, there is a </a:t>
+              <a:t>More than that, there is a </a:t>
             </a:r>
             <a:r>
               <a:rPr lang="en-US" sz="2800" dirty="0" err="1" smtClean="0">
@@ -4683,19 +5009,7 @@
                 <a:latin typeface="Consolas" panose="020B0609020204030204" pitchFamily="49" charset="0"/>
                 <a:cs typeface="Consolas" panose="020B0609020204030204" pitchFamily="49" charset="0"/>
               </a:rPr>
-              <a:t>// </a:t>
-            </a:r>
-            <a:r>
-              <a:rPr lang="en-US" sz="2600" dirty="0">
-                <a:solidFill>
-                  <a:schemeClr val="accent3">
-                    <a:lumMod val="50000"/>
-                  </a:schemeClr>
-                </a:solidFill>
-                <a:latin typeface="Consolas" panose="020B0609020204030204" pitchFamily="49" charset="0"/>
-                <a:cs typeface="Consolas" panose="020B0609020204030204" pitchFamily="49" charset="0"/>
-              </a:rPr>
-              <a:t>November 10, 0010 12:00:00 AM EST</a:t>
+              <a:t>// November 10, 0010 12:00:00 AM EST</a:t>
             </a:r>
           </a:p>
         </p:txBody>
@@ -4894,11 +5208,7 @@
           <a:p>
             <a:r>
               <a:rPr lang="en-US" dirty="0" smtClean="0"/>
-              <a:t>No Problems </a:t>
-            </a:r>
-            <a:r>
-              <a:rPr lang="en-US" dirty="0" smtClean="0"/>
-              <a:t>Getting a Date</a:t>
+              <a:t>No Problems Getting a Date</a:t>
             </a:r>
             <a:endParaRPr lang="en-US" dirty="0"/>
           </a:p>
@@ -4934,7 +5244,25 @@
                 <a:latin typeface="Consolas" panose="020B0609020204030204" pitchFamily="49" charset="0"/>
                 <a:cs typeface="Consolas" panose="020B0609020204030204" pitchFamily="49" charset="0"/>
               </a:rPr>
-              <a:t>No problems </a:t>
+              <a:t>No problems here:</a:t>
+            </a:r>
+          </a:p>
+          <a:p>
+            <a:pPr marL="514350" indent="-514350">
+              <a:buFont typeface="+mj-lt"/>
+              <a:buAutoNum type="arabicPeriod"/>
+            </a:pPr>
+            <a:r>
+              <a:rPr lang="en-US" sz="2800" dirty="0">
+                <a:solidFill>
+                  <a:schemeClr val="accent3">
+                    <a:lumMod val="75000"/>
+                  </a:schemeClr>
+                </a:solidFill>
+                <a:latin typeface="Consolas" panose="020B0609020204030204" pitchFamily="49" charset="0"/>
+                <a:cs typeface="Consolas" panose="020B0609020204030204" pitchFamily="49" charset="0"/>
+              </a:rPr>
+              <a:t>ISO 8601 order </a:t>
             </a:r>
             <a:r>
               <a:rPr lang="en-US" sz="2800" dirty="0" smtClean="0">
@@ -4946,14 +5274,8 @@
                 <a:latin typeface="Consolas" panose="020B0609020204030204" pitchFamily="49" charset="0"/>
                 <a:cs typeface="Consolas" panose="020B0609020204030204" pitchFamily="49" charset="0"/>
               </a:rPr>
-              <a:t>here:</a:t>
-            </a:r>
-          </a:p>
-          <a:p>
-            <a:pPr marL="514350" indent="-514350">
-              <a:buFont typeface="+mj-lt"/>
-              <a:buAutoNum type="arabicPeriod"/>
-            </a:pPr>
+              <a:t>of fields - </a:t>
+            </a:r>
             <a:r>
               <a:rPr lang="en-US" sz="2800" dirty="0">
                 <a:solidFill>
@@ -4964,7 +5286,7 @@
                 <a:latin typeface="Consolas" panose="020B0609020204030204" pitchFamily="49" charset="0"/>
                 <a:cs typeface="Consolas" panose="020B0609020204030204" pitchFamily="49" charset="0"/>
               </a:rPr>
-              <a:t>ISO 8601 order </a:t>
+              <a:t>year, month, </a:t>
             </a:r>
             <a:r>
               <a:rPr lang="en-US" sz="2800" dirty="0" smtClean="0">
@@ -4976,20 +5298,14 @@
                 <a:latin typeface="Consolas" panose="020B0609020204030204" pitchFamily="49" charset="0"/>
                 <a:cs typeface="Consolas" panose="020B0609020204030204" pitchFamily="49" charset="0"/>
               </a:rPr>
-              <a:t>of fields - </a:t>
-            </a:r>
-            <a:r>
-              <a:rPr lang="en-US" sz="2800" dirty="0">
-                <a:solidFill>
-                  <a:schemeClr val="accent3">
-                    <a:lumMod val="75000"/>
-                  </a:schemeClr>
-                </a:solidFill>
-                <a:latin typeface="Consolas" panose="020B0609020204030204" pitchFamily="49" charset="0"/>
-                <a:cs typeface="Consolas" panose="020B0609020204030204" pitchFamily="49" charset="0"/>
-              </a:rPr>
-              <a:t>year, month, </a:t>
-            </a:r>
+              <a:t>day.</a:t>
+            </a:r>
+          </a:p>
+          <a:p>
+            <a:pPr marL="514350" indent="-514350">
+              <a:buFont typeface="+mj-lt"/>
+              <a:buAutoNum type="arabicPeriod"/>
+            </a:pPr>
             <a:r>
               <a:rPr lang="en-US" sz="2800" dirty="0" smtClean="0">
                 <a:solidFill>
@@ -5000,17 +5316,8 @@
                 <a:latin typeface="Consolas" panose="020B0609020204030204" pitchFamily="49" charset="0"/>
                 <a:cs typeface="Consolas" panose="020B0609020204030204" pitchFamily="49" charset="0"/>
               </a:rPr>
-              <a:t>day.</a:t>
-            </a:r>
-            <a:endParaRPr lang="en-US" sz="2800" dirty="0" smtClean="0">
-              <a:solidFill>
-                <a:schemeClr val="accent3">
-                  <a:lumMod val="75000"/>
-                </a:schemeClr>
-              </a:solidFill>
-              <a:latin typeface="Consolas" panose="020B0609020204030204" pitchFamily="49" charset="0"/>
-              <a:cs typeface="Consolas" panose="020B0609020204030204" pitchFamily="49" charset="0"/>
-            </a:endParaRPr>
+              <a:t>Month 12 is December.</a:t>
+            </a:r>
           </a:p>
           <a:p>
             <a:pPr marL="514350" indent="-514350">
@@ -5027,35 +5334,8 @@
                 <a:latin typeface="Consolas" panose="020B0609020204030204" pitchFamily="49" charset="0"/>
                 <a:cs typeface="Consolas" panose="020B0609020204030204" pitchFamily="49" charset="0"/>
               </a:rPr>
-              <a:t>Month 12 is December.</a:t>
-            </a:r>
-          </a:p>
-          <a:p>
-            <a:pPr marL="514350" indent="-514350">
-              <a:buFont typeface="+mj-lt"/>
-              <a:buAutoNum type="arabicPeriod"/>
-            </a:pPr>
-            <a:r>
-              <a:rPr lang="en-US" sz="2800" dirty="0" smtClean="0">
-                <a:solidFill>
-                  <a:schemeClr val="accent3">
-                    <a:lumMod val="75000"/>
-                  </a:schemeClr>
-                </a:solidFill>
-                <a:latin typeface="Consolas" panose="020B0609020204030204" pitchFamily="49" charset="0"/>
-                <a:cs typeface="Consolas" panose="020B0609020204030204" pitchFamily="49" charset="0"/>
-              </a:rPr>
               <a:t>Year is 12 AD.</a:t>
             </a:r>
-            <a:endParaRPr lang="en-US" sz="2800" dirty="0" smtClean="0">
-              <a:solidFill>
-                <a:schemeClr val="accent3">
-                  <a:lumMod val="75000"/>
-                </a:schemeClr>
-              </a:solidFill>
-              <a:latin typeface="Consolas" panose="020B0609020204030204" pitchFamily="49" charset="0"/>
-              <a:cs typeface="Consolas" panose="020B0609020204030204" pitchFamily="49" charset="0"/>
-            </a:endParaRPr>
           </a:p>
           <a:p>
             <a:pPr marL="0" indent="0">
@@ -5120,25 +5400,8 @@
                 <a:latin typeface="Consolas" panose="020B0609020204030204" pitchFamily="49" charset="0"/>
                 <a:cs typeface="Consolas" panose="020B0609020204030204" pitchFamily="49" charset="0"/>
               </a:rPr>
-              <a:t>// </a:t>
-            </a:r>
-            <a:r>
-              <a:rPr lang="en-US" sz="2800" dirty="0" smtClean="0">
-                <a:solidFill>
-                  <a:schemeClr val="tx2"/>
-                </a:solidFill>
-                <a:latin typeface="Consolas" panose="020B0609020204030204" pitchFamily="49" charset="0"/>
-                <a:cs typeface="Consolas" panose="020B0609020204030204" pitchFamily="49" charset="0"/>
-              </a:rPr>
-              <a:t>0012-12-12</a:t>
-            </a:r>
-            <a:endParaRPr lang="en-US" sz="2800" dirty="0" smtClean="0">
-              <a:solidFill>
-                <a:schemeClr val="tx2"/>
-              </a:solidFill>
-              <a:latin typeface="Consolas" panose="020B0609020204030204" pitchFamily="49" charset="0"/>
-              <a:cs typeface="Consolas" panose="020B0609020204030204" pitchFamily="49" charset="0"/>
-            </a:endParaRPr>
+              <a:t>// 0012-12-12</a:t>
+            </a:r>
           </a:p>
           <a:p>
             <a:pPr marL="514350" indent="-514350">
@@ -6322,6 +6585,36 @@
           </a:p>
         </p:txBody>
       </p:sp>
+      <p:sp>
+        <p:nvSpPr>
+          <p:cNvPr id="4" name="TextBox 3"/>
+          <p:cNvSpPr txBox="1"/>
+          <p:nvPr/>
+        </p:nvSpPr>
+        <p:spPr>
+          <a:xfrm>
+            <a:off x="533400" y="5715000"/>
+            <a:ext cx="8001000" cy="553998"/>
+          </a:xfrm>
+          <a:prstGeom prst="rect">
+            <a:avLst/>
+          </a:prstGeom>
+          <a:noFill/>
+        </p:spPr>
+        <p:txBody>
+          <a:bodyPr wrap="square" rtlCol="0">
+            <a:spAutoFit/>
+          </a:bodyPr>
+          <a:lstStyle/>
+          <a:p>
+            <a:r>
+              <a:rPr lang="en-US" sz="3000" dirty="0" smtClean="0"/>
+              <a:t>* See temporal queries later </a:t>
+            </a:r>
+            <a:endParaRPr lang="en-US" sz="3000" dirty="0"/>
+          </a:p>
+        </p:txBody>
+      </p:sp>
     </p:spTree>
     <p:extLst>
       <p:ext uri="{BB962C8B-B14F-4D97-AF65-F5344CB8AC3E}">
@@ -8377,6 +8670,109 @@
                                       </p:cBhvr>
                                       <p:to x="100000" y="100000"/>
                                     </p:animScale>
+                                  </p:childTnLst>
+                                </p:cTn>
+                              </p:par>
+                            </p:childTnLst>
+                          </p:cTn>
+                        </p:par>
+                      </p:childTnLst>
+                    </p:cTn>
+                  </p:par>
+                  <p:par>
+                    <p:cTn id="101" fill="hold">
+                      <p:stCondLst>
+                        <p:cond delay="indefinite"/>
+                      </p:stCondLst>
+                      <p:childTnLst>
+                        <p:par>
+                          <p:cTn id="102" fill="hold">
+                            <p:stCondLst>
+                              <p:cond delay="0"/>
+                            </p:stCondLst>
+                            <p:childTnLst>
+                              <p:par>
+                                <p:cTn id="103" presetID="2" presetClass="entr" presetSubtype="4" fill="hold" nodeType="clickEffect">
+                                  <p:stCondLst>
+                                    <p:cond delay="0"/>
+                                  </p:stCondLst>
+                                  <p:childTnLst>
+                                    <p:set>
+                                      <p:cBhvr>
+                                        <p:cTn id="104" dur="1" fill="hold">
+                                          <p:stCondLst>
+                                            <p:cond delay="0"/>
+                                          </p:stCondLst>
+                                        </p:cTn>
+                                        <p:tgtEl>
+                                          <p:spTgt spid="4">
+                                            <p:txEl>
+                                              <p:pRg st="0" end="0"/>
+                                            </p:txEl>
+                                          </p:spTgt>
+                                        </p:tgtEl>
+                                        <p:attrNameLst>
+                                          <p:attrName>style.visibility</p:attrName>
+                                        </p:attrNameLst>
+                                      </p:cBhvr>
+                                      <p:to>
+                                        <p:strVal val="visible"/>
+                                      </p:to>
+                                    </p:set>
+                                    <p:anim calcmode="lin" valueType="num">
+                                      <p:cBhvr additive="base">
+                                        <p:cTn id="105" dur="500" fill="hold"/>
+                                        <p:tgtEl>
+                                          <p:spTgt spid="4">
+                                            <p:txEl>
+                                              <p:pRg st="0" end="0"/>
+                                            </p:txEl>
+                                          </p:spTgt>
+                                        </p:tgtEl>
+                                        <p:attrNameLst>
+                                          <p:attrName>ppt_x</p:attrName>
+                                        </p:attrNameLst>
+                                      </p:cBhvr>
+                                      <p:tavLst>
+                                        <p:tav tm="0">
+                                          <p:val>
+                                            <p:strVal val="#ppt_x"/>
+                                          </p:val>
+                                        </p:tav>
+                                        <p:tav tm="100000">
+                                          <p:val>
+                                            <p:strVal val="#ppt_x"/>
+                                          </p:val>
+                                        </p:tav>
+                                      </p:tavLst>
+                                    </p:anim>
+                                    <p:anim calcmode="lin" valueType="num">
+                                      <p:cBhvr additive="base">
+                                        <p:cTn id="106" dur="500" fill="hold"/>
+                                        <p:tgtEl>
+                                          <p:spTgt spid="4">
+                                            <p:txEl>
+                                              <p:pRg st="0" end="0"/>
+                                            </p:txEl>
+                                          </p:spTgt>
+                                        </p:tgtEl>
+                                        <p:attrNameLst>
+                                          <p:attrName>ppt_y</p:attrName>
+                                        </p:attrNameLst>
+                                      </p:cBhvr>
+                                      <p:tavLst>
+                                        <p:tav tm="0">
+                                          <p:val>
+                                            <p:strVal val="1+#ppt_h/2"/>
+                                          </p:val>
+                                        </p:tav>
+                                        <p:tav tm="100000">
+                                          <p:val>
+                                            <p:strVal val="#ppt_y"/>
+                                          </p:val>
+                                        </p:tav>
+                                      </p:tavLst>
+                                    </p:anim>
                                   </p:childTnLst>
                                 </p:cTn>
                               </p:par>
@@ -9001,7 +9397,6 @@
               <a:rPr lang="en-US" dirty="0"/>
               <a:t>not change with a change of seasons</a:t>
             </a:r>
-            <a:endParaRPr lang="en-US" dirty="0"/>
           </a:p>
           <a:p>
             <a:r>
@@ -9126,8 +9521,14 @@
                 <a:latin typeface="Consolas" panose="020B0609020204030204" pitchFamily="49" charset="0"/>
                 <a:cs typeface="Consolas" panose="020B0609020204030204" pitchFamily="49" charset="0"/>
               </a:rPr>
-              <a:t>Several </a:t>
-            </a:r>
+              <a:t>Several problems here:</a:t>
+            </a:r>
+          </a:p>
+          <a:p>
+            <a:pPr marL="514350" indent="-514350">
+              <a:buFont typeface="+mj-lt"/>
+              <a:buAutoNum type="arabicPeriod"/>
+            </a:pPr>
             <a:r>
               <a:rPr lang="en-US" sz="2800" dirty="0" smtClean="0">
                 <a:solidFill>
@@ -9138,49 +9539,7 @@
                 <a:latin typeface="Consolas" panose="020B0609020204030204" pitchFamily="49" charset="0"/>
                 <a:cs typeface="Consolas" panose="020B0609020204030204" pitchFamily="49" charset="0"/>
               </a:rPr>
-              <a:t>problems here:</a:t>
-            </a:r>
-          </a:p>
-          <a:p>
-            <a:pPr marL="514350" indent="-514350">
-              <a:buFont typeface="+mj-lt"/>
-              <a:buAutoNum type="arabicPeriod"/>
-            </a:pPr>
-            <a:r>
-              <a:rPr lang="en-US" sz="2800" dirty="0" smtClean="0">
-                <a:solidFill>
-                  <a:schemeClr val="accent3">
-                    <a:lumMod val="75000"/>
-                  </a:schemeClr>
-                </a:solidFill>
-                <a:latin typeface="Consolas" panose="020B0609020204030204" pitchFamily="49" charset="0"/>
-                <a:cs typeface="Consolas" panose="020B0609020204030204" pitchFamily="49" charset="0"/>
-              </a:rPr>
-              <a:t>Which </a:t>
-            </a:r>
-            <a:r>
-              <a:rPr lang="en-US" sz="2800" dirty="0" smtClean="0">
-                <a:solidFill>
-                  <a:schemeClr val="accent3">
-                    <a:lumMod val="75000"/>
-                  </a:schemeClr>
-                </a:solidFill>
-                <a:latin typeface="Consolas" panose="020B0609020204030204" pitchFamily="49" charset="0"/>
-                <a:cs typeface="Consolas" panose="020B0609020204030204" pitchFamily="49" charset="0"/>
-              </a:rPr>
-              <a:t>12 </a:t>
-            </a:r>
-            <a:r>
-              <a:rPr lang="en-US" sz="2800" dirty="0" smtClean="0">
-                <a:solidFill>
-                  <a:schemeClr val="accent3">
-                    <a:lumMod val="75000"/>
-                  </a:schemeClr>
-                </a:solidFill>
-                <a:latin typeface="Consolas" panose="020B0609020204030204" pitchFamily="49" charset="0"/>
-                <a:cs typeface="Consolas" panose="020B0609020204030204" pitchFamily="49" charset="0"/>
-              </a:rPr>
-              <a:t>is for which date field?</a:t>
+              <a:t>Which 12 is for which date field?</a:t>
             </a:r>
           </a:p>
           <a:p>
@@ -9273,65 +9632,8 @@
                 <a:latin typeface="Consolas" panose="020B0609020204030204" pitchFamily="49" charset="0"/>
                 <a:cs typeface="Consolas" panose="020B0609020204030204" pitchFamily="49" charset="0"/>
               </a:rPr>
-              <a:t>Really</a:t>
-            </a:r>
-            <a:r>
-              <a:rPr lang="en-US" sz="2800" dirty="0" smtClean="0">
-                <a:solidFill>
-                  <a:schemeClr val="accent3">
-                    <a:lumMod val="75000"/>
-                  </a:schemeClr>
-                </a:solidFill>
-                <a:latin typeface="Consolas" panose="020B0609020204030204" pitchFamily="49" charset="0"/>
-                <a:cs typeface="Consolas" panose="020B0609020204030204" pitchFamily="49" charset="0"/>
-              </a:rPr>
-              <a:t>, a year called </a:t>
-            </a:r>
-            <a:r>
-              <a:rPr lang="en-US" sz="2800" dirty="0" smtClean="0">
-                <a:solidFill>
-                  <a:schemeClr val="accent3">
-                    <a:lumMod val="75000"/>
-                  </a:schemeClr>
-                </a:solidFill>
-                <a:latin typeface="Consolas" panose="020B0609020204030204" pitchFamily="49" charset="0"/>
-                <a:cs typeface="Consolas" panose="020B0609020204030204" pitchFamily="49" charset="0"/>
-              </a:rPr>
-              <a:t>12? 12 AD? No </a:t>
-            </a:r>
-            <a:r>
-              <a:rPr lang="en-US" sz="2800" dirty="0" smtClean="0">
-                <a:solidFill>
-                  <a:schemeClr val="accent3">
-                    <a:lumMod val="75000"/>
-                  </a:schemeClr>
-                </a:solidFill>
-                <a:latin typeface="Consolas" panose="020B0609020204030204" pitchFamily="49" charset="0"/>
-                <a:cs typeface="Consolas" panose="020B0609020204030204" pitchFamily="49" charset="0"/>
-              </a:rPr>
-              <a:t>- </a:t>
-            </a:r>
-            <a:r>
-              <a:rPr lang="en-US" sz="2800" dirty="0" smtClean="0">
-                <a:solidFill>
-                  <a:schemeClr val="accent3">
-                    <a:lumMod val="75000"/>
-                  </a:schemeClr>
-                </a:solidFill>
-                <a:latin typeface="Consolas" panose="020B0609020204030204" pitchFamily="49" charset="0"/>
-                <a:cs typeface="Consolas" panose="020B0609020204030204" pitchFamily="49" charset="0"/>
-              </a:rPr>
-              <a:t>1913.</a:t>
-            </a:r>
-            <a:endParaRPr lang="en-US" sz="2800" dirty="0" smtClean="0">
-              <a:solidFill>
-                <a:schemeClr val="accent3">
-                  <a:lumMod val="75000"/>
-                </a:schemeClr>
-              </a:solidFill>
-              <a:latin typeface="Consolas" panose="020B0609020204030204" pitchFamily="49" charset="0"/>
-              <a:cs typeface="Consolas" panose="020B0609020204030204" pitchFamily="49" charset="0"/>
-            </a:endParaRPr>
+              <a:t>Really, a year called 12? 12 AD? No - 1913.</a:t>
+            </a:r>
           </a:p>
           <a:p>
             <a:pPr marL="0" indent="0">
@@ -9370,10 +9672,6 @@
               </a:rPr>
               <a:t>);</a:t>
             </a:r>
-            <a:endParaRPr lang="en-US" sz="3500" dirty="0" smtClean="0">
-              <a:latin typeface="Consolas" panose="020B0609020204030204" pitchFamily="49" charset="0"/>
-              <a:cs typeface="Consolas" panose="020B0609020204030204" pitchFamily="49" charset="0"/>
-            </a:endParaRPr>
           </a:p>
           <a:p>
             <a:pPr marL="0" indent="0">
@@ -9440,19 +9738,7 @@
                 <a:latin typeface="Consolas" panose="020B0609020204030204" pitchFamily="49" charset="0"/>
                 <a:cs typeface="Consolas" panose="020B0609020204030204" pitchFamily="49" charset="0"/>
               </a:rPr>
-              <a:t>More </a:t>
-            </a:r>
-            <a:r>
-              <a:rPr lang="en-US" sz="2800" dirty="0" smtClean="0">
-                <a:solidFill>
-                  <a:schemeClr val="accent3">
-                    <a:lumMod val="75000"/>
-                  </a:schemeClr>
-                </a:solidFill>
-                <a:latin typeface="Consolas" panose="020B0609020204030204" pitchFamily="49" charset="0"/>
-                <a:cs typeface="Consolas" panose="020B0609020204030204" pitchFamily="49" charset="0"/>
-              </a:rPr>
-              <a:t>than that, there is a </a:t>
+              <a:t>More than that, there is a </a:t>
             </a:r>
             <a:r>
               <a:rPr lang="en-US" sz="2800" dirty="0" err="1" smtClean="0">
@@ -11137,7 +11423,6 @@
               <a:rPr lang="en-US" sz="3000" dirty="0"/>
               <a:t>have a negative value, if it is created with an end point that occurs before the start point</a:t>
             </a:r>
-            <a:endParaRPr lang="en-US" sz="3000" dirty="0"/>
           </a:p>
         </p:txBody>
       </p:sp>
@@ -11346,10 +11631,270 @@
         </p:nvSpPr>
         <p:spPr/>
         <p:txBody>
-          <a:bodyPr/>
+          <a:bodyPr>
+            <a:normAutofit fontScale="40000" lnSpcReduction="20000"/>
+          </a:bodyPr>
           <a:lstStyle/>
           <a:p>
-            <a:endParaRPr lang="en-US"/>
+            <a:r>
+              <a:rPr lang="en-US" sz="7500" dirty="0"/>
+              <a:t>Gets the current instant using a time-zone </a:t>
+            </a:r>
+          </a:p>
+          <a:p>
+            <a:r>
+              <a:rPr lang="en-US" sz="7500" dirty="0" smtClean="0"/>
+              <a:t>Use instead </a:t>
+            </a:r>
+            <a:r>
+              <a:rPr lang="en-US" sz="7500" dirty="0"/>
+              <a:t>of </a:t>
+            </a:r>
+            <a:r>
+              <a:rPr lang="en-US" sz="7500" dirty="0" err="1">
+                <a:latin typeface="Consolas" panose="020B0609020204030204" pitchFamily="49" charset="0"/>
+                <a:cs typeface="Consolas" panose="020B0609020204030204" pitchFamily="49" charset="0"/>
+              </a:rPr>
+              <a:t>System.currentTimeMillis</a:t>
+            </a:r>
+            <a:r>
+              <a:rPr lang="en-US" sz="7500" dirty="0" smtClean="0">
+                <a:latin typeface="Consolas" panose="020B0609020204030204" pitchFamily="49" charset="0"/>
+                <a:cs typeface="Consolas" panose="020B0609020204030204" pitchFamily="49" charset="0"/>
+              </a:rPr>
+              <a:t>() </a:t>
+            </a:r>
+          </a:p>
+          <a:p>
+            <a:r>
+              <a:rPr lang="en-US" sz="7500" dirty="0" smtClean="0"/>
+              <a:t>Use alternate clock for testing</a:t>
+            </a:r>
+          </a:p>
+          <a:p>
+            <a:pPr marL="0" indent="0">
+              <a:buNone/>
+            </a:pPr>
+            <a:r>
+              <a:rPr lang="en-US" sz="5000" dirty="0" smtClean="0">
+                <a:latin typeface="Consolas" panose="020B0609020204030204" pitchFamily="49" charset="0"/>
+                <a:cs typeface="Consolas" panose="020B0609020204030204" pitchFamily="49" charset="0"/>
+              </a:rPr>
+              <a:t/>
+            </a:r>
+            <a:br>
+              <a:rPr lang="en-US" sz="5000" dirty="0" smtClean="0">
+                <a:latin typeface="Consolas" panose="020B0609020204030204" pitchFamily="49" charset="0"/>
+                <a:cs typeface="Consolas" panose="020B0609020204030204" pitchFamily="49" charset="0"/>
+              </a:rPr>
+            </a:br>
+            <a:r>
+              <a:rPr lang="en-US" sz="5000" dirty="0" smtClean="0">
+                <a:latin typeface="Consolas" panose="020B0609020204030204" pitchFamily="49" charset="0"/>
+                <a:cs typeface="Consolas" panose="020B0609020204030204" pitchFamily="49" charset="0"/>
+              </a:rPr>
+              <a:t>public </a:t>
+            </a:r>
+            <a:r>
+              <a:rPr lang="en-US" sz="5000" dirty="0">
+                <a:latin typeface="Consolas" panose="020B0609020204030204" pitchFamily="49" charset="0"/>
+                <a:cs typeface="Consolas" panose="020B0609020204030204" pitchFamily="49" charset="0"/>
+              </a:rPr>
+              <a:t>class </a:t>
+            </a:r>
+            <a:r>
+              <a:rPr lang="en-US" sz="5000" dirty="0" err="1">
+                <a:latin typeface="Consolas" panose="020B0609020204030204" pitchFamily="49" charset="0"/>
+                <a:cs typeface="Consolas" panose="020B0609020204030204" pitchFamily="49" charset="0"/>
+              </a:rPr>
+              <a:t>MyBean</a:t>
+            </a:r>
+            <a:r>
+              <a:rPr lang="en-US" sz="5000" dirty="0">
+                <a:latin typeface="Consolas" panose="020B0609020204030204" pitchFamily="49" charset="0"/>
+                <a:cs typeface="Consolas" panose="020B0609020204030204" pitchFamily="49" charset="0"/>
+              </a:rPr>
+              <a:t> {</a:t>
+            </a:r>
+          </a:p>
+          <a:p>
+            <a:pPr marL="0" indent="0">
+              <a:buNone/>
+            </a:pPr>
+            <a:r>
+              <a:rPr lang="en-US" sz="5000" dirty="0">
+                <a:latin typeface="Consolas" panose="020B0609020204030204" pitchFamily="49" charset="0"/>
+                <a:cs typeface="Consolas" panose="020B0609020204030204" pitchFamily="49" charset="0"/>
+              </a:rPr>
+              <a:t>  </a:t>
+            </a:r>
+            <a:r>
+              <a:rPr lang="en-US" sz="5000" dirty="0" smtClean="0">
+                <a:latin typeface="Consolas" panose="020B0609020204030204" pitchFamily="49" charset="0"/>
+                <a:cs typeface="Consolas" panose="020B0609020204030204" pitchFamily="49" charset="0"/>
+              </a:rPr>
+              <a:t>@Inject private </a:t>
+            </a:r>
+            <a:r>
+              <a:rPr lang="en-US" sz="5000" dirty="0">
+                <a:latin typeface="Consolas" panose="020B0609020204030204" pitchFamily="49" charset="0"/>
+                <a:cs typeface="Consolas" panose="020B0609020204030204" pitchFamily="49" charset="0"/>
+              </a:rPr>
+              <a:t>Clock </a:t>
+            </a:r>
+            <a:r>
+              <a:rPr lang="en-US" sz="5000" dirty="0" err="1">
+                <a:latin typeface="Consolas" panose="020B0609020204030204" pitchFamily="49" charset="0"/>
+                <a:cs typeface="Consolas" panose="020B0609020204030204" pitchFamily="49" charset="0"/>
+              </a:rPr>
+              <a:t>clock</a:t>
+            </a:r>
+            <a:r>
+              <a:rPr lang="en-US" sz="5000" dirty="0" smtClean="0">
+                <a:latin typeface="Consolas" panose="020B0609020204030204" pitchFamily="49" charset="0"/>
+                <a:cs typeface="Consolas" panose="020B0609020204030204" pitchFamily="49" charset="0"/>
+              </a:rPr>
+              <a:t>;</a:t>
+            </a:r>
+          </a:p>
+          <a:p>
+            <a:pPr marL="0" indent="0">
+              <a:buNone/>
+            </a:pPr>
+            <a:r>
+              <a:rPr lang="en-US" sz="5000" dirty="0" smtClean="0">
+                <a:latin typeface="Consolas" panose="020B0609020204030204" pitchFamily="49" charset="0"/>
+                <a:cs typeface="Consolas" panose="020B0609020204030204" pitchFamily="49" charset="0"/>
+              </a:rPr>
+              <a:t>  public void process(</a:t>
+            </a:r>
+            <a:r>
+              <a:rPr lang="en-US" sz="5000" dirty="0" err="1" smtClean="0">
+                <a:latin typeface="Consolas" panose="020B0609020204030204" pitchFamily="49" charset="0"/>
+                <a:cs typeface="Consolas" panose="020B0609020204030204" pitchFamily="49" charset="0"/>
+              </a:rPr>
+              <a:t>LocalDate</a:t>
+            </a:r>
+            <a:r>
+              <a:rPr lang="en-US" sz="5000" dirty="0" smtClean="0">
+                <a:latin typeface="Consolas" panose="020B0609020204030204" pitchFamily="49" charset="0"/>
+                <a:cs typeface="Consolas" panose="020B0609020204030204" pitchFamily="49" charset="0"/>
+              </a:rPr>
+              <a:t> </a:t>
+            </a:r>
+            <a:r>
+              <a:rPr lang="en-US" sz="5000" dirty="0" err="1" smtClean="0">
+                <a:latin typeface="Consolas" panose="020B0609020204030204" pitchFamily="49" charset="0"/>
+                <a:cs typeface="Consolas" panose="020B0609020204030204" pitchFamily="49" charset="0"/>
+              </a:rPr>
+              <a:t>eventDate</a:t>
+            </a:r>
+            <a:r>
+              <a:rPr lang="en-US" sz="5000" dirty="0" smtClean="0">
+                <a:latin typeface="Consolas" panose="020B0609020204030204" pitchFamily="49" charset="0"/>
+                <a:cs typeface="Consolas" panose="020B0609020204030204" pitchFamily="49" charset="0"/>
+              </a:rPr>
+              <a:t>) {</a:t>
+            </a:r>
+          </a:p>
+          <a:p>
+            <a:pPr marL="0" indent="0">
+              <a:buNone/>
+            </a:pPr>
+            <a:r>
+              <a:rPr lang="en-US" sz="5000" dirty="0" smtClean="0">
+                <a:latin typeface="Consolas" panose="020B0609020204030204" pitchFamily="49" charset="0"/>
+                <a:cs typeface="Consolas" panose="020B0609020204030204" pitchFamily="49" charset="0"/>
+              </a:rPr>
+              <a:t>    </a:t>
+            </a:r>
+            <a:r>
+              <a:rPr lang="en-US" sz="5000" dirty="0">
+                <a:latin typeface="Consolas" panose="020B0609020204030204" pitchFamily="49" charset="0"/>
+                <a:cs typeface="Consolas" panose="020B0609020204030204" pitchFamily="49" charset="0"/>
+              </a:rPr>
+              <a:t>if (</a:t>
+            </a:r>
+            <a:r>
+              <a:rPr lang="en-US" sz="5000" dirty="0" err="1">
+                <a:latin typeface="Consolas" panose="020B0609020204030204" pitchFamily="49" charset="0"/>
+                <a:cs typeface="Consolas" panose="020B0609020204030204" pitchFamily="49" charset="0"/>
+              </a:rPr>
+              <a:t>eventDate.isBefore</a:t>
+            </a:r>
+            <a:r>
+              <a:rPr lang="en-US" sz="5000" dirty="0">
+                <a:latin typeface="Consolas" panose="020B0609020204030204" pitchFamily="49" charset="0"/>
+                <a:cs typeface="Consolas" panose="020B0609020204030204" pitchFamily="49" charset="0"/>
+              </a:rPr>
+              <a:t>(</a:t>
+            </a:r>
+            <a:r>
+              <a:rPr lang="en-US" sz="5000" dirty="0" err="1">
+                <a:latin typeface="Consolas" panose="020B0609020204030204" pitchFamily="49" charset="0"/>
+                <a:cs typeface="Consolas" panose="020B0609020204030204" pitchFamily="49" charset="0"/>
+              </a:rPr>
+              <a:t>LocalDate.now</a:t>
+            </a:r>
+            <a:r>
+              <a:rPr lang="en-US" sz="5000" dirty="0">
+                <a:latin typeface="Consolas" panose="020B0609020204030204" pitchFamily="49" charset="0"/>
+                <a:cs typeface="Consolas" panose="020B0609020204030204" pitchFamily="49" charset="0"/>
+              </a:rPr>
+              <a:t>(clock)) {</a:t>
+            </a:r>
+          </a:p>
+          <a:p>
+            <a:pPr marL="0" indent="0">
+              <a:buNone/>
+            </a:pPr>
+            <a:r>
+              <a:rPr lang="en-US" sz="5000" dirty="0">
+                <a:latin typeface="Consolas" panose="020B0609020204030204" pitchFamily="49" charset="0"/>
+                <a:cs typeface="Consolas" panose="020B0609020204030204" pitchFamily="49" charset="0"/>
+              </a:rPr>
+              <a:t>      ...</a:t>
+            </a:r>
+          </a:p>
+          <a:p>
+            <a:pPr marL="0" indent="0">
+              <a:buNone/>
+            </a:pPr>
+            <a:r>
+              <a:rPr lang="en-US" sz="5000" dirty="0">
+                <a:latin typeface="Consolas" panose="020B0609020204030204" pitchFamily="49" charset="0"/>
+                <a:cs typeface="Consolas" panose="020B0609020204030204" pitchFamily="49" charset="0"/>
+              </a:rPr>
+              <a:t>    }</a:t>
+            </a:r>
+          </a:p>
+          <a:p>
+            <a:pPr marL="0" indent="0">
+              <a:buNone/>
+            </a:pPr>
+            <a:r>
+              <a:rPr lang="en-US" sz="5000" dirty="0">
+                <a:latin typeface="Consolas" panose="020B0609020204030204" pitchFamily="49" charset="0"/>
+                <a:cs typeface="Consolas" panose="020B0609020204030204" pitchFamily="49" charset="0"/>
+              </a:rPr>
+              <a:t>  }</a:t>
+            </a:r>
+          </a:p>
+          <a:p>
+            <a:pPr marL="0" indent="0">
+              <a:buNone/>
+            </a:pPr>
+            <a:r>
+              <a:rPr lang="en-US" sz="5000" dirty="0">
+                <a:latin typeface="Consolas" panose="020B0609020204030204" pitchFamily="49" charset="0"/>
+                <a:cs typeface="Consolas" panose="020B0609020204030204" pitchFamily="49" charset="0"/>
+              </a:rPr>
+              <a:t>}</a:t>
+            </a:r>
+            <a:endParaRPr lang="en-US" sz="5000" dirty="0">
+              <a:latin typeface="Consolas" panose="020B0609020204030204" pitchFamily="49" charset="0"/>
+              <a:cs typeface="Consolas" panose="020B0609020204030204" pitchFamily="49" charset="0"/>
+            </a:endParaRPr>
           </a:p>
         </p:txBody>
       </p:sp>
@@ -12535,11 +13080,7 @@
             </a:r>
             <a:r>
               <a:rPr lang="en-US" sz="2400" dirty="0"/>
-              <a:t> - </a:t>
-            </a:r>
-            <a:r>
-              <a:rPr lang="en-US" sz="2400" dirty="0"/>
-              <a:t>r</a:t>
+              <a:t> - r</a:t>
             </a:r>
             <a:r>
               <a:rPr lang="en-US" sz="2400" dirty="0" smtClean="0"/>

--- a/Java 8 Date and Time API.pptx
+++ b/Java 8 Date and Time API.pptx
@@ -26,23 +26,29 @@
     <p:sldId id="276" r:id="rId20"/>
     <p:sldId id="274" r:id="rId21"/>
     <p:sldId id="275" r:id="rId22"/>
-    <p:sldId id="278" r:id="rId23"/>
-    <p:sldId id="277" r:id="rId24"/>
-    <p:sldId id="282" r:id="rId25"/>
-    <p:sldId id="281" r:id="rId26"/>
-    <p:sldId id="280" r:id="rId27"/>
-    <p:sldId id="285" r:id="rId28"/>
-    <p:sldId id="286" r:id="rId29"/>
-    <p:sldId id="289" r:id="rId30"/>
-    <p:sldId id="288" r:id="rId31"/>
-    <p:sldId id="283" r:id="rId32"/>
-    <p:sldId id="284" r:id="rId33"/>
-    <p:sldId id="287" r:id="rId34"/>
-    <p:sldId id="292" r:id="rId35"/>
-    <p:sldId id="293" r:id="rId36"/>
-    <p:sldId id="290" r:id="rId37"/>
-    <p:sldId id="291" r:id="rId38"/>
-    <p:sldId id="269" r:id="rId39"/>
+    <p:sldId id="294" r:id="rId23"/>
+    <p:sldId id="278" r:id="rId24"/>
+    <p:sldId id="277" r:id="rId25"/>
+    <p:sldId id="282" r:id="rId26"/>
+    <p:sldId id="281" r:id="rId27"/>
+    <p:sldId id="280" r:id="rId28"/>
+    <p:sldId id="285" r:id="rId29"/>
+    <p:sldId id="296" r:id="rId30"/>
+    <p:sldId id="298" r:id="rId31"/>
+    <p:sldId id="286" r:id="rId32"/>
+    <p:sldId id="289" r:id="rId33"/>
+    <p:sldId id="288" r:id="rId34"/>
+    <p:sldId id="283" r:id="rId35"/>
+    <p:sldId id="297" r:id="rId36"/>
+    <p:sldId id="299" r:id="rId37"/>
+    <p:sldId id="284" r:id="rId38"/>
+    <p:sldId id="287" r:id="rId39"/>
+    <p:sldId id="292" r:id="rId40"/>
+    <p:sldId id="293" r:id="rId41"/>
+    <p:sldId id="295" r:id="rId42"/>
+    <p:sldId id="290" r:id="rId43"/>
+    <p:sldId id="291" r:id="rId44"/>
+    <p:sldId id="269" r:id="rId45"/>
   </p:sldIdLst>
   <p:sldSz cx="9144000" cy="6858000" type="screen4x3"/>
   <p:notesSz cx="6858000" cy="9144000"/>
@@ -3177,11 +3183,7 @@
           <a:p>
             <a:r>
               <a:rPr lang="en-US" dirty="0" smtClean="0"/>
-              <a:t>Sualeh </a:t>
-            </a:r>
-            <a:r>
-              <a:rPr lang="en-US" dirty="0" smtClean="0"/>
-              <a:t>Fatehi</a:t>
+              <a:t>Sualeh Fatehi</a:t>
             </a:r>
             <a:endParaRPr lang="en-US" dirty="0"/>
           </a:p>
@@ -3912,31 +3914,7 @@
                 <a:latin typeface="Consolas" panose="020B0609020204030204" pitchFamily="49" charset="0"/>
                 <a:cs typeface="Consolas" panose="020B0609020204030204" pitchFamily="49" charset="0"/>
               </a:rPr>
-              <a:t>More than that, there is a </a:t>
-            </a:r>
-            <a:r>
-              <a:rPr lang="en-US" sz="2800" dirty="0" err="1" smtClean="0">
-                <a:solidFill>
-                  <a:schemeClr val="accent3">
-                    <a:lumMod val="75000"/>
-                  </a:schemeClr>
-                </a:solidFill>
-                <a:latin typeface="Consolas" panose="020B0609020204030204" pitchFamily="49" charset="0"/>
-                <a:cs typeface="Consolas" panose="020B0609020204030204" pitchFamily="49" charset="0"/>
-              </a:rPr>
-              <a:t>timezone</a:t>
-            </a:r>
-            <a:r>
-              <a:rPr lang="en-US" sz="2800" dirty="0" smtClean="0">
-                <a:solidFill>
-                  <a:schemeClr val="accent3">
-                    <a:lumMod val="75000"/>
-                  </a:schemeClr>
-                </a:solidFill>
-                <a:latin typeface="Consolas" panose="020B0609020204030204" pitchFamily="49" charset="0"/>
-                <a:cs typeface="Consolas" panose="020B0609020204030204" pitchFamily="49" charset="0"/>
-              </a:rPr>
-              <a:t> – EST.</a:t>
+              <a:t>More than that, there is a time zone – EST.</a:t>
             </a:r>
             <a:endParaRPr lang="en-US" sz="2800" dirty="0">
               <a:solidFill>
@@ -4892,7 +4870,7 @@
               <a:t>// Transfer to another </a:t>
             </a:r>
             <a:r>
-              <a:rPr lang="en-US" sz="2600" dirty="0" err="1">
+              <a:rPr lang="en-US" sz="2600" dirty="0" smtClean="0">
                 <a:solidFill>
                   <a:schemeClr val="accent3">
                     <a:lumMod val="50000"/>
@@ -4901,7 +4879,7 @@
                 <a:latin typeface="Consolas" panose="020B0609020204030204" pitchFamily="49" charset="0"/>
                 <a:cs typeface="Consolas" panose="020B0609020204030204" pitchFamily="49" charset="0"/>
               </a:rPr>
-              <a:t>timezone</a:t>
+              <a:t>time zone</a:t>
             </a:r>
             <a:endParaRPr lang="en-US" sz="2600" dirty="0">
               <a:solidFill>
@@ -4918,30 +4896,26 @@
               <a:buNone/>
             </a:pPr>
             <a:r>
+              <a:rPr lang="en-US" dirty="0" smtClean="0">
+                <a:latin typeface="Consolas" panose="020B0609020204030204" pitchFamily="49" charset="0"/>
+                <a:cs typeface="Consolas" panose="020B0609020204030204" pitchFamily="49" charset="0"/>
+              </a:rPr>
+              <a:t>time </a:t>
+            </a:r>
+            <a:r>
               <a:rPr lang="en-US" dirty="0" err="1" smtClean="0">
                 <a:latin typeface="Consolas" panose="020B0609020204030204" pitchFamily="49" charset="0"/>
                 <a:cs typeface="Consolas" panose="020B0609020204030204" pitchFamily="49" charset="0"/>
               </a:rPr>
-              <a:t>TimeZone.setDefault</a:t>
+              <a:t>zone.setDefault</a:t>
             </a:r>
             <a:r>
               <a:rPr lang="en-US" dirty="0" smtClean="0">
                 <a:latin typeface="Consolas" panose="020B0609020204030204" pitchFamily="49" charset="0"/>
                 <a:cs typeface="Consolas" panose="020B0609020204030204" pitchFamily="49" charset="0"/>
               </a:rPr>
-              <a:t>(</a:t>
-            </a:r>
-            <a:r>
-              <a:rPr lang="en-US" dirty="0" err="1" smtClean="0">
-                <a:latin typeface="Consolas" panose="020B0609020204030204" pitchFamily="49" charset="0"/>
-                <a:cs typeface="Consolas" panose="020B0609020204030204" pitchFamily="49" charset="0"/>
-              </a:rPr>
-              <a:t>TimeZone</a:t>
-            </a:r>
-            <a:endParaRPr lang="en-US" dirty="0" smtClean="0">
-              <a:latin typeface="Consolas" panose="020B0609020204030204" pitchFamily="49" charset="0"/>
-              <a:cs typeface="Consolas" panose="020B0609020204030204" pitchFamily="49" charset="0"/>
-            </a:endParaRPr>
+              <a:t>(time zone</a:t>
+            </a:r>
           </a:p>
           <a:p>
             <a:pPr marL="0" indent="0">
@@ -4955,18 +4929,25 @@
               <a:t>.</a:t>
             </a:r>
             <a:r>
-              <a:rPr lang="en-US" dirty="0" err="1">
-                <a:latin typeface="Consolas" panose="020B0609020204030204" pitchFamily="49" charset="0"/>
-                <a:cs typeface="Consolas" panose="020B0609020204030204" pitchFamily="49" charset="0"/>
-              </a:rPr>
-              <a:t>getTimeZone</a:t>
+              <a:rPr lang="en-US" dirty="0" err="1" smtClean="0">
+                <a:latin typeface="Consolas" panose="020B0609020204030204" pitchFamily="49" charset="0"/>
+                <a:cs typeface="Consolas" panose="020B0609020204030204" pitchFamily="49" charset="0"/>
+              </a:rPr>
+              <a:t>gettime</a:t>
+            </a:r>
+            <a:r>
+              <a:rPr lang="en-US" dirty="0" smtClean="0">
+                <a:latin typeface="Consolas" panose="020B0609020204030204" pitchFamily="49" charset="0"/>
+                <a:cs typeface="Consolas" panose="020B0609020204030204" pitchFamily="49" charset="0"/>
+              </a:rPr>
+              <a:t> zone("</a:t>
             </a:r>
             <a:r>
               <a:rPr lang="en-US" dirty="0">
                 <a:latin typeface="Consolas" panose="020B0609020204030204" pitchFamily="49" charset="0"/>
                 <a:cs typeface="Consolas" panose="020B0609020204030204" pitchFamily="49" charset="0"/>
               </a:rPr>
-              <a:t>("Asia/Calcutta"));</a:t>
+              <a:t>Asia/Calcutta"));</a:t>
             </a:r>
           </a:p>
           <a:p>
@@ -5113,15 +5094,7 @@
             </a:r>
             <a:r>
               <a:rPr lang="en-US" sz="3000" dirty="0" smtClean="0"/>
-              <a:t> </a:t>
-            </a:r>
-            <a:r>
-              <a:rPr lang="en-US" sz="3000" dirty="0"/>
-              <a:t>Time </a:t>
-            </a:r>
-            <a:r>
-              <a:rPr lang="en-US" sz="3000" dirty="0" smtClean="0"/>
-              <a:t>project in 2002</a:t>
+              <a:t>-Time project in 2002</a:t>
             </a:r>
             <a:endParaRPr lang="en-US" sz="3000" dirty="0"/>
           </a:p>
@@ -5135,8 +5108,12 @@
               <a:t>Joda</a:t>
             </a:r>
             <a:r>
+              <a:rPr lang="en-US" sz="3000" dirty="0"/>
+              <a:t>-</a:t>
+            </a:r>
+            <a:r>
               <a:rPr lang="en-US" sz="3000" dirty="0" smtClean="0"/>
-              <a:t> Time in 2005</a:t>
+              <a:t>Time in 2005</a:t>
             </a:r>
           </a:p>
           <a:p>
@@ -5144,6 +5121,37 @@
               <a:rPr lang="en-US" sz="3000" dirty="0" smtClean="0"/>
               <a:t>Petition for including this in Java, in JSR 310 in 2007</a:t>
             </a:r>
+          </a:p>
+          <a:p>
+            <a:r>
+              <a:rPr lang="en-US" sz="3000" dirty="0"/>
+              <a:t>Release of version </a:t>
+            </a:r>
+            <a:r>
+              <a:rPr lang="en-US" sz="3000" dirty="0" smtClean="0"/>
+              <a:t>2.0 </a:t>
+            </a:r>
+            <a:r>
+              <a:rPr lang="en-US" sz="3000" dirty="0"/>
+              <a:t>of </a:t>
+            </a:r>
+            <a:r>
+              <a:rPr lang="en-US" sz="3000" dirty="0" err="1" smtClean="0"/>
+              <a:t>Joda</a:t>
+            </a:r>
+            <a:r>
+              <a:rPr lang="en-US" sz="3000" dirty="0" smtClean="0"/>
+              <a:t>-Time </a:t>
+            </a:r>
+            <a:r>
+              <a:rPr lang="en-US" sz="3000" dirty="0"/>
+              <a:t>in </a:t>
+            </a:r>
+            <a:r>
+              <a:rPr lang="en-US" sz="3000" dirty="0" smtClean="0"/>
+              <a:t>2011</a:t>
+            </a:r>
+            <a:endParaRPr lang="en-US" sz="3000" dirty="0"/>
           </a:p>
           <a:p>
             <a:r>
@@ -5436,31 +5444,7 @@
                 <a:latin typeface="Consolas" panose="020B0609020204030204" pitchFamily="49" charset="0"/>
                 <a:cs typeface="Consolas" panose="020B0609020204030204" pitchFamily="49" charset="0"/>
               </a:rPr>
-              <a:t>No </a:t>
-            </a:r>
-            <a:r>
-              <a:rPr lang="en-US" sz="2800" dirty="0" err="1" smtClean="0">
-                <a:solidFill>
-                  <a:schemeClr val="accent3">
-                    <a:lumMod val="75000"/>
-                  </a:schemeClr>
-                </a:solidFill>
-                <a:latin typeface="Consolas" panose="020B0609020204030204" pitchFamily="49" charset="0"/>
-                <a:cs typeface="Consolas" panose="020B0609020204030204" pitchFamily="49" charset="0"/>
-              </a:rPr>
-              <a:t>timezone</a:t>
-            </a:r>
-            <a:r>
-              <a:rPr lang="en-US" sz="2800" dirty="0" smtClean="0">
-                <a:solidFill>
-                  <a:schemeClr val="accent3">
-                    <a:lumMod val="75000"/>
-                  </a:schemeClr>
-                </a:solidFill>
-                <a:latin typeface="Consolas" panose="020B0609020204030204" pitchFamily="49" charset="0"/>
-                <a:cs typeface="Consolas" panose="020B0609020204030204" pitchFamily="49" charset="0"/>
-              </a:rPr>
-              <a:t> component.</a:t>
+              <a:t>No time zone component.</a:t>
             </a:r>
             <a:endParaRPr lang="en-US" sz="2800" dirty="0">
               <a:solidFill>
@@ -8869,24 +8853,13 @@
             </a:pPr>
             <a:r>
               <a:rPr lang="en-US" sz="3000" dirty="0" smtClean="0"/>
-              <a:t>Most importantly, the Java 8 date and time API forces you to think carefully about what you are doing.</a:t>
-            </a:r>
-          </a:p>
-          <a:p>
-            <a:pPr marL="0" indent="0">
-              <a:buNone/>
-            </a:pPr>
-            <a:endParaRPr lang="en-US" sz="3000" dirty="0"/>
-          </a:p>
-          <a:p>
-            <a:pPr marL="0" indent="0">
-              <a:buNone/>
-            </a:pPr>
-            <a:r>
-              <a:rPr lang="en-US" sz="3000" dirty="0" smtClean="0"/>
-              <a:t>It enforces concepts.</a:t>
-            </a:r>
-            <a:endParaRPr lang="en-US" sz="3000" dirty="0"/>
+              <a:t>Most importantly, the Java 8 date and time API forces you to think carefully about what you are </a:t>
+            </a:r>
+            <a:r>
+              <a:rPr lang="en-US" sz="3000" smtClean="0"/>
+              <a:t>doing.</a:t>
+            </a:r>
+            <a:endParaRPr lang="en-US" sz="3000" dirty="0" smtClean="0"/>
           </a:p>
         </p:txBody>
       </p:sp>
@@ -8972,17 +8945,44 @@
             </a:r>
             <a:r>
               <a:rPr lang="en-US" sz="3000" dirty="0"/>
-              <a:t>point from which time is measured</a:t>
-            </a:r>
-          </a:p>
-          <a:p>
+              <a:t>point from which time is </a:t>
+            </a:r>
             <a:r>
               <a:rPr lang="en-US" sz="3000" dirty="0" smtClean="0"/>
-              <a:t>Instant </a:t>
+              <a:t>measured</a:t>
+            </a:r>
+          </a:p>
+          <a:p>
+            <a:r>
+              <a:rPr lang="en-US" sz="3000" dirty="0" smtClean="0"/>
+              <a:t>Epoch is an instant in time </a:t>
+            </a:r>
+          </a:p>
+          <a:p>
+            <a:r>
+              <a:rPr lang="en-US" sz="2800" dirty="0" smtClean="0"/>
+              <a:t>Could be based on </a:t>
+            </a:r>
+            <a:r>
+              <a:rPr lang="en-US" sz="2800" dirty="0"/>
+              <a:t>religious or political milestones</a:t>
+            </a:r>
+          </a:p>
+          <a:p>
+            <a:r>
+              <a:rPr lang="en-US" sz="3000" dirty="0" smtClean="0"/>
+              <a:t>Divide the timeline into eras</a:t>
+            </a:r>
+            <a:endParaRPr lang="en-US" sz="3000" dirty="0"/>
+          </a:p>
+          <a:p>
+            <a:r>
+              <a:rPr lang="en-US" sz="3000" dirty="0" smtClean="0"/>
+              <a:t>An epoch is chosen </a:t>
             </a:r>
             <a:r>
               <a:rPr lang="en-US" sz="3000" dirty="0"/>
-              <a:t>in time chosen as the origin of a particular </a:t>
+              <a:t>as the origin of a particular </a:t>
             </a:r>
             <a:r>
               <a:rPr lang="en-US" sz="3000" dirty="0" smtClean="0"/>
@@ -9738,31 +9738,7 @@
                 <a:latin typeface="Consolas" panose="020B0609020204030204" pitchFamily="49" charset="0"/>
                 <a:cs typeface="Consolas" panose="020B0609020204030204" pitchFamily="49" charset="0"/>
               </a:rPr>
-              <a:t>More than that, there is a </a:t>
-            </a:r>
-            <a:r>
-              <a:rPr lang="en-US" sz="2800" dirty="0" err="1" smtClean="0">
-                <a:solidFill>
-                  <a:schemeClr val="accent3">
-                    <a:lumMod val="75000"/>
-                  </a:schemeClr>
-                </a:solidFill>
-                <a:latin typeface="Consolas" panose="020B0609020204030204" pitchFamily="49" charset="0"/>
-                <a:cs typeface="Consolas" panose="020B0609020204030204" pitchFamily="49" charset="0"/>
-              </a:rPr>
-              <a:t>timezone</a:t>
-            </a:r>
-            <a:r>
-              <a:rPr lang="en-US" sz="2800" dirty="0" smtClean="0">
-                <a:solidFill>
-                  <a:schemeClr val="accent3">
-                    <a:lumMod val="75000"/>
-                  </a:schemeClr>
-                </a:solidFill>
-                <a:latin typeface="Consolas" panose="020B0609020204030204" pitchFamily="49" charset="0"/>
-                <a:cs typeface="Consolas" panose="020B0609020204030204" pitchFamily="49" charset="0"/>
-              </a:rPr>
-              <a:t> – EST.</a:t>
+              <a:t>More than that, there is a time zone – EST.</a:t>
             </a:r>
             <a:endParaRPr lang="en-US" sz="2800" dirty="0">
               <a:solidFill>
@@ -10802,12 +10778,18 @@
         </p:nvSpPr>
         <p:spPr/>
         <p:txBody>
-          <a:bodyPr/>
+          <a:bodyPr>
+            <a:normAutofit/>
+          </a:bodyPr>
           <a:lstStyle/>
           <a:p>
             <a:r>
+              <a:rPr lang="en-US" dirty="0"/>
+              <a:t>Machine </a:t>
+            </a:r>
+            <a:r>
               <a:rPr lang="en-US" dirty="0" smtClean="0"/>
-              <a:t>Design Principles of the API</a:t>
+              <a:t>and Human Timelines</a:t>
             </a:r>
             <a:endParaRPr lang="en-US" dirty="0"/>
           </a:p>
@@ -10826,92 +10808,127 @@
         <p:spPr/>
         <p:txBody>
           <a:bodyPr>
-            <a:noAutofit/>
+            <a:normAutofit lnSpcReduction="10000"/>
           </a:bodyPr>
           <a:lstStyle/>
           <a:p>
             <a:r>
-              <a:rPr lang="en-US" sz="3000" dirty="0"/>
-              <a:t>Distinguishes between machine and human views of a timeline</a:t>
-            </a:r>
-          </a:p>
-          <a:p>
-            <a:r>
-              <a:rPr lang="en-US" sz="3000" dirty="0"/>
-              <a:t>Timeline is </a:t>
-            </a:r>
-            <a:r>
-              <a:rPr lang="en-US" sz="3000" dirty="0" smtClean="0"/>
-              <a:t>a sequence </a:t>
-            </a:r>
-            <a:r>
-              <a:rPr lang="en-US" sz="3000" dirty="0"/>
-              <a:t>of instants</a:t>
-            </a:r>
-          </a:p>
-          <a:p>
-            <a:r>
-              <a:rPr lang="en-US" sz="3000" dirty="0"/>
-              <a:t>Immutable and thread </a:t>
-            </a:r>
-            <a:r>
-              <a:rPr lang="en-US" sz="3000" dirty="0" smtClean="0"/>
-              <a:t>safe</a:t>
-            </a:r>
-            <a:endParaRPr lang="en-US" sz="3000" dirty="0"/>
-          </a:p>
-          <a:p>
-            <a:r>
-              <a:rPr lang="en-US" sz="3000" dirty="0"/>
-              <a:t>Fluent interface, methods can be </a:t>
-            </a:r>
-            <a:r>
-              <a:rPr lang="en-US" sz="3000" dirty="0" smtClean="0"/>
-              <a:t>chained</a:t>
-            </a:r>
-            <a:endParaRPr lang="en-US" sz="3000" dirty="0"/>
-          </a:p>
-          <a:p>
-            <a:r>
-              <a:rPr lang="en-US" sz="3000" dirty="0" smtClean="0"/>
-              <a:t>Well-defined </a:t>
-            </a:r>
-            <a:r>
-              <a:rPr lang="en-US" sz="3000" dirty="0"/>
-              <a:t>and clear about </a:t>
-            </a:r>
-            <a:r>
-              <a:rPr lang="en-US" sz="3000" dirty="0" smtClean="0"/>
-              <a:t>purpose</a:t>
-            </a:r>
-            <a:endParaRPr lang="en-US" sz="3000" dirty="0"/>
-          </a:p>
-          <a:p>
-            <a:r>
-              <a:rPr lang="en-US" sz="3000" dirty="0"/>
-              <a:t>Rejects null </a:t>
-            </a:r>
-            <a:r>
-              <a:rPr lang="en-US" sz="3000" dirty="0" smtClean="0"/>
-              <a:t>and bad arguments </a:t>
-            </a:r>
-            <a:r>
-              <a:rPr lang="en-US" sz="3000" dirty="0"/>
-              <a:t>early</a:t>
-            </a:r>
-          </a:p>
-          <a:p>
-            <a:r>
-              <a:rPr lang="en-US" sz="3000" dirty="0"/>
-              <a:t>Extensible, by use of the strategy design pattern</a:t>
-            </a:r>
+              <a:rPr lang="en-US" dirty="0" smtClean="0"/>
+              <a:t>Machines </a:t>
+            </a:r>
+            <a:r>
+              <a:rPr lang="en-US" dirty="0"/>
+              <a:t>have </a:t>
+            </a:r>
+            <a:r>
+              <a:rPr lang="en-US" b="1" dirty="0"/>
+              <a:t>one</a:t>
+            </a:r>
+            <a:r>
+              <a:rPr lang="en-US" dirty="0"/>
+              <a:t> </a:t>
+            </a:r>
+            <a:r>
+              <a:rPr lang="en-US" dirty="0" smtClean="0"/>
+              <a:t>view of time</a:t>
+            </a:r>
+          </a:p>
+          <a:p>
+            <a:pPr lvl="1"/>
+            <a:r>
+              <a:rPr lang="en-US" dirty="0"/>
+              <a:t>d</a:t>
+            </a:r>
+            <a:r>
+              <a:rPr lang="en-US" dirty="0" smtClean="0"/>
+              <a:t>iscrete points corresponding to the smallest measurement possible</a:t>
+            </a:r>
+            <a:endParaRPr lang="en-US" dirty="0"/>
+          </a:p>
+          <a:p>
+            <a:pPr lvl="1"/>
+            <a:r>
+              <a:rPr lang="en-US" dirty="0" smtClean="0"/>
+              <a:t>a </a:t>
+            </a:r>
+            <a:r>
+              <a:rPr lang="en-US" dirty="0"/>
+              <a:t>single, </a:t>
+            </a:r>
+            <a:r>
+              <a:rPr lang="en-US" dirty="0" smtClean="0"/>
+              <a:t>ever increasing </a:t>
+            </a:r>
+            <a:r>
+              <a:rPr lang="en-US" dirty="0"/>
+              <a:t>number</a:t>
+            </a:r>
+          </a:p>
+          <a:p>
+            <a:r>
+              <a:rPr lang="en-US" dirty="0"/>
+              <a:t>Humans have a totally different view of time</a:t>
+            </a:r>
+          </a:p>
+          <a:p>
+            <a:pPr lvl="1"/>
+            <a:r>
+              <a:rPr lang="en-US" dirty="0"/>
+              <a:t>c</a:t>
+            </a:r>
+            <a:r>
+              <a:rPr lang="en-US" dirty="0" smtClean="0"/>
+              <a:t>ontinuous timelines</a:t>
+            </a:r>
+          </a:p>
+          <a:p>
+            <a:pPr lvl="1"/>
+            <a:r>
+              <a:rPr lang="en-US" dirty="0"/>
+              <a:t>c</a:t>
+            </a:r>
+            <a:r>
+              <a:rPr lang="en-US" dirty="0" smtClean="0"/>
+              <a:t>alendar </a:t>
+            </a:r>
+            <a:r>
+              <a:rPr lang="en-US" dirty="0"/>
+              <a:t>systems</a:t>
+            </a:r>
+          </a:p>
+          <a:p>
+            <a:pPr lvl="1"/>
+            <a:r>
+              <a:rPr lang="en-US" dirty="0"/>
+              <a:t>a</a:t>
+            </a:r>
+            <a:r>
+              <a:rPr lang="en-US" dirty="0" smtClean="0"/>
+              <a:t>rbitrary units such as years</a:t>
+            </a:r>
+            <a:r>
+              <a:rPr lang="en-US" dirty="0"/>
+              <a:t>, months, days, </a:t>
+            </a:r>
+            <a:r>
+              <a:rPr lang="en-US" dirty="0" smtClean="0"/>
+              <a:t>hours</a:t>
+            </a:r>
+          </a:p>
+          <a:p>
+            <a:pPr lvl="1"/>
+            <a:r>
+              <a:rPr lang="en-US" dirty="0" smtClean="0"/>
+              <a:t>time zones</a:t>
+            </a:r>
+            <a:endParaRPr lang="en-US" dirty="0"/>
           </a:p>
         </p:txBody>
       </p:sp>
     </p:spTree>
     <p:extLst>
       <p:ext uri="{BB962C8B-B14F-4D97-AF65-F5344CB8AC3E}">
-        <p14:creationId xmlns:p14="http://schemas.microsoft.com/office/powerpoint/2010/main" val="1338596923"/>
+        <p14:creationId xmlns:p14="http://schemas.microsoft.com/office/powerpoint/2010/main" val="1418419703"/>
       </p:ext>
     </p:extLst>
   </p:cSld>
@@ -10962,7 +10979,7 @@
           <a:p>
             <a:r>
               <a:rPr lang="en-US" dirty="0" smtClean="0"/>
-              <a:t>Instant</a:t>
+              <a:t>Design Principles of the API</a:t>
             </a:r>
             <a:endParaRPr lang="en-US" dirty="0"/>
           </a:p>
@@ -10981,110 +10998,92 @@
         <p:spPr/>
         <p:txBody>
           <a:bodyPr>
-            <a:normAutofit/>
+            <a:noAutofit/>
           </a:bodyPr>
           <a:lstStyle/>
           <a:p>
             <a:r>
               <a:rPr lang="en-US" sz="3000" dirty="0"/>
-              <a:t>An instantaneous point on </a:t>
+              <a:t>Distinguishes between machine and human views of a timeline</a:t>
+            </a:r>
+          </a:p>
+          <a:p>
+            <a:r>
+              <a:rPr lang="en-US" sz="3000" dirty="0"/>
+              <a:t>Timeline is </a:t>
             </a:r>
             <a:r>
               <a:rPr lang="en-US" sz="3000" dirty="0" smtClean="0"/>
-              <a:t>a discretized time-line</a:t>
-            </a:r>
-          </a:p>
-          <a:p>
+              <a:t>a sequence </a:t>
+            </a:r>
+            <a:r>
+              <a:rPr lang="en-US" sz="3000" dirty="0"/>
+              <a:t>of instants</a:t>
+            </a:r>
+          </a:p>
+          <a:p>
+            <a:r>
+              <a:rPr lang="en-US" sz="3000" dirty="0"/>
+              <a:t>Immutable and thread </a:t>
+            </a:r>
             <a:r>
               <a:rPr lang="en-US" sz="3000" dirty="0" smtClean="0"/>
-              <a:t>Used </a:t>
-            </a:r>
+              <a:t>safe</a:t>
+            </a:r>
+            <a:endParaRPr lang="en-US" sz="3000" dirty="0"/>
+          </a:p>
+          <a:p>
             <a:r>
               <a:rPr lang="en-US" sz="3000" dirty="0"/>
-              <a:t>to record event time-stamps in </a:t>
+              <a:t>Fluent interface, methods can be </a:t>
             </a:r>
             <a:r>
               <a:rPr lang="en-US" sz="3000" dirty="0" smtClean="0"/>
-              <a:t>applications</a:t>
-            </a:r>
+              <a:t>chained</a:t>
+            </a:r>
+            <a:endParaRPr lang="en-US" sz="3000" dirty="0"/>
           </a:p>
           <a:p>
             <a:r>
               <a:rPr lang="en-US" sz="3000" dirty="0" smtClean="0"/>
-              <a:t>Stored </a:t>
+              <a:t>Well-defined </a:t>
             </a:r>
             <a:r>
               <a:rPr lang="en-US" sz="3000" dirty="0"/>
-              <a:t>to nanosecond </a:t>
+              <a:t>and clear about </a:t>
             </a:r>
             <a:r>
               <a:rPr lang="en-US" sz="3000" dirty="0" smtClean="0"/>
-              <a:t>resolution</a:t>
-            </a:r>
-          </a:p>
-          <a:p>
+              <a:t>purpose</a:t>
+            </a:r>
+            <a:endParaRPr lang="en-US" sz="3000" dirty="0"/>
+          </a:p>
+          <a:p>
+            <a:r>
+              <a:rPr lang="en-US" sz="3000" dirty="0"/>
+              <a:t>Rejects null </a:t>
+            </a:r>
             <a:r>
               <a:rPr lang="en-US" sz="3000" dirty="0" smtClean="0"/>
-              <a:t>Stores </a:t>
+              <a:t>and bad arguments </a:t>
             </a:r>
             <a:r>
               <a:rPr lang="en-US" sz="3000" dirty="0"/>
-              <a:t>a </a:t>
-            </a:r>
-            <a:r>
-              <a:rPr lang="en-US" sz="3000" dirty="0">
-                <a:cs typeface="Consolas" panose="020B0609020204030204" pitchFamily="49" charset="0"/>
-              </a:rPr>
-              <a:t>long</a:t>
-            </a:r>
+              <a:t>early</a:t>
+            </a:r>
+          </a:p>
+          <a:p>
             <a:r>
               <a:rPr lang="en-US" sz="3000" dirty="0"/>
-              <a:t> </a:t>
-            </a:r>
-            <a:r>
-              <a:rPr lang="en-US" sz="3000" dirty="0" smtClean="0"/>
-              <a:t>for epoch-seconds </a:t>
-            </a:r>
-            <a:r>
-              <a:rPr lang="en-US" sz="3000" dirty="0"/>
-              <a:t>and an </a:t>
-            </a:r>
-            <a:r>
-              <a:rPr lang="en-US" sz="3000" dirty="0" err="1">
-                <a:cs typeface="Consolas" panose="020B0609020204030204" pitchFamily="49" charset="0"/>
-              </a:rPr>
-              <a:t>int</a:t>
-            </a:r>
-            <a:r>
-              <a:rPr lang="en-US" sz="3000" dirty="0"/>
-              <a:t> </a:t>
-            </a:r>
-            <a:r>
-              <a:rPr lang="en-US" sz="3000" dirty="0" smtClean="0"/>
-              <a:t>for nanosecond-of-second</a:t>
-            </a:r>
-          </a:p>
-          <a:p>
-            <a:r>
-              <a:rPr lang="en-US" sz="3000" dirty="0" smtClean="0"/>
-              <a:t>Uses standard Java epoch, so </a:t>
-            </a:r>
-            <a:r>
-              <a:rPr lang="en-US" sz="3000" dirty="0"/>
-              <a:t>epoch-seconds </a:t>
-            </a:r>
-            <a:r>
-              <a:rPr lang="en-US" sz="3000" dirty="0" smtClean="0"/>
-              <a:t>can be negative</a:t>
-            </a:r>
-            <a:endParaRPr lang="en-US" sz="3000" dirty="0"/>
+              <a:t>Extensible, by use of the strategy design pattern</a:t>
+            </a:r>
           </a:p>
         </p:txBody>
       </p:sp>
     </p:spTree>
     <p:extLst>
       <p:ext uri="{BB962C8B-B14F-4D97-AF65-F5344CB8AC3E}">
-        <p14:creationId xmlns:p14="http://schemas.microsoft.com/office/powerpoint/2010/main" val="539299214"/>
+        <p14:creationId xmlns:p14="http://schemas.microsoft.com/office/powerpoint/2010/main" val="1338596923"/>
       </p:ext>
     </p:extLst>
   </p:cSld>
@@ -11135,7 +11134,7 @@
           <a:p>
             <a:r>
               <a:rPr lang="en-US" dirty="0" smtClean="0"/>
-              <a:t>Partial</a:t>
+              <a:t>Instant</a:t>
             </a:r>
             <a:endParaRPr lang="en-US" dirty="0"/>
           </a:p>
@@ -11154,158 +11153,119 @@
         <p:spPr/>
         <p:txBody>
           <a:bodyPr>
-            <a:normAutofit/>
+            <a:normAutofit lnSpcReduction="10000"/>
           </a:bodyPr>
           <a:lstStyle/>
           <a:p>
             <a:r>
+              <a:rPr lang="en-US" sz="3000" dirty="0"/>
+              <a:t>An instantaneous point on </a:t>
+            </a:r>
+            <a:r>
               <a:rPr lang="en-US" sz="3000" dirty="0" smtClean="0"/>
-              <a:t>An </a:t>
+              <a:t>a discretized time-line</a:t>
+            </a:r>
+          </a:p>
+          <a:p>
+            <a:r>
+              <a:rPr lang="en-US" sz="3000" dirty="0" smtClean="0"/>
+              <a:t>Used </a:t>
             </a:r>
             <a:r>
               <a:rPr lang="en-US" sz="3000" dirty="0"/>
-              <a:t>indication of date or time </a:t>
+              <a:t>to record event time-stamps in </a:t>
             </a:r>
             <a:r>
               <a:rPr lang="en-US" sz="3000" dirty="0" smtClean="0"/>
-              <a:t>not sufficient </a:t>
+              <a:t>applications</a:t>
+            </a:r>
+          </a:p>
+          <a:p>
+            <a:r>
+              <a:rPr lang="en-US" sz="3000" dirty="0" smtClean="0"/>
+              <a:t>Stored </a:t>
             </a:r>
             <a:r>
               <a:rPr lang="en-US" sz="3000" dirty="0"/>
-              <a:t>to specify a specific, unique point on the </a:t>
+              <a:t>to nanosecond </a:t>
             </a:r>
             <a:r>
               <a:rPr lang="en-US" sz="3000" dirty="0" smtClean="0"/>
-              <a:t>timeline</a:t>
+              <a:t>resolution</a:t>
             </a:r>
           </a:p>
           <a:p>
             <a:r>
               <a:rPr lang="en-US" sz="3000" dirty="0" smtClean="0"/>
-              <a:t>Definition </a:t>
+              <a:t>Stores </a:t>
             </a:r>
             <a:r>
               <a:rPr lang="en-US" sz="3000" dirty="0"/>
-              <a:t>is </a:t>
+              <a:t>a </a:t>
+            </a:r>
+            <a:r>
+              <a:rPr lang="en-US" sz="3000" dirty="0">
+                <a:cs typeface="Consolas" panose="020B0609020204030204" pitchFamily="49" charset="0"/>
+              </a:rPr>
+              <a:t>long</a:t>
+            </a:r>
+            <a:r>
+              <a:rPr lang="en-US" sz="3000" dirty="0"/>
+              <a:t> </a:t>
             </a:r>
             <a:r>
               <a:rPr lang="en-US" sz="3000" dirty="0" smtClean="0"/>
-              <a:t>field-based</a:t>
+              <a:t>for epoch-seconds </a:t>
             </a:r>
             <a:r>
               <a:rPr lang="en-US" sz="3000" dirty="0"/>
-              <a:t>, using </a:t>
+              <a:t>and an </a:t>
+            </a:r>
+            <a:r>
+              <a:rPr lang="en-US" sz="3000" dirty="0" err="1">
+                <a:cs typeface="Consolas" panose="020B0609020204030204" pitchFamily="49" charset="0"/>
+              </a:rPr>
+              <a:t>int</a:t>
+            </a:r>
+            <a:r>
+              <a:rPr lang="en-US" sz="3000" dirty="0"/>
+              <a:t> </a:t>
             </a:r>
             <a:r>
               <a:rPr lang="en-US" sz="3000" dirty="0" smtClean="0"/>
-              <a:t>fields such </a:t>
+              <a:t>for nanosecond-of-second</a:t>
+            </a:r>
+          </a:p>
+          <a:p>
+            <a:r>
+              <a:rPr lang="en-US" sz="3000" dirty="0" smtClean="0"/>
+              <a:t>Uses standard Java epoch, so </a:t>
             </a:r>
             <a:r>
               <a:rPr lang="en-US" sz="3000" dirty="0"/>
-              <a:t>as year, month, day of month, and time of </a:t>
+              <a:t>epoch-seconds </a:t>
             </a:r>
             <a:r>
               <a:rPr lang="en-US" sz="3000" dirty="0" smtClean="0"/>
-              <a:t>day</a:t>
-            </a:r>
-          </a:p>
-          <a:p>
+              <a:t>can be negative</a:t>
+            </a:r>
+          </a:p>
+          <a:p>
+            <a:r>
+              <a:rPr lang="en-US" sz="3000" dirty="0" smtClean="0"/>
+              <a:t>Can </a:t>
+            </a:r>
             <a:r>
               <a:rPr lang="en-US" sz="3000" dirty="0"/>
-              <a:t>C</a:t>
-            </a:r>
-            <a:r>
-              <a:rPr lang="en-US" sz="3000" dirty="0" smtClean="0"/>
-              <a:t>lasses available for </a:t>
-            </a:r>
-            <a:r>
-              <a:rPr lang="en-US" sz="3000" dirty="0"/>
-              <a:t>commonly used partials, </a:t>
-            </a:r>
-            <a:r>
-              <a:rPr lang="en-US" sz="3000" dirty="0" smtClean="0"/>
-              <a:t>such as</a:t>
-            </a:r>
-            <a:r>
-              <a:rPr lang="en-US" sz="3000" dirty="0"/>
-              <a:t> </a:t>
-            </a:r>
-            <a:r>
-              <a:rPr lang="en-US" sz="3000" dirty="0" err="1" smtClean="0"/>
-              <a:t>MonthDay</a:t>
-            </a:r>
-            <a:r>
-              <a:rPr lang="en-US" sz="3000" dirty="0" smtClean="0"/>
-              <a:t>, </a:t>
-            </a:r>
-            <a:r>
-              <a:rPr lang="en-US" sz="3000" dirty="0" err="1" smtClean="0"/>
-              <a:t>YearMonth</a:t>
-            </a:r>
-            <a:r>
-              <a:rPr lang="en-US" sz="3000" dirty="0"/>
-              <a:t> </a:t>
-            </a:r>
-            <a:r>
-              <a:rPr lang="en-US" sz="3000" dirty="0" smtClean="0"/>
-              <a:t>(card expiration?), </a:t>
-            </a:r>
-            <a:r>
-              <a:rPr lang="en-US" sz="3000" dirty="0" err="1" smtClean="0"/>
-              <a:t>LocalDate</a:t>
-            </a:r>
-            <a:r>
-              <a:rPr lang="en-US" sz="3000" dirty="0"/>
-              <a:t> </a:t>
-            </a:r>
-            <a:r>
-              <a:rPr lang="en-US" sz="3000" dirty="0" smtClean="0"/>
-              <a:t>(date </a:t>
-            </a:r>
-            <a:r>
-              <a:rPr lang="en-US" sz="3000" dirty="0"/>
-              <a:t>with no time or time zone), </a:t>
-            </a:r>
-            <a:r>
-              <a:rPr lang="en-US" sz="3000" dirty="0" smtClean="0"/>
-              <a:t>and </a:t>
-            </a:r>
-            <a:r>
-              <a:rPr lang="en-US" sz="3000" dirty="0" err="1" smtClean="0"/>
-              <a:t>LocalTime</a:t>
-            </a:r>
-            <a:r>
-              <a:rPr lang="en-US" sz="3000" dirty="0"/>
-              <a:t> </a:t>
-            </a:r>
-            <a:r>
-              <a:rPr lang="en-US" sz="3000" dirty="0" smtClean="0"/>
-              <a:t>(time </a:t>
-            </a:r>
-            <a:r>
-              <a:rPr lang="en-US" sz="3000" dirty="0"/>
-              <a:t>with </a:t>
-            </a:r>
-            <a:r>
-              <a:rPr lang="en-US" sz="3000" dirty="0" smtClean="0"/>
-              <a:t>no date and no </a:t>
-            </a:r>
-            <a:r>
-              <a:rPr lang="en-US" sz="3000" dirty="0"/>
-              <a:t>time zone</a:t>
-            </a:r>
-            <a:r>
-              <a:rPr lang="en-US" sz="3000" dirty="0" smtClean="0"/>
-              <a:t>)</a:t>
-            </a:r>
-            <a:endParaRPr lang="en-US" sz="3000" dirty="0"/>
+              <a:t>be converted to any date time field using a Chronology</a:t>
+            </a:r>
           </a:p>
         </p:txBody>
       </p:sp>
     </p:spTree>
     <p:extLst>
       <p:ext uri="{BB962C8B-B14F-4D97-AF65-F5344CB8AC3E}">
-        <p14:creationId xmlns:p14="http://schemas.microsoft.com/office/powerpoint/2010/main" val="436468171"/>
+        <p14:creationId xmlns:p14="http://schemas.microsoft.com/office/powerpoint/2010/main" val="539299214"/>
       </p:ext>
     </p:extLst>
   </p:cSld>
@@ -11356,7 +11316,7 @@
           <a:p>
             <a:r>
               <a:rPr lang="en-US" dirty="0" smtClean="0"/>
-              <a:t>Duration</a:t>
+              <a:t>Partial</a:t>
             </a:r>
             <a:endParaRPr lang="en-US" dirty="0"/>
           </a:p>
@@ -11381,33 +11341,53 @@
           <a:p>
             <a:r>
               <a:rPr lang="en-US" sz="3000" dirty="0" smtClean="0"/>
-              <a:t>A </a:t>
+              <a:t>An </a:t>
             </a:r>
             <a:r>
               <a:rPr lang="en-US" sz="3000" dirty="0"/>
-              <a:t>precise length of elapsed time, in </a:t>
+              <a:t>indication of date or time </a:t>
             </a:r>
             <a:r>
               <a:rPr lang="en-US" sz="3000" dirty="0" smtClean="0"/>
-              <a:t>nanoseconds</a:t>
-            </a:r>
-          </a:p>
-          <a:p>
+              <a:t>not sufficient </a:t>
+            </a:r>
             <a:r>
               <a:rPr lang="en-US" sz="3000" dirty="0"/>
-              <a:t>D</a:t>
+              <a:t>to specify a specific, unique point on the </a:t>
             </a:r>
             <a:r>
               <a:rPr lang="en-US" sz="3000" dirty="0" smtClean="0"/>
-              <a:t>oes </a:t>
+              <a:t>timeline</a:t>
+            </a:r>
+          </a:p>
+          <a:p>
+            <a:r>
+              <a:rPr lang="en-US" sz="3000" dirty="0" smtClean="0"/>
+              <a:t>Definition </a:t>
             </a:r>
             <a:r>
               <a:rPr lang="en-US" sz="3000" dirty="0"/>
-              <a:t>not use date-based constructs such as years, months, and </a:t>
+              <a:t>is </a:t>
             </a:r>
             <a:r>
               <a:rPr lang="en-US" sz="3000" dirty="0" smtClean="0"/>
-              <a:t>days</a:t>
+              <a:t>field-based</a:t>
+            </a:r>
+            <a:r>
+              <a:rPr lang="en-US" sz="3000" dirty="0"/>
+              <a:t>, using </a:t>
+            </a:r>
+            <a:r>
+              <a:rPr lang="en-US" sz="3000" dirty="0" smtClean="0"/>
+              <a:t>fields such </a:t>
+            </a:r>
+            <a:r>
+              <a:rPr lang="en-US" sz="3000" dirty="0"/>
+              <a:t>as year, month, day of month, and time of </a:t>
+            </a:r>
+            <a:r>
+              <a:rPr lang="en-US" sz="3000" dirty="0" smtClean="0"/>
+              <a:t>day</a:t>
             </a:r>
           </a:p>
           <a:p>
@@ -11417,19 +11397,96 @@
             </a:r>
             <a:r>
               <a:rPr lang="en-US" sz="3000" dirty="0" smtClean="0"/>
-              <a:t>an </a:t>
+              <a:t>lasses available for </a:t>
             </a:r>
             <a:r>
               <a:rPr lang="en-US" sz="3000" dirty="0"/>
-              <a:t>have a negative value, if it is created with an end point that occurs before the start point</a:t>
-            </a:r>
+              <a:t>commonly used partials, </a:t>
+            </a:r>
+            <a:r>
+              <a:rPr lang="en-US" sz="3000" dirty="0" smtClean="0"/>
+              <a:t>such as</a:t>
+            </a:r>
+            <a:r>
+              <a:rPr lang="en-US" sz="3000" dirty="0"/>
+              <a:t> </a:t>
+            </a:r>
+            <a:r>
+              <a:rPr lang="en-US" sz="3000" dirty="0" err="1" smtClean="0"/>
+              <a:t>MonthDay</a:t>
+            </a:r>
+            <a:r>
+              <a:rPr lang="en-US" sz="3000" dirty="0" smtClean="0"/>
+              <a:t>, </a:t>
+            </a:r>
+            <a:r>
+              <a:rPr lang="en-US" sz="3000" dirty="0" err="1" smtClean="0"/>
+              <a:t>YearMonth</a:t>
+            </a:r>
+            <a:r>
+              <a:rPr lang="en-US" sz="3000" dirty="0"/>
+              <a:t> </a:t>
+            </a:r>
+            <a:r>
+              <a:rPr lang="en-US" sz="3000" dirty="0" smtClean="0"/>
+              <a:t>(card expiration?), </a:t>
+            </a:r>
+            <a:r>
+              <a:rPr lang="en-US" sz="3000" dirty="0" err="1" smtClean="0"/>
+              <a:t>LocalDate</a:t>
+            </a:r>
+            <a:r>
+              <a:rPr lang="en-US" sz="3000" dirty="0"/>
+              <a:t> </a:t>
+            </a:r>
+            <a:r>
+              <a:rPr lang="en-US" sz="3000" dirty="0" smtClean="0"/>
+              <a:t>(date </a:t>
+            </a:r>
+            <a:r>
+              <a:rPr lang="en-US" sz="3000" dirty="0"/>
+              <a:t>with no time or time zone), </a:t>
+            </a:r>
+            <a:r>
+              <a:rPr lang="en-US" sz="3000" dirty="0" smtClean="0"/>
+              <a:t>and </a:t>
+            </a:r>
+            <a:r>
+              <a:rPr lang="en-US" sz="3000" dirty="0" err="1" smtClean="0"/>
+              <a:t>LocalTime</a:t>
+            </a:r>
+            <a:r>
+              <a:rPr lang="en-US" sz="3000" dirty="0"/>
+              <a:t> </a:t>
+            </a:r>
+            <a:r>
+              <a:rPr lang="en-US" sz="3000" dirty="0" smtClean="0"/>
+              <a:t>(time </a:t>
+            </a:r>
+            <a:r>
+              <a:rPr lang="en-US" sz="3000" dirty="0"/>
+              <a:t>with </a:t>
+            </a:r>
+            <a:r>
+              <a:rPr lang="en-US" sz="3000" dirty="0" smtClean="0"/>
+              <a:t>no date and no </a:t>
+            </a:r>
+            <a:r>
+              <a:rPr lang="en-US" sz="3000" dirty="0"/>
+              <a:t>time zone</a:t>
+            </a:r>
+            <a:r>
+              <a:rPr lang="en-US" sz="3000" dirty="0" smtClean="0"/>
+              <a:t>)</a:t>
+            </a:r>
+            <a:endParaRPr lang="en-US" sz="3000" dirty="0"/>
           </a:p>
         </p:txBody>
       </p:sp>
     </p:spTree>
     <p:extLst>
       <p:ext uri="{BB962C8B-B14F-4D97-AF65-F5344CB8AC3E}">
-        <p14:creationId xmlns:p14="http://schemas.microsoft.com/office/powerpoint/2010/main" val="1780954791"/>
+        <p14:creationId xmlns:p14="http://schemas.microsoft.com/office/powerpoint/2010/main" val="436468171"/>
       </p:ext>
     </p:extLst>
   </p:cSld>
@@ -11480,7 +11537,7 @@
           <a:p>
             <a:r>
               <a:rPr lang="en-US" dirty="0" smtClean="0"/>
-              <a:t>Period</a:t>
+              <a:t>Duration</a:t>
             </a:r>
             <a:endParaRPr lang="en-US" dirty="0"/>
           </a:p>
@@ -11505,15 +11562,15 @@
           <a:p>
             <a:r>
               <a:rPr lang="en-US" sz="3000" dirty="0" smtClean="0"/>
-              <a:t>A length </a:t>
+              <a:t>A </a:t>
             </a:r>
             <a:r>
               <a:rPr lang="en-US" sz="3000" dirty="0"/>
-              <a:t>of elapsed </a:t>
+              <a:t>precise length of elapsed time, in </a:t>
             </a:r>
             <a:r>
               <a:rPr lang="en-US" sz="3000" dirty="0" smtClean="0"/>
-              <a:t>time</a:t>
+              <a:t>nanoseconds</a:t>
             </a:r>
           </a:p>
           <a:p>
@@ -11523,46 +11580,37 @@
             </a:r>
             <a:r>
               <a:rPr lang="en-US" sz="3000" dirty="0" smtClean="0"/>
-              <a:t>efined </a:t>
+              <a:t>oes </a:t>
             </a:r>
             <a:r>
               <a:rPr lang="en-US" sz="3000" dirty="0"/>
-              <a:t>using calendar </a:t>
+              <a:t>not use date-based constructs such as years, months, and </a:t>
             </a:r>
             <a:r>
               <a:rPr lang="en-US" sz="3000" dirty="0" smtClean="0"/>
-              <a:t>fields: years</a:t>
-            </a:r>
+              <a:t>days</a:t>
+            </a:r>
+          </a:p>
+          <a:p>
             <a:r>
               <a:rPr lang="en-US" sz="3000" dirty="0"/>
-              <a:t>, months, and </a:t>
+              <a:t>C</a:t>
             </a:r>
             <a:r>
               <a:rPr lang="en-US" sz="3000" dirty="0" smtClean="0"/>
-              <a:t>days (not minutes and seconds)</a:t>
-            </a:r>
-          </a:p>
-          <a:p>
-            <a:r>
-              <a:rPr lang="en-US" sz="3000" dirty="0" smtClean="0"/>
-              <a:t>Takes </a:t>
-            </a:r>
-            <a:r>
-              <a:rPr lang="en-US" sz="3000" dirty="0" err="1" smtClean="0"/>
-              <a:t>timezones</a:t>
-            </a:r>
-            <a:r>
-              <a:rPr lang="en-US" sz="3000" dirty="0" smtClean="0"/>
-              <a:t> into account for calculation</a:t>
-            </a:r>
-            <a:endParaRPr lang="en-US" sz="3000" dirty="0"/>
+              <a:t>an </a:t>
+            </a:r>
+            <a:r>
+              <a:rPr lang="en-US" sz="3000" dirty="0"/>
+              <a:t>have a negative value, if it is created with an end point that occurs before the start point</a:t>
+            </a:r>
           </a:p>
         </p:txBody>
       </p:sp>
     </p:spTree>
     <p:extLst>
       <p:ext uri="{BB962C8B-B14F-4D97-AF65-F5344CB8AC3E}">
-        <p14:creationId xmlns:p14="http://schemas.microsoft.com/office/powerpoint/2010/main" val="3581493298"/>
+        <p14:creationId xmlns:p14="http://schemas.microsoft.com/office/powerpoint/2010/main" val="1780954791"/>
       </p:ext>
     </p:extLst>
   </p:cSld>
@@ -11613,7 +11661,7 @@
           <a:p>
             <a:r>
               <a:rPr lang="en-US" dirty="0" smtClean="0"/>
-              <a:t>Clock</a:t>
+              <a:t>Period</a:t>
             </a:r>
             <a:endParaRPr lang="en-US" dirty="0"/>
           </a:p>
@@ -11632,276 +11680,62 @@
         <p:spPr/>
         <p:txBody>
           <a:bodyPr>
-            <a:normAutofit fontScale="40000" lnSpcReduction="20000"/>
+            <a:normAutofit/>
           </a:bodyPr>
           <a:lstStyle/>
           <a:p>
             <a:r>
-              <a:rPr lang="en-US" sz="7500" dirty="0"/>
-              <a:t>Gets the current instant using a time-zone </a:t>
-            </a:r>
-          </a:p>
-          <a:p>
-            <a:r>
-              <a:rPr lang="en-US" sz="7500" dirty="0" smtClean="0"/>
-              <a:t>Use instead </a:t>
-            </a:r>
-            <a:r>
-              <a:rPr lang="en-US" sz="7500" dirty="0"/>
-              <a:t>of </a:t>
-            </a:r>
-            <a:r>
-              <a:rPr lang="en-US" sz="7500" dirty="0" err="1">
-                <a:latin typeface="Consolas" panose="020B0609020204030204" pitchFamily="49" charset="0"/>
-                <a:cs typeface="Consolas" panose="020B0609020204030204" pitchFamily="49" charset="0"/>
-              </a:rPr>
-              <a:t>System.currentTimeMillis</a:t>
-            </a:r>
-            <a:r>
-              <a:rPr lang="en-US" sz="7500" dirty="0" smtClean="0">
-                <a:latin typeface="Consolas" panose="020B0609020204030204" pitchFamily="49" charset="0"/>
-                <a:cs typeface="Consolas" panose="020B0609020204030204" pitchFamily="49" charset="0"/>
-              </a:rPr>
-              <a:t>() </a:t>
-            </a:r>
-          </a:p>
-          <a:p>
-            <a:r>
-              <a:rPr lang="en-US" sz="7500" dirty="0" smtClean="0"/>
-              <a:t>Use alternate clock for testing</a:t>
-            </a:r>
-          </a:p>
-          <a:p>
-            <a:pPr marL="0" indent="0">
-              <a:buNone/>
-            </a:pPr>
-            <a:r>
-              <a:rPr lang="en-US" sz="5000" dirty="0" smtClean="0">
-                <a:latin typeface="Consolas" panose="020B0609020204030204" pitchFamily="49" charset="0"/>
-                <a:cs typeface="Consolas" panose="020B0609020204030204" pitchFamily="49" charset="0"/>
-              </a:rPr>
-              <a:t/>
-            </a:r>
-            <a:br>
-              <a:rPr lang="en-US" sz="5000" dirty="0" smtClean="0">
-                <a:latin typeface="Consolas" panose="020B0609020204030204" pitchFamily="49" charset="0"/>
-                <a:cs typeface="Consolas" panose="020B0609020204030204" pitchFamily="49" charset="0"/>
-              </a:rPr>
-            </a:br>
-            <a:r>
-              <a:rPr lang="en-US" sz="5000" dirty="0" smtClean="0">
-                <a:latin typeface="Consolas" panose="020B0609020204030204" pitchFamily="49" charset="0"/>
-                <a:cs typeface="Consolas" panose="020B0609020204030204" pitchFamily="49" charset="0"/>
-              </a:rPr>
-              <a:t>public </a:t>
-            </a:r>
-            <a:r>
-              <a:rPr lang="en-US" sz="5000" dirty="0">
-                <a:latin typeface="Consolas" panose="020B0609020204030204" pitchFamily="49" charset="0"/>
-                <a:cs typeface="Consolas" panose="020B0609020204030204" pitchFamily="49" charset="0"/>
-              </a:rPr>
-              <a:t>class </a:t>
-            </a:r>
-            <a:r>
-              <a:rPr lang="en-US" sz="5000" dirty="0" err="1">
-                <a:latin typeface="Consolas" panose="020B0609020204030204" pitchFamily="49" charset="0"/>
-                <a:cs typeface="Consolas" panose="020B0609020204030204" pitchFamily="49" charset="0"/>
-              </a:rPr>
-              <a:t>MyBean</a:t>
-            </a:r>
-            <a:r>
-              <a:rPr lang="en-US" sz="5000" dirty="0">
-                <a:latin typeface="Consolas" panose="020B0609020204030204" pitchFamily="49" charset="0"/>
-                <a:cs typeface="Consolas" panose="020B0609020204030204" pitchFamily="49" charset="0"/>
-              </a:rPr>
-              <a:t> {</a:t>
-            </a:r>
-          </a:p>
-          <a:p>
-            <a:pPr marL="0" indent="0">
-              <a:buNone/>
-            </a:pPr>
-            <a:r>
-              <a:rPr lang="en-US" sz="5000" dirty="0">
-                <a:latin typeface="Consolas" panose="020B0609020204030204" pitchFamily="49" charset="0"/>
-                <a:cs typeface="Consolas" panose="020B0609020204030204" pitchFamily="49" charset="0"/>
-              </a:rPr>
-              <a:t>  </a:t>
-            </a:r>
-            <a:r>
-              <a:rPr lang="en-US" sz="5000" dirty="0" smtClean="0">
-                <a:latin typeface="Consolas" panose="020B0609020204030204" pitchFamily="49" charset="0"/>
-                <a:cs typeface="Consolas" panose="020B0609020204030204" pitchFamily="49" charset="0"/>
-              </a:rPr>
-              <a:t>@Inject private </a:t>
-            </a:r>
-            <a:r>
-              <a:rPr lang="en-US" sz="5000" dirty="0">
-                <a:latin typeface="Consolas" panose="020B0609020204030204" pitchFamily="49" charset="0"/>
-                <a:cs typeface="Consolas" panose="020B0609020204030204" pitchFamily="49" charset="0"/>
-              </a:rPr>
-              <a:t>Clock </a:t>
-            </a:r>
-            <a:r>
-              <a:rPr lang="en-US" sz="5000" dirty="0" err="1">
-                <a:latin typeface="Consolas" panose="020B0609020204030204" pitchFamily="49" charset="0"/>
-                <a:cs typeface="Consolas" panose="020B0609020204030204" pitchFamily="49" charset="0"/>
-              </a:rPr>
-              <a:t>clock</a:t>
-            </a:r>
-            <a:r>
-              <a:rPr lang="en-US" sz="5000" dirty="0" smtClean="0">
-                <a:latin typeface="Consolas" panose="020B0609020204030204" pitchFamily="49" charset="0"/>
-                <a:cs typeface="Consolas" panose="020B0609020204030204" pitchFamily="49" charset="0"/>
-              </a:rPr>
-              <a:t>;</a:t>
-            </a:r>
-          </a:p>
-          <a:p>
-            <a:pPr marL="0" indent="0">
-              <a:buNone/>
-            </a:pPr>
-            <a:r>
-              <a:rPr lang="en-US" sz="5000" dirty="0" smtClean="0">
-                <a:latin typeface="Consolas" panose="020B0609020204030204" pitchFamily="49" charset="0"/>
-                <a:cs typeface="Consolas" panose="020B0609020204030204" pitchFamily="49" charset="0"/>
-              </a:rPr>
-              <a:t>  public void process(</a:t>
-            </a:r>
-            <a:r>
-              <a:rPr lang="en-US" sz="5000" dirty="0" err="1" smtClean="0">
-                <a:latin typeface="Consolas" panose="020B0609020204030204" pitchFamily="49" charset="0"/>
-                <a:cs typeface="Consolas" panose="020B0609020204030204" pitchFamily="49" charset="0"/>
-              </a:rPr>
-              <a:t>LocalDate</a:t>
-            </a:r>
-            <a:r>
-              <a:rPr lang="en-US" sz="5000" dirty="0" smtClean="0">
-                <a:latin typeface="Consolas" panose="020B0609020204030204" pitchFamily="49" charset="0"/>
-                <a:cs typeface="Consolas" panose="020B0609020204030204" pitchFamily="49" charset="0"/>
-              </a:rPr>
-              <a:t> </a:t>
-            </a:r>
-            <a:r>
-              <a:rPr lang="en-US" sz="5000" dirty="0" err="1" smtClean="0">
-                <a:latin typeface="Consolas" panose="020B0609020204030204" pitchFamily="49" charset="0"/>
-                <a:cs typeface="Consolas" panose="020B0609020204030204" pitchFamily="49" charset="0"/>
-              </a:rPr>
-              <a:t>eventDate</a:t>
-            </a:r>
-            <a:r>
-              <a:rPr lang="en-US" sz="5000" dirty="0" smtClean="0">
-                <a:latin typeface="Consolas" panose="020B0609020204030204" pitchFamily="49" charset="0"/>
-                <a:cs typeface="Consolas" panose="020B0609020204030204" pitchFamily="49" charset="0"/>
-              </a:rPr>
-              <a:t>) {</a:t>
-            </a:r>
-          </a:p>
-          <a:p>
-            <a:pPr marL="0" indent="0">
-              <a:buNone/>
-            </a:pPr>
-            <a:r>
-              <a:rPr lang="en-US" sz="5000" dirty="0" smtClean="0">
-                <a:latin typeface="Consolas" panose="020B0609020204030204" pitchFamily="49" charset="0"/>
-                <a:cs typeface="Consolas" panose="020B0609020204030204" pitchFamily="49" charset="0"/>
-              </a:rPr>
-              <a:t>    </a:t>
-            </a:r>
-            <a:r>
-              <a:rPr lang="en-US" sz="5000" dirty="0">
-                <a:latin typeface="Consolas" panose="020B0609020204030204" pitchFamily="49" charset="0"/>
-                <a:cs typeface="Consolas" panose="020B0609020204030204" pitchFamily="49" charset="0"/>
-              </a:rPr>
-              <a:t>if (</a:t>
-            </a:r>
-            <a:r>
-              <a:rPr lang="en-US" sz="5000" dirty="0" err="1">
-                <a:latin typeface="Consolas" panose="020B0609020204030204" pitchFamily="49" charset="0"/>
-                <a:cs typeface="Consolas" panose="020B0609020204030204" pitchFamily="49" charset="0"/>
-              </a:rPr>
-              <a:t>eventDate.isBefore</a:t>
-            </a:r>
-            <a:r>
-              <a:rPr lang="en-US" sz="5000" dirty="0">
-                <a:latin typeface="Consolas" panose="020B0609020204030204" pitchFamily="49" charset="0"/>
-                <a:cs typeface="Consolas" panose="020B0609020204030204" pitchFamily="49" charset="0"/>
-              </a:rPr>
-              <a:t>(</a:t>
-            </a:r>
-            <a:r>
-              <a:rPr lang="en-US" sz="5000" dirty="0" err="1">
-                <a:latin typeface="Consolas" panose="020B0609020204030204" pitchFamily="49" charset="0"/>
-                <a:cs typeface="Consolas" panose="020B0609020204030204" pitchFamily="49" charset="0"/>
-              </a:rPr>
-              <a:t>LocalDate.now</a:t>
-            </a:r>
-            <a:r>
-              <a:rPr lang="en-US" sz="5000" dirty="0">
-                <a:latin typeface="Consolas" panose="020B0609020204030204" pitchFamily="49" charset="0"/>
-                <a:cs typeface="Consolas" panose="020B0609020204030204" pitchFamily="49" charset="0"/>
-              </a:rPr>
-              <a:t>(clock)) {</a:t>
-            </a:r>
-          </a:p>
-          <a:p>
-            <a:pPr marL="0" indent="0">
-              <a:buNone/>
-            </a:pPr>
-            <a:r>
-              <a:rPr lang="en-US" sz="5000" dirty="0">
-                <a:latin typeface="Consolas" panose="020B0609020204030204" pitchFamily="49" charset="0"/>
-                <a:cs typeface="Consolas" panose="020B0609020204030204" pitchFamily="49" charset="0"/>
-              </a:rPr>
-              <a:t>      ...</a:t>
-            </a:r>
-          </a:p>
-          <a:p>
-            <a:pPr marL="0" indent="0">
-              <a:buNone/>
-            </a:pPr>
-            <a:r>
-              <a:rPr lang="en-US" sz="5000" dirty="0">
-                <a:latin typeface="Consolas" panose="020B0609020204030204" pitchFamily="49" charset="0"/>
-                <a:cs typeface="Consolas" panose="020B0609020204030204" pitchFamily="49" charset="0"/>
-              </a:rPr>
-              <a:t>    }</a:t>
-            </a:r>
-          </a:p>
-          <a:p>
-            <a:pPr marL="0" indent="0">
-              <a:buNone/>
-            </a:pPr>
-            <a:r>
-              <a:rPr lang="en-US" sz="5000" dirty="0">
-                <a:latin typeface="Consolas" panose="020B0609020204030204" pitchFamily="49" charset="0"/>
-                <a:cs typeface="Consolas" panose="020B0609020204030204" pitchFamily="49" charset="0"/>
-              </a:rPr>
-              <a:t>  }</a:t>
-            </a:r>
-          </a:p>
-          <a:p>
-            <a:pPr marL="0" indent="0">
-              <a:buNone/>
-            </a:pPr>
-            <a:r>
-              <a:rPr lang="en-US" sz="5000" dirty="0">
-                <a:latin typeface="Consolas" panose="020B0609020204030204" pitchFamily="49" charset="0"/>
-                <a:cs typeface="Consolas" panose="020B0609020204030204" pitchFamily="49" charset="0"/>
-              </a:rPr>
-              <a:t>}</a:t>
-            </a:r>
-            <a:endParaRPr lang="en-US" sz="5000" dirty="0">
-              <a:latin typeface="Consolas" panose="020B0609020204030204" pitchFamily="49" charset="0"/>
-              <a:cs typeface="Consolas" panose="020B0609020204030204" pitchFamily="49" charset="0"/>
-            </a:endParaRPr>
+              <a:rPr lang="en-US" sz="3000" dirty="0" smtClean="0"/>
+              <a:t>A length </a:t>
+            </a:r>
+            <a:r>
+              <a:rPr lang="en-US" sz="3000" dirty="0"/>
+              <a:t>of elapsed </a:t>
+            </a:r>
+            <a:r>
+              <a:rPr lang="en-US" sz="3000" dirty="0" smtClean="0"/>
+              <a:t>time</a:t>
+            </a:r>
+          </a:p>
+          <a:p>
+            <a:r>
+              <a:rPr lang="en-US" sz="3000" dirty="0"/>
+              <a:t>D</a:t>
+            </a:r>
+            <a:r>
+              <a:rPr lang="en-US" sz="3000" dirty="0" smtClean="0"/>
+              <a:t>efined </a:t>
+            </a:r>
+            <a:r>
+              <a:rPr lang="en-US" sz="3000" dirty="0"/>
+              <a:t>using calendar </a:t>
+            </a:r>
+            <a:r>
+              <a:rPr lang="en-US" sz="3000" dirty="0" smtClean="0"/>
+              <a:t>fields: years</a:t>
+            </a:r>
+            <a:r>
+              <a:rPr lang="en-US" sz="3000" dirty="0"/>
+              <a:t>, months, and </a:t>
+            </a:r>
+            <a:r>
+              <a:rPr lang="en-US" sz="3000" dirty="0" smtClean="0"/>
+              <a:t>days (not minutes and seconds)</a:t>
+            </a:r>
+          </a:p>
+          <a:p>
+            <a:r>
+              <a:rPr lang="en-US" sz="3000" dirty="0" smtClean="0"/>
+              <a:t>Takes time zones into account for calculation</a:t>
+            </a:r>
+            <a:endParaRPr lang="en-US" sz="3000" dirty="0"/>
           </a:p>
         </p:txBody>
       </p:sp>
     </p:spTree>
     <p:extLst>
       <p:ext uri="{BB962C8B-B14F-4D97-AF65-F5344CB8AC3E}">
-        <p14:creationId xmlns:p14="http://schemas.microsoft.com/office/powerpoint/2010/main" val="2066102692"/>
+        <p14:creationId xmlns:p14="http://schemas.microsoft.com/office/powerpoint/2010/main" val="3581493298"/>
       </p:ext>
     </p:extLst>
   </p:cSld>
@@ -11952,7 +11786,7 @@
           <a:p>
             <a:r>
               <a:rPr lang="en-US" dirty="0" smtClean="0"/>
-              <a:t>Temporal Adjusters</a:t>
+              <a:t>Clock</a:t>
             </a:r>
             <a:endParaRPr lang="en-US" dirty="0"/>
           </a:p>
@@ -11971,171 +11805,169 @@
         <p:spPr/>
         <p:txBody>
           <a:bodyPr>
-            <a:noAutofit/>
+            <a:normAutofit fontScale="40000" lnSpcReduction="20000"/>
           </a:bodyPr>
           <a:lstStyle/>
+          <a:p>
+            <a:r>
+              <a:rPr lang="en-US" sz="7500" dirty="0"/>
+              <a:t>Gets the current instant using a time-zone </a:t>
+            </a:r>
+          </a:p>
+          <a:p>
+            <a:r>
+              <a:rPr lang="en-US" sz="7500" dirty="0" smtClean="0"/>
+              <a:t>Use instead </a:t>
+            </a:r>
+            <a:r>
+              <a:rPr lang="en-US" sz="7500" dirty="0"/>
+              <a:t>of </a:t>
+            </a:r>
+            <a:r>
+              <a:rPr lang="en-US" sz="7500" dirty="0" err="1">
+                <a:latin typeface="Consolas" panose="020B0609020204030204" pitchFamily="49" charset="0"/>
+                <a:cs typeface="Consolas" panose="020B0609020204030204" pitchFamily="49" charset="0"/>
+              </a:rPr>
+              <a:t>System.currentTimeMillis</a:t>
+            </a:r>
+            <a:r>
+              <a:rPr lang="en-US" sz="7500" dirty="0" smtClean="0">
+                <a:latin typeface="Consolas" panose="020B0609020204030204" pitchFamily="49" charset="0"/>
+                <a:cs typeface="Consolas" panose="020B0609020204030204" pitchFamily="49" charset="0"/>
+              </a:rPr>
+              <a:t>() </a:t>
+            </a:r>
+          </a:p>
+          <a:p>
+            <a:r>
+              <a:rPr lang="en-US" sz="7500" dirty="0" smtClean="0"/>
+              <a:t>Use alternate clock for testing</a:t>
+            </a:r>
+          </a:p>
           <a:p>
             <a:pPr marL="0" indent="0">
               <a:buNone/>
             </a:pPr>
             <a:r>
-              <a:rPr lang="en-US" sz="2400" dirty="0" err="1">
-                <a:latin typeface="Consolas" panose="020B0609020204030204" pitchFamily="49" charset="0"/>
-                <a:cs typeface="Consolas" panose="020B0609020204030204" pitchFamily="49" charset="0"/>
-              </a:rPr>
-              <a:t>TemporalAdjuster</a:t>
-            </a:r>
-            <a:r>
-              <a:rPr lang="en-US" sz="2400" dirty="0">
-                <a:latin typeface="Consolas" panose="020B0609020204030204" pitchFamily="49" charset="0"/>
-                <a:cs typeface="Consolas" panose="020B0609020204030204" pitchFamily="49" charset="0"/>
-              </a:rPr>
-              <a:t> </a:t>
-            </a:r>
-            <a:r>
-              <a:rPr lang="en-US" sz="2400" dirty="0" err="1" smtClean="0">
-                <a:latin typeface="Consolas" panose="020B0609020204030204" pitchFamily="49" charset="0"/>
-                <a:cs typeface="Consolas" panose="020B0609020204030204" pitchFamily="49" charset="0"/>
-              </a:rPr>
-              <a:t>fourMinutesLater</a:t>
-            </a:r>
-            <a:r>
-              <a:rPr lang="en-US" sz="2400" dirty="0" smtClean="0">
-                <a:latin typeface="Consolas" panose="020B0609020204030204" pitchFamily="49" charset="0"/>
-                <a:cs typeface="Consolas" panose="020B0609020204030204" pitchFamily="49" charset="0"/>
-              </a:rPr>
-              <a:t> </a:t>
-            </a:r>
-            <a:r>
-              <a:rPr lang="en-US" sz="2400" dirty="0">
-                <a:latin typeface="Consolas" panose="020B0609020204030204" pitchFamily="49" charset="0"/>
-                <a:cs typeface="Consolas" panose="020B0609020204030204" pitchFamily="49" charset="0"/>
-              </a:rPr>
-              <a:t>= </a:t>
-            </a:r>
-            <a:endParaRPr lang="en-US" sz="2400" dirty="0" smtClean="0">
-              <a:latin typeface="Consolas" panose="020B0609020204030204" pitchFamily="49" charset="0"/>
-              <a:cs typeface="Consolas" panose="020B0609020204030204" pitchFamily="49" charset="0"/>
-            </a:endParaRPr>
+              <a:rPr lang="en-US" sz="5000" dirty="0" smtClean="0">
+                <a:latin typeface="Consolas" panose="020B0609020204030204" pitchFamily="49" charset="0"/>
+                <a:cs typeface="Consolas" panose="020B0609020204030204" pitchFamily="49" charset="0"/>
+              </a:rPr>
+              <a:t/>
+            </a:r>
+            <a:br>
+              <a:rPr lang="en-US" sz="5000" dirty="0" smtClean="0">
+                <a:latin typeface="Consolas" panose="020B0609020204030204" pitchFamily="49" charset="0"/>
+                <a:cs typeface="Consolas" panose="020B0609020204030204" pitchFamily="49" charset="0"/>
+              </a:rPr>
+            </a:br>
+            <a:r>
+              <a:rPr lang="en-US" sz="5000" dirty="0" smtClean="0">
+                <a:latin typeface="Consolas" panose="020B0609020204030204" pitchFamily="49" charset="0"/>
+                <a:cs typeface="Consolas" panose="020B0609020204030204" pitchFamily="49" charset="0"/>
+              </a:rPr>
+              <a:t>public </a:t>
+            </a:r>
+            <a:r>
+              <a:rPr lang="en-US" sz="5000" dirty="0">
+                <a:latin typeface="Consolas" panose="020B0609020204030204" pitchFamily="49" charset="0"/>
+                <a:cs typeface="Consolas" panose="020B0609020204030204" pitchFamily="49" charset="0"/>
+              </a:rPr>
+              <a:t>class </a:t>
+            </a:r>
+            <a:r>
+              <a:rPr lang="en-US" sz="5000" dirty="0" err="1">
+                <a:latin typeface="Consolas" panose="020B0609020204030204" pitchFamily="49" charset="0"/>
+                <a:cs typeface="Consolas" panose="020B0609020204030204" pitchFamily="49" charset="0"/>
+              </a:rPr>
+              <a:t>MyBean</a:t>
+            </a:r>
+            <a:r>
+              <a:rPr lang="en-US" sz="5000" dirty="0">
+                <a:latin typeface="Consolas" panose="020B0609020204030204" pitchFamily="49" charset="0"/>
+                <a:cs typeface="Consolas" panose="020B0609020204030204" pitchFamily="49" charset="0"/>
+              </a:rPr>
+              <a:t> {</a:t>
+            </a:r>
           </a:p>
           <a:p>
             <a:pPr marL="0" indent="0">
               <a:buNone/>
             </a:pPr>
             <a:r>
-              <a:rPr lang="en-US" sz="2400" dirty="0" smtClean="0">
-                <a:latin typeface="Consolas" panose="020B0609020204030204" pitchFamily="49" charset="0"/>
-                <a:cs typeface="Consolas" panose="020B0609020204030204" pitchFamily="49" charset="0"/>
-              </a:rPr>
-              <a:t>new </a:t>
-            </a:r>
-            <a:r>
-              <a:rPr lang="en-US" sz="2400" dirty="0" err="1">
-                <a:latin typeface="Consolas" panose="020B0609020204030204" pitchFamily="49" charset="0"/>
-                <a:cs typeface="Consolas" panose="020B0609020204030204" pitchFamily="49" charset="0"/>
-              </a:rPr>
-              <a:t>TemporalAdjuster</a:t>
-            </a:r>
-            <a:r>
-              <a:rPr lang="en-US" sz="2400" dirty="0">
-                <a:latin typeface="Consolas" panose="020B0609020204030204" pitchFamily="49" charset="0"/>
-                <a:cs typeface="Consolas" panose="020B0609020204030204" pitchFamily="49" charset="0"/>
-              </a:rPr>
-              <a:t>() { </a:t>
-            </a:r>
-            <a:endParaRPr lang="en-US" sz="2400" dirty="0" smtClean="0">
-              <a:latin typeface="Consolas" panose="020B0609020204030204" pitchFamily="49" charset="0"/>
-              <a:cs typeface="Consolas" panose="020B0609020204030204" pitchFamily="49" charset="0"/>
-            </a:endParaRPr>
+              <a:rPr lang="en-US" sz="5000" dirty="0">
+                <a:latin typeface="Consolas" panose="020B0609020204030204" pitchFamily="49" charset="0"/>
+                <a:cs typeface="Consolas" panose="020B0609020204030204" pitchFamily="49" charset="0"/>
+              </a:rPr>
+              <a:t>  </a:t>
+            </a:r>
+            <a:r>
+              <a:rPr lang="en-US" sz="5000" dirty="0" smtClean="0">
+                <a:latin typeface="Consolas" panose="020B0609020204030204" pitchFamily="49" charset="0"/>
+                <a:cs typeface="Consolas" panose="020B0609020204030204" pitchFamily="49" charset="0"/>
+              </a:rPr>
+              <a:t>@Inject private </a:t>
+            </a:r>
+            <a:r>
+              <a:rPr lang="en-US" sz="5000" dirty="0">
+                <a:latin typeface="Consolas" panose="020B0609020204030204" pitchFamily="49" charset="0"/>
+                <a:cs typeface="Consolas" panose="020B0609020204030204" pitchFamily="49" charset="0"/>
+              </a:rPr>
+              <a:t>Clock </a:t>
+            </a:r>
+            <a:r>
+              <a:rPr lang="en-US" sz="5000" dirty="0" err="1">
+                <a:latin typeface="Consolas" panose="020B0609020204030204" pitchFamily="49" charset="0"/>
+                <a:cs typeface="Consolas" panose="020B0609020204030204" pitchFamily="49" charset="0"/>
+              </a:rPr>
+              <a:t>clock</a:t>
+            </a:r>
+            <a:r>
+              <a:rPr lang="en-US" sz="5000" dirty="0" smtClean="0">
+                <a:latin typeface="Consolas" panose="020B0609020204030204" pitchFamily="49" charset="0"/>
+                <a:cs typeface="Consolas" panose="020B0609020204030204" pitchFamily="49" charset="0"/>
+              </a:rPr>
+              <a:t>;</a:t>
+            </a:r>
           </a:p>
           <a:p>
             <a:pPr marL="0" indent="0">
               <a:buNone/>
             </a:pPr>
             <a:r>
-              <a:rPr lang="en-US" sz="2400" dirty="0" smtClean="0">
-                <a:latin typeface="Consolas" panose="020B0609020204030204" pitchFamily="49" charset="0"/>
-                <a:cs typeface="Consolas" panose="020B0609020204030204" pitchFamily="49" charset="0"/>
-              </a:rPr>
-              <a:t>  @Override </a:t>
-            </a:r>
-          </a:p>
-          <a:p>
-            <a:pPr marL="400050" lvl="1" indent="0">
-              <a:buNone/>
-            </a:pPr>
-            <a:r>
-              <a:rPr lang="en-US" sz="2400" dirty="0" smtClean="0">
-                <a:latin typeface="Consolas" panose="020B0609020204030204" pitchFamily="49" charset="0"/>
-                <a:cs typeface="Consolas" panose="020B0609020204030204" pitchFamily="49" charset="0"/>
-              </a:rPr>
-              <a:t>public Temporal </a:t>
-            </a:r>
-            <a:r>
-              <a:rPr lang="en-US" sz="2400" dirty="0" err="1" smtClean="0">
-                <a:latin typeface="Consolas" panose="020B0609020204030204" pitchFamily="49" charset="0"/>
-                <a:cs typeface="Consolas" panose="020B0609020204030204" pitchFamily="49" charset="0"/>
-              </a:rPr>
-              <a:t>adjustInto</a:t>
-            </a:r>
-            <a:r>
-              <a:rPr lang="en-US" sz="2400" dirty="0" smtClean="0">
-                <a:latin typeface="Consolas" panose="020B0609020204030204" pitchFamily="49" charset="0"/>
-                <a:cs typeface="Consolas" panose="020B0609020204030204" pitchFamily="49" charset="0"/>
-              </a:rPr>
-              <a:t>(Temporal temporal) { </a:t>
-            </a:r>
-          </a:p>
-          <a:p>
-            <a:pPr marL="400050" lvl="1" indent="0">
-              <a:buNone/>
-            </a:pPr>
-            <a:r>
-              <a:rPr lang="en-US" sz="2400" dirty="0" smtClean="0">
-                <a:latin typeface="Consolas" panose="020B0609020204030204" pitchFamily="49" charset="0"/>
-                <a:cs typeface="Consolas" panose="020B0609020204030204" pitchFamily="49" charset="0"/>
-              </a:rPr>
-              <a:t>return </a:t>
-            </a:r>
-            <a:r>
-              <a:rPr lang="en-US" sz="2400" dirty="0" err="1" smtClean="0">
-                <a:latin typeface="Consolas" panose="020B0609020204030204" pitchFamily="49" charset="0"/>
-                <a:cs typeface="Consolas" panose="020B0609020204030204" pitchFamily="49" charset="0"/>
-              </a:rPr>
-              <a:t>temporal.plus</a:t>
-            </a:r>
-            <a:r>
-              <a:rPr lang="en-US" sz="2400" dirty="0" smtClean="0">
-                <a:latin typeface="Consolas" panose="020B0609020204030204" pitchFamily="49" charset="0"/>
-                <a:cs typeface="Consolas" panose="020B0609020204030204" pitchFamily="49" charset="0"/>
-              </a:rPr>
-              <a:t>(4, </a:t>
-            </a:r>
-            <a:r>
-              <a:rPr lang="en-US" sz="2400" dirty="0" err="1" smtClean="0">
-                <a:latin typeface="Consolas" panose="020B0609020204030204" pitchFamily="49" charset="0"/>
-                <a:cs typeface="Consolas" panose="020B0609020204030204" pitchFamily="49" charset="0"/>
-              </a:rPr>
-              <a:t>ChronoUnit.MINUTES</a:t>
-            </a:r>
-            <a:r>
-              <a:rPr lang="en-US" sz="2400" dirty="0" smtClean="0">
-                <a:latin typeface="Consolas" panose="020B0609020204030204" pitchFamily="49" charset="0"/>
-                <a:cs typeface="Consolas" panose="020B0609020204030204" pitchFamily="49" charset="0"/>
-              </a:rPr>
-              <a:t>); </a:t>
-            </a:r>
-          </a:p>
-          <a:p>
-            <a:pPr marL="400050" lvl="1" indent="0">
-              <a:buNone/>
-            </a:pPr>
-            <a:r>
-              <a:rPr lang="en-US" sz="2400" dirty="0" smtClean="0">
-                <a:latin typeface="Consolas" panose="020B0609020204030204" pitchFamily="49" charset="0"/>
-                <a:cs typeface="Consolas" panose="020B0609020204030204" pitchFamily="49" charset="0"/>
-              </a:rPr>
-              <a:t>} </a:t>
+              <a:rPr lang="en-US" sz="5000" dirty="0" smtClean="0">
+                <a:latin typeface="Consolas" panose="020B0609020204030204" pitchFamily="49" charset="0"/>
+                <a:cs typeface="Consolas" panose="020B0609020204030204" pitchFamily="49" charset="0"/>
+              </a:rPr>
+              <a:t>  public void process(</a:t>
+            </a:r>
+            <a:r>
+              <a:rPr lang="en-US" sz="5000" dirty="0" err="1" smtClean="0">
+                <a:latin typeface="Consolas" panose="020B0609020204030204" pitchFamily="49" charset="0"/>
+                <a:cs typeface="Consolas" panose="020B0609020204030204" pitchFamily="49" charset="0"/>
+              </a:rPr>
+              <a:t>LocalDate</a:t>
+            </a:r>
+            <a:r>
+              <a:rPr lang="en-US" sz="5000" dirty="0" smtClean="0">
+                <a:latin typeface="Consolas" panose="020B0609020204030204" pitchFamily="49" charset="0"/>
+                <a:cs typeface="Consolas" panose="020B0609020204030204" pitchFamily="49" charset="0"/>
+              </a:rPr>
+              <a:t> </a:t>
+            </a:r>
+            <a:r>
+              <a:rPr lang="en-US" sz="5000" dirty="0" err="1" smtClean="0">
+                <a:latin typeface="Consolas" panose="020B0609020204030204" pitchFamily="49" charset="0"/>
+                <a:cs typeface="Consolas" panose="020B0609020204030204" pitchFamily="49" charset="0"/>
+              </a:rPr>
+              <a:t>eventDate</a:t>
+            </a:r>
+            <a:r>
+              <a:rPr lang="en-US" sz="5000" dirty="0" smtClean="0">
+                <a:latin typeface="Consolas" panose="020B0609020204030204" pitchFamily="49" charset="0"/>
+                <a:cs typeface="Consolas" panose="020B0609020204030204" pitchFamily="49" charset="0"/>
+              </a:rPr>
+              <a:t>) {</a:t>
             </a:r>
           </a:p>
           <a:p>
@@ -12143,11 +11975,46 @@
               <a:buNone/>
             </a:pPr>
             <a:r>
-              <a:rPr lang="en-US" sz="2400" dirty="0" smtClean="0">
-                <a:latin typeface="Consolas" panose="020B0609020204030204" pitchFamily="49" charset="0"/>
-                <a:cs typeface="Consolas" panose="020B0609020204030204" pitchFamily="49" charset="0"/>
-              </a:rPr>
-              <a:t>}; </a:t>
+              <a:rPr lang="en-US" sz="5000" dirty="0" smtClean="0">
+                <a:latin typeface="Consolas" panose="020B0609020204030204" pitchFamily="49" charset="0"/>
+                <a:cs typeface="Consolas" panose="020B0609020204030204" pitchFamily="49" charset="0"/>
+              </a:rPr>
+              <a:t>    </a:t>
+            </a:r>
+            <a:r>
+              <a:rPr lang="en-US" sz="5000" dirty="0">
+                <a:latin typeface="Consolas" panose="020B0609020204030204" pitchFamily="49" charset="0"/>
+                <a:cs typeface="Consolas" panose="020B0609020204030204" pitchFamily="49" charset="0"/>
+              </a:rPr>
+              <a:t>if (</a:t>
+            </a:r>
+            <a:r>
+              <a:rPr lang="en-US" sz="5000" dirty="0" err="1">
+                <a:latin typeface="Consolas" panose="020B0609020204030204" pitchFamily="49" charset="0"/>
+                <a:cs typeface="Consolas" panose="020B0609020204030204" pitchFamily="49" charset="0"/>
+              </a:rPr>
+              <a:t>eventDate.isBefore</a:t>
+            </a:r>
+            <a:r>
+              <a:rPr lang="en-US" sz="5000" dirty="0">
+                <a:latin typeface="Consolas" panose="020B0609020204030204" pitchFamily="49" charset="0"/>
+                <a:cs typeface="Consolas" panose="020B0609020204030204" pitchFamily="49" charset="0"/>
+              </a:rPr>
+              <a:t>(</a:t>
+            </a:r>
+            <a:r>
+              <a:rPr lang="en-US" sz="5000" dirty="0" err="1">
+                <a:latin typeface="Consolas" panose="020B0609020204030204" pitchFamily="49" charset="0"/>
+                <a:cs typeface="Consolas" panose="020B0609020204030204" pitchFamily="49" charset="0"/>
+              </a:rPr>
+              <a:t>LocalDate.now</a:t>
+            </a:r>
+            <a:r>
+              <a:rPr lang="en-US" sz="5000" dirty="0">
+                <a:latin typeface="Consolas" panose="020B0609020204030204" pitchFamily="49" charset="0"/>
+                <a:cs typeface="Consolas" panose="020B0609020204030204" pitchFamily="49" charset="0"/>
+              </a:rPr>
+              <a:t>(clock)) {</a:t>
             </a:r>
           </a:p>
           <a:p>
@@ -12155,88 +12022,55 @@
               <a:buNone/>
             </a:pPr>
             <a:r>
-              <a:rPr lang="en-US" sz="2400" dirty="0" err="1" smtClean="0">
-                <a:latin typeface="Consolas" panose="020B0609020204030204" pitchFamily="49" charset="0"/>
-                <a:cs typeface="Consolas" panose="020B0609020204030204" pitchFamily="49" charset="0"/>
-              </a:rPr>
-              <a:t>LocalTime</a:t>
-            </a:r>
-            <a:r>
-              <a:rPr lang="en-US" sz="2400" dirty="0" smtClean="0">
-                <a:latin typeface="Consolas" panose="020B0609020204030204" pitchFamily="49" charset="0"/>
-                <a:cs typeface="Consolas" panose="020B0609020204030204" pitchFamily="49" charset="0"/>
-              </a:rPr>
-              <a:t> time </a:t>
-            </a:r>
-            <a:r>
-              <a:rPr lang="en-US" sz="2400" dirty="0">
-                <a:latin typeface="Consolas" panose="020B0609020204030204" pitchFamily="49" charset="0"/>
-                <a:cs typeface="Consolas" panose="020B0609020204030204" pitchFamily="49" charset="0"/>
-              </a:rPr>
-              <a:t>= </a:t>
-            </a:r>
-            <a:r>
-              <a:rPr lang="en-US" sz="2400" dirty="0" err="1">
-                <a:latin typeface="Consolas" panose="020B0609020204030204" pitchFamily="49" charset="0"/>
-                <a:cs typeface="Consolas" panose="020B0609020204030204" pitchFamily="49" charset="0"/>
-              </a:rPr>
-              <a:t>LocalTime.of</a:t>
-            </a:r>
-            <a:r>
-              <a:rPr lang="en-US" sz="2400" dirty="0">
-                <a:latin typeface="Consolas" panose="020B0609020204030204" pitchFamily="49" charset="0"/>
-                <a:cs typeface="Consolas" panose="020B0609020204030204" pitchFamily="49" charset="0"/>
-              </a:rPr>
-              <a:t>(12, 0, 0); </a:t>
-            </a:r>
-            <a:endParaRPr lang="en-US" sz="2400" dirty="0" smtClean="0">
-              <a:latin typeface="Consolas" panose="020B0609020204030204" pitchFamily="49" charset="0"/>
-              <a:cs typeface="Consolas" panose="020B0609020204030204" pitchFamily="49" charset="0"/>
-            </a:endParaRPr>
+              <a:rPr lang="en-US" sz="5000" dirty="0">
+                <a:latin typeface="Consolas" panose="020B0609020204030204" pitchFamily="49" charset="0"/>
+                <a:cs typeface="Consolas" panose="020B0609020204030204" pitchFamily="49" charset="0"/>
+              </a:rPr>
+              <a:t>      ...</a:t>
+            </a:r>
           </a:p>
           <a:p>
             <a:pPr marL="0" indent="0">
               <a:buNone/>
             </a:pPr>
             <a:r>
-              <a:rPr lang="en-US" sz="2400" dirty="0" err="1" smtClean="0">
-                <a:latin typeface="Consolas" panose="020B0609020204030204" pitchFamily="49" charset="0"/>
-                <a:cs typeface="Consolas" panose="020B0609020204030204" pitchFamily="49" charset="0"/>
-              </a:rPr>
-              <a:t>time.with</a:t>
-            </a:r>
-            <a:r>
-              <a:rPr lang="en-US" sz="2400" dirty="0" smtClean="0">
-                <a:latin typeface="Consolas" panose="020B0609020204030204" pitchFamily="49" charset="0"/>
-                <a:cs typeface="Consolas" panose="020B0609020204030204" pitchFamily="49" charset="0"/>
-              </a:rPr>
-              <a:t>(</a:t>
-            </a:r>
-            <a:r>
-              <a:rPr lang="en-US" sz="2400" dirty="0" err="1" smtClean="0">
-                <a:latin typeface="Consolas" panose="020B0609020204030204" pitchFamily="49" charset="0"/>
-                <a:cs typeface="Consolas" panose="020B0609020204030204" pitchFamily="49" charset="0"/>
-              </a:rPr>
-              <a:t>fourMinutesLater</a:t>
-            </a:r>
-            <a:r>
-              <a:rPr lang="en-US" sz="2400" dirty="0" smtClean="0">
-                <a:latin typeface="Consolas" panose="020B0609020204030204" pitchFamily="49" charset="0"/>
-                <a:cs typeface="Consolas" panose="020B0609020204030204" pitchFamily="49" charset="0"/>
-              </a:rPr>
-              <a:t>); // 12:04</a:t>
-            </a:r>
-            <a:endParaRPr lang="en-US" sz="2400" dirty="0">
-              <a:latin typeface="Consolas" panose="020B0609020204030204" pitchFamily="49" charset="0"/>
-              <a:cs typeface="Consolas" panose="020B0609020204030204" pitchFamily="49" charset="0"/>
-            </a:endParaRPr>
+              <a:rPr lang="en-US" sz="5000" dirty="0">
+                <a:latin typeface="Consolas" panose="020B0609020204030204" pitchFamily="49" charset="0"/>
+                <a:cs typeface="Consolas" panose="020B0609020204030204" pitchFamily="49" charset="0"/>
+              </a:rPr>
+              <a:t>    }</a:t>
+            </a:r>
+          </a:p>
+          <a:p>
+            <a:pPr marL="0" indent="0">
+              <a:buNone/>
+            </a:pPr>
+            <a:r>
+              <a:rPr lang="en-US" sz="5000" dirty="0">
+                <a:latin typeface="Consolas" panose="020B0609020204030204" pitchFamily="49" charset="0"/>
+                <a:cs typeface="Consolas" panose="020B0609020204030204" pitchFamily="49" charset="0"/>
+              </a:rPr>
+              <a:t>  }</a:t>
+            </a:r>
+          </a:p>
+          <a:p>
+            <a:pPr marL="0" indent="0">
+              <a:buNone/>
+            </a:pPr>
+            <a:r>
+              <a:rPr lang="en-US" sz="5000" dirty="0">
+                <a:latin typeface="Consolas" panose="020B0609020204030204" pitchFamily="49" charset="0"/>
+                <a:cs typeface="Consolas" panose="020B0609020204030204" pitchFamily="49" charset="0"/>
+              </a:rPr>
+              <a:t>}</a:t>
+            </a:r>
           </a:p>
         </p:txBody>
       </p:sp>
     </p:spTree>
     <p:extLst>
       <p:ext uri="{BB962C8B-B14F-4D97-AF65-F5344CB8AC3E}">
-        <p14:creationId xmlns:p14="http://schemas.microsoft.com/office/powerpoint/2010/main" val="1380035644"/>
+        <p14:creationId xmlns:p14="http://schemas.microsoft.com/office/powerpoint/2010/main" val="2066102692"/>
       </p:ext>
     </p:extLst>
   </p:cSld>
@@ -12286,10 +12120,9 @@
           <a:lstStyle/>
           <a:p>
             <a:r>
-              <a:rPr lang="en-US" dirty="0" smtClean="0"/>
-              <a:t>Temporal Adjusters, Java 8 Style</a:t>
-            </a:r>
-            <a:endParaRPr lang="en-US" dirty="0"/>
+              <a:rPr lang="en-US" dirty="0"/>
+              <a:t>Chronology</a:t>
+            </a:r>
           </a:p>
         </p:txBody>
       </p:sp>
@@ -12306,117 +12139,129 @@
         <p:spPr/>
         <p:txBody>
           <a:bodyPr>
-            <a:noAutofit/>
+            <a:normAutofit lnSpcReduction="10000"/>
           </a:bodyPr>
           <a:lstStyle/>
           <a:p>
-            <a:pPr marL="0" indent="0">
-              <a:buNone/>
-            </a:pPr>
-            <a:r>
-              <a:rPr lang="en-US" sz="2400" dirty="0" err="1" smtClean="0">
-                <a:latin typeface="Consolas" panose="020B0609020204030204" pitchFamily="49" charset="0"/>
-                <a:cs typeface="Consolas" panose="020B0609020204030204" pitchFamily="49" charset="0"/>
-              </a:rPr>
-              <a:t>LocalTime</a:t>
-            </a:r>
-            <a:r>
-              <a:rPr lang="en-US" sz="2400" dirty="0" smtClean="0">
-                <a:latin typeface="Consolas" panose="020B0609020204030204" pitchFamily="49" charset="0"/>
-                <a:cs typeface="Consolas" panose="020B0609020204030204" pitchFamily="49" charset="0"/>
-              </a:rPr>
-              <a:t> time </a:t>
-            </a:r>
-            <a:r>
-              <a:rPr lang="en-US" sz="2400" dirty="0">
-                <a:latin typeface="Consolas" panose="020B0609020204030204" pitchFamily="49" charset="0"/>
-                <a:cs typeface="Consolas" panose="020B0609020204030204" pitchFamily="49" charset="0"/>
-              </a:rPr>
-              <a:t>= </a:t>
-            </a:r>
-            <a:r>
-              <a:rPr lang="en-US" sz="2400" dirty="0" err="1">
-                <a:latin typeface="Consolas" panose="020B0609020204030204" pitchFamily="49" charset="0"/>
-                <a:cs typeface="Consolas" panose="020B0609020204030204" pitchFamily="49" charset="0"/>
-              </a:rPr>
-              <a:t>LocalTime.of</a:t>
-            </a:r>
-            <a:r>
-              <a:rPr lang="en-US" sz="2400" dirty="0">
-                <a:latin typeface="Consolas" panose="020B0609020204030204" pitchFamily="49" charset="0"/>
-                <a:cs typeface="Consolas" panose="020B0609020204030204" pitchFamily="49" charset="0"/>
-              </a:rPr>
-              <a:t>(12, 0, 0); </a:t>
-            </a:r>
-            <a:endParaRPr lang="en-US" sz="2400" dirty="0" smtClean="0">
-              <a:latin typeface="Consolas" panose="020B0609020204030204" pitchFamily="49" charset="0"/>
-              <a:cs typeface="Consolas" panose="020B0609020204030204" pitchFamily="49" charset="0"/>
-            </a:endParaRPr>
-          </a:p>
-          <a:p>
-            <a:pPr marL="0" indent="0">
-              <a:buNone/>
-            </a:pPr>
-            <a:r>
-              <a:rPr lang="en-US" sz="2400" dirty="0" err="1" smtClean="0">
-                <a:latin typeface="Consolas" panose="020B0609020204030204" pitchFamily="49" charset="0"/>
-                <a:cs typeface="Consolas" panose="020B0609020204030204" pitchFamily="49" charset="0"/>
-              </a:rPr>
-              <a:t>time.with</a:t>
-            </a:r>
-            <a:r>
-              <a:rPr lang="en-US" sz="2400" dirty="0" smtClean="0">
-                <a:latin typeface="Consolas" panose="020B0609020204030204" pitchFamily="49" charset="0"/>
-                <a:cs typeface="Consolas" panose="020B0609020204030204" pitchFamily="49" charset="0"/>
-              </a:rPr>
-              <a:t>(</a:t>
-            </a:r>
-            <a:r>
-              <a:rPr lang="en-US" sz="2400" dirty="0">
-                <a:latin typeface="Consolas" panose="020B0609020204030204" pitchFamily="49" charset="0"/>
-                <a:cs typeface="Consolas" panose="020B0609020204030204" pitchFamily="49" charset="0"/>
-              </a:rPr>
-              <a:t>temporal -&gt; </a:t>
-            </a:r>
-            <a:r>
-              <a:rPr lang="en-US" sz="2400" dirty="0" err="1">
-                <a:latin typeface="Consolas" panose="020B0609020204030204" pitchFamily="49" charset="0"/>
-                <a:cs typeface="Consolas" panose="020B0609020204030204" pitchFamily="49" charset="0"/>
-              </a:rPr>
-              <a:t>temporal.plus</a:t>
-            </a:r>
-            <a:r>
-              <a:rPr lang="en-US" sz="2400" dirty="0">
-                <a:latin typeface="Consolas" panose="020B0609020204030204" pitchFamily="49" charset="0"/>
-                <a:cs typeface="Consolas" panose="020B0609020204030204" pitchFamily="49" charset="0"/>
-              </a:rPr>
-              <a:t>(4, </a:t>
-            </a:r>
-            <a:r>
-              <a:rPr lang="en-US" sz="2400" dirty="0" err="1">
-                <a:latin typeface="Consolas" panose="020B0609020204030204" pitchFamily="49" charset="0"/>
-                <a:cs typeface="Consolas" panose="020B0609020204030204" pitchFamily="49" charset="0"/>
-              </a:rPr>
-              <a:t>ChronoUnit.MINUTES</a:t>
-            </a:r>
-            <a:r>
-              <a:rPr lang="en-US" sz="2400" dirty="0" smtClean="0">
-                <a:latin typeface="Consolas" panose="020B0609020204030204" pitchFamily="49" charset="0"/>
-                <a:cs typeface="Consolas" panose="020B0609020204030204" pitchFamily="49" charset="0"/>
-              </a:rPr>
-              <a:t>)));</a:t>
-            </a:r>
-            <a:endParaRPr lang="en-US" sz="2400" dirty="0">
-              <a:latin typeface="Consolas" panose="020B0609020204030204" pitchFamily="49" charset="0"/>
-              <a:cs typeface="Consolas" panose="020B0609020204030204" pitchFamily="49" charset="0"/>
-            </a:endParaRPr>
+            <a:r>
+              <a:rPr lang="en-US" dirty="0" smtClean="0"/>
+              <a:t>Pluggable </a:t>
+            </a:r>
+            <a:r>
+              <a:rPr lang="en-US" dirty="0"/>
+              <a:t>calendar system</a:t>
+            </a:r>
+          </a:p>
+          <a:p>
+            <a:r>
+              <a:rPr lang="en-US" dirty="0"/>
+              <a:t>P</a:t>
+            </a:r>
+            <a:r>
+              <a:rPr lang="en-US" dirty="0" smtClean="0"/>
+              <a:t>rovides </a:t>
+            </a:r>
+            <a:r>
+              <a:rPr lang="en-US" dirty="0"/>
+              <a:t>access to </a:t>
+            </a:r>
+            <a:r>
+              <a:rPr lang="en-US" dirty="0" smtClean="0"/>
+              <a:t>the individual </a:t>
+            </a:r>
+            <a:r>
+              <a:rPr lang="en-US" dirty="0"/>
+              <a:t>date time </a:t>
+            </a:r>
+            <a:r>
+              <a:rPr lang="en-US" dirty="0" smtClean="0"/>
+              <a:t>fields</a:t>
+            </a:r>
+          </a:p>
+          <a:p>
+            <a:r>
+              <a:rPr lang="en-US" dirty="0" smtClean="0"/>
+              <a:t>Built-in</a:t>
+            </a:r>
+            <a:endParaRPr lang="en-US" dirty="0"/>
+          </a:p>
+          <a:p>
+            <a:pPr lvl="1"/>
+            <a:r>
+              <a:rPr lang="en-US" dirty="0"/>
+              <a:t>ISO8601 (Default</a:t>
+            </a:r>
+            <a:r>
+              <a:rPr lang="en-US" dirty="0" smtClean="0"/>
+              <a:t>): </a:t>
+            </a:r>
+            <a:r>
+              <a:rPr lang="en-US" dirty="0" err="1" smtClean="0"/>
+              <a:t>IsoChronology</a:t>
+            </a:r>
+            <a:endParaRPr lang="en-US" dirty="0"/>
+          </a:p>
+          <a:p>
+            <a:pPr lvl="1"/>
+            <a:r>
+              <a:rPr lang="en-US" dirty="0" smtClean="0"/>
+              <a:t>Chinese: </a:t>
+            </a:r>
+            <a:r>
+              <a:rPr lang="en-US" dirty="0" err="1" smtClean="0"/>
+              <a:t>MinguoChronology</a:t>
+            </a:r>
+            <a:endParaRPr lang="en-US" dirty="0"/>
+          </a:p>
+          <a:p>
+            <a:pPr lvl="1"/>
+            <a:r>
+              <a:rPr lang="en-US" dirty="0" smtClean="0"/>
+              <a:t>Japanese: </a:t>
+            </a:r>
+            <a:r>
+              <a:rPr lang="en-US" dirty="0" err="1"/>
+              <a:t>JapaneseChronology</a:t>
+            </a:r>
+            <a:endParaRPr lang="en-US" dirty="0"/>
+          </a:p>
+          <a:p>
+            <a:pPr lvl="1"/>
+            <a:r>
+              <a:rPr lang="en-US" dirty="0"/>
+              <a:t>Thai </a:t>
+            </a:r>
+            <a:r>
+              <a:rPr lang="en-US" dirty="0" smtClean="0"/>
+              <a:t>Buddhist: </a:t>
+            </a:r>
+            <a:r>
+              <a:rPr lang="en-US" dirty="0" err="1" smtClean="0"/>
+              <a:t>ThaiBuddhistChronology</a:t>
+            </a:r>
+            <a:endParaRPr lang="en-US" dirty="0"/>
+          </a:p>
+          <a:p>
+            <a:pPr lvl="1"/>
+            <a:r>
+              <a:rPr lang="en-US" dirty="0" smtClean="0"/>
+              <a:t>Islamic: </a:t>
+            </a:r>
+            <a:r>
+              <a:rPr lang="en-US" dirty="0" err="1" smtClean="0"/>
+              <a:t>HijrahChronology</a:t>
+            </a:r>
+            <a:endParaRPr lang="en-US" dirty="0"/>
+          </a:p>
+          <a:p>
+            <a:endParaRPr lang="en-US" dirty="0"/>
           </a:p>
         </p:txBody>
       </p:sp>
     </p:spTree>
     <p:extLst>
       <p:ext uri="{BB962C8B-B14F-4D97-AF65-F5344CB8AC3E}">
-        <p14:creationId xmlns:p14="http://schemas.microsoft.com/office/powerpoint/2010/main" val="2941858501"/>
+        <p14:creationId xmlns:p14="http://schemas.microsoft.com/office/powerpoint/2010/main" val="1965216396"/>
       </p:ext>
     </p:extLst>
   </p:cSld>
@@ -12654,7 +12499,7 @@
           <a:p>
             <a:r>
               <a:rPr lang="en-US" dirty="0" smtClean="0"/>
-              <a:t>Queries</a:t>
+              <a:t>Time Zone</a:t>
             </a:r>
             <a:endParaRPr lang="en-US" dirty="0"/>
           </a:p>
@@ -12672,9 +12517,67 @@
         </p:nvSpPr>
         <p:spPr/>
         <p:txBody>
-          <a:bodyPr/>
+          <a:bodyPr>
+            <a:normAutofit fontScale="92500" lnSpcReduction="10000"/>
+          </a:bodyPr>
           <a:lstStyle/>
           <a:p>
+            <a:r>
+              <a:rPr lang="en-US" dirty="0"/>
+              <a:t>R</a:t>
+            </a:r>
+            <a:r>
+              <a:rPr lang="en-US" dirty="0" smtClean="0"/>
+              <a:t>egion </a:t>
+            </a:r>
+            <a:r>
+              <a:rPr lang="en-US" dirty="0"/>
+              <a:t>with a uniform standard time for legal, commercial, social, and political purposes</a:t>
+            </a:r>
+          </a:p>
+          <a:p>
+            <a:r>
+              <a:rPr lang="en-US" dirty="0"/>
+              <a:t>Time zones are offset from UTC (UTC-12 to UTC+12)</a:t>
+            </a:r>
+          </a:p>
+          <a:p>
+            <a:r>
+              <a:rPr lang="en-US" dirty="0"/>
+              <a:t>UTC </a:t>
+            </a:r>
+            <a:r>
+              <a:rPr lang="en-US" dirty="0" smtClean="0"/>
+              <a:t>time zone </a:t>
+            </a:r>
+            <a:r>
+              <a:rPr lang="en-US" dirty="0"/>
+              <a:t>is sometimes denoted by Z (Zulu)</a:t>
+            </a:r>
+          </a:p>
+          <a:p>
+            <a:r>
+              <a:rPr lang="en-US" dirty="0"/>
+              <a:t>Some countries use daylight saving time (summer time) for part of the year, changing the offset</a:t>
+            </a:r>
+          </a:p>
+          <a:p>
+            <a:r>
+              <a:rPr lang="en-US" dirty="0"/>
+              <a:t>JDK </a:t>
+            </a:r>
+            <a:r>
+              <a:rPr lang="en-US" dirty="0" smtClean="0"/>
+              <a:t>time zone </a:t>
+            </a:r>
+            <a:r>
+              <a:rPr lang="en-US" dirty="0"/>
+              <a:t>data is updated when the JDK is </a:t>
+            </a:r>
+            <a:r>
+              <a:rPr lang="en-US" dirty="0" smtClean="0"/>
+              <a:t>updated</a:t>
+            </a:r>
             <a:endParaRPr lang="en-US" dirty="0"/>
           </a:p>
         </p:txBody>
@@ -12682,7 +12585,7 @@
     </p:spTree>
     <p:extLst>
       <p:ext uri="{BB962C8B-B14F-4D97-AF65-F5344CB8AC3E}">
-        <p14:creationId xmlns:p14="http://schemas.microsoft.com/office/powerpoint/2010/main" val="1967694706"/>
+        <p14:creationId xmlns:p14="http://schemas.microsoft.com/office/powerpoint/2010/main" val="1251483798"/>
       </p:ext>
     </p:extLst>
   </p:cSld>
@@ -12733,7 +12636,7 @@
           <a:p>
             <a:r>
               <a:rPr lang="en-US" dirty="0" smtClean="0"/>
-              <a:t>New Packages</a:t>
+              <a:t>Temporal Adjusters</a:t>
             </a:r>
             <a:endParaRPr lang="en-US" dirty="0"/>
           </a:p>
@@ -12756,157 +12659,268 @@
           </a:bodyPr>
           <a:lstStyle/>
           <a:p>
-            <a:r>
-              <a:rPr lang="en-US" sz="3000" dirty="0" err="1">
-                <a:latin typeface="Consolas" panose="020B0609020204030204" pitchFamily="49" charset="0"/>
-                <a:cs typeface="Consolas" panose="020B0609020204030204" pitchFamily="49" charset="0"/>
-              </a:rPr>
-              <a:t>java.time</a:t>
-            </a:r>
-            <a:r>
-              <a:rPr lang="en-US" sz="3000" dirty="0"/>
+            <a:pPr marL="0" indent="0">
+              <a:buNone/>
+            </a:pPr>
+            <a:r>
+              <a:rPr lang="en-US" sz="2400" dirty="0" err="1">
+                <a:latin typeface="Consolas" panose="020B0609020204030204" pitchFamily="49" charset="0"/>
+                <a:cs typeface="Consolas" panose="020B0609020204030204" pitchFamily="49" charset="0"/>
+              </a:rPr>
+              <a:t>TemporalAdjuster</a:t>
+            </a:r>
+            <a:r>
+              <a:rPr lang="en-US" sz="2400" dirty="0">
+                <a:latin typeface="Consolas" panose="020B0609020204030204" pitchFamily="49" charset="0"/>
+                <a:cs typeface="Consolas" panose="020B0609020204030204" pitchFamily="49" charset="0"/>
+              </a:rPr>
               <a:t> </a:t>
             </a:r>
             <a:r>
-              <a:rPr lang="en-US" sz="3000" dirty="0" smtClean="0"/>
-              <a:t>- instants</a:t>
-            </a:r>
-            <a:r>
-              <a:rPr lang="en-US" sz="3000" dirty="0"/>
-              <a:t>, durations, dates, times, time zones, </a:t>
-            </a:r>
-            <a:r>
-              <a:rPr lang="en-US" sz="3000" dirty="0" smtClean="0"/>
-              <a:t>periods; immutable </a:t>
-            </a:r>
-            <a:r>
-              <a:rPr lang="en-US" sz="3000" dirty="0"/>
-              <a:t>and </a:t>
-            </a:r>
-            <a:r>
-              <a:rPr lang="en-US" sz="3000" dirty="0" smtClean="0"/>
-              <a:t>thread-safe</a:t>
-            </a:r>
-            <a:endParaRPr lang="en-US" sz="3000" dirty="0"/>
-          </a:p>
-          <a:p>
-            <a:r>
-              <a:rPr lang="en-US" sz="3000" dirty="0" err="1">
-                <a:latin typeface="Consolas" panose="020B0609020204030204" pitchFamily="49" charset="0"/>
-                <a:cs typeface="Consolas" panose="020B0609020204030204" pitchFamily="49" charset="0"/>
-              </a:rPr>
-              <a:t>java.time.chrono</a:t>
-            </a:r>
-            <a:r>
-              <a:rPr lang="en-US" sz="3000" dirty="0"/>
+              <a:rPr lang="en-US" sz="2400" dirty="0" err="1" smtClean="0">
+                <a:latin typeface="Consolas" panose="020B0609020204030204" pitchFamily="49" charset="0"/>
+                <a:cs typeface="Consolas" panose="020B0609020204030204" pitchFamily="49" charset="0"/>
+              </a:rPr>
+              <a:t>fourMinutesLater</a:t>
+            </a:r>
+            <a:r>
+              <a:rPr lang="en-US" sz="2400" dirty="0" smtClean="0">
+                <a:latin typeface="Consolas" panose="020B0609020204030204" pitchFamily="49" charset="0"/>
+                <a:cs typeface="Consolas" panose="020B0609020204030204" pitchFamily="49" charset="0"/>
+              </a:rPr>
               <a:t> </a:t>
             </a:r>
             <a:r>
-              <a:rPr lang="en-US" sz="3000" dirty="0" smtClean="0"/>
-              <a:t>- calendar </a:t>
-            </a:r>
-            <a:r>
-              <a:rPr lang="en-US" sz="3000" dirty="0"/>
-              <a:t>systems other than </a:t>
-            </a:r>
-            <a:r>
-              <a:rPr lang="en-US" sz="3000" dirty="0" smtClean="0"/>
-              <a:t>ISO-8601 </a:t>
-            </a:r>
-            <a:r>
-              <a:rPr lang="en-US" sz="3000" dirty="0"/>
-              <a:t>calendar </a:t>
-            </a:r>
-            <a:r>
-              <a:rPr lang="en-US" sz="3000" dirty="0" smtClean="0"/>
-              <a:t>system</a:t>
-            </a:r>
-            <a:endParaRPr lang="en-US" sz="3000" dirty="0"/>
-          </a:p>
-          <a:p>
-            <a:r>
-              <a:rPr lang="en-US" sz="3000" dirty="0" err="1">
-                <a:latin typeface="Consolas" panose="020B0609020204030204" pitchFamily="49" charset="0"/>
-                <a:cs typeface="Consolas" panose="020B0609020204030204" pitchFamily="49" charset="0"/>
-              </a:rPr>
-              <a:t>java.time.format</a:t>
-            </a:r>
-            <a:r>
-              <a:rPr lang="en-US" sz="3000" dirty="0"/>
-              <a:t> </a:t>
-            </a:r>
-            <a:r>
-              <a:rPr lang="en-US" sz="3000" dirty="0" smtClean="0"/>
-              <a:t>- formatting </a:t>
-            </a:r>
-            <a:r>
-              <a:rPr lang="en-US" sz="3000" dirty="0"/>
-              <a:t>and </a:t>
-            </a:r>
-            <a:r>
-              <a:rPr lang="en-US" sz="3000" dirty="0" smtClean="0"/>
-              <a:t>parsing</a:t>
-            </a:r>
-            <a:endParaRPr lang="en-US" sz="3000" dirty="0"/>
-          </a:p>
-          <a:p>
-            <a:r>
-              <a:rPr lang="en-US" sz="3000" dirty="0" err="1">
-                <a:latin typeface="Consolas" panose="020B0609020204030204" pitchFamily="49" charset="0"/>
-                <a:cs typeface="Consolas" panose="020B0609020204030204" pitchFamily="49" charset="0"/>
-              </a:rPr>
-              <a:t>java.time.temporal</a:t>
-            </a:r>
-            <a:r>
-              <a:rPr lang="en-US" sz="3000" dirty="0"/>
-              <a:t> </a:t>
-            </a:r>
-            <a:r>
-              <a:rPr lang="en-US" sz="3000" dirty="0" smtClean="0"/>
-              <a:t>- field</a:t>
-            </a:r>
-            <a:r>
-              <a:rPr lang="en-US" sz="3000" dirty="0"/>
-              <a:t>, unit, or adjustment access to a temporal </a:t>
-            </a:r>
-            <a:r>
-              <a:rPr lang="en-US" sz="3000" dirty="0" smtClean="0"/>
-              <a:t>objects</a:t>
-            </a:r>
-            <a:endParaRPr lang="en-US" sz="3000" dirty="0"/>
-          </a:p>
-          <a:p>
-            <a:r>
-              <a:rPr lang="en-US" sz="3000" dirty="0" err="1">
-                <a:latin typeface="Consolas" panose="020B0609020204030204" pitchFamily="49" charset="0"/>
-                <a:cs typeface="Consolas" panose="020B0609020204030204" pitchFamily="49" charset="0"/>
-              </a:rPr>
-              <a:t>java.time.zone</a:t>
-            </a:r>
-            <a:r>
-              <a:rPr lang="en-US" sz="3000" dirty="0"/>
-              <a:t> </a:t>
-            </a:r>
-            <a:r>
-              <a:rPr lang="en-US" sz="3000" dirty="0" smtClean="0"/>
-              <a:t>– support for </a:t>
-            </a:r>
-            <a:r>
-              <a:rPr lang="en-US" sz="3000" dirty="0"/>
-              <a:t>time zones and their </a:t>
-            </a:r>
-            <a:r>
-              <a:rPr lang="en-US" sz="3000" dirty="0" smtClean="0"/>
-              <a:t>rules</a:t>
-            </a:r>
-            <a:endParaRPr lang="en-US" sz="3000" dirty="0"/>
+              <a:rPr lang="en-US" sz="2400" dirty="0">
+                <a:latin typeface="Consolas" panose="020B0609020204030204" pitchFamily="49" charset="0"/>
+                <a:cs typeface="Consolas" panose="020B0609020204030204" pitchFamily="49" charset="0"/>
+              </a:rPr>
+              <a:t>= </a:t>
+            </a:r>
+            <a:endParaRPr lang="en-US" sz="2400" dirty="0" smtClean="0">
+              <a:latin typeface="Consolas" panose="020B0609020204030204" pitchFamily="49" charset="0"/>
+              <a:cs typeface="Consolas" panose="020B0609020204030204" pitchFamily="49" charset="0"/>
+            </a:endParaRPr>
+          </a:p>
+          <a:p>
+            <a:pPr marL="0" indent="0">
+              <a:buNone/>
+            </a:pPr>
+            <a:r>
+              <a:rPr lang="en-US" sz="2400" dirty="0" smtClean="0">
+                <a:latin typeface="Consolas" panose="020B0609020204030204" pitchFamily="49" charset="0"/>
+                <a:cs typeface="Consolas" panose="020B0609020204030204" pitchFamily="49" charset="0"/>
+              </a:rPr>
+              <a:t>new </a:t>
+            </a:r>
+            <a:r>
+              <a:rPr lang="en-US" sz="2400" dirty="0" err="1">
+                <a:latin typeface="Consolas" panose="020B0609020204030204" pitchFamily="49" charset="0"/>
+                <a:cs typeface="Consolas" panose="020B0609020204030204" pitchFamily="49" charset="0"/>
+              </a:rPr>
+              <a:t>TemporalAdjuster</a:t>
+            </a:r>
+            <a:r>
+              <a:rPr lang="en-US" sz="2400" dirty="0">
+                <a:latin typeface="Consolas" panose="020B0609020204030204" pitchFamily="49" charset="0"/>
+                <a:cs typeface="Consolas" panose="020B0609020204030204" pitchFamily="49" charset="0"/>
+              </a:rPr>
+              <a:t>() { </a:t>
+            </a:r>
+            <a:endParaRPr lang="en-US" sz="2400" dirty="0" smtClean="0">
+              <a:latin typeface="Consolas" panose="020B0609020204030204" pitchFamily="49" charset="0"/>
+              <a:cs typeface="Consolas" panose="020B0609020204030204" pitchFamily="49" charset="0"/>
+            </a:endParaRPr>
+          </a:p>
+          <a:p>
+            <a:pPr marL="0" indent="0">
+              <a:buNone/>
+            </a:pPr>
+            <a:r>
+              <a:rPr lang="en-US" sz="2400" dirty="0" smtClean="0">
+                <a:latin typeface="Consolas" panose="020B0609020204030204" pitchFamily="49" charset="0"/>
+                <a:cs typeface="Consolas" panose="020B0609020204030204" pitchFamily="49" charset="0"/>
+              </a:rPr>
+              <a:t>  @Override </a:t>
+            </a:r>
+          </a:p>
+          <a:p>
+            <a:pPr marL="400050" lvl="1" indent="0">
+              <a:buNone/>
+            </a:pPr>
+            <a:r>
+              <a:rPr lang="en-US" sz="2400" dirty="0" smtClean="0">
+                <a:latin typeface="Consolas" panose="020B0609020204030204" pitchFamily="49" charset="0"/>
+                <a:cs typeface="Consolas" panose="020B0609020204030204" pitchFamily="49" charset="0"/>
+              </a:rPr>
+              <a:t>public Temporal </a:t>
+            </a:r>
+            <a:r>
+              <a:rPr lang="en-US" sz="2400" dirty="0" err="1" smtClean="0">
+                <a:latin typeface="Consolas" panose="020B0609020204030204" pitchFamily="49" charset="0"/>
+                <a:cs typeface="Consolas" panose="020B0609020204030204" pitchFamily="49" charset="0"/>
+              </a:rPr>
+              <a:t>adjustInto</a:t>
+            </a:r>
+            <a:r>
+              <a:rPr lang="en-US" sz="2400" dirty="0" smtClean="0">
+                <a:latin typeface="Consolas" panose="020B0609020204030204" pitchFamily="49" charset="0"/>
+                <a:cs typeface="Consolas" panose="020B0609020204030204" pitchFamily="49" charset="0"/>
+              </a:rPr>
+              <a:t>(Temporal temporal) { </a:t>
+            </a:r>
+          </a:p>
+          <a:p>
+            <a:pPr marL="400050" lvl="1" indent="0">
+              <a:buNone/>
+            </a:pPr>
+            <a:r>
+              <a:rPr lang="en-US" sz="2400" dirty="0" smtClean="0">
+                <a:latin typeface="Consolas" panose="020B0609020204030204" pitchFamily="49" charset="0"/>
+                <a:cs typeface="Consolas" panose="020B0609020204030204" pitchFamily="49" charset="0"/>
+              </a:rPr>
+              <a:t>return </a:t>
+            </a:r>
+            <a:r>
+              <a:rPr lang="en-US" sz="2400" dirty="0" err="1" smtClean="0">
+                <a:latin typeface="Consolas" panose="020B0609020204030204" pitchFamily="49" charset="0"/>
+                <a:cs typeface="Consolas" panose="020B0609020204030204" pitchFamily="49" charset="0"/>
+              </a:rPr>
+              <a:t>temporal.plus</a:t>
+            </a:r>
+            <a:r>
+              <a:rPr lang="en-US" sz="2400" dirty="0" smtClean="0">
+                <a:latin typeface="Consolas" panose="020B0609020204030204" pitchFamily="49" charset="0"/>
+                <a:cs typeface="Consolas" panose="020B0609020204030204" pitchFamily="49" charset="0"/>
+              </a:rPr>
+              <a:t>(4, </a:t>
+            </a:r>
+            <a:r>
+              <a:rPr lang="en-US" sz="2400" dirty="0" err="1" smtClean="0">
+                <a:latin typeface="Consolas" panose="020B0609020204030204" pitchFamily="49" charset="0"/>
+                <a:cs typeface="Consolas" panose="020B0609020204030204" pitchFamily="49" charset="0"/>
+              </a:rPr>
+              <a:t>ChronoUnit.MINUTES</a:t>
+            </a:r>
+            <a:r>
+              <a:rPr lang="en-US" sz="2400" dirty="0" smtClean="0">
+                <a:latin typeface="Consolas" panose="020B0609020204030204" pitchFamily="49" charset="0"/>
+                <a:cs typeface="Consolas" panose="020B0609020204030204" pitchFamily="49" charset="0"/>
+              </a:rPr>
+              <a:t>); </a:t>
+            </a:r>
+          </a:p>
+          <a:p>
+            <a:pPr marL="400050" lvl="1" indent="0">
+              <a:buNone/>
+            </a:pPr>
+            <a:r>
+              <a:rPr lang="en-US" sz="2400" dirty="0" smtClean="0">
+                <a:latin typeface="Consolas" panose="020B0609020204030204" pitchFamily="49" charset="0"/>
+                <a:cs typeface="Consolas" panose="020B0609020204030204" pitchFamily="49" charset="0"/>
+              </a:rPr>
+              <a:t>} </a:t>
+            </a:r>
+          </a:p>
+          <a:p>
+            <a:pPr marL="0" indent="0">
+              <a:buNone/>
+            </a:pPr>
+            <a:r>
+              <a:rPr lang="en-US" sz="2400" dirty="0" smtClean="0">
+                <a:latin typeface="Consolas" panose="020B0609020204030204" pitchFamily="49" charset="0"/>
+                <a:cs typeface="Consolas" panose="020B0609020204030204" pitchFamily="49" charset="0"/>
+              </a:rPr>
+              <a:t>}; </a:t>
+            </a:r>
+          </a:p>
+          <a:p>
+            <a:pPr marL="0" indent="0">
+              <a:buNone/>
+            </a:pPr>
+            <a:r>
+              <a:rPr lang="en-US" sz="2400" dirty="0" err="1" smtClean="0">
+                <a:latin typeface="Consolas" panose="020B0609020204030204" pitchFamily="49" charset="0"/>
+                <a:cs typeface="Consolas" panose="020B0609020204030204" pitchFamily="49" charset="0"/>
+              </a:rPr>
+              <a:t>LocalTime</a:t>
+            </a:r>
+            <a:r>
+              <a:rPr lang="en-US" sz="2400" dirty="0" smtClean="0">
+                <a:latin typeface="Consolas" panose="020B0609020204030204" pitchFamily="49" charset="0"/>
+                <a:cs typeface="Consolas" panose="020B0609020204030204" pitchFamily="49" charset="0"/>
+              </a:rPr>
+              <a:t> time </a:t>
+            </a:r>
+            <a:r>
+              <a:rPr lang="en-US" sz="2400" dirty="0">
+                <a:latin typeface="Consolas" panose="020B0609020204030204" pitchFamily="49" charset="0"/>
+                <a:cs typeface="Consolas" panose="020B0609020204030204" pitchFamily="49" charset="0"/>
+              </a:rPr>
+              <a:t>= </a:t>
+            </a:r>
+            <a:r>
+              <a:rPr lang="en-US" sz="2400" dirty="0" err="1">
+                <a:latin typeface="Consolas" panose="020B0609020204030204" pitchFamily="49" charset="0"/>
+                <a:cs typeface="Consolas" panose="020B0609020204030204" pitchFamily="49" charset="0"/>
+              </a:rPr>
+              <a:t>LocalTime.of</a:t>
+            </a:r>
+            <a:r>
+              <a:rPr lang="en-US" sz="2400" dirty="0">
+                <a:latin typeface="Consolas" panose="020B0609020204030204" pitchFamily="49" charset="0"/>
+                <a:cs typeface="Consolas" panose="020B0609020204030204" pitchFamily="49" charset="0"/>
+              </a:rPr>
+              <a:t>(12, 0, 0); </a:t>
+            </a:r>
+            <a:endParaRPr lang="en-US" sz="2400" dirty="0" smtClean="0">
+              <a:latin typeface="Consolas" panose="020B0609020204030204" pitchFamily="49" charset="0"/>
+              <a:cs typeface="Consolas" panose="020B0609020204030204" pitchFamily="49" charset="0"/>
+            </a:endParaRPr>
+          </a:p>
+          <a:p>
+            <a:pPr marL="0" indent="0">
+              <a:buNone/>
+            </a:pPr>
+            <a:r>
+              <a:rPr lang="en-US" sz="2400" dirty="0" err="1" smtClean="0">
+                <a:latin typeface="Consolas" panose="020B0609020204030204" pitchFamily="49" charset="0"/>
+                <a:cs typeface="Consolas" panose="020B0609020204030204" pitchFamily="49" charset="0"/>
+              </a:rPr>
+              <a:t>time.with</a:t>
+            </a:r>
+            <a:r>
+              <a:rPr lang="en-US" sz="2400" dirty="0" smtClean="0">
+                <a:latin typeface="Consolas" panose="020B0609020204030204" pitchFamily="49" charset="0"/>
+                <a:cs typeface="Consolas" panose="020B0609020204030204" pitchFamily="49" charset="0"/>
+              </a:rPr>
+              <a:t>(</a:t>
+            </a:r>
+            <a:r>
+              <a:rPr lang="en-US" sz="2400" dirty="0" err="1" smtClean="0">
+                <a:latin typeface="Consolas" panose="020B0609020204030204" pitchFamily="49" charset="0"/>
+                <a:cs typeface="Consolas" panose="020B0609020204030204" pitchFamily="49" charset="0"/>
+              </a:rPr>
+              <a:t>fourMinutesLater</a:t>
+            </a:r>
+            <a:r>
+              <a:rPr lang="en-US" sz="2400" dirty="0" smtClean="0">
+                <a:latin typeface="Consolas" panose="020B0609020204030204" pitchFamily="49" charset="0"/>
+                <a:cs typeface="Consolas" panose="020B0609020204030204" pitchFamily="49" charset="0"/>
+              </a:rPr>
+              <a:t>); // 12:04</a:t>
+            </a:r>
+            <a:endParaRPr lang="en-US" sz="2400" dirty="0">
+              <a:latin typeface="Consolas" panose="020B0609020204030204" pitchFamily="49" charset="0"/>
+              <a:cs typeface="Consolas" panose="020B0609020204030204" pitchFamily="49" charset="0"/>
+            </a:endParaRPr>
           </a:p>
         </p:txBody>
       </p:sp>
     </p:spTree>
     <p:extLst>
       <p:ext uri="{BB962C8B-B14F-4D97-AF65-F5344CB8AC3E}">
-        <p14:creationId xmlns:p14="http://schemas.microsoft.com/office/powerpoint/2010/main" val="3869983739"/>
+        <p14:creationId xmlns:p14="http://schemas.microsoft.com/office/powerpoint/2010/main" val="1380035644"/>
       </p:ext>
     </p:extLst>
   </p:cSld>
@@ -12957,7 +12971,7 @@
           <a:p>
             <a:r>
               <a:rPr lang="en-US" dirty="0" smtClean="0"/>
-              <a:t>Consistent Operations</a:t>
+              <a:t>Temporal Adjusters, Java 8 Style</a:t>
             </a:r>
             <a:endParaRPr lang="en-US" dirty="0"/>
           </a:p>
@@ -12980,204 +12994,113 @@
           </a:bodyPr>
           <a:lstStyle/>
           <a:p>
+            <a:pPr marL="0" indent="0">
+              <a:buNone/>
+            </a:pPr>
+            <a:r>
+              <a:rPr lang="en-US" sz="2400" dirty="0" err="1" smtClean="0">
+                <a:latin typeface="Consolas" panose="020B0609020204030204" pitchFamily="49" charset="0"/>
+                <a:cs typeface="Consolas" panose="020B0609020204030204" pitchFamily="49" charset="0"/>
+              </a:rPr>
+              <a:t>LocalTime</a:t>
+            </a:r>
+            <a:r>
+              <a:rPr lang="en-US" sz="2400" dirty="0" smtClean="0">
+                <a:latin typeface="Consolas" panose="020B0609020204030204" pitchFamily="49" charset="0"/>
+                <a:cs typeface="Consolas" panose="020B0609020204030204" pitchFamily="49" charset="0"/>
+              </a:rPr>
+              <a:t> time </a:t>
+            </a:r>
             <a:r>
               <a:rPr lang="en-US" sz="2400" dirty="0">
                 <a:latin typeface="Consolas" panose="020B0609020204030204" pitchFamily="49" charset="0"/>
                 <a:cs typeface="Consolas" panose="020B0609020204030204" pitchFamily="49" charset="0"/>
               </a:rPr>
-              <a:t>of</a:t>
-            </a:r>
-            <a:r>
-              <a:rPr lang="en-US" sz="2400" dirty="0"/>
-              <a:t> - static </a:t>
-            </a:r>
-            <a:r>
-              <a:rPr lang="en-US" sz="2400" dirty="0" smtClean="0"/>
-              <a:t>factory, validates </a:t>
-            </a:r>
-            <a:r>
-              <a:rPr lang="en-US" sz="2400" dirty="0"/>
-              <a:t>input </a:t>
-            </a:r>
-            <a:r>
-              <a:rPr lang="en-US" sz="2400" dirty="0" smtClean="0"/>
-              <a:t>parameters</a:t>
-            </a:r>
-            <a:endParaRPr lang="en-US" sz="2400" dirty="0"/>
-          </a:p>
-          <a:p>
+              <a:t>= </a:t>
+            </a:r>
+            <a:r>
+              <a:rPr lang="en-US" sz="2400" dirty="0" err="1">
+                <a:latin typeface="Consolas" panose="020B0609020204030204" pitchFamily="49" charset="0"/>
+                <a:cs typeface="Consolas" panose="020B0609020204030204" pitchFamily="49" charset="0"/>
+              </a:rPr>
+              <a:t>LocalTime.of</a:t>
+            </a:r>
             <a:r>
               <a:rPr lang="en-US" sz="2400" dirty="0">
                 <a:latin typeface="Consolas" panose="020B0609020204030204" pitchFamily="49" charset="0"/>
                 <a:cs typeface="Consolas" panose="020B0609020204030204" pitchFamily="49" charset="0"/>
               </a:rPr>
-              <a:t>from</a:t>
-            </a:r>
-            <a:r>
-              <a:rPr lang="en-US" sz="2400" dirty="0"/>
-              <a:t> - static </a:t>
-            </a:r>
-            <a:r>
-              <a:rPr lang="en-US" sz="2400" dirty="0" smtClean="0"/>
-              <a:t>factory, converts </a:t>
-            </a:r>
-            <a:r>
-              <a:rPr lang="en-US" sz="2400" dirty="0"/>
-              <a:t>to an instance of a target class</a:t>
-            </a:r>
-          </a:p>
-          <a:p>
+              <a:t>(12, 0, 0); </a:t>
+            </a:r>
+            <a:endParaRPr lang="en-US" sz="2400" dirty="0" smtClean="0">
+              <a:latin typeface="Consolas" panose="020B0609020204030204" pitchFamily="49" charset="0"/>
+              <a:cs typeface="Consolas" panose="020B0609020204030204" pitchFamily="49" charset="0"/>
+            </a:endParaRPr>
+          </a:p>
+          <a:p>
+            <a:pPr marL="0" indent="0">
+              <a:buNone/>
+            </a:pPr>
+            <a:r>
+              <a:rPr lang="en-US" sz="2400" dirty="0" err="1" smtClean="0">
+                <a:latin typeface="Consolas" panose="020B0609020204030204" pitchFamily="49" charset="0"/>
+                <a:cs typeface="Consolas" panose="020B0609020204030204" pitchFamily="49" charset="0"/>
+              </a:rPr>
+              <a:t>time.with</a:t>
+            </a:r>
             <a:r>
               <a:rPr lang="en-US" sz="2400" dirty="0" smtClean="0">
                 <a:latin typeface="Consolas" panose="020B0609020204030204" pitchFamily="49" charset="0"/>
                 <a:cs typeface="Consolas" panose="020B0609020204030204" pitchFamily="49" charset="0"/>
               </a:rPr>
-              <a:t>get</a:t>
-            </a:r>
-            <a:r>
-              <a:rPr lang="en-US" sz="2400" dirty="0"/>
-              <a:t> - </a:t>
-            </a:r>
-            <a:r>
-              <a:rPr lang="en-US" sz="2400" dirty="0" smtClean="0"/>
-              <a:t>returns </a:t>
-            </a:r>
-            <a:r>
-              <a:rPr lang="en-US" sz="2400" dirty="0"/>
-              <a:t>part of the state </a:t>
-            </a:r>
-            <a:endParaRPr lang="en-US" sz="2400" dirty="0" smtClean="0"/>
-          </a:p>
-          <a:p>
+              <a:t>(</a:t>
+            </a:r>
+            <a:r>
+              <a:rPr lang="en-US" sz="2400" dirty="0">
+                <a:latin typeface="Consolas" panose="020B0609020204030204" pitchFamily="49" charset="0"/>
+                <a:cs typeface="Consolas" panose="020B0609020204030204" pitchFamily="49" charset="0"/>
+              </a:rPr>
+              <a:t>temporal -&gt; </a:t>
+            </a:r>
+            <a:r>
+              <a:rPr lang="en-US" sz="2400" dirty="0" err="1">
+                <a:latin typeface="Consolas" panose="020B0609020204030204" pitchFamily="49" charset="0"/>
+                <a:cs typeface="Consolas" panose="020B0609020204030204" pitchFamily="49" charset="0"/>
+              </a:rPr>
+              <a:t>temporal.plus</a:t>
+            </a:r>
+            <a:r>
+              <a:rPr lang="en-US" sz="2400" dirty="0">
+                <a:latin typeface="Consolas" panose="020B0609020204030204" pitchFamily="49" charset="0"/>
+                <a:cs typeface="Consolas" panose="020B0609020204030204" pitchFamily="49" charset="0"/>
+              </a:rPr>
+              <a:t>(4, </a:t>
+            </a:r>
+            <a:r>
+              <a:rPr lang="en-US" sz="2400" dirty="0" err="1">
+                <a:latin typeface="Consolas" panose="020B0609020204030204" pitchFamily="49" charset="0"/>
+                <a:cs typeface="Consolas" panose="020B0609020204030204" pitchFamily="49" charset="0"/>
+              </a:rPr>
+              <a:t>ChronoUnit.MINUTES</a:t>
+            </a:r>
             <a:r>
               <a:rPr lang="en-US" sz="2400" dirty="0" smtClean="0">
                 <a:latin typeface="Consolas" panose="020B0609020204030204" pitchFamily="49" charset="0"/>
                 <a:cs typeface="Consolas" panose="020B0609020204030204" pitchFamily="49" charset="0"/>
               </a:rPr>
-              <a:t>is</a:t>
-            </a:r>
-            <a:r>
-              <a:rPr lang="en-US" sz="2400" dirty="0"/>
-              <a:t> - </a:t>
-            </a:r>
-            <a:r>
-              <a:rPr lang="en-US" sz="2400" dirty="0" smtClean="0"/>
-              <a:t>queries </a:t>
-            </a:r>
-            <a:r>
-              <a:rPr lang="en-US" sz="2400" dirty="0"/>
-              <a:t>the state </a:t>
-            </a:r>
-            <a:endParaRPr lang="en-US" sz="2400" dirty="0" smtClean="0"/>
-          </a:p>
-          <a:p>
-            <a:r>
-              <a:rPr lang="en-US" sz="2400" dirty="0" smtClean="0">
-                <a:latin typeface="Consolas" panose="020B0609020204030204" pitchFamily="49" charset="0"/>
-                <a:cs typeface="Consolas" panose="020B0609020204030204" pitchFamily="49" charset="0"/>
-              </a:rPr>
-              <a:t>with</a:t>
-            </a:r>
-            <a:r>
-              <a:rPr lang="en-US" sz="2400" dirty="0"/>
-              <a:t> - r</a:t>
-            </a:r>
-            <a:r>
-              <a:rPr lang="en-US" sz="2400" dirty="0" smtClean="0"/>
-              <a:t>eturns immutable </a:t>
-            </a:r>
-            <a:r>
-              <a:rPr lang="en-US" sz="2400" dirty="0"/>
-              <a:t>copy </a:t>
-            </a:r>
-            <a:r>
-              <a:rPr lang="en-US" sz="2400" dirty="0" smtClean="0"/>
-              <a:t>with elements changed</a:t>
-            </a:r>
-            <a:endParaRPr lang="en-US" sz="2400" dirty="0"/>
-          </a:p>
-          <a:p>
-            <a:r>
-              <a:rPr lang="en-US" sz="2400" dirty="0" smtClean="0">
-                <a:latin typeface="Consolas" panose="020B0609020204030204" pitchFamily="49" charset="0"/>
-                <a:cs typeface="Consolas" panose="020B0609020204030204" pitchFamily="49" charset="0"/>
-              </a:rPr>
-              <a:t>to</a:t>
-            </a:r>
-            <a:r>
-              <a:rPr lang="en-US" sz="2400" dirty="0"/>
-              <a:t> - </a:t>
-            </a:r>
-            <a:r>
-              <a:rPr lang="en-US" sz="2400" dirty="0" smtClean="0"/>
-              <a:t>converts </a:t>
-            </a:r>
-            <a:r>
-              <a:rPr lang="en-US" sz="2400" dirty="0"/>
-              <a:t>this object to another object </a:t>
-            </a:r>
-            <a:r>
-              <a:rPr lang="en-US" sz="2400" dirty="0" smtClean="0"/>
-              <a:t>type</a:t>
-            </a:r>
-          </a:p>
-          <a:p>
-            <a:r>
-              <a:rPr lang="en-US" sz="2400" dirty="0">
-                <a:latin typeface="Consolas" panose="020B0609020204030204" pitchFamily="49" charset="0"/>
-                <a:cs typeface="Consolas" panose="020B0609020204030204" pitchFamily="49" charset="0"/>
-              </a:rPr>
-              <a:t>plus, minus </a:t>
-            </a:r>
-            <a:r>
-              <a:rPr lang="en-US" sz="2400" dirty="0"/>
-              <a:t> - returns immutable copy after time </a:t>
-            </a:r>
-            <a:r>
-              <a:rPr lang="en-US" sz="2400" dirty="0" smtClean="0"/>
-              <a:t>operation</a:t>
-            </a:r>
-          </a:p>
-          <a:p>
-            <a:r>
-              <a:rPr lang="en-US" sz="2400" dirty="0">
-                <a:latin typeface="Consolas" panose="020B0609020204030204" pitchFamily="49" charset="0"/>
-                <a:cs typeface="Consolas" panose="020B0609020204030204" pitchFamily="49" charset="0"/>
-              </a:rPr>
-              <a:t>parse</a:t>
-            </a:r>
-            <a:r>
-              <a:rPr lang="en-US" sz="2400" dirty="0"/>
-              <a:t> - static, parses an input string</a:t>
-            </a:r>
-          </a:p>
-          <a:p>
-            <a:r>
-              <a:rPr lang="en-US" sz="2400" dirty="0">
-                <a:latin typeface="Consolas" panose="020B0609020204030204" pitchFamily="49" charset="0"/>
-                <a:cs typeface="Consolas" panose="020B0609020204030204" pitchFamily="49" charset="0"/>
-              </a:rPr>
-              <a:t>format</a:t>
-            </a:r>
-            <a:r>
-              <a:rPr lang="en-US" sz="2400" dirty="0"/>
-              <a:t> - uses a specified formatter to </a:t>
-            </a:r>
-            <a:r>
-              <a:rPr lang="en-US" sz="2400" dirty="0" smtClean="0"/>
-              <a:t>format</a:t>
-            </a:r>
-            <a:endParaRPr lang="en-US" sz="2400" dirty="0"/>
-          </a:p>
-          <a:p>
-            <a:endParaRPr lang="en-US" sz="2400" dirty="0"/>
+              <a:t>)));</a:t>
+            </a:r>
+            <a:endParaRPr lang="en-US" sz="2400" dirty="0">
+              <a:latin typeface="Consolas" panose="020B0609020204030204" pitchFamily="49" charset="0"/>
+              <a:cs typeface="Consolas" panose="020B0609020204030204" pitchFamily="49" charset="0"/>
+            </a:endParaRPr>
           </a:p>
         </p:txBody>
       </p:sp>
     </p:spTree>
     <p:extLst>
       <p:ext uri="{BB962C8B-B14F-4D97-AF65-F5344CB8AC3E}">
-        <p14:creationId xmlns:p14="http://schemas.microsoft.com/office/powerpoint/2010/main" val="2757343577"/>
+        <p14:creationId xmlns:p14="http://schemas.microsoft.com/office/powerpoint/2010/main" val="2941858501"/>
       </p:ext>
     </p:extLst>
   </p:cSld>
@@ -13227,12 +13150,8 @@
           <a:lstStyle/>
           <a:p>
             <a:r>
-              <a:rPr lang="en-US" dirty="0" err="1" smtClean="0"/>
-              <a:t>Enums</a:t>
-            </a:r>
-            <a:r>
               <a:rPr lang="en-US" dirty="0" smtClean="0"/>
-              <a:t> for Everything</a:t>
+              <a:t>Temporal Queries</a:t>
             </a:r>
             <a:endParaRPr lang="en-US" dirty="0"/>
           </a:p>
@@ -13256,206 +13175,68 @@
           <a:lstStyle/>
           <a:p>
             <a:r>
-              <a:rPr lang="en-US" dirty="0" err="1" smtClean="0"/>
-              <a:t>DayOfWeek</a:t>
-            </a:r>
+              <a:rPr lang="en-US" dirty="0"/>
+              <a:t>Strategy for extracting information from temporal objects</a:t>
+            </a:r>
+          </a:p>
+          <a:p>
+            <a:r>
+              <a:rPr lang="en-US" dirty="0"/>
+              <a:t>Externalize the process of querying</a:t>
+            </a:r>
+          </a:p>
+          <a:p>
             <a:r>
               <a:rPr lang="en-US" dirty="0" smtClean="0"/>
-              <a:t>, for example </a:t>
-            </a:r>
-            <a:r>
-              <a:rPr lang="en-US" dirty="0" err="1" smtClean="0">
-                <a:latin typeface="Consolas" panose="020B0609020204030204" pitchFamily="49" charset="0"/>
-                <a:cs typeface="Consolas" panose="020B0609020204030204" pitchFamily="49" charset="0"/>
-              </a:rPr>
-              <a:t>DayOfWeek.SUNDAY</a:t>
-            </a:r>
-            <a:endParaRPr lang="en-US" dirty="0" smtClean="0">
-              <a:latin typeface="Consolas" panose="020B0609020204030204" pitchFamily="49" charset="0"/>
-              <a:cs typeface="Consolas" panose="020B0609020204030204" pitchFamily="49" charset="0"/>
-            </a:endParaRPr>
-          </a:p>
-          <a:p>
+              <a:t>Examples</a:t>
+            </a:r>
+            <a:endParaRPr lang="en-US" dirty="0"/>
+          </a:p>
+          <a:p>
+            <a:pPr lvl="1"/>
+            <a:r>
+              <a:rPr lang="en-US" dirty="0"/>
+              <a:t>get the </a:t>
+            </a:r>
             <a:r>
               <a:rPr lang="en-US" dirty="0" smtClean="0"/>
-              <a:t>Month</a:t>
+              <a:t>time zone </a:t>
             </a:r>
             <a:r>
               <a:rPr lang="en-US" dirty="0"/>
-              <a:t> , for example </a:t>
+              <a:t>in a temporal object</a:t>
+            </a:r>
+          </a:p>
+          <a:p>
+            <a:pPr lvl="1"/>
+            <a:r>
+              <a:rPr lang="en-US" dirty="0"/>
+              <a:t>check if the date is the day before February 29th in a leap year</a:t>
+            </a:r>
+          </a:p>
+          <a:p>
+            <a:pPr lvl="1"/>
+            <a:r>
+              <a:rPr lang="en-US" dirty="0"/>
+              <a:t>calculates the number of days to your next birthday</a:t>
+            </a:r>
+          </a:p>
+          <a:p>
+            <a:r>
+              <a:rPr lang="en-US" dirty="0" err="1"/>
+              <a:t>TemporalQueries</a:t>
+            </a:r>
+            <a:r>
+              <a:rPr lang="en-US" dirty="0"/>
+              <a:t> </a:t>
             </a:r>
             <a:r>
               <a:rPr lang="en-US" dirty="0" smtClean="0"/>
-              <a:t/>
-            </a:r>
-            <a:br>
-              <a:rPr lang="en-US" dirty="0" smtClean="0"/>
-            </a:br>
-            <a:r>
-              <a:rPr lang="en-US" dirty="0" err="1" smtClean="0">
-                <a:latin typeface="Consolas" panose="020B0609020204030204" pitchFamily="49" charset="0"/>
-                <a:cs typeface="Consolas" panose="020B0609020204030204" pitchFamily="49" charset="0"/>
-              </a:rPr>
-              <a:t>LocalDate.of</a:t>
-            </a:r>
-            <a:r>
-              <a:rPr lang="en-US" dirty="0" smtClean="0">
-                <a:latin typeface="Consolas" panose="020B0609020204030204" pitchFamily="49" charset="0"/>
-                <a:cs typeface="Consolas" panose="020B0609020204030204" pitchFamily="49" charset="0"/>
-              </a:rPr>
-              <a:t>(2014</a:t>
-            </a:r>
-            <a:r>
-              <a:rPr lang="en-US" dirty="0">
-                <a:latin typeface="Consolas" panose="020B0609020204030204" pitchFamily="49" charset="0"/>
-                <a:cs typeface="Consolas" panose="020B0609020204030204" pitchFamily="49" charset="0"/>
-              </a:rPr>
-              <a:t>, </a:t>
-            </a:r>
-            <a:r>
-              <a:rPr lang="en-US" dirty="0" err="1" smtClean="0">
-                <a:latin typeface="Consolas" panose="020B0609020204030204" pitchFamily="49" charset="0"/>
-                <a:cs typeface="Consolas" panose="020B0609020204030204" pitchFamily="49" charset="0"/>
-              </a:rPr>
-              <a:t>Month.MAY</a:t>
-            </a:r>
-            <a:r>
-              <a:rPr lang="en-US" dirty="0" smtClean="0">
-                <a:latin typeface="Consolas" panose="020B0609020204030204" pitchFamily="49" charset="0"/>
-                <a:cs typeface="Consolas" panose="020B0609020204030204" pitchFamily="49" charset="0"/>
-              </a:rPr>
-              <a:t>, </a:t>
-            </a:r>
-            <a:r>
-              <a:rPr lang="en-US" dirty="0">
-                <a:latin typeface="Consolas" panose="020B0609020204030204" pitchFamily="49" charset="0"/>
-                <a:cs typeface="Consolas" panose="020B0609020204030204" pitchFamily="49" charset="0"/>
-              </a:rPr>
-              <a:t>20</a:t>
-            </a:r>
-            <a:r>
-              <a:rPr lang="en-US" dirty="0" smtClean="0">
-                <a:latin typeface="Consolas" panose="020B0609020204030204" pitchFamily="49" charset="0"/>
-                <a:cs typeface="Consolas" panose="020B0609020204030204" pitchFamily="49" charset="0"/>
-              </a:rPr>
-              <a:t>); </a:t>
-            </a:r>
-          </a:p>
-          <a:p>
-            <a:r>
-              <a:rPr lang="en-US" dirty="0" err="1" smtClean="0"/>
-              <a:t>ChronoUnit</a:t>
+              <a:t>class has </a:t>
             </a:r>
             <a:r>
               <a:rPr lang="en-US" dirty="0"/>
-              <a:t> , for example </a:t>
-            </a:r>
-            <a:br>
-              <a:rPr lang="en-US" dirty="0"/>
-            </a:br>
-            <a:r>
-              <a:rPr lang="en-US" dirty="0" err="1" smtClean="0">
-                <a:latin typeface="Consolas" panose="020B0609020204030204" pitchFamily="49" charset="0"/>
-                <a:cs typeface="Consolas" panose="020B0609020204030204" pitchFamily="49" charset="0"/>
-              </a:rPr>
-              <a:t>Instant.now</a:t>
-            </a:r>
-            <a:r>
-              <a:rPr lang="en-US" dirty="0" smtClean="0">
-                <a:latin typeface="Consolas" panose="020B0609020204030204" pitchFamily="49" charset="0"/>
-                <a:cs typeface="Consolas" panose="020B0609020204030204" pitchFamily="49" charset="0"/>
-              </a:rPr>
-              <a:t>()</a:t>
-            </a:r>
-            <a:br>
-              <a:rPr lang="en-US" dirty="0" smtClean="0">
-                <a:latin typeface="Consolas" panose="020B0609020204030204" pitchFamily="49" charset="0"/>
-                <a:cs typeface="Consolas" panose="020B0609020204030204" pitchFamily="49" charset="0"/>
-              </a:rPr>
-            </a:br>
-            <a:r>
-              <a:rPr lang="en-US" dirty="0" smtClean="0">
-                <a:latin typeface="Consolas" panose="020B0609020204030204" pitchFamily="49" charset="0"/>
-                <a:cs typeface="Consolas" panose="020B0609020204030204" pitchFamily="49" charset="0"/>
-              </a:rPr>
-              <a:t>.plus(1, </a:t>
-            </a:r>
-            <a:r>
-              <a:rPr lang="en-US" dirty="0" err="1" smtClean="0">
-                <a:latin typeface="Consolas" panose="020B0609020204030204" pitchFamily="49" charset="0"/>
-                <a:cs typeface="Consolas" panose="020B0609020204030204" pitchFamily="49" charset="0"/>
-              </a:rPr>
-              <a:t>ChronoUnit.DAYS</a:t>
-            </a:r>
-            <a:r>
-              <a:rPr lang="en-US" dirty="0" smtClean="0">
-                <a:latin typeface="Consolas" panose="020B0609020204030204" pitchFamily="49" charset="0"/>
-                <a:cs typeface="Consolas" panose="020B0609020204030204" pitchFamily="49" charset="0"/>
-              </a:rPr>
-              <a:t>) </a:t>
-            </a:r>
-          </a:p>
-          <a:p>
-            <a:r>
-              <a:rPr lang="en-US" dirty="0" smtClean="0"/>
-              <a:t>Other </a:t>
-            </a:r>
-            <a:r>
-              <a:rPr lang="en-US" dirty="0"/>
-              <a:t>useful </a:t>
-            </a:r>
-            <a:r>
-              <a:rPr lang="en-US" dirty="0" err="1"/>
-              <a:t>enums</a:t>
-            </a:r>
-            <a:endParaRPr lang="en-US" dirty="0"/>
-          </a:p>
-          <a:p>
-            <a:pPr lvl="1"/>
-            <a:r>
-              <a:rPr lang="en-US" sz="3200" dirty="0" err="1">
-                <a:latin typeface="Consolas" panose="020B0609020204030204" pitchFamily="49" charset="0"/>
-                <a:cs typeface="Consolas" panose="020B0609020204030204" pitchFamily="49" charset="0"/>
-              </a:rPr>
-              <a:t>LocalTime.MIDNIGHT</a:t>
-            </a:r>
-            <a:r>
-              <a:rPr lang="en-US" sz="3200" dirty="0" smtClean="0">
-                <a:latin typeface="Consolas" panose="020B0609020204030204" pitchFamily="49" charset="0"/>
-                <a:cs typeface="Consolas" panose="020B0609020204030204" pitchFamily="49" charset="0"/>
-              </a:rPr>
-              <a:t>; //</a:t>
-            </a:r>
-            <a:r>
-              <a:rPr lang="en-US" sz="3200" dirty="0">
-                <a:latin typeface="Consolas" panose="020B0609020204030204" pitchFamily="49" charset="0"/>
-                <a:cs typeface="Consolas" panose="020B0609020204030204" pitchFamily="49" charset="0"/>
-              </a:rPr>
-              <a:t>00:00</a:t>
-            </a:r>
-          </a:p>
-          <a:p>
-            <a:pPr lvl="1"/>
-            <a:r>
-              <a:rPr lang="en-US" sz="3200" dirty="0" err="1">
-                <a:latin typeface="Consolas" panose="020B0609020204030204" pitchFamily="49" charset="0"/>
-                <a:cs typeface="Consolas" panose="020B0609020204030204" pitchFamily="49" charset="0"/>
-              </a:rPr>
-              <a:t>LocalTime.NOON</a:t>
-            </a:r>
-            <a:r>
-              <a:rPr lang="en-US" sz="3200" dirty="0" smtClean="0">
-                <a:latin typeface="Consolas" panose="020B0609020204030204" pitchFamily="49" charset="0"/>
-                <a:cs typeface="Consolas" panose="020B0609020204030204" pitchFamily="49" charset="0"/>
-              </a:rPr>
-              <a:t>; //</a:t>
-            </a:r>
-            <a:r>
-              <a:rPr lang="en-US" sz="3200" dirty="0">
-                <a:latin typeface="Consolas" panose="020B0609020204030204" pitchFamily="49" charset="0"/>
-                <a:cs typeface="Consolas" panose="020B0609020204030204" pitchFamily="49" charset="0"/>
-              </a:rPr>
-              <a:t>12:00</a:t>
+              <a:t>common implementations of queries</a:t>
             </a:r>
           </a:p>
         </p:txBody>
@@ -13463,7 +13244,7 @@
     </p:spTree>
     <p:extLst>
       <p:ext uri="{BB962C8B-B14F-4D97-AF65-F5344CB8AC3E}">
-        <p14:creationId xmlns:p14="http://schemas.microsoft.com/office/powerpoint/2010/main" val="3485339212"/>
+        <p14:creationId xmlns:p14="http://schemas.microsoft.com/office/powerpoint/2010/main" val="1967694706"/>
       </p:ext>
     </p:extLst>
   </p:cSld>
@@ -13514,7 +13295,7 @@
           <a:p>
             <a:r>
               <a:rPr lang="en-US" dirty="0" smtClean="0"/>
-              <a:t>Parsing</a:t>
+              <a:t>New Packages</a:t>
             </a:r>
             <a:endParaRPr lang="en-US" dirty="0"/>
           </a:p>
@@ -13532,17 +13313,162 @@
         </p:nvSpPr>
         <p:spPr/>
         <p:txBody>
-          <a:bodyPr/>
+          <a:bodyPr>
+            <a:noAutofit/>
+          </a:bodyPr>
           <a:lstStyle/>
           <a:p>
-            <a:endParaRPr lang="en-US"/>
+            <a:r>
+              <a:rPr lang="en-US" sz="3000" dirty="0" err="1">
+                <a:latin typeface="Consolas" panose="020B0609020204030204" pitchFamily="49" charset="0"/>
+                <a:cs typeface="Consolas" panose="020B0609020204030204" pitchFamily="49" charset="0"/>
+              </a:rPr>
+              <a:t>java.time</a:t>
+            </a:r>
+            <a:r>
+              <a:rPr lang="en-US" sz="3000" dirty="0"/>
+              <a:t> </a:t>
+            </a:r>
+            <a:r>
+              <a:rPr lang="en-US" sz="3000" dirty="0" smtClean="0"/>
+              <a:t>- instants</a:t>
+            </a:r>
+            <a:r>
+              <a:rPr lang="en-US" sz="3000" dirty="0"/>
+              <a:t>, durations, dates, times, time zones, </a:t>
+            </a:r>
+            <a:r>
+              <a:rPr lang="en-US" sz="3000" dirty="0" smtClean="0"/>
+              <a:t>periods; immutable </a:t>
+            </a:r>
+            <a:r>
+              <a:rPr lang="en-US" sz="3000" dirty="0"/>
+              <a:t>and </a:t>
+            </a:r>
+            <a:r>
+              <a:rPr lang="en-US" sz="3000" dirty="0" smtClean="0"/>
+              <a:t>thread-safe</a:t>
+            </a:r>
+            <a:endParaRPr lang="en-US" sz="3000" dirty="0"/>
+          </a:p>
+          <a:p>
+            <a:r>
+              <a:rPr lang="en-US" sz="3000" dirty="0" err="1">
+                <a:latin typeface="Consolas" panose="020B0609020204030204" pitchFamily="49" charset="0"/>
+                <a:cs typeface="Consolas" panose="020B0609020204030204" pitchFamily="49" charset="0"/>
+              </a:rPr>
+              <a:t>java.time.chrono</a:t>
+            </a:r>
+            <a:r>
+              <a:rPr lang="en-US" sz="3000" dirty="0"/>
+              <a:t> </a:t>
+            </a:r>
+            <a:r>
+              <a:rPr lang="en-US" sz="3000" dirty="0" smtClean="0"/>
+              <a:t>- calendar </a:t>
+            </a:r>
+            <a:r>
+              <a:rPr lang="en-US" sz="3000" dirty="0"/>
+              <a:t>systems other than </a:t>
+            </a:r>
+            <a:r>
+              <a:rPr lang="en-US" sz="3000" dirty="0" smtClean="0"/>
+              <a:t>ISO-8601 </a:t>
+            </a:r>
+            <a:r>
+              <a:rPr lang="en-US" sz="3000" dirty="0"/>
+              <a:t>calendar </a:t>
+            </a:r>
+            <a:r>
+              <a:rPr lang="en-US" sz="3000" dirty="0" smtClean="0"/>
+              <a:t>system</a:t>
+            </a:r>
+            <a:endParaRPr lang="en-US" sz="3000" dirty="0"/>
+          </a:p>
+          <a:p>
+            <a:r>
+              <a:rPr lang="en-US" sz="3000" dirty="0" err="1">
+                <a:latin typeface="Consolas" panose="020B0609020204030204" pitchFamily="49" charset="0"/>
+                <a:cs typeface="Consolas" panose="020B0609020204030204" pitchFamily="49" charset="0"/>
+              </a:rPr>
+              <a:t>java.time.format</a:t>
+            </a:r>
+            <a:r>
+              <a:rPr lang="en-US" sz="3000" dirty="0"/>
+              <a:t> </a:t>
+            </a:r>
+            <a:r>
+              <a:rPr lang="en-US" sz="3000" dirty="0" smtClean="0"/>
+              <a:t>- formatting </a:t>
+            </a:r>
+            <a:r>
+              <a:rPr lang="en-US" sz="3000" dirty="0"/>
+              <a:t>and </a:t>
+            </a:r>
+            <a:r>
+              <a:rPr lang="en-US" sz="3000" dirty="0" smtClean="0"/>
+              <a:t>parsing</a:t>
+            </a:r>
+            <a:endParaRPr lang="en-US" sz="3000" dirty="0"/>
+          </a:p>
+          <a:p>
+            <a:r>
+              <a:rPr lang="en-US" sz="3000" dirty="0" err="1">
+                <a:latin typeface="Consolas" panose="020B0609020204030204" pitchFamily="49" charset="0"/>
+                <a:cs typeface="Consolas" panose="020B0609020204030204" pitchFamily="49" charset="0"/>
+              </a:rPr>
+              <a:t>java.time.temporal</a:t>
+            </a:r>
+            <a:r>
+              <a:rPr lang="en-US" sz="3000" dirty="0"/>
+              <a:t> </a:t>
+            </a:r>
+            <a:r>
+              <a:rPr lang="en-US" sz="3000" dirty="0" smtClean="0"/>
+              <a:t>- field</a:t>
+            </a:r>
+            <a:r>
+              <a:rPr lang="en-US" sz="3000" dirty="0"/>
+              <a:t>, unit, or adjustment access to a temporal </a:t>
+            </a:r>
+            <a:r>
+              <a:rPr lang="en-US" sz="3000" dirty="0" smtClean="0"/>
+              <a:t>objects</a:t>
+            </a:r>
+            <a:endParaRPr lang="en-US" sz="3000" dirty="0"/>
+          </a:p>
+          <a:p>
+            <a:r>
+              <a:rPr lang="en-US" sz="3000" dirty="0" err="1">
+                <a:latin typeface="Consolas" panose="020B0609020204030204" pitchFamily="49" charset="0"/>
+                <a:cs typeface="Consolas" panose="020B0609020204030204" pitchFamily="49" charset="0"/>
+              </a:rPr>
+              <a:t>java.time.zone</a:t>
+            </a:r>
+            <a:r>
+              <a:rPr lang="en-US" sz="3000" dirty="0"/>
+              <a:t> </a:t>
+            </a:r>
+            <a:r>
+              <a:rPr lang="en-US" sz="3000" dirty="0" smtClean="0"/>
+              <a:t>– support for </a:t>
+            </a:r>
+            <a:r>
+              <a:rPr lang="en-US" sz="3000" dirty="0"/>
+              <a:t>time zones and their </a:t>
+            </a:r>
+            <a:r>
+              <a:rPr lang="en-US" sz="3000" dirty="0" smtClean="0"/>
+              <a:t>rules</a:t>
+            </a:r>
+            <a:endParaRPr lang="en-US" sz="3000" dirty="0"/>
           </a:p>
         </p:txBody>
       </p:sp>
     </p:spTree>
     <p:extLst>
       <p:ext uri="{BB962C8B-B14F-4D97-AF65-F5344CB8AC3E}">
-        <p14:creationId xmlns:p14="http://schemas.microsoft.com/office/powerpoint/2010/main" val="2618759877"/>
+        <p14:creationId xmlns:p14="http://schemas.microsoft.com/office/powerpoint/2010/main" val="3869983739"/>
       </p:ext>
     </p:extLst>
   </p:cSld>
@@ -13593,7 +13519,7 @@
           <a:p>
             <a:r>
               <a:rPr lang="en-US" dirty="0" smtClean="0"/>
-              <a:t>Formatting</a:t>
+              <a:t>Commonly Used Classes</a:t>
             </a:r>
             <a:endParaRPr lang="en-US" dirty="0"/>
           </a:p>
@@ -13611,17 +13537,135 @@
         </p:nvSpPr>
         <p:spPr/>
         <p:txBody>
-          <a:bodyPr/>
+          <a:bodyPr>
+            <a:normAutofit fontScale="85000" lnSpcReduction="20000"/>
+          </a:bodyPr>
           <a:lstStyle/>
           <a:p>
-            <a:endParaRPr lang="en-US"/>
+            <a:r>
+              <a:rPr lang="en-US" dirty="0" err="1"/>
+              <a:t>LocalDate</a:t>
+            </a:r>
+            <a:endParaRPr lang="en-US" dirty="0"/>
+          </a:p>
+          <a:p>
+            <a:pPr lvl="1"/>
+            <a:r>
+              <a:rPr lang="en-US" dirty="0"/>
+              <a:t>ISO 8601 date representation without </a:t>
+            </a:r>
+            <a:r>
+              <a:rPr lang="en-US" dirty="0" smtClean="0"/>
+              <a:t>time zone </a:t>
+            </a:r>
+            <a:r>
+              <a:rPr lang="en-US" dirty="0"/>
+              <a:t>and time</a:t>
+            </a:r>
+          </a:p>
+          <a:p>
+            <a:pPr lvl="1"/>
+            <a:r>
+              <a:rPr lang="en-US" dirty="0"/>
+              <a:t>corresponds to the SQL DATE </a:t>
+            </a:r>
+            <a:r>
+              <a:rPr lang="en-US" dirty="0" smtClean="0"/>
+              <a:t>type</a:t>
+            </a:r>
+          </a:p>
+          <a:p>
+            <a:pPr lvl="1"/>
+            <a:r>
+              <a:rPr lang="en-US" dirty="0" smtClean="0"/>
+              <a:t>for example - </a:t>
+            </a:r>
+            <a:r>
+              <a:rPr lang="en-US" dirty="0"/>
+              <a:t>birthdate or employee </a:t>
+            </a:r>
+            <a:r>
+              <a:rPr lang="en-US" dirty="0" smtClean="0"/>
+              <a:t>hire-date</a:t>
+            </a:r>
+            <a:endParaRPr lang="en-US" dirty="0"/>
+          </a:p>
+          <a:p>
+            <a:r>
+              <a:rPr lang="en-US" dirty="0" err="1"/>
+              <a:t>LocalTime</a:t>
+            </a:r>
+            <a:endParaRPr lang="en-US" dirty="0"/>
+          </a:p>
+          <a:p>
+            <a:pPr lvl="1"/>
+            <a:r>
+              <a:rPr lang="en-US" dirty="0"/>
+              <a:t>ISO 8601 time representation without </a:t>
+            </a:r>
+            <a:r>
+              <a:rPr lang="en-US" dirty="0" smtClean="0"/>
+              <a:t>time zone </a:t>
+            </a:r>
+            <a:r>
+              <a:rPr lang="en-US" dirty="0"/>
+              <a:t>and date</a:t>
+            </a:r>
+          </a:p>
+          <a:p>
+            <a:pPr lvl="1"/>
+            <a:r>
+              <a:rPr lang="en-US" dirty="0"/>
+              <a:t>corresponds to the SQL TIME </a:t>
+            </a:r>
+            <a:r>
+              <a:rPr lang="en-US" dirty="0" smtClean="0"/>
+              <a:t>type</a:t>
+            </a:r>
+          </a:p>
+          <a:p>
+            <a:pPr lvl="1"/>
+            <a:r>
+              <a:rPr lang="en-US" dirty="0" smtClean="0"/>
+              <a:t>for </a:t>
+            </a:r>
+            <a:r>
+              <a:rPr lang="en-US" dirty="0"/>
+              <a:t>example, the time that an alarm clock goes off</a:t>
+            </a:r>
+          </a:p>
+          <a:p>
+            <a:r>
+              <a:rPr lang="en-US" dirty="0" err="1" smtClean="0"/>
+              <a:t>LocalDateTime</a:t>
+            </a:r>
+            <a:endParaRPr lang="en-US" dirty="0"/>
+          </a:p>
+          <a:p>
+            <a:pPr lvl="1"/>
+            <a:r>
+              <a:rPr lang="en-US" dirty="0"/>
+              <a:t>ISO 8601 date and time representation without time zone</a:t>
+            </a:r>
+          </a:p>
+          <a:p>
+            <a:pPr lvl="1"/>
+            <a:r>
+              <a:rPr lang="en-US" dirty="0"/>
+              <a:t>corresponds to the SQL TIMESTAMP </a:t>
+            </a:r>
+            <a:r>
+              <a:rPr lang="en-US" dirty="0" smtClean="0"/>
+              <a:t>type</a:t>
+            </a:r>
+            <a:endParaRPr lang="en-US" dirty="0"/>
           </a:p>
         </p:txBody>
       </p:sp>
     </p:spTree>
     <p:extLst>
       <p:ext uri="{BB962C8B-B14F-4D97-AF65-F5344CB8AC3E}">
-        <p14:creationId xmlns:p14="http://schemas.microsoft.com/office/powerpoint/2010/main" val="2006125657"/>
+        <p14:creationId xmlns:p14="http://schemas.microsoft.com/office/powerpoint/2010/main" val="3368362645"/>
       </p:ext>
     </p:extLst>
   </p:cSld>
@@ -13672,92 +13716,3000 @@
           <a:p>
             <a:r>
               <a:rPr lang="en-US" dirty="0" smtClean="0"/>
-              <a:t>Resources</a:t>
+              <a:t>Commonly Used Classes</a:t>
             </a:r>
             <a:endParaRPr lang="en-US" dirty="0"/>
           </a:p>
         </p:txBody>
       </p:sp>
+      <p:graphicFrame>
+        <p:nvGraphicFramePr>
+          <p:cNvPr id="4" name="Content Placeholder 3"/>
+          <p:cNvGraphicFramePr>
+            <a:graphicFrameLocks noGrp="1"/>
+          </p:cNvGraphicFramePr>
+          <p:nvPr>
+            <p:ph idx="1"/>
+            <p:extLst>
+              <p:ext uri="{D42A27DB-BD31-4B8C-83A1-F6EECF244321}">
+                <p14:modId xmlns:p14="http://schemas.microsoft.com/office/powerpoint/2010/main" val="674043874"/>
+              </p:ext>
+            </p:extLst>
+          </p:nvPr>
+        </p:nvGraphicFramePr>
+        <p:xfrm>
+          <a:off x="152399" y="1447798"/>
+          <a:ext cx="8763001" cy="4191002"/>
+        </p:xfrm>
+        <a:graphic>
+          <a:graphicData uri="http://schemas.openxmlformats.org/drawingml/2006/table">
+            <a:tbl>
+              <a:tblPr firstRow="1" firstCol="1" bandRow="1">
+                <a:tableStyleId>{3B4B98B0-60AC-42C2-AFA5-B58CD77FA1E5}</a:tableStyleId>
+              </a:tblPr>
+              <a:tblGrid>
+                <a:gridCol w="951966"/>
+                <a:gridCol w="556343"/>
+                <a:gridCol w="556343"/>
+                <a:gridCol w="556343"/>
+                <a:gridCol w="556343"/>
+                <a:gridCol w="556343"/>
+                <a:gridCol w="556343"/>
+                <a:gridCol w="556343"/>
+                <a:gridCol w="494527"/>
+                <a:gridCol w="3422107"/>
+              </a:tblGrid>
+              <a:tr h="567630">
+                <a:tc>
+                  <a:txBody>
+                    <a:bodyPr/>
+                    <a:lstStyle/>
+                    <a:p>
+                      <a:pPr algn="l" fontAlgn="b"/>
+                      <a:r>
+                        <a:rPr lang="en-US" sz="1100" u="none" strike="noStrike" dirty="0">
+                          <a:effectLst/>
+                        </a:rPr>
+                        <a:t>Class or </a:t>
+                      </a:r>
+                      <a:r>
+                        <a:rPr lang="en-US" sz="1100" u="none" strike="noStrike" dirty="0" err="1">
+                          <a:effectLst/>
+                        </a:rPr>
+                        <a:t>Enum</a:t>
+                      </a:r>
+                      <a:endParaRPr lang="en-US" sz="1100" b="1" i="0" u="none" strike="noStrike" dirty="0">
+                        <a:solidFill>
+                          <a:schemeClr val="accent3">
+                            <a:lumMod val="50000"/>
+                          </a:schemeClr>
+                        </a:solidFill>
+                        <a:effectLst/>
+                        <a:latin typeface="Calibri"/>
+                      </a:endParaRPr>
+                    </a:p>
+                  </a:txBody>
+                  <a:tcPr marL="7620" marR="7620" marT="7620" marB="0" anchor="b"/>
+                </a:tc>
+                <a:tc>
+                  <a:txBody>
+                    <a:bodyPr/>
+                    <a:lstStyle/>
+                    <a:p>
+                      <a:pPr algn="l" fontAlgn="b"/>
+                      <a:r>
+                        <a:rPr lang="en-US" sz="1100" u="none" strike="noStrike" dirty="0">
+                          <a:effectLst/>
+                        </a:rPr>
+                        <a:t>Year</a:t>
+                      </a:r>
+                      <a:endParaRPr lang="en-US" sz="1100" b="1" i="0" u="none" strike="noStrike" dirty="0">
+                        <a:solidFill>
+                          <a:schemeClr val="accent3">
+                            <a:lumMod val="50000"/>
+                          </a:schemeClr>
+                        </a:solidFill>
+                        <a:effectLst/>
+                        <a:latin typeface="Calibri"/>
+                      </a:endParaRPr>
+                    </a:p>
+                  </a:txBody>
+                  <a:tcPr marL="7620" marR="7620" marT="7620" marB="0" anchor="b"/>
+                </a:tc>
+                <a:tc>
+                  <a:txBody>
+                    <a:bodyPr/>
+                    <a:lstStyle/>
+                    <a:p>
+                      <a:pPr algn="l" fontAlgn="b"/>
+                      <a:r>
+                        <a:rPr lang="en-US" sz="1100" u="none" strike="noStrike" dirty="0">
+                          <a:effectLst/>
+                        </a:rPr>
+                        <a:t>Month</a:t>
+                      </a:r>
+                      <a:endParaRPr lang="en-US" sz="1100" b="1" i="0" u="none" strike="noStrike" dirty="0">
+                        <a:solidFill>
+                          <a:schemeClr val="accent3">
+                            <a:lumMod val="50000"/>
+                          </a:schemeClr>
+                        </a:solidFill>
+                        <a:effectLst/>
+                        <a:latin typeface="Calibri"/>
+                      </a:endParaRPr>
+                    </a:p>
+                  </a:txBody>
+                  <a:tcPr marL="7620" marR="7620" marT="7620" marB="0" anchor="b"/>
+                </a:tc>
+                <a:tc>
+                  <a:txBody>
+                    <a:bodyPr/>
+                    <a:lstStyle/>
+                    <a:p>
+                      <a:pPr algn="l" fontAlgn="b"/>
+                      <a:r>
+                        <a:rPr lang="en-US" sz="1100" u="none" strike="noStrike" dirty="0">
+                          <a:effectLst/>
+                        </a:rPr>
+                        <a:t>Day</a:t>
+                      </a:r>
+                      <a:endParaRPr lang="en-US" sz="1100" b="1" i="0" u="none" strike="noStrike" dirty="0">
+                        <a:solidFill>
+                          <a:schemeClr val="accent3">
+                            <a:lumMod val="50000"/>
+                          </a:schemeClr>
+                        </a:solidFill>
+                        <a:effectLst/>
+                        <a:latin typeface="Calibri"/>
+                      </a:endParaRPr>
+                    </a:p>
+                  </a:txBody>
+                  <a:tcPr marL="7620" marR="7620" marT="7620" marB="0" anchor="b"/>
+                </a:tc>
+                <a:tc>
+                  <a:txBody>
+                    <a:bodyPr/>
+                    <a:lstStyle/>
+                    <a:p>
+                      <a:pPr algn="l" fontAlgn="b"/>
+                      <a:r>
+                        <a:rPr lang="en-US" sz="1100" u="none" strike="noStrike" dirty="0">
+                          <a:effectLst/>
+                        </a:rPr>
+                        <a:t>Hours</a:t>
+                      </a:r>
+                      <a:endParaRPr lang="en-US" sz="1100" b="1" i="0" u="none" strike="noStrike" dirty="0">
+                        <a:solidFill>
+                          <a:schemeClr val="accent3">
+                            <a:lumMod val="50000"/>
+                          </a:schemeClr>
+                        </a:solidFill>
+                        <a:effectLst/>
+                        <a:latin typeface="Calibri"/>
+                      </a:endParaRPr>
+                    </a:p>
+                  </a:txBody>
+                  <a:tcPr marL="7620" marR="7620" marT="7620" marB="0" anchor="b"/>
+                </a:tc>
+                <a:tc>
+                  <a:txBody>
+                    <a:bodyPr/>
+                    <a:lstStyle/>
+                    <a:p>
+                      <a:pPr algn="l" fontAlgn="b"/>
+                      <a:r>
+                        <a:rPr lang="en-US" sz="1100" u="none" strike="noStrike" dirty="0">
+                          <a:effectLst/>
+                        </a:rPr>
+                        <a:t>Minutes</a:t>
+                      </a:r>
+                      <a:endParaRPr lang="en-US" sz="1100" b="1" i="0" u="none" strike="noStrike" dirty="0">
+                        <a:solidFill>
+                          <a:schemeClr val="accent3">
+                            <a:lumMod val="50000"/>
+                          </a:schemeClr>
+                        </a:solidFill>
+                        <a:effectLst/>
+                        <a:latin typeface="Calibri"/>
+                      </a:endParaRPr>
+                    </a:p>
+                  </a:txBody>
+                  <a:tcPr marL="7620" marR="7620" marT="7620" marB="0" anchor="b"/>
+                </a:tc>
+                <a:tc>
+                  <a:txBody>
+                    <a:bodyPr/>
+                    <a:lstStyle/>
+                    <a:p>
+                      <a:pPr algn="l" fontAlgn="b"/>
+                      <a:r>
+                        <a:rPr lang="en-US" sz="1100" u="none" strike="noStrike" dirty="0">
+                          <a:effectLst/>
+                        </a:rPr>
+                        <a:t>Seconds</a:t>
+                      </a:r>
+                      <a:endParaRPr lang="en-US" sz="1100" b="1" i="0" u="none" strike="noStrike" dirty="0">
+                        <a:solidFill>
+                          <a:schemeClr val="accent3">
+                            <a:lumMod val="50000"/>
+                          </a:schemeClr>
+                        </a:solidFill>
+                        <a:effectLst/>
+                        <a:latin typeface="Calibri"/>
+                      </a:endParaRPr>
+                    </a:p>
+                  </a:txBody>
+                  <a:tcPr marL="7620" marR="7620" marT="7620" marB="0" anchor="b"/>
+                </a:tc>
+                <a:tc>
+                  <a:txBody>
+                    <a:bodyPr/>
+                    <a:lstStyle/>
+                    <a:p>
+                      <a:pPr algn="l" fontAlgn="b"/>
+                      <a:r>
+                        <a:rPr lang="en-US" sz="1100" u="none" strike="noStrike" dirty="0">
+                          <a:effectLst/>
+                        </a:rPr>
+                        <a:t>Zone Offset</a:t>
+                      </a:r>
+                      <a:endParaRPr lang="en-US" sz="1100" b="1" i="0" u="none" strike="noStrike" dirty="0">
+                        <a:solidFill>
+                          <a:schemeClr val="accent3">
+                            <a:lumMod val="50000"/>
+                          </a:schemeClr>
+                        </a:solidFill>
+                        <a:effectLst/>
+                        <a:latin typeface="Calibri"/>
+                      </a:endParaRPr>
+                    </a:p>
+                  </a:txBody>
+                  <a:tcPr marL="7620" marR="7620" marT="7620" marB="0" anchor="b"/>
+                </a:tc>
+                <a:tc>
+                  <a:txBody>
+                    <a:bodyPr/>
+                    <a:lstStyle/>
+                    <a:p>
+                      <a:pPr algn="l" fontAlgn="b"/>
+                      <a:r>
+                        <a:rPr lang="en-US" sz="1100" u="none" strike="noStrike" dirty="0">
+                          <a:effectLst/>
+                        </a:rPr>
+                        <a:t>Zone ID</a:t>
+                      </a:r>
+                      <a:endParaRPr lang="en-US" sz="1100" b="1" i="0" u="none" strike="noStrike" dirty="0">
+                        <a:solidFill>
+                          <a:schemeClr val="accent3">
+                            <a:lumMod val="50000"/>
+                          </a:schemeClr>
+                        </a:solidFill>
+                        <a:effectLst/>
+                        <a:latin typeface="Calibri"/>
+                      </a:endParaRPr>
+                    </a:p>
+                  </a:txBody>
+                  <a:tcPr marL="7620" marR="7620" marT="7620" marB="0" anchor="b"/>
+                </a:tc>
+                <a:tc>
+                  <a:txBody>
+                    <a:bodyPr/>
+                    <a:lstStyle/>
+                    <a:p>
+                      <a:pPr algn="l" fontAlgn="b"/>
+                      <a:r>
+                        <a:rPr lang="en-US" sz="1100" u="none" strike="noStrike" dirty="0" err="1">
+                          <a:effectLst/>
+                        </a:rPr>
+                        <a:t>toString</a:t>
+                      </a:r>
+                      <a:r>
+                        <a:rPr lang="en-US" sz="1100" u="none" strike="noStrike" dirty="0">
+                          <a:effectLst/>
+                        </a:rPr>
+                        <a:t> Output</a:t>
+                      </a:r>
+                      <a:endParaRPr lang="en-US" sz="1100" b="1" i="0" u="none" strike="noStrike" dirty="0">
+                        <a:solidFill>
+                          <a:schemeClr val="accent3">
+                            <a:lumMod val="50000"/>
+                          </a:schemeClr>
+                        </a:solidFill>
+                        <a:effectLst/>
+                        <a:latin typeface="Calibri"/>
+                      </a:endParaRPr>
+                    </a:p>
+                  </a:txBody>
+                  <a:tcPr marL="7620" marR="7620" marT="7620" marB="0" anchor="b"/>
+                </a:tc>
+              </a:tr>
+              <a:tr h="283815">
+                <a:tc>
+                  <a:txBody>
+                    <a:bodyPr/>
+                    <a:lstStyle/>
+                    <a:p>
+                      <a:pPr algn="l" fontAlgn="ctr"/>
+                      <a:r>
+                        <a:rPr lang="en-US" sz="1100" u="none" strike="noStrike" dirty="0">
+                          <a:effectLst/>
+                        </a:rPr>
+                        <a:t>Instant</a:t>
+                      </a:r>
+                      <a:endParaRPr lang="en-US" sz="1100" b="1" i="0" u="none" strike="noStrike" dirty="0">
+                        <a:solidFill>
+                          <a:srgbClr val="000000"/>
+                        </a:solidFill>
+                        <a:effectLst/>
+                        <a:latin typeface="Calibri"/>
+                      </a:endParaRPr>
+                    </a:p>
+                  </a:txBody>
+                  <a:tcPr marL="7620" marR="7620" marT="7620" marB="0" anchor="ctr"/>
+                </a:tc>
+                <a:tc>
+                  <a:txBody>
+                    <a:bodyPr/>
+                    <a:lstStyle/>
+                    <a:p>
+                      <a:pPr algn="ctr" fontAlgn="ctr"/>
+                      <a:endParaRPr lang="en-US" sz="1100" b="0" i="0" u="none" strike="noStrike" dirty="0">
+                        <a:solidFill>
+                          <a:srgbClr val="000000"/>
+                        </a:solidFill>
+                        <a:effectLst/>
+                        <a:latin typeface="Calibri"/>
+                      </a:endParaRPr>
+                    </a:p>
+                  </a:txBody>
+                  <a:tcPr marL="7620" marR="7620" marT="7620" marB="0" anchor="ctr"/>
+                </a:tc>
+                <a:tc>
+                  <a:txBody>
+                    <a:bodyPr/>
+                    <a:lstStyle/>
+                    <a:p>
+                      <a:pPr algn="ctr" fontAlgn="ctr"/>
+                      <a:endParaRPr lang="en-US" sz="1100" b="0" i="0" u="none" strike="noStrike">
+                        <a:solidFill>
+                          <a:srgbClr val="000000"/>
+                        </a:solidFill>
+                        <a:effectLst/>
+                        <a:latin typeface="Calibri"/>
+                      </a:endParaRPr>
+                    </a:p>
+                  </a:txBody>
+                  <a:tcPr marL="7620" marR="7620" marT="7620" marB="0" anchor="ctr"/>
+                </a:tc>
+                <a:tc>
+                  <a:txBody>
+                    <a:bodyPr/>
+                    <a:lstStyle/>
+                    <a:p>
+                      <a:pPr algn="ctr" fontAlgn="ctr"/>
+                      <a:endParaRPr lang="en-US" sz="1100" b="0" i="0" u="none" strike="noStrike">
+                        <a:solidFill>
+                          <a:srgbClr val="000000"/>
+                        </a:solidFill>
+                        <a:effectLst/>
+                        <a:latin typeface="Calibri"/>
+                      </a:endParaRPr>
+                    </a:p>
+                  </a:txBody>
+                  <a:tcPr marL="7620" marR="7620" marT="7620" marB="0" anchor="ctr"/>
+                </a:tc>
+                <a:tc>
+                  <a:txBody>
+                    <a:bodyPr/>
+                    <a:lstStyle/>
+                    <a:p>
+                      <a:pPr algn="ctr" fontAlgn="ctr"/>
+                      <a:endParaRPr lang="en-US" sz="1100" b="0" i="0" u="none" strike="noStrike">
+                        <a:solidFill>
+                          <a:srgbClr val="000000"/>
+                        </a:solidFill>
+                        <a:effectLst/>
+                        <a:latin typeface="Calibri"/>
+                      </a:endParaRPr>
+                    </a:p>
+                  </a:txBody>
+                  <a:tcPr marL="7620" marR="7620" marT="7620" marB="0" anchor="ctr"/>
+                </a:tc>
+                <a:tc>
+                  <a:txBody>
+                    <a:bodyPr/>
+                    <a:lstStyle/>
+                    <a:p>
+                      <a:pPr algn="ctr" fontAlgn="ctr"/>
+                      <a:endParaRPr lang="en-US" sz="1100" b="0" i="0" u="none" strike="noStrike">
+                        <a:solidFill>
+                          <a:srgbClr val="000000"/>
+                        </a:solidFill>
+                        <a:effectLst/>
+                        <a:latin typeface="Calibri"/>
+                      </a:endParaRPr>
+                    </a:p>
+                  </a:txBody>
+                  <a:tcPr marL="7620" marR="7620" marT="7620" marB="0" anchor="ctr"/>
+                </a:tc>
+                <a:tc>
+                  <a:txBody>
+                    <a:bodyPr/>
+                    <a:lstStyle/>
+                    <a:p>
+                      <a:pPr algn="ctr" fontAlgn="ctr"/>
+                      <a:r>
+                        <a:rPr lang="en-US" sz="1100" u="none" strike="noStrike">
+                          <a:effectLst/>
+                        </a:rPr>
+                        <a:t>✓</a:t>
+                      </a:r>
+                      <a:endParaRPr lang="en-US" sz="1100" b="0" i="0" u="none" strike="noStrike">
+                        <a:solidFill>
+                          <a:srgbClr val="000000"/>
+                        </a:solidFill>
+                        <a:effectLst/>
+                        <a:latin typeface="Calibri"/>
+                      </a:endParaRPr>
+                    </a:p>
+                  </a:txBody>
+                  <a:tcPr marL="7620" marR="7620" marT="7620" marB="0" anchor="ctr"/>
+                </a:tc>
+                <a:tc>
+                  <a:txBody>
+                    <a:bodyPr/>
+                    <a:lstStyle/>
+                    <a:p>
+                      <a:pPr algn="ctr" fontAlgn="ctr"/>
+                      <a:endParaRPr lang="en-US" sz="1100" b="0" i="0" u="none" strike="noStrike" dirty="0">
+                        <a:solidFill>
+                          <a:srgbClr val="000000"/>
+                        </a:solidFill>
+                        <a:effectLst/>
+                        <a:latin typeface="Calibri"/>
+                      </a:endParaRPr>
+                    </a:p>
+                  </a:txBody>
+                  <a:tcPr marL="7620" marR="7620" marT="7620" marB="0" anchor="ctr"/>
+                </a:tc>
+                <a:tc>
+                  <a:txBody>
+                    <a:bodyPr/>
+                    <a:lstStyle/>
+                    <a:p>
+                      <a:pPr algn="ctr" fontAlgn="ctr"/>
+                      <a:endParaRPr lang="en-US" sz="1100" b="0" i="0" u="none" strike="noStrike">
+                        <a:solidFill>
+                          <a:srgbClr val="000000"/>
+                        </a:solidFill>
+                        <a:effectLst/>
+                        <a:latin typeface="Calibri"/>
+                      </a:endParaRPr>
+                    </a:p>
+                  </a:txBody>
+                  <a:tcPr marL="7620" marR="7620" marT="7620" marB="0" anchor="ctr"/>
+                </a:tc>
+                <a:tc>
+                  <a:txBody>
+                    <a:bodyPr/>
+                    <a:lstStyle/>
+                    <a:p>
+                      <a:pPr algn="l" fontAlgn="ctr"/>
+                      <a:r>
+                        <a:rPr lang="en-US" sz="1100" u="none" strike="noStrike" dirty="0">
+                          <a:effectLst/>
+                        </a:rPr>
+                        <a:t>2013-08-20T15:16:26.355Z</a:t>
+                      </a:r>
+                      <a:endParaRPr lang="en-US" sz="1100" b="0" i="0" u="none" strike="noStrike" dirty="0">
+                        <a:solidFill>
+                          <a:srgbClr val="000000"/>
+                        </a:solidFill>
+                        <a:effectLst/>
+                        <a:latin typeface="Calibri"/>
+                      </a:endParaRPr>
+                    </a:p>
+                  </a:txBody>
+                  <a:tcPr marL="7620" marR="7620" marT="7620" marB="0" anchor="ctr"/>
+                </a:tc>
+              </a:tr>
+              <a:tr h="283815">
+                <a:tc>
+                  <a:txBody>
+                    <a:bodyPr/>
+                    <a:lstStyle/>
+                    <a:p>
+                      <a:pPr algn="l" fontAlgn="ctr"/>
+                      <a:r>
+                        <a:rPr lang="en-US" sz="1100" u="none" strike="noStrike">
+                          <a:effectLst/>
+                        </a:rPr>
+                        <a:t>LocalDate</a:t>
+                      </a:r>
+                      <a:endParaRPr lang="en-US" sz="1100" b="1" i="0" u="none" strike="noStrike">
+                        <a:solidFill>
+                          <a:srgbClr val="000000"/>
+                        </a:solidFill>
+                        <a:effectLst/>
+                        <a:latin typeface="Calibri"/>
+                      </a:endParaRPr>
+                    </a:p>
+                  </a:txBody>
+                  <a:tcPr marL="7620" marR="7620" marT="7620" marB="0" anchor="ctr"/>
+                </a:tc>
+                <a:tc>
+                  <a:txBody>
+                    <a:bodyPr/>
+                    <a:lstStyle/>
+                    <a:p>
+                      <a:pPr algn="ctr" fontAlgn="ctr"/>
+                      <a:r>
+                        <a:rPr lang="en-US" sz="1100" u="none" strike="noStrike" dirty="0">
+                          <a:effectLst/>
+                        </a:rPr>
+                        <a:t>✓</a:t>
+                      </a:r>
+                      <a:endParaRPr lang="en-US" sz="1100" b="0" i="0" u="none" strike="noStrike" dirty="0">
+                        <a:solidFill>
+                          <a:srgbClr val="000000"/>
+                        </a:solidFill>
+                        <a:effectLst/>
+                        <a:latin typeface="Calibri"/>
+                      </a:endParaRPr>
+                    </a:p>
+                  </a:txBody>
+                  <a:tcPr marL="7620" marR="7620" marT="7620" marB="0" anchor="ctr"/>
+                </a:tc>
+                <a:tc>
+                  <a:txBody>
+                    <a:bodyPr/>
+                    <a:lstStyle/>
+                    <a:p>
+                      <a:pPr algn="ctr" fontAlgn="ctr"/>
+                      <a:r>
+                        <a:rPr lang="en-US" sz="1100" u="none" strike="noStrike" dirty="0">
+                          <a:effectLst/>
+                        </a:rPr>
+                        <a:t>✓</a:t>
+                      </a:r>
+                      <a:endParaRPr lang="en-US" sz="1100" b="0" i="0" u="none" strike="noStrike" dirty="0">
+                        <a:solidFill>
+                          <a:srgbClr val="000000"/>
+                        </a:solidFill>
+                        <a:effectLst/>
+                        <a:latin typeface="Calibri"/>
+                      </a:endParaRPr>
+                    </a:p>
+                  </a:txBody>
+                  <a:tcPr marL="7620" marR="7620" marT="7620" marB="0" anchor="ctr"/>
+                </a:tc>
+                <a:tc>
+                  <a:txBody>
+                    <a:bodyPr/>
+                    <a:lstStyle/>
+                    <a:p>
+                      <a:pPr algn="ctr" fontAlgn="ctr"/>
+                      <a:r>
+                        <a:rPr lang="en-US" sz="1100" u="none" strike="noStrike" dirty="0">
+                          <a:effectLst/>
+                        </a:rPr>
+                        <a:t>✓</a:t>
+                      </a:r>
+                      <a:endParaRPr lang="en-US" sz="1100" b="0" i="0" u="none" strike="noStrike" dirty="0">
+                        <a:solidFill>
+                          <a:srgbClr val="000000"/>
+                        </a:solidFill>
+                        <a:effectLst/>
+                        <a:latin typeface="Calibri"/>
+                      </a:endParaRPr>
+                    </a:p>
+                  </a:txBody>
+                  <a:tcPr marL="7620" marR="7620" marT="7620" marB="0" anchor="ctr"/>
+                </a:tc>
+                <a:tc>
+                  <a:txBody>
+                    <a:bodyPr/>
+                    <a:lstStyle/>
+                    <a:p>
+                      <a:pPr algn="ctr" fontAlgn="ctr"/>
+                      <a:endParaRPr lang="en-US" sz="1100" b="0" i="0" u="none" strike="noStrike" dirty="0">
+                        <a:solidFill>
+                          <a:srgbClr val="000000"/>
+                        </a:solidFill>
+                        <a:effectLst/>
+                        <a:latin typeface="Calibri"/>
+                      </a:endParaRPr>
+                    </a:p>
+                  </a:txBody>
+                  <a:tcPr marL="7620" marR="7620" marT="7620" marB="0" anchor="ctr"/>
+                </a:tc>
+                <a:tc>
+                  <a:txBody>
+                    <a:bodyPr/>
+                    <a:lstStyle/>
+                    <a:p>
+                      <a:pPr algn="ctr" fontAlgn="ctr"/>
+                      <a:endParaRPr lang="en-US" sz="1100" b="0" i="0" u="none" strike="noStrike">
+                        <a:solidFill>
+                          <a:srgbClr val="000000"/>
+                        </a:solidFill>
+                        <a:effectLst/>
+                        <a:latin typeface="Calibri"/>
+                      </a:endParaRPr>
+                    </a:p>
+                  </a:txBody>
+                  <a:tcPr marL="7620" marR="7620" marT="7620" marB="0" anchor="ctr"/>
+                </a:tc>
+                <a:tc>
+                  <a:txBody>
+                    <a:bodyPr/>
+                    <a:lstStyle/>
+                    <a:p>
+                      <a:pPr algn="ctr" fontAlgn="ctr"/>
+                      <a:endParaRPr lang="en-US" sz="1100" b="0" i="0" u="none" strike="noStrike">
+                        <a:solidFill>
+                          <a:srgbClr val="000000"/>
+                        </a:solidFill>
+                        <a:effectLst/>
+                        <a:latin typeface="Calibri"/>
+                      </a:endParaRPr>
+                    </a:p>
+                  </a:txBody>
+                  <a:tcPr marL="7620" marR="7620" marT="7620" marB="0" anchor="ctr"/>
+                </a:tc>
+                <a:tc>
+                  <a:txBody>
+                    <a:bodyPr/>
+                    <a:lstStyle/>
+                    <a:p>
+                      <a:pPr algn="ctr" fontAlgn="ctr"/>
+                      <a:endParaRPr lang="en-US" sz="1100" b="0" i="0" u="none" strike="noStrike">
+                        <a:solidFill>
+                          <a:srgbClr val="000000"/>
+                        </a:solidFill>
+                        <a:effectLst/>
+                        <a:latin typeface="Calibri"/>
+                      </a:endParaRPr>
+                    </a:p>
+                  </a:txBody>
+                  <a:tcPr marL="7620" marR="7620" marT="7620" marB="0" anchor="ctr"/>
+                </a:tc>
+                <a:tc>
+                  <a:txBody>
+                    <a:bodyPr/>
+                    <a:lstStyle/>
+                    <a:p>
+                      <a:pPr algn="ctr" fontAlgn="ctr"/>
+                      <a:endParaRPr lang="en-US" sz="1100" b="0" i="0" u="none" strike="noStrike">
+                        <a:solidFill>
+                          <a:srgbClr val="000000"/>
+                        </a:solidFill>
+                        <a:effectLst/>
+                        <a:latin typeface="Calibri"/>
+                      </a:endParaRPr>
+                    </a:p>
+                  </a:txBody>
+                  <a:tcPr marL="7620" marR="7620" marT="7620" marB="0" anchor="ctr"/>
+                </a:tc>
+                <a:tc>
+                  <a:txBody>
+                    <a:bodyPr/>
+                    <a:lstStyle/>
+                    <a:p>
+                      <a:pPr algn="l" fontAlgn="ctr"/>
+                      <a:r>
+                        <a:rPr lang="en-US" sz="1100" u="none" strike="noStrike" dirty="0">
+                          <a:effectLst/>
+                        </a:rPr>
+                        <a:t>41506</a:t>
+                      </a:r>
+                      <a:endParaRPr lang="en-US" sz="1100" b="0" i="0" u="none" strike="noStrike" dirty="0">
+                        <a:solidFill>
+                          <a:srgbClr val="000000"/>
+                        </a:solidFill>
+                        <a:effectLst/>
+                        <a:latin typeface="Calibri"/>
+                      </a:endParaRPr>
+                    </a:p>
+                  </a:txBody>
+                  <a:tcPr marL="7620" marR="7620" marT="7620" marB="0" anchor="ctr"/>
+                </a:tc>
+              </a:tr>
+              <a:tr h="283815">
+                <a:tc>
+                  <a:txBody>
+                    <a:bodyPr/>
+                    <a:lstStyle/>
+                    <a:p>
+                      <a:pPr algn="l" fontAlgn="ctr"/>
+                      <a:r>
+                        <a:rPr lang="en-US" sz="1100" u="none" strike="noStrike" dirty="0" err="1">
+                          <a:effectLst/>
+                        </a:rPr>
+                        <a:t>LocalDateTime</a:t>
+                      </a:r>
+                      <a:endParaRPr lang="en-US" sz="1100" b="1" i="0" u="none" strike="noStrike" dirty="0">
+                        <a:solidFill>
+                          <a:srgbClr val="000000"/>
+                        </a:solidFill>
+                        <a:effectLst/>
+                        <a:latin typeface="Calibri"/>
+                      </a:endParaRPr>
+                    </a:p>
+                  </a:txBody>
+                  <a:tcPr marL="7620" marR="7620" marT="7620" marB="0" anchor="ctr"/>
+                </a:tc>
+                <a:tc>
+                  <a:txBody>
+                    <a:bodyPr/>
+                    <a:lstStyle/>
+                    <a:p>
+                      <a:pPr algn="ctr" fontAlgn="ctr"/>
+                      <a:r>
+                        <a:rPr lang="en-US" sz="1100" u="none" strike="noStrike">
+                          <a:effectLst/>
+                        </a:rPr>
+                        <a:t>✓</a:t>
+                      </a:r>
+                      <a:endParaRPr lang="en-US" sz="1100" b="0" i="0" u="none" strike="noStrike">
+                        <a:solidFill>
+                          <a:srgbClr val="000000"/>
+                        </a:solidFill>
+                        <a:effectLst/>
+                        <a:latin typeface="Calibri"/>
+                      </a:endParaRPr>
+                    </a:p>
+                  </a:txBody>
+                  <a:tcPr marL="7620" marR="7620" marT="7620" marB="0" anchor="ctr"/>
+                </a:tc>
+                <a:tc>
+                  <a:txBody>
+                    <a:bodyPr/>
+                    <a:lstStyle/>
+                    <a:p>
+                      <a:pPr algn="ctr" fontAlgn="ctr"/>
+                      <a:r>
+                        <a:rPr lang="en-US" sz="1100" u="none" strike="noStrike" dirty="0">
+                          <a:effectLst/>
+                        </a:rPr>
+                        <a:t>✓</a:t>
+                      </a:r>
+                      <a:endParaRPr lang="en-US" sz="1100" b="0" i="0" u="none" strike="noStrike" dirty="0">
+                        <a:solidFill>
+                          <a:srgbClr val="000000"/>
+                        </a:solidFill>
+                        <a:effectLst/>
+                        <a:latin typeface="Calibri"/>
+                      </a:endParaRPr>
+                    </a:p>
+                  </a:txBody>
+                  <a:tcPr marL="7620" marR="7620" marT="7620" marB="0" anchor="ctr"/>
+                </a:tc>
+                <a:tc>
+                  <a:txBody>
+                    <a:bodyPr/>
+                    <a:lstStyle/>
+                    <a:p>
+                      <a:pPr algn="ctr" fontAlgn="ctr"/>
+                      <a:r>
+                        <a:rPr lang="en-US" sz="1100" u="none" strike="noStrike">
+                          <a:effectLst/>
+                        </a:rPr>
+                        <a:t>✓</a:t>
+                      </a:r>
+                      <a:endParaRPr lang="en-US" sz="1100" b="0" i="0" u="none" strike="noStrike">
+                        <a:solidFill>
+                          <a:srgbClr val="000000"/>
+                        </a:solidFill>
+                        <a:effectLst/>
+                        <a:latin typeface="Calibri"/>
+                      </a:endParaRPr>
+                    </a:p>
+                  </a:txBody>
+                  <a:tcPr marL="7620" marR="7620" marT="7620" marB="0" anchor="ctr"/>
+                </a:tc>
+                <a:tc>
+                  <a:txBody>
+                    <a:bodyPr/>
+                    <a:lstStyle/>
+                    <a:p>
+                      <a:pPr algn="ctr" fontAlgn="ctr"/>
+                      <a:r>
+                        <a:rPr lang="en-US" sz="1100" u="none" strike="noStrike">
+                          <a:effectLst/>
+                        </a:rPr>
+                        <a:t>✓</a:t>
+                      </a:r>
+                      <a:endParaRPr lang="en-US" sz="1100" b="0" i="0" u="none" strike="noStrike">
+                        <a:solidFill>
+                          <a:srgbClr val="000000"/>
+                        </a:solidFill>
+                        <a:effectLst/>
+                        <a:latin typeface="Calibri"/>
+                      </a:endParaRPr>
+                    </a:p>
+                  </a:txBody>
+                  <a:tcPr marL="7620" marR="7620" marT="7620" marB="0" anchor="ctr"/>
+                </a:tc>
+                <a:tc>
+                  <a:txBody>
+                    <a:bodyPr/>
+                    <a:lstStyle/>
+                    <a:p>
+                      <a:pPr algn="ctr" fontAlgn="ctr"/>
+                      <a:r>
+                        <a:rPr lang="en-US" sz="1100" u="none" strike="noStrike">
+                          <a:effectLst/>
+                        </a:rPr>
+                        <a:t>✓</a:t>
+                      </a:r>
+                      <a:endParaRPr lang="en-US" sz="1100" b="0" i="0" u="none" strike="noStrike">
+                        <a:solidFill>
+                          <a:srgbClr val="000000"/>
+                        </a:solidFill>
+                        <a:effectLst/>
+                        <a:latin typeface="Calibri"/>
+                      </a:endParaRPr>
+                    </a:p>
+                  </a:txBody>
+                  <a:tcPr marL="7620" marR="7620" marT="7620" marB="0" anchor="ctr"/>
+                </a:tc>
+                <a:tc>
+                  <a:txBody>
+                    <a:bodyPr/>
+                    <a:lstStyle/>
+                    <a:p>
+                      <a:pPr algn="ctr" fontAlgn="ctr"/>
+                      <a:r>
+                        <a:rPr lang="en-US" sz="1100" u="none" strike="noStrike">
+                          <a:effectLst/>
+                        </a:rPr>
+                        <a:t>✓</a:t>
+                      </a:r>
+                      <a:endParaRPr lang="en-US" sz="1100" b="0" i="0" u="none" strike="noStrike">
+                        <a:solidFill>
+                          <a:srgbClr val="000000"/>
+                        </a:solidFill>
+                        <a:effectLst/>
+                        <a:latin typeface="Calibri"/>
+                      </a:endParaRPr>
+                    </a:p>
+                  </a:txBody>
+                  <a:tcPr marL="7620" marR="7620" marT="7620" marB="0" anchor="ctr"/>
+                </a:tc>
+                <a:tc>
+                  <a:txBody>
+                    <a:bodyPr/>
+                    <a:lstStyle/>
+                    <a:p>
+                      <a:pPr algn="ctr" fontAlgn="ctr"/>
+                      <a:endParaRPr lang="en-US" sz="1100" b="0" i="0" u="none" strike="noStrike" dirty="0">
+                        <a:solidFill>
+                          <a:srgbClr val="000000"/>
+                        </a:solidFill>
+                        <a:effectLst/>
+                        <a:latin typeface="Calibri"/>
+                      </a:endParaRPr>
+                    </a:p>
+                  </a:txBody>
+                  <a:tcPr marL="7620" marR="7620" marT="7620" marB="0" anchor="ctr"/>
+                </a:tc>
+                <a:tc>
+                  <a:txBody>
+                    <a:bodyPr/>
+                    <a:lstStyle/>
+                    <a:p>
+                      <a:pPr algn="ctr" fontAlgn="ctr"/>
+                      <a:endParaRPr lang="en-US" sz="1100" b="0" i="0" u="none" strike="noStrike">
+                        <a:solidFill>
+                          <a:srgbClr val="000000"/>
+                        </a:solidFill>
+                        <a:effectLst/>
+                        <a:latin typeface="Calibri"/>
+                      </a:endParaRPr>
+                    </a:p>
+                  </a:txBody>
+                  <a:tcPr marL="7620" marR="7620" marT="7620" marB="0" anchor="ctr"/>
+                </a:tc>
+                <a:tc>
+                  <a:txBody>
+                    <a:bodyPr/>
+                    <a:lstStyle/>
+                    <a:p>
+                      <a:pPr algn="l" fontAlgn="ctr"/>
+                      <a:r>
+                        <a:rPr lang="en-US" sz="1100" u="none" strike="noStrike" dirty="0">
+                          <a:effectLst/>
+                        </a:rPr>
+                        <a:t>2013-08-20T08:16:26.937</a:t>
+                      </a:r>
+                      <a:endParaRPr lang="en-US" sz="1100" b="0" i="0" u="none" strike="noStrike" dirty="0">
+                        <a:solidFill>
+                          <a:srgbClr val="000000"/>
+                        </a:solidFill>
+                        <a:effectLst/>
+                        <a:latin typeface="Calibri"/>
+                      </a:endParaRPr>
+                    </a:p>
+                  </a:txBody>
+                  <a:tcPr marL="7620" marR="7620" marT="7620" marB="0" anchor="ctr"/>
+                </a:tc>
+              </a:tr>
+              <a:tr h="283815">
+                <a:tc>
+                  <a:txBody>
+                    <a:bodyPr/>
+                    <a:lstStyle/>
+                    <a:p>
+                      <a:pPr algn="l" fontAlgn="ctr"/>
+                      <a:r>
+                        <a:rPr lang="en-US" sz="1100" u="none" strike="noStrike">
+                          <a:effectLst/>
+                        </a:rPr>
+                        <a:t>ZonedDateTime</a:t>
+                      </a:r>
+                      <a:endParaRPr lang="en-US" sz="1100" b="1" i="0" u="none" strike="noStrike">
+                        <a:solidFill>
+                          <a:srgbClr val="000000"/>
+                        </a:solidFill>
+                        <a:effectLst/>
+                        <a:latin typeface="Calibri"/>
+                      </a:endParaRPr>
+                    </a:p>
+                  </a:txBody>
+                  <a:tcPr marL="7620" marR="7620" marT="7620" marB="0" anchor="ctr"/>
+                </a:tc>
+                <a:tc>
+                  <a:txBody>
+                    <a:bodyPr/>
+                    <a:lstStyle/>
+                    <a:p>
+                      <a:pPr algn="ctr" fontAlgn="ctr"/>
+                      <a:r>
+                        <a:rPr lang="en-US" sz="1100" u="none" strike="noStrike">
+                          <a:effectLst/>
+                        </a:rPr>
+                        <a:t>✓</a:t>
+                      </a:r>
+                      <a:endParaRPr lang="en-US" sz="1100" b="0" i="0" u="none" strike="noStrike">
+                        <a:solidFill>
+                          <a:srgbClr val="000000"/>
+                        </a:solidFill>
+                        <a:effectLst/>
+                        <a:latin typeface="Calibri"/>
+                      </a:endParaRPr>
+                    </a:p>
+                  </a:txBody>
+                  <a:tcPr marL="7620" marR="7620" marT="7620" marB="0" anchor="ctr"/>
+                </a:tc>
+                <a:tc>
+                  <a:txBody>
+                    <a:bodyPr/>
+                    <a:lstStyle/>
+                    <a:p>
+                      <a:pPr algn="ctr" fontAlgn="ctr"/>
+                      <a:r>
+                        <a:rPr lang="en-US" sz="1100" u="none" strike="noStrike">
+                          <a:effectLst/>
+                        </a:rPr>
+                        <a:t>✓</a:t>
+                      </a:r>
+                      <a:endParaRPr lang="en-US" sz="1100" b="0" i="0" u="none" strike="noStrike">
+                        <a:solidFill>
+                          <a:srgbClr val="000000"/>
+                        </a:solidFill>
+                        <a:effectLst/>
+                        <a:latin typeface="Calibri"/>
+                      </a:endParaRPr>
+                    </a:p>
+                  </a:txBody>
+                  <a:tcPr marL="7620" marR="7620" marT="7620" marB="0" anchor="ctr"/>
+                </a:tc>
+                <a:tc>
+                  <a:txBody>
+                    <a:bodyPr/>
+                    <a:lstStyle/>
+                    <a:p>
+                      <a:pPr algn="ctr" fontAlgn="ctr"/>
+                      <a:r>
+                        <a:rPr lang="en-US" sz="1100" u="none" strike="noStrike" dirty="0">
+                          <a:effectLst/>
+                        </a:rPr>
+                        <a:t>✓</a:t>
+                      </a:r>
+                      <a:endParaRPr lang="en-US" sz="1100" b="0" i="0" u="none" strike="noStrike" dirty="0">
+                        <a:solidFill>
+                          <a:srgbClr val="000000"/>
+                        </a:solidFill>
+                        <a:effectLst/>
+                        <a:latin typeface="Calibri"/>
+                      </a:endParaRPr>
+                    </a:p>
+                  </a:txBody>
+                  <a:tcPr marL="7620" marR="7620" marT="7620" marB="0" anchor="ctr"/>
+                </a:tc>
+                <a:tc>
+                  <a:txBody>
+                    <a:bodyPr/>
+                    <a:lstStyle/>
+                    <a:p>
+                      <a:pPr algn="ctr" fontAlgn="ctr"/>
+                      <a:r>
+                        <a:rPr lang="en-US" sz="1100" u="none" strike="noStrike">
+                          <a:effectLst/>
+                        </a:rPr>
+                        <a:t>✓</a:t>
+                      </a:r>
+                      <a:endParaRPr lang="en-US" sz="1100" b="0" i="0" u="none" strike="noStrike">
+                        <a:solidFill>
+                          <a:srgbClr val="000000"/>
+                        </a:solidFill>
+                        <a:effectLst/>
+                        <a:latin typeface="Calibri"/>
+                      </a:endParaRPr>
+                    </a:p>
+                  </a:txBody>
+                  <a:tcPr marL="7620" marR="7620" marT="7620" marB="0" anchor="ctr"/>
+                </a:tc>
+                <a:tc>
+                  <a:txBody>
+                    <a:bodyPr/>
+                    <a:lstStyle/>
+                    <a:p>
+                      <a:pPr algn="ctr" fontAlgn="ctr"/>
+                      <a:r>
+                        <a:rPr lang="en-US" sz="1100" u="none" strike="noStrike">
+                          <a:effectLst/>
+                        </a:rPr>
+                        <a:t>✓</a:t>
+                      </a:r>
+                      <a:endParaRPr lang="en-US" sz="1100" b="0" i="0" u="none" strike="noStrike">
+                        <a:solidFill>
+                          <a:srgbClr val="000000"/>
+                        </a:solidFill>
+                        <a:effectLst/>
+                        <a:latin typeface="Calibri"/>
+                      </a:endParaRPr>
+                    </a:p>
+                  </a:txBody>
+                  <a:tcPr marL="7620" marR="7620" marT="7620" marB="0" anchor="ctr"/>
+                </a:tc>
+                <a:tc>
+                  <a:txBody>
+                    <a:bodyPr/>
+                    <a:lstStyle/>
+                    <a:p>
+                      <a:pPr algn="ctr" fontAlgn="ctr"/>
+                      <a:r>
+                        <a:rPr lang="en-US" sz="1100" u="none" strike="noStrike" dirty="0">
+                          <a:effectLst/>
+                        </a:rPr>
+                        <a:t>✓</a:t>
+                      </a:r>
+                      <a:endParaRPr lang="en-US" sz="1100" b="0" i="0" u="none" strike="noStrike" dirty="0">
+                        <a:solidFill>
+                          <a:srgbClr val="000000"/>
+                        </a:solidFill>
+                        <a:effectLst/>
+                        <a:latin typeface="Calibri"/>
+                      </a:endParaRPr>
+                    </a:p>
+                  </a:txBody>
+                  <a:tcPr marL="7620" marR="7620" marT="7620" marB="0" anchor="ctr"/>
+                </a:tc>
+                <a:tc>
+                  <a:txBody>
+                    <a:bodyPr/>
+                    <a:lstStyle/>
+                    <a:p>
+                      <a:pPr algn="ctr" fontAlgn="ctr"/>
+                      <a:r>
+                        <a:rPr lang="en-US" sz="1100" u="none" strike="noStrike">
+                          <a:effectLst/>
+                        </a:rPr>
+                        <a:t>✓</a:t>
+                      </a:r>
+                      <a:endParaRPr lang="en-US" sz="1100" b="0" i="0" u="none" strike="noStrike">
+                        <a:solidFill>
+                          <a:srgbClr val="000000"/>
+                        </a:solidFill>
+                        <a:effectLst/>
+                        <a:latin typeface="Calibri"/>
+                      </a:endParaRPr>
+                    </a:p>
+                  </a:txBody>
+                  <a:tcPr marL="7620" marR="7620" marT="7620" marB="0" anchor="ctr"/>
+                </a:tc>
+                <a:tc>
+                  <a:txBody>
+                    <a:bodyPr/>
+                    <a:lstStyle/>
+                    <a:p>
+                      <a:pPr algn="ctr" fontAlgn="ctr"/>
+                      <a:r>
+                        <a:rPr lang="en-US" sz="1100" u="none" strike="noStrike">
+                          <a:effectLst/>
+                        </a:rPr>
+                        <a:t>✓</a:t>
+                      </a:r>
+                      <a:endParaRPr lang="en-US" sz="1100" b="0" i="0" u="none" strike="noStrike">
+                        <a:solidFill>
+                          <a:srgbClr val="000000"/>
+                        </a:solidFill>
+                        <a:effectLst/>
+                        <a:latin typeface="Calibri"/>
+                      </a:endParaRPr>
+                    </a:p>
+                  </a:txBody>
+                  <a:tcPr marL="7620" marR="7620" marT="7620" marB="0" anchor="ctr"/>
+                </a:tc>
+                <a:tc>
+                  <a:txBody>
+                    <a:bodyPr/>
+                    <a:lstStyle/>
+                    <a:p>
+                      <a:pPr algn="l" fontAlgn="ctr"/>
+                      <a:r>
+                        <a:rPr lang="en-US" sz="1100" u="none" strike="noStrike" dirty="0">
+                          <a:effectLst/>
+                        </a:rPr>
+                        <a:t>2013-08-21T00:16:26.941+09:00[Asia/Tokyo]</a:t>
+                      </a:r>
+                      <a:endParaRPr lang="en-US" sz="1100" b="0" i="0" u="none" strike="noStrike" dirty="0">
+                        <a:solidFill>
+                          <a:srgbClr val="000000"/>
+                        </a:solidFill>
+                        <a:effectLst/>
+                        <a:latin typeface="Calibri"/>
+                      </a:endParaRPr>
+                    </a:p>
+                  </a:txBody>
+                  <a:tcPr marL="7620" marR="7620" marT="7620" marB="0" anchor="ctr"/>
+                </a:tc>
+              </a:tr>
+              <a:tr h="283815">
+                <a:tc>
+                  <a:txBody>
+                    <a:bodyPr/>
+                    <a:lstStyle/>
+                    <a:p>
+                      <a:pPr algn="l" fontAlgn="ctr"/>
+                      <a:r>
+                        <a:rPr lang="en-US" sz="1100" u="none" strike="noStrike">
+                          <a:effectLst/>
+                        </a:rPr>
+                        <a:t>LocalTime</a:t>
+                      </a:r>
+                      <a:endParaRPr lang="en-US" sz="1100" b="1" i="0" u="none" strike="noStrike">
+                        <a:solidFill>
+                          <a:srgbClr val="000000"/>
+                        </a:solidFill>
+                        <a:effectLst/>
+                        <a:latin typeface="Calibri"/>
+                      </a:endParaRPr>
+                    </a:p>
+                  </a:txBody>
+                  <a:tcPr marL="7620" marR="7620" marT="7620" marB="0" anchor="ctr"/>
+                </a:tc>
+                <a:tc>
+                  <a:txBody>
+                    <a:bodyPr/>
+                    <a:lstStyle/>
+                    <a:p>
+                      <a:pPr algn="ctr" fontAlgn="ctr"/>
+                      <a:endParaRPr lang="en-US" sz="1100" b="0" i="0" u="none" strike="noStrike">
+                        <a:solidFill>
+                          <a:srgbClr val="000000"/>
+                        </a:solidFill>
+                        <a:effectLst/>
+                        <a:latin typeface="Calibri"/>
+                      </a:endParaRPr>
+                    </a:p>
+                  </a:txBody>
+                  <a:tcPr marL="7620" marR="7620" marT="7620" marB="0" anchor="ctr"/>
+                </a:tc>
+                <a:tc>
+                  <a:txBody>
+                    <a:bodyPr/>
+                    <a:lstStyle/>
+                    <a:p>
+                      <a:pPr algn="ctr" fontAlgn="ctr"/>
+                      <a:endParaRPr lang="en-US" sz="1100" b="0" i="0" u="none" strike="noStrike">
+                        <a:solidFill>
+                          <a:srgbClr val="000000"/>
+                        </a:solidFill>
+                        <a:effectLst/>
+                        <a:latin typeface="Calibri"/>
+                      </a:endParaRPr>
+                    </a:p>
+                  </a:txBody>
+                  <a:tcPr marL="7620" marR="7620" marT="7620" marB="0" anchor="ctr"/>
+                </a:tc>
+                <a:tc>
+                  <a:txBody>
+                    <a:bodyPr/>
+                    <a:lstStyle/>
+                    <a:p>
+                      <a:pPr algn="ctr" fontAlgn="ctr"/>
+                      <a:endParaRPr lang="en-US" sz="1100" b="0" i="0" u="none" strike="noStrike" dirty="0">
+                        <a:solidFill>
+                          <a:srgbClr val="000000"/>
+                        </a:solidFill>
+                        <a:effectLst/>
+                        <a:latin typeface="Calibri"/>
+                      </a:endParaRPr>
+                    </a:p>
+                  </a:txBody>
+                  <a:tcPr marL="7620" marR="7620" marT="7620" marB="0" anchor="ctr"/>
+                </a:tc>
+                <a:tc>
+                  <a:txBody>
+                    <a:bodyPr/>
+                    <a:lstStyle/>
+                    <a:p>
+                      <a:pPr algn="ctr" fontAlgn="ctr"/>
+                      <a:r>
+                        <a:rPr lang="en-US" sz="1100" u="none" strike="noStrike" dirty="0">
+                          <a:effectLst/>
+                        </a:rPr>
+                        <a:t>✓</a:t>
+                      </a:r>
+                      <a:endParaRPr lang="en-US" sz="1100" b="0" i="0" u="none" strike="noStrike" dirty="0">
+                        <a:solidFill>
+                          <a:srgbClr val="000000"/>
+                        </a:solidFill>
+                        <a:effectLst/>
+                        <a:latin typeface="Calibri"/>
+                      </a:endParaRPr>
+                    </a:p>
+                  </a:txBody>
+                  <a:tcPr marL="7620" marR="7620" marT="7620" marB="0" anchor="ctr"/>
+                </a:tc>
+                <a:tc>
+                  <a:txBody>
+                    <a:bodyPr/>
+                    <a:lstStyle/>
+                    <a:p>
+                      <a:pPr algn="ctr" fontAlgn="ctr"/>
+                      <a:r>
+                        <a:rPr lang="en-US" sz="1100" u="none" strike="noStrike">
+                          <a:effectLst/>
+                        </a:rPr>
+                        <a:t>✓</a:t>
+                      </a:r>
+                      <a:endParaRPr lang="en-US" sz="1100" b="0" i="0" u="none" strike="noStrike">
+                        <a:solidFill>
+                          <a:srgbClr val="000000"/>
+                        </a:solidFill>
+                        <a:effectLst/>
+                        <a:latin typeface="Calibri"/>
+                      </a:endParaRPr>
+                    </a:p>
+                  </a:txBody>
+                  <a:tcPr marL="7620" marR="7620" marT="7620" marB="0" anchor="ctr"/>
+                </a:tc>
+                <a:tc>
+                  <a:txBody>
+                    <a:bodyPr/>
+                    <a:lstStyle/>
+                    <a:p>
+                      <a:pPr algn="ctr" fontAlgn="ctr"/>
+                      <a:r>
+                        <a:rPr lang="en-US" sz="1100" u="none" strike="noStrike" dirty="0">
+                          <a:effectLst/>
+                        </a:rPr>
+                        <a:t>✓</a:t>
+                      </a:r>
+                      <a:endParaRPr lang="en-US" sz="1100" b="0" i="0" u="none" strike="noStrike" dirty="0">
+                        <a:solidFill>
+                          <a:srgbClr val="000000"/>
+                        </a:solidFill>
+                        <a:effectLst/>
+                        <a:latin typeface="Calibri"/>
+                      </a:endParaRPr>
+                    </a:p>
+                  </a:txBody>
+                  <a:tcPr marL="7620" marR="7620" marT="7620" marB="0" anchor="ctr"/>
+                </a:tc>
+                <a:tc>
+                  <a:txBody>
+                    <a:bodyPr/>
+                    <a:lstStyle/>
+                    <a:p>
+                      <a:pPr algn="ctr" fontAlgn="ctr"/>
+                      <a:endParaRPr lang="en-US" sz="1100" b="0" i="0" u="none" strike="noStrike">
+                        <a:solidFill>
+                          <a:srgbClr val="000000"/>
+                        </a:solidFill>
+                        <a:effectLst/>
+                        <a:latin typeface="Calibri"/>
+                      </a:endParaRPr>
+                    </a:p>
+                  </a:txBody>
+                  <a:tcPr marL="7620" marR="7620" marT="7620" marB="0" anchor="ctr"/>
+                </a:tc>
+                <a:tc>
+                  <a:txBody>
+                    <a:bodyPr/>
+                    <a:lstStyle/>
+                    <a:p>
+                      <a:pPr algn="ctr" fontAlgn="ctr"/>
+                      <a:endParaRPr lang="en-US" sz="1100" b="0" i="0" u="none" strike="noStrike">
+                        <a:solidFill>
+                          <a:srgbClr val="000000"/>
+                        </a:solidFill>
+                        <a:effectLst/>
+                        <a:latin typeface="Calibri"/>
+                      </a:endParaRPr>
+                    </a:p>
+                  </a:txBody>
+                  <a:tcPr marL="7620" marR="7620" marT="7620" marB="0" anchor="ctr"/>
+                </a:tc>
+                <a:tc>
+                  <a:txBody>
+                    <a:bodyPr/>
+                    <a:lstStyle/>
+                    <a:p>
+                      <a:pPr algn="l" fontAlgn="ctr"/>
+                      <a:r>
+                        <a:rPr lang="en-US" sz="1100" u="none" strike="noStrike" dirty="0">
+                          <a:effectLst/>
+                        </a:rPr>
+                        <a:t>0.344756285</a:t>
+                      </a:r>
+                      <a:endParaRPr lang="en-US" sz="1100" b="0" i="0" u="none" strike="noStrike" dirty="0">
+                        <a:solidFill>
+                          <a:srgbClr val="000000"/>
+                        </a:solidFill>
+                        <a:effectLst/>
+                        <a:latin typeface="Calibri"/>
+                      </a:endParaRPr>
+                    </a:p>
+                  </a:txBody>
+                  <a:tcPr marL="7620" marR="7620" marT="7620" marB="0" anchor="ctr"/>
+                </a:tc>
+              </a:tr>
+              <a:tr h="283815">
+                <a:tc>
+                  <a:txBody>
+                    <a:bodyPr/>
+                    <a:lstStyle/>
+                    <a:p>
+                      <a:pPr algn="l" fontAlgn="ctr"/>
+                      <a:r>
+                        <a:rPr lang="en-US" sz="1100" u="none" strike="noStrike">
+                          <a:effectLst/>
+                        </a:rPr>
+                        <a:t>MonthDay</a:t>
+                      </a:r>
+                      <a:endParaRPr lang="en-US" sz="1100" b="1" i="0" u="none" strike="noStrike">
+                        <a:solidFill>
+                          <a:srgbClr val="000000"/>
+                        </a:solidFill>
+                        <a:effectLst/>
+                        <a:latin typeface="Calibri"/>
+                      </a:endParaRPr>
+                    </a:p>
+                  </a:txBody>
+                  <a:tcPr marL="7620" marR="7620" marT="7620" marB="0" anchor="ctr"/>
+                </a:tc>
+                <a:tc>
+                  <a:txBody>
+                    <a:bodyPr/>
+                    <a:lstStyle/>
+                    <a:p>
+                      <a:pPr algn="ctr" fontAlgn="ctr"/>
+                      <a:endParaRPr lang="en-US" sz="1100" b="0" i="0" u="none" strike="noStrike">
+                        <a:solidFill>
+                          <a:srgbClr val="000000"/>
+                        </a:solidFill>
+                        <a:effectLst/>
+                        <a:latin typeface="Calibri"/>
+                      </a:endParaRPr>
+                    </a:p>
+                  </a:txBody>
+                  <a:tcPr marL="7620" marR="7620" marT="7620" marB="0" anchor="ctr"/>
+                </a:tc>
+                <a:tc>
+                  <a:txBody>
+                    <a:bodyPr/>
+                    <a:lstStyle/>
+                    <a:p>
+                      <a:pPr algn="ctr" fontAlgn="ctr"/>
+                      <a:r>
+                        <a:rPr lang="en-US" sz="1100" u="none" strike="noStrike">
+                          <a:effectLst/>
+                        </a:rPr>
+                        <a:t>✓</a:t>
+                      </a:r>
+                      <a:endParaRPr lang="en-US" sz="1100" b="0" i="0" u="none" strike="noStrike">
+                        <a:solidFill>
+                          <a:srgbClr val="000000"/>
+                        </a:solidFill>
+                        <a:effectLst/>
+                        <a:latin typeface="Calibri"/>
+                      </a:endParaRPr>
+                    </a:p>
+                  </a:txBody>
+                  <a:tcPr marL="7620" marR="7620" marT="7620" marB="0" anchor="ctr"/>
+                </a:tc>
+                <a:tc>
+                  <a:txBody>
+                    <a:bodyPr/>
+                    <a:lstStyle/>
+                    <a:p>
+                      <a:pPr algn="ctr" fontAlgn="ctr"/>
+                      <a:r>
+                        <a:rPr lang="en-US" sz="1100" u="none" strike="noStrike">
+                          <a:effectLst/>
+                        </a:rPr>
+                        <a:t>✓</a:t>
+                      </a:r>
+                      <a:endParaRPr lang="en-US" sz="1100" b="0" i="0" u="none" strike="noStrike">
+                        <a:solidFill>
+                          <a:srgbClr val="000000"/>
+                        </a:solidFill>
+                        <a:effectLst/>
+                        <a:latin typeface="Calibri"/>
+                      </a:endParaRPr>
+                    </a:p>
+                  </a:txBody>
+                  <a:tcPr marL="7620" marR="7620" marT="7620" marB="0" anchor="ctr"/>
+                </a:tc>
+                <a:tc>
+                  <a:txBody>
+                    <a:bodyPr/>
+                    <a:lstStyle/>
+                    <a:p>
+                      <a:pPr algn="ctr" fontAlgn="ctr"/>
+                      <a:endParaRPr lang="en-US" sz="1100" b="0" i="0" u="none" strike="noStrike">
+                        <a:solidFill>
+                          <a:srgbClr val="000000"/>
+                        </a:solidFill>
+                        <a:effectLst/>
+                        <a:latin typeface="Calibri"/>
+                      </a:endParaRPr>
+                    </a:p>
+                  </a:txBody>
+                  <a:tcPr marL="7620" marR="7620" marT="7620" marB="0" anchor="ctr"/>
+                </a:tc>
+                <a:tc>
+                  <a:txBody>
+                    <a:bodyPr/>
+                    <a:lstStyle/>
+                    <a:p>
+                      <a:pPr algn="ctr" fontAlgn="ctr"/>
+                      <a:endParaRPr lang="en-US" sz="1100" b="0" i="0" u="none" strike="noStrike" dirty="0">
+                        <a:solidFill>
+                          <a:srgbClr val="000000"/>
+                        </a:solidFill>
+                        <a:effectLst/>
+                        <a:latin typeface="Calibri"/>
+                      </a:endParaRPr>
+                    </a:p>
+                  </a:txBody>
+                  <a:tcPr marL="7620" marR="7620" marT="7620" marB="0" anchor="ctr"/>
+                </a:tc>
+                <a:tc>
+                  <a:txBody>
+                    <a:bodyPr/>
+                    <a:lstStyle/>
+                    <a:p>
+                      <a:pPr algn="ctr" fontAlgn="ctr"/>
+                      <a:endParaRPr lang="en-US" sz="1100" b="0" i="0" u="none" strike="noStrike">
+                        <a:solidFill>
+                          <a:srgbClr val="000000"/>
+                        </a:solidFill>
+                        <a:effectLst/>
+                        <a:latin typeface="Calibri"/>
+                      </a:endParaRPr>
+                    </a:p>
+                  </a:txBody>
+                  <a:tcPr marL="7620" marR="7620" marT="7620" marB="0" anchor="ctr"/>
+                </a:tc>
+                <a:tc>
+                  <a:txBody>
+                    <a:bodyPr/>
+                    <a:lstStyle/>
+                    <a:p>
+                      <a:pPr algn="ctr" fontAlgn="ctr"/>
+                      <a:endParaRPr lang="en-US" sz="1100" b="0" i="0" u="none" strike="noStrike">
+                        <a:solidFill>
+                          <a:srgbClr val="000000"/>
+                        </a:solidFill>
+                        <a:effectLst/>
+                        <a:latin typeface="Calibri"/>
+                      </a:endParaRPr>
+                    </a:p>
+                  </a:txBody>
+                  <a:tcPr marL="7620" marR="7620" marT="7620" marB="0" anchor="ctr"/>
+                </a:tc>
+                <a:tc>
+                  <a:txBody>
+                    <a:bodyPr/>
+                    <a:lstStyle/>
+                    <a:p>
+                      <a:pPr algn="ctr" fontAlgn="ctr"/>
+                      <a:endParaRPr lang="en-US" sz="1100" b="0" i="0" u="none" strike="noStrike">
+                        <a:solidFill>
+                          <a:srgbClr val="000000"/>
+                        </a:solidFill>
+                        <a:effectLst/>
+                        <a:latin typeface="Calibri"/>
+                      </a:endParaRPr>
+                    </a:p>
+                  </a:txBody>
+                  <a:tcPr marL="7620" marR="7620" marT="7620" marB="0" anchor="ctr"/>
+                </a:tc>
+                <a:tc>
+                  <a:txBody>
+                    <a:bodyPr/>
+                    <a:lstStyle/>
+                    <a:p>
+                      <a:pPr algn="l" fontAlgn="ctr"/>
+                      <a:r>
+                        <a:rPr lang="en-US" sz="1100" u="none" strike="noStrike">
+                          <a:effectLst/>
+                        </a:rPr>
+                        <a:t>-12</a:t>
+                      </a:r>
+                      <a:endParaRPr lang="en-US" sz="1100" b="0" i="0" u="none" strike="noStrike">
+                        <a:solidFill>
+                          <a:srgbClr val="000000"/>
+                        </a:solidFill>
+                        <a:effectLst/>
+                        <a:latin typeface="Calibri"/>
+                      </a:endParaRPr>
+                    </a:p>
+                  </a:txBody>
+                  <a:tcPr marL="7620" marR="7620" marT="7620" marB="0" anchor="ctr"/>
+                </a:tc>
+              </a:tr>
+              <a:tr h="283815">
+                <a:tc>
+                  <a:txBody>
+                    <a:bodyPr/>
+                    <a:lstStyle/>
+                    <a:p>
+                      <a:pPr algn="l" fontAlgn="ctr"/>
+                      <a:r>
+                        <a:rPr lang="en-US" sz="1100" u="none" strike="noStrike">
+                          <a:effectLst/>
+                        </a:rPr>
+                        <a:t>Year</a:t>
+                      </a:r>
+                      <a:endParaRPr lang="en-US" sz="1100" b="1" i="0" u="none" strike="noStrike">
+                        <a:solidFill>
+                          <a:srgbClr val="000000"/>
+                        </a:solidFill>
+                        <a:effectLst/>
+                        <a:latin typeface="Calibri"/>
+                      </a:endParaRPr>
+                    </a:p>
+                  </a:txBody>
+                  <a:tcPr marL="7620" marR="7620" marT="7620" marB="0" anchor="ctr"/>
+                </a:tc>
+                <a:tc>
+                  <a:txBody>
+                    <a:bodyPr/>
+                    <a:lstStyle/>
+                    <a:p>
+                      <a:pPr algn="ctr" fontAlgn="ctr"/>
+                      <a:r>
+                        <a:rPr lang="en-US" sz="1100" u="none" strike="noStrike">
+                          <a:effectLst/>
+                        </a:rPr>
+                        <a:t>✓</a:t>
+                      </a:r>
+                      <a:endParaRPr lang="en-US" sz="1100" b="0" i="0" u="none" strike="noStrike">
+                        <a:solidFill>
+                          <a:srgbClr val="000000"/>
+                        </a:solidFill>
+                        <a:effectLst/>
+                        <a:latin typeface="Calibri"/>
+                      </a:endParaRPr>
+                    </a:p>
+                  </a:txBody>
+                  <a:tcPr marL="7620" marR="7620" marT="7620" marB="0" anchor="ctr"/>
+                </a:tc>
+                <a:tc>
+                  <a:txBody>
+                    <a:bodyPr/>
+                    <a:lstStyle/>
+                    <a:p>
+                      <a:pPr algn="ctr" fontAlgn="ctr"/>
+                      <a:endParaRPr lang="en-US" sz="1100" b="0" i="0" u="none" strike="noStrike">
+                        <a:solidFill>
+                          <a:srgbClr val="000000"/>
+                        </a:solidFill>
+                        <a:effectLst/>
+                        <a:latin typeface="Calibri"/>
+                      </a:endParaRPr>
+                    </a:p>
+                  </a:txBody>
+                  <a:tcPr marL="7620" marR="7620" marT="7620" marB="0" anchor="ctr"/>
+                </a:tc>
+                <a:tc>
+                  <a:txBody>
+                    <a:bodyPr/>
+                    <a:lstStyle/>
+                    <a:p>
+                      <a:pPr algn="ctr" fontAlgn="ctr"/>
+                      <a:endParaRPr lang="en-US" sz="1100" b="0" i="0" u="none" strike="noStrike">
+                        <a:solidFill>
+                          <a:srgbClr val="000000"/>
+                        </a:solidFill>
+                        <a:effectLst/>
+                        <a:latin typeface="Calibri"/>
+                      </a:endParaRPr>
+                    </a:p>
+                  </a:txBody>
+                  <a:tcPr marL="7620" marR="7620" marT="7620" marB="0" anchor="ctr"/>
+                </a:tc>
+                <a:tc>
+                  <a:txBody>
+                    <a:bodyPr/>
+                    <a:lstStyle/>
+                    <a:p>
+                      <a:pPr algn="ctr" fontAlgn="ctr"/>
+                      <a:endParaRPr lang="en-US" sz="1100" b="0" i="0" u="none" strike="noStrike">
+                        <a:solidFill>
+                          <a:srgbClr val="000000"/>
+                        </a:solidFill>
+                        <a:effectLst/>
+                        <a:latin typeface="Calibri"/>
+                      </a:endParaRPr>
+                    </a:p>
+                  </a:txBody>
+                  <a:tcPr marL="7620" marR="7620" marT="7620" marB="0" anchor="ctr"/>
+                </a:tc>
+                <a:tc>
+                  <a:txBody>
+                    <a:bodyPr/>
+                    <a:lstStyle/>
+                    <a:p>
+                      <a:pPr algn="ctr" fontAlgn="ctr"/>
+                      <a:endParaRPr lang="en-US" sz="1100" b="0" i="0" u="none" strike="noStrike">
+                        <a:solidFill>
+                          <a:srgbClr val="000000"/>
+                        </a:solidFill>
+                        <a:effectLst/>
+                        <a:latin typeface="Calibri"/>
+                      </a:endParaRPr>
+                    </a:p>
+                  </a:txBody>
+                  <a:tcPr marL="7620" marR="7620" marT="7620" marB="0" anchor="ctr"/>
+                </a:tc>
+                <a:tc>
+                  <a:txBody>
+                    <a:bodyPr/>
+                    <a:lstStyle/>
+                    <a:p>
+                      <a:pPr algn="ctr" fontAlgn="ctr"/>
+                      <a:endParaRPr lang="en-US" sz="1100" b="0" i="0" u="none" strike="noStrike">
+                        <a:solidFill>
+                          <a:srgbClr val="000000"/>
+                        </a:solidFill>
+                        <a:effectLst/>
+                        <a:latin typeface="Calibri"/>
+                      </a:endParaRPr>
+                    </a:p>
+                  </a:txBody>
+                  <a:tcPr marL="7620" marR="7620" marT="7620" marB="0" anchor="ctr"/>
+                </a:tc>
+                <a:tc>
+                  <a:txBody>
+                    <a:bodyPr/>
+                    <a:lstStyle/>
+                    <a:p>
+                      <a:pPr algn="ctr" fontAlgn="ctr"/>
+                      <a:endParaRPr lang="en-US" sz="1100" b="0" i="0" u="none" strike="noStrike" dirty="0">
+                        <a:solidFill>
+                          <a:srgbClr val="000000"/>
+                        </a:solidFill>
+                        <a:effectLst/>
+                        <a:latin typeface="Calibri"/>
+                      </a:endParaRPr>
+                    </a:p>
+                  </a:txBody>
+                  <a:tcPr marL="7620" marR="7620" marT="7620" marB="0" anchor="ctr"/>
+                </a:tc>
+                <a:tc>
+                  <a:txBody>
+                    <a:bodyPr/>
+                    <a:lstStyle/>
+                    <a:p>
+                      <a:pPr algn="ctr" fontAlgn="ctr"/>
+                      <a:endParaRPr lang="en-US" sz="1100" b="0" i="0" u="none" strike="noStrike" dirty="0">
+                        <a:solidFill>
+                          <a:srgbClr val="000000"/>
+                        </a:solidFill>
+                        <a:effectLst/>
+                        <a:latin typeface="Calibri"/>
+                      </a:endParaRPr>
+                    </a:p>
+                  </a:txBody>
+                  <a:tcPr marL="7620" marR="7620" marT="7620" marB="0" anchor="ctr"/>
+                </a:tc>
+                <a:tc>
+                  <a:txBody>
+                    <a:bodyPr/>
+                    <a:lstStyle/>
+                    <a:p>
+                      <a:pPr algn="l" fontAlgn="ctr"/>
+                      <a:r>
+                        <a:rPr lang="en-US" sz="1100" u="none" strike="noStrike">
+                          <a:effectLst/>
+                        </a:rPr>
+                        <a:t>2013</a:t>
+                      </a:r>
+                      <a:endParaRPr lang="en-US" sz="1100" b="0" i="0" u="none" strike="noStrike">
+                        <a:solidFill>
+                          <a:srgbClr val="000000"/>
+                        </a:solidFill>
+                        <a:effectLst/>
+                        <a:latin typeface="Calibri"/>
+                      </a:endParaRPr>
+                    </a:p>
+                  </a:txBody>
+                  <a:tcPr marL="7620" marR="7620" marT="7620" marB="0" anchor="ctr"/>
+                </a:tc>
+              </a:tr>
+              <a:tr h="283815">
+                <a:tc>
+                  <a:txBody>
+                    <a:bodyPr/>
+                    <a:lstStyle/>
+                    <a:p>
+                      <a:pPr algn="l" fontAlgn="ctr"/>
+                      <a:r>
+                        <a:rPr lang="en-US" sz="1100" u="none" strike="noStrike" dirty="0" err="1">
+                          <a:effectLst/>
+                        </a:rPr>
+                        <a:t>YearMonth</a:t>
+                      </a:r>
+                      <a:endParaRPr lang="en-US" sz="1100" b="1" i="0" u="none" strike="noStrike" dirty="0">
+                        <a:solidFill>
+                          <a:srgbClr val="000000"/>
+                        </a:solidFill>
+                        <a:effectLst/>
+                        <a:latin typeface="Calibri"/>
+                      </a:endParaRPr>
+                    </a:p>
+                  </a:txBody>
+                  <a:tcPr marL="7620" marR="7620" marT="7620" marB="0" anchor="ctr"/>
+                </a:tc>
+                <a:tc>
+                  <a:txBody>
+                    <a:bodyPr/>
+                    <a:lstStyle/>
+                    <a:p>
+                      <a:pPr algn="ctr" fontAlgn="ctr"/>
+                      <a:r>
+                        <a:rPr lang="en-US" sz="1100" u="none" strike="noStrike">
+                          <a:effectLst/>
+                        </a:rPr>
+                        <a:t>✓</a:t>
+                      </a:r>
+                      <a:endParaRPr lang="en-US" sz="1100" b="0" i="0" u="none" strike="noStrike">
+                        <a:solidFill>
+                          <a:srgbClr val="000000"/>
+                        </a:solidFill>
+                        <a:effectLst/>
+                        <a:latin typeface="Calibri"/>
+                      </a:endParaRPr>
+                    </a:p>
+                  </a:txBody>
+                  <a:tcPr marL="7620" marR="7620" marT="7620" marB="0" anchor="ctr"/>
+                </a:tc>
+                <a:tc>
+                  <a:txBody>
+                    <a:bodyPr/>
+                    <a:lstStyle/>
+                    <a:p>
+                      <a:pPr algn="ctr" fontAlgn="ctr"/>
+                      <a:r>
+                        <a:rPr lang="en-US" sz="1100" u="none" strike="noStrike">
+                          <a:effectLst/>
+                        </a:rPr>
+                        <a:t>✓</a:t>
+                      </a:r>
+                      <a:endParaRPr lang="en-US" sz="1100" b="0" i="0" u="none" strike="noStrike">
+                        <a:solidFill>
+                          <a:srgbClr val="000000"/>
+                        </a:solidFill>
+                        <a:effectLst/>
+                        <a:latin typeface="Calibri"/>
+                      </a:endParaRPr>
+                    </a:p>
+                  </a:txBody>
+                  <a:tcPr marL="7620" marR="7620" marT="7620" marB="0" anchor="ctr"/>
+                </a:tc>
+                <a:tc>
+                  <a:txBody>
+                    <a:bodyPr/>
+                    <a:lstStyle/>
+                    <a:p>
+                      <a:pPr algn="ctr" fontAlgn="ctr"/>
+                      <a:endParaRPr lang="en-US" sz="1100" b="0" i="0" u="none" strike="noStrike">
+                        <a:solidFill>
+                          <a:srgbClr val="000000"/>
+                        </a:solidFill>
+                        <a:effectLst/>
+                        <a:latin typeface="Calibri"/>
+                      </a:endParaRPr>
+                    </a:p>
+                  </a:txBody>
+                  <a:tcPr marL="7620" marR="7620" marT="7620" marB="0" anchor="ctr"/>
+                </a:tc>
+                <a:tc>
+                  <a:txBody>
+                    <a:bodyPr/>
+                    <a:lstStyle/>
+                    <a:p>
+                      <a:pPr algn="ctr" fontAlgn="ctr"/>
+                      <a:endParaRPr lang="en-US" sz="1100" b="0" i="0" u="none" strike="noStrike">
+                        <a:solidFill>
+                          <a:srgbClr val="000000"/>
+                        </a:solidFill>
+                        <a:effectLst/>
+                        <a:latin typeface="Calibri"/>
+                      </a:endParaRPr>
+                    </a:p>
+                  </a:txBody>
+                  <a:tcPr marL="7620" marR="7620" marT="7620" marB="0" anchor="ctr"/>
+                </a:tc>
+                <a:tc>
+                  <a:txBody>
+                    <a:bodyPr/>
+                    <a:lstStyle/>
+                    <a:p>
+                      <a:pPr algn="ctr" fontAlgn="ctr"/>
+                      <a:endParaRPr lang="en-US" sz="1100" b="0" i="0" u="none" strike="noStrike">
+                        <a:solidFill>
+                          <a:srgbClr val="000000"/>
+                        </a:solidFill>
+                        <a:effectLst/>
+                        <a:latin typeface="Calibri"/>
+                      </a:endParaRPr>
+                    </a:p>
+                  </a:txBody>
+                  <a:tcPr marL="7620" marR="7620" marT="7620" marB="0" anchor="ctr"/>
+                </a:tc>
+                <a:tc>
+                  <a:txBody>
+                    <a:bodyPr/>
+                    <a:lstStyle/>
+                    <a:p>
+                      <a:pPr algn="ctr" fontAlgn="ctr"/>
+                      <a:endParaRPr lang="en-US" sz="1100" b="0" i="0" u="none" strike="noStrike">
+                        <a:solidFill>
+                          <a:srgbClr val="000000"/>
+                        </a:solidFill>
+                        <a:effectLst/>
+                        <a:latin typeface="Calibri"/>
+                      </a:endParaRPr>
+                    </a:p>
+                  </a:txBody>
+                  <a:tcPr marL="7620" marR="7620" marT="7620" marB="0" anchor="ctr"/>
+                </a:tc>
+                <a:tc>
+                  <a:txBody>
+                    <a:bodyPr/>
+                    <a:lstStyle/>
+                    <a:p>
+                      <a:pPr algn="ctr" fontAlgn="ctr"/>
+                      <a:endParaRPr lang="en-US" sz="1100" b="0" i="0" u="none" strike="noStrike">
+                        <a:solidFill>
+                          <a:srgbClr val="000000"/>
+                        </a:solidFill>
+                        <a:effectLst/>
+                        <a:latin typeface="Calibri"/>
+                      </a:endParaRPr>
+                    </a:p>
+                  </a:txBody>
+                  <a:tcPr marL="7620" marR="7620" marT="7620" marB="0" anchor="ctr"/>
+                </a:tc>
+                <a:tc>
+                  <a:txBody>
+                    <a:bodyPr/>
+                    <a:lstStyle/>
+                    <a:p>
+                      <a:pPr algn="ctr" fontAlgn="ctr"/>
+                      <a:endParaRPr lang="en-US" sz="1100" b="0" i="0" u="none" strike="noStrike">
+                        <a:solidFill>
+                          <a:srgbClr val="000000"/>
+                        </a:solidFill>
+                        <a:effectLst/>
+                        <a:latin typeface="Calibri"/>
+                      </a:endParaRPr>
+                    </a:p>
+                  </a:txBody>
+                  <a:tcPr marL="7620" marR="7620" marT="7620" marB="0" anchor="ctr"/>
+                </a:tc>
+                <a:tc>
+                  <a:txBody>
+                    <a:bodyPr/>
+                    <a:lstStyle/>
+                    <a:p>
+                      <a:pPr algn="l" fontAlgn="ctr"/>
+                      <a:r>
+                        <a:rPr lang="en-US" sz="1100" u="none" strike="noStrike">
+                          <a:effectLst/>
+                        </a:rPr>
+                        <a:t>2013-08</a:t>
+                      </a:r>
+                      <a:endParaRPr lang="en-US" sz="1100" b="0" i="0" u="none" strike="noStrike">
+                        <a:solidFill>
+                          <a:srgbClr val="000000"/>
+                        </a:solidFill>
+                        <a:effectLst/>
+                        <a:latin typeface="Calibri"/>
+                      </a:endParaRPr>
+                    </a:p>
+                  </a:txBody>
+                  <a:tcPr marL="7620" marR="7620" marT="7620" marB="0" anchor="ctr"/>
+                </a:tc>
+              </a:tr>
+              <a:tr h="283815">
+                <a:tc>
+                  <a:txBody>
+                    <a:bodyPr/>
+                    <a:lstStyle/>
+                    <a:p>
+                      <a:pPr algn="l" fontAlgn="ctr"/>
+                      <a:r>
+                        <a:rPr lang="en-US" sz="1100" u="none" strike="noStrike">
+                          <a:effectLst/>
+                        </a:rPr>
+                        <a:t>Month</a:t>
+                      </a:r>
+                      <a:endParaRPr lang="en-US" sz="1100" b="1" i="0" u="none" strike="noStrike">
+                        <a:solidFill>
+                          <a:srgbClr val="000000"/>
+                        </a:solidFill>
+                        <a:effectLst/>
+                        <a:latin typeface="Calibri"/>
+                      </a:endParaRPr>
+                    </a:p>
+                  </a:txBody>
+                  <a:tcPr marL="7620" marR="7620" marT="7620" marB="0" anchor="ctr"/>
+                </a:tc>
+                <a:tc>
+                  <a:txBody>
+                    <a:bodyPr/>
+                    <a:lstStyle/>
+                    <a:p>
+                      <a:pPr algn="ctr" fontAlgn="ctr"/>
+                      <a:endParaRPr lang="en-US" sz="1100" b="0" i="0" u="none" strike="noStrike">
+                        <a:solidFill>
+                          <a:srgbClr val="000000"/>
+                        </a:solidFill>
+                        <a:effectLst/>
+                        <a:latin typeface="Calibri"/>
+                      </a:endParaRPr>
+                    </a:p>
+                  </a:txBody>
+                  <a:tcPr marL="7620" marR="7620" marT="7620" marB="0" anchor="ctr"/>
+                </a:tc>
+                <a:tc>
+                  <a:txBody>
+                    <a:bodyPr/>
+                    <a:lstStyle/>
+                    <a:p>
+                      <a:pPr algn="ctr" fontAlgn="ctr"/>
+                      <a:r>
+                        <a:rPr lang="en-US" sz="1100" u="none" strike="noStrike">
+                          <a:effectLst/>
+                        </a:rPr>
+                        <a:t>✓</a:t>
+                      </a:r>
+                      <a:endParaRPr lang="en-US" sz="1100" b="0" i="0" u="none" strike="noStrike">
+                        <a:solidFill>
+                          <a:srgbClr val="000000"/>
+                        </a:solidFill>
+                        <a:effectLst/>
+                        <a:latin typeface="Calibri"/>
+                      </a:endParaRPr>
+                    </a:p>
+                  </a:txBody>
+                  <a:tcPr marL="7620" marR="7620" marT="7620" marB="0" anchor="ctr"/>
+                </a:tc>
+                <a:tc>
+                  <a:txBody>
+                    <a:bodyPr/>
+                    <a:lstStyle/>
+                    <a:p>
+                      <a:pPr algn="ctr" fontAlgn="ctr"/>
+                      <a:endParaRPr lang="en-US" sz="1100" b="0" i="0" u="none" strike="noStrike">
+                        <a:solidFill>
+                          <a:srgbClr val="000000"/>
+                        </a:solidFill>
+                        <a:effectLst/>
+                        <a:latin typeface="Calibri"/>
+                      </a:endParaRPr>
+                    </a:p>
+                  </a:txBody>
+                  <a:tcPr marL="7620" marR="7620" marT="7620" marB="0" anchor="ctr"/>
+                </a:tc>
+                <a:tc>
+                  <a:txBody>
+                    <a:bodyPr/>
+                    <a:lstStyle/>
+                    <a:p>
+                      <a:pPr algn="ctr" fontAlgn="ctr"/>
+                      <a:endParaRPr lang="en-US" sz="1100" b="0" i="0" u="none" strike="noStrike">
+                        <a:solidFill>
+                          <a:srgbClr val="000000"/>
+                        </a:solidFill>
+                        <a:effectLst/>
+                        <a:latin typeface="Calibri"/>
+                      </a:endParaRPr>
+                    </a:p>
+                  </a:txBody>
+                  <a:tcPr marL="7620" marR="7620" marT="7620" marB="0" anchor="ctr"/>
+                </a:tc>
+                <a:tc>
+                  <a:txBody>
+                    <a:bodyPr/>
+                    <a:lstStyle/>
+                    <a:p>
+                      <a:pPr algn="ctr" fontAlgn="ctr"/>
+                      <a:endParaRPr lang="en-US" sz="1100" b="0" i="0" u="none" strike="noStrike">
+                        <a:solidFill>
+                          <a:srgbClr val="000000"/>
+                        </a:solidFill>
+                        <a:effectLst/>
+                        <a:latin typeface="Calibri"/>
+                      </a:endParaRPr>
+                    </a:p>
+                  </a:txBody>
+                  <a:tcPr marL="7620" marR="7620" marT="7620" marB="0" anchor="ctr"/>
+                </a:tc>
+                <a:tc>
+                  <a:txBody>
+                    <a:bodyPr/>
+                    <a:lstStyle/>
+                    <a:p>
+                      <a:pPr algn="ctr" fontAlgn="ctr"/>
+                      <a:endParaRPr lang="en-US" sz="1100" b="0" i="0" u="none" strike="noStrike">
+                        <a:solidFill>
+                          <a:srgbClr val="000000"/>
+                        </a:solidFill>
+                        <a:effectLst/>
+                        <a:latin typeface="Calibri"/>
+                      </a:endParaRPr>
+                    </a:p>
+                  </a:txBody>
+                  <a:tcPr marL="7620" marR="7620" marT="7620" marB="0" anchor="ctr"/>
+                </a:tc>
+                <a:tc>
+                  <a:txBody>
+                    <a:bodyPr/>
+                    <a:lstStyle/>
+                    <a:p>
+                      <a:pPr algn="ctr" fontAlgn="ctr"/>
+                      <a:endParaRPr lang="en-US" sz="1100" b="0" i="0" u="none" strike="noStrike" dirty="0">
+                        <a:solidFill>
+                          <a:srgbClr val="000000"/>
+                        </a:solidFill>
+                        <a:effectLst/>
+                        <a:latin typeface="Calibri"/>
+                      </a:endParaRPr>
+                    </a:p>
+                  </a:txBody>
+                  <a:tcPr marL="7620" marR="7620" marT="7620" marB="0" anchor="ctr"/>
+                </a:tc>
+                <a:tc>
+                  <a:txBody>
+                    <a:bodyPr/>
+                    <a:lstStyle/>
+                    <a:p>
+                      <a:pPr algn="ctr" fontAlgn="ctr"/>
+                      <a:endParaRPr lang="en-US" sz="1100" b="0" i="0" u="none" strike="noStrike">
+                        <a:solidFill>
+                          <a:srgbClr val="000000"/>
+                        </a:solidFill>
+                        <a:effectLst/>
+                        <a:latin typeface="Calibri"/>
+                      </a:endParaRPr>
+                    </a:p>
+                  </a:txBody>
+                  <a:tcPr marL="7620" marR="7620" marT="7620" marB="0" anchor="ctr"/>
+                </a:tc>
+                <a:tc>
+                  <a:txBody>
+                    <a:bodyPr/>
+                    <a:lstStyle/>
+                    <a:p>
+                      <a:pPr algn="l" fontAlgn="ctr"/>
+                      <a:r>
+                        <a:rPr lang="en-US" sz="1100" u="none" strike="noStrike" dirty="0">
+                          <a:effectLst/>
+                        </a:rPr>
+                        <a:t>AUGUST</a:t>
+                      </a:r>
+                      <a:endParaRPr lang="en-US" sz="1100" b="0" i="0" u="none" strike="noStrike" dirty="0">
+                        <a:solidFill>
+                          <a:srgbClr val="000000"/>
+                        </a:solidFill>
+                        <a:effectLst/>
+                        <a:latin typeface="Calibri"/>
+                      </a:endParaRPr>
+                    </a:p>
+                  </a:txBody>
+                  <a:tcPr marL="7620" marR="7620" marT="7620" marB="0" anchor="ctr"/>
+                </a:tc>
+              </a:tr>
+              <a:tr h="283815">
+                <a:tc>
+                  <a:txBody>
+                    <a:bodyPr/>
+                    <a:lstStyle/>
+                    <a:p>
+                      <a:pPr algn="l" fontAlgn="ctr"/>
+                      <a:r>
+                        <a:rPr lang="en-US" sz="1100" u="none" strike="noStrike">
+                          <a:effectLst/>
+                        </a:rPr>
+                        <a:t>OffsetDateTime</a:t>
+                      </a:r>
+                      <a:endParaRPr lang="en-US" sz="1100" b="1" i="0" u="none" strike="noStrike">
+                        <a:solidFill>
+                          <a:srgbClr val="000000"/>
+                        </a:solidFill>
+                        <a:effectLst/>
+                        <a:latin typeface="Calibri"/>
+                      </a:endParaRPr>
+                    </a:p>
+                  </a:txBody>
+                  <a:tcPr marL="7620" marR="7620" marT="7620" marB="0" anchor="ctr"/>
+                </a:tc>
+                <a:tc>
+                  <a:txBody>
+                    <a:bodyPr/>
+                    <a:lstStyle/>
+                    <a:p>
+                      <a:pPr algn="ctr" fontAlgn="ctr"/>
+                      <a:r>
+                        <a:rPr lang="en-US" sz="1100" u="none" strike="noStrike">
+                          <a:effectLst/>
+                        </a:rPr>
+                        <a:t>✓</a:t>
+                      </a:r>
+                      <a:endParaRPr lang="en-US" sz="1100" b="0" i="0" u="none" strike="noStrike">
+                        <a:solidFill>
+                          <a:srgbClr val="000000"/>
+                        </a:solidFill>
+                        <a:effectLst/>
+                        <a:latin typeface="Calibri"/>
+                      </a:endParaRPr>
+                    </a:p>
+                  </a:txBody>
+                  <a:tcPr marL="7620" marR="7620" marT="7620" marB="0" anchor="ctr"/>
+                </a:tc>
+                <a:tc>
+                  <a:txBody>
+                    <a:bodyPr/>
+                    <a:lstStyle/>
+                    <a:p>
+                      <a:pPr algn="ctr" fontAlgn="ctr"/>
+                      <a:r>
+                        <a:rPr lang="en-US" sz="1100" u="none" strike="noStrike">
+                          <a:effectLst/>
+                        </a:rPr>
+                        <a:t>✓</a:t>
+                      </a:r>
+                      <a:endParaRPr lang="en-US" sz="1100" b="0" i="0" u="none" strike="noStrike">
+                        <a:solidFill>
+                          <a:srgbClr val="000000"/>
+                        </a:solidFill>
+                        <a:effectLst/>
+                        <a:latin typeface="Calibri"/>
+                      </a:endParaRPr>
+                    </a:p>
+                  </a:txBody>
+                  <a:tcPr marL="7620" marR="7620" marT="7620" marB="0" anchor="ctr"/>
+                </a:tc>
+                <a:tc>
+                  <a:txBody>
+                    <a:bodyPr/>
+                    <a:lstStyle/>
+                    <a:p>
+                      <a:pPr algn="ctr" fontAlgn="ctr"/>
+                      <a:r>
+                        <a:rPr lang="en-US" sz="1100" u="none" strike="noStrike">
+                          <a:effectLst/>
+                        </a:rPr>
+                        <a:t>✓</a:t>
+                      </a:r>
+                      <a:endParaRPr lang="en-US" sz="1100" b="0" i="0" u="none" strike="noStrike">
+                        <a:solidFill>
+                          <a:srgbClr val="000000"/>
+                        </a:solidFill>
+                        <a:effectLst/>
+                        <a:latin typeface="Calibri"/>
+                      </a:endParaRPr>
+                    </a:p>
+                  </a:txBody>
+                  <a:tcPr marL="7620" marR="7620" marT="7620" marB="0" anchor="ctr"/>
+                </a:tc>
+                <a:tc>
+                  <a:txBody>
+                    <a:bodyPr/>
+                    <a:lstStyle/>
+                    <a:p>
+                      <a:pPr algn="ctr" fontAlgn="ctr"/>
+                      <a:r>
+                        <a:rPr lang="en-US" sz="1100" u="none" strike="noStrike">
+                          <a:effectLst/>
+                        </a:rPr>
+                        <a:t>✓</a:t>
+                      </a:r>
+                      <a:endParaRPr lang="en-US" sz="1100" b="0" i="0" u="none" strike="noStrike">
+                        <a:solidFill>
+                          <a:srgbClr val="000000"/>
+                        </a:solidFill>
+                        <a:effectLst/>
+                        <a:latin typeface="Calibri"/>
+                      </a:endParaRPr>
+                    </a:p>
+                  </a:txBody>
+                  <a:tcPr marL="7620" marR="7620" marT="7620" marB="0" anchor="ctr"/>
+                </a:tc>
+                <a:tc>
+                  <a:txBody>
+                    <a:bodyPr/>
+                    <a:lstStyle/>
+                    <a:p>
+                      <a:pPr algn="ctr" fontAlgn="ctr"/>
+                      <a:r>
+                        <a:rPr lang="en-US" sz="1100" u="none" strike="noStrike">
+                          <a:effectLst/>
+                        </a:rPr>
+                        <a:t>✓</a:t>
+                      </a:r>
+                      <a:endParaRPr lang="en-US" sz="1100" b="0" i="0" u="none" strike="noStrike">
+                        <a:solidFill>
+                          <a:srgbClr val="000000"/>
+                        </a:solidFill>
+                        <a:effectLst/>
+                        <a:latin typeface="Calibri"/>
+                      </a:endParaRPr>
+                    </a:p>
+                  </a:txBody>
+                  <a:tcPr marL="7620" marR="7620" marT="7620" marB="0" anchor="ctr"/>
+                </a:tc>
+                <a:tc>
+                  <a:txBody>
+                    <a:bodyPr/>
+                    <a:lstStyle/>
+                    <a:p>
+                      <a:pPr algn="ctr" fontAlgn="ctr"/>
+                      <a:r>
+                        <a:rPr lang="en-US" sz="1100" u="none" strike="noStrike">
+                          <a:effectLst/>
+                        </a:rPr>
+                        <a:t>✓</a:t>
+                      </a:r>
+                      <a:endParaRPr lang="en-US" sz="1100" b="0" i="0" u="none" strike="noStrike">
+                        <a:solidFill>
+                          <a:srgbClr val="000000"/>
+                        </a:solidFill>
+                        <a:effectLst/>
+                        <a:latin typeface="Calibri"/>
+                      </a:endParaRPr>
+                    </a:p>
+                  </a:txBody>
+                  <a:tcPr marL="7620" marR="7620" marT="7620" marB="0" anchor="ctr"/>
+                </a:tc>
+                <a:tc>
+                  <a:txBody>
+                    <a:bodyPr/>
+                    <a:lstStyle/>
+                    <a:p>
+                      <a:pPr algn="ctr" fontAlgn="ctr"/>
+                      <a:r>
+                        <a:rPr lang="en-US" sz="1100" u="none" strike="noStrike" dirty="0">
+                          <a:effectLst/>
+                        </a:rPr>
+                        <a:t>✓</a:t>
+                      </a:r>
+                      <a:endParaRPr lang="en-US" sz="1100" b="0" i="0" u="none" strike="noStrike" dirty="0">
+                        <a:solidFill>
+                          <a:srgbClr val="000000"/>
+                        </a:solidFill>
+                        <a:effectLst/>
+                        <a:latin typeface="Calibri"/>
+                      </a:endParaRPr>
+                    </a:p>
+                  </a:txBody>
+                  <a:tcPr marL="7620" marR="7620" marT="7620" marB="0" anchor="ctr"/>
+                </a:tc>
+                <a:tc>
+                  <a:txBody>
+                    <a:bodyPr/>
+                    <a:lstStyle/>
+                    <a:p>
+                      <a:pPr algn="ctr" fontAlgn="ctr"/>
+                      <a:endParaRPr lang="en-US" sz="1100" b="0" i="0" u="none" strike="noStrike" dirty="0">
+                        <a:solidFill>
+                          <a:srgbClr val="000000"/>
+                        </a:solidFill>
+                        <a:effectLst/>
+                        <a:latin typeface="Calibri"/>
+                      </a:endParaRPr>
+                    </a:p>
+                  </a:txBody>
+                  <a:tcPr marL="7620" marR="7620" marT="7620" marB="0" anchor="ctr"/>
+                </a:tc>
+                <a:tc>
+                  <a:txBody>
+                    <a:bodyPr/>
+                    <a:lstStyle/>
+                    <a:p>
+                      <a:pPr algn="l" fontAlgn="ctr"/>
+                      <a:r>
+                        <a:rPr lang="en-US" sz="1100" u="none" strike="noStrike" dirty="0">
+                          <a:effectLst/>
+                        </a:rPr>
+                        <a:t>2013-08-20T08:16:26.954-07:00</a:t>
+                      </a:r>
+                      <a:endParaRPr lang="en-US" sz="1100" b="0" i="0" u="none" strike="noStrike" dirty="0">
+                        <a:solidFill>
+                          <a:srgbClr val="000000"/>
+                        </a:solidFill>
+                        <a:effectLst/>
+                        <a:latin typeface="Calibri"/>
+                      </a:endParaRPr>
+                    </a:p>
+                  </a:txBody>
+                  <a:tcPr marL="7620" marR="7620" marT="7620" marB="0" anchor="ctr"/>
+                </a:tc>
+              </a:tr>
+              <a:tr h="283815">
+                <a:tc>
+                  <a:txBody>
+                    <a:bodyPr/>
+                    <a:lstStyle/>
+                    <a:p>
+                      <a:pPr algn="l" fontAlgn="ctr"/>
+                      <a:r>
+                        <a:rPr lang="en-US" sz="1100" u="none" strike="noStrike">
+                          <a:effectLst/>
+                        </a:rPr>
+                        <a:t>OffsetTime</a:t>
+                      </a:r>
+                      <a:endParaRPr lang="en-US" sz="1100" b="1" i="0" u="none" strike="noStrike">
+                        <a:solidFill>
+                          <a:srgbClr val="000000"/>
+                        </a:solidFill>
+                        <a:effectLst/>
+                        <a:latin typeface="Calibri"/>
+                      </a:endParaRPr>
+                    </a:p>
+                  </a:txBody>
+                  <a:tcPr marL="7620" marR="7620" marT="7620" marB="0" anchor="ctr"/>
+                </a:tc>
+                <a:tc>
+                  <a:txBody>
+                    <a:bodyPr/>
+                    <a:lstStyle/>
+                    <a:p>
+                      <a:pPr algn="ctr" fontAlgn="ctr"/>
+                      <a:endParaRPr lang="en-US" sz="1100" b="0" i="0" u="none" strike="noStrike">
+                        <a:solidFill>
+                          <a:srgbClr val="000000"/>
+                        </a:solidFill>
+                        <a:effectLst/>
+                        <a:latin typeface="Calibri"/>
+                      </a:endParaRPr>
+                    </a:p>
+                  </a:txBody>
+                  <a:tcPr marL="7620" marR="7620" marT="7620" marB="0" anchor="ctr"/>
+                </a:tc>
+                <a:tc>
+                  <a:txBody>
+                    <a:bodyPr/>
+                    <a:lstStyle/>
+                    <a:p>
+                      <a:pPr algn="ctr" fontAlgn="ctr"/>
+                      <a:endParaRPr lang="en-US" sz="1100" b="0" i="0" u="none" strike="noStrike">
+                        <a:solidFill>
+                          <a:srgbClr val="000000"/>
+                        </a:solidFill>
+                        <a:effectLst/>
+                        <a:latin typeface="Calibri"/>
+                      </a:endParaRPr>
+                    </a:p>
+                  </a:txBody>
+                  <a:tcPr marL="7620" marR="7620" marT="7620" marB="0" anchor="ctr"/>
+                </a:tc>
+                <a:tc>
+                  <a:txBody>
+                    <a:bodyPr/>
+                    <a:lstStyle/>
+                    <a:p>
+                      <a:pPr algn="ctr" fontAlgn="ctr"/>
+                      <a:endParaRPr lang="en-US" sz="1100" b="0" i="0" u="none" strike="noStrike">
+                        <a:solidFill>
+                          <a:srgbClr val="000000"/>
+                        </a:solidFill>
+                        <a:effectLst/>
+                        <a:latin typeface="Calibri"/>
+                      </a:endParaRPr>
+                    </a:p>
+                  </a:txBody>
+                  <a:tcPr marL="7620" marR="7620" marT="7620" marB="0" anchor="ctr"/>
+                </a:tc>
+                <a:tc>
+                  <a:txBody>
+                    <a:bodyPr/>
+                    <a:lstStyle/>
+                    <a:p>
+                      <a:pPr algn="ctr" fontAlgn="ctr"/>
+                      <a:r>
+                        <a:rPr lang="en-US" sz="1100" u="none" strike="noStrike">
+                          <a:effectLst/>
+                        </a:rPr>
+                        <a:t>✓</a:t>
+                      </a:r>
+                      <a:endParaRPr lang="en-US" sz="1100" b="0" i="0" u="none" strike="noStrike">
+                        <a:solidFill>
+                          <a:srgbClr val="000000"/>
+                        </a:solidFill>
+                        <a:effectLst/>
+                        <a:latin typeface="Calibri"/>
+                      </a:endParaRPr>
+                    </a:p>
+                  </a:txBody>
+                  <a:tcPr marL="7620" marR="7620" marT="7620" marB="0" anchor="ctr"/>
+                </a:tc>
+                <a:tc>
+                  <a:txBody>
+                    <a:bodyPr/>
+                    <a:lstStyle/>
+                    <a:p>
+                      <a:pPr algn="ctr" fontAlgn="ctr"/>
+                      <a:r>
+                        <a:rPr lang="en-US" sz="1100" u="none" strike="noStrike">
+                          <a:effectLst/>
+                        </a:rPr>
+                        <a:t>✓</a:t>
+                      </a:r>
+                      <a:endParaRPr lang="en-US" sz="1100" b="0" i="0" u="none" strike="noStrike">
+                        <a:solidFill>
+                          <a:srgbClr val="000000"/>
+                        </a:solidFill>
+                        <a:effectLst/>
+                        <a:latin typeface="Calibri"/>
+                      </a:endParaRPr>
+                    </a:p>
+                  </a:txBody>
+                  <a:tcPr marL="7620" marR="7620" marT="7620" marB="0" anchor="ctr"/>
+                </a:tc>
+                <a:tc>
+                  <a:txBody>
+                    <a:bodyPr/>
+                    <a:lstStyle/>
+                    <a:p>
+                      <a:pPr algn="ctr" fontAlgn="ctr"/>
+                      <a:r>
+                        <a:rPr lang="en-US" sz="1100" u="none" strike="noStrike">
+                          <a:effectLst/>
+                        </a:rPr>
+                        <a:t>✓</a:t>
+                      </a:r>
+                      <a:endParaRPr lang="en-US" sz="1100" b="0" i="0" u="none" strike="noStrike">
+                        <a:solidFill>
+                          <a:srgbClr val="000000"/>
+                        </a:solidFill>
+                        <a:effectLst/>
+                        <a:latin typeface="Calibri"/>
+                      </a:endParaRPr>
+                    </a:p>
+                  </a:txBody>
+                  <a:tcPr marL="7620" marR="7620" marT="7620" marB="0" anchor="ctr"/>
+                </a:tc>
+                <a:tc>
+                  <a:txBody>
+                    <a:bodyPr/>
+                    <a:lstStyle/>
+                    <a:p>
+                      <a:pPr algn="ctr" fontAlgn="ctr"/>
+                      <a:r>
+                        <a:rPr lang="en-US" sz="1100" u="none" strike="noStrike">
+                          <a:effectLst/>
+                        </a:rPr>
+                        <a:t>✓</a:t>
+                      </a:r>
+                      <a:endParaRPr lang="en-US" sz="1100" b="0" i="0" u="none" strike="noStrike">
+                        <a:solidFill>
+                          <a:srgbClr val="000000"/>
+                        </a:solidFill>
+                        <a:effectLst/>
+                        <a:latin typeface="Calibri"/>
+                      </a:endParaRPr>
+                    </a:p>
+                  </a:txBody>
+                  <a:tcPr marL="7620" marR="7620" marT="7620" marB="0" anchor="ctr"/>
+                </a:tc>
+                <a:tc>
+                  <a:txBody>
+                    <a:bodyPr/>
+                    <a:lstStyle/>
+                    <a:p>
+                      <a:pPr algn="ctr" fontAlgn="ctr"/>
+                      <a:endParaRPr lang="en-US" sz="1100" b="0" i="0" u="none" strike="noStrike">
+                        <a:solidFill>
+                          <a:srgbClr val="000000"/>
+                        </a:solidFill>
+                        <a:effectLst/>
+                        <a:latin typeface="Calibri"/>
+                      </a:endParaRPr>
+                    </a:p>
+                  </a:txBody>
+                  <a:tcPr marL="7620" marR="7620" marT="7620" marB="0" anchor="ctr"/>
+                </a:tc>
+                <a:tc>
+                  <a:txBody>
+                    <a:bodyPr/>
+                    <a:lstStyle/>
+                    <a:p>
+                      <a:pPr algn="l" fontAlgn="ctr"/>
+                      <a:r>
+                        <a:rPr lang="en-US" sz="1100" u="none" strike="noStrike" dirty="0">
+                          <a:effectLst/>
+                        </a:rPr>
+                        <a:t>08:16:26.957-07:00</a:t>
+                      </a:r>
+                      <a:endParaRPr lang="en-US" sz="1100" b="0" i="0" u="none" strike="noStrike" dirty="0">
+                        <a:solidFill>
+                          <a:srgbClr val="000000"/>
+                        </a:solidFill>
+                        <a:effectLst/>
+                        <a:latin typeface="Calibri"/>
+                      </a:endParaRPr>
+                    </a:p>
+                  </a:txBody>
+                  <a:tcPr marL="7620" marR="7620" marT="7620" marB="0" anchor="ctr"/>
+                </a:tc>
+              </a:tr>
+              <a:tr h="283815">
+                <a:tc>
+                  <a:txBody>
+                    <a:bodyPr/>
+                    <a:lstStyle/>
+                    <a:p>
+                      <a:pPr algn="l" fontAlgn="ctr"/>
+                      <a:r>
+                        <a:rPr lang="en-US" sz="1100" u="none" strike="noStrike">
+                          <a:effectLst/>
+                        </a:rPr>
+                        <a:t>Duration</a:t>
+                      </a:r>
+                      <a:endParaRPr lang="en-US" sz="1100" b="1" i="0" u="none" strike="noStrike">
+                        <a:solidFill>
+                          <a:srgbClr val="000000"/>
+                        </a:solidFill>
+                        <a:effectLst/>
+                        <a:latin typeface="Calibri"/>
+                      </a:endParaRPr>
+                    </a:p>
+                  </a:txBody>
+                  <a:tcPr marL="7620" marR="7620" marT="7620" marB="0" anchor="ctr"/>
+                </a:tc>
+                <a:tc>
+                  <a:txBody>
+                    <a:bodyPr/>
+                    <a:lstStyle/>
+                    <a:p>
+                      <a:pPr algn="ctr" fontAlgn="ctr"/>
+                      <a:endParaRPr lang="en-US" sz="1100" b="0" i="0" u="none" strike="noStrike">
+                        <a:solidFill>
+                          <a:srgbClr val="000000"/>
+                        </a:solidFill>
+                        <a:effectLst/>
+                        <a:latin typeface="Calibri"/>
+                      </a:endParaRPr>
+                    </a:p>
+                  </a:txBody>
+                  <a:tcPr marL="7620" marR="7620" marT="7620" marB="0" anchor="ctr"/>
+                </a:tc>
+                <a:tc>
+                  <a:txBody>
+                    <a:bodyPr/>
+                    <a:lstStyle/>
+                    <a:p>
+                      <a:pPr algn="ctr" fontAlgn="ctr"/>
+                      <a:endParaRPr lang="en-US" sz="1100" b="0" i="0" u="none" strike="noStrike">
+                        <a:solidFill>
+                          <a:srgbClr val="000000"/>
+                        </a:solidFill>
+                        <a:effectLst/>
+                        <a:latin typeface="Calibri"/>
+                      </a:endParaRPr>
+                    </a:p>
+                  </a:txBody>
+                  <a:tcPr marL="7620" marR="7620" marT="7620" marB="0" anchor="ctr"/>
+                </a:tc>
+                <a:tc>
+                  <a:txBody>
+                    <a:bodyPr/>
+                    <a:lstStyle/>
+                    <a:p>
+                      <a:pPr algn="ctr" fontAlgn="ctr"/>
+                      <a:endParaRPr lang="en-US" sz="1100" b="0" i="0" u="none" strike="noStrike">
+                        <a:solidFill>
+                          <a:srgbClr val="000000"/>
+                        </a:solidFill>
+                        <a:effectLst/>
+                        <a:latin typeface="Calibri"/>
+                      </a:endParaRPr>
+                    </a:p>
+                  </a:txBody>
+                  <a:tcPr marL="7620" marR="7620" marT="7620" marB="0" anchor="ctr"/>
+                </a:tc>
+                <a:tc>
+                  <a:txBody>
+                    <a:bodyPr/>
+                    <a:lstStyle/>
+                    <a:p>
+                      <a:pPr algn="ctr" fontAlgn="ctr"/>
+                      <a:endParaRPr lang="en-US" sz="1100" b="0" i="0" u="none" strike="noStrike">
+                        <a:solidFill>
+                          <a:srgbClr val="000000"/>
+                        </a:solidFill>
+                        <a:effectLst/>
+                        <a:latin typeface="Calibri"/>
+                      </a:endParaRPr>
+                    </a:p>
+                  </a:txBody>
+                  <a:tcPr marL="7620" marR="7620" marT="7620" marB="0" anchor="ctr"/>
+                </a:tc>
+                <a:tc>
+                  <a:txBody>
+                    <a:bodyPr/>
+                    <a:lstStyle/>
+                    <a:p>
+                      <a:pPr algn="ctr" fontAlgn="ctr"/>
+                      <a:endParaRPr lang="en-US" sz="1100" b="0" i="0" u="none" strike="noStrike">
+                        <a:solidFill>
+                          <a:srgbClr val="000000"/>
+                        </a:solidFill>
+                        <a:effectLst/>
+                        <a:latin typeface="Calibri"/>
+                      </a:endParaRPr>
+                    </a:p>
+                  </a:txBody>
+                  <a:tcPr marL="7620" marR="7620" marT="7620" marB="0" anchor="ctr"/>
+                </a:tc>
+                <a:tc>
+                  <a:txBody>
+                    <a:bodyPr/>
+                    <a:lstStyle/>
+                    <a:p>
+                      <a:pPr algn="ctr" fontAlgn="ctr"/>
+                      <a:r>
+                        <a:rPr lang="en-US" sz="1100" u="none" strike="noStrike">
+                          <a:effectLst/>
+                        </a:rPr>
+                        <a:t>✓</a:t>
+                      </a:r>
+                      <a:endParaRPr lang="en-US" sz="1100" b="0" i="0" u="none" strike="noStrike">
+                        <a:solidFill>
+                          <a:srgbClr val="000000"/>
+                        </a:solidFill>
+                        <a:effectLst/>
+                        <a:latin typeface="Calibri"/>
+                      </a:endParaRPr>
+                    </a:p>
+                  </a:txBody>
+                  <a:tcPr marL="7620" marR="7620" marT="7620" marB="0" anchor="ctr"/>
+                </a:tc>
+                <a:tc>
+                  <a:txBody>
+                    <a:bodyPr/>
+                    <a:lstStyle/>
+                    <a:p>
+                      <a:pPr algn="ctr" fontAlgn="ctr"/>
+                      <a:endParaRPr lang="en-US" sz="1100" b="0" i="0" u="none" strike="noStrike">
+                        <a:solidFill>
+                          <a:srgbClr val="000000"/>
+                        </a:solidFill>
+                        <a:effectLst/>
+                        <a:latin typeface="Calibri"/>
+                      </a:endParaRPr>
+                    </a:p>
+                  </a:txBody>
+                  <a:tcPr marL="7620" marR="7620" marT="7620" marB="0" anchor="ctr"/>
+                </a:tc>
+                <a:tc>
+                  <a:txBody>
+                    <a:bodyPr/>
+                    <a:lstStyle/>
+                    <a:p>
+                      <a:pPr algn="ctr" fontAlgn="ctr"/>
+                      <a:endParaRPr lang="en-US" sz="1100" b="0" i="0" u="none" strike="noStrike">
+                        <a:solidFill>
+                          <a:srgbClr val="000000"/>
+                        </a:solidFill>
+                        <a:effectLst/>
+                        <a:latin typeface="Calibri"/>
+                      </a:endParaRPr>
+                    </a:p>
+                  </a:txBody>
+                  <a:tcPr marL="7620" marR="7620" marT="7620" marB="0" anchor="ctr"/>
+                </a:tc>
+                <a:tc>
+                  <a:txBody>
+                    <a:bodyPr/>
+                    <a:lstStyle/>
+                    <a:p>
+                      <a:pPr algn="l" fontAlgn="ctr"/>
+                      <a:r>
+                        <a:rPr lang="en-US" sz="1100" u="none" strike="noStrike">
+                          <a:effectLst/>
+                        </a:rPr>
+                        <a:t>PT20H</a:t>
+                      </a:r>
+                      <a:endParaRPr lang="en-US" sz="1100" b="0" i="0" u="none" strike="noStrike">
+                        <a:solidFill>
+                          <a:srgbClr val="000000"/>
+                        </a:solidFill>
+                        <a:effectLst/>
+                        <a:latin typeface="Calibri"/>
+                      </a:endParaRPr>
+                    </a:p>
+                  </a:txBody>
+                  <a:tcPr marL="7620" marR="7620" marT="7620" marB="0" anchor="ctr"/>
+                </a:tc>
+              </a:tr>
+              <a:tr h="217592">
+                <a:tc>
+                  <a:txBody>
+                    <a:bodyPr/>
+                    <a:lstStyle/>
+                    <a:p>
+                      <a:pPr algn="l" fontAlgn="ctr"/>
+                      <a:r>
+                        <a:rPr lang="en-US" sz="1100" u="none" strike="noStrike" dirty="0">
+                          <a:effectLst/>
+                        </a:rPr>
+                        <a:t>Period</a:t>
+                      </a:r>
+                      <a:endParaRPr lang="en-US" sz="1100" b="1" i="0" u="none" strike="noStrike" dirty="0">
+                        <a:solidFill>
+                          <a:srgbClr val="000000"/>
+                        </a:solidFill>
+                        <a:effectLst/>
+                        <a:latin typeface="Calibri"/>
+                      </a:endParaRPr>
+                    </a:p>
+                  </a:txBody>
+                  <a:tcPr marL="7620" marR="7620" marT="7620" marB="0" anchor="ctr"/>
+                </a:tc>
+                <a:tc>
+                  <a:txBody>
+                    <a:bodyPr/>
+                    <a:lstStyle/>
+                    <a:p>
+                      <a:pPr algn="ctr" fontAlgn="ctr"/>
+                      <a:r>
+                        <a:rPr lang="en-US" sz="1100" u="none" strike="noStrike">
+                          <a:effectLst/>
+                        </a:rPr>
+                        <a:t>✓</a:t>
+                      </a:r>
+                      <a:endParaRPr lang="en-US" sz="1100" b="0" i="0" u="none" strike="noStrike">
+                        <a:solidFill>
+                          <a:srgbClr val="000000"/>
+                        </a:solidFill>
+                        <a:effectLst/>
+                        <a:latin typeface="Calibri"/>
+                      </a:endParaRPr>
+                    </a:p>
+                  </a:txBody>
+                  <a:tcPr marL="7620" marR="7620" marT="7620" marB="0" anchor="ctr"/>
+                </a:tc>
+                <a:tc>
+                  <a:txBody>
+                    <a:bodyPr/>
+                    <a:lstStyle/>
+                    <a:p>
+                      <a:pPr algn="ctr" fontAlgn="ctr"/>
+                      <a:r>
+                        <a:rPr lang="en-US" sz="1100" u="none" strike="noStrike">
+                          <a:effectLst/>
+                        </a:rPr>
+                        <a:t>✓</a:t>
+                      </a:r>
+                      <a:endParaRPr lang="en-US" sz="1100" b="0" i="0" u="none" strike="noStrike">
+                        <a:solidFill>
+                          <a:srgbClr val="000000"/>
+                        </a:solidFill>
+                        <a:effectLst/>
+                        <a:latin typeface="Calibri"/>
+                      </a:endParaRPr>
+                    </a:p>
+                  </a:txBody>
+                  <a:tcPr marL="7620" marR="7620" marT="7620" marB="0" anchor="ctr"/>
+                </a:tc>
+                <a:tc>
+                  <a:txBody>
+                    <a:bodyPr/>
+                    <a:lstStyle/>
+                    <a:p>
+                      <a:pPr algn="ctr" fontAlgn="ctr"/>
+                      <a:r>
+                        <a:rPr lang="en-US" sz="1100" u="none" strike="noStrike">
+                          <a:effectLst/>
+                        </a:rPr>
+                        <a:t>✓</a:t>
+                      </a:r>
+                      <a:endParaRPr lang="en-US" sz="1100" b="0" i="0" u="none" strike="noStrike">
+                        <a:solidFill>
+                          <a:srgbClr val="000000"/>
+                        </a:solidFill>
+                        <a:effectLst/>
+                        <a:latin typeface="Calibri"/>
+                      </a:endParaRPr>
+                    </a:p>
+                  </a:txBody>
+                  <a:tcPr marL="7620" marR="7620" marT="7620" marB="0" anchor="ctr"/>
+                </a:tc>
+                <a:tc>
+                  <a:txBody>
+                    <a:bodyPr/>
+                    <a:lstStyle/>
+                    <a:p>
+                      <a:pPr algn="ctr" fontAlgn="ctr"/>
+                      <a:endParaRPr lang="en-US" sz="1100" b="0" i="0" u="none" strike="noStrike">
+                        <a:solidFill>
+                          <a:srgbClr val="000000"/>
+                        </a:solidFill>
+                        <a:effectLst/>
+                        <a:latin typeface="Calibri"/>
+                      </a:endParaRPr>
+                    </a:p>
+                  </a:txBody>
+                  <a:tcPr marL="7620" marR="7620" marT="7620" marB="0" anchor="ctr"/>
+                </a:tc>
+                <a:tc>
+                  <a:txBody>
+                    <a:bodyPr/>
+                    <a:lstStyle/>
+                    <a:p>
+                      <a:pPr algn="ctr" fontAlgn="ctr"/>
+                      <a:endParaRPr lang="en-US" sz="1100" b="0" i="0" u="none" strike="noStrike">
+                        <a:solidFill>
+                          <a:srgbClr val="000000"/>
+                        </a:solidFill>
+                        <a:effectLst/>
+                        <a:latin typeface="Calibri"/>
+                      </a:endParaRPr>
+                    </a:p>
+                  </a:txBody>
+                  <a:tcPr marL="7620" marR="7620" marT="7620" marB="0" anchor="ctr"/>
+                </a:tc>
+                <a:tc>
+                  <a:txBody>
+                    <a:bodyPr/>
+                    <a:lstStyle/>
+                    <a:p>
+                      <a:pPr algn="ctr" fontAlgn="ctr"/>
+                      <a:endParaRPr lang="en-US" sz="1100" b="0" i="0" u="none" strike="noStrike">
+                        <a:solidFill>
+                          <a:srgbClr val="000000"/>
+                        </a:solidFill>
+                        <a:effectLst/>
+                        <a:latin typeface="Calibri"/>
+                      </a:endParaRPr>
+                    </a:p>
+                  </a:txBody>
+                  <a:tcPr marL="7620" marR="7620" marT="7620" marB="0" anchor="ctr"/>
+                </a:tc>
+                <a:tc>
+                  <a:txBody>
+                    <a:bodyPr/>
+                    <a:lstStyle/>
+                    <a:p>
+                      <a:pPr algn="ctr" fontAlgn="ctr"/>
+                      <a:endParaRPr lang="en-US" sz="1100" b="0" i="0" u="none" strike="noStrike">
+                        <a:solidFill>
+                          <a:srgbClr val="000000"/>
+                        </a:solidFill>
+                        <a:effectLst/>
+                        <a:latin typeface="Calibri"/>
+                      </a:endParaRPr>
+                    </a:p>
+                  </a:txBody>
+                  <a:tcPr marL="7620" marR="7620" marT="7620" marB="0" anchor="ctr"/>
+                </a:tc>
+                <a:tc>
+                  <a:txBody>
+                    <a:bodyPr/>
+                    <a:lstStyle/>
+                    <a:p>
+                      <a:pPr algn="ctr" fontAlgn="ctr"/>
+                      <a:endParaRPr lang="en-US" sz="1100" b="0" i="0" u="none" strike="noStrike">
+                        <a:solidFill>
+                          <a:srgbClr val="000000"/>
+                        </a:solidFill>
+                        <a:effectLst/>
+                        <a:latin typeface="Calibri"/>
+                      </a:endParaRPr>
+                    </a:p>
+                  </a:txBody>
+                  <a:tcPr marL="7620" marR="7620" marT="7620" marB="0" anchor="ctr"/>
+                </a:tc>
+                <a:tc>
+                  <a:txBody>
+                    <a:bodyPr/>
+                    <a:lstStyle/>
+                    <a:p>
+                      <a:pPr algn="l" fontAlgn="ctr"/>
+                      <a:r>
+                        <a:rPr lang="en-US" sz="1100" u="none" strike="noStrike" dirty="0">
+                          <a:effectLst/>
+                        </a:rPr>
+                        <a:t>P10D</a:t>
+                      </a:r>
+                      <a:endParaRPr lang="en-US" sz="1100" b="0" i="0" u="none" strike="noStrike" dirty="0">
+                        <a:solidFill>
+                          <a:srgbClr val="000000"/>
+                        </a:solidFill>
+                        <a:effectLst/>
+                        <a:latin typeface="Calibri"/>
+                      </a:endParaRPr>
+                    </a:p>
+                  </a:txBody>
+                  <a:tcPr marL="7620" marR="7620" marT="7620" marB="0" anchor="ctr"/>
+                </a:tc>
+              </a:tr>
+            </a:tbl>
+          </a:graphicData>
+        </a:graphic>
+      </p:graphicFrame>
       <p:sp>
         <p:nvSpPr>
-          <p:cNvPr id="3" name="Content Placeholder 2"/>
-          <p:cNvSpPr>
-            <a:spLocks noGrp="1"/>
-          </p:cNvSpPr>
-          <p:nvPr>
-            <p:ph idx="1"/>
-          </p:nvPr>
+          <p:cNvPr id="5" name="Rectangle 4"/>
+          <p:cNvSpPr/>
+          <p:nvPr/>
         </p:nvSpPr>
-        <p:spPr/>
+        <p:spPr>
+          <a:xfrm>
+            <a:off x="0" y="5715000"/>
+            <a:ext cx="9144000" cy="369332"/>
+          </a:xfrm>
+          <a:prstGeom prst="rect">
+            <a:avLst/>
+          </a:prstGeom>
+        </p:spPr>
         <p:txBody>
-          <a:bodyPr>
-            <a:normAutofit/>
+          <a:bodyPr wrap="square">
+            <a:spAutoFit/>
           </a:bodyPr>
           <a:lstStyle/>
           <a:p>
-            <a:r>
-              <a:rPr lang="en-US" sz="3000" dirty="0">
-                <a:hlinkClick r:id="rId2"/>
-              </a:rPr>
-              <a:t>JSR 310: A New Java Date/Time API</a:t>
-            </a:r>
-            <a:endParaRPr lang="en-US" sz="3000" dirty="0"/>
-          </a:p>
-          <a:p>
-            <a:r>
-              <a:rPr lang="en-US" sz="3000" dirty="0" err="1" smtClean="0">
-                <a:hlinkClick r:id="rId3"/>
-              </a:rPr>
-              <a:t>Joda</a:t>
-            </a:r>
-            <a:r>
-              <a:rPr lang="en-US" sz="3000" dirty="0" smtClean="0">
-                <a:hlinkClick r:id="rId3"/>
-              </a:rPr>
-              <a:t>-Time</a:t>
-            </a:r>
-            <a:endParaRPr lang="en-US" sz="3000" dirty="0"/>
-          </a:p>
-          <a:p>
-            <a:r>
-              <a:rPr lang="en-US" sz="3000" dirty="0" smtClean="0">
-                <a:hlinkClick r:id="rId4"/>
-              </a:rPr>
-              <a:t>Java </a:t>
-            </a:r>
-            <a:r>
-              <a:rPr lang="en-US" sz="3000" dirty="0">
-                <a:hlinkClick r:id="rId4"/>
-              </a:rPr>
-              <a:t>101: The next generation: It's time for a </a:t>
-            </a:r>
-            <a:r>
-              <a:rPr lang="en-US" sz="3000" dirty="0" smtClean="0">
-                <a:hlinkClick r:id="rId4"/>
-              </a:rPr>
-              <a:t>change</a:t>
-            </a:r>
-            <a:endParaRPr lang="en-US" sz="3000" dirty="0"/>
+            <a:pPr algn="ctr"/>
+            <a:r>
+              <a:rPr lang="en-US" dirty="0"/>
+              <a:t>http://docs.oracle.com/javase/tutorial/datetime/iso/overview.html</a:t>
+            </a:r>
           </a:p>
         </p:txBody>
       </p:sp>
     </p:spTree>
     <p:extLst>
       <p:ext uri="{BB962C8B-B14F-4D97-AF65-F5344CB8AC3E}">
-        <p14:creationId xmlns:p14="http://schemas.microsoft.com/office/powerpoint/2010/main" val="190584471"/>
+        <p14:creationId xmlns:p14="http://schemas.microsoft.com/office/powerpoint/2010/main" val="298166246"/>
       </p:ext>
     </p:extLst>
   </p:cSld>
   <p:clrMapOvr>
     <a:masterClrMapping/>
   </p:clrMapOvr>
-  <p:timing>
-    <p:tnLst>
-      <p:par>
-        <p:cTn id="1" dur="indefinite" restart="never" nodeType="tmRoot"/>
-      </p:par>
-    </p:tnLst>
-  </p:timing>
 </p:sld>
 </file>
 
@@ -13795,7 +16747,7 @@
           <a:p>
             <a:r>
               <a:rPr lang="en-US" dirty="0" smtClean="0"/>
-              <a:t>Code</a:t>
+              <a:t>Consistent Operations</a:t>
             </a:r>
             <a:endParaRPr lang="en-US" dirty="0"/>
           </a:p>
@@ -13813,28 +16765,209 @@
         </p:nvSpPr>
         <p:spPr/>
         <p:txBody>
-          <a:bodyPr/>
+          <a:bodyPr>
+            <a:noAutofit/>
+          </a:bodyPr>
           <a:lstStyle/>
           <a:p>
             <a:r>
-              <a:rPr lang="en-US" dirty="0" smtClean="0"/>
-              <a:t>Find the code used in this presentation on </a:t>
-            </a:r>
-            <a:r>
-              <a:rPr lang="en-US" dirty="0" err="1" smtClean="0"/>
-              <a:t>GitHub</a:t>
-            </a:r>
-            <a:endParaRPr lang="en-US" dirty="0" smtClean="0"/>
-          </a:p>
-          <a:p>
-            <a:endParaRPr lang="en-US" dirty="0"/>
+              <a:rPr lang="en-US" sz="2400" dirty="0">
+                <a:latin typeface="Consolas" panose="020B0609020204030204" pitchFamily="49" charset="0"/>
+                <a:cs typeface="Consolas" panose="020B0609020204030204" pitchFamily="49" charset="0"/>
+              </a:rPr>
+              <a:t>of</a:t>
+            </a:r>
+            <a:r>
+              <a:rPr lang="en-US" sz="2400" dirty="0"/>
+              <a:t> - static </a:t>
+            </a:r>
+            <a:r>
+              <a:rPr lang="en-US" sz="2400" dirty="0" smtClean="0"/>
+              <a:t>factory, validates </a:t>
+            </a:r>
+            <a:r>
+              <a:rPr lang="en-US" sz="2400" dirty="0"/>
+              <a:t>input </a:t>
+            </a:r>
+            <a:r>
+              <a:rPr lang="en-US" sz="2400" dirty="0" smtClean="0"/>
+              <a:t>parameters</a:t>
+            </a:r>
+            <a:endParaRPr lang="en-US" sz="2400" dirty="0"/>
+          </a:p>
+          <a:p>
+            <a:r>
+              <a:rPr lang="en-US" sz="2400" dirty="0">
+                <a:latin typeface="Consolas" panose="020B0609020204030204" pitchFamily="49" charset="0"/>
+                <a:cs typeface="Consolas" panose="020B0609020204030204" pitchFamily="49" charset="0"/>
+              </a:rPr>
+              <a:t>from</a:t>
+            </a:r>
+            <a:r>
+              <a:rPr lang="en-US" sz="2400" dirty="0"/>
+              <a:t> - static </a:t>
+            </a:r>
+            <a:r>
+              <a:rPr lang="en-US" sz="2400" dirty="0" smtClean="0"/>
+              <a:t>factory, converts </a:t>
+            </a:r>
+            <a:r>
+              <a:rPr lang="en-US" sz="2400" dirty="0"/>
+              <a:t>to an instance of a target class</a:t>
+            </a:r>
+          </a:p>
+          <a:p>
+            <a:r>
+              <a:rPr lang="en-US" sz="2400" dirty="0" smtClean="0">
+                <a:latin typeface="Consolas" panose="020B0609020204030204" pitchFamily="49" charset="0"/>
+                <a:cs typeface="Consolas" panose="020B0609020204030204" pitchFamily="49" charset="0"/>
+              </a:rPr>
+              <a:t>get</a:t>
+            </a:r>
+            <a:r>
+              <a:rPr lang="en-US" sz="2400" dirty="0"/>
+              <a:t> - </a:t>
+            </a:r>
+            <a:r>
+              <a:rPr lang="en-US" sz="2400" dirty="0" smtClean="0"/>
+              <a:t>returns </a:t>
+            </a:r>
+            <a:r>
+              <a:rPr lang="en-US" sz="2400" dirty="0"/>
+              <a:t>part of the state </a:t>
+            </a:r>
+            <a:endParaRPr lang="en-US" sz="2400" dirty="0" smtClean="0"/>
+          </a:p>
+          <a:p>
+            <a:r>
+              <a:rPr lang="en-US" sz="2400" dirty="0" smtClean="0">
+                <a:latin typeface="Consolas" panose="020B0609020204030204" pitchFamily="49" charset="0"/>
+                <a:cs typeface="Consolas" panose="020B0609020204030204" pitchFamily="49" charset="0"/>
+              </a:rPr>
+              <a:t>is</a:t>
+            </a:r>
+            <a:r>
+              <a:rPr lang="en-US" sz="2400" dirty="0"/>
+              <a:t> - </a:t>
+            </a:r>
+            <a:r>
+              <a:rPr lang="en-US" sz="2400" dirty="0" smtClean="0"/>
+              <a:t>queries </a:t>
+            </a:r>
+            <a:r>
+              <a:rPr lang="en-US" sz="2400" dirty="0"/>
+              <a:t>the state </a:t>
+            </a:r>
+            <a:endParaRPr lang="en-US" sz="2400" dirty="0" smtClean="0"/>
+          </a:p>
+          <a:p>
+            <a:r>
+              <a:rPr lang="en-US" sz="2400" dirty="0" smtClean="0">
+                <a:latin typeface="Consolas" panose="020B0609020204030204" pitchFamily="49" charset="0"/>
+                <a:cs typeface="Consolas" panose="020B0609020204030204" pitchFamily="49" charset="0"/>
+              </a:rPr>
+              <a:t>with</a:t>
+            </a:r>
+            <a:r>
+              <a:rPr lang="en-US" sz="2400" dirty="0"/>
+              <a:t> - r</a:t>
+            </a:r>
+            <a:r>
+              <a:rPr lang="en-US" sz="2400" dirty="0" smtClean="0"/>
+              <a:t>eturns immutable </a:t>
+            </a:r>
+            <a:r>
+              <a:rPr lang="en-US" sz="2400" dirty="0"/>
+              <a:t>copy </a:t>
+            </a:r>
+            <a:r>
+              <a:rPr lang="en-US" sz="2400" dirty="0" smtClean="0"/>
+              <a:t>with elements changed</a:t>
+            </a:r>
+            <a:endParaRPr lang="en-US" sz="2400" dirty="0"/>
+          </a:p>
+          <a:p>
+            <a:r>
+              <a:rPr lang="en-US" sz="2400" dirty="0" smtClean="0">
+                <a:latin typeface="Consolas" panose="020B0609020204030204" pitchFamily="49" charset="0"/>
+                <a:cs typeface="Consolas" panose="020B0609020204030204" pitchFamily="49" charset="0"/>
+              </a:rPr>
+              <a:t>to</a:t>
+            </a:r>
+            <a:r>
+              <a:rPr lang="en-US" sz="2400" dirty="0"/>
+              <a:t> - </a:t>
+            </a:r>
+            <a:r>
+              <a:rPr lang="en-US" sz="2400" dirty="0" smtClean="0"/>
+              <a:t>converts </a:t>
+            </a:r>
+            <a:r>
+              <a:rPr lang="en-US" sz="2400" dirty="0"/>
+              <a:t>this object to another object </a:t>
+            </a:r>
+            <a:r>
+              <a:rPr lang="en-US" sz="2400" dirty="0" smtClean="0"/>
+              <a:t>type</a:t>
+            </a:r>
+          </a:p>
+          <a:p>
+            <a:r>
+              <a:rPr lang="en-US" sz="2400" dirty="0">
+                <a:latin typeface="Consolas" panose="020B0609020204030204" pitchFamily="49" charset="0"/>
+                <a:cs typeface="Consolas" panose="020B0609020204030204" pitchFamily="49" charset="0"/>
+              </a:rPr>
+              <a:t>plus, minus </a:t>
+            </a:r>
+            <a:r>
+              <a:rPr lang="en-US" sz="2400" dirty="0"/>
+              <a:t> - returns immutable copy after time </a:t>
+            </a:r>
+            <a:r>
+              <a:rPr lang="en-US" sz="2400" dirty="0" smtClean="0"/>
+              <a:t>operation</a:t>
+            </a:r>
+          </a:p>
+          <a:p>
+            <a:r>
+              <a:rPr lang="en-US" sz="2400" dirty="0">
+                <a:latin typeface="Consolas" panose="020B0609020204030204" pitchFamily="49" charset="0"/>
+                <a:cs typeface="Consolas" panose="020B0609020204030204" pitchFamily="49" charset="0"/>
+              </a:rPr>
+              <a:t>parse</a:t>
+            </a:r>
+            <a:r>
+              <a:rPr lang="en-US" sz="2400" dirty="0"/>
+              <a:t> - static, parses an input string</a:t>
+            </a:r>
+          </a:p>
+          <a:p>
+            <a:r>
+              <a:rPr lang="en-US" sz="2400" dirty="0">
+                <a:latin typeface="Consolas" panose="020B0609020204030204" pitchFamily="49" charset="0"/>
+                <a:cs typeface="Consolas" panose="020B0609020204030204" pitchFamily="49" charset="0"/>
+              </a:rPr>
+              <a:t>format</a:t>
+            </a:r>
+            <a:r>
+              <a:rPr lang="en-US" sz="2400" dirty="0"/>
+              <a:t> - uses a specified formatter to </a:t>
+            </a:r>
+            <a:r>
+              <a:rPr lang="en-US" sz="2400" dirty="0" smtClean="0"/>
+              <a:t>format</a:t>
+            </a:r>
+            <a:endParaRPr lang="en-US" sz="2400" dirty="0"/>
+          </a:p>
+          <a:p>
+            <a:endParaRPr lang="en-US" sz="2400" dirty="0"/>
           </a:p>
         </p:txBody>
       </p:sp>
     </p:spTree>
     <p:extLst>
       <p:ext uri="{BB962C8B-B14F-4D97-AF65-F5344CB8AC3E}">
-        <p14:creationId xmlns:p14="http://schemas.microsoft.com/office/powerpoint/2010/main" val="1592849243"/>
+        <p14:creationId xmlns:p14="http://schemas.microsoft.com/office/powerpoint/2010/main" val="2757343577"/>
       </p:ext>
     </p:extLst>
   </p:cSld>
@@ -13884,17 +17017,348 @@
           <a:lstStyle/>
           <a:p>
             <a:r>
+              <a:rPr lang="en-US" dirty="0" err="1" smtClean="0"/>
+              <a:t>Enums</a:t>
+            </a:r>
+            <a:r>
               <a:rPr lang="en-US" dirty="0" smtClean="0"/>
-              <a:t>Questions?</a:t>
+              <a:t> for Everything</a:t>
             </a:r>
             <a:endParaRPr lang="en-US" dirty="0"/>
+          </a:p>
+        </p:txBody>
+      </p:sp>
+      <p:sp>
+        <p:nvSpPr>
+          <p:cNvPr id="3" name="Content Placeholder 2"/>
+          <p:cNvSpPr>
+            <a:spLocks noGrp="1"/>
+          </p:cNvSpPr>
+          <p:nvPr>
+            <p:ph idx="1"/>
+          </p:nvPr>
+        </p:nvSpPr>
+        <p:spPr/>
+        <p:txBody>
+          <a:bodyPr>
+            <a:normAutofit fontScale="92500" lnSpcReduction="10000"/>
+          </a:bodyPr>
+          <a:lstStyle/>
+          <a:p>
+            <a:r>
+              <a:rPr lang="en-US" dirty="0" err="1" smtClean="0"/>
+              <a:t>DayOfWeek</a:t>
+            </a:r>
+            <a:r>
+              <a:rPr lang="en-US" dirty="0" smtClean="0"/>
+              <a:t>, for example </a:t>
+            </a:r>
+            <a:r>
+              <a:rPr lang="en-US" dirty="0" err="1" smtClean="0">
+                <a:latin typeface="Consolas" panose="020B0609020204030204" pitchFamily="49" charset="0"/>
+                <a:cs typeface="Consolas" panose="020B0609020204030204" pitchFamily="49" charset="0"/>
+              </a:rPr>
+              <a:t>DayOfWeek.SUNDAY</a:t>
+            </a:r>
+            <a:endParaRPr lang="en-US" dirty="0" smtClean="0">
+              <a:latin typeface="Consolas" panose="020B0609020204030204" pitchFamily="49" charset="0"/>
+              <a:cs typeface="Consolas" panose="020B0609020204030204" pitchFamily="49" charset="0"/>
+            </a:endParaRPr>
+          </a:p>
+          <a:p>
+            <a:r>
+              <a:rPr lang="en-US" dirty="0" smtClean="0"/>
+              <a:t>Month</a:t>
+            </a:r>
+            <a:r>
+              <a:rPr lang="en-US" dirty="0"/>
+              <a:t> , for example </a:t>
+            </a:r>
+            <a:r>
+              <a:rPr lang="en-US" dirty="0" smtClean="0"/>
+              <a:t/>
+            </a:r>
+            <a:br>
+              <a:rPr lang="en-US" dirty="0" smtClean="0"/>
+            </a:br>
+            <a:r>
+              <a:rPr lang="en-US" dirty="0" err="1" smtClean="0">
+                <a:latin typeface="Consolas" panose="020B0609020204030204" pitchFamily="49" charset="0"/>
+                <a:cs typeface="Consolas" panose="020B0609020204030204" pitchFamily="49" charset="0"/>
+              </a:rPr>
+              <a:t>LocalDate.of</a:t>
+            </a:r>
+            <a:r>
+              <a:rPr lang="en-US" dirty="0" smtClean="0">
+                <a:latin typeface="Consolas" panose="020B0609020204030204" pitchFamily="49" charset="0"/>
+                <a:cs typeface="Consolas" panose="020B0609020204030204" pitchFamily="49" charset="0"/>
+              </a:rPr>
+              <a:t>(2014</a:t>
+            </a:r>
+            <a:r>
+              <a:rPr lang="en-US" dirty="0">
+                <a:latin typeface="Consolas" panose="020B0609020204030204" pitchFamily="49" charset="0"/>
+                <a:cs typeface="Consolas" panose="020B0609020204030204" pitchFamily="49" charset="0"/>
+              </a:rPr>
+              <a:t>, </a:t>
+            </a:r>
+            <a:r>
+              <a:rPr lang="en-US" dirty="0" err="1" smtClean="0">
+                <a:latin typeface="Consolas" panose="020B0609020204030204" pitchFamily="49" charset="0"/>
+                <a:cs typeface="Consolas" panose="020B0609020204030204" pitchFamily="49" charset="0"/>
+              </a:rPr>
+              <a:t>Month.MAY</a:t>
+            </a:r>
+            <a:r>
+              <a:rPr lang="en-US" dirty="0" smtClean="0">
+                <a:latin typeface="Consolas" panose="020B0609020204030204" pitchFamily="49" charset="0"/>
+                <a:cs typeface="Consolas" panose="020B0609020204030204" pitchFamily="49" charset="0"/>
+              </a:rPr>
+              <a:t>, </a:t>
+            </a:r>
+            <a:r>
+              <a:rPr lang="en-US" dirty="0">
+                <a:latin typeface="Consolas" panose="020B0609020204030204" pitchFamily="49" charset="0"/>
+                <a:cs typeface="Consolas" panose="020B0609020204030204" pitchFamily="49" charset="0"/>
+              </a:rPr>
+              <a:t>20</a:t>
+            </a:r>
+            <a:r>
+              <a:rPr lang="en-US" dirty="0" smtClean="0">
+                <a:latin typeface="Consolas" panose="020B0609020204030204" pitchFamily="49" charset="0"/>
+                <a:cs typeface="Consolas" panose="020B0609020204030204" pitchFamily="49" charset="0"/>
+              </a:rPr>
+              <a:t>); </a:t>
+            </a:r>
+          </a:p>
+          <a:p>
+            <a:r>
+              <a:rPr lang="en-US" dirty="0" err="1" smtClean="0"/>
+              <a:t>ChronoUnit</a:t>
+            </a:r>
+            <a:r>
+              <a:rPr lang="en-US" dirty="0"/>
+              <a:t> , for example </a:t>
+            </a:r>
+            <a:br>
+              <a:rPr lang="en-US" dirty="0"/>
+            </a:br>
+            <a:r>
+              <a:rPr lang="en-US" dirty="0" err="1" smtClean="0">
+                <a:latin typeface="Consolas" panose="020B0609020204030204" pitchFamily="49" charset="0"/>
+                <a:cs typeface="Consolas" panose="020B0609020204030204" pitchFamily="49" charset="0"/>
+              </a:rPr>
+              <a:t>Instant.now</a:t>
+            </a:r>
+            <a:r>
+              <a:rPr lang="en-US" dirty="0" smtClean="0">
+                <a:latin typeface="Consolas" panose="020B0609020204030204" pitchFamily="49" charset="0"/>
+                <a:cs typeface="Consolas" panose="020B0609020204030204" pitchFamily="49" charset="0"/>
+              </a:rPr>
+              <a:t>()</a:t>
+            </a:r>
+            <a:br>
+              <a:rPr lang="en-US" dirty="0" smtClean="0">
+                <a:latin typeface="Consolas" panose="020B0609020204030204" pitchFamily="49" charset="0"/>
+                <a:cs typeface="Consolas" panose="020B0609020204030204" pitchFamily="49" charset="0"/>
+              </a:rPr>
+            </a:br>
+            <a:r>
+              <a:rPr lang="en-US" dirty="0" smtClean="0">
+                <a:latin typeface="Consolas" panose="020B0609020204030204" pitchFamily="49" charset="0"/>
+                <a:cs typeface="Consolas" panose="020B0609020204030204" pitchFamily="49" charset="0"/>
+              </a:rPr>
+              <a:t>.plus(1, </a:t>
+            </a:r>
+            <a:r>
+              <a:rPr lang="en-US" dirty="0" err="1" smtClean="0">
+                <a:latin typeface="Consolas" panose="020B0609020204030204" pitchFamily="49" charset="0"/>
+                <a:cs typeface="Consolas" panose="020B0609020204030204" pitchFamily="49" charset="0"/>
+              </a:rPr>
+              <a:t>ChronoUnit.DAYS</a:t>
+            </a:r>
+            <a:r>
+              <a:rPr lang="en-US" dirty="0" smtClean="0">
+                <a:latin typeface="Consolas" panose="020B0609020204030204" pitchFamily="49" charset="0"/>
+                <a:cs typeface="Consolas" panose="020B0609020204030204" pitchFamily="49" charset="0"/>
+              </a:rPr>
+              <a:t>) </a:t>
+            </a:r>
+          </a:p>
+          <a:p>
+            <a:r>
+              <a:rPr lang="en-US" dirty="0" smtClean="0"/>
+              <a:t>Other </a:t>
+            </a:r>
+            <a:r>
+              <a:rPr lang="en-US" dirty="0"/>
+              <a:t>useful </a:t>
+            </a:r>
+            <a:r>
+              <a:rPr lang="en-US" dirty="0" err="1"/>
+              <a:t>enums</a:t>
+            </a:r>
+            <a:endParaRPr lang="en-US" dirty="0"/>
+          </a:p>
+          <a:p>
+            <a:pPr lvl="1"/>
+            <a:r>
+              <a:rPr lang="en-US" sz="3200" dirty="0" err="1">
+                <a:latin typeface="Consolas" panose="020B0609020204030204" pitchFamily="49" charset="0"/>
+                <a:cs typeface="Consolas" panose="020B0609020204030204" pitchFamily="49" charset="0"/>
+              </a:rPr>
+              <a:t>LocalTime.MIDNIGHT</a:t>
+            </a:r>
+            <a:r>
+              <a:rPr lang="en-US" sz="3200" dirty="0" smtClean="0">
+                <a:latin typeface="Consolas" panose="020B0609020204030204" pitchFamily="49" charset="0"/>
+                <a:cs typeface="Consolas" panose="020B0609020204030204" pitchFamily="49" charset="0"/>
+              </a:rPr>
+              <a:t>; //</a:t>
+            </a:r>
+            <a:r>
+              <a:rPr lang="en-US" sz="3200" dirty="0">
+                <a:latin typeface="Consolas" panose="020B0609020204030204" pitchFamily="49" charset="0"/>
+                <a:cs typeface="Consolas" panose="020B0609020204030204" pitchFamily="49" charset="0"/>
+              </a:rPr>
+              <a:t>00:00</a:t>
+            </a:r>
+          </a:p>
+          <a:p>
+            <a:pPr lvl="1"/>
+            <a:r>
+              <a:rPr lang="en-US" sz="3200" dirty="0" err="1">
+                <a:latin typeface="Consolas" panose="020B0609020204030204" pitchFamily="49" charset="0"/>
+                <a:cs typeface="Consolas" panose="020B0609020204030204" pitchFamily="49" charset="0"/>
+              </a:rPr>
+              <a:t>LocalTime.NOON</a:t>
+            </a:r>
+            <a:r>
+              <a:rPr lang="en-US" sz="3200" dirty="0" smtClean="0">
+                <a:latin typeface="Consolas" panose="020B0609020204030204" pitchFamily="49" charset="0"/>
+                <a:cs typeface="Consolas" panose="020B0609020204030204" pitchFamily="49" charset="0"/>
+              </a:rPr>
+              <a:t>; //</a:t>
+            </a:r>
+            <a:r>
+              <a:rPr lang="en-US" sz="3200" dirty="0">
+                <a:latin typeface="Consolas" panose="020B0609020204030204" pitchFamily="49" charset="0"/>
+                <a:cs typeface="Consolas" panose="020B0609020204030204" pitchFamily="49" charset="0"/>
+              </a:rPr>
+              <a:t>12:00</a:t>
+            </a:r>
           </a:p>
         </p:txBody>
       </p:sp>
     </p:spTree>
     <p:extLst>
       <p:ext uri="{BB962C8B-B14F-4D97-AF65-F5344CB8AC3E}">
-        <p14:creationId xmlns:p14="http://schemas.microsoft.com/office/powerpoint/2010/main" val="2441357892"/>
+        <p14:creationId xmlns:p14="http://schemas.microsoft.com/office/powerpoint/2010/main" val="3485339212"/>
+      </p:ext>
+    </p:extLst>
+  </p:cSld>
+  <p:clrMapOvr>
+    <a:masterClrMapping/>
+  </p:clrMapOvr>
+  <p:timing>
+    <p:tnLst>
+      <p:par>
+        <p:cTn id="1" dur="indefinite" restart="never" nodeType="tmRoot"/>
+      </p:par>
+    </p:tnLst>
+  </p:timing>
+</p:sld>
+</file>
+
+<file path=ppt/slides/slide39.xml><?xml version="1.0" encoding="utf-8"?>
+<p:sld xmlns:a="http://schemas.openxmlformats.org/drawingml/2006/main" xmlns:r="http://schemas.openxmlformats.org/officeDocument/2006/relationships" xmlns:p="http://schemas.openxmlformats.org/presentationml/2006/main">
+  <p:cSld>
+    <p:spTree>
+      <p:nvGrpSpPr>
+        <p:cNvPr id="1" name=""/>
+        <p:cNvGrpSpPr/>
+        <p:nvPr/>
+      </p:nvGrpSpPr>
+      <p:grpSpPr>
+        <a:xfrm>
+          <a:off x="0" y="0"/>
+          <a:ext cx="0" cy="0"/>
+          <a:chOff x="0" y="0"/>
+          <a:chExt cx="0" cy="0"/>
+        </a:xfrm>
+      </p:grpSpPr>
+      <p:sp>
+        <p:nvSpPr>
+          <p:cNvPr id="2" name="Title 1"/>
+          <p:cNvSpPr>
+            <a:spLocks noGrp="1"/>
+          </p:cNvSpPr>
+          <p:nvPr>
+            <p:ph type="title"/>
+          </p:nvPr>
+        </p:nvSpPr>
+        <p:spPr/>
+        <p:txBody>
+          <a:bodyPr/>
+          <a:lstStyle/>
+          <a:p>
+            <a:r>
+              <a:rPr lang="en-US" dirty="0" smtClean="0"/>
+              <a:t>Parsing</a:t>
+            </a:r>
+            <a:endParaRPr lang="en-US" dirty="0"/>
+          </a:p>
+        </p:txBody>
+      </p:sp>
+      <p:sp>
+        <p:nvSpPr>
+          <p:cNvPr id="3" name="Content Placeholder 2"/>
+          <p:cNvSpPr>
+            <a:spLocks noGrp="1"/>
+          </p:cNvSpPr>
+          <p:nvPr>
+            <p:ph idx="1"/>
+          </p:nvPr>
+        </p:nvSpPr>
+        <p:spPr/>
+        <p:txBody>
+          <a:bodyPr>
+            <a:normAutofit/>
+          </a:bodyPr>
+          <a:lstStyle/>
+          <a:p>
+            <a:r>
+              <a:rPr lang="en-US" sz="3000" dirty="0"/>
+              <a:t>Parsing is done by a </a:t>
+            </a:r>
+            <a:r>
+              <a:rPr lang="en-US" sz="3000" dirty="0" err="1" smtClean="0"/>
+              <a:t>DateTimeFormatter</a:t>
+            </a:r>
+            <a:r>
+              <a:rPr lang="en-US" sz="3000" dirty="0" smtClean="0"/>
+              <a:t> instance</a:t>
+            </a:r>
+          </a:p>
+          <a:p>
+            <a:r>
+              <a:rPr lang="en-US" sz="3000" dirty="0" smtClean="0"/>
+              <a:t>parse(…) methods return a temporal object</a:t>
+            </a:r>
+          </a:p>
+          <a:p>
+            <a:r>
+              <a:rPr lang="en-US" sz="3000" dirty="0" smtClean="0"/>
+              <a:t>Use from(…) to convert to a known date or time type</a:t>
+            </a:r>
+            <a:endParaRPr lang="en-US" sz="3000" dirty="0"/>
+          </a:p>
+        </p:txBody>
+      </p:sp>
+    </p:spTree>
+    <p:extLst>
+      <p:ext uri="{BB962C8B-B14F-4D97-AF65-F5344CB8AC3E}">
+        <p14:creationId xmlns:p14="http://schemas.microsoft.com/office/powerpoint/2010/main" val="2618759877"/>
       </p:ext>
     </p:extLst>
   </p:cSld>
@@ -14097,19 +17561,7 @@
                 <a:latin typeface="Consolas" panose="020B0609020204030204" pitchFamily="49" charset="0"/>
                 <a:cs typeface="Consolas" panose="020B0609020204030204" pitchFamily="49" charset="0"/>
               </a:rPr>
-              <a:t>// Transfer to another </a:t>
-            </a:r>
-            <a:r>
-              <a:rPr lang="en-US" sz="2600" dirty="0" err="1" smtClean="0">
-                <a:solidFill>
-                  <a:schemeClr val="accent3">
-                    <a:lumMod val="50000"/>
-                  </a:schemeClr>
-                </a:solidFill>
-                <a:latin typeface="Consolas" panose="020B0609020204030204" pitchFamily="49" charset="0"/>
-                <a:cs typeface="Consolas" panose="020B0609020204030204" pitchFamily="49" charset="0"/>
-              </a:rPr>
-              <a:t>timezone</a:t>
+              <a:t>// Transfer to another time zone</a:t>
             </a:r>
             <a:endParaRPr lang="en-US" sz="2600" dirty="0">
               <a:solidFill>
@@ -14126,30 +17578,26 @@
               <a:buNone/>
             </a:pPr>
             <a:r>
+              <a:rPr lang="en-US" dirty="0" smtClean="0">
+                <a:latin typeface="Consolas" panose="020B0609020204030204" pitchFamily="49" charset="0"/>
+                <a:cs typeface="Consolas" panose="020B0609020204030204" pitchFamily="49" charset="0"/>
+              </a:rPr>
+              <a:t>time </a:t>
+            </a:r>
+            <a:r>
               <a:rPr lang="en-US" dirty="0" err="1" smtClean="0">
                 <a:latin typeface="Consolas" panose="020B0609020204030204" pitchFamily="49" charset="0"/>
                 <a:cs typeface="Consolas" panose="020B0609020204030204" pitchFamily="49" charset="0"/>
               </a:rPr>
-              <a:t>TimeZone.setDefault</a:t>
+              <a:t>zone.setDefault</a:t>
             </a:r>
             <a:r>
               <a:rPr lang="en-US" dirty="0" smtClean="0">
                 <a:latin typeface="Consolas" panose="020B0609020204030204" pitchFamily="49" charset="0"/>
                 <a:cs typeface="Consolas" panose="020B0609020204030204" pitchFamily="49" charset="0"/>
               </a:rPr>
-              <a:t>(</a:t>
-            </a:r>
-            <a:r>
-              <a:rPr lang="en-US" dirty="0" err="1" smtClean="0">
-                <a:latin typeface="Consolas" panose="020B0609020204030204" pitchFamily="49" charset="0"/>
-                <a:cs typeface="Consolas" panose="020B0609020204030204" pitchFamily="49" charset="0"/>
-              </a:rPr>
-              <a:t>TimeZone</a:t>
-            </a:r>
-            <a:endParaRPr lang="en-US" dirty="0" smtClean="0">
-              <a:latin typeface="Consolas" panose="020B0609020204030204" pitchFamily="49" charset="0"/>
-              <a:cs typeface="Consolas" panose="020B0609020204030204" pitchFamily="49" charset="0"/>
-            </a:endParaRPr>
+              <a:t>(time zone</a:t>
+            </a:r>
           </a:p>
           <a:p>
             <a:pPr marL="0" indent="0">
@@ -14163,18 +17611,25 @@
               <a:t>.</a:t>
             </a:r>
             <a:r>
-              <a:rPr lang="en-US" dirty="0" err="1">
-                <a:latin typeface="Consolas" panose="020B0609020204030204" pitchFamily="49" charset="0"/>
-                <a:cs typeface="Consolas" panose="020B0609020204030204" pitchFamily="49" charset="0"/>
-              </a:rPr>
-              <a:t>getTimeZone</a:t>
+              <a:rPr lang="en-US" dirty="0" err="1" smtClean="0">
+                <a:latin typeface="Consolas" panose="020B0609020204030204" pitchFamily="49" charset="0"/>
+                <a:cs typeface="Consolas" panose="020B0609020204030204" pitchFamily="49" charset="0"/>
+              </a:rPr>
+              <a:t>gettime</a:t>
+            </a:r>
+            <a:r>
+              <a:rPr lang="en-US" dirty="0" smtClean="0">
+                <a:latin typeface="Consolas" panose="020B0609020204030204" pitchFamily="49" charset="0"/>
+                <a:cs typeface="Consolas" panose="020B0609020204030204" pitchFamily="49" charset="0"/>
+              </a:rPr>
+              <a:t> zone("</a:t>
             </a:r>
             <a:r>
               <a:rPr lang="en-US" dirty="0">
                 <a:latin typeface="Consolas" panose="020B0609020204030204" pitchFamily="49" charset="0"/>
                 <a:cs typeface="Consolas" panose="020B0609020204030204" pitchFamily="49" charset="0"/>
               </a:rPr>
-              <a:t>("Asia/Calcutta"));</a:t>
+              <a:t>Asia/Calcutta"));</a:t>
             </a:r>
           </a:p>
           <a:p>
@@ -14247,6 +17702,548 @@
     <p:extLst>
       <p:ext uri="{BB962C8B-B14F-4D97-AF65-F5344CB8AC3E}">
         <p14:creationId xmlns:p14="http://schemas.microsoft.com/office/powerpoint/2010/main" val="2671474526"/>
+      </p:ext>
+    </p:extLst>
+  </p:cSld>
+  <p:clrMapOvr>
+    <a:masterClrMapping/>
+  </p:clrMapOvr>
+  <p:timing>
+    <p:tnLst>
+      <p:par>
+        <p:cTn id="1" dur="indefinite" restart="never" nodeType="tmRoot"/>
+      </p:par>
+    </p:tnLst>
+  </p:timing>
+</p:sld>
+</file>
+
+<file path=ppt/slides/slide40.xml><?xml version="1.0" encoding="utf-8"?>
+<p:sld xmlns:a="http://schemas.openxmlformats.org/drawingml/2006/main" xmlns:r="http://schemas.openxmlformats.org/officeDocument/2006/relationships" xmlns:p="http://schemas.openxmlformats.org/presentationml/2006/main">
+  <p:cSld>
+    <p:spTree>
+      <p:nvGrpSpPr>
+        <p:cNvPr id="1" name=""/>
+        <p:cNvGrpSpPr/>
+        <p:nvPr/>
+      </p:nvGrpSpPr>
+      <p:grpSpPr>
+        <a:xfrm>
+          <a:off x="0" y="0"/>
+          <a:ext cx="0" cy="0"/>
+          <a:chOff x="0" y="0"/>
+          <a:chExt cx="0" cy="0"/>
+        </a:xfrm>
+      </p:grpSpPr>
+      <p:sp>
+        <p:nvSpPr>
+          <p:cNvPr id="2" name="Title 1"/>
+          <p:cNvSpPr>
+            <a:spLocks noGrp="1"/>
+          </p:cNvSpPr>
+          <p:nvPr>
+            <p:ph type="title"/>
+          </p:nvPr>
+        </p:nvSpPr>
+        <p:spPr/>
+        <p:txBody>
+          <a:bodyPr/>
+          <a:lstStyle/>
+          <a:p>
+            <a:r>
+              <a:rPr lang="en-US" dirty="0" smtClean="0"/>
+              <a:t>Formatting</a:t>
+            </a:r>
+            <a:endParaRPr lang="en-US" dirty="0"/>
+          </a:p>
+        </p:txBody>
+      </p:sp>
+      <p:sp>
+        <p:nvSpPr>
+          <p:cNvPr id="3" name="Content Placeholder 2"/>
+          <p:cNvSpPr>
+            <a:spLocks noGrp="1"/>
+          </p:cNvSpPr>
+          <p:nvPr>
+            <p:ph idx="1"/>
+          </p:nvPr>
+        </p:nvSpPr>
+        <p:spPr/>
+        <p:txBody>
+          <a:bodyPr>
+            <a:normAutofit/>
+          </a:bodyPr>
+          <a:lstStyle/>
+          <a:p>
+            <a:r>
+              <a:rPr lang="en-US" sz="3000" dirty="0"/>
+              <a:t>Formatting is </a:t>
+            </a:r>
+            <a:r>
+              <a:rPr lang="en-US" sz="3000" dirty="0" smtClean="0"/>
+              <a:t>done </a:t>
+            </a:r>
+            <a:r>
+              <a:rPr lang="en-US" sz="3000" dirty="0"/>
+              <a:t>by a </a:t>
+            </a:r>
+            <a:r>
+              <a:rPr lang="en-US" sz="3000" dirty="0" err="1"/>
+              <a:t>DateTimeFormatter</a:t>
+            </a:r>
+            <a:r>
+              <a:rPr lang="en-US" sz="3000" dirty="0"/>
+              <a:t> </a:t>
+            </a:r>
+            <a:r>
+              <a:rPr lang="en-US" sz="3000" dirty="0" smtClean="0"/>
+              <a:t>instance</a:t>
+            </a:r>
+          </a:p>
+          <a:p>
+            <a:r>
+              <a:rPr lang="en-US" sz="3000" dirty="0" smtClean="0"/>
+              <a:t>Internationalization is supported</a:t>
+            </a:r>
+          </a:p>
+          <a:p>
+            <a:r>
+              <a:rPr lang="en-US" sz="3000" dirty="0" smtClean="0"/>
+              <a:t>Custom formats can be used</a:t>
+            </a:r>
+            <a:endParaRPr lang="en-US" sz="3000" dirty="0"/>
+          </a:p>
+        </p:txBody>
+      </p:sp>
+    </p:spTree>
+    <p:extLst>
+      <p:ext uri="{BB962C8B-B14F-4D97-AF65-F5344CB8AC3E}">
+        <p14:creationId xmlns:p14="http://schemas.microsoft.com/office/powerpoint/2010/main" val="2006125657"/>
+      </p:ext>
+    </p:extLst>
+  </p:cSld>
+  <p:clrMapOvr>
+    <a:masterClrMapping/>
+  </p:clrMapOvr>
+  <p:timing>
+    <p:tnLst>
+      <p:par>
+        <p:cTn id="1" dur="indefinite" restart="never" nodeType="tmRoot"/>
+      </p:par>
+    </p:tnLst>
+  </p:timing>
+</p:sld>
+</file>
+
+<file path=ppt/slides/slide41.xml><?xml version="1.0" encoding="utf-8"?>
+<p:sld xmlns:a="http://schemas.openxmlformats.org/drawingml/2006/main" xmlns:r="http://schemas.openxmlformats.org/officeDocument/2006/relationships" xmlns:p="http://schemas.openxmlformats.org/presentationml/2006/main">
+  <p:cSld>
+    <p:spTree>
+      <p:nvGrpSpPr>
+        <p:cNvPr id="1" name=""/>
+        <p:cNvGrpSpPr/>
+        <p:nvPr/>
+      </p:nvGrpSpPr>
+      <p:grpSpPr>
+        <a:xfrm>
+          <a:off x="0" y="0"/>
+          <a:ext cx="0" cy="0"/>
+          <a:chOff x="0" y="0"/>
+          <a:chExt cx="0" cy="0"/>
+        </a:xfrm>
+      </p:grpSpPr>
+      <p:sp>
+        <p:nvSpPr>
+          <p:cNvPr id="2" name="Title 1"/>
+          <p:cNvSpPr>
+            <a:spLocks noGrp="1"/>
+          </p:cNvSpPr>
+          <p:nvPr>
+            <p:ph type="title"/>
+          </p:nvPr>
+        </p:nvSpPr>
+        <p:spPr/>
+        <p:txBody>
+          <a:bodyPr/>
+          <a:lstStyle/>
+          <a:p>
+            <a:r>
+              <a:rPr lang="en-US" dirty="0" smtClean="0"/>
+              <a:t>Summary</a:t>
+            </a:r>
+            <a:endParaRPr lang="en-US" dirty="0"/>
+          </a:p>
+        </p:txBody>
+      </p:sp>
+      <p:sp>
+        <p:nvSpPr>
+          <p:cNvPr id="3" name="Content Placeholder 2"/>
+          <p:cNvSpPr>
+            <a:spLocks noGrp="1"/>
+          </p:cNvSpPr>
+          <p:nvPr>
+            <p:ph idx="1"/>
+          </p:nvPr>
+        </p:nvSpPr>
+        <p:spPr/>
+        <p:txBody>
+          <a:bodyPr/>
+          <a:lstStyle/>
+          <a:p>
+            <a:r>
+              <a:rPr lang="en-US" dirty="0"/>
+              <a:t>Using existing date-related APIs can be </a:t>
+            </a:r>
+            <a:r>
+              <a:rPr lang="en-US" dirty="0" smtClean="0"/>
+              <a:t>error-prone and tedious.</a:t>
+            </a:r>
+          </a:p>
+          <a:p>
+            <a:r>
+              <a:rPr lang="en-US" dirty="0" smtClean="0"/>
+              <a:t>What </a:t>
+            </a:r>
+            <a:r>
+              <a:rPr lang="en-US" dirty="0"/>
+              <a:t>do you need? Computer-related times or human-related times</a:t>
+            </a:r>
+            <a:r>
+              <a:rPr lang="en-US" dirty="0" smtClean="0"/>
+              <a:t>? Separate the concepts.</a:t>
+            </a:r>
+            <a:endParaRPr lang="en-US" dirty="0"/>
+          </a:p>
+          <a:p>
+            <a:r>
+              <a:rPr lang="en-US" dirty="0"/>
+              <a:t>Need to manipulate dates and times? Use </a:t>
+            </a:r>
+            <a:r>
+              <a:rPr lang="en-US" dirty="0" err="1"/>
+              <a:t>Joda</a:t>
+            </a:r>
+            <a:r>
+              <a:rPr lang="en-US" dirty="0"/>
+              <a:t>-Time or JSR310 to make it easy!</a:t>
+            </a:r>
+          </a:p>
+        </p:txBody>
+      </p:sp>
+    </p:spTree>
+    <p:extLst>
+      <p:ext uri="{BB962C8B-B14F-4D97-AF65-F5344CB8AC3E}">
+        <p14:creationId xmlns:p14="http://schemas.microsoft.com/office/powerpoint/2010/main" val="3883097144"/>
+      </p:ext>
+    </p:extLst>
+  </p:cSld>
+  <p:clrMapOvr>
+    <a:masterClrMapping/>
+  </p:clrMapOvr>
+  <p:timing>
+    <p:tnLst>
+      <p:par>
+        <p:cTn id="1" dur="indefinite" restart="never" nodeType="tmRoot"/>
+      </p:par>
+    </p:tnLst>
+  </p:timing>
+</p:sld>
+</file>
+
+<file path=ppt/slides/slide42.xml><?xml version="1.0" encoding="utf-8"?>
+<p:sld xmlns:a="http://schemas.openxmlformats.org/drawingml/2006/main" xmlns:r="http://schemas.openxmlformats.org/officeDocument/2006/relationships" xmlns:p="http://schemas.openxmlformats.org/presentationml/2006/main">
+  <p:cSld>
+    <p:spTree>
+      <p:nvGrpSpPr>
+        <p:cNvPr id="1" name=""/>
+        <p:cNvGrpSpPr/>
+        <p:nvPr/>
+      </p:nvGrpSpPr>
+      <p:grpSpPr>
+        <a:xfrm>
+          <a:off x="0" y="0"/>
+          <a:ext cx="0" cy="0"/>
+          <a:chOff x="0" y="0"/>
+          <a:chExt cx="0" cy="0"/>
+        </a:xfrm>
+      </p:grpSpPr>
+      <p:sp>
+        <p:nvSpPr>
+          <p:cNvPr id="2" name="Title 1"/>
+          <p:cNvSpPr>
+            <a:spLocks noGrp="1"/>
+          </p:cNvSpPr>
+          <p:nvPr>
+            <p:ph type="title"/>
+          </p:nvPr>
+        </p:nvSpPr>
+        <p:spPr/>
+        <p:txBody>
+          <a:bodyPr/>
+          <a:lstStyle/>
+          <a:p>
+            <a:r>
+              <a:rPr lang="en-US" dirty="0" smtClean="0"/>
+              <a:t>Resources</a:t>
+            </a:r>
+            <a:endParaRPr lang="en-US" dirty="0"/>
+          </a:p>
+        </p:txBody>
+      </p:sp>
+      <p:sp>
+        <p:nvSpPr>
+          <p:cNvPr id="3" name="Content Placeholder 2"/>
+          <p:cNvSpPr>
+            <a:spLocks noGrp="1"/>
+          </p:cNvSpPr>
+          <p:nvPr>
+            <p:ph idx="1"/>
+          </p:nvPr>
+        </p:nvSpPr>
+        <p:spPr/>
+        <p:txBody>
+          <a:bodyPr>
+            <a:normAutofit/>
+          </a:bodyPr>
+          <a:lstStyle/>
+          <a:p>
+            <a:r>
+              <a:rPr lang="en-US" sz="3000" dirty="0">
+                <a:hlinkClick r:id="rId2"/>
+              </a:rPr>
+              <a:t>JSR 310: A New Java Date/Time API</a:t>
+            </a:r>
+            <a:endParaRPr lang="en-US" sz="3000" dirty="0"/>
+          </a:p>
+          <a:p>
+            <a:r>
+              <a:rPr lang="en-US" sz="3000" dirty="0" err="1" smtClean="0">
+                <a:hlinkClick r:id="rId3"/>
+              </a:rPr>
+              <a:t>Joda</a:t>
+            </a:r>
+            <a:r>
+              <a:rPr lang="en-US" sz="3000" dirty="0" smtClean="0">
+                <a:hlinkClick r:id="rId3"/>
+              </a:rPr>
+              <a:t>-Time</a:t>
+            </a:r>
+            <a:endParaRPr lang="en-US" sz="3000" dirty="0" smtClean="0"/>
+          </a:p>
+          <a:p>
+            <a:r>
+              <a:rPr lang="en-US" sz="3000" dirty="0">
+                <a:hlinkClick r:id="rId4"/>
+              </a:rPr>
+              <a:t>Why JSR-310 isn't </a:t>
+            </a:r>
+            <a:r>
+              <a:rPr lang="en-US" sz="3000" dirty="0" err="1">
+                <a:hlinkClick r:id="rId4"/>
+              </a:rPr>
+              <a:t>Joda</a:t>
+            </a:r>
+            <a:r>
+              <a:rPr lang="en-US" sz="3000" dirty="0">
+                <a:hlinkClick r:id="rId4"/>
+              </a:rPr>
+              <a:t>-Time</a:t>
+            </a:r>
+            <a:endParaRPr lang="en-US" sz="3000" dirty="0"/>
+          </a:p>
+          <a:p>
+            <a:r>
+              <a:rPr lang="en-US" sz="3000" dirty="0" smtClean="0">
+                <a:hlinkClick r:id="rId5"/>
+              </a:rPr>
+              <a:t>Java </a:t>
+            </a:r>
+            <a:r>
+              <a:rPr lang="en-US" sz="3000" dirty="0">
+                <a:hlinkClick r:id="rId5"/>
+              </a:rPr>
+              <a:t>101: The next generation: It's time for a </a:t>
+            </a:r>
+            <a:r>
+              <a:rPr lang="en-US" sz="3000" dirty="0" smtClean="0">
+                <a:hlinkClick r:id="rId5"/>
+              </a:rPr>
+              <a:t>change</a:t>
+            </a:r>
+            <a:endParaRPr lang="en-US" sz="3000" dirty="0" smtClean="0"/>
+          </a:p>
+        </p:txBody>
+      </p:sp>
+    </p:spTree>
+    <p:extLst>
+      <p:ext uri="{BB962C8B-B14F-4D97-AF65-F5344CB8AC3E}">
+        <p14:creationId xmlns:p14="http://schemas.microsoft.com/office/powerpoint/2010/main" val="190584471"/>
+      </p:ext>
+    </p:extLst>
+  </p:cSld>
+  <p:clrMapOvr>
+    <a:masterClrMapping/>
+  </p:clrMapOvr>
+  <p:timing>
+    <p:tnLst>
+      <p:par>
+        <p:cTn id="1" dur="indefinite" restart="never" nodeType="tmRoot"/>
+      </p:par>
+    </p:tnLst>
+  </p:timing>
+</p:sld>
+</file>
+
+<file path=ppt/slides/slide43.xml><?xml version="1.0" encoding="utf-8"?>
+<p:sld xmlns:a="http://schemas.openxmlformats.org/drawingml/2006/main" xmlns:r="http://schemas.openxmlformats.org/officeDocument/2006/relationships" xmlns:p="http://schemas.openxmlformats.org/presentationml/2006/main">
+  <p:cSld>
+    <p:spTree>
+      <p:nvGrpSpPr>
+        <p:cNvPr id="1" name=""/>
+        <p:cNvGrpSpPr/>
+        <p:nvPr/>
+      </p:nvGrpSpPr>
+      <p:grpSpPr>
+        <a:xfrm>
+          <a:off x="0" y="0"/>
+          <a:ext cx="0" cy="0"/>
+          <a:chOff x="0" y="0"/>
+          <a:chExt cx="0" cy="0"/>
+        </a:xfrm>
+      </p:grpSpPr>
+      <p:sp>
+        <p:nvSpPr>
+          <p:cNvPr id="2" name="Title 1"/>
+          <p:cNvSpPr>
+            <a:spLocks noGrp="1"/>
+          </p:cNvSpPr>
+          <p:nvPr>
+            <p:ph type="title"/>
+          </p:nvPr>
+        </p:nvSpPr>
+        <p:spPr/>
+        <p:txBody>
+          <a:bodyPr/>
+          <a:lstStyle/>
+          <a:p>
+            <a:r>
+              <a:rPr lang="en-US" dirty="0" smtClean="0"/>
+              <a:t>Code</a:t>
+            </a:r>
+            <a:endParaRPr lang="en-US" dirty="0"/>
+          </a:p>
+        </p:txBody>
+      </p:sp>
+      <p:sp>
+        <p:nvSpPr>
+          <p:cNvPr id="3" name="Content Placeholder 2"/>
+          <p:cNvSpPr>
+            <a:spLocks noGrp="1"/>
+          </p:cNvSpPr>
+          <p:nvPr>
+            <p:ph idx="1"/>
+          </p:nvPr>
+        </p:nvSpPr>
+        <p:spPr/>
+        <p:txBody>
+          <a:bodyPr/>
+          <a:lstStyle/>
+          <a:p>
+            <a:pPr marL="0" indent="0">
+              <a:buNone/>
+            </a:pPr>
+            <a:r>
+              <a:rPr lang="en-US" dirty="0" smtClean="0"/>
+              <a:t>Code used in this presentation on </a:t>
+            </a:r>
+            <a:r>
+              <a:rPr lang="en-US" dirty="0" err="1" smtClean="0"/>
+              <a:t>GitHub</a:t>
+            </a:r>
+            <a:r>
+              <a:rPr lang="en-US" dirty="0" smtClean="0"/>
+              <a:t>:</a:t>
+            </a:r>
+          </a:p>
+          <a:p>
+            <a:pPr marL="0" indent="0">
+              <a:buNone/>
+            </a:pPr>
+            <a:r>
+              <a:rPr lang="en-US" dirty="0"/>
+              <a:t>https://github.com/sualeh/java8-timeapi-examples</a:t>
+            </a:r>
+            <a:endParaRPr lang="en-US" dirty="0" smtClean="0"/>
+          </a:p>
+          <a:p>
+            <a:endParaRPr lang="en-US" dirty="0"/>
+          </a:p>
+        </p:txBody>
+      </p:sp>
+    </p:spTree>
+    <p:extLst>
+      <p:ext uri="{BB962C8B-B14F-4D97-AF65-F5344CB8AC3E}">
+        <p14:creationId xmlns:p14="http://schemas.microsoft.com/office/powerpoint/2010/main" val="1592849243"/>
+      </p:ext>
+    </p:extLst>
+  </p:cSld>
+  <p:clrMapOvr>
+    <a:masterClrMapping/>
+  </p:clrMapOvr>
+  <p:timing>
+    <p:tnLst>
+      <p:par>
+        <p:cTn id="1" dur="indefinite" restart="never" nodeType="tmRoot"/>
+      </p:par>
+    </p:tnLst>
+  </p:timing>
+</p:sld>
+</file>
+
+<file path=ppt/slides/slide44.xml><?xml version="1.0" encoding="utf-8"?>
+<p:sld xmlns:a="http://schemas.openxmlformats.org/drawingml/2006/main" xmlns:r="http://schemas.openxmlformats.org/officeDocument/2006/relationships" xmlns:p="http://schemas.openxmlformats.org/presentationml/2006/main">
+  <p:cSld>
+    <p:spTree>
+      <p:nvGrpSpPr>
+        <p:cNvPr id="1" name=""/>
+        <p:cNvGrpSpPr/>
+        <p:nvPr/>
+      </p:nvGrpSpPr>
+      <p:grpSpPr>
+        <a:xfrm>
+          <a:off x="0" y="0"/>
+          <a:ext cx="0" cy="0"/>
+          <a:chOff x="0" y="0"/>
+          <a:chExt cx="0" cy="0"/>
+        </a:xfrm>
+      </p:grpSpPr>
+      <p:sp>
+        <p:nvSpPr>
+          <p:cNvPr id="2" name="Title 1"/>
+          <p:cNvSpPr>
+            <a:spLocks noGrp="1"/>
+          </p:cNvSpPr>
+          <p:nvPr>
+            <p:ph type="title"/>
+          </p:nvPr>
+        </p:nvSpPr>
+        <p:spPr/>
+        <p:txBody>
+          <a:bodyPr/>
+          <a:lstStyle/>
+          <a:p>
+            <a:r>
+              <a:rPr lang="en-US" dirty="0" smtClean="0"/>
+              <a:t>Questions?</a:t>
+            </a:r>
+            <a:endParaRPr lang="en-US" dirty="0"/>
+          </a:p>
+        </p:txBody>
+      </p:sp>
+    </p:spTree>
+    <p:extLst>
+      <p:ext uri="{BB962C8B-B14F-4D97-AF65-F5344CB8AC3E}">
+        <p14:creationId xmlns:p14="http://schemas.microsoft.com/office/powerpoint/2010/main" val="2441357892"/>
       </p:ext>
     </p:extLst>
   </p:cSld>
@@ -14960,50 +18957,60 @@
                 <a:latin typeface="Consolas" panose="020B0609020204030204" pitchFamily="49" charset="0"/>
                 <a:cs typeface="Consolas" panose="020B0609020204030204" pitchFamily="49" charset="0"/>
               </a:rPr>
-              <a:t>=-18000000,dstSavings=3600000,useDaylight=</a:t>
-            </a:r>
-            <a:r>
-              <a:rPr lang="en-US" dirty="0" err="1">
+              <a:t>=-</a:t>
+            </a:r>
+            <a:r>
+              <a:rPr lang="en-US" dirty="0" smtClean="0">
                 <a:solidFill>
                   <a:schemeClr val="tx2"/>
                 </a:solidFill>
                 <a:latin typeface="Consolas" panose="020B0609020204030204" pitchFamily="49" charset="0"/>
                 <a:cs typeface="Consolas" panose="020B0609020204030204" pitchFamily="49" charset="0"/>
               </a:rPr>
-              <a:t>true,transitions</a:t>
-            </a:r>
-            <a:r>
-              <a:rPr lang="en-US" dirty="0">
+              <a:t>18000000,dstSavings=3600000,useDaylight=</a:t>
+            </a:r>
+            <a:r>
+              <a:rPr lang="en-US" dirty="0" err="1" smtClean="0">
                 <a:solidFill>
                   <a:schemeClr val="tx2"/>
                 </a:solidFill>
                 <a:latin typeface="Consolas" panose="020B0609020204030204" pitchFamily="49" charset="0"/>
                 <a:cs typeface="Consolas" panose="020B0609020204030204" pitchFamily="49" charset="0"/>
               </a:rPr>
-              <a:t>=235,lastRule=</a:t>
-            </a:r>
-            <a:r>
-              <a:rPr lang="en-US" dirty="0" err="1">
+              <a:t>true,transitions</a:t>
+            </a:r>
+            <a:r>
+              <a:rPr lang="en-US" dirty="0" smtClean="0">
                 <a:solidFill>
                   <a:schemeClr val="tx2"/>
                 </a:solidFill>
                 <a:latin typeface="Consolas" panose="020B0609020204030204" pitchFamily="49" charset="0"/>
                 <a:cs typeface="Consolas" panose="020B0609020204030204" pitchFamily="49" charset="0"/>
               </a:rPr>
-              <a:t>java.util.SimpleTimeZone</a:t>
-            </a:r>
-            <a:r>
-              <a:rPr lang="en-US" dirty="0">
+              <a:t>=235,lastRule=</a:t>
+            </a:r>
+            <a:r>
+              <a:rPr lang="en-US" dirty="0" err="1" smtClean="0">
                 <a:solidFill>
                   <a:schemeClr val="tx2"/>
                 </a:solidFill>
                 <a:latin typeface="Consolas" panose="020B0609020204030204" pitchFamily="49" charset="0"/>
                 <a:cs typeface="Consolas" panose="020B0609020204030204" pitchFamily="49" charset="0"/>
               </a:rPr>
-              <a:t>[id=America/</a:t>
-            </a:r>
-            <a:r>
-              <a:rPr lang="en-US" dirty="0" err="1">
+              <a:t>java.util.Simpletime</a:t>
+            </a:r>
+            <a:r>
+              <a:rPr lang="en-US" dirty="0" smtClean="0">
+                <a:solidFill>
+                  <a:schemeClr val="tx2"/>
+                </a:solidFill>
+                <a:latin typeface="Consolas" panose="020B0609020204030204" pitchFamily="49" charset="0"/>
+                <a:cs typeface="Consolas" panose="020B0609020204030204" pitchFamily="49" charset="0"/>
+              </a:rPr>
+              <a:t> zone[id=America/</a:t>
+            </a:r>
+            <a:r>
+              <a:rPr lang="en-US" dirty="0" err="1" smtClean="0">
                 <a:solidFill>
                   <a:schemeClr val="tx2"/>
                 </a:solidFill>

--- a/Java 8 Date and Time API.pptx
+++ b/Java 8 Date and Time API.pptx
@@ -2,7 +2,7 @@
 <file path=ppt/presentation.xml><?xml version="1.0" encoding="utf-8"?>
 <p:presentation xmlns:a="http://schemas.openxmlformats.org/drawingml/2006/main" xmlns:r="http://schemas.openxmlformats.org/officeDocument/2006/relationships" xmlns:p="http://schemas.openxmlformats.org/presentationml/2006/main" saveSubsetFonts="1">
   <p:sldMasterIdLst>
-    <p:sldMasterId id="2147483648" r:id="rId1"/>
+    <p:sldMasterId id="2147483840" r:id="rId1"/>
   </p:sldMasterIdLst>
   <p:sldIdLst>
     <p:sldId id="256" r:id="rId2"/>
@@ -331,7 +331,7 @@
           <a:p>
             <a:fld id="{4521DC5A-3FE3-4FD1-BF87-57592AFF8A1E}" type="datetimeFigureOut">
               <a:rPr lang="en-US" smtClean="0"/>
-              <a:t>3/16/2014</a:t>
+              <a:t>3/17/2014</a:t>
             </a:fld>
             <a:endParaRPr lang="en-US"/>
           </a:p>
@@ -382,13 +382,20 @@
     </p:spTree>
     <p:extLst>
       <p:ext uri="{BB962C8B-B14F-4D97-AF65-F5344CB8AC3E}">
-        <p14:creationId xmlns:p14="http://schemas.microsoft.com/office/powerpoint/2010/main" val="1515885205"/>
+        <p14:creationId xmlns:p14="http://schemas.microsoft.com/office/powerpoint/2010/main" val="2360279444"/>
       </p:ext>
     </p:extLst>
   </p:cSld>
   <p:clrMapOvr>
     <a:masterClrMapping/>
   </p:clrMapOvr>
+  <p:timing>
+    <p:tnLst>
+      <p:par>
+        <p:cTn id="1" dur="indefinite" restart="never" nodeType="tmRoot"/>
+      </p:par>
+    </p:tnLst>
+  </p:timing>
 </p:sldLayout>
 </file>
 
@@ -501,7 +508,7 @@
           <a:p>
             <a:fld id="{4521DC5A-3FE3-4FD1-BF87-57592AFF8A1E}" type="datetimeFigureOut">
               <a:rPr lang="en-US" smtClean="0"/>
-              <a:t>3/16/2014</a:t>
+              <a:t>3/17/2014</a:t>
             </a:fld>
             <a:endParaRPr lang="en-US"/>
           </a:p>
@@ -552,13 +559,20 @@
     </p:spTree>
     <p:extLst>
       <p:ext uri="{BB962C8B-B14F-4D97-AF65-F5344CB8AC3E}">
-        <p14:creationId xmlns:p14="http://schemas.microsoft.com/office/powerpoint/2010/main" val="1554274524"/>
+        <p14:creationId xmlns:p14="http://schemas.microsoft.com/office/powerpoint/2010/main" val="1142165823"/>
       </p:ext>
     </p:extLst>
   </p:cSld>
   <p:clrMapOvr>
     <a:masterClrMapping/>
   </p:clrMapOvr>
+  <p:timing>
+    <p:tnLst>
+      <p:par>
+        <p:cTn id="1" dur="indefinite" restart="never" nodeType="tmRoot"/>
+      </p:par>
+    </p:tnLst>
+  </p:timing>
 </p:sldLayout>
 </file>
 
@@ -681,7 +695,7 @@
           <a:p>
             <a:fld id="{4521DC5A-3FE3-4FD1-BF87-57592AFF8A1E}" type="datetimeFigureOut">
               <a:rPr lang="en-US" smtClean="0"/>
-              <a:t>3/16/2014</a:t>
+              <a:t>3/17/2014</a:t>
             </a:fld>
             <a:endParaRPr lang="en-US"/>
           </a:p>
@@ -732,13 +746,20 @@
     </p:spTree>
     <p:extLst>
       <p:ext uri="{BB962C8B-B14F-4D97-AF65-F5344CB8AC3E}">
-        <p14:creationId xmlns:p14="http://schemas.microsoft.com/office/powerpoint/2010/main" val="955430620"/>
+        <p14:creationId xmlns:p14="http://schemas.microsoft.com/office/powerpoint/2010/main" val="3341470332"/>
       </p:ext>
     </p:extLst>
   </p:cSld>
   <p:clrMapOvr>
     <a:masterClrMapping/>
   </p:clrMapOvr>
+  <p:timing>
+    <p:tnLst>
+      <p:par>
+        <p:cTn id="1" dur="indefinite" restart="never" nodeType="tmRoot"/>
+      </p:par>
+    </p:tnLst>
+  </p:timing>
 </p:sldLayout>
 </file>
 
@@ -851,7 +872,7 @@
           <a:p>
             <a:fld id="{4521DC5A-3FE3-4FD1-BF87-57592AFF8A1E}" type="datetimeFigureOut">
               <a:rPr lang="en-US" smtClean="0"/>
-              <a:t>3/16/2014</a:t>
+              <a:t>3/17/2014</a:t>
             </a:fld>
             <a:endParaRPr lang="en-US"/>
           </a:p>
@@ -902,13 +923,20 @@
     </p:spTree>
     <p:extLst>
       <p:ext uri="{BB962C8B-B14F-4D97-AF65-F5344CB8AC3E}">
-        <p14:creationId xmlns:p14="http://schemas.microsoft.com/office/powerpoint/2010/main" val="3941094344"/>
+        <p14:creationId xmlns:p14="http://schemas.microsoft.com/office/powerpoint/2010/main" val="1460626416"/>
       </p:ext>
     </p:extLst>
   </p:cSld>
   <p:clrMapOvr>
     <a:masterClrMapping/>
   </p:clrMapOvr>
+  <p:timing>
+    <p:tnLst>
+      <p:par>
+        <p:cTn id="1" dur="indefinite" restart="never" nodeType="tmRoot"/>
+      </p:par>
+    </p:tnLst>
+  </p:timing>
 </p:sldLayout>
 </file>
 
@@ -1097,7 +1125,7 @@
           <a:p>
             <a:fld id="{4521DC5A-3FE3-4FD1-BF87-57592AFF8A1E}" type="datetimeFigureOut">
               <a:rPr lang="en-US" smtClean="0"/>
-              <a:t>3/16/2014</a:t>
+              <a:t>3/17/2014</a:t>
             </a:fld>
             <a:endParaRPr lang="en-US"/>
           </a:p>
@@ -1148,13 +1176,20 @@
     </p:spTree>
     <p:extLst>
       <p:ext uri="{BB962C8B-B14F-4D97-AF65-F5344CB8AC3E}">
-        <p14:creationId xmlns:p14="http://schemas.microsoft.com/office/powerpoint/2010/main" val="189149185"/>
+        <p14:creationId xmlns:p14="http://schemas.microsoft.com/office/powerpoint/2010/main" val="3015069221"/>
       </p:ext>
     </p:extLst>
   </p:cSld>
   <p:clrMapOvr>
     <a:masterClrMapping/>
   </p:clrMapOvr>
+  <p:timing>
+    <p:tnLst>
+      <p:par>
+        <p:cTn id="1" dur="indefinite" restart="never" nodeType="tmRoot"/>
+      </p:par>
+    </p:tnLst>
+  </p:timing>
 </p:sldLayout>
 </file>
 
@@ -1385,7 +1420,7 @@
           <a:p>
             <a:fld id="{4521DC5A-3FE3-4FD1-BF87-57592AFF8A1E}" type="datetimeFigureOut">
               <a:rPr lang="en-US" smtClean="0"/>
-              <a:t>3/16/2014</a:t>
+              <a:t>3/17/2014</a:t>
             </a:fld>
             <a:endParaRPr lang="en-US"/>
           </a:p>
@@ -1436,13 +1471,20 @@
     </p:spTree>
     <p:extLst>
       <p:ext uri="{BB962C8B-B14F-4D97-AF65-F5344CB8AC3E}">
-        <p14:creationId xmlns:p14="http://schemas.microsoft.com/office/powerpoint/2010/main" val="4151438761"/>
+        <p14:creationId xmlns:p14="http://schemas.microsoft.com/office/powerpoint/2010/main" val="3263580327"/>
       </p:ext>
     </p:extLst>
   </p:cSld>
   <p:clrMapOvr>
     <a:masterClrMapping/>
   </p:clrMapOvr>
+  <p:timing>
+    <p:tnLst>
+      <p:par>
+        <p:cTn id="1" dur="indefinite" restart="never" nodeType="tmRoot"/>
+      </p:par>
+    </p:tnLst>
+  </p:timing>
 </p:sldLayout>
 </file>
 
@@ -1807,7 +1849,7 @@
           <a:p>
             <a:fld id="{4521DC5A-3FE3-4FD1-BF87-57592AFF8A1E}" type="datetimeFigureOut">
               <a:rPr lang="en-US" smtClean="0"/>
-              <a:t>3/16/2014</a:t>
+              <a:t>3/17/2014</a:t>
             </a:fld>
             <a:endParaRPr lang="en-US"/>
           </a:p>
@@ -1858,13 +1900,20 @@
     </p:spTree>
     <p:extLst>
       <p:ext uri="{BB962C8B-B14F-4D97-AF65-F5344CB8AC3E}">
-        <p14:creationId xmlns:p14="http://schemas.microsoft.com/office/powerpoint/2010/main" val="3136303359"/>
+        <p14:creationId xmlns:p14="http://schemas.microsoft.com/office/powerpoint/2010/main" val="1398653482"/>
       </p:ext>
     </p:extLst>
   </p:cSld>
   <p:clrMapOvr>
     <a:masterClrMapping/>
   </p:clrMapOvr>
+  <p:timing>
+    <p:tnLst>
+      <p:par>
+        <p:cTn id="1" dur="indefinite" restart="never" nodeType="tmRoot"/>
+      </p:par>
+    </p:tnLst>
+  </p:timing>
 </p:sldLayout>
 </file>
 
@@ -1925,7 +1974,7 @@
           <a:p>
             <a:fld id="{4521DC5A-3FE3-4FD1-BF87-57592AFF8A1E}" type="datetimeFigureOut">
               <a:rPr lang="en-US" smtClean="0"/>
-              <a:t>3/16/2014</a:t>
+              <a:t>3/17/2014</a:t>
             </a:fld>
             <a:endParaRPr lang="en-US"/>
           </a:p>
@@ -1976,13 +2025,20 @@
     </p:spTree>
     <p:extLst>
       <p:ext uri="{BB962C8B-B14F-4D97-AF65-F5344CB8AC3E}">
-        <p14:creationId xmlns:p14="http://schemas.microsoft.com/office/powerpoint/2010/main" val="2994841866"/>
+        <p14:creationId xmlns:p14="http://schemas.microsoft.com/office/powerpoint/2010/main" val="4142455655"/>
       </p:ext>
     </p:extLst>
   </p:cSld>
   <p:clrMapOvr>
     <a:masterClrMapping/>
   </p:clrMapOvr>
+  <p:timing>
+    <p:tnLst>
+      <p:par>
+        <p:cTn id="1" dur="indefinite" restart="never" nodeType="tmRoot"/>
+      </p:par>
+    </p:tnLst>
+  </p:timing>
 </p:sldLayout>
 </file>
 
@@ -2020,7 +2076,7 @@
           <a:p>
             <a:fld id="{4521DC5A-3FE3-4FD1-BF87-57592AFF8A1E}" type="datetimeFigureOut">
               <a:rPr lang="en-US" smtClean="0"/>
-              <a:t>3/16/2014</a:t>
+              <a:t>3/17/2014</a:t>
             </a:fld>
             <a:endParaRPr lang="en-US"/>
           </a:p>
@@ -2071,13 +2127,20 @@
     </p:spTree>
     <p:extLst>
       <p:ext uri="{BB962C8B-B14F-4D97-AF65-F5344CB8AC3E}">
-        <p14:creationId xmlns:p14="http://schemas.microsoft.com/office/powerpoint/2010/main" val="1555549295"/>
+        <p14:creationId xmlns:p14="http://schemas.microsoft.com/office/powerpoint/2010/main" val="2548190081"/>
       </p:ext>
     </p:extLst>
   </p:cSld>
   <p:clrMapOvr>
     <a:masterClrMapping/>
   </p:clrMapOvr>
+  <p:timing>
+    <p:tnLst>
+      <p:par>
+        <p:cTn id="1" dur="indefinite" restart="never" nodeType="tmRoot"/>
+      </p:par>
+    </p:tnLst>
+  </p:timing>
 </p:sldLayout>
 </file>
 
@@ -2297,7 +2360,7 @@
           <a:p>
             <a:fld id="{4521DC5A-3FE3-4FD1-BF87-57592AFF8A1E}" type="datetimeFigureOut">
               <a:rPr lang="en-US" smtClean="0"/>
-              <a:t>3/16/2014</a:t>
+              <a:t>3/17/2014</a:t>
             </a:fld>
             <a:endParaRPr lang="en-US"/>
           </a:p>
@@ -2348,13 +2411,20 @@
     </p:spTree>
     <p:extLst>
       <p:ext uri="{BB962C8B-B14F-4D97-AF65-F5344CB8AC3E}">
-        <p14:creationId xmlns:p14="http://schemas.microsoft.com/office/powerpoint/2010/main" val="2086887095"/>
+        <p14:creationId xmlns:p14="http://schemas.microsoft.com/office/powerpoint/2010/main" val="3018268028"/>
       </p:ext>
     </p:extLst>
   </p:cSld>
   <p:clrMapOvr>
     <a:masterClrMapping/>
   </p:clrMapOvr>
+  <p:timing>
+    <p:tnLst>
+      <p:par>
+        <p:cTn id="1" dur="indefinite" restart="never" nodeType="tmRoot"/>
+      </p:par>
+    </p:tnLst>
+  </p:timing>
 </p:sldLayout>
 </file>
 
@@ -2550,7 +2620,7 @@
           <a:p>
             <a:fld id="{4521DC5A-3FE3-4FD1-BF87-57592AFF8A1E}" type="datetimeFigureOut">
               <a:rPr lang="en-US" smtClean="0"/>
-              <a:t>3/16/2014</a:t>
+              <a:t>3/17/2014</a:t>
             </a:fld>
             <a:endParaRPr lang="en-US"/>
           </a:p>
@@ -2601,13 +2671,20 @@
     </p:spTree>
     <p:extLst>
       <p:ext uri="{BB962C8B-B14F-4D97-AF65-F5344CB8AC3E}">
-        <p14:creationId xmlns:p14="http://schemas.microsoft.com/office/powerpoint/2010/main" val="2726888065"/>
+        <p14:creationId xmlns:p14="http://schemas.microsoft.com/office/powerpoint/2010/main" val="326988990"/>
       </p:ext>
     </p:extLst>
   </p:cSld>
   <p:clrMapOvr>
     <a:masterClrMapping/>
   </p:clrMapOvr>
+  <p:timing>
+    <p:tnLst>
+      <p:par>
+        <p:cTn id="1" dur="indefinite" restart="never" nodeType="tmRoot"/>
+      </p:par>
+    </p:tnLst>
+  </p:timing>
 </p:sldLayout>
 </file>
 
@@ -2763,7 +2840,7 @@
           <a:p>
             <a:fld id="{4521DC5A-3FE3-4FD1-BF87-57592AFF8A1E}" type="datetimeFigureOut">
               <a:rPr lang="en-US" smtClean="0"/>
-              <a:t>3/16/2014</a:t>
+              <a:t>3/17/2014</a:t>
             </a:fld>
             <a:endParaRPr lang="en-US"/>
           </a:p>
@@ -2850,24 +2927,31 @@
     </p:spTree>
     <p:extLst>
       <p:ext uri="{BB962C8B-B14F-4D97-AF65-F5344CB8AC3E}">
-        <p14:creationId xmlns:p14="http://schemas.microsoft.com/office/powerpoint/2010/main" val="883958344"/>
+        <p14:creationId xmlns:p14="http://schemas.microsoft.com/office/powerpoint/2010/main" val="1804122203"/>
       </p:ext>
     </p:extLst>
   </p:cSld>
   <p:clrMap bg1="lt1" tx1="dk1" bg2="lt2" tx2="dk2" accent1="accent1" accent2="accent2" accent3="accent3" accent4="accent4" accent5="accent5" accent6="accent6" hlink="hlink" folHlink="folHlink"/>
   <p:sldLayoutIdLst>
-    <p:sldLayoutId id="2147483649" r:id="rId1"/>
-    <p:sldLayoutId id="2147483650" r:id="rId2"/>
-    <p:sldLayoutId id="2147483651" r:id="rId3"/>
-    <p:sldLayoutId id="2147483652" r:id="rId4"/>
-    <p:sldLayoutId id="2147483653" r:id="rId5"/>
-    <p:sldLayoutId id="2147483654" r:id="rId6"/>
-    <p:sldLayoutId id="2147483655" r:id="rId7"/>
-    <p:sldLayoutId id="2147483656" r:id="rId8"/>
-    <p:sldLayoutId id="2147483657" r:id="rId9"/>
-    <p:sldLayoutId id="2147483658" r:id="rId10"/>
-    <p:sldLayoutId id="2147483659" r:id="rId11"/>
+    <p:sldLayoutId id="2147483841" r:id="rId1"/>
+    <p:sldLayoutId id="2147483842" r:id="rId2"/>
+    <p:sldLayoutId id="2147483843" r:id="rId3"/>
+    <p:sldLayoutId id="2147483844" r:id="rId4"/>
+    <p:sldLayoutId id="2147483845" r:id="rId5"/>
+    <p:sldLayoutId id="2147483846" r:id="rId6"/>
+    <p:sldLayoutId id="2147483847" r:id="rId7"/>
+    <p:sldLayoutId id="2147483848" r:id="rId8"/>
+    <p:sldLayoutId id="2147483849" r:id="rId9"/>
+    <p:sldLayoutId id="2147483850" r:id="rId10"/>
+    <p:sldLayoutId id="2147483851" r:id="rId11"/>
   </p:sldLayoutIdLst>
+  <p:timing>
+    <p:tnLst>
+      <p:par>
+        <p:cTn id="1" dur="indefinite" restart="never" nodeType="tmRoot"/>
+      </p:par>
+    </p:tnLst>
+  </p:timing>
   <p:txStyles>
     <p:titleStyle>
       <a:lvl1pPr algn="ctr" defTabSz="914400" rtl="0" eaLnBrk="1" latinLnBrk="0" hangingPunct="1">
@@ -3434,8 +3518,8 @@
         </p:blipFill>
         <p:spPr bwMode="auto">
           <a:xfrm>
-            <a:off x="4062321" y="5515217"/>
-            <a:ext cx="769907" cy="271218"/>
+            <a:off x="4013270" y="5515217"/>
+            <a:ext cx="1117460" cy="393651"/>
           </a:xfrm>
           <a:prstGeom prst="rect">
             <a:avLst/>
@@ -3460,8 +3544,8 @@
         </p:nvSpPr>
         <p:spPr>
           <a:xfrm>
-            <a:off x="1600200" y="5925979"/>
-            <a:ext cx="6477000" cy="246221"/>
+            <a:off x="2781300" y="5925979"/>
+            <a:ext cx="3581400" cy="646331"/>
           </a:xfrm>
           <a:prstGeom prst="rect">
             <a:avLst/>
@@ -3475,7 +3559,7 @@
           <a:p>
             <a:pPr algn="ctr"/>
             <a:r>
-              <a:rPr lang="en-US" altLang="en-US" sz="1000" dirty="0" smtClean="0">
+              <a:rPr lang="en-US" altLang="en-US" sz="1200" dirty="0" smtClean="0">
                 <a:solidFill>
                   <a:srgbClr val="000000"/>
                 </a:solidFill>
@@ -3484,7 +3568,7 @@
               <a:t>This </a:t>
             </a:r>
             <a:r>
-              <a:rPr lang="en-US" altLang="en-US" sz="1000" dirty="0">
+              <a:rPr lang="en-US" altLang="en-US" sz="1200" dirty="0">
                 <a:solidFill>
                   <a:srgbClr val="000000"/>
                 </a:solidFill>
@@ -3493,7 +3577,7 @@
               <a:t>work by </a:t>
             </a:r>
             <a:r>
-              <a:rPr lang="en-US" altLang="en-US" sz="1000" dirty="0">
+              <a:rPr lang="en-US" altLang="en-US" sz="1200" dirty="0">
                 <a:solidFill>
                   <a:srgbClr val="4374B7"/>
                 </a:solidFill>
@@ -3503,7 +3587,7 @@
               <a:t>Sualeh Fatehi</a:t>
             </a:r>
             <a:r>
-              <a:rPr lang="en-US" altLang="en-US" sz="1000" dirty="0">
+              <a:rPr lang="en-US" altLang="en-US" sz="1200" dirty="0">
                 <a:solidFill>
                   <a:srgbClr val="000000"/>
                 </a:solidFill>
@@ -3512,7 +3596,7 @@
               <a:t> is licensed under a </a:t>
             </a:r>
             <a:r>
-              <a:rPr lang="en-US" altLang="en-US" sz="1000" dirty="0">
+              <a:rPr lang="en-US" altLang="en-US" sz="1200" dirty="0">
                 <a:solidFill>
                   <a:srgbClr val="4374B7"/>
                 </a:solidFill>
@@ -3522,7 +3606,7 @@
               <a:t>Creative Commons Attribution-</a:t>
             </a:r>
             <a:r>
-              <a:rPr lang="en-US" altLang="en-US" sz="1000" dirty="0" err="1">
+              <a:rPr lang="en-US" altLang="en-US" sz="1200" dirty="0" err="1">
                 <a:solidFill>
                   <a:srgbClr val="4374B7"/>
                 </a:solidFill>
@@ -3532,7 +3616,7 @@
               <a:t>NonCommercial</a:t>
             </a:r>
             <a:r>
-              <a:rPr lang="en-US" altLang="en-US" sz="1000" dirty="0">
+              <a:rPr lang="en-US" altLang="en-US" sz="1200" dirty="0">
                 <a:solidFill>
                   <a:srgbClr val="4374B7"/>
                 </a:solidFill>
@@ -3542,7 +3626,7 @@
               <a:t> 4.0 International License</a:t>
             </a:r>
             <a:r>
-              <a:rPr lang="en-US" altLang="en-US" sz="1000" dirty="0">
+              <a:rPr lang="en-US" altLang="en-US" sz="1200" dirty="0">
                 <a:solidFill>
                   <a:srgbClr val="000000"/>
                 </a:solidFill>
@@ -3551,7 +3635,7 @@
               <a:t>.</a:t>
             </a:r>
             <a:r>
-              <a:rPr lang="en-US" altLang="en-US" sz="1000" dirty="0">
+              <a:rPr lang="en-US" altLang="en-US" sz="1200" dirty="0">
                 <a:solidFill>
                   <a:prstClr val="black"/>
                 </a:solidFill>
@@ -3559,7 +3643,7 @@
               </a:rPr>
               <a:t> </a:t>
             </a:r>
-            <a:endParaRPr lang="en-US" sz="1000" dirty="0"/>
+            <a:endParaRPr lang="en-US" sz="1200" dirty="0"/>
           </a:p>
         </p:txBody>
       </p:sp>
@@ -3633,10 +3717,15 @@
             <p:ph idx="1"/>
           </p:nvPr>
         </p:nvSpPr>
-        <p:spPr/>
+        <p:spPr>
+          <a:xfrm>
+            <a:off x="457200" y="2590800"/>
+            <a:ext cx="8229600" cy="3535363"/>
+          </a:xfrm>
+        </p:spPr>
         <p:txBody>
           <a:bodyPr>
-            <a:normAutofit fontScale="85000" lnSpcReduction="10000"/>
+            <a:normAutofit/>
           </a:bodyPr>
           <a:lstStyle/>
           <a:p>
@@ -3645,6 +3734,201 @@
             </a:pPr>
             <a:r>
               <a:rPr lang="en-US" sz="2800" dirty="0" smtClean="0">
+                <a:cs typeface="Consolas" panose="020B0609020204030204" pitchFamily="49" charset="0"/>
+              </a:rPr>
+              <a:t>Several problems here:</a:t>
+            </a:r>
+          </a:p>
+          <a:p>
+            <a:pPr marL="514350" indent="-514350">
+              <a:buFont typeface="+mj-lt"/>
+              <a:buAutoNum type="arabicPeriod"/>
+            </a:pPr>
+            <a:r>
+              <a:rPr lang="en-US" sz="2800" dirty="0" smtClean="0">
+                <a:cs typeface="Consolas" panose="020B0609020204030204" pitchFamily="49" charset="0"/>
+              </a:rPr>
+              <a:t>Which 12 is for which date field?</a:t>
+            </a:r>
+          </a:p>
+          <a:p>
+            <a:pPr marL="514350" indent="-514350">
+              <a:buFont typeface="+mj-lt"/>
+              <a:buAutoNum type="arabicPeriod"/>
+            </a:pPr>
+            <a:r>
+              <a:rPr lang="en-US" sz="2800" dirty="0" smtClean="0">
+                <a:cs typeface="Consolas" panose="020B0609020204030204" pitchFamily="49" charset="0"/>
+              </a:rPr>
+              <a:t>Month 12 </a:t>
+            </a:r>
+            <a:r>
+              <a:rPr lang="en-US" sz="2800" dirty="0">
+                <a:cs typeface="Consolas" panose="020B0609020204030204" pitchFamily="49" charset="0"/>
+              </a:rPr>
+              <a:t>should be December</a:t>
+            </a:r>
+            <a:r>
+              <a:rPr lang="en-US" sz="2800" dirty="0" smtClean="0">
+                <a:cs typeface="Consolas" panose="020B0609020204030204" pitchFamily="49" charset="0"/>
+              </a:rPr>
+              <a:t>, </a:t>
+            </a:r>
+            <a:r>
+              <a:rPr lang="en-US" sz="2800" dirty="0">
+                <a:cs typeface="Consolas" panose="020B0609020204030204" pitchFamily="49" charset="0"/>
+              </a:rPr>
+              <a:t>right? Wrong - </a:t>
+            </a:r>
+            <a:r>
+              <a:rPr lang="en-US" sz="2800" dirty="0" smtClean="0">
+                <a:cs typeface="Consolas" panose="020B0609020204030204" pitchFamily="49" charset="0"/>
+              </a:rPr>
+              <a:t>January.</a:t>
+            </a:r>
+            <a:endParaRPr lang="en-US" sz="2800" dirty="0">
+              <a:cs typeface="Consolas" panose="020B0609020204030204" pitchFamily="49" charset="0"/>
+            </a:endParaRPr>
+          </a:p>
+          <a:p>
+            <a:pPr marL="514350" indent="-514350">
+              <a:buFont typeface="+mj-lt"/>
+              <a:buAutoNum type="arabicPeriod"/>
+            </a:pPr>
+            <a:r>
+              <a:rPr lang="en-US" sz="2800" dirty="0" smtClean="0">
+                <a:cs typeface="Consolas" panose="020B0609020204030204" pitchFamily="49" charset="0"/>
+              </a:rPr>
+              <a:t>They got the year right! Not quite…</a:t>
+            </a:r>
+          </a:p>
+          <a:p>
+            <a:pPr marL="514350" indent="-514350">
+              <a:buFont typeface="+mj-lt"/>
+              <a:buAutoNum type="arabicPeriod"/>
+            </a:pPr>
+            <a:r>
+              <a:rPr lang="en-US" sz="2800" dirty="0" smtClean="0">
+                <a:cs typeface="Consolas" panose="020B0609020204030204" pitchFamily="49" charset="0"/>
+              </a:rPr>
+              <a:t>Wait - there is a time in a calendar?</a:t>
+            </a:r>
+          </a:p>
+          <a:p>
+            <a:pPr marL="514350" indent="-514350">
+              <a:buFont typeface="+mj-lt"/>
+              <a:buAutoNum type="arabicPeriod"/>
+            </a:pPr>
+            <a:r>
+              <a:rPr lang="en-US" sz="2800" dirty="0" smtClean="0">
+                <a:cs typeface="Consolas" panose="020B0609020204030204" pitchFamily="49" charset="0"/>
+              </a:rPr>
+              <a:t>More than that, there is a time zone – EST.</a:t>
+            </a:r>
+            <a:endParaRPr lang="en-US" sz="2800" dirty="0">
+              <a:cs typeface="Consolas" panose="020B0609020204030204" pitchFamily="49" charset="0"/>
+            </a:endParaRPr>
+          </a:p>
+        </p:txBody>
+      </p:sp>
+      <p:sp>
+        <p:nvSpPr>
+          <p:cNvPr id="4" name="Rectangle 3"/>
+          <p:cNvSpPr/>
+          <p:nvPr/>
+        </p:nvSpPr>
+        <p:spPr>
+          <a:xfrm>
+            <a:off x="440871" y="1371600"/>
+            <a:ext cx="8169730" cy="1261884"/>
+          </a:xfrm>
+          <a:prstGeom prst="rect">
+            <a:avLst/>
+          </a:prstGeom>
+          <a:solidFill>
+            <a:schemeClr val="bg2"/>
+          </a:solidFill>
+        </p:spPr>
+        <p:txBody>
+          <a:bodyPr wrap="square">
+            <a:spAutoFit/>
+          </a:bodyPr>
+          <a:lstStyle/>
+          <a:p>
+            <a:r>
+              <a:rPr lang="en-US" sz="2800" dirty="0" err="1">
+                <a:latin typeface="Consolas" panose="020B0609020204030204" pitchFamily="49" charset="0"/>
+                <a:cs typeface="Consolas" panose="020B0609020204030204" pitchFamily="49" charset="0"/>
+              </a:rPr>
+              <a:t>System.out.println</a:t>
+            </a:r>
+            <a:r>
+              <a:rPr lang="en-US" sz="2800" dirty="0">
+                <a:latin typeface="Consolas" panose="020B0609020204030204" pitchFamily="49" charset="0"/>
+                <a:cs typeface="Consolas" panose="020B0609020204030204" pitchFamily="49" charset="0"/>
+              </a:rPr>
+              <a:t>(</a:t>
+            </a:r>
+            <a:r>
+              <a:rPr lang="en-US" sz="2800" dirty="0" err="1">
+                <a:latin typeface="Consolas" panose="020B0609020204030204" pitchFamily="49" charset="0"/>
+                <a:cs typeface="Consolas" panose="020B0609020204030204" pitchFamily="49" charset="0"/>
+              </a:rPr>
+              <a:t>dtFormat.format</a:t>
+            </a:r>
+            <a:r>
+              <a:rPr lang="en-US" sz="2800" dirty="0">
+                <a:latin typeface="Consolas" panose="020B0609020204030204" pitchFamily="49" charset="0"/>
+                <a:cs typeface="Consolas" panose="020B0609020204030204" pitchFamily="49" charset="0"/>
+              </a:rPr>
+              <a:t>(</a:t>
+            </a:r>
+            <a:r>
+              <a:rPr lang="en-US" sz="2800" b="1" dirty="0">
+                <a:latin typeface="Consolas" panose="020B0609020204030204" pitchFamily="49" charset="0"/>
+                <a:cs typeface="Consolas" panose="020B0609020204030204" pitchFamily="49" charset="0"/>
+              </a:rPr>
+              <a:t>new </a:t>
+            </a:r>
+            <a:r>
+              <a:rPr lang="en-US" sz="2800" b="1" dirty="0" err="1">
+                <a:latin typeface="Consolas" panose="020B0609020204030204" pitchFamily="49" charset="0"/>
+                <a:cs typeface="Consolas" panose="020B0609020204030204" pitchFamily="49" charset="0"/>
+              </a:rPr>
+              <a:t>GregorianCalendar</a:t>
+            </a:r>
+            <a:r>
+              <a:rPr lang="en-US" sz="2800" b="1" dirty="0">
+                <a:latin typeface="Consolas" panose="020B0609020204030204" pitchFamily="49" charset="0"/>
+                <a:cs typeface="Consolas" panose="020B0609020204030204" pitchFamily="49" charset="0"/>
+              </a:rPr>
+              <a:t>(12,12,12)</a:t>
+            </a:r>
+            <a:r>
+              <a:rPr lang="en-US" sz="2800" dirty="0">
+                <a:latin typeface="Consolas" panose="020B0609020204030204" pitchFamily="49" charset="0"/>
+                <a:cs typeface="Consolas" panose="020B0609020204030204" pitchFamily="49" charset="0"/>
+              </a:rPr>
+              <a:t>.</a:t>
+            </a:r>
+            <a:r>
+              <a:rPr lang="en-US" sz="2800" dirty="0" err="1">
+                <a:latin typeface="Consolas" panose="020B0609020204030204" pitchFamily="49" charset="0"/>
+                <a:cs typeface="Consolas" panose="020B0609020204030204" pitchFamily="49" charset="0"/>
+              </a:rPr>
+              <a:t>getTime</a:t>
+            </a:r>
+            <a:r>
+              <a:rPr lang="en-US" sz="2800" dirty="0">
+                <a:latin typeface="Consolas" panose="020B0609020204030204" pitchFamily="49" charset="0"/>
+                <a:cs typeface="Consolas" panose="020B0609020204030204" pitchFamily="49" charset="0"/>
+              </a:rPr>
+              <a:t>()));</a:t>
+            </a:r>
+          </a:p>
+          <a:p>
+            <a:r>
+              <a:rPr lang="en-US" sz="2000" dirty="0">
                 <a:solidFill>
                   <a:schemeClr val="accent3">
                     <a:lumMod val="75000"/>
@@ -3653,278 +3937,8 @@
                 <a:latin typeface="Consolas" panose="020B0609020204030204" pitchFamily="49" charset="0"/>
                 <a:cs typeface="Consolas" panose="020B0609020204030204" pitchFamily="49" charset="0"/>
               </a:rPr>
-              <a:t>Several problems here:</a:t>
-            </a:r>
-          </a:p>
-          <a:p>
-            <a:pPr marL="514350" indent="-514350">
-              <a:buFont typeface="+mj-lt"/>
-              <a:buAutoNum type="arabicPeriod"/>
-            </a:pPr>
-            <a:r>
-              <a:rPr lang="en-US" sz="2800" dirty="0" smtClean="0">
-                <a:solidFill>
-                  <a:schemeClr val="accent3">
-                    <a:lumMod val="75000"/>
-                  </a:schemeClr>
-                </a:solidFill>
-                <a:latin typeface="Consolas" panose="020B0609020204030204" pitchFamily="49" charset="0"/>
-                <a:cs typeface="Consolas" panose="020B0609020204030204" pitchFamily="49" charset="0"/>
-              </a:rPr>
-              <a:t>Which 12 is for which date field?</a:t>
-            </a:r>
-          </a:p>
-          <a:p>
-            <a:pPr marL="514350" indent="-514350">
-              <a:buFont typeface="+mj-lt"/>
-              <a:buAutoNum type="arabicPeriod"/>
-            </a:pPr>
-            <a:r>
-              <a:rPr lang="en-US" sz="2800" dirty="0" smtClean="0">
-                <a:solidFill>
-                  <a:schemeClr val="accent3">
-                    <a:lumMod val="75000"/>
-                  </a:schemeClr>
-                </a:solidFill>
-                <a:latin typeface="Consolas" panose="020B0609020204030204" pitchFamily="49" charset="0"/>
-                <a:cs typeface="Consolas" panose="020B0609020204030204" pitchFamily="49" charset="0"/>
-              </a:rPr>
-              <a:t>Month 12 </a:t>
-            </a:r>
-            <a:r>
-              <a:rPr lang="en-US" sz="2800" dirty="0">
-                <a:solidFill>
-                  <a:schemeClr val="accent3">
-                    <a:lumMod val="75000"/>
-                  </a:schemeClr>
-                </a:solidFill>
-                <a:latin typeface="Consolas" panose="020B0609020204030204" pitchFamily="49" charset="0"/>
-                <a:cs typeface="Consolas" panose="020B0609020204030204" pitchFamily="49" charset="0"/>
-              </a:rPr>
-              <a:t>should be December</a:t>
-            </a:r>
-            <a:r>
-              <a:rPr lang="en-US" sz="2800" dirty="0" smtClean="0">
-                <a:solidFill>
-                  <a:schemeClr val="accent3">
-                    <a:lumMod val="75000"/>
-                  </a:schemeClr>
-                </a:solidFill>
-                <a:latin typeface="Consolas" panose="020B0609020204030204" pitchFamily="49" charset="0"/>
-                <a:cs typeface="Consolas" panose="020B0609020204030204" pitchFamily="49" charset="0"/>
-              </a:rPr>
-              <a:t>, </a:t>
-            </a:r>
-            <a:r>
-              <a:rPr lang="en-US" sz="2800" dirty="0">
-                <a:solidFill>
-                  <a:schemeClr val="accent3">
-                    <a:lumMod val="75000"/>
-                  </a:schemeClr>
-                </a:solidFill>
-                <a:latin typeface="Consolas" panose="020B0609020204030204" pitchFamily="49" charset="0"/>
-                <a:cs typeface="Consolas" panose="020B0609020204030204" pitchFamily="49" charset="0"/>
-              </a:rPr>
-              <a:t>right? Wrong - </a:t>
-            </a:r>
-            <a:r>
-              <a:rPr lang="en-US" sz="2800" dirty="0" smtClean="0">
-                <a:solidFill>
-                  <a:schemeClr val="accent3">
-                    <a:lumMod val="75000"/>
-                  </a:schemeClr>
-                </a:solidFill>
-                <a:latin typeface="Consolas" panose="020B0609020204030204" pitchFamily="49" charset="0"/>
-                <a:cs typeface="Consolas" panose="020B0609020204030204" pitchFamily="49" charset="0"/>
-              </a:rPr>
-              <a:t>January.</a:t>
-            </a:r>
-            <a:endParaRPr lang="en-US" sz="2800" dirty="0">
-              <a:solidFill>
-                <a:schemeClr val="accent3">
-                  <a:lumMod val="75000"/>
-                </a:schemeClr>
-              </a:solidFill>
-              <a:latin typeface="Consolas" panose="020B0609020204030204" pitchFamily="49" charset="0"/>
-              <a:cs typeface="Consolas" panose="020B0609020204030204" pitchFamily="49" charset="0"/>
-            </a:endParaRPr>
-          </a:p>
-          <a:p>
-            <a:pPr marL="514350" indent="-514350">
-              <a:buFont typeface="+mj-lt"/>
-              <a:buAutoNum type="arabicPeriod"/>
-            </a:pPr>
-            <a:r>
-              <a:rPr lang="en-US" sz="2800" dirty="0" smtClean="0">
-                <a:solidFill>
-                  <a:schemeClr val="accent3">
-                    <a:lumMod val="75000"/>
-                  </a:schemeClr>
-                </a:solidFill>
-                <a:latin typeface="Consolas" panose="020B0609020204030204" pitchFamily="49" charset="0"/>
-                <a:cs typeface="Consolas" panose="020B0609020204030204" pitchFamily="49" charset="0"/>
-              </a:rPr>
-              <a:t>They got the year right! Not quite…</a:t>
-            </a:r>
-          </a:p>
-          <a:p>
-            <a:pPr marL="0" indent="0">
-              <a:buNone/>
-            </a:pPr>
-            <a:r>
-              <a:rPr lang="en-US" sz="3500" dirty="0" err="1" smtClean="0">
-                <a:latin typeface="Consolas" panose="020B0609020204030204" pitchFamily="49" charset="0"/>
-                <a:cs typeface="Consolas" panose="020B0609020204030204" pitchFamily="49" charset="0"/>
-              </a:rPr>
-              <a:t>System.out.println</a:t>
-            </a:r>
-            <a:r>
-              <a:rPr lang="en-US" sz="3500" dirty="0" smtClean="0">
-                <a:latin typeface="Consolas" panose="020B0609020204030204" pitchFamily="49" charset="0"/>
-                <a:cs typeface="Consolas" panose="020B0609020204030204" pitchFamily="49" charset="0"/>
-              </a:rPr>
-              <a:t>(</a:t>
-            </a:r>
-            <a:r>
-              <a:rPr lang="en-US" sz="3500" dirty="0" err="1" smtClean="0">
-                <a:latin typeface="Consolas" panose="020B0609020204030204" pitchFamily="49" charset="0"/>
-                <a:cs typeface="Consolas" panose="020B0609020204030204" pitchFamily="49" charset="0"/>
-              </a:rPr>
-              <a:t>dtFormat.format</a:t>
-            </a:r>
-            <a:r>
-              <a:rPr lang="en-US" sz="3500" dirty="0" smtClean="0">
-                <a:latin typeface="Consolas" panose="020B0609020204030204" pitchFamily="49" charset="0"/>
-                <a:cs typeface="Consolas" panose="020B0609020204030204" pitchFamily="49" charset="0"/>
-              </a:rPr>
-              <a:t>(</a:t>
-            </a:r>
-            <a:r>
-              <a:rPr lang="en-US" sz="3500" b="1" dirty="0" smtClean="0">
-                <a:latin typeface="Consolas" panose="020B0609020204030204" pitchFamily="49" charset="0"/>
-                <a:cs typeface="Consolas" panose="020B0609020204030204" pitchFamily="49" charset="0"/>
-              </a:rPr>
-              <a:t>new </a:t>
-            </a:r>
-            <a:r>
-              <a:rPr lang="en-US" sz="3500" b="1" dirty="0" err="1" smtClean="0">
-                <a:latin typeface="Consolas" panose="020B0609020204030204" pitchFamily="49" charset="0"/>
-                <a:cs typeface="Consolas" panose="020B0609020204030204" pitchFamily="49" charset="0"/>
-              </a:rPr>
-              <a:t>GregorianCalendar</a:t>
-            </a:r>
-            <a:r>
-              <a:rPr lang="en-US" sz="3500" b="1" dirty="0" smtClean="0">
-                <a:latin typeface="Consolas" panose="020B0609020204030204" pitchFamily="49" charset="0"/>
-                <a:cs typeface="Consolas" panose="020B0609020204030204" pitchFamily="49" charset="0"/>
-              </a:rPr>
-              <a:t>(12,12,12</a:t>
-            </a:r>
-            <a:r>
-              <a:rPr lang="en-US" sz="3500" b="1" dirty="0">
-                <a:latin typeface="Consolas" panose="020B0609020204030204" pitchFamily="49" charset="0"/>
-                <a:cs typeface="Consolas" panose="020B0609020204030204" pitchFamily="49" charset="0"/>
-              </a:rPr>
-              <a:t>)</a:t>
-            </a:r>
-            <a:r>
-              <a:rPr lang="en-US" sz="3500" dirty="0">
-                <a:latin typeface="Consolas" panose="020B0609020204030204" pitchFamily="49" charset="0"/>
-                <a:cs typeface="Consolas" panose="020B0609020204030204" pitchFamily="49" charset="0"/>
-              </a:rPr>
-              <a:t>.</a:t>
-            </a:r>
-            <a:r>
-              <a:rPr lang="en-US" sz="3500" dirty="0" err="1">
-                <a:latin typeface="Consolas" panose="020B0609020204030204" pitchFamily="49" charset="0"/>
-                <a:cs typeface="Consolas" panose="020B0609020204030204" pitchFamily="49" charset="0"/>
-              </a:rPr>
-              <a:t>getTime</a:t>
-            </a:r>
-            <a:r>
-              <a:rPr lang="en-US" sz="3500" dirty="0" smtClean="0">
-                <a:latin typeface="Consolas" panose="020B0609020204030204" pitchFamily="49" charset="0"/>
-                <a:cs typeface="Consolas" panose="020B0609020204030204" pitchFamily="49" charset="0"/>
-              </a:rPr>
-              <a:t>()));</a:t>
-            </a:r>
-          </a:p>
-          <a:p>
-            <a:pPr marL="0" indent="0">
-              <a:buNone/>
-            </a:pPr>
-            <a:r>
-              <a:rPr lang="en-US" sz="2800" dirty="0" smtClean="0">
-                <a:solidFill>
-                  <a:schemeClr val="tx2"/>
-                </a:solidFill>
-                <a:latin typeface="Consolas" panose="020B0609020204030204" pitchFamily="49" charset="0"/>
-                <a:cs typeface="Consolas" panose="020B0609020204030204" pitchFamily="49" charset="0"/>
-              </a:rPr>
-              <a:t>// </a:t>
-            </a:r>
-            <a:r>
-              <a:rPr lang="en-US" sz="2800" dirty="0">
-                <a:solidFill>
-                  <a:schemeClr val="tx2"/>
-                </a:solidFill>
-                <a:latin typeface="Consolas" panose="020B0609020204030204" pitchFamily="49" charset="0"/>
-                <a:cs typeface="Consolas" panose="020B0609020204030204" pitchFamily="49" charset="0"/>
-              </a:rPr>
-              <a:t>January 12, 0013 12:00:00 AM EST</a:t>
-            </a:r>
-            <a:endParaRPr lang="en-US" sz="2800" dirty="0" smtClean="0">
-              <a:solidFill>
-                <a:schemeClr val="tx2"/>
-              </a:solidFill>
-              <a:latin typeface="Consolas" panose="020B0609020204030204" pitchFamily="49" charset="0"/>
-              <a:cs typeface="Consolas" panose="020B0609020204030204" pitchFamily="49" charset="0"/>
-            </a:endParaRPr>
-          </a:p>
-          <a:p>
-            <a:pPr marL="514350" indent="-514350">
-              <a:buFont typeface="+mj-lt"/>
-              <a:buAutoNum type="arabicPeriod"/>
-            </a:pPr>
-            <a:r>
-              <a:rPr lang="en-US" sz="2800" dirty="0" smtClean="0">
-                <a:solidFill>
-                  <a:schemeClr val="accent3">
-                    <a:lumMod val="75000"/>
-                  </a:schemeClr>
-                </a:solidFill>
-                <a:latin typeface="Consolas" panose="020B0609020204030204" pitchFamily="49" charset="0"/>
-                <a:cs typeface="Consolas" panose="020B0609020204030204" pitchFamily="49" charset="0"/>
-              </a:rPr>
-              <a:t>Wait - there is a time in a calendar?</a:t>
-            </a:r>
-          </a:p>
-          <a:p>
-            <a:pPr marL="514350" indent="-514350">
-              <a:buFont typeface="+mj-lt"/>
-              <a:buAutoNum type="arabicPeriod"/>
-            </a:pPr>
-            <a:r>
-              <a:rPr lang="en-US" sz="2800" dirty="0" smtClean="0">
-                <a:solidFill>
-                  <a:schemeClr val="accent3">
-                    <a:lumMod val="75000"/>
-                  </a:schemeClr>
-                </a:solidFill>
-                <a:latin typeface="Consolas" panose="020B0609020204030204" pitchFamily="49" charset="0"/>
-                <a:cs typeface="Consolas" panose="020B0609020204030204" pitchFamily="49" charset="0"/>
-              </a:rPr>
-              <a:t>More than that, there is a time zone – EST.</a:t>
-            </a:r>
-            <a:endParaRPr lang="en-US" sz="2800" dirty="0">
-              <a:solidFill>
-                <a:schemeClr val="accent3">
-                  <a:lumMod val="75000"/>
-                </a:schemeClr>
-              </a:solidFill>
-              <a:latin typeface="Consolas" panose="020B0609020204030204" pitchFamily="49" charset="0"/>
-              <a:cs typeface="Consolas" panose="020B0609020204030204" pitchFamily="49" charset="0"/>
-            </a:endParaRPr>
+              <a:t>// January 12, 0013 12:00:00 AM EST</a:t>
+            </a:r>
           </a:p>
         </p:txBody>
       </p:sp>
@@ -3959,7 +3973,7 @@
                             </p:stCondLst>
                             <p:childTnLst>
                               <p:par>
-                                <p:cTn id="5" presetID="2" presetClass="entr" presetSubtype="4" fill="hold" nodeType="clickEffect">
+                                <p:cTn id="5" presetID="10" presetClass="entr" presetSubtype="0" fill="hold" nodeType="clickEffect">
                                   <p:stCondLst>
                                     <p:cond delay="0"/>
                                   </p:stCondLst>
@@ -3972,9 +3986,9 @@
                                           </p:stCondLst>
                                         </p:cTn>
                                         <p:tgtEl>
-                                          <p:spTgt spid="3">
+                                          <p:spTgt spid="4">
                                             <p:txEl>
-                                              <p:pRg st="5" end="5"/>
+                                              <p:pRg st="1" end="1"/>
                                             </p:txEl>
                                           </p:spTgt>
                                         </p:tgtEl>
@@ -3986,60 +4000,18 @@
                                         <p:strVal val="visible"/>
                                       </p:to>
                                     </p:set>
-                                    <p:anim calcmode="lin" valueType="num">
-                                      <p:cBhvr additive="base">
-                                        <p:cTn id="7" dur="500" fill="hold"/>
+                                    <p:animEffect transition="in" filter="fade">
+                                      <p:cBhvr>
+                                        <p:cTn id="7" dur="500"/>
                                         <p:tgtEl>
-                                          <p:spTgt spid="3">
+                                          <p:spTgt spid="4">
                                             <p:txEl>
-                                              <p:pRg st="5" end="5"/>
+                                              <p:pRg st="1" end="1"/>
                                             </p:txEl>
                                           </p:spTgt>
                                         </p:tgtEl>
-                                        <p:attrNameLst>
-                                          <p:attrName>ppt_x</p:attrName>
-                                        </p:attrNameLst>
                                       </p:cBhvr>
-                                      <p:tavLst>
-                                        <p:tav tm="0">
-                                          <p:val>
-                                            <p:strVal val="#ppt_x"/>
-                                          </p:val>
-                                        </p:tav>
-                                        <p:tav tm="100000">
-                                          <p:val>
-                                            <p:strVal val="#ppt_x"/>
-                                          </p:val>
-                                        </p:tav>
-                                      </p:tavLst>
-                                    </p:anim>
-                                    <p:anim calcmode="lin" valueType="num">
-                                      <p:cBhvr additive="base">
-                                        <p:cTn id="8" dur="500" fill="hold"/>
-                                        <p:tgtEl>
-                                          <p:spTgt spid="3">
-                                            <p:txEl>
-                                              <p:pRg st="5" end="5"/>
-                                            </p:txEl>
-                                          </p:spTgt>
-                                        </p:tgtEl>
-                                        <p:attrNameLst>
-                                          <p:attrName>ppt_y</p:attrName>
-                                        </p:attrNameLst>
-                                      </p:cBhvr>
-                                      <p:tavLst>
-                                        <p:tav tm="0">
-                                          <p:val>
-                                            <p:strVal val="1+#ppt_h/2"/>
-                                          </p:val>
-                                        </p:tav>
-                                        <p:tav tm="100000">
-                                          <p:val>
-                                            <p:strVal val="#ppt_y"/>
-                                          </p:val>
-                                        </p:tav>
-                                      </p:tavLst>
-                                    </p:anim>
+                                    </p:animEffect>
                                   </p:childTnLst>
                                 </p:cTn>
                               </p:par>
@@ -4050,26 +4022,26 @@
                     </p:cTn>
                   </p:par>
                   <p:par>
-                    <p:cTn id="9" fill="hold">
+                    <p:cTn id="8" fill="hold">
                       <p:stCondLst>
                         <p:cond delay="indefinite"/>
                       </p:stCondLst>
                       <p:childTnLst>
                         <p:par>
-                          <p:cTn id="10" fill="hold">
+                          <p:cTn id="9" fill="hold">
                             <p:stCondLst>
                               <p:cond delay="0"/>
                             </p:stCondLst>
                             <p:childTnLst>
                               <p:par>
-                                <p:cTn id="11" presetID="2" presetClass="entr" presetSubtype="4" fill="hold" nodeType="clickEffect">
+                                <p:cTn id="10" presetID="2" presetClass="entr" presetSubtype="4" fill="hold" nodeType="clickEffect">
                                   <p:stCondLst>
                                     <p:cond delay="0"/>
                                   </p:stCondLst>
                                   <p:childTnLst>
                                     <p:set>
                                       <p:cBhvr>
-                                        <p:cTn id="12" dur="1" fill="hold">
+                                        <p:cTn id="11" dur="1" fill="hold">
                                           <p:stCondLst>
                                             <p:cond delay="0"/>
                                           </p:stCondLst>
@@ -4091,7 +4063,7 @@
                                     </p:set>
                                     <p:anim calcmode="lin" valueType="num">
                                       <p:cBhvr additive="base">
-                                        <p:cTn id="13" dur="500" fill="hold"/>
+                                        <p:cTn id="12" dur="500" fill="hold"/>
                                         <p:tgtEl>
                                           <p:spTgt spid="3">
                                             <p:txEl>
@@ -4118,7 +4090,7 @@
                                     </p:anim>
                                     <p:anim calcmode="lin" valueType="num">
                                       <p:cBhvr additive="base">
-                                        <p:cTn id="14" dur="500" fill="hold"/>
+                                        <p:cTn id="13" dur="500" fill="hold"/>
                                         <p:tgtEl>
                                           <p:spTgt spid="3">
                                             <p:txEl>
@@ -4153,26 +4125,26 @@
                     </p:cTn>
                   </p:par>
                   <p:par>
-                    <p:cTn id="15" fill="hold">
+                    <p:cTn id="14" fill="hold">
                       <p:stCondLst>
                         <p:cond delay="indefinite"/>
                       </p:stCondLst>
                       <p:childTnLst>
                         <p:par>
-                          <p:cTn id="16" fill="hold">
+                          <p:cTn id="15" fill="hold">
                             <p:stCondLst>
                               <p:cond delay="0"/>
                             </p:stCondLst>
                             <p:childTnLst>
                               <p:par>
-                                <p:cTn id="17" presetID="2" presetClass="entr" presetSubtype="4" fill="hold" nodeType="clickEffect">
+                                <p:cTn id="16" presetID="2" presetClass="entr" presetSubtype="4" fill="hold" nodeType="clickEffect">
                                   <p:stCondLst>
                                     <p:cond delay="0"/>
                                   </p:stCondLst>
                                   <p:childTnLst>
                                     <p:set>
                                       <p:cBhvr>
-                                        <p:cTn id="18" dur="1" fill="hold">
+                                        <p:cTn id="17" dur="1" fill="hold">
                                           <p:stCondLst>
                                             <p:cond delay="0"/>
                                           </p:stCondLst>
@@ -4194,7 +4166,7 @@
                                     </p:set>
                                     <p:anim calcmode="lin" valueType="num">
                                       <p:cBhvr additive="base">
-                                        <p:cTn id="19" dur="500" fill="hold"/>
+                                        <p:cTn id="18" dur="500" fill="hold"/>
                                         <p:tgtEl>
                                           <p:spTgt spid="3">
                                             <p:txEl>
@@ -4221,7 +4193,7 @@
                                     </p:anim>
                                     <p:anim calcmode="lin" valueType="num">
                                       <p:cBhvr additive="base">
-                                        <p:cTn id="20" dur="500" fill="hold"/>
+                                        <p:cTn id="19" dur="500" fill="hold"/>
                                         <p:tgtEl>
                                           <p:spTgt spid="3">
                                             <p:txEl>
@@ -4256,26 +4228,26 @@
                     </p:cTn>
                   </p:par>
                   <p:par>
-                    <p:cTn id="21" fill="hold">
+                    <p:cTn id="20" fill="hold">
                       <p:stCondLst>
                         <p:cond delay="indefinite"/>
                       </p:stCondLst>
                       <p:childTnLst>
                         <p:par>
-                          <p:cTn id="22" fill="hold">
+                          <p:cTn id="21" fill="hold">
                             <p:stCondLst>
                               <p:cond delay="0"/>
                             </p:stCondLst>
                             <p:childTnLst>
                               <p:par>
-                                <p:cTn id="23" presetID="2" presetClass="entr" presetSubtype="4" fill="hold" nodeType="clickEffect">
+                                <p:cTn id="22" presetID="2" presetClass="entr" presetSubtype="4" fill="hold" nodeType="clickEffect">
                                   <p:stCondLst>
                                     <p:cond delay="0"/>
                                   </p:stCondLst>
                                   <p:childTnLst>
                                     <p:set>
                                       <p:cBhvr>
-                                        <p:cTn id="24" dur="1" fill="hold">
+                                        <p:cTn id="23" dur="1" fill="hold">
                                           <p:stCondLst>
                                             <p:cond delay="0"/>
                                           </p:stCondLst>
@@ -4297,7 +4269,7 @@
                                     </p:set>
                                     <p:anim calcmode="lin" valueType="num">
                                       <p:cBhvr additive="base">
-                                        <p:cTn id="25" dur="500" fill="hold"/>
+                                        <p:cTn id="24" dur="500" fill="hold"/>
                                         <p:tgtEl>
                                           <p:spTgt spid="3">
                                             <p:txEl>
@@ -4324,7 +4296,7 @@
                                     </p:anim>
                                     <p:anim calcmode="lin" valueType="num">
                                       <p:cBhvr additive="base">
-                                        <p:cTn id="26" dur="500" fill="hold"/>
+                                        <p:cTn id="25" dur="500" fill="hold"/>
                                         <p:tgtEl>
                                           <p:spTgt spid="3">
                                             <p:txEl>
@@ -4359,26 +4331,26 @@
                     </p:cTn>
                   </p:par>
                   <p:par>
-                    <p:cTn id="27" fill="hold">
+                    <p:cTn id="26" fill="hold">
                       <p:stCondLst>
                         <p:cond delay="indefinite"/>
                       </p:stCondLst>
                       <p:childTnLst>
                         <p:par>
-                          <p:cTn id="28" fill="hold">
+                          <p:cTn id="27" fill="hold">
                             <p:stCondLst>
                               <p:cond delay="0"/>
                             </p:stCondLst>
                             <p:childTnLst>
                               <p:par>
-                                <p:cTn id="29" presetID="2" presetClass="entr" presetSubtype="4" fill="hold" nodeType="clickEffect">
+                                <p:cTn id="28" presetID="2" presetClass="entr" presetSubtype="4" fill="hold" nodeType="clickEffect">
                                   <p:stCondLst>
                                     <p:cond delay="0"/>
                                   </p:stCondLst>
                                   <p:childTnLst>
                                     <p:set>
                                       <p:cBhvr>
-                                        <p:cTn id="30" dur="1" fill="hold">
+                                        <p:cTn id="29" dur="1" fill="hold">
                                           <p:stCondLst>
                                             <p:cond delay="0"/>
                                           </p:stCondLst>
@@ -4400,7 +4372,7 @@
                                     </p:set>
                                     <p:anim calcmode="lin" valueType="num">
                                       <p:cBhvr additive="base">
-                                        <p:cTn id="31" dur="500" fill="hold"/>
+                                        <p:cTn id="30" dur="500" fill="hold"/>
                                         <p:tgtEl>
                                           <p:spTgt spid="3">
                                             <p:txEl>
@@ -4427,7 +4399,7 @@
                                     </p:anim>
                                     <p:anim calcmode="lin" valueType="num">
                                       <p:cBhvr additive="base">
-                                        <p:cTn id="32" dur="500" fill="hold"/>
+                                        <p:cTn id="31" dur="500" fill="hold"/>
                                         <p:tgtEl>
                                           <p:spTgt spid="3">
                                             <p:txEl>
@@ -4462,26 +4434,26 @@
                     </p:cTn>
                   </p:par>
                   <p:par>
-                    <p:cTn id="33" fill="hold">
+                    <p:cTn id="32" fill="hold">
                       <p:stCondLst>
                         <p:cond delay="indefinite"/>
                       </p:stCondLst>
                       <p:childTnLst>
                         <p:par>
-                          <p:cTn id="34" fill="hold">
+                          <p:cTn id="33" fill="hold">
                             <p:stCondLst>
                               <p:cond delay="0"/>
                             </p:stCondLst>
                             <p:childTnLst>
                               <p:par>
-                                <p:cTn id="35" presetID="2" presetClass="entr" presetSubtype="4" fill="hold" nodeType="clickEffect">
+                                <p:cTn id="34" presetID="2" presetClass="entr" presetSubtype="4" fill="hold" nodeType="clickEffect">
                                   <p:stCondLst>
                                     <p:cond delay="0"/>
                                   </p:stCondLst>
                                   <p:childTnLst>
                                     <p:set>
                                       <p:cBhvr>
-                                        <p:cTn id="36" dur="1" fill="hold">
+                                        <p:cTn id="35" dur="1" fill="hold">
                                           <p:stCondLst>
                                             <p:cond delay="0"/>
                                           </p:stCondLst>
@@ -4489,7 +4461,7 @@
                                         <p:tgtEl>
                                           <p:spTgt spid="3">
                                             <p:txEl>
-                                              <p:pRg st="6" end="6"/>
+                                              <p:pRg st="4" end="4"/>
                                             </p:txEl>
                                           </p:spTgt>
                                         </p:tgtEl>
@@ -4503,11 +4475,11 @@
                                     </p:set>
                                     <p:anim calcmode="lin" valueType="num">
                                       <p:cBhvr additive="base">
-                                        <p:cTn id="37" dur="500" fill="hold"/>
+                                        <p:cTn id="36" dur="500" fill="hold"/>
                                         <p:tgtEl>
                                           <p:spTgt spid="3">
                                             <p:txEl>
-                                              <p:pRg st="6" end="6"/>
+                                              <p:pRg st="4" end="4"/>
                                             </p:txEl>
                                           </p:spTgt>
                                         </p:tgtEl>
@@ -4530,11 +4502,11 @@
                                     </p:anim>
                                     <p:anim calcmode="lin" valueType="num">
                                       <p:cBhvr additive="base">
-                                        <p:cTn id="38" dur="500" fill="hold"/>
+                                        <p:cTn id="37" dur="500" fill="hold"/>
                                         <p:tgtEl>
                                           <p:spTgt spid="3">
                                             <p:txEl>
-                                              <p:pRg st="6" end="6"/>
+                                              <p:pRg st="4" end="4"/>
                                             </p:txEl>
                                           </p:spTgt>
                                         </p:tgtEl>
@@ -4565,26 +4537,26 @@
                     </p:cTn>
                   </p:par>
                   <p:par>
-                    <p:cTn id="39" fill="hold">
+                    <p:cTn id="38" fill="hold">
                       <p:stCondLst>
                         <p:cond delay="indefinite"/>
                       </p:stCondLst>
                       <p:childTnLst>
                         <p:par>
-                          <p:cTn id="40" fill="hold">
+                          <p:cTn id="39" fill="hold">
                             <p:stCondLst>
                               <p:cond delay="0"/>
                             </p:stCondLst>
                             <p:childTnLst>
                               <p:par>
-                                <p:cTn id="41" presetID="2" presetClass="entr" presetSubtype="4" fill="hold" nodeType="clickEffect">
+                                <p:cTn id="40" presetID="2" presetClass="entr" presetSubtype="4" fill="hold" nodeType="clickEffect">
                                   <p:stCondLst>
                                     <p:cond delay="0"/>
                                   </p:stCondLst>
                                   <p:childTnLst>
                                     <p:set>
                                       <p:cBhvr>
-                                        <p:cTn id="42" dur="1" fill="hold">
+                                        <p:cTn id="41" dur="1" fill="hold">
                                           <p:stCondLst>
                                             <p:cond delay="0"/>
                                           </p:stCondLst>
@@ -4592,7 +4564,7 @@
                                         <p:tgtEl>
                                           <p:spTgt spid="3">
                                             <p:txEl>
-                                              <p:pRg st="7" end="7"/>
+                                              <p:pRg st="5" end="5"/>
                                             </p:txEl>
                                           </p:spTgt>
                                         </p:tgtEl>
@@ -4606,11 +4578,11 @@
                                     </p:set>
                                     <p:anim calcmode="lin" valueType="num">
                                       <p:cBhvr additive="base">
-                                        <p:cTn id="43" dur="500" fill="hold"/>
+                                        <p:cTn id="42" dur="500" fill="hold"/>
                                         <p:tgtEl>
                                           <p:spTgt spid="3">
                                             <p:txEl>
-                                              <p:pRg st="7" end="7"/>
+                                              <p:pRg st="5" end="5"/>
                                             </p:txEl>
                                           </p:spTgt>
                                         </p:tgtEl>
@@ -4633,11 +4605,11 @@
                                     </p:anim>
                                     <p:anim calcmode="lin" valueType="num">
                                       <p:cBhvr additive="base">
-                                        <p:cTn id="44" dur="500" fill="hold"/>
+                                        <p:cTn id="43" dur="500" fill="hold"/>
                                         <p:tgtEl>
                                           <p:spTgt spid="3">
                                             <p:txEl>
-                                              <p:pRg st="7" end="7"/>
+                                              <p:pRg st="5" end="5"/>
                                             </p:txEl>
                                           </p:spTgt>
                                         </p:tgtEl>
@@ -4744,10 +4716,14 @@
             <p:ph idx="1"/>
           </p:nvPr>
         </p:nvSpPr>
-        <p:spPr/>
+        <p:spPr>
+          <a:solidFill>
+            <a:schemeClr val="bg2"/>
+          </a:solidFill>
+        </p:spPr>
         <p:txBody>
           <a:bodyPr>
-            <a:normAutofit fontScale="92500" lnSpcReduction="20000"/>
+            <a:normAutofit/>
           </a:bodyPr>
           <a:lstStyle/>
           <a:p>
@@ -4755,42 +4731,42 @@
               <a:buNone/>
             </a:pPr>
             <a:r>
-              <a:rPr lang="en-US" dirty="0" err="1">
+              <a:rPr lang="en-US" sz="2800" dirty="0" err="1">
                 <a:latin typeface="Consolas" panose="020B0609020204030204" pitchFamily="49" charset="0"/>
                 <a:cs typeface="Consolas" panose="020B0609020204030204" pitchFamily="49" charset="0"/>
               </a:rPr>
               <a:t>GregorianCalendar</a:t>
             </a:r>
             <a:r>
-              <a:rPr lang="en-US" dirty="0">
+              <a:rPr lang="en-US" sz="2800" dirty="0">
                 <a:latin typeface="Consolas" panose="020B0609020204030204" pitchFamily="49" charset="0"/>
                 <a:cs typeface="Consolas" panose="020B0609020204030204" pitchFamily="49" charset="0"/>
               </a:rPr>
               <a:t> </a:t>
             </a:r>
             <a:r>
-              <a:rPr lang="en-US" dirty="0" err="1">
+              <a:rPr lang="en-US" sz="2800" dirty="0" err="1">
                 <a:latin typeface="Consolas" panose="020B0609020204030204" pitchFamily="49" charset="0"/>
                 <a:cs typeface="Consolas" panose="020B0609020204030204" pitchFamily="49" charset="0"/>
               </a:rPr>
               <a:t>calendarDate</a:t>
             </a:r>
             <a:r>
-              <a:rPr lang="en-US" dirty="0">
+              <a:rPr lang="en-US" sz="2800" dirty="0">
                 <a:latin typeface="Consolas" panose="020B0609020204030204" pitchFamily="49" charset="0"/>
                 <a:cs typeface="Consolas" panose="020B0609020204030204" pitchFamily="49" charset="0"/>
               </a:rPr>
               <a:t> = new </a:t>
             </a:r>
             <a:r>
-              <a:rPr lang="en-US" dirty="0" err="1">
+              <a:rPr lang="en-US" sz="2800" dirty="0" err="1">
                 <a:latin typeface="Consolas" panose="020B0609020204030204" pitchFamily="49" charset="0"/>
                 <a:cs typeface="Consolas" panose="020B0609020204030204" pitchFamily="49" charset="0"/>
               </a:rPr>
               <a:t>GregorianCalendar</a:t>
             </a:r>
             <a:r>
-              <a:rPr lang="en-US" dirty="0">
+              <a:rPr lang="en-US" sz="2800" dirty="0">
                 <a:latin typeface="Consolas" panose="020B0609020204030204" pitchFamily="49" charset="0"/>
                 <a:cs typeface="Consolas" panose="020B0609020204030204" pitchFamily="49" charset="0"/>
               </a:rPr>
@@ -4802,27 +4778,27 @@
               <a:buNone/>
             </a:pPr>
             <a:r>
-              <a:rPr lang="en-US" dirty="0" smtClean="0">
+              <a:rPr lang="en-US" sz="2800" dirty="0" smtClean="0">
                 <a:latin typeface="Consolas" panose="020B0609020204030204" pitchFamily="49" charset="0"/>
                 <a:cs typeface="Consolas" panose="020B0609020204030204" pitchFamily="49" charset="0"/>
               </a:rPr>
               <a:t>print(</a:t>
             </a:r>
             <a:r>
-              <a:rPr lang="en-US" dirty="0" err="1" smtClean="0">
+              <a:rPr lang="en-US" sz="2800" dirty="0" err="1" smtClean="0">
                 <a:latin typeface="Consolas" panose="020B0609020204030204" pitchFamily="49" charset="0"/>
                 <a:cs typeface="Consolas" panose="020B0609020204030204" pitchFamily="49" charset="0"/>
               </a:rPr>
               <a:t>calendarDate</a:t>
             </a:r>
             <a:r>
-              <a:rPr lang="en-US" dirty="0" smtClean="0">
+              <a:rPr lang="en-US" sz="2800" dirty="0" smtClean="0">
                 <a:latin typeface="Consolas" panose="020B0609020204030204" pitchFamily="49" charset="0"/>
                 <a:cs typeface="Consolas" panose="020B0609020204030204" pitchFamily="49" charset="0"/>
               </a:rPr>
               <a:t>);</a:t>
             </a:r>
-            <a:endParaRPr lang="en-US" dirty="0">
+            <a:endParaRPr lang="en-US" sz="2800" dirty="0">
               <a:latin typeface="Consolas" panose="020B0609020204030204" pitchFamily="49" charset="0"/>
               <a:cs typeface="Consolas" panose="020B0609020204030204" pitchFamily="49" charset="0"/>
             </a:endParaRPr>
@@ -4832,7 +4808,7 @@
               <a:buNone/>
             </a:pPr>
             <a:r>
-              <a:rPr lang="en-US" sz="2600" dirty="0">
+              <a:rPr lang="en-US" sz="2000" dirty="0">
                 <a:solidFill>
                   <a:schemeClr val="accent3">
                     <a:lumMod val="50000"/>
@@ -4848,7 +4824,7 @@
             <a:pPr marL="0" indent="0">
               <a:buNone/>
             </a:pPr>
-            <a:endParaRPr lang="en-US" sz="2600" dirty="0">
+            <a:endParaRPr lang="en-US" sz="2000" dirty="0">
               <a:latin typeface="Consolas" panose="020B0609020204030204" pitchFamily="49" charset="0"/>
               <a:cs typeface="Consolas" panose="020B0609020204030204" pitchFamily="49" charset="0"/>
             </a:endParaRPr>
@@ -4858,7 +4834,7 @@
               <a:buNone/>
             </a:pPr>
             <a:r>
-              <a:rPr lang="en-US" sz="2600" dirty="0">
+              <a:rPr lang="en-US" sz="2000" dirty="0">
                 <a:solidFill>
                   <a:schemeClr val="accent3">
                     <a:lumMod val="50000"/>
@@ -4870,7 +4846,7 @@
               <a:t>// Transfer to another </a:t>
             </a:r>
             <a:r>
-              <a:rPr lang="en-US" sz="2600" dirty="0" smtClean="0">
+              <a:rPr lang="en-US" sz="2000" dirty="0" smtClean="0">
                 <a:solidFill>
                   <a:schemeClr val="accent3">
                     <a:lumMod val="50000"/>
@@ -4881,7 +4857,7 @@
               </a:rPr>
               <a:t>time zone</a:t>
             </a:r>
-            <a:endParaRPr lang="en-US" sz="2600" dirty="0">
+            <a:endParaRPr lang="en-US" sz="2000" dirty="0">
               <a:solidFill>
                 <a:schemeClr val="accent3">
                   <a:lumMod val="50000"/>
@@ -4896,21 +4872,21 @@
               <a:buNone/>
             </a:pPr>
             <a:r>
-              <a:rPr lang="en-US" dirty="0" smtClean="0">
+              <a:rPr lang="en-US" sz="2800" dirty="0" smtClean="0">
                 <a:latin typeface="Consolas" panose="020B0609020204030204" pitchFamily="49" charset="0"/>
                 <a:cs typeface="Consolas" panose="020B0609020204030204" pitchFamily="49" charset="0"/>
               </a:rPr>
               <a:t>time </a:t>
             </a:r>
             <a:r>
-              <a:rPr lang="en-US" dirty="0" err="1" smtClean="0">
+              <a:rPr lang="en-US" sz="2800" dirty="0" err="1" smtClean="0">
                 <a:latin typeface="Consolas" panose="020B0609020204030204" pitchFamily="49" charset="0"/>
                 <a:cs typeface="Consolas" panose="020B0609020204030204" pitchFamily="49" charset="0"/>
               </a:rPr>
               <a:t>zone.setDefault</a:t>
             </a:r>
             <a:r>
-              <a:rPr lang="en-US" dirty="0" smtClean="0">
+              <a:rPr lang="en-US" sz="2800" dirty="0" smtClean="0">
                 <a:latin typeface="Consolas" panose="020B0609020204030204" pitchFamily="49" charset="0"/>
                 <a:cs typeface="Consolas" panose="020B0609020204030204" pitchFamily="49" charset="0"/>
               </a:rPr>
@@ -4922,28 +4898,28 @@
               <a:buNone/>
             </a:pPr>
             <a:r>
-              <a:rPr lang="en-US" dirty="0" smtClean="0">
+              <a:rPr lang="en-US" sz="2800" dirty="0" smtClean="0">
                 <a:latin typeface="Consolas" panose="020B0609020204030204" pitchFamily="49" charset="0"/>
                 <a:cs typeface="Consolas" panose="020B0609020204030204" pitchFamily="49" charset="0"/>
               </a:rPr>
               <a:t>.</a:t>
             </a:r>
             <a:r>
-              <a:rPr lang="en-US" dirty="0" err="1" smtClean="0">
+              <a:rPr lang="en-US" sz="2800" dirty="0" err="1" smtClean="0">
                 <a:latin typeface="Consolas" panose="020B0609020204030204" pitchFamily="49" charset="0"/>
                 <a:cs typeface="Consolas" panose="020B0609020204030204" pitchFamily="49" charset="0"/>
               </a:rPr>
               <a:t>gettime</a:t>
             </a:r>
             <a:r>
-              <a:rPr lang="en-US" dirty="0" smtClean="0">
+              <a:rPr lang="en-US" sz="2800" dirty="0" smtClean="0">
                 <a:latin typeface="Consolas" panose="020B0609020204030204" pitchFamily="49" charset="0"/>
                 <a:cs typeface="Consolas" panose="020B0609020204030204" pitchFamily="49" charset="0"/>
               </a:rPr>
               <a:t> zone("</a:t>
             </a:r>
             <a:r>
-              <a:rPr lang="en-US" dirty="0">
+              <a:rPr lang="en-US" sz="2800" dirty="0">
                 <a:latin typeface="Consolas" panose="020B0609020204030204" pitchFamily="49" charset="0"/>
                 <a:cs typeface="Consolas" panose="020B0609020204030204" pitchFamily="49" charset="0"/>
               </a:rPr>
@@ -4955,21 +4931,21 @@
               <a:buNone/>
             </a:pPr>
             <a:r>
-              <a:rPr lang="en-US" dirty="0">
+              <a:rPr lang="en-US" sz="2800" dirty="0">
                 <a:latin typeface="Consolas" panose="020B0609020204030204" pitchFamily="49" charset="0"/>
                 <a:cs typeface="Consolas" panose="020B0609020204030204" pitchFamily="49" charset="0"/>
               </a:rPr>
               <a:t>print(</a:t>
             </a:r>
             <a:r>
-              <a:rPr lang="en-US" dirty="0" err="1">
+              <a:rPr lang="en-US" sz="2800" dirty="0" err="1">
                 <a:latin typeface="Consolas" panose="020B0609020204030204" pitchFamily="49" charset="0"/>
                 <a:cs typeface="Consolas" panose="020B0609020204030204" pitchFamily="49" charset="0"/>
               </a:rPr>
               <a:t>calendarDate</a:t>
             </a:r>
             <a:r>
-              <a:rPr lang="en-US" dirty="0">
+              <a:rPr lang="en-US" sz="2800" dirty="0">
                 <a:latin typeface="Consolas" panose="020B0609020204030204" pitchFamily="49" charset="0"/>
                 <a:cs typeface="Consolas" panose="020B0609020204030204" pitchFamily="49" charset="0"/>
               </a:rPr>
@@ -4981,7 +4957,7 @@
               <a:buNone/>
             </a:pPr>
             <a:r>
-              <a:rPr lang="en-US" sz="2600" dirty="0">
+              <a:rPr lang="en-US" sz="2000" dirty="0">
                 <a:solidFill>
                   <a:schemeClr val="accent3">
                     <a:lumMod val="50000"/>
@@ -5068,7 +5044,7 @@
         <p:spPr/>
         <p:txBody>
           <a:bodyPr>
-            <a:normAutofit/>
+            <a:noAutofit/>
           </a:bodyPr>
           <a:lstStyle/>
           <a:p>
@@ -5101,35 +5077,27 @@
           <a:p>
             <a:r>
               <a:rPr lang="en-US" sz="3000" dirty="0" smtClean="0"/>
-              <a:t>Release of version 1.0 of </a:t>
+              <a:t>Release of </a:t>
             </a:r>
             <a:r>
               <a:rPr lang="en-US" sz="3000" dirty="0" err="1" smtClean="0"/>
               <a:t>Joda</a:t>
             </a:r>
             <a:r>
-              <a:rPr lang="en-US" sz="3000" dirty="0"/>
-              <a:t>-</a:t>
-            </a:r>
-            <a:r>
               <a:rPr lang="en-US" sz="3000" dirty="0" smtClean="0"/>
-              <a:t>Time in 2005</a:t>
+              <a:t>-Time 1.0 in 2005</a:t>
             </a:r>
           </a:p>
           <a:p>
             <a:r>
               <a:rPr lang="en-US" sz="3000" dirty="0" smtClean="0"/>
-              <a:t>Petition for including this in Java, in JSR 310 in 2007</a:t>
-            </a:r>
-          </a:p>
-          <a:p>
-            <a:r>
-              <a:rPr lang="en-US" sz="3000" dirty="0"/>
-              <a:t>Release of version </a:t>
-            </a:r>
+              <a:t>JSR 310 in 2007, for inclusion in Java</a:t>
+            </a:r>
+          </a:p>
+          <a:p>
             <a:r>
               <a:rPr lang="en-US" sz="3000" dirty="0" smtClean="0"/>
-              <a:t>2.0 </a:t>
+              <a:t>Release </a:t>
             </a:r>
             <a:r>
               <a:rPr lang="en-US" sz="3000" dirty="0"/>
@@ -5141,15 +5109,7 @@
             </a:r>
             <a:r>
               <a:rPr lang="en-US" sz="3000" dirty="0" smtClean="0"/>
-              <a:t>-Time </a:t>
-            </a:r>
-            <a:r>
-              <a:rPr lang="en-US" sz="3000" dirty="0"/>
-              <a:t>in </a:t>
-            </a:r>
-            <a:r>
-              <a:rPr lang="en-US" sz="3000" dirty="0" smtClean="0"/>
-              <a:t>2011</a:t>
+              <a:t>-Time 2.0 in 2011</a:t>
             </a:r>
             <a:endParaRPr lang="en-US" sz="3000" dirty="0"/>
           </a:p>
@@ -5211,7 +5171,9 @@
         </p:nvSpPr>
         <p:spPr/>
         <p:txBody>
-          <a:bodyPr/>
+          <a:bodyPr>
+            <a:normAutofit/>
+          </a:bodyPr>
           <a:lstStyle/>
           <a:p>
             <a:r>
@@ -5232,10 +5194,15 @@
             <p:ph idx="1"/>
           </p:nvPr>
         </p:nvSpPr>
-        <p:spPr/>
+        <p:spPr>
+          <a:xfrm>
+            <a:off x="457200" y="2514600"/>
+            <a:ext cx="8229600" cy="3611563"/>
+          </a:xfrm>
+        </p:spPr>
         <p:txBody>
           <a:bodyPr>
-            <a:normAutofit fontScale="92500" lnSpcReduction="10000"/>
+            <a:noAutofit/>
           </a:bodyPr>
           <a:lstStyle/>
           <a:p>
@@ -5243,7 +5210,167 @@
               <a:buNone/>
             </a:pPr>
             <a:r>
+              <a:rPr lang="en-US" sz="3000" dirty="0" smtClean="0">
+                <a:cs typeface="Consolas" panose="020B0609020204030204" pitchFamily="49" charset="0"/>
+              </a:rPr>
+              <a:t>No problems here:</a:t>
+            </a:r>
+          </a:p>
+          <a:p>
+            <a:pPr marL="514350" indent="-514350">
+              <a:buFont typeface="+mj-lt"/>
+              <a:buAutoNum type="arabicPeriod"/>
+            </a:pPr>
+            <a:r>
+              <a:rPr lang="en-US" sz="3000" dirty="0">
+                <a:cs typeface="Consolas" panose="020B0609020204030204" pitchFamily="49" charset="0"/>
+              </a:rPr>
+              <a:t>ISO 8601 order </a:t>
+            </a:r>
+            <a:r>
+              <a:rPr lang="en-US" sz="3000" dirty="0" smtClean="0">
+                <a:cs typeface="Consolas" panose="020B0609020204030204" pitchFamily="49" charset="0"/>
+              </a:rPr>
+              <a:t>of fields - </a:t>
+            </a:r>
+            <a:r>
+              <a:rPr lang="en-US" sz="3000" dirty="0">
+                <a:cs typeface="Consolas" panose="020B0609020204030204" pitchFamily="49" charset="0"/>
+              </a:rPr>
+              <a:t>year, month, </a:t>
+            </a:r>
+            <a:r>
+              <a:rPr lang="en-US" sz="3000" dirty="0" smtClean="0">
+                <a:cs typeface="Consolas" panose="020B0609020204030204" pitchFamily="49" charset="0"/>
+              </a:rPr>
+              <a:t>day.</a:t>
+            </a:r>
+          </a:p>
+          <a:p>
+            <a:pPr marL="514350" indent="-514350">
+              <a:buFont typeface="+mj-lt"/>
+              <a:buAutoNum type="arabicPeriod"/>
+            </a:pPr>
+            <a:r>
+              <a:rPr lang="en-US" sz="3000" dirty="0" smtClean="0">
+                <a:cs typeface="Consolas" panose="020B0609020204030204" pitchFamily="49" charset="0"/>
+              </a:rPr>
+              <a:t>Month 12 is December.</a:t>
+            </a:r>
+          </a:p>
+          <a:p>
+            <a:pPr marL="514350" indent="-514350">
+              <a:buFont typeface="+mj-lt"/>
+              <a:buAutoNum type="arabicPeriod"/>
+            </a:pPr>
+            <a:r>
+              <a:rPr lang="en-US" sz="3000" dirty="0" smtClean="0">
+                <a:cs typeface="Consolas" panose="020B0609020204030204" pitchFamily="49" charset="0"/>
+              </a:rPr>
+              <a:t>Year is 12 AD.</a:t>
+            </a:r>
+          </a:p>
+          <a:p>
+            <a:pPr marL="514350" indent="-514350">
+              <a:buFont typeface="+mj-lt"/>
+              <a:buAutoNum type="arabicPeriod"/>
+            </a:pPr>
+            <a:r>
+              <a:rPr lang="en-US" sz="3000" dirty="0" smtClean="0">
+                <a:cs typeface="Consolas" panose="020B0609020204030204" pitchFamily="49" charset="0"/>
+              </a:rPr>
+              <a:t>No time component.</a:t>
+            </a:r>
+          </a:p>
+          <a:p>
+            <a:pPr marL="514350" indent="-514350">
+              <a:buFont typeface="+mj-lt"/>
+              <a:buAutoNum type="arabicPeriod"/>
+            </a:pPr>
+            <a:r>
+              <a:rPr lang="en-US" sz="3000" dirty="0" smtClean="0">
+                <a:cs typeface="Consolas" panose="020B0609020204030204" pitchFamily="49" charset="0"/>
+              </a:rPr>
+              <a:t>No time zone component.</a:t>
+            </a:r>
+            <a:endParaRPr lang="en-US" sz="3000" dirty="0">
+              <a:cs typeface="Consolas" panose="020B0609020204030204" pitchFamily="49" charset="0"/>
+            </a:endParaRPr>
+          </a:p>
+        </p:txBody>
+      </p:sp>
+      <p:sp>
+        <p:nvSpPr>
+          <p:cNvPr id="4" name="Rectangle 3"/>
+          <p:cNvSpPr/>
+          <p:nvPr/>
+        </p:nvSpPr>
+        <p:spPr>
+          <a:xfrm>
+            <a:off x="457200" y="1143000"/>
+            <a:ext cx="8153400" cy="1323439"/>
+          </a:xfrm>
+          <a:prstGeom prst="rect">
+            <a:avLst/>
+          </a:prstGeom>
+          <a:solidFill>
+            <a:schemeClr val="bg2"/>
+          </a:solidFill>
+        </p:spPr>
+        <p:txBody>
+          <a:bodyPr wrap="square">
+            <a:spAutoFit/>
+          </a:bodyPr>
+          <a:lstStyle/>
+          <a:p>
+            <a:r>
+              <a:rPr lang="en-US" sz="2800" dirty="0" err="1">
+                <a:latin typeface="Consolas" panose="020B0609020204030204" pitchFamily="49" charset="0"/>
+                <a:cs typeface="Consolas" panose="020B0609020204030204" pitchFamily="49" charset="0"/>
+              </a:rPr>
+              <a:t>System.out.println</a:t>
+            </a:r>
+            <a:r>
               <a:rPr lang="en-US" sz="2800" dirty="0" smtClean="0">
+                <a:latin typeface="Consolas" panose="020B0609020204030204" pitchFamily="49" charset="0"/>
+                <a:cs typeface="Consolas" panose="020B0609020204030204" pitchFamily="49" charset="0"/>
+              </a:rPr>
+              <a:t>(</a:t>
+            </a:r>
+          </a:p>
+          <a:p>
+            <a:r>
+              <a:rPr lang="en-US" sz="2800" b="1" dirty="0" err="1" smtClean="0">
+                <a:latin typeface="Consolas" panose="020B0609020204030204" pitchFamily="49" charset="0"/>
+                <a:cs typeface="Consolas" panose="020B0609020204030204" pitchFamily="49" charset="0"/>
+              </a:rPr>
+              <a:t>LocalDate.of</a:t>
+            </a:r>
+            <a:r>
+              <a:rPr lang="en-US" sz="2800" b="1" dirty="0" smtClean="0">
+                <a:latin typeface="Consolas" panose="020B0609020204030204" pitchFamily="49" charset="0"/>
+                <a:cs typeface="Consolas" panose="020B0609020204030204" pitchFamily="49" charset="0"/>
+              </a:rPr>
+              <a:t>(12</a:t>
+            </a:r>
+            <a:r>
+              <a:rPr lang="en-US" sz="2800" b="1" dirty="0">
+                <a:latin typeface="Consolas" panose="020B0609020204030204" pitchFamily="49" charset="0"/>
+                <a:cs typeface="Consolas" panose="020B0609020204030204" pitchFamily="49" charset="0"/>
+              </a:rPr>
+              <a:t>, 12, 12)</a:t>
+            </a:r>
+            <a:r>
+              <a:rPr lang="en-US" sz="2800" dirty="0">
+                <a:latin typeface="Consolas" panose="020B0609020204030204" pitchFamily="49" charset="0"/>
+                <a:cs typeface="Consolas" panose="020B0609020204030204" pitchFamily="49" charset="0"/>
+              </a:rPr>
+              <a:t>);</a:t>
+            </a:r>
+          </a:p>
+          <a:p>
+            <a:r>
+              <a:rPr lang="en-US" sz="2400" dirty="0">
                 <a:solidFill>
                   <a:schemeClr val="accent3">
                     <a:lumMod val="75000"/>
@@ -5252,209 +5379,8 @@
                 <a:latin typeface="Consolas" panose="020B0609020204030204" pitchFamily="49" charset="0"/>
                 <a:cs typeface="Consolas" panose="020B0609020204030204" pitchFamily="49" charset="0"/>
               </a:rPr>
-              <a:t>No problems here:</a:t>
-            </a:r>
-          </a:p>
-          <a:p>
-            <a:pPr marL="514350" indent="-514350">
-              <a:buFont typeface="+mj-lt"/>
-              <a:buAutoNum type="arabicPeriod"/>
-            </a:pPr>
-            <a:r>
-              <a:rPr lang="en-US" sz="2800" dirty="0">
-                <a:solidFill>
-                  <a:schemeClr val="accent3">
-                    <a:lumMod val="75000"/>
-                  </a:schemeClr>
-                </a:solidFill>
-                <a:latin typeface="Consolas" panose="020B0609020204030204" pitchFamily="49" charset="0"/>
-                <a:cs typeface="Consolas" panose="020B0609020204030204" pitchFamily="49" charset="0"/>
-              </a:rPr>
-              <a:t>ISO 8601 order </a:t>
-            </a:r>
-            <a:r>
-              <a:rPr lang="en-US" sz="2800" dirty="0" smtClean="0">
-                <a:solidFill>
-                  <a:schemeClr val="accent3">
-                    <a:lumMod val="75000"/>
-                  </a:schemeClr>
-                </a:solidFill>
-                <a:latin typeface="Consolas" panose="020B0609020204030204" pitchFamily="49" charset="0"/>
-                <a:cs typeface="Consolas" panose="020B0609020204030204" pitchFamily="49" charset="0"/>
-              </a:rPr>
-              <a:t>of fields - </a:t>
-            </a:r>
-            <a:r>
-              <a:rPr lang="en-US" sz="2800" dirty="0">
-                <a:solidFill>
-                  <a:schemeClr val="accent3">
-                    <a:lumMod val="75000"/>
-                  </a:schemeClr>
-                </a:solidFill>
-                <a:latin typeface="Consolas" panose="020B0609020204030204" pitchFamily="49" charset="0"/>
-                <a:cs typeface="Consolas" panose="020B0609020204030204" pitchFamily="49" charset="0"/>
-              </a:rPr>
-              <a:t>year, month, </a:t>
-            </a:r>
-            <a:r>
-              <a:rPr lang="en-US" sz="2800" dirty="0" smtClean="0">
-                <a:solidFill>
-                  <a:schemeClr val="accent3">
-                    <a:lumMod val="75000"/>
-                  </a:schemeClr>
-                </a:solidFill>
-                <a:latin typeface="Consolas" panose="020B0609020204030204" pitchFamily="49" charset="0"/>
-                <a:cs typeface="Consolas" panose="020B0609020204030204" pitchFamily="49" charset="0"/>
-              </a:rPr>
-              <a:t>day.</a:t>
-            </a:r>
-          </a:p>
-          <a:p>
-            <a:pPr marL="514350" indent="-514350">
-              <a:buFont typeface="+mj-lt"/>
-              <a:buAutoNum type="arabicPeriod"/>
-            </a:pPr>
-            <a:r>
-              <a:rPr lang="en-US" sz="2800" dirty="0" smtClean="0">
-                <a:solidFill>
-                  <a:schemeClr val="accent3">
-                    <a:lumMod val="75000"/>
-                  </a:schemeClr>
-                </a:solidFill>
-                <a:latin typeface="Consolas" panose="020B0609020204030204" pitchFamily="49" charset="0"/>
-                <a:cs typeface="Consolas" panose="020B0609020204030204" pitchFamily="49" charset="0"/>
-              </a:rPr>
-              <a:t>Month 12 is December.</a:t>
-            </a:r>
-          </a:p>
-          <a:p>
-            <a:pPr marL="514350" indent="-514350">
-              <a:buFont typeface="+mj-lt"/>
-              <a:buAutoNum type="arabicPeriod"/>
-            </a:pPr>
-            <a:r>
-              <a:rPr lang="en-US" sz="2800" dirty="0" smtClean="0">
-                <a:solidFill>
-                  <a:schemeClr val="accent3">
-                    <a:lumMod val="75000"/>
-                  </a:schemeClr>
-                </a:solidFill>
-                <a:latin typeface="Consolas" panose="020B0609020204030204" pitchFamily="49" charset="0"/>
-                <a:cs typeface="Consolas" panose="020B0609020204030204" pitchFamily="49" charset="0"/>
-              </a:rPr>
-              <a:t>Year is 12 AD.</a:t>
-            </a:r>
-          </a:p>
-          <a:p>
-            <a:pPr marL="0" indent="0">
-              <a:buNone/>
-            </a:pPr>
-            <a:r>
-              <a:rPr lang="en-US" dirty="0" err="1" smtClean="0">
-                <a:latin typeface="Consolas" panose="020B0609020204030204" pitchFamily="49" charset="0"/>
-                <a:cs typeface="Consolas" panose="020B0609020204030204" pitchFamily="49" charset="0"/>
-              </a:rPr>
-              <a:t>System.out.println</a:t>
-            </a:r>
-            <a:r>
-              <a:rPr lang="en-US" dirty="0" smtClean="0">
-                <a:latin typeface="Consolas" panose="020B0609020204030204" pitchFamily="49" charset="0"/>
-                <a:cs typeface="Consolas" panose="020B0609020204030204" pitchFamily="49" charset="0"/>
-              </a:rPr>
-              <a:t>(</a:t>
-            </a:r>
-            <a:r>
-              <a:rPr lang="en-US" b="1" dirty="0" err="1" smtClean="0">
-                <a:latin typeface="Consolas" panose="020B0609020204030204" pitchFamily="49" charset="0"/>
-                <a:cs typeface="Consolas" panose="020B0609020204030204" pitchFamily="49" charset="0"/>
-              </a:rPr>
-              <a:t>LocalDate.of</a:t>
-            </a:r>
-            <a:r>
-              <a:rPr lang="en-US" b="1" dirty="0" smtClean="0">
-                <a:latin typeface="Consolas" panose="020B0609020204030204" pitchFamily="49" charset="0"/>
-                <a:cs typeface="Consolas" panose="020B0609020204030204" pitchFamily="49" charset="0"/>
-              </a:rPr>
-              <a:t>(12</a:t>
-            </a:r>
-            <a:r>
-              <a:rPr lang="en-US" b="1" dirty="0">
-                <a:latin typeface="Consolas" panose="020B0609020204030204" pitchFamily="49" charset="0"/>
-                <a:cs typeface="Consolas" panose="020B0609020204030204" pitchFamily="49" charset="0"/>
-              </a:rPr>
-              <a:t>, 12, 12)</a:t>
-            </a:r>
-            <a:r>
-              <a:rPr lang="en-US" dirty="0">
-                <a:latin typeface="Consolas" panose="020B0609020204030204" pitchFamily="49" charset="0"/>
-                <a:cs typeface="Consolas" panose="020B0609020204030204" pitchFamily="49" charset="0"/>
-              </a:rPr>
-              <a:t>);</a:t>
-            </a:r>
-            <a:endParaRPr lang="en-US" dirty="0" smtClean="0">
-              <a:latin typeface="Consolas" panose="020B0609020204030204" pitchFamily="49" charset="0"/>
-              <a:cs typeface="Consolas" panose="020B0609020204030204" pitchFamily="49" charset="0"/>
-            </a:endParaRPr>
-          </a:p>
-          <a:p>
-            <a:pPr marL="0" indent="0">
-              <a:buNone/>
-            </a:pPr>
-            <a:r>
-              <a:rPr lang="en-US" sz="2800" dirty="0" smtClean="0">
-                <a:solidFill>
-                  <a:schemeClr val="tx2"/>
-                </a:solidFill>
-                <a:latin typeface="Consolas" panose="020B0609020204030204" pitchFamily="49" charset="0"/>
-                <a:cs typeface="Consolas" panose="020B0609020204030204" pitchFamily="49" charset="0"/>
-              </a:rPr>
               <a:t>// 0012-12-12</a:t>
             </a:r>
-          </a:p>
-          <a:p>
-            <a:pPr marL="514350" indent="-514350">
-              <a:buFont typeface="+mj-lt"/>
-              <a:buAutoNum type="arabicPeriod"/>
-            </a:pPr>
-            <a:r>
-              <a:rPr lang="en-US" sz="2800" dirty="0" smtClean="0">
-                <a:solidFill>
-                  <a:schemeClr val="accent3">
-                    <a:lumMod val="75000"/>
-                  </a:schemeClr>
-                </a:solidFill>
-                <a:latin typeface="Consolas" panose="020B0609020204030204" pitchFamily="49" charset="0"/>
-                <a:cs typeface="Consolas" panose="020B0609020204030204" pitchFamily="49" charset="0"/>
-              </a:rPr>
-              <a:t>No time component.</a:t>
-            </a:r>
-          </a:p>
-          <a:p>
-            <a:pPr marL="514350" indent="-514350">
-              <a:buFont typeface="+mj-lt"/>
-              <a:buAutoNum type="arabicPeriod"/>
-            </a:pPr>
-            <a:r>
-              <a:rPr lang="en-US" sz="2800" dirty="0" smtClean="0">
-                <a:solidFill>
-                  <a:schemeClr val="accent3">
-                    <a:lumMod val="75000"/>
-                  </a:schemeClr>
-                </a:solidFill>
-                <a:latin typeface="Consolas" panose="020B0609020204030204" pitchFamily="49" charset="0"/>
-                <a:cs typeface="Consolas" panose="020B0609020204030204" pitchFamily="49" charset="0"/>
-              </a:rPr>
-              <a:t>No time zone component.</a:t>
-            </a:r>
-            <a:endParaRPr lang="en-US" sz="2800" dirty="0">
-              <a:solidFill>
-                <a:schemeClr val="accent3">
-                  <a:lumMod val="75000"/>
-                </a:schemeClr>
-              </a:solidFill>
-              <a:latin typeface="Consolas" panose="020B0609020204030204" pitchFamily="49" charset="0"/>
-              <a:cs typeface="Consolas" panose="020B0609020204030204" pitchFamily="49" charset="0"/>
-            </a:endParaRPr>
           </a:p>
         </p:txBody>
       </p:sp>
@@ -5489,7 +5415,7 @@
                             </p:stCondLst>
                             <p:childTnLst>
                               <p:par>
-                                <p:cTn id="5" presetID="2" presetClass="entr" presetSubtype="4" fill="hold" nodeType="clickEffect">
+                                <p:cTn id="5" presetID="10" presetClass="entr" presetSubtype="0" fill="hold" nodeType="clickEffect">
                                   <p:stCondLst>
                                     <p:cond delay="0"/>
                                   </p:stCondLst>
@@ -5502,9 +5428,9 @@
                                           </p:stCondLst>
                                         </p:cTn>
                                         <p:tgtEl>
-                                          <p:spTgt spid="3">
+                                          <p:spTgt spid="4">
                                             <p:txEl>
-                                              <p:pRg st="5" end="5"/>
+                                              <p:pRg st="2" end="2"/>
                                             </p:txEl>
                                           </p:spTgt>
                                         </p:tgtEl>
@@ -5516,60 +5442,18 @@
                                         <p:strVal val="visible"/>
                                       </p:to>
                                     </p:set>
-                                    <p:anim calcmode="lin" valueType="num">
-                                      <p:cBhvr additive="base">
-                                        <p:cTn id="7" dur="500" fill="hold"/>
+                                    <p:animEffect transition="in" filter="fade">
+                                      <p:cBhvr>
+                                        <p:cTn id="7" dur="500"/>
                                         <p:tgtEl>
-                                          <p:spTgt spid="3">
+                                          <p:spTgt spid="4">
                                             <p:txEl>
-                                              <p:pRg st="5" end="5"/>
+                                              <p:pRg st="2" end="2"/>
                                             </p:txEl>
                                           </p:spTgt>
                                         </p:tgtEl>
-                                        <p:attrNameLst>
-                                          <p:attrName>ppt_x</p:attrName>
-                                        </p:attrNameLst>
                                       </p:cBhvr>
-                                      <p:tavLst>
-                                        <p:tav tm="0">
-                                          <p:val>
-                                            <p:strVal val="#ppt_x"/>
-                                          </p:val>
-                                        </p:tav>
-                                        <p:tav tm="100000">
-                                          <p:val>
-                                            <p:strVal val="#ppt_x"/>
-                                          </p:val>
-                                        </p:tav>
-                                      </p:tavLst>
-                                    </p:anim>
-                                    <p:anim calcmode="lin" valueType="num">
-                                      <p:cBhvr additive="base">
-                                        <p:cTn id="8" dur="500" fill="hold"/>
-                                        <p:tgtEl>
-                                          <p:spTgt spid="3">
-                                            <p:txEl>
-                                              <p:pRg st="5" end="5"/>
-                                            </p:txEl>
-                                          </p:spTgt>
-                                        </p:tgtEl>
-                                        <p:attrNameLst>
-                                          <p:attrName>ppt_y</p:attrName>
-                                        </p:attrNameLst>
-                                      </p:cBhvr>
-                                      <p:tavLst>
-                                        <p:tav tm="0">
-                                          <p:val>
-                                            <p:strVal val="1+#ppt_h/2"/>
-                                          </p:val>
-                                        </p:tav>
-                                        <p:tav tm="100000">
-                                          <p:val>
-                                            <p:strVal val="#ppt_y"/>
-                                          </p:val>
-                                        </p:tav>
-                                      </p:tavLst>
-                                    </p:anim>
+                                    </p:animEffect>
                                   </p:childTnLst>
                                 </p:cTn>
                               </p:par>
@@ -5580,26 +5464,26 @@
                     </p:cTn>
                   </p:par>
                   <p:par>
-                    <p:cTn id="9" fill="hold">
+                    <p:cTn id="8" fill="hold">
                       <p:stCondLst>
                         <p:cond delay="indefinite"/>
                       </p:stCondLst>
                       <p:childTnLst>
                         <p:par>
-                          <p:cTn id="10" fill="hold">
+                          <p:cTn id="9" fill="hold">
                             <p:stCondLst>
                               <p:cond delay="0"/>
                             </p:stCondLst>
                             <p:childTnLst>
                               <p:par>
-                                <p:cTn id="11" presetID="2" presetClass="entr" presetSubtype="4" fill="hold" nodeType="clickEffect">
+                                <p:cTn id="10" presetID="2" presetClass="entr" presetSubtype="4" fill="hold" nodeType="clickEffect">
                                   <p:stCondLst>
                                     <p:cond delay="0"/>
                                   </p:stCondLst>
                                   <p:childTnLst>
                                     <p:set>
                                       <p:cBhvr>
-                                        <p:cTn id="12" dur="1" fill="hold">
+                                        <p:cTn id="11" dur="1" fill="hold">
                                           <p:stCondLst>
                                             <p:cond delay="0"/>
                                           </p:stCondLst>
@@ -5621,7 +5505,7 @@
                                     </p:set>
                                     <p:anim calcmode="lin" valueType="num">
                                       <p:cBhvr additive="base">
-                                        <p:cTn id="13" dur="500" fill="hold"/>
+                                        <p:cTn id="12" dur="500" fill="hold"/>
                                         <p:tgtEl>
                                           <p:spTgt spid="3">
                                             <p:txEl>
@@ -5648,7 +5532,7 @@
                                     </p:anim>
                                     <p:anim calcmode="lin" valueType="num">
                                       <p:cBhvr additive="base">
-                                        <p:cTn id="14" dur="500" fill="hold"/>
+                                        <p:cTn id="13" dur="500" fill="hold"/>
                                         <p:tgtEl>
                                           <p:spTgt spid="3">
                                             <p:txEl>
@@ -5683,26 +5567,26 @@
                     </p:cTn>
                   </p:par>
                   <p:par>
-                    <p:cTn id="15" fill="hold">
+                    <p:cTn id="14" fill="hold">
                       <p:stCondLst>
                         <p:cond delay="indefinite"/>
                       </p:stCondLst>
                       <p:childTnLst>
                         <p:par>
-                          <p:cTn id="16" fill="hold">
+                          <p:cTn id="15" fill="hold">
                             <p:stCondLst>
                               <p:cond delay="0"/>
                             </p:stCondLst>
                             <p:childTnLst>
                               <p:par>
-                                <p:cTn id="17" presetID="2" presetClass="entr" presetSubtype="4" fill="hold" nodeType="clickEffect">
+                                <p:cTn id="16" presetID="2" presetClass="entr" presetSubtype="4" fill="hold" nodeType="clickEffect">
                                   <p:stCondLst>
                                     <p:cond delay="0"/>
                                   </p:stCondLst>
                                   <p:childTnLst>
                                     <p:set>
                                       <p:cBhvr>
-                                        <p:cTn id="18" dur="1" fill="hold">
+                                        <p:cTn id="17" dur="1" fill="hold">
                                           <p:stCondLst>
                                             <p:cond delay="0"/>
                                           </p:stCondLst>
@@ -5724,7 +5608,7 @@
                                     </p:set>
                                     <p:anim calcmode="lin" valueType="num">
                                       <p:cBhvr additive="base">
-                                        <p:cTn id="19" dur="500" fill="hold"/>
+                                        <p:cTn id="18" dur="500" fill="hold"/>
                                         <p:tgtEl>
                                           <p:spTgt spid="3">
                                             <p:txEl>
@@ -5751,7 +5635,7 @@
                                     </p:anim>
                                     <p:anim calcmode="lin" valueType="num">
                                       <p:cBhvr additive="base">
-                                        <p:cTn id="20" dur="500" fill="hold"/>
+                                        <p:cTn id="19" dur="500" fill="hold"/>
                                         <p:tgtEl>
                                           <p:spTgt spid="3">
                                             <p:txEl>
@@ -5786,26 +5670,26 @@
                     </p:cTn>
                   </p:par>
                   <p:par>
-                    <p:cTn id="21" fill="hold">
+                    <p:cTn id="20" fill="hold">
                       <p:stCondLst>
                         <p:cond delay="indefinite"/>
                       </p:stCondLst>
                       <p:childTnLst>
                         <p:par>
-                          <p:cTn id="22" fill="hold">
+                          <p:cTn id="21" fill="hold">
                             <p:stCondLst>
                               <p:cond delay="0"/>
                             </p:stCondLst>
                             <p:childTnLst>
                               <p:par>
-                                <p:cTn id="23" presetID="2" presetClass="entr" presetSubtype="4" fill="hold" nodeType="clickEffect">
+                                <p:cTn id="22" presetID="2" presetClass="entr" presetSubtype="4" fill="hold" nodeType="clickEffect">
                                   <p:stCondLst>
                                     <p:cond delay="0"/>
                                   </p:stCondLst>
                                   <p:childTnLst>
                                     <p:set>
                                       <p:cBhvr>
-                                        <p:cTn id="24" dur="1" fill="hold">
+                                        <p:cTn id="23" dur="1" fill="hold">
                                           <p:stCondLst>
                                             <p:cond delay="0"/>
                                           </p:stCondLst>
@@ -5827,7 +5711,7 @@
                                     </p:set>
                                     <p:anim calcmode="lin" valueType="num">
                                       <p:cBhvr additive="base">
-                                        <p:cTn id="25" dur="500" fill="hold"/>
+                                        <p:cTn id="24" dur="500" fill="hold"/>
                                         <p:tgtEl>
                                           <p:spTgt spid="3">
                                             <p:txEl>
@@ -5854,7 +5738,7 @@
                                     </p:anim>
                                     <p:anim calcmode="lin" valueType="num">
                                       <p:cBhvr additive="base">
-                                        <p:cTn id="26" dur="500" fill="hold"/>
+                                        <p:cTn id="25" dur="500" fill="hold"/>
                                         <p:tgtEl>
                                           <p:spTgt spid="3">
                                             <p:txEl>
@@ -5889,26 +5773,26 @@
                     </p:cTn>
                   </p:par>
                   <p:par>
-                    <p:cTn id="27" fill="hold">
+                    <p:cTn id="26" fill="hold">
                       <p:stCondLst>
                         <p:cond delay="indefinite"/>
                       </p:stCondLst>
                       <p:childTnLst>
                         <p:par>
-                          <p:cTn id="28" fill="hold">
+                          <p:cTn id="27" fill="hold">
                             <p:stCondLst>
                               <p:cond delay="0"/>
                             </p:stCondLst>
                             <p:childTnLst>
                               <p:par>
-                                <p:cTn id="29" presetID="2" presetClass="entr" presetSubtype="4" fill="hold" nodeType="clickEffect">
+                                <p:cTn id="28" presetID="2" presetClass="entr" presetSubtype="4" fill="hold" nodeType="clickEffect">
                                   <p:stCondLst>
                                     <p:cond delay="0"/>
                                   </p:stCondLst>
                                   <p:childTnLst>
                                     <p:set>
                                       <p:cBhvr>
-                                        <p:cTn id="30" dur="1" fill="hold">
+                                        <p:cTn id="29" dur="1" fill="hold">
                                           <p:stCondLst>
                                             <p:cond delay="0"/>
                                           </p:stCondLst>
@@ -5930,7 +5814,7 @@
                                     </p:set>
                                     <p:anim calcmode="lin" valueType="num">
                                       <p:cBhvr additive="base">
-                                        <p:cTn id="31" dur="500" fill="hold"/>
+                                        <p:cTn id="30" dur="500" fill="hold"/>
                                         <p:tgtEl>
                                           <p:spTgt spid="3">
                                             <p:txEl>
@@ -5957,7 +5841,7 @@
                                     </p:anim>
                                     <p:anim calcmode="lin" valueType="num">
                                       <p:cBhvr additive="base">
-                                        <p:cTn id="32" dur="500" fill="hold"/>
+                                        <p:cTn id="31" dur="500" fill="hold"/>
                                         <p:tgtEl>
                                           <p:spTgt spid="3">
                                             <p:txEl>
@@ -5992,26 +5876,26 @@
                     </p:cTn>
                   </p:par>
                   <p:par>
-                    <p:cTn id="33" fill="hold">
+                    <p:cTn id="32" fill="hold">
                       <p:stCondLst>
                         <p:cond delay="indefinite"/>
                       </p:stCondLst>
                       <p:childTnLst>
                         <p:par>
-                          <p:cTn id="34" fill="hold">
+                          <p:cTn id="33" fill="hold">
                             <p:stCondLst>
                               <p:cond delay="0"/>
                             </p:stCondLst>
                             <p:childTnLst>
                               <p:par>
-                                <p:cTn id="35" presetID="2" presetClass="entr" presetSubtype="4" fill="hold" nodeType="clickEffect">
+                                <p:cTn id="34" presetID="2" presetClass="entr" presetSubtype="4" fill="hold" nodeType="clickEffect">
                                   <p:stCondLst>
                                     <p:cond delay="0"/>
                                   </p:stCondLst>
                                   <p:childTnLst>
                                     <p:set>
                                       <p:cBhvr>
-                                        <p:cTn id="36" dur="1" fill="hold">
+                                        <p:cTn id="35" dur="1" fill="hold">
                                           <p:stCondLst>
                                             <p:cond delay="0"/>
                                           </p:stCondLst>
@@ -6019,7 +5903,7 @@
                                         <p:tgtEl>
                                           <p:spTgt spid="3">
                                             <p:txEl>
-                                              <p:pRg st="6" end="6"/>
+                                              <p:pRg st="4" end="4"/>
                                             </p:txEl>
                                           </p:spTgt>
                                         </p:tgtEl>
@@ -6033,11 +5917,11 @@
                                     </p:set>
                                     <p:anim calcmode="lin" valueType="num">
                                       <p:cBhvr additive="base">
-                                        <p:cTn id="37" dur="500" fill="hold"/>
+                                        <p:cTn id="36" dur="500" fill="hold"/>
                                         <p:tgtEl>
                                           <p:spTgt spid="3">
                                             <p:txEl>
-                                              <p:pRg st="6" end="6"/>
+                                              <p:pRg st="4" end="4"/>
                                             </p:txEl>
                                           </p:spTgt>
                                         </p:tgtEl>
@@ -6060,11 +5944,11 @@
                                     </p:anim>
                                     <p:anim calcmode="lin" valueType="num">
                                       <p:cBhvr additive="base">
-                                        <p:cTn id="38" dur="500" fill="hold"/>
+                                        <p:cTn id="37" dur="500" fill="hold"/>
                                         <p:tgtEl>
                                           <p:spTgt spid="3">
                                             <p:txEl>
-                                              <p:pRg st="6" end="6"/>
+                                              <p:pRg st="4" end="4"/>
                                             </p:txEl>
                                           </p:spTgt>
                                         </p:tgtEl>
@@ -6095,26 +5979,26 @@
                     </p:cTn>
                   </p:par>
                   <p:par>
-                    <p:cTn id="39" fill="hold">
+                    <p:cTn id="38" fill="hold">
                       <p:stCondLst>
                         <p:cond delay="indefinite"/>
                       </p:stCondLst>
                       <p:childTnLst>
                         <p:par>
-                          <p:cTn id="40" fill="hold">
+                          <p:cTn id="39" fill="hold">
                             <p:stCondLst>
                               <p:cond delay="0"/>
                             </p:stCondLst>
                             <p:childTnLst>
                               <p:par>
-                                <p:cTn id="41" presetID="2" presetClass="entr" presetSubtype="4" fill="hold" nodeType="clickEffect">
+                                <p:cTn id="40" presetID="2" presetClass="entr" presetSubtype="4" fill="hold" nodeType="clickEffect">
                                   <p:stCondLst>
                                     <p:cond delay="0"/>
                                   </p:stCondLst>
                                   <p:childTnLst>
                                     <p:set>
                                       <p:cBhvr>
-                                        <p:cTn id="42" dur="1" fill="hold">
+                                        <p:cTn id="41" dur="1" fill="hold">
                                           <p:stCondLst>
                                             <p:cond delay="0"/>
                                           </p:stCondLst>
@@ -6122,7 +6006,7 @@
                                         <p:tgtEl>
                                           <p:spTgt spid="3">
                                             <p:txEl>
-                                              <p:pRg st="7" end="7"/>
+                                              <p:pRg st="5" end="5"/>
                                             </p:txEl>
                                           </p:spTgt>
                                         </p:tgtEl>
@@ -6136,11 +6020,11 @@
                                     </p:set>
                                     <p:anim calcmode="lin" valueType="num">
                                       <p:cBhvr additive="base">
-                                        <p:cTn id="43" dur="500" fill="hold"/>
+                                        <p:cTn id="42" dur="500" fill="hold"/>
                                         <p:tgtEl>
                                           <p:spTgt spid="3">
                                             <p:txEl>
-                                              <p:pRg st="7" end="7"/>
+                                              <p:pRg st="5" end="5"/>
                                             </p:txEl>
                                           </p:spTgt>
                                         </p:tgtEl>
@@ -6163,11 +6047,11 @@
                                     </p:anim>
                                     <p:anim calcmode="lin" valueType="num">
                                       <p:cBhvr additive="base">
-                                        <p:cTn id="44" dur="500" fill="hold"/>
+                                        <p:cTn id="43" dur="500" fill="hold"/>
                                         <p:tgtEl>
                                           <p:spTgt spid="3">
                                             <p:txEl>
-                                              <p:pRg st="7" end="7"/>
+                                              <p:pRg st="5" end="5"/>
                                             </p:txEl>
                                           </p:spTgt>
                                         </p:tgtEl>
@@ -6272,7 +6156,15 @@
             <p:ph idx="1"/>
           </p:nvPr>
         </p:nvSpPr>
-        <p:spPr/>
+        <p:spPr>
+          <a:xfrm>
+            <a:off x="457200" y="1600201"/>
+            <a:ext cx="8229600" cy="3886200"/>
+          </a:xfrm>
+          <a:solidFill>
+            <a:schemeClr val="bg2"/>
+          </a:solidFill>
+        </p:spPr>
         <p:txBody>
           <a:bodyPr>
             <a:normAutofit fontScale="47500" lnSpcReduction="20000"/>
@@ -6341,6 +6233,28 @@
             <a:pPr marL="0" indent="0">
               <a:buNone/>
             </a:pPr>
+            <a:endParaRPr lang="en-US" dirty="0" smtClean="0">
+              <a:solidFill>
+                <a:srgbClr val="C00000"/>
+              </a:solidFill>
+              <a:latin typeface="Consolas" panose="020B0609020204030204" pitchFamily="49" charset="0"/>
+              <a:cs typeface="Consolas" panose="020B0609020204030204" pitchFamily="49" charset="0"/>
+            </a:endParaRPr>
+          </a:p>
+          <a:p>
+            <a:pPr marL="0" indent="0">
+              <a:buNone/>
+            </a:pPr>
+            <a:r>
+              <a:rPr lang="en-US" dirty="0" smtClean="0">
+                <a:solidFill>
+                  <a:srgbClr val="C00000"/>
+                </a:solidFill>
+                <a:latin typeface="Consolas" panose="020B0609020204030204" pitchFamily="49" charset="0"/>
+                <a:cs typeface="Consolas" panose="020B0609020204030204" pitchFamily="49" charset="0"/>
+              </a:rPr>
+              <a:t>Exception </a:t>
+            </a:r>
             <a:r>
               <a:rPr lang="en-US" dirty="0">
                 <a:solidFill>
@@ -6349,7 +6263,7 @@
                 <a:latin typeface="Consolas" panose="020B0609020204030204" pitchFamily="49" charset="0"/>
                 <a:cs typeface="Consolas" panose="020B0609020204030204" pitchFamily="49" charset="0"/>
               </a:rPr>
-              <a:t>Exception in thread "main" </a:t>
+              <a:t>in thread "main" </a:t>
             </a:r>
             <a:r>
               <a:rPr lang="en-US" dirty="0" err="1">
@@ -6645,7 +6559,7 @@
                                         <p:tgtEl>
                                           <p:spTgt spid="3">
                                             <p:txEl>
-                                              <p:pRg st="2" end="2"/>
+                                              <p:pRg st="3" end="3"/>
                                             </p:txEl>
                                           </p:spTgt>
                                         </p:tgtEl>
@@ -6667,7 +6581,7 @@
                                         <p:tgtEl>
                                           <p:spTgt spid="3">
                                             <p:txEl>
-                                              <p:pRg st="2" end="2"/>
+                                              <p:pRg st="3" end="3"/>
                                             </p:txEl>
                                           </p:spTgt>
                                         </p:tgtEl>
@@ -6683,7 +6597,7 @@
                                         <p:tgtEl>
                                           <p:spTgt spid="3">
                                             <p:txEl>
-                                              <p:pRg st="2" end="2"/>
+                                              <p:pRg st="3" end="3"/>
                                             </p:txEl>
                                           </p:spTgt>
                                         </p:tgtEl>
@@ -6714,7 +6628,7 @@
                                         <p:tgtEl>
                                           <p:spTgt spid="3">
                                             <p:txEl>
-                                              <p:pRg st="2" end="2"/>
+                                              <p:pRg st="3" end="3"/>
                                             </p:txEl>
                                           </p:spTgt>
                                         </p:tgtEl>
@@ -6745,7 +6659,7 @@
                                         <p:tgtEl>
                                           <p:spTgt spid="3">
                                             <p:txEl>
-                                              <p:pRg st="2" end="2"/>
+                                              <p:pRg st="3" end="3"/>
                                             </p:txEl>
                                           </p:spTgt>
                                         </p:tgtEl>
@@ -6776,7 +6690,7 @@
                                         <p:tgtEl>
                                           <p:spTgt spid="3">
                                             <p:txEl>
-                                              <p:pRg st="2" end="2"/>
+                                              <p:pRg st="3" end="3"/>
                                             </p:txEl>
                                           </p:spTgt>
                                         </p:tgtEl>
@@ -6807,7 +6721,7 @@
                                         <p:tgtEl>
                                           <p:spTgt spid="3">
                                             <p:txEl>
-                                              <p:pRg st="2" end="2"/>
+                                              <p:pRg st="3" end="3"/>
                                             </p:txEl>
                                           </p:spTgt>
                                         </p:tgtEl>
@@ -6838,7 +6752,7 @@
                                         <p:tgtEl>
                                           <p:spTgt spid="3">
                                             <p:txEl>
-                                              <p:pRg st="2" end="2"/>
+                                              <p:pRg st="3" end="3"/>
                                             </p:txEl>
                                           </p:spTgt>
                                         </p:tgtEl>
@@ -6855,7 +6769,7 @@
                                         <p:tgtEl>
                                           <p:spTgt spid="3">
                                             <p:txEl>
-                                              <p:pRg st="2" end="2"/>
+                                              <p:pRg st="3" end="3"/>
                                             </p:txEl>
                                           </p:spTgt>
                                         </p:tgtEl>
@@ -6872,7 +6786,7 @@
                                         <p:tgtEl>
                                           <p:spTgt spid="3">
                                             <p:txEl>
-                                              <p:pRg st="2" end="2"/>
+                                              <p:pRg st="3" end="3"/>
                                             </p:txEl>
                                           </p:spTgt>
                                         </p:tgtEl>
@@ -6889,7 +6803,7 @@
                                         <p:tgtEl>
                                           <p:spTgt spid="3">
                                             <p:txEl>
-                                              <p:pRg st="2" end="2"/>
+                                              <p:pRg st="3" end="3"/>
                                             </p:txEl>
                                           </p:spTgt>
                                         </p:tgtEl>
@@ -6906,7 +6820,7 @@
                                         <p:tgtEl>
                                           <p:spTgt spid="3">
                                             <p:txEl>
-                                              <p:pRg st="2" end="2"/>
+                                              <p:pRg st="3" end="3"/>
                                             </p:txEl>
                                           </p:spTgt>
                                         </p:tgtEl>
@@ -6923,7 +6837,7 @@
                                         <p:tgtEl>
                                           <p:spTgt spid="3">
                                             <p:txEl>
-                                              <p:pRg st="2" end="2"/>
+                                              <p:pRg st="3" end="3"/>
                                             </p:txEl>
                                           </p:spTgt>
                                         </p:tgtEl>
@@ -6940,7 +6854,7 @@
                                         <p:tgtEl>
                                           <p:spTgt spid="3">
                                             <p:txEl>
-                                              <p:pRg st="2" end="2"/>
+                                              <p:pRg st="3" end="3"/>
                                             </p:txEl>
                                           </p:spTgt>
                                         </p:tgtEl>
@@ -6957,7 +6871,7 @@
                                         <p:tgtEl>
                                           <p:spTgt spid="3">
                                             <p:txEl>
-                                              <p:pRg st="2" end="2"/>
+                                              <p:pRg st="3" end="3"/>
                                             </p:txEl>
                                           </p:spTgt>
                                         </p:tgtEl>
@@ -6983,7 +6897,7 @@
                                         <p:tgtEl>
                                           <p:spTgt spid="3">
                                             <p:txEl>
-                                              <p:pRg st="3" end="3"/>
+                                              <p:pRg st="4" end="4"/>
                                             </p:txEl>
                                           </p:spTgt>
                                         </p:tgtEl>
@@ -7005,7 +6919,7 @@
                                         <p:tgtEl>
                                           <p:spTgt spid="3">
                                             <p:txEl>
-                                              <p:pRg st="3" end="3"/>
+                                              <p:pRg st="4" end="4"/>
                                             </p:txEl>
                                           </p:spTgt>
                                         </p:tgtEl>
@@ -7021,7 +6935,7 @@
                                         <p:tgtEl>
                                           <p:spTgt spid="3">
                                             <p:txEl>
-                                              <p:pRg st="3" end="3"/>
+                                              <p:pRg st="4" end="4"/>
                                             </p:txEl>
                                           </p:spTgt>
                                         </p:tgtEl>
@@ -7052,7 +6966,7 @@
                                         <p:tgtEl>
                                           <p:spTgt spid="3">
                                             <p:txEl>
-                                              <p:pRg st="3" end="3"/>
+                                              <p:pRg st="4" end="4"/>
                                             </p:txEl>
                                           </p:spTgt>
                                         </p:tgtEl>
@@ -7083,7 +6997,7 @@
                                         <p:tgtEl>
                                           <p:spTgt spid="3">
                                             <p:txEl>
-                                              <p:pRg st="3" end="3"/>
+                                              <p:pRg st="4" end="4"/>
                                             </p:txEl>
                                           </p:spTgt>
                                         </p:tgtEl>
@@ -7114,7 +7028,7 @@
                                         <p:tgtEl>
                                           <p:spTgt spid="3">
                                             <p:txEl>
-                                              <p:pRg st="3" end="3"/>
+                                              <p:pRg st="4" end="4"/>
                                             </p:txEl>
                                           </p:spTgt>
                                         </p:tgtEl>
@@ -7145,7 +7059,7 @@
                                         <p:tgtEl>
                                           <p:spTgt spid="3">
                                             <p:txEl>
-                                              <p:pRg st="3" end="3"/>
+                                              <p:pRg st="4" end="4"/>
                                             </p:txEl>
                                           </p:spTgt>
                                         </p:tgtEl>
@@ -7176,7 +7090,7 @@
                                         <p:tgtEl>
                                           <p:spTgt spid="3">
                                             <p:txEl>
-                                              <p:pRg st="3" end="3"/>
+                                              <p:pRg st="4" end="4"/>
                                             </p:txEl>
                                           </p:spTgt>
                                         </p:tgtEl>
@@ -7193,7 +7107,7 @@
                                         <p:tgtEl>
                                           <p:spTgt spid="3">
                                             <p:txEl>
-                                              <p:pRg st="3" end="3"/>
+                                              <p:pRg st="4" end="4"/>
                                             </p:txEl>
                                           </p:spTgt>
                                         </p:tgtEl>
@@ -7210,7 +7124,7 @@
                                         <p:tgtEl>
                                           <p:spTgt spid="3">
                                             <p:txEl>
-                                              <p:pRg st="3" end="3"/>
+                                              <p:pRg st="4" end="4"/>
                                             </p:txEl>
                                           </p:spTgt>
                                         </p:tgtEl>
@@ -7227,7 +7141,7 @@
                                         <p:tgtEl>
                                           <p:spTgt spid="3">
                                             <p:txEl>
-                                              <p:pRg st="3" end="3"/>
+                                              <p:pRg st="4" end="4"/>
                                             </p:txEl>
                                           </p:spTgt>
                                         </p:tgtEl>
@@ -7244,7 +7158,7 @@
                                         <p:tgtEl>
                                           <p:spTgt spid="3">
                                             <p:txEl>
-                                              <p:pRg st="3" end="3"/>
+                                              <p:pRg st="4" end="4"/>
                                             </p:txEl>
                                           </p:spTgt>
                                         </p:tgtEl>
@@ -7261,7 +7175,7 @@
                                         <p:tgtEl>
                                           <p:spTgt spid="3">
                                             <p:txEl>
-                                              <p:pRg st="3" end="3"/>
+                                              <p:pRg st="4" end="4"/>
                                             </p:txEl>
                                           </p:spTgt>
                                         </p:tgtEl>
@@ -7278,7 +7192,7 @@
                                         <p:tgtEl>
                                           <p:spTgt spid="3">
                                             <p:txEl>
-                                              <p:pRg st="3" end="3"/>
+                                              <p:pRg st="4" end="4"/>
                                             </p:txEl>
                                           </p:spTgt>
                                         </p:tgtEl>
@@ -7295,7 +7209,7 @@
                                         <p:tgtEl>
                                           <p:spTgt spid="3">
                                             <p:txEl>
-                                              <p:pRg st="3" end="3"/>
+                                              <p:pRg st="4" end="4"/>
                                             </p:txEl>
                                           </p:spTgt>
                                         </p:tgtEl>
@@ -7321,7 +7235,7 @@
                                         <p:tgtEl>
                                           <p:spTgt spid="3">
                                             <p:txEl>
-                                              <p:pRg st="4" end="4"/>
+                                              <p:pRg st="5" end="5"/>
                                             </p:txEl>
                                           </p:spTgt>
                                         </p:tgtEl>
@@ -7343,7 +7257,7 @@
                                         <p:tgtEl>
                                           <p:spTgt spid="3">
                                             <p:txEl>
-                                              <p:pRg st="4" end="4"/>
+                                              <p:pRg st="5" end="5"/>
                                             </p:txEl>
                                           </p:spTgt>
                                         </p:tgtEl>
@@ -7359,7 +7273,7 @@
                                         <p:tgtEl>
                                           <p:spTgt spid="3">
                                             <p:txEl>
-                                              <p:pRg st="4" end="4"/>
+                                              <p:pRg st="5" end="5"/>
                                             </p:txEl>
                                           </p:spTgt>
                                         </p:tgtEl>
@@ -7390,7 +7304,7 @@
                                         <p:tgtEl>
                                           <p:spTgt spid="3">
                                             <p:txEl>
-                                              <p:pRg st="4" end="4"/>
+                                              <p:pRg st="5" end="5"/>
                                             </p:txEl>
                                           </p:spTgt>
                                         </p:tgtEl>
@@ -7421,7 +7335,7 @@
                                         <p:tgtEl>
                                           <p:spTgt spid="3">
                                             <p:txEl>
-                                              <p:pRg st="4" end="4"/>
+                                              <p:pRg st="5" end="5"/>
                                             </p:txEl>
                                           </p:spTgt>
                                         </p:tgtEl>
@@ -7452,7 +7366,7 @@
                                         <p:tgtEl>
                                           <p:spTgt spid="3">
                                             <p:txEl>
-                                              <p:pRg st="4" end="4"/>
+                                              <p:pRg st="5" end="5"/>
                                             </p:txEl>
                                           </p:spTgt>
                                         </p:tgtEl>
@@ -7483,7 +7397,7 @@
                                         <p:tgtEl>
                                           <p:spTgt spid="3">
                                             <p:txEl>
-                                              <p:pRg st="4" end="4"/>
+                                              <p:pRg st="5" end="5"/>
                                             </p:txEl>
                                           </p:spTgt>
                                         </p:tgtEl>
@@ -7514,7 +7428,7 @@
                                         <p:tgtEl>
                                           <p:spTgt spid="3">
                                             <p:txEl>
-                                              <p:pRg st="4" end="4"/>
+                                              <p:pRg st="5" end="5"/>
                                             </p:txEl>
                                           </p:spTgt>
                                         </p:tgtEl>
@@ -7531,7 +7445,7 @@
                                         <p:tgtEl>
                                           <p:spTgt spid="3">
                                             <p:txEl>
-                                              <p:pRg st="4" end="4"/>
+                                              <p:pRg st="5" end="5"/>
                                             </p:txEl>
                                           </p:spTgt>
                                         </p:tgtEl>
@@ -7548,7 +7462,7 @@
                                         <p:tgtEl>
                                           <p:spTgt spid="3">
                                             <p:txEl>
-                                              <p:pRg st="4" end="4"/>
+                                              <p:pRg st="5" end="5"/>
                                             </p:txEl>
                                           </p:spTgt>
                                         </p:tgtEl>
@@ -7565,7 +7479,7 @@
                                         <p:tgtEl>
                                           <p:spTgt spid="3">
                                             <p:txEl>
-                                              <p:pRg st="4" end="4"/>
+                                              <p:pRg st="5" end="5"/>
                                             </p:txEl>
                                           </p:spTgt>
                                         </p:tgtEl>
@@ -7582,7 +7496,7 @@
                                         <p:tgtEl>
                                           <p:spTgt spid="3">
                                             <p:txEl>
-                                              <p:pRg st="4" end="4"/>
+                                              <p:pRg st="5" end="5"/>
                                             </p:txEl>
                                           </p:spTgt>
                                         </p:tgtEl>
@@ -7599,7 +7513,7 @@
                                         <p:tgtEl>
                                           <p:spTgt spid="3">
                                             <p:txEl>
-                                              <p:pRg st="4" end="4"/>
+                                              <p:pRg st="5" end="5"/>
                                             </p:txEl>
                                           </p:spTgt>
                                         </p:tgtEl>
@@ -7616,7 +7530,7 @@
                                         <p:tgtEl>
                                           <p:spTgt spid="3">
                                             <p:txEl>
-                                              <p:pRg st="4" end="4"/>
+                                              <p:pRg st="5" end="5"/>
                                             </p:txEl>
                                           </p:spTgt>
                                         </p:tgtEl>
@@ -7633,7 +7547,7 @@
                                         <p:tgtEl>
                                           <p:spTgt spid="3">
                                             <p:txEl>
-                                              <p:pRg st="4" end="4"/>
+                                              <p:pRg st="5" end="5"/>
                                             </p:txEl>
                                           </p:spTgt>
                                         </p:tgtEl>
@@ -7659,7 +7573,7 @@
                                         <p:tgtEl>
                                           <p:spTgt spid="3">
                                             <p:txEl>
-                                              <p:pRg st="5" end="5"/>
+                                              <p:pRg st="6" end="6"/>
                                             </p:txEl>
                                           </p:spTgt>
                                         </p:tgtEl>
@@ -7681,7 +7595,7 @@
                                         <p:tgtEl>
                                           <p:spTgt spid="3">
                                             <p:txEl>
-                                              <p:pRg st="5" end="5"/>
+                                              <p:pRg st="6" end="6"/>
                                             </p:txEl>
                                           </p:spTgt>
                                         </p:tgtEl>
@@ -7697,7 +7611,7 @@
                                         <p:tgtEl>
                                           <p:spTgt spid="3">
                                             <p:txEl>
-                                              <p:pRg st="5" end="5"/>
+                                              <p:pRg st="6" end="6"/>
                                             </p:txEl>
                                           </p:spTgt>
                                         </p:tgtEl>
@@ -7728,7 +7642,7 @@
                                         <p:tgtEl>
                                           <p:spTgt spid="3">
                                             <p:txEl>
-                                              <p:pRg st="5" end="5"/>
+                                              <p:pRg st="6" end="6"/>
                                             </p:txEl>
                                           </p:spTgt>
                                         </p:tgtEl>
@@ -7759,7 +7673,7 @@
                                         <p:tgtEl>
                                           <p:spTgt spid="3">
                                             <p:txEl>
-                                              <p:pRg st="5" end="5"/>
+                                              <p:pRg st="6" end="6"/>
                                             </p:txEl>
                                           </p:spTgt>
                                         </p:tgtEl>
@@ -7790,7 +7704,7 @@
                                         <p:tgtEl>
                                           <p:spTgt spid="3">
                                             <p:txEl>
-                                              <p:pRg st="5" end="5"/>
+                                              <p:pRg st="6" end="6"/>
                                             </p:txEl>
                                           </p:spTgt>
                                         </p:tgtEl>
@@ -7821,7 +7735,7 @@
                                         <p:tgtEl>
                                           <p:spTgt spid="3">
                                             <p:txEl>
-                                              <p:pRg st="5" end="5"/>
+                                              <p:pRg st="6" end="6"/>
                                             </p:txEl>
                                           </p:spTgt>
                                         </p:tgtEl>
@@ -7852,7 +7766,7 @@
                                         <p:tgtEl>
                                           <p:spTgt spid="3">
                                             <p:txEl>
-                                              <p:pRg st="5" end="5"/>
+                                              <p:pRg st="6" end="6"/>
                                             </p:txEl>
                                           </p:spTgt>
                                         </p:tgtEl>
@@ -7869,7 +7783,7 @@
                                         <p:tgtEl>
                                           <p:spTgt spid="3">
                                             <p:txEl>
-                                              <p:pRg st="5" end="5"/>
+                                              <p:pRg st="6" end="6"/>
                                             </p:txEl>
                                           </p:spTgt>
                                         </p:tgtEl>
@@ -7886,7 +7800,7 @@
                                         <p:tgtEl>
                                           <p:spTgt spid="3">
                                             <p:txEl>
-                                              <p:pRg st="5" end="5"/>
+                                              <p:pRg st="6" end="6"/>
                                             </p:txEl>
                                           </p:spTgt>
                                         </p:tgtEl>
@@ -7903,7 +7817,7 @@
                                         <p:tgtEl>
                                           <p:spTgt spid="3">
                                             <p:txEl>
-                                              <p:pRg st="5" end="5"/>
+                                              <p:pRg st="6" end="6"/>
                                             </p:txEl>
                                           </p:spTgt>
                                         </p:tgtEl>
@@ -7920,7 +7834,7 @@
                                         <p:tgtEl>
                                           <p:spTgt spid="3">
                                             <p:txEl>
-                                              <p:pRg st="5" end="5"/>
+                                              <p:pRg st="6" end="6"/>
                                             </p:txEl>
                                           </p:spTgt>
                                         </p:tgtEl>
@@ -7937,7 +7851,7 @@
                                         <p:tgtEl>
                                           <p:spTgt spid="3">
                                             <p:txEl>
-                                              <p:pRg st="5" end="5"/>
+                                              <p:pRg st="6" end="6"/>
                                             </p:txEl>
                                           </p:spTgt>
                                         </p:tgtEl>
@@ -7954,7 +7868,7 @@
                                         <p:tgtEl>
                                           <p:spTgt spid="3">
                                             <p:txEl>
-                                              <p:pRg st="5" end="5"/>
+                                              <p:pRg st="6" end="6"/>
                                             </p:txEl>
                                           </p:spTgt>
                                         </p:tgtEl>
@@ -7971,7 +7885,7 @@
                                         <p:tgtEl>
                                           <p:spTgt spid="3">
                                             <p:txEl>
-                                              <p:pRg st="5" end="5"/>
+                                              <p:pRg st="6" end="6"/>
                                             </p:txEl>
                                           </p:spTgt>
                                         </p:tgtEl>
@@ -7997,7 +7911,7 @@
                                         <p:tgtEl>
                                           <p:spTgt spid="3">
                                             <p:txEl>
-                                              <p:pRg st="6" end="6"/>
+                                              <p:pRg st="7" end="7"/>
                                             </p:txEl>
                                           </p:spTgt>
                                         </p:tgtEl>
@@ -8019,7 +7933,7 @@
                                         <p:tgtEl>
                                           <p:spTgt spid="3">
                                             <p:txEl>
-                                              <p:pRg st="6" end="6"/>
+                                              <p:pRg st="7" end="7"/>
                                             </p:txEl>
                                           </p:spTgt>
                                         </p:tgtEl>
@@ -8035,7 +7949,7 @@
                                         <p:tgtEl>
                                           <p:spTgt spid="3">
                                             <p:txEl>
-                                              <p:pRg st="6" end="6"/>
+                                              <p:pRg st="7" end="7"/>
                                             </p:txEl>
                                           </p:spTgt>
                                         </p:tgtEl>
@@ -8066,7 +7980,7 @@
                                         <p:tgtEl>
                                           <p:spTgt spid="3">
                                             <p:txEl>
-                                              <p:pRg st="6" end="6"/>
+                                              <p:pRg st="7" end="7"/>
                                             </p:txEl>
                                           </p:spTgt>
                                         </p:tgtEl>
@@ -8097,7 +8011,7 @@
                                         <p:tgtEl>
                                           <p:spTgt spid="3">
                                             <p:txEl>
-                                              <p:pRg st="6" end="6"/>
+                                              <p:pRg st="7" end="7"/>
                                             </p:txEl>
                                           </p:spTgt>
                                         </p:tgtEl>
@@ -8128,7 +8042,7 @@
                                         <p:tgtEl>
                                           <p:spTgt spid="3">
                                             <p:txEl>
-                                              <p:pRg st="6" end="6"/>
+                                              <p:pRg st="7" end="7"/>
                                             </p:txEl>
                                           </p:spTgt>
                                         </p:tgtEl>
@@ -8159,7 +8073,7 @@
                                         <p:tgtEl>
                                           <p:spTgt spid="3">
                                             <p:txEl>
-                                              <p:pRg st="6" end="6"/>
+                                              <p:pRg st="7" end="7"/>
                                             </p:txEl>
                                           </p:spTgt>
                                         </p:tgtEl>
@@ -8190,7 +8104,7 @@
                                         <p:tgtEl>
                                           <p:spTgt spid="3">
                                             <p:txEl>
-                                              <p:pRg st="6" end="6"/>
+                                              <p:pRg st="7" end="7"/>
                                             </p:txEl>
                                           </p:spTgt>
                                         </p:tgtEl>
@@ -8207,7 +8121,7 @@
                                         <p:tgtEl>
                                           <p:spTgt spid="3">
                                             <p:txEl>
-                                              <p:pRg st="6" end="6"/>
+                                              <p:pRg st="7" end="7"/>
                                             </p:txEl>
                                           </p:spTgt>
                                         </p:tgtEl>
@@ -8224,7 +8138,7 @@
                                         <p:tgtEl>
                                           <p:spTgt spid="3">
                                             <p:txEl>
-                                              <p:pRg st="6" end="6"/>
+                                              <p:pRg st="7" end="7"/>
                                             </p:txEl>
                                           </p:spTgt>
                                         </p:tgtEl>
@@ -8241,7 +8155,7 @@
                                         <p:tgtEl>
                                           <p:spTgt spid="3">
                                             <p:txEl>
-                                              <p:pRg st="6" end="6"/>
+                                              <p:pRg st="7" end="7"/>
                                             </p:txEl>
                                           </p:spTgt>
                                         </p:tgtEl>
@@ -8258,7 +8172,7 @@
                                         <p:tgtEl>
                                           <p:spTgt spid="3">
                                             <p:txEl>
-                                              <p:pRg st="6" end="6"/>
+                                              <p:pRg st="7" end="7"/>
                                             </p:txEl>
                                           </p:spTgt>
                                         </p:tgtEl>
@@ -8275,7 +8189,7 @@
                                         <p:tgtEl>
                                           <p:spTgt spid="3">
                                             <p:txEl>
-                                              <p:pRg st="6" end="6"/>
+                                              <p:pRg st="7" end="7"/>
                                             </p:txEl>
                                           </p:spTgt>
                                         </p:tgtEl>
@@ -8292,7 +8206,7 @@
                                         <p:tgtEl>
                                           <p:spTgt spid="3">
                                             <p:txEl>
-                                              <p:pRg st="6" end="6"/>
+                                              <p:pRg st="7" end="7"/>
                                             </p:txEl>
                                           </p:spTgt>
                                         </p:tgtEl>
@@ -8309,7 +8223,7 @@
                                         <p:tgtEl>
                                           <p:spTgt spid="3">
                                             <p:txEl>
-                                              <p:pRg st="6" end="6"/>
+                                              <p:pRg st="7" end="7"/>
                                             </p:txEl>
                                           </p:spTgt>
                                         </p:tgtEl>
@@ -8335,7 +8249,7 @@
                                         <p:tgtEl>
                                           <p:spTgt spid="3">
                                             <p:txEl>
-                                              <p:pRg st="7" end="7"/>
+                                              <p:pRg st="8" end="8"/>
                                             </p:txEl>
                                           </p:spTgt>
                                         </p:tgtEl>
@@ -8357,7 +8271,7 @@
                                         <p:tgtEl>
                                           <p:spTgt spid="3">
                                             <p:txEl>
-                                              <p:pRg st="7" end="7"/>
+                                              <p:pRg st="8" end="8"/>
                                             </p:txEl>
                                           </p:spTgt>
                                         </p:tgtEl>
@@ -8373,7 +8287,7 @@
                                         <p:tgtEl>
                                           <p:spTgt spid="3">
                                             <p:txEl>
-                                              <p:pRg st="7" end="7"/>
+                                              <p:pRg st="8" end="8"/>
                                             </p:txEl>
                                           </p:spTgt>
                                         </p:tgtEl>
@@ -8404,7 +8318,7 @@
                                         <p:tgtEl>
                                           <p:spTgt spid="3">
                                             <p:txEl>
-                                              <p:pRg st="7" end="7"/>
+                                              <p:pRg st="8" end="8"/>
                                             </p:txEl>
                                           </p:spTgt>
                                         </p:tgtEl>
@@ -8435,7 +8349,7 @@
                                         <p:tgtEl>
                                           <p:spTgt spid="3">
                                             <p:txEl>
-                                              <p:pRg st="7" end="7"/>
+                                              <p:pRg st="8" end="8"/>
                                             </p:txEl>
                                           </p:spTgt>
                                         </p:tgtEl>
@@ -8466,7 +8380,7 @@
                                         <p:tgtEl>
                                           <p:spTgt spid="3">
                                             <p:txEl>
-                                              <p:pRg st="7" end="7"/>
+                                              <p:pRg st="8" end="8"/>
                                             </p:txEl>
                                           </p:spTgt>
                                         </p:tgtEl>
@@ -8497,7 +8411,7 @@
                                         <p:tgtEl>
                                           <p:spTgt spid="3">
                                             <p:txEl>
-                                              <p:pRg st="7" end="7"/>
+                                              <p:pRg st="8" end="8"/>
                                             </p:txEl>
                                           </p:spTgt>
                                         </p:tgtEl>
@@ -8528,7 +8442,7 @@
                                         <p:tgtEl>
                                           <p:spTgt spid="3">
                                             <p:txEl>
-                                              <p:pRg st="7" end="7"/>
+                                              <p:pRg st="8" end="8"/>
                                             </p:txEl>
                                           </p:spTgt>
                                         </p:tgtEl>
@@ -8545,7 +8459,7 @@
                                         <p:tgtEl>
                                           <p:spTgt spid="3">
                                             <p:txEl>
-                                              <p:pRg st="7" end="7"/>
+                                              <p:pRg st="8" end="8"/>
                                             </p:txEl>
                                           </p:spTgt>
                                         </p:tgtEl>
@@ -8562,7 +8476,7 @@
                                         <p:tgtEl>
                                           <p:spTgt spid="3">
                                             <p:txEl>
-                                              <p:pRg st="7" end="7"/>
+                                              <p:pRg st="8" end="8"/>
                                             </p:txEl>
                                           </p:spTgt>
                                         </p:tgtEl>
@@ -8579,7 +8493,7 @@
                                         <p:tgtEl>
                                           <p:spTgt spid="3">
                                             <p:txEl>
-                                              <p:pRg st="7" end="7"/>
+                                              <p:pRg st="8" end="8"/>
                                             </p:txEl>
                                           </p:spTgt>
                                         </p:tgtEl>
@@ -8596,7 +8510,7 @@
                                         <p:tgtEl>
                                           <p:spTgt spid="3">
                                             <p:txEl>
-                                              <p:pRg st="7" end="7"/>
+                                              <p:pRg st="8" end="8"/>
                                             </p:txEl>
                                           </p:spTgt>
                                         </p:tgtEl>
@@ -8613,7 +8527,7 @@
                                         <p:tgtEl>
                                           <p:spTgt spid="3">
                                             <p:txEl>
-                                              <p:pRg st="7" end="7"/>
+                                              <p:pRg st="8" end="8"/>
                                             </p:txEl>
                                           </p:spTgt>
                                         </p:tgtEl>
@@ -8630,7 +8544,7 @@
                                         <p:tgtEl>
                                           <p:spTgt spid="3">
                                             <p:txEl>
-                                              <p:pRg st="7" end="7"/>
+                                              <p:pRg st="8" end="8"/>
                                             </p:txEl>
                                           </p:spTgt>
                                         </p:tgtEl>
@@ -8647,7 +8561,7 @@
                                         <p:tgtEl>
                                           <p:spTgt spid="3">
                                             <p:txEl>
-                                              <p:pRg st="7" end="7"/>
+                                              <p:pRg st="8" end="8"/>
                                             </p:txEl>
                                           </p:spTgt>
                                         </p:tgtEl>
@@ -8971,7 +8885,7 @@
           <a:p>
             <a:r>
               <a:rPr lang="en-US" sz="3000" dirty="0" smtClean="0"/>
-              <a:t>Divide the timeline into eras</a:t>
+              <a:t>Divides the timeline into eras</a:t>
             </a:r>
             <a:endParaRPr lang="en-US" sz="3000" dirty="0"/>
           </a:p>
@@ -9325,7 +9239,15 @@
           <a:p>
             <a:r>
               <a:rPr lang="en-US" b="1" dirty="0" smtClean="0"/>
-              <a:t>GMT is </a:t>
+              <a:t>GMT </a:t>
+            </a:r>
+            <a:r>
+              <a:rPr lang="en-US" dirty="0" smtClean="0"/>
+              <a:t>is</a:t>
+            </a:r>
+            <a:r>
+              <a:rPr lang="en-US" b="1" dirty="0" smtClean="0"/>
+              <a:t> </a:t>
             </a:r>
             <a:r>
               <a:rPr lang="en-US" dirty="0" smtClean="0"/>
@@ -9501,10 +9423,15 @@
             <p:ph idx="1"/>
           </p:nvPr>
         </p:nvSpPr>
-        <p:spPr/>
+        <p:spPr>
+          <a:xfrm>
+            <a:off x="457200" y="2286000"/>
+            <a:ext cx="8229600" cy="3840163"/>
+          </a:xfrm>
+        </p:spPr>
         <p:txBody>
           <a:bodyPr>
-            <a:normAutofit fontScale="85000" lnSpcReduction="10000"/>
+            <a:noAutofit/>
           </a:bodyPr>
           <a:lstStyle/>
           <a:p>
@@ -9513,6 +9440,166 @@
             </a:pPr>
             <a:r>
               <a:rPr lang="en-US" sz="2800" dirty="0" smtClean="0">
+                <a:cs typeface="Consolas" panose="020B0609020204030204" pitchFamily="49" charset="0"/>
+              </a:rPr>
+              <a:t>Several problems here:</a:t>
+            </a:r>
+          </a:p>
+          <a:p>
+            <a:pPr marL="514350" indent="-514350">
+              <a:buFont typeface="+mj-lt"/>
+              <a:buAutoNum type="arabicPeriod"/>
+            </a:pPr>
+            <a:r>
+              <a:rPr lang="en-US" sz="2800" dirty="0" smtClean="0">
+                <a:cs typeface="Consolas" panose="020B0609020204030204" pitchFamily="49" charset="0"/>
+              </a:rPr>
+              <a:t>Which 12 is for which date field?</a:t>
+            </a:r>
+          </a:p>
+          <a:p>
+            <a:pPr marL="514350" indent="-514350">
+              <a:buFont typeface="+mj-lt"/>
+              <a:buAutoNum type="arabicPeriod"/>
+            </a:pPr>
+            <a:r>
+              <a:rPr lang="en-US" sz="2800" dirty="0" smtClean="0">
+                <a:cs typeface="Consolas" panose="020B0609020204030204" pitchFamily="49" charset="0"/>
+              </a:rPr>
+              <a:t>Month 12 </a:t>
+            </a:r>
+            <a:r>
+              <a:rPr lang="en-US" sz="2800" dirty="0">
+                <a:cs typeface="Consolas" panose="020B0609020204030204" pitchFamily="49" charset="0"/>
+              </a:rPr>
+              <a:t>should be December</a:t>
+            </a:r>
+            <a:r>
+              <a:rPr lang="en-US" sz="2800" dirty="0" smtClean="0">
+                <a:cs typeface="Consolas" panose="020B0609020204030204" pitchFamily="49" charset="0"/>
+              </a:rPr>
+              <a:t>, </a:t>
+            </a:r>
+            <a:r>
+              <a:rPr lang="en-US" sz="2800" dirty="0">
+                <a:cs typeface="Consolas" panose="020B0609020204030204" pitchFamily="49" charset="0"/>
+              </a:rPr>
+              <a:t>right? Wrong - </a:t>
+            </a:r>
+            <a:r>
+              <a:rPr lang="en-US" sz="2800" dirty="0" smtClean="0">
+                <a:cs typeface="Consolas" panose="020B0609020204030204" pitchFamily="49" charset="0"/>
+              </a:rPr>
+              <a:t>January.</a:t>
+            </a:r>
+            <a:endParaRPr lang="en-US" sz="2800" dirty="0">
+              <a:cs typeface="Consolas" panose="020B0609020204030204" pitchFamily="49" charset="0"/>
+            </a:endParaRPr>
+          </a:p>
+          <a:p>
+            <a:pPr marL="514350" indent="-514350">
+              <a:buFont typeface="+mj-lt"/>
+              <a:buAutoNum type="arabicPeriod"/>
+            </a:pPr>
+            <a:r>
+              <a:rPr lang="en-US" sz="2800" dirty="0" smtClean="0">
+                <a:cs typeface="Consolas" panose="020B0609020204030204" pitchFamily="49" charset="0"/>
+              </a:rPr>
+              <a:t>Really, a year called 12? 12 AD? No - 1913.</a:t>
+            </a:r>
+          </a:p>
+          <a:p>
+            <a:pPr marL="514350" indent="-514350">
+              <a:buFont typeface="+mj-lt"/>
+              <a:buAutoNum type="arabicPeriod"/>
+            </a:pPr>
+            <a:r>
+              <a:rPr lang="en-US" sz="2800" dirty="0" smtClean="0">
+                <a:cs typeface="Consolas" panose="020B0609020204030204" pitchFamily="49" charset="0"/>
+              </a:rPr>
+              <a:t>Wait - there is a time in a date?</a:t>
+            </a:r>
+          </a:p>
+          <a:p>
+            <a:pPr marL="514350" indent="-514350">
+              <a:buFont typeface="+mj-lt"/>
+              <a:buAutoNum type="arabicPeriod"/>
+            </a:pPr>
+            <a:r>
+              <a:rPr lang="en-US" sz="2800" dirty="0" smtClean="0">
+                <a:cs typeface="Consolas" panose="020B0609020204030204" pitchFamily="49" charset="0"/>
+              </a:rPr>
+              <a:t>More than that, there is a time zone – EST.</a:t>
+            </a:r>
+            <a:endParaRPr lang="en-US" sz="2800" dirty="0">
+              <a:cs typeface="Consolas" panose="020B0609020204030204" pitchFamily="49" charset="0"/>
+            </a:endParaRPr>
+          </a:p>
+        </p:txBody>
+      </p:sp>
+      <p:sp>
+        <p:nvSpPr>
+          <p:cNvPr id="4" name="Rectangle 3"/>
+          <p:cNvSpPr/>
+          <p:nvPr/>
+        </p:nvSpPr>
+        <p:spPr>
+          <a:xfrm>
+            <a:off x="457200" y="1371600"/>
+            <a:ext cx="8229600" cy="830997"/>
+          </a:xfrm>
+          <a:prstGeom prst="rect">
+            <a:avLst/>
+          </a:prstGeom>
+          <a:solidFill>
+            <a:schemeClr val="bg2"/>
+          </a:solidFill>
+        </p:spPr>
+        <p:txBody>
+          <a:bodyPr wrap="square">
+            <a:spAutoFit/>
+          </a:bodyPr>
+          <a:lstStyle/>
+          <a:p>
+            <a:r>
+              <a:rPr lang="en-US" sz="2800" dirty="0" err="1" smtClean="0">
+                <a:latin typeface="Consolas" panose="020B0609020204030204" pitchFamily="49" charset="0"/>
+                <a:cs typeface="Consolas" panose="020B0609020204030204" pitchFamily="49" charset="0"/>
+              </a:rPr>
+              <a:t>System.out.println</a:t>
+            </a:r>
+            <a:r>
+              <a:rPr lang="en-US" sz="2800" dirty="0" smtClean="0">
+                <a:latin typeface="Consolas" panose="020B0609020204030204" pitchFamily="49" charset="0"/>
+                <a:cs typeface="Consolas" panose="020B0609020204030204" pitchFamily="49" charset="0"/>
+              </a:rPr>
+              <a:t>(</a:t>
+            </a:r>
+            <a:r>
+              <a:rPr lang="en-US" sz="2800" b="1" dirty="0" smtClean="0">
+                <a:latin typeface="Consolas" panose="020B0609020204030204" pitchFamily="49" charset="0"/>
+                <a:cs typeface="Consolas" panose="020B0609020204030204" pitchFamily="49" charset="0"/>
+              </a:rPr>
+              <a:t>new </a:t>
+            </a:r>
+            <a:r>
+              <a:rPr lang="en-US" sz="2800" b="1" dirty="0">
+                <a:latin typeface="Consolas" panose="020B0609020204030204" pitchFamily="49" charset="0"/>
+                <a:cs typeface="Consolas" panose="020B0609020204030204" pitchFamily="49" charset="0"/>
+              </a:rPr>
+              <a:t>Date(12, 12, 12)</a:t>
+            </a:r>
+            <a:r>
+              <a:rPr lang="en-US" sz="2800" dirty="0">
+                <a:latin typeface="Consolas" panose="020B0609020204030204" pitchFamily="49" charset="0"/>
+                <a:cs typeface="Consolas" panose="020B0609020204030204" pitchFamily="49" charset="0"/>
+              </a:rPr>
+              <a:t>);</a:t>
+            </a:r>
+          </a:p>
+          <a:p>
+            <a:r>
+              <a:rPr lang="en-US" sz="2000" dirty="0">
                 <a:solidFill>
                   <a:schemeClr val="accent3">
                     <a:lumMod val="75000"/>
@@ -9521,16 +9608,10 @@
                 <a:latin typeface="Consolas" panose="020B0609020204030204" pitchFamily="49" charset="0"/>
                 <a:cs typeface="Consolas" panose="020B0609020204030204" pitchFamily="49" charset="0"/>
               </a:rPr>
-              <a:t>Several problems here:</a:t>
-            </a:r>
-          </a:p>
-          <a:p>
-            <a:pPr marL="514350" indent="-514350">
-              <a:buFont typeface="+mj-lt"/>
-              <a:buAutoNum type="arabicPeriod"/>
-            </a:pPr>
-            <a:r>
-              <a:rPr lang="en-US" sz="2800" dirty="0" smtClean="0">
+              <a:t>// </a:t>
+            </a:r>
+            <a:r>
+              <a:rPr lang="fi-FI" sz="2000" dirty="0">
                 <a:solidFill>
                   <a:schemeClr val="accent3">
                     <a:lumMod val="75000"/>
@@ -9539,208 +9620,9 @@
                 <a:latin typeface="Consolas" panose="020B0609020204030204" pitchFamily="49" charset="0"/>
                 <a:cs typeface="Consolas" panose="020B0609020204030204" pitchFamily="49" charset="0"/>
               </a:rPr>
-              <a:t>Which 12 is for which date field?</a:t>
-            </a:r>
-          </a:p>
-          <a:p>
-            <a:pPr marL="514350" indent="-514350">
-              <a:buFont typeface="+mj-lt"/>
-              <a:buAutoNum type="arabicPeriod"/>
-            </a:pPr>
-            <a:r>
-              <a:rPr lang="en-US" sz="2800" dirty="0" smtClean="0">
-                <a:solidFill>
-                  <a:schemeClr val="accent3">
-                    <a:lumMod val="75000"/>
-                  </a:schemeClr>
-                </a:solidFill>
-                <a:latin typeface="Consolas" panose="020B0609020204030204" pitchFamily="49" charset="0"/>
-                <a:cs typeface="Consolas" panose="020B0609020204030204" pitchFamily="49" charset="0"/>
-              </a:rPr>
-              <a:t>Month 12 </a:t>
-            </a:r>
-            <a:r>
-              <a:rPr lang="en-US" sz="2800" dirty="0">
-                <a:solidFill>
-                  <a:schemeClr val="accent3">
-                    <a:lumMod val="75000"/>
-                  </a:schemeClr>
-                </a:solidFill>
-                <a:latin typeface="Consolas" panose="020B0609020204030204" pitchFamily="49" charset="0"/>
-                <a:cs typeface="Consolas" panose="020B0609020204030204" pitchFamily="49" charset="0"/>
-              </a:rPr>
-              <a:t>should be December</a:t>
-            </a:r>
-            <a:r>
-              <a:rPr lang="en-US" sz="2800" dirty="0" smtClean="0">
-                <a:solidFill>
-                  <a:schemeClr val="accent3">
-                    <a:lumMod val="75000"/>
-                  </a:schemeClr>
-                </a:solidFill>
-                <a:latin typeface="Consolas" panose="020B0609020204030204" pitchFamily="49" charset="0"/>
-                <a:cs typeface="Consolas" panose="020B0609020204030204" pitchFamily="49" charset="0"/>
-              </a:rPr>
-              <a:t>, </a:t>
-            </a:r>
-            <a:r>
-              <a:rPr lang="en-US" sz="2800" dirty="0">
-                <a:solidFill>
-                  <a:schemeClr val="accent3">
-                    <a:lumMod val="75000"/>
-                  </a:schemeClr>
-                </a:solidFill>
-                <a:latin typeface="Consolas" panose="020B0609020204030204" pitchFamily="49" charset="0"/>
-                <a:cs typeface="Consolas" panose="020B0609020204030204" pitchFamily="49" charset="0"/>
-              </a:rPr>
-              <a:t>right? Wrong - </a:t>
-            </a:r>
-            <a:r>
-              <a:rPr lang="en-US" sz="2800" dirty="0" smtClean="0">
-                <a:solidFill>
-                  <a:schemeClr val="accent3">
-                    <a:lumMod val="75000"/>
-                  </a:schemeClr>
-                </a:solidFill>
-                <a:latin typeface="Consolas" panose="020B0609020204030204" pitchFamily="49" charset="0"/>
-                <a:cs typeface="Consolas" panose="020B0609020204030204" pitchFamily="49" charset="0"/>
-              </a:rPr>
-              <a:t>January.</a:t>
-            </a:r>
-            <a:endParaRPr lang="en-US" sz="2800" dirty="0">
-              <a:solidFill>
-                <a:schemeClr val="accent3">
-                  <a:lumMod val="75000"/>
-                </a:schemeClr>
-              </a:solidFill>
-              <a:latin typeface="Consolas" panose="020B0609020204030204" pitchFamily="49" charset="0"/>
-              <a:cs typeface="Consolas" panose="020B0609020204030204" pitchFamily="49" charset="0"/>
-            </a:endParaRPr>
-          </a:p>
-          <a:p>
-            <a:pPr marL="514350" indent="-514350">
-              <a:buFont typeface="+mj-lt"/>
-              <a:buAutoNum type="arabicPeriod"/>
-            </a:pPr>
-            <a:r>
-              <a:rPr lang="en-US" sz="2800" dirty="0" smtClean="0">
-                <a:solidFill>
-                  <a:schemeClr val="accent3">
-                    <a:lumMod val="75000"/>
-                  </a:schemeClr>
-                </a:solidFill>
-                <a:latin typeface="Consolas" panose="020B0609020204030204" pitchFamily="49" charset="0"/>
-                <a:cs typeface="Consolas" panose="020B0609020204030204" pitchFamily="49" charset="0"/>
-              </a:rPr>
-              <a:t>Really, a year called 12? 12 AD? No - 1913.</a:t>
-            </a:r>
-          </a:p>
-          <a:p>
-            <a:pPr marL="0" indent="0">
-              <a:buNone/>
-            </a:pPr>
-            <a:r>
-              <a:rPr lang="en-US" sz="3500" dirty="0" err="1" smtClean="0">
-                <a:latin typeface="Consolas" panose="020B0609020204030204" pitchFamily="49" charset="0"/>
-                <a:cs typeface="Consolas" panose="020B0609020204030204" pitchFamily="49" charset="0"/>
-              </a:rPr>
-              <a:t>System.out.println</a:t>
-            </a:r>
-            <a:r>
-              <a:rPr lang="en-US" sz="3500" dirty="0" smtClean="0">
-                <a:latin typeface="Consolas" panose="020B0609020204030204" pitchFamily="49" charset="0"/>
-                <a:cs typeface="Consolas" panose="020B0609020204030204" pitchFamily="49" charset="0"/>
-              </a:rPr>
-              <a:t>(</a:t>
-            </a:r>
-          </a:p>
-          <a:p>
-            <a:pPr marL="0" indent="0">
-              <a:buNone/>
-            </a:pPr>
-            <a:r>
-              <a:rPr lang="en-US" sz="3500" b="1" dirty="0" smtClean="0">
-                <a:latin typeface="Consolas" panose="020B0609020204030204" pitchFamily="49" charset="0"/>
-                <a:cs typeface="Consolas" panose="020B0609020204030204" pitchFamily="49" charset="0"/>
-              </a:rPr>
-              <a:t>new Date(12, 12, 12)</a:t>
-            </a:r>
-            <a:r>
-              <a:rPr lang="en-US" sz="3500" dirty="0" smtClean="0">
-                <a:latin typeface="Consolas" panose="020B0609020204030204" pitchFamily="49" charset="0"/>
-                <a:cs typeface="Consolas" panose="020B0609020204030204" pitchFamily="49" charset="0"/>
-              </a:rPr>
-              <a:t>);</a:t>
-            </a:r>
-          </a:p>
-          <a:p>
-            <a:pPr marL="0" indent="0">
-              <a:buNone/>
-            </a:pPr>
-            <a:r>
-              <a:rPr lang="en-US" sz="2800" dirty="0" smtClean="0">
-                <a:solidFill>
-                  <a:schemeClr val="tx2"/>
-                </a:solidFill>
-                <a:latin typeface="Consolas" panose="020B0609020204030204" pitchFamily="49" charset="0"/>
-                <a:cs typeface="Consolas" panose="020B0609020204030204" pitchFamily="49" charset="0"/>
-              </a:rPr>
-              <a:t>// </a:t>
-            </a:r>
-            <a:r>
-              <a:rPr lang="fi-FI" sz="2800" dirty="0">
-                <a:solidFill>
-                  <a:schemeClr val="tx2"/>
-                </a:solidFill>
-                <a:latin typeface="Consolas" panose="020B0609020204030204" pitchFamily="49" charset="0"/>
-                <a:cs typeface="Consolas" panose="020B0609020204030204" pitchFamily="49" charset="0"/>
-              </a:rPr>
               <a:t>Sun Jan 12 00:00:00 EST 1913</a:t>
             </a:r>
-            <a:endParaRPr lang="en-US" sz="2800" dirty="0" smtClean="0">
-              <a:solidFill>
-                <a:schemeClr val="tx2"/>
-              </a:solidFill>
-              <a:latin typeface="Consolas" panose="020B0609020204030204" pitchFamily="49" charset="0"/>
-              <a:cs typeface="Consolas" panose="020B0609020204030204" pitchFamily="49" charset="0"/>
-            </a:endParaRPr>
-          </a:p>
-          <a:p>
-            <a:pPr marL="514350" indent="-514350">
-              <a:buFont typeface="+mj-lt"/>
-              <a:buAutoNum type="arabicPeriod"/>
-            </a:pPr>
-            <a:r>
-              <a:rPr lang="en-US" sz="2800" dirty="0" smtClean="0">
-                <a:solidFill>
-                  <a:schemeClr val="accent3">
-                    <a:lumMod val="75000"/>
-                  </a:schemeClr>
-                </a:solidFill>
-                <a:latin typeface="Consolas" panose="020B0609020204030204" pitchFamily="49" charset="0"/>
-                <a:cs typeface="Consolas" panose="020B0609020204030204" pitchFamily="49" charset="0"/>
-              </a:rPr>
-              <a:t>Wait - there is a time in a date?</a:t>
-            </a:r>
-          </a:p>
-          <a:p>
-            <a:pPr marL="514350" indent="-514350">
-              <a:buFont typeface="+mj-lt"/>
-              <a:buAutoNum type="arabicPeriod"/>
-            </a:pPr>
-            <a:r>
-              <a:rPr lang="en-US" sz="2800" dirty="0" smtClean="0">
-                <a:solidFill>
-                  <a:schemeClr val="accent3">
-                    <a:lumMod val="75000"/>
-                  </a:schemeClr>
-                </a:solidFill>
-                <a:latin typeface="Consolas" panose="020B0609020204030204" pitchFamily="49" charset="0"/>
-                <a:cs typeface="Consolas" panose="020B0609020204030204" pitchFamily="49" charset="0"/>
-              </a:rPr>
-              <a:t>More than that, there is a time zone – EST.</a:t>
-            </a:r>
-            <a:endParaRPr lang="en-US" sz="2800" dirty="0">
+            <a:endParaRPr lang="en-US" sz="2000" dirty="0">
               <a:solidFill>
                 <a:schemeClr val="accent3">
                   <a:lumMod val="75000"/>
@@ -9783,7 +9665,7 @@
                             </p:stCondLst>
                             <p:childTnLst>
                               <p:par>
-                                <p:cTn id="5" presetID="2" presetClass="entr" presetSubtype="4" fill="hold" nodeType="clickEffect">
+                                <p:cTn id="5" presetID="10" presetClass="entr" presetSubtype="0" fill="hold" nodeType="clickEffect">
                                   <p:stCondLst>
                                     <p:cond delay="0"/>
                                   </p:stCondLst>
@@ -9796,9 +9678,9 @@
                                           </p:stCondLst>
                                         </p:cTn>
                                         <p:tgtEl>
-                                          <p:spTgt spid="3">
+                                          <p:spTgt spid="4">
                                             <p:txEl>
-                                              <p:pRg st="6" end="6"/>
+                                              <p:pRg st="1" end="1"/>
                                             </p:txEl>
                                           </p:spTgt>
                                         </p:tgtEl>
@@ -9810,60 +9692,18 @@
                                         <p:strVal val="visible"/>
                                       </p:to>
                                     </p:set>
-                                    <p:anim calcmode="lin" valueType="num">
-                                      <p:cBhvr additive="base">
-                                        <p:cTn id="7" dur="500" fill="hold"/>
+                                    <p:animEffect transition="in" filter="fade">
+                                      <p:cBhvr>
+                                        <p:cTn id="7" dur="500"/>
                                         <p:tgtEl>
-                                          <p:spTgt spid="3">
+                                          <p:spTgt spid="4">
                                             <p:txEl>
-                                              <p:pRg st="6" end="6"/>
+                                              <p:pRg st="1" end="1"/>
                                             </p:txEl>
                                           </p:spTgt>
                                         </p:tgtEl>
-                                        <p:attrNameLst>
-                                          <p:attrName>ppt_x</p:attrName>
-                                        </p:attrNameLst>
                                       </p:cBhvr>
-                                      <p:tavLst>
-                                        <p:tav tm="0">
-                                          <p:val>
-                                            <p:strVal val="#ppt_x"/>
-                                          </p:val>
-                                        </p:tav>
-                                        <p:tav tm="100000">
-                                          <p:val>
-                                            <p:strVal val="#ppt_x"/>
-                                          </p:val>
-                                        </p:tav>
-                                      </p:tavLst>
-                                    </p:anim>
-                                    <p:anim calcmode="lin" valueType="num">
-                                      <p:cBhvr additive="base">
-                                        <p:cTn id="8" dur="500" fill="hold"/>
-                                        <p:tgtEl>
-                                          <p:spTgt spid="3">
-                                            <p:txEl>
-                                              <p:pRg st="6" end="6"/>
-                                            </p:txEl>
-                                          </p:spTgt>
-                                        </p:tgtEl>
-                                        <p:attrNameLst>
-                                          <p:attrName>ppt_y</p:attrName>
-                                        </p:attrNameLst>
-                                      </p:cBhvr>
-                                      <p:tavLst>
-                                        <p:tav tm="0">
-                                          <p:val>
-                                            <p:strVal val="1+#ppt_h/2"/>
-                                          </p:val>
-                                        </p:tav>
-                                        <p:tav tm="100000">
-                                          <p:val>
-                                            <p:strVal val="#ppt_y"/>
-                                          </p:val>
-                                        </p:tav>
-                                      </p:tavLst>
-                                    </p:anim>
+                                    </p:animEffect>
                                   </p:childTnLst>
                                 </p:cTn>
                               </p:par>
@@ -9874,26 +9714,26 @@
                     </p:cTn>
                   </p:par>
                   <p:par>
-                    <p:cTn id="9" fill="hold">
+                    <p:cTn id="8" fill="hold">
                       <p:stCondLst>
                         <p:cond delay="indefinite"/>
                       </p:stCondLst>
                       <p:childTnLst>
                         <p:par>
-                          <p:cTn id="10" fill="hold">
+                          <p:cTn id="9" fill="hold">
                             <p:stCondLst>
                               <p:cond delay="0"/>
                             </p:stCondLst>
                             <p:childTnLst>
                               <p:par>
-                                <p:cTn id="11" presetID="2" presetClass="entr" presetSubtype="4" fill="hold" nodeType="clickEffect">
+                                <p:cTn id="10" presetID="2" presetClass="entr" presetSubtype="4" fill="hold" nodeType="clickEffect">
                                   <p:stCondLst>
                                     <p:cond delay="0"/>
                                   </p:stCondLst>
                                   <p:childTnLst>
                                     <p:set>
                                       <p:cBhvr>
-                                        <p:cTn id="12" dur="1" fill="hold">
+                                        <p:cTn id="11" dur="1" fill="hold">
                                           <p:stCondLst>
                                             <p:cond delay="0"/>
                                           </p:stCondLst>
@@ -9915,7 +9755,7 @@
                                     </p:set>
                                     <p:anim calcmode="lin" valueType="num">
                                       <p:cBhvr additive="base">
-                                        <p:cTn id="13" dur="500" fill="hold"/>
+                                        <p:cTn id="12" dur="500" fill="hold"/>
                                         <p:tgtEl>
                                           <p:spTgt spid="3">
                                             <p:txEl>
@@ -9942,7 +9782,7 @@
                                     </p:anim>
                                     <p:anim calcmode="lin" valueType="num">
                                       <p:cBhvr additive="base">
-                                        <p:cTn id="14" dur="500" fill="hold"/>
+                                        <p:cTn id="13" dur="500" fill="hold"/>
                                         <p:tgtEl>
                                           <p:spTgt spid="3">
                                             <p:txEl>
@@ -9977,26 +9817,26 @@
                     </p:cTn>
                   </p:par>
                   <p:par>
-                    <p:cTn id="15" fill="hold">
+                    <p:cTn id="14" fill="hold">
                       <p:stCondLst>
                         <p:cond delay="indefinite"/>
                       </p:stCondLst>
                       <p:childTnLst>
                         <p:par>
-                          <p:cTn id="16" fill="hold">
+                          <p:cTn id="15" fill="hold">
                             <p:stCondLst>
                               <p:cond delay="0"/>
                             </p:stCondLst>
                             <p:childTnLst>
                               <p:par>
-                                <p:cTn id="17" presetID="2" presetClass="entr" presetSubtype="4" fill="hold" nodeType="clickEffect">
+                                <p:cTn id="16" presetID="2" presetClass="entr" presetSubtype="4" fill="hold" nodeType="clickEffect">
                                   <p:stCondLst>
                                     <p:cond delay="0"/>
                                   </p:stCondLst>
                                   <p:childTnLst>
                                     <p:set>
                                       <p:cBhvr>
-                                        <p:cTn id="18" dur="1" fill="hold">
+                                        <p:cTn id="17" dur="1" fill="hold">
                                           <p:stCondLst>
                                             <p:cond delay="0"/>
                                           </p:stCondLst>
@@ -10018,7 +9858,7 @@
                                     </p:set>
                                     <p:anim calcmode="lin" valueType="num">
                                       <p:cBhvr additive="base">
-                                        <p:cTn id="19" dur="500" fill="hold"/>
+                                        <p:cTn id="18" dur="500" fill="hold"/>
                                         <p:tgtEl>
                                           <p:spTgt spid="3">
                                             <p:txEl>
@@ -10045,7 +9885,7 @@
                                     </p:anim>
                                     <p:anim calcmode="lin" valueType="num">
                                       <p:cBhvr additive="base">
-                                        <p:cTn id="20" dur="500" fill="hold"/>
+                                        <p:cTn id="19" dur="500" fill="hold"/>
                                         <p:tgtEl>
                                           <p:spTgt spid="3">
                                             <p:txEl>
@@ -10080,26 +9920,26 @@
                     </p:cTn>
                   </p:par>
                   <p:par>
-                    <p:cTn id="21" fill="hold">
+                    <p:cTn id="20" fill="hold">
                       <p:stCondLst>
                         <p:cond delay="indefinite"/>
                       </p:stCondLst>
                       <p:childTnLst>
                         <p:par>
-                          <p:cTn id="22" fill="hold">
+                          <p:cTn id="21" fill="hold">
                             <p:stCondLst>
                               <p:cond delay="0"/>
                             </p:stCondLst>
                             <p:childTnLst>
                               <p:par>
-                                <p:cTn id="23" presetID="2" presetClass="entr" presetSubtype="4" fill="hold" nodeType="clickEffect">
+                                <p:cTn id="22" presetID="2" presetClass="entr" presetSubtype="4" fill="hold" nodeType="clickEffect">
                                   <p:stCondLst>
                                     <p:cond delay="0"/>
                                   </p:stCondLst>
                                   <p:childTnLst>
                                     <p:set>
                                       <p:cBhvr>
-                                        <p:cTn id="24" dur="1" fill="hold">
+                                        <p:cTn id="23" dur="1" fill="hold">
                                           <p:stCondLst>
                                             <p:cond delay="0"/>
                                           </p:stCondLst>
@@ -10121,7 +9961,7 @@
                                     </p:set>
                                     <p:anim calcmode="lin" valueType="num">
                                       <p:cBhvr additive="base">
-                                        <p:cTn id="25" dur="500" fill="hold"/>
+                                        <p:cTn id="24" dur="500" fill="hold"/>
                                         <p:tgtEl>
                                           <p:spTgt spid="3">
                                             <p:txEl>
@@ -10148,7 +9988,7 @@
                                     </p:anim>
                                     <p:anim calcmode="lin" valueType="num">
                                       <p:cBhvr additive="base">
-                                        <p:cTn id="26" dur="500" fill="hold"/>
+                                        <p:cTn id="25" dur="500" fill="hold"/>
                                         <p:tgtEl>
                                           <p:spTgt spid="3">
                                             <p:txEl>
@@ -10183,26 +10023,26 @@
                     </p:cTn>
                   </p:par>
                   <p:par>
-                    <p:cTn id="27" fill="hold">
+                    <p:cTn id="26" fill="hold">
                       <p:stCondLst>
                         <p:cond delay="indefinite"/>
                       </p:stCondLst>
                       <p:childTnLst>
                         <p:par>
-                          <p:cTn id="28" fill="hold">
+                          <p:cTn id="27" fill="hold">
                             <p:stCondLst>
                               <p:cond delay="0"/>
                             </p:stCondLst>
                             <p:childTnLst>
                               <p:par>
-                                <p:cTn id="29" presetID="2" presetClass="entr" presetSubtype="4" fill="hold" nodeType="clickEffect">
+                                <p:cTn id="28" presetID="2" presetClass="entr" presetSubtype="4" fill="hold" nodeType="clickEffect">
                                   <p:stCondLst>
                                     <p:cond delay="0"/>
                                   </p:stCondLst>
                                   <p:childTnLst>
                                     <p:set>
                                       <p:cBhvr>
-                                        <p:cTn id="30" dur="1" fill="hold">
+                                        <p:cTn id="29" dur="1" fill="hold">
                                           <p:stCondLst>
                                             <p:cond delay="0"/>
                                           </p:stCondLst>
@@ -10224,7 +10064,7 @@
                                     </p:set>
                                     <p:anim calcmode="lin" valueType="num">
                                       <p:cBhvr additive="base">
-                                        <p:cTn id="31" dur="500" fill="hold"/>
+                                        <p:cTn id="30" dur="500" fill="hold"/>
                                         <p:tgtEl>
                                           <p:spTgt spid="3">
                                             <p:txEl>
@@ -10251,7 +10091,7 @@
                                     </p:anim>
                                     <p:anim calcmode="lin" valueType="num">
                                       <p:cBhvr additive="base">
-                                        <p:cTn id="32" dur="500" fill="hold"/>
+                                        <p:cTn id="31" dur="500" fill="hold"/>
                                         <p:tgtEl>
                                           <p:spTgt spid="3">
                                             <p:txEl>
@@ -10286,26 +10126,26 @@
                     </p:cTn>
                   </p:par>
                   <p:par>
-                    <p:cTn id="33" fill="hold">
+                    <p:cTn id="32" fill="hold">
                       <p:stCondLst>
                         <p:cond delay="indefinite"/>
                       </p:stCondLst>
                       <p:childTnLst>
                         <p:par>
-                          <p:cTn id="34" fill="hold">
+                          <p:cTn id="33" fill="hold">
                             <p:stCondLst>
                               <p:cond delay="0"/>
                             </p:stCondLst>
                             <p:childTnLst>
                               <p:par>
-                                <p:cTn id="35" presetID="2" presetClass="entr" presetSubtype="4" fill="hold" nodeType="clickEffect">
+                                <p:cTn id="34" presetID="2" presetClass="entr" presetSubtype="4" fill="hold" nodeType="clickEffect">
                                   <p:stCondLst>
                                     <p:cond delay="0"/>
                                   </p:stCondLst>
                                   <p:childTnLst>
                                     <p:set>
                                       <p:cBhvr>
-                                        <p:cTn id="36" dur="1" fill="hold">
+                                        <p:cTn id="35" dur="1" fill="hold">
                                           <p:stCondLst>
                                             <p:cond delay="0"/>
                                           </p:stCondLst>
@@ -10313,7 +10153,7 @@
                                         <p:tgtEl>
                                           <p:spTgt spid="3">
                                             <p:txEl>
-                                              <p:pRg st="7" end="7"/>
+                                              <p:pRg st="4" end="4"/>
                                             </p:txEl>
                                           </p:spTgt>
                                         </p:tgtEl>
@@ -10327,11 +10167,11 @@
                                     </p:set>
                                     <p:anim calcmode="lin" valueType="num">
                                       <p:cBhvr additive="base">
-                                        <p:cTn id="37" dur="500" fill="hold"/>
+                                        <p:cTn id="36" dur="500" fill="hold"/>
                                         <p:tgtEl>
                                           <p:spTgt spid="3">
                                             <p:txEl>
-                                              <p:pRg st="7" end="7"/>
+                                              <p:pRg st="4" end="4"/>
                                             </p:txEl>
                                           </p:spTgt>
                                         </p:tgtEl>
@@ -10354,11 +10194,11 @@
                                     </p:anim>
                                     <p:anim calcmode="lin" valueType="num">
                                       <p:cBhvr additive="base">
-                                        <p:cTn id="38" dur="500" fill="hold"/>
+                                        <p:cTn id="37" dur="500" fill="hold"/>
                                         <p:tgtEl>
                                           <p:spTgt spid="3">
                                             <p:txEl>
-                                              <p:pRg st="7" end="7"/>
+                                              <p:pRg st="4" end="4"/>
                                             </p:txEl>
                                           </p:spTgt>
                                         </p:tgtEl>
@@ -10389,26 +10229,26 @@
                     </p:cTn>
                   </p:par>
                   <p:par>
-                    <p:cTn id="39" fill="hold">
+                    <p:cTn id="38" fill="hold">
                       <p:stCondLst>
                         <p:cond delay="indefinite"/>
                       </p:stCondLst>
                       <p:childTnLst>
                         <p:par>
-                          <p:cTn id="40" fill="hold">
+                          <p:cTn id="39" fill="hold">
                             <p:stCondLst>
                               <p:cond delay="0"/>
                             </p:stCondLst>
                             <p:childTnLst>
                               <p:par>
-                                <p:cTn id="41" presetID="2" presetClass="entr" presetSubtype="4" fill="hold" nodeType="clickEffect">
+                                <p:cTn id="40" presetID="2" presetClass="entr" presetSubtype="4" fill="hold" nodeType="clickEffect">
                                   <p:stCondLst>
                                     <p:cond delay="0"/>
                                   </p:stCondLst>
                                   <p:childTnLst>
                                     <p:set>
                                       <p:cBhvr>
-                                        <p:cTn id="42" dur="1" fill="hold">
+                                        <p:cTn id="41" dur="1" fill="hold">
                                           <p:stCondLst>
                                             <p:cond delay="0"/>
                                           </p:stCondLst>
@@ -10416,7 +10256,7 @@
                                         <p:tgtEl>
                                           <p:spTgt spid="3">
                                             <p:txEl>
-                                              <p:pRg st="8" end="8"/>
+                                              <p:pRg st="5" end="5"/>
                                             </p:txEl>
                                           </p:spTgt>
                                         </p:tgtEl>
@@ -10430,11 +10270,11 @@
                                     </p:set>
                                     <p:anim calcmode="lin" valueType="num">
                                       <p:cBhvr additive="base">
-                                        <p:cTn id="43" dur="500" fill="hold"/>
+                                        <p:cTn id="42" dur="500" fill="hold"/>
                                         <p:tgtEl>
                                           <p:spTgt spid="3">
                                             <p:txEl>
-                                              <p:pRg st="8" end="8"/>
+                                              <p:pRg st="5" end="5"/>
                                             </p:txEl>
                                           </p:spTgt>
                                         </p:tgtEl>
@@ -10457,11 +10297,11 @@
                                     </p:anim>
                                     <p:anim calcmode="lin" valueType="num">
                                       <p:cBhvr additive="base">
-                                        <p:cTn id="44" dur="500" fill="hold"/>
+                                        <p:cTn id="43" dur="500" fill="hold"/>
                                         <p:tgtEl>
                                           <p:spTgt spid="3">
                                             <p:txEl>
-                                              <p:pRg st="8" end="8"/>
+                                              <p:pRg st="5" end="5"/>
                                             </p:txEl>
                                           </p:spTgt>
                                         </p:tgtEl>
@@ -10569,85 +10409,88 @@
         <p:spPr/>
         <p:txBody>
           <a:bodyPr>
-            <a:normAutofit lnSpcReduction="10000"/>
+            <a:noAutofit/>
           </a:bodyPr>
           <a:lstStyle/>
           <a:p>
             <a:r>
-              <a:rPr lang="en-US" dirty="0"/>
+              <a:rPr lang="en-US" sz="3000" dirty="0"/>
               <a:t>International standard for representation of dates and </a:t>
             </a:r>
             <a:r>
-              <a:rPr lang="en-US" dirty="0" smtClean="0"/>
+              <a:rPr lang="en-US" sz="3000" dirty="0" smtClean="0"/>
               <a:t>times</a:t>
             </a:r>
           </a:p>
           <a:p>
             <a:r>
-              <a:rPr lang="en-US" dirty="0" smtClean="0"/>
+              <a:rPr lang="en-US" sz="3000" dirty="0" smtClean="0"/>
               <a:t>Uses the Gregorian calendar system</a:t>
             </a:r>
           </a:p>
           <a:p>
             <a:r>
-              <a:rPr lang="en-US" dirty="0" smtClean="0"/>
+              <a:rPr lang="en-US" sz="3000" dirty="0" smtClean="0"/>
               <a:t>Ordered </a:t>
             </a:r>
             <a:r>
-              <a:rPr lang="en-US" dirty="0"/>
+              <a:rPr lang="en-US" sz="3000" dirty="0"/>
               <a:t>from </a:t>
             </a:r>
             <a:r>
-              <a:rPr lang="en-US" dirty="0" smtClean="0"/>
+              <a:rPr lang="en-US" sz="3000" dirty="0" smtClean="0"/>
               <a:t>most </a:t>
             </a:r>
             <a:r>
-              <a:rPr lang="en-US" dirty="0"/>
+              <a:rPr lang="en-US" sz="3000" dirty="0"/>
               <a:t>to </a:t>
             </a:r>
             <a:r>
-              <a:rPr lang="en-US" dirty="0" smtClean="0"/>
+              <a:rPr lang="en-US" sz="3000" dirty="0" smtClean="0"/>
               <a:t>least </a:t>
             </a:r>
             <a:r>
-              <a:rPr lang="en-US" dirty="0"/>
+              <a:rPr lang="en-US" sz="3000" dirty="0"/>
               <a:t>significant: year, </a:t>
             </a:r>
             <a:r>
-              <a:rPr lang="en-US" dirty="0" smtClean="0"/>
+              <a:rPr lang="en-US" sz="3000" dirty="0" smtClean="0"/>
               <a:t>month, </a:t>
             </a:r>
             <a:r>
-              <a:rPr lang="en-US" dirty="0"/>
-              <a:t>day, hour, minute, second, and fraction of second </a:t>
-            </a:r>
-            <a:endParaRPr lang="en-US" dirty="0" smtClean="0"/>
-          </a:p>
-          <a:p>
-            <a:r>
-              <a:rPr lang="en-US" dirty="0" smtClean="0"/>
+              <a:rPr lang="en-US" sz="3000" dirty="0"/>
+              <a:t>day, hour, </a:t>
+            </a:r>
+            <a:r>
+              <a:rPr lang="en-US" sz="3000" dirty="0" smtClean="0"/>
+              <a:t>minute</a:t>
+            </a:r>
+          </a:p>
+          <a:p>
+            <a:r>
+              <a:rPr lang="en-US" sz="3000" dirty="0" smtClean="0"/>
               <a:t>Each </a:t>
             </a:r>
             <a:r>
-              <a:rPr lang="en-US" dirty="0"/>
+              <a:rPr lang="en-US" sz="3000" dirty="0"/>
               <a:t>date and time value has a fixed number of digits padded with leading </a:t>
             </a:r>
             <a:r>
-              <a:rPr lang="en-US" dirty="0" err="1"/>
+              <a:rPr lang="en-US" sz="3000" dirty="0" err="1"/>
               <a:t>zeros</a:t>
             </a:r>
-            <a:endParaRPr lang="en-US" dirty="0"/>
-          </a:p>
-          <a:p>
-            <a:r>
-              <a:rPr lang="en-US" dirty="0"/>
-              <a:t>Uses a minimum four-digit year [YYYY</a:t>
-            </a:r>
-            <a:r>
-              <a:rPr lang="en-US" dirty="0" smtClean="0"/>
-              <a:t>]</a:t>
-            </a:r>
-            <a:endParaRPr lang="en-US" dirty="0"/>
+            <a:endParaRPr lang="en-US" sz="3000" dirty="0"/>
+          </a:p>
+          <a:p>
+            <a:r>
+              <a:rPr lang="en-US" sz="3000" dirty="0"/>
+              <a:t>Uses a minimum four-digit </a:t>
+            </a:r>
+            <a:r>
+              <a:rPr lang="en-US" sz="3000" dirty="0" smtClean="0"/>
+              <a:t>year, YYYY</a:t>
+            </a:r>
+            <a:endParaRPr lang="en-US" sz="3000" dirty="0"/>
           </a:p>
         </p:txBody>
       </p:sp>
@@ -10867,7 +10710,15 @@
           <a:p>
             <a:r>
               <a:rPr lang="en-US" dirty="0"/>
-              <a:t>Humans have a totally different view of time</a:t>
+              <a:t>Humans have a </a:t>
+            </a:r>
+            <a:r>
+              <a:rPr lang="en-US" dirty="0" smtClean="0"/>
+              <a:t>different </a:t>
+            </a:r>
+            <a:r>
+              <a:rPr lang="en-US" dirty="0"/>
+              <a:t>view of time</a:t>
             </a:r>
           </a:p>
           <a:p>
@@ -10904,7 +10755,7 @@
             </a:r>
             <a:r>
               <a:rPr lang="en-US" dirty="0" smtClean="0"/>
-              <a:t>rbitrary units such as years</a:t>
+              <a:t>rbitrary units like years</a:t>
             </a:r>
             <a:r>
               <a:rPr lang="en-US" dirty="0"/>
@@ -11004,13 +10855,18 @@
           <a:p>
             <a:r>
               <a:rPr lang="en-US" sz="3000" dirty="0"/>
-              <a:t>Distinguishes between machine and human views of a timeline</a:t>
-            </a:r>
-          </a:p>
-          <a:p>
+              <a:t>Distinguishes between machine and human views </a:t>
+            </a:r>
+            <a:endParaRPr lang="en-US" sz="3000" dirty="0" smtClean="0"/>
+          </a:p>
+          <a:p>
+            <a:r>
+              <a:rPr lang="en-US" sz="3000" dirty="0" smtClean="0"/>
+              <a:t>Timeline </a:t>
+            </a:r>
             <a:r>
               <a:rPr lang="en-US" sz="3000" dirty="0"/>
-              <a:t>Timeline is </a:t>
+              <a:t>is </a:t>
             </a:r>
             <a:r>
               <a:rPr lang="en-US" sz="3000" dirty="0" smtClean="0"/>
@@ -11023,12 +10879,8 @@
           </a:p>
           <a:p>
             <a:r>
-              <a:rPr lang="en-US" sz="3000" dirty="0"/>
-              <a:t>Immutable and thread </a:t>
-            </a:r>
-            <a:r>
               <a:rPr lang="en-US" sz="3000" dirty="0" smtClean="0"/>
-              <a:t>safe</a:t>
+              <a:t>Immutable, thread safe</a:t>
             </a:r>
             <a:endParaRPr lang="en-US" sz="3000" dirty="0"/>
           </a:p>
@@ -11075,8 +10927,13 @@
           <a:p>
             <a:r>
               <a:rPr lang="en-US" sz="3000" dirty="0"/>
-              <a:t>Extensible, by use of the strategy design pattern</a:t>
-            </a:r>
+              <a:t>Extensible, by use of </a:t>
+            </a:r>
+            <a:r>
+              <a:rPr lang="en-US" sz="3000" dirty="0" smtClean="0"/>
+              <a:t>strategy pattern</a:t>
+            </a:r>
+            <a:endParaRPr lang="en-US" sz="3000" dirty="0"/>
           </a:p>
         </p:txBody>
       </p:sp>
@@ -11153,13 +11010,17 @@
         <p:spPr/>
         <p:txBody>
           <a:bodyPr>
-            <a:normAutofit lnSpcReduction="10000"/>
+            <a:normAutofit/>
           </a:bodyPr>
           <a:lstStyle/>
           <a:p>
             <a:r>
+              <a:rPr lang="en-US" sz="3000" dirty="0" smtClean="0"/>
+              <a:t>Instantaneous </a:t>
+            </a:r>
+            <a:r>
               <a:rPr lang="en-US" sz="3000" dirty="0"/>
-              <a:t>An instantaneous point on </a:t>
+              <a:t>point on </a:t>
             </a:r>
             <a:r>
               <a:rPr lang="en-US" sz="3000" dirty="0" smtClean="0"/>
@@ -11169,11 +11030,11 @@
           <a:p>
             <a:r>
               <a:rPr lang="en-US" sz="3000" dirty="0" smtClean="0"/>
-              <a:t>Used </a:t>
+              <a:t>Used for event </a:t>
             </a:r>
             <a:r>
               <a:rPr lang="en-US" sz="3000" dirty="0"/>
-              <a:t>to record event time-stamps in </a:t>
+              <a:t>time-stamps in </a:t>
             </a:r>
             <a:r>
               <a:rPr lang="en-US" sz="3000" dirty="0" smtClean="0"/>
@@ -11253,11 +11114,11 @@
           <a:p>
             <a:r>
               <a:rPr lang="en-US" sz="3000" dirty="0" smtClean="0"/>
-              <a:t>Can </a:t>
+              <a:t>Convert </a:t>
             </a:r>
             <a:r>
               <a:rPr lang="en-US" sz="3000" dirty="0"/>
-              <a:t>be converted to any date time field using a Chronology</a:t>
+              <a:t>to any date time field using a Chronology</a:t>
             </a:r>
           </a:p>
         </p:txBody>
@@ -11363,23 +11224,7 @@
           <a:p>
             <a:r>
               <a:rPr lang="en-US" sz="3000" dirty="0" smtClean="0"/>
-              <a:t>Definition </a:t>
-            </a:r>
-            <a:r>
-              <a:rPr lang="en-US" sz="3000" dirty="0"/>
-              <a:t>is </a:t>
-            </a:r>
-            <a:r>
-              <a:rPr lang="en-US" sz="3000" dirty="0" smtClean="0"/>
-              <a:t>field-based</a:t>
-            </a:r>
-            <a:r>
-              <a:rPr lang="en-US" sz="3000" dirty="0"/>
-              <a:t>, using </a:t>
-            </a:r>
-            <a:r>
-              <a:rPr lang="en-US" sz="3000" dirty="0" smtClean="0"/>
-              <a:t>fields such </a:t>
+              <a:t>Definition uses fields such </a:t>
             </a:r>
             <a:r>
               <a:rPr lang="en-US" sz="3000" dirty="0"/>
@@ -11392,16 +11237,12 @@
           </a:p>
           <a:p>
             <a:r>
+              <a:rPr lang="en-US" sz="3000" dirty="0" smtClean="0"/>
+              <a:t>Commonly </a:t>
+            </a:r>
+            <a:r>
               <a:rPr lang="en-US" sz="3000" dirty="0"/>
-              <a:t>C</a:t>
-            </a:r>
-            <a:r>
-              <a:rPr lang="en-US" sz="3000" dirty="0" smtClean="0"/>
-              <a:t>lasses available for </a:t>
-            </a:r>
-            <a:r>
-              <a:rPr lang="en-US" sz="3000" dirty="0"/>
-              <a:t>commonly used partials, </a:t>
+              <a:t>used partials, </a:t>
             </a:r>
             <a:r>
               <a:rPr lang="en-US" sz="3000" dirty="0" smtClean="0"/>
@@ -11429,55 +11270,7 @@
             </a:r>
             <a:r>
               <a:rPr lang="en-US" sz="3000" dirty="0" smtClean="0"/>
-              <a:t>(card expiration?), </a:t>
-            </a:r>
-            <a:r>
-              <a:rPr lang="en-US" sz="3000" dirty="0" err="1" smtClean="0"/>
-              <a:t>LocalDate</a:t>
-            </a:r>
-            <a:r>
-              <a:rPr lang="en-US" sz="3000" dirty="0"/>
-              <a:t> </a:t>
-            </a:r>
-            <a:r>
-              <a:rPr lang="en-US" sz="3000" dirty="0" smtClean="0"/>
-              <a:t>(date </a:t>
-            </a:r>
-            <a:r>
-              <a:rPr lang="en-US" sz="3000" dirty="0"/>
-              <a:t>with no time or time zone), </a:t>
-            </a:r>
-            <a:r>
-              <a:rPr lang="en-US" sz="3000" dirty="0" smtClean="0"/>
-              <a:t>and </a:t>
-            </a:r>
-            <a:r>
-              <a:rPr lang="en-US" sz="3000" dirty="0" err="1" smtClean="0"/>
-              <a:t>LocalTime</a:t>
-            </a:r>
-            <a:r>
-              <a:rPr lang="en-US" sz="3000" dirty="0"/>
-              <a:t> </a:t>
-            </a:r>
-            <a:r>
-              <a:rPr lang="en-US" sz="3000" dirty="0" smtClean="0"/>
-              <a:t>(time </a:t>
-            </a:r>
-            <a:r>
-              <a:rPr lang="en-US" sz="3000" dirty="0"/>
-              <a:t>with </a:t>
-            </a:r>
-            <a:r>
-              <a:rPr lang="en-US" sz="3000" dirty="0" smtClean="0"/>
-              <a:t>no date and no </a:t>
-            </a:r>
-            <a:r>
-              <a:rPr lang="en-US" sz="3000" dirty="0"/>
-              <a:t>time zone</a:t>
-            </a:r>
-            <a:r>
-              <a:rPr lang="en-US" sz="3000" dirty="0" smtClean="0"/>
-              <a:t>)</a:t>
+              <a:t>(card expiration?) are available </a:t>
             </a:r>
             <a:endParaRPr lang="en-US" sz="3000" dirty="0"/>
           </a:p>
@@ -11562,11 +11355,11 @@
           <a:p>
             <a:r>
               <a:rPr lang="en-US" sz="3000" dirty="0" smtClean="0"/>
-              <a:t>A </a:t>
+              <a:t>Precise </a:t>
             </a:r>
             <a:r>
               <a:rPr lang="en-US" sz="3000" dirty="0"/>
-              <a:t>precise length of elapsed time, in </a:t>
+              <a:t>length of elapsed time, in </a:t>
             </a:r>
             <a:r>
               <a:rPr lang="en-US" sz="3000" dirty="0" smtClean="0"/>
@@ -11598,11 +11391,35 @@
             </a:r>
             <a:r>
               <a:rPr lang="en-US" sz="3000" dirty="0" smtClean="0"/>
-              <a:t>an </a:t>
+              <a:t>an be negative, </a:t>
             </a:r>
             <a:r>
               <a:rPr lang="en-US" sz="3000" dirty="0"/>
-              <a:t>have a negative value, if it is created with an end point that occurs before the start point</a:t>
+              <a:t>if </a:t>
+            </a:r>
+            <a:r>
+              <a:rPr lang="en-US" sz="3000" dirty="0" smtClean="0"/>
+              <a:t>created </a:t>
+            </a:r>
+            <a:r>
+              <a:rPr lang="en-US" sz="3000" dirty="0"/>
+              <a:t>with </a:t>
+            </a:r>
+            <a:r>
+              <a:rPr lang="en-US" sz="3000" dirty="0" smtClean="0"/>
+              <a:t>end </a:t>
+            </a:r>
+            <a:r>
+              <a:rPr lang="en-US" sz="3000" dirty="0"/>
+              <a:t>point </a:t>
+            </a:r>
+            <a:r>
+              <a:rPr lang="en-US" sz="3000" dirty="0" smtClean="0"/>
+              <a:t>before start </a:t>
+            </a:r>
+            <a:r>
+              <a:rPr lang="en-US" sz="3000" dirty="0"/>
+              <a:t>point</a:t>
             </a:r>
           </a:p>
         </p:txBody>
@@ -11802,36 +11619,41 @@
             <p:ph idx="1"/>
           </p:nvPr>
         </p:nvSpPr>
-        <p:spPr/>
+        <p:spPr>
+          <a:xfrm>
+            <a:off x="457200" y="1600200"/>
+            <a:ext cx="8229600" cy="2514599"/>
+          </a:xfrm>
+        </p:spPr>
         <p:txBody>
           <a:bodyPr>
-            <a:normAutofit fontScale="40000" lnSpcReduction="20000"/>
+            <a:normAutofit lnSpcReduction="10000"/>
           </a:bodyPr>
           <a:lstStyle/>
           <a:p>
             <a:r>
-              <a:rPr lang="en-US" sz="7500" dirty="0"/>
+              <a:rPr lang="en-US" sz="3000" dirty="0"/>
               <a:t>Gets the current instant using a time-zone </a:t>
             </a:r>
           </a:p>
           <a:p>
             <a:r>
-              <a:rPr lang="en-US" sz="7500" dirty="0" smtClean="0"/>
+              <a:rPr lang="en-US" sz="3000" dirty="0" smtClean="0"/>
               <a:t>Use instead </a:t>
             </a:r>
             <a:r>
-              <a:rPr lang="en-US" sz="7500" dirty="0"/>
+              <a:rPr lang="en-US" sz="3000" dirty="0"/>
               <a:t>of </a:t>
             </a:r>
             <a:r>
-              <a:rPr lang="en-US" sz="7500" dirty="0" err="1">
+              <a:rPr lang="en-US" sz="3000" dirty="0" err="1">
                 <a:latin typeface="Consolas" panose="020B0609020204030204" pitchFamily="49" charset="0"/>
                 <a:cs typeface="Consolas" panose="020B0609020204030204" pitchFamily="49" charset="0"/>
               </a:rPr>
               <a:t>System.currentTimeMillis</a:t>
             </a:r>
             <a:r>
-              <a:rPr lang="en-US" sz="7500" dirty="0" smtClean="0">
+              <a:rPr lang="en-US" sz="3000" dirty="0" smtClean="0">
                 <a:latin typeface="Consolas" panose="020B0609020204030204" pitchFamily="49" charset="0"/>
                 <a:cs typeface="Consolas" panose="020B0609020204030204" pitchFamily="49" charset="0"/>
               </a:rPr>
@@ -11840,90 +11662,99 @@
           </a:p>
           <a:p>
             <a:r>
-              <a:rPr lang="en-US" sz="7500" dirty="0" smtClean="0"/>
+              <a:rPr lang="en-US" sz="3000" dirty="0" smtClean="0"/>
               <a:t>Use alternate clock for testing</a:t>
             </a:r>
-          </a:p>
-          <a:p>
-            <a:pPr marL="0" indent="0">
-              <a:buNone/>
-            </a:pPr>
-            <a:r>
-              <a:rPr lang="en-US" sz="5000" dirty="0" smtClean="0">
+            <a:r>
+              <a:rPr lang="en-US" sz="3000" dirty="0" smtClean="0">
                 <a:latin typeface="Consolas" panose="020B0609020204030204" pitchFamily="49" charset="0"/>
                 <a:cs typeface="Consolas" panose="020B0609020204030204" pitchFamily="49" charset="0"/>
               </a:rPr>
               <a:t/>
             </a:r>
             <a:br>
-              <a:rPr lang="en-US" sz="5000" dirty="0" smtClean="0">
+              <a:rPr lang="en-US" sz="3000" dirty="0" smtClean="0">
                 <a:latin typeface="Consolas" panose="020B0609020204030204" pitchFamily="49" charset="0"/>
                 <a:cs typeface="Consolas" panose="020B0609020204030204" pitchFamily="49" charset="0"/>
               </a:rPr>
             </a:br>
-            <a:r>
-              <a:rPr lang="en-US" sz="5000" dirty="0" smtClean="0">
-                <a:latin typeface="Consolas" panose="020B0609020204030204" pitchFamily="49" charset="0"/>
-                <a:cs typeface="Consolas" panose="020B0609020204030204" pitchFamily="49" charset="0"/>
-              </a:rPr>
-              <a:t>public </a:t>
-            </a:r>
-            <a:r>
-              <a:rPr lang="en-US" sz="5000" dirty="0">
-                <a:latin typeface="Consolas" panose="020B0609020204030204" pitchFamily="49" charset="0"/>
-                <a:cs typeface="Consolas" panose="020B0609020204030204" pitchFamily="49" charset="0"/>
-              </a:rPr>
-              <a:t>class </a:t>
-            </a:r>
-            <a:r>
-              <a:rPr lang="en-US" sz="5000" dirty="0" err="1">
-                <a:latin typeface="Consolas" panose="020B0609020204030204" pitchFamily="49" charset="0"/>
-                <a:cs typeface="Consolas" panose="020B0609020204030204" pitchFamily="49" charset="0"/>
-              </a:rPr>
-              <a:t>MyBean</a:t>
-            </a:r>
-            <a:r>
-              <a:rPr lang="en-US" sz="5000" dirty="0">
-                <a:latin typeface="Consolas" panose="020B0609020204030204" pitchFamily="49" charset="0"/>
-                <a:cs typeface="Consolas" panose="020B0609020204030204" pitchFamily="49" charset="0"/>
-              </a:rPr>
-              <a:t> {</a:t>
-            </a:r>
-          </a:p>
-          <a:p>
-            <a:pPr marL="0" indent="0">
-              <a:buNone/>
-            </a:pPr>
-            <a:r>
-              <a:rPr lang="en-US" sz="5000" dirty="0">
-                <a:latin typeface="Consolas" panose="020B0609020204030204" pitchFamily="49" charset="0"/>
-                <a:cs typeface="Consolas" panose="020B0609020204030204" pitchFamily="49" charset="0"/>
-              </a:rPr>
-              <a:t>  </a:t>
-            </a:r>
-            <a:r>
-              <a:rPr lang="en-US" sz="5000" dirty="0" smtClean="0">
-                <a:latin typeface="Consolas" panose="020B0609020204030204" pitchFamily="49" charset="0"/>
-                <a:cs typeface="Consolas" panose="020B0609020204030204" pitchFamily="49" charset="0"/>
-              </a:rPr>
-              <a:t>@Inject private </a:t>
-            </a:r>
-            <a:r>
-              <a:rPr lang="en-US" sz="5000" dirty="0">
-                <a:latin typeface="Consolas" panose="020B0609020204030204" pitchFamily="49" charset="0"/>
-                <a:cs typeface="Consolas" panose="020B0609020204030204" pitchFamily="49" charset="0"/>
-              </a:rPr>
-              <a:t>Clock </a:t>
-            </a:r>
-            <a:r>
-              <a:rPr lang="en-US" sz="5000" dirty="0" err="1">
+            <a:endParaRPr lang="en-US" sz="3000" dirty="0">
+              <a:latin typeface="Consolas" panose="020B0609020204030204" pitchFamily="49" charset="0"/>
+              <a:cs typeface="Consolas" panose="020B0609020204030204" pitchFamily="49" charset="0"/>
+            </a:endParaRPr>
+          </a:p>
+        </p:txBody>
+      </p:sp>
+      <p:sp>
+        <p:nvSpPr>
+          <p:cNvPr id="4" name="Rectangle 3"/>
+          <p:cNvSpPr/>
+          <p:nvPr/>
+        </p:nvSpPr>
+        <p:spPr>
+          <a:xfrm>
+            <a:off x="457200" y="4267200"/>
+            <a:ext cx="8153400" cy="2308324"/>
+          </a:xfrm>
+          <a:prstGeom prst="rect">
+            <a:avLst/>
+          </a:prstGeom>
+          <a:solidFill>
+            <a:schemeClr val="bg2"/>
+          </a:solidFill>
+        </p:spPr>
+        <p:txBody>
+          <a:bodyPr wrap="square">
+            <a:spAutoFit/>
+          </a:bodyPr>
+          <a:lstStyle/>
+          <a:p>
+            <a:r>
+              <a:rPr lang="en-US" dirty="0">
+                <a:latin typeface="Consolas" panose="020B0609020204030204" pitchFamily="49" charset="0"/>
+                <a:cs typeface="Consolas" panose="020B0609020204030204" pitchFamily="49" charset="0"/>
+              </a:rPr>
+              <a:t>public class </a:t>
+            </a:r>
+            <a:r>
+              <a:rPr lang="en-US" dirty="0" err="1" smtClean="0">
+                <a:latin typeface="Consolas" panose="020B0609020204030204" pitchFamily="49" charset="0"/>
+                <a:cs typeface="Consolas" panose="020B0609020204030204" pitchFamily="49" charset="0"/>
+              </a:rPr>
+              <a:t>SomeBean</a:t>
+            </a:r>
+            <a:r>
+              <a:rPr lang="en-US" dirty="0" smtClean="0">
+                <a:latin typeface="Consolas" panose="020B0609020204030204" pitchFamily="49" charset="0"/>
+                <a:cs typeface="Consolas" panose="020B0609020204030204" pitchFamily="49" charset="0"/>
+              </a:rPr>
+              <a:t> </a:t>
+            </a:r>
+            <a:r>
+              <a:rPr lang="en-US" dirty="0">
+                <a:latin typeface="Consolas" panose="020B0609020204030204" pitchFamily="49" charset="0"/>
+                <a:cs typeface="Consolas" panose="020B0609020204030204" pitchFamily="49" charset="0"/>
+              </a:rPr>
+              <a:t>{</a:t>
+            </a:r>
+          </a:p>
+          <a:p>
+            <a:r>
+              <a:rPr lang="en-US" dirty="0">
+                <a:latin typeface="Consolas" panose="020B0609020204030204" pitchFamily="49" charset="0"/>
+                <a:cs typeface="Consolas" panose="020B0609020204030204" pitchFamily="49" charset="0"/>
+              </a:rPr>
+              <a:t>  @Inject private Clock </a:t>
+            </a:r>
+            <a:r>
+              <a:rPr lang="en-US" dirty="0" err="1">
                 <a:latin typeface="Consolas" panose="020B0609020204030204" pitchFamily="49" charset="0"/>
                 <a:cs typeface="Consolas" panose="020B0609020204030204" pitchFamily="49" charset="0"/>
               </a:rPr>
               <a:t>clock</a:t>
             </a:r>
             <a:r>
-              <a:rPr lang="en-US" sz="5000" dirty="0" smtClean="0">
+              <a:rPr lang="en-US" dirty="0">
                 <a:latin typeface="Consolas" panose="020B0609020204030204" pitchFamily="49" charset="0"/>
                 <a:cs typeface="Consolas" panose="020B0609020204030204" pitchFamily="49" charset="0"/>
               </a:rPr>
@@ -11931,39 +11762,36 @@
             </a:r>
           </a:p>
           <a:p>
-            <a:pPr marL="0" indent="0">
-              <a:buNone/>
-            </a:pPr>
-            <a:r>
-              <a:rPr lang="en-US" sz="5000" dirty="0" smtClean="0">
+            <a:r>
+              <a:rPr lang="en-US" dirty="0">
                 <a:latin typeface="Consolas" panose="020B0609020204030204" pitchFamily="49" charset="0"/>
                 <a:cs typeface="Consolas" panose="020B0609020204030204" pitchFamily="49" charset="0"/>
               </a:rPr>
               <a:t>  public void process(</a:t>
             </a:r>
             <a:r>
-              <a:rPr lang="en-US" sz="5000" dirty="0" err="1" smtClean="0">
+              <a:rPr lang="en-US" dirty="0" err="1">
                 <a:latin typeface="Consolas" panose="020B0609020204030204" pitchFamily="49" charset="0"/>
                 <a:cs typeface="Consolas" panose="020B0609020204030204" pitchFamily="49" charset="0"/>
               </a:rPr>
               <a:t>LocalDate</a:t>
             </a:r>
             <a:r>
-              <a:rPr lang="en-US" sz="5000" dirty="0" smtClean="0">
+              <a:rPr lang="en-US" dirty="0">
                 <a:latin typeface="Consolas" panose="020B0609020204030204" pitchFamily="49" charset="0"/>
                 <a:cs typeface="Consolas" panose="020B0609020204030204" pitchFamily="49" charset="0"/>
               </a:rPr>
               <a:t> </a:t>
             </a:r>
             <a:r>
-              <a:rPr lang="en-US" sz="5000" dirty="0" err="1" smtClean="0">
-                <a:latin typeface="Consolas" panose="020B0609020204030204" pitchFamily="49" charset="0"/>
-                <a:cs typeface="Consolas" panose="020B0609020204030204" pitchFamily="49" charset="0"/>
-              </a:rPr>
-              <a:t>eventDate</a:t>
-            </a:r>
-            <a:r>
-              <a:rPr lang="en-US" sz="5000" dirty="0" smtClean="0">
+              <a:rPr lang="en-US" dirty="0" smtClean="0">
+                <a:latin typeface="Consolas" panose="020B0609020204030204" pitchFamily="49" charset="0"/>
+                <a:cs typeface="Consolas" panose="020B0609020204030204" pitchFamily="49" charset="0"/>
+              </a:rPr>
+              <a:t>date</a:t>
+            </a:r>
+            <a:r>
+              <a:rPr lang="en-US" dirty="0">
                 <a:latin typeface="Consolas" panose="020B0609020204030204" pitchFamily="49" charset="0"/>
                 <a:cs typeface="Consolas" panose="020B0609020204030204" pitchFamily="49" charset="0"/>
               </a:rPr>
@@ -11971,58 +11799,59 @@
             </a:r>
           </a:p>
           <a:p>
-            <a:pPr marL="0" indent="0">
-              <a:buNone/>
-            </a:pPr>
-            <a:r>
-              <a:rPr lang="en-US" sz="5000" dirty="0" smtClean="0">
-                <a:latin typeface="Consolas" panose="020B0609020204030204" pitchFamily="49" charset="0"/>
-                <a:cs typeface="Consolas" panose="020B0609020204030204" pitchFamily="49" charset="0"/>
-              </a:rPr>
-              <a:t>    </a:t>
-            </a:r>
-            <a:r>
-              <a:rPr lang="en-US" sz="5000" dirty="0">
-                <a:latin typeface="Consolas" panose="020B0609020204030204" pitchFamily="49" charset="0"/>
-                <a:cs typeface="Consolas" panose="020B0609020204030204" pitchFamily="49" charset="0"/>
-              </a:rPr>
-              <a:t>if (</a:t>
-            </a:r>
-            <a:r>
-              <a:rPr lang="en-US" sz="5000" dirty="0" err="1">
-                <a:latin typeface="Consolas" panose="020B0609020204030204" pitchFamily="49" charset="0"/>
-                <a:cs typeface="Consolas" panose="020B0609020204030204" pitchFamily="49" charset="0"/>
-              </a:rPr>
-              <a:t>eventDate.isBefore</a:t>
-            </a:r>
-            <a:r>
-              <a:rPr lang="en-US" sz="5000" dirty="0">
+            <a:r>
+              <a:rPr lang="en-US" dirty="0">
+                <a:latin typeface="Consolas" panose="020B0609020204030204" pitchFamily="49" charset="0"/>
+                <a:cs typeface="Consolas" panose="020B0609020204030204" pitchFamily="49" charset="0"/>
+              </a:rPr>
+              <a:t>    if </a:t>
+            </a:r>
+            <a:r>
+              <a:rPr lang="en-US" dirty="0" smtClean="0">
                 <a:latin typeface="Consolas" panose="020B0609020204030204" pitchFamily="49" charset="0"/>
                 <a:cs typeface="Consolas" panose="020B0609020204030204" pitchFamily="49" charset="0"/>
               </a:rPr>
               <a:t>(</a:t>
             </a:r>
             <a:r>
-              <a:rPr lang="en-US" sz="5000" dirty="0" err="1">
+              <a:rPr lang="en-US" dirty="0" err="1" smtClean="0">
+                <a:latin typeface="Consolas" panose="020B0609020204030204" pitchFamily="49" charset="0"/>
+                <a:cs typeface="Consolas" panose="020B0609020204030204" pitchFamily="49" charset="0"/>
+              </a:rPr>
+              <a:t>date.isBefore</a:t>
+            </a:r>
+            <a:r>
+              <a:rPr lang="en-US" dirty="0" smtClean="0">
+                <a:latin typeface="Consolas" panose="020B0609020204030204" pitchFamily="49" charset="0"/>
+                <a:cs typeface="Consolas" panose="020B0609020204030204" pitchFamily="49" charset="0"/>
+              </a:rPr>
+              <a:t>(</a:t>
+            </a:r>
+            <a:r>
+              <a:rPr lang="en-US" dirty="0" err="1" smtClean="0">
                 <a:latin typeface="Consolas" panose="020B0609020204030204" pitchFamily="49" charset="0"/>
                 <a:cs typeface="Consolas" panose="020B0609020204030204" pitchFamily="49" charset="0"/>
               </a:rPr>
               <a:t>LocalDate.now</a:t>
             </a:r>
             <a:r>
-              <a:rPr lang="en-US" sz="5000" dirty="0">
-                <a:latin typeface="Consolas" panose="020B0609020204030204" pitchFamily="49" charset="0"/>
-                <a:cs typeface="Consolas" panose="020B0609020204030204" pitchFamily="49" charset="0"/>
-              </a:rPr>
-              <a:t>(clock)) {</a:t>
-            </a:r>
-          </a:p>
-          <a:p>
-            <a:pPr marL="0" indent="0">
-              <a:buNone/>
-            </a:pPr>
-            <a:r>
-              <a:rPr lang="en-US" sz="5000" dirty="0">
+              <a:rPr lang="en-US" dirty="0" smtClean="0">
+                <a:latin typeface="Consolas" panose="020B0609020204030204" pitchFamily="49" charset="0"/>
+                <a:cs typeface="Consolas" panose="020B0609020204030204" pitchFamily="49" charset="0"/>
+              </a:rPr>
+              <a:t>(clock</a:t>
+            </a:r>
+            <a:r>
+              <a:rPr lang="en-US" dirty="0">
+                <a:latin typeface="Consolas" panose="020B0609020204030204" pitchFamily="49" charset="0"/>
+                <a:cs typeface="Consolas" panose="020B0609020204030204" pitchFamily="49" charset="0"/>
+              </a:rPr>
+              <a:t>)) {</a:t>
+            </a:r>
+          </a:p>
+          <a:p>
+            <a:r>
+              <a:rPr lang="en-US" dirty="0">
                 <a:latin typeface="Consolas" panose="020B0609020204030204" pitchFamily="49" charset="0"/>
                 <a:cs typeface="Consolas" panose="020B0609020204030204" pitchFamily="49" charset="0"/>
               </a:rPr>
@@ -12030,11 +11859,8 @@
             </a:r>
           </a:p>
           <a:p>
-            <a:pPr marL="0" indent="0">
-              <a:buNone/>
-            </a:pPr>
-            <a:r>
-              <a:rPr lang="en-US" sz="5000" dirty="0">
+            <a:r>
+              <a:rPr lang="en-US" dirty="0">
                 <a:latin typeface="Consolas" panose="020B0609020204030204" pitchFamily="49" charset="0"/>
                 <a:cs typeface="Consolas" panose="020B0609020204030204" pitchFamily="49" charset="0"/>
               </a:rPr>
@@ -12042,11 +11868,8 @@
             </a:r>
           </a:p>
           <a:p>
-            <a:pPr marL="0" indent="0">
-              <a:buNone/>
-            </a:pPr>
-            <a:r>
-              <a:rPr lang="en-US" sz="5000" dirty="0">
+            <a:r>
+              <a:rPr lang="en-US" dirty="0">
                 <a:latin typeface="Consolas" panose="020B0609020204030204" pitchFamily="49" charset="0"/>
                 <a:cs typeface="Consolas" panose="020B0609020204030204" pitchFamily="49" charset="0"/>
               </a:rPr>
@@ -12054,11 +11877,8 @@
             </a:r>
           </a:p>
           <a:p>
-            <a:pPr marL="0" indent="0">
-              <a:buNone/>
-            </a:pPr>
-            <a:r>
-              <a:rPr lang="en-US" sz="5000" dirty="0">
+            <a:r>
+              <a:rPr lang="en-US" dirty="0">
                 <a:latin typeface="Consolas" panose="020B0609020204030204" pitchFamily="49" charset="0"/>
                 <a:cs typeface="Consolas" panose="020B0609020204030204" pitchFamily="49" charset="0"/>
               </a:rPr>
@@ -12139,7 +11959,7 @@
         <p:spPr/>
         <p:txBody>
           <a:bodyPr>
-            <a:normAutofit lnSpcReduction="10000"/>
+            <a:normAutofit/>
           </a:bodyPr>
           <a:lstStyle/>
           <a:p>
@@ -12167,15 +11987,7 @@
             </a:r>
             <a:r>
               <a:rPr lang="en-US" dirty="0" smtClean="0"/>
-              <a:t>the individual </a:t>
-            </a:r>
-            <a:r>
-              <a:rPr lang="en-US" dirty="0"/>
-              <a:t>date time </a:t>
-            </a:r>
-            <a:r>
-              <a:rPr lang="en-US" dirty="0" smtClean="0"/>
-              <a:t>fields</a:t>
+              <a:t>date and time fields</a:t>
             </a:r>
           </a:p>
           <a:p>
@@ -12189,11 +12001,11 @@
             <a:pPr lvl="1"/>
             <a:r>
               <a:rPr lang="en-US" dirty="0"/>
-              <a:t>ISO8601 (Default</a:t>
+              <a:t>ISO8601 </a:t>
             </a:r>
             <a:r>
               <a:rPr lang="en-US" dirty="0" smtClean="0"/>
-              <a:t>): </a:t>
+              <a:t>(default): </a:t>
             </a:r>
             <a:r>
               <a:rPr lang="en-US" dirty="0" err="1" smtClean="0"/>
@@ -12352,11 +12164,11 @@
             <a:pPr lvl="1"/>
             <a:r>
               <a:rPr lang="en-US" dirty="0" smtClean="0"/>
-              <a:t>Some </a:t>
+              <a:t>Some zero-based</a:t>
             </a:r>
             <a:r>
               <a:rPr lang="en-US" dirty="0"/>
-              <a:t>are zero-based, such as month and </a:t>
+              <a:t>, such as month and </a:t>
             </a:r>
             <a:r>
               <a:rPr lang="en-US" dirty="0" smtClean="0"/>
@@ -12367,11 +12179,11 @@
             <a:pPr lvl="1"/>
             <a:r>
               <a:rPr lang="en-US" dirty="0" smtClean="0"/>
-              <a:t>Some </a:t>
+              <a:t>Some one-based</a:t>
             </a:r>
             <a:r>
               <a:rPr lang="en-US" dirty="0"/>
-              <a:t>are one-based, such as </a:t>
+              <a:t>, such as </a:t>
             </a:r>
             <a:r>
               <a:rPr lang="en-US" dirty="0" smtClean="0"/>
@@ -12397,7 +12209,7 @@
           <a:p>
             <a:r>
               <a:rPr lang="en-US" dirty="0" smtClean="0"/>
-              <a:t>Mutable – not thread-safe</a:t>
+              <a:t>Mutable, not thread-safe</a:t>
             </a:r>
             <a:endParaRPr lang="en-US" dirty="0"/>
           </a:p>
@@ -12966,7 +12778,9 @@
         </p:nvSpPr>
         <p:spPr/>
         <p:txBody>
-          <a:bodyPr/>
+          <a:bodyPr>
+            <a:normAutofit/>
+          </a:bodyPr>
           <a:lstStyle/>
           <a:p>
             <a:r>
@@ -13339,15 +13153,62 @@
             </a:r>
             <a:r>
               <a:rPr lang="en-US" sz="3000" dirty="0" smtClean="0"/>
-              <a:t>periods; immutable </a:t>
+              <a:t>periods</a:t>
+            </a:r>
+          </a:p>
+          <a:p>
+            <a:r>
+              <a:rPr lang="en-US" sz="3000" dirty="0" err="1" smtClean="0">
+                <a:latin typeface="Consolas" panose="020B0609020204030204" pitchFamily="49" charset="0"/>
+                <a:cs typeface="Consolas" panose="020B0609020204030204" pitchFamily="49" charset="0"/>
+              </a:rPr>
+              <a:t>java.time.chrono</a:t>
+            </a:r>
+            <a:r>
+              <a:rPr lang="en-US" sz="3000" dirty="0" smtClean="0"/>
+              <a:t> - calendar </a:t>
             </a:r>
             <a:r>
               <a:rPr lang="en-US" sz="3000" dirty="0"/>
-              <a:t>and </a:t>
+              <a:t>systems other than </a:t>
             </a:r>
             <a:r>
               <a:rPr lang="en-US" sz="3000" dirty="0" smtClean="0"/>
-              <a:t>thread-safe</a:t>
+              <a:t>ISO-8601 </a:t>
+            </a:r>
+          </a:p>
+          <a:p>
+            <a:r>
+              <a:rPr lang="en-US" sz="3000" dirty="0" err="1" smtClean="0">
+                <a:latin typeface="Consolas" panose="020B0609020204030204" pitchFamily="49" charset="0"/>
+                <a:cs typeface="Consolas" panose="020B0609020204030204" pitchFamily="49" charset="0"/>
+              </a:rPr>
+              <a:t>java.time.format</a:t>
+            </a:r>
+            <a:r>
+              <a:rPr lang="en-US" sz="3000" dirty="0" smtClean="0"/>
+              <a:t> - formatting and parsing</a:t>
+            </a:r>
+          </a:p>
+          <a:p>
+            <a:r>
+              <a:rPr lang="en-US" sz="3000" dirty="0" err="1" smtClean="0">
+                <a:latin typeface="Consolas" panose="020B0609020204030204" pitchFamily="49" charset="0"/>
+                <a:cs typeface="Consolas" panose="020B0609020204030204" pitchFamily="49" charset="0"/>
+              </a:rPr>
+              <a:t>java.time.temporal</a:t>
+            </a:r>
+            <a:r>
+              <a:rPr lang="en-US" sz="3000" dirty="0" smtClean="0"/>
+              <a:t> - field</a:t>
+            </a:r>
+            <a:r>
+              <a:rPr lang="en-US" sz="3000" dirty="0"/>
+              <a:t>, unit, or adjustment access to </a:t>
+            </a:r>
+            <a:r>
+              <a:rPr lang="en-US" sz="3000" dirty="0" err="1" smtClean="0"/>
+              <a:t>temporals</a:t>
             </a:r>
             <a:endParaRPr lang="en-US" sz="3000" dirty="0"/>
           </a:p>
@@ -13357,7 +13218,7 @@
                 <a:latin typeface="Consolas" panose="020B0609020204030204" pitchFamily="49" charset="0"/>
                 <a:cs typeface="Consolas" panose="020B0609020204030204" pitchFamily="49" charset="0"/>
               </a:rPr>
-              <a:t>java.time.chrono</a:t>
+              <a:t>java.time.zone</a:t>
             </a:r>
             <a:r>
               <a:rPr lang="en-US" sz="3000" dirty="0"/>
@@ -13365,101 +13226,15 @@
             </a:r>
             <a:r>
               <a:rPr lang="en-US" sz="3000" dirty="0" smtClean="0"/>
-              <a:t>- calendar </a:t>
+              <a:t>– support for </a:t>
             </a:r>
             <a:r>
               <a:rPr lang="en-US" sz="3000" dirty="0"/>
-              <a:t>systems other than </a:t>
+              <a:t>time </a:t>
             </a:r>
             <a:r>
               <a:rPr lang="en-US" sz="3000" dirty="0" smtClean="0"/>
-              <a:t>ISO-8601 </a:t>
-            </a:r>
-            <a:r>
-              <a:rPr lang="en-US" sz="3000" dirty="0"/>
-              <a:t>calendar </a:t>
-            </a:r>
-            <a:r>
-              <a:rPr lang="en-US" sz="3000" dirty="0" smtClean="0"/>
-              <a:t>system</a:t>
-            </a:r>
-            <a:endParaRPr lang="en-US" sz="3000" dirty="0"/>
-          </a:p>
-          <a:p>
-            <a:r>
-              <a:rPr lang="en-US" sz="3000" dirty="0" err="1">
-                <a:latin typeface="Consolas" panose="020B0609020204030204" pitchFamily="49" charset="0"/>
-                <a:cs typeface="Consolas" panose="020B0609020204030204" pitchFamily="49" charset="0"/>
-              </a:rPr>
-              <a:t>java.time.format</a:t>
-            </a:r>
-            <a:r>
-              <a:rPr lang="en-US" sz="3000" dirty="0"/>
-              <a:t> </a:t>
-            </a:r>
-            <a:r>
-              <a:rPr lang="en-US" sz="3000" dirty="0" smtClean="0"/>
-              <a:t>- formatting </a:t>
-            </a:r>
-            <a:r>
-              <a:rPr lang="en-US" sz="3000" dirty="0"/>
-              <a:t>and </a:t>
-            </a:r>
-            <a:r>
-              <a:rPr lang="en-US" sz="3000" dirty="0" smtClean="0"/>
-              <a:t>parsing</a:t>
-            </a:r>
-            <a:endParaRPr lang="en-US" sz="3000" dirty="0"/>
-          </a:p>
-          <a:p>
-            <a:r>
-              <a:rPr lang="en-US" sz="3000" dirty="0" err="1">
-                <a:latin typeface="Consolas" panose="020B0609020204030204" pitchFamily="49" charset="0"/>
-                <a:cs typeface="Consolas" panose="020B0609020204030204" pitchFamily="49" charset="0"/>
-              </a:rPr>
-              <a:t>java.time.temporal</a:t>
-            </a:r>
-            <a:r>
-              <a:rPr lang="en-US" sz="3000" dirty="0"/>
-              <a:t> </a:t>
-            </a:r>
-            <a:r>
-              <a:rPr lang="en-US" sz="3000" dirty="0" smtClean="0"/>
-              <a:t>- field</a:t>
-            </a:r>
-            <a:r>
-              <a:rPr lang="en-US" sz="3000" dirty="0"/>
-              <a:t>, unit, or adjustment access to a temporal </a:t>
-            </a:r>
-            <a:r>
-              <a:rPr lang="en-US" sz="3000" dirty="0" smtClean="0"/>
-              <a:t>objects</a:t>
-            </a:r>
-            <a:endParaRPr lang="en-US" sz="3000" dirty="0"/>
-          </a:p>
-          <a:p>
-            <a:r>
-              <a:rPr lang="en-US" sz="3000" dirty="0" err="1">
-                <a:latin typeface="Consolas" panose="020B0609020204030204" pitchFamily="49" charset="0"/>
-                <a:cs typeface="Consolas" panose="020B0609020204030204" pitchFamily="49" charset="0"/>
-              </a:rPr>
-              <a:t>java.time.zone</a:t>
-            </a:r>
-            <a:r>
-              <a:rPr lang="en-US" sz="3000" dirty="0"/>
-              <a:t> </a:t>
-            </a:r>
-            <a:r>
-              <a:rPr lang="en-US" sz="3000" dirty="0" smtClean="0"/>
-              <a:t>– support for </a:t>
-            </a:r>
-            <a:r>
-              <a:rPr lang="en-US" sz="3000" dirty="0"/>
-              <a:t>time zones and their </a:t>
-            </a:r>
-            <a:r>
-              <a:rPr lang="en-US" sz="3000" dirty="0" smtClean="0"/>
-              <a:t>rules</a:t>
+              <a:t>zones</a:t>
             </a:r>
             <a:endParaRPr lang="en-US" sz="3000" dirty="0"/>
           </a:p>
@@ -13538,127 +13313,127 @@
         <p:spPr/>
         <p:txBody>
           <a:bodyPr>
-            <a:normAutofit fontScale="85000" lnSpcReduction="20000"/>
+            <a:normAutofit fontScale="77500" lnSpcReduction="20000"/>
           </a:bodyPr>
           <a:lstStyle/>
           <a:p>
             <a:r>
-              <a:rPr lang="en-US" dirty="0" err="1"/>
+              <a:rPr lang="en-US" sz="4300" dirty="0" err="1"/>
               <a:t>LocalDate</a:t>
             </a:r>
-            <a:endParaRPr lang="en-US" dirty="0"/>
+            <a:endParaRPr lang="en-US" sz="4300" dirty="0"/>
           </a:p>
           <a:p>
             <a:pPr lvl="1"/>
             <a:r>
-              <a:rPr lang="en-US" dirty="0"/>
+              <a:rPr lang="en-US" sz="3100" dirty="0"/>
               <a:t>ISO 8601 date representation without </a:t>
             </a:r>
             <a:r>
-              <a:rPr lang="en-US" dirty="0" smtClean="0"/>
+              <a:rPr lang="en-US" sz="3100" dirty="0" smtClean="0"/>
               <a:t>time zone </a:t>
             </a:r>
             <a:r>
-              <a:rPr lang="en-US" dirty="0"/>
+              <a:rPr lang="en-US" sz="3100" dirty="0"/>
               <a:t>and time</a:t>
             </a:r>
           </a:p>
           <a:p>
             <a:pPr lvl="1"/>
             <a:r>
-              <a:rPr lang="en-US" dirty="0"/>
+              <a:rPr lang="en-US" sz="3100" dirty="0"/>
               <a:t>corresponds to the SQL DATE </a:t>
             </a:r>
             <a:r>
-              <a:rPr lang="en-US" dirty="0" smtClean="0"/>
+              <a:rPr lang="en-US" sz="3100" dirty="0" smtClean="0"/>
               <a:t>type</a:t>
             </a:r>
           </a:p>
           <a:p>
             <a:pPr lvl="1"/>
             <a:r>
-              <a:rPr lang="en-US" dirty="0" smtClean="0"/>
-              <a:t>for example - </a:t>
-            </a:r>
-            <a:r>
-              <a:rPr lang="en-US" dirty="0"/>
+              <a:rPr lang="en-US" sz="3100" dirty="0" smtClean="0"/>
+              <a:t>example - </a:t>
+            </a:r>
+            <a:r>
+              <a:rPr lang="en-US" sz="3100" dirty="0"/>
               <a:t>birthdate or employee </a:t>
             </a:r>
             <a:r>
-              <a:rPr lang="en-US" dirty="0" smtClean="0"/>
+              <a:rPr lang="en-US" sz="3100" dirty="0" smtClean="0"/>
               <a:t>hire-date</a:t>
             </a:r>
-            <a:endParaRPr lang="en-US" dirty="0"/>
-          </a:p>
-          <a:p>
-            <a:r>
-              <a:rPr lang="en-US" dirty="0" err="1"/>
+            <a:endParaRPr lang="en-US" sz="3100" dirty="0"/>
+          </a:p>
+          <a:p>
+            <a:r>
+              <a:rPr lang="en-US" sz="4300" dirty="0" err="1"/>
               <a:t>LocalTime</a:t>
             </a:r>
-            <a:endParaRPr lang="en-US" dirty="0"/>
+            <a:endParaRPr lang="en-US" sz="4300" dirty="0"/>
           </a:p>
           <a:p>
             <a:pPr lvl="1"/>
             <a:r>
-              <a:rPr lang="en-US" dirty="0"/>
+              <a:rPr lang="en-US" sz="3100" dirty="0"/>
               <a:t>ISO 8601 time representation without </a:t>
             </a:r>
             <a:r>
-              <a:rPr lang="en-US" dirty="0" smtClean="0"/>
+              <a:rPr lang="en-US" sz="3100" dirty="0" smtClean="0"/>
               <a:t>time zone </a:t>
             </a:r>
             <a:r>
-              <a:rPr lang="en-US" dirty="0"/>
+              <a:rPr lang="en-US" sz="3100" dirty="0"/>
               <a:t>and date</a:t>
             </a:r>
           </a:p>
           <a:p>
             <a:pPr lvl="1"/>
             <a:r>
-              <a:rPr lang="en-US" dirty="0"/>
+              <a:rPr lang="en-US" sz="3100" dirty="0"/>
               <a:t>corresponds to the SQL TIME </a:t>
             </a:r>
             <a:r>
-              <a:rPr lang="en-US" dirty="0" smtClean="0"/>
+              <a:rPr lang="en-US" sz="3100" dirty="0" smtClean="0"/>
               <a:t>type</a:t>
             </a:r>
           </a:p>
           <a:p>
             <a:pPr lvl="1"/>
             <a:r>
-              <a:rPr lang="en-US" dirty="0" smtClean="0"/>
-              <a:t>for </a:t>
-            </a:r>
-            <a:r>
-              <a:rPr lang="en-US" dirty="0"/>
-              <a:t>example, the time that an alarm clock goes off</a:t>
-            </a:r>
-          </a:p>
-          <a:p>
-            <a:r>
-              <a:rPr lang="en-US" dirty="0" err="1" smtClean="0"/>
+              <a:rPr lang="en-US" sz="3100" dirty="0" smtClean="0"/>
+              <a:t>example</a:t>
+            </a:r>
+            <a:r>
+              <a:rPr lang="en-US" sz="3100" dirty="0"/>
+              <a:t>, the time that an alarm clock goes off</a:t>
+            </a:r>
+          </a:p>
+          <a:p>
+            <a:r>
+              <a:rPr lang="en-US" sz="4300" dirty="0" err="1" smtClean="0"/>
               <a:t>LocalDateTime</a:t>
             </a:r>
-            <a:endParaRPr lang="en-US" dirty="0"/>
+            <a:endParaRPr lang="en-US" sz="4300" dirty="0"/>
           </a:p>
           <a:p>
             <a:pPr lvl="1"/>
             <a:r>
-              <a:rPr lang="en-US" dirty="0"/>
+              <a:rPr lang="en-US" sz="3100" dirty="0"/>
               <a:t>ISO 8601 date and time representation without time zone</a:t>
             </a:r>
           </a:p>
           <a:p>
             <a:pPr lvl="1"/>
             <a:r>
-              <a:rPr lang="en-US" dirty="0"/>
+              <a:rPr lang="en-US" sz="3100" dirty="0"/>
               <a:t>corresponds to the SQL TIMESTAMP </a:t>
             </a:r>
             <a:r>
-              <a:rPr lang="en-US" dirty="0" smtClean="0"/>
+              <a:rPr lang="en-US" sz="3100" dirty="0" smtClean="0"/>
               <a:t>type</a:t>
             </a:r>
-            <a:endParaRPr lang="en-US" dirty="0"/>
+            <a:endParaRPr lang="en-US" sz="3100" dirty="0"/>
           </a:p>
         </p:txBody>
       </p:sp>
@@ -13732,7 +13507,7 @@
             <p:ph idx="1"/>
             <p:extLst>
               <p:ext uri="{D42A27DB-BD31-4B8C-83A1-F6EECF244321}">
-                <p14:modId xmlns:p14="http://schemas.microsoft.com/office/powerpoint/2010/main" val="674043874"/>
+                <p14:modId xmlns:p14="http://schemas.microsoft.com/office/powerpoint/2010/main" val="3857569311"/>
               </p:ext>
             </p:extLst>
           </p:nvPr>
@@ -13748,16 +13523,16 @@
                 <a:tableStyleId>{3B4B98B0-60AC-42C2-AFA5-B58CD77FA1E5}</a:tableStyleId>
               </a:tblPr>
               <a:tblGrid>
-                <a:gridCol w="951966"/>
+                <a:gridCol w="1066801"/>
+                <a:gridCol w="441508"/>
                 <a:gridCol w="556343"/>
                 <a:gridCol w="556343"/>
                 <a:gridCol w="556343"/>
                 <a:gridCol w="556343"/>
                 <a:gridCol w="556343"/>
                 <a:gridCol w="556343"/>
-                <a:gridCol w="556343"/>
-                <a:gridCol w="494527"/>
-                <a:gridCol w="3422107"/>
+                <a:gridCol w="640034"/>
+                <a:gridCol w="3276600"/>
               </a:tblGrid>
               <a:tr h="567630">
                 <a:tc>
@@ -14221,12 +13996,12 @@
                     <a:p>
                       <a:pPr algn="l" fontAlgn="ctr"/>
                       <a:r>
-                        <a:rPr lang="en-US" sz="1100" u="none" strike="noStrike">
+                        <a:rPr lang="en-US" sz="1100" u="none" strike="noStrike" dirty="0" err="1">
                           <a:effectLst/>
                         </a:rPr>
                         <a:t>LocalDate</a:t>
                       </a:r>
-                      <a:endParaRPr lang="en-US" sz="1100" b="1" i="0" u="none" strike="noStrike">
+                      <a:endParaRPr lang="en-US" sz="1100" b="1" i="0" u="none" strike="noStrike" dirty="0">
                         <a:solidFill>
                           <a:srgbClr val="000000"/>
                         </a:solidFill>
@@ -14666,12 +14441,12 @@
                     <a:p>
                       <a:pPr algn="ctr" fontAlgn="ctr"/>
                       <a:r>
-                        <a:rPr lang="en-US" sz="1100" u="none" strike="noStrike">
+                        <a:rPr lang="en-US" sz="1100" u="none" strike="noStrike" dirty="0">
                           <a:effectLst/>
                         </a:rPr>
                         <a:t>✓</a:t>
                       </a:r>
-                      <a:endParaRPr lang="en-US" sz="1100" b="0" i="0" u="none" strike="noStrike">
+                      <a:endParaRPr lang="en-US" sz="1100" b="0" i="0" u="none" strike="noStrike" dirty="0">
                         <a:solidFill>
                           <a:srgbClr val="000000"/>
                         </a:solidFill>
@@ -16710,6 +16485,13 @@
   <p:clrMapOvr>
     <a:masterClrMapping/>
   </p:clrMapOvr>
+  <p:timing>
+    <p:tnLst>
+      <p:par>
+        <p:cTn id="1" dur="indefinite" restart="never" nodeType="tmRoot"/>
+      </p:par>
+    </p:tnLst>
+  </p:timing>
 </p:sld>
 </file>
 
@@ -16927,39 +16709,6 @@
               <a:rPr lang="en-US" sz="2400" dirty="0" smtClean="0"/>
               <a:t>operation</a:t>
             </a:r>
-          </a:p>
-          <a:p>
-            <a:r>
-              <a:rPr lang="en-US" sz="2400" dirty="0">
-                <a:latin typeface="Consolas" panose="020B0609020204030204" pitchFamily="49" charset="0"/>
-                <a:cs typeface="Consolas" panose="020B0609020204030204" pitchFamily="49" charset="0"/>
-              </a:rPr>
-              <a:t>parse</a:t>
-            </a:r>
-            <a:r>
-              <a:rPr lang="en-US" sz="2400" dirty="0"/>
-              <a:t> - static, parses an input string</a:t>
-            </a:r>
-          </a:p>
-          <a:p>
-            <a:r>
-              <a:rPr lang="en-US" sz="2400" dirty="0">
-                <a:latin typeface="Consolas" panose="020B0609020204030204" pitchFamily="49" charset="0"/>
-                <a:cs typeface="Consolas" panose="020B0609020204030204" pitchFamily="49" charset="0"/>
-              </a:rPr>
-              <a:t>format</a:t>
-            </a:r>
-            <a:r>
-              <a:rPr lang="en-US" sz="2400" dirty="0"/>
-              <a:t> - uses a specified formatter to </a:t>
-            </a:r>
-            <a:r>
-              <a:rPr lang="en-US" sz="2400" dirty="0" smtClean="0"/>
-              <a:t>format</a:t>
-            </a:r>
-            <a:endParaRPr lang="en-US" sz="2400" dirty="0"/>
-          </a:p>
-          <a:p>
             <a:endParaRPr lang="en-US" sz="2400" dirty="0"/>
           </a:p>
         </p:txBody>
@@ -17328,8 +17077,8 @@
           <a:lstStyle/>
           <a:p>
             <a:r>
-              <a:rPr lang="en-US" sz="3000" dirty="0"/>
-              <a:t>Parsing is done by a </a:t>
+              <a:rPr lang="en-US" sz="3000" dirty="0" smtClean="0"/>
+              <a:t>Parse with a </a:t>
             </a:r>
             <a:r>
               <a:rPr lang="en-US" sz="3000" dirty="0" err="1" smtClean="0"/>
@@ -17427,10 +17176,14 @@
             <p:ph idx="1"/>
           </p:nvPr>
         </p:nvSpPr>
-        <p:spPr/>
+        <p:spPr>
+          <a:solidFill>
+            <a:schemeClr val="bg2"/>
+          </a:solidFill>
+        </p:spPr>
         <p:txBody>
           <a:bodyPr>
-            <a:normAutofit lnSpcReduction="10000"/>
+            <a:normAutofit/>
           </a:bodyPr>
           <a:lstStyle/>
           <a:p>
@@ -17438,21 +17191,21 @@
               <a:buNone/>
             </a:pPr>
             <a:r>
-              <a:rPr lang="en-US" b="1" dirty="0" smtClean="0">
+              <a:rPr lang="en-US" sz="2800" b="1" dirty="0" smtClean="0">
                 <a:latin typeface="Consolas" panose="020B0609020204030204" pitchFamily="49" charset="0"/>
                 <a:cs typeface="Consolas" panose="020B0609020204030204" pitchFamily="49" charset="0"/>
               </a:rPr>
               <a:t>Date </a:t>
             </a:r>
             <a:r>
-              <a:rPr lang="en-US" b="1" dirty="0" err="1">
+              <a:rPr lang="en-US" sz="2800" b="1" dirty="0" err="1">
                 <a:latin typeface="Consolas" panose="020B0609020204030204" pitchFamily="49" charset="0"/>
                 <a:cs typeface="Consolas" panose="020B0609020204030204" pitchFamily="49" charset="0"/>
               </a:rPr>
               <a:t>date</a:t>
             </a:r>
             <a:r>
-              <a:rPr lang="en-US" b="1" dirty="0">
+              <a:rPr lang="en-US" sz="2800" b="1" dirty="0">
                 <a:latin typeface="Consolas" panose="020B0609020204030204" pitchFamily="49" charset="0"/>
                 <a:cs typeface="Consolas" panose="020B0609020204030204" pitchFamily="49" charset="0"/>
               </a:rPr>
@@ -17464,21 +17217,21 @@
               <a:buNone/>
             </a:pPr>
             <a:r>
-              <a:rPr lang="en-US" dirty="0" err="1">
+              <a:rPr lang="en-US" sz="2800" dirty="0" err="1">
                 <a:latin typeface="Consolas" panose="020B0609020204030204" pitchFamily="49" charset="0"/>
                 <a:cs typeface="Consolas" panose="020B0609020204030204" pitchFamily="49" charset="0"/>
               </a:rPr>
               <a:t>System.out.println</a:t>
             </a:r>
             <a:r>
-              <a:rPr lang="en-US" dirty="0">
+              <a:rPr lang="en-US" sz="2800" dirty="0">
                 <a:latin typeface="Consolas" panose="020B0609020204030204" pitchFamily="49" charset="0"/>
                 <a:cs typeface="Consolas" panose="020B0609020204030204" pitchFamily="49" charset="0"/>
               </a:rPr>
               <a:t>(date</a:t>
             </a:r>
             <a:r>
-              <a:rPr lang="en-US" dirty="0" smtClean="0">
+              <a:rPr lang="en-US" sz="2800" dirty="0" smtClean="0">
                 <a:latin typeface="Consolas" panose="020B0609020204030204" pitchFamily="49" charset="0"/>
                 <a:cs typeface="Consolas" panose="020B0609020204030204" pitchFamily="49" charset="0"/>
               </a:rPr>
@@ -17490,7 +17243,7 @@
               <a:buNone/>
             </a:pPr>
             <a:r>
-              <a:rPr lang="fr-FR" sz="2600" dirty="0" smtClean="0">
+              <a:rPr lang="fr-FR" sz="2400" dirty="0" smtClean="0">
                 <a:solidFill>
                   <a:schemeClr val="accent3">
                     <a:lumMod val="50000"/>
@@ -17502,7 +17255,7 @@
               <a:t>// Thu </a:t>
             </a:r>
             <a:r>
-              <a:rPr lang="fr-FR" sz="2600" dirty="0" err="1">
+              <a:rPr lang="fr-FR" sz="2400" dirty="0" err="1">
                 <a:solidFill>
                   <a:schemeClr val="accent3">
                     <a:lumMod val="50000"/>
@@ -17514,7 +17267,7 @@
               <a:t>Nov</a:t>
             </a:r>
             <a:r>
-              <a:rPr lang="fr-FR" sz="2600" dirty="0">
+              <a:rPr lang="fr-FR" sz="2400" dirty="0">
                 <a:solidFill>
                   <a:schemeClr val="accent3">
                     <a:lumMod val="50000"/>
@@ -17526,7 +17279,7 @@
               <a:t> 10 00:00:00 EST </a:t>
             </a:r>
             <a:r>
-              <a:rPr lang="fr-FR" sz="2600" dirty="0" smtClean="0">
+              <a:rPr lang="fr-FR" sz="2400" dirty="0" smtClean="0">
                 <a:solidFill>
                   <a:schemeClr val="accent3">
                     <a:lumMod val="50000"/>
@@ -17542,7 +17295,7 @@
             <a:pPr marL="0" indent="0">
               <a:buNone/>
             </a:pPr>
-            <a:endParaRPr lang="en-US" sz="2600" dirty="0" smtClean="0">
+            <a:endParaRPr lang="en-US" sz="2400" dirty="0" smtClean="0">
               <a:latin typeface="Consolas" panose="020B0609020204030204" pitchFamily="49" charset="0"/>
               <a:cs typeface="Consolas" panose="020B0609020204030204" pitchFamily="49" charset="0"/>
             </a:endParaRPr>
@@ -17552,7 +17305,7 @@
               <a:buNone/>
             </a:pPr>
             <a:r>
-              <a:rPr lang="en-US" sz="2600" dirty="0" smtClean="0">
+              <a:rPr lang="en-US" sz="2400" dirty="0" smtClean="0">
                 <a:solidFill>
                   <a:schemeClr val="accent3">
                     <a:lumMod val="50000"/>
@@ -17563,7 +17316,7 @@
               </a:rPr>
               <a:t>// Transfer to another time zone</a:t>
             </a:r>
-            <a:endParaRPr lang="en-US" sz="2600" dirty="0">
+            <a:endParaRPr lang="en-US" sz="2400" dirty="0">
               <a:solidFill>
                 <a:schemeClr val="accent3">
                   <a:lumMod val="50000"/>
@@ -17578,54 +17331,79 @@
               <a:buNone/>
             </a:pPr>
             <a:r>
-              <a:rPr lang="en-US" dirty="0" smtClean="0">
-                <a:latin typeface="Consolas" panose="020B0609020204030204" pitchFamily="49" charset="0"/>
-                <a:cs typeface="Consolas" panose="020B0609020204030204" pitchFamily="49" charset="0"/>
-              </a:rPr>
-              <a:t>time </a:t>
-            </a:r>
-            <a:r>
-              <a:rPr lang="en-US" dirty="0" err="1" smtClean="0">
-                <a:latin typeface="Consolas" panose="020B0609020204030204" pitchFamily="49" charset="0"/>
-                <a:cs typeface="Consolas" panose="020B0609020204030204" pitchFamily="49" charset="0"/>
-              </a:rPr>
-              <a:t>zone.setDefault</a:t>
-            </a:r>
-            <a:r>
-              <a:rPr lang="en-US" dirty="0" smtClean="0">
-                <a:latin typeface="Consolas" panose="020B0609020204030204" pitchFamily="49" charset="0"/>
-                <a:cs typeface="Consolas" panose="020B0609020204030204" pitchFamily="49" charset="0"/>
-              </a:rPr>
-              <a:t>(time zone</a:t>
-            </a:r>
+              <a:rPr lang="en-US" sz="2800" dirty="0" err="1">
+                <a:latin typeface="Consolas" panose="020B0609020204030204" pitchFamily="49" charset="0"/>
+                <a:cs typeface="Consolas" panose="020B0609020204030204" pitchFamily="49" charset="0"/>
+              </a:rPr>
+              <a:t>T</a:t>
+            </a:r>
+            <a:r>
+              <a:rPr lang="en-US" sz="2800" dirty="0" err="1" smtClean="0">
+                <a:latin typeface="Consolas" panose="020B0609020204030204" pitchFamily="49" charset="0"/>
+                <a:cs typeface="Consolas" panose="020B0609020204030204" pitchFamily="49" charset="0"/>
+              </a:rPr>
+              <a:t>imeZone.setDefault</a:t>
+            </a:r>
+            <a:r>
+              <a:rPr lang="en-US" sz="2800" dirty="0" smtClean="0">
+                <a:latin typeface="Consolas" panose="020B0609020204030204" pitchFamily="49" charset="0"/>
+                <a:cs typeface="Consolas" panose="020B0609020204030204" pitchFamily="49" charset="0"/>
+              </a:rPr>
+              <a:t>(</a:t>
+            </a:r>
+            <a:r>
+              <a:rPr lang="en-US" sz="2800" dirty="0" err="1" smtClean="0">
+                <a:latin typeface="Consolas" panose="020B0609020204030204" pitchFamily="49" charset="0"/>
+                <a:cs typeface="Consolas" panose="020B0609020204030204" pitchFamily="49" charset="0"/>
+              </a:rPr>
+              <a:t>timeZone</a:t>
+            </a:r>
+            <a:endParaRPr lang="en-US" sz="2800" dirty="0" smtClean="0">
+              <a:latin typeface="Consolas" panose="020B0609020204030204" pitchFamily="49" charset="0"/>
+              <a:cs typeface="Consolas" panose="020B0609020204030204" pitchFamily="49" charset="0"/>
+            </a:endParaRPr>
           </a:p>
           <a:p>
             <a:pPr marL="0" indent="0">
               <a:buNone/>
             </a:pPr>
             <a:r>
-              <a:rPr lang="en-US" dirty="0" smtClean="0">
+              <a:rPr lang="en-US" sz="2800" dirty="0" smtClean="0">
                 <a:latin typeface="Consolas" panose="020B0609020204030204" pitchFamily="49" charset="0"/>
                 <a:cs typeface="Consolas" panose="020B0609020204030204" pitchFamily="49" charset="0"/>
               </a:rPr>
               <a:t>.</a:t>
             </a:r>
             <a:r>
-              <a:rPr lang="en-US" dirty="0" err="1" smtClean="0">
-                <a:latin typeface="Consolas" panose="020B0609020204030204" pitchFamily="49" charset="0"/>
-                <a:cs typeface="Consolas" panose="020B0609020204030204" pitchFamily="49" charset="0"/>
-              </a:rPr>
-              <a:t>gettime</a:t>
-            </a:r>
-            <a:r>
-              <a:rPr lang="en-US" dirty="0" smtClean="0">
-                <a:latin typeface="Consolas" panose="020B0609020204030204" pitchFamily="49" charset="0"/>
-                <a:cs typeface="Consolas" panose="020B0609020204030204" pitchFamily="49" charset="0"/>
-              </a:rPr>
-              <a:t> zone("</a:t>
-            </a:r>
-            <a:r>
-              <a:rPr lang="en-US" dirty="0">
+              <a:rPr lang="en-US" sz="2800" dirty="0" err="1" smtClean="0">
+                <a:latin typeface="Consolas" panose="020B0609020204030204" pitchFamily="49" charset="0"/>
+                <a:cs typeface="Consolas" panose="020B0609020204030204" pitchFamily="49" charset="0"/>
+              </a:rPr>
+              <a:t>getTime</a:t>
+            </a:r>
+            <a:r>
+              <a:rPr lang="en-US" sz="2800" dirty="0" err="1">
+                <a:latin typeface="Consolas" panose="020B0609020204030204" pitchFamily="49" charset="0"/>
+                <a:cs typeface="Consolas" panose="020B0609020204030204" pitchFamily="49" charset="0"/>
+              </a:rPr>
+              <a:t>Z</a:t>
+            </a:r>
+            <a:r>
+              <a:rPr lang="en-US" sz="2800" dirty="0" err="1" smtClean="0">
+                <a:latin typeface="Consolas" panose="020B0609020204030204" pitchFamily="49" charset="0"/>
+                <a:cs typeface="Consolas" panose="020B0609020204030204" pitchFamily="49" charset="0"/>
+              </a:rPr>
+              <a:t>one</a:t>
+            </a:r>
+            <a:r>
+              <a:rPr lang="en-US" sz="2800" dirty="0" smtClean="0">
+                <a:latin typeface="Consolas" panose="020B0609020204030204" pitchFamily="49" charset="0"/>
+                <a:cs typeface="Consolas" panose="020B0609020204030204" pitchFamily="49" charset="0"/>
+              </a:rPr>
+              <a:t>("</a:t>
+            </a:r>
+            <a:r>
+              <a:rPr lang="en-US" sz="2800" dirty="0">
                 <a:latin typeface="Consolas" panose="020B0609020204030204" pitchFamily="49" charset="0"/>
                 <a:cs typeface="Consolas" panose="020B0609020204030204" pitchFamily="49" charset="0"/>
               </a:rPr>
@@ -17637,21 +17415,21 @@
               <a:buNone/>
             </a:pPr>
             <a:r>
-              <a:rPr lang="en-US" dirty="0" err="1">
+              <a:rPr lang="en-US" sz="2800" dirty="0" err="1">
                 <a:latin typeface="Consolas" panose="020B0609020204030204" pitchFamily="49" charset="0"/>
                 <a:cs typeface="Consolas" panose="020B0609020204030204" pitchFamily="49" charset="0"/>
               </a:rPr>
               <a:t>System.out.println</a:t>
             </a:r>
             <a:r>
-              <a:rPr lang="en-US" dirty="0">
+              <a:rPr lang="en-US" sz="2800" dirty="0">
                 <a:latin typeface="Consolas" panose="020B0609020204030204" pitchFamily="49" charset="0"/>
                 <a:cs typeface="Consolas" panose="020B0609020204030204" pitchFamily="49" charset="0"/>
               </a:rPr>
               <a:t>(date</a:t>
             </a:r>
             <a:r>
-              <a:rPr lang="en-US" dirty="0" smtClean="0">
+              <a:rPr lang="en-US" sz="2800" dirty="0" smtClean="0">
                 <a:latin typeface="Consolas" panose="020B0609020204030204" pitchFamily="49" charset="0"/>
                 <a:cs typeface="Consolas" panose="020B0609020204030204" pitchFamily="49" charset="0"/>
               </a:rPr>
@@ -17663,7 +17441,7 @@
               <a:buNone/>
             </a:pPr>
             <a:r>
-              <a:rPr lang="en-US" sz="2600" dirty="0" smtClean="0">
+              <a:rPr lang="en-US" sz="2400" dirty="0" smtClean="0">
                 <a:solidFill>
                   <a:schemeClr val="accent3">
                     <a:lumMod val="50000"/>
@@ -17675,7 +17453,7 @@
               <a:t>// </a:t>
             </a:r>
             <a:r>
-              <a:rPr lang="de-DE" sz="2600" dirty="0">
+              <a:rPr lang="de-DE" sz="2400" dirty="0">
                 <a:solidFill>
                   <a:schemeClr val="accent3">
                     <a:lumMod val="50000"/>
@@ -17686,7 +17464,7 @@
               </a:rPr>
               <a:t>Thu Nov 10 10:53:20 IST 1910</a:t>
             </a:r>
-            <a:endParaRPr lang="en-US" sz="2600" dirty="0">
+            <a:endParaRPr lang="en-US" sz="2400" dirty="0">
               <a:solidFill>
                 <a:schemeClr val="accent3">
                   <a:lumMod val="50000"/>
@@ -17776,16 +17554,8 @@
           <a:lstStyle/>
           <a:p>
             <a:r>
-              <a:rPr lang="en-US" sz="3000" dirty="0"/>
-              <a:t>Formatting is </a:t>
-            </a:r>
-            <a:r>
               <a:rPr lang="en-US" sz="3000" dirty="0" smtClean="0"/>
-              <a:t>done </a:t>
-            </a:r>
-            <a:r>
-              <a:rPr lang="en-US" sz="3000" dirty="0"/>
-              <a:t>by a </a:t>
+              <a:t>Format with a </a:t>
             </a:r>
             <a:r>
               <a:rPr lang="en-US" sz="3000" dirty="0" err="1"/>
@@ -18333,7 +18103,7 @@
           <a:p>
             <a:r>
               <a:rPr lang="en-US" sz="3000" dirty="0" smtClean="0"/>
-              <a:t>Added in JDK 1.0 and mostly deprecated in JDK 1.1, but never removed</a:t>
+              <a:t>Added in JDK 1.0, mostly deprecated in JDK 1.1, never removed</a:t>
             </a:r>
           </a:p>
           <a:p>
@@ -18402,7 +18172,9 @@
         </p:nvSpPr>
         <p:spPr/>
         <p:txBody>
-          <a:bodyPr/>
+          <a:bodyPr>
+            <a:normAutofit/>
+          </a:bodyPr>
           <a:lstStyle/>
           <a:p>
             <a:r>
@@ -18509,7 +18281,9 @@
         </p:nvSpPr>
         <p:spPr/>
         <p:txBody>
-          <a:bodyPr/>
+          <a:bodyPr>
+            <a:normAutofit/>
+          </a:bodyPr>
           <a:lstStyle/>
           <a:p>
             <a:r>
@@ -18667,13 +18441,13 @@
           <a:p>
             <a:r>
               <a:rPr lang="en-US" sz="3000" dirty="0" smtClean="0"/>
-              <a:t>Mutable – not thread-safe</a:t>
+              <a:t>Mutable, not thread-safe</a:t>
             </a:r>
           </a:p>
           <a:p>
             <a:r>
               <a:rPr lang="en-US" sz="3000" dirty="0" smtClean="0"/>
-              <a:t>Calendar stores its state internally in two different ways</a:t>
+              <a:t>Calendar stores state internally in two different ways</a:t>
             </a:r>
           </a:p>
           <a:p>
@@ -18769,7 +18543,11 @@
             <p:ph idx="1"/>
           </p:nvPr>
         </p:nvSpPr>
-        <p:spPr/>
+        <p:spPr>
+          <a:solidFill>
+            <a:schemeClr val="bg2"/>
+          </a:solidFill>
+        </p:spPr>
         <p:txBody>
           <a:bodyPr>
             <a:normAutofit fontScale="55000" lnSpcReduction="20000"/>
@@ -18780,35 +18558,35 @@
               <a:buNone/>
             </a:pPr>
             <a:r>
-              <a:rPr lang="en-US" sz="5500" dirty="0" err="1">
+              <a:rPr lang="en-US" sz="5100" dirty="0" err="1">
                 <a:latin typeface="Consolas" panose="020B0609020204030204" pitchFamily="49" charset="0"/>
                 <a:cs typeface="Consolas" panose="020B0609020204030204" pitchFamily="49" charset="0"/>
               </a:rPr>
               <a:t>System.out.println</a:t>
             </a:r>
             <a:r>
-              <a:rPr lang="en-US" sz="5500" dirty="0">
+              <a:rPr lang="en-US" sz="5100" dirty="0">
                 <a:latin typeface="Consolas" panose="020B0609020204030204" pitchFamily="49" charset="0"/>
                 <a:cs typeface="Consolas" panose="020B0609020204030204" pitchFamily="49" charset="0"/>
               </a:rPr>
               <a:t>(new </a:t>
             </a:r>
             <a:r>
-              <a:rPr lang="en-US" sz="5500" dirty="0" err="1">
+              <a:rPr lang="en-US" sz="5100" dirty="0" err="1">
                 <a:latin typeface="Consolas" panose="020B0609020204030204" pitchFamily="49" charset="0"/>
                 <a:cs typeface="Consolas" panose="020B0609020204030204" pitchFamily="49" charset="0"/>
               </a:rPr>
               <a:t>GregorianCalendar</a:t>
             </a:r>
             <a:r>
-              <a:rPr lang="en-US" sz="5500" dirty="0">
+              <a:rPr lang="en-US" sz="5100" dirty="0">
                 <a:latin typeface="Consolas" panose="020B0609020204030204" pitchFamily="49" charset="0"/>
                 <a:cs typeface="Consolas" panose="020B0609020204030204" pitchFamily="49" charset="0"/>
               </a:rPr>
               <a:t>(12, 12, 12</a:t>
             </a:r>
             <a:r>
-              <a:rPr lang="en-US" sz="5500" dirty="0" smtClean="0">
+              <a:rPr lang="en-US" sz="5100" dirty="0" smtClean="0">
                 <a:latin typeface="Consolas" panose="020B0609020204030204" pitchFamily="49" charset="0"/>
                 <a:cs typeface="Consolas" panose="020B0609020204030204" pitchFamily="49" charset="0"/>
               </a:rPr>
@@ -18819,40 +18597,106 @@
             <a:pPr marL="0" indent="0">
               <a:buNone/>
             </a:pPr>
+            <a:endParaRPr lang="en-US" dirty="0" smtClean="0">
+              <a:solidFill>
+                <a:schemeClr val="tx1">
+                  <a:lumMod val="65000"/>
+                  <a:lumOff val="35000"/>
+                </a:schemeClr>
+              </a:solidFill>
+              <a:latin typeface="Consolas" panose="020B0609020204030204" pitchFamily="49" charset="0"/>
+              <a:cs typeface="Consolas" panose="020B0609020204030204" pitchFamily="49" charset="0"/>
+            </a:endParaRPr>
+          </a:p>
+          <a:p>
+            <a:pPr marL="0" indent="0">
+              <a:buNone/>
+            </a:pPr>
+            <a:r>
+              <a:rPr lang="en-US" dirty="0" err="1" smtClean="0">
+                <a:solidFill>
+                  <a:schemeClr val="tx1">
+                    <a:lumMod val="65000"/>
+                    <a:lumOff val="35000"/>
+                  </a:schemeClr>
+                </a:solidFill>
+                <a:latin typeface="Consolas" panose="020B0609020204030204" pitchFamily="49" charset="0"/>
+                <a:cs typeface="Consolas" panose="020B0609020204030204" pitchFamily="49" charset="0"/>
+              </a:rPr>
+              <a:t>java.util.GregorianCalendar</a:t>
+            </a:r>
+            <a:r>
+              <a:rPr lang="en-US" dirty="0" smtClean="0">
+                <a:solidFill>
+                  <a:schemeClr val="tx1">
+                    <a:lumMod val="65000"/>
+                    <a:lumOff val="35000"/>
+                  </a:schemeClr>
+                </a:solidFill>
+                <a:latin typeface="Consolas" panose="020B0609020204030204" pitchFamily="49" charset="0"/>
+                <a:cs typeface="Consolas" panose="020B0609020204030204" pitchFamily="49" charset="0"/>
+              </a:rPr>
+              <a:t>[time</a:t>
+            </a:r>
+            <a:r>
+              <a:rPr lang="en-US" dirty="0">
+                <a:solidFill>
+                  <a:schemeClr val="tx1">
+                    <a:lumMod val="65000"/>
+                    <a:lumOff val="35000"/>
+                  </a:schemeClr>
+                </a:solidFill>
+                <a:latin typeface="Consolas" panose="020B0609020204030204" pitchFamily="49" charset="0"/>
+                <a:cs typeface="Consolas" panose="020B0609020204030204" pitchFamily="49" charset="0"/>
+              </a:rPr>
+              <a:t>=?,</a:t>
+            </a:r>
             <a:r>
               <a:rPr lang="en-US" dirty="0" err="1">
                 <a:solidFill>
-                  <a:schemeClr val="tx2"/>
+                  <a:schemeClr val="tx1">
+                    <a:lumMod val="65000"/>
+                    <a:lumOff val="35000"/>
+                  </a:schemeClr>
                 </a:solidFill>
                 <a:latin typeface="Consolas" panose="020B0609020204030204" pitchFamily="49" charset="0"/>
                 <a:cs typeface="Consolas" panose="020B0609020204030204" pitchFamily="49" charset="0"/>
               </a:rPr>
-              <a:t>java.util.GregorianCalendar</a:t>
+              <a:t>areFieldsSet</a:t>
             </a:r>
             <a:r>
               <a:rPr lang="en-US" dirty="0">
                 <a:solidFill>
-                  <a:schemeClr val="tx2"/>
+                  <a:schemeClr val="tx1">
+                    <a:lumMod val="65000"/>
+                    <a:lumOff val="35000"/>
+                  </a:schemeClr>
                 </a:solidFill>
                 <a:latin typeface="Consolas" panose="020B0609020204030204" pitchFamily="49" charset="0"/>
                 <a:cs typeface="Consolas" panose="020B0609020204030204" pitchFamily="49" charset="0"/>
               </a:rPr>
-              <a:t>[time=?,</a:t>
+              <a:t>=</a:t>
             </a:r>
             <a:r>
               <a:rPr lang="en-US" dirty="0" err="1">
                 <a:solidFill>
-                  <a:schemeClr val="tx2"/>
+                  <a:schemeClr val="tx1">
+                    <a:lumMod val="65000"/>
+                    <a:lumOff val="35000"/>
+                  </a:schemeClr>
                 </a:solidFill>
                 <a:latin typeface="Consolas" panose="020B0609020204030204" pitchFamily="49" charset="0"/>
                 <a:cs typeface="Consolas" panose="020B0609020204030204" pitchFamily="49" charset="0"/>
               </a:rPr>
-              <a:t>areFieldsSet</a:t>
+              <a:t>false,areAllFieldsSet</a:t>
             </a:r>
             <a:r>
               <a:rPr lang="en-US" dirty="0">
                 <a:solidFill>
-                  <a:schemeClr val="tx2"/>
+                  <a:schemeClr val="tx1">
+                    <a:lumMod val="65000"/>
+                    <a:lumOff val="35000"/>
+                  </a:schemeClr>
                 </a:solidFill>
                 <a:latin typeface="Consolas" panose="020B0609020204030204" pitchFamily="49" charset="0"/>
                 <a:cs typeface="Consolas" panose="020B0609020204030204" pitchFamily="49" charset="0"/>
@@ -18862,17 +18706,23 @@
             <a:r>
               <a:rPr lang="en-US" dirty="0" err="1">
                 <a:solidFill>
-                  <a:schemeClr val="tx2"/>
+                  <a:schemeClr val="tx1">
+                    <a:lumMod val="65000"/>
+                    <a:lumOff val="35000"/>
+                  </a:schemeClr>
                 </a:solidFill>
                 <a:latin typeface="Consolas" panose="020B0609020204030204" pitchFamily="49" charset="0"/>
                 <a:cs typeface="Consolas" panose="020B0609020204030204" pitchFamily="49" charset="0"/>
               </a:rPr>
-              <a:t>false,areAllFieldsSet</a:t>
+              <a:t>false,lenient</a:t>
             </a:r>
             <a:r>
               <a:rPr lang="en-US" dirty="0">
                 <a:solidFill>
-                  <a:schemeClr val="tx2"/>
+                  <a:schemeClr val="tx1">
+                    <a:lumMod val="65000"/>
+                    <a:lumOff val="35000"/>
+                  </a:schemeClr>
                 </a:solidFill>
                 <a:latin typeface="Consolas" panose="020B0609020204030204" pitchFamily="49" charset="0"/>
                 <a:cs typeface="Consolas" panose="020B0609020204030204" pitchFamily="49" charset="0"/>
@@ -18882,17 +18732,23 @@
             <a:r>
               <a:rPr lang="en-US" dirty="0" err="1">
                 <a:solidFill>
-                  <a:schemeClr val="tx2"/>
+                  <a:schemeClr val="tx1">
+                    <a:lumMod val="65000"/>
+                    <a:lumOff val="35000"/>
+                  </a:schemeClr>
                 </a:solidFill>
                 <a:latin typeface="Consolas" panose="020B0609020204030204" pitchFamily="49" charset="0"/>
                 <a:cs typeface="Consolas" panose="020B0609020204030204" pitchFamily="49" charset="0"/>
               </a:rPr>
-              <a:t>false,lenient</a:t>
+              <a:t>true,zone</a:t>
             </a:r>
             <a:r>
               <a:rPr lang="en-US" dirty="0">
                 <a:solidFill>
-                  <a:schemeClr val="tx2"/>
+                  <a:schemeClr val="tx1">
+                    <a:lumMod val="65000"/>
+                    <a:lumOff val="35000"/>
+                  </a:schemeClr>
                 </a:solidFill>
                 <a:latin typeface="Consolas" panose="020B0609020204030204" pitchFamily="49" charset="0"/>
                 <a:cs typeface="Consolas" panose="020B0609020204030204" pitchFamily="49" charset="0"/>
@@ -18902,177 +18758,205 @@
             <a:r>
               <a:rPr lang="en-US" dirty="0" err="1">
                 <a:solidFill>
-                  <a:schemeClr val="tx2"/>
+                  <a:schemeClr val="tx1">
+                    <a:lumMod val="65000"/>
+                    <a:lumOff val="35000"/>
+                  </a:schemeClr>
                 </a:solidFill>
                 <a:latin typeface="Consolas" panose="020B0609020204030204" pitchFamily="49" charset="0"/>
                 <a:cs typeface="Consolas" panose="020B0609020204030204" pitchFamily="49" charset="0"/>
               </a:rPr>
-              <a:t>true,zone</a:t>
+              <a:t>sun.util.calendar.ZoneInfo</a:t>
             </a:r>
             <a:r>
               <a:rPr lang="en-US" dirty="0">
                 <a:solidFill>
-                  <a:schemeClr val="tx2"/>
+                  <a:schemeClr val="tx1">
+                    <a:lumMod val="65000"/>
+                    <a:lumOff val="35000"/>
+                  </a:schemeClr>
                 </a:solidFill>
                 <a:latin typeface="Consolas" panose="020B0609020204030204" pitchFamily="49" charset="0"/>
                 <a:cs typeface="Consolas" panose="020B0609020204030204" pitchFamily="49" charset="0"/>
               </a:rPr>
-              <a:t>=</a:t>
+              <a:t>[id="America/</a:t>
             </a:r>
             <a:r>
               <a:rPr lang="en-US" dirty="0" err="1">
                 <a:solidFill>
-                  <a:schemeClr val="tx2"/>
+                  <a:schemeClr val="tx1">
+                    <a:lumMod val="65000"/>
+                    <a:lumOff val="35000"/>
+                  </a:schemeClr>
                 </a:solidFill>
                 <a:latin typeface="Consolas" panose="020B0609020204030204" pitchFamily="49" charset="0"/>
                 <a:cs typeface="Consolas" panose="020B0609020204030204" pitchFamily="49" charset="0"/>
               </a:rPr>
-              <a:t>sun.util.calendar.ZoneInfo</a:t>
+              <a:t>New_York",offset</a:t>
             </a:r>
             <a:r>
               <a:rPr lang="en-US" dirty="0">
                 <a:solidFill>
-                  <a:schemeClr val="tx2"/>
+                  <a:schemeClr val="tx1">
+                    <a:lumMod val="65000"/>
+                    <a:lumOff val="35000"/>
+                  </a:schemeClr>
                 </a:solidFill>
                 <a:latin typeface="Consolas" panose="020B0609020204030204" pitchFamily="49" charset="0"/>
                 <a:cs typeface="Consolas" panose="020B0609020204030204" pitchFamily="49" charset="0"/>
               </a:rPr>
-              <a:t>[id="America/</a:t>
+              <a:t>=-</a:t>
+            </a:r>
+            <a:r>
+              <a:rPr lang="en-US" dirty="0" smtClean="0">
+                <a:solidFill>
+                  <a:schemeClr val="tx1">
+                    <a:lumMod val="65000"/>
+                    <a:lumOff val="35000"/>
+                  </a:schemeClr>
+                </a:solidFill>
+                <a:latin typeface="Consolas" panose="020B0609020204030204" pitchFamily="49" charset="0"/>
+                <a:cs typeface="Consolas" panose="020B0609020204030204" pitchFamily="49" charset="0"/>
+              </a:rPr>
+              <a:t>18000000,dstSavings=3600000,useDaylight=</a:t>
+            </a:r>
+            <a:r>
+              <a:rPr lang="en-US" dirty="0" err="1" smtClean="0">
+                <a:solidFill>
+                  <a:schemeClr val="tx1">
+                    <a:lumMod val="65000"/>
+                    <a:lumOff val="35000"/>
+                  </a:schemeClr>
+                </a:solidFill>
+                <a:latin typeface="Consolas" panose="020B0609020204030204" pitchFamily="49" charset="0"/>
+                <a:cs typeface="Consolas" panose="020B0609020204030204" pitchFamily="49" charset="0"/>
+              </a:rPr>
+              <a:t>true,transitions</a:t>
+            </a:r>
+            <a:r>
+              <a:rPr lang="en-US" dirty="0" smtClean="0">
+                <a:solidFill>
+                  <a:schemeClr val="tx1">
+                    <a:lumMod val="65000"/>
+                    <a:lumOff val="35000"/>
+                  </a:schemeClr>
+                </a:solidFill>
+                <a:latin typeface="Consolas" panose="020B0609020204030204" pitchFamily="49" charset="0"/>
+                <a:cs typeface="Consolas" panose="020B0609020204030204" pitchFamily="49" charset="0"/>
+              </a:rPr>
+              <a:t>=235,lastRule=</a:t>
+            </a:r>
+            <a:r>
+              <a:rPr lang="en-US" dirty="0" err="1" smtClean="0">
+                <a:solidFill>
+                  <a:schemeClr val="tx1">
+                    <a:lumMod val="65000"/>
+                    <a:lumOff val="35000"/>
+                  </a:schemeClr>
+                </a:solidFill>
+                <a:latin typeface="Consolas" panose="020B0609020204030204" pitchFamily="49" charset="0"/>
+                <a:cs typeface="Consolas" panose="020B0609020204030204" pitchFamily="49" charset="0"/>
+              </a:rPr>
+              <a:t>java.util.Simpletime</a:t>
+            </a:r>
+            <a:r>
+              <a:rPr lang="en-US" dirty="0" smtClean="0">
+                <a:solidFill>
+                  <a:schemeClr val="tx1">
+                    <a:lumMod val="65000"/>
+                    <a:lumOff val="35000"/>
+                  </a:schemeClr>
+                </a:solidFill>
+                <a:latin typeface="Consolas" panose="020B0609020204030204" pitchFamily="49" charset="0"/>
+                <a:cs typeface="Consolas" panose="020B0609020204030204" pitchFamily="49" charset="0"/>
+              </a:rPr>
+              <a:t> zone[id=America/</a:t>
+            </a:r>
+            <a:r>
+              <a:rPr lang="en-US" dirty="0" err="1" smtClean="0">
+                <a:solidFill>
+                  <a:schemeClr val="tx1">
+                    <a:lumMod val="65000"/>
+                    <a:lumOff val="35000"/>
+                  </a:schemeClr>
+                </a:solidFill>
+                <a:latin typeface="Consolas" panose="020B0609020204030204" pitchFamily="49" charset="0"/>
+                <a:cs typeface="Consolas" panose="020B0609020204030204" pitchFamily="49" charset="0"/>
+              </a:rPr>
+              <a:t>New_York,offset</a:t>
+            </a:r>
+            <a:r>
+              <a:rPr lang="en-US" dirty="0">
+                <a:solidFill>
+                  <a:schemeClr val="tx1">
+                    <a:lumMod val="65000"/>
+                    <a:lumOff val="35000"/>
+                  </a:schemeClr>
+                </a:solidFill>
+                <a:latin typeface="Consolas" panose="020B0609020204030204" pitchFamily="49" charset="0"/>
+                <a:cs typeface="Consolas" panose="020B0609020204030204" pitchFamily="49" charset="0"/>
+              </a:rPr>
+              <a:t>=-18000000,dstSavings=3600000,useDaylight=</a:t>
             </a:r>
             <a:r>
               <a:rPr lang="en-US" dirty="0" err="1">
                 <a:solidFill>
-                  <a:schemeClr val="tx2"/>
+                  <a:schemeClr val="tx1">
+                    <a:lumMod val="65000"/>
+                    <a:lumOff val="35000"/>
+                  </a:schemeClr>
                 </a:solidFill>
                 <a:latin typeface="Consolas" panose="020B0609020204030204" pitchFamily="49" charset="0"/>
                 <a:cs typeface="Consolas" panose="020B0609020204030204" pitchFamily="49" charset="0"/>
               </a:rPr>
-              <a:t>New_York",offset</a:t>
+              <a:t>true,startYear</a:t>
             </a:r>
             <a:r>
               <a:rPr lang="en-US" dirty="0">
                 <a:solidFill>
-                  <a:schemeClr val="tx2"/>
+                  <a:schemeClr val="tx1">
+                    <a:lumMod val="65000"/>
+                    <a:lumOff val="35000"/>
+                  </a:schemeClr>
                 </a:solidFill>
                 <a:latin typeface="Consolas" panose="020B0609020204030204" pitchFamily="49" charset="0"/>
                 <a:cs typeface="Consolas" panose="020B0609020204030204" pitchFamily="49" charset="0"/>
               </a:rPr>
-              <a:t>=-</a:t>
+              <a:t>=0,startMode=3,startMonth=2,startDay=8,startDayOfWeek=1,startTime=7200000,startTimeMode=0,endMode=3,endMonth=10,endDay=1,endDayOfWeek=1,endTime=7200000,endTimeMode=0]],</a:t>
+            </a:r>
+            <a:r>
+              <a:rPr lang="en-US" dirty="0" err="1">
+                <a:solidFill>
+                  <a:schemeClr val="tx1">
+                    <a:lumMod val="65000"/>
+                    <a:lumOff val="35000"/>
+                  </a:schemeClr>
+                </a:solidFill>
+                <a:latin typeface="Consolas" panose="020B0609020204030204" pitchFamily="49" charset="0"/>
+                <a:cs typeface="Consolas" panose="020B0609020204030204" pitchFamily="49" charset="0"/>
+              </a:rPr>
+              <a:t>firstDayOfWeek</a:t>
+            </a:r>
+            <a:r>
+              <a:rPr lang="en-US" dirty="0">
+                <a:solidFill>
+                  <a:schemeClr val="tx1">
+                    <a:lumMod val="65000"/>
+                    <a:lumOff val="35000"/>
+                  </a:schemeClr>
+                </a:solidFill>
+                <a:latin typeface="Consolas" panose="020B0609020204030204" pitchFamily="49" charset="0"/>
+                <a:cs typeface="Consolas" panose="020B0609020204030204" pitchFamily="49" charset="0"/>
+              </a:rPr>
+              <a:t>=1,minimalDaysInFirstWeek=1,ERA=?,YEAR=12,MONTH=12,WEEK_OF_YEAR=?,WEEK_OF_MONTH=?,DAY_OF_MONTH=12,DAY_OF_YEAR=?,DAY_OF_WEEK=?,DAY_OF_WEEK_IN_MONTH=?,AM_PM=0,HOUR=0,HOUR_OF_DAY=0,MINUTE=0,SECOND=0,MILLISECOND=?,ZONE_OFFSET=?,DST_OFFSET</a:t>
             </a:r>
             <a:r>
               <a:rPr lang="en-US" dirty="0" smtClean="0">
                 <a:solidFill>
-                  <a:schemeClr val="tx2"/>
-                </a:solidFill>
-                <a:latin typeface="Consolas" panose="020B0609020204030204" pitchFamily="49" charset="0"/>
-                <a:cs typeface="Consolas" panose="020B0609020204030204" pitchFamily="49" charset="0"/>
-              </a:rPr>
-              <a:t>18000000,dstSavings=3600000,useDaylight=</a:t>
-            </a:r>
-            <a:r>
-              <a:rPr lang="en-US" dirty="0" err="1" smtClean="0">
-                <a:solidFill>
-                  <a:schemeClr val="tx2"/>
-                </a:solidFill>
-                <a:latin typeface="Consolas" panose="020B0609020204030204" pitchFamily="49" charset="0"/>
-                <a:cs typeface="Consolas" panose="020B0609020204030204" pitchFamily="49" charset="0"/>
-              </a:rPr>
-              <a:t>true,transitions</a:t>
-            </a:r>
-            <a:r>
-              <a:rPr lang="en-US" dirty="0" smtClean="0">
-                <a:solidFill>
-                  <a:schemeClr val="tx2"/>
-                </a:solidFill>
-                <a:latin typeface="Consolas" panose="020B0609020204030204" pitchFamily="49" charset="0"/>
-                <a:cs typeface="Consolas" panose="020B0609020204030204" pitchFamily="49" charset="0"/>
-              </a:rPr>
-              <a:t>=235,lastRule=</a:t>
-            </a:r>
-            <a:r>
-              <a:rPr lang="en-US" dirty="0" err="1" smtClean="0">
-                <a:solidFill>
-                  <a:schemeClr val="tx2"/>
-                </a:solidFill>
-                <a:latin typeface="Consolas" panose="020B0609020204030204" pitchFamily="49" charset="0"/>
-                <a:cs typeface="Consolas" panose="020B0609020204030204" pitchFamily="49" charset="0"/>
-              </a:rPr>
-              <a:t>java.util.Simpletime</a:t>
-            </a:r>
-            <a:r>
-              <a:rPr lang="en-US" dirty="0" smtClean="0">
-                <a:solidFill>
-                  <a:schemeClr val="tx2"/>
-                </a:solidFill>
-                <a:latin typeface="Consolas" panose="020B0609020204030204" pitchFamily="49" charset="0"/>
-                <a:cs typeface="Consolas" panose="020B0609020204030204" pitchFamily="49" charset="0"/>
-              </a:rPr>
-              <a:t> zone[id=America/</a:t>
-            </a:r>
-            <a:r>
-              <a:rPr lang="en-US" dirty="0" err="1" smtClean="0">
-                <a:solidFill>
-                  <a:schemeClr val="tx2"/>
-                </a:solidFill>
-                <a:latin typeface="Consolas" panose="020B0609020204030204" pitchFamily="49" charset="0"/>
-                <a:cs typeface="Consolas" panose="020B0609020204030204" pitchFamily="49" charset="0"/>
-              </a:rPr>
-              <a:t>New_York,offset</a:t>
-            </a:r>
-            <a:r>
-              <a:rPr lang="en-US" dirty="0">
-                <a:solidFill>
-                  <a:schemeClr val="tx2"/>
-                </a:solidFill>
-                <a:latin typeface="Consolas" panose="020B0609020204030204" pitchFamily="49" charset="0"/>
-                <a:cs typeface="Consolas" panose="020B0609020204030204" pitchFamily="49" charset="0"/>
-              </a:rPr>
-              <a:t>=-18000000,dstSavings=3600000,useDaylight=</a:t>
-            </a:r>
-            <a:r>
-              <a:rPr lang="en-US" dirty="0" err="1">
-                <a:solidFill>
-                  <a:schemeClr val="tx2"/>
-                </a:solidFill>
-                <a:latin typeface="Consolas" panose="020B0609020204030204" pitchFamily="49" charset="0"/>
-                <a:cs typeface="Consolas" panose="020B0609020204030204" pitchFamily="49" charset="0"/>
-              </a:rPr>
-              <a:t>true,startYear</a:t>
-            </a:r>
-            <a:r>
-              <a:rPr lang="en-US" dirty="0">
-                <a:solidFill>
-                  <a:schemeClr val="tx2"/>
-                </a:solidFill>
-                <a:latin typeface="Consolas" panose="020B0609020204030204" pitchFamily="49" charset="0"/>
-                <a:cs typeface="Consolas" panose="020B0609020204030204" pitchFamily="49" charset="0"/>
-              </a:rPr>
-              <a:t>=0,startMode=3,startMonth=2,startDay=8,startDayOfWeek=1,startTime=7200000,startTimeMode=0,endMode=3,endMonth=10,endDay=1,endDayOfWeek=1,endTime=7200000,endTimeMode=0]],</a:t>
-            </a:r>
-            <a:r>
-              <a:rPr lang="en-US" dirty="0" err="1">
-                <a:solidFill>
-                  <a:schemeClr val="tx2"/>
-                </a:solidFill>
-                <a:latin typeface="Consolas" panose="020B0609020204030204" pitchFamily="49" charset="0"/>
-                <a:cs typeface="Consolas" panose="020B0609020204030204" pitchFamily="49" charset="0"/>
-              </a:rPr>
-              <a:t>firstDayOfWeek</a:t>
-            </a:r>
-            <a:r>
-              <a:rPr lang="en-US" dirty="0">
-                <a:solidFill>
-                  <a:schemeClr val="tx2"/>
-                </a:solidFill>
-                <a:latin typeface="Consolas" panose="020B0609020204030204" pitchFamily="49" charset="0"/>
-                <a:cs typeface="Consolas" panose="020B0609020204030204" pitchFamily="49" charset="0"/>
-              </a:rPr>
-              <a:t>=1,minimalDaysInFirstWeek=1,ERA=?,YEAR=12,MONTH=12,WEEK_OF_YEAR=?,WEEK_OF_MONTH=?,DAY_OF_MONTH=12,DAY_OF_YEAR=?,DAY_OF_WEEK=?,DAY_OF_WEEK_IN_MONTH=?,AM_PM=0,HOUR=0,HOUR_OF_DAY=0,MINUTE=0,SECOND=0,MILLISECOND=?,ZONE_OFFSET=?,DST_OFFSET</a:t>
-            </a:r>
-            <a:r>
-              <a:rPr lang="en-US" dirty="0" smtClean="0">
-                <a:solidFill>
-                  <a:schemeClr val="tx2"/>
+                  <a:schemeClr val="tx1">
+                    <a:lumMod val="65000"/>
+                    <a:lumOff val="35000"/>
+                  </a:schemeClr>
                 </a:solidFill>
                 <a:latin typeface="Consolas" panose="020B0609020204030204" pitchFamily="49" charset="0"/>
                 <a:cs typeface="Consolas" panose="020B0609020204030204" pitchFamily="49" charset="0"/>
@@ -19081,7 +18965,10 @@
             </a:r>
             <a:endParaRPr lang="en-US" dirty="0">
               <a:solidFill>
-                <a:schemeClr val="tx2"/>
+                <a:schemeClr val="tx1">
+                  <a:lumMod val="65000"/>
+                  <a:lumOff val="35000"/>
+                </a:schemeClr>
               </a:solidFill>
               <a:latin typeface="Consolas" panose="020B0609020204030204" pitchFamily="49" charset="0"/>
               <a:cs typeface="Consolas" panose="020B0609020204030204" pitchFamily="49" charset="0"/>
@@ -19134,9 +19021,7 @@
                                         </p:cTn>
                                         <p:tgtEl>
                                           <p:spTgt spid="3">
-                                            <p:txEl>
-                                              <p:pRg st="0" end="0"/>
-                                            </p:txEl>
+                                            <p:bg/>
                                           </p:spTgt>
                                         </p:tgtEl>
                                         <p:attrNameLst>
@@ -19152,9 +19037,7 @@
                                         <p:cTn id="7" dur="500" fill="hold"/>
                                         <p:tgtEl>
                                           <p:spTgt spid="3">
-                                            <p:txEl>
-                                              <p:pRg st="0" end="0"/>
-                                            </p:txEl>
+                                            <p:bg/>
                                           </p:spTgt>
                                         </p:tgtEl>
                                         <p:attrNameLst>
@@ -19179,9 +19062,7 @@
                                         <p:cTn id="8" dur="500" fill="hold"/>
                                         <p:tgtEl>
                                           <p:spTgt spid="3">
-                                            <p:txEl>
-                                              <p:pRg st="0" end="0"/>
-                                            </p:txEl>
+                                            <p:bg/>
                                           </p:spTgt>
                                         </p:tgtEl>
                                         <p:attrNameLst>
@@ -19238,7 +19119,7 @@
                                         <p:tgtEl>
                                           <p:spTgt spid="3">
                                             <p:txEl>
-                                              <p:pRg st="1" end="1"/>
+                                              <p:pRg st="0" end="0"/>
                                             </p:txEl>
                                           </p:spTgt>
                                         </p:tgtEl>
@@ -19256,7 +19137,7 @@
                                         <p:tgtEl>
                                           <p:spTgt spid="3">
                                             <p:txEl>
-                                              <p:pRg st="1" end="1"/>
+                                              <p:pRg st="0" end="0"/>
                                             </p:txEl>
                                           </p:spTgt>
                                         </p:tgtEl>
@@ -19283,7 +19164,110 @@
                                         <p:tgtEl>
                                           <p:spTgt spid="3">
                                             <p:txEl>
-                                              <p:pRg st="1" end="1"/>
+                                              <p:pRg st="0" end="0"/>
+                                            </p:txEl>
+                                          </p:spTgt>
+                                        </p:tgtEl>
+                                        <p:attrNameLst>
+                                          <p:attrName>ppt_y</p:attrName>
+                                        </p:attrNameLst>
+                                      </p:cBhvr>
+                                      <p:tavLst>
+                                        <p:tav tm="0">
+                                          <p:val>
+                                            <p:strVal val="1+#ppt_h/2"/>
+                                          </p:val>
+                                        </p:tav>
+                                        <p:tav tm="100000">
+                                          <p:val>
+                                            <p:strVal val="#ppt_y"/>
+                                          </p:val>
+                                        </p:tav>
+                                      </p:tavLst>
+                                    </p:anim>
+                                  </p:childTnLst>
+                                </p:cTn>
+                              </p:par>
+                            </p:childTnLst>
+                          </p:cTn>
+                        </p:par>
+                      </p:childTnLst>
+                    </p:cTn>
+                  </p:par>
+                  <p:par>
+                    <p:cTn id="15" fill="hold">
+                      <p:stCondLst>
+                        <p:cond delay="indefinite"/>
+                      </p:stCondLst>
+                      <p:childTnLst>
+                        <p:par>
+                          <p:cTn id="16" fill="hold">
+                            <p:stCondLst>
+                              <p:cond delay="0"/>
+                            </p:stCondLst>
+                            <p:childTnLst>
+                              <p:par>
+                                <p:cTn id="17" presetID="2" presetClass="entr" presetSubtype="4" fill="hold" grpId="0" nodeType="clickEffect">
+                                  <p:stCondLst>
+                                    <p:cond delay="0"/>
+                                  </p:stCondLst>
+                                  <p:childTnLst>
+                                    <p:set>
+                                      <p:cBhvr>
+                                        <p:cTn id="18" dur="1" fill="hold">
+                                          <p:stCondLst>
+                                            <p:cond delay="0"/>
+                                          </p:stCondLst>
+                                        </p:cTn>
+                                        <p:tgtEl>
+                                          <p:spTgt spid="3">
+                                            <p:txEl>
+                                              <p:pRg st="2" end="2"/>
+                                            </p:txEl>
+                                          </p:spTgt>
+                                        </p:tgtEl>
+                                        <p:attrNameLst>
+                                          <p:attrName>style.visibility</p:attrName>
+                                        </p:attrNameLst>
+                                      </p:cBhvr>
+                                      <p:to>
+                                        <p:strVal val="visible"/>
+                                      </p:to>
+                                    </p:set>
+                                    <p:anim calcmode="lin" valueType="num">
+                                      <p:cBhvr additive="base">
+                                        <p:cTn id="19" dur="500" fill="hold"/>
+                                        <p:tgtEl>
+                                          <p:spTgt spid="3">
+                                            <p:txEl>
+                                              <p:pRg st="2" end="2"/>
+                                            </p:txEl>
+                                          </p:spTgt>
+                                        </p:tgtEl>
+                                        <p:attrNameLst>
+                                          <p:attrName>ppt_x</p:attrName>
+                                        </p:attrNameLst>
+                                      </p:cBhvr>
+                                      <p:tavLst>
+                                        <p:tav tm="0">
+                                          <p:val>
+                                            <p:strVal val="#ppt_x"/>
+                                          </p:val>
+                                        </p:tav>
+                                        <p:tav tm="100000">
+                                          <p:val>
+                                            <p:strVal val="#ppt_x"/>
+                                          </p:val>
+                                        </p:tav>
+                                      </p:tavLst>
+                                    </p:anim>
+                                    <p:anim calcmode="lin" valueType="num">
+                                      <p:cBhvr additive="base">
+                                        <p:cTn id="20" dur="500" fill="hold"/>
+                                        <p:tgtEl>
+                                          <p:spTgt spid="3">
+                                            <p:txEl>
+                                              <p:pRg st="2" end="2"/>
                                             </p:txEl>
                                           </p:spTgt>
                                         </p:tgtEl>
@@ -19335,7 +19319,7 @@
       </p:par>
     </p:tnLst>
     <p:bldLst>
-      <p:bldP spid="3" grpId="0" uiExpand="1" build="p"/>
+      <p:bldP spid="3" grpId="0" uiExpand="1" build="p" animBg="1"/>
     </p:bldLst>
   </p:timing>
 </p:sld>
@@ -19384,10 +19368,10 @@
     </a:clrScheme>
     <a:fontScheme name="Office">
       <a:majorFont>
-        <a:latin typeface="Calibri"/>
+        <a:latin typeface="Cambria"/>
         <a:ea typeface=""/>
         <a:cs typeface=""/>
-        <a:font script="Jpan" typeface="ＭＳ Ｐゴシック"/>
+        <a:font script="Jpan" typeface="ＭＳ ゴシック"/>
         <a:font script="Hang" typeface="맑은 고딕"/>
         <a:font script="Hans" typeface="宋体"/>
         <a:font script="Hant" typeface="新細明體"/>
@@ -19422,7 +19406,7 @@
         <a:latin typeface="Calibri"/>
         <a:ea typeface=""/>
         <a:cs typeface=""/>
-        <a:font script="Jpan" typeface="ＭＳ Ｐゴシック"/>
+        <a:font script="Jpan" typeface="ＭＳ 明朝"/>
         <a:font script="Hang" typeface="맑은 고딕"/>
         <a:font script="Hans" typeface="宋体"/>
         <a:font script="Hant" typeface="新細明體"/>

--- a/Java 8 Date and Time API.pptx
+++ b/Java 8 Date and Time API.pptx
@@ -8,47 +8,45 @@
     <p:sldId id="256" r:id="rId2"/>
     <p:sldId id="257" r:id="rId3"/>
     <p:sldId id="258" r:id="rId4"/>
-    <p:sldId id="260" r:id="rId5"/>
-    <p:sldId id="259" r:id="rId6"/>
-    <p:sldId id="262" r:id="rId7"/>
-    <p:sldId id="261" r:id="rId8"/>
-    <p:sldId id="263" r:id="rId9"/>
-    <p:sldId id="264" r:id="rId10"/>
-    <p:sldId id="265" r:id="rId11"/>
-    <p:sldId id="266" r:id="rId12"/>
-    <p:sldId id="268" r:id="rId13"/>
-    <p:sldId id="267" r:id="rId14"/>
-    <p:sldId id="279" r:id="rId15"/>
-    <p:sldId id="270" r:id="rId16"/>
-    <p:sldId id="271" r:id="rId17"/>
-    <p:sldId id="272" r:id="rId18"/>
-    <p:sldId id="273" r:id="rId19"/>
-    <p:sldId id="276" r:id="rId20"/>
-    <p:sldId id="274" r:id="rId21"/>
-    <p:sldId id="275" r:id="rId22"/>
-    <p:sldId id="294" r:id="rId23"/>
-    <p:sldId id="278" r:id="rId24"/>
-    <p:sldId id="277" r:id="rId25"/>
-    <p:sldId id="282" r:id="rId26"/>
-    <p:sldId id="281" r:id="rId27"/>
-    <p:sldId id="280" r:id="rId28"/>
-    <p:sldId id="285" r:id="rId29"/>
-    <p:sldId id="296" r:id="rId30"/>
-    <p:sldId id="298" r:id="rId31"/>
-    <p:sldId id="286" r:id="rId32"/>
-    <p:sldId id="289" r:id="rId33"/>
-    <p:sldId id="288" r:id="rId34"/>
-    <p:sldId id="283" r:id="rId35"/>
-    <p:sldId id="297" r:id="rId36"/>
-    <p:sldId id="299" r:id="rId37"/>
-    <p:sldId id="284" r:id="rId38"/>
-    <p:sldId id="287" r:id="rId39"/>
-    <p:sldId id="292" r:id="rId40"/>
-    <p:sldId id="293" r:id="rId41"/>
-    <p:sldId id="295" r:id="rId42"/>
-    <p:sldId id="290" r:id="rId43"/>
-    <p:sldId id="291" r:id="rId44"/>
-    <p:sldId id="269" r:id="rId45"/>
+    <p:sldId id="259" r:id="rId5"/>
+    <p:sldId id="262" r:id="rId6"/>
+    <p:sldId id="261" r:id="rId7"/>
+    <p:sldId id="263" r:id="rId8"/>
+    <p:sldId id="264" r:id="rId9"/>
+    <p:sldId id="265" r:id="rId10"/>
+    <p:sldId id="268" r:id="rId11"/>
+    <p:sldId id="267" r:id="rId12"/>
+    <p:sldId id="279" r:id="rId13"/>
+    <p:sldId id="270" r:id="rId14"/>
+    <p:sldId id="271" r:id="rId15"/>
+    <p:sldId id="272" r:id="rId16"/>
+    <p:sldId id="273" r:id="rId17"/>
+    <p:sldId id="276" r:id="rId18"/>
+    <p:sldId id="274" r:id="rId19"/>
+    <p:sldId id="275" r:id="rId20"/>
+    <p:sldId id="294" r:id="rId21"/>
+    <p:sldId id="278" r:id="rId22"/>
+    <p:sldId id="277" r:id="rId23"/>
+    <p:sldId id="282" r:id="rId24"/>
+    <p:sldId id="281" r:id="rId25"/>
+    <p:sldId id="280" r:id="rId26"/>
+    <p:sldId id="285" r:id="rId27"/>
+    <p:sldId id="296" r:id="rId28"/>
+    <p:sldId id="298" r:id="rId29"/>
+    <p:sldId id="286" r:id="rId30"/>
+    <p:sldId id="289" r:id="rId31"/>
+    <p:sldId id="288" r:id="rId32"/>
+    <p:sldId id="283" r:id="rId33"/>
+    <p:sldId id="297" r:id="rId34"/>
+    <p:sldId id="299" r:id="rId35"/>
+    <p:sldId id="284" r:id="rId36"/>
+    <p:sldId id="287" r:id="rId37"/>
+    <p:sldId id="292" r:id="rId38"/>
+    <p:sldId id="293" r:id="rId39"/>
+    <p:sldId id="295" r:id="rId40"/>
+    <p:sldId id="290" r:id="rId41"/>
+    <p:sldId id="291" r:id="rId42"/>
+    <p:sldId id="269" r:id="rId43"/>
   </p:sldIdLst>
   <p:sldSz cx="9144000" cy="6858000" type="screen4x3"/>
   <p:notesSz cx="6858000" cy="9144000"/>
@@ -331,7 +329,7 @@
           <a:p>
             <a:fld id="{4521DC5A-3FE3-4FD1-BF87-57592AFF8A1E}" type="datetimeFigureOut">
               <a:rPr lang="en-US" smtClean="0"/>
-              <a:t>3/17/2014</a:t>
+              <a:t>3/18/2014</a:t>
             </a:fld>
             <a:endParaRPr lang="en-US"/>
           </a:p>
@@ -508,7 +506,7 @@
           <a:p>
             <a:fld id="{4521DC5A-3FE3-4FD1-BF87-57592AFF8A1E}" type="datetimeFigureOut">
               <a:rPr lang="en-US" smtClean="0"/>
-              <a:t>3/17/2014</a:t>
+              <a:t>3/18/2014</a:t>
             </a:fld>
             <a:endParaRPr lang="en-US"/>
           </a:p>
@@ -695,7 +693,7 @@
           <a:p>
             <a:fld id="{4521DC5A-3FE3-4FD1-BF87-57592AFF8A1E}" type="datetimeFigureOut">
               <a:rPr lang="en-US" smtClean="0"/>
-              <a:t>3/17/2014</a:t>
+              <a:t>3/18/2014</a:t>
             </a:fld>
             <a:endParaRPr lang="en-US"/>
           </a:p>
@@ -872,7 +870,7 @@
           <a:p>
             <a:fld id="{4521DC5A-3FE3-4FD1-BF87-57592AFF8A1E}" type="datetimeFigureOut">
               <a:rPr lang="en-US" smtClean="0"/>
-              <a:t>3/17/2014</a:t>
+              <a:t>3/18/2014</a:t>
             </a:fld>
             <a:endParaRPr lang="en-US"/>
           </a:p>
@@ -1125,7 +1123,7 @@
           <a:p>
             <a:fld id="{4521DC5A-3FE3-4FD1-BF87-57592AFF8A1E}" type="datetimeFigureOut">
               <a:rPr lang="en-US" smtClean="0"/>
-              <a:t>3/17/2014</a:t>
+              <a:t>3/18/2014</a:t>
             </a:fld>
             <a:endParaRPr lang="en-US"/>
           </a:p>
@@ -1420,7 +1418,7 @@
           <a:p>
             <a:fld id="{4521DC5A-3FE3-4FD1-BF87-57592AFF8A1E}" type="datetimeFigureOut">
               <a:rPr lang="en-US" smtClean="0"/>
-              <a:t>3/17/2014</a:t>
+              <a:t>3/18/2014</a:t>
             </a:fld>
             <a:endParaRPr lang="en-US"/>
           </a:p>
@@ -1849,7 +1847,7 @@
           <a:p>
             <a:fld id="{4521DC5A-3FE3-4FD1-BF87-57592AFF8A1E}" type="datetimeFigureOut">
               <a:rPr lang="en-US" smtClean="0"/>
-              <a:t>3/17/2014</a:t>
+              <a:t>3/18/2014</a:t>
             </a:fld>
             <a:endParaRPr lang="en-US"/>
           </a:p>
@@ -1974,7 +1972,7 @@
           <a:p>
             <a:fld id="{4521DC5A-3FE3-4FD1-BF87-57592AFF8A1E}" type="datetimeFigureOut">
               <a:rPr lang="en-US" smtClean="0"/>
-              <a:t>3/17/2014</a:t>
+              <a:t>3/18/2014</a:t>
             </a:fld>
             <a:endParaRPr lang="en-US"/>
           </a:p>
@@ -2076,7 +2074,7 @@
           <a:p>
             <a:fld id="{4521DC5A-3FE3-4FD1-BF87-57592AFF8A1E}" type="datetimeFigureOut">
               <a:rPr lang="en-US" smtClean="0"/>
-              <a:t>3/17/2014</a:t>
+              <a:t>3/18/2014</a:t>
             </a:fld>
             <a:endParaRPr lang="en-US"/>
           </a:p>
@@ -2360,7 +2358,7 @@
           <a:p>
             <a:fld id="{4521DC5A-3FE3-4FD1-BF87-57592AFF8A1E}" type="datetimeFigureOut">
               <a:rPr lang="en-US" smtClean="0"/>
-              <a:t>3/17/2014</a:t>
+              <a:t>3/18/2014</a:t>
             </a:fld>
             <a:endParaRPr lang="en-US"/>
           </a:p>
@@ -2620,7 +2618,7 @@
           <a:p>
             <a:fld id="{4521DC5A-3FE3-4FD1-BF87-57592AFF8A1E}" type="datetimeFigureOut">
               <a:rPr lang="en-US" smtClean="0"/>
-              <a:t>3/17/2014</a:t>
+              <a:t>3/18/2014</a:t>
             </a:fld>
             <a:endParaRPr lang="en-US"/>
           </a:p>
@@ -2840,7 +2838,7 @@
           <a:p>
             <a:fld id="{4521DC5A-3FE3-4FD1-BF87-57592AFF8A1E}" type="datetimeFigureOut">
               <a:rPr lang="en-US" smtClean="0"/>
-              <a:t>3/17/2014</a:t>
+              <a:t>3/18/2014</a:t>
             </a:fld>
             <a:endParaRPr lang="en-US"/>
           </a:p>
@@ -3701,1330 +3699,6 @@
           <a:p>
             <a:r>
               <a:rPr lang="en-US" dirty="0" smtClean="0"/>
-              <a:t>Problems Getting a Date</a:t>
-            </a:r>
-            <a:endParaRPr lang="en-US" dirty="0"/>
-          </a:p>
-        </p:txBody>
-      </p:sp>
-      <p:sp>
-        <p:nvSpPr>
-          <p:cNvPr id="3" name="Content Placeholder 2"/>
-          <p:cNvSpPr>
-            <a:spLocks noGrp="1"/>
-          </p:cNvSpPr>
-          <p:nvPr>
-            <p:ph idx="1"/>
-          </p:nvPr>
-        </p:nvSpPr>
-        <p:spPr>
-          <a:xfrm>
-            <a:off x="457200" y="2590800"/>
-            <a:ext cx="8229600" cy="3535363"/>
-          </a:xfrm>
-        </p:spPr>
-        <p:txBody>
-          <a:bodyPr>
-            <a:normAutofit/>
-          </a:bodyPr>
-          <a:lstStyle/>
-          <a:p>
-            <a:pPr marL="0" indent="0">
-              <a:buNone/>
-            </a:pPr>
-            <a:r>
-              <a:rPr lang="en-US" sz="2800" dirty="0" smtClean="0">
-                <a:cs typeface="Consolas" panose="020B0609020204030204" pitchFamily="49" charset="0"/>
-              </a:rPr>
-              <a:t>Several problems here:</a:t>
-            </a:r>
-          </a:p>
-          <a:p>
-            <a:pPr marL="514350" indent="-514350">
-              <a:buFont typeface="+mj-lt"/>
-              <a:buAutoNum type="arabicPeriod"/>
-            </a:pPr>
-            <a:r>
-              <a:rPr lang="en-US" sz="2800" dirty="0" smtClean="0">
-                <a:cs typeface="Consolas" panose="020B0609020204030204" pitchFamily="49" charset="0"/>
-              </a:rPr>
-              <a:t>Which 12 is for which date field?</a:t>
-            </a:r>
-          </a:p>
-          <a:p>
-            <a:pPr marL="514350" indent="-514350">
-              <a:buFont typeface="+mj-lt"/>
-              <a:buAutoNum type="arabicPeriod"/>
-            </a:pPr>
-            <a:r>
-              <a:rPr lang="en-US" sz="2800" dirty="0" smtClean="0">
-                <a:cs typeface="Consolas" panose="020B0609020204030204" pitchFamily="49" charset="0"/>
-              </a:rPr>
-              <a:t>Month 12 </a:t>
-            </a:r>
-            <a:r>
-              <a:rPr lang="en-US" sz="2800" dirty="0">
-                <a:cs typeface="Consolas" panose="020B0609020204030204" pitchFamily="49" charset="0"/>
-              </a:rPr>
-              <a:t>should be December</a:t>
-            </a:r>
-            <a:r>
-              <a:rPr lang="en-US" sz="2800" dirty="0" smtClean="0">
-                <a:cs typeface="Consolas" panose="020B0609020204030204" pitchFamily="49" charset="0"/>
-              </a:rPr>
-              <a:t>, </a:t>
-            </a:r>
-            <a:r>
-              <a:rPr lang="en-US" sz="2800" dirty="0">
-                <a:cs typeface="Consolas" panose="020B0609020204030204" pitchFamily="49" charset="0"/>
-              </a:rPr>
-              <a:t>right? Wrong - </a:t>
-            </a:r>
-            <a:r>
-              <a:rPr lang="en-US" sz="2800" dirty="0" smtClean="0">
-                <a:cs typeface="Consolas" panose="020B0609020204030204" pitchFamily="49" charset="0"/>
-              </a:rPr>
-              <a:t>January.</a:t>
-            </a:r>
-            <a:endParaRPr lang="en-US" sz="2800" dirty="0">
-              <a:cs typeface="Consolas" panose="020B0609020204030204" pitchFamily="49" charset="0"/>
-            </a:endParaRPr>
-          </a:p>
-          <a:p>
-            <a:pPr marL="514350" indent="-514350">
-              <a:buFont typeface="+mj-lt"/>
-              <a:buAutoNum type="arabicPeriod"/>
-            </a:pPr>
-            <a:r>
-              <a:rPr lang="en-US" sz="2800" dirty="0" smtClean="0">
-                <a:cs typeface="Consolas" panose="020B0609020204030204" pitchFamily="49" charset="0"/>
-              </a:rPr>
-              <a:t>They got the year right! Not quite…</a:t>
-            </a:r>
-          </a:p>
-          <a:p>
-            <a:pPr marL="514350" indent="-514350">
-              <a:buFont typeface="+mj-lt"/>
-              <a:buAutoNum type="arabicPeriod"/>
-            </a:pPr>
-            <a:r>
-              <a:rPr lang="en-US" sz="2800" dirty="0" smtClean="0">
-                <a:cs typeface="Consolas" panose="020B0609020204030204" pitchFamily="49" charset="0"/>
-              </a:rPr>
-              <a:t>Wait - there is a time in a calendar?</a:t>
-            </a:r>
-          </a:p>
-          <a:p>
-            <a:pPr marL="514350" indent="-514350">
-              <a:buFont typeface="+mj-lt"/>
-              <a:buAutoNum type="arabicPeriod"/>
-            </a:pPr>
-            <a:r>
-              <a:rPr lang="en-US" sz="2800" dirty="0" smtClean="0">
-                <a:cs typeface="Consolas" panose="020B0609020204030204" pitchFamily="49" charset="0"/>
-              </a:rPr>
-              <a:t>More than that, there is a time zone – EST.</a:t>
-            </a:r>
-            <a:endParaRPr lang="en-US" sz="2800" dirty="0">
-              <a:cs typeface="Consolas" panose="020B0609020204030204" pitchFamily="49" charset="0"/>
-            </a:endParaRPr>
-          </a:p>
-        </p:txBody>
-      </p:sp>
-      <p:sp>
-        <p:nvSpPr>
-          <p:cNvPr id="4" name="Rectangle 3"/>
-          <p:cNvSpPr/>
-          <p:nvPr/>
-        </p:nvSpPr>
-        <p:spPr>
-          <a:xfrm>
-            <a:off x="440871" y="1371600"/>
-            <a:ext cx="8169730" cy="1261884"/>
-          </a:xfrm>
-          <a:prstGeom prst="rect">
-            <a:avLst/>
-          </a:prstGeom>
-          <a:solidFill>
-            <a:schemeClr val="bg2"/>
-          </a:solidFill>
-        </p:spPr>
-        <p:txBody>
-          <a:bodyPr wrap="square">
-            <a:spAutoFit/>
-          </a:bodyPr>
-          <a:lstStyle/>
-          <a:p>
-            <a:r>
-              <a:rPr lang="en-US" sz="2800" dirty="0" err="1">
-                <a:latin typeface="Consolas" panose="020B0609020204030204" pitchFamily="49" charset="0"/>
-                <a:cs typeface="Consolas" panose="020B0609020204030204" pitchFamily="49" charset="0"/>
-              </a:rPr>
-              <a:t>System.out.println</a:t>
-            </a:r>
-            <a:r>
-              <a:rPr lang="en-US" sz="2800" dirty="0">
-                <a:latin typeface="Consolas" panose="020B0609020204030204" pitchFamily="49" charset="0"/>
-                <a:cs typeface="Consolas" panose="020B0609020204030204" pitchFamily="49" charset="0"/>
-              </a:rPr>
-              <a:t>(</a:t>
-            </a:r>
-            <a:r>
-              <a:rPr lang="en-US" sz="2800" dirty="0" err="1">
-                <a:latin typeface="Consolas" panose="020B0609020204030204" pitchFamily="49" charset="0"/>
-                <a:cs typeface="Consolas" panose="020B0609020204030204" pitchFamily="49" charset="0"/>
-              </a:rPr>
-              <a:t>dtFormat.format</a:t>
-            </a:r>
-            <a:r>
-              <a:rPr lang="en-US" sz="2800" dirty="0">
-                <a:latin typeface="Consolas" panose="020B0609020204030204" pitchFamily="49" charset="0"/>
-                <a:cs typeface="Consolas" panose="020B0609020204030204" pitchFamily="49" charset="0"/>
-              </a:rPr>
-              <a:t>(</a:t>
-            </a:r>
-            <a:r>
-              <a:rPr lang="en-US" sz="2800" b="1" dirty="0">
-                <a:latin typeface="Consolas" panose="020B0609020204030204" pitchFamily="49" charset="0"/>
-                <a:cs typeface="Consolas" panose="020B0609020204030204" pitchFamily="49" charset="0"/>
-              </a:rPr>
-              <a:t>new </a:t>
-            </a:r>
-            <a:r>
-              <a:rPr lang="en-US" sz="2800" b="1" dirty="0" err="1">
-                <a:latin typeface="Consolas" panose="020B0609020204030204" pitchFamily="49" charset="0"/>
-                <a:cs typeface="Consolas" panose="020B0609020204030204" pitchFamily="49" charset="0"/>
-              </a:rPr>
-              <a:t>GregorianCalendar</a:t>
-            </a:r>
-            <a:r>
-              <a:rPr lang="en-US" sz="2800" b="1" dirty="0">
-                <a:latin typeface="Consolas" panose="020B0609020204030204" pitchFamily="49" charset="0"/>
-                <a:cs typeface="Consolas" panose="020B0609020204030204" pitchFamily="49" charset="0"/>
-              </a:rPr>
-              <a:t>(12,12,12)</a:t>
-            </a:r>
-            <a:r>
-              <a:rPr lang="en-US" sz="2800" dirty="0">
-                <a:latin typeface="Consolas" panose="020B0609020204030204" pitchFamily="49" charset="0"/>
-                <a:cs typeface="Consolas" panose="020B0609020204030204" pitchFamily="49" charset="0"/>
-              </a:rPr>
-              <a:t>.</a:t>
-            </a:r>
-            <a:r>
-              <a:rPr lang="en-US" sz="2800" dirty="0" err="1">
-                <a:latin typeface="Consolas" panose="020B0609020204030204" pitchFamily="49" charset="0"/>
-                <a:cs typeface="Consolas" panose="020B0609020204030204" pitchFamily="49" charset="0"/>
-              </a:rPr>
-              <a:t>getTime</a:t>
-            </a:r>
-            <a:r>
-              <a:rPr lang="en-US" sz="2800" dirty="0">
-                <a:latin typeface="Consolas" panose="020B0609020204030204" pitchFamily="49" charset="0"/>
-                <a:cs typeface="Consolas" panose="020B0609020204030204" pitchFamily="49" charset="0"/>
-              </a:rPr>
-              <a:t>()));</a:t>
-            </a:r>
-          </a:p>
-          <a:p>
-            <a:r>
-              <a:rPr lang="en-US" sz="2000" dirty="0">
-                <a:solidFill>
-                  <a:schemeClr val="accent3">
-                    <a:lumMod val="75000"/>
-                  </a:schemeClr>
-                </a:solidFill>
-                <a:latin typeface="Consolas" panose="020B0609020204030204" pitchFamily="49" charset="0"/>
-                <a:cs typeface="Consolas" panose="020B0609020204030204" pitchFamily="49" charset="0"/>
-              </a:rPr>
-              <a:t>// January 12, 0013 12:00:00 AM EST</a:t>
-            </a:r>
-          </a:p>
-        </p:txBody>
-      </p:sp>
-    </p:spTree>
-    <p:extLst>
-      <p:ext uri="{BB962C8B-B14F-4D97-AF65-F5344CB8AC3E}">
-        <p14:creationId xmlns:p14="http://schemas.microsoft.com/office/powerpoint/2010/main" val="3501960908"/>
-      </p:ext>
-    </p:extLst>
-  </p:cSld>
-  <p:clrMapOvr>
-    <a:masterClrMapping/>
-  </p:clrMapOvr>
-  <p:timing>
-    <p:tnLst>
-      <p:par>
-        <p:cTn id="1" dur="indefinite" restart="never" nodeType="tmRoot">
-          <p:childTnLst>
-            <p:seq concurrent="1" nextAc="seek">
-              <p:cTn id="2" dur="indefinite" nodeType="mainSeq">
-                <p:childTnLst>
-                  <p:par>
-                    <p:cTn id="3" fill="hold">
-                      <p:stCondLst>
-                        <p:cond delay="indefinite"/>
-                      </p:stCondLst>
-                      <p:childTnLst>
-                        <p:par>
-                          <p:cTn id="4" fill="hold">
-                            <p:stCondLst>
-                              <p:cond delay="0"/>
-                            </p:stCondLst>
-                            <p:childTnLst>
-                              <p:par>
-                                <p:cTn id="5" presetID="10" presetClass="entr" presetSubtype="0" fill="hold" nodeType="clickEffect">
-                                  <p:stCondLst>
-                                    <p:cond delay="0"/>
-                                  </p:stCondLst>
-                                  <p:childTnLst>
-                                    <p:set>
-                                      <p:cBhvr>
-                                        <p:cTn id="6" dur="1" fill="hold">
-                                          <p:stCondLst>
-                                            <p:cond delay="0"/>
-                                          </p:stCondLst>
-                                        </p:cTn>
-                                        <p:tgtEl>
-                                          <p:spTgt spid="4">
-                                            <p:txEl>
-                                              <p:pRg st="1" end="1"/>
-                                            </p:txEl>
-                                          </p:spTgt>
-                                        </p:tgtEl>
-                                        <p:attrNameLst>
-                                          <p:attrName>style.visibility</p:attrName>
-                                        </p:attrNameLst>
-                                      </p:cBhvr>
-                                      <p:to>
-                                        <p:strVal val="visible"/>
-                                      </p:to>
-                                    </p:set>
-                                    <p:animEffect transition="in" filter="fade">
-                                      <p:cBhvr>
-                                        <p:cTn id="7" dur="500"/>
-                                        <p:tgtEl>
-                                          <p:spTgt spid="4">
-                                            <p:txEl>
-                                              <p:pRg st="1" end="1"/>
-                                            </p:txEl>
-                                          </p:spTgt>
-                                        </p:tgtEl>
-                                      </p:cBhvr>
-                                    </p:animEffect>
-                                  </p:childTnLst>
-                                </p:cTn>
-                              </p:par>
-                            </p:childTnLst>
-                          </p:cTn>
-                        </p:par>
-                      </p:childTnLst>
-                    </p:cTn>
-                  </p:par>
-                  <p:par>
-                    <p:cTn id="8" fill="hold">
-                      <p:stCondLst>
-                        <p:cond delay="indefinite"/>
-                      </p:stCondLst>
-                      <p:childTnLst>
-                        <p:par>
-                          <p:cTn id="9" fill="hold">
-                            <p:stCondLst>
-                              <p:cond delay="0"/>
-                            </p:stCondLst>
-                            <p:childTnLst>
-                              <p:par>
-                                <p:cTn id="10" presetID="2" presetClass="entr" presetSubtype="4" fill="hold" nodeType="clickEffect">
-                                  <p:stCondLst>
-                                    <p:cond delay="0"/>
-                                  </p:stCondLst>
-                                  <p:childTnLst>
-                                    <p:set>
-                                      <p:cBhvr>
-                                        <p:cTn id="11" dur="1" fill="hold">
-                                          <p:stCondLst>
-                                            <p:cond delay="0"/>
-                                          </p:stCondLst>
-                                        </p:cTn>
-                                        <p:tgtEl>
-                                          <p:spTgt spid="3">
-                                            <p:txEl>
-                                              <p:pRg st="0" end="0"/>
-                                            </p:txEl>
-                                          </p:spTgt>
-                                        </p:tgtEl>
-                                        <p:attrNameLst>
-                                          <p:attrName>style.visibility</p:attrName>
-                                        </p:attrNameLst>
-                                      </p:cBhvr>
-                                      <p:to>
-                                        <p:strVal val="visible"/>
-                                      </p:to>
-                                    </p:set>
-                                    <p:anim calcmode="lin" valueType="num">
-                                      <p:cBhvr additive="base">
-                                        <p:cTn id="12" dur="500" fill="hold"/>
-                                        <p:tgtEl>
-                                          <p:spTgt spid="3">
-                                            <p:txEl>
-                                              <p:pRg st="0" end="0"/>
-                                            </p:txEl>
-                                          </p:spTgt>
-                                        </p:tgtEl>
-                                        <p:attrNameLst>
-                                          <p:attrName>ppt_x</p:attrName>
-                                        </p:attrNameLst>
-                                      </p:cBhvr>
-                                      <p:tavLst>
-                                        <p:tav tm="0">
-                                          <p:val>
-                                            <p:strVal val="#ppt_x"/>
-                                          </p:val>
-                                        </p:tav>
-                                        <p:tav tm="100000">
-                                          <p:val>
-                                            <p:strVal val="#ppt_x"/>
-                                          </p:val>
-                                        </p:tav>
-                                      </p:tavLst>
-                                    </p:anim>
-                                    <p:anim calcmode="lin" valueType="num">
-                                      <p:cBhvr additive="base">
-                                        <p:cTn id="13" dur="500" fill="hold"/>
-                                        <p:tgtEl>
-                                          <p:spTgt spid="3">
-                                            <p:txEl>
-                                              <p:pRg st="0" end="0"/>
-                                            </p:txEl>
-                                          </p:spTgt>
-                                        </p:tgtEl>
-                                        <p:attrNameLst>
-                                          <p:attrName>ppt_y</p:attrName>
-                                        </p:attrNameLst>
-                                      </p:cBhvr>
-                                      <p:tavLst>
-                                        <p:tav tm="0">
-                                          <p:val>
-                                            <p:strVal val="1+#ppt_h/2"/>
-                                          </p:val>
-                                        </p:tav>
-                                        <p:tav tm="100000">
-                                          <p:val>
-                                            <p:strVal val="#ppt_y"/>
-                                          </p:val>
-                                        </p:tav>
-                                      </p:tavLst>
-                                    </p:anim>
-                                  </p:childTnLst>
-                                </p:cTn>
-                              </p:par>
-                            </p:childTnLst>
-                          </p:cTn>
-                        </p:par>
-                      </p:childTnLst>
-                    </p:cTn>
-                  </p:par>
-                  <p:par>
-                    <p:cTn id="14" fill="hold">
-                      <p:stCondLst>
-                        <p:cond delay="indefinite"/>
-                      </p:stCondLst>
-                      <p:childTnLst>
-                        <p:par>
-                          <p:cTn id="15" fill="hold">
-                            <p:stCondLst>
-                              <p:cond delay="0"/>
-                            </p:stCondLst>
-                            <p:childTnLst>
-                              <p:par>
-                                <p:cTn id="16" presetID="2" presetClass="entr" presetSubtype="4" fill="hold" nodeType="clickEffect">
-                                  <p:stCondLst>
-                                    <p:cond delay="0"/>
-                                  </p:stCondLst>
-                                  <p:childTnLst>
-                                    <p:set>
-                                      <p:cBhvr>
-                                        <p:cTn id="17" dur="1" fill="hold">
-                                          <p:stCondLst>
-                                            <p:cond delay="0"/>
-                                          </p:stCondLst>
-                                        </p:cTn>
-                                        <p:tgtEl>
-                                          <p:spTgt spid="3">
-                                            <p:txEl>
-                                              <p:pRg st="1" end="1"/>
-                                            </p:txEl>
-                                          </p:spTgt>
-                                        </p:tgtEl>
-                                        <p:attrNameLst>
-                                          <p:attrName>style.visibility</p:attrName>
-                                        </p:attrNameLst>
-                                      </p:cBhvr>
-                                      <p:to>
-                                        <p:strVal val="visible"/>
-                                      </p:to>
-                                    </p:set>
-                                    <p:anim calcmode="lin" valueType="num">
-                                      <p:cBhvr additive="base">
-                                        <p:cTn id="18" dur="500" fill="hold"/>
-                                        <p:tgtEl>
-                                          <p:spTgt spid="3">
-                                            <p:txEl>
-                                              <p:pRg st="1" end="1"/>
-                                            </p:txEl>
-                                          </p:spTgt>
-                                        </p:tgtEl>
-                                        <p:attrNameLst>
-                                          <p:attrName>ppt_x</p:attrName>
-                                        </p:attrNameLst>
-                                      </p:cBhvr>
-                                      <p:tavLst>
-                                        <p:tav tm="0">
-                                          <p:val>
-                                            <p:strVal val="#ppt_x"/>
-                                          </p:val>
-                                        </p:tav>
-                                        <p:tav tm="100000">
-                                          <p:val>
-                                            <p:strVal val="#ppt_x"/>
-                                          </p:val>
-                                        </p:tav>
-                                      </p:tavLst>
-                                    </p:anim>
-                                    <p:anim calcmode="lin" valueType="num">
-                                      <p:cBhvr additive="base">
-                                        <p:cTn id="19" dur="500" fill="hold"/>
-                                        <p:tgtEl>
-                                          <p:spTgt spid="3">
-                                            <p:txEl>
-                                              <p:pRg st="1" end="1"/>
-                                            </p:txEl>
-                                          </p:spTgt>
-                                        </p:tgtEl>
-                                        <p:attrNameLst>
-                                          <p:attrName>ppt_y</p:attrName>
-                                        </p:attrNameLst>
-                                      </p:cBhvr>
-                                      <p:tavLst>
-                                        <p:tav tm="0">
-                                          <p:val>
-                                            <p:strVal val="1+#ppt_h/2"/>
-                                          </p:val>
-                                        </p:tav>
-                                        <p:tav tm="100000">
-                                          <p:val>
-                                            <p:strVal val="#ppt_y"/>
-                                          </p:val>
-                                        </p:tav>
-                                      </p:tavLst>
-                                    </p:anim>
-                                  </p:childTnLst>
-                                </p:cTn>
-                              </p:par>
-                            </p:childTnLst>
-                          </p:cTn>
-                        </p:par>
-                      </p:childTnLst>
-                    </p:cTn>
-                  </p:par>
-                  <p:par>
-                    <p:cTn id="20" fill="hold">
-                      <p:stCondLst>
-                        <p:cond delay="indefinite"/>
-                      </p:stCondLst>
-                      <p:childTnLst>
-                        <p:par>
-                          <p:cTn id="21" fill="hold">
-                            <p:stCondLst>
-                              <p:cond delay="0"/>
-                            </p:stCondLst>
-                            <p:childTnLst>
-                              <p:par>
-                                <p:cTn id="22" presetID="2" presetClass="entr" presetSubtype="4" fill="hold" nodeType="clickEffect">
-                                  <p:stCondLst>
-                                    <p:cond delay="0"/>
-                                  </p:stCondLst>
-                                  <p:childTnLst>
-                                    <p:set>
-                                      <p:cBhvr>
-                                        <p:cTn id="23" dur="1" fill="hold">
-                                          <p:stCondLst>
-                                            <p:cond delay="0"/>
-                                          </p:stCondLst>
-                                        </p:cTn>
-                                        <p:tgtEl>
-                                          <p:spTgt spid="3">
-                                            <p:txEl>
-                                              <p:pRg st="2" end="2"/>
-                                            </p:txEl>
-                                          </p:spTgt>
-                                        </p:tgtEl>
-                                        <p:attrNameLst>
-                                          <p:attrName>style.visibility</p:attrName>
-                                        </p:attrNameLst>
-                                      </p:cBhvr>
-                                      <p:to>
-                                        <p:strVal val="visible"/>
-                                      </p:to>
-                                    </p:set>
-                                    <p:anim calcmode="lin" valueType="num">
-                                      <p:cBhvr additive="base">
-                                        <p:cTn id="24" dur="500" fill="hold"/>
-                                        <p:tgtEl>
-                                          <p:spTgt spid="3">
-                                            <p:txEl>
-                                              <p:pRg st="2" end="2"/>
-                                            </p:txEl>
-                                          </p:spTgt>
-                                        </p:tgtEl>
-                                        <p:attrNameLst>
-                                          <p:attrName>ppt_x</p:attrName>
-                                        </p:attrNameLst>
-                                      </p:cBhvr>
-                                      <p:tavLst>
-                                        <p:tav tm="0">
-                                          <p:val>
-                                            <p:strVal val="#ppt_x"/>
-                                          </p:val>
-                                        </p:tav>
-                                        <p:tav tm="100000">
-                                          <p:val>
-                                            <p:strVal val="#ppt_x"/>
-                                          </p:val>
-                                        </p:tav>
-                                      </p:tavLst>
-                                    </p:anim>
-                                    <p:anim calcmode="lin" valueType="num">
-                                      <p:cBhvr additive="base">
-                                        <p:cTn id="25" dur="500" fill="hold"/>
-                                        <p:tgtEl>
-                                          <p:spTgt spid="3">
-                                            <p:txEl>
-                                              <p:pRg st="2" end="2"/>
-                                            </p:txEl>
-                                          </p:spTgt>
-                                        </p:tgtEl>
-                                        <p:attrNameLst>
-                                          <p:attrName>ppt_y</p:attrName>
-                                        </p:attrNameLst>
-                                      </p:cBhvr>
-                                      <p:tavLst>
-                                        <p:tav tm="0">
-                                          <p:val>
-                                            <p:strVal val="1+#ppt_h/2"/>
-                                          </p:val>
-                                        </p:tav>
-                                        <p:tav tm="100000">
-                                          <p:val>
-                                            <p:strVal val="#ppt_y"/>
-                                          </p:val>
-                                        </p:tav>
-                                      </p:tavLst>
-                                    </p:anim>
-                                  </p:childTnLst>
-                                </p:cTn>
-                              </p:par>
-                            </p:childTnLst>
-                          </p:cTn>
-                        </p:par>
-                      </p:childTnLst>
-                    </p:cTn>
-                  </p:par>
-                  <p:par>
-                    <p:cTn id="26" fill="hold">
-                      <p:stCondLst>
-                        <p:cond delay="indefinite"/>
-                      </p:stCondLst>
-                      <p:childTnLst>
-                        <p:par>
-                          <p:cTn id="27" fill="hold">
-                            <p:stCondLst>
-                              <p:cond delay="0"/>
-                            </p:stCondLst>
-                            <p:childTnLst>
-                              <p:par>
-                                <p:cTn id="28" presetID="2" presetClass="entr" presetSubtype="4" fill="hold" nodeType="clickEffect">
-                                  <p:stCondLst>
-                                    <p:cond delay="0"/>
-                                  </p:stCondLst>
-                                  <p:childTnLst>
-                                    <p:set>
-                                      <p:cBhvr>
-                                        <p:cTn id="29" dur="1" fill="hold">
-                                          <p:stCondLst>
-                                            <p:cond delay="0"/>
-                                          </p:stCondLst>
-                                        </p:cTn>
-                                        <p:tgtEl>
-                                          <p:spTgt spid="3">
-                                            <p:txEl>
-                                              <p:pRg st="3" end="3"/>
-                                            </p:txEl>
-                                          </p:spTgt>
-                                        </p:tgtEl>
-                                        <p:attrNameLst>
-                                          <p:attrName>style.visibility</p:attrName>
-                                        </p:attrNameLst>
-                                      </p:cBhvr>
-                                      <p:to>
-                                        <p:strVal val="visible"/>
-                                      </p:to>
-                                    </p:set>
-                                    <p:anim calcmode="lin" valueType="num">
-                                      <p:cBhvr additive="base">
-                                        <p:cTn id="30" dur="500" fill="hold"/>
-                                        <p:tgtEl>
-                                          <p:spTgt spid="3">
-                                            <p:txEl>
-                                              <p:pRg st="3" end="3"/>
-                                            </p:txEl>
-                                          </p:spTgt>
-                                        </p:tgtEl>
-                                        <p:attrNameLst>
-                                          <p:attrName>ppt_x</p:attrName>
-                                        </p:attrNameLst>
-                                      </p:cBhvr>
-                                      <p:tavLst>
-                                        <p:tav tm="0">
-                                          <p:val>
-                                            <p:strVal val="#ppt_x"/>
-                                          </p:val>
-                                        </p:tav>
-                                        <p:tav tm="100000">
-                                          <p:val>
-                                            <p:strVal val="#ppt_x"/>
-                                          </p:val>
-                                        </p:tav>
-                                      </p:tavLst>
-                                    </p:anim>
-                                    <p:anim calcmode="lin" valueType="num">
-                                      <p:cBhvr additive="base">
-                                        <p:cTn id="31" dur="500" fill="hold"/>
-                                        <p:tgtEl>
-                                          <p:spTgt spid="3">
-                                            <p:txEl>
-                                              <p:pRg st="3" end="3"/>
-                                            </p:txEl>
-                                          </p:spTgt>
-                                        </p:tgtEl>
-                                        <p:attrNameLst>
-                                          <p:attrName>ppt_y</p:attrName>
-                                        </p:attrNameLst>
-                                      </p:cBhvr>
-                                      <p:tavLst>
-                                        <p:tav tm="0">
-                                          <p:val>
-                                            <p:strVal val="1+#ppt_h/2"/>
-                                          </p:val>
-                                        </p:tav>
-                                        <p:tav tm="100000">
-                                          <p:val>
-                                            <p:strVal val="#ppt_y"/>
-                                          </p:val>
-                                        </p:tav>
-                                      </p:tavLst>
-                                    </p:anim>
-                                  </p:childTnLst>
-                                </p:cTn>
-                              </p:par>
-                            </p:childTnLst>
-                          </p:cTn>
-                        </p:par>
-                      </p:childTnLst>
-                    </p:cTn>
-                  </p:par>
-                  <p:par>
-                    <p:cTn id="32" fill="hold">
-                      <p:stCondLst>
-                        <p:cond delay="indefinite"/>
-                      </p:stCondLst>
-                      <p:childTnLst>
-                        <p:par>
-                          <p:cTn id="33" fill="hold">
-                            <p:stCondLst>
-                              <p:cond delay="0"/>
-                            </p:stCondLst>
-                            <p:childTnLst>
-                              <p:par>
-                                <p:cTn id="34" presetID="2" presetClass="entr" presetSubtype="4" fill="hold" nodeType="clickEffect">
-                                  <p:stCondLst>
-                                    <p:cond delay="0"/>
-                                  </p:stCondLst>
-                                  <p:childTnLst>
-                                    <p:set>
-                                      <p:cBhvr>
-                                        <p:cTn id="35" dur="1" fill="hold">
-                                          <p:stCondLst>
-                                            <p:cond delay="0"/>
-                                          </p:stCondLst>
-                                        </p:cTn>
-                                        <p:tgtEl>
-                                          <p:spTgt spid="3">
-                                            <p:txEl>
-                                              <p:pRg st="4" end="4"/>
-                                            </p:txEl>
-                                          </p:spTgt>
-                                        </p:tgtEl>
-                                        <p:attrNameLst>
-                                          <p:attrName>style.visibility</p:attrName>
-                                        </p:attrNameLst>
-                                      </p:cBhvr>
-                                      <p:to>
-                                        <p:strVal val="visible"/>
-                                      </p:to>
-                                    </p:set>
-                                    <p:anim calcmode="lin" valueType="num">
-                                      <p:cBhvr additive="base">
-                                        <p:cTn id="36" dur="500" fill="hold"/>
-                                        <p:tgtEl>
-                                          <p:spTgt spid="3">
-                                            <p:txEl>
-                                              <p:pRg st="4" end="4"/>
-                                            </p:txEl>
-                                          </p:spTgt>
-                                        </p:tgtEl>
-                                        <p:attrNameLst>
-                                          <p:attrName>ppt_x</p:attrName>
-                                        </p:attrNameLst>
-                                      </p:cBhvr>
-                                      <p:tavLst>
-                                        <p:tav tm="0">
-                                          <p:val>
-                                            <p:strVal val="#ppt_x"/>
-                                          </p:val>
-                                        </p:tav>
-                                        <p:tav tm="100000">
-                                          <p:val>
-                                            <p:strVal val="#ppt_x"/>
-                                          </p:val>
-                                        </p:tav>
-                                      </p:tavLst>
-                                    </p:anim>
-                                    <p:anim calcmode="lin" valueType="num">
-                                      <p:cBhvr additive="base">
-                                        <p:cTn id="37" dur="500" fill="hold"/>
-                                        <p:tgtEl>
-                                          <p:spTgt spid="3">
-                                            <p:txEl>
-                                              <p:pRg st="4" end="4"/>
-                                            </p:txEl>
-                                          </p:spTgt>
-                                        </p:tgtEl>
-                                        <p:attrNameLst>
-                                          <p:attrName>ppt_y</p:attrName>
-                                        </p:attrNameLst>
-                                      </p:cBhvr>
-                                      <p:tavLst>
-                                        <p:tav tm="0">
-                                          <p:val>
-                                            <p:strVal val="1+#ppt_h/2"/>
-                                          </p:val>
-                                        </p:tav>
-                                        <p:tav tm="100000">
-                                          <p:val>
-                                            <p:strVal val="#ppt_y"/>
-                                          </p:val>
-                                        </p:tav>
-                                      </p:tavLst>
-                                    </p:anim>
-                                  </p:childTnLst>
-                                </p:cTn>
-                              </p:par>
-                            </p:childTnLst>
-                          </p:cTn>
-                        </p:par>
-                      </p:childTnLst>
-                    </p:cTn>
-                  </p:par>
-                  <p:par>
-                    <p:cTn id="38" fill="hold">
-                      <p:stCondLst>
-                        <p:cond delay="indefinite"/>
-                      </p:stCondLst>
-                      <p:childTnLst>
-                        <p:par>
-                          <p:cTn id="39" fill="hold">
-                            <p:stCondLst>
-                              <p:cond delay="0"/>
-                            </p:stCondLst>
-                            <p:childTnLst>
-                              <p:par>
-                                <p:cTn id="40" presetID="2" presetClass="entr" presetSubtype="4" fill="hold" nodeType="clickEffect">
-                                  <p:stCondLst>
-                                    <p:cond delay="0"/>
-                                  </p:stCondLst>
-                                  <p:childTnLst>
-                                    <p:set>
-                                      <p:cBhvr>
-                                        <p:cTn id="41" dur="1" fill="hold">
-                                          <p:stCondLst>
-                                            <p:cond delay="0"/>
-                                          </p:stCondLst>
-                                        </p:cTn>
-                                        <p:tgtEl>
-                                          <p:spTgt spid="3">
-                                            <p:txEl>
-                                              <p:pRg st="5" end="5"/>
-                                            </p:txEl>
-                                          </p:spTgt>
-                                        </p:tgtEl>
-                                        <p:attrNameLst>
-                                          <p:attrName>style.visibility</p:attrName>
-                                        </p:attrNameLst>
-                                      </p:cBhvr>
-                                      <p:to>
-                                        <p:strVal val="visible"/>
-                                      </p:to>
-                                    </p:set>
-                                    <p:anim calcmode="lin" valueType="num">
-                                      <p:cBhvr additive="base">
-                                        <p:cTn id="42" dur="500" fill="hold"/>
-                                        <p:tgtEl>
-                                          <p:spTgt spid="3">
-                                            <p:txEl>
-                                              <p:pRg st="5" end="5"/>
-                                            </p:txEl>
-                                          </p:spTgt>
-                                        </p:tgtEl>
-                                        <p:attrNameLst>
-                                          <p:attrName>ppt_x</p:attrName>
-                                        </p:attrNameLst>
-                                      </p:cBhvr>
-                                      <p:tavLst>
-                                        <p:tav tm="0">
-                                          <p:val>
-                                            <p:strVal val="#ppt_x"/>
-                                          </p:val>
-                                        </p:tav>
-                                        <p:tav tm="100000">
-                                          <p:val>
-                                            <p:strVal val="#ppt_x"/>
-                                          </p:val>
-                                        </p:tav>
-                                      </p:tavLst>
-                                    </p:anim>
-                                    <p:anim calcmode="lin" valueType="num">
-                                      <p:cBhvr additive="base">
-                                        <p:cTn id="43" dur="500" fill="hold"/>
-                                        <p:tgtEl>
-                                          <p:spTgt spid="3">
-                                            <p:txEl>
-                                              <p:pRg st="5" end="5"/>
-                                            </p:txEl>
-                                          </p:spTgt>
-                                        </p:tgtEl>
-                                        <p:attrNameLst>
-                                          <p:attrName>ppt_y</p:attrName>
-                                        </p:attrNameLst>
-                                      </p:cBhvr>
-                                      <p:tavLst>
-                                        <p:tav tm="0">
-                                          <p:val>
-                                            <p:strVal val="1+#ppt_h/2"/>
-                                          </p:val>
-                                        </p:tav>
-                                        <p:tav tm="100000">
-                                          <p:val>
-                                            <p:strVal val="#ppt_y"/>
-                                          </p:val>
-                                        </p:tav>
-                                      </p:tavLst>
-                                    </p:anim>
-                                  </p:childTnLst>
-                                </p:cTn>
-                              </p:par>
-                            </p:childTnLst>
-                          </p:cTn>
-                        </p:par>
-                      </p:childTnLst>
-                    </p:cTn>
-                  </p:par>
-                </p:childTnLst>
-              </p:cTn>
-              <p:prevCondLst>
-                <p:cond evt="onPrev" delay="0">
-                  <p:tgtEl>
-                    <p:sldTgt/>
-                  </p:tgtEl>
-                </p:cond>
-              </p:prevCondLst>
-              <p:nextCondLst>
-                <p:cond evt="onNext" delay="0">
-                  <p:tgtEl>
-                    <p:sldTgt/>
-                  </p:tgtEl>
-                </p:cond>
-              </p:nextCondLst>
-            </p:seq>
-          </p:childTnLst>
-        </p:cTn>
-      </p:par>
-    </p:tnLst>
-  </p:timing>
-</p:sld>
-</file>
-
-<file path=ppt/slides/slide11.xml><?xml version="1.0" encoding="utf-8"?>
-<p:sld xmlns:a="http://schemas.openxmlformats.org/drawingml/2006/main" xmlns:r="http://schemas.openxmlformats.org/officeDocument/2006/relationships" xmlns:p="http://schemas.openxmlformats.org/presentationml/2006/main">
-  <p:cSld>
-    <p:spTree>
-      <p:nvGrpSpPr>
-        <p:cNvPr id="1" name=""/>
-        <p:cNvGrpSpPr/>
-        <p:nvPr/>
-      </p:nvGrpSpPr>
-      <p:grpSpPr>
-        <a:xfrm>
-          <a:off x="0" y="0"/>
-          <a:ext cx="0" cy="0"/>
-          <a:chOff x="0" y="0"/>
-          <a:chExt cx="0" cy="0"/>
-        </a:xfrm>
-      </p:grpSpPr>
-      <p:sp>
-        <p:nvSpPr>
-          <p:cNvPr id="2" name="Title 1"/>
-          <p:cNvSpPr>
-            <a:spLocks noGrp="1"/>
-          </p:cNvSpPr>
-          <p:nvPr>
-            <p:ph type="title"/>
-          </p:nvPr>
-        </p:nvSpPr>
-        <p:spPr/>
-        <p:txBody>
-          <a:bodyPr>
-            <a:normAutofit/>
-          </a:bodyPr>
-          <a:lstStyle/>
-          <a:p>
-            <a:r>
-              <a:rPr lang="en-US" dirty="0" smtClean="0"/>
-              <a:t>Instant Revisited</a:t>
-            </a:r>
-            <a:endParaRPr lang="en-US" dirty="0"/>
-          </a:p>
-        </p:txBody>
-      </p:sp>
-      <p:sp>
-        <p:nvSpPr>
-          <p:cNvPr id="3" name="Content Placeholder 2"/>
-          <p:cNvSpPr>
-            <a:spLocks noGrp="1"/>
-          </p:cNvSpPr>
-          <p:nvPr>
-            <p:ph idx="1"/>
-          </p:nvPr>
-        </p:nvSpPr>
-        <p:spPr>
-          <a:solidFill>
-            <a:schemeClr val="bg2"/>
-          </a:solidFill>
-        </p:spPr>
-        <p:txBody>
-          <a:bodyPr>
-            <a:normAutofit/>
-          </a:bodyPr>
-          <a:lstStyle/>
-          <a:p>
-            <a:pPr marL="0" indent="0">
-              <a:buNone/>
-            </a:pPr>
-            <a:r>
-              <a:rPr lang="en-US" sz="2800" dirty="0" err="1">
-                <a:latin typeface="Consolas" panose="020B0609020204030204" pitchFamily="49" charset="0"/>
-                <a:cs typeface="Consolas" panose="020B0609020204030204" pitchFamily="49" charset="0"/>
-              </a:rPr>
-              <a:t>GregorianCalendar</a:t>
-            </a:r>
-            <a:r>
-              <a:rPr lang="en-US" sz="2800" dirty="0">
-                <a:latin typeface="Consolas" panose="020B0609020204030204" pitchFamily="49" charset="0"/>
-                <a:cs typeface="Consolas" panose="020B0609020204030204" pitchFamily="49" charset="0"/>
-              </a:rPr>
-              <a:t> </a:t>
-            </a:r>
-            <a:r>
-              <a:rPr lang="en-US" sz="2800" dirty="0" err="1">
-                <a:latin typeface="Consolas" panose="020B0609020204030204" pitchFamily="49" charset="0"/>
-                <a:cs typeface="Consolas" panose="020B0609020204030204" pitchFamily="49" charset="0"/>
-              </a:rPr>
-              <a:t>calendarDate</a:t>
-            </a:r>
-            <a:r>
-              <a:rPr lang="en-US" sz="2800" dirty="0">
-                <a:latin typeface="Consolas" panose="020B0609020204030204" pitchFamily="49" charset="0"/>
-                <a:cs typeface="Consolas" panose="020B0609020204030204" pitchFamily="49" charset="0"/>
-              </a:rPr>
-              <a:t> = new </a:t>
-            </a:r>
-            <a:r>
-              <a:rPr lang="en-US" sz="2800" dirty="0" err="1">
-                <a:latin typeface="Consolas" panose="020B0609020204030204" pitchFamily="49" charset="0"/>
-                <a:cs typeface="Consolas" panose="020B0609020204030204" pitchFamily="49" charset="0"/>
-              </a:rPr>
-              <a:t>GregorianCalendar</a:t>
-            </a:r>
-            <a:r>
-              <a:rPr lang="en-US" sz="2800" dirty="0">
-                <a:latin typeface="Consolas" panose="020B0609020204030204" pitchFamily="49" charset="0"/>
-                <a:cs typeface="Consolas" panose="020B0609020204030204" pitchFamily="49" charset="0"/>
-              </a:rPr>
-              <a:t>(10, 10, 10);</a:t>
-            </a:r>
-          </a:p>
-          <a:p>
-            <a:pPr marL="0" indent="0">
-              <a:buNone/>
-            </a:pPr>
-            <a:r>
-              <a:rPr lang="en-US" sz="2800" dirty="0" smtClean="0">
-                <a:latin typeface="Consolas" panose="020B0609020204030204" pitchFamily="49" charset="0"/>
-                <a:cs typeface="Consolas" panose="020B0609020204030204" pitchFamily="49" charset="0"/>
-              </a:rPr>
-              <a:t>print(</a:t>
-            </a:r>
-            <a:r>
-              <a:rPr lang="en-US" sz="2800" dirty="0" err="1" smtClean="0">
-                <a:latin typeface="Consolas" panose="020B0609020204030204" pitchFamily="49" charset="0"/>
-                <a:cs typeface="Consolas" panose="020B0609020204030204" pitchFamily="49" charset="0"/>
-              </a:rPr>
-              <a:t>calendarDate</a:t>
-            </a:r>
-            <a:r>
-              <a:rPr lang="en-US" sz="2800" dirty="0" smtClean="0">
-                <a:latin typeface="Consolas" panose="020B0609020204030204" pitchFamily="49" charset="0"/>
-                <a:cs typeface="Consolas" panose="020B0609020204030204" pitchFamily="49" charset="0"/>
-              </a:rPr>
-              <a:t>);</a:t>
-            </a:r>
-            <a:endParaRPr lang="en-US" sz="2800" dirty="0">
-              <a:latin typeface="Consolas" panose="020B0609020204030204" pitchFamily="49" charset="0"/>
-              <a:cs typeface="Consolas" panose="020B0609020204030204" pitchFamily="49" charset="0"/>
-            </a:endParaRPr>
-          </a:p>
-          <a:p>
-            <a:pPr marL="0" indent="0">
-              <a:buNone/>
-            </a:pPr>
-            <a:r>
-              <a:rPr lang="en-US" sz="2000" dirty="0">
-                <a:solidFill>
-                  <a:schemeClr val="accent3">
-                    <a:lumMod val="50000"/>
-                  </a:schemeClr>
-                </a:solidFill>
-                <a:latin typeface="Consolas" panose="020B0609020204030204" pitchFamily="49" charset="0"/>
-                <a:cs typeface="Consolas" panose="020B0609020204030204" pitchFamily="49" charset="0"/>
-              </a:rPr>
-              <a:t>// November 10, 0010 12:00:00 AM EST</a:t>
-            </a:r>
-          </a:p>
-          <a:p>
-            <a:pPr marL="0" indent="0">
-              <a:buNone/>
-            </a:pPr>
-            <a:endParaRPr lang="en-US" sz="2000" dirty="0">
-              <a:latin typeface="Consolas" panose="020B0609020204030204" pitchFamily="49" charset="0"/>
-              <a:cs typeface="Consolas" panose="020B0609020204030204" pitchFamily="49" charset="0"/>
-            </a:endParaRPr>
-          </a:p>
-          <a:p>
-            <a:pPr marL="0" indent="0">
-              <a:buNone/>
-            </a:pPr>
-            <a:r>
-              <a:rPr lang="en-US" sz="2000" dirty="0">
-                <a:solidFill>
-                  <a:schemeClr val="accent3">
-                    <a:lumMod val="50000"/>
-                  </a:schemeClr>
-                </a:solidFill>
-                <a:latin typeface="Consolas" panose="020B0609020204030204" pitchFamily="49" charset="0"/>
-                <a:cs typeface="Consolas" panose="020B0609020204030204" pitchFamily="49" charset="0"/>
-              </a:rPr>
-              <a:t>// Transfer to another </a:t>
-            </a:r>
-            <a:r>
-              <a:rPr lang="en-US" sz="2000" dirty="0" smtClean="0">
-                <a:solidFill>
-                  <a:schemeClr val="accent3">
-                    <a:lumMod val="50000"/>
-                  </a:schemeClr>
-                </a:solidFill>
-                <a:latin typeface="Consolas" panose="020B0609020204030204" pitchFamily="49" charset="0"/>
-                <a:cs typeface="Consolas" panose="020B0609020204030204" pitchFamily="49" charset="0"/>
-              </a:rPr>
-              <a:t>time zone</a:t>
-            </a:r>
-            <a:endParaRPr lang="en-US" sz="2000" dirty="0">
-              <a:solidFill>
-                <a:schemeClr val="accent3">
-                  <a:lumMod val="50000"/>
-                </a:schemeClr>
-              </a:solidFill>
-              <a:latin typeface="Consolas" panose="020B0609020204030204" pitchFamily="49" charset="0"/>
-              <a:cs typeface="Consolas" panose="020B0609020204030204" pitchFamily="49" charset="0"/>
-            </a:endParaRPr>
-          </a:p>
-          <a:p>
-            <a:pPr marL="0" indent="0">
-              <a:buNone/>
-            </a:pPr>
-            <a:r>
-              <a:rPr lang="en-US" sz="2800" dirty="0" smtClean="0">
-                <a:latin typeface="Consolas" panose="020B0609020204030204" pitchFamily="49" charset="0"/>
-                <a:cs typeface="Consolas" panose="020B0609020204030204" pitchFamily="49" charset="0"/>
-              </a:rPr>
-              <a:t>time </a:t>
-            </a:r>
-            <a:r>
-              <a:rPr lang="en-US" sz="2800" dirty="0" err="1" smtClean="0">
-                <a:latin typeface="Consolas" panose="020B0609020204030204" pitchFamily="49" charset="0"/>
-                <a:cs typeface="Consolas" panose="020B0609020204030204" pitchFamily="49" charset="0"/>
-              </a:rPr>
-              <a:t>zone.setDefault</a:t>
-            </a:r>
-            <a:r>
-              <a:rPr lang="en-US" sz="2800" dirty="0" smtClean="0">
-                <a:latin typeface="Consolas" panose="020B0609020204030204" pitchFamily="49" charset="0"/>
-                <a:cs typeface="Consolas" panose="020B0609020204030204" pitchFamily="49" charset="0"/>
-              </a:rPr>
-              <a:t>(time zone</a:t>
-            </a:r>
-          </a:p>
-          <a:p>
-            <a:pPr marL="0" indent="0">
-              <a:buNone/>
-            </a:pPr>
-            <a:r>
-              <a:rPr lang="en-US" sz="2800" dirty="0" smtClean="0">
-                <a:latin typeface="Consolas" panose="020B0609020204030204" pitchFamily="49" charset="0"/>
-                <a:cs typeface="Consolas" panose="020B0609020204030204" pitchFamily="49" charset="0"/>
-              </a:rPr>
-              <a:t>.</a:t>
-            </a:r>
-            <a:r>
-              <a:rPr lang="en-US" sz="2800" dirty="0" err="1" smtClean="0">
-                <a:latin typeface="Consolas" panose="020B0609020204030204" pitchFamily="49" charset="0"/>
-                <a:cs typeface="Consolas" panose="020B0609020204030204" pitchFamily="49" charset="0"/>
-              </a:rPr>
-              <a:t>gettime</a:t>
-            </a:r>
-            <a:r>
-              <a:rPr lang="en-US" sz="2800" dirty="0" smtClean="0">
-                <a:latin typeface="Consolas" panose="020B0609020204030204" pitchFamily="49" charset="0"/>
-                <a:cs typeface="Consolas" panose="020B0609020204030204" pitchFamily="49" charset="0"/>
-              </a:rPr>
-              <a:t> zone("</a:t>
-            </a:r>
-            <a:r>
-              <a:rPr lang="en-US" sz="2800" dirty="0">
-                <a:latin typeface="Consolas" panose="020B0609020204030204" pitchFamily="49" charset="0"/>
-                <a:cs typeface="Consolas" panose="020B0609020204030204" pitchFamily="49" charset="0"/>
-              </a:rPr>
-              <a:t>Asia/Calcutta"));</a:t>
-            </a:r>
-          </a:p>
-          <a:p>
-            <a:pPr marL="0" indent="0">
-              <a:buNone/>
-            </a:pPr>
-            <a:r>
-              <a:rPr lang="en-US" sz="2800" dirty="0">
-                <a:latin typeface="Consolas" panose="020B0609020204030204" pitchFamily="49" charset="0"/>
-                <a:cs typeface="Consolas" panose="020B0609020204030204" pitchFamily="49" charset="0"/>
-              </a:rPr>
-              <a:t>print(</a:t>
-            </a:r>
-            <a:r>
-              <a:rPr lang="en-US" sz="2800" dirty="0" err="1">
-                <a:latin typeface="Consolas" panose="020B0609020204030204" pitchFamily="49" charset="0"/>
-                <a:cs typeface="Consolas" panose="020B0609020204030204" pitchFamily="49" charset="0"/>
-              </a:rPr>
-              <a:t>calendarDate</a:t>
-            </a:r>
-            <a:r>
-              <a:rPr lang="en-US" sz="2800" dirty="0">
-                <a:latin typeface="Consolas" panose="020B0609020204030204" pitchFamily="49" charset="0"/>
-                <a:cs typeface="Consolas" panose="020B0609020204030204" pitchFamily="49" charset="0"/>
-              </a:rPr>
-              <a:t>);</a:t>
-            </a:r>
-          </a:p>
-          <a:p>
-            <a:pPr marL="0" indent="0">
-              <a:buNone/>
-            </a:pPr>
-            <a:r>
-              <a:rPr lang="en-US" sz="2000" dirty="0">
-                <a:solidFill>
-                  <a:schemeClr val="accent3">
-                    <a:lumMod val="50000"/>
-                  </a:schemeClr>
-                </a:solidFill>
-                <a:latin typeface="Consolas" panose="020B0609020204030204" pitchFamily="49" charset="0"/>
-                <a:cs typeface="Consolas" panose="020B0609020204030204" pitchFamily="49" charset="0"/>
-              </a:rPr>
-              <a:t>// November 10, 0010 12:00:00 AM EST</a:t>
-            </a:r>
-          </a:p>
-        </p:txBody>
-      </p:sp>
-    </p:spTree>
-    <p:extLst>
-      <p:ext uri="{BB962C8B-B14F-4D97-AF65-F5344CB8AC3E}">
-        <p14:creationId xmlns:p14="http://schemas.microsoft.com/office/powerpoint/2010/main" val="2663834430"/>
-      </p:ext>
-    </p:extLst>
-  </p:cSld>
-  <p:clrMapOvr>
-    <a:masterClrMapping/>
-  </p:clrMapOvr>
-  <p:timing>
-    <p:tnLst>
-      <p:par>
-        <p:cTn id="1" dur="indefinite" restart="never" nodeType="tmRoot"/>
-      </p:par>
-    </p:tnLst>
-  </p:timing>
-</p:sld>
-</file>
-
-<file path=ppt/slides/slide12.xml><?xml version="1.0" encoding="utf-8"?>
-<p:sld xmlns:a="http://schemas.openxmlformats.org/drawingml/2006/main" xmlns:r="http://schemas.openxmlformats.org/officeDocument/2006/relationships" xmlns:p="http://schemas.openxmlformats.org/presentationml/2006/main">
-  <p:cSld>
-    <p:spTree>
-      <p:nvGrpSpPr>
-        <p:cNvPr id="1" name=""/>
-        <p:cNvGrpSpPr/>
-        <p:nvPr/>
-      </p:nvGrpSpPr>
-      <p:grpSpPr>
-        <a:xfrm>
-          <a:off x="0" y="0"/>
-          <a:ext cx="0" cy="0"/>
-          <a:chOff x="0" y="0"/>
-          <a:chExt cx="0" cy="0"/>
-        </a:xfrm>
-      </p:grpSpPr>
-      <p:sp>
-        <p:nvSpPr>
-          <p:cNvPr id="2" name="Title 1"/>
-          <p:cNvSpPr>
-            <a:spLocks noGrp="1"/>
-          </p:cNvSpPr>
-          <p:nvPr>
-            <p:ph type="title"/>
-          </p:nvPr>
-        </p:nvSpPr>
-        <p:spPr/>
-        <p:txBody>
-          <a:bodyPr/>
-          <a:lstStyle/>
-          <a:p>
-            <a:r>
-              <a:rPr lang="en-US" dirty="0" smtClean="0"/>
               <a:t>Java 8 Date and Time API</a:t>
             </a:r>
             <a:endParaRPr lang="en-US" dirty="0"/>
@@ -5142,7 +3816,7 @@
 </p:sld>
 </file>
 
-<file path=ppt/slides/slide13.xml><?xml version="1.0" encoding="utf-8"?>
+<file path=ppt/slides/slide11.xml><?xml version="1.0" encoding="utf-8"?>
 <p:sld xmlns:a="http://schemas.openxmlformats.org/drawingml/2006/main" xmlns:r="http://schemas.openxmlformats.org/officeDocument/2006/relationships" xmlns:p="http://schemas.openxmlformats.org/presentationml/2006/main">
   <p:cSld>
     <p:spTree>
@@ -6106,7 +4780,7 @@
 </p:sld>
 </file>
 
-<file path=ppt/slides/slide14.xml><?xml version="1.0" encoding="utf-8"?>
+<file path=ppt/slides/slide12.xml><?xml version="1.0" encoding="utf-8"?>
 <p:sld xmlns:a="http://schemas.openxmlformats.org/drawingml/2006/main" xmlns:r="http://schemas.openxmlformats.org/officeDocument/2006/relationships" xmlns:p="http://schemas.openxmlformats.org/presentationml/2006/main">
   <p:cSld>
     <p:spTree>
@@ -6480,36 +5154,6 @@
               </a:rPr>
               <a:t>(NewDateApiSnippets.java:14)</a:t>
             </a:r>
-          </a:p>
-        </p:txBody>
-      </p:sp>
-      <p:sp>
-        <p:nvSpPr>
-          <p:cNvPr id="4" name="TextBox 3"/>
-          <p:cNvSpPr txBox="1"/>
-          <p:nvPr/>
-        </p:nvSpPr>
-        <p:spPr>
-          <a:xfrm>
-            <a:off x="533400" y="5715000"/>
-            <a:ext cx="8001000" cy="553998"/>
-          </a:xfrm>
-          <a:prstGeom prst="rect">
-            <a:avLst/>
-          </a:prstGeom>
-          <a:noFill/>
-        </p:spPr>
-        <p:txBody>
-          <a:bodyPr wrap="square" rtlCol="0">
-            <a:spAutoFit/>
-          </a:bodyPr>
-          <a:lstStyle/>
-          <a:p>
-            <a:r>
-              <a:rPr lang="en-US" sz="3000" dirty="0" smtClean="0"/>
-              <a:t>* See temporal queries later </a:t>
-            </a:r>
-            <a:endParaRPr lang="en-US" sz="3000" dirty="0"/>
           </a:p>
         </p:txBody>
       </p:sp>
@@ -8577,109 +7221,6 @@
                       </p:childTnLst>
                     </p:cTn>
                   </p:par>
-                  <p:par>
-                    <p:cTn id="101" fill="hold">
-                      <p:stCondLst>
-                        <p:cond delay="indefinite"/>
-                      </p:stCondLst>
-                      <p:childTnLst>
-                        <p:par>
-                          <p:cTn id="102" fill="hold">
-                            <p:stCondLst>
-                              <p:cond delay="0"/>
-                            </p:stCondLst>
-                            <p:childTnLst>
-                              <p:par>
-                                <p:cTn id="103" presetID="2" presetClass="entr" presetSubtype="4" fill="hold" nodeType="clickEffect">
-                                  <p:stCondLst>
-                                    <p:cond delay="0"/>
-                                  </p:stCondLst>
-                                  <p:childTnLst>
-                                    <p:set>
-                                      <p:cBhvr>
-                                        <p:cTn id="104" dur="1" fill="hold">
-                                          <p:stCondLst>
-                                            <p:cond delay="0"/>
-                                          </p:stCondLst>
-                                        </p:cTn>
-                                        <p:tgtEl>
-                                          <p:spTgt spid="4">
-                                            <p:txEl>
-                                              <p:pRg st="0" end="0"/>
-                                            </p:txEl>
-                                          </p:spTgt>
-                                        </p:tgtEl>
-                                        <p:attrNameLst>
-                                          <p:attrName>style.visibility</p:attrName>
-                                        </p:attrNameLst>
-                                      </p:cBhvr>
-                                      <p:to>
-                                        <p:strVal val="visible"/>
-                                      </p:to>
-                                    </p:set>
-                                    <p:anim calcmode="lin" valueType="num">
-                                      <p:cBhvr additive="base">
-                                        <p:cTn id="105" dur="500" fill="hold"/>
-                                        <p:tgtEl>
-                                          <p:spTgt spid="4">
-                                            <p:txEl>
-                                              <p:pRg st="0" end="0"/>
-                                            </p:txEl>
-                                          </p:spTgt>
-                                        </p:tgtEl>
-                                        <p:attrNameLst>
-                                          <p:attrName>ppt_x</p:attrName>
-                                        </p:attrNameLst>
-                                      </p:cBhvr>
-                                      <p:tavLst>
-                                        <p:tav tm="0">
-                                          <p:val>
-                                            <p:strVal val="#ppt_x"/>
-                                          </p:val>
-                                        </p:tav>
-                                        <p:tav tm="100000">
-                                          <p:val>
-                                            <p:strVal val="#ppt_x"/>
-                                          </p:val>
-                                        </p:tav>
-                                      </p:tavLst>
-                                    </p:anim>
-                                    <p:anim calcmode="lin" valueType="num">
-                                      <p:cBhvr additive="base">
-                                        <p:cTn id="106" dur="500" fill="hold"/>
-                                        <p:tgtEl>
-                                          <p:spTgt spid="4">
-                                            <p:txEl>
-                                              <p:pRg st="0" end="0"/>
-                                            </p:txEl>
-                                          </p:spTgt>
-                                        </p:tgtEl>
-                                        <p:attrNameLst>
-                                          <p:attrName>ppt_y</p:attrName>
-                                        </p:attrNameLst>
-                                      </p:cBhvr>
-                                      <p:tavLst>
-                                        <p:tav tm="0">
-                                          <p:val>
-                                            <p:strVal val="1+#ppt_h/2"/>
-                                          </p:val>
-                                        </p:tav>
-                                        <p:tav tm="100000">
-                                          <p:val>
-                                            <p:strVal val="#ppt_y"/>
-                                          </p:val>
-                                        </p:tav>
-                                      </p:tavLst>
-                                    </p:anim>
-                                  </p:childTnLst>
-                                </p:cTn>
-                              </p:par>
-                            </p:childTnLst>
-                          </p:cTn>
-                        </p:par>
-                      </p:childTnLst>
-                    </p:cTn>
-                  </p:par>
                 </p:childTnLst>
               </p:cTn>
               <p:prevCondLst>
@@ -8699,6 +7240,226 @@
             </p:seq>
           </p:childTnLst>
         </p:cTn>
+      </p:par>
+    </p:tnLst>
+  </p:timing>
+</p:sld>
+</file>
+
+<file path=ppt/slides/slide13.xml><?xml version="1.0" encoding="utf-8"?>
+<p:sld xmlns:a="http://schemas.openxmlformats.org/drawingml/2006/main" xmlns:r="http://schemas.openxmlformats.org/officeDocument/2006/relationships" xmlns:p="http://schemas.openxmlformats.org/presentationml/2006/main">
+  <p:cSld>
+    <p:spTree>
+      <p:nvGrpSpPr>
+        <p:cNvPr id="1" name=""/>
+        <p:cNvGrpSpPr/>
+        <p:nvPr/>
+      </p:nvGrpSpPr>
+      <p:grpSpPr>
+        <a:xfrm>
+          <a:off x="0" y="0"/>
+          <a:ext cx="0" cy="0"/>
+          <a:chOff x="0" y="0"/>
+          <a:chExt cx="0" cy="0"/>
+        </a:xfrm>
+      </p:grpSpPr>
+      <p:sp>
+        <p:nvSpPr>
+          <p:cNvPr id="2" name="Title 1"/>
+          <p:cNvSpPr>
+            <a:spLocks noGrp="1"/>
+          </p:cNvSpPr>
+          <p:nvPr>
+            <p:ph type="title"/>
+          </p:nvPr>
+        </p:nvSpPr>
+        <p:spPr/>
+        <p:txBody>
+          <a:bodyPr/>
+          <a:lstStyle/>
+          <a:p>
+            <a:r>
+              <a:rPr lang="en-US" dirty="0" smtClean="0"/>
+              <a:t>Concepts</a:t>
+            </a:r>
+            <a:endParaRPr lang="en-US" dirty="0"/>
+          </a:p>
+        </p:txBody>
+      </p:sp>
+      <p:sp>
+        <p:nvSpPr>
+          <p:cNvPr id="3" name="Content Placeholder 2"/>
+          <p:cNvSpPr>
+            <a:spLocks noGrp="1"/>
+          </p:cNvSpPr>
+          <p:nvPr>
+            <p:ph idx="1"/>
+          </p:nvPr>
+        </p:nvSpPr>
+        <p:spPr/>
+        <p:txBody>
+          <a:bodyPr>
+            <a:normAutofit/>
+          </a:bodyPr>
+          <a:lstStyle/>
+          <a:p>
+            <a:pPr marL="0" indent="0">
+              <a:buNone/>
+            </a:pPr>
+            <a:r>
+              <a:rPr lang="en-US" sz="3000" dirty="0" smtClean="0"/>
+              <a:t>Most importantly, the Java 8 date and time API forces you to think carefully about what you are </a:t>
+            </a:r>
+            <a:r>
+              <a:rPr lang="en-US" sz="3000" smtClean="0"/>
+              <a:t>doing.</a:t>
+            </a:r>
+            <a:endParaRPr lang="en-US" sz="3000" dirty="0" smtClean="0"/>
+          </a:p>
+        </p:txBody>
+      </p:sp>
+    </p:spTree>
+    <p:extLst>
+      <p:ext uri="{BB962C8B-B14F-4D97-AF65-F5344CB8AC3E}">
+        <p14:creationId xmlns:p14="http://schemas.microsoft.com/office/powerpoint/2010/main" val="209812018"/>
+      </p:ext>
+    </p:extLst>
+  </p:cSld>
+  <p:clrMapOvr>
+    <a:masterClrMapping/>
+  </p:clrMapOvr>
+  <p:timing>
+    <p:tnLst>
+      <p:par>
+        <p:cTn id="1" dur="indefinite" restart="never" nodeType="tmRoot"/>
+      </p:par>
+    </p:tnLst>
+  </p:timing>
+</p:sld>
+</file>
+
+<file path=ppt/slides/slide14.xml><?xml version="1.0" encoding="utf-8"?>
+<p:sld xmlns:a="http://schemas.openxmlformats.org/drawingml/2006/main" xmlns:r="http://schemas.openxmlformats.org/officeDocument/2006/relationships" xmlns:p="http://schemas.openxmlformats.org/presentationml/2006/main">
+  <p:cSld>
+    <p:spTree>
+      <p:nvGrpSpPr>
+        <p:cNvPr id="1" name=""/>
+        <p:cNvGrpSpPr/>
+        <p:nvPr/>
+      </p:nvGrpSpPr>
+      <p:grpSpPr>
+        <a:xfrm>
+          <a:off x="0" y="0"/>
+          <a:ext cx="0" cy="0"/>
+          <a:chOff x="0" y="0"/>
+          <a:chExt cx="0" cy="0"/>
+        </a:xfrm>
+      </p:grpSpPr>
+      <p:sp>
+        <p:nvSpPr>
+          <p:cNvPr id="2" name="Title 1"/>
+          <p:cNvSpPr>
+            <a:spLocks noGrp="1"/>
+          </p:cNvSpPr>
+          <p:nvPr>
+            <p:ph type="title"/>
+          </p:nvPr>
+        </p:nvSpPr>
+        <p:spPr/>
+        <p:txBody>
+          <a:bodyPr/>
+          <a:lstStyle/>
+          <a:p>
+            <a:r>
+              <a:rPr lang="en-US" dirty="0"/>
+              <a:t>Epoch</a:t>
+            </a:r>
+          </a:p>
+        </p:txBody>
+      </p:sp>
+      <p:sp>
+        <p:nvSpPr>
+          <p:cNvPr id="3" name="Content Placeholder 2"/>
+          <p:cNvSpPr>
+            <a:spLocks noGrp="1"/>
+          </p:cNvSpPr>
+          <p:nvPr>
+            <p:ph idx="1"/>
+          </p:nvPr>
+        </p:nvSpPr>
+        <p:spPr/>
+        <p:txBody>
+          <a:bodyPr>
+            <a:normAutofit/>
+          </a:bodyPr>
+          <a:lstStyle/>
+          <a:p>
+            <a:r>
+              <a:rPr lang="en-US" sz="3000" dirty="0" smtClean="0"/>
+              <a:t>Reference </a:t>
+            </a:r>
+            <a:r>
+              <a:rPr lang="en-US" sz="3000" dirty="0"/>
+              <a:t>point from which time is </a:t>
+            </a:r>
+            <a:r>
+              <a:rPr lang="en-US" sz="3000" dirty="0" smtClean="0"/>
+              <a:t>measured</a:t>
+            </a:r>
+          </a:p>
+          <a:p>
+            <a:r>
+              <a:rPr lang="en-US" sz="3000" dirty="0" smtClean="0"/>
+              <a:t>Epoch is an instant in time </a:t>
+            </a:r>
+          </a:p>
+          <a:p>
+            <a:r>
+              <a:rPr lang="en-US" sz="2800" dirty="0" smtClean="0"/>
+              <a:t>Could be based on </a:t>
+            </a:r>
+            <a:r>
+              <a:rPr lang="en-US" sz="2800" dirty="0"/>
+              <a:t>religious or political milestones</a:t>
+            </a:r>
+          </a:p>
+          <a:p>
+            <a:r>
+              <a:rPr lang="en-US" sz="3000" dirty="0" smtClean="0"/>
+              <a:t>Divides the timeline into eras</a:t>
+            </a:r>
+            <a:endParaRPr lang="en-US" sz="3000" dirty="0"/>
+          </a:p>
+          <a:p>
+            <a:r>
+              <a:rPr lang="en-US" sz="3000" dirty="0" smtClean="0"/>
+              <a:t>An epoch is chosen </a:t>
+            </a:r>
+            <a:r>
+              <a:rPr lang="en-US" sz="3000" dirty="0"/>
+              <a:t>as the origin of a particular </a:t>
+            </a:r>
+            <a:r>
+              <a:rPr lang="en-US" sz="3000" dirty="0" smtClean="0"/>
+              <a:t>era</a:t>
+            </a:r>
+          </a:p>
+        </p:txBody>
+      </p:sp>
+    </p:spTree>
+    <p:extLst>
+      <p:ext uri="{BB962C8B-B14F-4D97-AF65-F5344CB8AC3E}">
+        <p14:creationId xmlns:p14="http://schemas.microsoft.com/office/powerpoint/2010/main" val="3508304285"/>
+      </p:ext>
+    </p:extLst>
+  </p:cSld>
+  <p:clrMapOvr>
+    <a:masterClrMapping/>
+  </p:clrMapOvr>
+  <p:timing>
+    <p:tnLst>
+      <p:par>
+        <p:cTn id="1" dur="indefinite" restart="never" nodeType="tmRoot"/>
       </p:par>
     </p:tnLst>
   </p:timing>
@@ -8739,7 +7500,7 @@
           <a:p>
             <a:r>
               <a:rPr lang="en-US" dirty="0" smtClean="0"/>
-              <a:t>Concepts</a:t>
+              <a:t>Computer System Epochs</a:t>
             </a:r>
             <a:endParaRPr lang="en-US" dirty="0"/>
           </a:p>
@@ -8758,29 +7519,56 @@
         <p:spPr/>
         <p:txBody>
           <a:bodyPr>
-            <a:normAutofit/>
+            <a:normAutofit fontScale="92500" lnSpcReduction="10000"/>
           </a:bodyPr>
           <a:lstStyle/>
           <a:p>
-            <a:pPr marL="0" indent="0">
-              <a:buNone/>
-            </a:pPr>
-            <a:r>
-              <a:rPr lang="en-US" sz="3000" dirty="0" smtClean="0"/>
-              <a:t>Most importantly, the Java 8 date and time API forces you to think carefully about what you are </a:t>
-            </a:r>
-            <a:r>
-              <a:rPr lang="en-US" sz="3000" smtClean="0"/>
-              <a:t>doing.</a:t>
-            </a:r>
-            <a:endParaRPr lang="en-US" sz="3000" dirty="0" smtClean="0"/>
+            <a:r>
+              <a:rPr lang="en-US" dirty="0"/>
+              <a:t>MATLAB – January 0, 0</a:t>
+            </a:r>
+          </a:p>
+          <a:p>
+            <a:r>
+              <a:rPr lang="en-US" dirty="0"/>
+              <a:t>Symbian, Go, Microsoft .NET – January 1, 1</a:t>
+            </a:r>
+          </a:p>
+          <a:p>
+            <a:r>
+              <a:rPr lang="en-US" dirty="0"/>
+              <a:t>NTFS, COBOL, Microsoft Windows – January 1, 1601</a:t>
+            </a:r>
+          </a:p>
+          <a:p>
+            <a:r>
+              <a:rPr lang="en-US" dirty="0"/>
+              <a:t>Common LISP, Network Time Protocol – January 1, 1900</a:t>
+            </a:r>
+          </a:p>
+          <a:p>
+            <a:r>
+              <a:rPr lang="en-US" dirty="0"/>
+              <a:t>Mac OS (through version 9) – January 1, 1904</a:t>
+            </a:r>
+          </a:p>
+          <a:p>
+            <a:r>
+              <a:rPr lang="en-US" dirty="0"/>
+              <a:t>Unix Epoch (Linux, Mac OS X), C, Java, JavaScript, Perl, PHP, Python, Ruby - January 1, </a:t>
+            </a:r>
+            <a:r>
+              <a:rPr lang="en-US" dirty="0" smtClean="0"/>
+              <a:t>1970</a:t>
+            </a:r>
+            <a:endParaRPr lang="en-US" dirty="0"/>
           </a:p>
         </p:txBody>
       </p:sp>
     </p:spTree>
     <p:extLst>
       <p:ext uri="{BB962C8B-B14F-4D97-AF65-F5344CB8AC3E}">
-        <p14:creationId xmlns:p14="http://schemas.microsoft.com/office/powerpoint/2010/main" val="209812018"/>
+        <p14:creationId xmlns:p14="http://schemas.microsoft.com/office/powerpoint/2010/main" val="2537420289"/>
       </p:ext>
     </p:extLst>
   </p:cSld>
@@ -8831,7 +7619,7 @@
           <a:p>
             <a:r>
               <a:rPr lang="en-US" dirty="0"/>
-              <a:t>Epoch</a:t>
+              <a:t>Calendar System</a:t>
             </a:r>
           </a:p>
         </p:txBody>
@@ -8854,61 +7642,69 @@
           <a:lstStyle/>
           <a:p>
             <a:r>
+              <a:rPr lang="en-US" sz="3000" dirty="0"/>
+              <a:t>Organizes days for social, religious, commercial or administrative purposes</a:t>
+            </a:r>
+          </a:p>
+          <a:p>
+            <a:r>
+              <a:rPr lang="en-US" sz="3000" dirty="0"/>
+              <a:t>Gives names to periods of time, </a:t>
+            </a:r>
+            <a:r>
               <a:rPr lang="en-US" sz="3000" dirty="0" smtClean="0"/>
-              <a:t>Reference </a:t>
+              <a:t>such as days</a:t>
             </a:r>
             <a:r>
               <a:rPr lang="en-US" sz="3000" dirty="0"/>
-              <a:t>point from which time is </a:t>
+              <a:t>, weeks, months, and years</a:t>
+            </a:r>
+          </a:p>
+          <a:p>
+            <a:r>
+              <a:rPr lang="en-US" sz="3000" dirty="0"/>
+              <a:t>A date is a single, specific day within </a:t>
             </a:r>
             <a:r>
               <a:rPr lang="en-US" sz="3000" dirty="0" smtClean="0"/>
-              <a:t>measured</a:t>
-            </a:r>
-          </a:p>
-          <a:p>
+              <a:t>the </a:t>
+            </a:r>
+            <a:r>
+              <a:rPr lang="en-US" sz="3000" dirty="0"/>
+              <a:t>system</a:t>
+            </a:r>
+          </a:p>
+          <a:p>
+            <a:r>
+              <a:rPr lang="en-US" sz="3000" dirty="0"/>
+              <a:t>May be based on an epoch</a:t>
+            </a:r>
+          </a:p>
+          <a:p>
+            <a:r>
+              <a:rPr lang="en-US" sz="3000" dirty="0"/>
+              <a:t>Periods in a calendar (such as years and months) may </a:t>
+            </a:r>
             <a:r>
               <a:rPr lang="en-US" sz="3000" dirty="0" smtClean="0"/>
-              <a:t>Epoch is an instant in time </a:t>
-            </a:r>
-          </a:p>
-          <a:p>
-            <a:r>
-              <a:rPr lang="en-US" sz="2800" dirty="0" smtClean="0"/>
-              <a:t>Could be based on </a:t>
-            </a:r>
-            <a:r>
-              <a:rPr lang="en-US" sz="2800" dirty="0"/>
-              <a:t>religious or political milestones</a:t>
-            </a:r>
-          </a:p>
-          <a:p>
+              <a:t>follow cycles </a:t>
+            </a:r>
+            <a:r>
+              <a:rPr lang="en-US" sz="3000" dirty="0"/>
+              <a:t>of the sun or </a:t>
+            </a:r>
             <a:r>
               <a:rPr lang="en-US" sz="3000" dirty="0" smtClean="0"/>
-              <a:t>Divides the timeline into eras</a:t>
+              <a:t>moon</a:t>
             </a:r>
             <a:endParaRPr lang="en-US" sz="3000" dirty="0"/>
-          </a:p>
-          <a:p>
-            <a:r>
-              <a:rPr lang="en-US" sz="3000" dirty="0" smtClean="0"/>
-              <a:t>An epoch is chosen </a:t>
-            </a:r>
-            <a:r>
-              <a:rPr lang="en-US" sz="3000" dirty="0"/>
-              <a:t>as the origin of a particular </a:t>
-            </a:r>
-            <a:r>
-              <a:rPr lang="en-US" sz="3000" dirty="0" smtClean="0"/>
-              <a:t>era</a:t>
-            </a:r>
           </a:p>
         </p:txBody>
       </p:sp>
     </p:spTree>
     <p:extLst>
       <p:ext uri="{BB962C8B-B14F-4D97-AF65-F5344CB8AC3E}">
-        <p14:creationId xmlns:p14="http://schemas.microsoft.com/office/powerpoint/2010/main" val="3508304285"/>
+        <p14:creationId xmlns:p14="http://schemas.microsoft.com/office/powerpoint/2010/main" val="1612303161"/>
       </p:ext>
     </p:extLst>
   </p:cSld>
@@ -8959,7 +7755,7 @@
           <a:p>
             <a:r>
               <a:rPr lang="en-US" dirty="0" smtClean="0"/>
-              <a:t>Computer System Epochs</a:t>
+              <a:t>UTC</a:t>
             </a:r>
             <a:endParaRPr lang="en-US" dirty="0"/>
           </a:p>
@@ -8978,47 +7774,121 @@
         <p:spPr/>
         <p:txBody>
           <a:bodyPr>
-            <a:normAutofit fontScale="92500" lnSpcReduction="10000"/>
+            <a:normAutofit fontScale="92500" lnSpcReduction="20000"/>
           </a:bodyPr>
           <a:lstStyle/>
           <a:p>
             <a:r>
+              <a:rPr lang="en-US" b="1" dirty="0" smtClean="0"/>
+              <a:t>GMT </a:t>
+            </a:r>
+            <a:r>
+              <a:rPr lang="en-US" dirty="0" smtClean="0"/>
+              <a:t>is</a:t>
+            </a:r>
+            <a:r>
+              <a:rPr lang="en-US" b="1" dirty="0" smtClean="0"/>
+              <a:t> </a:t>
+            </a:r>
+            <a:r>
+              <a:rPr lang="en-US" dirty="0" smtClean="0"/>
+              <a:t>Greenwich </a:t>
+            </a:r>
+            <a:r>
               <a:rPr lang="en-US" dirty="0"/>
-              <a:t>MATLAB – January 0, 0</a:t>
+              <a:t>Mean Time</a:t>
             </a:r>
           </a:p>
           <a:p>
             <a:r>
               <a:rPr lang="en-US" dirty="0"/>
-              <a:t>Symbian, Go, Microsoft .NET – January 1, 1</a:t>
-            </a:r>
-          </a:p>
-          <a:p>
+              <a:t>Mean solar time at the Royal Observatory in Greenwich, </a:t>
+            </a:r>
+            <a:r>
+              <a:rPr lang="en-US" dirty="0" smtClean="0"/>
+              <a:t>London</a:t>
+            </a:r>
+          </a:p>
+          <a:p>
+            <a:r>
+              <a:rPr lang="en-US" dirty="0" smtClean="0"/>
+              <a:t>GMT </a:t>
+            </a:r>
             <a:r>
               <a:rPr lang="en-US" dirty="0"/>
-              <a:t>NTFS, COBOL, Microsoft Windows – January 1, 1601</a:t>
-            </a:r>
-          </a:p>
-          <a:p>
+              <a:t>used in winter, British Summer Time in summer</a:t>
+            </a:r>
+          </a:p>
+          <a:p>
+            <a:r>
+              <a:rPr lang="en-US" b="1" dirty="0" smtClean="0"/>
+              <a:t>UTC </a:t>
+            </a:r>
+            <a:r>
+              <a:rPr lang="en-US" dirty="0" smtClean="0"/>
+              <a:t>is Coordinated </a:t>
+            </a:r>
             <a:r>
               <a:rPr lang="en-US" dirty="0"/>
-              <a:t>Common LISP, Network Time Protocol – January 1, 1900</a:t>
+              <a:t>Universal </a:t>
+            </a:r>
+            <a:r>
+              <a:rPr lang="en-US" dirty="0" smtClean="0"/>
+              <a:t>Time</a:t>
             </a:r>
           </a:p>
           <a:p>
             <a:r>
               <a:rPr lang="en-US" dirty="0"/>
-              <a:t>Mac OS (through version 9) – January 1, 1904</a:t>
+              <a:t>Precisely defined with atomic </a:t>
+            </a:r>
+            <a:r>
+              <a:rPr lang="en-US" dirty="0" smtClean="0"/>
+              <a:t>time</a:t>
             </a:r>
           </a:p>
           <a:p>
             <a:r>
               <a:rPr lang="en-US" dirty="0"/>
-              <a:t>Unix Epoch (Linux, Mac OS X), C, Java, JavaScript, Perl, PHP, Python, Ruby - January 1, </a:t>
+              <a:t>D</a:t>
             </a:r>
             <a:r>
               <a:rPr lang="en-US" dirty="0" smtClean="0"/>
-              <a:t>1970</a:t>
+              <a:t>oes </a:t>
+            </a:r>
+            <a:r>
+              <a:rPr lang="en-US" dirty="0"/>
+              <a:t>not change with a change of seasons</a:t>
+            </a:r>
+          </a:p>
+          <a:p>
+            <a:r>
+              <a:rPr lang="en-US" dirty="0" smtClean="0"/>
+              <a:t>UTC </a:t>
+            </a:r>
+            <a:r>
+              <a:rPr lang="en-US" dirty="0"/>
+              <a:t>replaced GMT as the </a:t>
+            </a:r>
+            <a:r>
+              <a:rPr lang="en-US" dirty="0" smtClean="0"/>
+              <a:t>main </a:t>
+            </a:r>
+            <a:r>
+              <a:rPr lang="en-US" dirty="0"/>
+              <a:t>reference time scale </a:t>
+            </a:r>
+            <a:r>
+              <a:rPr lang="en-US" dirty="0" smtClean="0"/>
+              <a:t>on </a:t>
+            </a:r>
+            <a:r>
+              <a:rPr lang="en-US" dirty="0"/>
+              <a:t>1 January </a:t>
+            </a:r>
+            <a:r>
+              <a:rPr lang="en-US" dirty="0" smtClean="0"/>
+              <a:t>1972</a:t>
             </a:r>
             <a:endParaRPr lang="en-US" dirty="0"/>
           </a:p>
@@ -9027,7 +7897,7 @@
     </p:spTree>
     <p:extLst>
       <p:ext uri="{BB962C8B-B14F-4D97-AF65-F5344CB8AC3E}">
-        <p14:creationId xmlns:p14="http://schemas.microsoft.com/office/powerpoint/2010/main" val="2537420289"/>
+        <p14:creationId xmlns:p14="http://schemas.microsoft.com/office/powerpoint/2010/main" val="39991000"/>
       </p:ext>
     </p:extLst>
   </p:cSld>
@@ -9077,9 +7947,10 @@
           <a:lstStyle/>
           <a:p>
             <a:r>
-              <a:rPr lang="en-US" dirty="0"/>
-              <a:t>Calendar System</a:t>
-            </a:r>
+              <a:rPr lang="en-US" dirty="0" smtClean="0"/>
+              <a:t>ISO 8601</a:t>
+            </a:r>
+            <a:endParaRPr lang="en-US" dirty="0"/>
           </a:p>
         </p:txBody>
       </p:sp>
@@ -9096,65 +7967,90 @@
         <p:spPr/>
         <p:txBody>
           <a:bodyPr>
-            <a:normAutofit/>
+            <a:noAutofit/>
           </a:bodyPr>
           <a:lstStyle/>
           <a:p>
             <a:r>
               <a:rPr lang="en-US" sz="3000" dirty="0"/>
-              <a:t>Organizes days for social, religious, commercial or administrative purposes</a:t>
-            </a:r>
-          </a:p>
-          <a:p>
+              <a:t>International standard for representation of dates and </a:t>
+            </a:r>
+            <a:r>
+              <a:rPr lang="en-US" sz="3000" dirty="0" smtClean="0"/>
+              <a:t>times</a:t>
+            </a:r>
+          </a:p>
+          <a:p>
+            <a:r>
+              <a:rPr lang="en-US" sz="3000" dirty="0" smtClean="0"/>
+              <a:t>Uses the Gregorian calendar system</a:t>
+            </a:r>
+          </a:p>
+          <a:p>
+            <a:r>
+              <a:rPr lang="en-US" sz="3000" dirty="0" smtClean="0"/>
+              <a:t>Ordered </a:t>
+            </a:r>
             <a:r>
               <a:rPr lang="en-US" sz="3000" dirty="0"/>
-              <a:t>Gives names to periods of time, </a:t>
+              <a:t>from </a:t>
             </a:r>
             <a:r>
               <a:rPr lang="en-US" sz="3000" dirty="0" smtClean="0"/>
-              <a:t>such as days</a:t>
+              <a:t>most </a:t>
             </a:r>
             <a:r>
               <a:rPr lang="en-US" sz="3000" dirty="0"/>
-              <a:t>, weeks, months, and years</a:t>
-            </a:r>
-          </a:p>
-          <a:p>
+              <a:t>to </a:t>
+            </a:r>
+            <a:r>
+              <a:rPr lang="en-US" sz="3000" dirty="0" smtClean="0"/>
+              <a:t>least </a:t>
+            </a:r>
             <a:r>
               <a:rPr lang="en-US" sz="3000" dirty="0"/>
-              <a:t>A date is a single, specific day within </a:t>
+              <a:t>significant: year, </a:t>
             </a:r>
             <a:r>
               <a:rPr lang="en-US" sz="3000" dirty="0" smtClean="0"/>
-              <a:t>the </a:t>
+              <a:t>month, </a:t>
             </a:r>
             <a:r>
               <a:rPr lang="en-US" sz="3000" dirty="0"/>
-              <a:t>system</a:t>
-            </a:r>
-          </a:p>
-          <a:p>
+              <a:t>day, hour, </a:t>
+            </a:r>
+            <a:r>
+              <a:rPr lang="en-US" sz="3000" dirty="0" smtClean="0"/>
+              <a:t>minute</a:t>
+            </a:r>
+          </a:p>
+          <a:p>
+            <a:r>
+              <a:rPr lang="en-US" sz="3000" dirty="0" smtClean="0"/>
+              <a:t>Each </a:t>
+            </a:r>
             <a:r>
               <a:rPr lang="en-US" sz="3000" dirty="0"/>
-              <a:t>May be based on an epoch</a:t>
-            </a:r>
+              <a:t>date and time value has a fixed number of digits padded with leading </a:t>
+            </a:r>
+            <a:r>
+              <a:rPr lang="en-US" sz="3000" dirty="0" err="1"/>
+              <a:t>zeros</a:t>
+            </a:r>
+            <a:endParaRPr lang="en-US" sz="3000" dirty="0"/>
           </a:p>
           <a:p>
             <a:r>
               <a:rPr lang="en-US" sz="3000" dirty="0"/>
-              <a:t>Periods in a calendar (such as years and months) may </a:t>
+              <a:t>Uses </a:t>
             </a:r>
             <a:r>
               <a:rPr lang="en-US" sz="3000" dirty="0" smtClean="0"/>
-              <a:t>follow cycles </a:t>
-            </a:r>
-            <a:r>
-              <a:rPr lang="en-US" sz="3000" dirty="0"/>
-              <a:t>of the sun or </a:t>
+              <a:t>four-digit year at minimum, </a:t>
             </a:r>
             <a:r>
               <a:rPr lang="en-US" sz="3000" dirty="0" smtClean="0"/>
-              <a:t>moon</a:t>
+              <a:t>YYYY</a:t>
             </a:r>
             <a:endParaRPr lang="en-US" sz="3000" dirty="0"/>
           </a:p>
@@ -9163,7 +8059,7 @@
     </p:spTree>
     <p:extLst>
       <p:ext uri="{BB962C8B-B14F-4D97-AF65-F5344CB8AC3E}">
-        <p14:creationId xmlns:p14="http://schemas.microsoft.com/office/powerpoint/2010/main" val="1612303161"/>
+        <p14:creationId xmlns:p14="http://schemas.microsoft.com/office/powerpoint/2010/main" val="3802135309"/>
       </p:ext>
     </p:extLst>
   </p:cSld>
@@ -9197,166 +8093,51 @@
           <a:chExt cx="0" cy="0"/>
         </a:xfrm>
       </p:grpSpPr>
-      <p:sp>
-        <p:nvSpPr>
-          <p:cNvPr id="2" name="Title 1"/>
-          <p:cNvSpPr>
-            <a:spLocks noGrp="1"/>
-          </p:cNvSpPr>
-          <p:nvPr>
-            <p:ph type="title"/>
-          </p:nvPr>
-        </p:nvSpPr>
-        <p:spPr/>
-        <p:txBody>
-          <a:bodyPr/>
-          <a:lstStyle/>
-          <a:p>
-            <a:r>
-              <a:rPr lang="en-US" dirty="0" smtClean="0"/>
-              <a:t>UTC</a:t>
-            </a:r>
-            <a:endParaRPr lang="en-US" dirty="0"/>
-          </a:p>
-        </p:txBody>
-      </p:sp>
-      <p:sp>
-        <p:nvSpPr>
-          <p:cNvPr id="3" name="Content Placeholder 2"/>
-          <p:cNvSpPr>
-            <a:spLocks noGrp="1"/>
-          </p:cNvSpPr>
-          <p:nvPr>
-            <p:ph idx="1"/>
-          </p:nvPr>
-        </p:nvSpPr>
-        <p:spPr/>
-        <p:txBody>
-          <a:bodyPr>
-            <a:normAutofit fontScale="92500" lnSpcReduction="20000"/>
-          </a:bodyPr>
-          <a:lstStyle/>
-          <a:p>
-            <a:r>
-              <a:rPr lang="en-US" b="1" dirty="0" smtClean="0"/>
-              <a:t>GMT </a:t>
-            </a:r>
-            <a:r>
-              <a:rPr lang="en-US" dirty="0" smtClean="0"/>
-              <a:t>is</a:t>
-            </a:r>
-            <a:r>
-              <a:rPr lang="en-US" b="1" dirty="0" smtClean="0"/>
-              <a:t> </a:t>
-            </a:r>
-            <a:r>
-              <a:rPr lang="en-US" dirty="0" smtClean="0"/>
-              <a:t>Greenwich </a:t>
-            </a:r>
-            <a:r>
-              <a:rPr lang="en-US" dirty="0"/>
-              <a:t>Mean Time</a:t>
-            </a:r>
-          </a:p>
-          <a:p>
-            <a:r>
-              <a:rPr lang="en-US" dirty="0"/>
-              <a:t>Mean solar time at the Royal Observatory in Greenwich, </a:t>
-            </a:r>
-            <a:r>
-              <a:rPr lang="en-US" dirty="0" smtClean="0"/>
-              <a:t>London</a:t>
-            </a:r>
-          </a:p>
-          <a:p>
-            <a:r>
-              <a:rPr lang="en-US" dirty="0" smtClean="0"/>
-              <a:t>GMT </a:t>
-            </a:r>
-            <a:r>
-              <a:rPr lang="en-US" dirty="0"/>
-              <a:t>used in winter, British Summer Time in summer</a:t>
-            </a:r>
-          </a:p>
-          <a:p>
-            <a:r>
-              <a:rPr lang="en-US" b="1" dirty="0" smtClean="0"/>
-              <a:t>UTC </a:t>
-            </a:r>
-            <a:r>
-              <a:rPr lang="en-US" dirty="0" smtClean="0"/>
-              <a:t>is Coordinated </a:t>
-            </a:r>
-            <a:r>
-              <a:rPr lang="en-US" dirty="0"/>
-              <a:t>Universal </a:t>
-            </a:r>
-            <a:r>
-              <a:rPr lang="en-US" dirty="0" smtClean="0"/>
-              <a:t>Time</a:t>
-            </a:r>
-          </a:p>
-          <a:p>
-            <a:r>
-              <a:rPr lang="en-US" dirty="0"/>
-              <a:t>Precisely defined with atomic </a:t>
-            </a:r>
-            <a:r>
-              <a:rPr lang="en-US" dirty="0" smtClean="0"/>
-              <a:t>time</a:t>
-            </a:r>
-          </a:p>
-          <a:p>
-            <a:r>
-              <a:rPr lang="en-US" dirty="0"/>
-              <a:t>D</a:t>
-            </a:r>
-            <a:r>
-              <a:rPr lang="en-US" dirty="0" smtClean="0"/>
-              <a:t>oes </a:t>
-            </a:r>
-            <a:r>
-              <a:rPr lang="en-US" dirty="0"/>
-              <a:t>not change with a change of seasons</a:t>
-            </a:r>
-          </a:p>
-          <a:p>
-            <a:r>
-              <a:rPr lang="en-US" dirty="0" smtClean="0"/>
-              <a:t>UTC </a:t>
-            </a:r>
-            <a:r>
-              <a:rPr lang="en-US" dirty="0"/>
-              <a:t>replaced GMT as the </a:t>
-            </a:r>
-            <a:r>
-              <a:rPr lang="en-US" dirty="0" smtClean="0"/>
-              <a:t>main </a:t>
-            </a:r>
-            <a:r>
-              <a:rPr lang="en-US" dirty="0"/>
-              <a:t>reference time scale </a:t>
-            </a:r>
-            <a:r>
-              <a:rPr lang="en-US" dirty="0" smtClean="0"/>
-              <a:t>on </a:t>
-            </a:r>
-            <a:r>
-              <a:rPr lang="en-US" dirty="0"/>
-              <a:t>1 January </a:t>
-            </a:r>
-            <a:r>
-              <a:rPr lang="en-US" dirty="0" smtClean="0"/>
-              <a:t>1972</a:t>
-            </a:r>
-            <a:endParaRPr lang="en-US" dirty="0"/>
-          </a:p>
-        </p:txBody>
-      </p:sp>
+      <p:pic>
+        <p:nvPicPr>
+          <p:cNvPr id="1026" name="Picture 2" descr="ISO 8601"/>
+          <p:cNvPicPr>
+            <a:picLocks noChangeAspect="1" noChangeArrowheads="1"/>
+          </p:cNvPicPr>
+          <p:nvPr/>
+        </p:nvPicPr>
+        <p:blipFill>
+          <a:blip r:embed="rId2">
+            <a:extLst>
+              <a:ext uri="{28A0092B-C50C-407E-A947-70E740481C1C}">
+                <a14:useLocalDpi xmlns:a14="http://schemas.microsoft.com/office/drawing/2010/main" val="0"/>
+              </a:ext>
+            </a:extLst>
+          </a:blip>
+          <a:srcRect/>
+          <a:stretch>
+            <a:fillRect/>
+          </a:stretch>
+        </p:blipFill>
+        <p:spPr bwMode="auto">
+          <a:xfrm>
+            <a:off x="2209801" y="381000"/>
+            <a:ext cx="5130742" cy="5981505"/>
+          </a:xfrm>
+          <a:prstGeom prst="rect">
+            <a:avLst/>
+          </a:prstGeom>
+          <a:noFill/>
+          <a:extLst>
+            <a:ext uri="{909E8E84-426E-40DD-AFC4-6F175D3DCCD1}">
+              <a14:hiddenFill xmlns:a14="http://schemas.microsoft.com/office/drawing/2010/main">
+                <a:solidFill>
+                  <a:srgbClr val="FFFFFF"/>
+                </a:solidFill>
+              </a14:hiddenFill>
+            </a:ext>
+          </a:extLst>
+        </p:spPr>
+      </p:pic>
     </p:spTree>
     <p:extLst>
       <p:ext uri="{BB962C8B-B14F-4D97-AF65-F5344CB8AC3E}">
-        <p14:creationId xmlns:p14="http://schemas.microsoft.com/office/powerpoint/2010/main" val="39991000"/>
+        <p14:creationId xmlns:p14="http://schemas.microsoft.com/office/powerpoint/2010/main" val="731888187"/>
       </p:ext>
     </p:extLst>
   </p:cSld>
@@ -10385,12 +9166,18 @@
         </p:nvSpPr>
         <p:spPr/>
         <p:txBody>
-          <a:bodyPr/>
+          <a:bodyPr>
+            <a:normAutofit/>
+          </a:bodyPr>
           <a:lstStyle/>
           <a:p>
             <a:r>
+              <a:rPr lang="en-US" dirty="0"/>
+              <a:t>Machine </a:t>
+            </a:r>
+            <a:r>
               <a:rPr lang="en-US" dirty="0" smtClean="0"/>
-              <a:t>ISO 8601</a:t>
+              <a:t>and Human Timelines</a:t>
             </a:r>
             <a:endParaRPr lang="en-US" dirty="0"/>
           </a:p>
@@ -10409,95 +9196,139 @@
         <p:spPr/>
         <p:txBody>
           <a:bodyPr>
-            <a:noAutofit/>
+            <a:normAutofit lnSpcReduction="10000"/>
           </a:bodyPr>
           <a:lstStyle/>
           <a:p>
             <a:r>
-              <a:rPr lang="en-US" sz="3000" dirty="0"/>
-              <a:t>International standard for representation of dates and </a:t>
-            </a:r>
-            <a:r>
-              <a:rPr lang="en-US" sz="3000" dirty="0" smtClean="0"/>
-              <a:t>times</a:t>
-            </a:r>
-          </a:p>
-          <a:p>
-            <a:r>
-              <a:rPr lang="en-US" sz="3000" dirty="0" smtClean="0"/>
-              <a:t>Uses the Gregorian calendar system</a:t>
-            </a:r>
-          </a:p>
-          <a:p>
-            <a:r>
-              <a:rPr lang="en-US" sz="3000" dirty="0" smtClean="0"/>
-              <a:t>Ordered </a:t>
-            </a:r>
-            <a:r>
-              <a:rPr lang="en-US" sz="3000" dirty="0"/>
-              <a:t>from </a:t>
-            </a:r>
-            <a:r>
-              <a:rPr lang="en-US" sz="3000" dirty="0" smtClean="0"/>
-              <a:t>most </a:t>
-            </a:r>
-            <a:r>
-              <a:rPr lang="en-US" sz="3000" dirty="0"/>
-              <a:t>to </a:t>
-            </a:r>
-            <a:r>
-              <a:rPr lang="en-US" sz="3000" dirty="0" smtClean="0"/>
-              <a:t>least </a:t>
-            </a:r>
-            <a:r>
-              <a:rPr lang="en-US" sz="3000" dirty="0"/>
-              <a:t>significant: year, </a:t>
-            </a:r>
-            <a:r>
-              <a:rPr lang="en-US" sz="3000" dirty="0" smtClean="0"/>
-              <a:t>month, </a:t>
-            </a:r>
-            <a:r>
-              <a:rPr lang="en-US" sz="3000" dirty="0"/>
-              <a:t>day, hour, </a:t>
-            </a:r>
-            <a:r>
-              <a:rPr lang="en-US" sz="3000" dirty="0" smtClean="0"/>
-              <a:t>minute</a:t>
-            </a:r>
-          </a:p>
-          <a:p>
-            <a:r>
-              <a:rPr lang="en-US" sz="3000" dirty="0" smtClean="0"/>
-              <a:t>Each </a:t>
-            </a:r>
-            <a:r>
-              <a:rPr lang="en-US" sz="3000" dirty="0"/>
-              <a:t>date and time value has a fixed number of digits padded with leading </a:t>
-            </a:r>
-            <a:r>
-              <a:rPr lang="en-US" sz="3000" dirty="0" err="1"/>
-              <a:t>zeros</a:t>
-            </a:r>
-            <a:endParaRPr lang="en-US" sz="3000" dirty="0"/>
-          </a:p>
-          <a:p>
-            <a:r>
-              <a:rPr lang="en-US" sz="3000" dirty="0"/>
-              <a:t>Uses a minimum four-digit </a:t>
-            </a:r>
-            <a:r>
-              <a:rPr lang="en-US" sz="3000" dirty="0" smtClean="0"/>
-              <a:t>year, YYYY</a:t>
-            </a:r>
-            <a:endParaRPr lang="en-US" sz="3000" dirty="0"/>
+              <a:rPr lang="en-US" dirty="0" smtClean="0"/>
+              <a:t>Machines </a:t>
+            </a:r>
+            <a:r>
+              <a:rPr lang="en-US" dirty="0"/>
+              <a:t>have </a:t>
+            </a:r>
+            <a:r>
+              <a:rPr lang="en-US" b="1" dirty="0"/>
+              <a:t>one</a:t>
+            </a:r>
+            <a:r>
+              <a:rPr lang="en-US" dirty="0"/>
+              <a:t> </a:t>
+            </a:r>
+            <a:r>
+              <a:rPr lang="en-US" dirty="0" smtClean="0"/>
+              <a:t>view of time</a:t>
+            </a:r>
+          </a:p>
+          <a:p>
+            <a:pPr lvl="1"/>
+            <a:r>
+              <a:rPr lang="en-US" dirty="0"/>
+              <a:t>d</a:t>
+            </a:r>
+            <a:r>
+              <a:rPr lang="en-US" dirty="0" smtClean="0"/>
+              <a:t>iscrete points corresponding to the smallest measurement possible</a:t>
+            </a:r>
+            <a:endParaRPr lang="en-US" dirty="0"/>
+          </a:p>
+          <a:p>
+            <a:pPr lvl="1"/>
+            <a:r>
+              <a:rPr lang="en-US" dirty="0" smtClean="0"/>
+              <a:t>a </a:t>
+            </a:r>
+            <a:r>
+              <a:rPr lang="en-US" dirty="0"/>
+              <a:t>single, </a:t>
+            </a:r>
+            <a:r>
+              <a:rPr lang="en-US" dirty="0" smtClean="0"/>
+              <a:t>ever increasing </a:t>
+            </a:r>
+            <a:r>
+              <a:rPr lang="en-US" dirty="0"/>
+              <a:t>number</a:t>
+            </a:r>
+          </a:p>
+          <a:p>
+            <a:r>
+              <a:rPr lang="en-US" dirty="0"/>
+              <a:t>Humans have a </a:t>
+            </a:r>
+            <a:r>
+              <a:rPr lang="en-US" dirty="0" smtClean="0"/>
+              <a:t>different </a:t>
+            </a:r>
+            <a:r>
+              <a:rPr lang="en-US" dirty="0"/>
+              <a:t>view of time</a:t>
+            </a:r>
+          </a:p>
+          <a:p>
+            <a:pPr lvl="1"/>
+            <a:r>
+              <a:rPr lang="en-US" dirty="0"/>
+              <a:t>c</a:t>
+            </a:r>
+            <a:r>
+              <a:rPr lang="en-US" dirty="0" smtClean="0"/>
+              <a:t>ontinuous timelines</a:t>
+            </a:r>
+          </a:p>
+          <a:p>
+            <a:pPr lvl="1"/>
+            <a:r>
+              <a:rPr lang="en-US" dirty="0"/>
+              <a:t>c</a:t>
+            </a:r>
+            <a:r>
+              <a:rPr lang="en-US" dirty="0" smtClean="0"/>
+              <a:t>alendar </a:t>
+            </a:r>
+            <a:r>
+              <a:rPr lang="en-US" dirty="0"/>
+              <a:t>systems</a:t>
+            </a:r>
+          </a:p>
+          <a:p>
+            <a:pPr lvl="1"/>
+            <a:r>
+              <a:rPr lang="en-US" dirty="0"/>
+              <a:t>a</a:t>
+            </a:r>
+            <a:r>
+              <a:rPr lang="en-US" dirty="0" smtClean="0"/>
+              <a:t>rbitrary units like years</a:t>
+            </a:r>
+            <a:r>
+              <a:rPr lang="en-US" dirty="0"/>
+              <a:t>, months, days, </a:t>
+            </a:r>
+            <a:r>
+              <a:rPr lang="en-US" dirty="0" smtClean="0"/>
+              <a:t>hours</a:t>
+            </a:r>
+          </a:p>
+          <a:p>
+            <a:pPr lvl="1"/>
+            <a:r>
+              <a:rPr lang="en-US" dirty="0" smtClean="0"/>
+              <a:t>time </a:t>
+            </a:r>
+            <a:r>
+              <a:rPr lang="en-US" dirty="0" smtClean="0"/>
+              <a:t>zones, and daylight savings rules</a:t>
+            </a:r>
+            <a:endParaRPr lang="en-US" dirty="0"/>
           </a:p>
         </p:txBody>
       </p:sp>
     </p:spTree>
     <p:extLst>
       <p:ext uri="{BB962C8B-B14F-4D97-AF65-F5344CB8AC3E}">
-        <p14:creationId xmlns:p14="http://schemas.microsoft.com/office/powerpoint/2010/main" val="3802135309"/>
+        <p14:creationId xmlns:p14="http://schemas.microsoft.com/office/powerpoint/2010/main" val="1418419703"/>
       </p:ext>
     </p:extLst>
   </p:cSld>
@@ -10531,51 +9362,134 @@
           <a:chExt cx="0" cy="0"/>
         </a:xfrm>
       </p:grpSpPr>
-      <p:pic>
-        <p:nvPicPr>
-          <p:cNvPr id="1026" name="Picture 2" descr="ISO 8601"/>
-          <p:cNvPicPr>
-            <a:picLocks noChangeAspect="1" noChangeArrowheads="1"/>
-          </p:cNvPicPr>
-          <p:nvPr/>
-        </p:nvPicPr>
-        <p:blipFill>
-          <a:blip r:embed="rId2">
-            <a:extLst>
-              <a:ext uri="{28A0092B-C50C-407E-A947-70E740481C1C}">
-                <a14:useLocalDpi xmlns:a14="http://schemas.microsoft.com/office/drawing/2010/main" val="0"/>
-              </a:ext>
-            </a:extLst>
-          </a:blip>
-          <a:srcRect/>
-          <a:stretch>
-            <a:fillRect/>
-          </a:stretch>
-        </p:blipFill>
-        <p:spPr bwMode="auto">
-          <a:xfrm>
-            <a:off x="2209801" y="381000"/>
-            <a:ext cx="5130742" cy="5981505"/>
-          </a:xfrm>
-          <a:prstGeom prst="rect">
-            <a:avLst/>
-          </a:prstGeom>
-          <a:noFill/>
-          <a:extLst>
-            <a:ext uri="{909E8E84-426E-40DD-AFC4-6F175D3DCCD1}">
-              <a14:hiddenFill xmlns:a14="http://schemas.microsoft.com/office/drawing/2010/main">
-                <a:solidFill>
-                  <a:srgbClr val="FFFFFF"/>
-                </a:solidFill>
-              </a14:hiddenFill>
-            </a:ext>
-          </a:extLst>
-        </p:spPr>
-      </p:pic>
+      <p:sp>
+        <p:nvSpPr>
+          <p:cNvPr id="2" name="Title 1"/>
+          <p:cNvSpPr>
+            <a:spLocks noGrp="1"/>
+          </p:cNvSpPr>
+          <p:nvPr>
+            <p:ph type="title"/>
+          </p:nvPr>
+        </p:nvSpPr>
+        <p:spPr/>
+        <p:txBody>
+          <a:bodyPr/>
+          <a:lstStyle/>
+          <a:p>
+            <a:r>
+              <a:rPr lang="en-US" dirty="0" smtClean="0"/>
+              <a:t>Design Principles of the API</a:t>
+            </a:r>
+            <a:endParaRPr lang="en-US" dirty="0"/>
+          </a:p>
+        </p:txBody>
+      </p:sp>
+      <p:sp>
+        <p:nvSpPr>
+          <p:cNvPr id="3" name="Content Placeholder 2"/>
+          <p:cNvSpPr>
+            <a:spLocks noGrp="1"/>
+          </p:cNvSpPr>
+          <p:nvPr>
+            <p:ph idx="1"/>
+          </p:nvPr>
+        </p:nvSpPr>
+        <p:spPr/>
+        <p:txBody>
+          <a:bodyPr>
+            <a:noAutofit/>
+          </a:bodyPr>
+          <a:lstStyle/>
+          <a:p>
+            <a:r>
+              <a:rPr lang="en-US" sz="3000" dirty="0"/>
+              <a:t>Distinguishes between machine and human views </a:t>
+            </a:r>
+            <a:endParaRPr lang="en-US" sz="3000" dirty="0" smtClean="0"/>
+          </a:p>
+          <a:p>
+            <a:r>
+              <a:rPr lang="en-US" sz="3000" dirty="0" smtClean="0"/>
+              <a:t>Timeline </a:t>
+            </a:r>
+            <a:r>
+              <a:rPr lang="en-US" sz="3000" dirty="0"/>
+              <a:t>is </a:t>
+            </a:r>
+            <a:r>
+              <a:rPr lang="en-US" sz="3000" dirty="0" smtClean="0"/>
+              <a:t>a sequence </a:t>
+            </a:r>
+            <a:r>
+              <a:rPr lang="en-US" sz="3000" dirty="0"/>
+              <a:t>of instants</a:t>
+            </a:r>
+          </a:p>
+          <a:p>
+            <a:r>
+              <a:rPr lang="en-US" sz="3000" dirty="0" smtClean="0"/>
+              <a:t>Immutable, thread safe</a:t>
+            </a:r>
+            <a:endParaRPr lang="en-US" sz="3000" dirty="0"/>
+          </a:p>
+          <a:p>
+            <a:r>
+              <a:rPr lang="en-US" sz="3000" dirty="0"/>
+              <a:t>Fluent interface, methods can be </a:t>
+            </a:r>
+            <a:r>
+              <a:rPr lang="en-US" sz="3000" dirty="0" smtClean="0"/>
+              <a:t>chained</a:t>
+            </a:r>
+            <a:endParaRPr lang="en-US" sz="3000" dirty="0"/>
+          </a:p>
+          <a:p>
+            <a:r>
+              <a:rPr lang="en-US" sz="3000" dirty="0" smtClean="0"/>
+              <a:t>Well-defined </a:t>
+            </a:r>
+            <a:r>
+              <a:rPr lang="en-US" sz="3000" dirty="0"/>
+              <a:t>and clear about </a:t>
+            </a:r>
+            <a:r>
+              <a:rPr lang="en-US" sz="3000" dirty="0" smtClean="0"/>
+              <a:t>purpose</a:t>
+            </a:r>
+            <a:endParaRPr lang="en-US" sz="3000" dirty="0"/>
+          </a:p>
+          <a:p>
+            <a:r>
+              <a:rPr lang="en-US" sz="3000" dirty="0"/>
+              <a:t>Rejects null </a:t>
+            </a:r>
+            <a:r>
+              <a:rPr lang="en-US" sz="3000" dirty="0" smtClean="0"/>
+              <a:t>and bad arguments </a:t>
+            </a:r>
+            <a:r>
+              <a:rPr lang="en-US" sz="3000" dirty="0"/>
+              <a:t>early</a:t>
+            </a:r>
+          </a:p>
+          <a:p>
+            <a:r>
+              <a:rPr lang="en-US" sz="3000" dirty="0"/>
+              <a:t>Extensible, by use of </a:t>
+            </a:r>
+            <a:r>
+              <a:rPr lang="en-US" sz="3000" dirty="0" smtClean="0"/>
+              <a:t>strategy pattern</a:t>
+            </a:r>
+            <a:endParaRPr lang="en-US" sz="3000" dirty="0"/>
+          </a:p>
+        </p:txBody>
+      </p:sp>
     </p:spTree>
     <p:extLst>
       <p:ext uri="{BB962C8B-B14F-4D97-AF65-F5344CB8AC3E}">
-        <p14:creationId xmlns:p14="http://schemas.microsoft.com/office/powerpoint/2010/main" val="731888187"/>
+        <p14:creationId xmlns:p14="http://schemas.microsoft.com/office/powerpoint/2010/main" val="1338596923"/>
       </p:ext>
     </p:extLst>
   </p:cSld>
@@ -10621,18 +9535,12 @@
         </p:nvSpPr>
         <p:spPr/>
         <p:txBody>
-          <a:bodyPr>
-            <a:normAutofit/>
-          </a:bodyPr>
+          <a:bodyPr/>
           <a:lstStyle/>
           <a:p>
             <a:r>
-              <a:rPr lang="en-US" dirty="0"/>
-              <a:t>Machine </a:t>
-            </a:r>
-            <a:r>
               <a:rPr lang="en-US" dirty="0" smtClean="0"/>
-              <a:t>and Human Timelines</a:t>
+              <a:t>Instant</a:t>
             </a:r>
             <a:endParaRPr lang="en-US" dirty="0"/>
           </a:p>
@@ -10651,135 +9559,123 @@
         <p:spPr/>
         <p:txBody>
           <a:bodyPr>
-            <a:normAutofit lnSpcReduction="10000"/>
+            <a:normAutofit/>
           </a:bodyPr>
           <a:lstStyle/>
           <a:p>
             <a:r>
-              <a:rPr lang="en-US" dirty="0" smtClean="0"/>
-              <a:t>Machines </a:t>
-            </a:r>
-            <a:r>
-              <a:rPr lang="en-US" dirty="0"/>
-              <a:t>have </a:t>
-            </a:r>
-            <a:r>
-              <a:rPr lang="en-US" b="1" dirty="0"/>
-              <a:t>one</a:t>
-            </a:r>
-            <a:r>
-              <a:rPr lang="en-US" dirty="0"/>
+              <a:rPr lang="en-US" sz="3000" dirty="0" smtClean="0"/>
+              <a:t>Instantaneous </a:t>
+            </a:r>
+            <a:r>
+              <a:rPr lang="en-US" sz="3000" dirty="0"/>
+              <a:t>point on </a:t>
+            </a:r>
+            <a:r>
+              <a:rPr lang="en-US" sz="3000" dirty="0" smtClean="0"/>
+              <a:t>a discretized time-line</a:t>
+            </a:r>
+          </a:p>
+          <a:p>
+            <a:r>
+              <a:rPr lang="en-US" sz="3000" dirty="0" smtClean="0"/>
+              <a:t>Used for event </a:t>
+            </a:r>
+            <a:r>
+              <a:rPr lang="en-US" sz="3000" dirty="0"/>
+              <a:t>time-stamps in </a:t>
+            </a:r>
+            <a:r>
+              <a:rPr lang="en-US" sz="3000" dirty="0" smtClean="0"/>
+              <a:t>applications</a:t>
+            </a:r>
+          </a:p>
+          <a:p>
+            <a:r>
+              <a:rPr lang="en-US" sz="3000" dirty="0" smtClean="0"/>
+              <a:t>Stored </a:t>
+            </a:r>
+            <a:r>
+              <a:rPr lang="en-US" sz="3000" dirty="0"/>
+              <a:t>to nanosecond </a:t>
+            </a:r>
+            <a:r>
+              <a:rPr lang="en-US" sz="3000" dirty="0" smtClean="0"/>
+              <a:t>resolution</a:t>
+            </a:r>
+          </a:p>
+          <a:p>
+            <a:r>
+              <a:rPr lang="en-US" sz="3000" dirty="0" smtClean="0"/>
+              <a:t>Stores </a:t>
+            </a:r>
+            <a:r>
+              <a:rPr lang="en-US" sz="3000" dirty="0"/>
+              <a:t>a </a:t>
+            </a:r>
+            <a:r>
+              <a:rPr lang="en-US" sz="3000" dirty="0">
+                <a:cs typeface="Consolas" panose="020B0609020204030204" pitchFamily="49" charset="0"/>
+              </a:rPr>
+              <a:t>long</a:t>
+            </a:r>
+            <a:r>
+              <a:rPr lang="en-US" sz="3000" dirty="0"/>
               <a:t> </a:t>
             </a:r>
             <a:r>
-              <a:rPr lang="en-US" dirty="0" smtClean="0"/>
-              <a:t>view of time</a:t>
-            </a:r>
-          </a:p>
-          <a:p>
-            <a:pPr lvl="1"/>
-            <a:r>
-              <a:rPr lang="en-US" dirty="0"/>
-              <a:t>d</a:t>
-            </a:r>
-            <a:r>
-              <a:rPr lang="en-US" dirty="0" smtClean="0"/>
-              <a:t>iscrete points corresponding to the smallest measurement possible</a:t>
-            </a:r>
-            <a:endParaRPr lang="en-US" dirty="0"/>
-          </a:p>
-          <a:p>
-            <a:pPr lvl="1"/>
-            <a:r>
-              <a:rPr lang="en-US" dirty="0" smtClean="0"/>
-              <a:t>a </a:t>
-            </a:r>
-            <a:r>
-              <a:rPr lang="en-US" dirty="0"/>
-              <a:t>single, </a:t>
-            </a:r>
-            <a:r>
-              <a:rPr lang="en-US" dirty="0" smtClean="0"/>
-              <a:t>ever increasing </a:t>
-            </a:r>
-            <a:r>
-              <a:rPr lang="en-US" dirty="0"/>
-              <a:t>number</a:t>
-            </a:r>
-          </a:p>
-          <a:p>
-            <a:r>
-              <a:rPr lang="en-US" dirty="0"/>
-              <a:t>Humans have a </a:t>
-            </a:r>
-            <a:r>
-              <a:rPr lang="en-US" dirty="0" smtClean="0"/>
-              <a:t>different </a:t>
-            </a:r>
-            <a:r>
-              <a:rPr lang="en-US" dirty="0"/>
-              <a:t>view of time</a:t>
-            </a:r>
-          </a:p>
-          <a:p>
-            <a:pPr lvl="1"/>
-            <a:r>
-              <a:rPr lang="en-US" dirty="0"/>
-              <a:t>c</a:t>
-            </a:r>
-            <a:r>
-              <a:rPr lang="en-US" dirty="0" smtClean="0"/>
-              <a:t>ontinuous timelines</a:t>
-            </a:r>
-          </a:p>
-          <a:p>
-            <a:pPr lvl="1"/>
-            <a:r>
-              <a:rPr lang="en-US" dirty="0"/>
-              <a:t>c</a:t>
-            </a:r>
-            <a:r>
-              <a:rPr lang="en-US" dirty="0" smtClean="0"/>
-              <a:t>alendar </a:t>
-            </a:r>
-            <a:r>
-              <a:rPr lang="en-US" dirty="0"/>
-              <a:t>systems</a:t>
-            </a:r>
-          </a:p>
-          <a:p>
-            <a:pPr lvl="1"/>
-            <a:r>
-              <a:rPr lang="en-US" dirty="0"/>
-              <a:t>a</a:t>
-            </a:r>
-            <a:r>
-              <a:rPr lang="en-US" dirty="0" smtClean="0"/>
-              <a:t>rbitrary units like years</a:t>
-            </a:r>
-            <a:r>
-              <a:rPr lang="en-US" dirty="0"/>
-              <a:t>, months, days, </a:t>
-            </a:r>
-            <a:r>
-              <a:rPr lang="en-US" dirty="0" smtClean="0"/>
-              <a:t>hours</a:t>
-            </a:r>
-          </a:p>
-          <a:p>
-            <a:pPr lvl="1"/>
-            <a:r>
-              <a:rPr lang="en-US" dirty="0" smtClean="0"/>
-              <a:t>time zones</a:t>
-            </a:r>
-            <a:endParaRPr lang="en-US" dirty="0"/>
+              <a:rPr lang="en-US" sz="3000" dirty="0" smtClean="0"/>
+              <a:t>for epoch-seconds </a:t>
+            </a:r>
+            <a:r>
+              <a:rPr lang="en-US" sz="3000" dirty="0"/>
+              <a:t>and an </a:t>
+            </a:r>
+            <a:r>
+              <a:rPr lang="en-US" sz="3000" dirty="0" err="1">
+                <a:cs typeface="Consolas" panose="020B0609020204030204" pitchFamily="49" charset="0"/>
+              </a:rPr>
+              <a:t>int</a:t>
+            </a:r>
+            <a:r>
+              <a:rPr lang="en-US" sz="3000" dirty="0"/>
+              <a:t> </a:t>
+            </a:r>
+            <a:r>
+              <a:rPr lang="en-US" sz="3000" dirty="0" smtClean="0"/>
+              <a:t>for nanosecond-of-second</a:t>
+            </a:r>
+          </a:p>
+          <a:p>
+            <a:r>
+              <a:rPr lang="en-US" sz="3000" dirty="0" smtClean="0"/>
+              <a:t>Uses standard Java epoch, so </a:t>
+            </a:r>
+            <a:r>
+              <a:rPr lang="en-US" sz="3000" dirty="0"/>
+              <a:t>epoch-seconds </a:t>
+            </a:r>
+            <a:r>
+              <a:rPr lang="en-US" sz="3000" dirty="0" smtClean="0"/>
+              <a:t>can be negative</a:t>
+            </a:r>
+          </a:p>
+          <a:p>
+            <a:r>
+              <a:rPr lang="en-US" sz="3000" dirty="0" smtClean="0"/>
+              <a:t>Convert </a:t>
+            </a:r>
+            <a:r>
+              <a:rPr lang="en-US" sz="3000" dirty="0"/>
+              <a:t>to any date time field using a Chronology</a:t>
+            </a:r>
           </a:p>
         </p:txBody>
       </p:sp>
     </p:spTree>
     <p:extLst>
       <p:ext uri="{BB962C8B-B14F-4D97-AF65-F5344CB8AC3E}">
-        <p14:creationId xmlns:p14="http://schemas.microsoft.com/office/powerpoint/2010/main" val="1418419703"/>
+        <p14:creationId xmlns:p14="http://schemas.microsoft.com/office/powerpoint/2010/main" val="539299214"/>
       </p:ext>
     </p:extLst>
   </p:cSld>
@@ -10830,7 +9726,7 @@
           <a:p>
             <a:r>
               <a:rPr lang="en-US" dirty="0" smtClean="0"/>
-              <a:t>Design Principles of the API</a:t>
+              <a:t>Partial</a:t>
             </a:r>
             <a:endParaRPr lang="en-US" dirty="0"/>
           </a:p>
@@ -10849,89 +9745,81 @@
         <p:spPr/>
         <p:txBody>
           <a:bodyPr>
-            <a:noAutofit/>
+            <a:normAutofit/>
           </a:bodyPr>
           <a:lstStyle/>
           <a:p>
             <a:r>
+              <a:rPr lang="en-US" sz="3000" dirty="0" smtClean="0"/>
+              <a:t>An </a:t>
+            </a:r>
+            <a:r>
               <a:rPr lang="en-US" sz="3000" dirty="0"/>
-              <a:t>Distinguishes between machine and human views </a:t>
-            </a:r>
-            <a:endParaRPr lang="en-US" sz="3000" dirty="0" smtClean="0"/>
-          </a:p>
-          <a:p>
+              <a:t>indication of date or time </a:t>
+            </a:r>
             <a:r>
               <a:rPr lang="en-US" sz="3000" dirty="0" smtClean="0"/>
-              <a:t>Timeline </a:t>
+              <a:t>not sufficient </a:t>
             </a:r>
             <a:r>
               <a:rPr lang="en-US" sz="3000" dirty="0"/>
-              <a:t>is </a:t>
+              <a:t>to specify a specific, unique point on the </a:t>
             </a:r>
             <a:r>
               <a:rPr lang="en-US" sz="3000" dirty="0" smtClean="0"/>
-              <a:t>a sequence </a:t>
+              <a:t>timeline</a:t>
+            </a:r>
+          </a:p>
+          <a:p>
+            <a:r>
+              <a:rPr lang="en-US" sz="3000" dirty="0" smtClean="0"/>
+              <a:t>Definition uses fields such </a:t>
             </a:r>
             <a:r>
               <a:rPr lang="en-US" sz="3000" dirty="0"/>
-              <a:t>of instants</a:t>
-            </a:r>
-          </a:p>
-          <a:p>
+              <a:t>as year, month, day of month, and time of </a:t>
+            </a:r>
             <a:r>
               <a:rPr lang="en-US" sz="3000" dirty="0" smtClean="0"/>
-              <a:t>Immutable, thread safe</a:t>
-            </a:r>
-            <a:endParaRPr lang="en-US" sz="3000" dirty="0"/>
-          </a:p>
-          <a:p>
+              <a:t>day</a:t>
+            </a:r>
+          </a:p>
+          <a:p>
+            <a:r>
+              <a:rPr lang="en-US" sz="3000" dirty="0" smtClean="0"/>
+              <a:t>Commonly </a:t>
+            </a:r>
             <a:r>
               <a:rPr lang="en-US" sz="3000" dirty="0"/>
-              <a:t>Fluent interface, methods can be </a:t>
+              <a:t>used partials, </a:t>
             </a:r>
             <a:r>
               <a:rPr lang="en-US" sz="3000" dirty="0" smtClean="0"/>
-              <a:t>chained</a:t>
-            </a:r>
-            <a:endParaRPr lang="en-US" sz="3000" dirty="0"/>
-          </a:p>
-          <a:p>
+              <a:t>such as</a:t>
+            </a:r>
+            <a:r>
+              <a:rPr lang="en-US" sz="3000" dirty="0"/>
+              <a:t> </a:t>
+            </a:r>
+            <a:r>
+              <a:rPr lang="en-US" sz="3000" dirty="0" err="1" smtClean="0"/>
+              <a:t>MonthDay</a:t>
+            </a:r>
             <a:r>
               <a:rPr lang="en-US" sz="3000" dirty="0" smtClean="0"/>
-              <a:t>Well-defined </a:t>
+              <a:t>, </a:t>
+            </a:r>
+            <a:r>
+              <a:rPr lang="en-US" sz="3000" dirty="0" err="1" smtClean="0"/>
+              <a:t>YearMonth</a:t>
             </a:r>
             <a:r>
               <a:rPr lang="en-US" sz="3000" dirty="0"/>
-              <a:t>and clear about </a:t>
+              <a:t> </a:t>
             </a:r>
             <a:r>
               <a:rPr lang="en-US" sz="3000" dirty="0" smtClean="0"/>
-              <a:t>purpose</a:t>
-            </a:r>
-            <a:endParaRPr lang="en-US" sz="3000" dirty="0"/>
-          </a:p>
-          <a:p>
-            <a:r>
-              <a:rPr lang="en-US" sz="3000" dirty="0"/>
-              <a:t>Rejects null </a:t>
-            </a:r>
-            <a:r>
-              <a:rPr lang="en-US" sz="3000" dirty="0" smtClean="0"/>
-              <a:t>and bad arguments </a:t>
-            </a:r>
-            <a:r>
-              <a:rPr lang="en-US" sz="3000" dirty="0"/>
-              <a:t>early</a:t>
-            </a:r>
-          </a:p>
-          <a:p>
-            <a:r>
-              <a:rPr lang="en-US" sz="3000" dirty="0"/>
-              <a:t>Extensible, by use of </a:t>
-            </a:r>
-            <a:r>
-              <a:rPr lang="en-US" sz="3000" dirty="0" smtClean="0"/>
-              <a:t>strategy pattern</a:t>
+              <a:t>(card expiration?) are available </a:t>
             </a:r>
             <a:endParaRPr lang="en-US" sz="3000" dirty="0"/>
           </a:p>
@@ -10940,7 +9828,7 @@
     </p:spTree>
     <p:extLst>
       <p:ext uri="{BB962C8B-B14F-4D97-AF65-F5344CB8AC3E}">
-        <p14:creationId xmlns:p14="http://schemas.microsoft.com/office/powerpoint/2010/main" val="1338596923"/>
+        <p14:creationId xmlns:p14="http://schemas.microsoft.com/office/powerpoint/2010/main" val="436468171"/>
       </p:ext>
     </p:extLst>
   </p:cSld>
@@ -10991,7 +9879,7 @@
           <a:p>
             <a:r>
               <a:rPr lang="en-US" dirty="0" smtClean="0"/>
-              <a:t>Instant</a:t>
+              <a:t>Duration</a:t>
             </a:r>
             <a:endParaRPr lang="en-US" dirty="0"/>
           </a:p>
@@ -11016,109 +9904,71 @@
           <a:p>
             <a:r>
               <a:rPr lang="en-US" sz="3000" dirty="0" smtClean="0"/>
-              <a:t>Instantaneous </a:t>
+              <a:t>Precise </a:t>
             </a:r>
             <a:r>
               <a:rPr lang="en-US" sz="3000" dirty="0"/>
-              <a:t>point on </a:t>
+              <a:t>length of elapsed time, in </a:t>
             </a:r>
             <a:r>
               <a:rPr lang="en-US" sz="3000" dirty="0" smtClean="0"/>
-              <a:t>a discretized time-line</a:t>
-            </a:r>
-          </a:p>
-          <a:p>
+              <a:t>nanoseconds</a:t>
+            </a:r>
+          </a:p>
+          <a:p>
+            <a:r>
+              <a:rPr lang="en-US" sz="3000" dirty="0"/>
+              <a:t>D</a:t>
+            </a:r>
             <a:r>
               <a:rPr lang="en-US" sz="3000" dirty="0" smtClean="0"/>
-              <a:t>Used for event </a:t>
+              <a:t>oes </a:t>
             </a:r>
             <a:r>
               <a:rPr lang="en-US" sz="3000" dirty="0"/>
-              <a:t>time-stamps in </a:t>
+              <a:t>not use date-based constructs such as years, months, and </a:t>
             </a:r>
             <a:r>
               <a:rPr lang="en-US" sz="3000" dirty="0" smtClean="0"/>
-              <a:t>applications</a:t>
-            </a:r>
-          </a:p>
-          <a:p>
+              <a:t>days</a:t>
+            </a:r>
+          </a:p>
+          <a:p>
+            <a:r>
+              <a:rPr lang="en-US" sz="3000" dirty="0"/>
+              <a:t>C</a:t>
+            </a:r>
             <a:r>
               <a:rPr lang="en-US" sz="3000" dirty="0" smtClean="0"/>
-              <a:t>Stored </a:t>
+              <a:t>an be negative, </a:t>
             </a:r>
             <a:r>
               <a:rPr lang="en-US" sz="3000" dirty="0"/>
-              <a:t>to nanosecond </a:t>
+              <a:t>if </a:t>
             </a:r>
             <a:r>
               <a:rPr lang="en-US" sz="3000" dirty="0" smtClean="0"/>
-              <a:t>resolution</a:t>
-            </a:r>
-          </a:p>
-          <a:p>
+              <a:t>created </a:t>
+            </a:r>
+            <a:r>
+              <a:rPr lang="en-US" sz="3000" dirty="0"/>
+              <a:t>with </a:t>
+            </a:r>
             <a:r>
               <a:rPr lang="en-US" sz="3000" dirty="0" smtClean="0"/>
-              <a:t>Stores </a:t>
+              <a:t>end </a:t>
             </a:r>
             <a:r>
               <a:rPr lang="en-US" sz="3000" dirty="0"/>
-              <a:t>a </a:t>
-            </a:r>
-            <a:r>
-              <a:rPr lang="en-US" sz="3000" dirty="0">
-                <a:cs typeface="Consolas" panose="020B0609020204030204" pitchFamily="49" charset="0"/>
-              </a:rPr>
-              <a:t>long</a:t>
+              <a:t>point </a:t>
+            </a:r>
+            <a:r>
+              <a:rPr lang="en-US" sz="3000" dirty="0" smtClean="0"/>
+              <a:t>before start </a:t>
             </a:r>
             <a:r>
               <a:rPr lang="en-US" sz="3000" dirty="0"/>
-              <a:t> </a:t>
-            </a:r>
-            <a:r>
-              <a:rPr lang="en-US" sz="3000" dirty="0" smtClean="0"/>
-              <a:t>for epoch-seconds </a:t>
-            </a:r>
-            <a:r>
-              <a:rPr lang="en-US" sz="3000" dirty="0"/>
-              <a:t>and an </a:t>
-            </a:r>
-            <a:r>
-              <a:rPr lang="en-US" sz="3000" dirty="0" err="1">
-                <a:cs typeface="Consolas" panose="020B0609020204030204" pitchFamily="49" charset="0"/>
-              </a:rPr>
-              <a:t>int</a:t>
-            </a:r>
-            <a:r>
-              <a:rPr lang="en-US" sz="3000" dirty="0"/>
-              <a:t> </a:t>
-            </a:r>
-            <a:r>
-              <a:rPr lang="en-US" sz="3000" dirty="0" smtClean="0"/>
-              <a:t>for nanosecond-of-second</a:t>
-            </a:r>
-          </a:p>
-          <a:p>
-            <a:r>
-              <a:rPr lang="en-US" sz="3000" dirty="0" smtClean="0"/>
-              <a:t>Uses standard Java epoch, so </a:t>
-            </a:r>
-            <a:r>
-              <a:rPr lang="en-US" sz="3000" dirty="0"/>
-              <a:t>epoch-seconds </a:t>
-            </a:r>
-            <a:r>
-              <a:rPr lang="en-US" sz="3000" dirty="0" smtClean="0"/>
-              <a:t>can be negative</a:t>
-            </a:r>
-          </a:p>
-          <a:p>
-            <a:r>
-              <a:rPr lang="en-US" sz="3000" dirty="0" smtClean="0"/>
-              <a:t>Convert </a:t>
-            </a:r>
-            <a:r>
-              <a:rPr lang="en-US" sz="3000" dirty="0"/>
-              <a:t>to any date time field using a Chronology</a:t>
+              <a:t>point</a:t>
             </a:r>
           </a:p>
         </p:txBody>
@@ -11126,7 +9976,7 @@
     </p:spTree>
     <p:extLst>
       <p:ext uri="{BB962C8B-B14F-4D97-AF65-F5344CB8AC3E}">
-        <p14:creationId xmlns:p14="http://schemas.microsoft.com/office/powerpoint/2010/main" val="539299214"/>
+        <p14:creationId xmlns:p14="http://schemas.microsoft.com/office/powerpoint/2010/main" val="1780954791"/>
       </p:ext>
     </p:extLst>
   </p:cSld>
@@ -11177,7 +10027,7 @@
           <a:p>
             <a:r>
               <a:rPr lang="en-US" dirty="0" smtClean="0"/>
-              <a:t>Partial</a:t>
+              <a:t>Period</a:t>
             </a:r>
             <a:endParaRPr lang="en-US" dirty="0"/>
           </a:p>
@@ -11202,75 +10052,47 @@
           <a:p>
             <a:r>
               <a:rPr lang="en-US" sz="3000" dirty="0" smtClean="0"/>
-              <a:t>An </a:t>
+              <a:t>A length </a:t>
             </a:r>
             <a:r>
               <a:rPr lang="en-US" sz="3000" dirty="0"/>
-              <a:t>indication of date or time </a:t>
+              <a:t>of elapsed </a:t>
             </a:r>
             <a:r>
               <a:rPr lang="en-US" sz="3000" dirty="0" smtClean="0"/>
-              <a:t>not sufficient </a:t>
-            </a:r>
+              <a:t>time</a:t>
+            </a:r>
+          </a:p>
+          <a:p>
             <a:r>
               <a:rPr lang="en-US" sz="3000" dirty="0"/>
-              <a:t>to specify a specific, unique point on the </a:t>
+              <a:t>D</a:t>
             </a:r>
             <a:r>
               <a:rPr lang="en-US" sz="3000" dirty="0" smtClean="0"/>
-              <a:t>timeline</a:t>
-            </a:r>
-          </a:p>
-          <a:p>
+              <a:t>efined </a:t>
+            </a:r>
+            <a:r>
+              <a:rPr lang="en-US" sz="3000" dirty="0"/>
+              <a:t>using calendar </a:t>
+            </a:r>
             <a:r>
               <a:rPr lang="en-US" sz="3000" dirty="0" smtClean="0"/>
-              <a:t>Definition uses fields such </a:t>
+              <a:t>fields: years</a:t>
             </a:r>
             <a:r>
               <a:rPr lang="en-US" sz="3000" dirty="0"/>
-              <a:t>as year, month, day of month, and time of </a:t>
+              <a:t>, months, and </a:t>
             </a:r>
             <a:r>
               <a:rPr lang="en-US" sz="3000" dirty="0" smtClean="0"/>
-              <a:t>day</a:t>
+              <a:t>days (not minutes and seconds)</a:t>
             </a:r>
           </a:p>
           <a:p>
             <a:r>
               <a:rPr lang="en-US" sz="3000" dirty="0" smtClean="0"/>
-              <a:t>Commonly </a:t>
-            </a:r>
-            <a:r>
-              <a:rPr lang="en-US" sz="3000" dirty="0"/>
-              <a:t>used partials, </a:t>
-            </a:r>
-            <a:r>
-              <a:rPr lang="en-US" sz="3000" dirty="0" smtClean="0"/>
-              <a:t>such as</a:t>
-            </a:r>
-            <a:r>
-              <a:rPr lang="en-US" sz="3000" dirty="0"/>
-              <a:t> </a:t>
-            </a:r>
-            <a:r>
-              <a:rPr lang="en-US" sz="3000" dirty="0" err="1" smtClean="0"/>
-              <a:t>MonthDay</a:t>
-            </a:r>
-            <a:r>
-              <a:rPr lang="en-US" sz="3000" dirty="0" smtClean="0"/>
-              <a:t>, </a:t>
-            </a:r>
-            <a:r>
-              <a:rPr lang="en-US" sz="3000" dirty="0" err="1" smtClean="0"/>
-              <a:t>YearMonth</a:t>
-            </a:r>
-            <a:r>
-              <a:rPr lang="en-US" sz="3000" dirty="0"/>
-              <a:t> </a:t>
-            </a:r>
-            <a:r>
-              <a:rPr lang="en-US" sz="3000" dirty="0" smtClean="0"/>
-              <a:t>(card expiration?) are available </a:t>
+              <a:t>Takes time zones into account for calculation</a:t>
             </a:r>
             <a:endParaRPr lang="en-US" sz="3000" dirty="0"/>
           </a:p>
@@ -11279,7 +10101,7 @@
     </p:spTree>
     <p:extLst>
       <p:ext uri="{BB962C8B-B14F-4D97-AF65-F5344CB8AC3E}">
-        <p14:creationId xmlns:p14="http://schemas.microsoft.com/office/powerpoint/2010/main" val="436468171"/>
+        <p14:creationId xmlns:p14="http://schemas.microsoft.com/office/powerpoint/2010/main" val="3581493298"/>
       </p:ext>
     </p:extLst>
   </p:cSld>
@@ -11330,7 +10152,7 @@
           <a:p>
             <a:r>
               <a:rPr lang="en-US" dirty="0" smtClean="0"/>
-              <a:t>Duration</a:t>
+              <a:t>Clock</a:t>
             </a:r>
             <a:endParaRPr lang="en-US" dirty="0"/>
           </a:p>
@@ -11346,80 +10168,270 @@
             <p:ph idx="1"/>
           </p:nvPr>
         </p:nvSpPr>
-        <p:spPr/>
+        <p:spPr>
+          <a:xfrm>
+            <a:off x="457200" y="1600200"/>
+            <a:ext cx="8229600" cy="2514599"/>
+          </a:xfrm>
+        </p:spPr>
         <p:txBody>
           <a:bodyPr>
-            <a:normAutofit/>
+            <a:normAutofit lnSpcReduction="10000"/>
           </a:bodyPr>
           <a:lstStyle/>
           <a:p>
             <a:r>
+              <a:rPr lang="en-US" sz="3000" dirty="0"/>
+              <a:t>Gets the current instant using a time-zone </a:t>
+            </a:r>
+          </a:p>
+          <a:p>
+            <a:r>
               <a:rPr lang="en-US" sz="3000" dirty="0" smtClean="0"/>
-              <a:t>Precise </a:t>
+              <a:t>Use instead </a:t>
             </a:r>
             <a:r>
               <a:rPr lang="en-US" sz="3000" dirty="0"/>
-              <a:t>length of elapsed time, in </a:t>
-            </a:r>
+              <a:t>of </a:t>
+            </a:r>
+            <a:r>
+              <a:rPr lang="en-US" sz="3000" dirty="0" err="1">
+                <a:latin typeface="Consolas" panose="020B0609020204030204" pitchFamily="49" charset="0"/>
+                <a:cs typeface="Consolas" panose="020B0609020204030204" pitchFamily="49" charset="0"/>
+              </a:rPr>
+              <a:t>System.currentTimeMillis</a:t>
+            </a:r>
+            <a:r>
+              <a:rPr lang="en-US" sz="3000" dirty="0" smtClean="0">
+                <a:latin typeface="Consolas" panose="020B0609020204030204" pitchFamily="49" charset="0"/>
+                <a:cs typeface="Consolas" panose="020B0609020204030204" pitchFamily="49" charset="0"/>
+              </a:rPr>
+              <a:t>() </a:t>
+            </a:r>
+          </a:p>
+          <a:p>
             <a:r>
               <a:rPr lang="en-US" sz="3000" dirty="0" smtClean="0"/>
-              <a:t>nanoseconds</a:t>
-            </a:r>
-          </a:p>
-          <a:p>
-            <a:r>
-              <a:rPr lang="en-US" sz="3000" dirty="0"/>
-              <a:t>D</a:t>
-            </a:r>
-            <a:r>
-              <a:rPr lang="en-US" sz="3000" dirty="0" smtClean="0"/>
-              <a:t>oes </a:t>
-            </a:r>
-            <a:r>
-              <a:rPr lang="en-US" sz="3000" dirty="0"/>
-              <a:t>not use date-based constructs such as years, months, and </a:t>
-            </a:r>
-            <a:r>
-              <a:rPr lang="en-US" sz="3000" dirty="0" smtClean="0"/>
-              <a:t>days</a:t>
-            </a:r>
-          </a:p>
-          <a:p>
-            <a:r>
-              <a:rPr lang="en-US" sz="3000" dirty="0"/>
-              <a:t>C</a:t>
-            </a:r>
-            <a:r>
-              <a:rPr lang="en-US" sz="3000" dirty="0" smtClean="0"/>
-              <a:t>an be negative, </a:t>
-            </a:r>
-            <a:r>
-              <a:rPr lang="en-US" sz="3000" dirty="0"/>
-              <a:t>if </a:t>
-            </a:r>
-            <a:r>
-              <a:rPr lang="en-US" sz="3000" dirty="0" smtClean="0"/>
-              <a:t>created </a:t>
-            </a:r>
-            <a:r>
-              <a:rPr lang="en-US" sz="3000" dirty="0"/>
-              <a:t>with </a:t>
-            </a:r>
-            <a:r>
-              <a:rPr lang="en-US" sz="3000" dirty="0" smtClean="0"/>
-              <a:t>end </a:t>
-            </a:r>
-            <a:r>
-              <a:rPr lang="en-US" sz="3000" dirty="0"/>
-              <a:t>point </a:t>
-            </a:r>
-            <a:r>
-              <a:rPr lang="en-US" sz="3000" dirty="0" smtClean="0"/>
-              <a:t>before start </a:t>
-            </a:r>
-            <a:r>
-              <a:rPr lang="en-US" sz="3000" dirty="0"/>
-              <a:t>point</a:t>
+              <a:t>Use alternate clock for testing</a:t>
+            </a:r>
+            <a:r>
+              <a:rPr lang="en-US" sz="3000" dirty="0" smtClean="0">
+                <a:latin typeface="Consolas" panose="020B0609020204030204" pitchFamily="49" charset="0"/>
+                <a:cs typeface="Consolas" panose="020B0609020204030204" pitchFamily="49" charset="0"/>
+              </a:rPr>
+              <a:t/>
+            </a:r>
+            <a:br>
+              <a:rPr lang="en-US" sz="3000" dirty="0" smtClean="0">
+                <a:latin typeface="Consolas" panose="020B0609020204030204" pitchFamily="49" charset="0"/>
+                <a:cs typeface="Consolas" panose="020B0609020204030204" pitchFamily="49" charset="0"/>
+              </a:rPr>
+            </a:br>
+            <a:endParaRPr lang="en-US" sz="3000" dirty="0">
+              <a:latin typeface="Consolas" panose="020B0609020204030204" pitchFamily="49" charset="0"/>
+              <a:cs typeface="Consolas" panose="020B0609020204030204" pitchFamily="49" charset="0"/>
+            </a:endParaRPr>
+          </a:p>
+        </p:txBody>
+      </p:sp>
+      <p:sp>
+        <p:nvSpPr>
+          <p:cNvPr id="4" name="Rectangle 3"/>
+          <p:cNvSpPr/>
+          <p:nvPr/>
+        </p:nvSpPr>
+        <p:spPr>
+          <a:xfrm>
+            <a:off x="457200" y="4267200"/>
+            <a:ext cx="8153400" cy="2308324"/>
+          </a:xfrm>
+          <a:prstGeom prst="rect">
+            <a:avLst/>
+          </a:prstGeom>
+          <a:solidFill>
+            <a:schemeClr val="bg2"/>
+          </a:solidFill>
+        </p:spPr>
+        <p:txBody>
+          <a:bodyPr wrap="square">
+            <a:spAutoFit/>
+          </a:bodyPr>
+          <a:lstStyle/>
+          <a:p>
+            <a:r>
+              <a:rPr lang="en-US" dirty="0">
+                <a:latin typeface="Consolas" panose="020B0609020204030204" pitchFamily="49" charset="0"/>
+                <a:cs typeface="Consolas" panose="020B0609020204030204" pitchFamily="49" charset="0"/>
+              </a:rPr>
+              <a:t>public class </a:t>
+            </a:r>
+            <a:r>
+              <a:rPr lang="en-US" dirty="0" err="1" smtClean="0">
+                <a:latin typeface="Consolas" panose="020B0609020204030204" pitchFamily="49" charset="0"/>
+                <a:cs typeface="Consolas" panose="020B0609020204030204" pitchFamily="49" charset="0"/>
+              </a:rPr>
+              <a:t>SomeBean</a:t>
+            </a:r>
+            <a:r>
+              <a:rPr lang="en-US" dirty="0" smtClean="0">
+                <a:latin typeface="Consolas" panose="020B0609020204030204" pitchFamily="49" charset="0"/>
+                <a:cs typeface="Consolas" panose="020B0609020204030204" pitchFamily="49" charset="0"/>
+              </a:rPr>
+              <a:t> </a:t>
+            </a:r>
+            <a:r>
+              <a:rPr lang="en-US" dirty="0">
+                <a:latin typeface="Consolas" panose="020B0609020204030204" pitchFamily="49" charset="0"/>
+                <a:cs typeface="Consolas" panose="020B0609020204030204" pitchFamily="49" charset="0"/>
+              </a:rPr>
+              <a:t>{</a:t>
+            </a:r>
+          </a:p>
+          <a:p>
+            <a:r>
+              <a:rPr lang="en-US" dirty="0">
+                <a:latin typeface="Consolas" panose="020B0609020204030204" pitchFamily="49" charset="0"/>
+                <a:cs typeface="Consolas" panose="020B0609020204030204" pitchFamily="49" charset="0"/>
+              </a:rPr>
+              <a:t>  @Inject private Clock </a:t>
+            </a:r>
+            <a:r>
+              <a:rPr lang="en-US" dirty="0" err="1">
+                <a:latin typeface="Consolas" panose="020B0609020204030204" pitchFamily="49" charset="0"/>
+                <a:cs typeface="Consolas" panose="020B0609020204030204" pitchFamily="49" charset="0"/>
+              </a:rPr>
+              <a:t>clock</a:t>
+            </a:r>
+            <a:r>
+              <a:rPr lang="en-US" dirty="0">
+                <a:latin typeface="Consolas" panose="020B0609020204030204" pitchFamily="49" charset="0"/>
+                <a:cs typeface="Consolas" panose="020B0609020204030204" pitchFamily="49" charset="0"/>
+              </a:rPr>
+              <a:t>;</a:t>
+            </a:r>
+          </a:p>
+          <a:p>
+            <a:r>
+              <a:rPr lang="en-US" dirty="0">
+                <a:latin typeface="Consolas" panose="020B0609020204030204" pitchFamily="49" charset="0"/>
+                <a:cs typeface="Consolas" panose="020B0609020204030204" pitchFamily="49" charset="0"/>
+              </a:rPr>
+              <a:t>  public void process(</a:t>
+            </a:r>
+            <a:r>
+              <a:rPr lang="en-US" dirty="0" err="1">
+                <a:latin typeface="Consolas" panose="020B0609020204030204" pitchFamily="49" charset="0"/>
+                <a:cs typeface="Consolas" panose="020B0609020204030204" pitchFamily="49" charset="0"/>
+              </a:rPr>
+              <a:t>LocalDate</a:t>
+            </a:r>
+            <a:r>
+              <a:rPr lang="en-US" dirty="0">
+                <a:latin typeface="Consolas" panose="020B0609020204030204" pitchFamily="49" charset="0"/>
+                <a:cs typeface="Consolas" panose="020B0609020204030204" pitchFamily="49" charset="0"/>
+              </a:rPr>
+              <a:t> </a:t>
+            </a:r>
+            <a:r>
+              <a:rPr lang="en-US" dirty="0" smtClean="0">
+                <a:latin typeface="Consolas" panose="020B0609020204030204" pitchFamily="49" charset="0"/>
+                <a:cs typeface="Consolas" panose="020B0609020204030204" pitchFamily="49" charset="0"/>
+              </a:rPr>
+              <a:t>date</a:t>
+            </a:r>
+            <a:r>
+              <a:rPr lang="en-US" dirty="0">
+                <a:latin typeface="Consolas" panose="020B0609020204030204" pitchFamily="49" charset="0"/>
+                <a:cs typeface="Consolas" panose="020B0609020204030204" pitchFamily="49" charset="0"/>
+              </a:rPr>
+              <a:t>) {</a:t>
+            </a:r>
+          </a:p>
+          <a:p>
+            <a:r>
+              <a:rPr lang="en-US" dirty="0">
+                <a:latin typeface="Consolas" panose="020B0609020204030204" pitchFamily="49" charset="0"/>
+                <a:cs typeface="Consolas" panose="020B0609020204030204" pitchFamily="49" charset="0"/>
+              </a:rPr>
+              <a:t>    if </a:t>
+            </a:r>
+            <a:r>
+              <a:rPr lang="en-US" dirty="0" smtClean="0">
+                <a:latin typeface="Consolas" panose="020B0609020204030204" pitchFamily="49" charset="0"/>
+                <a:cs typeface="Consolas" panose="020B0609020204030204" pitchFamily="49" charset="0"/>
+              </a:rPr>
+              <a:t>(</a:t>
+            </a:r>
+            <a:r>
+              <a:rPr lang="en-US" dirty="0" err="1" smtClean="0">
+                <a:latin typeface="Consolas" panose="020B0609020204030204" pitchFamily="49" charset="0"/>
+                <a:cs typeface="Consolas" panose="020B0609020204030204" pitchFamily="49" charset="0"/>
+              </a:rPr>
+              <a:t>date.isBefore</a:t>
+            </a:r>
+            <a:r>
+              <a:rPr lang="en-US" dirty="0" smtClean="0">
+                <a:latin typeface="Consolas" panose="020B0609020204030204" pitchFamily="49" charset="0"/>
+                <a:cs typeface="Consolas" panose="020B0609020204030204" pitchFamily="49" charset="0"/>
+              </a:rPr>
+              <a:t>(</a:t>
+            </a:r>
+            <a:r>
+              <a:rPr lang="en-US" dirty="0" err="1" smtClean="0">
+                <a:latin typeface="Consolas" panose="020B0609020204030204" pitchFamily="49" charset="0"/>
+                <a:cs typeface="Consolas" panose="020B0609020204030204" pitchFamily="49" charset="0"/>
+              </a:rPr>
+              <a:t>LocalDate.now</a:t>
+            </a:r>
+            <a:r>
+              <a:rPr lang="en-US" dirty="0" smtClean="0">
+                <a:latin typeface="Consolas" panose="020B0609020204030204" pitchFamily="49" charset="0"/>
+                <a:cs typeface="Consolas" panose="020B0609020204030204" pitchFamily="49" charset="0"/>
+              </a:rPr>
+              <a:t>(clock</a:t>
+            </a:r>
+            <a:r>
+              <a:rPr lang="en-US" dirty="0">
+                <a:latin typeface="Consolas" panose="020B0609020204030204" pitchFamily="49" charset="0"/>
+                <a:cs typeface="Consolas" panose="020B0609020204030204" pitchFamily="49" charset="0"/>
+              </a:rPr>
+              <a:t>)) {</a:t>
+            </a:r>
+          </a:p>
+          <a:p>
+            <a:r>
+              <a:rPr lang="en-US" dirty="0">
+                <a:latin typeface="Consolas" panose="020B0609020204030204" pitchFamily="49" charset="0"/>
+                <a:cs typeface="Consolas" panose="020B0609020204030204" pitchFamily="49" charset="0"/>
+              </a:rPr>
+              <a:t>      ...</a:t>
+            </a:r>
+          </a:p>
+          <a:p>
+            <a:r>
+              <a:rPr lang="en-US" dirty="0">
+                <a:latin typeface="Consolas" panose="020B0609020204030204" pitchFamily="49" charset="0"/>
+                <a:cs typeface="Consolas" panose="020B0609020204030204" pitchFamily="49" charset="0"/>
+              </a:rPr>
+              <a:t>    }</a:t>
+            </a:r>
+          </a:p>
+          <a:p>
+            <a:r>
+              <a:rPr lang="en-US" dirty="0">
+                <a:latin typeface="Consolas" panose="020B0609020204030204" pitchFamily="49" charset="0"/>
+                <a:cs typeface="Consolas" panose="020B0609020204030204" pitchFamily="49" charset="0"/>
+              </a:rPr>
+              <a:t>  }</a:t>
+            </a:r>
+          </a:p>
+          <a:p>
+            <a:r>
+              <a:rPr lang="en-US" dirty="0">
+                <a:latin typeface="Consolas" panose="020B0609020204030204" pitchFamily="49" charset="0"/>
+                <a:cs typeface="Consolas" panose="020B0609020204030204" pitchFamily="49" charset="0"/>
+              </a:rPr>
+              <a:t>}</a:t>
             </a:r>
           </a:p>
         </p:txBody>
@@ -11427,7 +10439,7 @@
     </p:spTree>
     <p:extLst>
       <p:ext uri="{BB962C8B-B14F-4D97-AF65-F5344CB8AC3E}">
-        <p14:creationId xmlns:p14="http://schemas.microsoft.com/office/powerpoint/2010/main" val="1780954791"/>
+        <p14:creationId xmlns:p14="http://schemas.microsoft.com/office/powerpoint/2010/main" val="2066102692"/>
       </p:ext>
     </p:extLst>
   </p:cSld>
@@ -11477,10 +10489,9 @@
           <a:lstStyle/>
           <a:p>
             <a:r>
-              <a:rPr lang="en-US" dirty="0" smtClean="0"/>
-              <a:t>Period</a:t>
-            </a:r>
-            <a:endParaRPr lang="en-US" dirty="0"/>
+              <a:rPr lang="en-US" dirty="0"/>
+              <a:t>Chronology</a:t>
+            </a:r>
           </a:p>
         </p:txBody>
       </p:sp>
@@ -11502,57 +10513,116 @@
           <a:lstStyle/>
           <a:p>
             <a:r>
-              <a:rPr lang="en-US" sz="3000" dirty="0" smtClean="0"/>
-              <a:t>A length </a:t>
-            </a:r>
-            <a:r>
-              <a:rPr lang="en-US" sz="3000" dirty="0"/>
-              <a:t>of elapsed </a:t>
-            </a:r>
-            <a:r>
-              <a:rPr lang="en-US" sz="3000" dirty="0" smtClean="0"/>
-              <a:t>time</a:t>
-            </a:r>
-          </a:p>
-          <a:p>
-            <a:r>
-              <a:rPr lang="en-US" sz="3000" dirty="0"/>
-              <a:t>D</a:t>
-            </a:r>
-            <a:r>
-              <a:rPr lang="en-US" sz="3000" dirty="0" smtClean="0"/>
-              <a:t>efined </a:t>
-            </a:r>
-            <a:r>
-              <a:rPr lang="en-US" sz="3000" dirty="0"/>
-              <a:t>using calendar </a:t>
-            </a:r>
-            <a:r>
-              <a:rPr lang="en-US" sz="3000" dirty="0" smtClean="0"/>
-              <a:t>fields: years</a:t>
-            </a:r>
-            <a:r>
-              <a:rPr lang="en-US" sz="3000" dirty="0"/>
-              <a:t>, months, and </a:t>
-            </a:r>
-            <a:r>
-              <a:rPr lang="en-US" sz="3000" dirty="0" smtClean="0"/>
-              <a:t>days (not minutes and seconds)</a:t>
-            </a:r>
-          </a:p>
-          <a:p>
-            <a:r>
-              <a:rPr lang="en-US" sz="3000" dirty="0" smtClean="0"/>
-              <a:t>Takes time zones into account for calculation</a:t>
-            </a:r>
-            <a:endParaRPr lang="en-US" sz="3000" dirty="0"/>
+              <a:rPr lang="en-US" dirty="0" smtClean="0"/>
+              <a:t>Pluggable </a:t>
+            </a:r>
+            <a:r>
+              <a:rPr lang="en-US" dirty="0"/>
+              <a:t>calendar system</a:t>
+            </a:r>
+          </a:p>
+          <a:p>
+            <a:r>
+              <a:rPr lang="en-US" dirty="0"/>
+              <a:t>P</a:t>
+            </a:r>
+            <a:r>
+              <a:rPr lang="en-US" dirty="0" smtClean="0"/>
+              <a:t>rovides </a:t>
+            </a:r>
+            <a:r>
+              <a:rPr lang="en-US" dirty="0"/>
+              <a:t>access to </a:t>
+            </a:r>
+            <a:r>
+              <a:rPr lang="en-US" dirty="0" smtClean="0"/>
+              <a:t>date and time fields</a:t>
+            </a:r>
+          </a:p>
+          <a:p>
+            <a:r>
+              <a:rPr lang="en-US" dirty="0" smtClean="0"/>
+              <a:t>Built-in</a:t>
+            </a:r>
+            <a:endParaRPr lang="en-US" dirty="0"/>
+          </a:p>
+          <a:p>
+            <a:pPr lvl="1"/>
+            <a:r>
+              <a:rPr lang="en-US" dirty="0"/>
+              <a:t>ISO8601 </a:t>
+            </a:r>
+            <a:r>
+              <a:rPr lang="en-US" dirty="0" smtClean="0"/>
+              <a:t>(default): </a:t>
+            </a:r>
+            <a:r>
+              <a:rPr lang="en-US" dirty="0" err="1" smtClean="0"/>
+              <a:t>IsoChronology</a:t>
+            </a:r>
+            <a:endParaRPr lang="en-US" dirty="0"/>
+          </a:p>
+          <a:p>
+            <a:pPr lvl="1"/>
+            <a:r>
+              <a:rPr lang="en-US" dirty="0" smtClean="0"/>
+              <a:t>Chinese: </a:t>
+            </a:r>
+            <a:r>
+              <a:rPr lang="en-US" dirty="0" err="1" smtClean="0"/>
+              <a:t>MinguoChronology</a:t>
+            </a:r>
+            <a:endParaRPr lang="en-US" dirty="0"/>
+          </a:p>
+          <a:p>
+            <a:pPr lvl="1"/>
+            <a:r>
+              <a:rPr lang="en-US" dirty="0" smtClean="0"/>
+              <a:t>Japanese: </a:t>
+            </a:r>
+            <a:r>
+              <a:rPr lang="en-US" dirty="0" err="1"/>
+              <a:t>JapaneseChronology</a:t>
+            </a:r>
+            <a:endParaRPr lang="en-US" dirty="0"/>
+          </a:p>
+          <a:p>
+            <a:pPr lvl="1"/>
+            <a:r>
+              <a:rPr lang="en-US" dirty="0"/>
+              <a:t>Thai </a:t>
+            </a:r>
+            <a:r>
+              <a:rPr lang="en-US" dirty="0" smtClean="0"/>
+              <a:t>Buddhist: </a:t>
+            </a:r>
+            <a:r>
+              <a:rPr lang="en-US" dirty="0" err="1" smtClean="0"/>
+              <a:t>ThaiBuddhistChronology</a:t>
+            </a:r>
+            <a:endParaRPr lang="en-US" dirty="0"/>
+          </a:p>
+          <a:p>
+            <a:pPr lvl="1"/>
+            <a:r>
+              <a:rPr lang="en-US" dirty="0" smtClean="0"/>
+              <a:t>Islamic: </a:t>
+            </a:r>
+            <a:r>
+              <a:rPr lang="en-US" dirty="0" err="1" smtClean="0"/>
+              <a:t>HijrahChronology</a:t>
+            </a:r>
+            <a:endParaRPr lang="en-US" dirty="0"/>
+          </a:p>
+          <a:p>
+            <a:endParaRPr lang="en-US" dirty="0"/>
           </a:p>
         </p:txBody>
       </p:sp>
     </p:spTree>
     <p:extLst>
       <p:ext uri="{BB962C8B-B14F-4D97-AF65-F5344CB8AC3E}">
-        <p14:creationId xmlns:p14="http://schemas.microsoft.com/office/powerpoint/2010/main" val="3581493298"/>
+        <p14:creationId xmlns:p14="http://schemas.microsoft.com/office/powerpoint/2010/main" val="1965216396"/>
       </p:ext>
     </p:extLst>
   </p:cSld>
@@ -11603,7 +10673,7 @@
           <a:p>
             <a:r>
               <a:rPr lang="en-US" dirty="0" smtClean="0"/>
-              <a:t>Clock</a:t>
+              <a:t>Time Zone</a:t>
             </a:r>
             <a:endParaRPr lang="en-US" dirty="0"/>
           </a:p>
@@ -11619,278 +10689,77 @@
             <p:ph idx="1"/>
           </p:nvPr>
         </p:nvSpPr>
-        <p:spPr>
-          <a:xfrm>
-            <a:off x="457200" y="1600200"/>
-            <a:ext cx="8229600" cy="2514599"/>
-          </a:xfrm>
-        </p:spPr>
+        <p:spPr/>
         <p:txBody>
           <a:bodyPr>
-            <a:normAutofit lnSpcReduction="10000"/>
+            <a:normAutofit fontScale="92500" lnSpcReduction="10000"/>
           </a:bodyPr>
           <a:lstStyle/>
           <a:p>
             <a:r>
-              <a:rPr lang="en-US" sz="3000" dirty="0"/>
-              <a:t>Gets the current instant using a time-zone </a:t>
-            </a:r>
-          </a:p>
-          <a:p>
-            <a:r>
-              <a:rPr lang="en-US" sz="3000" dirty="0" smtClean="0"/>
-              <a:t>Use instead </a:t>
-            </a:r>
-            <a:r>
-              <a:rPr lang="en-US" sz="3000" dirty="0"/>
-              <a:t>of </a:t>
-            </a:r>
-            <a:r>
-              <a:rPr lang="en-US" sz="3000" dirty="0" err="1">
-                <a:latin typeface="Consolas" panose="020B0609020204030204" pitchFamily="49" charset="0"/>
-                <a:cs typeface="Consolas" panose="020B0609020204030204" pitchFamily="49" charset="0"/>
-              </a:rPr>
-              <a:t>System.currentTimeMillis</a:t>
-            </a:r>
-            <a:r>
-              <a:rPr lang="en-US" sz="3000" dirty="0" smtClean="0">
-                <a:latin typeface="Consolas" panose="020B0609020204030204" pitchFamily="49" charset="0"/>
-                <a:cs typeface="Consolas" panose="020B0609020204030204" pitchFamily="49" charset="0"/>
-              </a:rPr>
-              <a:t>() </a:t>
-            </a:r>
-          </a:p>
-          <a:p>
-            <a:r>
-              <a:rPr lang="en-US" sz="3000" dirty="0" smtClean="0"/>
-              <a:t>Use alternate clock for testing</a:t>
-            </a:r>
-            <a:r>
-              <a:rPr lang="en-US" sz="3000" dirty="0" smtClean="0">
-                <a:latin typeface="Consolas" panose="020B0609020204030204" pitchFamily="49" charset="0"/>
-                <a:cs typeface="Consolas" panose="020B0609020204030204" pitchFamily="49" charset="0"/>
-              </a:rPr>
-              <a:t/>
-            </a:r>
-            <a:br>
-              <a:rPr lang="en-US" sz="3000" dirty="0" smtClean="0">
-                <a:latin typeface="Consolas" panose="020B0609020204030204" pitchFamily="49" charset="0"/>
-                <a:cs typeface="Consolas" panose="020B0609020204030204" pitchFamily="49" charset="0"/>
-              </a:rPr>
-            </a:br>
-            <a:endParaRPr lang="en-US" sz="3000" dirty="0">
-              <a:latin typeface="Consolas" panose="020B0609020204030204" pitchFamily="49" charset="0"/>
-              <a:cs typeface="Consolas" panose="020B0609020204030204" pitchFamily="49" charset="0"/>
-            </a:endParaRPr>
-          </a:p>
-        </p:txBody>
-      </p:sp>
-      <p:sp>
-        <p:nvSpPr>
-          <p:cNvPr id="4" name="Rectangle 3"/>
-          <p:cNvSpPr/>
-          <p:nvPr/>
-        </p:nvSpPr>
-        <p:spPr>
-          <a:xfrm>
-            <a:off x="457200" y="4267200"/>
-            <a:ext cx="8153400" cy="2308324"/>
-          </a:xfrm>
-          <a:prstGeom prst="rect">
-            <a:avLst/>
-          </a:prstGeom>
-          <a:solidFill>
-            <a:schemeClr val="bg2"/>
-          </a:solidFill>
-        </p:spPr>
-        <p:txBody>
-          <a:bodyPr wrap="square">
-            <a:spAutoFit/>
-          </a:bodyPr>
-          <a:lstStyle/>
-          <a:p>
-            <a:r>
-              <a:rPr lang="en-US" dirty="0">
-                <a:latin typeface="Consolas" panose="020B0609020204030204" pitchFamily="49" charset="0"/>
-                <a:cs typeface="Consolas" panose="020B0609020204030204" pitchFamily="49" charset="0"/>
-              </a:rPr>
-              <a:t>public class </a:t>
-            </a:r>
-            <a:r>
-              <a:rPr lang="en-US" dirty="0" err="1" smtClean="0">
-                <a:latin typeface="Consolas" panose="020B0609020204030204" pitchFamily="49" charset="0"/>
-                <a:cs typeface="Consolas" panose="020B0609020204030204" pitchFamily="49" charset="0"/>
-              </a:rPr>
-              <a:t>SomeBean</a:t>
-            </a:r>
-            <a:r>
-              <a:rPr lang="en-US" dirty="0" smtClean="0">
-                <a:latin typeface="Consolas" panose="020B0609020204030204" pitchFamily="49" charset="0"/>
-                <a:cs typeface="Consolas" panose="020B0609020204030204" pitchFamily="49" charset="0"/>
-              </a:rPr>
-              <a:t> </a:t>
-            </a:r>
-            <a:r>
-              <a:rPr lang="en-US" dirty="0">
-                <a:latin typeface="Consolas" panose="020B0609020204030204" pitchFamily="49" charset="0"/>
-                <a:cs typeface="Consolas" panose="020B0609020204030204" pitchFamily="49" charset="0"/>
-              </a:rPr>
-              <a:t>{</a:t>
-            </a:r>
-          </a:p>
-          <a:p>
-            <a:r>
-              <a:rPr lang="en-US" dirty="0">
-                <a:latin typeface="Consolas" panose="020B0609020204030204" pitchFamily="49" charset="0"/>
-                <a:cs typeface="Consolas" panose="020B0609020204030204" pitchFamily="49" charset="0"/>
-              </a:rPr>
-              <a:t>  @Inject private Clock </a:t>
-            </a:r>
-            <a:r>
-              <a:rPr lang="en-US" dirty="0" err="1">
-                <a:latin typeface="Consolas" panose="020B0609020204030204" pitchFamily="49" charset="0"/>
-                <a:cs typeface="Consolas" panose="020B0609020204030204" pitchFamily="49" charset="0"/>
-              </a:rPr>
-              <a:t>clock</a:t>
-            </a:r>
-            <a:r>
-              <a:rPr lang="en-US" dirty="0">
-                <a:latin typeface="Consolas" panose="020B0609020204030204" pitchFamily="49" charset="0"/>
-                <a:cs typeface="Consolas" panose="020B0609020204030204" pitchFamily="49" charset="0"/>
-              </a:rPr>
-              <a:t>;</a:t>
-            </a:r>
-          </a:p>
-          <a:p>
-            <a:r>
-              <a:rPr lang="en-US" dirty="0">
-                <a:latin typeface="Consolas" panose="020B0609020204030204" pitchFamily="49" charset="0"/>
-                <a:cs typeface="Consolas" panose="020B0609020204030204" pitchFamily="49" charset="0"/>
-              </a:rPr>
-              <a:t>  public void process(</a:t>
-            </a:r>
-            <a:r>
-              <a:rPr lang="en-US" dirty="0" err="1">
-                <a:latin typeface="Consolas" panose="020B0609020204030204" pitchFamily="49" charset="0"/>
-                <a:cs typeface="Consolas" panose="020B0609020204030204" pitchFamily="49" charset="0"/>
-              </a:rPr>
-              <a:t>LocalDate</a:t>
-            </a:r>
-            <a:r>
-              <a:rPr lang="en-US" dirty="0">
-                <a:latin typeface="Consolas" panose="020B0609020204030204" pitchFamily="49" charset="0"/>
-                <a:cs typeface="Consolas" panose="020B0609020204030204" pitchFamily="49" charset="0"/>
-              </a:rPr>
-              <a:t> </a:t>
-            </a:r>
-            <a:r>
-              <a:rPr lang="en-US" dirty="0" smtClean="0">
-                <a:latin typeface="Consolas" panose="020B0609020204030204" pitchFamily="49" charset="0"/>
-                <a:cs typeface="Consolas" panose="020B0609020204030204" pitchFamily="49" charset="0"/>
-              </a:rPr>
-              <a:t>date</a:t>
-            </a:r>
-            <a:r>
-              <a:rPr lang="en-US" dirty="0">
-                <a:latin typeface="Consolas" panose="020B0609020204030204" pitchFamily="49" charset="0"/>
-                <a:cs typeface="Consolas" panose="020B0609020204030204" pitchFamily="49" charset="0"/>
-              </a:rPr>
-              <a:t>) {</a:t>
-            </a:r>
-          </a:p>
-          <a:p>
-            <a:r>
-              <a:rPr lang="en-US" dirty="0">
-                <a:latin typeface="Consolas" panose="020B0609020204030204" pitchFamily="49" charset="0"/>
-                <a:cs typeface="Consolas" panose="020B0609020204030204" pitchFamily="49" charset="0"/>
-              </a:rPr>
-              <a:t>    if </a:t>
-            </a:r>
-            <a:r>
-              <a:rPr lang="en-US" dirty="0" smtClean="0">
-                <a:latin typeface="Consolas" panose="020B0609020204030204" pitchFamily="49" charset="0"/>
-                <a:cs typeface="Consolas" panose="020B0609020204030204" pitchFamily="49" charset="0"/>
-              </a:rPr>
-              <a:t>(</a:t>
-            </a:r>
-            <a:r>
-              <a:rPr lang="en-US" dirty="0" err="1" smtClean="0">
-                <a:latin typeface="Consolas" panose="020B0609020204030204" pitchFamily="49" charset="0"/>
-                <a:cs typeface="Consolas" panose="020B0609020204030204" pitchFamily="49" charset="0"/>
-              </a:rPr>
-              <a:t>date.isBefore</a:t>
-            </a:r>
-            <a:r>
-              <a:rPr lang="en-US" dirty="0" smtClean="0">
-                <a:latin typeface="Consolas" panose="020B0609020204030204" pitchFamily="49" charset="0"/>
-                <a:cs typeface="Consolas" panose="020B0609020204030204" pitchFamily="49" charset="0"/>
-              </a:rPr>
-              <a:t>(</a:t>
-            </a:r>
-            <a:r>
-              <a:rPr lang="en-US" dirty="0" err="1" smtClean="0">
-                <a:latin typeface="Consolas" panose="020B0609020204030204" pitchFamily="49" charset="0"/>
-                <a:cs typeface="Consolas" panose="020B0609020204030204" pitchFamily="49" charset="0"/>
-              </a:rPr>
-              <a:t>LocalDate.now</a:t>
-            </a:r>
-            <a:r>
-              <a:rPr lang="en-US" dirty="0" smtClean="0">
-                <a:latin typeface="Consolas" panose="020B0609020204030204" pitchFamily="49" charset="0"/>
-                <a:cs typeface="Consolas" panose="020B0609020204030204" pitchFamily="49" charset="0"/>
-              </a:rPr>
-              <a:t>(clock</a:t>
-            </a:r>
-            <a:r>
-              <a:rPr lang="en-US" dirty="0">
-                <a:latin typeface="Consolas" panose="020B0609020204030204" pitchFamily="49" charset="0"/>
-                <a:cs typeface="Consolas" panose="020B0609020204030204" pitchFamily="49" charset="0"/>
-              </a:rPr>
-              <a:t>)) {</a:t>
-            </a:r>
-          </a:p>
-          <a:p>
-            <a:r>
-              <a:rPr lang="en-US" dirty="0">
-                <a:latin typeface="Consolas" panose="020B0609020204030204" pitchFamily="49" charset="0"/>
-                <a:cs typeface="Consolas" panose="020B0609020204030204" pitchFamily="49" charset="0"/>
-              </a:rPr>
-              <a:t>      ...</a:t>
-            </a:r>
-          </a:p>
-          <a:p>
-            <a:r>
-              <a:rPr lang="en-US" dirty="0">
-                <a:latin typeface="Consolas" panose="020B0609020204030204" pitchFamily="49" charset="0"/>
-                <a:cs typeface="Consolas" panose="020B0609020204030204" pitchFamily="49" charset="0"/>
-              </a:rPr>
-              <a:t>    }</a:t>
-            </a:r>
-          </a:p>
-          <a:p>
-            <a:r>
-              <a:rPr lang="en-US" dirty="0">
-                <a:latin typeface="Consolas" panose="020B0609020204030204" pitchFamily="49" charset="0"/>
-                <a:cs typeface="Consolas" panose="020B0609020204030204" pitchFamily="49" charset="0"/>
-              </a:rPr>
-              <a:t>  }</a:t>
-            </a:r>
-          </a:p>
-          <a:p>
-            <a:r>
-              <a:rPr lang="en-US" dirty="0">
-                <a:latin typeface="Consolas" panose="020B0609020204030204" pitchFamily="49" charset="0"/>
-                <a:cs typeface="Consolas" panose="020B0609020204030204" pitchFamily="49" charset="0"/>
-              </a:rPr>
-              <a:t>}</a:t>
-            </a:r>
+              <a:rPr lang="en-US" dirty="0"/>
+              <a:t>R</a:t>
+            </a:r>
+            <a:r>
+              <a:rPr lang="en-US" dirty="0" smtClean="0"/>
+              <a:t>egion </a:t>
+            </a:r>
+            <a:r>
+              <a:rPr lang="en-US" dirty="0"/>
+              <a:t>with a uniform standard time for legal, commercial, social, and political purposes</a:t>
+            </a:r>
+          </a:p>
+          <a:p>
+            <a:r>
+              <a:rPr lang="en-US" dirty="0"/>
+              <a:t>Time zones are offset from UTC (UTC-12 to UTC+12)</a:t>
+            </a:r>
+          </a:p>
+          <a:p>
+            <a:r>
+              <a:rPr lang="en-US" dirty="0"/>
+              <a:t>UTC </a:t>
+            </a:r>
+            <a:r>
+              <a:rPr lang="en-US" dirty="0" smtClean="0"/>
+              <a:t>time zone is </a:t>
+            </a:r>
+            <a:r>
+              <a:rPr lang="en-US" dirty="0"/>
+              <a:t>sometimes denoted by Z (Zulu)</a:t>
+            </a:r>
+          </a:p>
+          <a:p>
+            <a:r>
+              <a:rPr lang="en-US" dirty="0"/>
+              <a:t>Some countries use daylight saving time (summer time) for part of the year, changing the offset</a:t>
+            </a:r>
+          </a:p>
+          <a:p>
+            <a:r>
+              <a:rPr lang="en-US" dirty="0"/>
+              <a:t>JDK </a:t>
+            </a:r>
+            <a:r>
+              <a:rPr lang="en-US" dirty="0" smtClean="0"/>
+              <a:t>time zone </a:t>
+            </a:r>
+            <a:r>
+              <a:rPr lang="en-US" dirty="0"/>
+              <a:t>data is updated when the JDK is </a:t>
+            </a:r>
+            <a:r>
+              <a:rPr lang="en-US" dirty="0" smtClean="0"/>
+              <a:t>updated</a:t>
+            </a:r>
+            <a:endParaRPr lang="en-US" dirty="0"/>
           </a:p>
         </p:txBody>
       </p:sp>
     </p:spTree>
     <p:extLst>
       <p:ext uri="{BB962C8B-B14F-4D97-AF65-F5344CB8AC3E}">
-        <p14:creationId xmlns:p14="http://schemas.microsoft.com/office/powerpoint/2010/main" val="2066102692"/>
+        <p14:creationId xmlns:p14="http://schemas.microsoft.com/office/powerpoint/2010/main" val="1251483798"/>
       </p:ext>
     </p:extLst>
   </p:cSld>
@@ -11940,9 +10809,10 @@
           <a:lstStyle/>
           <a:p>
             <a:r>
-              <a:rPr lang="en-US" dirty="0"/>
-              <a:t>Chronology</a:t>
-            </a:r>
+              <a:rPr lang="en-US" dirty="0" smtClean="0"/>
+              <a:t>Temporal Adjusters</a:t>
+            </a:r>
+            <a:endParaRPr lang="en-US" dirty="0"/>
           </a:p>
         </p:txBody>
       </p:sp>
@@ -11959,121 +10829,272 @@
         <p:spPr/>
         <p:txBody>
           <a:bodyPr>
-            <a:normAutofit/>
+            <a:noAutofit/>
           </a:bodyPr>
           <a:lstStyle/>
           <a:p>
-            <a:r>
-              <a:rPr lang="en-US" dirty="0" smtClean="0"/>
-              <a:t>Pluggable </a:t>
-            </a:r>
-            <a:r>
-              <a:rPr lang="en-US" dirty="0"/>
-              <a:t>calendar system</a:t>
-            </a:r>
-          </a:p>
-          <a:p>
-            <a:r>
-              <a:rPr lang="en-US" dirty="0"/>
-              <a:t>P</a:t>
-            </a:r>
-            <a:r>
-              <a:rPr lang="en-US" dirty="0" smtClean="0"/>
-              <a:t>rovides </a:t>
-            </a:r>
-            <a:r>
-              <a:rPr lang="en-US" dirty="0"/>
-              <a:t>access to </a:t>
-            </a:r>
-            <a:r>
-              <a:rPr lang="en-US" dirty="0" smtClean="0"/>
-              <a:t>date and time fields</a:t>
-            </a:r>
-          </a:p>
-          <a:p>
-            <a:r>
-              <a:rPr lang="en-US" dirty="0" smtClean="0"/>
-              <a:t>Built-in</a:t>
-            </a:r>
-            <a:endParaRPr lang="en-US" dirty="0"/>
-          </a:p>
-          <a:p>
-            <a:pPr lvl="1"/>
-            <a:r>
-              <a:rPr lang="en-US" dirty="0"/>
-              <a:t>ISO8601 </a:t>
-            </a:r>
-            <a:r>
-              <a:rPr lang="en-US" dirty="0" smtClean="0"/>
-              <a:t>(default): </a:t>
-            </a:r>
-            <a:r>
-              <a:rPr lang="en-US" dirty="0" err="1" smtClean="0"/>
-              <a:t>IsoChronology</a:t>
-            </a:r>
-            <a:endParaRPr lang="en-US" dirty="0"/>
-          </a:p>
-          <a:p>
-            <a:pPr lvl="1"/>
-            <a:r>
-              <a:rPr lang="en-US" dirty="0" smtClean="0"/>
-              <a:t>Chinese: </a:t>
-            </a:r>
-            <a:r>
-              <a:rPr lang="en-US" dirty="0" err="1" smtClean="0"/>
-              <a:t>MinguoChronology</a:t>
-            </a:r>
-            <a:endParaRPr lang="en-US" dirty="0"/>
-          </a:p>
-          <a:p>
-            <a:pPr lvl="1"/>
-            <a:r>
-              <a:rPr lang="en-US" dirty="0" smtClean="0"/>
-              <a:t>Japanese: </a:t>
-            </a:r>
-            <a:r>
-              <a:rPr lang="en-US" dirty="0" err="1"/>
-              <a:t>JapaneseChronology</a:t>
-            </a:r>
-            <a:endParaRPr lang="en-US" dirty="0"/>
-          </a:p>
-          <a:p>
-            <a:pPr lvl="1"/>
-            <a:r>
-              <a:rPr lang="en-US" dirty="0"/>
-              <a:t>Thai </a:t>
-            </a:r>
-            <a:r>
-              <a:rPr lang="en-US" dirty="0" smtClean="0"/>
-              <a:t>Buddhist: </a:t>
-            </a:r>
-            <a:r>
-              <a:rPr lang="en-US" dirty="0" err="1" smtClean="0"/>
-              <a:t>ThaiBuddhistChronology</a:t>
-            </a:r>
-            <a:endParaRPr lang="en-US" dirty="0"/>
-          </a:p>
-          <a:p>
-            <a:pPr lvl="1"/>
-            <a:r>
-              <a:rPr lang="en-US" dirty="0" smtClean="0"/>
-              <a:t>Islamic: </a:t>
-            </a:r>
-            <a:r>
-              <a:rPr lang="en-US" dirty="0" err="1" smtClean="0"/>
-              <a:t>HijrahChronology</a:t>
-            </a:r>
-            <a:endParaRPr lang="en-US" dirty="0"/>
-          </a:p>
-          <a:p>
-            <a:endParaRPr lang="en-US" dirty="0"/>
+            <a:pPr marL="0" indent="0">
+              <a:buNone/>
+            </a:pPr>
+            <a:r>
+              <a:rPr lang="en-US" sz="2400" dirty="0" err="1">
+                <a:latin typeface="Consolas" panose="020B0609020204030204" pitchFamily="49" charset="0"/>
+                <a:cs typeface="Consolas" panose="020B0609020204030204" pitchFamily="49" charset="0"/>
+              </a:rPr>
+              <a:t>TemporalAdjuster</a:t>
+            </a:r>
+            <a:r>
+              <a:rPr lang="en-US" sz="2400" dirty="0">
+                <a:latin typeface="Consolas" panose="020B0609020204030204" pitchFamily="49" charset="0"/>
+                <a:cs typeface="Consolas" panose="020B0609020204030204" pitchFamily="49" charset="0"/>
+              </a:rPr>
+              <a:t> </a:t>
+            </a:r>
+            <a:r>
+              <a:rPr lang="en-US" sz="2400" dirty="0" err="1" smtClean="0">
+                <a:latin typeface="Consolas" panose="020B0609020204030204" pitchFamily="49" charset="0"/>
+                <a:cs typeface="Consolas" panose="020B0609020204030204" pitchFamily="49" charset="0"/>
+              </a:rPr>
+              <a:t>fourMinutesLater</a:t>
+            </a:r>
+            <a:r>
+              <a:rPr lang="en-US" sz="2400" dirty="0" smtClean="0">
+                <a:latin typeface="Consolas" panose="020B0609020204030204" pitchFamily="49" charset="0"/>
+                <a:cs typeface="Consolas" panose="020B0609020204030204" pitchFamily="49" charset="0"/>
+              </a:rPr>
+              <a:t> </a:t>
+            </a:r>
+            <a:r>
+              <a:rPr lang="en-US" sz="2400" dirty="0">
+                <a:latin typeface="Consolas" panose="020B0609020204030204" pitchFamily="49" charset="0"/>
+                <a:cs typeface="Consolas" panose="020B0609020204030204" pitchFamily="49" charset="0"/>
+              </a:rPr>
+              <a:t>= </a:t>
+            </a:r>
+            <a:endParaRPr lang="en-US" sz="2400" dirty="0" smtClean="0">
+              <a:latin typeface="Consolas" panose="020B0609020204030204" pitchFamily="49" charset="0"/>
+              <a:cs typeface="Consolas" panose="020B0609020204030204" pitchFamily="49" charset="0"/>
+            </a:endParaRPr>
+          </a:p>
+          <a:p>
+            <a:pPr marL="0" indent="0">
+              <a:buNone/>
+            </a:pPr>
+            <a:r>
+              <a:rPr lang="en-US" sz="2400" dirty="0" smtClean="0">
+                <a:latin typeface="Consolas" panose="020B0609020204030204" pitchFamily="49" charset="0"/>
+                <a:cs typeface="Consolas" panose="020B0609020204030204" pitchFamily="49" charset="0"/>
+              </a:rPr>
+              <a:t>new </a:t>
+            </a:r>
+            <a:r>
+              <a:rPr lang="en-US" sz="2400" dirty="0" err="1">
+                <a:latin typeface="Consolas" panose="020B0609020204030204" pitchFamily="49" charset="0"/>
+                <a:cs typeface="Consolas" panose="020B0609020204030204" pitchFamily="49" charset="0"/>
+              </a:rPr>
+              <a:t>TemporalAdjuster</a:t>
+            </a:r>
+            <a:r>
+              <a:rPr lang="en-US" sz="2400" dirty="0">
+                <a:latin typeface="Consolas" panose="020B0609020204030204" pitchFamily="49" charset="0"/>
+                <a:cs typeface="Consolas" panose="020B0609020204030204" pitchFamily="49" charset="0"/>
+              </a:rPr>
+              <a:t>() { </a:t>
+            </a:r>
+            <a:endParaRPr lang="en-US" sz="2400" dirty="0" smtClean="0">
+              <a:latin typeface="Consolas" panose="020B0609020204030204" pitchFamily="49" charset="0"/>
+              <a:cs typeface="Consolas" panose="020B0609020204030204" pitchFamily="49" charset="0"/>
+            </a:endParaRPr>
+          </a:p>
+          <a:p>
+            <a:pPr marL="0" indent="0">
+              <a:buNone/>
+            </a:pPr>
+            <a:r>
+              <a:rPr lang="en-US" sz="2400" dirty="0" smtClean="0">
+                <a:latin typeface="Consolas" panose="020B0609020204030204" pitchFamily="49" charset="0"/>
+                <a:cs typeface="Consolas" panose="020B0609020204030204" pitchFamily="49" charset="0"/>
+              </a:rPr>
+              <a:t>  @Override </a:t>
+            </a:r>
+          </a:p>
+          <a:p>
+            <a:pPr marL="400050" lvl="1" indent="0">
+              <a:buNone/>
+            </a:pPr>
+            <a:r>
+              <a:rPr lang="en-US" sz="2400" dirty="0" smtClean="0">
+                <a:latin typeface="Consolas" panose="020B0609020204030204" pitchFamily="49" charset="0"/>
+                <a:cs typeface="Consolas" panose="020B0609020204030204" pitchFamily="49" charset="0"/>
+              </a:rPr>
+              <a:t>public Temporal </a:t>
+            </a:r>
+            <a:r>
+              <a:rPr lang="en-US" sz="2400" dirty="0" err="1" smtClean="0">
+                <a:latin typeface="Consolas" panose="020B0609020204030204" pitchFamily="49" charset="0"/>
+                <a:cs typeface="Consolas" panose="020B0609020204030204" pitchFamily="49" charset="0"/>
+              </a:rPr>
+              <a:t>adjustInto</a:t>
+            </a:r>
+            <a:r>
+              <a:rPr lang="en-US" sz="2400" dirty="0" smtClean="0">
+                <a:latin typeface="Consolas" panose="020B0609020204030204" pitchFamily="49" charset="0"/>
+                <a:cs typeface="Consolas" panose="020B0609020204030204" pitchFamily="49" charset="0"/>
+              </a:rPr>
+              <a:t>(Temporal temporal) { </a:t>
+            </a:r>
+          </a:p>
+          <a:p>
+            <a:pPr marL="400050" lvl="1" indent="0">
+              <a:buNone/>
+            </a:pPr>
+            <a:r>
+              <a:rPr lang="en-US" sz="2400" dirty="0" smtClean="0">
+                <a:latin typeface="Consolas" panose="020B0609020204030204" pitchFamily="49" charset="0"/>
+                <a:cs typeface="Consolas" panose="020B0609020204030204" pitchFamily="49" charset="0"/>
+              </a:rPr>
+              <a:t>return </a:t>
+            </a:r>
+            <a:r>
+              <a:rPr lang="en-US" sz="2400" dirty="0" err="1" smtClean="0">
+                <a:latin typeface="Consolas" panose="020B0609020204030204" pitchFamily="49" charset="0"/>
+                <a:cs typeface="Consolas" panose="020B0609020204030204" pitchFamily="49" charset="0"/>
+              </a:rPr>
+              <a:t>temporal.plus</a:t>
+            </a:r>
+            <a:r>
+              <a:rPr lang="en-US" sz="2400" dirty="0" smtClean="0">
+                <a:latin typeface="Consolas" panose="020B0609020204030204" pitchFamily="49" charset="0"/>
+                <a:cs typeface="Consolas" panose="020B0609020204030204" pitchFamily="49" charset="0"/>
+              </a:rPr>
+              <a:t>(4, </a:t>
+            </a:r>
+            <a:r>
+              <a:rPr lang="en-US" sz="2400" dirty="0" err="1" smtClean="0">
+                <a:latin typeface="Consolas" panose="020B0609020204030204" pitchFamily="49" charset="0"/>
+                <a:cs typeface="Consolas" panose="020B0609020204030204" pitchFamily="49" charset="0"/>
+              </a:rPr>
+              <a:t>ChronoUnit.MINUTES</a:t>
+            </a:r>
+            <a:r>
+              <a:rPr lang="en-US" sz="2400" dirty="0" smtClean="0">
+                <a:latin typeface="Consolas" panose="020B0609020204030204" pitchFamily="49" charset="0"/>
+                <a:cs typeface="Consolas" panose="020B0609020204030204" pitchFamily="49" charset="0"/>
+              </a:rPr>
+              <a:t>); </a:t>
+            </a:r>
+          </a:p>
+          <a:p>
+            <a:pPr marL="400050" lvl="1" indent="0">
+              <a:buNone/>
+            </a:pPr>
+            <a:r>
+              <a:rPr lang="en-US" sz="2400" dirty="0" smtClean="0">
+                <a:latin typeface="Consolas" panose="020B0609020204030204" pitchFamily="49" charset="0"/>
+                <a:cs typeface="Consolas" panose="020B0609020204030204" pitchFamily="49" charset="0"/>
+              </a:rPr>
+              <a:t>} </a:t>
+            </a:r>
+          </a:p>
+          <a:p>
+            <a:pPr marL="0" indent="0">
+              <a:buNone/>
+            </a:pPr>
+            <a:r>
+              <a:rPr lang="en-US" sz="2400" dirty="0" smtClean="0">
+                <a:latin typeface="Consolas" panose="020B0609020204030204" pitchFamily="49" charset="0"/>
+                <a:cs typeface="Consolas" panose="020B0609020204030204" pitchFamily="49" charset="0"/>
+              </a:rPr>
+              <a:t>}; </a:t>
+            </a:r>
+          </a:p>
+          <a:p>
+            <a:pPr marL="0" indent="0">
+              <a:buNone/>
+            </a:pPr>
+            <a:r>
+              <a:rPr lang="en-US" sz="2400" dirty="0" err="1" smtClean="0">
+                <a:latin typeface="Consolas" panose="020B0609020204030204" pitchFamily="49" charset="0"/>
+                <a:cs typeface="Consolas" panose="020B0609020204030204" pitchFamily="49" charset="0"/>
+              </a:rPr>
+              <a:t>LocalTime</a:t>
+            </a:r>
+            <a:r>
+              <a:rPr lang="en-US" sz="2400" dirty="0" smtClean="0">
+                <a:latin typeface="Consolas" panose="020B0609020204030204" pitchFamily="49" charset="0"/>
+                <a:cs typeface="Consolas" panose="020B0609020204030204" pitchFamily="49" charset="0"/>
+              </a:rPr>
+              <a:t> time </a:t>
+            </a:r>
+            <a:r>
+              <a:rPr lang="en-US" sz="2400" dirty="0">
+                <a:latin typeface="Consolas" panose="020B0609020204030204" pitchFamily="49" charset="0"/>
+                <a:cs typeface="Consolas" panose="020B0609020204030204" pitchFamily="49" charset="0"/>
+              </a:rPr>
+              <a:t>= </a:t>
+            </a:r>
+            <a:r>
+              <a:rPr lang="en-US" sz="2400" dirty="0" err="1">
+                <a:latin typeface="Consolas" panose="020B0609020204030204" pitchFamily="49" charset="0"/>
+                <a:cs typeface="Consolas" panose="020B0609020204030204" pitchFamily="49" charset="0"/>
+              </a:rPr>
+              <a:t>LocalTime.of</a:t>
+            </a:r>
+            <a:r>
+              <a:rPr lang="en-US" sz="2400" dirty="0">
+                <a:latin typeface="Consolas" panose="020B0609020204030204" pitchFamily="49" charset="0"/>
+                <a:cs typeface="Consolas" panose="020B0609020204030204" pitchFamily="49" charset="0"/>
+              </a:rPr>
+              <a:t>(12, 0, 0); </a:t>
+            </a:r>
+            <a:endParaRPr lang="en-US" sz="2400" dirty="0" smtClean="0">
+              <a:latin typeface="Consolas" panose="020B0609020204030204" pitchFamily="49" charset="0"/>
+              <a:cs typeface="Consolas" panose="020B0609020204030204" pitchFamily="49" charset="0"/>
+            </a:endParaRPr>
+          </a:p>
+          <a:p>
+            <a:pPr marL="0" indent="0">
+              <a:buNone/>
+            </a:pPr>
+            <a:r>
+              <a:rPr lang="en-US" sz="2400" dirty="0" err="1" smtClean="0">
+                <a:latin typeface="Consolas" panose="020B0609020204030204" pitchFamily="49" charset="0"/>
+                <a:cs typeface="Consolas" panose="020B0609020204030204" pitchFamily="49" charset="0"/>
+              </a:rPr>
+              <a:t>time.with</a:t>
+            </a:r>
+            <a:r>
+              <a:rPr lang="en-US" sz="2400" dirty="0" smtClean="0">
+                <a:latin typeface="Consolas" panose="020B0609020204030204" pitchFamily="49" charset="0"/>
+                <a:cs typeface="Consolas" panose="020B0609020204030204" pitchFamily="49" charset="0"/>
+              </a:rPr>
+              <a:t>(</a:t>
+            </a:r>
+            <a:r>
+              <a:rPr lang="en-US" sz="2400" dirty="0" err="1" smtClean="0">
+                <a:latin typeface="Consolas" panose="020B0609020204030204" pitchFamily="49" charset="0"/>
+                <a:cs typeface="Consolas" panose="020B0609020204030204" pitchFamily="49" charset="0"/>
+              </a:rPr>
+              <a:t>fourMinutesLater</a:t>
+            </a:r>
+            <a:r>
+              <a:rPr lang="en-US" sz="2400" dirty="0" smtClean="0">
+                <a:latin typeface="Consolas" panose="020B0609020204030204" pitchFamily="49" charset="0"/>
+                <a:cs typeface="Consolas" panose="020B0609020204030204" pitchFamily="49" charset="0"/>
+              </a:rPr>
+              <a:t>); // 12:04</a:t>
+            </a:r>
+            <a:endParaRPr lang="en-US" sz="2400" dirty="0">
+              <a:latin typeface="Consolas" panose="020B0609020204030204" pitchFamily="49" charset="0"/>
+              <a:cs typeface="Consolas" panose="020B0609020204030204" pitchFamily="49" charset="0"/>
+            </a:endParaRPr>
           </a:p>
         </p:txBody>
       </p:sp>
     </p:spTree>
     <p:extLst>
       <p:ext uri="{BB962C8B-B14F-4D97-AF65-F5344CB8AC3E}">
-        <p14:creationId xmlns:p14="http://schemas.microsoft.com/office/powerpoint/2010/main" val="1965216396"/>
+        <p14:creationId xmlns:p14="http://schemas.microsoft.com/office/powerpoint/2010/main" val="1380035644"/>
       </p:ext>
     </p:extLst>
   </p:cSld>
@@ -12306,12 +11327,14 @@
         </p:nvSpPr>
         <p:spPr/>
         <p:txBody>
-          <a:bodyPr/>
+          <a:bodyPr>
+            <a:normAutofit/>
+          </a:bodyPr>
           <a:lstStyle/>
           <a:p>
             <a:r>
               <a:rPr lang="en-US" dirty="0" smtClean="0"/>
-              <a:t>Time Zone</a:t>
+              <a:t>Temporal Adjusters, Java 8 Style</a:t>
             </a:r>
             <a:endParaRPr lang="en-US" dirty="0"/>
           </a:p>
@@ -12330,74 +11353,117 @@
         <p:spPr/>
         <p:txBody>
           <a:bodyPr>
-            <a:normAutofit fontScale="92500" lnSpcReduction="10000"/>
+            <a:noAutofit/>
           </a:bodyPr>
           <a:lstStyle/>
           <a:p>
-            <a:r>
-              <a:rPr lang="en-US" dirty="0"/>
-              <a:t>R</a:t>
-            </a:r>
-            <a:r>
-              <a:rPr lang="en-US" dirty="0" smtClean="0"/>
-              <a:t>egion </a:t>
-            </a:r>
-            <a:r>
-              <a:rPr lang="en-US" dirty="0"/>
-              <a:t>with a uniform standard time for legal, commercial, social, and political purposes</a:t>
-            </a:r>
-          </a:p>
-          <a:p>
-            <a:r>
-              <a:rPr lang="en-US" dirty="0"/>
-              <a:t>Time zones are offset from UTC (UTC-12 to UTC+12)</a:t>
-            </a:r>
-          </a:p>
-          <a:p>
-            <a:r>
-              <a:rPr lang="en-US" dirty="0"/>
-              <a:t>UTC </a:t>
-            </a:r>
-            <a:r>
-              <a:rPr lang="en-US" dirty="0" smtClean="0"/>
-              <a:t>time zone </a:t>
-            </a:r>
-            <a:r>
-              <a:rPr lang="en-US" dirty="0"/>
-              <a:t>is sometimes denoted by Z (Zulu)</a:t>
-            </a:r>
-          </a:p>
-          <a:p>
-            <a:r>
-              <a:rPr lang="en-US" dirty="0"/>
-              <a:t>Some countries use daylight saving time (summer time) for part of the year, changing the offset</a:t>
-            </a:r>
-          </a:p>
-          <a:p>
-            <a:r>
-              <a:rPr lang="en-US" dirty="0"/>
-              <a:t>JDK </a:t>
-            </a:r>
-            <a:r>
-              <a:rPr lang="en-US" dirty="0" smtClean="0"/>
-              <a:t>time zone </a:t>
-            </a:r>
-            <a:r>
-              <a:rPr lang="en-US" dirty="0"/>
-              <a:t>data is updated when the JDK is </a:t>
-            </a:r>
-            <a:r>
-              <a:rPr lang="en-US" dirty="0" smtClean="0"/>
-              <a:t>updated</a:t>
-            </a:r>
-            <a:endParaRPr lang="en-US" dirty="0"/>
+            <a:pPr marL="0" indent="0">
+              <a:buNone/>
+            </a:pPr>
+            <a:r>
+              <a:rPr lang="en-US" sz="2400" dirty="0" err="1" smtClean="0">
+                <a:latin typeface="Consolas" panose="020B0609020204030204" pitchFamily="49" charset="0"/>
+                <a:cs typeface="Consolas" panose="020B0609020204030204" pitchFamily="49" charset="0"/>
+              </a:rPr>
+              <a:t>LocalTime</a:t>
+            </a:r>
+            <a:r>
+              <a:rPr lang="en-US" sz="2400" dirty="0" smtClean="0">
+                <a:latin typeface="Consolas" panose="020B0609020204030204" pitchFamily="49" charset="0"/>
+                <a:cs typeface="Consolas" panose="020B0609020204030204" pitchFamily="49" charset="0"/>
+              </a:rPr>
+              <a:t> time </a:t>
+            </a:r>
+            <a:r>
+              <a:rPr lang="en-US" sz="2400" dirty="0">
+                <a:latin typeface="Consolas" panose="020B0609020204030204" pitchFamily="49" charset="0"/>
+                <a:cs typeface="Consolas" panose="020B0609020204030204" pitchFamily="49" charset="0"/>
+              </a:rPr>
+              <a:t>= </a:t>
+            </a:r>
+            <a:r>
+              <a:rPr lang="en-US" sz="2400" dirty="0" err="1">
+                <a:latin typeface="Consolas" panose="020B0609020204030204" pitchFamily="49" charset="0"/>
+                <a:cs typeface="Consolas" panose="020B0609020204030204" pitchFamily="49" charset="0"/>
+              </a:rPr>
+              <a:t>LocalTime.of</a:t>
+            </a:r>
+            <a:r>
+              <a:rPr lang="en-US" sz="2400" dirty="0">
+                <a:latin typeface="Consolas" panose="020B0609020204030204" pitchFamily="49" charset="0"/>
+                <a:cs typeface="Consolas" panose="020B0609020204030204" pitchFamily="49" charset="0"/>
+              </a:rPr>
+              <a:t>(12, 0, 0); </a:t>
+            </a:r>
+            <a:endParaRPr lang="en-US" sz="2400" dirty="0" smtClean="0">
+              <a:latin typeface="Consolas" panose="020B0609020204030204" pitchFamily="49" charset="0"/>
+              <a:cs typeface="Consolas" panose="020B0609020204030204" pitchFamily="49" charset="0"/>
+            </a:endParaRPr>
+          </a:p>
+          <a:p>
+            <a:pPr marL="0" indent="0">
+              <a:buNone/>
+            </a:pPr>
+            <a:r>
+              <a:rPr lang="en-US" sz="2400" dirty="0" err="1" smtClean="0">
+                <a:latin typeface="Consolas" panose="020B0609020204030204" pitchFamily="49" charset="0"/>
+                <a:cs typeface="Consolas" panose="020B0609020204030204" pitchFamily="49" charset="0"/>
+              </a:rPr>
+              <a:t>time.with</a:t>
+            </a:r>
+            <a:r>
+              <a:rPr lang="en-US" sz="2400" dirty="0" smtClean="0">
+                <a:latin typeface="Consolas" panose="020B0609020204030204" pitchFamily="49" charset="0"/>
+                <a:cs typeface="Consolas" panose="020B0609020204030204" pitchFamily="49" charset="0"/>
+              </a:rPr>
+              <a:t>(</a:t>
+            </a:r>
+            <a:r>
+              <a:rPr lang="en-US" sz="2400" dirty="0">
+                <a:latin typeface="Consolas" panose="020B0609020204030204" pitchFamily="49" charset="0"/>
+                <a:cs typeface="Consolas" panose="020B0609020204030204" pitchFamily="49" charset="0"/>
+              </a:rPr>
+              <a:t>temporal -&gt; </a:t>
+            </a:r>
+            <a:r>
+              <a:rPr lang="en-US" sz="2400" dirty="0" err="1">
+                <a:latin typeface="Consolas" panose="020B0609020204030204" pitchFamily="49" charset="0"/>
+                <a:cs typeface="Consolas" panose="020B0609020204030204" pitchFamily="49" charset="0"/>
+              </a:rPr>
+              <a:t>temporal.plus</a:t>
+            </a:r>
+            <a:r>
+              <a:rPr lang="en-US" sz="2400" dirty="0">
+                <a:latin typeface="Consolas" panose="020B0609020204030204" pitchFamily="49" charset="0"/>
+                <a:cs typeface="Consolas" panose="020B0609020204030204" pitchFamily="49" charset="0"/>
+              </a:rPr>
+              <a:t>(4, </a:t>
+            </a:r>
+            <a:r>
+              <a:rPr lang="en-US" sz="2400" dirty="0" err="1">
+                <a:latin typeface="Consolas" panose="020B0609020204030204" pitchFamily="49" charset="0"/>
+                <a:cs typeface="Consolas" panose="020B0609020204030204" pitchFamily="49" charset="0"/>
+              </a:rPr>
+              <a:t>ChronoUnit.MINUTES</a:t>
+            </a:r>
+            <a:r>
+              <a:rPr lang="en-US" sz="2400" dirty="0" smtClean="0">
+                <a:latin typeface="Consolas" panose="020B0609020204030204" pitchFamily="49" charset="0"/>
+                <a:cs typeface="Consolas" panose="020B0609020204030204" pitchFamily="49" charset="0"/>
+              </a:rPr>
+              <a:t>)));</a:t>
+            </a:r>
+            <a:endParaRPr lang="en-US" sz="2400" dirty="0">
+              <a:latin typeface="Consolas" panose="020B0609020204030204" pitchFamily="49" charset="0"/>
+              <a:cs typeface="Consolas" panose="020B0609020204030204" pitchFamily="49" charset="0"/>
+            </a:endParaRPr>
           </a:p>
         </p:txBody>
       </p:sp>
     </p:spTree>
     <p:extLst>
       <p:ext uri="{BB962C8B-B14F-4D97-AF65-F5344CB8AC3E}">
-        <p14:creationId xmlns:p14="http://schemas.microsoft.com/office/powerpoint/2010/main" val="1251483798"/>
+        <p14:creationId xmlns:p14="http://schemas.microsoft.com/office/powerpoint/2010/main" val="2941858501"/>
       </p:ext>
     </p:extLst>
   </p:cSld>
@@ -12448,7 +11514,7 @@
           <a:p>
             <a:r>
               <a:rPr lang="en-US" dirty="0" smtClean="0"/>
-              <a:t>Temporal Adjusters</a:t>
+              <a:t>Temporal Queries</a:t>
             </a:r>
             <a:endParaRPr lang="en-US" dirty="0"/>
           </a:p>
@@ -12467,272 +11533,81 @@
         <p:spPr/>
         <p:txBody>
           <a:bodyPr>
-            <a:noAutofit/>
+            <a:normAutofit fontScale="92500" lnSpcReduction="10000"/>
           </a:bodyPr>
           <a:lstStyle/>
           <a:p>
-            <a:pPr marL="0" indent="0">
-              <a:buNone/>
-            </a:pPr>
-            <a:r>
-              <a:rPr lang="en-US" sz="2400" dirty="0" err="1">
-                <a:latin typeface="Consolas" panose="020B0609020204030204" pitchFamily="49" charset="0"/>
-                <a:cs typeface="Consolas" panose="020B0609020204030204" pitchFamily="49" charset="0"/>
-              </a:rPr>
-              <a:t>TemporalAdjuster</a:t>
-            </a:r>
-            <a:r>
-              <a:rPr lang="en-US" sz="2400" dirty="0">
-                <a:latin typeface="Consolas" panose="020B0609020204030204" pitchFamily="49" charset="0"/>
-                <a:cs typeface="Consolas" panose="020B0609020204030204" pitchFamily="49" charset="0"/>
-              </a:rPr>
+            <a:r>
+              <a:rPr lang="en-US" dirty="0"/>
+              <a:t>Strategy for extracting information from temporal objects</a:t>
+            </a:r>
+          </a:p>
+          <a:p>
+            <a:r>
+              <a:rPr lang="en-US" dirty="0"/>
+              <a:t>Externalize the process of querying</a:t>
+            </a:r>
+          </a:p>
+          <a:p>
+            <a:r>
+              <a:rPr lang="en-US" dirty="0" smtClean="0"/>
+              <a:t>Examples</a:t>
+            </a:r>
+            <a:endParaRPr lang="en-US" dirty="0"/>
+          </a:p>
+          <a:p>
+            <a:pPr lvl="1"/>
+            <a:r>
+              <a:rPr lang="en-US" dirty="0"/>
+              <a:t>get the </a:t>
+            </a:r>
+            <a:r>
+              <a:rPr lang="en-US" dirty="0" smtClean="0"/>
+              <a:t>time zone </a:t>
+            </a:r>
+            <a:r>
+              <a:rPr lang="en-US" dirty="0"/>
+              <a:t>in a temporal object</a:t>
+            </a:r>
+          </a:p>
+          <a:p>
+            <a:pPr lvl="1"/>
+            <a:r>
+              <a:rPr lang="en-US" dirty="0"/>
+              <a:t>check if the date is the day before February 29th in a leap year</a:t>
+            </a:r>
+          </a:p>
+          <a:p>
+            <a:pPr lvl="1"/>
+            <a:r>
+              <a:rPr lang="en-US" dirty="0"/>
+              <a:t>calculates the number of days to your next birthday</a:t>
+            </a:r>
+          </a:p>
+          <a:p>
+            <a:r>
+              <a:rPr lang="en-US" dirty="0" err="1"/>
+              <a:t>TemporalQueries</a:t>
+            </a:r>
+            <a:r>
+              <a:rPr lang="en-US" dirty="0"/>
               <a:t> </a:t>
             </a:r>
             <a:r>
-              <a:rPr lang="en-US" sz="2400" dirty="0" err="1" smtClean="0">
-                <a:latin typeface="Consolas" panose="020B0609020204030204" pitchFamily="49" charset="0"/>
-                <a:cs typeface="Consolas" panose="020B0609020204030204" pitchFamily="49" charset="0"/>
-              </a:rPr>
-              <a:t>fourMinutesLater</a:t>
-            </a:r>
-            <a:r>
-              <a:rPr lang="en-US" sz="2400" dirty="0" smtClean="0">
-                <a:latin typeface="Consolas" panose="020B0609020204030204" pitchFamily="49" charset="0"/>
-                <a:cs typeface="Consolas" panose="020B0609020204030204" pitchFamily="49" charset="0"/>
-              </a:rPr>
-              <a:t> </a:t>
-            </a:r>
-            <a:r>
-              <a:rPr lang="en-US" sz="2400" dirty="0">
-                <a:latin typeface="Consolas" panose="020B0609020204030204" pitchFamily="49" charset="0"/>
-                <a:cs typeface="Consolas" panose="020B0609020204030204" pitchFamily="49" charset="0"/>
-              </a:rPr>
-              <a:t>= </a:t>
-            </a:r>
-            <a:endParaRPr lang="en-US" sz="2400" dirty="0" smtClean="0">
-              <a:latin typeface="Consolas" panose="020B0609020204030204" pitchFamily="49" charset="0"/>
-              <a:cs typeface="Consolas" panose="020B0609020204030204" pitchFamily="49" charset="0"/>
-            </a:endParaRPr>
-          </a:p>
-          <a:p>
-            <a:pPr marL="0" indent="0">
-              <a:buNone/>
-            </a:pPr>
-            <a:r>
-              <a:rPr lang="en-US" sz="2400" dirty="0" smtClean="0">
-                <a:latin typeface="Consolas" panose="020B0609020204030204" pitchFamily="49" charset="0"/>
-                <a:cs typeface="Consolas" panose="020B0609020204030204" pitchFamily="49" charset="0"/>
-              </a:rPr>
-              <a:t>new </a:t>
-            </a:r>
-            <a:r>
-              <a:rPr lang="en-US" sz="2400" dirty="0" err="1">
-                <a:latin typeface="Consolas" panose="020B0609020204030204" pitchFamily="49" charset="0"/>
-                <a:cs typeface="Consolas" panose="020B0609020204030204" pitchFamily="49" charset="0"/>
-              </a:rPr>
-              <a:t>TemporalAdjuster</a:t>
-            </a:r>
-            <a:r>
-              <a:rPr lang="en-US" sz="2400" dirty="0">
-                <a:latin typeface="Consolas" panose="020B0609020204030204" pitchFamily="49" charset="0"/>
-                <a:cs typeface="Consolas" panose="020B0609020204030204" pitchFamily="49" charset="0"/>
-              </a:rPr>
-              <a:t>() { </a:t>
-            </a:r>
-            <a:endParaRPr lang="en-US" sz="2400" dirty="0" smtClean="0">
-              <a:latin typeface="Consolas" panose="020B0609020204030204" pitchFamily="49" charset="0"/>
-              <a:cs typeface="Consolas" panose="020B0609020204030204" pitchFamily="49" charset="0"/>
-            </a:endParaRPr>
-          </a:p>
-          <a:p>
-            <a:pPr marL="0" indent="0">
-              <a:buNone/>
-            </a:pPr>
-            <a:r>
-              <a:rPr lang="en-US" sz="2400" dirty="0" smtClean="0">
-                <a:latin typeface="Consolas" panose="020B0609020204030204" pitchFamily="49" charset="0"/>
-                <a:cs typeface="Consolas" panose="020B0609020204030204" pitchFamily="49" charset="0"/>
-              </a:rPr>
-              <a:t>  @Override </a:t>
-            </a:r>
-          </a:p>
-          <a:p>
-            <a:pPr marL="400050" lvl="1" indent="0">
-              <a:buNone/>
-            </a:pPr>
-            <a:r>
-              <a:rPr lang="en-US" sz="2400" dirty="0" smtClean="0">
-                <a:latin typeface="Consolas" panose="020B0609020204030204" pitchFamily="49" charset="0"/>
-                <a:cs typeface="Consolas" panose="020B0609020204030204" pitchFamily="49" charset="0"/>
-              </a:rPr>
-              <a:t>public Temporal </a:t>
-            </a:r>
-            <a:r>
-              <a:rPr lang="en-US" sz="2400" dirty="0" err="1" smtClean="0">
-                <a:latin typeface="Consolas" panose="020B0609020204030204" pitchFamily="49" charset="0"/>
-                <a:cs typeface="Consolas" panose="020B0609020204030204" pitchFamily="49" charset="0"/>
-              </a:rPr>
-              <a:t>adjustInto</a:t>
-            </a:r>
-            <a:r>
-              <a:rPr lang="en-US" sz="2400" dirty="0" smtClean="0">
-                <a:latin typeface="Consolas" panose="020B0609020204030204" pitchFamily="49" charset="0"/>
-                <a:cs typeface="Consolas" panose="020B0609020204030204" pitchFamily="49" charset="0"/>
-              </a:rPr>
-              <a:t>(Temporal temporal) { </a:t>
-            </a:r>
-          </a:p>
-          <a:p>
-            <a:pPr marL="400050" lvl="1" indent="0">
-              <a:buNone/>
-            </a:pPr>
-            <a:r>
-              <a:rPr lang="en-US" sz="2400" dirty="0" smtClean="0">
-                <a:latin typeface="Consolas" panose="020B0609020204030204" pitchFamily="49" charset="0"/>
-                <a:cs typeface="Consolas" panose="020B0609020204030204" pitchFamily="49" charset="0"/>
-              </a:rPr>
-              <a:t>return </a:t>
-            </a:r>
-            <a:r>
-              <a:rPr lang="en-US" sz="2400" dirty="0" err="1" smtClean="0">
-                <a:latin typeface="Consolas" panose="020B0609020204030204" pitchFamily="49" charset="0"/>
-                <a:cs typeface="Consolas" panose="020B0609020204030204" pitchFamily="49" charset="0"/>
-              </a:rPr>
-              <a:t>temporal.plus</a:t>
-            </a:r>
-            <a:r>
-              <a:rPr lang="en-US" sz="2400" dirty="0" smtClean="0">
-                <a:latin typeface="Consolas" panose="020B0609020204030204" pitchFamily="49" charset="0"/>
-                <a:cs typeface="Consolas" panose="020B0609020204030204" pitchFamily="49" charset="0"/>
-              </a:rPr>
-              <a:t>(4, </a:t>
-            </a:r>
-            <a:r>
-              <a:rPr lang="en-US" sz="2400" dirty="0" err="1" smtClean="0">
-                <a:latin typeface="Consolas" panose="020B0609020204030204" pitchFamily="49" charset="0"/>
-                <a:cs typeface="Consolas" panose="020B0609020204030204" pitchFamily="49" charset="0"/>
-              </a:rPr>
-              <a:t>ChronoUnit.MINUTES</a:t>
-            </a:r>
-            <a:r>
-              <a:rPr lang="en-US" sz="2400" dirty="0" smtClean="0">
-                <a:latin typeface="Consolas" panose="020B0609020204030204" pitchFamily="49" charset="0"/>
-                <a:cs typeface="Consolas" panose="020B0609020204030204" pitchFamily="49" charset="0"/>
-              </a:rPr>
-              <a:t>); </a:t>
-            </a:r>
-          </a:p>
-          <a:p>
-            <a:pPr marL="400050" lvl="1" indent="0">
-              <a:buNone/>
-            </a:pPr>
-            <a:r>
-              <a:rPr lang="en-US" sz="2400" dirty="0" smtClean="0">
-                <a:latin typeface="Consolas" panose="020B0609020204030204" pitchFamily="49" charset="0"/>
-                <a:cs typeface="Consolas" panose="020B0609020204030204" pitchFamily="49" charset="0"/>
-              </a:rPr>
-              <a:t>} </a:t>
-            </a:r>
-          </a:p>
-          <a:p>
-            <a:pPr marL="0" indent="0">
-              <a:buNone/>
-            </a:pPr>
-            <a:r>
-              <a:rPr lang="en-US" sz="2400" dirty="0" smtClean="0">
-                <a:latin typeface="Consolas" panose="020B0609020204030204" pitchFamily="49" charset="0"/>
-                <a:cs typeface="Consolas" panose="020B0609020204030204" pitchFamily="49" charset="0"/>
-              </a:rPr>
-              <a:t>}; </a:t>
-            </a:r>
-          </a:p>
-          <a:p>
-            <a:pPr marL="0" indent="0">
-              <a:buNone/>
-            </a:pPr>
-            <a:r>
-              <a:rPr lang="en-US" sz="2400" dirty="0" err="1" smtClean="0">
-                <a:latin typeface="Consolas" panose="020B0609020204030204" pitchFamily="49" charset="0"/>
-                <a:cs typeface="Consolas" panose="020B0609020204030204" pitchFamily="49" charset="0"/>
-              </a:rPr>
-              <a:t>LocalTime</a:t>
-            </a:r>
-            <a:r>
-              <a:rPr lang="en-US" sz="2400" dirty="0" smtClean="0">
-                <a:latin typeface="Consolas" panose="020B0609020204030204" pitchFamily="49" charset="0"/>
-                <a:cs typeface="Consolas" panose="020B0609020204030204" pitchFamily="49" charset="0"/>
-              </a:rPr>
-              <a:t> time </a:t>
-            </a:r>
-            <a:r>
-              <a:rPr lang="en-US" sz="2400" dirty="0">
-                <a:latin typeface="Consolas" panose="020B0609020204030204" pitchFamily="49" charset="0"/>
-                <a:cs typeface="Consolas" panose="020B0609020204030204" pitchFamily="49" charset="0"/>
-              </a:rPr>
-              <a:t>= </a:t>
-            </a:r>
-            <a:r>
-              <a:rPr lang="en-US" sz="2400" dirty="0" err="1">
-                <a:latin typeface="Consolas" panose="020B0609020204030204" pitchFamily="49" charset="0"/>
-                <a:cs typeface="Consolas" panose="020B0609020204030204" pitchFamily="49" charset="0"/>
-              </a:rPr>
-              <a:t>LocalTime.of</a:t>
-            </a:r>
-            <a:r>
-              <a:rPr lang="en-US" sz="2400" dirty="0">
-                <a:latin typeface="Consolas" panose="020B0609020204030204" pitchFamily="49" charset="0"/>
-                <a:cs typeface="Consolas" panose="020B0609020204030204" pitchFamily="49" charset="0"/>
-              </a:rPr>
-              <a:t>(12, 0, 0); </a:t>
-            </a:r>
-            <a:endParaRPr lang="en-US" sz="2400" dirty="0" smtClean="0">
-              <a:latin typeface="Consolas" panose="020B0609020204030204" pitchFamily="49" charset="0"/>
-              <a:cs typeface="Consolas" panose="020B0609020204030204" pitchFamily="49" charset="0"/>
-            </a:endParaRPr>
-          </a:p>
-          <a:p>
-            <a:pPr marL="0" indent="0">
-              <a:buNone/>
-            </a:pPr>
-            <a:r>
-              <a:rPr lang="en-US" sz="2400" dirty="0" err="1" smtClean="0">
-                <a:latin typeface="Consolas" panose="020B0609020204030204" pitchFamily="49" charset="0"/>
-                <a:cs typeface="Consolas" panose="020B0609020204030204" pitchFamily="49" charset="0"/>
-              </a:rPr>
-              <a:t>time.with</a:t>
-            </a:r>
-            <a:r>
-              <a:rPr lang="en-US" sz="2400" dirty="0" smtClean="0">
-                <a:latin typeface="Consolas" panose="020B0609020204030204" pitchFamily="49" charset="0"/>
-                <a:cs typeface="Consolas" panose="020B0609020204030204" pitchFamily="49" charset="0"/>
-              </a:rPr>
-              <a:t>(</a:t>
-            </a:r>
-            <a:r>
-              <a:rPr lang="en-US" sz="2400" dirty="0" err="1" smtClean="0">
-                <a:latin typeface="Consolas" panose="020B0609020204030204" pitchFamily="49" charset="0"/>
-                <a:cs typeface="Consolas" panose="020B0609020204030204" pitchFamily="49" charset="0"/>
-              </a:rPr>
-              <a:t>fourMinutesLater</a:t>
-            </a:r>
-            <a:r>
-              <a:rPr lang="en-US" sz="2400" dirty="0" smtClean="0">
-                <a:latin typeface="Consolas" panose="020B0609020204030204" pitchFamily="49" charset="0"/>
-                <a:cs typeface="Consolas" panose="020B0609020204030204" pitchFamily="49" charset="0"/>
-              </a:rPr>
-              <a:t>); // 12:04</a:t>
-            </a:r>
-            <a:endParaRPr lang="en-US" sz="2400" dirty="0">
-              <a:latin typeface="Consolas" panose="020B0609020204030204" pitchFamily="49" charset="0"/>
-              <a:cs typeface="Consolas" panose="020B0609020204030204" pitchFamily="49" charset="0"/>
-            </a:endParaRPr>
+              <a:rPr lang="en-US" dirty="0" smtClean="0"/>
+              <a:t>class has </a:t>
+            </a:r>
+            <a:r>
+              <a:rPr lang="en-US" dirty="0"/>
+              <a:t>common implementations of queries</a:t>
+            </a:r>
           </a:p>
         </p:txBody>
       </p:sp>
     </p:spTree>
     <p:extLst>
       <p:ext uri="{BB962C8B-B14F-4D97-AF65-F5344CB8AC3E}">
-        <p14:creationId xmlns:p14="http://schemas.microsoft.com/office/powerpoint/2010/main" val="1380035644"/>
+        <p14:creationId xmlns:p14="http://schemas.microsoft.com/office/powerpoint/2010/main" val="1967694706"/>
       </p:ext>
     </p:extLst>
   </p:cSld>
@@ -12778,14 +11653,12 @@
         </p:nvSpPr>
         <p:spPr/>
         <p:txBody>
-          <a:bodyPr>
-            <a:normAutofit/>
-          </a:bodyPr>
+          <a:bodyPr/>
           <a:lstStyle/>
           <a:p>
             <a:r>
               <a:rPr lang="en-US" dirty="0" smtClean="0"/>
-              <a:t>Temporal Adjusters, Java 8 Style</a:t>
+              <a:t>New Packages</a:t>
             </a:r>
             <a:endParaRPr lang="en-US" dirty="0"/>
           </a:p>
@@ -12808,113 +11681,118 @@
           </a:bodyPr>
           <a:lstStyle/>
           <a:p>
-            <a:pPr marL="0" indent="0">
-              <a:buNone/>
-            </a:pPr>
-            <a:r>
-              <a:rPr lang="en-US" sz="2400" dirty="0" err="1" smtClean="0">
+            <a:r>
+              <a:rPr lang="en-US" sz="3000" dirty="0" err="1">
                 <a:latin typeface="Consolas" panose="020B0609020204030204" pitchFamily="49" charset="0"/>
                 <a:cs typeface="Consolas" panose="020B0609020204030204" pitchFamily="49" charset="0"/>
               </a:rPr>
-              <a:t>LocalTime</a:t>
-            </a:r>
-            <a:r>
-              <a:rPr lang="en-US" sz="2400" dirty="0" smtClean="0">
+              <a:t>java.time</a:t>
+            </a:r>
+            <a:r>
+              <a:rPr lang="en-US" sz="3000" dirty="0"/>
+              <a:t> </a:t>
+            </a:r>
+            <a:r>
+              <a:rPr lang="en-US" sz="3000" dirty="0" smtClean="0"/>
+              <a:t>- instants</a:t>
+            </a:r>
+            <a:r>
+              <a:rPr lang="en-US" sz="3000" dirty="0"/>
+              <a:t>, durations, dates, times, time zones, </a:t>
+            </a:r>
+            <a:r>
+              <a:rPr lang="en-US" sz="3000" dirty="0" smtClean="0"/>
+              <a:t>periods</a:t>
+            </a:r>
+          </a:p>
+          <a:p>
+            <a:r>
+              <a:rPr lang="en-US" sz="3000" dirty="0" err="1" smtClean="0">
                 <a:latin typeface="Consolas" panose="020B0609020204030204" pitchFamily="49" charset="0"/>
                 <a:cs typeface="Consolas" panose="020B0609020204030204" pitchFamily="49" charset="0"/>
               </a:rPr>
-              <a:t> time </a:t>
-            </a:r>
-            <a:r>
-              <a:rPr lang="en-US" sz="2400" dirty="0">
+              <a:t>java.time.chrono</a:t>
+            </a:r>
+            <a:r>
+              <a:rPr lang="en-US" sz="3000" dirty="0" smtClean="0"/>
+              <a:t> - calendar </a:t>
+            </a:r>
+            <a:r>
+              <a:rPr lang="en-US" sz="3000" dirty="0"/>
+              <a:t>systems other than </a:t>
+            </a:r>
+            <a:r>
+              <a:rPr lang="en-US" sz="3000" dirty="0" smtClean="0"/>
+              <a:t>ISO-8601 </a:t>
+            </a:r>
+          </a:p>
+          <a:p>
+            <a:r>
+              <a:rPr lang="en-US" sz="3000" dirty="0" err="1" smtClean="0">
                 <a:latin typeface="Consolas" panose="020B0609020204030204" pitchFamily="49" charset="0"/>
                 <a:cs typeface="Consolas" panose="020B0609020204030204" pitchFamily="49" charset="0"/>
               </a:rPr>
-              <a:t>= </a:t>
-            </a:r>
-            <a:r>
-              <a:rPr lang="en-US" sz="2400" dirty="0" err="1">
+              <a:t>java.time.format</a:t>
+            </a:r>
+            <a:r>
+              <a:rPr lang="en-US" sz="3000" dirty="0" smtClean="0"/>
+              <a:t> - formatting and parsing</a:t>
+            </a:r>
+          </a:p>
+          <a:p>
+            <a:r>
+              <a:rPr lang="en-US" sz="3000" dirty="0" err="1" smtClean="0">
                 <a:latin typeface="Consolas" panose="020B0609020204030204" pitchFamily="49" charset="0"/>
                 <a:cs typeface="Consolas" panose="020B0609020204030204" pitchFamily="49" charset="0"/>
               </a:rPr>
-              <a:t>LocalTime.of</a:t>
-            </a:r>
-            <a:r>
-              <a:rPr lang="en-US" sz="2400" dirty="0">
+              <a:t>java.time.temporal</a:t>
+            </a:r>
+            <a:r>
+              <a:rPr lang="en-US" sz="3000" dirty="0" smtClean="0"/>
+              <a:t> - field</a:t>
+            </a:r>
+            <a:r>
+              <a:rPr lang="en-US" sz="3000" dirty="0"/>
+              <a:t>, unit, or adjustment access to </a:t>
+            </a:r>
+            <a:r>
+              <a:rPr lang="en-US" sz="3000" dirty="0" err="1" smtClean="0"/>
+              <a:t>temporals</a:t>
+            </a:r>
+            <a:endParaRPr lang="en-US" sz="3000" dirty="0"/>
+          </a:p>
+          <a:p>
+            <a:r>
+              <a:rPr lang="en-US" sz="3000" dirty="0" err="1">
                 <a:latin typeface="Consolas" panose="020B0609020204030204" pitchFamily="49" charset="0"/>
                 <a:cs typeface="Consolas" panose="020B0609020204030204" pitchFamily="49" charset="0"/>
               </a:rPr>
-              <a:t>(12, 0, 0); </a:t>
-            </a:r>
-            <a:endParaRPr lang="en-US" sz="2400" dirty="0" smtClean="0">
-              <a:latin typeface="Consolas" panose="020B0609020204030204" pitchFamily="49" charset="0"/>
-              <a:cs typeface="Consolas" panose="020B0609020204030204" pitchFamily="49" charset="0"/>
-            </a:endParaRPr>
-          </a:p>
-          <a:p>
-            <a:pPr marL="0" indent="0">
-              <a:buNone/>
-            </a:pPr>
-            <a:r>
-              <a:rPr lang="en-US" sz="2400" dirty="0" err="1" smtClean="0">
-                <a:latin typeface="Consolas" panose="020B0609020204030204" pitchFamily="49" charset="0"/>
-                <a:cs typeface="Consolas" panose="020B0609020204030204" pitchFamily="49" charset="0"/>
-              </a:rPr>
-              <a:t>time.with</a:t>
-            </a:r>
-            <a:r>
-              <a:rPr lang="en-US" sz="2400" dirty="0" smtClean="0">
-                <a:latin typeface="Consolas" panose="020B0609020204030204" pitchFamily="49" charset="0"/>
-                <a:cs typeface="Consolas" panose="020B0609020204030204" pitchFamily="49" charset="0"/>
-              </a:rPr>
-              <a:t>(</a:t>
-            </a:r>
-            <a:r>
-              <a:rPr lang="en-US" sz="2400" dirty="0">
-                <a:latin typeface="Consolas" panose="020B0609020204030204" pitchFamily="49" charset="0"/>
-                <a:cs typeface="Consolas" panose="020B0609020204030204" pitchFamily="49" charset="0"/>
-              </a:rPr>
-              <a:t>temporal -&gt; </a:t>
-            </a:r>
-            <a:r>
-              <a:rPr lang="en-US" sz="2400" dirty="0" err="1">
-                <a:latin typeface="Consolas" panose="020B0609020204030204" pitchFamily="49" charset="0"/>
-                <a:cs typeface="Consolas" panose="020B0609020204030204" pitchFamily="49" charset="0"/>
-              </a:rPr>
-              <a:t>temporal.plus</a:t>
-            </a:r>
-            <a:r>
-              <a:rPr lang="en-US" sz="2400" dirty="0">
-                <a:latin typeface="Consolas" panose="020B0609020204030204" pitchFamily="49" charset="0"/>
-                <a:cs typeface="Consolas" panose="020B0609020204030204" pitchFamily="49" charset="0"/>
-              </a:rPr>
-              <a:t>(4, </a:t>
-            </a:r>
-            <a:r>
-              <a:rPr lang="en-US" sz="2400" dirty="0" err="1">
-                <a:latin typeface="Consolas" panose="020B0609020204030204" pitchFamily="49" charset="0"/>
-                <a:cs typeface="Consolas" panose="020B0609020204030204" pitchFamily="49" charset="0"/>
-              </a:rPr>
-              <a:t>ChronoUnit.MINUTES</a:t>
-            </a:r>
-            <a:r>
-              <a:rPr lang="en-US" sz="2400" dirty="0" smtClean="0">
-                <a:latin typeface="Consolas" panose="020B0609020204030204" pitchFamily="49" charset="0"/>
-                <a:cs typeface="Consolas" panose="020B0609020204030204" pitchFamily="49" charset="0"/>
-              </a:rPr>
-              <a:t>)));</a:t>
-            </a:r>
-            <a:endParaRPr lang="en-US" sz="2400" dirty="0">
-              <a:latin typeface="Consolas" panose="020B0609020204030204" pitchFamily="49" charset="0"/>
-              <a:cs typeface="Consolas" panose="020B0609020204030204" pitchFamily="49" charset="0"/>
-            </a:endParaRPr>
+              <a:t>java.time.zone</a:t>
+            </a:r>
+            <a:r>
+              <a:rPr lang="en-US" sz="3000" dirty="0"/>
+              <a:t> </a:t>
+            </a:r>
+            <a:r>
+              <a:rPr lang="en-US" sz="3000" dirty="0" smtClean="0"/>
+              <a:t>– support for </a:t>
+            </a:r>
+            <a:r>
+              <a:rPr lang="en-US" sz="3000" dirty="0"/>
+              <a:t>time </a:t>
+            </a:r>
+            <a:r>
+              <a:rPr lang="en-US" sz="3000" dirty="0" smtClean="0"/>
+              <a:t>zones</a:t>
+            </a:r>
+            <a:endParaRPr lang="en-US" sz="3000" dirty="0"/>
           </a:p>
         </p:txBody>
       </p:sp>
     </p:spTree>
     <p:extLst>
       <p:ext uri="{BB962C8B-B14F-4D97-AF65-F5344CB8AC3E}">
-        <p14:creationId xmlns:p14="http://schemas.microsoft.com/office/powerpoint/2010/main" val="2941858501"/>
+        <p14:creationId xmlns:p14="http://schemas.microsoft.com/office/powerpoint/2010/main" val="3869983739"/>
       </p:ext>
     </p:extLst>
   </p:cSld>
@@ -12965,335 +11843,6 @@
           <a:p>
             <a:r>
               <a:rPr lang="en-US" dirty="0" smtClean="0"/>
-              <a:t>Temporal Queries</a:t>
-            </a:r>
-            <a:endParaRPr lang="en-US" dirty="0"/>
-          </a:p>
-        </p:txBody>
-      </p:sp>
-      <p:sp>
-        <p:nvSpPr>
-          <p:cNvPr id="3" name="Content Placeholder 2"/>
-          <p:cNvSpPr>
-            <a:spLocks noGrp="1"/>
-          </p:cNvSpPr>
-          <p:nvPr>
-            <p:ph idx="1"/>
-          </p:nvPr>
-        </p:nvSpPr>
-        <p:spPr/>
-        <p:txBody>
-          <a:bodyPr>
-            <a:normAutofit fontScale="92500" lnSpcReduction="10000"/>
-          </a:bodyPr>
-          <a:lstStyle/>
-          <a:p>
-            <a:r>
-              <a:rPr lang="en-US" dirty="0"/>
-              <a:t>Strategy for extracting information from temporal objects</a:t>
-            </a:r>
-          </a:p>
-          <a:p>
-            <a:r>
-              <a:rPr lang="en-US" dirty="0"/>
-              <a:t>Externalize the process of querying</a:t>
-            </a:r>
-          </a:p>
-          <a:p>
-            <a:r>
-              <a:rPr lang="en-US" dirty="0" smtClean="0"/>
-              <a:t>Examples</a:t>
-            </a:r>
-            <a:endParaRPr lang="en-US" dirty="0"/>
-          </a:p>
-          <a:p>
-            <a:pPr lvl="1"/>
-            <a:r>
-              <a:rPr lang="en-US" dirty="0"/>
-              <a:t>get the </a:t>
-            </a:r>
-            <a:r>
-              <a:rPr lang="en-US" dirty="0" smtClean="0"/>
-              <a:t>time zone </a:t>
-            </a:r>
-            <a:r>
-              <a:rPr lang="en-US" dirty="0"/>
-              <a:t>in a temporal object</a:t>
-            </a:r>
-          </a:p>
-          <a:p>
-            <a:pPr lvl="1"/>
-            <a:r>
-              <a:rPr lang="en-US" dirty="0"/>
-              <a:t>check if the date is the day before February 29th in a leap year</a:t>
-            </a:r>
-          </a:p>
-          <a:p>
-            <a:pPr lvl="1"/>
-            <a:r>
-              <a:rPr lang="en-US" dirty="0"/>
-              <a:t>calculates the number of days to your next birthday</a:t>
-            </a:r>
-          </a:p>
-          <a:p>
-            <a:r>
-              <a:rPr lang="en-US" dirty="0" err="1"/>
-              <a:t>TemporalQueries</a:t>
-            </a:r>
-            <a:r>
-              <a:rPr lang="en-US" dirty="0"/>
-              <a:t> </a:t>
-            </a:r>
-            <a:r>
-              <a:rPr lang="en-US" dirty="0" smtClean="0"/>
-              <a:t>class has </a:t>
-            </a:r>
-            <a:r>
-              <a:rPr lang="en-US" dirty="0"/>
-              <a:t>common implementations of queries</a:t>
-            </a:r>
-          </a:p>
-        </p:txBody>
-      </p:sp>
-    </p:spTree>
-    <p:extLst>
-      <p:ext uri="{BB962C8B-B14F-4D97-AF65-F5344CB8AC3E}">
-        <p14:creationId xmlns:p14="http://schemas.microsoft.com/office/powerpoint/2010/main" val="1967694706"/>
-      </p:ext>
-    </p:extLst>
-  </p:cSld>
-  <p:clrMapOvr>
-    <a:masterClrMapping/>
-  </p:clrMapOvr>
-  <p:timing>
-    <p:tnLst>
-      <p:par>
-        <p:cTn id="1" dur="indefinite" restart="never" nodeType="tmRoot"/>
-      </p:par>
-    </p:tnLst>
-  </p:timing>
-</p:sld>
-</file>
-
-<file path=ppt/slides/slide34.xml><?xml version="1.0" encoding="utf-8"?>
-<p:sld xmlns:a="http://schemas.openxmlformats.org/drawingml/2006/main" xmlns:r="http://schemas.openxmlformats.org/officeDocument/2006/relationships" xmlns:p="http://schemas.openxmlformats.org/presentationml/2006/main">
-  <p:cSld>
-    <p:spTree>
-      <p:nvGrpSpPr>
-        <p:cNvPr id="1" name=""/>
-        <p:cNvGrpSpPr/>
-        <p:nvPr/>
-      </p:nvGrpSpPr>
-      <p:grpSpPr>
-        <a:xfrm>
-          <a:off x="0" y="0"/>
-          <a:ext cx="0" cy="0"/>
-          <a:chOff x="0" y="0"/>
-          <a:chExt cx="0" cy="0"/>
-        </a:xfrm>
-      </p:grpSpPr>
-      <p:sp>
-        <p:nvSpPr>
-          <p:cNvPr id="2" name="Title 1"/>
-          <p:cNvSpPr>
-            <a:spLocks noGrp="1"/>
-          </p:cNvSpPr>
-          <p:nvPr>
-            <p:ph type="title"/>
-          </p:nvPr>
-        </p:nvSpPr>
-        <p:spPr/>
-        <p:txBody>
-          <a:bodyPr/>
-          <a:lstStyle/>
-          <a:p>
-            <a:r>
-              <a:rPr lang="en-US" dirty="0" smtClean="0"/>
-              <a:t>New Packages</a:t>
-            </a:r>
-            <a:endParaRPr lang="en-US" dirty="0"/>
-          </a:p>
-        </p:txBody>
-      </p:sp>
-      <p:sp>
-        <p:nvSpPr>
-          <p:cNvPr id="3" name="Content Placeholder 2"/>
-          <p:cNvSpPr>
-            <a:spLocks noGrp="1"/>
-          </p:cNvSpPr>
-          <p:nvPr>
-            <p:ph idx="1"/>
-          </p:nvPr>
-        </p:nvSpPr>
-        <p:spPr/>
-        <p:txBody>
-          <a:bodyPr>
-            <a:noAutofit/>
-          </a:bodyPr>
-          <a:lstStyle/>
-          <a:p>
-            <a:r>
-              <a:rPr lang="en-US" sz="3000" dirty="0" err="1">
-                <a:latin typeface="Consolas" panose="020B0609020204030204" pitchFamily="49" charset="0"/>
-                <a:cs typeface="Consolas" panose="020B0609020204030204" pitchFamily="49" charset="0"/>
-              </a:rPr>
-              <a:t>java.time</a:t>
-            </a:r>
-            <a:r>
-              <a:rPr lang="en-US" sz="3000" dirty="0"/>
-              <a:t> </a:t>
-            </a:r>
-            <a:r>
-              <a:rPr lang="en-US" sz="3000" dirty="0" smtClean="0"/>
-              <a:t>- instants</a:t>
-            </a:r>
-            <a:r>
-              <a:rPr lang="en-US" sz="3000" dirty="0"/>
-              <a:t>, durations, dates, times, time zones, </a:t>
-            </a:r>
-            <a:r>
-              <a:rPr lang="en-US" sz="3000" dirty="0" smtClean="0"/>
-              <a:t>periods</a:t>
-            </a:r>
-          </a:p>
-          <a:p>
-            <a:r>
-              <a:rPr lang="en-US" sz="3000" dirty="0" err="1" smtClean="0">
-                <a:latin typeface="Consolas" panose="020B0609020204030204" pitchFamily="49" charset="0"/>
-                <a:cs typeface="Consolas" panose="020B0609020204030204" pitchFamily="49" charset="0"/>
-              </a:rPr>
-              <a:t>java.time.chrono</a:t>
-            </a:r>
-            <a:r>
-              <a:rPr lang="en-US" sz="3000" dirty="0" smtClean="0"/>
-              <a:t> - calendar </a:t>
-            </a:r>
-            <a:r>
-              <a:rPr lang="en-US" sz="3000" dirty="0"/>
-              <a:t>systems other than </a:t>
-            </a:r>
-            <a:r>
-              <a:rPr lang="en-US" sz="3000" dirty="0" smtClean="0"/>
-              <a:t>ISO-8601 </a:t>
-            </a:r>
-          </a:p>
-          <a:p>
-            <a:r>
-              <a:rPr lang="en-US" sz="3000" dirty="0" err="1" smtClean="0">
-                <a:latin typeface="Consolas" panose="020B0609020204030204" pitchFamily="49" charset="0"/>
-                <a:cs typeface="Consolas" panose="020B0609020204030204" pitchFamily="49" charset="0"/>
-              </a:rPr>
-              <a:t>java.time.format</a:t>
-            </a:r>
-            <a:r>
-              <a:rPr lang="en-US" sz="3000" dirty="0" smtClean="0"/>
-              <a:t> - formatting and parsing</a:t>
-            </a:r>
-          </a:p>
-          <a:p>
-            <a:r>
-              <a:rPr lang="en-US" sz="3000" dirty="0" err="1" smtClean="0">
-                <a:latin typeface="Consolas" panose="020B0609020204030204" pitchFamily="49" charset="0"/>
-                <a:cs typeface="Consolas" panose="020B0609020204030204" pitchFamily="49" charset="0"/>
-              </a:rPr>
-              <a:t>java.time.temporal</a:t>
-            </a:r>
-            <a:r>
-              <a:rPr lang="en-US" sz="3000" dirty="0" smtClean="0"/>
-              <a:t> - field</a:t>
-            </a:r>
-            <a:r>
-              <a:rPr lang="en-US" sz="3000" dirty="0"/>
-              <a:t>, unit, or adjustment access to </a:t>
-            </a:r>
-            <a:r>
-              <a:rPr lang="en-US" sz="3000" dirty="0" err="1" smtClean="0"/>
-              <a:t>temporals</a:t>
-            </a:r>
-            <a:endParaRPr lang="en-US" sz="3000" dirty="0"/>
-          </a:p>
-          <a:p>
-            <a:r>
-              <a:rPr lang="en-US" sz="3000" dirty="0" err="1">
-                <a:latin typeface="Consolas" panose="020B0609020204030204" pitchFamily="49" charset="0"/>
-                <a:cs typeface="Consolas" panose="020B0609020204030204" pitchFamily="49" charset="0"/>
-              </a:rPr>
-              <a:t>java.time.zone</a:t>
-            </a:r>
-            <a:r>
-              <a:rPr lang="en-US" sz="3000" dirty="0"/>
-              <a:t> </a:t>
-            </a:r>
-            <a:r>
-              <a:rPr lang="en-US" sz="3000" dirty="0" smtClean="0"/>
-              <a:t>– support for </a:t>
-            </a:r>
-            <a:r>
-              <a:rPr lang="en-US" sz="3000" dirty="0"/>
-              <a:t>time </a:t>
-            </a:r>
-            <a:r>
-              <a:rPr lang="en-US" sz="3000" dirty="0" smtClean="0"/>
-              <a:t>zones</a:t>
-            </a:r>
-            <a:endParaRPr lang="en-US" sz="3000" dirty="0"/>
-          </a:p>
-        </p:txBody>
-      </p:sp>
-    </p:spTree>
-    <p:extLst>
-      <p:ext uri="{BB962C8B-B14F-4D97-AF65-F5344CB8AC3E}">
-        <p14:creationId xmlns:p14="http://schemas.microsoft.com/office/powerpoint/2010/main" val="3869983739"/>
-      </p:ext>
-    </p:extLst>
-  </p:cSld>
-  <p:clrMapOvr>
-    <a:masterClrMapping/>
-  </p:clrMapOvr>
-  <p:timing>
-    <p:tnLst>
-      <p:par>
-        <p:cTn id="1" dur="indefinite" restart="never" nodeType="tmRoot"/>
-      </p:par>
-    </p:tnLst>
-  </p:timing>
-</p:sld>
-</file>
-
-<file path=ppt/slides/slide35.xml><?xml version="1.0" encoding="utf-8"?>
-<p:sld xmlns:a="http://schemas.openxmlformats.org/drawingml/2006/main" xmlns:r="http://schemas.openxmlformats.org/officeDocument/2006/relationships" xmlns:p="http://schemas.openxmlformats.org/presentationml/2006/main">
-  <p:cSld>
-    <p:spTree>
-      <p:nvGrpSpPr>
-        <p:cNvPr id="1" name=""/>
-        <p:cNvGrpSpPr/>
-        <p:nvPr/>
-      </p:nvGrpSpPr>
-      <p:grpSpPr>
-        <a:xfrm>
-          <a:off x="0" y="0"/>
-          <a:ext cx="0" cy="0"/>
-          <a:chOff x="0" y="0"/>
-          <a:chExt cx="0" cy="0"/>
-        </a:xfrm>
-      </p:grpSpPr>
-      <p:sp>
-        <p:nvSpPr>
-          <p:cNvPr id="2" name="Title 1"/>
-          <p:cNvSpPr>
-            <a:spLocks noGrp="1"/>
-          </p:cNvSpPr>
-          <p:nvPr>
-            <p:ph type="title"/>
-          </p:nvPr>
-        </p:nvSpPr>
-        <p:spPr/>
-        <p:txBody>
-          <a:bodyPr/>
-          <a:lstStyle/>
-          <a:p>
-            <a:r>
-              <a:rPr lang="en-US" dirty="0" smtClean="0"/>
               <a:t>Commonly Used Classes</a:t>
             </a:r>
             <a:endParaRPr lang="en-US" dirty="0"/>
@@ -13457,7 +12006,7 @@
 </p:sld>
 </file>
 
-<file path=ppt/slides/slide36.xml><?xml version="1.0" encoding="utf-8"?>
+<file path=ppt/slides/slide34.xml><?xml version="1.0" encoding="utf-8"?>
 <p:sld xmlns:a="http://schemas.openxmlformats.org/drawingml/2006/main" xmlns:r="http://schemas.openxmlformats.org/officeDocument/2006/relationships" xmlns:p="http://schemas.openxmlformats.org/presentationml/2006/main">
   <p:cSld>
     <p:spTree>
@@ -16495,6 +15044,530 @@
 </p:sld>
 </file>
 
+<file path=ppt/slides/slide35.xml><?xml version="1.0" encoding="utf-8"?>
+<p:sld xmlns:a="http://schemas.openxmlformats.org/drawingml/2006/main" xmlns:r="http://schemas.openxmlformats.org/officeDocument/2006/relationships" xmlns:p="http://schemas.openxmlformats.org/presentationml/2006/main">
+  <p:cSld>
+    <p:spTree>
+      <p:nvGrpSpPr>
+        <p:cNvPr id="1" name=""/>
+        <p:cNvGrpSpPr/>
+        <p:nvPr/>
+      </p:nvGrpSpPr>
+      <p:grpSpPr>
+        <a:xfrm>
+          <a:off x="0" y="0"/>
+          <a:ext cx="0" cy="0"/>
+          <a:chOff x="0" y="0"/>
+          <a:chExt cx="0" cy="0"/>
+        </a:xfrm>
+      </p:grpSpPr>
+      <p:sp>
+        <p:nvSpPr>
+          <p:cNvPr id="2" name="Title 1"/>
+          <p:cNvSpPr>
+            <a:spLocks noGrp="1"/>
+          </p:cNvSpPr>
+          <p:nvPr>
+            <p:ph type="title"/>
+          </p:nvPr>
+        </p:nvSpPr>
+        <p:spPr/>
+        <p:txBody>
+          <a:bodyPr/>
+          <a:lstStyle/>
+          <a:p>
+            <a:r>
+              <a:rPr lang="en-US" dirty="0" smtClean="0"/>
+              <a:t>Consistent Operations</a:t>
+            </a:r>
+            <a:endParaRPr lang="en-US" dirty="0"/>
+          </a:p>
+        </p:txBody>
+      </p:sp>
+      <p:sp>
+        <p:nvSpPr>
+          <p:cNvPr id="3" name="Content Placeholder 2"/>
+          <p:cNvSpPr>
+            <a:spLocks noGrp="1"/>
+          </p:cNvSpPr>
+          <p:nvPr>
+            <p:ph idx="1"/>
+          </p:nvPr>
+        </p:nvSpPr>
+        <p:spPr/>
+        <p:txBody>
+          <a:bodyPr>
+            <a:noAutofit/>
+          </a:bodyPr>
+          <a:lstStyle/>
+          <a:p>
+            <a:r>
+              <a:rPr lang="en-US" sz="2400" dirty="0">
+                <a:latin typeface="Consolas" panose="020B0609020204030204" pitchFamily="49" charset="0"/>
+                <a:cs typeface="Consolas" panose="020B0609020204030204" pitchFamily="49" charset="0"/>
+              </a:rPr>
+              <a:t>of</a:t>
+            </a:r>
+            <a:r>
+              <a:rPr lang="en-US" sz="2400" dirty="0"/>
+              <a:t> - static </a:t>
+            </a:r>
+            <a:r>
+              <a:rPr lang="en-US" sz="2400" dirty="0" smtClean="0"/>
+              <a:t>factory, validates </a:t>
+            </a:r>
+            <a:r>
+              <a:rPr lang="en-US" sz="2400" dirty="0"/>
+              <a:t>input </a:t>
+            </a:r>
+            <a:r>
+              <a:rPr lang="en-US" sz="2400" dirty="0" smtClean="0"/>
+              <a:t>parameters</a:t>
+            </a:r>
+            <a:endParaRPr lang="en-US" sz="2400" dirty="0"/>
+          </a:p>
+          <a:p>
+            <a:r>
+              <a:rPr lang="en-US" sz="2400" dirty="0">
+                <a:latin typeface="Consolas" panose="020B0609020204030204" pitchFamily="49" charset="0"/>
+                <a:cs typeface="Consolas" panose="020B0609020204030204" pitchFamily="49" charset="0"/>
+              </a:rPr>
+              <a:t>from</a:t>
+            </a:r>
+            <a:r>
+              <a:rPr lang="en-US" sz="2400" dirty="0"/>
+              <a:t> - static </a:t>
+            </a:r>
+            <a:r>
+              <a:rPr lang="en-US" sz="2400" dirty="0" smtClean="0"/>
+              <a:t>factory, converts </a:t>
+            </a:r>
+            <a:r>
+              <a:rPr lang="en-US" sz="2400" dirty="0"/>
+              <a:t>to an instance of a target class</a:t>
+            </a:r>
+          </a:p>
+          <a:p>
+            <a:r>
+              <a:rPr lang="en-US" sz="2400" dirty="0" smtClean="0">
+                <a:latin typeface="Consolas" panose="020B0609020204030204" pitchFamily="49" charset="0"/>
+                <a:cs typeface="Consolas" panose="020B0609020204030204" pitchFamily="49" charset="0"/>
+              </a:rPr>
+              <a:t>get</a:t>
+            </a:r>
+            <a:r>
+              <a:rPr lang="en-US" sz="2400" dirty="0"/>
+              <a:t> - </a:t>
+            </a:r>
+            <a:r>
+              <a:rPr lang="en-US" sz="2400" dirty="0" smtClean="0"/>
+              <a:t>returns </a:t>
+            </a:r>
+            <a:r>
+              <a:rPr lang="en-US" sz="2400" dirty="0"/>
+              <a:t>part of the state </a:t>
+            </a:r>
+            <a:endParaRPr lang="en-US" sz="2400" dirty="0" smtClean="0"/>
+          </a:p>
+          <a:p>
+            <a:r>
+              <a:rPr lang="en-US" sz="2400" dirty="0" smtClean="0">
+                <a:latin typeface="Consolas" panose="020B0609020204030204" pitchFamily="49" charset="0"/>
+                <a:cs typeface="Consolas" panose="020B0609020204030204" pitchFamily="49" charset="0"/>
+              </a:rPr>
+              <a:t>is</a:t>
+            </a:r>
+            <a:r>
+              <a:rPr lang="en-US" sz="2400" dirty="0"/>
+              <a:t> - </a:t>
+            </a:r>
+            <a:r>
+              <a:rPr lang="en-US" sz="2400" dirty="0" smtClean="0"/>
+              <a:t>queries </a:t>
+            </a:r>
+            <a:r>
+              <a:rPr lang="en-US" sz="2400" dirty="0"/>
+              <a:t>the state </a:t>
+            </a:r>
+            <a:endParaRPr lang="en-US" sz="2400" dirty="0" smtClean="0"/>
+          </a:p>
+          <a:p>
+            <a:r>
+              <a:rPr lang="en-US" sz="2400" dirty="0" smtClean="0">
+                <a:latin typeface="Consolas" panose="020B0609020204030204" pitchFamily="49" charset="0"/>
+                <a:cs typeface="Consolas" panose="020B0609020204030204" pitchFamily="49" charset="0"/>
+              </a:rPr>
+              <a:t>with</a:t>
+            </a:r>
+            <a:r>
+              <a:rPr lang="en-US" sz="2400" dirty="0"/>
+              <a:t> - r</a:t>
+            </a:r>
+            <a:r>
+              <a:rPr lang="en-US" sz="2400" dirty="0" smtClean="0"/>
+              <a:t>eturns immutable </a:t>
+            </a:r>
+            <a:r>
+              <a:rPr lang="en-US" sz="2400" dirty="0"/>
+              <a:t>copy </a:t>
+            </a:r>
+            <a:r>
+              <a:rPr lang="en-US" sz="2400" dirty="0" smtClean="0"/>
+              <a:t>with elements changed</a:t>
+            </a:r>
+            <a:endParaRPr lang="en-US" sz="2400" dirty="0"/>
+          </a:p>
+          <a:p>
+            <a:r>
+              <a:rPr lang="en-US" sz="2400" dirty="0" smtClean="0">
+                <a:latin typeface="Consolas" panose="020B0609020204030204" pitchFamily="49" charset="0"/>
+                <a:cs typeface="Consolas" panose="020B0609020204030204" pitchFamily="49" charset="0"/>
+              </a:rPr>
+              <a:t>to</a:t>
+            </a:r>
+            <a:r>
+              <a:rPr lang="en-US" sz="2400" dirty="0"/>
+              <a:t> - </a:t>
+            </a:r>
+            <a:r>
+              <a:rPr lang="en-US" sz="2400" dirty="0" smtClean="0"/>
+              <a:t>converts </a:t>
+            </a:r>
+            <a:r>
+              <a:rPr lang="en-US" sz="2400" dirty="0"/>
+              <a:t>this object to another object </a:t>
+            </a:r>
+            <a:r>
+              <a:rPr lang="en-US" sz="2400" dirty="0" smtClean="0"/>
+              <a:t>type</a:t>
+            </a:r>
+          </a:p>
+          <a:p>
+            <a:r>
+              <a:rPr lang="en-US" sz="2400" dirty="0">
+                <a:latin typeface="Consolas" panose="020B0609020204030204" pitchFamily="49" charset="0"/>
+                <a:cs typeface="Consolas" panose="020B0609020204030204" pitchFamily="49" charset="0"/>
+              </a:rPr>
+              <a:t>plus, minus </a:t>
+            </a:r>
+            <a:r>
+              <a:rPr lang="en-US" sz="2400" dirty="0"/>
+              <a:t> - returns immutable copy after time </a:t>
+            </a:r>
+            <a:r>
+              <a:rPr lang="en-US" sz="2400" dirty="0" smtClean="0"/>
+              <a:t>operation</a:t>
+            </a:r>
+            <a:endParaRPr lang="en-US" sz="2400" dirty="0"/>
+          </a:p>
+        </p:txBody>
+      </p:sp>
+    </p:spTree>
+    <p:extLst>
+      <p:ext uri="{BB962C8B-B14F-4D97-AF65-F5344CB8AC3E}">
+        <p14:creationId xmlns:p14="http://schemas.microsoft.com/office/powerpoint/2010/main" val="2757343577"/>
+      </p:ext>
+    </p:extLst>
+  </p:cSld>
+  <p:clrMapOvr>
+    <a:masterClrMapping/>
+  </p:clrMapOvr>
+  <p:timing>
+    <p:tnLst>
+      <p:par>
+        <p:cTn id="1" dur="indefinite" restart="never" nodeType="tmRoot"/>
+      </p:par>
+    </p:tnLst>
+  </p:timing>
+</p:sld>
+</file>
+
+<file path=ppt/slides/slide36.xml><?xml version="1.0" encoding="utf-8"?>
+<p:sld xmlns:a="http://schemas.openxmlformats.org/drawingml/2006/main" xmlns:r="http://schemas.openxmlformats.org/officeDocument/2006/relationships" xmlns:p="http://schemas.openxmlformats.org/presentationml/2006/main">
+  <p:cSld>
+    <p:spTree>
+      <p:nvGrpSpPr>
+        <p:cNvPr id="1" name=""/>
+        <p:cNvGrpSpPr/>
+        <p:nvPr/>
+      </p:nvGrpSpPr>
+      <p:grpSpPr>
+        <a:xfrm>
+          <a:off x="0" y="0"/>
+          <a:ext cx="0" cy="0"/>
+          <a:chOff x="0" y="0"/>
+          <a:chExt cx="0" cy="0"/>
+        </a:xfrm>
+      </p:grpSpPr>
+      <p:sp>
+        <p:nvSpPr>
+          <p:cNvPr id="2" name="Title 1"/>
+          <p:cNvSpPr>
+            <a:spLocks noGrp="1"/>
+          </p:cNvSpPr>
+          <p:nvPr>
+            <p:ph type="title"/>
+          </p:nvPr>
+        </p:nvSpPr>
+        <p:spPr/>
+        <p:txBody>
+          <a:bodyPr/>
+          <a:lstStyle/>
+          <a:p>
+            <a:r>
+              <a:rPr lang="en-US" dirty="0" err="1" smtClean="0"/>
+              <a:t>Enums</a:t>
+            </a:r>
+            <a:r>
+              <a:rPr lang="en-US" dirty="0" smtClean="0"/>
+              <a:t> for Everything</a:t>
+            </a:r>
+            <a:endParaRPr lang="en-US" dirty="0"/>
+          </a:p>
+        </p:txBody>
+      </p:sp>
+      <p:sp>
+        <p:nvSpPr>
+          <p:cNvPr id="3" name="Content Placeholder 2"/>
+          <p:cNvSpPr>
+            <a:spLocks noGrp="1"/>
+          </p:cNvSpPr>
+          <p:nvPr>
+            <p:ph idx="1"/>
+          </p:nvPr>
+        </p:nvSpPr>
+        <p:spPr/>
+        <p:txBody>
+          <a:bodyPr>
+            <a:normAutofit fontScale="92500" lnSpcReduction="10000"/>
+          </a:bodyPr>
+          <a:lstStyle/>
+          <a:p>
+            <a:r>
+              <a:rPr lang="en-US" dirty="0" err="1" smtClean="0"/>
+              <a:t>DayOfWeek</a:t>
+            </a:r>
+            <a:r>
+              <a:rPr lang="en-US" dirty="0" smtClean="0"/>
+              <a:t>, for example </a:t>
+            </a:r>
+            <a:r>
+              <a:rPr lang="en-US" dirty="0" err="1" smtClean="0">
+                <a:latin typeface="Consolas" panose="020B0609020204030204" pitchFamily="49" charset="0"/>
+                <a:cs typeface="Consolas" panose="020B0609020204030204" pitchFamily="49" charset="0"/>
+              </a:rPr>
+              <a:t>DayOfWeek.SUNDAY</a:t>
+            </a:r>
+            <a:endParaRPr lang="en-US" dirty="0" smtClean="0">
+              <a:latin typeface="Consolas" panose="020B0609020204030204" pitchFamily="49" charset="0"/>
+              <a:cs typeface="Consolas" panose="020B0609020204030204" pitchFamily="49" charset="0"/>
+            </a:endParaRPr>
+          </a:p>
+          <a:p>
+            <a:r>
+              <a:rPr lang="en-US" dirty="0" smtClean="0"/>
+              <a:t>Month</a:t>
+            </a:r>
+            <a:r>
+              <a:rPr lang="en-US" dirty="0"/>
+              <a:t> , for example </a:t>
+            </a:r>
+            <a:r>
+              <a:rPr lang="en-US" dirty="0" smtClean="0"/>
+              <a:t/>
+            </a:r>
+            <a:br>
+              <a:rPr lang="en-US" dirty="0" smtClean="0"/>
+            </a:br>
+            <a:r>
+              <a:rPr lang="en-US" dirty="0" err="1" smtClean="0">
+                <a:latin typeface="Consolas" panose="020B0609020204030204" pitchFamily="49" charset="0"/>
+                <a:cs typeface="Consolas" panose="020B0609020204030204" pitchFamily="49" charset="0"/>
+              </a:rPr>
+              <a:t>LocalDate.of</a:t>
+            </a:r>
+            <a:r>
+              <a:rPr lang="en-US" dirty="0" smtClean="0">
+                <a:latin typeface="Consolas" panose="020B0609020204030204" pitchFamily="49" charset="0"/>
+                <a:cs typeface="Consolas" panose="020B0609020204030204" pitchFamily="49" charset="0"/>
+              </a:rPr>
+              <a:t>(2014</a:t>
+            </a:r>
+            <a:r>
+              <a:rPr lang="en-US" dirty="0">
+                <a:latin typeface="Consolas" panose="020B0609020204030204" pitchFamily="49" charset="0"/>
+                <a:cs typeface="Consolas" panose="020B0609020204030204" pitchFamily="49" charset="0"/>
+              </a:rPr>
+              <a:t>, </a:t>
+            </a:r>
+            <a:r>
+              <a:rPr lang="en-US" dirty="0" err="1" smtClean="0">
+                <a:latin typeface="Consolas" panose="020B0609020204030204" pitchFamily="49" charset="0"/>
+                <a:cs typeface="Consolas" panose="020B0609020204030204" pitchFamily="49" charset="0"/>
+              </a:rPr>
+              <a:t>Month.MAY</a:t>
+            </a:r>
+            <a:r>
+              <a:rPr lang="en-US" dirty="0" smtClean="0">
+                <a:latin typeface="Consolas" panose="020B0609020204030204" pitchFamily="49" charset="0"/>
+                <a:cs typeface="Consolas" panose="020B0609020204030204" pitchFamily="49" charset="0"/>
+              </a:rPr>
+              <a:t>, </a:t>
+            </a:r>
+            <a:r>
+              <a:rPr lang="en-US" dirty="0">
+                <a:latin typeface="Consolas" panose="020B0609020204030204" pitchFamily="49" charset="0"/>
+                <a:cs typeface="Consolas" panose="020B0609020204030204" pitchFamily="49" charset="0"/>
+              </a:rPr>
+              <a:t>20</a:t>
+            </a:r>
+            <a:r>
+              <a:rPr lang="en-US" dirty="0" smtClean="0">
+                <a:latin typeface="Consolas" panose="020B0609020204030204" pitchFamily="49" charset="0"/>
+                <a:cs typeface="Consolas" panose="020B0609020204030204" pitchFamily="49" charset="0"/>
+              </a:rPr>
+              <a:t>); </a:t>
+            </a:r>
+          </a:p>
+          <a:p>
+            <a:r>
+              <a:rPr lang="en-US" dirty="0" err="1" smtClean="0"/>
+              <a:t>ChronoUnit</a:t>
+            </a:r>
+            <a:r>
+              <a:rPr lang="en-US" dirty="0"/>
+              <a:t> , for example </a:t>
+            </a:r>
+            <a:br>
+              <a:rPr lang="en-US" dirty="0"/>
+            </a:br>
+            <a:r>
+              <a:rPr lang="en-US" dirty="0" err="1" smtClean="0">
+                <a:latin typeface="Consolas" panose="020B0609020204030204" pitchFamily="49" charset="0"/>
+                <a:cs typeface="Consolas" panose="020B0609020204030204" pitchFamily="49" charset="0"/>
+              </a:rPr>
+              <a:t>Instant.now</a:t>
+            </a:r>
+            <a:r>
+              <a:rPr lang="en-US" dirty="0" smtClean="0">
+                <a:latin typeface="Consolas" panose="020B0609020204030204" pitchFamily="49" charset="0"/>
+                <a:cs typeface="Consolas" panose="020B0609020204030204" pitchFamily="49" charset="0"/>
+              </a:rPr>
+              <a:t>()</a:t>
+            </a:r>
+            <a:br>
+              <a:rPr lang="en-US" dirty="0" smtClean="0">
+                <a:latin typeface="Consolas" panose="020B0609020204030204" pitchFamily="49" charset="0"/>
+                <a:cs typeface="Consolas" panose="020B0609020204030204" pitchFamily="49" charset="0"/>
+              </a:rPr>
+            </a:br>
+            <a:r>
+              <a:rPr lang="en-US" dirty="0" smtClean="0">
+                <a:latin typeface="Consolas" panose="020B0609020204030204" pitchFamily="49" charset="0"/>
+                <a:cs typeface="Consolas" panose="020B0609020204030204" pitchFamily="49" charset="0"/>
+              </a:rPr>
+              <a:t>.plus(1, </a:t>
+            </a:r>
+            <a:r>
+              <a:rPr lang="en-US" dirty="0" err="1" smtClean="0">
+                <a:latin typeface="Consolas" panose="020B0609020204030204" pitchFamily="49" charset="0"/>
+                <a:cs typeface="Consolas" panose="020B0609020204030204" pitchFamily="49" charset="0"/>
+              </a:rPr>
+              <a:t>ChronoUnit.DAYS</a:t>
+            </a:r>
+            <a:r>
+              <a:rPr lang="en-US" dirty="0" smtClean="0">
+                <a:latin typeface="Consolas" panose="020B0609020204030204" pitchFamily="49" charset="0"/>
+                <a:cs typeface="Consolas" panose="020B0609020204030204" pitchFamily="49" charset="0"/>
+              </a:rPr>
+              <a:t>) </a:t>
+            </a:r>
+          </a:p>
+          <a:p>
+            <a:r>
+              <a:rPr lang="en-US" dirty="0" smtClean="0"/>
+              <a:t>Other </a:t>
+            </a:r>
+            <a:r>
+              <a:rPr lang="en-US" dirty="0"/>
+              <a:t>useful </a:t>
+            </a:r>
+            <a:r>
+              <a:rPr lang="en-US" dirty="0" err="1"/>
+              <a:t>enums</a:t>
+            </a:r>
+            <a:endParaRPr lang="en-US" dirty="0"/>
+          </a:p>
+          <a:p>
+            <a:pPr lvl="1"/>
+            <a:r>
+              <a:rPr lang="en-US" sz="3200" dirty="0" err="1">
+                <a:latin typeface="Consolas" panose="020B0609020204030204" pitchFamily="49" charset="0"/>
+                <a:cs typeface="Consolas" panose="020B0609020204030204" pitchFamily="49" charset="0"/>
+              </a:rPr>
+              <a:t>LocalTime.MIDNIGHT</a:t>
+            </a:r>
+            <a:r>
+              <a:rPr lang="en-US" sz="3200" dirty="0" smtClean="0">
+                <a:latin typeface="Consolas" panose="020B0609020204030204" pitchFamily="49" charset="0"/>
+                <a:cs typeface="Consolas" panose="020B0609020204030204" pitchFamily="49" charset="0"/>
+              </a:rPr>
+              <a:t>; //</a:t>
+            </a:r>
+            <a:r>
+              <a:rPr lang="en-US" sz="3200" dirty="0">
+                <a:latin typeface="Consolas" panose="020B0609020204030204" pitchFamily="49" charset="0"/>
+                <a:cs typeface="Consolas" panose="020B0609020204030204" pitchFamily="49" charset="0"/>
+              </a:rPr>
+              <a:t>00:00</a:t>
+            </a:r>
+          </a:p>
+          <a:p>
+            <a:pPr lvl="1"/>
+            <a:r>
+              <a:rPr lang="en-US" sz="3200" dirty="0" err="1">
+                <a:latin typeface="Consolas" panose="020B0609020204030204" pitchFamily="49" charset="0"/>
+                <a:cs typeface="Consolas" panose="020B0609020204030204" pitchFamily="49" charset="0"/>
+              </a:rPr>
+              <a:t>LocalTime.NOON</a:t>
+            </a:r>
+            <a:r>
+              <a:rPr lang="en-US" sz="3200" dirty="0" smtClean="0">
+                <a:latin typeface="Consolas" panose="020B0609020204030204" pitchFamily="49" charset="0"/>
+                <a:cs typeface="Consolas" panose="020B0609020204030204" pitchFamily="49" charset="0"/>
+              </a:rPr>
+              <a:t>; //</a:t>
+            </a:r>
+            <a:r>
+              <a:rPr lang="en-US" sz="3200" dirty="0">
+                <a:latin typeface="Consolas" panose="020B0609020204030204" pitchFamily="49" charset="0"/>
+                <a:cs typeface="Consolas" panose="020B0609020204030204" pitchFamily="49" charset="0"/>
+              </a:rPr>
+              <a:t>12:00</a:t>
+            </a:r>
+          </a:p>
+        </p:txBody>
+      </p:sp>
+    </p:spTree>
+    <p:extLst>
+      <p:ext uri="{BB962C8B-B14F-4D97-AF65-F5344CB8AC3E}">
+        <p14:creationId xmlns:p14="http://schemas.microsoft.com/office/powerpoint/2010/main" val="3485339212"/>
+      </p:ext>
+    </p:extLst>
+  </p:cSld>
+  <p:clrMapOvr>
+    <a:masterClrMapping/>
+  </p:clrMapOvr>
+  <p:timing>
+    <p:tnLst>
+      <p:par>
+        <p:cTn id="1" dur="indefinite" restart="never" nodeType="tmRoot"/>
+      </p:par>
+    </p:tnLst>
+  </p:timing>
+</p:sld>
+</file>
+
 <file path=ppt/slides/slide37.xml><?xml version="1.0" encoding="utf-8"?>
 <p:sld xmlns:a="http://schemas.openxmlformats.org/drawingml/2006/main" xmlns:r="http://schemas.openxmlformats.org/officeDocument/2006/relationships" xmlns:p="http://schemas.openxmlformats.org/presentationml/2006/main">
   <p:cSld>
@@ -16529,7 +15602,7 @@
           <a:p>
             <a:r>
               <a:rPr lang="en-US" dirty="0" smtClean="0"/>
-              <a:t>Consistent Operations</a:t>
+              <a:t>Parsing</a:t>
             </a:r>
             <a:endParaRPr lang="en-US" dirty="0"/>
           </a:p>
@@ -16548,175 +15621,42 @@
         <p:spPr/>
         <p:txBody>
           <a:bodyPr>
-            <a:noAutofit/>
+            <a:normAutofit/>
           </a:bodyPr>
           <a:lstStyle/>
           <a:p>
             <a:r>
-              <a:rPr lang="en-US" sz="2400" dirty="0">
-                <a:latin typeface="Consolas" panose="020B0609020204030204" pitchFamily="49" charset="0"/>
-                <a:cs typeface="Consolas" panose="020B0609020204030204" pitchFamily="49" charset="0"/>
-              </a:rPr>
-              <a:t>of</a:t>
-            </a:r>
-            <a:r>
-              <a:rPr lang="en-US" sz="2400" dirty="0"/>
-              <a:t> - static </a:t>
-            </a:r>
-            <a:r>
-              <a:rPr lang="en-US" sz="2400" dirty="0" smtClean="0"/>
-              <a:t>factory, validates </a:t>
-            </a:r>
-            <a:r>
-              <a:rPr lang="en-US" sz="2400" dirty="0"/>
-              <a:t>input </a:t>
-            </a:r>
-            <a:r>
-              <a:rPr lang="en-US" sz="2400" dirty="0" smtClean="0"/>
-              <a:t>parameters</a:t>
-            </a:r>
-            <a:endParaRPr lang="en-US" sz="2400" dirty="0"/>
-          </a:p>
-          <a:p>
-            <a:r>
-              <a:rPr lang="en-US" sz="2400" dirty="0">
-                <a:latin typeface="Consolas" panose="020B0609020204030204" pitchFamily="49" charset="0"/>
-                <a:cs typeface="Consolas" panose="020B0609020204030204" pitchFamily="49" charset="0"/>
-              </a:rPr>
-              <a:t>from</a:t>
-            </a:r>
-            <a:r>
-              <a:rPr lang="en-US" sz="2400" dirty="0"/>
-              <a:t> - static </a:t>
-            </a:r>
-            <a:r>
-              <a:rPr lang="en-US" sz="2400" dirty="0" smtClean="0"/>
-              <a:t>factory, converts </a:t>
-            </a:r>
-            <a:r>
-              <a:rPr lang="en-US" sz="2400" dirty="0"/>
-              <a:t>to an instance of a target class</a:t>
-            </a:r>
-          </a:p>
-          <a:p>
-            <a:r>
-              <a:rPr lang="en-US" sz="2400" dirty="0" smtClean="0">
-                <a:latin typeface="Consolas" panose="020B0609020204030204" pitchFamily="49" charset="0"/>
-                <a:cs typeface="Consolas" panose="020B0609020204030204" pitchFamily="49" charset="0"/>
-              </a:rPr>
-              <a:t>get</a:t>
-            </a:r>
-            <a:r>
-              <a:rPr lang="en-US" sz="2400" dirty="0"/>
-              <a:t> - </a:t>
-            </a:r>
-            <a:r>
-              <a:rPr lang="en-US" sz="2400" dirty="0" smtClean="0"/>
-              <a:t>returns </a:t>
-            </a:r>
-            <a:r>
-              <a:rPr lang="en-US" sz="2400" dirty="0"/>
-              <a:t>part of the state </a:t>
-            </a:r>
-            <a:endParaRPr lang="en-US" sz="2400" dirty="0" smtClean="0"/>
-          </a:p>
-          <a:p>
-            <a:r>
-              <a:rPr lang="en-US" sz="2400" dirty="0" smtClean="0">
-                <a:latin typeface="Consolas" panose="020B0609020204030204" pitchFamily="49" charset="0"/>
-                <a:cs typeface="Consolas" panose="020B0609020204030204" pitchFamily="49" charset="0"/>
-              </a:rPr>
-              <a:t>is</a:t>
-            </a:r>
-            <a:r>
-              <a:rPr lang="en-US" sz="2400" dirty="0"/>
-              <a:t> - </a:t>
-            </a:r>
-            <a:r>
-              <a:rPr lang="en-US" sz="2400" dirty="0" smtClean="0"/>
-              <a:t>queries </a:t>
-            </a:r>
-            <a:r>
-              <a:rPr lang="en-US" sz="2400" dirty="0"/>
-              <a:t>the state </a:t>
-            </a:r>
-            <a:endParaRPr lang="en-US" sz="2400" dirty="0" smtClean="0"/>
-          </a:p>
-          <a:p>
-            <a:r>
-              <a:rPr lang="en-US" sz="2400" dirty="0" smtClean="0">
-                <a:latin typeface="Consolas" panose="020B0609020204030204" pitchFamily="49" charset="0"/>
-                <a:cs typeface="Consolas" panose="020B0609020204030204" pitchFamily="49" charset="0"/>
-              </a:rPr>
-              <a:t>with</a:t>
-            </a:r>
-            <a:r>
-              <a:rPr lang="en-US" sz="2400" dirty="0"/>
-              <a:t> - r</a:t>
-            </a:r>
-            <a:r>
-              <a:rPr lang="en-US" sz="2400" dirty="0" smtClean="0"/>
-              <a:t>eturns immutable </a:t>
-            </a:r>
-            <a:r>
-              <a:rPr lang="en-US" sz="2400" dirty="0"/>
-              <a:t>copy </a:t>
-            </a:r>
-            <a:r>
-              <a:rPr lang="en-US" sz="2400" dirty="0" smtClean="0"/>
-              <a:t>with elements changed</a:t>
-            </a:r>
-            <a:endParaRPr lang="en-US" sz="2400" dirty="0"/>
-          </a:p>
-          <a:p>
-            <a:r>
-              <a:rPr lang="en-US" sz="2400" dirty="0" smtClean="0">
-                <a:latin typeface="Consolas" panose="020B0609020204030204" pitchFamily="49" charset="0"/>
-                <a:cs typeface="Consolas" panose="020B0609020204030204" pitchFamily="49" charset="0"/>
-              </a:rPr>
-              <a:t>to</a:t>
-            </a:r>
-            <a:r>
-              <a:rPr lang="en-US" sz="2400" dirty="0"/>
-              <a:t> - </a:t>
-            </a:r>
-            <a:r>
-              <a:rPr lang="en-US" sz="2400" dirty="0" smtClean="0"/>
-              <a:t>converts </a:t>
-            </a:r>
-            <a:r>
-              <a:rPr lang="en-US" sz="2400" dirty="0"/>
-              <a:t>this object to another object </a:t>
-            </a:r>
-            <a:r>
-              <a:rPr lang="en-US" sz="2400" dirty="0" smtClean="0"/>
-              <a:t>type</a:t>
-            </a:r>
-          </a:p>
-          <a:p>
-            <a:r>
-              <a:rPr lang="en-US" sz="2400" dirty="0">
-                <a:latin typeface="Consolas" panose="020B0609020204030204" pitchFamily="49" charset="0"/>
-                <a:cs typeface="Consolas" panose="020B0609020204030204" pitchFamily="49" charset="0"/>
-              </a:rPr>
-              <a:t>plus, minus </a:t>
-            </a:r>
-            <a:r>
-              <a:rPr lang="en-US" sz="2400" dirty="0"/>
-              <a:t> - returns immutable copy after time </a:t>
-            </a:r>
-            <a:r>
-              <a:rPr lang="en-US" sz="2400" dirty="0" smtClean="0"/>
-              <a:t>operation</a:t>
-            </a:r>
-            <a:endParaRPr lang="en-US" sz="2400" dirty="0"/>
+              <a:rPr lang="en-US" sz="3000" dirty="0" smtClean="0"/>
+              <a:t>Parse with a </a:t>
+            </a:r>
+            <a:r>
+              <a:rPr lang="en-US" sz="3000" dirty="0" err="1" smtClean="0"/>
+              <a:t>DateTimeFormatter</a:t>
+            </a:r>
+            <a:r>
+              <a:rPr lang="en-US" sz="3000" dirty="0" smtClean="0"/>
+              <a:t> instance</a:t>
+            </a:r>
+          </a:p>
+          <a:p>
+            <a:r>
+              <a:rPr lang="en-US" sz="3000" dirty="0" smtClean="0"/>
+              <a:t>parse(…) methods return a temporal object</a:t>
+            </a:r>
+          </a:p>
+          <a:p>
+            <a:r>
+              <a:rPr lang="en-US" sz="3000" dirty="0" smtClean="0"/>
+              <a:t>Use from(…) to convert to a known date or time type</a:t>
+            </a:r>
+            <a:endParaRPr lang="en-US" sz="3000" dirty="0"/>
           </a:p>
         </p:txBody>
       </p:sp>
     </p:spTree>
     <p:extLst>
       <p:ext uri="{BB962C8B-B14F-4D97-AF65-F5344CB8AC3E}">
-        <p14:creationId xmlns:p14="http://schemas.microsoft.com/office/powerpoint/2010/main" val="2757343577"/>
+        <p14:creationId xmlns:p14="http://schemas.microsoft.com/office/powerpoint/2010/main" val="2618759877"/>
       </p:ext>
     </p:extLst>
   </p:cSld>
@@ -16766,12 +15706,8 @@
           <a:lstStyle/>
           <a:p>
             <a:r>
-              <a:rPr lang="en-US" dirty="0" err="1" smtClean="0"/>
-              <a:t>Enums</a:t>
-            </a:r>
-            <a:r>
               <a:rPr lang="en-US" dirty="0" smtClean="0"/>
-              <a:t> for Everything</a:t>
+              <a:t>Formatting</a:t>
             </a:r>
             <a:endParaRPr lang="en-US" dirty="0"/>
           </a:p>
@@ -16790,219 +15726,46 @@
         <p:spPr/>
         <p:txBody>
           <a:bodyPr>
-            <a:normAutofit fontScale="92500" lnSpcReduction="10000"/>
+            <a:normAutofit/>
           </a:bodyPr>
           <a:lstStyle/>
           <a:p>
             <a:r>
-              <a:rPr lang="en-US" dirty="0" err="1" smtClean="0"/>
-              <a:t>DayOfWeek</a:t>
-            </a:r>
-            <a:r>
-              <a:rPr lang="en-US" dirty="0" smtClean="0"/>
-              <a:t>, for example </a:t>
-            </a:r>
-            <a:r>
-              <a:rPr lang="en-US" dirty="0" err="1" smtClean="0">
-                <a:latin typeface="Consolas" panose="020B0609020204030204" pitchFamily="49" charset="0"/>
-                <a:cs typeface="Consolas" panose="020B0609020204030204" pitchFamily="49" charset="0"/>
-              </a:rPr>
-              <a:t>DayOfWeek.SUNDAY</a:t>
-            </a:r>
-            <a:endParaRPr lang="en-US" dirty="0" smtClean="0">
-              <a:latin typeface="Consolas" panose="020B0609020204030204" pitchFamily="49" charset="0"/>
-              <a:cs typeface="Consolas" panose="020B0609020204030204" pitchFamily="49" charset="0"/>
-            </a:endParaRPr>
-          </a:p>
-          <a:p>
-            <a:r>
-              <a:rPr lang="en-US" dirty="0" smtClean="0"/>
-              <a:t>Month</a:t>
-            </a:r>
-            <a:r>
-              <a:rPr lang="en-US" dirty="0"/>
-              <a:t> , for example </a:t>
-            </a:r>
-            <a:r>
-              <a:rPr lang="en-US" dirty="0" smtClean="0"/>
-              <a:t/>
-            </a:r>
-            <a:br>
-              <a:rPr lang="en-US" dirty="0" smtClean="0"/>
-            </a:br>
-            <a:r>
-              <a:rPr lang="en-US" dirty="0" err="1" smtClean="0">
-                <a:latin typeface="Consolas" panose="020B0609020204030204" pitchFamily="49" charset="0"/>
-                <a:cs typeface="Consolas" panose="020B0609020204030204" pitchFamily="49" charset="0"/>
-              </a:rPr>
-              <a:t>LocalDate.of</a:t>
-            </a:r>
-            <a:r>
-              <a:rPr lang="en-US" dirty="0" smtClean="0">
-                <a:latin typeface="Consolas" panose="020B0609020204030204" pitchFamily="49" charset="0"/>
-                <a:cs typeface="Consolas" panose="020B0609020204030204" pitchFamily="49" charset="0"/>
-              </a:rPr>
-              <a:t>(2014</a:t>
-            </a:r>
-            <a:r>
-              <a:rPr lang="en-US" dirty="0">
-                <a:latin typeface="Consolas" panose="020B0609020204030204" pitchFamily="49" charset="0"/>
-                <a:cs typeface="Consolas" panose="020B0609020204030204" pitchFamily="49" charset="0"/>
-              </a:rPr>
-              <a:t>, </a:t>
-            </a:r>
-            <a:r>
-              <a:rPr lang="en-US" dirty="0" err="1" smtClean="0">
-                <a:latin typeface="Consolas" panose="020B0609020204030204" pitchFamily="49" charset="0"/>
-                <a:cs typeface="Consolas" panose="020B0609020204030204" pitchFamily="49" charset="0"/>
-              </a:rPr>
-              <a:t>Month.MAY</a:t>
-            </a:r>
-            <a:r>
-              <a:rPr lang="en-US" dirty="0" smtClean="0">
-                <a:latin typeface="Consolas" panose="020B0609020204030204" pitchFamily="49" charset="0"/>
-                <a:cs typeface="Consolas" panose="020B0609020204030204" pitchFamily="49" charset="0"/>
-              </a:rPr>
-              <a:t>, </a:t>
-            </a:r>
-            <a:r>
-              <a:rPr lang="en-US" dirty="0">
-                <a:latin typeface="Consolas" panose="020B0609020204030204" pitchFamily="49" charset="0"/>
-                <a:cs typeface="Consolas" panose="020B0609020204030204" pitchFamily="49" charset="0"/>
-              </a:rPr>
-              <a:t>20</a:t>
-            </a:r>
-            <a:r>
-              <a:rPr lang="en-US" dirty="0" smtClean="0">
-                <a:latin typeface="Consolas" panose="020B0609020204030204" pitchFamily="49" charset="0"/>
-                <a:cs typeface="Consolas" panose="020B0609020204030204" pitchFamily="49" charset="0"/>
-              </a:rPr>
-              <a:t>); </a:t>
-            </a:r>
-          </a:p>
-          <a:p>
-            <a:r>
-              <a:rPr lang="en-US" dirty="0" err="1" smtClean="0"/>
-              <a:t>ChronoUnit</a:t>
-            </a:r>
-            <a:r>
-              <a:rPr lang="en-US" dirty="0"/>
-              <a:t> , for example </a:t>
-            </a:r>
-            <a:br>
-              <a:rPr lang="en-US" dirty="0"/>
-            </a:br>
-            <a:r>
-              <a:rPr lang="en-US" dirty="0" err="1" smtClean="0">
-                <a:latin typeface="Consolas" panose="020B0609020204030204" pitchFamily="49" charset="0"/>
-                <a:cs typeface="Consolas" panose="020B0609020204030204" pitchFamily="49" charset="0"/>
-              </a:rPr>
-              <a:t>Instant.now</a:t>
-            </a:r>
-            <a:r>
-              <a:rPr lang="en-US" dirty="0" smtClean="0">
-                <a:latin typeface="Consolas" panose="020B0609020204030204" pitchFamily="49" charset="0"/>
-                <a:cs typeface="Consolas" panose="020B0609020204030204" pitchFamily="49" charset="0"/>
-              </a:rPr>
-              <a:t>()</a:t>
-            </a:r>
-            <a:br>
-              <a:rPr lang="en-US" dirty="0" smtClean="0">
-                <a:latin typeface="Consolas" panose="020B0609020204030204" pitchFamily="49" charset="0"/>
-                <a:cs typeface="Consolas" panose="020B0609020204030204" pitchFamily="49" charset="0"/>
-              </a:rPr>
-            </a:br>
-            <a:r>
-              <a:rPr lang="en-US" dirty="0" smtClean="0">
-                <a:latin typeface="Consolas" panose="020B0609020204030204" pitchFamily="49" charset="0"/>
-                <a:cs typeface="Consolas" panose="020B0609020204030204" pitchFamily="49" charset="0"/>
-              </a:rPr>
-              <a:t>.plus(1, </a:t>
-            </a:r>
-            <a:r>
-              <a:rPr lang="en-US" dirty="0" err="1" smtClean="0">
-                <a:latin typeface="Consolas" panose="020B0609020204030204" pitchFamily="49" charset="0"/>
-                <a:cs typeface="Consolas" panose="020B0609020204030204" pitchFamily="49" charset="0"/>
-              </a:rPr>
-              <a:t>ChronoUnit.DAYS</a:t>
-            </a:r>
-            <a:r>
-              <a:rPr lang="en-US" dirty="0" smtClean="0">
-                <a:latin typeface="Consolas" panose="020B0609020204030204" pitchFamily="49" charset="0"/>
-                <a:cs typeface="Consolas" panose="020B0609020204030204" pitchFamily="49" charset="0"/>
-              </a:rPr>
-              <a:t>) </a:t>
-            </a:r>
-          </a:p>
-          <a:p>
-            <a:r>
-              <a:rPr lang="en-US" dirty="0" smtClean="0"/>
-              <a:t>Other </a:t>
-            </a:r>
-            <a:r>
-              <a:rPr lang="en-US" dirty="0"/>
-              <a:t>useful </a:t>
-            </a:r>
-            <a:r>
-              <a:rPr lang="en-US" dirty="0" err="1"/>
-              <a:t>enums</a:t>
-            </a:r>
-            <a:endParaRPr lang="en-US" dirty="0"/>
-          </a:p>
-          <a:p>
-            <a:pPr lvl="1"/>
-            <a:r>
-              <a:rPr lang="en-US" sz="3200" dirty="0" err="1">
-                <a:latin typeface="Consolas" panose="020B0609020204030204" pitchFamily="49" charset="0"/>
-                <a:cs typeface="Consolas" panose="020B0609020204030204" pitchFamily="49" charset="0"/>
-              </a:rPr>
-              <a:t>LocalTime.MIDNIGHT</a:t>
-            </a:r>
-            <a:r>
-              <a:rPr lang="en-US" sz="3200" dirty="0" smtClean="0">
-                <a:latin typeface="Consolas" panose="020B0609020204030204" pitchFamily="49" charset="0"/>
-                <a:cs typeface="Consolas" panose="020B0609020204030204" pitchFamily="49" charset="0"/>
-              </a:rPr>
-              <a:t>; //</a:t>
-            </a:r>
-            <a:r>
-              <a:rPr lang="en-US" sz="3200" dirty="0">
-                <a:latin typeface="Consolas" panose="020B0609020204030204" pitchFamily="49" charset="0"/>
-                <a:cs typeface="Consolas" panose="020B0609020204030204" pitchFamily="49" charset="0"/>
-              </a:rPr>
-              <a:t>00:00</a:t>
-            </a:r>
-          </a:p>
-          <a:p>
-            <a:pPr lvl="1"/>
-            <a:r>
-              <a:rPr lang="en-US" sz="3200" dirty="0" err="1">
-                <a:latin typeface="Consolas" panose="020B0609020204030204" pitchFamily="49" charset="0"/>
-                <a:cs typeface="Consolas" panose="020B0609020204030204" pitchFamily="49" charset="0"/>
-              </a:rPr>
-              <a:t>LocalTime.NOON</a:t>
-            </a:r>
-            <a:r>
-              <a:rPr lang="en-US" sz="3200" dirty="0" smtClean="0">
-                <a:latin typeface="Consolas" panose="020B0609020204030204" pitchFamily="49" charset="0"/>
-                <a:cs typeface="Consolas" panose="020B0609020204030204" pitchFamily="49" charset="0"/>
-              </a:rPr>
-              <a:t>; //</a:t>
-            </a:r>
-            <a:r>
-              <a:rPr lang="en-US" sz="3200" dirty="0">
-                <a:latin typeface="Consolas" panose="020B0609020204030204" pitchFamily="49" charset="0"/>
-                <a:cs typeface="Consolas" panose="020B0609020204030204" pitchFamily="49" charset="0"/>
-              </a:rPr>
-              <a:t>12:00</a:t>
-            </a:r>
+              <a:rPr lang="en-US" sz="3000" dirty="0" smtClean="0"/>
+              <a:t>Format with a </a:t>
+            </a:r>
+            <a:r>
+              <a:rPr lang="en-US" sz="3000" dirty="0" err="1"/>
+              <a:t>DateTimeFormatter</a:t>
+            </a:r>
+            <a:r>
+              <a:rPr lang="en-US" sz="3000" dirty="0"/>
+              <a:t> </a:t>
+            </a:r>
+            <a:r>
+              <a:rPr lang="en-US" sz="3000" dirty="0" smtClean="0"/>
+              <a:t>instance</a:t>
+            </a:r>
+          </a:p>
+          <a:p>
+            <a:r>
+              <a:rPr lang="en-US" sz="3000" dirty="0" smtClean="0"/>
+              <a:t>Internationalization is supported</a:t>
+            </a:r>
+          </a:p>
+          <a:p>
+            <a:r>
+              <a:rPr lang="en-US" sz="3000" dirty="0" smtClean="0"/>
+              <a:t>Custom formats can be used</a:t>
+            </a:r>
+            <a:endParaRPr lang="en-US" sz="3000" dirty="0"/>
           </a:p>
         </p:txBody>
       </p:sp>
     </p:spTree>
     <p:extLst>
       <p:ext uri="{BB962C8B-B14F-4D97-AF65-F5344CB8AC3E}">
-        <p14:creationId xmlns:p14="http://schemas.microsoft.com/office/powerpoint/2010/main" val="3485339212"/>
+        <p14:creationId xmlns:p14="http://schemas.microsoft.com/office/powerpoint/2010/main" val="2006125657"/>
       </p:ext>
     </p:extLst>
   </p:cSld>
@@ -17053,7 +15816,7 @@
           <a:p>
             <a:r>
               <a:rPr lang="en-US" dirty="0" smtClean="0"/>
-              <a:t>Parsing</a:t>
+              <a:t>Summary</a:t>
             </a:r>
             <a:endParaRPr lang="en-US" dirty="0"/>
           </a:p>
@@ -17071,43 +15834,53 @@
         </p:nvSpPr>
         <p:spPr/>
         <p:txBody>
-          <a:bodyPr>
-            <a:normAutofit/>
-          </a:bodyPr>
+          <a:bodyPr/>
           <a:lstStyle/>
           <a:p>
             <a:r>
-              <a:rPr lang="en-US" sz="3000" dirty="0" smtClean="0"/>
-              <a:t>Parse with a </a:t>
-            </a:r>
-            <a:r>
-              <a:rPr lang="en-US" sz="3000" dirty="0" err="1" smtClean="0"/>
-              <a:t>DateTimeFormatter</a:t>
-            </a:r>
-            <a:r>
-              <a:rPr lang="en-US" sz="3000" dirty="0" smtClean="0"/>
-              <a:t> instance</a:t>
-            </a:r>
-          </a:p>
-          <a:p>
-            <a:r>
-              <a:rPr lang="en-US" sz="3000" dirty="0" smtClean="0"/>
-              <a:t>parse(…) methods return a temporal object</a:t>
-            </a:r>
-          </a:p>
-          <a:p>
-            <a:r>
-              <a:rPr lang="en-US" sz="3000" dirty="0" smtClean="0"/>
-              <a:t>Use from(…) to convert to a known date or time type</a:t>
-            </a:r>
-            <a:endParaRPr lang="en-US" sz="3000" dirty="0"/>
+              <a:rPr lang="en-US" dirty="0"/>
+              <a:t>Using existing date-related APIs can be </a:t>
+            </a:r>
+            <a:r>
+              <a:rPr lang="en-US" dirty="0" smtClean="0"/>
+              <a:t>error-prone and tedious.</a:t>
+            </a:r>
+          </a:p>
+          <a:p>
+            <a:r>
+              <a:rPr lang="en-US" dirty="0" smtClean="0"/>
+              <a:t>What </a:t>
+            </a:r>
+            <a:r>
+              <a:rPr lang="en-US" dirty="0"/>
+              <a:t>do you need? Computer-related times or human-related times</a:t>
+            </a:r>
+            <a:r>
+              <a:rPr lang="en-US" dirty="0" smtClean="0"/>
+              <a:t>? Separate the concepts.</a:t>
+            </a:r>
+            <a:endParaRPr lang="en-US" dirty="0"/>
+          </a:p>
+          <a:p>
+            <a:r>
+              <a:rPr lang="en-US" dirty="0"/>
+              <a:t>Need to manipulate dates and times? Use </a:t>
+            </a:r>
+            <a:r>
+              <a:rPr lang="en-US" dirty="0" err="1"/>
+              <a:t>Joda</a:t>
+            </a:r>
+            <a:r>
+              <a:rPr lang="en-US" dirty="0"/>
+              <a:t>-Time or JSR310 to make it easy!</a:t>
+            </a:r>
           </a:p>
         </p:txBody>
       </p:sp>
     </p:spTree>
     <p:extLst>
       <p:ext uri="{BB962C8B-B14F-4D97-AF65-F5344CB8AC3E}">
-        <p14:creationId xmlns:p14="http://schemas.microsoft.com/office/powerpoint/2010/main" val="2618759877"/>
+        <p14:creationId xmlns:p14="http://schemas.microsoft.com/office/powerpoint/2010/main" val="3883097144"/>
       </p:ext>
     </p:extLst>
   </p:cSld>
@@ -17153,14 +15926,12 @@
         </p:nvSpPr>
         <p:spPr/>
         <p:txBody>
-          <a:bodyPr>
-            <a:normAutofit/>
-          </a:bodyPr>
+          <a:bodyPr/>
           <a:lstStyle/>
           <a:p>
             <a:r>
               <a:rPr lang="en-US" dirty="0" smtClean="0"/>
-              <a:t>Date is Not an Instant</a:t>
+              <a:t>Calendar</a:t>
             </a:r>
             <a:endParaRPr lang="en-US" dirty="0"/>
           </a:p>
@@ -17176,310 +15947,53 @@
             <p:ph idx="1"/>
           </p:nvPr>
         </p:nvSpPr>
-        <p:spPr>
-          <a:solidFill>
-            <a:schemeClr val="bg2"/>
-          </a:solidFill>
-        </p:spPr>
+        <p:spPr/>
         <p:txBody>
           <a:bodyPr>
             <a:normAutofit/>
           </a:bodyPr>
           <a:lstStyle/>
           <a:p>
-            <a:pPr marL="0" indent="0">
-              <a:buNone/>
-            </a:pPr>
-            <a:r>
-              <a:rPr lang="en-US" sz="2800" b="1" dirty="0" smtClean="0">
-                <a:latin typeface="Consolas" panose="020B0609020204030204" pitchFamily="49" charset="0"/>
-                <a:cs typeface="Consolas" panose="020B0609020204030204" pitchFamily="49" charset="0"/>
-              </a:rPr>
-              <a:t>Date </a:t>
-            </a:r>
-            <a:r>
-              <a:rPr lang="en-US" sz="2800" b="1" dirty="0" err="1">
-                <a:latin typeface="Consolas" panose="020B0609020204030204" pitchFamily="49" charset="0"/>
-                <a:cs typeface="Consolas" panose="020B0609020204030204" pitchFamily="49" charset="0"/>
-              </a:rPr>
-              <a:t>date</a:t>
-            </a:r>
-            <a:r>
-              <a:rPr lang="en-US" sz="2800" b="1" dirty="0">
-                <a:latin typeface="Consolas" panose="020B0609020204030204" pitchFamily="49" charset="0"/>
-                <a:cs typeface="Consolas" panose="020B0609020204030204" pitchFamily="49" charset="0"/>
-              </a:rPr>
-              <a:t> = new Date(10, 10, 10);</a:t>
-            </a:r>
-          </a:p>
-          <a:p>
-            <a:pPr marL="0" indent="0">
-              <a:buNone/>
-            </a:pPr>
-            <a:r>
-              <a:rPr lang="en-US" sz="2800" dirty="0" err="1">
-                <a:latin typeface="Consolas" panose="020B0609020204030204" pitchFamily="49" charset="0"/>
-                <a:cs typeface="Consolas" panose="020B0609020204030204" pitchFamily="49" charset="0"/>
-              </a:rPr>
-              <a:t>System.out.println</a:t>
-            </a:r>
-            <a:r>
-              <a:rPr lang="en-US" sz="2800" dirty="0">
-                <a:latin typeface="Consolas" panose="020B0609020204030204" pitchFamily="49" charset="0"/>
-                <a:cs typeface="Consolas" panose="020B0609020204030204" pitchFamily="49" charset="0"/>
-              </a:rPr>
-              <a:t>(date</a:t>
-            </a:r>
-            <a:r>
-              <a:rPr lang="en-US" sz="2800" dirty="0" smtClean="0">
-                <a:latin typeface="Consolas" panose="020B0609020204030204" pitchFamily="49" charset="0"/>
-                <a:cs typeface="Consolas" panose="020B0609020204030204" pitchFamily="49" charset="0"/>
-              </a:rPr>
-              <a:t>);</a:t>
-            </a:r>
-          </a:p>
-          <a:p>
-            <a:pPr marL="0" indent="0">
-              <a:buNone/>
-            </a:pPr>
-            <a:r>
-              <a:rPr lang="fr-FR" sz="2400" dirty="0" smtClean="0">
-                <a:solidFill>
-                  <a:schemeClr val="accent3">
-                    <a:lumMod val="50000"/>
-                  </a:schemeClr>
-                </a:solidFill>
-                <a:latin typeface="Consolas" panose="020B0609020204030204" pitchFamily="49" charset="0"/>
-                <a:cs typeface="Consolas" panose="020B0609020204030204" pitchFamily="49" charset="0"/>
-              </a:rPr>
-              <a:t>// Thu </a:t>
-            </a:r>
-            <a:r>
-              <a:rPr lang="fr-FR" sz="2400" dirty="0" err="1">
-                <a:solidFill>
-                  <a:schemeClr val="accent3">
-                    <a:lumMod val="50000"/>
-                  </a:schemeClr>
-                </a:solidFill>
-                <a:latin typeface="Consolas" panose="020B0609020204030204" pitchFamily="49" charset="0"/>
-                <a:cs typeface="Consolas" panose="020B0609020204030204" pitchFamily="49" charset="0"/>
-              </a:rPr>
-              <a:t>Nov</a:t>
-            </a:r>
-            <a:r>
-              <a:rPr lang="fr-FR" sz="2400" dirty="0">
-                <a:solidFill>
-                  <a:schemeClr val="accent3">
-                    <a:lumMod val="50000"/>
-                  </a:schemeClr>
-                </a:solidFill>
-                <a:latin typeface="Consolas" panose="020B0609020204030204" pitchFamily="49" charset="0"/>
-                <a:cs typeface="Consolas" panose="020B0609020204030204" pitchFamily="49" charset="0"/>
-              </a:rPr>
-              <a:t> 10 00:00:00 EST </a:t>
-            </a:r>
-            <a:r>
-              <a:rPr lang="fr-FR" sz="2400" dirty="0" smtClean="0">
-                <a:solidFill>
-                  <a:schemeClr val="accent3">
-                    <a:lumMod val="50000"/>
-                  </a:schemeClr>
-                </a:solidFill>
-                <a:latin typeface="Consolas" panose="020B0609020204030204" pitchFamily="49" charset="0"/>
-                <a:cs typeface="Consolas" panose="020B0609020204030204" pitchFamily="49" charset="0"/>
-              </a:rPr>
-              <a:t>1910</a:t>
-            </a:r>
-          </a:p>
-          <a:p>
-            <a:pPr marL="0" indent="0">
-              <a:buNone/>
-            </a:pPr>
-            <a:endParaRPr lang="en-US" sz="2400" dirty="0" smtClean="0">
-              <a:latin typeface="Consolas" panose="020B0609020204030204" pitchFamily="49" charset="0"/>
-              <a:cs typeface="Consolas" panose="020B0609020204030204" pitchFamily="49" charset="0"/>
-            </a:endParaRPr>
-          </a:p>
-          <a:p>
-            <a:pPr marL="0" indent="0">
-              <a:buNone/>
-            </a:pPr>
-            <a:r>
-              <a:rPr lang="en-US" sz="2400" dirty="0" smtClean="0">
-                <a:solidFill>
-                  <a:schemeClr val="accent3">
-                    <a:lumMod val="50000"/>
-                  </a:schemeClr>
-                </a:solidFill>
-                <a:latin typeface="Consolas" panose="020B0609020204030204" pitchFamily="49" charset="0"/>
-                <a:cs typeface="Consolas" panose="020B0609020204030204" pitchFamily="49" charset="0"/>
-              </a:rPr>
-              <a:t>// Transfer to another time zone</a:t>
-            </a:r>
-            <a:endParaRPr lang="en-US" sz="2400" dirty="0">
-              <a:solidFill>
-                <a:schemeClr val="accent3">
-                  <a:lumMod val="50000"/>
-                </a:schemeClr>
-              </a:solidFill>
-              <a:latin typeface="Consolas" panose="020B0609020204030204" pitchFamily="49" charset="0"/>
-              <a:cs typeface="Consolas" panose="020B0609020204030204" pitchFamily="49" charset="0"/>
-            </a:endParaRPr>
-          </a:p>
-          <a:p>
-            <a:pPr marL="0" indent="0">
-              <a:buNone/>
-            </a:pPr>
-            <a:r>
-              <a:rPr lang="en-US" sz="2800" dirty="0" err="1">
-                <a:latin typeface="Consolas" panose="020B0609020204030204" pitchFamily="49" charset="0"/>
-                <a:cs typeface="Consolas" panose="020B0609020204030204" pitchFamily="49" charset="0"/>
-              </a:rPr>
-              <a:t>T</a:t>
-            </a:r>
-            <a:r>
-              <a:rPr lang="en-US" sz="2800" dirty="0" err="1" smtClean="0">
-                <a:latin typeface="Consolas" panose="020B0609020204030204" pitchFamily="49" charset="0"/>
-                <a:cs typeface="Consolas" panose="020B0609020204030204" pitchFamily="49" charset="0"/>
-              </a:rPr>
-              <a:t>imeZone.setDefault</a:t>
-            </a:r>
-            <a:r>
-              <a:rPr lang="en-US" sz="2800" dirty="0" smtClean="0">
-                <a:latin typeface="Consolas" panose="020B0609020204030204" pitchFamily="49" charset="0"/>
-                <a:cs typeface="Consolas" panose="020B0609020204030204" pitchFamily="49" charset="0"/>
-              </a:rPr>
-              <a:t>(</a:t>
-            </a:r>
-            <a:r>
-              <a:rPr lang="en-US" sz="2800" dirty="0" err="1" smtClean="0">
-                <a:latin typeface="Consolas" panose="020B0609020204030204" pitchFamily="49" charset="0"/>
-                <a:cs typeface="Consolas" panose="020B0609020204030204" pitchFamily="49" charset="0"/>
-              </a:rPr>
-              <a:t>timeZone</a:t>
-            </a:r>
-            <a:endParaRPr lang="en-US" sz="2800" dirty="0" smtClean="0">
-              <a:latin typeface="Consolas" panose="020B0609020204030204" pitchFamily="49" charset="0"/>
-              <a:cs typeface="Consolas" panose="020B0609020204030204" pitchFamily="49" charset="0"/>
-            </a:endParaRPr>
-          </a:p>
-          <a:p>
-            <a:pPr marL="0" indent="0">
-              <a:buNone/>
-            </a:pPr>
-            <a:r>
-              <a:rPr lang="en-US" sz="2800" dirty="0" smtClean="0">
-                <a:latin typeface="Consolas" panose="020B0609020204030204" pitchFamily="49" charset="0"/>
-                <a:cs typeface="Consolas" panose="020B0609020204030204" pitchFamily="49" charset="0"/>
-              </a:rPr>
-              <a:t>.</a:t>
-            </a:r>
-            <a:r>
-              <a:rPr lang="en-US" sz="2800" dirty="0" err="1" smtClean="0">
-                <a:latin typeface="Consolas" panose="020B0609020204030204" pitchFamily="49" charset="0"/>
-                <a:cs typeface="Consolas" panose="020B0609020204030204" pitchFamily="49" charset="0"/>
-              </a:rPr>
-              <a:t>getTime</a:t>
-            </a:r>
-            <a:r>
-              <a:rPr lang="en-US" sz="2800" dirty="0" err="1">
-                <a:latin typeface="Consolas" panose="020B0609020204030204" pitchFamily="49" charset="0"/>
-                <a:cs typeface="Consolas" panose="020B0609020204030204" pitchFamily="49" charset="0"/>
-              </a:rPr>
-              <a:t>Z</a:t>
-            </a:r>
-            <a:r>
-              <a:rPr lang="en-US" sz="2800" dirty="0" err="1" smtClean="0">
-                <a:latin typeface="Consolas" panose="020B0609020204030204" pitchFamily="49" charset="0"/>
-                <a:cs typeface="Consolas" panose="020B0609020204030204" pitchFamily="49" charset="0"/>
-              </a:rPr>
-              <a:t>one</a:t>
-            </a:r>
-            <a:r>
-              <a:rPr lang="en-US" sz="2800" dirty="0" smtClean="0">
-                <a:latin typeface="Consolas" panose="020B0609020204030204" pitchFamily="49" charset="0"/>
-                <a:cs typeface="Consolas" panose="020B0609020204030204" pitchFamily="49" charset="0"/>
-              </a:rPr>
-              <a:t>("</a:t>
-            </a:r>
-            <a:r>
-              <a:rPr lang="en-US" sz="2800" dirty="0">
-                <a:latin typeface="Consolas" panose="020B0609020204030204" pitchFamily="49" charset="0"/>
-                <a:cs typeface="Consolas" panose="020B0609020204030204" pitchFamily="49" charset="0"/>
-              </a:rPr>
-              <a:t>Asia/Calcutta"));</a:t>
-            </a:r>
-          </a:p>
-          <a:p>
-            <a:pPr marL="0" indent="0">
-              <a:buNone/>
-            </a:pPr>
-            <a:r>
-              <a:rPr lang="en-US" sz="2800" dirty="0" err="1">
-                <a:latin typeface="Consolas" panose="020B0609020204030204" pitchFamily="49" charset="0"/>
-                <a:cs typeface="Consolas" panose="020B0609020204030204" pitchFamily="49" charset="0"/>
-              </a:rPr>
-              <a:t>System.out.println</a:t>
-            </a:r>
-            <a:r>
-              <a:rPr lang="en-US" sz="2800" dirty="0">
-                <a:latin typeface="Consolas" panose="020B0609020204030204" pitchFamily="49" charset="0"/>
-                <a:cs typeface="Consolas" panose="020B0609020204030204" pitchFamily="49" charset="0"/>
-              </a:rPr>
-              <a:t>(date</a:t>
-            </a:r>
-            <a:r>
-              <a:rPr lang="en-US" sz="2800" dirty="0" smtClean="0">
-                <a:latin typeface="Consolas" panose="020B0609020204030204" pitchFamily="49" charset="0"/>
-                <a:cs typeface="Consolas" panose="020B0609020204030204" pitchFamily="49" charset="0"/>
-              </a:rPr>
-              <a:t>);</a:t>
-            </a:r>
-          </a:p>
-          <a:p>
-            <a:pPr marL="0" indent="0">
-              <a:buNone/>
-            </a:pPr>
-            <a:r>
-              <a:rPr lang="en-US" sz="2400" dirty="0" smtClean="0">
-                <a:solidFill>
-                  <a:schemeClr val="accent3">
-                    <a:lumMod val="50000"/>
-                  </a:schemeClr>
-                </a:solidFill>
-                <a:latin typeface="Consolas" panose="020B0609020204030204" pitchFamily="49" charset="0"/>
-                <a:cs typeface="Consolas" panose="020B0609020204030204" pitchFamily="49" charset="0"/>
-              </a:rPr>
-              <a:t>// </a:t>
-            </a:r>
-            <a:r>
-              <a:rPr lang="de-DE" sz="2400" dirty="0">
-                <a:solidFill>
-                  <a:schemeClr val="accent3">
-                    <a:lumMod val="50000"/>
-                  </a:schemeClr>
-                </a:solidFill>
-                <a:latin typeface="Consolas" panose="020B0609020204030204" pitchFamily="49" charset="0"/>
-                <a:cs typeface="Consolas" panose="020B0609020204030204" pitchFamily="49" charset="0"/>
-              </a:rPr>
-              <a:t>Thu Nov 10 10:53:20 IST 1910</a:t>
-            </a:r>
-            <a:endParaRPr lang="en-US" sz="2400" dirty="0">
-              <a:solidFill>
-                <a:schemeClr val="accent3">
-                  <a:lumMod val="50000"/>
-                </a:schemeClr>
-              </a:solidFill>
-              <a:latin typeface="Consolas" panose="020B0609020204030204" pitchFamily="49" charset="0"/>
-              <a:cs typeface="Consolas" panose="020B0609020204030204" pitchFamily="49" charset="0"/>
-            </a:endParaRPr>
+            <a:r>
+              <a:rPr lang="en-US" sz="3000" dirty="0" smtClean="0"/>
+              <a:t>Date was the work of </a:t>
+            </a:r>
+            <a:r>
+              <a:rPr lang="en-US" sz="3000" dirty="0"/>
+              <a:t>James Gosling and Arthur van </a:t>
+            </a:r>
+            <a:r>
+              <a:rPr lang="en-US" sz="3000" dirty="0" smtClean="0"/>
+              <a:t>Hoff</a:t>
+            </a:r>
+          </a:p>
+          <a:p>
+            <a:r>
+              <a:rPr lang="en-US" sz="3000" dirty="0" smtClean="0"/>
+              <a:t>Added in JDK 1.0, mostly deprecated in JDK 1.1, never removed</a:t>
+            </a:r>
+          </a:p>
+          <a:p>
+            <a:r>
+              <a:rPr lang="en-US" sz="3000" dirty="0" smtClean="0"/>
+              <a:t>Calendar was donated by IBM to Sun, based on </a:t>
+            </a:r>
+            <a:r>
+              <a:rPr lang="en-US" sz="3000" dirty="0" err="1" smtClean="0"/>
+              <a:t>Taligent</a:t>
+            </a:r>
+            <a:r>
+              <a:rPr lang="en-US" sz="3000" dirty="0" smtClean="0"/>
+              <a:t> code</a:t>
+            </a:r>
+            <a:endParaRPr lang="en-US" sz="3000" dirty="0"/>
           </a:p>
         </p:txBody>
       </p:sp>
     </p:spTree>
     <p:extLst>
       <p:ext uri="{BB962C8B-B14F-4D97-AF65-F5344CB8AC3E}">
-        <p14:creationId xmlns:p14="http://schemas.microsoft.com/office/powerpoint/2010/main" val="2671474526"/>
+        <p14:creationId xmlns:p14="http://schemas.microsoft.com/office/powerpoint/2010/main" val="3991966841"/>
       </p:ext>
     </p:extLst>
   </p:cSld>
@@ -17530,7 +16044,7 @@
           <a:p>
             <a:r>
               <a:rPr lang="en-US" dirty="0" smtClean="0"/>
-              <a:t>Formatting</a:t>
+              <a:t>Resources</a:t>
             </a:r>
             <a:endParaRPr lang="en-US" dirty="0"/>
           </a:p>
@@ -17554,41 +16068,76 @@
           <a:lstStyle/>
           <a:p>
             <a:r>
-              <a:rPr lang="en-US" sz="3000" dirty="0" smtClean="0"/>
-              <a:t>Format with a </a:t>
-            </a:r>
-            <a:r>
-              <a:rPr lang="en-US" sz="3000" dirty="0" err="1"/>
-              <a:t>DateTimeFormatter</a:t>
-            </a:r>
-            <a:r>
-              <a:rPr lang="en-US" sz="3000" dirty="0"/>
-              <a:t> </a:t>
-            </a:r>
-            <a:r>
-              <a:rPr lang="en-US" sz="3000" dirty="0" smtClean="0"/>
-              <a:t>instance</a:t>
-            </a:r>
-          </a:p>
-          <a:p>
-            <a:r>
-              <a:rPr lang="en-US" sz="3000" dirty="0" smtClean="0"/>
-              <a:t>Internationalization is supported</a:t>
-            </a:r>
-          </a:p>
-          <a:p>
-            <a:r>
-              <a:rPr lang="en-US" sz="3000" dirty="0" smtClean="0"/>
-              <a:t>Custom formats can be used</a:t>
+              <a:rPr lang="en-US" sz="3000" dirty="0">
+                <a:hlinkClick r:id="rId2"/>
+              </a:rPr>
+              <a:t>JSR 310: A New Java Date/Time API</a:t>
             </a:r>
             <a:endParaRPr lang="en-US" sz="3000" dirty="0"/>
+          </a:p>
+          <a:p>
+            <a:r>
+              <a:rPr lang="en-US" sz="3000" dirty="0" err="1" smtClean="0">
+                <a:hlinkClick r:id="rId3"/>
+              </a:rPr>
+              <a:t>Joda</a:t>
+            </a:r>
+            <a:r>
+              <a:rPr lang="en-US" sz="3000" dirty="0" smtClean="0">
+                <a:hlinkClick r:id="rId3"/>
+              </a:rPr>
+              <a:t>-Time</a:t>
+            </a:r>
+            <a:endParaRPr lang="en-US" sz="3000" dirty="0" smtClean="0"/>
+          </a:p>
+          <a:p>
+            <a:r>
+              <a:rPr lang="en-US" sz="3000" dirty="0">
+                <a:hlinkClick r:id="rId4"/>
+              </a:rPr>
+              <a:t>Why JSR-310 isn't </a:t>
+            </a:r>
+            <a:r>
+              <a:rPr lang="en-US" sz="3000" dirty="0" err="1">
+                <a:hlinkClick r:id="rId4"/>
+              </a:rPr>
+              <a:t>Joda</a:t>
+            </a:r>
+            <a:r>
+              <a:rPr lang="en-US" sz="3000" dirty="0">
+                <a:hlinkClick r:id="rId4"/>
+              </a:rPr>
+              <a:t>-Time</a:t>
+            </a:r>
+            <a:endParaRPr lang="en-US" sz="3000" dirty="0"/>
+          </a:p>
+          <a:p>
+            <a:r>
+              <a:rPr lang="en-US" sz="3000" dirty="0" smtClean="0">
+                <a:hlinkClick r:id="rId5"/>
+              </a:rPr>
+              <a:t>Java </a:t>
+            </a:r>
+            <a:r>
+              <a:rPr lang="en-US" sz="3000" dirty="0">
+                <a:hlinkClick r:id="rId5"/>
+              </a:rPr>
+              <a:t>101: The next generation: It's time for a </a:t>
+            </a:r>
+            <a:r>
+              <a:rPr lang="en-US" sz="3000" dirty="0" smtClean="0">
+                <a:hlinkClick r:id="rId5"/>
+              </a:rPr>
+              <a:t>change</a:t>
+            </a:r>
+            <a:endParaRPr lang="en-US" sz="3000" dirty="0" smtClean="0"/>
           </a:p>
         </p:txBody>
       </p:sp>
     </p:spTree>
     <p:extLst>
       <p:ext uri="{BB962C8B-B14F-4D97-AF65-F5344CB8AC3E}">
-        <p14:creationId xmlns:p14="http://schemas.microsoft.com/office/powerpoint/2010/main" val="2006125657"/>
+        <p14:creationId xmlns:p14="http://schemas.microsoft.com/office/powerpoint/2010/main" val="190584471"/>
       </p:ext>
     </p:extLst>
   </p:cSld>
@@ -17639,265 +16188,6 @@
           <a:p>
             <a:r>
               <a:rPr lang="en-US" dirty="0" smtClean="0"/>
-              <a:t>Summary</a:t>
-            </a:r>
-            <a:endParaRPr lang="en-US" dirty="0"/>
-          </a:p>
-        </p:txBody>
-      </p:sp>
-      <p:sp>
-        <p:nvSpPr>
-          <p:cNvPr id="3" name="Content Placeholder 2"/>
-          <p:cNvSpPr>
-            <a:spLocks noGrp="1"/>
-          </p:cNvSpPr>
-          <p:nvPr>
-            <p:ph idx="1"/>
-          </p:nvPr>
-        </p:nvSpPr>
-        <p:spPr/>
-        <p:txBody>
-          <a:bodyPr/>
-          <a:lstStyle/>
-          <a:p>
-            <a:r>
-              <a:rPr lang="en-US" dirty="0"/>
-              <a:t>Using existing date-related APIs can be </a:t>
-            </a:r>
-            <a:r>
-              <a:rPr lang="en-US" dirty="0" smtClean="0"/>
-              <a:t>error-prone and tedious.</a:t>
-            </a:r>
-          </a:p>
-          <a:p>
-            <a:r>
-              <a:rPr lang="en-US" dirty="0" smtClean="0"/>
-              <a:t>What </a:t>
-            </a:r>
-            <a:r>
-              <a:rPr lang="en-US" dirty="0"/>
-              <a:t>do you need? Computer-related times or human-related times</a:t>
-            </a:r>
-            <a:r>
-              <a:rPr lang="en-US" dirty="0" smtClean="0"/>
-              <a:t>? Separate the concepts.</a:t>
-            </a:r>
-            <a:endParaRPr lang="en-US" dirty="0"/>
-          </a:p>
-          <a:p>
-            <a:r>
-              <a:rPr lang="en-US" dirty="0"/>
-              <a:t>Need to manipulate dates and times? Use </a:t>
-            </a:r>
-            <a:r>
-              <a:rPr lang="en-US" dirty="0" err="1"/>
-              <a:t>Joda</a:t>
-            </a:r>
-            <a:r>
-              <a:rPr lang="en-US" dirty="0"/>
-              <a:t>-Time or JSR310 to make it easy!</a:t>
-            </a:r>
-          </a:p>
-        </p:txBody>
-      </p:sp>
-    </p:spTree>
-    <p:extLst>
-      <p:ext uri="{BB962C8B-B14F-4D97-AF65-F5344CB8AC3E}">
-        <p14:creationId xmlns:p14="http://schemas.microsoft.com/office/powerpoint/2010/main" val="3883097144"/>
-      </p:ext>
-    </p:extLst>
-  </p:cSld>
-  <p:clrMapOvr>
-    <a:masterClrMapping/>
-  </p:clrMapOvr>
-  <p:timing>
-    <p:tnLst>
-      <p:par>
-        <p:cTn id="1" dur="indefinite" restart="never" nodeType="tmRoot"/>
-      </p:par>
-    </p:tnLst>
-  </p:timing>
-</p:sld>
-</file>
-
-<file path=ppt/slides/slide42.xml><?xml version="1.0" encoding="utf-8"?>
-<p:sld xmlns:a="http://schemas.openxmlformats.org/drawingml/2006/main" xmlns:r="http://schemas.openxmlformats.org/officeDocument/2006/relationships" xmlns:p="http://schemas.openxmlformats.org/presentationml/2006/main">
-  <p:cSld>
-    <p:spTree>
-      <p:nvGrpSpPr>
-        <p:cNvPr id="1" name=""/>
-        <p:cNvGrpSpPr/>
-        <p:nvPr/>
-      </p:nvGrpSpPr>
-      <p:grpSpPr>
-        <a:xfrm>
-          <a:off x="0" y="0"/>
-          <a:ext cx="0" cy="0"/>
-          <a:chOff x="0" y="0"/>
-          <a:chExt cx="0" cy="0"/>
-        </a:xfrm>
-      </p:grpSpPr>
-      <p:sp>
-        <p:nvSpPr>
-          <p:cNvPr id="2" name="Title 1"/>
-          <p:cNvSpPr>
-            <a:spLocks noGrp="1"/>
-          </p:cNvSpPr>
-          <p:nvPr>
-            <p:ph type="title"/>
-          </p:nvPr>
-        </p:nvSpPr>
-        <p:spPr/>
-        <p:txBody>
-          <a:bodyPr/>
-          <a:lstStyle/>
-          <a:p>
-            <a:r>
-              <a:rPr lang="en-US" dirty="0" smtClean="0"/>
-              <a:t>Resources</a:t>
-            </a:r>
-            <a:endParaRPr lang="en-US" dirty="0"/>
-          </a:p>
-        </p:txBody>
-      </p:sp>
-      <p:sp>
-        <p:nvSpPr>
-          <p:cNvPr id="3" name="Content Placeholder 2"/>
-          <p:cNvSpPr>
-            <a:spLocks noGrp="1"/>
-          </p:cNvSpPr>
-          <p:nvPr>
-            <p:ph idx="1"/>
-          </p:nvPr>
-        </p:nvSpPr>
-        <p:spPr/>
-        <p:txBody>
-          <a:bodyPr>
-            <a:normAutofit/>
-          </a:bodyPr>
-          <a:lstStyle/>
-          <a:p>
-            <a:r>
-              <a:rPr lang="en-US" sz="3000" dirty="0">
-                <a:hlinkClick r:id="rId2"/>
-              </a:rPr>
-              <a:t>JSR 310: A New Java Date/Time API</a:t>
-            </a:r>
-            <a:endParaRPr lang="en-US" sz="3000" dirty="0"/>
-          </a:p>
-          <a:p>
-            <a:r>
-              <a:rPr lang="en-US" sz="3000" dirty="0" err="1" smtClean="0">
-                <a:hlinkClick r:id="rId3"/>
-              </a:rPr>
-              <a:t>Joda</a:t>
-            </a:r>
-            <a:r>
-              <a:rPr lang="en-US" sz="3000" dirty="0" smtClean="0">
-                <a:hlinkClick r:id="rId3"/>
-              </a:rPr>
-              <a:t>-Time</a:t>
-            </a:r>
-            <a:endParaRPr lang="en-US" sz="3000" dirty="0" smtClean="0"/>
-          </a:p>
-          <a:p>
-            <a:r>
-              <a:rPr lang="en-US" sz="3000" dirty="0">
-                <a:hlinkClick r:id="rId4"/>
-              </a:rPr>
-              <a:t>Why JSR-310 isn't </a:t>
-            </a:r>
-            <a:r>
-              <a:rPr lang="en-US" sz="3000" dirty="0" err="1">
-                <a:hlinkClick r:id="rId4"/>
-              </a:rPr>
-              <a:t>Joda</a:t>
-            </a:r>
-            <a:r>
-              <a:rPr lang="en-US" sz="3000" dirty="0">
-                <a:hlinkClick r:id="rId4"/>
-              </a:rPr>
-              <a:t>-Time</a:t>
-            </a:r>
-            <a:endParaRPr lang="en-US" sz="3000" dirty="0"/>
-          </a:p>
-          <a:p>
-            <a:r>
-              <a:rPr lang="en-US" sz="3000" dirty="0" smtClean="0">
-                <a:hlinkClick r:id="rId5"/>
-              </a:rPr>
-              <a:t>Java </a:t>
-            </a:r>
-            <a:r>
-              <a:rPr lang="en-US" sz="3000" dirty="0">
-                <a:hlinkClick r:id="rId5"/>
-              </a:rPr>
-              <a:t>101: The next generation: It's time for a </a:t>
-            </a:r>
-            <a:r>
-              <a:rPr lang="en-US" sz="3000" dirty="0" smtClean="0">
-                <a:hlinkClick r:id="rId5"/>
-              </a:rPr>
-              <a:t>change</a:t>
-            </a:r>
-            <a:endParaRPr lang="en-US" sz="3000" dirty="0" smtClean="0"/>
-          </a:p>
-        </p:txBody>
-      </p:sp>
-    </p:spTree>
-    <p:extLst>
-      <p:ext uri="{BB962C8B-B14F-4D97-AF65-F5344CB8AC3E}">
-        <p14:creationId xmlns:p14="http://schemas.microsoft.com/office/powerpoint/2010/main" val="190584471"/>
-      </p:ext>
-    </p:extLst>
-  </p:cSld>
-  <p:clrMapOvr>
-    <a:masterClrMapping/>
-  </p:clrMapOvr>
-  <p:timing>
-    <p:tnLst>
-      <p:par>
-        <p:cTn id="1" dur="indefinite" restart="never" nodeType="tmRoot"/>
-      </p:par>
-    </p:tnLst>
-  </p:timing>
-</p:sld>
-</file>
-
-<file path=ppt/slides/slide43.xml><?xml version="1.0" encoding="utf-8"?>
-<p:sld xmlns:a="http://schemas.openxmlformats.org/drawingml/2006/main" xmlns:r="http://schemas.openxmlformats.org/officeDocument/2006/relationships" xmlns:p="http://schemas.openxmlformats.org/presentationml/2006/main">
-  <p:cSld>
-    <p:spTree>
-      <p:nvGrpSpPr>
-        <p:cNvPr id="1" name=""/>
-        <p:cNvGrpSpPr/>
-        <p:nvPr/>
-      </p:nvGrpSpPr>
-      <p:grpSpPr>
-        <a:xfrm>
-          <a:off x="0" y="0"/>
-          <a:ext cx="0" cy="0"/>
-          <a:chOff x="0" y="0"/>
-          <a:chExt cx="0" cy="0"/>
-        </a:xfrm>
-      </p:grpSpPr>
-      <p:sp>
-        <p:nvSpPr>
-          <p:cNvPr id="2" name="Title 1"/>
-          <p:cNvSpPr>
-            <a:spLocks noGrp="1"/>
-          </p:cNvSpPr>
-          <p:nvPr>
-            <p:ph type="title"/>
-          </p:nvPr>
-        </p:nvSpPr>
-        <p:spPr/>
-        <p:txBody>
-          <a:bodyPr/>
-          <a:lstStyle/>
-          <a:p>
-            <a:r>
-              <a:rPr lang="en-US" dirty="0" smtClean="0"/>
               <a:t>Code</a:t>
             </a:r>
             <a:endParaRPr lang="en-US" dirty="0"/>
@@ -17970,7 +16260,7 @@
 </p:sld>
 </file>
 
-<file path=ppt/slides/slide44.xml><?xml version="1.0" encoding="utf-8"?>
+<file path=ppt/slides/slide42.xml><?xml version="1.0" encoding="utf-8"?>
 <p:sld xmlns:a="http://schemas.openxmlformats.org/drawingml/2006/main" xmlns:r="http://schemas.openxmlformats.org/officeDocument/2006/relationships" xmlns:p="http://schemas.openxmlformats.org/presentationml/2006/main">
   <p:cSld>
     <p:spTree>
@@ -18059,12 +16349,14 @@
         </p:nvSpPr>
         <p:spPr/>
         <p:txBody>
-          <a:bodyPr/>
+          <a:bodyPr>
+            <a:normAutofit/>
+          </a:bodyPr>
           <a:lstStyle/>
           <a:p>
             <a:r>
               <a:rPr lang="en-US" dirty="0" smtClean="0"/>
-              <a:t>Calendar</a:t>
+              <a:t>Let’s Go Out on a Calendar</a:t>
             </a:r>
             <a:endParaRPr lang="en-US" dirty="0"/>
           </a:p>
@@ -18089,35 +16381,29 @@
           <a:p>
             <a:r>
               <a:rPr lang="en-US" sz="3000" dirty="0" smtClean="0"/>
-              <a:t>Date was the work of </a:t>
-            </a:r>
+              <a:t>“Calendar” represents a date, time and time-zone</a:t>
+            </a:r>
+          </a:p>
+          <a:p>
+            <a:r>
+              <a:rPr lang="en-US" sz="3000" dirty="0" smtClean="0"/>
+              <a:t>Default is Gregorian calendar </a:t>
+            </a:r>
+          </a:p>
+          <a:p>
+            <a:r>
+              <a:rPr lang="en-US" sz="3000" dirty="0" smtClean="0"/>
+              <a:t>In Thailand only, you get a Buddhist calendar</a:t>
+            </a:r>
+          </a:p>
+          <a:p>
             <a:r>
               <a:rPr lang="en-US" sz="3000" dirty="0"/>
-              <a:t>James Gosling and Arthur van </a:t>
+              <a:t>Y</a:t>
             </a:r>
             <a:r>
               <a:rPr lang="en-US" sz="3000" dirty="0" smtClean="0"/>
-              <a:t>Hoff</a:t>
-            </a:r>
-          </a:p>
-          <a:p>
-            <a:r>
-              <a:rPr lang="en-US" sz="3000" dirty="0" smtClean="0"/>
-              <a:t>Added in JDK 1.0, mostly deprecated in JDK 1.1, never removed</a:t>
-            </a:r>
-          </a:p>
-          <a:p>
-            <a:r>
-              <a:rPr lang="en-US" sz="3000" dirty="0" smtClean="0"/>
-              <a:t>Calendar was donated by IBM to Sun, based on </a:t>
-            </a:r>
-            <a:r>
-              <a:rPr lang="en-US" sz="3000" dirty="0" err="1" smtClean="0"/>
-              <a:t>Taligent</a:t>
-            </a:r>
-            <a:r>
-              <a:rPr lang="en-US" sz="3000" dirty="0" smtClean="0"/>
-              <a:t> code</a:t>
+              <a:t>ou can ask specifically ask for a Japanese calendar</a:t>
             </a:r>
             <a:endParaRPr lang="en-US" sz="3000" dirty="0"/>
           </a:p>
@@ -18126,7 +16412,7 @@
     </p:spTree>
     <p:extLst>
       <p:ext uri="{BB962C8B-B14F-4D97-AF65-F5344CB8AC3E}">
-        <p14:creationId xmlns:p14="http://schemas.microsoft.com/office/powerpoint/2010/main" val="3991966841"/>
+        <p14:creationId xmlns:p14="http://schemas.microsoft.com/office/powerpoint/2010/main" val="4013887558"/>
       </p:ext>
     </p:extLst>
   </p:cSld>
@@ -18179,7 +16465,7 @@
           <a:p>
             <a:r>
               <a:rPr lang="en-US" dirty="0" smtClean="0"/>
-              <a:t>Let’s Go Out on a Calendar</a:t>
+              <a:t>What’s Wrong With Calendar</a:t>
             </a:r>
             <a:endParaRPr lang="en-US" dirty="0"/>
           </a:p>
@@ -18204,29 +16490,52 @@
           <a:p>
             <a:r>
               <a:rPr lang="en-US" sz="3000" dirty="0" smtClean="0"/>
-              <a:t>“Calendar” represents a date, time and time-zone</a:t>
-            </a:r>
-          </a:p>
-          <a:p>
+              <a:t>Can’t </a:t>
+            </a:r>
+            <a:r>
+              <a:rPr lang="en-US" sz="3000" dirty="0"/>
+              <a:t>create a Calendar from a </a:t>
+            </a:r>
             <a:r>
               <a:rPr lang="en-US" sz="3000" dirty="0" smtClean="0"/>
-              <a:t>Default is Gregorian calendar </a:t>
+              <a:t>Date</a:t>
             </a:r>
           </a:p>
           <a:p>
             <a:r>
               <a:rPr lang="en-US" sz="3000" dirty="0" smtClean="0"/>
-              <a:t>In Thailand only, you get a Buddhist calendar</a:t>
-            </a:r>
-          </a:p>
-          <a:p>
+              <a:t>Can’t format a Calendar</a:t>
+            </a:r>
+          </a:p>
+          <a:p>
+            <a:r>
+              <a:rPr lang="en-US" sz="3000" dirty="0" smtClean="0"/>
+              <a:t>Zero-based offsets</a:t>
+            </a:r>
+          </a:p>
+          <a:p>
+            <a:r>
+              <a:rPr lang="en-US" sz="3000" dirty="0" smtClean="0"/>
+              <a:t>Conceptually</a:t>
+            </a:r>
             <a:r>
               <a:rPr lang="en-US" sz="3000" dirty="0"/>
-              <a:t>Y</a:t>
+              <a:t>, represents a specific instant in time, not a </a:t>
             </a:r>
             <a:r>
               <a:rPr lang="en-US" sz="3000" dirty="0" smtClean="0"/>
-              <a:t>ou can ask specifically ask for a Japanese calendar</a:t>
+              <a:t>calendar system</a:t>
+            </a:r>
+            <a:endParaRPr lang="en-US" sz="3000" dirty="0"/>
+          </a:p>
+          <a:p>
+            <a:r>
+              <a:rPr lang="en-US" sz="3000" dirty="0"/>
+              <a:t>Millisecond </a:t>
+            </a:r>
+            <a:r>
+              <a:rPr lang="en-US" sz="3000" dirty="0" smtClean="0"/>
+              <a:t>granularity</a:t>
             </a:r>
             <a:endParaRPr lang="en-US" sz="3000" dirty="0"/>
           </a:p>
@@ -18235,7 +16544,7 @@
     </p:spTree>
     <p:extLst>
       <p:ext uri="{BB962C8B-B14F-4D97-AF65-F5344CB8AC3E}">
-        <p14:creationId xmlns:p14="http://schemas.microsoft.com/office/powerpoint/2010/main" val="4013887558"/>
+        <p14:creationId xmlns:p14="http://schemas.microsoft.com/office/powerpoint/2010/main" val="2071159259"/>
       </p:ext>
     </p:extLst>
   </p:cSld>
@@ -18281,138 +16590,6 @@
         </p:nvSpPr>
         <p:spPr/>
         <p:txBody>
-          <a:bodyPr>
-            <a:normAutofit/>
-          </a:bodyPr>
-          <a:lstStyle/>
-          <a:p>
-            <a:r>
-              <a:rPr lang="en-US" dirty="0" smtClean="0"/>
-              <a:t>What’s Wrong With Calendar</a:t>
-            </a:r>
-            <a:endParaRPr lang="en-US" dirty="0"/>
-          </a:p>
-        </p:txBody>
-      </p:sp>
-      <p:sp>
-        <p:nvSpPr>
-          <p:cNvPr id="3" name="Content Placeholder 2"/>
-          <p:cNvSpPr>
-            <a:spLocks noGrp="1"/>
-          </p:cNvSpPr>
-          <p:nvPr>
-            <p:ph idx="1"/>
-          </p:nvPr>
-        </p:nvSpPr>
-        <p:spPr/>
-        <p:txBody>
-          <a:bodyPr>
-            <a:normAutofit/>
-          </a:bodyPr>
-          <a:lstStyle/>
-          <a:p>
-            <a:r>
-              <a:rPr lang="en-US" sz="3000" dirty="0" smtClean="0"/>
-              <a:t>Can’t </a:t>
-            </a:r>
-            <a:r>
-              <a:rPr lang="en-US" sz="3000" dirty="0"/>
-              <a:t>create a Calendar from a </a:t>
-            </a:r>
-            <a:r>
-              <a:rPr lang="en-US" sz="3000" dirty="0" smtClean="0"/>
-              <a:t>Date</a:t>
-            </a:r>
-          </a:p>
-          <a:p>
-            <a:r>
-              <a:rPr lang="en-US" sz="3000" dirty="0" smtClean="0"/>
-              <a:t>Can’t format a Calendar</a:t>
-            </a:r>
-          </a:p>
-          <a:p>
-            <a:r>
-              <a:rPr lang="en-US" sz="3000" dirty="0" smtClean="0"/>
-              <a:t>Zero-based offsets</a:t>
-            </a:r>
-          </a:p>
-          <a:p>
-            <a:r>
-              <a:rPr lang="en-US" sz="3000" dirty="0" smtClean="0"/>
-              <a:t>Conceptually</a:t>
-            </a:r>
-            <a:r>
-              <a:rPr lang="en-US" sz="3000" dirty="0"/>
-              <a:t>, represents a specific instant in time, not a </a:t>
-            </a:r>
-            <a:r>
-              <a:rPr lang="en-US" sz="3000" dirty="0" smtClean="0"/>
-              <a:t>calendar system</a:t>
-            </a:r>
-            <a:endParaRPr lang="en-US" sz="3000" dirty="0"/>
-          </a:p>
-          <a:p>
-            <a:r>
-              <a:rPr lang="en-US" sz="3000" dirty="0"/>
-              <a:t>Millisecond </a:t>
-            </a:r>
-            <a:r>
-              <a:rPr lang="en-US" sz="3000" dirty="0" smtClean="0"/>
-              <a:t>granularity</a:t>
-            </a:r>
-            <a:endParaRPr lang="en-US" sz="3000" dirty="0"/>
-          </a:p>
-        </p:txBody>
-      </p:sp>
-    </p:spTree>
-    <p:extLst>
-      <p:ext uri="{BB962C8B-B14F-4D97-AF65-F5344CB8AC3E}">
-        <p14:creationId xmlns:p14="http://schemas.microsoft.com/office/powerpoint/2010/main" val="2071159259"/>
-      </p:ext>
-    </p:extLst>
-  </p:cSld>
-  <p:clrMapOvr>
-    <a:masterClrMapping/>
-  </p:clrMapOvr>
-  <p:timing>
-    <p:tnLst>
-      <p:par>
-        <p:cTn id="1" dur="indefinite" restart="never" nodeType="tmRoot"/>
-      </p:par>
-    </p:tnLst>
-  </p:timing>
-</p:sld>
-</file>
-
-<file path=ppt/slides/slide8.xml><?xml version="1.0" encoding="utf-8"?>
-<p:sld xmlns:a="http://schemas.openxmlformats.org/drawingml/2006/main" xmlns:r="http://schemas.openxmlformats.org/officeDocument/2006/relationships" xmlns:p="http://schemas.openxmlformats.org/presentationml/2006/main">
-  <p:cSld>
-    <p:spTree>
-      <p:nvGrpSpPr>
-        <p:cNvPr id="1" name=""/>
-        <p:cNvGrpSpPr/>
-        <p:nvPr/>
-      </p:nvGrpSpPr>
-      <p:grpSpPr>
-        <a:xfrm>
-          <a:off x="0" y="0"/>
-          <a:ext cx="0" cy="0"/>
-          <a:chOff x="0" y="0"/>
-          <a:chExt cx="0" cy="0"/>
-        </a:xfrm>
-      </p:grpSpPr>
-      <p:sp>
-        <p:nvSpPr>
-          <p:cNvPr id="2" name="Title 1"/>
-          <p:cNvSpPr>
-            <a:spLocks noGrp="1"/>
-          </p:cNvSpPr>
-          <p:nvPr>
-            <p:ph type="title"/>
-          </p:nvPr>
-        </p:nvSpPr>
-        <p:spPr/>
-        <p:txBody>
           <a:bodyPr/>
           <a:lstStyle/>
           <a:p>
@@ -18493,7 +16670,7 @@
 </p:sld>
 </file>
 
-<file path=ppt/slides/slide9.xml><?xml version="1.0" encoding="utf-8"?>
+<file path=ppt/slides/slide8.xml><?xml version="1.0" encoding="utf-8"?>
 <p:sld xmlns:a="http://schemas.openxmlformats.org/drawingml/2006/main" xmlns:r="http://schemas.openxmlformats.org/officeDocument/2006/relationships" xmlns:p="http://schemas.openxmlformats.org/presentationml/2006/main">
   <p:cSld>
     <p:spTree>
@@ -19325,6 +17502,1012 @@
 </p:sld>
 </file>
 
+<file path=ppt/slides/slide9.xml><?xml version="1.0" encoding="utf-8"?>
+<p:sld xmlns:a="http://schemas.openxmlformats.org/drawingml/2006/main" xmlns:r="http://schemas.openxmlformats.org/officeDocument/2006/relationships" xmlns:p="http://schemas.openxmlformats.org/presentationml/2006/main">
+  <p:cSld>
+    <p:spTree>
+      <p:nvGrpSpPr>
+        <p:cNvPr id="1" name=""/>
+        <p:cNvGrpSpPr/>
+        <p:nvPr/>
+      </p:nvGrpSpPr>
+      <p:grpSpPr>
+        <a:xfrm>
+          <a:off x="0" y="0"/>
+          <a:ext cx="0" cy="0"/>
+          <a:chOff x="0" y="0"/>
+          <a:chExt cx="0" cy="0"/>
+        </a:xfrm>
+      </p:grpSpPr>
+      <p:sp>
+        <p:nvSpPr>
+          <p:cNvPr id="2" name="Title 1"/>
+          <p:cNvSpPr>
+            <a:spLocks noGrp="1"/>
+          </p:cNvSpPr>
+          <p:nvPr>
+            <p:ph type="title"/>
+          </p:nvPr>
+        </p:nvSpPr>
+        <p:spPr/>
+        <p:txBody>
+          <a:bodyPr/>
+          <a:lstStyle/>
+          <a:p>
+            <a:r>
+              <a:rPr lang="en-US" dirty="0" smtClean="0"/>
+              <a:t>Problems Getting a Date</a:t>
+            </a:r>
+            <a:endParaRPr lang="en-US" dirty="0"/>
+          </a:p>
+        </p:txBody>
+      </p:sp>
+      <p:sp>
+        <p:nvSpPr>
+          <p:cNvPr id="3" name="Content Placeholder 2"/>
+          <p:cNvSpPr>
+            <a:spLocks noGrp="1"/>
+          </p:cNvSpPr>
+          <p:nvPr>
+            <p:ph idx="1"/>
+          </p:nvPr>
+        </p:nvSpPr>
+        <p:spPr>
+          <a:xfrm>
+            <a:off x="457200" y="2590800"/>
+            <a:ext cx="8229600" cy="3535363"/>
+          </a:xfrm>
+        </p:spPr>
+        <p:txBody>
+          <a:bodyPr>
+            <a:normAutofit/>
+          </a:bodyPr>
+          <a:lstStyle/>
+          <a:p>
+            <a:pPr marL="0" indent="0">
+              <a:buNone/>
+            </a:pPr>
+            <a:r>
+              <a:rPr lang="en-US" sz="2800" dirty="0" smtClean="0">
+                <a:cs typeface="Consolas" panose="020B0609020204030204" pitchFamily="49" charset="0"/>
+              </a:rPr>
+              <a:t>Several problems here:</a:t>
+            </a:r>
+          </a:p>
+          <a:p>
+            <a:pPr marL="514350" indent="-514350">
+              <a:buFont typeface="+mj-lt"/>
+              <a:buAutoNum type="arabicPeriod"/>
+            </a:pPr>
+            <a:r>
+              <a:rPr lang="en-US" sz="2800" dirty="0" smtClean="0">
+                <a:cs typeface="Consolas" panose="020B0609020204030204" pitchFamily="49" charset="0"/>
+              </a:rPr>
+              <a:t>Which 12 is for which date field?</a:t>
+            </a:r>
+          </a:p>
+          <a:p>
+            <a:pPr marL="514350" indent="-514350">
+              <a:buFont typeface="+mj-lt"/>
+              <a:buAutoNum type="arabicPeriod"/>
+            </a:pPr>
+            <a:r>
+              <a:rPr lang="en-US" sz="2800" dirty="0" smtClean="0">
+                <a:cs typeface="Consolas" panose="020B0609020204030204" pitchFamily="49" charset="0"/>
+              </a:rPr>
+              <a:t>Month 12 </a:t>
+            </a:r>
+            <a:r>
+              <a:rPr lang="en-US" sz="2800" dirty="0">
+                <a:cs typeface="Consolas" panose="020B0609020204030204" pitchFamily="49" charset="0"/>
+              </a:rPr>
+              <a:t>should be December</a:t>
+            </a:r>
+            <a:r>
+              <a:rPr lang="en-US" sz="2800" dirty="0" smtClean="0">
+                <a:cs typeface="Consolas" panose="020B0609020204030204" pitchFamily="49" charset="0"/>
+              </a:rPr>
+              <a:t>, </a:t>
+            </a:r>
+            <a:r>
+              <a:rPr lang="en-US" sz="2800" dirty="0">
+                <a:cs typeface="Consolas" panose="020B0609020204030204" pitchFamily="49" charset="0"/>
+              </a:rPr>
+              <a:t>right? Wrong - </a:t>
+            </a:r>
+            <a:r>
+              <a:rPr lang="en-US" sz="2800" dirty="0" smtClean="0">
+                <a:cs typeface="Consolas" panose="020B0609020204030204" pitchFamily="49" charset="0"/>
+              </a:rPr>
+              <a:t>January.</a:t>
+            </a:r>
+            <a:endParaRPr lang="en-US" sz="2800" dirty="0">
+              <a:cs typeface="Consolas" panose="020B0609020204030204" pitchFamily="49" charset="0"/>
+            </a:endParaRPr>
+          </a:p>
+          <a:p>
+            <a:pPr marL="514350" indent="-514350">
+              <a:buFont typeface="+mj-lt"/>
+              <a:buAutoNum type="arabicPeriod"/>
+            </a:pPr>
+            <a:r>
+              <a:rPr lang="en-US" sz="2800" dirty="0" smtClean="0">
+                <a:cs typeface="Consolas" panose="020B0609020204030204" pitchFamily="49" charset="0"/>
+              </a:rPr>
+              <a:t>They got the year right! </a:t>
+            </a:r>
+            <a:r>
+              <a:rPr lang="en-US" sz="2800" dirty="0" smtClean="0">
+                <a:cs typeface="Consolas" panose="020B0609020204030204" pitchFamily="49" charset="0"/>
+              </a:rPr>
+              <a:t>Well almost…</a:t>
+            </a:r>
+            <a:endParaRPr lang="en-US" sz="2800" dirty="0" smtClean="0">
+              <a:cs typeface="Consolas" panose="020B0609020204030204" pitchFamily="49" charset="0"/>
+            </a:endParaRPr>
+          </a:p>
+          <a:p>
+            <a:pPr marL="514350" indent="-514350">
+              <a:buFont typeface="+mj-lt"/>
+              <a:buAutoNum type="arabicPeriod"/>
+            </a:pPr>
+            <a:r>
+              <a:rPr lang="en-US" sz="2800" dirty="0" smtClean="0">
+                <a:cs typeface="Consolas" panose="020B0609020204030204" pitchFamily="49" charset="0"/>
+              </a:rPr>
+              <a:t>Wait - there is a time in a calendar?</a:t>
+            </a:r>
+          </a:p>
+          <a:p>
+            <a:pPr marL="514350" indent="-514350">
+              <a:buFont typeface="+mj-lt"/>
+              <a:buAutoNum type="arabicPeriod"/>
+            </a:pPr>
+            <a:r>
+              <a:rPr lang="en-US" sz="2800" dirty="0" smtClean="0">
+                <a:cs typeface="Consolas" panose="020B0609020204030204" pitchFamily="49" charset="0"/>
+              </a:rPr>
+              <a:t>More than that, there is a time zone – EST.</a:t>
+            </a:r>
+            <a:endParaRPr lang="en-US" sz="2800" dirty="0">
+              <a:cs typeface="Consolas" panose="020B0609020204030204" pitchFamily="49" charset="0"/>
+            </a:endParaRPr>
+          </a:p>
+        </p:txBody>
+      </p:sp>
+      <p:sp>
+        <p:nvSpPr>
+          <p:cNvPr id="4" name="Rectangle 3"/>
+          <p:cNvSpPr/>
+          <p:nvPr/>
+        </p:nvSpPr>
+        <p:spPr>
+          <a:xfrm>
+            <a:off x="440871" y="1371600"/>
+            <a:ext cx="8169730" cy="1261884"/>
+          </a:xfrm>
+          <a:prstGeom prst="rect">
+            <a:avLst/>
+          </a:prstGeom>
+          <a:solidFill>
+            <a:schemeClr val="bg2"/>
+          </a:solidFill>
+        </p:spPr>
+        <p:txBody>
+          <a:bodyPr wrap="square">
+            <a:spAutoFit/>
+          </a:bodyPr>
+          <a:lstStyle/>
+          <a:p>
+            <a:r>
+              <a:rPr lang="en-US" sz="2800" dirty="0" err="1">
+                <a:latin typeface="Consolas" panose="020B0609020204030204" pitchFamily="49" charset="0"/>
+                <a:cs typeface="Consolas" panose="020B0609020204030204" pitchFamily="49" charset="0"/>
+              </a:rPr>
+              <a:t>System.out.println</a:t>
+            </a:r>
+            <a:r>
+              <a:rPr lang="en-US" sz="2800" dirty="0">
+                <a:latin typeface="Consolas" panose="020B0609020204030204" pitchFamily="49" charset="0"/>
+                <a:cs typeface="Consolas" panose="020B0609020204030204" pitchFamily="49" charset="0"/>
+              </a:rPr>
+              <a:t>(</a:t>
+            </a:r>
+            <a:r>
+              <a:rPr lang="en-US" sz="2800" dirty="0" err="1">
+                <a:latin typeface="Consolas" panose="020B0609020204030204" pitchFamily="49" charset="0"/>
+                <a:cs typeface="Consolas" panose="020B0609020204030204" pitchFamily="49" charset="0"/>
+              </a:rPr>
+              <a:t>dtFormat.format</a:t>
+            </a:r>
+            <a:r>
+              <a:rPr lang="en-US" sz="2800" dirty="0">
+                <a:latin typeface="Consolas" panose="020B0609020204030204" pitchFamily="49" charset="0"/>
+                <a:cs typeface="Consolas" panose="020B0609020204030204" pitchFamily="49" charset="0"/>
+              </a:rPr>
+              <a:t>(</a:t>
+            </a:r>
+            <a:r>
+              <a:rPr lang="en-US" sz="2800" b="1" dirty="0">
+                <a:latin typeface="Consolas" panose="020B0609020204030204" pitchFamily="49" charset="0"/>
+                <a:cs typeface="Consolas" panose="020B0609020204030204" pitchFamily="49" charset="0"/>
+              </a:rPr>
+              <a:t>new </a:t>
+            </a:r>
+            <a:r>
+              <a:rPr lang="en-US" sz="2800" b="1" dirty="0" err="1">
+                <a:latin typeface="Consolas" panose="020B0609020204030204" pitchFamily="49" charset="0"/>
+                <a:cs typeface="Consolas" panose="020B0609020204030204" pitchFamily="49" charset="0"/>
+              </a:rPr>
+              <a:t>GregorianCalendar</a:t>
+            </a:r>
+            <a:r>
+              <a:rPr lang="en-US" sz="2800" b="1" dirty="0">
+                <a:latin typeface="Consolas" panose="020B0609020204030204" pitchFamily="49" charset="0"/>
+                <a:cs typeface="Consolas" panose="020B0609020204030204" pitchFamily="49" charset="0"/>
+              </a:rPr>
+              <a:t>(12,12,12)</a:t>
+            </a:r>
+            <a:r>
+              <a:rPr lang="en-US" sz="2800" dirty="0">
+                <a:latin typeface="Consolas" panose="020B0609020204030204" pitchFamily="49" charset="0"/>
+                <a:cs typeface="Consolas" panose="020B0609020204030204" pitchFamily="49" charset="0"/>
+              </a:rPr>
+              <a:t>.</a:t>
+            </a:r>
+            <a:r>
+              <a:rPr lang="en-US" sz="2800" dirty="0" err="1">
+                <a:latin typeface="Consolas" panose="020B0609020204030204" pitchFamily="49" charset="0"/>
+                <a:cs typeface="Consolas" panose="020B0609020204030204" pitchFamily="49" charset="0"/>
+              </a:rPr>
+              <a:t>getTime</a:t>
+            </a:r>
+            <a:r>
+              <a:rPr lang="en-US" sz="2800" dirty="0">
+                <a:latin typeface="Consolas" panose="020B0609020204030204" pitchFamily="49" charset="0"/>
+                <a:cs typeface="Consolas" panose="020B0609020204030204" pitchFamily="49" charset="0"/>
+              </a:rPr>
+              <a:t>()));</a:t>
+            </a:r>
+          </a:p>
+          <a:p>
+            <a:r>
+              <a:rPr lang="en-US" sz="2000" dirty="0">
+                <a:solidFill>
+                  <a:schemeClr val="accent3">
+                    <a:lumMod val="75000"/>
+                  </a:schemeClr>
+                </a:solidFill>
+                <a:latin typeface="Consolas" panose="020B0609020204030204" pitchFamily="49" charset="0"/>
+                <a:cs typeface="Consolas" panose="020B0609020204030204" pitchFamily="49" charset="0"/>
+              </a:rPr>
+              <a:t>// January 12, 0013 12:00:00 AM EST</a:t>
+            </a:r>
+          </a:p>
+        </p:txBody>
+      </p:sp>
+    </p:spTree>
+    <p:extLst>
+      <p:ext uri="{BB962C8B-B14F-4D97-AF65-F5344CB8AC3E}">
+        <p14:creationId xmlns:p14="http://schemas.microsoft.com/office/powerpoint/2010/main" val="3501960908"/>
+      </p:ext>
+    </p:extLst>
+  </p:cSld>
+  <p:clrMapOvr>
+    <a:masterClrMapping/>
+  </p:clrMapOvr>
+  <p:timing>
+    <p:tnLst>
+      <p:par>
+        <p:cTn id="1" dur="indefinite" restart="never" nodeType="tmRoot">
+          <p:childTnLst>
+            <p:seq concurrent="1" nextAc="seek">
+              <p:cTn id="2" dur="indefinite" nodeType="mainSeq">
+                <p:childTnLst>
+                  <p:par>
+                    <p:cTn id="3" fill="hold">
+                      <p:stCondLst>
+                        <p:cond delay="indefinite"/>
+                      </p:stCondLst>
+                      <p:childTnLst>
+                        <p:par>
+                          <p:cTn id="4" fill="hold">
+                            <p:stCondLst>
+                              <p:cond delay="0"/>
+                            </p:stCondLst>
+                            <p:childTnLst>
+                              <p:par>
+                                <p:cTn id="5" presetID="10" presetClass="entr" presetSubtype="0" fill="hold" nodeType="clickEffect">
+                                  <p:stCondLst>
+                                    <p:cond delay="0"/>
+                                  </p:stCondLst>
+                                  <p:childTnLst>
+                                    <p:set>
+                                      <p:cBhvr>
+                                        <p:cTn id="6" dur="1" fill="hold">
+                                          <p:stCondLst>
+                                            <p:cond delay="0"/>
+                                          </p:stCondLst>
+                                        </p:cTn>
+                                        <p:tgtEl>
+                                          <p:spTgt spid="4">
+                                            <p:txEl>
+                                              <p:pRg st="1" end="1"/>
+                                            </p:txEl>
+                                          </p:spTgt>
+                                        </p:tgtEl>
+                                        <p:attrNameLst>
+                                          <p:attrName>style.visibility</p:attrName>
+                                        </p:attrNameLst>
+                                      </p:cBhvr>
+                                      <p:to>
+                                        <p:strVal val="visible"/>
+                                      </p:to>
+                                    </p:set>
+                                    <p:animEffect transition="in" filter="fade">
+                                      <p:cBhvr>
+                                        <p:cTn id="7" dur="500"/>
+                                        <p:tgtEl>
+                                          <p:spTgt spid="4">
+                                            <p:txEl>
+                                              <p:pRg st="1" end="1"/>
+                                            </p:txEl>
+                                          </p:spTgt>
+                                        </p:tgtEl>
+                                      </p:cBhvr>
+                                    </p:animEffect>
+                                  </p:childTnLst>
+                                </p:cTn>
+                              </p:par>
+                            </p:childTnLst>
+                          </p:cTn>
+                        </p:par>
+                      </p:childTnLst>
+                    </p:cTn>
+                  </p:par>
+                  <p:par>
+                    <p:cTn id="8" fill="hold">
+                      <p:stCondLst>
+                        <p:cond delay="indefinite"/>
+                      </p:stCondLst>
+                      <p:childTnLst>
+                        <p:par>
+                          <p:cTn id="9" fill="hold">
+                            <p:stCondLst>
+                              <p:cond delay="0"/>
+                            </p:stCondLst>
+                            <p:childTnLst>
+                              <p:par>
+                                <p:cTn id="10" presetID="2" presetClass="entr" presetSubtype="4" fill="hold" nodeType="clickEffect">
+                                  <p:stCondLst>
+                                    <p:cond delay="0"/>
+                                  </p:stCondLst>
+                                  <p:childTnLst>
+                                    <p:set>
+                                      <p:cBhvr>
+                                        <p:cTn id="11" dur="1" fill="hold">
+                                          <p:stCondLst>
+                                            <p:cond delay="0"/>
+                                          </p:stCondLst>
+                                        </p:cTn>
+                                        <p:tgtEl>
+                                          <p:spTgt spid="3">
+                                            <p:txEl>
+                                              <p:pRg st="0" end="0"/>
+                                            </p:txEl>
+                                          </p:spTgt>
+                                        </p:tgtEl>
+                                        <p:attrNameLst>
+                                          <p:attrName>style.visibility</p:attrName>
+                                        </p:attrNameLst>
+                                      </p:cBhvr>
+                                      <p:to>
+                                        <p:strVal val="visible"/>
+                                      </p:to>
+                                    </p:set>
+                                    <p:anim calcmode="lin" valueType="num">
+                                      <p:cBhvr additive="base">
+                                        <p:cTn id="12" dur="500" fill="hold"/>
+                                        <p:tgtEl>
+                                          <p:spTgt spid="3">
+                                            <p:txEl>
+                                              <p:pRg st="0" end="0"/>
+                                            </p:txEl>
+                                          </p:spTgt>
+                                        </p:tgtEl>
+                                        <p:attrNameLst>
+                                          <p:attrName>ppt_x</p:attrName>
+                                        </p:attrNameLst>
+                                      </p:cBhvr>
+                                      <p:tavLst>
+                                        <p:tav tm="0">
+                                          <p:val>
+                                            <p:strVal val="#ppt_x"/>
+                                          </p:val>
+                                        </p:tav>
+                                        <p:tav tm="100000">
+                                          <p:val>
+                                            <p:strVal val="#ppt_x"/>
+                                          </p:val>
+                                        </p:tav>
+                                      </p:tavLst>
+                                    </p:anim>
+                                    <p:anim calcmode="lin" valueType="num">
+                                      <p:cBhvr additive="base">
+                                        <p:cTn id="13" dur="500" fill="hold"/>
+                                        <p:tgtEl>
+                                          <p:spTgt spid="3">
+                                            <p:txEl>
+                                              <p:pRg st="0" end="0"/>
+                                            </p:txEl>
+                                          </p:spTgt>
+                                        </p:tgtEl>
+                                        <p:attrNameLst>
+                                          <p:attrName>ppt_y</p:attrName>
+                                        </p:attrNameLst>
+                                      </p:cBhvr>
+                                      <p:tavLst>
+                                        <p:tav tm="0">
+                                          <p:val>
+                                            <p:strVal val="1+#ppt_h/2"/>
+                                          </p:val>
+                                        </p:tav>
+                                        <p:tav tm="100000">
+                                          <p:val>
+                                            <p:strVal val="#ppt_y"/>
+                                          </p:val>
+                                        </p:tav>
+                                      </p:tavLst>
+                                    </p:anim>
+                                  </p:childTnLst>
+                                </p:cTn>
+                              </p:par>
+                            </p:childTnLst>
+                          </p:cTn>
+                        </p:par>
+                      </p:childTnLst>
+                    </p:cTn>
+                  </p:par>
+                  <p:par>
+                    <p:cTn id="14" fill="hold">
+                      <p:stCondLst>
+                        <p:cond delay="indefinite"/>
+                      </p:stCondLst>
+                      <p:childTnLst>
+                        <p:par>
+                          <p:cTn id="15" fill="hold">
+                            <p:stCondLst>
+                              <p:cond delay="0"/>
+                            </p:stCondLst>
+                            <p:childTnLst>
+                              <p:par>
+                                <p:cTn id="16" presetID="2" presetClass="entr" presetSubtype="4" fill="hold" nodeType="clickEffect">
+                                  <p:stCondLst>
+                                    <p:cond delay="0"/>
+                                  </p:stCondLst>
+                                  <p:childTnLst>
+                                    <p:set>
+                                      <p:cBhvr>
+                                        <p:cTn id="17" dur="1" fill="hold">
+                                          <p:stCondLst>
+                                            <p:cond delay="0"/>
+                                          </p:stCondLst>
+                                        </p:cTn>
+                                        <p:tgtEl>
+                                          <p:spTgt spid="3">
+                                            <p:txEl>
+                                              <p:pRg st="1" end="1"/>
+                                            </p:txEl>
+                                          </p:spTgt>
+                                        </p:tgtEl>
+                                        <p:attrNameLst>
+                                          <p:attrName>style.visibility</p:attrName>
+                                        </p:attrNameLst>
+                                      </p:cBhvr>
+                                      <p:to>
+                                        <p:strVal val="visible"/>
+                                      </p:to>
+                                    </p:set>
+                                    <p:anim calcmode="lin" valueType="num">
+                                      <p:cBhvr additive="base">
+                                        <p:cTn id="18" dur="500" fill="hold"/>
+                                        <p:tgtEl>
+                                          <p:spTgt spid="3">
+                                            <p:txEl>
+                                              <p:pRg st="1" end="1"/>
+                                            </p:txEl>
+                                          </p:spTgt>
+                                        </p:tgtEl>
+                                        <p:attrNameLst>
+                                          <p:attrName>ppt_x</p:attrName>
+                                        </p:attrNameLst>
+                                      </p:cBhvr>
+                                      <p:tavLst>
+                                        <p:tav tm="0">
+                                          <p:val>
+                                            <p:strVal val="#ppt_x"/>
+                                          </p:val>
+                                        </p:tav>
+                                        <p:tav tm="100000">
+                                          <p:val>
+                                            <p:strVal val="#ppt_x"/>
+                                          </p:val>
+                                        </p:tav>
+                                      </p:tavLst>
+                                    </p:anim>
+                                    <p:anim calcmode="lin" valueType="num">
+                                      <p:cBhvr additive="base">
+                                        <p:cTn id="19" dur="500" fill="hold"/>
+                                        <p:tgtEl>
+                                          <p:spTgt spid="3">
+                                            <p:txEl>
+                                              <p:pRg st="1" end="1"/>
+                                            </p:txEl>
+                                          </p:spTgt>
+                                        </p:tgtEl>
+                                        <p:attrNameLst>
+                                          <p:attrName>ppt_y</p:attrName>
+                                        </p:attrNameLst>
+                                      </p:cBhvr>
+                                      <p:tavLst>
+                                        <p:tav tm="0">
+                                          <p:val>
+                                            <p:strVal val="1+#ppt_h/2"/>
+                                          </p:val>
+                                        </p:tav>
+                                        <p:tav tm="100000">
+                                          <p:val>
+                                            <p:strVal val="#ppt_y"/>
+                                          </p:val>
+                                        </p:tav>
+                                      </p:tavLst>
+                                    </p:anim>
+                                  </p:childTnLst>
+                                </p:cTn>
+                              </p:par>
+                            </p:childTnLst>
+                          </p:cTn>
+                        </p:par>
+                      </p:childTnLst>
+                    </p:cTn>
+                  </p:par>
+                  <p:par>
+                    <p:cTn id="20" fill="hold">
+                      <p:stCondLst>
+                        <p:cond delay="indefinite"/>
+                      </p:stCondLst>
+                      <p:childTnLst>
+                        <p:par>
+                          <p:cTn id="21" fill="hold">
+                            <p:stCondLst>
+                              <p:cond delay="0"/>
+                            </p:stCondLst>
+                            <p:childTnLst>
+                              <p:par>
+                                <p:cTn id="22" presetID="2" presetClass="entr" presetSubtype="4" fill="hold" nodeType="clickEffect">
+                                  <p:stCondLst>
+                                    <p:cond delay="0"/>
+                                  </p:stCondLst>
+                                  <p:childTnLst>
+                                    <p:set>
+                                      <p:cBhvr>
+                                        <p:cTn id="23" dur="1" fill="hold">
+                                          <p:stCondLst>
+                                            <p:cond delay="0"/>
+                                          </p:stCondLst>
+                                        </p:cTn>
+                                        <p:tgtEl>
+                                          <p:spTgt spid="3">
+                                            <p:txEl>
+                                              <p:pRg st="2" end="2"/>
+                                            </p:txEl>
+                                          </p:spTgt>
+                                        </p:tgtEl>
+                                        <p:attrNameLst>
+                                          <p:attrName>style.visibility</p:attrName>
+                                        </p:attrNameLst>
+                                      </p:cBhvr>
+                                      <p:to>
+                                        <p:strVal val="visible"/>
+                                      </p:to>
+                                    </p:set>
+                                    <p:anim calcmode="lin" valueType="num">
+                                      <p:cBhvr additive="base">
+                                        <p:cTn id="24" dur="500" fill="hold"/>
+                                        <p:tgtEl>
+                                          <p:spTgt spid="3">
+                                            <p:txEl>
+                                              <p:pRg st="2" end="2"/>
+                                            </p:txEl>
+                                          </p:spTgt>
+                                        </p:tgtEl>
+                                        <p:attrNameLst>
+                                          <p:attrName>ppt_x</p:attrName>
+                                        </p:attrNameLst>
+                                      </p:cBhvr>
+                                      <p:tavLst>
+                                        <p:tav tm="0">
+                                          <p:val>
+                                            <p:strVal val="#ppt_x"/>
+                                          </p:val>
+                                        </p:tav>
+                                        <p:tav tm="100000">
+                                          <p:val>
+                                            <p:strVal val="#ppt_x"/>
+                                          </p:val>
+                                        </p:tav>
+                                      </p:tavLst>
+                                    </p:anim>
+                                    <p:anim calcmode="lin" valueType="num">
+                                      <p:cBhvr additive="base">
+                                        <p:cTn id="25" dur="500" fill="hold"/>
+                                        <p:tgtEl>
+                                          <p:spTgt spid="3">
+                                            <p:txEl>
+                                              <p:pRg st="2" end="2"/>
+                                            </p:txEl>
+                                          </p:spTgt>
+                                        </p:tgtEl>
+                                        <p:attrNameLst>
+                                          <p:attrName>ppt_y</p:attrName>
+                                        </p:attrNameLst>
+                                      </p:cBhvr>
+                                      <p:tavLst>
+                                        <p:tav tm="0">
+                                          <p:val>
+                                            <p:strVal val="1+#ppt_h/2"/>
+                                          </p:val>
+                                        </p:tav>
+                                        <p:tav tm="100000">
+                                          <p:val>
+                                            <p:strVal val="#ppt_y"/>
+                                          </p:val>
+                                        </p:tav>
+                                      </p:tavLst>
+                                    </p:anim>
+                                  </p:childTnLst>
+                                </p:cTn>
+                              </p:par>
+                            </p:childTnLst>
+                          </p:cTn>
+                        </p:par>
+                      </p:childTnLst>
+                    </p:cTn>
+                  </p:par>
+                  <p:par>
+                    <p:cTn id="26" fill="hold">
+                      <p:stCondLst>
+                        <p:cond delay="indefinite"/>
+                      </p:stCondLst>
+                      <p:childTnLst>
+                        <p:par>
+                          <p:cTn id="27" fill="hold">
+                            <p:stCondLst>
+                              <p:cond delay="0"/>
+                            </p:stCondLst>
+                            <p:childTnLst>
+                              <p:par>
+                                <p:cTn id="28" presetID="2" presetClass="entr" presetSubtype="4" fill="hold" nodeType="clickEffect">
+                                  <p:stCondLst>
+                                    <p:cond delay="0"/>
+                                  </p:stCondLst>
+                                  <p:childTnLst>
+                                    <p:set>
+                                      <p:cBhvr>
+                                        <p:cTn id="29" dur="1" fill="hold">
+                                          <p:stCondLst>
+                                            <p:cond delay="0"/>
+                                          </p:stCondLst>
+                                        </p:cTn>
+                                        <p:tgtEl>
+                                          <p:spTgt spid="3">
+                                            <p:txEl>
+                                              <p:pRg st="3" end="3"/>
+                                            </p:txEl>
+                                          </p:spTgt>
+                                        </p:tgtEl>
+                                        <p:attrNameLst>
+                                          <p:attrName>style.visibility</p:attrName>
+                                        </p:attrNameLst>
+                                      </p:cBhvr>
+                                      <p:to>
+                                        <p:strVal val="visible"/>
+                                      </p:to>
+                                    </p:set>
+                                    <p:anim calcmode="lin" valueType="num">
+                                      <p:cBhvr additive="base">
+                                        <p:cTn id="30" dur="500" fill="hold"/>
+                                        <p:tgtEl>
+                                          <p:spTgt spid="3">
+                                            <p:txEl>
+                                              <p:pRg st="3" end="3"/>
+                                            </p:txEl>
+                                          </p:spTgt>
+                                        </p:tgtEl>
+                                        <p:attrNameLst>
+                                          <p:attrName>ppt_x</p:attrName>
+                                        </p:attrNameLst>
+                                      </p:cBhvr>
+                                      <p:tavLst>
+                                        <p:tav tm="0">
+                                          <p:val>
+                                            <p:strVal val="#ppt_x"/>
+                                          </p:val>
+                                        </p:tav>
+                                        <p:tav tm="100000">
+                                          <p:val>
+                                            <p:strVal val="#ppt_x"/>
+                                          </p:val>
+                                        </p:tav>
+                                      </p:tavLst>
+                                    </p:anim>
+                                    <p:anim calcmode="lin" valueType="num">
+                                      <p:cBhvr additive="base">
+                                        <p:cTn id="31" dur="500" fill="hold"/>
+                                        <p:tgtEl>
+                                          <p:spTgt spid="3">
+                                            <p:txEl>
+                                              <p:pRg st="3" end="3"/>
+                                            </p:txEl>
+                                          </p:spTgt>
+                                        </p:tgtEl>
+                                        <p:attrNameLst>
+                                          <p:attrName>ppt_y</p:attrName>
+                                        </p:attrNameLst>
+                                      </p:cBhvr>
+                                      <p:tavLst>
+                                        <p:tav tm="0">
+                                          <p:val>
+                                            <p:strVal val="1+#ppt_h/2"/>
+                                          </p:val>
+                                        </p:tav>
+                                        <p:tav tm="100000">
+                                          <p:val>
+                                            <p:strVal val="#ppt_y"/>
+                                          </p:val>
+                                        </p:tav>
+                                      </p:tavLst>
+                                    </p:anim>
+                                  </p:childTnLst>
+                                </p:cTn>
+                              </p:par>
+                            </p:childTnLst>
+                          </p:cTn>
+                        </p:par>
+                      </p:childTnLst>
+                    </p:cTn>
+                  </p:par>
+                  <p:par>
+                    <p:cTn id="32" fill="hold">
+                      <p:stCondLst>
+                        <p:cond delay="indefinite"/>
+                      </p:stCondLst>
+                      <p:childTnLst>
+                        <p:par>
+                          <p:cTn id="33" fill="hold">
+                            <p:stCondLst>
+                              <p:cond delay="0"/>
+                            </p:stCondLst>
+                            <p:childTnLst>
+                              <p:par>
+                                <p:cTn id="34" presetID="2" presetClass="entr" presetSubtype="4" fill="hold" nodeType="clickEffect">
+                                  <p:stCondLst>
+                                    <p:cond delay="0"/>
+                                  </p:stCondLst>
+                                  <p:childTnLst>
+                                    <p:set>
+                                      <p:cBhvr>
+                                        <p:cTn id="35" dur="1" fill="hold">
+                                          <p:stCondLst>
+                                            <p:cond delay="0"/>
+                                          </p:stCondLst>
+                                        </p:cTn>
+                                        <p:tgtEl>
+                                          <p:spTgt spid="3">
+                                            <p:txEl>
+                                              <p:pRg st="4" end="4"/>
+                                            </p:txEl>
+                                          </p:spTgt>
+                                        </p:tgtEl>
+                                        <p:attrNameLst>
+                                          <p:attrName>style.visibility</p:attrName>
+                                        </p:attrNameLst>
+                                      </p:cBhvr>
+                                      <p:to>
+                                        <p:strVal val="visible"/>
+                                      </p:to>
+                                    </p:set>
+                                    <p:anim calcmode="lin" valueType="num">
+                                      <p:cBhvr additive="base">
+                                        <p:cTn id="36" dur="500" fill="hold"/>
+                                        <p:tgtEl>
+                                          <p:spTgt spid="3">
+                                            <p:txEl>
+                                              <p:pRg st="4" end="4"/>
+                                            </p:txEl>
+                                          </p:spTgt>
+                                        </p:tgtEl>
+                                        <p:attrNameLst>
+                                          <p:attrName>ppt_x</p:attrName>
+                                        </p:attrNameLst>
+                                      </p:cBhvr>
+                                      <p:tavLst>
+                                        <p:tav tm="0">
+                                          <p:val>
+                                            <p:strVal val="#ppt_x"/>
+                                          </p:val>
+                                        </p:tav>
+                                        <p:tav tm="100000">
+                                          <p:val>
+                                            <p:strVal val="#ppt_x"/>
+                                          </p:val>
+                                        </p:tav>
+                                      </p:tavLst>
+                                    </p:anim>
+                                    <p:anim calcmode="lin" valueType="num">
+                                      <p:cBhvr additive="base">
+                                        <p:cTn id="37" dur="500" fill="hold"/>
+                                        <p:tgtEl>
+                                          <p:spTgt spid="3">
+                                            <p:txEl>
+                                              <p:pRg st="4" end="4"/>
+                                            </p:txEl>
+                                          </p:spTgt>
+                                        </p:tgtEl>
+                                        <p:attrNameLst>
+                                          <p:attrName>ppt_y</p:attrName>
+                                        </p:attrNameLst>
+                                      </p:cBhvr>
+                                      <p:tavLst>
+                                        <p:tav tm="0">
+                                          <p:val>
+                                            <p:strVal val="1+#ppt_h/2"/>
+                                          </p:val>
+                                        </p:tav>
+                                        <p:tav tm="100000">
+                                          <p:val>
+                                            <p:strVal val="#ppt_y"/>
+                                          </p:val>
+                                        </p:tav>
+                                      </p:tavLst>
+                                    </p:anim>
+                                  </p:childTnLst>
+                                </p:cTn>
+                              </p:par>
+                            </p:childTnLst>
+                          </p:cTn>
+                        </p:par>
+                      </p:childTnLst>
+                    </p:cTn>
+                  </p:par>
+                  <p:par>
+                    <p:cTn id="38" fill="hold">
+                      <p:stCondLst>
+                        <p:cond delay="indefinite"/>
+                      </p:stCondLst>
+                      <p:childTnLst>
+                        <p:par>
+                          <p:cTn id="39" fill="hold">
+                            <p:stCondLst>
+                              <p:cond delay="0"/>
+                            </p:stCondLst>
+                            <p:childTnLst>
+                              <p:par>
+                                <p:cTn id="40" presetID="2" presetClass="entr" presetSubtype="4" fill="hold" nodeType="clickEffect">
+                                  <p:stCondLst>
+                                    <p:cond delay="0"/>
+                                  </p:stCondLst>
+                                  <p:childTnLst>
+                                    <p:set>
+                                      <p:cBhvr>
+                                        <p:cTn id="41" dur="1" fill="hold">
+                                          <p:stCondLst>
+                                            <p:cond delay="0"/>
+                                          </p:stCondLst>
+                                        </p:cTn>
+                                        <p:tgtEl>
+                                          <p:spTgt spid="3">
+                                            <p:txEl>
+                                              <p:pRg st="5" end="5"/>
+                                            </p:txEl>
+                                          </p:spTgt>
+                                        </p:tgtEl>
+                                        <p:attrNameLst>
+                                          <p:attrName>style.visibility</p:attrName>
+                                        </p:attrNameLst>
+                                      </p:cBhvr>
+                                      <p:to>
+                                        <p:strVal val="visible"/>
+                                      </p:to>
+                                    </p:set>
+                                    <p:anim calcmode="lin" valueType="num">
+                                      <p:cBhvr additive="base">
+                                        <p:cTn id="42" dur="500" fill="hold"/>
+                                        <p:tgtEl>
+                                          <p:spTgt spid="3">
+                                            <p:txEl>
+                                              <p:pRg st="5" end="5"/>
+                                            </p:txEl>
+                                          </p:spTgt>
+                                        </p:tgtEl>
+                                        <p:attrNameLst>
+                                          <p:attrName>ppt_x</p:attrName>
+                                        </p:attrNameLst>
+                                      </p:cBhvr>
+                                      <p:tavLst>
+                                        <p:tav tm="0">
+                                          <p:val>
+                                            <p:strVal val="#ppt_x"/>
+                                          </p:val>
+                                        </p:tav>
+                                        <p:tav tm="100000">
+                                          <p:val>
+                                            <p:strVal val="#ppt_x"/>
+                                          </p:val>
+                                        </p:tav>
+                                      </p:tavLst>
+                                    </p:anim>
+                                    <p:anim calcmode="lin" valueType="num">
+                                      <p:cBhvr additive="base">
+                                        <p:cTn id="43" dur="500" fill="hold"/>
+                                        <p:tgtEl>
+                                          <p:spTgt spid="3">
+                                            <p:txEl>
+                                              <p:pRg st="5" end="5"/>
+                                            </p:txEl>
+                                          </p:spTgt>
+                                        </p:tgtEl>
+                                        <p:attrNameLst>
+                                          <p:attrName>ppt_y</p:attrName>
+                                        </p:attrNameLst>
+                                      </p:cBhvr>
+                                      <p:tavLst>
+                                        <p:tav tm="0">
+                                          <p:val>
+                                            <p:strVal val="1+#ppt_h/2"/>
+                                          </p:val>
+                                        </p:tav>
+                                        <p:tav tm="100000">
+                                          <p:val>
+                                            <p:strVal val="#ppt_y"/>
+                                          </p:val>
+                                        </p:tav>
+                                      </p:tavLst>
+                                    </p:anim>
+                                  </p:childTnLst>
+                                </p:cTn>
+                              </p:par>
+                            </p:childTnLst>
+                          </p:cTn>
+                        </p:par>
+                      </p:childTnLst>
+                    </p:cTn>
+                  </p:par>
+                </p:childTnLst>
+              </p:cTn>
+              <p:prevCondLst>
+                <p:cond evt="onPrev" delay="0">
+                  <p:tgtEl>
+                    <p:sldTgt/>
+                  </p:tgtEl>
+                </p:cond>
+              </p:prevCondLst>
+              <p:nextCondLst>
+                <p:cond evt="onNext" delay="0">
+                  <p:tgtEl>
+                    <p:sldTgt/>
+                  </p:tgtEl>
+                </p:cond>
+              </p:nextCondLst>
+            </p:seq>
+          </p:childTnLst>
+        </p:cTn>
+      </p:par>
+    </p:tnLst>
+  </p:timing>
+</p:sld>
+</file>
+
 <file path=ppt/theme/theme1.xml><?xml version="1.0" encoding="utf-8"?>
 <a:theme xmlns:a="http://schemas.openxmlformats.org/drawingml/2006/main" name="Office Theme">
   <a:themeElements>

--- a/Java 8 Date and Time API.pptx
+++ b/Java 8 Date and Time API.pptx
@@ -507,7 +507,7 @@
           <a:p>
             <a:fld id="{9FC8350F-9398-41A4-A7C8-75E8E1FDC641}" type="datetimeFigureOut">
               <a:rPr lang="en-US" smtClean="0"/>
-              <a:t>3/18/2014</a:t>
+              <a:t>3/19/2014</a:t>
             </a:fld>
             <a:endParaRPr lang="en-US"/>
           </a:p>
@@ -753,7 +753,7 @@
           <a:p>
             <a:fld id="{4521DC5A-3FE3-4FD1-BF87-57592AFF8A1E}" type="datetimeFigureOut">
               <a:rPr lang="en-US" smtClean="0"/>
-              <a:t>3/18/2014</a:t>
+              <a:t>3/19/2014</a:t>
             </a:fld>
             <a:endParaRPr lang="en-US"/>
           </a:p>
@@ -999,7 +999,7 @@
           <a:p>
             <a:fld id="{4521DC5A-3FE3-4FD1-BF87-57592AFF8A1E}" type="datetimeFigureOut">
               <a:rPr lang="en-US" smtClean="0"/>
-              <a:t>3/18/2014</a:t>
+              <a:t>3/19/2014</a:t>
             </a:fld>
             <a:endParaRPr lang="en-US"/>
           </a:p>
@@ -1245,7 +1245,7 @@
           <a:p>
             <a:fld id="{4521DC5A-3FE3-4FD1-BF87-57592AFF8A1E}" type="datetimeFigureOut">
               <a:rPr lang="en-US" smtClean="0"/>
-              <a:t>3/18/2014</a:t>
+              <a:t>3/19/2014</a:t>
             </a:fld>
             <a:endParaRPr lang="en-US"/>
           </a:p>
@@ -1503,7 +1503,7 @@
           <a:p>
             <a:fld id="{4521DC5A-3FE3-4FD1-BF87-57592AFF8A1E}" type="datetimeFigureOut">
               <a:rPr lang="en-US" smtClean="0"/>
-              <a:t>3/18/2014</a:t>
+              <a:t>3/19/2014</a:t>
             </a:fld>
             <a:endParaRPr lang="en-US"/>
           </a:p>
@@ -1865,7 +1865,7 @@
           <a:p>
             <a:fld id="{4521DC5A-3FE3-4FD1-BF87-57592AFF8A1E}" type="datetimeFigureOut">
               <a:rPr lang="en-US" smtClean="0"/>
-              <a:t>3/18/2014</a:t>
+              <a:t>3/19/2014</a:t>
             </a:fld>
             <a:endParaRPr lang="en-US"/>
           </a:p>
@@ -2363,7 +2363,7 @@
           <a:p>
             <a:fld id="{4521DC5A-3FE3-4FD1-BF87-57592AFF8A1E}" type="datetimeFigureOut">
               <a:rPr lang="en-US" smtClean="0"/>
-              <a:t>3/18/2014</a:t>
+              <a:t>3/19/2014</a:t>
             </a:fld>
             <a:endParaRPr lang="en-US"/>
           </a:p>
@@ -2549,7 +2549,7 @@
           <a:p>
             <a:fld id="{4521DC5A-3FE3-4FD1-BF87-57592AFF8A1E}" type="datetimeFigureOut">
               <a:rPr lang="en-US" smtClean="0"/>
-              <a:t>3/18/2014</a:t>
+              <a:t>3/19/2014</a:t>
             </a:fld>
             <a:endParaRPr lang="en-US"/>
           </a:p>
@@ -2704,7 +2704,7 @@
           <a:p>
             <a:fld id="{4521DC5A-3FE3-4FD1-BF87-57592AFF8A1E}" type="datetimeFigureOut">
               <a:rPr lang="en-US" smtClean="0"/>
-              <a:t>3/18/2014</a:t>
+              <a:t>3/19/2014</a:t>
             </a:fld>
             <a:endParaRPr lang="en-US"/>
           </a:p>
@@ -3050,7 +3050,7 @@
           <a:p>
             <a:fld id="{4521DC5A-3FE3-4FD1-BF87-57592AFF8A1E}" type="datetimeFigureOut">
               <a:rPr lang="en-US" smtClean="0"/>
-              <a:t>3/18/2014</a:t>
+              <a:t>3/19/2014</a:t>
             </a:fld>
             <a:endParaRPr lang="en-US"/>
           </a:p>
@@ -3376,7 +3376,7 @@
           <a:p>
             <a:fld id="{4521DC5A-3FE3-4FD1-BF87-57592AFF8A1E}" type="datetimeFigureOut">
               <a:rPr lang="en-US" smtClean="0"/>
-              <a:t>3/18/2014</a:t>
+              <a:t>3/19/2014</a:t>
             </a:fld>
             <a:endParaRPr lang="en-US"/>
           </a:p>
@@ -3966,7 +3966,7 @@
           <a:p>
             <a:fld id="{4521DC5A-3FE3-4FD1-BF87-57592AFF8A1E}" type="datetimeFigureOut">
               <a:rPr lang="en-US" smtClean="0"/>
-              <a:t>3/18/2014</a:t>
+              <a:t>3/19/2014</a:t>
             </a:fld>
             <a:endParaRPr lang="en-US"/>
           </a:p>
@@ -5171,17 +5171,8 @@
               <a:rPr lang="en-US" dirty="0" smtClean="0">
                 <a:cs typeface="Consolas" panose="020B0609020204030204" pitchFamily="49" charset="0"/>
               </a:rPr>
-              <a:t>No </a:t>
-            </a:r>
-            <a:r>
-              <a:rPr lang="en-US" dirty="0" smtClean="0">
-                <a:cs typeface="Consolas" panose="020B0609020204030204" pitchFamily="49" charset="0"/>
-              </a:rPr>
-              <a:t>problems:</a:t>
-            </a:r>
-            <a:endParaRPr lang="en-US" dirty="0" smtClean="0">
-              <a:cs typeface="Consolas" panose="020B0609020204030204" pitchFamily="49" charset="0"/>
-            </a:endParaRPr>
+              <a:t>No problems:</a:t>
+            </a:r>
           </a:p>
           <a:p>
             <a:pPr marL="514350" indent="-514350">
@@ -5285,15 +5276,7 @@
           <a:p>
             <a:r>
               <a:rPr lang="en-US" dirty="0" smtClean="0"/>
-              <a:t>No </a:t>
-            </a:r>
-            <a:r>
-              <a:rPr lang="en-US" dirty="0" smtClean="0"/>
-              <a:t>Problem </a:t>
-            </a:r>
-            <a:r>
-              <a:rPr lang="en-US" dirty="0" smtClean="0"/>
-              <a:t>Getting a Date</a:t>
+              <a:t>No Problem Getting a Date</a:t>
             </a:r>
             <a:endParaRPr lang="en-US" dirty="0"/>
           </a:p>
@@ -6208,10 +6191,6 @@
               </a:rPr>
               <a:t>);</a:t>
             </a:r>
-            <a:endParaRPr lang="en-US" sz="3000" dirty="0" smtClean="0">
-              <a:latin typeface="Consolas" panose="020B0609020204030204" pitchFamily="49" charset="0"/>
-              <a:cs typeface="Consolas" panose="020B0609020204030204" pitchFamily="49" charset="0"/>
-            </a:endParaRPr>
           </a:p>
         </p:txBody>
       </p:sp>
@@ -6936,11 +6915,7 @@
           <a:p>
             <a:r>
               <a:rPr lang="en-US" sz="2800" dirty="0" smtClean="0"/>
-              <a:t>Could </a:t>
-            </a:r>
-            <a:r>
-              <a:rPr lang="en-US" sz="2800" dirty="0" smtClean="0"/>
-              <a:t>be based on </a:t>
+              <a:t>Could be based on </a:t>
             </a:r>
             <a:r>
               <a:rPr lang="en-US" sz="2800" dirty="0"/>
@@ -7071,14 +7046,22 @@
           </a:p>
           <a:p>
             <a:r>
+              <a:rPr lang="en-US" dirty="0" smtClean="0"/>
+              <a:t>COBOL</a:t>
+            </a:r>
+            <a:r>
               <a:rPr lang="en-US" dirty="0"/>
-              <a:t>NTFS, COBOL, Microsoft Windows – January 1, 1601</a:t>
-            </a:r>
-          </a:p>
-          <a:p>
+              <a:t>, Microsoft Windows – January 1, 1601</a:t>
+            </a:r>
+          </a:p>
+          <a:p>
+            <a:r>
+              <a:rPr lang="en-US" dirty="0" smtClean="0"/>
+              <a:t>LISP</a:t>
+            </a:r>
             <a:r>
               <a:rPr lang="en-US" dirty="0"/>
-              <a:t>Common LISP, Network Time Protocol – January 1, 1900</a:t>
+              <a:t>, Network Time Protocol – January 1, 1900</a:t>
             </a:r>
           </a:p>
           <a:p>
@@ -7201,11 +7184,7 @@
             </a:r>
             <a:r>
               <a:rPr lang="en-US" sz="3000" dirty="0" smtClean="0"/>
-              <a:t>such </a:t>
-            </a:r>
-            <a:r>
-              <a:rPr lang="en-US" sz="3000" dirty="0" smtClean="0"/>
-              <a:t>as days</a:t>
+              <a:t>such as days</a:t>
             </a:r>
             <a:r>
               <a:rPr lang="en-US" sz="3000" dirty="0"/>
@@ -7239,11 +7218,7 @@
             </a:r>
             <a:r>
               <a:rPr lang="en-US" sz="3000" dirty="0" smtClean="0"/>
-              <a:t>in a calendar may </a:t>
-            </a:r>
-            <a:r>
-              <a:rPr lang="en-US" sz="3000" dirty="0" smtClean="0"/>
-              <a:t>follow cycles </a:t>
+              <a:t>in a calendar may follow cycles </a:t>
             </a:r>
             <a:r>
               <a:rPr lang="en-US" sz="3000" dirty="0"/>
@@ -9248,11 +9223,7 @@
             </a:r>
             <a:r>
               <a:rPr lang="en-US" sz="3000" dirty="0" smtClean="0"/>
-              <a:t>for epoch-seconds </a:t>
-            </a:r>
-            <a:r>
-              <a:rPr lang="en-US" sz="3000" dirty="0" smtClean="0"/>
-              <a:t>and </a:t>
+              <a:t>for epoch-seconds and </a:t>
             </a:r>
             <a:r>
               <a:rPr lang="en-US" sz="3000" dirty="0"/>
@@ -9270,11 +9241,7 @@
             </a:r>
             <a:r>
               <a:rPr lang="en-US" sz="3000" dirty="0" smtClean="0"/>
-              <a:t>for </a:t>
-            </a:r>
-            <a:r>
-              <a:rPr lang="en-US" sz="3000" dirty="0" smtClean="0"/>
-              <a:t>nanosecond-of-second</a:t>
+              <a:t>for nanosecond-of-second</a:t>
             </a:r>
           </a:p>
           <a:p>
@@ -9742,11 +9709,7 @@
             </a:r>
             <a:r>
               <a:rPr lang="en-US" sz="3000" dirty="0" smtClean="0"/>
-              <a:t>fields - </a:t>
-            </a:r>
-            <a:r>
-              <a:rPr lang="en-US" sz="3000" dirty="0" smtClean="0"/>
-              <a:t>years</a:t>
+              <a:t>fields - years</a:t>
             </a:r>
             <a:r>
               <a:rPr lang="en-US" sz="3000" dirty="0"/>
@@ -10542,7 +10505,15 @@
             <p:ph idx="1"/>
           </p:nvPr>
         </p:nvSpPr>
-        <p:spPr/>
+        <p:spPr>
+          <a:xfrm>
+            <a:off x="628650" y="1825624"/>
+            <a:ext cx="7886700" cy="4651375"/>
+          </a:xfrm>
+          <a:solidFill>
+            <a:schemeClr val="bg2"/>
+          </a:solidFill>
+        </p:spPr>
         <p:txBody>
           <a:bodyPr>
             <a:noAutofit/>
@@ -15261,14 +15232,7 @@
                 <a:latin typeface="Consolas" panose="020B0609020204030204" pitchFamily="49" charset="0"/>
                 <a:cs typeface="Consolas" panose="020B0609020204030204" pitchFamily="49" charset="0"/>
               </a:rPr>
-              <a:t>().</a:t>
-            </a:r>
-            <a:r>
-              <a:rPr lang="en-US" dirty="0" smtClean="0">
-                <a:latin typeface="Consolas" panose="020B0609020204030204" pitchFamily="49" charset="0"/>
-                <a:cs typeface="Consolas" panose="020B0609020204030204" pitchFamily="49" charset="0"/>
-              </a:rPr>
-              <a:t>plus(1, </a:t>
+              <a:t>().plus(1, </a:t>
             </a:r>
             <a:r>
               <a:rPr lang="en-US" dirty="0" err="1" smtClean="0">
@@ -16441,11 +16405,7 @@
             </a:r>
             <a:r>
               <a:rPr lang="en-US" sz="3000" dirty="0" smtClean="0"/>
-              <a:t>calendar </a:t>
-            </a:r>
-            <a:r>
-              <a:rPr lang="en-US" sz="3000" dirty="0" smtClean="0"/>
-              <a:t>system</a:t>
+              <a:t>calendar system</a:t>
             </a:r>
             <a:endParaRPr lang="en-US" sz="3000" dirty="0"/>
           </a:p>
@@ -16568,15 +16528,7 @@
           <a:p>
             <a:r>
               <a:rPr lang="en-US" sz="3000" dirty="0" smtClean="0"/>
-              <a:t>Source of </a:t>
-            </a:r>
-            <a:r>
-              <a:rPr lang="en-US" sz="3000" dirty="0" smtClean="0"/>
-              <a:t>bugs </a:t>
-            </a:r>
-            <a:r>
-              <a:rPr lang="en-US" sz="3000" dirty="0" smtClean="0"/>
-              <a:t>and performance issues</a:t>
+              <a:t>Source of bugs and performance issues</a:t>
             </a:r>
             <a:endParaRPr lang="en-US" sz="3000" dirty="0"/>
           </a:p>
@@ -16717,10 +16669,6 @@
               </a:rPr>
               <a:t>));</a:t>
             </a:r>
-            <a:endParaRPr lang="en-US" sz="3000" dirty="0" smtClean="0">
-              <a:latin typeface="Consolas" panose="020B0609020204030204" pitchFamily="49" charset="0"/>
-              <a:cs typeface="Consolas" panose="020B0609020204030204" pitchFamily="49" charset="0"/>
-            </a:endParaRPr>
           </a:p>
         </p:txBody>
       </p:sp>
@@ -18997,7 +18945,7 @@
   <a:extraClrSchemeLst/>
   <a:extLst>
     <a:ext uri="{05A4C25C-085E-4340-85A3-A5531E510DB2}">
-      <thm15:themeFamily xmlns:thm15="http://schemas.microsoft.com/office/thememl/2012/main" xmlns="" name="Presentation level design" id="{00E2FDB5-77A3-416C-8232-A2B8AB0B9A01}" vid="{6E3E8A63-E899-4F92-AFE5-C80B3CCFC0BD}"/>
+      <thm15:themeFamily xmlns="" xmlns:thm15="http://schemas.microsoft.com/office/thememl/2012/main" name="Presentation level design" id="{00E2FDB5-77A3-416C-8232-A2B8AB0B9A01}" vid="{6E3E8A63-E899-4F92-AFE5-C80B3CCFC0BD}"/>
     </a:ext>
   </a:extLst>
 </a:theme>

--- a/Java 8 Date and Time API.pptx
+++ b/Java 8 Date and Time API.pptx
@@ -11188,7 +11188,22 @@
           <a:p>
             <a:r>
               <a:rPr lang="en-US" dirty="0" smtClean="0"/>
-              <a:t>Temporal Adjusters, Java 8 Style</a:t>
+              <a:t>Temporal </a:t>
+            </a:r>
+            <a:r>
+              <a:rPr lang="en-US" dirty="0" smtClean="0"/>
+              <a:t>Adjusters</a:t>
+            </a:r>
+            <a:br>
+              <a:rPr lang="en-US" dirty="0" smtClean="0"/>
+            </a:br>
+            <a:r>
+              <a:rPr lang="en-US" dirty="0" smtClean="0"/>
+              <a:t>Java </a:t>
+            </a:r>
+            <a:r>
+              <a:rPr lang="en-US" dirty="0" smtClean="0"/>
+              <a:t>8 Style</a:t>
             </a:r>
             <a:endParaRPr lang="en-US" dirty="0"/>
           </a:p>
@@ -18945,7 +18960,7 @@
   <a:extraClrSchemeLst/>
   <a:extLst>
     <a:ext uri="{05A4C25C-085E-4340-85A3-A5531E510DB2}">
-      <thm15:themeFamily xmlns="" xmlns:thm15="http://schemas.microsoft.com/office/thememl/2012/main" name="Presentation level design" id="{00E2FDB5-77A3-416C-8232-A2B8AB0B9A01}" vid="{6E3E8A63-E899-4F92-AFE5-C80B3CCFC0BD}"/>
+      <thm15:themeFamily xmlns:thm15="http://schemas.microsoft.com/office/thememl/2012/main" xmlns="" name="Presentation level design" id="{00E2FDB5-77A3-416C-8232-A2B8AB0B9A01}" vid="{6E3E8A63-E899-4F92-AFE5-C80B3CCFC0BD}"/>
     </a:ext>
   </a:extLst>
 </a:theme>

--- a/Java 8 Date and Time API.pptx
+++ b/Java 8 Date and Time API.pptx
@@ -507,7 +507,7 @@
           <a:p>
             <a:fld id="{9FC8350F-9398-41A4-A7C8-75E8E1FDC641}" type="datetimeFigureOut">
               <a:rPr lang="en-US" smtClean="0"/>
-              <a:t>3/19/2014</a:t>
+              <a:t>3/21/2014</a:t>
             </a:fld>
             <a:endParaRPr lang="en-US"/>
           </a:p>
@@ -753,7 +753,7 @@
           <a:p>
             <a:fld id="{4521DC5A-3FE3-4FD1-BF87-57592AFF8A1E}" type="datetimeFigureOut">
               <a:rPr lang="en-US" smtClean="0"/>
-              <a:t>3/19/2014</a:t>
+              <a:t>3/21/2014</a:t>
             </a:fld>
             <a:endParaRPr lang="en-US"/>
           </a:p>
@@ -999,7 +999,7 @@
           <a:p>
             <a:fld id="{4521DC5A-3FE3-4FD1-BF87-57592AFF8A1E}" type="datetimeFigureOut">
               <a:rPr lang="en-US" smtClean="0"/>
-              <a:t>3/19/2014</a:t>
+              <a:t>3/21/2014</a:t>
             </a:fld>
             <a:endParaRPr lang="en-US"/>
           </a:p>
@@ -1245,7 +1245,7 @@
           <a:p>
             <a:fld id="{4521DC5A-3FE3-4FD1-BF87-57592AFF8A1E}" type="datetimeFigureOut">
               <a:rPr lang="en-US" smtClean="0"/>
-              <a:t>3/19/2014</a:t>
+              <a:t>3/21/2014</a:t>
             </a:fld>
             <a:endParaRPr lang="en-US"/>
           </a:p>
@@ -1503,7 +1503,7 @@
           <a:p>
             <a:fld id="{4521DC5A-3FE3-4FD1-BF87-57592AFF8A1E}" type="datetimeFigureOut">
               <a:rPr lang="en-US" smtClean="0"/>
-              <a:t>3/19/2014</a:t>
+              <a:t>3/21/2014</a:t>
             </a:fld>
             <a:endParaRPr lang="en-US"/>
           </a:p>
@@ -1865,7 +1865,7 @@
           <a:p>
             <a:fld id="{4521DC5A-3FE3-4FD1-BF87-57592AFF8A1E}" type="datetimeFigureOut">
               <a:rPr lang="en-US" smtClean="0"/>
-              <a:t>3/19/2014</a:t>
+              <a:t>3/21/2014</a:t>
             </a:fld>
             <a:endParaRPr lang="en-US"/>
           </a:p>
@@ -2363,7 +2363,7 @@
           <a:p>
             <a:fld id="{4521DC5A-3FE3-4FD1-BF87-57592AFF8A1E}" type="datetimeFigureOut">
               <a:rPr lang="en-US" smtClean="0"/>
-              <a:t>3/19/2014</a:t>
+              <a:t>3/21/2014</a:t>
             </a:fld>
             <a:endParaRPr lang="en-US"/>
           </a:p>
@@ -2549,7 +2549,7 @@
           <a:p>
             <a:fld id="{4521DC5A-3FE3-4FD1-BF87-57592AFF8A1E}" type="datetimeFigureOut">
               <a:rPr lang="en-US" smtClean="0"/>
-              <a:t>3/19/2014</a:t>
+              <a:t>3/21/2014</a:t>
             </a:fld>
             <a:endParaRPr lang="en-US"/>
           </a:p>
@@ -2704,7 +2704,7 @@
           <a:p>
             <a:fld id="{4521DC5A-3FE3-4FD1-BF87-57592AFF8A1E}" type="datetimeFigureOut">
               <a:rPr lang="en-US" smtClean="0"/>
-              <a:t>3/19/2014</a:t>
+              <a:t>3/21/2014</a:t>
             </a:fld>
             <a:endParaRPr lang="en-US"/>
           </a:p>
@@ -3050,7 +3050,7 @@
           <a:p>
             <a:fld id="{4521DC5A-3FE3-4FD1-BF87-57592AFF8A1E}" type="datetimeFigureOut">
               <a:rPr lang="en-US" smtClean="0"/>
-              <a:t>3/19/2014</a:t>
+              <a:t>3/21/2014</a:t>
             </a:fld>
             <a:endParaRPr lang="en-US"/>
           </a:p>
@@ -3376,7 +3376,7 @@
           <a:p>
             <a:fld id="{4521DC5A-3FE3-4FD1-BF87-57592AFF8A1E}" type="datetimeFigureOut">
               <a:rPr lang="en-US" smtClean="0"/>
-              <a:t>3/19/2014</a:t>
+              <a:t>3/21/2014</a:t>
             </a:fld>
             <a:endParaRPr lang="en-US"/>
           </a:p>
@@ -3966,7 +3966,7 @@
           <a:p>
             <a:fld id="{4521DC5A-3FE3-4FD1-BF87-57592AFF8A1E}" type="datetimeFigureOut">
               <a:rPr lang="en-US" smtClean="0"/>
-              <a:t>3/19/2014</a:t>
+              <a:t>3/21/2014</a:t>
             </a:fld>
             <a:endParaRPr lang="en-US"/>
           </a:p>
@@ -5297,7 +5297,7 @@
             <a:avLst/>
           </a:prstGeom>
           <a:solidFill>
-            <a:schemeClr val="bg2"/>
+            <a:srgbClr val="FFFFDD"/>
           </a:solidFill>
         </p:spPr>
         <p:txBody>
@@ -6125,7 +6125,7 @@
             <a:ext cx="8229600" cy="1066799"/>
           </a:xfrm>
           <a:solidFill>
-            <a:schemeClr val="bg2"/>
+            <a:srgbClr val="FFFFDD"/>
           </a:solidFill>
         </p:spPr>
         <p:txBody>
@@ -6232,7 +6232,7 @@
             <a:avLst/>
           </a:prstGeom>
           <a:solidFill>
-            <a:schemeClr val="bg2"/>
+            <a:srgbClr val="FFFFDD"/>
           </a:solidFill>
         </p:spPr>
         <p:txBody>
@@ -7035,49 +7035,116 @@
           <a:p>
             <a:r>
               <a:rPr lang="en-US" dirty="0"/>
-              <a:t>MATLAB – January 0, 0</a:t>
-            </a:r>
+              <a:t>January 0, </a:t>
+            </a:r>
+            <a:r>
+              <a:rPr lang="en-US" dirty="0" smtClean="0"/>
+              <a:t>0 - </a:t>
+            </a:r>
+            <a:r>
+              <a:rPr lang="en-US" dirty="0" smtClean="0"/>
+              <a:t>MATLAB </a:t>
+            </a:r>
+            <a:endParaRPr lang="en-US" dirty="0"/>
           </a:p>
           <a:p>
             <a:r>
               <a:rPr lang="en-US" dirty="0"/>
-              <a:t>Symbian, Go, Microsoft .NET – January 1, 1</a:t>
-            </a:r>
-          </a:p>
-          <a:p>
+              <a:t>January 1, 1 </a:t>
+            </a:r>
             <a:r>
               <a:rPr lang="en-US" dirty="0" smtClean="0"/>
-              <a:t>COBOL</a:t>
-            </a:r>
+              <a:t>- Symbian</a:t>
+            </a:r>
+            <a:r>
+              <a:rPr lang="en-US" dirty="0" smtClean="0"/>
+              <a:t>, Go, Microsoft .NET</a:t>
+            </a:r>
+          </a:p>
+          <a:p>
             <a:r>
               <a:rPr lang="en-US" dirty="0"/>
-              <a:t>, Microsoft Windows – January 1, 1601</a:t>
-            </a:r>
-          </a:p>
-          <a:p>
+              <a:t>January 1, 1601 </a:t>
+            </a:r>
             <a:r>
               <a:rPr lang="en-US" dirty="0" smtClean="0"/>
-              <a:t>LISP</a:t>
+              <a:t> - COBOL</a:t>
             </a:r>
             <a:r>
               <a:rPr lang="en-US" dirty="0"/>
-              <a:t>, Network Time Protocol – January 1, 1900</a:t>
-            </a:r>
+              <a:t>, Microsoft </a:t>
+            </a:r>
+            <a:r>
+              <a:rPr lang="en-US" dirty="0" smtClean="0"/>
+              <a:t>Windows</a:t>
+            </a:r>
+            <a:endParaRPr lang="en-US" dirty="0"/>
           </a:p>
           <a:p>
             <a:r>
               <a:rPr lang="en-US" dirty="0"/>
-              <a:t>Mac OS (through version 9) – January 1, 1904</a:t>
-            </a:r>
-          </a:p>
-          <a:p>
+              <a:t>January 1, 1900 </a:t>
+            </a:r>
+            <a:r>
+              <a:rPr lang="en-US" dirty="0" smtClean="0"/>
+              <a:t> - LISP</a:t>
+            </a:r>
             <a:r>
               <a:rPr lang="en-US" dirty="0"/>
-              <a:t>Unix Epoch (Linux, Mac OS X), C, Java, JavaScript, Perl, PHP, Python, Ruby - January 1, </a:t>
+              <a:t>, Network Time </a:t>
             </a:r>
             <a:r>
               <a:rPr lang="en-US" dirty="0" smtClean="0"/>
-              <a:t>1970</a:t>
+              <a:t>Protocol</a:t>
+            </a:r>
+            <a:endParaRPr lang="en-US" dirty="0"/>
+          </a:p>
+          <a:p>
+            <a:r>
+              <a:rPr lang="en-US" dirty="0"/>
+              <a:t>January 1, </a:t>
+            </a:r>
+            <a:r>
+              <a:rPr lang="en-US" dirty="0" smtClean="0"/>
+              <a:t>1904 - </a:t>
+            </a:r>
+            <a:r>
+              <a:rPr lang="en-US" dirty="0" smtClean="0"/>
+              <a:t>Mac </a:t>
+            </a:r>
+            <a:r>
+              <a:rPr lang="en-US" dirty="0"/>
+              <a:t>OS (through version </a:t>
+            </a:r>
+            <a:r>
+              <a:rPr lang="en-US" dirty="0" smtClean="0"/>
+              <a:t>9)</a:t>
+            </a:r>
+          </a:p>
+          <a:p>
+            <a:r>
+              <a:rPr lang="en-US" b="1" dirty="0"/>
+              <a:t>January 1, </a:t>
+            </a:r>
+            <a:r>
+              <a:rPr lang="en-US" b="1" dirty="0" smtClean="0"/>
+              <a:t>1970 </a:t>
+            </a:r>
+            <a:r>
+              <a:rPr lang="en-US" dirty="0" smtClean="0"/>
+              <a:t>- </a:t>
+            </a:r>
+            <a:r>
+              <a:rPr lang="en-US" dirty="0" smtClean="0"/>
+              <a:t>Unix </a:t>
+            </a:r>
+            <a:r>
+              <a:rPr lang="en-US" dirty="0"/>
+              <a:t>Epoch (Linux, Mac OS X), C, Java, JavaScript, Perl, PHP, Python, </a:t>
+            </a:r>
+            <a:r>
+              <a:rPr lang="en-US" dirty="0" smtClean="0"/>
+              <a:t>Ruby</a:t>
             </a:r>
             <a:endParaRPr lang="en-US" dirty="0"/>
           </a:p>
@@ -7179,8 +7246,8 @@
           </a:p>
           <a:p>
             <a:r>
-              <a:rPr lang="en-US" sz="3000" dirty="0"/>
-              <a:t>Gives names to periods </a:t>
+              <a:rPr lang="en-US" sz="3000" dirty="0" smtClean="0"/>
+              <a:t>Names periods </a:t>
             </a:r>
             <a:r>
               <a:rPr lang="en-US" sz="3000" dirty="0" smtClean="0"/>
@@ -7734,6 +7801,37 @@
           </a:extLst>
         </p:spPr>
       </p:pic>
+      <p:sp>
+        <p:nvSpPr>
+          <p:cNvPr id="2" name="Rectangle 1"/>
+          <p:cNvSpPr/>
+          <p:nvPr/>
+        </p:nvSpPr>
+        <p:spPr>
+          <a:xfrm>
+            <a:off x="3276600" y="6362507"/>
+            <a:ext cx="2735044" cy="369332"/>
+          </a:xfrm>
+          <a:prstGeom prst="rect">
+            <a:avLst/>
+          </a:prstGeom>
+        </p:spPr>
+        <p:txBody>
+          <a:bodyPr wrap="none">
+            <a:spAutoFit/>
+          </a:bodyPr>
+          <a:lstStyle/>
+          <a:p>
+            <a:r>
+              <a:rPr lang="en-US" dirty="0">
+                <a:hlinkClick r:id="rId3"/>
+              </a:rPr>
+              <a:t>http://xkcd.com/1179/</a:t>
+            </a:r>
+            <a:endParaRPr lang="en-US" dirty="0"/>
+          </a:p>
+        </p:txBody>
+      </p:sp>
     </p:spTree>
     <p:extLst>
       <p:ext uri="{BB962C8B-B14F-4D97-AF65-F5344CB8AC3E}">
@@ -7945,7 +8043,7 @@
             <a:avLst/>
           </a:prstGeom>
           <a:solidFill>
-            <a:schemeClr val="bg2"/>
+            <a:srgbClr val="FFFFDD"/>
           </a:solidFill>
         </p:spPr>
         <p:txBody>
@@ -9011,42 +9109,6 @@
           <a:p>
             <a:r>
               <a:rPr lang="en-US" sz="3000" dirty="0" smtClean="0"/>
-              <a:t>Timeline </a:t>
-            </a:r>
-            <a:r>
-              <a:rPr lang="en-US" sz="3000" dirty="0"/>
-              <a:t>is </a:t>
-            </a:r>
-            <a:r>
-              <a:rPr lang="en-US" sz="3000" dirty="0" smtClean="0"/>
-              <a:t>a sequence </a:t>
-            </a:r>
-            <a:r>
-              <a:rPr lang="en-US" sz="3000" dirty="0"/>
-              <a:t>of instants</a:t>
-            </a:r>
-          </a:p>
-          <a:p>
-            <a:r>
-              <a:rPr lang="en-US" sz="3000" dirty="0" smtClean="0"/>
-              <a:t>Immutable, thread safe</a:t>
-            </a:r>
-            <a:endParaRPr lang="en-US" sz="3000" dirty="0"/>
-          </a:p>
-          <a:p>
-            <a:r>
-              <a:rPr lang="en-US" sz="3000" dirty="0"/>
-              <a:t>Fluent interface, methods can be </a:t>
-            </a:r>
-            <a:r>
-              <a:rPr lang="en-US" sz="3000" dirty="0" smtClean="0"/>
-              <a:t>chained</a:t>
-            </a:r>
-            <a:endParaRPr lang="en-US" sz="3000" dirty="0"/>
-          </a:p>
-          <a:p>
-            <a:r>
-              <a:rPr lang="en-US" sz="3000" dirty="0" smtClean="0"/>
               <a:t>Well-defined </a:t>
             </a:r>
             <a:r>
@@ -9062,7 +9124,17 @@
           <a:p>
             <a:r>
               <a:rPr lang="en-US" sz="3000" dirty="0"/>
-              <a:t>Rejects null </a:t>
+              <a:t>Immutable, thread safe</a:t>
+            </a:r>
+          </a:p>
+          <a:p>
+            <a:r>
+              <a:rPr lang="en-US" sz="3000" dirty="0" smtClean="0"/>
+              <a:t>Rejects </a:t>
+            </a:r>
+            <a:r>
+              <a:rPr lang="en-US" sz="3000" dirty="0"/>
+              <a:t>null </a:t>
             </a:r>
             <a:r>
               <a:rPr lang="en-US" sz="3000" dirty="0" smtClean="0"/>
@@ -9080,8 +9152,34 @@
             </a:r>
             <a:r>
               <a:rPr lang="en-US" sz="3000" dirty="0" smtClean="0"/>
-              <a:t>strategy pattern</a:t>
-            </a:r>
+              <a:t>strategy </a:t>
+            </a:r>
+            <a:r>
+              <a:rPr lang="en-US" sz="3000" dirty="0" smtClean="0"/>
+              <a:t>pattern</a:t>
+            </a:r>
+          </a:p>
+          <a:p>
+            <a:r>
+              <a:rPr lang="en-US" sz="3000" dirty="0" smtClean="0"/>
+              <a:t>Fluent </a:t>
+            </a:r>
+            <a:r>
+              <a:rPr lang="en-US" sz="3000" dirty="0"/>
+              <a:t>interface with chained methods</a:t>
+            </a:r>
+          </a:p>
+          <a:p>
+            <a:r>
+              <a:rPr lang="en-US" sz="3000" dirty="0" smtClean="0"/>
+              <a:t>Timeline </a:t>
+            </a:r>
+            <a:r>
+              <a:rPr lang="en-US" sz="3000" dirty="0"/>
+              <a:t>is a sequence of instants</a:t>
+            </a:r>
+          </a:p>
+          <a:p>
             <a:endParaRPr lang="en-US" sz="3000" dirty="0"/>
           </a:p>
         </p:txBody>
@@ -9261,7 +9359,15 @@
           <a:p>
             <a:r>
               <a:rPr lang="en-US" sz="3000" dirty="0" smtClean="0"/>
-              <a:t>Used for event time-stamps in applications</a:t>
+              <a:t>Use </a:t>
+            </a:r>
+            <a:r>
+              <a:rPr lang="en-US" sz="3000" dirty="0" smtClean="0"/>
+              <a:t>for event </a:t>
+            </a:r>
+            <a:r>
+              <a:rPr lang="en-US" sz="3000" dirty="0" smtClean="0"/>
+              <a:t>time-stamps</a:t>
             </a:r>
             <a:endParaRPr lang="en-US" sz="3000" dirty="0"/>
           </a:p>
@@ -9545,7 +9651,15 @@
             </a:r>
             <a:r>
               <a:rPr lang="en-US" sz="3000" dirty="0"/>
-              <a:t>not use date-based constructs such as years, months, and </a:t>
+              <a:t>not use date-based constructs </a:t>
+            </a:r>
+            <a:r>
+              <a:rPr lang="en-US" sz="3000" dirty="0" smtClean="0"/>
+              <a:t>like </a:t>
+            </a:r>
+            <a:r>
+              <a:rPr lang="en-US" sz="3000" dirty="0"/>
+              <a:t>years, months, and </a:t>
             </a:r>
             <a:r>
               <a:rPr lang="en-US" sz="3000" dirty="0" smtClean="0"/>
@@ -9567,14 +9681,6 @@
             </a:r>
             <a:r>
               <a:rPr lang="en-US" sz="3000" dirty="0" smtClean="0"/>
-              <a:t>created </a:t>
-            </a:r>
-            <a:r>
-              <a:rPr lang="en-US" sz="3000" dirty="0"/>
-              <a:t>with </a:t>
-            </a:r>
-            <a:r>
-              <a:rPr lang="en-US" sz="3000" dirty="0" smtClean="0"/>
               <a:t>end </a:t>
             </a:r>
             <a:r>
@@ -9583,7 +9689,11 @@
             </a:r>
             <a:r>
               <a:rPr lang="en-US" sz="3000" dirty="0" smtClean="0"/>
-              <a:t>before start </a:t>
+              <a:t>is before </a:t>
+            </a:r>
+            <a:r>
+              <a:rPr lang="en-US" sz="3000" dirty="0" smtClean="0"/>
+              <a:t>start </a:t>
             </a:r>
             <a:r>
               <a:rPr lang="en-US" sz="3000" dirty="0"/>
@@ -9723,7 +9833,15 @@
           <a:p>
             <a:r>
               <a:rPr lang="en-US" sz="3000" dirty="0" smtClean="0"/>
-              <a:t>Takes time zones into account for calculation</a:t>
+              <a:t>Takes time </a:t>
+            </a:r>
+            <a:r>
+              <a:rPr lang="en-US" sz="3000" dirty="0" smtClean="0"/>
+              <a:t>zones </a:t>
+            </a:r>
+            <a:r>
+              <a:rPr lang="en-US" sz="3000" dirty="0" smtClean="0"/>
+              <a:t>into account for calculation</a:t>
             </a:r>
             <a:endParaRPr lang="en-US" sz="3000" dirty="0"/>
           </a:p>
@@ -9909,13 +10027,13 @@
         <p:spPr>
           <a:xfrm>
             <a:off x="457200" y="3733800"/>
-            <a:ext cx="8229600" cy="3046988"/>
+            <a:ext cx="8229600" cy="2677656"/>
           </a:xfrm>
           <a:prstGeom prst="rect">
             <a:avLst/>
           </a:prstGeom>
           <a:solidFill>
-            <a:schemeClr val="bg2"/>
+            <a:srgbClr val="FFFFDD"/>
           </a:solidFill>
         </p:spPr>
         <p:txBody>
@@ -9946,12 +10064,43 @@
               <a:t> </a:t>
             </a:r>
             <a:r>
+              <a:rPr lang="en-US" sz="2400" dirty="0" smtClean="0">
+                <a:latin typeface="Consolas" panose="020B0609020204030204" pitchFamily="49" charset="0"/>
+                <a:cs typeface="Consolas" panose="020B0609020204030204" pitchFamily="49" charset="0"/>
+              </a:rPr>
+              <a:t>{</a:t>
+            </a:r>
+            <a:endParaRPr lang="en-US" sz="2400" dirty="0">
+              <a:latin typeface="Consolas" panose="020B0609020204030204" pitchFamily="49" charset="0"/>
+              <a:cs typeface="Consolas" panose="020B0609020204030204" pitchFamily="49" charset="0"/>
+            </a:endParaRPr>
+          </a:p>
+          <a:p>
+            <a:r>
               <a:rPr lang="en-US" sz="2400" dirty="0">
                 <a:latin typeface="Consolas" panose="020B0609020204030204" pitchFamily="49" charset="0"/>
                 <a:cs typeface="Consolas" panose="020B0609020204030204" pitchFamily="49" charset="0"/>
               </a:rPr>
-              <a:t>{</a:t>
-            </a:r>
+              <a:t>  @Inject private Clock </a:t>
+            </a:r>
+            <a:r>
+              <a:rPr lang="en-US" sz="2400" dirty="0" err="1">
+                <a:latin typeface="Consolas" panose="020B0609020204030204" pitchFamily="49" charset="0"/>
+                <a:cs typeface="Consolas" panose="020B0609020204030204" pitchFamily="49" charset="0"/>
+              </a:rPr>
+              <a:t>clock</a:t>
+            </a:r>
+            <a:r>
+              <a:rPr lang="en-US" sz="2400" dirty="0" smtClean="0">
+                <a:latin typeface="Consolas" panose="020B0609020204030204" pitchFamily="49" charset="0"/>
+                <a:cs typeface="Consolas" panose="020B0609020204030204" pitchFamily="49" charset="0"/>
+              </a:rPr>
+              <a:t>;</a:t>
+            </a:r>
+            <a:endParaRPr lang="en-US" sz="2400" dirty="0">
+              <a:latin typeface="Consolas" panose="020B0609020204030204" pitchFamily="49" charset="0"/>
+              <a:cs typeface="Consolas" panose="020B0609020204030204" pitchFamily="49" charset="0"/>
+            </a:endParaRPr>
           </a:p>
           <a:p>
             <a:r>
@@ -9959,21 +10108,21 @@
                 <a:latin typeface="Consolas" panose="020B0609020204030204" pitchFamily="49" charset="0"/>
                 <a:cs typeface="Consolas" panose="020B0609020204030204" pitchFamily="49" charset="0"/>
               </a:rPr>
-              <a:t>  @Inject private Clock </a:t>
-            </a:r>
-            <a:r>
-              <a:rPr lang="en-US" sz="2400" dirty="0" err="1">
+              <a:t>  public void process</a:t>
+            </a:r>
+            <a:r>
+              <a:rPr lang="en-US" sz="2400" dirty="0" smtClean="0">
                 <a:latin typeface="Consolas" panose="020B0609020204030204" pitchFamily="49" charset="0"/>
                 <a:cs typeface="Consolas" panose="020B0609020204030204" pitchFamily="49" charset="0"/>
               </a:rPr>
-              <a:t>clock</a:t>
+              <a:t>() </a:t>
             </a:r>
             <a:r>
               <a:rPr lang="en-US" sz="2400" dirty="0">
                 <a:latin typeface="Consolas" panose="020B0609020204030204" pitchFamily="49" charset="0"/>
                 <a:cs typeface="Consolas" panose="020B0609020204030204" pitchFamily="49" charset="0"/>
               </a:rPr>
-              <a:t>;</a:t>
+              <a:t>{</a:t>
             </a:r>
           </a:p>
           <a:p>
@@ -9982,123 +10131,85 @@
                 <a:latin typeface="Consolas" panose="020B0609020204030204" pitchFamily="49" charset="0"/>
                 <a:cs typeface="Consolas" panose="020B0609020204030204" pitchFamily="49" charset="0"/>
               </a:rPr>
-              <a:t>  public void process(</a:t>
-            </a:r>
-            <a:r>
-              <a:rPr lang="en-US" sz="2400" dirty="0" err="1">
+              <a:t>    </a:t>
+            </a:r>
+            <a:r>
+              <a:rPr lang="en-US" sz="2400" dirty="0" err="1" smtClean="0">
                 <a:latin typeface="Consolas" panose="020B0609020204030204" pitchFamily="49" charset="0"/>
                 <a:cs typeface="Consolas" panose="020B0609020204030204" pitchFamily="49" charset="0"/>
               </a:rPr>
               <a:t>LocalDate</a:t>
             </a:r>
+            <a:r>
+              <a:rPr lang="en-US" sz="2400" dirty="0" smtClean="0">
+                <a:latin typeface="Consolas" panose="020B0609020204030204" pitchFamily="49" charset="0"/>
+                <a:cs typeface="Consolas" panose="020B0609020204030204" pitchFamily="49" charset="0"/>
+              </a:rPr>
+              <a:t> date = </a:t>
+            </a:r>
+            <a:r>
+              <a:rPr lang="en-US" sz="2400" dirty="0" err="1" smtClean="0">
+                <a:latin typeface="Consolas" panose="020B0609020204030204" pitchFamily="49" charset="0"/>
+                <a:cs typeface="Consolas" panose="020B0609020204030204" pitchFamily="49" charset="0"/>
+              </a:rPr>
+              <a:t>LocalDate.now</a:t>
+            </a:r>
+            <a:r>
+              <a:rPr lang="en-US" sz="2400" dirty="0" smtClean="0">
+                <a:latin typeface="Consolas" panose="020B0609020204030204" pitchFamily="49" charset="0"/>
+                <a:cs typeface="Consolas" panose="020B0609020204030204" pitchFamily="49" charset="0"/>
+              </a:rPr>
+              <a:t>(clock</a:t>
+            </a:r>
+            <a:r>
+              <a:rPr lang="en-US" sz="2400" dirty="0" smtClean="0">
+                <a:latin typeface="Consolas" panose="020B0609020204030204" pitchFamily="49" charset="0"/>
+                <a:cs typeface="Consolas" panose="020B0609020204030204" pitchFamily="49" charset="0"/>
+              </a:rPr>
+              <a:t>);</a:t>
+            </a:r>
+            <a:endParaRPr lang="en-US" sz="2400" dirty="0">
+              <a:latin typeface="Consolas" panose="020B0609020204030204" pitchFamily="49" charset="0"/>
+              <a:cs typeface="Consolas" panose="020B0609020204030204" pitchFamily="49" charset="0"/>
+            </a:endParaRPr>
+          </a:p>
+          <a:p>
             <a:r>
               <a:rPr lang="en-US" sz="2400" dirty="0">
                 <a:latin typeface="Consolas" panose="020B0609020204030204" pitchFamily="49" charset="0"/>
                 <a:cs typeface="Consolas" panose="020B0609020204030204" pitchFamily="49" charset="0"/>
               </a:rPr>
-              <a:t> </a:t>
+              <a:t>    </a:t>
             </a:r>
             <a:r>
               <a:rPr lang="en-US" sz="2400" dirty="0" smtClean="0">
                 <a:latin typeface="Consolas" panose="020B0609020204030204" pitchFamily="49" charset="0"/>
                 <a:cs typeface="Consolas" panose="020B0609020204030204" pitchFamily="49" charset="0"/>
               </a:rPr>
-              <a:t>date</a:t>
-            </a:r>
-            <a:r>
-              <a:rPr lang="en-US" sz="2400" dirty="0">
-                <a:latin typeface="Consolas" panose="020B0609020204030204" pitchFamily="49" charset="0"/>
-                <a:cs typeface="Consolas" panose="020B0609020204030204" pitchFamily="49" charset="0"/>
-              </a:rPr>
-              <a:t>) {</a:t>
-            </a:r>
-          </a:p>
-          <a:p>
-            <a:r>
-              <a:rPr lang="en-US" sz="2400" dirty="0">
-                <a:latin typeface="Consolas" panose="020B0609020204030204" pitchFamily="49" charset="0"/>
-                <a:cs typeface="Consolas" panose="020B0609020204030204" pitchFamily="49" charset="0"/>
-              </a:rPr>
-              <a:t>    if </a:t>
-            </a:r>
+              <a:t>...</a:t>
+            </a:r>
+          </a:p>
+          <a:p>
             <a:r>
               <a:rPr lang="en-US" sz="2400" dirty="0" smtClean="0">
                 <a:latin typeface="Consolas" panose="020B0609020204030204" pitchFamily="49" charset="0"/>
                 <a:cs typeface="Consolas" panose="020B0609020204030204" pitchFamily="49" charset="0"/>
               </a:rPr>
-              <a:t>(</a:t>
-            </a:r>
-            <a:r>
-              <a:rPr lang="en-US" sz="2400" dirty="0" err="1" smtClean="0">
-                <a:latin typeface="Consolas" panose="020B0609020204030204" pitchFamily="49" charset="0"/>
-                <a:cs typeface="Consolas" panose="020B0609020204030204" pitchFamily="49" charset="0"/>
-              </a:rPr>
-              <a:t>date.isBefore</a:t>
-            </a:r>
+              <a:t>  }</a:t>
+            </a:r>
+          </a:p>
+          <a:p>
             <a:r>
               <a:rPr lang="en-US" sz="2400" dirty="0" smtClean="0">
                 <a:latin typeface="Consolas" panose="020B0609020204030204" pitchFamily="49" charset="0"/>
                 <a:cs typeface="Consolas" panose="020B0609020204030204" pitchFamily="49" charset="0"/>
               </a:rPr>
-              <a:t>(</a:t>
-            </a:r>
-            <a:r>
-              <a:rPr lang="en-US" sz="2400" dirty="0" err="1" smtClean="0">
-                <a:latin typeface="Consolas" panose="020B0609020204030204" pitchFamily="49" charset="0"/>
-                <a:cs typeface="Consolas" panose="020B0609020204030204" pitchFamily="49" charset="0"/>
-              </a:rPr>
-              <a:t>LocalDate.now</a:t>
-            </a:r>
-            <a:r>
-              <a:rPr lang="en-US" sz="2400" dirty="0" smtClean="0">
-                <a:latin typeface="Consolas" panose="020B0609020204030204" pitchFamily="49" charset="0"/>
-                <a:cs typeface="Consolas" panose="020B0609020204030204" pitchFamily="49" charset="0"/>
-              </a:rPr>
-              <a:t>(clock</a:t>
-            </a:r>
-            <a:r>
-              <a:rPr lang="en-US" sz="2400" dirty="0">
-                <a:latin typeface="Consolas" panose="020B0609020204030204" pitchFamily="49" charset="0"/>
-                <a:cs typeface="Consolas" panose="020B0609020204030204" pitchFamily="49" charset="0"/>
-              </a:rPr>
-              <a:t>)) {</a:t>
-            </a:r>
-          </a:p>
-          <a:p>
-            <a:r>
-              <a:rPr lang="en-US" sz="2400" dirty="0">
-                <a:latin typeface="Consolas" panose="020B0609020204030204" pitchFamily="49" charset="0"/>
-                <a:cs typeface="Consolas" panose="020B0609020204030204" pitchFamily="49" charset="0"/>
-              </a:rPr>
-              <a:t>      ...</a:t>
-            </a:r>
-          </a:p>
-          <a:p>
-            <a:r>
-              <a:rPr lang="en-US" sz="2400" dirty="0">
-                <a:latin typeface="Consolas" panose="020B0609020204030204" pitchFamily="49" charset="0"/>
-                <a:cs typeface="Consolas" panose="020B0609020204030204" pitchFamily="49" charset="0"/>
-              </a:rPr>
-              <a:t>    }</a:t>
-            </a:r>
-          </a:p>
-          <a:p>
-            <a:r>
-              <a:rPr lang="en-US" sz="2400" dirty="0">
-                <a:latin typeface="Consolas" panose="020B0609020204030204" pitchFamily="49" charset="0"/>
-                <a:cs typeface="Consolas" panose="020B0609020204030204" pitchFamily="49" charset="0"/>
-              </a:rPr>
-              <a:t>  }</a:t>
-            </a:r>
-          </a:p>
-          <a:p>
-            <a:r>
-              <a:rPr lang="en-US" sz="2400" dirty="0">
-                <a:latin typeface="Consolas" panose="020B0609020204030204" pitchFamily="49" charset="0"/>
-                <a:cs typeface="Consolas" panose="020B0609020204030204" pitchFamily="49" charset="0"/>
-              </a:rPr>
               <a:t>}</a:t>
             </a:r>
+            <a:endParaRPr lang="en-US" sz="2400" dirty="0">
+              <a:latin typeface="Consolas" panose="020B0609020204030204" pitchFamily="49" charset="0"/>
+              <a:cs typeface="Consolas" panose="020B0609020204030204" pitchFamily="49" charset="0"/>
+            </a:endParaRPr>
           </a:p>
         </p:txBody>
       </p:sp>
@@ -10413,11 +10524,19 @@
             </a:r>
             <a:r>
               <a:rPr lang="en-US" dirty="0"/>
-              <a:t>data is updated when the JDK is </a:t>
+              <a:t>data is updated </a:t>
             </a:r>
             <a:r>
               <a:rPr lang="en-US" dirty="0" smtClean="0"/>
-              <a:t>updated</a:t>
+              <a:t>with </a:t>
+            </a:r>
+            <a:r>
+              <a:rPr lang="en-US" dirty="0"/>
+              <a:t>JDK </a:t>
+            </a:r>
+            <a:r>
+              <a:rPr lang="en-US" dirty="0" smtClean="0"/>
+              <a:t>releases</a:t>
             </a:r>
             <a:endParaRPr lang="en-US" dirty="0"/>
           </a:p>
@@ -10511,7 +10630,7 @@
             <a:ext cx="7886700" cy="4651375"/>
           </a:xfrm>
           <a:solidFill>
-            <a:schemeClr val="bg2"/>
+            <a:srgbClr val="FFFFDD"/>
           </a:solidFill>
         </p:spPr>
         <p:txBody>
@@ -10884,11 +11003,23 @@
             <a:pPr lvl="1"/>
             <a:r>
               <a:rPr lang="en-US" dirty="0" smtClean="0"/>
-              <a:t>Some zero-based</a:t>
+              <a:t>Some </a:t>
+            </a:r>
+            <a:r>
+              <a:rPr lang="en-US" dirty="0" smtClean="0"/>
+              <a:t>zero-based</a:t>
             </a:r>
             <a:r>
               <a:rPr lang="en-US" dirty="0"/>
-              <a:t>, such as month and </a:t>
+              <a:t>, </a:t>
+            </a:r>
+            <a:r>
+              <a:rPr lang="en-US" dirty="0" smtClean="0"/>
+              <a:t>like month </a:t>
+            </a:r>
+            <a:r>
+              <a:rPr lang="en-US" dirty="0"/>
+              <a:t>and </a:t>
             </a:r>
             <a:r>
               <a:rPr lang="en-US" dirty="0" smtClean="0"/>
@@ -10899,11 +11030,19 @@
             <a:pPr lvl="1"/>
             <a:r>
               <a:rPr lang="en-US" dirty="0" smtClean="0"/>
-              <a:t>Some one-based</a:t>
+              <a:t>Some </a:t>
+            </a:r>
+            <a:r>
+              <a:rPr lang="en-US" dirty="0" smtClean="0"/>
+              <a:t>one-based</a:t>
             </a:r>
             <a:r>
               <a:rPr lang="en-US" dirty="0"/>
-              <a:t>, such as </a:t>
+              <a:t>, </a:t>
+            </a:r>
+            <a:r>
+              <a:rPr lang="en-US" dirty="0"/>
+              <a:t>like </a:t>
             </a:r>
             <a:r>
               <a:rPr lang="en-US" dirty="0" smtClean="0"/>
@@ -11059,7 +11198,15 @@
             <p:ph idx="1"/>
           </p:nvPr>
         </p:nvSpPr>
-        <p:spPr/>
+        <p:spPr>
+          <a:xfrm>
+            <a:off x="628650" y="1825625"/>
+            <a:ext cx="7886700" cy="1298575"/>
+          </a:xfrm>
+          <a:solidFill>
+            <a:srgbClr val="FFFFDD"/>
+          </a:solidFill>
+        </p:spPr>
         <p:txBody>
           <a:bodyPr>
             <a:noAutofit/>
@@ -11188,22 +11335,14 @@
           <a:p>
             <a:r>
               <a:rPr lang="en-US" dirty="0" smtClean="0"/>
-              <a:t>Temporal </a:t>
-            </a:r>
-            <a:r>
-              <a:rPr lang="en-US" dirty="0" smtClean="0"/>
-              <a:t>Adjusters</a:t>
+              <a:t>Temporal Adjusters</a:t>
             </a:r>
             <a:br>
               <a:rPr lang="en-US" dirty="0" smtClean="0"/>
             </a:br>
             <a:r>
               <a:rPr lang="en-US" dirty="0" smtClean="0"/>
-              <a:t>Java </a:t>
-            </a:r>
-            <a:r>
-              <a:rPr lang="en-US" dirty="0" smtClean="0"/>
-              <a:t>8 Style</a:t>
+              <a:t>Java 8 Style</a:t>
             </a:r>
             <a:endParaRPr lang="en-US" dirty="0"/>
           </a:p>
@@ -11277,8 +11416,13 @@
           <a:p>
             <a:r>
               <a:rPr lang="en-US" dirty="0"/>
-              <a:t>Strategy for extracting information from temporal objects</a:t>
-            </a:r>
+              <a:t>Strategy for extracting information from </a:t>
+            </a:r>
+            <a:r>
+              <a:rPr lang="en-US" dirty="0" err="1" smtClean="0"/>
+              <a:t>temporals</a:t>
+            </a:r>
+            <a:endParaRPr lang="en-US" dirty="0"/>
           </a:p>
           <a:p>
             <a:r>
@@ -11305,8 +11449,13 @@
             </a:r>
             <a:r>
               <a:rPr lang="en-US" dirty="0"/>
-              <a:t>in a temporal object</a:t>
-            </a:r>
+              <a:t>in a </a:t>
+            </a:r>
+            <a:r>
+              <a:rPr lang="en-US" dirty="0" smtClean="0"/>
+              <a:t>temporal</a:t>
+            </a:r>
+            <a:endParaRPr lang="en-US" dirty="0"/>
           </a:p>
           <a:p>
             <a:pPr lvl="1"/>
@@ -11318,8 +11467,12 @@
           <a:p>
             <a:pPr lvl="1"/>
             <a:r>
+              <a:rPr lang="en-US" dirty="0" smtClean="0"/>
+              <a:t>calculate </a:t>
+            </a:r>
+            <a:r>
               <a:rPr lang="en-US" dirty="0"/>
-              <a:t>calculates the number of days to your next birthday</a:t>
+              <a:t>the number of days to your next birthday</a:t>
             </a:r>
           </a:p>
           <a:p>
@@ -11629,10 +11782,16 @@
           <a:lstStyle/>
           <a:p>
             <a:r>
-              <a:rPr lang="en-US" dirty="0" err="1"/>
+              <a:rPr lang="en-US" dirty="0" err="1">
+                <a:latin typeface="Consolas" panose="020B0609020204030204" pitchFamily="49" charset="0"/>
+                <a:cs typeface="Consolas" panose="020B0609020204030204" pitchFamily="49" charset="0"/>
+              </a:rPr>
               <a:t>LocalDate</a:t>
             </a:r>
-            <a:endParaRPr lang="en-US" dirty="0"/>
+            <a:endParaRPr lang="en-US" dirty="0">
+              <a:latin typeface="Consolas" panose="020B0609020204030204" pitchFamily="49" charset="0"/>
+              <a:cs typeface="Consolas" panose="020B0609020204030204" pitchFamily="49" charset="0"/>
+            </a:endParaRPr>
           </a:p>
           <a:p>
             <a:pPr lvl="1"/>
@@ -11678,10 +11837,16 @@
           </a:p>
           <a:p>
             <a:r>
-              <a:rPr lang="en-US" dirty="0" err="1"/>
+              <a:rPr lang="en-US" dirty="0" err="1">
+                <a:latin typeface="Consolas" panose="020B0609020204030204" pitchFamily="49" charset="0"/>
+                <a:cs typeface="Consolas" panose="020B0609020204030204" pitchFamily="49" charset="0"/>
+              </a:rPr>
               <a:t>LocalTime</a:t>
             </a:r>
-            <a:endParaRPr lang="en-US" dirty="0"/>
+            <a:endParaRPr lang="en-US" dirty="0">
+              <a:latin typeface="Consolas" panose="020B0609020204030204" pitchFamily="49" charset="0"/>
+              <a:cs typeface="Consolas" panose="020B0609020204030204" pitchFamily="49" charset="0"/>
+            </a:endParaRPr>
           </a:p>
           <a:p>
             <a:pPr lvl="1"/>
@@ -11722,10 +11887,16 @@
           </a:p>
           <a:p>
             <a:r>
-              <a:rPr lang="en-US" dirty="0" err="1" smtClean="0"/>
+              <a:rPr lang="en-US" dirty="0" err="1" smtClean="0">
+                <a:latin typeface="Consolas" panose="020B0609020204030204" pitchFamily="49" charset="0"/>
+                <a:cs typeface="Consolas" panose="020B0609020204030204" pitchFamily="49" charset="0"/>
+              </a:rPr>
               <a:t>LocalDateTime</a:t>
             </a:r>
-            <a:endParaRPr lang="en-US" dirty="0"/>
+            <a:endParaRPr lang="en-US" dirty="0">
+              <a:latin typeface="Consolas" panose="020B0609020204030204" pitchFamily="49" charset="0"/>
+              <a:cs typeface="Consolas" panose="020B0609020204030204" pitchFamily="49" charset="0"/>
+            </a:endParaRPr>
           </a:p>
           <a:p>
             <a:pPr lvl="1"/>
@@ -11830,7 +12001,7 @@
             <p:ph idx="1"/>
             <p:extLst>
               <p:ext uri="{D42A27DB-BD31-4B8C-83A1-F6EECF244321}">
-                <p14:modId xmlns:p14="http://schemas.microsoft.com/office/powerpoint/2010/main" val="1616492137"/>
+                <p14:modId xmlns:p14="http://schemas.microsoft.com/office/powerpoint/2010/main" val="2896956120"/>
               </p:ext>
             </p:extLst>
           </p:nvPr>
@@ -12131,6 +12302,8 @@
                       <a:r>
                         <a:rPr lang="en-US" sz="1100" u="none" strike="noStrike" dirty="0">
                           <a:effectLst/>
+                          <a:latin typeface="Consolas" panose="020B0609020204030204" pitchFamily="49" charset="0"/>
+                          <a:cs typeface="Consolas" panose="020B0609020204030204" pitchFamily="49" charset="0"/>
                         </a:rPr>
                         <a:t>Instant</a:t>
                       </a:r>
@@ -12139,7 +12312,8 @@
                           <a:srgbClr val="000000"/>
                         </a:solidFill>
                         <a:effectLst/>
-                        <a:latin typeface="Calibri"/>
+                        <a:latin typeface="Consolas" panose="020B0609020204030204" pitchFamily="49" charset="0"/>
+                        <a:cs typeface="Consolas" panose="020B0609020204030204" pitchFamily="49" charset="0"/>
                       </a:endParaRPr>
                     </a:p>
                   </a:txBody>
@@ -12321,6 +12495,8 @@
                       <a:r>
                         <a:rPr lang="en-US" sz="1100" u="none" strike="noStrike" dirty="0" err="1">
                           <a:effectLst/>
+                          <a:latin typeface="Consolas" panose="020B0609020204030204" pitchFamily="49" charset="0"/>
+                          <a:cs typeface="Consolas" panose="020B0609020204030204" pitchFamily="49" charset="0"/>
                         </a:rPr>
                         <a:t>LocalDate</a:t>
                       </a:r>
@@ -12329,7 +12505,8 @@
                           <a:srgbClr val="000000"/>
                         </a:solidFill>
                         <a:effectLst/>
-                        <a:latin typeface="Calibri"/>
+                        <a:latin typeface="Consolas" panose="020B0609020204030204" pitchFamily="49" charset="0"/>
+                        <a:cs typeface="Consolas" panose="020B0609020204030204" pitchFamily="49" charset="0"/>
                       </a:endParaRPr>
                     </a:p>
                   </a:txBody>
@@ -12523,6 +12700,8 @@
                       <a:r>
                         <a:rPr lang="en-US" sz="1100" u="none" strike="noStrike" dirty="0" err="1">
                           <a:effectLst/>
+                          <a:latin typeface="Consolas" panose="020B0609020204030204" pitchFamily="49" charset="0"/>
+                          <a:cs typeface="Consolas" panose="020B0609020204030204" pitchFamily="49" charset="0"/>
                         </a:rPr>
                         <a:t>LocalDateTime</a:t>
                       </a:r>
@@ -12531,7 +12710,8 @@
                           <a:srgbClr val="000000"/>
                         </a:solidFill>
                         <a:effectLst/>
-                        <a:latin typeface="Calibri"/>
+                        <a:latin typeface="Consolas" panose="020B0609020204030204" pitchFamily="49" charset="0"/>
+                        <a:cs typeface="Consolas" panose="020B0609020204030204" pitchFamily="49" charset="0"/>
                       </a:endParaRPr>
                     </a:p>
                   </a:txBody>
@@ -12743,6 +12923,8 @@
                       <a:r>
                         <a:rPr lang="en-US" sz="1100" u="none" strike="noStrike">
                           <a:effectLst/>
+                          <a:latin typeface="Consolas" panose="020B0609020204030204" pitchFamily="49" charset="0"/>
+                          <a:cs typeface="Consolas" panose="020B0609020204030204" pitchFamily="49" charset="0"/>
                         </a:rPr>
                         <a:t>ZonedDateTime</a:t>
                       </a:r>
@@ -12751,7 +12933,8 @@
                           <a:srgbClr val="000000"/>
                         </a:solidFill>
                         <a:effectLst/>
-                        <a:latin typeface="Calibri"/>
+                        <a:latin typeface="Consolas" panose="020B0609020204030204" pitchFamily="49" charset="0"/>
+                        <a:cs typeface="Consolas" panose="020B0609020204030204" pitchFamily="49" charset="0"/>
                       </a:endParaRPr>
                     </a:p>
                   </a:txBody>
@@ -12975,6 +13158,8 @@
                       <a:r>
                         <a:rPr lang="en-US" sz="1100" u="none" strike="noStrike">
                           <a:effectLst/>
+                          <a:latin typeface="Consolas" panose="020B0609020204030204" pitchFamily="49" charset="0"/>
+                          <a:cs typeface="Consolas" panose="020B0609020204030204" pitchFamily="49" charset="0"/>
                         </a:rPr>
                         <a:t>LocalTime</a:t>
                       </a:r>
@@ -12983,7 +13168,8 @@
                           <a:srgbClr val="000000"/>
                         </a:solidFill>
                         <a:effectLst/>
-                        <a:latin typeface="Calibri"/>
+                        <a:latin typeface="Consolas" panose="020B0609020204030204" pitchFamily="49" charset="0"/>
+                        <a:cs typeface="Consolas" panose="020B0609020204030204" pitchFamily="49" charset="0"/>
                       </a:endParaRPr>
                     </a:p>
                   </a:txBody>
@@ -13177,6 +13363,8 @@
                       <a:r>
                         <a:rPr lang="en-US" sz="1100" u="none" strike="noStrike">
                           <a:effectLst/>
+                          <a:latin typeface="Consolas" panose="020B0609020204030204" pitchFamily="49" charset="0"/>
+                          <a:cs typeface="Consolas" panose="020B0609020204030204" pitchFamily="49" charset="0"/>
                         </a:rPr>
                         <a:t>MonthDay</a:t>
                       </a:r>
@@ -13185,7 +13373,8 @@
                           <a:srgbClr val="000000"/>
                         </a:solidFill>
                         <a:effectLst/>
-                        <a:latin typeface="Calibri"/>
+                        <a:latin typeface="Consolas" panose="020B0609020204030204" pitchFamily="49" charset="0"/>
+                        <a:cs typeface="Consolas" panose="020B0609020204030204" pitchFamily="49" charset="0"/>
                       </a:endParaRPr>
                     </a:p>
                   </a:txBody>
@@ -13373,6 +13562,8 @@
                       <a:r>
                         <a:rPr lang="en-US" sz="1100" u="none" strike="noStrike">
                           <a:effectLst/>
+                          <a:latin typeface="Consolas" panose="020B0609020204030204" pitchFamily="49" charset="0"/>
+                          <a:cs typeface="Consolas" panose="020B0609020204030204" pitchFamily="49" charset="0"/>
                         </a:rPr>
                         <a:t>Year</a:t>
                       </a:r>
@@ -13381,7 +13572,8 @@
                           <a:srgbClr val="000000"/>
                         </a:solidFill>
                         <a:effectLst/>
-                        <a:latin typeface="Calibri"/>
+                        <a:latin typeface="Consolas" panose="020B0609020204030204" pitchFamily="49" charset="0"/>
+                        <a:cs typeface="Consolas" panose="020B0609020204030204" pitchFamily="49" charset="0"/>
                       </a:endParaRPr>
                     </a:p>
                   </a:txBody>
@@ -13563,6 +13755,8 @@
                       <a:r>
                         <a:rPr lang="en-US" sz="1100" u="none" strike="noStrike" dirty="0" err="1">
                           <a:effectLst/>
+                          <a:latin typeface="Consolas" panose="020B0609020204030204" pitchFamily="49" charset="0"/>
+                          <a:cs typeface="Consolas" panose="020B0609020204030204" pitchFamily="49" charset="0"/>
                         </a:rPr>
                         <a:t>YearMonth</a:t>
                       </a:r>
@@ -13571,7 +13765,8 @@
                           <a:srgbClr val="000000"/>
                         </a:solidFill>
                         <a:effectLst/>
-                        <a:latin typeface="Calibri"/>
+                        <a:latin typeface="Consolas" panose="020B0609020204030204" pitchFamily="49" charset="0"/>
+                        <a:cs typeface="Consolas" panose="020B0609020204030204" pitchFamily="49" charset="0"/>
                       </a:endParaRPr>
                     </a:p>
                   </a:txBody>
@@ -13759,6 +13954,8 @@
                       <a:r>
                         <a:rPr lang="en-US" sz="1100" u="none" strike="noStrike">
                           <a:effectLst/>
+                          <a:latin typeface="Consolas" panose="020B0609020204030204" pitchFamily="49" charset="0"/>
+                          <a:cs typeface="Consolas" panose="020B0609020204030204" pitchFamily="49" charset="0"/>
                         </a:rPr>
                         <a:t>Month</a:t>
                       </a:r>
@@ -13767,7 +13964,8 @@
                           <a:srgbClr val="000000"/>
                         </a:solidFill>
                         <a:effectLst/>
-                        <a:latin typeface="Calibri"/>
+                        <a:latin typeface="Consolas" panose="020B0609020204030204" pitchFamily="49" charset="0"/>
+                        <a:cs typeface="Consolas" panose="020B0609020204030204" pitchFamily="49" charset="0"/>
                       </a:endParaRPr>
                     </a:p>
                   </a:txBody>
@@ -13949,6 +14147,8 @@
                       <a:r>
                         <a:rPr lang="en-US" sz="1100" u="none" strike="noStrike">
                           <a:effectLst/>
+                          <a:latin typeface="Consolas" panose="020B0609020204030204" pitchFamily="49" charset="0"/>
+                          <a:cs typeface="Consolas" panose="020B0609020204030204" pitchFamily="49" charset="0"/>
                         </a:rPr>
                         <a:t>OffsetDateTime</a:t>
                       </a:r>
@@ -13957,7 +14157,8 @@
                           <a:srgbClr val="000000"/>
                         </a:solidFill>
                         <a:effectLst/>
-                        <a:latin typeface="Calibri"/>
+                        <a:latin typeface="Consolas" panose="020B0609020204030204" pitchFamily="49" charset="0"/>
+                        <a:cs typeface="Consolas" panose="020B0609020204030204" pitchFamily="49" charset="0"/>
                       </a:endParaRPr>
                     </a:p>
                   </a:txBody>
@@ -14175,6 +14376,8 @@
                       <a:r>
                         <a:rPr lang="en-US" sz="1100" u="none" strike="noStrike">
                           <a:effectLst/>
+                          <a:latin typeface="Consolas" panose="020B0609020204030204" pitchFamily="49" charset="0"/>
+                          <a:cs typeface="Consolas" panose="020B0609020204030204" pitchFamily="49" charset="0"/>
                         </a:rPr>
                         <a:t>OffsetTime</a:t>
                       </a:r>
@@ -14183,7 +14386,8 @@
                           <a:srgbClr val="000000"/>
                         </a:solidFill>
                         <a:effectLst/>
-                        <a:latin typeface="Calibri"/>
+                        <a:latin typeface="Consolas" panose="020B0609020204030204" pitchFamily="49" charset="0"/>
+                        <a:cs typeface="Consolas" panose="020B0609020204030204" pitchFamily="49" charset="0"/>
                       </a:endParaRPr>
                     </a:p>
                   </a:txBody>
@@ -14383,6 +14587,8 @@
                       <a:r>
                         <a:rPr lang="en-US" sz="1100" u="none" strike="noStrike">
                           <a:effectLst/>
+                          <a:latin typeface="Consolas" panose="020B0609020204030204" pitchFamily="49" charset="0"/>
+                          <a:cs typeface="Consolas" panose="020B0609020204030204" pitchFamily="49" charset="0"/>
                         </a:rPr>
                         <a:t>Duration</a:t>
                       </a:r>
@@ -14391,7 +14597,8 @@
                           <a:srgbClr val="000000"/>
                         </a:solidFill>
                         <a:effectLst/>
-                        <a:latin typeface="Calibri"/>
+                        <a:latin typeface="Consolas" panose="020B0609020204030204" pitchFamily="49" charset="0"/>
+                        <a:cs typeface="Consolas" panose="020B0609020204030204" pitchFamily="49" charset="0"/>
                       </a:endParaRPr>
                     </a:p>
                   </a:txBody>
@@ -14573,6 +14780,8 @@
                       <a:r>
                         <a:rPr lang="en-US" sz="1100" u="none" strike="noStrike" dirty="0">
                           <a:effectLst/>
+                          <a:latin typeface="Consolas" panose="020B0609020204030204" pitchFamily="49" charset="0"/>
+                          <a:cs typeface="Consolas" panose="020B0609020204030204" pitchFamily="49" charset="0"/>
                         </a:rPr>
                         <a:t>Period</a:t>
                       </a:r>
@@ -14581,7 +14790,8 @@
                           <a:srgbClr val="000000"/>
                         </a:solidFill>
                         <a:effectLst/>
-                        <a:latin typeface="Calibri"/>
+                        <a:latin typeface="Consolas" panose="020B0609020204030204" pitchFamily="49" charset="0"/>
+                        <a:cs typeface="Consolas" panose="020B0609020204030204" pitchFamily="49" charset="0"/>
                       </a:endParaRPr>
                     </a:p>
                   </a:txBody>
@@ -14815,9 +15025,12 @@
           <a:p>
             <a:pPr algn="ctr"/>
             <a:r>
-              <a:rPr lang="en-US" dirty="0"/>
+              <a:rPr lang="en-US" dirty="0">
+                <a:hlinkClick r:id="rId2"/>
+              </a:rPr>
               <a:t>http://docs.oracle.com/javase/tutorial/datetime/iso/overview.html</a:t>
             </a:r>
+            <a:endParaRPr lang="en-US" dirty="0"/>
           </a:p>
         </p:txBody>
       </p:sp>
@@ -15282,20 +15495,20 @@
           <a:p>
             <a:pPr lvl="1"/>
             <a:r>
-              <a:rPr lang="en-US" sz="3200" dirty="0" err="1" smtClean="0">
+              <a:rPr lang="en-US" sz="2800" dirty="0" err="1" smtClean="0">
                 <a:latin typeface="Consolas" panose="020B0609020204030204" pitchFamily="49" charset="0"/>
                 <a:cs typeface="Consolas" panose="020B0609020204030204" pitchFamily="49" charset="0"/>
               </a:rPr>
               <a:t>LocalTime.MIDNIGHT</a:t>
             </a:r>
             <a:r>
-              <a:rPr lang="en-US" sz="3200" dirty="0" smtClean="0">
+              <a:rPr lang="en-US" sz="2800" dirty="0" smtClean="0">
                 <a:latin typeface="Consolas" panose="020B0609020204030204" pitchFamily="49" charset="0"/>
                 <a:cs typeface="Consolas" panose="020B0609020204030204" pitchFamily="49" charset="0"/>
               </a:rPr>
               <a:t> // 00:00</a:t>
             </a:r>
-            <a:endParaRPr lang="en-US" sz="3200" dirty="0">
+            <a:endParaRPr lang="en-US" sz="2800" dirty="0">
               <a:latin typeface="Consolas" panose="020B0609020204030204" pitchFamily="49" charset="0"/>
               <a:cs typeface="Consolas" panose="020B0609020204030204" pitchFamily="49" charset="0"/>
             </a:endParaRPr>
@@ -15303,20 +15516,20 @@
           <a:p>
             <a:pPr lvl="1"/>
             <a:r>
-              <a:rPr lang="en-US" sz="3200" dirty="0" err="1" smtClean="0">
+              <a:rPr lang="en-US" sz="2800" dirty="0" err="1" smtClean="0">
                 <a:latin typeface="Consolas" panose="020B0609020204030204" pitchFamily="49" charset="0"/>
                 <a:cs typeface="Consolas" panose="020B0609020204030204" pitchFamily="49" charset="0"/>
               </a:rPr>
               <a:t>LocalTime.NOON</a:t>
             </a:r>
             <a:r>
-              <a:rPr lang="en-US" sz="3200" dirty="0" smtClean="0">
+              <a:rPr lang="en-US" sz="2800" dirty="0" smtClean="0">
                 <a:latin typeface="Consolas" panose="020B0609020204030204" pitchFamily="49" charset="0"/>
                 <a:cs typeface="Consolas" panose="020B0609020204030204" pitchFamily="49" charset="0"/>
               </a:rPr>
               <a:t> // 12:00</a:t>
             </a:r>
-            <a:endParaRPr lang="en-US" sz="3200" dirty="0">
+            <a:endParaRPr lang="en-US" sz="2800" dirty="0">
               <a:latin typeface="Consolas" panose="020B0609020204030204" pitchFamily="49" charset="0"/>
               <a:cs typeface="Consolas" panose="020B0609020204030204" pitchFamily="49" charset="0"/>
             </a:endParaRPr>
@@ -15421,7 +15634,10 @@
               <a:t>Parse with a </a:t>
             </a:r>
             <a:r>
-              <a:rPr lang="en-US" sz="3000" dirty="0" err="1" smtClean="0"/>
+              <a:rPr lang="en-US" sz="3000" dirty="0" err="1" smtClean="0">
+                <a:latin typeface="Consolas" panose="020B0609020204030204" pitchFamily="49" charset="0"/>
+                <a:cs typeface="Consolas" panose="020B0609020204030204" pitchFamily="49" charset="0"/>
+              </a:rPr>
               <a:t>DateTimeFormatter</a:t>
             </a:r>
             <a:r>
@@ -15431,14 +15647,37 @@
           </a:p>
           <a:p>
             <a:r>
+              <a:rPr lang="en-US" sz="3000" dirty="0" smtClean="0">
+                <a:latin typeface="Consolas" panose="020B0609020204030204" pitchFamily="49" charset="0"/>
+                <a:cs typeface="Consolas" panose="020B0609020204030204" pitchFamily="49" charset="0"/>
+              </a:rPr>
+              <a:t>parse(…) </a:t>
+            </a:r>
+            <a:r>
               <a:rPr lang="en-US" sz="3000" dirty="0" smtClean="0"/>
-              <a:t>parse(…) methods return a temporal object</a:t>
-            </a:r>
-          </a:p>
-          <a:p>
+              <a:t>methods return a </a:t>
+            </a:r>
             <a:r>
               <a:rPr lang="en-US" sz="3000" dirty="0" smtClean="0"/>
-              <a:t>Use from(…) to convert to a known date or time type</a:t>
+              <a:t>temporal</a:t>
+            </a:r>
+            <a:endParaRPr lang="en-US" sz="3000" dirty="0" smtClean="0"/>
+          </a:p>
+          <a:p>
+            <a:r>
+              <a:rPr lang="en-US" sz="3000" dirty="0" smtClean="0"/>
+              <a:t>Use </a:t>
+            </a:r>
+            <a:r>
+              <a:rPr lang="en-US" sz="3000" dirty="0" smtClean="0">
+                <a:latin typeface="Consolas" panose="020B0609020204030204" pitchFamily="49" charset="0"/>
+                <a:cs typeface="Consolas" panose="020B0609020204030204" pitchFamily="49" charset="0"/>
+              </a:rPr>
+              <a:t>from(…) </a:t>
+            </a:r>
+            <a:r>
+              <a:rPr lang="en-US" sz="3000" dirty="0" smtClean="0"/>
+              <a:t>to convert to a known date or time type</a:t>
             </a:r>
             <a:endParaRPr lang="en-US" sz="3000" dirty="0"/>
           </a:p>
@@ -15538,7 +15777,10 @@
               <a:t>Format with a </a:t>
             </a:r>
             <a:r>
-              <a:rPr lang="en-US" sz="3000" dirty="0" err="1"/>
+              <a:rPr lang="en-US" sz="3000" dirty="0" err="1">
+                <a:latin typeface="Consolas" panose="020B0609020204030204" pitchFamily="49" charset="0"/>
+                <a:cs typeface="Consolas" panose="020B0609020204030204" pitchFamily="49" charset="0"/>
+              </a:rPr>
               <a:t>DateTimeFormatter</a:t>
             </a:r>
             <a:r>
@@ -15653,32 +15895,66 @@
           <a:lstStyle/>
           <a:p>
             <a:r>
+              <a:rPr lang="en-US" dirty="0" smtClean="0"/>
+              <a:t>Existing </a:t>
+            </a:r>
+            <a:r>
               <a:rPr lang="en-US" dirty="0"/>
-              <a:t>Using existing date-related APIs can be </a:t>
+              <a:t>date-related APIs can be </a:t>
             </a:r>
             <a:r>
               <a:rPr lang="en-US" dirty="0" smtClean="0"/>
-              <a:t>error-prone and tedious.</a:t>
-            </a:r>
-          </a:p>
-          <a:p>
+              <a:t>error-prone and </a:t>
+            </a:r>
             <a:r>
               <a:rPr lang="en-US" dirty="0" smtClean="0"/>
-              <a:t>What </a:t>
-            </a:r>
+              <a:t>tedious</a:t>
+            </a:r>
+            <a:endParaRPr lang="en-US" dirty="0" smtClean="0"/>
+          </a:p>
+          <a:p>
             <a:r>
               <a:rPr lang="en-US" dirty="0"/>
-              <a:t>do you need? Computer-related times or human-related times</a:t>
+              <a:t>Separate </a:t>
             </a:r>
             <a:r>
               <a:rPr lang="en-US" dirty="0" smtClean="0"/>
-              <a:t>? Separate the concepts.</a:t>
+              <a:t>concepts of c</a:t>
+            </a:r>
+            <a:r>
+              <a:rPr lang="en-US" dirty="0" smtClean="0"/>
+              <a:t>omputer-related </a:t>
+            </a:r>
+            <a:r>
+              <a:rPr lang="en-US" dirty="0"/>
+              <a:t>times </a:t>
+            </a:r>
+            <a:r>
+              <a:rPr lang="en-US" dirty="0" smtClean="0"/>
+              <a:t>and </a:t>
+            </a:r>
+            <a:r>
+              <a:rPr lang="en-US" dirty="0"/>
+              <a:t>human-related </a:t>
+            </a:r>
+            <a:r>
+              <a:rPr lang="en-US" dirty="0" smtClean="0"/>
+              <a:t>times</a:t>
             </a:r>
             <a:endParaRPr lang="en-US" dirty="0"/>
           </a:p>
           <a:p>
-            <a:r>
-              <a:rPr lang="en-US" dirty="0"/>
+            <a:pPr marL="0" indent="0">
+              <a:buNone/>
+            </a:pPr>
+            <a:endParaRPr lang="en-US" dirty="0" smtClean="0"/>
+          </a:p>
+          <a:p>
+            <a:pPr marL="0" indent="0">
+              <a:buNone/>
+            </a:pPr>
+            <a:r>
+              <a:rPr lang="en-US" dirty="0" smtClean="0"/>
               <a:t>Need to manipulate dates and times? Use </a:t>
             </a:r>
             <a:r>
@@ -16066,7 +16342,15 @@
             </a:pPr>
             <a:r>
               <a:rPr lang="en-US" dirty="0" smtClean="0"/>
-              <a:t>Code used in this presentation on </a:t>
+              <a:t>Code </a:t>
+            </a:r>
+            <a:r>
+              <a:rPr lang="en-US" dirty="0" smtClean="0"/>
+              <a:t>used in </a:t>
+            </a:r>
+            <a:r>
+              <a:rPr lang="en-US" dirty="0" smtClean="0"/>
+              <a:t>this presentation on </a:t>
             </a:r>
             <a:r>
               <a:rPr lang="en-US" dirty="0" err="1" smtClean="0"/>
@@ -16263,7 +16547,11 @@
           <a:p>
             <a:r>
               <a:rPr lang="en-US" sz="3000" dirty="0" smtClean="0"/>
-              <a:t>Default is Gregorian calendar </a:t>
+              <a:t>Defaults to </a:t>
+            </a:r>
+            <a:r>
+              <a:rPr lang="en-US" sz="3000" dirty="0" smtClean="0"/>
+              <a:t>Gregorian calendar </a:t>
             </a:r>
           </a:p>
           <a:p>
@@ -16377,8 +16665,14 @@
           <a:lstStyle/>
           <a:p>
             <a:r>
+              <a:rPr lang="en-US" sz="3000" dirty="0"/>
+              <a:t>Conceptually, a specific instant in time, not a calendar system</a:t>
+            </a:r>
+          </a:p>
+          <a:p>
+            <a:r>
               <a:rPr lang="en-US" sz="3000" dirty="0" smtClean="0"/>
-              <a:t>Can’t </a:t>
+              <a:t>But, can’t </a:t>
             </a:r>
             <a:r>
               <a:rPr lang="en-US" sz="3000" dirty="0"/>
@@ -16398,31 +16692,13 @@
           <a:p>
             <a:r>
               <a:rPr lang="en-US" sz="3000" dirty="0" smtClean="0"/>
-              <a:t>Zero-based offsets</a:t>
-            </a:r>
-          </a:p>
-          <a:p>
+              <a:t>Zero-based </a:t>
+            </a:r>
             <a:r>
               <a:rPr lang="en-US" sz="3000" dirty="0" smtClean="0"/>
-              <a:t>Conceptually</a:t>
-            </a:r>
-            <a:r>
-              <a:rPr lang="en-US" sz="3000" dirty="0"/>
-              <a:t>, </a:t>
-            </a:r>
-            <a:r>
-              <a:rPr lang="en-US" sz="3000" dirty="0" smtClean="0"/>
-              <a:t>a </a:t>
-            </a:r>
-            <a:r>
-              <a:rPr lang="en-US" sz="3000" dirty="0"/>
-              <a:t>specific instant in time, not a </a:t>
-            </a:r>
-            <a:r>
-              <a:rPr lang="en-US" sz="3000" dirty="0" smtClean="0"/>
-              <a:t>calendar system</a:t>
-            </a:r>
-            <a:endParaRPr lang="en-US" sz="3000" dirty="0"/>
+              <a:t>offsets</a:t>
+            </a:r>
+            <a:endParaRPr lang="en-US" sz="3000" dirty="0" smtClean="0"/>
           </a:p>
         </p:txBody>
       </p:sp>
@@ -16517,13 +16793,15 @@
           <a:p>
             <a:r>
               <a:rPr lang="en-US" sz="3000" dirty="0" smtClean="0"/>
-              <a:t>Mutable, not thread-safe</a:t>
-            </a:r>
-          </a:p>
-          <a:p>
+              <a:t>S</a:t>
+            </a:r>
             <a:r>
               <a:rPr lang="en-US" sz="3000" dirty="0" smtClean="0"/>
-              <a:t>Calendar stores state internally in two different ways</a:t>
+              <a:t>tores internal state in </a:t>
+            </a:r>
+            <a:r>
+              <a:rPr lang="en-US" sz="3000" dirty="0" smtClean="0"/>
+              <a:t>two different ways</a:t>
             </a:r>
           </a:p>
           <a:p>
@@ -16543,7 +16821,21 @@
           <a:p>
             <a:r>
               <a:rPr lang="en-US" sz="3000" dirty="0" smtClean="0"/>
-              <a:t>Source of bugs and performance issues</a:t>
+              <a:t>Source of bugs and performance </a:t>
+            </a:r>
+            <a:r>
+              <a:rPr lang="en-US" sz="3000" dirty="0" smtClean="0"/>
+              <a:t>issues</a:t>
+            </a:r>
+          </a:p>
+          <a:p>
+            <a:r>
+              <a:rPr lang="en-US" sz="3000" dirty="0"/>
+              <a:t>Mutable, not </a:t>
+            </a:r>
+            <a:r>
+              <a:rPr lang="en-US" sz="3000" dirty="0" smtClean="0"/>
+              <a:t>thread-safe</a:t>
             </a:r>
             <a:endParaRPr lang="en-US" sz="3000" dirty="0"/>
           </a:p>
@@ -16565,8 +16857,12 @@
           <a:lstStyle/>
           <a:p>
             <a:r>
+              <a:rPr lang="en-US" dirty="0"/>
+              <a:t>Calendar Internal </a:t>
+            </a:r>
+            <a:r>
               <a:rPr lang="en-US" dirty="0" smtClean="0"/>
-              <a:t>Internal State</a:t>
+              <a:t>State</a:t>
             </a:r>
             <a:endParaRPr lang="en-US" dirty="0"/>
           </a:p>
@@ -16637,7 +16933,7 @@
             <a:ext cx="8382000" cy="993775"/>
           </a:xfrm>
           <a:solidFill>
-            <a:schemeClr val="bg2"/>
+            <a:srgbClr val="FFFFDD"/>
           </a:solidFill>
         </p:spPr>
         <p:txBody>
@@ -16727,7 +17023,7 @@
             <a:avLst/>
           </a:prstGeom>
           <a:solidFill>
-            <a:schemeClr val="bg2"/>
+            <a:srgbClr val="FFFFDD"/>
           </a:solidFill>
         </p:spPr>
         <p:txBody>
@@ -17718,8 +18014,17 @@
               <a:rPr lang="en-US" sz="2800" dirty="0" smtClean="0">
                 <a:cs typeface="Consolas" panose="020B0609020204030204" pitchFamily="49" charset="0"/>
               </a:rPr>
-              <a:t>They got the year right! Well almost…</a:t>
-            </a:r>
+              <a:t>They got the year right! Well almost</a:t>
+            </a:r>
+            <a:r>
+              <a:rPr lang="en-US" sz="2800" dirty="0" smtClean="0">
+                <a:cs typeface="Consolas" panose="020B0609020204030204" pitchFamily="49" charset="0"/>
+              </a:rPr>
+              <a:t>… 13 AD</a:t>
+            </a:r>
+            <a:endParaRPr lang="en-US" sz="2800" dirty="0" smtClean="0">
+              <a:cs typeface="Consolas" panose="020B0609020204030204" pitchFamily="49" charset="0"/>
+            </a:endParaRPr>
           </a:p>
           <a:p>
             <a:pPr marL="514350" indent="-514350">
@@ -17788,7 +18093,7 @@
             <a:avLst/>
           </a:prstGeom>
           <a:solidFill>
-            <a:schemeClr val="bg2"/>
+            <a:srgbClr val="FFFFDD"/>
           </a:solidFill>
         </p:spPr>
         <p:txBody>
@@ -18960,7 +19265,7 @@
   <a:extraClrSchemeLst/>
   <a:extLst>
     <a:ext uri="{05A4C25C-085E-4340-85A3-A5531E510DB2}">
-      <thm15:themeFamily xmlns:thm15="http://schemas.microsoft.com/office/thememl/2012/main" xmlns="" name="Presentation level design" id="{00E2FDB5-77A3-416C-8232-A2B8AB0B9A01}" vid="{6E3E8A63-E899-4F92-AFE5-C80B3CCFC0BD}"/>
+      <thm15:themeFamily xmlns="" xmlns:thm15="http://schemas.microsoft.com/office/thememl/2012/main" name="Presentation level design" id="{00E2FDB5-77A3-416C-8232-A2B8AB0B9A01}" vid="{6E3E8A63-E899-4F92-AFE5-C80B3CCFC0BD}"/>
     </a:ext>
   </a:extLst>
 </a:theme>

--- a/Java 8 Date and Time API.pptx
+++ b/Java 8 Date and Time API.pptx
@@ -507,7 +507,7 @@
           <a:p>
             <a:fld id="{9FC8350F-9398-41A4-A7C8-75E8E1FDC641}" type="datetimeFigureOut">
               <a:rPr lang="en-US" smtClean="0"/>
-              <a:t>3/21/2014</a:t>
+              <a:t>3/22/2014</a:t>
             </a:fld>
             <a:endParaRPr lang="en-US"/>
           </a:p>
@@ -753,7 +753,7 @@
           <a:p>
             <a:fld id="{4521DC5A-3FE3-4FD1-BF87-57592AFF8A1E}" type="datetimeFigureOut">
               <a:rPr lang="en-US" smtClean="0"/>
-              <a:t>3/21/2014</a:t>
+              <a:t>3/22/2014</a:t>
             </a:fld>
             <a:endParaRPr lang="en-US"/>
           </a:p>
@@ -999,7 +999,7 @@
           <a:p>
             <a:fld id="{4521DC5A-3FE3-4FD1-BF87-57592AFF8A1E}" type="datetimeFigureOut">
               <a:rPr lang="en-US" smtClean="0"/>
-              <a:t>3/21/2014</a:t>
+              <a:t>3/22/2014</a:t>
             </a:fld>
             <a:endParaRPr lang="en-US"/>
           </a:p>
@@ -1245,7 +1245,7 @@
           <a:p>
             <a:fld id="{4521DC5A-3FE3-4FD1-BF87-57592AFF8A1E}" type="datetimeFigureOut">
               <a:rPr lang="en-US" smtClean="0"/>
-              <a:t>3/21/2014</a:t>
+              <a:t>3/22/2014</a:t>
             </a:fld>
             <a:endParaRPr lang="en-US"/>
           </a:p>
@@ -1503,7 +1503,7 @@
           <a:p>
             <a:fld id="{4521DC5A-3FE3-4FD1-BF87-57592AFF8A1E}" type="datetimeFigureOut">
               <a:rPr lang="en-US" smtClean="0"/>
-              <a:t>3/21/2014</a:t>
+              <a:t>3/22/2014</a:t>
             </a:fld>
             <a:endParaRPr lang="en-US"/>
           </a:p>
@@ -1865,7 +1865,7 @@
           <a:p>
             <a:fld id="{4521DC5A-3FE3-4FD1-BF87-57592AFF8A1E}" type="datetimeFigureOut">
               <a:rPr lang="en-US" smtClean="0"/>
-              <a:t>3/21/2014</a:t>
+              <a:t>3/22/2014</a:t>
             </a:fld>
             <a:endParaRPr lang="en-US"/>
           </a:p>
@@ -2363,7 +2363,7 @@
           <a:p>
             <a:fld id="{4521DC5A-3FE3-4FD1-BF87-57592AFF8A1E}" type="datetimeFigureOut">
               <a:rPr lang="en-US" smtClean="0"/>
-              <a:t>3/21/2014</a:t>
+              <a:t>3/22/2014</a:t>
             </a:fld>
             <a:endParaRPr lang="en-US"/>
           </a:p>
@@ -2549,7 +2549,7 @@
           <a:p>
             <a:fld id="{4521DC5A-3FE3-4FD1-BF87-57592AFF8A1E}" type="datetimeFigureOut">
               <a:rPr lang="en-US" smtClean="0"/>
-              <a:t>3/21/2014</a:t>
+              <a:t>3/22/2014</a:t>
             </a:fld>
             <a:endParaRPr lang="en-US"/>
           </a:p>
@@ -2704,7 +2704,7 @@
           <a:p>
             <a:fld id="{4521DC5A-3FE3-4FD1-BF87-57592AFF8A1E}" type="datetimeFigureOut">
               <a:rPr lang="en-US" smtClean="0"/>
-              <a:t>3/21/2014</a:t>
+              <a:t>3/22/2014</a:t>
             </a:fld>
             <a:endParaRPr lang="en-US"/>
           </a:p>
@@ -3050,7 +3050,7 @@
           <a:p>
             <a:fld id="{4521DC5A-3FE3-4FD1-BF87-57592AFF8A1E}" type="datetimeFigureOut">
               <a:rPr lang="en-US" smtClean="0"/>
-              <a:t>3/21/2014</a:t>
+              <a:t>3/22/2014</a:t>
             </a:fld>
             <a:endParaRPr lang="en-US"/>
           </a:p>
@@ -3376,7 +3376,7 @@
           <a:p>
             <a:fld id="{4521DC5A-3FE3-4FD1-BF87-57592AFF8A1E}" type="datetimeFigureOut">
               <a:rPr lang="en-US" smtClean="0"/>
-              <a:t>3/21/2014</a:t>
+              <a:t>3/22/2014</a:t>
             </a:fld>
             <a:endParaRPr lang="en-US"/>
           </a:p>
@@ -3966,7 +3966,7 @@
           <a:p>
             <a:fld id="{4521DC5A-3FE3-4FD1-BF87-57592AFF8A1E}" type="datetimeFigureOut">
               <a:rPr lang="en-US" smtClean="0"/>
-              <a:t>3/21/2014</a:t>
+              <a:t>3/22/2014</a:t>
             </a:fld>
             <a:endParaRPr lang="en-US"/>
           </a:p>
@@ -5297,7 +5297,10 @@
             <a:avLst/>
           </a:prstGeom>
           <a:solidFill>
-            <a:srgbClr val="FFFFDD"/>
+            <a:schemeClr val="accent1">
+              <a:lumMod val="20000"/>
+              <a:lumOff val="80000"/>
+            </a:schemeClr>
           </a:solidFill>
         </p:spPr>
         <p:txBody>
@@ -6125,7 +6128,10 @@
             <a:ext cx="8229600" cy="1066799"/>
           </a:xfrm>
           <a:solidFill>
-            <a:srgbClr val="FFFFDD"/>
+            <a:schemeClr val="accent1">
+              <a:lumMod val="20000"/>
+              <a:lumOff val="80000"/>
+            </a:schemeClr>
           </a:solidFill>
         </p:spPr>
         <p:txBody>
@@ -6232,7 +6238,10 @@
             <a:avLst/>
           </a:prstGeom>
           <a:solidFill>
-            <a:srgbClr val="FFFFDD"/>
+            <a:schemeClr val="accent1">
+              <a:lumMod val="20000"/>
+              <a:lumOff val="80000"/>
+            </a:schemeClr>
           </a:solidFill>
         </p:spPr>
         <p:txBody>
@@ -6450,7 +6459,7 @@
                             </p:stCondLst>
                             <p:childTnLst>
                               <p:par>
-                                <p:cTn id="5" presetID="26" presetClass="entr" presetSubtype="0" fill="hold" grpId="0" nodeType="clickEffect">
+                                <p:cTn id="5" presetID="53" presetClass="entr" presetSubtype="16" fill="hold" grpId="0" nodeType="clickEffect">
                                   <p:stCondLst>
                                     <p:cond delay="0"/>
                                   </p:stCondLst>
@@ -6473,257 +6482,60 @@
                                         <p:strVal val="visible"/>
                                       </p:to>
                                     </p:set>
-                                    <p:animEffect transition="in" filter="wipe(down)">
-                                      <p:cBhvr>
-                                        <p:cTn id="7" dur="580">
-                                          <p:stCondLst>
-                                            <p:cond delay="0"/>
-                                          </p:stCondLst>
-                                        </p:cTn>
-                                        <p:tgtEl>
-                                          <p:spTgt spid="4"/>
-                                        </p:tgtEl>
-                                      </p:cBhvr>
-                                    </p:animEffect>
                                     <p:anim calcmode="lin" valueType="num">
                                       <p:cBhvr>
-                                        <p:cTn id="8" dur="1822" tmFilter="0,0; 0.14,0.36; 0.43,0.73; 0.71,0.91; 1.0,1.0">
-                                          <p:stCondLst>
-                                            <p:cond delay="0"/>
-                                          </p:stCondLst>
-                                        </p:cTn>
+                                        <p:cTn id="7" dur="500" fill="hold"/>
                                         <p:tgtEl>
                                           <p:spTgt spid="4"/>
                                         </p:tgtEl>
                                         <p:attrNameLst>
-                                          <p:attrName>ppt_x</p:attrName>
+                                          <p:attrName>ppt_w</p:attrName>
                                         </p:attrNameLst>
                                       </p:cBhvr>
                                       <p:tavLst>
                                         <p:tav tm="0">
                                           <p:val>
-                                            <p:strVal val="#ppt_x-0.25"/>
+                                            <p:fltVal val="0"/>
                                           </p:val>
                                         </p:tav>
                                         <p:tav tm="100000">
                                           <p:val>
-                                            <p:strVal val="#ppt_x"/>
+                                            <p:strVal val="#ppt_w"/>
                                           </p:val>
                                         </p:tav>
                                       </p:tavLst>
                                     </p:anim>
                                     <p:anim calcmode="lin" valueType="num">
                                       <p:cBhvr>
-                                        <p:cTn id="9" dur="664" tmFilter="0.0,0.0; 0.25,0.07; 0.50,0.2; 0.75,0.467; 1.0,1.0">
-                                          <p:stCondLst>
-                                            <p:cond delay="0"/>
-                                          </p:stCondLst>
-                                        </p:cTn>
+                                        <p:cTn id="8" dur="500" fill="hold"/>
                                         <p:tgtEl>
                                           <p:spTgt spid="4"/>
                                         </p:tgtEl>
                                         <p:attrNameLst>
-                                          <p:attrName>ppt_y</p:attrName>
+                                          <p:attrName>ppt_h</p:attrName>
                                         </p:attrNameLst>
                                       </p:cBhvr>
                                       <p:tavLst>
-                                        <p:tav tm="0" fmla="#ppt_y-sin(pi*$)/3">
-                                          <p:val>
-                                            <p:fltVal val="0.5"/>
-                                          </p:val>
-                                        </p:tav>
-                                        <p:tav tm="100000">
-                                          <p:val>
-                                            <p:fltVal val="1"/>
-                                          </p:val>
-                                        </p:tav>
-                                      </p:tavLst>
-                                    </p:anim>
-                                    <p:anim calcmode="lin" valueType="num">
-                                      <p:cBhvr>
-                                        <p:cTn id="10" dur="664" tmFilter="0, 0; 0.125,0.2665; 0.25,0.4; 0.375,0.465; 0.5,0.5;  0.625,0.535; 0.75,0.6; 0.875,0.7335; 1,1">
-                                          <p:stCondLst>
-                                            <p:cond delay="664"/>
-                                          </p:stCondLst>
-                                        </p:cTn>
-                                        <p:tgtEl>
-                                          <p:spTgt spid="4"/>
-                                        </p:tgtEl>
-                                        <p:attrNameLst>
-                                          <p:attrName>ppt_y</p:attrName>
-                                        </p:attrNameLst>
-                                      </p:cBhvr>
-                                      <p:tavLst>
-                                        <p:tav tm="0" fmla="#ppt_y-sin(pi*$)/9">
+                                        <p:tav tm="0">
                                           <p:val>
                                             <p:fltVal val="0"/>
                                           </p:val>
                                         </p:tav>
                                         <p:tav tm="100000">
                                           <p:val>
-                                            <p:fltVal val="1"/>
+                                            <p:strVal val="#ppt_h"/>
                                           </p:val>
                                         </p:tav>
                                       </p:tavLst>
                                     </p:anim>
-                                    <p:anim calcmode="lin" valueType="num">
+                                    <p:animEffect transition="in" filter="fade">
                                       <p:cBhvr>
-                                        <p:cTn id="11" dur="332" tmFilter="0, 0; 0.125,0.2665; 0.25,0.4; 0.375,0.465; 0.5,0.5;  0.625,0.535; 0.75,0.6; 0.875,0.7335; 1,1">
-                                          <p:stCondLst>
-                                            <p:cond delay="1324"/>
-                                          </p:stCondLst>
-                                        </p:cTn>
-                                        <p:tgtEl>
-                                          <p:spTgt spid="4"/>
-                                        </p:tgtEl>
-                                        <p:attrNameLst>
-                                          <p:attrName>ppt_y</p:attrName>
-                                        </p:attrNameLst>
-                                      </p:cBhvr>
-                                      <p:tavLst>
-                                        <p:tav tm="0" fmla="#ppt_y-sin(pi*$)/27">
-                                          <p:val>
-                                            <p:fltVal val="0"/>
-                                          </p:val>
-                                        </p:tav>
-                                        <p:tav tm="100000">
-                                          <p:val>
-                                            <p:fltVal val="1"/>
-                                          </p:val>
-                                        </p:tav>
-                                      </p:tavLst>
-                                    </p:anim>
-                                    <p:anim calcmode="lin" valueType="num">
-                                      <p:cBhvr>
-                                        <p:cTn id="12" dur="164" tmFilter="0, 0; 0.125,0.2665; 0.25,0.4; 0.375,0.465; 0.5,0.5;  0.625,0.535; 0.75,0.6; 0.875,0.7335; 1,1">
-                                          <p:stCondLst>
-                                            <p:cond delay="1656"/>
-                                          </p:stCondLst>
-                                        </p:cTn>
-                                        <p:tgtEl>
-                                          <p:spTgt spid="4"/>
-                                        </p:tgtEl>
-                                        <p:attrNameLst>
-                                          <p:attrName>ppt_y</p:attrName>
-                                        </p:attrNameLst>
-                                      </p:cBhvr>
-                                      <p:tavLst>
-                                        <p:tav tm="0" fmla="#ppt_y-sin(pi*$)/81">
-                                          <p:val>
-                                            <p:fltVal val="0"/>
-                                          </p:val>
-                                        </p:tav>
-                                        <p:tav tm="100000">
-                                          <p:val>
-                                            <p:fltVal val="1"/>
-                                          </p:val>
-                                        </p:tav>
-                                      </p:tavLst>
-                                    </p:anim>
-                                    <p:animScale>
-                                      <p:cBhvr>
-                                        <p:cTn id="13" dur="26">
-                                          <p:stCondLst>
-                                            <p:cond delay="650"/>
-                                          </p:stCondLst>
-                                        </p:cTn>
+                                        <p:cTn id="9" dur="500"/>
                                         <p:tgtEl>
                                           <p:spTgt spid="4"/>
                                         </p:tgtEl>
                                       </p:cBhvr>
-                                      <p:to x="100000" y="60000"/>
-                                    </p:animScale>
-                                    <p:animScale>
-                                      <p:cBhvr>
-                                        <p:cTn id="14" dur="166" decel="50000">
-                                          <p:stCondLst>
-                                            <p:cond delay="676"/>
-                                          </p:stCondLst>
-                                        </p:cTn>
-                                        <p:tgtEl>
-                                          <p:spTgt spid="4"/>
-                                        </p:tgtEl>
-                                      </p:cBhvr>
-                                      <p:to x="100000" y="100000"/>
-                                    </p:animScale>
-                                    <p:animScale>
-                                      <p:cBhvr>
-                                        <p:cTn id="15" dur="26">
-                                          <p:stCondLst>
-                                            <p:cond delay="1312"/>
-                                          </p:stCondLst>
-                                        </p:cTn>
-                                        <p:tgtEl>
-                                          <p:spTgt spid="4"/>
-                                        </p:tgtEl>
-                                      </p:cBhvr>
-                                      <p:to x="100000" y="80000"/>
-                                    </p:animScale>
-                                    <p:animScale>
-                                      <p:cBhvr>
-                                        <p:cTn id="16" dur="166" decel="50000">
-                                          <p:stCondLst>
-                                            <p:cond delay="1338"/>
-                                          </p:stCondLst>
-                                        </p:cTn>
-                                        <p:tgtEl>
-                                          <p:spTgt spid="4"/>
-                                        </p:tgtEl>
-                                      </p:cBhvr>
-                                      <p:to x="100000" y="100000"/>
-                                    </p:animScale>
-                                    <p:animScale>
-                                      <p:cBhvr>
-                                        <p:cTn id="17" dur="26">
-                                          <p:stCondLst>
-                                            <p:cond delay="1642"/>
-                                          </p:stCondLst>
-                                        </p:cTn>
-                                        <p:tgtEl>
-                                          <p:spTgt spid="4"/>
-                                        </p:tgtEl>
-                                      </p:cBhvr>
-                                      <p:to x="100000" y="90000"/>
-                                    </p:animScale>
-                                    <p:animScale>
-                                      <p:cBhvr>
-                                        <p:cTn id="18" dur="166" decel="50000">
-                                          <p:stCondLst>
-                                            <p:cond delay="1668"/>
-                                          </p:stCondLst>
-                                        </p:cTn>
-                                        <p:tgtEl>
-                                          <p:spTgt spid="4"/>
-                                        </p:tgtEl>
-                                      </p:cBhvr>
-                                      <p:to x="100000" y="100000"/>
-                                    </p:animScale>
-                                    <p:animScale>
-                                      <p:cBhvr>
-                                        <p:cTn id="19" dur="26">
-                                          <p:stCondLst>
-                                            <p:cond delay="1808"/>
-                                          </p:stCondLst>
-                                        </p:cTn>
-                                        <p:tgtEl>
-                                          <p:spTgt spid="4"/>
-                                        </p:tgtEl>
-                                      </p:cBhvr>
-                                      <p:to x="100000" y="95000"/>
-                                    </p:animScale>
-                                    <p:animScale>
-                                      <p:cBhvr>
-                                        <p:cTn id="20" dur="166" decel="50000">
-                                          <p:stCondLst>
-                                            <p:cond delay="1834"/>
-                                          </p:stCondLst>
-                                        </p:cTn>
-                                        <p:tgtEl>
-                                          <p:spTgt spid="4"/>
-                                        </p:tgtEl>
-                                      </p:cBhvr>
-                                      <p:to x="100000" y="100000"/>
-                                    </p:animScale>
+                                    </p:animEffect>
                                   </p:childTnLst>
                                 </p:cTn>
                               </p:par>
@@ -7039,11 +6851,7 @@
             </a:r>
             <a:r>
               <a:rPr lang="en-US" dirty="0" smtClean="0"/>
-              <a:t>0 - </a:t>
-            </a:r>
-            <a:r>
-              <a:rPr lang="en-US" dirty="0" smtClean="0"/>
-              <a:t>MATLAB </a:t>
+              <a:t>0 - MATLAB </a:t>
             </a:r>
             <a:endParaRPr lang="en-US" dirty="0"/>
           </a:p>
@@ -7054,11 +6862,7 @@
             </a:r>
             <a:r>
               <a:rPr lang="en-US" dirty="0" smtClean="0"/>
-              <a:t>- Symbian</a:t>
-            </a:r>
-            <a:r>
-              <a:rPr lang="en-US" dirty="0" smtClean="0"/>
-              <a:t>, Go, Microsoft .NET</a:t>
+              <a:t>- Symbian, Go, Microsoft .NET</a:t>
             </a:r>
           </a:p>
           <a:p>
@@ -7106,11 +6910,7 @@
             </a:r>
             <a:r>
               <a:rPr lang="en-US" dirty="0" smtClean="0"/>
-              <a:t>1904 - </a:t>
-            </a:r>
-            <a:r>
-              <a:rPr lang="en-US" dirty="0" smtClean="0"/>
-              <a:t>Mac </a:t>
+              <a:t>1904 - Mac </a:t>
             </a:r>
             <a:r>
               <a:rPr lang="en-US" dirty="0"/>
@@ -7132,11 +6932,7 @@
             </a:r>
             <a:r>
               <a:rPr lang="en-US" dirty="0" smtClean="0"/>
-              <a:t>- </a:t>
-            </a:r>
-            <a:r>
-              <a:rPr lang="en-US" dirty="0" smtClean="0"/>
-              <a:t>Unix </a:t>
+              <a:t>- Unix </a:t>
             </a:r>
             <a:r>
               <a:rPr lang="en-US" dirty="0"/>
@@ -7247,11 +7043,7 @@
           <a:p>
             <a:r>
               <a:rPr lang="en-US" sz="3000" dirty="0" smtClean="0"/>
-              <a:t>Names periods </a:t>
-            </a:r>
-            <a:r>
-              <a:rPr lang="en-US" sz="3000" dirty="0" smtClean="0"/>
-              <a:t>such as days</a:t>
+              <a:t>Names periods such as days</a:t>
             </a:r>
             <a:r>
               <a:rPr lang="en-US" sz="3000" dirty="0"/>
@@ -8043,7 +7835,10 @@
             <a:avLst/>
           </a:prstGeom>
           <a:solidFill>
-            <a:srgbClr val="FFFFDD"/>
+            <a:schemeClr val="accent1">
+              <a:lumMod val="20000"/>
+              <a:lumOff val="80000"/>
+            </a:schemeClr>
           </a:solidFill>
         </p:spPr>
         <p:txBody>
@@ -9152,11 +8947,7 @@
             </a:r>
             <a:r>
               <a:rPr lang="en-US" sz="3000" dirty="0" smtClean="0"/>
-              <a:t>strategy </a:t>
-            </a:r>
-            <a:r>
-              <a:rPr lang="en-US" sz="3000" dirty="0" smtClean="0"/>
-              <a:t>pattern</a:t>
+              <a:t>strategy pattern</a:t>
             </a:r>
           </a:p>
           <a:p>
@@ -9359,15 +9150,7 @@
           <a:p>
             <a:r>
               <a:rPr lang="en-US" sz="3000" dirty="0" smtClean="0"/>
-              <a:t>Use </a:t>
-            </a:r>
-            <a:r>
-              <a:rPr lang="en-US" sz="3000" dirty="0" smtClean="0"/>
-              <a:t>for event </a:t>
-            </a:r>
-            <a:r>
-              <a:rPr lang="en-US" sz="3000" dirty="0" smtClean="0"/>
-              <a:t>time-stamps</a:t>
+              <a:t>Use for event time-stamps</a:t>
             </a:r>
             <a:endParaRPr lang="en-US" sz="3000" dirty="0"/>
           </a:p>
@@ -9689,11 +9472,7 @@
             </a:r>
             <a:r>
               <a:rPr lang="en-US" sz="3000" dirty="0" smtClean="0"/>
-              <a:t>is before </a:t>
-            </a:r>
-            <a:r>
-              <a:rPr lang="en-US" sz="3000" dirty="0" smtClean="0"/>
-              <a:t>start </a:t>
+              <a:t>is before start </a:t>
             </a:r>
             <a:r>
               <a:rPr lang="en-US" sz="3000" dirty="0"/>
@@ -9833,15 +9612,7 @@
           <a:p>
             <a:r>
               <a:rPr lang="en-US" sz="3000" dirty="0" smtClean="0"/>
-              <a:t>Takes time </a:t>
-            </a:r>
-            <a:r>
-              <a:rPr lang="en-US" sz="3000" dirty="0" smtClean="0"/>
-              <a:t>zones </a:t>
-            </a:r>
-            <a:r>
-              <a:rPr lang="en-US" sz="3000" dirty="0" smtClean="0"/>
-              <a:t>into account for calculation</a:t>
+              <a:t>Takes time zones into account for calculation</a:t>
             </a:r>
             <a:endParaRPr lang="en-US" sz="3000" dirty="0"/>
           </a:p>
@@ -10033,7 +9804,10 @@
             <a:avLst/>
           </a:prstGeom>
           <a:solidFill>
-            <a:srgbClr val="FFFFDD"/>
+            <a:schemeClr val="accent1">
+              <a:lumMod val="20000"/>
+              <a:lumOff val="80000"/>
+            </a:schemeClr>
           </a:solidFill>
         </p:spPr>
         <p:txBody>
@@ -10061,14 +9835,7 @@
                 <a:latin typeface="Consolas" panose="020B0609020204030204" pitchFamily="49" charset="0"/>
                 <a:cs typeface="Consolas" panose="020B0609020204030204" pitchFamily="49" charset="0"/>
               </a:rPr>
-              <a:t> </a:t>
-            </a:r>
-            <a:r>
-              <a:rPr lang="en-US" sz="2400" dirty="0" smtClean="0">
-                <a:latin typeface="Consolas" panose="020B0609020204030204" pitchFamily="49" charset="0"/>
-                <a:cs typeface="Consolas" panose="020B0609020204030204" pitchFamily="49" charset="0"/>
-              </a:rPr>
-              <a:t>{</a:t>
+              <a:t> {</a:t>
             </a:r>
             <a:endParaRPr lang="en-US" sz="2400" dirty="0">
               <a:latin typeface="Consolas" panose="020B0609020204030204" pitchFamily="49" charset="0"/>
@@ -10159,14 +9926,7 @@
                 <a:latin typeface="Consolas" panose="020B0609020204030204" pitchFamily="49" charset="0"/>
                 <a:cs typeface="Consolas" panose="020B0609020204030204" pitchFamily="49" charset="0"/>
               </a:rPr>
-              <a:t>(clock</a:t>
-            </a:r>
-            <a:r>
-              <a:rPr lang="en-US" sz="2400" dirty="0" smtClean="0">
-                <a:latin typeface="Consolas" panose="020B0609020204030204" pitchFamily="49" charset="0"/>
-                <a:cs typeface="Consolas" panose="020B0609020204030204" pitchFamily="49" charset="0"/>
-              </a:rPr>
-              <a:t>);</a:t>
+              <a:t>(clock);</a:t>
             </a:r>
             <a:endParaRPr lang="en-US" sz="2400" dirty="0">
               <a:latin typeface="Consolas" panose="020B0609020204030204" pitchFamily="49" charset="0"/>
@@ -10630,7 +10390,10 @@
             <a:ext cx="7886700" cy="4651375"/>
           </a:xfrm>
           <a:solidFill>
-            <a:srgbClr val="FFFFDD"/>
+            <a:schemeClr val="accent1">
+              <a:lumMod val="20000"/>
+              <a:lumOff val="80000"/>
+            </a:schemeClr>
           </a:solidFill>
         </p:spPr>
         <p:txBody>
@@ -11003,11 +10766,7 @@
             <a:pPr lvl="1"/>
             <a:r>
               <a:rPr lang="en-US" dirty="0" smtClean="0"/>
-              <a:t>Some </a:t>
-            </a:r>
-            <a:r>
-              <a:rPr lang="en-US" dirty="0" smtClean="0"/>
-              <a:t>zero-based</a:t>
+              <a:t>Some zero-based</a:t>
             </a:r>
             <a:r>
               <a:rPr lang="en-US" dirty="0"/>
@@ -11030,19 +10789,11 @@
             <a:pPr lvl="1"/>
             <a:r>
               <a:rPr lang="en-US" dirty="0" smtClean="0"/>
-              <a:t>Some </a:t>
-            </a:r>
-            <a:r>
-              <a:rPr lang="en-US" dirty="0" smtClean="0"/>
-              <a:t>one-based</a:t>
+              <a:t>Some one-based</a:t>
             </a:r>
             <a:r>
               <a:rPr lang="en-US" dirty="0"/>
-              <a:t>, </a:t>
-            </a:r>
-            <a:r>
-              <a:rPr lang="en-US" dirty="0"/>
-              <a:t>like </a:t>
+              <a:t>, like </a:t>
             </a:r>
             <a:r>
               <a:rPr lang="en-US" dirty="0" smtClean="0"/>
@@ -11204,7 +10955,10 @@
             <a:ext cx="7886700" cy="1298575"/>
           </a:xfrm>
           <a:solidFill>
-            <a:srgbClr val="FFFFDD"/>
+            <a:schemeClr val="accent1">
+              <a:lumMod val="20000"/>
+              <a:lumOff val="80000"/>
+            </a:schemeClr>
           </a:solidFill>
         </p:spPr>
         <p:txBody>
@@ -15655,13 +15409,8 @@
             </a:r>
             <a:r>
               <a:rPr lang="en-US" sz="3000" dirty="0" smtClean="0"/>
-              <a:t>methods return a </a:t>
-            </a:r>
-            <a:r>
-              <a:rPr lang="en-US" sz="3000" dirty="0" smtClean="0"/>
-              <a:t>temporal</a:t>
-            </a:r>
-            <a:endParaRPr lang="en-US" sz="3000" dirty="0" smtClean="0"/>
+              <a:t>methods return a temporal</a:t>
+            </a:r>
           </a:p>
           <a:p>
             <a:r>
@@ -15904,13 +15653,8 @@
             </a:r>
             <a:r>
               <a:rPr lang="en-US" dirty="0" smtClean="0"/>
-              <a:t>error-prone and </a:t>
-            </a:r>
-            <a:r>
-              <a:rPr lang="en-US" dirty="0" smtClean="0"/>
-              <a:t>tedious</a:t>
-            </a:r>
-            <a:endParaRPr lang="en-US" dirty="0" smtClean="0"/>
+              <a:t>error-prone and tedious</a:t>
+            </a:r>
           </a:p>
           <a:p>
             <a:r>
@@ -15919,11 +15663,7 @@
             </a:r>
             <a:r>
               <a:rPr lang="en-US" dirty="0" smtClean="0"/>
-              <a:t>concepts of c</a:t>
-            </a:r>
-            <a:r>
-              <a:rPr lang="en-US" dirty="0" smtClean="0"/>
-              <a:t>omputer-related </a:t>
+              <a:t>concepts of computer-related </a:t>
             </a:r>
             <a:r>
               <a:rPr lang="en-US" dirty="0"/>
@@ -16342,15 +16082,7 @@
             </a:pPr>
             <a:r>
               <a:rPr lang="en-US" dirty="0" smtClean="0"/>
-              <a:t>Code </a:t>
-            </a:r>
-            <a:r>
-              <a:rPr lang="en-US" dirty="0" smtClean="0"/>
-              <a:t>used in </a:t>
-            </a:r>
-            <a:r>
-              <a:rPr lang="en-US" dirty="0" smtClean="0"/>
-              <a:t>this presentation on </a:t>
+              <a:t>Code used in this presentation on </a:t>
             </a:r>
             <a:r>
               <a:rPr lang="en-US" dirty="0" err="1" smtClean="0"/>
@@ -16547,11 +16279,7 @@
           <a:p>
             <a:r>
               <a:rPr lang="en-US" sz="3000" dirty="0" smtClean="0"/>
-              <a:t>Defaults to </a:t>
-            </a:r>
-            <a:r>
-              <a:rPr lang="en-US" sz="3000" dirty="0" smtClean="0"/>
-              <a:t>Gregorian calendar </a:t>
+              <a:t>Defaults to Gregorian calendar </a:t>
             </a:r>
           </a:p>
           <a:p>
@@ -16692,13 +16420,8 @@
           <a:p>
             <a:r>
               <a:rPr lang="en-US" sz="3000" dirty="0" smtClean="0"/>
-              <a:t>Zero-based </a:t>
-            </a:r>
-            <a:r>
-              <a:rPr lang="en-US" sz="3000" dirty="0" smtClean="0"/>
-              <a:t>offsets</a:t>
-            </a:r>
-            <a:endParaRPr lang="en-US" sz="3000" dirty="0" smtClean="0"/>
+              <a:t>Zero-based offsets</a:t>
+            </a:r>
           </a:p>
         </p:txBody>
       </p:sp>
@@ -16793,15 +16516,7 @@
           <a:p>
             <a:r>
               <a:rPr lang="en-US" sz="3000" dirty="0" smtClean="0"/>
-              <a:t>S</a:t>
-            </a:r>
-            <a:r>
-              <a:rPr lang="en-US" sz="3000" dirty="0" smtClean="0"/>
-              <a:t>tores internal state in </a:t>
-            </a:r>
-            <a:r>
-              <a:rPr lang="en-US" sz="3000" dirty="0" smtClean="0"/>
-              <a:t>two different ways</a:t>
+              <a:t>Stores internal state in two different ways</a:t>
             </a:r>
           </a:p>
           <a:p>
@@ -16821,11 +16536,7 @@
           <a:p>
             <a:r>
               <a:rPr lang="en-US" sz="3000" dirty="0" smtClean="0"/>
-              <a:t>Source of bugs and performance </a:t>
-            </a:r>
-            <a:r>
-              <a:rPr lang="en-US" sz="3000" dirty="0" smtClean="0"/>
-              <a:t>issues</a:t>
+              <a:t>Source of bugs and performance issues</a:t>
             </a:r>
           </a:p>
           <a:p>
@@ -16933,7 +16644,10 @@
             <a:ext cx="8382000" cy="993775"/>
           </a:xfrm>
           <a:solidFill>
-            <a:srgbClr val="FFFFDD"/>
+            <a:schemeClr val="accent1">
+              <a:lumMod val="20000"/>
+              <a:lumOff val="80000"/>
+            </a:schemeClr>
           </a:solidFill>
         </p:spPr>
         <p:txBody>
@@ -17023,7 +16737,10 @@
             <a:avLst/>
           </a:prstGeom>
           <a:solidFill>
-            <a:srgbClr val="FFFFDD"/>
+            <a:schemeClr val="accent1">
+              <a:lumMod val="20000"/>
+              <a:lumOff val="80000"/>
+            </a:schemeClr>
           </a:solidFill>
         </p:spPr>
         <p:txBody>
@@ -17594,7 +17311,7 @@
                             </p:stCondLst>
                             <p:childTnLst>
                               <p:par>
-                                <p:cTn id="5" presetID="26" presetClass="entr" presetSubtype="0" fill="hold" grpId="0" nodeType="clickEffect">
+                                <p:cTn id="5" presetID="53" presetClass="entr" presetSubtype="16" fill="hold" grpId="0" nodeType="clickEffect">
                                   <p:stCondLst>
                                     <p:cond delay="0"/>
                                   </p:stCondLst>
@@ -17617,257 +17334,60 @@
                                         <p:strVal val="visible"/>
                                       </p:to>
                                     </p:set>
-                                    <p:animEffect transition="in" filter="wipe(down)">
-                                      <p:cBhvr>
-                                        <p:cTn id="7" dur="580">
-                                          <p:stCondLst>
-                                            <p:cond delay="0"/>
-                                          </p:stCondLst>
-                                        </p:cTn>
-                                        <p:tgtEl>
-                                          <p:spTgt spid="4"/>
-                                        </p:tgtEl>
-                                      </p:cBhvr>
-                                    </p:animEffect>
                                     <p:anim calcmode="lin" valueType="num">
                                       <p:cBhvr>
-                                        <p:cTn id="8" dur="1822" tmFilter="0,0; 0.14,0.36; 0.43,0.73; 0.71,0.91; 1.0,1.0">
-                                          <p:stCondLst>
-                                            <p:cond delay="0"/>
-                                          </p:stCondLst>
-                                        </p:cTn>
+                                        <p:cTn id="7" dur="500" fill="hold"/>
                                         <p:tgtEl>
                                           <p:spTgt spid="4"/>
                                         </p:tgtEl>
                                         <p:attrNameLst>
-                                          <p:attrName>ppt_x</p:attrName>
+                                          <p:attrName>ppt_w</p:attrName>
                                         </p:attrNameLst>
                                       </p:cBhvr>
                                       <p:tavLst>
                                         <p:tav tm="0">
                                           <p:val>
-                                            <p:strVal val="#ppt_x-0.25"/>
+                                            <p:fltVal val="0"/>
                                           </p:val>
                                         </p:tav>
                                         <p:tav tm="100000">
                                           <p:val>
-                                            <p:strVal val="#ppt_x"/>
+                                            <p:strVal val="#ppt_w"/>
                                           </p:val>
                                         </p:tav>
                                       </p:tavLst>
                                     </p:anim>
                                     <p:anim calcmode="lin" valueType="num">
                                       <p:cBhvr>
-                                        <p:cTn id="9" dur="664" tmFilter="0.0,0.0; 0.25,0.07; 0.50,0.2; 0.75,0.467; 1.0,1.0">
-                                          <p:stCondLst>
-                                            <p:cond delay="0"/>
-                                          </p:stCondLst>
-                                        </p:cTn>
+                                        <p:cTn id="8" dur="500" fill="hold"/>
                                         <p:tgtEl>
                                           <p:spTgt spid="4"/>
                                         </p:tgtEl>
                                         <p:attrNameLst>
-                                          <p:attrName>ppt_y</p:attrName>
+                                          <p:attrName>ppt_h</p:attrName>
                                         </p:attrNameLst>
                                       </p:cBhvr>
                                       <p:tavLst>
-                                        <p:tav tm="0" fmla="#ppt_y-sin(pi*$)/3">
-                                          <p:val>
-                                            <p:fltVal val="0.5"/>
-                                          </p:val>
-                                        </p:tav>
-                                        <p:tav tm="100000">
-                                          <p:val>
-                                            <p:fltVal val="1"/>
-                                          </p:val>
-                                        </p:tav>
-                                      </p:tavLst>
-                                    </p:anim>
-                                    <p:anim calcmode="lin" valueType="num">
-                                      <p:cBhvr>
-                                        <p:cTn id="10" dur="664" tmFilter="0, 0; 0.125,0.2665; 0.25,0.4; 0.375,0.465; 0.5,0.5;  0.625,0.535; 0.75,0.6; 0.875,0.7335; 1,1">
-                                          <p:stCondLst>
-                                            <p:cond delay="664"/>
-                                          </p:stCondLst>
-                                        </p:cTn>
-                                        <p:tgtEl>
-                                          <p:spTgt spid="4"/>
-                                        </p:tgtEl>
-                                        <p:attrNameLst>
-                                          <p:attrName>ppt_y</p:attrName>
-                                        </p:attrNameLst>
-                                      </p:cBhvr>
-                                      <p:tavLst>
-                                        <p:tav tm="0" fmla="#ppt_y-sin(pi*$)/9">
+                                        <p:tav tm="0">
                                           <p:val>
                                             <p:fltVal val="0"/>
                                           </p:val>
                                         </p:tav>
                                         <p:tav tm="100000">
                                           <p:val>
-                                            <p:fltVal val="1"/>
+                                            <p:strVal val="#ppt_h"/>
                                           </p:val>
                                         </p:tav>
                                       </p:tavLst>
                                     </p:anim>
-                                    <p:anim calcmode="lin" valueType="num">
+                                    <p:animEffect transition="in" filter="fade">
                                       <p:cBhvr>
-                                        <p:cTn id="11" dur="332" tmFilter="0, 0; 0.125,0.2665; 0.25,0.4; 0.375,0.465; 0.5,0.5;  0.625,0.535; 0.75,0.6; 0.875,0.7335; 1,1">
-                                          <p:stCondLst>
-                                            <p:cond delay="1324"/>
-                                          </p:stCondLst>
-                                        </p:cTn>
-                                        <p:tgtEl>
-                                          <p:spTgt spid="4"/>
-                                        </p:tgtEl>
-                                        <p:attrNameLst>
-                                          <p:attrName>ppt_y</p:attrName>
-                                        </p:attrNameLst>
-                                      </p:cBhvr>
-                                      <p:tavLst>
-                                        <p:tav tm="0" fmla="#ppt_y-sin(pi*$)/27">
-                                          <p:val>
-                                            <p:fltVal val="0"/>
-                                          </p:val>
-                                        </p:tav>
-                                        <p:tav tm="100000">
-                                          <p:val>
-                                            <p:fltVal val="1"/>
-                                          </p:val>
-                                        </p:tav>
-                                      </p:tavLst>
-                                    </p:anim>
-                                    <p:anim calcmode="lin" valueType="num">
-                                      <p:cBhvr>
-                                        <p:cTn id="12" dur="164" tmFilter="0, 0; 0.125,0.2665; 0.25,0.4; 0.375,0.465; 0.5,0.5;  0.625,0.535; 0.75,0.6; 0.875,0.7335; 1,1">
-                                          <p:stCondLst>
-                                            <p:cond delay="1656"/>
-                                          </p:stCondLst>
-                                        </p:cTn>
-                                        <p:tgtEl>
-                                          <p:spTgt spid="4"/>
-                                        </p:tgtEl>
-                                        <p:attrNameLst>
-                                          <p:attrName>ppt_y</p:attrName>
-                                        </p:attrNameLst>
-                                      </p:cBhvr>
-                                      <p:tavLst>
-                                        <p:tav tm="0" fmla="#ppt_y-sin(pi*$)/81">
-                                          <p:val>
-                                            <p:fltVal val="0"/>
-                                          </p:val>
-                                        </p:tav>
-                                        <p:tav tm="100000">
-                                          <p:val>
-                                            <p:fltVal val="1"/>
-                                          </p:val>
-                                        </p:tav>
-                                      </p:tavLst>
-                                    </p:anim>
-                                    <p:animScale>
-                                      <p:cBhvr>
-                                        <p:cTn id="13" dur="26">
-                                          <p:stCondLst>
-                                            <p:cond delay="650"/>
-                                          </p:stCondLst>
-                                        </p:cTn>
+                                        <p:cTn id="9" dur="500"/>
                                         <p:tgtEl>
                                           <p:spTgt spid="4"/>
                                         </p:tgtEl>
                                       </p:cBhvr>
-                                      <p:to x="100000" y="60000"/>
-                                    </p:animScale>
-                                    <p:animScale>
-                                      <p:cBhvr>
-                                        <p:cTn id="14" dur="166" decel="50000">
-                                          <p:stCondLst>
-                                            <p:cond delay="676"/>
-                                          </p:stCondLst>
-                                        </p:cTn>
-                                        <p:tgtEl>
-                                          <p:spTgt spid="4"/>
-                                        </p:tgtEl>
-                                      </p:cBhvr>
-                                      <p:to x="100000" y="100000"/>
-                                    </p:animScale>
-                                    <p:animScale>
-                                      <p:cBhvr>
-                                        <p:cTn id="15" dur="26">
-                                          <p:stCondLst>
-                                            <p:cond delay="1312"/>
-                                          </p:stCondLst>
-                                        </p:cTn>
-                                        <p:tgtEl>
-                                          <p:spTgt spid="4"/>
-                                        </p:tgtEl>
-                                      </p:cBhvr>
-                                      <p:to x="100000" y="80000"/>
-                                    </p:animScale>
-                                    <p:animScale>
-                                      <p:cBhvr>
-                                        <p:cTn id="16" dur="166" decel="50000">
-                                          <p:stCondLst>
-                                            <p:cond delay="1338"/>
-                                          </p:stCondLst>
-                                        </p:cTn>
-                                        <p:tgtEl>
-                                          <p:spTgt spid="4"/>
-                                        </p:tgtEl>
-                                      </p:cBhvr>
-                                      <p:to x="100000" y="100000"/>
-                                    </p:animScale>
-                                    <p:animScale>
-                                      <p:cBhvr>
-                                        <p:cTn id="17" dur="26">
-                                          <p:stCondLst>
-                                            <p:cond delay="1642"/>
-                                          </p:stCondLst>
-                                        </p:cTn>
-                                        <p:tgtEl>
-                                          <p:spTgt spid="4"/>
-                                        </p:tgtEl>
-                                      </p:cBhvr>
-                                      <p:to x="100000" y="90000"/>
-                                    </p:animScale>
-                                    <p:animScale>
-                                      <p:cBhvr>
-                                        <p:cTn id="18" dur="166" decel="50000">
-                                          <p:stCondLst>
-                                            <p:cond delay="1668"/>
-                                          </p:stCondLst>
-                                        </p:cTn>
-                                        <p:tgtEl>
-                                          <p:spTgt spid="4"/>
-                                        </p:tgtEl>
-                                      </p:cBhvr>
-                                      <p:to x="100000" y="100000"/>
-                                    </p:animScale>
-                                    <p:animScale>
-                                      <p:cBhvr>
-                                        <p:cTn id="19" dur="26">
-                                          <p:stCondLst>
-                                            <p:cond delay="1808"/>
-                                          </p:stCondLst>
-                                        </p:cTn>
-                                        <p:tgtEl>
-                                          <p:spTgt spid="4"/>
-                                        </p:tgtEl>
-                                      </p:cBhvr>
-                                      <p:to x="100000" y="95000"/>
-                                    </p:animScale>
-                                    <p:animScale>
-                                      <p:cBhvr>
-                                        <p:cTn id="20" dur="166" decel="50000">
-                                          <p:stCondLst>
-                                            <p:cond delay="1834"/>
-                                          </p:stCondLst>
-                                        </p:cTn>
-                                        <p:tgtEl>
-                                          <p:spTgt spid="4"/>
-                                        </p:tgtEl>
-                                      </p:cBhvr>
-                                      <p:to x="100000" y="100000"/>
-                                    </p:animScale>
+                                    </p:animEffect>
                                   </p:childTnLst>
                                 </p:cTn>
                               </p:par>
@@ -18014,17 +17534,8 @@
               <a:rPr lang="en-US" sz="2800" dirty="0" smtClean="0">
                 <a:cs typeface="Consolas" panose="020B0609020204030204" pitchFamily="49" charset="0"/>
               </a:rPr>
-              <a:t>They got the year right! Well almost</a:t>
-            </a:r>
-            <a:r>
-              <a:rPr lang="en-US" sz="2800" dirty="0" smtClean="0">
-                <a:cs typeface="Consolas" panose="020B0609020204030204" pitchFamily="49" charset="0"/>
-              </a:rPr>
-              <a:t>… 13 AD</a:t>
-            </a:r>
-            <a:endParaRPr lang="en-US" sz="2800" dirty="0" smtClean="0">
-              <a:cs typeface="Consolas" panose="020B0609020204030204" pitchFamily="49" charset="0"/>
-            </a:endParaRPr>
+              <a:t>They got the year right! Well almost… 13 AD</a:t>
+            </a:r>
           </a:p>
           <a:p>
             <a:pPr marL="514350" indent="-514350">
@@ -18093,7 +17604,10 @@
             <a:avLst/>
           </a:prstGeom>
           <a:solidFill>
-            <a:srgbClr val="FFFFDD"/>
+            <a:schemeClr val="accent1">
+              <a:lumMod val="20000"/>
+              <a:lumOff val="80000"/>
+            </a:schemeClr>
           </a:solidFill>
         </p:spPr>
         <p:txBody>
@@ -19265,7 +18779,7 @@
   <a:extraClrSchemeLst/>
   <a:extLst>
     <a:ext uri="{05A4C25C-085E-4340-85A3-A5531E510DB2}">
-      <thm15:themeFamily xmlns="" xmlns:thm15="http://schemas.microsoft.com/office/thememl/2012/main" name="Presentation level design" id="{00E2FDB5-77A3-416C-8232-A2B8AB0B9A01}" vid="{6E3E8A63-E899-4F92-AFE5-C80B3CCFC0BD}"/>
+      <thm15:themeFamily xmlns:thm15="http://schemas.microsoft.com/office/thememl/2012/main" xmlns="" name="Presentation level design" id="{00E2FDB5-77A3-416C-8232-A2B8AB0B9A01}" vid="{6E3E8A63-E899-4F92-AFE5-C80B3CCFC0BD}"/>
     </a:ext>
   </a:extLst>
 </a:theme>

--- a/Java 8 Date and Time API.pptx
+++ b/Java 8 Date and Time API.pptx
@@ -6232,7 +6232,7 @@
         <p:spPr>
           <a:xfrm>
             <a:off x="457200" y="2819400"/>
-            <a:ext cx="8229600" cy="2585323"/>
+            <a:ext cx="8229600" cy="2308324"/>
           </a:xfrm>
           <a:prstGeom prst="rect">
             <a:avLst/>
@@ -6251,61 +6251,83 @@
           <a:lstStyle/>
           <a:p>
             <a:r>
+              <a:rPr lang="en-US" dirty="0" err="1">
+                <a:solidFill>
+                  <a:srgbClr val="FF0000"/>
+                </a:solidFill>
+                <a:latin typeface="Consolas" panose="020B0609020204030204" pitchFamily="49" charset="0"/>
+                <a:cs typeface="Consolas" panose="020B0609020204030204" pitchFamily="49" charset="0"/>
+              </a:rPr>
+              <a:t>java.time.DateTimeException</a:t>
+            </a:r>
+            <a:r>
               <a:rPr lang="en-US" dirty="0">
                 <a:solidFill>
-                  <a:srgbClr val="C00000"/>
+                  <a:srgbClr val="FF0000"/>
                 </a:solidFill>
                 <a:latin typeface="Consolas" panose="020B0609020204030204" pitchFamily="49" charset="0"/>
                 <a:cs typeface="Consolas" panose="020B0609020204030204" pitchFamily="49" charset="0"/>
               </a:rPr>
-              <a:t>Exception in thread "main" </a:t>
+              <a:t>: Invalid value for </a:t>
             </a:r>
             <a:r>
               <a:rPr lang="en-US" dirty="0" err="1">
                 <a:solidFill>
-                  <a:srgbClr val="C00000"/>
+                  <a:srgbClr val="FF0000"/>
                 </a:solidFill>
                 <a:latin typeface="Consolas" panose="020B0609020204030204" pitchFamily="49" charset="0"/>
                 <a:cs typeface="Consolas" panose="020B0609020204030204" pitchFamily="49" charset="0"/>
               </a:rPr>
-              <a:t>org.threeten.bp.DateTimeException</a:t>
+              <a:t>MonthOfYear</a:t>
             </a:r>
             <a:r>
               <a:rPr lang="en-US" dirty="0">
                 <a:solidFill>
-                  <a:srgbClr val="C00000"/>
+                  <a:srgbClr val="FF0000"/>
                 </a:solidFill>
                 <a:latin typeface="Consolas" panose="020B0609020204030204" pitchFamily="49" charset="0"/>
                 <a:cs typeface="Consolas" panose="020B0609020204030204" pitchFamily="49" charset="0"/>
               </a:rPr>
-              <a:t>: Invalid value for </a:t>
+              <a:t> (valid values 1 - 12): 13</a:t>
+            </a:r>
+          </a:p>
+          <a:p>
+            <a:r>
+              <a:rPr lang="en-US" dirty="0">
+                <a:solidFill>
+                  <a:srgbClr val="FF0000"/>
+                </a:solidFill>
+                <a:latin typeface="Consolas" panose="020B0609020204030204" pitchFamily="49" charset="0"/>
+                <a:cs typeface="Consolas" panose="020B0609020204030204" pitchFamily="49" charset="0"/>
+              </a:rPr>
+              <a:t>	at </a:t>
             </a:r>
             <a:r>
               <a:rPr lang="en-US" dirty="0" err="1">
                 <a:solidFill>
-                  <a:srgbClr val="C00000"/>
+                  <a:srgbClr val="FF0000"/>
                 </a:solidFill>
                 <a:latin typeface="Consolas" panose="020B0609020204030204" pitchFamily="49" charset="0"/>
                 <a:cs typeface="Consolas" panose="020B0609020204030204" pitchFamily="49" charset="0"/>
               </a:rPr>
-              <a:t>MonthOfYear</a:t>
+              <a:t>java.time.temporal.ValueRange.checkValidValue</a:t>
             </a:r>
             <a:r>
               <a:rPr lang="en-US" dirty="0">
                 <a:solidFill>
-                  <a:srgbClr val="C00000"/>
+                  <a:srgbClr val="FF0000"/>
                 </a:solidFill>
                 <a:latin typeface="Consolas" panose="020B0609020204030204" pitchFamily="49" charset="0"/>
                 <a:cs typeface="Consolas" panose="020B0609020204030204" pitchFamily="49" charset="0"/>
               </a:rPr>
-              <a:t> (valid values 1 - 12): 13</a:t>
+              <a:t>(Unknown Source)</a:t>
             </a:r>
           </a:p>
           <a:p>
             <a:r>
               <a:rPr lang="en-US" dirty="0">
                 <a:solidFill>
-                  <a:srgbClr val="C00000"/>
+                  <a:srgbClr val="FF0000"/>
                 </a:solidFill>
                 <a:latin typeface="Consolas" panose="020B0609020204030204" pitchFamily="49" charset="0"/>
                 <a:cs typeface="Consolas" panose="020B0609020204030204" pitchFamily="49" charset="0"/>
@@ -6315,29 +6337,29 @@
             <a:r>
               <a:rPr lang="en-US" dirty="0" err="1">
                 <a:solidFill>
-                  <a:srgbClr val="C00000"/>
+                  <a:srgbClr val="FF0000"/>
                 </a:solidFill>
                 <a:latin typeface="Consolas" panose="020B0609020204030204" pitchFamily="49" charset="0"/>
                 <a:cs typeface="Consolas" panose="020B0609020204030204" pitchFamily="49" charset="0"/>
               </a:rPr>
-              <a:t>org.threeten.bp.temporal.ValueRange.checkValidValue</a:t>
+              <a:t>java.time.temporal.ChronoField.checkValidValue</a:t>
             </a:r>
             <a:r>
               <a:rPr lang="en-US" dirty="0">
                 <a:solidFill>
-                  <a:srgbClr val="C00000"/>
+                  <a:srgbClr val="FF0000"/>
                 </a:solidFill>
                 <a:latin typeface="Consolas" panose="020B0609020204030204" pitchFamily="49" charset="0"/>
                 <a:cs typeface="Consolas" panose="020B0609020204030204" pitchFamily="49" charset="0"/>
               </a:rPr>
-              <a:t>(ValueRange.java:278)</a:t>
+              <a:t>(Unknown Source)</a:t>
             </a:r>
           </a:p>
           <a:p>
             <a:r>
               <a:rPr lang="en-US" dirty="0">
                 <a:solidFill>
-                  <a:srgbClr val="C00000"/>
+                  <a:srgbClr val="FF0000"/>
                 </a:solidFill>
                 <a:latin typeface="Consolas" panose="020B0609020204030204" pitchFamily="49" charset="0"/>
                 <a:cs typeface="Consolas" panose="020B0609020204030204" pitchFamily="49" charset="0"/>
@@ -6347,68 +6369,48 @@
             <a:r>
               <a:rPr lang="en-US" dirty="0" err="1">
                 <a:solidFill>
-                  <a:srgbClr val="C00000"/>
+                  <a:srgbClr val="FF0000"/>
                 </a:solidFill>
                 <a:latin typeface="Consolas" panose="020B0609020204030204" pitchFamily="49" charset="0"/>
                 <a:cs typeface="Consolas" panose="020B0609020204030204" pitchFamily="49" charset="0"/>
               </a:rPr>
-              <a:t>org.threeten.bp.temporal.ChronoField.checkValidValue</a:t>
+              <a:t>java.time.LocalDate.of</a:t>
             </a:r>
             <a:r>
               <a:rPr lang="en-US" dirty="0">
                 <a:solidFill>
-                  <a:srgbClr val="C00000"/>
+                  <a:srgbClr val="FF0000"/>
                 </a:solidFill>
                 <a:latin typeface="Consolas" panose="020B0609020204030204" pitchFamily="49" charset="0"/>
                 <a:cs typeface="Consolas" panose="020B0609020204030204" pitchFamily="49" charset="0"/>
               </a:rPr>
-              <a:t>(ChronoField.java:558)</a:t>
-            </a:r>
-          </a:p>
-          <a:p>
-            <a:r>
-              <a:rPr lang="en-US" dirty="0">
+              <a:t>(Unknown Source</a:t>
+            </a:r>
+            <a:r>
+              <a:rPr lang="en-US" dirty="0" smtClean="0">
                 <a:solidFill>
-                  <a:srgbClr val="C00000"/>
+                  <a:srgbClr val="FF0000"/>
                 </a:solidFill>
                 <a:latin typeface="Consolas" panose="020B0609020204030204" pitchFamily="49" charset="0"/>
                 <a:cs typeface="Consolas" panose="020B0609020204030204" pitchFamily="49" charset="0"/>
               </a:rPr>
-              <a:t>	at </a:t>
-            </a:r>
-            <a:r>
-              <a:rPr lang="en-US" dirty="0" err="1">
+              <a:t>)</a:t>
+            </a:r>
+          </a:p>
+          <a:p>
+            <a:r>
+              <a:rPr lang="en-US" dirty="0" smtClean="0">
                 <a:solidFill>
-                  <a:srgbClr val="C00000"/>
+                  <a:srgbClr val="FF0000"/>
                 </a:solidFill>
                 <a:latin typeface="Consolas" panose="020B0609020204030204" pitchFamily="49" charset="0"/>
                 <a:cs typeface="Consolas" panose="020B0609020204030204" pitchFamily="49" charset="0"/>
               </a:rPr>
-              <a:t>org.threeten.bp.LocalDate.of</a:t>
-            </a:r>
-            <a:r>
-              <a:rPr lang="en-US" dirty="0">
-                <a:solidFill>
-                  <a:srgbClr val="C00000"/>
-                </a:solidFill>
-                <a:latin typeface="Consolas" panose="020B0609020204030204" pitchFamily="49" charset="0"/>
-                <a:cs typeface="Consolas" panose="020B0609020204030204" pitchFamily="49" charset="0"/>
-              </a:rPr>
-              <a:t>(LocalDate.java:229</a:t>
-            </a:r>
-            <a:r>
-              <a:rPr lang="en-US" dirty="0" smtClean="0">
-                <a:solidFill>
-                  <a:srgbClr val="C00000"/>
-                </a:solidFill>
-                <a:latin typeface="Consolas" panose="020B0609020204030204" pitchFamily="49" charset="0"/>
-                <a:cs typeface="Consolas" panose="020B0609020204030204" pitchFamily="49" charset="0"/>
-              </a:rPr>
-              <a:t>)</a:t>
+              <a:t>…</a:t>
             </a:r>
             <a:endParaRPr lang="en-US" dirty="0">
               <a:solidFill>
-                <a:srgbClr val="C00000"/>
+                <a:srgbClr val="FF0000"/>
               </a:solidFill>
               <a:latin typeface="Consolas" panose="020B0609020204030204" pitchFamily="49" charset="0"/>
               <a:cs typeface="Consolas" panose="020B0609020204030204" pitchFamily="49" charset="0"/>
@@ -18779,7 +18781,7 @@
   <a:extraClrSchemeLst/>
   <a:extLst>
     <a:ext uri="{05A4C25C-085E-4340-85A3-A5531E510DB2}">
-      <thm15:themeFamily xmlns:thm15="http://schemas.microsoft.com/office/thememl/2012/main" xmlns="" name="Presentation level design" id="{00E2FDB5-77A3-416C-8232-A2B8AB0B9A01}" vid="{6E3E8A63-E899-4F92-AFE5-C80B3CCFC0BD}"/>
+      <thm15:themeFamily xmlns="" xmlns:thm15="http://schemas.microsoft.com/office/thememl/2012/main" name="Presentation level design" id="{00E2FDB5-77A3-416C-8232-A2B8AB0B9A01}" vid="{6E3E8A63-E899-4F92-AFE5-C80B3CCFC0BD}"/>
     </a:ext>
   </a:extLst>
 </a:theme>

--- a/Java 8 Date and Time API.pptx
+++ b/Java 8 Date and Time API.pptx
@@ -507,7 +507,7 @@
           <a:p>
             <a:fld id="{9FC8350F-9398-41A4-A7C8-75E8E1FDC641}" type="datetimeFigureOut">
               <a:rPr lang="en-US" smtClean="0"/>
-              <a:t>3/22/2014</a:t>
+              <a:t>3/23/2014</a:t>
             </a:fld>
             <a:endParaRPr lang="en-US"/>
           </a:p>
@@ -753,7 +753,7 @@
           <a:p>
             <a:fld id="{4521DC5A-3FE3-4FD1-BF87-57592AFF8A1E}" type="datetimeFigureOut">
               <a:rPr lang="en-US" smtClean="0"/>
-              <a:t>3/22/2014</a:t>
+              <a:t>3/23/2014</a:t>
             </a:fld>
             <a:endParaRPr lang="en-US"/>
           </a:p>
@@ -999,7 +999,7 @@
           <a:p>
             <a:fld id="{4521DC5A-3FE3-4FD1-BF87-57592AFF8A1E}" type="datetimeFigureOut">
               <a:rPr lang="en-US" smtClean="0"/>
-              <a:t>3/22/2014</a:t>
+              <a:t>3/23/2014</a:t>
             </a:fld>
             <a:endParaRPr lang="en-US"/>
           </a:p>
@@ -1245,7 +1245,7 @@
           <a:p>
             <a:fld id="{4521DC5A-3FE3-4FD1-BF87-57592AFF8A1E}" type="datetimeFigureOut">
               <a:rPr lang="en-US" smtClean="0"/>
-              <a:t>3/22/2014</a:t>
+              <a:t>3/23/2014</a:t>
             </a:fld>
             <a:endParaRPr lang="en-US"/>
           </a:p>
@@ -1503,7 +1503,7 @@
           <a:p>
             <a:fld id="{4521DC5A-3FE3-4FD1-BF87-57592AFF8A1E}" type="datetimeFigureOut">
               <a:rPr lang="en-US" smtClean="0"/>
-              <a:t>3/22/2014</a:t>
+              <a:t>3/23/2014</a:t>
             </a:fld>
             <a:endParaRPr lang="en-US"/>
           </a:p>
@@ -1865,7 +1865,7 @@
           <a:p>
             <a:fld id="{4521DC5A-3FE3-4FD1-BF87-57592AFF8A1E}" type="datetimeFigureOut">
               <a:rPr lang="en-US" smtClean="0"/>
-              <a:t>3/22/2014</a:t>
+              <a:t>3/23/2014</a:t>
             </a:fld>
             <a:endParaRPr lang="en-US"/>
           </a:p>
@@ -2363,7 +2363,7 @@
           <a:p>
             <a:fld id="{4521DC5A-3FE3-4FD1-BF87-57592AFF8A1E}" type="datetimeFigureOut">
               <a:rPr lang="en-US" smtClean="0"/>
-              <a:t>3/22/2014</a:t>
+              <a:t>3/23/2014</a:t>
             </a:fld>
             <a:endParaRPr lang="en-US"/>
           </a:p>
@@ -2549,7 +2549,7 @@
           <a:p>
             <a:fld id="{4521DC5A-3FE3-4FD1-BF87-57592AFF8A1E}" type="datetimeFigureOut">
               <a:rPr lang="en-US" smtClean="0"/>
-              <a:t>3/22/2014</a:t>
+              <a:t>3/23/2014</a:t>
             </a:fld>
             <a:endParaRPr lang="en-US"/>
           </a:p>
@@ -2704,7 +2704,7 @@
           <a:p>
             <a:fld id="{4521DC5A-3FE3-4FD1-BF87-57592AFF8A1E}" type="datetimeFigureOut">
               <a:rPr lang="en-US" smtClean="0"/>
-              <a:t>3/22/2014</a:t>
+              <a:t>3/23/2014</a:t>
             </a:fld>
             <a:endParaRPr lang="en-US"/>
           </a:p>
@@ -3050,7 +3050,7 @@
           <a:p>
             <a:fld id="{4521DC5A-3FE3-4FD1-BF87-57592AFF8A1E}" type="datetimeFigureOut">
               <a:rPr lang="en-US" smtClean="0"/>
-              <a:t>3/22/2014</a:t>
+              <a:t>3/23/2014</a:t>
             </a:fld>
             <a:endParaRPr lang="en-US"/>
           </a:p>
@@ -3376,7 +3376,7 @@
           <a:p>
             <a:fld id="{4521DC5A-3FE3-4FD1-BF87-57592AFF8A1E}" type="datetimeFigureOut">
               <a:rPr lang="en-US" smtClean="0"/>
-              <a:t>3/22/2014</a:t>
+              <a:t>3/23/2014</a:t>
             </a:fld>
             <a:endParaRPr lang="en-US"/>
           </a:p>
@@ -3966,7 +3966,7 @@
           <a:p>
             <a:fld id="{4521DC5A-3FE3-4FD1-BF87-57592AFF8A1E}" type="datetimeFigureOut">
               <a:rPr lang="en-US" smtClean="0"/>
-              <a:t>3/22/2014</a:t>
+              <a:t>3/23/2014</a:t>
             </a:fld>
             <a:endParaRPr lang="en-US"/>
           </a:p>
@@ -5358,7 +5358,7 @@
             <a:r>
               <a:rPr lang="en-US" sz="2400" dirty="0">
                 <a:solidFill>
-                  <a:schemeClr val="accent3">
+                  <a:schemeClr val="accent6">
                     <a:lumMod val="75000"/>
                   </a:schemeClr>
                 </a:solidFill>
@@ -6144,14 +6144,14 @@
               <a:buNone/>
             </a:pPr>
             <a:r>
-              <a:rPr lang="en-US" sz="3000" dirty="0" err="1">
+              <a:rPr lang="en-US" dirty="0" err="1">
                 <a:latin typeface="Consolas" panose="020B0609020204030204" pitchFamily="49" charset="0"/>
                 <a:cs typeface="Consolas" panose="020B0609020204030204" pitchFamily="49" charset="0"/>
               </a:rPr>
               <a:t>System.out.println</a:t>
             </a:r>
             <a:r>
-              <a:rPr lang="en-US" sz="3000" dirty="0" smtClean="0">
+              <a:rPr lang="en-US" dirty="0" smtClean="0">
                 <a:latin typeface="Consolas" panose="020B0609020204030204" pitchFamily="49" charset="0"/>
                 <a:cs typeface="Consolas" panose="020B0609020204030204" pitchFamily="49" charset="0"/>
               </a:rPr>
@@ -6163,35 +6163,35 @@
               <a:buNone/>
             </a:pPr>
             <a:r>
-              <a:rPr lang="en-US" sz="3000" b="1" dirty="0" err="1" smtClean="0">
+              <a:rPr lang="en-US" b="1" dirty="0" err="1" smtClean="0">
                 <a:latin typeface="Consolas" panose="020B0609020204030204" pitchFamily="49" charset="0"/>
                 <a:cs typeface="Consolas" panose="020B0609020204030204" pitchFamily="49" charset="0"/>
               </a:rPr>
               <a:t>LocalDate.of</a:t>
             </a:r>
             <a:r>
-              <a:rPr lang="en-US" sz="3000" b="1" dirty="0" smtClean="0">
+              <a:rPr lang="en-US" b="1" dirty="0" smtClean="0">
                 <a:latin typeface="Consolas" panose="020B0609020204030204" pitchFamily="49" charset="0"/>
                 <a:cs typeface="Consolas" panose="020B0609020204030204" pitchFamily="49" charset="0"/>
               </a:rPr>
               <a:t>(13</a:t>
             </a:r>
             <a:r>
-              <a:rPr lang="en-US" sz="3000" b="1" dirty="0">
+              <a:rPr lang="en-US" b="1" dirty="0">
                 <a:latin typeface="Consolas" panose="020B0609020204030204" pitchFamily="49" charset="0"/>
                 <a:cs typeface="Consolas" panose="020B0609020204030204" pitchFamily="49" charset="0"/>
               </a:rPr>
               <a:t>, 13, 13</a:t>
             </a:r>
             <a:r>
-              <a:rPr lang="en-US" sz="3000" b="1" dirty="0" smtClean="0">
+              <a:rPr lang="en-US" b="1" dirty="0" smtClean="0">
                 <a:latin typeface="Consolas" panose="020B0609020204030204" pitchFamily="49" charset="0"/>
                 <a:cs typeface="Consolas" panose="020B0609020204030204" pitchFamily="49" charset="0"/>
               </a:rPr>
               <a:t>)</a:t>
             </a:r>
             <a:r>
-              <a:rPr lang="en-US" sz="3000" dirty="0" smtClean="0">
+              <a:rPr lang="en-US" dirty="0" smtClean="0">
                 <a:latin typeface="Consolas" panose="020B0609020204030204" pitchFamily="49" charset="0"/>
                 <a:cs typeface="Consolas" panose="020B0609020204030204" pitchFamily="49" charset="0"/>
               </a:rPr>
@@ -6614,13 +6614,8 @@
             </a:pPr>
             <a:r>
               <a:rPr lang="en-US" sz="3000" dirty="0" smtClean="0"/>
-              <a:t>Most importantly, the Java 8 date and time API forces you to think carefully about what you are </a:t>
-            </a:r>
-            <a:r>
-              <a:rPr lang="en-US" sz="3000" smtClean="0"/>
-              <a:t>doing.</a:t>
-            </a:r>
-            <a:endParaRPr lang="en-US" sz="3000" dirty="0" smtClean="0"/>
+              <a:t>Most importantly, the Java 8 date and time API forces you to think carefully about what you are doing.</a:t>
+            </a:r>
           </a:p>
         </p:txBody>
       </p:sp>
@@ -6644,6 +6639,131 @@
               <a:t>Concepts</a:t>
             </a:r>
             <a:endParaRPr lang="en-US" dirty="0"/>
+          </a:p>
+        </p:txBody>
+      </p:sp>
+      <p:sp>
+        <p:nvSpPr>
+          <p:cNvPr id="4" name="Rectangle 3"/>
+          <p:cNvSpPr/>
+          <p:nvPr/>
+        </p:nvSpPr>
+        <p:spPr>
+          <a:xfrm>
+            <a:off x="457200" y="4114800"/>
+            <a:ext cx="8229600" cy="1200329"/>
+          </a:xfrm>
+          <a:prstGeom prst="rect">
+            <a:avLst/>
+          </a:prstGeom>
+          <a:solidFill>
+            <a:schemeClr val="accent1">
+              <a:lumMod val="20000"/>
+              <a:lumOff val="80000"/>
+            </a:schemeClr>
+          </a:solidFill>
+        </p:spPr>
+        <p:txBody>
+          <a:bodyPr wrap="square">
+            <a:spAutoFit/>
+          </a:bodyPr>
+          <a:lstStyle/>
+          <a:p>
+            <a:r>
+              <a:rPr lang="en-US" sz="2400" dirty="0" smtClean="0">
+                <a:latin typeface="Consolas" panose="020B0609020204030204" pitchFamily="49" charset="0"/>
+                <a:cs typeface="Consolas" panose="020B0609020204030204" pitchFamily="49" charset="0"/>
+              </a:rPr>
+              <a:t>// Don’t be forced </a:t>
+            </a:r>
+            <a:r>
+              <a:rPr lang="en-US" sz="2400" smtClean="0">
+                <a:latin typeface="Consolas" panose="020B0609020204030204" pitchFamily="49" charset="0"/>
+                <a:cs typeface="Consolas" panose="020B0609020204030204" pitchFamily="49" charset="0"/>
+              </a:rPr>
+              <a:t>into writing </a:t>
+            </a:r>
+            <a:r>
+              <a:rPr lang="en-US" sz="2400" dirty="0" smtClean="0">
+                <a:latin typeface="Consolas" panose="020B0609020204030204" pitchFamily="49" charset="0"/>
+                <a:cs typeface="Consolas" panose="020B0609020204030204" pitchFamily="49" charset="0"/>
+              </a:rPr>
+              <a:t>this code</a:t>
+            </a:r>
+          </a:p>
+          <a:p>
+            <a:r>
+              <a:rPr lang="en-US" sz="2400" dirty="0" smtClean="0">
+                <a:latin typeface="Consolas" panose="020B0609020204030204" pitchFamily="49" charset="0"/>
+                <a:cs typeface="Consolas" panose="020B0609020204030204" pitchFamily="49" charset="0"/>
+              </a:rPr>
+              <a:t>Calendar </a:t>
+            </a:r>
+            <a:r>
+              <a:rPr lang="en-US" sz="2400" dirty="0" err="1">
+                <a:latin typeface="Consolas" panose="020B0609020204030204" pitchFamily="49" charset="0"/>
+                <a:cs typeface="Consolas" panose="020B0609020204030204" pitchFamily="49" charset="0"/>
+              </a:rPr>
+              <a:t>calendar</a:t>
+            </a:r>
+            <a:r>
+              <a:rPr lang="en-US" sz="2400" dirty="0">
+                <a:latin typeface="Consolas" panose="020B0609020204030204" pitchFamily="49" charset="0"/>
+                <a:cs typeface="Consolas" panose="020B0609020204030204" pitchFamily="49" charset="0"/>
+              </a:rPr>
+              <a:t> = new </a:t>
+            </a:r>
+            <a:r>
+              <a:rPr lang="en-US" sz="2400" dirty="0" err="1">
+                <a:latin typeface="Consolas" panose="020B0609020204030204" pitchFamily="49" charset="0"/>
+                <a:cs typeface="Consolas" panose="020B0609020204030204" pitchFamily="49" charset="0"/>
+              </a:rPr>
+              <a:t>GregorianCalendar</a:t>
+            </a:r>
+            <a:r>
+              <a:rPr lang="en-US" sz="2400" dirty="0">
+                <a:latin typeface="Consolas" panose="020B0609020204030204" pitchFamily="49" charset="0"/>
+                <a:cs typeface="Consolas" panose="020B0609020204030204" pitchFamily="49" charset="0"/>
+              </a:rPr>
+              <a:t>();</a:t>
+            </a:r>
+          </a:p>
+          <a:p>
+            <a:r>
+              <a:rPr lang="en-US" sz="2400" dirty="0">
+                <a:latin typeface="Consolas" panose="020B0609020204030204" pitchFamily="49" charset="0"/>
+                <a:cs typeface="Consolas" panose="020B0609020204030204" pitchFamily="49" charset="0"/>
+              </a:rPr>
+              <a:t>Date </a:t>
+            </a:r>
+            <a:r>
+              <a:rPr lang="en-US" sz="2400" dirty="0" err="1">
+                <a:latin typeface="Consolas" panose="020B0609020204030204" pitchFamily="49" charset="0"/>
+                <a:cs typeface="Consolas" panose="020B0609020204030204" pitchFamily="49" charset="0"/>
+              </a:rPr>
+              <a:t>date</a:t>
+            </a:r>
+            <a:r>
+              <a:rPr lang="en-US" sz="2400" dirty="0">
+                <a:latin typeface="Consolas" panose="020B0609020204030204" pitchFamily="49" charset="0"/>
+                <a:cs typeface="Consolas" panose="020B0609020204030204" pitchFamily="49" charset="0"/>
+              </a:rPr>
+              <a:t> = </a:t>
+            </a:r>
+            <a:r>
+              <a:rPr lang="en-US" sz="2400" dirty="0" err="1">
+                <a:latin typeface="Consolas" panose="020B0609020204030204" pitchFamily="49" charset="0"/>
+                <a:cs typeface="Consolas" panose="020B0609020204030204" pitchFamily="49" charset="0"/>
+              </a:rPr>
+              <a:t>calendar.getTime</a:t>
+            </a:r>
+            <a:r>
+              <a:rPr lang="en-US" sz="2400" dirty="0">
+                <a:latin typeface="Consolas" panose="020B0609020204030204" pitchFamily="49" charset="0"/>
+                <a:cs typeface="Consolas" panose="020B0609020204030204" pitchFamily="49" charset="0"/>
+              </a:rPr>
+              <a:t>();</a:t>
+            </a:r>
           </a:p>
         </p:txBody>
       </p:sp>
@@ -7889,7 +8009,7 @@
             <a:r>
               <a:rPr lang="en-US" sz="2000" dirty="0">
                 <a:solidFill>
-                  <a:schemeClr val="accent3">
+                  <a:schemeClr val="accent6">
                     <a:lumMod val="75000"/>
                   </a:schemeClr>
                 </a:solidFill>
@@ -7901,7 +8021,7 @@
             <a:r>
               <a:rPr lang="fi-FI" sz="2000" dirty="0">
                 <a:solidFill>
-                  <a:schemeClr val="accent3">
+                  <a:schemeClr val="accent6">
                     <a:lumMod val="75000"/>
                   </a:schemeClr>
                 </a:solidFill>
@@ -7912,7 +8032,7 @@
             </a:r>
             <a:endParaRPr lang="en-US" sz="2000" dirty="0">
               <a:solidFill>
-                <a:schemeClr val="accent3">
+                <a:schemeClr val="accent6">
                   <a:lumMod val="75000"/>
                 </a:schemeClr>
               </a:solidFill>
@@ -10389,7 +10509,7 @@
         <p:spPr>
           <a:xfrm>
             <a:off x="628650" y="1825624"/>
-            <a:ext cx="7886700" cy="4651375"/>
+            <a:ext cx="7981950" cy="4651375"/>
           </a:xfrm>
           <a:solidFill>
             <a:schemeClr val="accent1">
@@ -10628,21 +10748,42 @@
               <a:buNone/>
             </a:pPr>
             <a:r>
-              <a:rPr lang="en-US" sz="2400" dirty="0" err="1" smtClean="0">
+              <a:rPr lang="en-US" sz="2400" dirty="0" err="1">
                 <a:latin typeface="Consolas" panose="020B0609020204030204" pitchFamily="49" charset="0"/>
                 <a:cs typeface="Consolas" panose="020B0609020204030204" pitchFamily="49" charset="0"/>
               </a:rPr>
-              <a:t>time.with</a:t>
+              <a:t>LocalTime</a:t>
+            </a:r>
+            <a:r>
+              <a:rPr lang="en-US" sz="2400" dirty="0">
+                <a:latin typeface="Consolas" panose="020B0609020204030204" pitchFamily="49" charset="0"/>
+                <a:cs typeface="Consolas" panose="020B0609020204030204" pitchFamily="49" charset="0"/>
+              </a:rPr>
+              <a:t> </a:t>
             </a:r>
             <a:r>
               <a:rPr lang="en-US" sz="2400" dirty="0" smtClean="0">
                 <a:latin typeface="Consolas" panose="020B0609020204030204" pitchFamily="49" charset="0"/>
                 <a:cs typeface="Consolas" panose="020B0609020204030204" pitchFamily="49" charset="0"/>
               </a:rPr>
+              <a:t>later = </a:t>
+            </a:r>
+            <a:r>
+              <a:rPr lang="en-US" sz="2400" dirty="0" err="1">
+                <a:latin typeface="Consolas" panose="020B0609020204030204" pitchFamily="49" charset="0"/>
+                <a:cs typeface="Consolas" panose="020B0609020204030204" pitchFamily="49" charset="0"/>
+              </a:rPr>
+              <a:t>time.with</a:t>
+            </a:r>
+            <a:r>
+              <a:rPr lang="en-US" sz="2400" dirty="0">
+                <a:latin typeface="Consolas" panose="020B0609020204030204" pitchFamily="49" charset="0"/>
+                <a:cs typeface="Consolas" panose="020B0609020204030204" pitchFamily="49" charset="0"/>
+              </a:rPr>
               <a:t>(</a:t>
             </a:r>
             <a:r>
-              <a:rPr lang="en-US" sz="2400" dirty="0" err="1" smtClean="0">
+              <a:rPr lang="en-US" sz="2400" dirty="0" err="1">
                 <a:latin typeface="Consolas" panose="020B0609020204030204" pitchFamily="49" charset="0"/>
                 <a:cs typeface="Consolas" panose="020B0609020204030204" pitchFamily="49" charset="0"/>
               </a:rPr>
@@ -10653,9 +10794,14 @@
                 <a:latin typeface="Consolas" panose="020B0609020204030204" pitchFamily="49" charset="0"/>
                 <a:cs typeface="Consolas" panose="020B0609020204030204" pitchFamily="49" charset="0"/>
               </a:rPr>
-              <a:t>); // 12:04</a:t>
+              <a:t>);</a:t>
             </a:r>
             <a:endParaRPr lang="en-US" sz="2400" dirty="0">
+              <a:solidFill>
+                <a:schemeClr val="accent6">
+                  <a:lumMod val="75000"/>
+                </a:schemeClr>
+              </a:solidFill>
               <a:latin typeface="Consolas" panose="020B0609020204030204" pitchFamily="49" charset="0"/>
               <a:cs typeface="Consolas" panose="020B0609020204030204" pitchFamily="49" charset="0"/>
             </a:endParaRPr>
@@ -10954,7 +11100,7 @@
         <p:spPr>
           <a:xfrm>
             <a:off x="628650" y="1825625"/>
-            <a:ext cx="7886700" cy="1298575"/>
+            <a:ext cx="7886700" cy="1374775"/>
           </a:xfrm>
           <a:solidFill>
             <a:schemeClr val="accent1">
@@ -11037,19 +11183,35 @@
               </a:rPr>
               <a:t>temporal -&gt; </a:t>
             </a:r>
-            <a:r>
-              <a:rPr lang="en-US" sz="2400" dirty="0" err="1">
+            <a:endParaRPr lang="en-US" sz="2400" dirty="0" smtClean="0">
+              <a:latin typeface="Consolas" panose="020B0609020204030204" pitchFamily="49" charset="0"/>
+              <a:cs typeface="Consolas" panose="020B0609020204030204" pitchFamily="49" charset="0"/>
+            </a:endParaRPr>
+          </a:p>
+          <a:p>
+            <a:pPr marL="0" indent="0">
+              <a:buNone/>
+            </a:pPr>
+            <a:r>
+              <a:rPr lang="en-US" sz="2400" dirty="0" err="1" smtClean="0">
                 <a:latin typeface="Consolas" panose="020B0609020204030204" pitchFamily="49" charset="0"/>
                 <a:cs typeface="Consolas" panose="020B0609020204030204" pitchFamily="49" charset="0"/>
               </a:rPr>
               <a:t>temporal.plus</a:t>
+            </a:r>
+            <a:r>
+              <a:rPr lang="en-US" sz="2400" dirty="0" smtClean="0">
+                <a:latin typeface="Consolas" panose="020B0609020204030204" pitchFamily="49" charset="0"/>
+                <a:cs typeface="Consolas" panose="020B0609020204030204" pitchFamily="49" charset="0"/>
+              </a:rPr>
+              <a:t>(4</a:t>
             </a:r>
             <a:r>
               <a:rPr lang="en-US" sz="2400" dirty="0">
                 <a:latin typeface="Consolas" panose="020B0609020204030204" pitchFamily="49" charset="0"/>
                 <a:cs typeface="Consolas" panose="020B0609020204030204" pitchFamily="49" charset="0"/>
               </a:rPr>
-              <a:t>(4, </a:t>
+              <a:t>, </a:t>
             </a:r>
             <a:r>
               <a:rPr lang="en-US" sz="2400" dirty="0" err="1">
@@ -16662,35 +16824,35 @@
               <a:buNone/>
             </a:pPr>
             <a:r>
-              <a:rPr lang="en-US" sz="3000" dirty="0" err="1">
+              <a:rPr lang="en-US" dirty="0" err="1">
                 <a:latin typeface="Consolas" panose="020B0609020204030204" pitchFamily="49" charset="0"/>
                 <a:cs typeface="Consolas" panose="020B0609020204030204" pitchFamily="49" charset="0"/>
               </a:rPr>
               <a:t>System.out.println</a:t>
             </a:r>
             <a:r>
-              <a:rPr lang="en-US" sz="3000" dirty="0">
+              <a:rPr lang="en-US" dirty="0">
                 <a:latin typeface="Consolas" panose="020B0609020204030204" pitchFamily="49" charset="0"/>
                 <a:cs typeface="Consolas" panose="020B0609020204030204" pitchFamily="49" charset="0"/>
               </a:rPr>
               <a:t>(new </a:t>
             </a:r>
             <a:r>
-              <a:rPr lang="en-US" sz="3000" dirty="0" err="1">
+              <a:rPr lang="en-US" dirty="0" err="1">
                 <a:latin typeface="Consolas" panose="020B0609020204030204" pitchFamily="49" charset="0"/>
                 <a:cs typeface="Consolas" panose="020B0609020204030204" pitchFamily="49" charset="0"/>
               </a:rPr>
               <a:t>GregorianCalendar</a:t>
             </a:r>
             <a:r>
-              <a:rPr lang="en-US" sz="3000" dirty="0">
+              <a:rPr lang="en-US" dirty="0">
                 <a:latin typeface="Consolas" panose="020B0609020204030204" pitchFamily="49" charset="0"/>
                 <a:cs typeface="Consolas" panose="020B0609020204030204" pitchFamily="49" charset="0"/>
               </a:rPr>
               <a:t>(12, 12, 12</a:t>
             </a:r>
             <a:r>
-              <a:rPr lang="en-US" sz="3000" dirty="0" smtClean="0">
+              <a:rPr lang="en-US" dirty="0" smtClean="0">
                 <a:latin typeface="Consolas" panose="020B0609020204030204" pitchFamily="49" charset="0"/>
                 <a:cs typeface="Consolas" panose="020B0609020204030204" pitchFamily="49" charset="0"/>
               </a:rPr>
@@ -17693,7 +17855,7 @@
             <a:r>
               <a:rPr lang="en-US" sz="2000" dirty="0">
                 <a:solidFill>
-                  <a:schemeClr val="accent3">
+                  <a:schemeClr val="accent6">
                     <a:lumMod val="75000"/>
                   </a:schemeClr>
                 </a:solidFill>
@@ -18781,7 +18943,7 @@
   <a:extraClrSchemeLst/>
   <a:extLst>
     <a:ext uri="{05A4C25C-085E-4340-85A3-A5531E510DB2}">
-      <thm15:themeFamily xmlns="" xmlns:thm15="http://schemas.microsoft.com/office/thememl/2012/main" name="Presentation level design" id="{00E2FDB5-77A3-416C-8232-A2B8AB0B9A01}" vid="{6E3E8A63-E899-4F92-AFE5-C80B3CCFC0BD}"/>
+      <thm15:themeFamily xmlns:thm15="http://schemas.microsoft.com/office/thememl/2012/main" xmlns="" name="Presentation level design" id="{00E2FDB5-77A3-416C-8232-A2B8AB0B9A01}" vid="{6E3E8A63-E899-4F92-AFE5-C80B3CCFC0BD}"/>
     </a:ext>
   </a:extLst>
 </a:theme>

--- a/Java 8 Date and Time API.pptx
+++ b/Java 8 Date and Time API.pptx
@@ -30,9 +30,9 @@
     <p:sldId id="282" r:id="rId24"/>
     <p:sldId id="281" r:id="rId25"/>
     <p:sldId id="280" r:id="rId26"/>
-    <p:sldId id="285" r:id="rId27"/>
-    <p:sldId id="296" r:id="rId28"/>
-    <p:sldId id="298" r:id="rId29"/>
+    <p:sldId id="298" r:id="rId27"/>
+    <p:sldId id="285" r:id="rId28"/>
+    <p:sldId id="296" r:id="rId29"/>
     <p:sldId id="286" r:id="rId30"/>
     <p:sldId id="289" r:id="rId31"/>
     <p:sldId id="288" r:id="rId32"/>
@@ -507,7 +507,7 @@
           <a:p>
             <a:fld id="{9FC8350F-9398-41A4-A7C8-75E8E1FDC641}" type="datetimeFigureOut">
               <a:rPr lang="en-US" smtClean="0"/>
-              <a:t>3/23/2014</a:t>
+              <a:t>3/28/2014</a:t>
             </a:fld>
             <a:endParaRPr lang="en-US"/>
           </a:p>
@@ -753,7 +753,7 @@
           <a:p>
             <a:fld id="{4521DC5A-3FE3-4FD1-BF87-57592AFF8A1E}" type="datetimeFigureOut">
               <a:rPr lang="en-US" smtClean="0"/>
-              <a:t>3/23/2014</a:t>
+              <a:t>3/28/2014</a:t>
             </a:fld>
             <a:endParaRPr lang="en-US"/>
           </a:p>
@@ -999,7 +999,7 @@
           <a:p>
             <a:fld id="{4521DC5A-3FE3-4FD1-BF87-57592AFF8A1E}" type="datetimeFigureOut">
               <a:rPr lang="en-US" smtClean="0"/>
-              <a:t>3/23/2014</a:t>
+              <a:t>3/28/2014</a:t>
             </a:fld>
             <a:endParaRPr lang="en-US"/>
           </a:p>
@@ -1245,7 +1245,7 @@
           <a:p>
             <a:fld id="{4521DC5A-3FE3-4FD1-BF87-57592AFF8A1E}" type="datetimeFigureOut">
               <a:rPr lang="en-US" smtClean="0"/>
-              <a:t>3/23/2014</a:t>
+              <a:t>3/28/2014</a:t>
             </a:fld>
             <a:endParaRPr lang="en-US"/>
           </a:p>
@@ -1503,7 +1503,7 @@
           <a:p>
             <a:fld id="{4521DC5A-3FE3-4FD1-BF87-57592AFF8A1E}" type="datetimeFigureOut">
               <a:rPr lang="en-US" smtClean="0"/>
-              <a:t>3/23/2014</a:t>
+              <a:t>3/28/2014</a:t>
             </a:fld>
             <a:endParaRPr lang="en-US"/>
           </a:p>
@@ -1865,7 +1865,7 @@
           <a:p>
             <a:fld id="{4521DC5A-3FE3-4FD1-BF87-57592AFF8A1E}" type="datetimeFigureOut">
               <a:rPr lang="en-US" smtClean="0"/>
-              <a:t>3/23/2014</a:t>
+              <a:t>3/28/2014</a:t>
             </a:fld>
             <a:endParaRPr lang="en-US"/>
           </a:p>
@@ -2363,7 +2363,7 @@
           <a:p>
             <a:fld id="{4521DC5A-3FE3-4FD1-BF87-57592AFF8A1E}" type="datetimeFigureOut">
               <a:rPr lang="en-US" smtClean="0"/>
-              <a:t>3/23/2014</a:t>
+              <a:t>3/28/2014</a:t>
             </a:fld>
             <a:endParaRPr lang="en-US"/>
           </a:p>
@@ -2549,7 +2549,7 @@
           <a:p>
             <a:fld id="{4521DC5A-3FE3-4FD1-BF87-57592AFF8A1E}" type="datetimeFigureOut">
               <a:rPr lang="en-US" smtClean="0"/>
-              <a:t>3/23/2014</a:t>
+              <a:t>3/28/2014</a:t>
             </a:fld>
             <a:endParaRPr lang="en-US"/>
           </a:p>
@@ -2704,7 +2704,7 @@
           <a:p>
             <a:fld id="{4521DC5A-3FE3-4FD1-BF87-57592AFF8A1E}" type="datetimeFigureOut">
               <a:rPr lang="en-US" smtClean="0"/>
-              <a:t>3/23/2014</a:t>
+              <a:t>3/28/2014</a:t>
             </a:fld>
             <a:endParaRPr lang="en-US"/>
           </a:p>
@@ -3050,7 +3050,7 @@
           <a:p>
             <a:fld id="{4521DC5A-3FE3-4FD1-BF87-57592AFF8A1E}" type="datetimeFigureOut">
               <a:rPr lang="en-US" smtClean="0"/>
-              <a:t>3/23/2014</a:t>
+              <a:t>3/28/2014</a:t>
             </a:fld>
             <a:endParaRPr lang="en-US"/>
           </a:p>
@@ -3376,7 +3376,7 @@
           <a:p>
             <a:fld id="{4521DC5A-3FE3-4FD1-BF87-57592AFF8A1E}" type="datetimeFigureOut">
               <a:rPr lang="en-US" smtClean="0"/>
-              <a:t>3/23/2014</a:t>
+              <a:t>3/28/2014</a:t>
             </a:fld>
             <a:endParaRPr lang="en-US"/>
           </a:p>
@@ -3966,7 +3966,7 @@
           <a:p>
             <a:fld id="{4521DC5A-3FE3-4FD1-BF87-57592AFF8A1E}" type="datetimeFigureOut">
               <a:rPr lang="en-US" smtClean="0"/>
-              <a:t>3/23/2014</a:t>
+              <a:t>3/28/2014</a:t>
             </a:fld>
             <a:endParaRPr lang="en-US"/>
           </a:p>
@@ -5168,7 +5168,7 @@
               <a:buNone/>
             </a:pPr>
             <a:r>
-              <a:rPr lang="en-US" dirty="0" smtClean="0">
+              <a:rPr lang="en-US" sz="3000" dirty="0" smtClean="0">
                 <a:cs typeface="Consolas" panose="020B0609020204030204" pitchFamily="49" charset="0"/>
               </a:rPr>
               <a:t>No problems:</a:t>
@@ -5180,25 +5180,25 @@
               <a:buAutoNum type="arabicPeriod"/>
             </a:pPr>
             <a:r>
-              <a:rPr lang="en-US" dirty="0">
+              <a:rPr lang="en-US" sz="3000" dirty="0">
                 <a:cs typeface="Consolas" panose="020B0609020204030204" pitchFamily="49" charset="0"/>
               </a:rPr>
               <a:t>ISO 8601 order </a:t>
             </a:r>
             <a:r>
-              <a:rPr lang="en-US" dirty="0" smtClean="0">
+              <a:rPr lang="en-US" sz="3000" dirty="0" smtClean="0">
                 <a:cs typeface="Consolas" panose="020B0609020204030204" pitchFamily="49" charset="0"/>
               </a:rPr>
               <a:t>of fields - </a:t>
             </a:r>
             <a:r>
-              <a:rPr lang="en-US" dirty="0">
+              <a:rPr lang="en-US" sz="3000" dirty="0">
                 <a:cs typeface="Consolas" panose="020B0609020204030204" pitchFamily="49" charset="0"/>
               </a:rPr>
               <a:t>year, month, </a:t>
             </a:r>
             <a:r>
-              <a:rPr lang="en-US" dirty="0" smtClean="0">
+              <a:rPr lang="en-US" sz="3000" dirty="0" smtClean="0">
                 <a:cs typeface="Consolas" panose="020B0609020204030204" pitchFamily="49" charset="0"/>
               </a:rPr>
               <a:t>day.</a:t>
@@ -5210,7 +5210,7 @@
               <a:buAutoNum type="arabicPeriod"/>
             </a:pPr>
             <a:r>
-              <a:rPr lang="en-US" dirty="0" smtClean="0">
+              <a:rPr lang="en-US" sz="3000" dirty="0" smtClean="0">
                 <a:cs typeface="Consolas" panose="020B0609020204030204" pitchFamily="49" charset="0"/>
               </a:rPr>
               <a:t>Month 12 is December.</a:t>
@@ -5222,7 +5222,7 @@
               <a:buAutoNum type="arabicPeriod"/>
             </a:pPr>
             <a:r>
-              <a:rPr lang="en-US" dirty="0" smtClean="0">
+              <a:rPr lang="en-US" sz="3000" dirty="0" smtClean="0">
                 <a:cs typeface="Consolas" panose="020B0609020204030204" pitchFamily="49" charset="0"/>
               </a:rPr>
               <a:t>Year is 12 AD.</a:t>
@@ -5234,7 +5234,7 @@
               <a:buAutoNum type="arabicPeriod"/>
             </a:pPr>
             <a:r>
-              <a:rPr lang="en-US" dirty="0" smtClean="0">
+              <a:rPr lang="en-US" sz="3000" dirty="0" smtClean="0">
                 <a:cs typeface="Consolas" panose="020B0609020204030204" pitchFamily="49" charset="0"/>
               </a:rPr>
               <a:t>No time component.</a:t>
@@ -5246,12 +5246,18 @@
               <a:buAutoNum type="arabicPeriod"/>
             </a:pPr>
             <a:r>
-              <a:rPr lang="en-US" dirty="0" smtClean="0">
-                <a:cs typeface="Consolas" panose="020B0609020204030204" pitchFamily="49" charset="0"/>
-              </a:rPr>
-              <a:t>No time zone component.</a:t>
-            </a:r>
-            <a:endParaRPr lang="en-US" dirty="0">
+              <a:rPr lang="en-US" sz="3000" dirty="0" smtClean="0">
+                <a:cs typeface="Consolas" panose="020B0609020204030204" pitchFamily="49" charset="0"/>
+              </a:rPr>
+              <a:t>No time </a:t>
+            </a:r>
+            <a:r>
+              <a:rPr lang="en-US" sz="3000" dirty="0" smtClean="0">
+                <a:cs typeface="Consolas" panose="020B0609020204030204" pitchFamily="49" charset="0"/>
+              </a:rPr>
+              <a:t>zone.</a:t>
+            </a:r>
+            <a:endParaRPr lang="en-US" sz="3000" dirty="0">
               <a:cs typeface="Consolas" panose="020B0609020204030204" pitchFamily="49" charset="0"/>
             </a:endParaRPr>
           </a:p>
@@ -6217,7 +6223,11 @@
           <a:p>
             <a:r>
               <a:rPr lang="en-US" dirty="0" smtClean="0"/>
-              <a:t>Rejecting Bad Arguments</a:t>
+              <a:t>Bad </a:t>
+            </a:r>
+            <a:r>
+              <a:rPr lang="en-US" dirty="0" smtClean="0"/>
+              <a:t>Arguments</a:t>
             </a:r>
             <a:endParaRPr lang="en-US" dirty="0"/>
           </a:p>
@@ -6674,22 +6684,33 @@
                 <a:latin typeface="Consolas" panose="020B0609020204030204" pitchFamily="49" charset="0"/>
                 <a:cs typeface="Consolas" panose="020B0609020204030204" pitchFamily="49" charset="0"/>
               </a:rPr>
-              <a:t>// Don’t be forced </a:t>
-            </a:r>
-            <a:r>
-              <a:rPr lang="en-US" sz="2400" smtClean="0">
-                <a:latin typeface="Consolas" panose="020B0609020204030204" pitchFamily="49" charset="0"/>
-                <a:cs typeface="Consolas" panose="020B0609020204030204" pitchFamily="49" charset="0"/>
-              </a:rPr>
-              <a:t>into writing </a:t>
+              <a:t>// Don’t </a:t>
             </a:r>
             <a:r>
               <a:rPr lang="en-US" sz="2400" dirty="0" smtClean="0">
                 <a:latin typeface="Consolas" panose="020B0609020204030204" pitchFamily="49" charset="0"/>
                 <a:cs typeface="Consolas" panose="020B0609020204030204" pitchFamily="49" charset="0"/>
               </a:rPr>
-              <a:t>this code</a:t>
-            </a:r>
+              <a:t>code write like </a:t>
+            </a:r>
+            <a:r>
+              <a:rPr lang="en-US" sz="2400" dirty="0" smtClean="0">
+                <a:latin typeface="Consolas" panose="020B0609020204030204" pitchFamily="49" charset="0"/>
+                <a:cs typeface="Consolas" panose="020B0609020204030204" pitchFamily="49" charset="0"/>
+              </a:rPr>
+              <a:t>this </a:t>
+            </a:r>
+            <a:r>
+              <a:rPr lang="en-US" sz="2400" dirty="0" smtClean="0">
+                <a:latin typeface="Consolas" panose="020B0609020204030204" pitchFamily="49" charset="0"/>
+                <a:cs typeface="Consolas" panose="020B0609020204030204" pitchFamily="49" charset="0"/>
+              </a:rPr>
+              <a:t>again</a:t>
+            </a:r>
+            <a:endParaRPr lang="en-US" sz="2400" dirty="0" smtClean="0">
+              <a:latin typeface="Consolas" panose="020B0609020204030204" pitchFamily="49" charset="0"/>
+              <a:cs typeface="Consolas" panose="020B0609020204030204" pitchFamily="49" charset="0"/>
+            </a:endParaRPr>
           </a:p>
           <a:p>
             <a:r>
@@ -6839,17 +6860,22 @@
             </a:r>
             <a:r>
               <a:rPr lang="en-US" sz="3000" dirty="0"/>
-              <a:t>point from which time is </a:t>
+              <a:t>point </a:t>
             </a:r>
             <a:r>
               <a:rPr lang="en-US" sz="3000" dirty="0" smtClean="0"/>
-              <a:t>measured</a:t>
-            </a:r>
+              <a:t>to measure time</a:t>
+            </a:r>
+            <a:endParaRPr lang="en-US" sz="3000" dirty="0" smtClean="0"/>
           </a:p>
           <a:p>
             <a:r>
               <a:rPr lang="en-US" sz="2800" dirty="0" smtClean="0"/>
-              <a:t>Could be based on </a:t>
+              <a:t>May be </a:t>
+            </a:r>
+            <a:r>
+              <a:rPr lang="en-US" sz="2800" dirty="0" smtClean="0"/>
+              <a:t>based on </a:t>
             </a:r>
             <a:r>
               <a:rPr lang="en-US" sz="2800" dirty="0"/>
@@ -6866,11 +6892,11 @@
           <a:p>
             <a:r>
               <a:rPr lang="en-US" sz="3000" dirty="0" smtClean="0"/>
-              <a:t>An epoch is chosen </a:t>
+              <a:t>Start of </a:t>
             </a:r>
             <a:r>
               <a:rPr lang="en-US" sz="3000" dirty="0"/>
-              <a:t>as the origin of a particular </a:t>
+              <a:t>a particular </a:t>
             </a:r>
             <a:r>
               <a:rPr lang="en-US" sz="3000" dirty="0" smtClean="0"/>
@@ -7165,7 +7191,11 @@
           <a:p>
             <a:r>
               <a:rPr lang="en-US" sz="3000" dirty="0" smtClean="0"/>
-              <a:t>Names periods such as days</a:t>
+              <a:t>Names periods </a:t>
+            </a:r>
+            <a:r>
+              <a:rPr lang="en-US" sz="3000" dirty="0" smtClean="0"/>
+              <a:t>like days</a:t>
             </a:r>
             <a:r>
               <a:rPr lang="en-US" sz="3000" dirty="0"/>
@@ -7175,7 +7205,29 @@
           <a:p>
             <a:r>
               <a:rPr lang="en-US" sz="3000" dirty="0"/>
-              <a:t>A date is a single, specific day within </a:t>
+              <a:t>Periods may follow cycles of the sun or moon</a:t>
+            </a:r>
+          </a:p>
+          <a:p>
+            <a:r>
+              <a:rPr lang="en-US" sz="3000" dirty="0" smtClean="0"/>
+              <a:t>A </a:t>
+            </a:r>
+            <a:r>
+              <a:rPr lang="en-US" sz="3000" dirty="0"/>
+              <a:t>date is a </a:t>
+            </a:r>
+            <a:r>
+              <a:rPr lang="en-US" sz="3000" dirty="0" smtClean="0"/>
+              <a:t>specific </a:t>
+            </a:r>
+            <a:r>
+              <a:rPr lang="en-US" sz="3000" dirty="0"/>
+              <a:t>day </a:t>
+            </a:r>
+            <a:r>
+              <a:rPr lang="en-US" sz="3000" dirty="0" smtClean="0"/>
+              <a:t>in </a:t>
             </a:r>
             <a:r>
               <a:rPr lang="en-US" sz="3000" dirty="0" smtClean="0"/>
@@ -7189,25 +7241,11 @@
           <a:p>
             <a:r>
               <a:rPr lang="en-US" sz="3000" dirty="0"/>
-              <a:t>May be based on an epoch</a:t>
-            </a:r>
-          </a:p>
-          <a:p>
-            <a:r>
-              <a:rPr lang="en-US" sz="3000" dirty="0"/>
-              <a:t>Periods </a:t>
+              <a:t>May be based on an </a:t>
             </a:r>
             <a:r>
               <a:rPr lang="en-US" sz="3000" dirty="0" smtClean="0"/>
-              <a:t>in a calendar may follow cycles </a:t>
-            </a:r>
-            <a:r>
-              <a:rPr lang="en-US" sz="3000" dirty="0"/>
-              <a:t>of the sun or </a:t>
-            </a:r>
-            <a:r>
-              <a:rPr lang="en-US" sz="3000" dirty="0" smtClean="0"/>
-              <a:t>moon</a:t>
+              <a:t>epoch</a:t>
             </a:r>
             <a:endParaRPr lang="en-US" sz="3000" dirty="0"/>
           </a:p>
@@ -7297,130 +7335,119 @@
         <p:spPr/>
         <p:txBody>
           <a:bodyPr>
-            <a:normAutofit fontScale="92500" lnSpcReduction="20000"/>
+            <a:noAutofit/>
           </a:bodyPr>
           <a:lstStyle/>
           <a:p>
             <a:r>
-              <a:rPr lang="en-US" b="1" dirty="0" smtClean="0"/>
+              <a:rPr lang="en-US" sz="3000" b="1" dirty="0" smtClean="0"/>
               <a:t>GMT </a:t>
             </a:r>
             <a:r>
-              <a:rPr lang="en-US" dirty="0" smtClean="0"/>
+              <a:rPr lang="en-US" sz="3000" dirty="0" smtClean="0"/>
               <a:t>is</a:t>
             </a:r>
             <a:r>
-              <a:rPr lang="en-US" b="1" dirty="0" smtClean="0"/>
+              <a:rPr lang="en-US" sz="3000" b="1" dirty="0" smtClean="0"/>
               <a:t> </a:t>
             </a:r>
             <a:r>
-              <a:rPr lang="en-US" dirty="0" smtClean="0"/>
+              <a:rPr lang="en-US" sz="3000" dirty="0" smtClean="0"/>
               <a:t>Greenwich </a:t>
             </a:r>
             <a:r>
-              <a:rPr lang="en-US" dirty="0"/>
+              <a:rPr lang="en-US" sz="3000" dirty="0"/>
               <a:t>Mean Time</a:t>
             </a:r>
           </a:p>
           <a:p>
             <a:r>
-              <a:rPr lang="en-US" dirty="0"/>
-              <a:t>Mean solar time at the Royal Observatory in Greenwich, </a:t>
-            </a:r>
-            <a:r>
-              <a:rPr lang="en-US" dirty="0" smtClean="0"/>
-              <a:t>London</a:t>
-            </a:r>
-          </a:p>
-          <a:p>
-            <a:r>
-              <a:rPr lang="en-US" dirty="0" smtClean="0"/>
-              <a:t>GMT </a:t>
-            </a:r>
-            <a:r>
-              <a:rPr lang="en-US" dirty="0"/>
-              <a:t>used in winter, British Summer Time in </a:t>
-            </a:r>
-            <a:r>
-              <a:rPr lang="en-US" dirty="0" smtClean="0"/>
-              <a:t>summer</a:t>
-            </a:r>
-          </a:p>
-          <a:p>
-            <a:endParaRPr lang="en-US" dirty="0"/>
-          </a:p>
-          <a:p>
-            <a:r>
-              <a:rPr lang="en-US" b="1" dirty="0" smtClean="0"/>
+              <a:rPr lang="en-US" sz="3000" dirty="0"/>
+              <a:t>Mean solar time at the Royal Observatory in </a:t>
+            </a:r>
+            <a:r>
+              <a:rPr lang="en-US" sz="3000" dirty="0" smtClean="0"/>
+              <a:t>Greenwich</a:t>
+            </a:r>
+            <a:endParaRPr lang="en-US" sz="3000" dirty="0"/>
+          </a:p>
+          <a:p>
+            <a:r>
+              <a:rPr lang="en-US" sz="3000" b="1" dirty="0" smtClean="0"/>
               <a:t>UTC </a:t>
             </a:r>
             <a:r>
-              <a:rPr lang="en-US" dirty="0" smtClean="0"/>
+              <a:rPr lang="en-US" sz="3000" dirty="0" smtClean="0"/>
               <a:t>is Coordinated </a:t>
             </a:r>
             <a:r>
-              <a:rPr lang="en-US" dirty="0"/>
+              <a:rPr lang="en-US" sz="3000" dirty="0"/>
               <a:t>Universal </a:t>
             </a:r>
             <a:r>
-              <a:rPr lang="en-US" dirty="0" smtClean="0"/>
+              <a:rPr lang="en-US" sz="3000" dirty="0" smtClean="0"/>
               <a:t>Time</a:t>
             </a:r>
           </a:p>
           <a:p>
             <a:r>
-              <a:rPr lang="en-US" dirty="0"/>
+              <a:rPr lang="en-US" sz="3000" dirty="0"/>
               <a:t>Precisely defined with atomic </a:t>
             </a:r>
             <a:r>
-              <a:rPr lang="en-US" dirty="0" smtClean="0"/>
+              <a:rPr lang="en-US" sz="3000" dirty="0" smtClean="0"/>
               <a:t>time</a:t>
             </a:r>
           </a:p>
           <a:p>
             <a:r>
-              <a:rPr lang="en-US" dirty="0"/>
+              <a:rPr lang="en-US" sz="3000" dirty="0"/>
               <a:t>D</a:t>
             </a:r>
             <a:r>
-              <a:rPr lang="en-US" dirty="0" smtClean="0"/>
+              <a:rPr lang="en-US" sz="3000" dirty="0" smtClean="0"/>
               <a:t>oes </a:t>
             </a:r>
             <a:r>
-              <a:rPr lang="en-US" dirty="0"/>
-              <a:t>not change with a change of seasons</a:t>
-            </a:r>
-          </a:p>
-          <a:p>
-            <a:r>
-              <a:rPr lang="en-US" dirty="0" smtClean="0"/>
+              <a:rPr lang="en-US" sz="3000" dirty="0"/>
+              <a:t>not change with </a:t>
+            </a:r>
+            <a:r>
+              <a:rPr lang="en-US" sz="3000" dirty="0" smtClean="0"/>
+              <a:t>seasons</a:t>
+            </a:r>
+            <a:endParaRPr lang="en-US" sz="3000" dirty="0"/>
+          </a:p>
+          <a:p>
+            <a:r>
+              <a:rPr lang="en-US" sz="3000" dirty="0" smtClean="0"/>
               <a:t>UTC </a:t>
             </a:r>
             <a:r>
-              <a:rPr lang="en-US" dirty="0"/>
+              <a:rPr lang="en-US" sz="3000" dirty="0"/>
               <a:t>replaced GMT as the </a:t>
             </a:r>
             <a:r>
-              <a:rPr lang="en-US" dirty="0" smtClean="0"/>
+              <a:rPr lang="en-US" sz="3000" dirty="0" smtClean="0"/>
               <a:t>main </a:t>
             </a:r>
             <a:r>
-              <a:rPr lang="en-US" dirty="0"/>
+              <a:rPr lang="en-US" sz="3000" dirty="0"/>
               <a:t>reference time scale </a:t>
             </a:r>
             <a:r>
-              <a:rPr lang="en-US" dirty="0" smtClean="0"/>
+              <a:rPr lang="en-US" sz="3000" dirty="0" smtClean="0"/>
               <a:t>on </a:t>
             </a:r>
             <a:r>
-              <a:rPr lang="en-US" dirty="0"/>
+              <a:rPr lang="en-US" sz="3000" dirty="0"/>
               <a:t>1 January </a:t>
             </a:r>
             <a:r>
-              <a:rPr lang="en-US" dirty="0" smtClean="0"/>
+              <a:rPr lang="en-US" sz="3000" dirty="0" smtClean="0"/>
               <a:t>1972</a:t>
             </a:r>
-            <a:endParaRPr lang="en-US" dirty="0"/>
+            <a:endParaRPr lang="en-US" sz="3000" dirty="0"/>
           </a:p>
         </p:txBody>
       </p:sp>
@@ -7821,7 +7848,7 @@
               <a:buNone/>
             </a:pPr>
             <a:r>
-              <a:rPr lang="en-US" sz="2800" dirty="0" smtClean="0">
+              <a:rPr lang="en-US" sz="3000" dirty="0" smtClean="0">
                 <a:cs typeface="Consolas" panose="020B0609020204030204" pitchFamily="49" charset="0"/>
               </a:rPr>
               <a:t>Several problems here:</a:t>
@@ -7833,7 +7860,7 @@
               <a:buAutoNum type="arabicPeriod"/>
             </a:pPr>
             <a:r>
-              <a:rPr lang="en-US" sz="2800" dirty="0" smtClean="0">
+              <a:rPr lang="en-US" sz="3000" dirty="0" smtClean="0">
                 <a:cs typeface="Consolas" panose="020B0609020204030204" pitchFamily="49" charset="0"/>
               </a:rPr>
               <a:t>Which 12 is for which date field?</a:t>
@@ -7845,36 +7872,12 @@
               <a:buAutoNum type="arabicPeriod"/>
             </a:pPr>
             <a:r>
-              <a:rPr lang="en-US" sz="2800" dirty="0" smtClean="0">
-                <a:cs typeface="Consolas" panose="020B0609020204030204" pitchFamily="49" charset="0"/>
-              </a:rPr>
-              <a:t>Month 12 </a:t>
-            </a:r>
-            <a:r>
-              <a:rPr lang="en-US" sz="2800" dirty="0">
-                <a:cs typeface="Consolas" panose="020B0609020204030204" pitchFamily="49" charset="0"/>
-              </a:rPr>
-              <a:t>should be December</a:t>
-            </a:r>
-            <a:r>
-              <a:rPr lang="en-US" sz="2800" dirty="0" smtClean="0">
-                <a:cs typeface="Consolas" panose="020B0609020204030204" pitchFamily="49" charset="0"/>
-              </a:rPr>
-              <a:t>, </a:t>
-            </a:r>
-            <a:r>
-              <a:rPr lang="en-US" sz="2800" dirty="0">
-                <a:cs typeface="Consolas" panose="020B0609020204030204" pitchFamily="49" charset="0"/>
-              </a:rPr>
-              <a:t>right? Wrong - </a:t>
-            </a:r>
-            <a:r>
-              <a:rPr lang="en-US" sz="2800" dirty="0" smtClean="0">
-                <a:cs typeface="Consolas" panose="020B0609020204030204" pitchFamily="49" charset="0"/>
-              </a:rPr>
-              <a:t>January.</a:t>
-            </a:r>
-            <a:endParaRPr lang="en-US" sz="2800" dirty="0">
+              <a:rPr lang="en-US" sz="3000" dirty="0" smtClean="0">
+                <a:cs typeface="Consolas" panose="020B0609020204030204" pitchFamily="49" charset="0"/>
+              </a:rPr>
+              <a:t>Month 12 is December, right? No. January.</a:t>
+            </a:r>
+            <a:endParaRPr lang="en-US" sz="3000" dirty="0">
               <a:cs typeface="Consolas" panose="020B0609020204030204" pitchFamily="49" charset="0"/>
             </a:endParaRPr>
           </a:p>
@@ -7884,11 +7887,44 @@
               <a:buAutoNum type="arabicPeriod"/>
             </a:pPr>
             <a:r>
-              <a:rPr lang="en-US" sz="2800" dirty="0" smtClean="0">
-                <a:cs typeface="Consolas" panose="020B0609020204030204" pitchFamily="49" charset="0"/>
-              </a:rPr>
-              <a:t>Really, a year called 12? 12 AD? No - 1913.</a:t>
-            </a:r>
+              <a:rPr lang="en-US" sz="3000" dirty="0" smtClean="0">
+                <a:cs typeface="Consolas" panose="020B0609020204030204" pitchFamily="49" charset="0"/>
+              </a:rPr>
+              <a:t>Year 12</a:t>
+            </a:r>
+            <a:r>
+              <a:rPr lang="en-US" sz="3000" dirty="0">
+                <a:cs typeface="Consolas" panose="020B0609020204030204" pitchFamily="49" charset="0"/>
+              </a:rPr>
+              <a:t> </a:t>
+            </a:r>
+            <a:r>
+              <a:rPr lang="en-US" sz="3000" dirty="0" smtClean="0">
+                <a:cs typeface="Consolas" panose="020B0609020204030204" pitchFamily="49" charset="0"/>
+              </a:rPr>
+              <a:t>is</a:t>
+            </a:r>
+            <a:r>
+              <a:rPr lang="en-US" sz="3000" dirty="0" smtClean="0">
+                <a:cs typeface="Consolas" panose="020B0609020204030204" pitchFamily="49" charset="0"/>
+              </a:rPr>
+              <a:t> </a:t>
+            </a:r>
+            <a:r>
+              <a:rPr lang="en-US" sz="3000" dirty="0" smtClean="0">
+                <a:cs typeface="Consolas" panose="020B0609020204030204" pitchFamily="49" charset="0"/>
+              </a:rPr>
+              <a:t>12 </a:t>
+            </a:r>
+            <a:r>
+              <a:rPr lang="en-US" sz="3000" dirty="0" smtClean="0">
+                <a:cs typeface="Consolas" panose="020B0609020204030204" pitchFamily="49" charset="0"/>
+              </a:rPr>
+              <a:t>AD, right? Wrong. 1913.</a:t>
+            </a:r>
+            <a:endParaRPr lang="en-US" sz="3000" dirty="0" smtClean="0">
+              <a:cs typeface="Consolas" panose="020B0609020204030204" pitchFamily="49" charset="0"/>
+            </a:endParaRPr>
           </a:p>
           <a:p>
             <a:pPr marL="514350" indent="-514350">
@@ -7896,7 +7932,7 @@
               <a:buAutoNum type="arabicPeriod"/>
             </a:pPr>
             <a:r>
-              <a:rPr lang="en-US" sz="2800" dirty="0" smtClean="0">
+              <a:rPr lang="en-US" sz="3000" dirty="0" smtClean="0">
                 <a:cs typeface="Consolas" panose="020B0609020204030204" pitchFamily="49" charset="0"/>
               </a:rPr>
               <a:t>Wait - there is a time in a date?</a:t>
@@ -7908,12 +7944,12 @@
               <a:buAutoNum type="arabicPeriod"/>
             </a:pPr>
             <a:r>
-              <a:rPr lang="en-US" sz="2800" dirty="0" smtClean="0">
-                <a:cs typeface="Consolas" panose="020B0609020204030204" pitchFamily="49" charset="0"/>
-              </a:rPr>
-              <a:t>More than that, there is a time zone – EST.</a:t>
-            </a:r>
-            <a:endParaRPr lang="en-US" sz="2800" dirty="0">
+              <a:rPr lang="en-US" sz="3000" dirty="0">
+                <a:cs typeface="Consolas" panose="020B0609020204030204" pitchFamily="49" charset="0"/>
+              </a:rPr>
+              <a:t>More than that, there is a time zone.</a:t>
+            </a:r>
+            <a:endParaRPr lang="en-US" sz="3000" dirty="0">
               <a:cs typeface="Consolas" panose="020B0609020204030204" pitchFamily="49" charset="0"/>
             </a:endParaRPr>
           </a:p>
@@ -7935,7 +7971,7 @@
           <a:lstStyle/>
           <a:p>
             <a:r>
-              <a:rPr lang="en-US" dirty="0" smtClean="0"/>
+              <a:rPr lang="en-US" dirty="0"/>
               <a:t>Problems Getting a Date</a:t>
             </a:r>
             <a:endParaRPr lang="en-US" dirty="0"/>
@@ -9041,8 +9077,13 @@
           <a:p>
             <a:r>
               <a:rPr lang="en-US" sz="3000" dirty="0"/>
-              <a:t>Immutable, thread safe</a:t>
-            </a:r>
+              <a:t>Immutable, </a:t>
+            </a:r>
+            <a:r>
+              <a:rPr lang="en-US" sz="3000" dirty="0" smtClean="0"/>
+              <a:t>thread-safe</a:t>
+            </a:r>
+            <a:endParaRPr lang="en-US" sz="3000" dirty="0"/>
           </a:p>
           <a:p>
             <a:r>
@@ -9079,20 +9120,12 @@
             </a:r>
             <a:r>
               <a:rPr lang="en-US" sz="3000" dirty="0"/>
-              <a:t>interface with chained methods</a:t>
-            </a:r>
-          </a:p>
-          <a:p>
+              <a:t>interface with chained </a:t>
+            </a:r>
             <a:r>
               <a:rPr lang="en-US" sz="3000" dirty="0" smtClean="0"/>
-              <a:t>Timeline </a:t>
-            </a:r>
-            <a:r>
-              <a:rPr lang="en-US" sz="3000" dirty="0"/>
-              <a:t>is a sequence of instants</a:t>
-            </a:r>
-          </a:p>
-          <a:p>
+              <a:t>methods</a:t>
+            </a:r>
             <a:endParaRPr lang="en-US" sz="3000" dirty="0"/>
           </a:p>
         </p:txBody>
@@ -9109,12 +9142,14 @@
         </p:nvSpPr>
         <p:spPr/>
         <p:txBody>
-          <a:bodyPr/>
+          <a:bodyPr>
+            <a:normAutofit/>
+          </a:bodyPr>
           <a:lstStyle/>
           <a:p>
             <a:r>
               <a:rPr lang="en-US" dirty="0" smtClean="0"/>
-              <a:t>Design Principles of the API</a:t>
+              <a:t>API Design Principles</a:t>
             </a:r>
             <a:endParaRPr lang="en-US" dirty="0"/>
           </a:p>
@@ -9188,11 +9223,11 @@
           <a:p>
             <a:r>
               <a:rPr lang="en-US" sz="3000" dirty="0" smtClean="0"/>
-              <a:t>Instantaneous </a:t>
+              <a:t>Point </a:t>
             </a:r>
             <a:r>
               <a:rPr lang="en-US" sz="3000" dirty="0"/>
-              <a:t>point on </a:t>
+              <a:t>on </a:t>
             </a:r>
             <a:r>
               <a:rPr lang="en-US" sz="3000" dirty="0" smtClean="0"/>
@@ -9218,42 +9253,55 @@
               <a:rPr lang="en-US" sz="3000" dirty="0" smtClean="0"/>
               <a:t>Stores </a:t>
             </a:r>
-            <a:r>
-              <a:rPr lang="en-US" sz="3000" dirty="0"/>
-              <a:t>a </a:t>
-            </a:r>
-            <a:r>
-              <a:rPr lang="en-US" sz="3000" dirty="0">
+          </a:p>
+          <a:p>
+            <a:pPr lvl="1"/>
+            <a:r>
+              <a:rPr lang="en-US" sz="2600" dirty="0" smtClean="0">
+                <a:latin typeface="Consolas" panose="020B0609020204030204" pitchFamily="49" charset="0"/>
                 <a:cs typeface="Consolas" panose="020B0609020204030204" pitchFamily="49" charset="0"/>
               </a:rPr>
               <a:t>long</a:t>
             </a:r>
             <a:r>
-              <a:rPr lang="en-US" sz="3000" dirty="0"/>
+              <a:rPr lang="en-US" sz="2600" dirty="0" smtClean="0"/>
               <a:t> </a:t>
             </a:r>
             <a:r>
-              <a:rPr lang="en-US" sz="3000" dirty="0" smtClean="0"/>
-              <a:t>for epoch-seconds and </a:t>
-            </a:r>
-            <a:r>
-              <a:rPr lang="en-US" sz="3000" dirty="0"/>
-              <a:t>an </a:t>
-            </a:r>
-            <a:r>
-              <a:rPr lang="en-US" sz="3000" dirty="0" err="1">
+              <a:rPr lang="en-US" sz="2600" dirty="0" smtClean="0"/>
+              <a:t>for </a:t>
+            </a:r>
+            <a:r>
+              <a:rPr lang="en-US" sz="2600" dirty="0"/>
+              <a:t>seconds since epoch, </a:t>
+            </a:r>
+            <a:r>
+              <a:rPr lang="en-US" sz="2600" dirty="0" smtClean="0"/>
+              <a:t>and</a:t>
+            </a:r>
+          </a:p>
+          <a:p>
+            <a:pPr lvl="1"/>
+            <a:r>
+              <a:rPr lang="en-US" sz="2600" dirty="0" err="1" smtClean="0">
+                <a:latin typeface="Consolas" panose="020B0609020204030204" pitchFamily="49" charset="0"/>
                 <a:cs typeface="Consolas" panose="020B0609020204030204" pitchFamily="49" charset="0"/>
               </a:rPr>
               <a:t>int</a:t>
             </a:r>
             <a:r>
-              <a:rPr lang="en-US" sz="3000" dirty="0"/>
+              <a:rPr lang="en-US" sz="2600" dirty="0" smtClean="0"/>
               <a:t> </a:t>
             </a:r>
             <a:r>
-              <a:rPr lang="en-US" sz="3000" dirty="0" smtClean="0"/>
-              <a:t>for nanosecond-of-second</a:t>
-            </a:r>
+              <a:rPr lang="en-US" sz="2600" dirty="0" smtClean="0"/>
+              <a:t>for </a:t>
+            </a:r>
+            <a:r>
+              <a:rPr lang="en-US" sz="2600" dirty="0" smtClean="0"/>
+              <a:t>nanosecond of second</a:t>
+            </a:r>
+            <a:endParaRPr lang="en-US" sz="2600" dirty="0" smtClean="0"/>
           </a:p>
           <a:p>
             <a:r>
@@ -9373,20 +9421,21 @@
             </a:r>
             <a:r>
               <a:rPr lang="en-US" sz="3000" dirty="0"/>
-              <a:t>indication of date or time </a:t>
+              <a:t>indication of date or </a:t>
             </a:r>
             <a:r>
               <a:rPr lang="en-US" sz="3000" dirty="0" smtClean="0"/>
-              <a:t>not sufficient </a:t>
+              <a:t>time that cannot specify </a:t>
             </a:r>
             <a:r>
               <a:rPr lang="en-US" sz="3000" dirty="0"/>
-              <a:t>to specify a specific, unique point on the </a:t>
+              <a:t>a specific, unique </a:t>
             </a:r>
             <a:r>
               <a:rPr lang="en-US" sz="3000" dirty="0" smtClean="0"/>
-              <a:t>timeline</a:t>
-            </a:r>
+              <a:t>instant</a:t>
+            </a:r>
+            <a:endParaRPr lang="en-US" sz="3000" dirty="0" smtClean="0"/>
           </a:p>
           <a:p>
             <a:r>
@@ -9589,17 +9638,18 @@
               <a:t>end </a:t>
             </a:r>
             <a:r>
-              <a:rPr lang="en-US" sz="3000" dirty="0"/>
-              <a:t>point </a:t>
-            </a:r>
-            <a:r>
               <a:rPr lang="en-US" sz="3000" dirty="0" smtClean="0"/>
-              <a:t>is before start </a:t>
-            </a:r>
-            <a:r>
-              <a:rPr lang="en-US" sz="3000" dirty="0"/>
-              <a:t>point</a:t>
-            </a:r>
+              <a:t>is </a:t>
+            </a:r>
+            <a:r>
+              <a:rPr lang="en-US" sz="3000" dirty="0" smtClean="0"/>
+              <a:t>before </a:t>
+            </a:r>
+            <a:r>
+              <a:rPr lang="en-US" sz="3000" dirty="0" smtClean="0"/>
+              <a:t>start</a:t>
+            </a:r>
+            <a:endParaRPr lang="en-US" sz="3000" dirty="0"/>
           </a:p>
         </p:txBody>
       </p:sp>
@@ -9822,69 +9872,94 @@
             <p:ph idx="1"/>
           </p:nvPr>
         </p:nvSpPr>
-        <p:spPr>
-          <a:xfrm>
-            <a:off x="457200" y="1600202"/>
-            <a:ext cx="8229600" cy="2514599"/>
-          </a:xfrm>
-        </p:spPr>
+        <p:spPr/>
         <p:txBody>
           <a:bodyPr>
-            <a:normAutofit/>
+            <a:noAutofit/>
           </a:bodyPr>
           <a:lstStyle/>
           <a:p>
             <a:r>
               <a:rPr lang="en-US" sz="3000" dirty="0"/>
-              <a:t>Gets the current instant using a time-zone </a:t>
-            </a:r>
-          </a:p>
-          <a:p>
+              <a:t>R</a:t>
+            </a:r>
             <a:r>
               <a:rPr lang="en-US" sz="3000" dirty="0" smtClean="0"/>
-              <a:t>Use instead </a:t>
+              <a:t>egion </a:t>
+            </a:r>
+            <a:r>
+              <a:rPr lang="en-US" sz="3000" dirty="0" smtClean="0"/>
+              <a:t>with </a:t>
             </a:r>
             <a:r>
               <a:rPr lang="en-US" sz="3000" dirty="0"/>
-              <a:t>of </a:t>
-            </a:r>
-            <a:r>
-              <a:rPr lang="en-US" sz="3000" dirty="0" err="1">
-                <a:latin typeface="Consolas" panose="020B0609020204030204" pitchFamily="49" charset="0"/>
-                <a:cs typeface="Consolas" panose="020B0609020204030204" pitchFamily="49" charset="0"/>
-              </a:rPr>
-              <a:t>System.currentTimeMillis</a:t>
-            </a:r>
-            <a:r>
-              <a:rPr lang="en-US" sz="3000" dirty="0" smtClean="0">
-                <a:latin typeface="Consolas" panose="020B0609020204030204" pitchFamily="49" charset="0"/>
-                <a:cs typeface="Consolas" panose="020B0609020204030204" pitchFamily="49" charset="0"/>
-              </a:rPr>
-              <a:t>() </a:t>
-            </a:r>
-          </a:p>
-          <a:p>
+              <a:t>uniform </a:t>
+            </a:r>
             <a:r>
               <a:rPr lang="en-US" sz="3000" dirty="0" smtClean="0"/>
-              <a:t>Use alternate clock for testing</a:t>
-            </a:r>
-            <a:r>
-              <a:rPr lang="en-US" sz="3000" dirty="0" smtClean="0">
-                <a:latin typeface="Consolas" panose="020B0609020204030204" pitchFamily="49" charset="0"/>
-                <a:cs typeface="Consolas" panose="020B0609020204030204" pitchFamily="49" charset="0"/>
-              </a:rPr>
-              <a:t/>
-            </a:r>
-            <a:br>
-              <a:rPr lang="en-US" sz="3000" dirty="0" smtClean="0">
-                <a:latin typeface="Consolas" panose="020B0609020204030204" pitchFamily="49" charset="0"/>
-                <a:cs typeface="Consolas" panose="020B0609020204030204" pitchFamily="49" charset="0"/>
-              </a:rPr>
-            </a:br>
-            <a:endParaRPr lang="en-US" sz="3000" dirty="0">
-              <a:latin typeface="Consolas" panose="020B0609020204030204" pitchFamily="49" charset="0"/>
-              <a:cs typeface="Consolas" panose="020B0609020204030204" pitchFamily="49" charset="0"/>
-            </a:endParaRPr>
+              <a:t>standard time </a:t>
+            </a:r>
+            <a:r>
+              <a:rPr lang="en-US" sz="3000" dirty="0"/>
+              <a:t>for legal, commercial, social, and political purposes</a:t>
+            </a:r>
+          </a:p>
+          <a:p>
+            <a:r>
+              <a:rPr lang="en-US" sz="3000" dirty="0"/>
+              <a:t>Some countries use daylight saving time (summer time) for part of the year</a:t>
+            </a:r>
+          </a:p>
+          <a:p>
+            <a:r>
+              <a:rPr lang="en-US" sz="3000" dirty="0" smtClean="0"/>
+              <a:t>Offset </a:t>
+            </a:r>
+            <a:r>
+              <a:rPr lang="en-US" sz="3000" dirty="0"/>
+              <a:t>from UTC (UTC-12 to UTC+12)</a:t>
+            </a:r>
+          </a:p>
+          <a:p>
+            <a:r>
+              <a:rPr lang="en-US" sz="3000" dirty="0"/>
+              <a:t>UTC </a:t>
+            </a:r>
+            <a:r>
+              <a:rPr lang="en-US" sz="3000" dirty="0" smtClean="0"/>
+              <a:t>is </a:t>
+            </a:r>
+            <a:r>
+              <a:rPr lang="en-US" sz="3000" dirty="0"/>
+              <a:t>sometimes denoted by Z (Zulu)</a:t>
+            </a:r>
+          </a:p>
+          <a:p>
+            <a:r>
+              <a:rPr lang="en-US" sz="3000" dirty="0" smtClean="0"/>
+              <a:t>JDK </a:t>
+            </a:r>
+            <a:r>
+              <a:rPr lang="en-US" sz="3000" dirty="0" smtClean="0"/>
+              <a:t>time zone </a:t>
+            </a:r>
+            <a:r>
+              <a:rPr lang="en-US" sz="3000" dirty="0"/>
+              <a:t>data is updated </a:t>
+            </a:r>
+            <a:r>
+              <a:rPr lang="en-US" sz="3000" dirty="0" smtClean="0"/>
+              <a:t>with </a:t>
+            </a:r>
+            <a:r>
+              <a:rPr lang="en-US" sz="3000" dirty="0"/>
+              <a:t>JDK </a:t>
+            </a:r>
+            <a:r>
+              <a:rPr lang="en-US" sz="3000" dirty="0" smtClean="0"/>
+              <a:t>releases</a:t>
+            </a:r>
+            <a:endParaRPr lang="en-US" sz="3000" dirty="0"/>
           </a:p>
         </p:txBody>
       </p:sp>
@@ -9905,200 +9980,16 @@
           <a:p>
             <a:r>
               <a:rPr lang="en-US" dirty="0" smtClean="0"/>
-              <a:t>Clock</a:t>
+              <a:t>Time Zone</a:t>
             </a:r>
             <a:endParaRPr lang="en-US" dirty="0"/>
-          </a:p>
-        </p:txBody>
-      </p:sp>
-      <p:sp>
-        <p:nvSpPr>
-          <p:cNvPr id="4" name="Rectangle 3"/>
-          <p:cNvSpPr/>
-          <p:nvPr/>
-        </p:nvSpPr>
-        <p:spPr>
-          <a:xfrm>
-            <a:off x="457200" y="3733800"/>
-            <a:ext cx="8229600" cy="2677656"/>
-          </a:xfrm>
-          <a:prstGeom prst="rect">
-            <a:avLst/>
-          </a:prstGeom>
-          <a:solidFill>
-            <a:schemeClr val="accent1">
-              <a:lumMod val="20000"/>
-              <a:lumOff val="80000"/>
-            </a:schemeClr>
-          </a:solidFill>
-        </p:spPr>
-        <p:txBody>
-          <a:bodyPr wrap="square">
-            <a:spAutoFit/>
-          </a:bodyPr>
-          <a:lstStyle/>
-          <a:p>
-            <a:r>
-              <a:rPr lang="en-US" sz="2400" dirty="0">
-                <a:latin typeface="Consolas" panose="020B0609020204030204" pitchFamily="49" charset="0"/>
-                <a:cs typeface="Consolas" panose="020B0609020204030204" pitchFamily="49" charset="0"/>
-              </a:rPr>
-              <a:t>public class </a:t>
-            </a:r>
-            <a:r>
-              <a:rPr lang="en-US" sz="2400" dirty="0" err="1" smtClean="0">
-                <a:latin typeface="Consolas" panose="020B0609020204030204" pitchFamily="49" charset="0"/>
-                <a:cs typeface="Consolas" panose="020B0609020204030204" pitchFamily="49" charset="0"/>
-              </a:rPr>
-              <a:t>SomeBean</a:t>
-            </a:r>
-            <a:r>
-              <a:rPr lang="en-US" sz="2400" dirty="0" smtClean="0">
-                <a:latin typeface="Consolas" panose="020B0609020204030204" pitchFamily="49" charset="0"/>
-                <a:cs typeface="Consolas" panose="020B0609020204030204" pitchFamily="49" charset="0"/>
-              </a:rPr>
-              <a:t> {</a:t>
-            </a:r>
-            <a:endParaRPr lang="en-US" sz="2400" dirty="0">
-              <a:latin typeface="Consolas" panose="020B0609020204030204" pitchFamily="49" charset="0"/>
-              <a:cs typeface="Consolas" panose="020B0609020204030204" pitchFamily="49" charset="0"/>
-            </a:endParaRPr>
-          </a:p>
-          <a:p>
-            <a:r>
-              <a:rPr lang="en-US" sz="2400" dirty="0">
-                <a:latin typeface="Consolas" panose="020B0609020204030204" pitchFamily="49" charset="0"/>
-                <a:cs typeface="Consolas" panose="020B0609020204030204" pitchFamily="49" charset="0"/>
-              </a:rPr>
-              <a:t>  @Inject private Clock </a:t>
-            </a:r>
-            <a:r>
-              <a:rPr lang="en-US" sz="2400" dirty="0" err="1">
-                <a:latin typeface="Consolas" panose="020B0609020204030204" pitchFamily="49" charset="0"/>
-                <a:cs typeface="Consolas" panose="020B0609020204030204" pitchFamily="49" charset="0"/>
-              </a:rPr>
-              <a:t>clock</a:t>
-            </a:r>
-            <a:r>
-              <a:rPr lang="en-US" sz="2400" dirty="0" smtClean="0">
-                <a:latin typeface="Consolas" panose="020B0609020204030204" pitchFamily="49" charset="0"/>
-                <a:cs typeface="Consolas" panose="020B0609020204030204" pitchFamily="49" charset="0"/>
-              </a:rPr>
-              <a:t>;</a:t>
-            </a:r>
-            <a:endParaRPr lang="en-US" sz="2400" dirty="0">
-              <a:latin typeface="Consolas" panose="020B0609020204030204" pitchFamily="49" charset="0"/>
-              <a:cs typeface="Consolas" panose="020B0609020204030204" pitchFamily="49" charset="0"/>
-            </a:endParaRPr>
-          </a:p>
-          <a:p>
-            <a:r>
-              <a:rPr lang="en-US" sz="2400" dirty="0">
-                <a:latin typeface="Consolas" panose="020B0609020204030204" pitchFamily="49" charset="0"/>
-                <a:cs typeface="Consolas" panose="020B0609020204030204" pitchFamily="49" charset="0"/>
-              </a:rPr>
-              <a:t>  public void process</a:t>
-            </a:r>
-            <a:r>
-              <a:rPr lang="en-US" sz="2400" dirty="0" smtClean="0">
-                <a:latin typeface="Consolas" panose="020B0609020204030204" pitchFamily="49" charset="0"/>
-                <a:cs typeface="Consolas" panose="020B0609020204030204" pitchFamily="49" charset="0"/>
-              </a:rPr>
-              <a:t>() </a:t>
-            </a:r>
-            <a:r>
-              <a:rPr lang="en-US" sz="2400" dirty="0">
-                <a:latin typeface="Consolas" panose="020B0609020204030204" pitchFamily="49" charset="0"/>
-                <a:cs typeface="Consolas" panose="020B0609020204030204" pitchFamily="49" charset="0"/>
-              </a:rPr>
-              <a:t>{</a:t>
-            </a:r>
-          </a:p>
-          <a:p>
-            <a:r>
-              <a:rPr lang="en-US" sz="2400" dirty="0">
-                <a:latin typeface="Consolas" panose="020B0609020204030204" pitchFamily="49" charset="0"/>
-                <a:cs typeface="Consolas" panose="020B0609020204030204" pitchFamily="49" charset="0"/>
-              </a:rPr>
-              <a:t>    </a:t>
-            </a:r>
-            <a:r>
-              <a:rPr lang="en-US" sz="2400" dirty="0" err="1" smtClean="0">
-                <a:latin typeface="Consolas" panose="020B0609020204030204" pitchFamily="49" charset="0"/>
-                <a:cs typeface="Consolas" panose="020B0609020204030204" pitchFamily="49" charset="0"/>
-              </a:rPr>
-              <a:t>LocalDate</a:t>
-            </a:r>
-            <a:r>
-              <a:rPr lang="en-US" sz="2400" dirty="0" smtClean="0">
-                <a:latin typeface="Consolas" panose="020B0609020204030204" pitchFamily="49" charset="0"/>
-                <a:cs typeface="Consolas" panose="020B0609020204030204" pitchFamily="49" charset="0"/>
-              </a:rPr>
-              <a:t> date = </a:t>
-            </a:r>
-            <a:r>
-              <a:rPr lang="en-US" sz="2400" dirty="0" err="1" smtClean="0">
-                <a:latin typeface="Consolas" panose="020B0609020204030204" pitchFamily="49" charset="0"/>
-                <a:cs typeface="Consolas" panose="020B0609020204030204" pitchFamily="49" charset="0"/>
-              </a:rPr>
-              <a:t>LocalDate.now</a:t>
-            </a:r>
-            <a:r>
-              <a:rPr lang="en-US" sz="2400" dirty="0" smtClean="0">
-                <a:latin typeface="Consolas" panose="020B0609020204030204" pitchFamily="49" charset="0"/>
-                <a:cs typeface="Consolas" panose="020B0609020204030204" pitchFamily="49" charset="0"/>
-              </a:rPr>
-              <a:t>(clock);</a:t>
-            </a:r>
-            <a:endParaRPr lang="en-US" sz="2400" dirty="0">
-              <a:latin typeface="Consolas" panose="020B0609020204030204" pitchFamily="49" charset="0"/>
-              <a:cs typeface="Consolas" panose="020B0609020204030204" pitchFamily="49" charset="0"/>
-            </a:endParaRPr>
-          </a:p>
-          <a:p>
-            <a:r>
-              <a:rPr lang="en-US" sz="2400" dirty="0">
-                <a:latin typeface="Consolas" panose="020B0609020204030204" pitchFamily="49" charset="0"/>
-                <a:cs typeface="Consolas" panose="020B0609020204030204" pitchFamily="49" charset="0"/>
-              </a:rPr>
-              <a:t>    </a:t>
-            </a:r>
-            <a:r>
-              <a:rPr lang="en-US" sz="2400" dirty="0" smtClean="0">
-                <a:latin typeface="Consolas" panose="020B0609020204030204" pitchFamily="49" charset="0"/>
-                <a:cs typeface="Consolas" panose="020B0609020204030204" pitchFamily="49" charset="0"/>
-              </a:rPr>
-              <a:t>...</a:t>
-            </a:r>
-          </a:p>
-          <a:p>
-            <a:r>
-              <a:rPr lang="en-US" sz="2400" dirty="0" smtClean="0">
-                <a:latin typeface="Consolas" panose="020B0609020204030204" pitchFamily="49" charset="0"/>
-                <a:cs typeface="Consolas" panose="020B0609020204030204" pitchFamily="49" charset="0"/>
-              </a:rPr>
-              <a:t>  }</a:t>
-            </a:r>
-          </a:p>
-          <a:p>
-            <a:r>
-              <a:rPr lang="en-US" sz="2400" dirty="0" smtClean="0">
-                <a:latin typeface="Consolas" panose="020B0609020204030204" pitchFamily="49" charset="0"/>
-                <a:cs typeface="Consolas" panose="020B0609020204030204" pitchFamily="49" charset="0"/>
-              </a:rPr>
-              <a:t>}</a:t>
-            </a:r>
-            <a:endParaRPr lang="en-US" sz="2400" dirty="0">
-              <a:latin typeface="Consolas" panose="020B0609020204030204" pitchFamily="49" charset="0"/>
-              <a:cs typeface="Consolas" panose="020B0609020204030204" pitchFamily="49" charset="0"/>
-            </a:endParaRPr>
           </a:p>
         </p:txBody>
       </p:sp>
     </p:spTree>
     <p:extLst>
       <p:ext uri="{BB962C8B-B14F-4D97-AF65-F5344CB8AC3E}">
-        <p14:creationId xmlns:p14="http://schemas.microsoft.com/office/powerpoint/2010/main" val="2066102692"/>
+        <p14:creationId xmlns:p14="http://schemas.microsoft.com/office/powerpoint/2010/main" val="1251483798"/>
       </p:ext>
     </p:extLst>
   </p:cSld>
@@ -10154,7 +10045,12 @@
             <p:ph idx="1"/>
           </p:nvPr>
         </p:nvSpPr>
-        <p:spPr/>
+        <p:spPr>
+          <a:xfrm>
+            <a:off x="457200" y="1600202"/>
+            <a:ext cx="8229600" cy="2514599"/>
+          </a:xfrm>
+        </p:spPr>
         <p:txBody>
           <a:bodyPr>
             <a:normAutofit/>
@@ -10162,109 +10058,56 @@
           <a:lstStyle/>
           <a:p>
             <a:r>
-              <a:rPr lang="en-US" dirty="0" smtClean="0"/>
-              <a:t>Pluggable </a:t>
-            </a:r>
-            <a:r>
-              <a:rPr lang="en-US" dirty="0"/>
-              <a:t>calendar system</a:t>
-            </a:r>
-          </a:p>
-          <a:p>
-            <a:r>
-              <a:rPr lang="en-US" dirty="0"/>
-              <a:t>P</a:t>
-            </a:r>
-            <a:r>
-              <a:rPr lang="en-US" dirty="0" smtClean="0"/>
-              <a:t>rovides </a:t>
-            </a:r>
-            <a:r>
-              <a:rPr lang="en-US" dirty="0"/>
-              <a:t>access to </a:t>
-            </a:r>
-            <a:r>
-              <a:rPr lang="en-US" dirty="0" smtClean="0"/>
-              <a:t>date and time fields</a:t>
-            </a:r>
-          </a:p>
-          <a:p>
-            <a:r>
-              <a:rPr lang="en-US" dirty="0" smtClean="0"/>
-              <a:t>Built-in</a:t>
-            </a:r>
-            <a:endParaRPr lang="en-US" dirty="0"/>
-          </a:p>
-          <a:p>
-            <a:pPr lvl="1"/>
-            <a:r>
-              <a:rPr lang="en-US" dirty="0"/>
-              <a:t>ISO8601 </a:t>
-            </a:r>
-            <a:r>
-              <a:rPr lang="en-US" dirty="0" smtClean="0"/>
-              <a:t>(default): </a:t>
-            </a:r>
-            <a:r>
-              <a:rPr lang="en-US" dirty="0" err="1" smtClean="0"/>
-              <a:t>IsoChronology</a:t>
-            </a:r>
-            <a:endParaRPr lang="en-US" dirty="0"/>
-          </a:p>
-          <a:p>
-            <a:pPr lvl="1"/>
-            <a:r>
-              <a:rPr lang="en-US" dirty="0" smtClean="0"/>
-              <a:t>Chinese: </a:t>
-            </a:r>
-            <a:r>
-              <a:rPr lang="en-US" dirty="0" err="1" smtClean="0"/>
-              <a:t>MinguoChronology</a:t>
-            </a:r>
-            <a:endParaRPr lang="en-US" dirty="0"/>
-          </a:p>
-          <a:p>
-            <a:pPr lvl="1"/>
-            <a:r>
-              <a:rPr lang="en-US" dirty="0" smtClean="0"/>
-              <a:t>Japanese: </a:t>
-            </a:r>
-            <a:r>
-              <a:rPr lang="en-US" dirty="0" err="1"/>
-              <a:t>JapaneseChronology</a:t>
-            </a:r>
-            <a:endParaRPr lang="en-US" dirty="0"/>
-          </a:p>
-          <a:p>
-            <a:pPr lvl="1"/>
-            <a:r>
-              <a:rPr lang="en-US" dirty="0"/>
-              <a:t>Thai </a:t>
-            </a:r>
-            <a:r>
-              <a:rPr lang="en-US" dirty="0" smtClean="0"/>
-              <a:t>Buddhist: </a:t>
-            </a:r>
-            <a:r>
-              <a:rPr lang="en-US" dirty="0" err="1" smtClean="0"/>
-              <a:t>ThaiBuddhistChronology</a:t>
-            </a:r>
-            <a:endParaRPr lang="en-US" dirty="0"/>
-          </a:p>
-          <a:p>
-            <a:pPr lvl="1"/>
-            <a:r>
-              <a:rPr lang="en-US" dirty="0" smtClean="0"/>
-              <a:t>Islamic: </a:t>
-            </a:r>
-            <a:r>
-              <a:rPr lang="en-US" dirty="0" err="1" smtClean="0"/>
-              <a:t>HijrahChronology</a:t>
-            </a:r>
-            <a:endParaRPr lang="en-US" dirty="0"/>
-          </a:p>
-          <a:p>
-            <a:endParaRPr lang="en-US" dirty="0"/>
+              <a:rPr lang="en-US" sz="3000" dirty="0"/>
+              <a:t>Gets the current instant using a time-zone </a:t>
+            </a:r>
+          </a:p>
+          <a:p>
+            <a:r>
+              <a:rPr lang="en-US" sz="3000" dirty="0" smtClean="0"/>
+              <a:t>Use instead </a:t>
+            </a:r>
+            <a:r>
+              <a:rPr lang="en-US" sz="3000" dirty="0"/>
+              <a:t>of </a:t>
+            </a:r>
+            <a:r>
+              <a:rPr lang="en-US" sz="3000" dirty="0" err="1">
+                <a:latin typeface="Consolas" panose="020B0609020204030204" pitchFamily="49" charset="0"/>
+                <a:cs typeface="Consolas" panose="020B0609020204030204" pitchFamily="49" charset="0"/>
+              </a:rPr>
+              <a:t>System.currentTimeMillis</a:t>
+            </a:r>
+            <a:r>
+              <a:rPr lang="en-US" sz="3000" dirty="0" smtClean="0">
+                <a:latin typeface="Consolas" panose="020B0609020204030204" pitchFamily="49" charset="0"/>
+                <a:cs typeface="Consolas" panose="020B0609020204030204" pitchFamily="49" charset="0"/>
+              </a:rPr>
+              <a:t>() </a:t>
+            </a:r>
+          </a:p>
+          <a:p>
+            <a:r>
+              <a:rPr lang="en-US" sz="3000" dirty="0" smtClean="0"/>
+              <a:t>Use alternate clock for testing</a:t>
+            </a:r>
+            <a:r>
+              <a:rPr lang="en-US" sz="3000" dirty="0" smtClean="0">
+                <a:latin typeface="Consolas" panose="020B0609020204030204" pitchFamily="49" charset="0"/>
+                <a:cs typeface="Consolas" panose="020B0609020204030204" pitchFamily="49" charset="0"/>
+              </a:rPr>
+              <a:t/>
+            </a:r>
+            <a:br>
+              <a:rPr lang="en-US" sz="3000" dirty="0" smtClean="0">
+                <a:latin typeface="Consolas" panose="020B0609020204030204" pitchFamily="49" charset="0"/>
+                <a:cs typeface="Consolas" panose="020B0609020204030204" pitchFamily="49" charset="0"/>
+              </a:rPr>
+            </a:br>
+            <a:endParaRPr lang="en-US" sz="3000" dirty="0">
+              <a:latin typeface="Consolas" panose="020B0609020204030204" pitchFamily="49" charset="0"/>
+              <a:cs typeface="Consolas" panose="020B0609020204030204" pitchFamily="49" charset="0"/>
+            </a:endParaRPr>
           </a:p>
         </p:txBody>
       </p:sp>
@@ -10284,16 +10127,201 @@
           <a:lstStyle/>
           <a:p>
             <a:r>
-              <a:rPr lang="en-US" dirty="0"/>
-              <a:t>Chronology</a:t>
-            </a:r>
+              <a:rPr lang="en-US" dirty="0" smtClean="0"/>
+              <a:t>Clock</a:t>
+            </a:r>
+            <a:endParaRPr lang="en-US" dirty="0"/>
+          </a:p>
+        </p:txBody>
+      </p:sp>
+      <p:sp>
+        <p:nvSpPr>
+          <p:cNvPr id="4" name="Rectangle 3"/>
+          <p:cNvSpPr/>
+          <p:nvPr/>
+        </p:nvSpPr>
+        <p:spPr>
+          <a:xfrm>
+            <a:off x="457200" y="3733800"/>
+            <a:ext cx="8229600" cy="2677656"/>
+          </a:xfrm>
+          <a:prstGeom prst="rect">
+            <a:avLst/>
+          </a:prstGeom>
+          <a:solidFill>
+            <a:schemeClr val="accent1">
+              <a:lumMod val="20000"/>
+              <a:lumOff val="80000"/>
+            </a:schemeClr>
+          </a:solidFill>
+        </p:spPr>
+        <p:txBody>
+          <a:bodyPr wrap="square">
+            <a:spAutoFit/>
+          </a:bodyPr>
+          <a:lstStyle/>
+          <a:p>
+            <a:r>
+              <a:rPr lang="en-US" sz="2400" dirty="0">
+                <a:latin typeface="Consolas" panose="020B0609020204030204" pitchFamily="49" charset="0"/>
+                <a:cs typeface="Consolas" panose="020B0609020204030204" pitchFamily="49" charset="0"/>
+              </a:rPr>
+              <a:t>public class </a:t>
+            </a:r>
+            <a:r>
+              <a:rPr lang="en-US" sz="2400" dirty="0" err="1" smtClean="0">
+                <a:latin typeface="Consolas" panose="020B0609020204030204" pitchFamily="49" charset="0"/>
+                <a:cs typeface="Consolas" panose="020B0609020204030204" pitchFamily="49" charset="0"/>
+              </a:rPr>
+              <a:t>SomeBean</a:t>
+            </a:r>
+            <a:r>
+              <a:rPr lang="en-US" sz="2400" dirty="0" smtClean="0">
+                <a:latin typeface="Consolas" panose="020B0609020204030204" pitchFamily="49" charset="0"/>
+                <a:cs typeface="Consolas" panose="020B0609020204030204" pitchFamily="49" charset="0"/>
+              </a:rPr>
+              <a:t> {</a:t>
+            </a:r>
+            <a:endParaRPr lang="en-US" sz="2400" dirty="0">
+              <a:latin typeface="Consolas" panose="020B0609020204030204" pitchFamily="49" charset="0"/>
+              <a:cs typeface="Consolas" panose="020B0609020204030204" pitchFamily="49" charset="0"/>
+            </a:endParaRPr>
+          </a:p>
+          <a:p>
+            <a:r>
+              <a:rPr lang="en-US" sz="2400" dirty="0">
+                <a:latin typeface="Consolas" panose="020B0609020204030204" pitchFamily="49" charset="0"/>
+                <a:cs typeface="Consolas" panose="020B0609020204030204" pitchFamily="49" charset="0"/>
+              </a:rPr>
+              <a:t>  @Inject private Clock </a:t>
+            </a:r>
+            <a:r>
+              <a:rPr lang="en-US" sz="2400" dirty="0" err="1">
+                <a:latin typeface="Consolas" panose="020B0609020204030204" pitchFamily="49" charset="0"/>
+                <a:cs typeface="Consolas" panose="020B0609020204030204" pitchFamily="49" charset="0"/>
+              </a:rPr>
+              <a:t>clock</a:t>
+            </a:r>
+            <a:r>
+              <a:rPr lang="en-US" sz="2400" dirty="0" smtClean="0">
+                <a:latin typeface="Consolas" panose="020B0609020204030204" pitchFamily="49" charset="0"/>
+                <a:cs typeface="Consolas" panose="020B0609020204030204" pitchFamily="49" charset="0"/>
+              </a:rPr>
+              <a:t>;</a:t>
+            </a:r>
+            <a:endParaRPr lang="en-US" sz="2400" dirty="0">
+              <a:latin typeface="Consolas" panose="020B0609020204030204" pitchFamily="49" charset="0"/>
+              <a:cs typeface="Consolas" panose="020B0609020204030204" pitchFamily="49" charset="0"/>
+            </a:endParaRPr>
+          </a:p>
+          <a:p>
+            <a:r>
+              <a:rPr lang="en-US" sz="2400" dirty="0">
+                <a:latin typeface="Consolas" panose="020B0609020204030204" pitchFamily="49" charset="0"/>
+                <a:cs typeface="Consolas" panose="020B0609020204030204" pitchFamily="49" charset="0"/>
+              </a:rPr>
+              <a:t>  public void process</a:t>
+            </a:r>
+            <a:r>
+              <a:rPr lang="en-US" sz="2400" dirty="0" smtClean="0">
+                <a:latin typeface="Consolas" panose="020B0609020204030204" pitchFamily="49" charset="0"/>
+                <a:cs typeface="Consolas" panose="020B0609020204030204" pitchFamily="49" charset="0"/>
+              </a:rPr>
+              <a:t>() </a:t>
+            </a:r>
+            <a:r>
+              <a:rPr lang="en-US" sz="2400" dirty="0">
+                <a:latin typeface="Consolas" panose="020B0609020204030204" pitchFamily="49" charset="0"/>
+                <a:cs typeface="Consolas" panose="020B0609020204030204" pitchFamily="49" charset="0"/>
+              </a:rPr>
+              <a:t>{</a:t>
+            </a:r>
+          </a:p>
+          <a:p>
+            <a:r>
+              <a:rPr lang="en-US" sz="2400" dirty="0">
+                <a:latin typeface="Consolas" panose="020B0609020204030204" pitchFamily="49" charset="0"/>
+                <a:cs typeface="Consolas" panose="020B0609020204030204" pitchFamily="49" charset="0"/>
+              </a:rPr>
+              <a:t>    </a:t>
+            </a:r>
+            <a:r>
+              <a:rPr lang="en-US" sz="2400" dirty="0" err="1" smtClean="0">
+                <a:latin typeface="Consolas" panose="020B0609020204030204" pitchFamily="49" charset="0"/>
+                <a:cs typeface="Consolas" panose="020B0609020204030204" pitchFamily="49" charset="0"/>
+              </a:rPr>
+              <a:t>LocalDate</a:t>
+            </a:r>
+            <a:r>
+              <a:rPr lang="en-US" sz="2400" dirty="0" smtClean="0">
+                <a:latin typeface="Consolas" panose="020B0609020204030204" pitchFamily="49" charset="0"/>
+                <a:cs typeface="Consolas" panose="020B0609020204030204" pitchFamily="49" charset="0"/>
+              </a:rPr>
+              <a:t> date = </a:t>
+            </a:r>
+            <a:r>
+              <a:rPr lang="en-US" sz="2400" dirty="0" err="1" smtClean="0">
+                <a:latin typeface="Consolas" panose="020B0609020204030204" pitchFamily="49" charset="0"/>
+                <a:cs typeface="Consolas" panose="020B0609020204030204" pitchFamily="49" charset="0"/>
+              </a:rPr>
+              <a:t>LocalDate.now</a:t>
+            </a:r>
+            <a:r>
+              <a:rPr lang="en-US" sz="2400" dirty="0" smtClean="0">
+                <a:latin typeface="Consolas" panose="020B0609020204030204" pitchFamily="49" charset="0"/>
+                <a:cs typeface="Consolas" panose="020B0609020204030204" pitchFamily="49" charset="0"/>
+              </a:rPr>
+              <a:t>(clock);</a:t>
+            </a:r>
+            <a:endParaRPr lang="en-US" sz="2400" dirty="0">
+              <a:latin typeface="Consolas" panose="020B0609020204030204" pitchFamily="49" charset="0"/>
+              <a:cs typeface="Consolas" panose="020B0609020204030204" pitchFamily="49" charset="0"/>
+            </a:endParaRPr>
+          </a:p>
+          <a:p>
+            <a:r>
+              <a:rPr lang="en-US" sz="2400" dirty="0">
+                <a:latin typeface="Consolas" panose="020B0609020204030204" pitchFamily="49" charset="0"/>
+                <a:cs typeface="Consolas" panose="020B0609020204030204" pitchFamily="49" charset="0"/>
+              </a:rPr>
+              <a:t>    </a:t>
+            </a:r>
+            <a:r>
+              <a:rPr lang="en-US" sz="2400" dirty="0" smtClean="0">
+                <a:latin typeface="Consolas" panose="020B0609020204030204" pitchFamily="49" charset="0"/>
+                <a:cs typeface="Consolas" panose="020B0609020204030204" pitchFamily="49" charset="0"/>
+              </a:rPr>
+              <a:t>...</a:t>
+            </a:r>
+          </a:p>
+          <a:p>
+            <a:r>
+              <a:rPr lang="en-US" sz="2400" dirty="0" smtClean="0">
+                <a:latin typeface="Consolas" panose="020B0609020204030204" pitchFamily="49" charset="0"/>
+                <a:cs typeface="Consolas" panose="020B0609020204030204" pitchFamily="49" charset="0"/>
+              </a:rPr>
+              <a:t>  }</a:t>
+            </a:r>
+          </a:p>
+          <a:p>
+            <a:r>
+              <a:rPr lang="en-US" sz="2400" dirty="0" smtClean="0">
+                <a:latin typeface="Consolas" panose="020B0609020204030204" pitchFamily="49" charset="0"/>
+                <a:cs typeface="Consolas" panose="020B0609020204030204" pitchFamily="49" charset="0"/>
+              </a:rPr>
+              <a:t>}</a:t>
+            </a:r>
+            <a:endParaRPr lang="en-US" sz="2400" dirty="0">
+              <a:latin typeface="Consolas" panose="020B0609020204030204" pitchFamily="49" charset="0"/>
+              <a:cs typeface="Consolas" panose="020B0609020204030204" pitchFamily="49" charset="0"/>
+            </a:endParaRPr>
           </a:p>
         </p:txBody>
       </p:sp>
     </p:spTree>
     <p:extLst>
       <p:ext uri="{BB962C8B-B14F-4D97-AF65-F5344CB8AC3E}">
-        <p14:creationId xmlns:p14="http://schemas.microsoft.com/office/powerpoint/2010/main" val="1965216396"/>
+        <p14:creationId xmlns:p14="http://schemas.microsoft.com/office/powerpoint/2010/main" val="2066102692"/>
       </p:ext>
     </p:extLst>
   </p:cSld>
@@ -10352,74 +10380,113 @@
         <p:spPr/>
         <p:txBody>
           <a:bodyPr>
-            <a:normAutofit fontScale="92500" lnSpcReduction="10000"/>
+            <a:normAutofit/>
           </a:bodyPr>
           <a:lstStyle/>
           <a:p>
             <a:r>
+              <a:rPr lang="en-US" sz="3000" dirty="0" smtClean="0"/>
+              <a:t>Pluggable </a:t>
+            </a:r>
+            <a:r>
+              <a:rPr lang="en-US" sz="3000" dirty="0"/>
+              <a:t>calendar system</a:t>
+            </a:r>
+          </a:p>
+          <a:p>
+            <a:r>
+              <a:rPr lang="en-US" sz="3000" dirty="0"/>
+              <a:t>P</a:t>
+            </a:r>
+            <a:r>
+              <a:rPr lang="en-US" sz="3000" dirty="0" smtClean="0"/>
+              <a:t>rovides </a:t>
+            </a:r>
+            <a:r>
+              <a:rPr lang="en-US" sz="3000" dirty="0"/>
+              <a:t>access to </a:t>
+            </a:r>
+            <a:r>
+              <a:rPr lang="en-US" sz="3000" dirty="0" smtClean="0"/>
+              <a:t>date and time fields</a:t>
+            </a:r>
+          </a:p>
+          <a:p>
+            <a:r>
+              <a:rPr lang="en-US" sz="3000" dirty="0" smtClean="0"/>
+              <a:t>Built-in</a:t>
+            </a:r>
+            <a:endParaRPr lang="en-US" sz="3000" dirty="0"/>
+          </a:p>
+          <a:p>
+            <a:pPr lvl="1"/>
+            <a:r>
               <a:rPr lang="en-US" dirty="0"/>
-              <a:t>R</a:t>
+              <a:t>ISO8601 </a:t>
             </a:r>
             <a:r>
               <a:rPr lang="en-US" dirty="0" smtClean="0"/>
-              <a:t>egion </a:t>
-            </a:r>
+              <a:t>(default): </a:t>
+            </a:r>
+            <a:r>
+              <a:rPr lang="en-US" dirty="0" err="1" smtClean="0"/>
+              <a:t>IsoChronology</a:t>
+            </a:r>
+            <a:endParaRPr lang="en-US" dirty="0"/>
+          </a:p>
+          <a:p>
+            <a:pPr lvl="1"/>
+            <a:r>
+              <a:rPr lang="en-US" dirty="0" smtClean="0"/>
+              <a:t>Chinese: </a:t>
+            </a:r>
+            <a:r>
+              <a:rPr lang="en-US" dirty="0" err="1" smtClean="0"/>
+              <a:t>MinguoChronology</a:t>
+            </a:r>
+            <a:endParaRPr lang="en-US" dirty="0"/>
+          </a:p>
+          <a:p>
+            <a:pPr lvl="1"/>
+            <a:r>
+              <a:rPr lang="en-US" dirty="0" smtClean="0"/>
+              <a:t>Japanese: </a:t>
+            </a:r>
+            <a:r>
+              <a:rPr lang="en-US" dirty="0" err="1"/>
+              <a:t>JapaneseChronology</a:t>
+            </a:r>
+            <a:endParaRPr lang="en-US" dirty="0"/>
+          </a:p>
+          <a:p>
+            <a:pPr lvl="1"/>
             <a:r>
               <a:rPr lang="en-US" dirty="0"/>
-              <a:t>with a uniform standard time for legal, commercial, social, and political purposes</a:t>
-            </a:r>
-          </a:p>
-          <a:p>
-            <a:r>
-              <a:rPr lang="en-US" dirty="0"/>
-              <a:t>Time zones are offset from UTC (UTC-12 to UTC+12)</a:t>
-            </a:r>
-          </a:p>
-          <a:p>
-            <a:r>
-              <a:rPr lang="en-US" dirty="0"/>
-              <a:t>UTC </a:t>
+              <a:t>Thai </a:t>
             </a:r>
             <a:r>
               <a:rPr lang="en-US" dirty="0" smtClean="0"/>
-              <a:t>time zone is </a:t>
-            </a:r>
-            <a:r>
-              <a:rPr lang="en-US" dirty="0"/>
-              <a:t>sometimes denoted by Z (Zulu)</a:t>
-            </a:r>
-          </a:p>
-          <a:p>
-            <a:r>
-              <a:rPr lang="en-US" dirty="0"/>
-              <a:t>Some countries use daylight saving time (summer time) for part of the year, changing the offset</a:t>
-            </a:r>
-          </a:p>
-          <a:p>
-            <a:r>
-              <a:rPr lang="en-US" dirty="0"/>
-              <a:t>JDK </a:t>
-            </a:r>
+              <a:t>Buddhist: </a:t>
+            </a:r>
+            <a:r>
+              <a:rPr lang="en-US" dirty="0" err="1" smtClean="0"/>
+              <a:t>ThaiBuddhistChronology</a:t>
+            </a:r>
+            <a:endParaRPr lang="en-US" dirty="0"/>
+          </a:p>
+          <a:p>
+            <a:pPr lvl="1"/>
             <a:r>
               <a:rPr lang="en-US" dirty="0" smtClean="0"/>
-              <a:t>time zone </a:t>
-            </a:r>
-            <a:r>
-              <a:rPr lang="en-US" dirty="0"/>
-              <a:t>data is updated </a:t>
-            </a:r>
-            <a:r>
-              <a:rPr lang="en-US" dirty="0" smtClean="0"/>
-              <a:t>with </a:t>
-            </a:r>
-            <a:r>
-              <a:rPr lang="en-US" dirty="0"/>
-              <a:t>JDK </a:t>
-            </a:r>
-            <a:r>
-              <a:rPr lang="en-US" dirty="0" smtClean="0"/>
-              <a:t>releases</a:t>
-            </a:r>
+              <a:t>Islamic: </a:t>
+            </a:r>
+            <a:r>
+              <a:rPr lang="en-US" dirty="0" err="1" smtClean="0"/>
+              <a:t>HijrahChronology</a:t>
+            </a:r>
+            <a:endParaRPr lang="en-US" dirty="0"/>
+          </a:p>
+          <a:p>
             <a:endParaRPr lang="en-US" dirty="0"/>
           </a:p>
         </p:txBody>
@@ -10440,17 +10507,16 @@
           <a:lstStyle/>
           <a:p>
             <a:r>
-              <a:rPr lang="en-US" dirty="0" smtClean="0"/>
-              <a:t>Time Zone</a:t>
-            </a:r>
-            <a:endParaRPr lang="en-US" dirty="0"/>
+              <a:rPr lang="en-US" dirty="0"/>
+              <a:t>Chronology</a:t>
+            </a:r>
           </a:p>
         </p:txBody>
       </p:sp>
     </p:spTree>
     <p:extLst>
       <p:ext uri="{BB962C8B-B14F-4D97-AF65-F5344CB8AC3E}">
-        <p14:creationId xmlns:p14="http://schemas.microsoft.com/office/powerpoint/2010/main" val="1251483798"/>
+        <p14:creationId xmlns:p14="http://schemas.microsoft.com/office/powerpoint/2010/main" val="1965216396"/>
       </p:ext>
     </p:extLst>
   </p:cSld>
@@ -10644,7 +10710,7 @@
                 <a:latin typeface="Consolas" panose="020B0609020204030204" pitchFamily="49" charset="0"/>
                 <a:cs typeface="Consolas" panose="020B0609020204030204" pitchFamily="49" charset="0"/>
               </a:rPr>
-              <a:t>return </a:t>
+              <a:t>  return </a:t>
             </a:r>
             <a:r>
               <a:rPr lang="en-US" sz="2400" dirty="0" err="1" smtClean="0">
@@ -10659,6 +10725,32 @@
                 <a:cs typeface="Consolas" panose="020B0609020204030204" pitchFamily="49" charset="0"/>
               </a:rPr>
               <a:t>(4, </a:t>
+            </a:r>
+            <a:r>
+              <a:rPr lang="en-US" sz="2400" dirty="0" smtClean="0">
+                <a:latin typeface="Consolas" panose="020B0609020204030204" pitchFamily="49" charset="0"/>
+                <a:cs typeface="Consolas" panose="020B0609020204030204" pitchFamily="49" charset="0"/>
+              </a:rPr>
+              <a:t>   </a:t>
+            </a:r>
+          </a:p>
+          <a:p>
+            <a:pPr marL="400050" lvl="1" indent="0">
+              <a:buNone/>
+            </a:pPr>
+            <a:r>
+              <a:rPr lang="en-US" dirty="0">
+                <a:latin typeface="Consolas" panose="020B0609020204030204" pitchFamily="49" charset="0"/>
+                <a:cs typeface="Consolas" panose="020B0609020204030204" pitchFamily="49" charset="0"/>
+              </a:rPr>
+              <a:t> </a:t>
+            </a:r>
+            <a:r>
+              <a:rPr lang="en-US" dirty="0" smtClean="0">
+                <a:latin typeface="Consolas" panose="020B0609020204030204" pitchFamily="49" charset="0"/>
+                <a:cs typeface="Consolas" panose="020B0609020204030204" pitchFamily="49" charset="0"/>
+              </a:rPr>
+              <a:t>                      </a:t>
             </a:r>
             <a:r>
               <a:rPr lang="en-US" sz="2400" dirty="0" err="1" smtClean="0">
@@ -10898,120 +10990,120 @@
           <a:lstStyle/>
           <a:p>
             <a:r>
-              <a:rPr lang="en-US" dirty="0" smtClean="0"/>
+              <a:rPr lang="en-US" sz="3200" dirty="0" smtClean="0"/>
               <a:t>Properties </a:t>
             </a:r>
             <a:r>
-              <a:rPr lang="en-US" dirty="0"/>
+              <a:rPr lang="en-US" sz="3200" dirty="0"/>
               <a:t>have random </a:t>
             </a:r>
             <a:r>
-              <a:rPr lang="en-US" dirty="0" smtClean="0"/>
+              <a:rPr lang="en-US" sz="3200" dirty="0" smtClean="0"/>
               <a:t>offsets</a:t>
             </a:r>
           </a:p>
           <a:p>
             <a:pPr lvl="1"/>
             <a:r>
-              <a:rPr lang="en-US" dirty="0" smtClean="0"/>
+              <a:rPr lang="en-US" sz="2600" dirty="0" smtClean="0"/>
               <a:t>Some zero-based</a:t>
             </a:r>
             <a:r>
-              <a:rPr lang="en-US" dirty="0"/>
+              <a:rPr lang="en-US" sz="2600" dirty="0"/>
               <a:t>, </a:t>
             </a:r>
             <a:r>
-              <a:rPr lang="en-US" dirty="0" smtClean="0"/>
+              <a:rPr lang="en-US" sz="2600" dirty="0" smtClean="0"/>
               <a:t>like month </a:t>
             </a:r>
             <a:r>
-              <a:rPr lang="en-US" dirty="0"/>
+              <a:rPr lang="en-US" sz="2600" dirty="0"/>
               <a:t>and </a:t>
             </a:r>
             <a:r>
-              <a:rPr lang="en-US" dirty="0" smtClean="0"/>
+              <a:rPr lang="en-US" sz="2600" dirty="0" smtClean="0"/>
               <a:t>hours</a:t>
             </a:r>
           </a:p>
           <a:p>
             <a:pPr lvl="1"/>
             <a:r>
-              <a:rPr lang="en-US" dirty="0" smtClean="0"/>
+              <a:rPr lang="en-US" sz="2600" dirty="0" smtClean="0"/>
               <a:t>Some one-based</a:t>
             </a:r>
             <a:r>
-              <a:rPr lang="en-US" dirty="0"/>
+              <a:rPr lang="en-US" sz="2600" dirty="0"/>
               <a:t>, like </a:t>
             </a:r>
             <a:r>
-              <a:rPr lang="en-US" dirty="0" smtClean="0"/>
+              <a:rPr lang="en-US" sz="2600" dirty="0" smtClean="0"/>
               <a:t>day of the month</a:t>
             </a:r>
           </a:p>
           <a:p>
             <a:pPr lvl="1"/>
             <a:r>
-              <a:rPr lang="en-US" dirty="0" smtClean="0"/>
+              <a:rPr lang="en-US" sz="2600" dirty="0" smtClean="0"/>
               <a:t>Year </a:t>
             </a:r>
             <a:r>
-              <a:rPr lang="en-US" dirty="0"/>
+              <a:rPr lang="en-US" sz="2600" dirty="0"/>
               <a:t>has an offset of </a:t>
             </a:r>
             <a:r>
-              <a:rPr lang="en-US" dirty="0" smtClean="0"/>
+              <a:rPr lang="en-US" sz="2600" dirty="0" smtClean="0"/>
               <a:t>1900</a:t>
             </a:r>
-            <a:endParaRPr lang="en-US" dirty="0"/>
-          </a:p>
-          <a:p>
-            <a:r>
-              <a:rPr lang="en-US" dirty="0" smtClean="0"/>
+            <a:endParaRPr lang="en-US" sz="2600" dirty="0"/>
+          </a:p>
+          <a:p>
+            <a:r>
+              <a:rPr lang="en-US" sz="3200" dirty="0" smtClean="0"/>
               <a:t>Mutable, not thread-safe</a:t>
             </a:r>
-            <a:endParaRPr lang="en-US" dirty="0"/>
-          </a:p>
-          <a:p>
-            <a:r>
-              <a:rPr lang="en-US" dirty="0"/>
+            <a:endParaRPr lang="en-US" sz="3200" dirty="0"/>
+          </a:p>
+          <a:p>
+            <a:r>
+              <a:rPr lang="en-US" sz="3200" dirty="0"/>
               <a:t>Not </a:t>
             </a:r>
             <a:r>
-              <a:rPr lang="en-US" dirty="0" err="1" smtClean="0"/>
+              <a:rPr lang="en-US" sz="3200" dirty="0" err="1" smtClean="0"/>
               <a:t>internationalizable</a:t>
             </a:r>
-            <a:endParaRPr lang="en-US" dirty="0" smtClean="0"/>
-          </a:p>
-          <a:p>
-            <a:r>
-              <a:rPr lang="en-US" dirty="0" smtClean="0"/>
-              <a:t>Conceptually, represents </a:t>
-            </a:r>
-            <a:r>
-              <a:rPr lang="en-US" dirty="0"/>
-              <a:t>a specific instant in time, </a:t>
-            </a:r>
-            <a:r>
-              <a:rPr lang="en-US" dirty="0" smtClean="0"/>
+            <a:endParaRPr lang="en-US" sz="3200" dirty="0" smtClean="0"/>
+          </a:p>
+          <a:p>
+            <a:r>
+              <a:rPr lang="en-US" sz="3200" dirty="0" smtClean="0"/>
+              <a:t>Conceptually, </a:t>
+            </a:r>
+            <a:r>
+              <a:rPr lang="en-US" sz="3200" dirty="0" smtClean="0"/>
+              <a:t>an instant, </a:t>
+            </a:r>
+            <a:r>
+              <a:rPr lang="en-US" sz="3200" dirty="0" smtClean="0"/>
               <a:t>not a date</a:t>
             </a:r>
           </a:p>
           <a:p>
             <a:r>
-              <a:rPr lang="en-US" dirty="0" smtClean="0"/>
+              <a:rPr lang="en-US" sz="3200" dirty="0" smtClean="0"/>
               <a:t>Millisecond granularity</a:t>
             </a:r>
           </a:p>
           <a:p>
             <a:r>
-              <a:rPr lang="en-US" dirty="0"/>
+              <a:rPr lang="en-US" sz="3200" dirty="0"/>
               <a:t>Does not reflect </a:t>
             </a:r>
             <a:r>
-              <a:rPr lang="en-US" dirty="0" smtClean="0"/>
+              <a:rPr lang="en-US" sz="3200" dirty="0" smtClean="0"/>
               <a:t>UTC</a:t>
             </a:r>
-            <a:endParaRPr lang="en-US" dirty="0"/>
+            <a:endParaRPr lang="en-US" sz="3200" dirty="0"/>
           </a:p>
         </p:txBody>
       </p:sp>
@@ -11328,42 +11420,46 @@
         <p:spPr/>
         <p:txBody>
           <a:bodyPr>
-            <a:normAutofit lnSpcReduction="10000"/>
+            <a:normAutofit/>
           </a:bodyPr>
           <a:lstStyle/>
           <a:p>
             <a:r>
+              <a:rPr lang="en-US" sz="3000" dirty="0"/>
+              <a:t>Strategy for extracting information from </a:t>
+            </a:r>
+            <a:r>
+              <a:rPr lang="en-US" sz="3000" dirty="0" err="1" smtClean="0"/>
+              <a:t>temporals</a:t>
+            </a:r>
+            <a:endParaRPr lang="en-US" sz="3000" dirty="0"/>
+          </a:p>
+          <a:p>
+            <a:r>
+              <a:rPr lang="en-US" sz="3000" dirty="0"/>
+              <a:t>Externalize the process of querying</a:t>
+            </a:r>
+          </a:p>
+          <a:p>
+            <a:r>
+              <a:rPr lang="en-US" sz="3000" dirty="0" smtClean="0"/>
+              <a:t>Examples</a:t>
+            </a:r>
+            <a:endParaRPr lang="en-US" sz="3000" dirty="0"/>
+          </a:p>
+          <a:p>
+            <a:pPr lvl="1"/>
+            <a:r>
               <a:rPr lang="en-US" dirty="0"/>
-              <a:t>Strategy for extracting information from </a:t>
-            </a:r>
-            <a:r>
-              <a:rPr lang="en-US" dirty="0" err="1" smtClean="0"/>
-              <a:t>temporals</a:t>
-            </a:r>
-            <a:endParaRPr lang="en-US" dirty="0"/>
-          </a:p>
-          <a:p>
-            <a:r>
-              <a:rPr lang="en-US" dirty="0"/>
-              <a:t>Externalize the process of querying</a:t>
-            </a:r>
-          </a:p>
-          <a:p>
+              <a:t>get </a:t>
+            </a:r>
             <a:r>
               <a:rPr lang="en-US" dirty="0" smtClean="0"/>
-              <a:t>Examples</a:t>
-            </a:r>
-            <a:endParaRPr lang="en-US" dirty="0"/>
-          </a:p>
-          <a:p>
-            <a:pPr lvl="1"/>
-            <a:r>
-              <a:rPr lang="en-US" dirty="0"/>
-              <a:t>get the </a:t>
+              <a:t>the time </a:t>
             </a:r>
             <a:r>
               <a:rPr lang="en-US" dirty="0" smtClean="0"/>
-              <a:t>time zone </a:t>
+              <a:t>zone </a:t>
             </a:r>
             <a:r>
               <a:rPr lang="en-US" dirty="0"/>
@@ -11379,7 +11475,23 @@
             <a:pPr lvl="1"/>
             <a:r>
               <a:rPr lang="en-US" dirty="0"/>
-              <a:t>check if the date is the day before February 29th in a leap year</a:t>
+              <a:t>check if </a:t>
+            </a:r>
+            <a:r>
+              <a:rPr lang="en-US" dirty="0" smtClean="0"/>
+              <a:t>date </a:t>
+            </a:r>
+            <a:r>
+              <a:rPr lang="en-US" dirty="0"/>
+              <a:t>is </a:t>
+            </a:r>
+            <a:r>
+              <a:rPr lang="en-US" dirty="0" smtClean="0"/>
+              <a:t>February 29 </a:t>
+            </a:r>
+            <a:r>
+              <a:rPr lang="en-US" dirty="0"/>
+              <a:t>in a leap year</a:t>
             </a:r>
           </a:p>
           <a:p>
@@ -11389,25 +11501,29 @@
               <a:t>calculate </a:t>
             </a:r>
             <a:r>
+              <a:rPr lang="en-US" dirty="0" smtClean="0"/>
+              <a:t>days until </a:t>
+            </a:r>
+            <a:r>
               <a:rPr lang="en-US" dirty="0"/>
-              <a:t>the number of days to your next birthday</a:t>
-            </a:r>
-          </a:p>
-          <a:p>
-            <a:r>
-              <a:rPr lang="en-US" dirty="0" err="1"/>
+              <a:t>your next birthday</a:t>
+            </a:r>
+          </a:p>
+          <a:p>
+            <a:r>
+              <a:rPr lang="en-US" sz="3000" dirty="0" err="1"/>
               <a:t>TemporalQueries</a:t>
             </a:r>
             <a:r>
-              <a:rPr lang="en-US" dirty="0"/>
+              <a:rPr lang="en-US" sz="3000" dirty="0"/>
               <a:t> </a:t>
             </a:r>
             <a:r>
-              <a:rPr lang="en-US" dirty="0" smtClean="0"/>
+              <a:rPr lang="en-US" sz="3000" dirty="0" smtClean="0"/>
               <a:t>class has </a:t>
             </a:r>
             <a:r>
-              <a:rPr lang="en-US" dirty="0"/>
+              <a:rPr lang="en-US" sz="3000" dirty="0"/>
               <a:t>common implementations of queries</a:t>
             </a:r>
           </a:p>
@@ -11532,32 +11648,15 @@
                 <a:latin typeface="Consolas" panose="020B0609020204030204" pitchFamily="49" charset="0"/>
                 <a:cs typeface="Consolas" panose="020B0609020204030204" pitchFamily="49" charset="0"/>
               </a:rPr>
-              <a:t>java.time.chrono</a:t>
+              <a:t>java.time.format</a:t>
             </a:r>
             <a:r>
               <a:rPr lang="en-US" sz="3000" dirty="0" smtClean="0"/>
-              <a:t> - calendar </a:t>
-            </a:r>
-            <a:r>
-              <a:rPr lang="en-US" sz="3000" dirty="0"/>
-              <a:t>systems other than </a:t>
+              <a:t> </a:t>
             </a:r>
             <a:r>
               <a:rPr lang="en-US" sz="3000" dirty="0" smtClean="0"/>
-              <a:t>ISO-8601 </a:t>
-            </a:r>
-          </a:p>
-          <a:p>
-            <a:r>
-              <a:rPr lang="en-US" sz="3000" dirty="0" err="1" smtClean="0">
-                <a:latin typeface="Consolas" panose="020B0609020204030204" pitchFamily="49" charset="0"/>
-                <a:cs typeface="Consolas" panose="020B0609020204030204" pitchFamily="49" charset="0"/>
-              </a:rPr>
-              <a:t>java.time.format</a:t>
-            </a:r>
-            <a:r>
-              <a:rPr lang="en-US" sz="3000" dirty="0" smtClean="0"/>
-              <a:t> - formatting and parsing</a:t>
+              <a:t>- formatting and parsing</a:t>
             </a:r>
           </a:p>
           <a:p>
@@ -11605,6 +11704,27 @@
             <a:r>
               <a:rPr lang="en-US" sz="3000" dirty="0" smtClean="0"/>
               <a:t>zones</a:t>
+            </a:r>
+          </a:p>
+          <a:p>
+            <a:r>
+              <a:rPr lang="en-US" sz="3000" dirty="0" err="1" smtClean="0">
+                <a:latin typeface="Consolas" panose="020B0609020204030204" pitchFamily="49" charset="0"/>
+                <a:cs typeface="Consolas" panose="020B0609020204030204" pitchFamily="49" charset="0"/>
+              </a:rPr>
+              <a:t>java.time.chrono</a:t>
+            </a:r>
+            <a:r>
+              <a:rPr lang="en-US" sz="3000" dirty="0" smtClean="0"/>
+              <a:t> </a:t>
+            </a:r>
+            <a:r>
+              <a:rPr lang="en-US" sz="3000" dirty="0"/>
+              <a:t>- calendar systems other than </a:t>
+            </a:r>
+            <a:r>
+              <a:rPr lang="en-US" sz="3000" dirty="0" smtClean="0"/>
+              <a:t>ISO-8601</a:t>
             </a:r>
             <a:endParaRPr lang="en-US" sz="3000" dirty="0"/>
           </a:p>
@@ -11715,7 +11835,11 @@
             <a:pPr lvl="1"/>
             <a:r>
               <a:rPr lang="en-US" sz="2000" dirty="0"/>
-              <a:t>ISO 8601 date representation without </a:t>
+              <a:t>ISO 8601 date </a:t>
+            </a:r>
+            <a:r>
+              <a:rPr lang="en-US" sz="2000" dirty="0" smtClean="0"/>
+              <a:t>without </a:t>
             </a:r>
             <a:r>
               <a:rPr lang="en-US" sz="2000" dirty="0" smtClean="0"/>
@@ -11730,7 +11854,23 @@
             <a:pPr lvl="1"/>
             <a:r>
               <a:rPr lang="en-US" sz="2000" dirty="0"/>
-              <a:t>corresponds to the SQL DATE </a:t>
+              <a:t>C</a:t>
+            </a:r>
+            <a:r>
+              <a:rPr lang="en-US" sz="2000" dirty="0" smtClean="0"/>
+              <a:t>orresponds </a:t>
+            </a:r>
+            <a:r>
+              <a:rPr lang="en-US" sz="2000" dirty="0"/>
+              <a:t>to </a:t>
+            </a:r>
+            <a:r>
+              <a:rPr lang="en-US" sz="2000" dirty="0" smtClean="0"/>
+              <a:t>SQL </a:t>
+            </a:r>
+            <a:r>
+              <a:rPr lang="en-US" sz="2000" dirty="0"/>
+              <a:t>DATE </a:t>
             </a:r>
             <a:r>
               <a:rPr lang="en-US" sz="2000" dirty="0" smtClean="0"/>
@@ -11740,8 +11880,12 @@
           <a:p>
             <a:pPr lvl="1"/>
             <a:r>
+              <a:rPr lang="en-US" sz="2000" dirty="0"/>
+              <a:t>E</a:t>
+            </a:r>
+            <a:r>
               <a:rPr lang="en-US" sz="2000" dirty="0" smtClean="0"/>
-              <a:t>example - </a:t>
+              <a:t>xample: </a:t>
             </a:r>
             <a:r>
               <a:rPr lang="en-US" sz="2000" dirty="0"/>
@@ -11770,7 +11914,11 @@
             <a:pPr lvl="1"/>
             <a:r>
               <a:rPr lang="en-US" sz="2000" dirty="0"/>
-              <a:t>ISO 8601 time representation without </a:t>
+              <a:t>ISO 8601 time </a:t>
+            </a:r>
+            <a:r>
+              <a:rPr lang="en-US" sz="2000" dirty="0" smtClean="0"/>
+              <a:t>without </a:t>
             </a:r>
             <a:r>
               <a:rPr lang="en-US" sz="2000" dirty="0" smtClean="0"/>
@@ -11785,7 +11933,23 @@
             <a:pPr lvl="1"/>
             <a:r>
               <a:rPr lang="en-US" sz="2000" dirty="0"/>
-              <a:t>corresponds to the SQL TIME </a:t>
+              <a:t>C</a:t>
+            </a:r>
+            <a:r>
+              <a:rPr lang="en-US" sz="2000" dirty="0" smtClean="0"/>
+              <a:t>orresponds </a:t>
+            </a:r>
+            <a:r>
+              <a:rPr lang="en-US" sz="2000" dirty="0"/>
+              <a:t>to </a:t>
+            </a:r>
+            <a:r>
+              <a:rPr lang="en-US" sz="2000" dirty="0" smtClean="0"/>
+              <a:t>SQL </a:t>
+            </a:r>
+            <a:r>
+              <a:rPr lang="en-US" sz="2000" dirty="0"/>
+              <a:t>TIME </a:t>
             </a:r>
             <a:r>
               <a:rPr lang="en-US" sz="2000" dirty="0" smtClean="0"/>
@@ -11795,12 +11959,24 @@
           <a:p>
             <a:pPr lvl="1"/>
             <a:r>
+              <a:rPr lang="en-US" sz="2000" dirty="0"/>
+              <a:t>E</a:t>
+            </a:r>
+            <a:r>
               <a:rPr lang="en-US" sz="2000" dirty="0" smtClean="0"/>
-              <a:t>example</a:t>
+              <a:t>xample</a:t>
             </a:r>
             <a:r>
               <a:rPr lang="en-US" sz="2000" dirty="0"/>
-              <a:t>, the time that an alarm clock goes off</a:t>
+              <a:t>:</a:t>
+            </a:r>
+            <a:r>
+              <a:rPr lang="en-US" sz="2000" dirty="0" smtClean="0"/>
+              <a:t> </a:t>
+            </a:r>
+            <a:r>
+              <a:rPr lang="en-US" sz="2000" dirty="0"/>
+              <a:t>the time that an alarm clock goes off</a:t>
             </a:r>
           </a:p>
           <a:p>
@@ -11820,14 +11996,38 @@
             <a:pPr lvl="1"/>
             <a:r>
               <a:rPr lang="en-US" sz="2000" dirty="0"/>
-              <a:t>ISO 8601 date and time representation without time zone</a:t>
+              <a:t>ISO 8601 date and time </a:t>
+            </a:r>
+            <a:r>
+              <a:rPr lang="en-US" sz="2000" dirty="0" smtClean="0"/>
+              <a:t>without </a:t>
+            </a:r>
+            <a:r>
+              <a:rPr lang="en-US" sz="2000" dirty="0"/>
+              <a:t>time zone</a:t>
             </a:r>
           </a:p>
           <a:p>
             <a:pPr lvl="1"/>
             <a:r>
               <a:rPr lang="en-US" sz="2000" dirty="0"/>
-              <a:t>corresponds to the SQL TIMESTAMP </a:t>
+              <a:t>C</a:t>
+            </a:r>
+            <a:r>
+              <a:rPr lang="en-US" sz="2000" dirty="0" smtClean="0"/>
+              <a:t>orresponds </a:t>
+            </a:r>
+            <a:r>
+              <a:rPr lang="en-US" sz="2000" dirty="0"/>
+              <a:t>to </a:t>
+            </a:r>
+            <a:r>
+              <a:rPr lang="en-US" sz="2000" dirty="0" smtClean="0"/>
+              <a:t>SQL </a:t>
+            </a:r>
+            <a:r>
+              <a:rPr lang="en-US" sz="2000" dirty="0"/>
+              <a:t>TIMESTAMP </a:t>
             </a:r>
             <a:r>
               <a:rPr lang="en-US" sz="2000" dirty="0" smtClean="0"/>
@@ -15019,163 +15219,186 @@
           <a:lstStyle/>
           <a:p>
             <a:r>
-              <a:rPr lang="en-US" sz="2400" dirty="0">
+              <a:rPr lang="en-US" dirty="0">
                 <a:latin typeface="Consolas" panose="020B0609020204030204" pitchFamily="49" charset="0"/>
                 <a:cs typeface="Consolas" panose="020B0609020204030204" pitchFamily="49" charset="0"/>
               </a:rPr>
               <a:t>of</a:t>
             </a:r>
             <a:r>
-              <a:rPr lang="en-US" sz="2400" dirty="0"/>
+              <a:rPr lang="en-US" dirty="0"/>
               <a:t> - static </a:t>
             </a:r>
             <a:r>
-              <a:rPr lang="en-US" sz="2400" dirty="0" smtClean="0"/>
+              <a:rPr lang="en-US" dirty="0" smtClean="0"/>
               <a:t>factory, validates </a:t>
             </a:r>
             <a:r>
-              <a:rPr lang="en-US" sz="2400" dirty="0"/>
-              <a:t>input </a:t>
-            </a:r>
-            <a:r>
-              <a:rPr lang="en-US" sz="2400" dirty="0" smtClean="0"/>
-              <a:t>parameters</a:t>
-            </a:r>
-            <a:endParaRPr lang="en-US" sz="2400" dirty="0"/>
-          </a:p>
-          <a:p>
-            <a:r>
-              <a:rPr lang="en-US" sz="2400" dirty="0">
+              <a:rPr lang="en-US" dirty="0" smtClean="0"/>
+              <a:t>input</a:t>
+            </a:r>
+            <a:endParaRPr lang="en-US" dirty="0"/>
+          </a:p>
+          <a:p>
+            <a:r>
+              <a:rPr lang="en-US" dirty="0">
                 <a:latin typeface="Consolas" panose="020B0609020204030204" pitchFamily="49" charset="0"/>
                 <a:cs typeface="Consolas" panose="020B0609020204030204" pitchFamily="49" charset="0"/>
               </a:rPr>
               <a:t>from</a:t>
             </a:r>
             <a:r>
-              <a:rPr lang="en-US" sz="2400" dirty="0"/>
-              <a:t> - static </a:t>
-            </a:r>
-            <a:r>
-              <a:rPr lang="en-US" sz="2400" dirty="0" smtClean="0"/>
-              <a:t>factory, converts </a:t>
-            </a:r>
-            <a:r>
-              <a:rPr lang="en-US" sz="2400" dirty="0"/>
-              <a:t>to an instance of a target class</a:t>
-            </a:r>
-          </a:p>
-          <a:p>
-            <a:r>
-              <a:rPr lang="en-US" sz="2400" dirty="0" smtClean="0">
+              <a:rPr lang="en-US" dirty="0"/>
+              <a:t> - </a:t>
+            </a:r>
+            <a:r>
+              <a:rPr lang="en-US" dirty="0" smtClean="0"/>
+              <a:t>static factory, </a:t>
+            </a:r>
+            <a:r>
+              <a:rPr lang="en-US" dirty="0" smtClean="0"/>
+              <a:t>converts </a:t>
+            </a:r>
+            <a:r>
+              <a:rPr lang="en-US" dirty="0"/>
+              <a:t>to </a:t>
+            </a:r>
+            <a:r>
+              <a:rPr lang="en-US" dirty="0" smtClean="0"/>
+              <a:t>instance of </a:t>
+            </a:r>
+            <a:r>
+              <a:rPr lang="en-US" dirty="0"/>
+              <a:t>target class</a:t>
+            </a:r>
+          </a:p>
+          <a:p>
+            <a:r>
+              <a:rPr lang="en-US" dirty="0" smtClean="0">
                 <a:latin typeface="Consolas" panose="020B0609020204030204" pitchFamily="49" charset="0"/>
                 <a:cs typeface="Consolas" panose="020B0609020204030204" pitchFamily="49" charset="0"/>
               </a:rPr>
               <a:t>get</a:t>
             </a:r>
             <a:r>
-              <a:rPr lang="en-US" sz="2400" dirty="0"/>
+              <a:rPr lang="en-US" dirty="0"/>
               <a:t> - </a:t>
             </a:r>
             <a:r>
-              <a:rPr lang="en-US" sz="2400" dirty="0" smtClean="0"/>
+              <a:rPr lang="en-US" dirty="0" smtClean="0"/>
               <a:t>returns </a:t>
             </a:r>
             <a:r>
-              <a:rPr lang="en-US" sz="2400" dirty="0"/>
+              <a:rPr lang="en-US" dirty="0"/>
               <a:t>part of the state </a:t>
             </a:r>
-            <a:endParaRPr lang="en-US" sz="2400" dirty="0" smtClean="0"/>
-          </a:p>
-          <a:p>
-            <a:r>
-              <a:rPr lang="en-US" sz="2400" dirty="0" smtClean="0">
+            <a:endParaRPr lang="en-US" dirty="0" smtClean="0"/>
+          </a:p>
+          <a:p>
+            <a:r>
+              <a:rPr lang="en-US" dirty="0" smtClean="0">
                 <a:latin typeface="Consolas" panose="020B0609020204030204" pitchFamily="49" charset="0"/>
                 <a:cs typeface="Consolas" panose="020B0609020204030204" pitchFamily="49" charset="0"/>
               </a:rPr>
               <a:t>is</a:t>
             </a:r>
             <a:r>
-              <a:rPr lang="en-US" sz="2400" dirty="0"/>
+              <a:rPr lang="en-US" dirty="0"/>
               <a:t> - </a:t>
             </a:r>
             <a:r>
-              <a:rPr lang="en-US" sz="2400" dirty="0" smtClean="0"/>
+              <a:rPr lang="en-US" dirty="0" smtClean="0"/>
               <a:t>queries </a:t>
             </a:r>
             <a:r>
-              <a:rPr lang="en-US" sz="2400" dirty="0"/>
+              <a:rPr lang="en-US" dirty="0"/>
               <a:t>the state </a:t>
             </a:r>
-            <a:endParaRPr lang="en-US" sz="2400" dirty="0" smtClean="0"/>
-          </a:p>
-          <a:p>
-            <a:r>
-              <a:rPr lang="en-US" sz="2400" dirty="0" smtClean="0">
+            <a:endParaRPr lang="en-US" dirty="0" smtClean="0"/>
+          </a:p>
+          <a:p>
+            <a:r>
+              <a:rPr lang="en-US" dirty="0" smtClean="0">
                 <a:latin typeface="Consolas" panose="020B0609020204030204" pitchFamily="49" charset="0"/>
                 <a:cs typeface="Consolas" panose="020B0609020204030204" pitchFamily="49" charset="0"/>
               </a:rPr>
               <a:t>with</a:t>
             </a:r>
             <a:r>
-              <a:rPr lang="en-US" sz="2400" dirty="0"/>
-              <a:t> - r</a:t>
-            </a:r>
-            <a:r>
-              <a:rPr lang="en-US" sz="2400" dirty="0" smtClean="0"/>
-              <a:t>eturns immutable </a:t>
-            </a:r>
-            <a:r>
-              <a:rPr lang="en-US" sz="2400" dirty="0"/>
+              <a:rPr lang="en-US" dirty="0"/>
+              <a:t> - </a:t>
+            </a:r>
+            <a:r>
+              <a:rPr lang="en-US" dirty="0" smtClean="0"/>
+              <a:t>immutable </a:t>
+            </a:r>
+            <a:r>
+              <a:rPr lang="en-US" dirty="0"/>
               <a:t>copy </a:t>
             </a:r>
             <a:r>
-              <a:rPr lang="en-US" sz="2400" dirty="0" smtClean="0"/>
+              <a:rPr lang="en-US" dirty="0" smtClean="0"/>
               <a:t>with elements changed</a:t>
             </a:r>
-            <a:endParaRPr lang="en-US" sz="2400" dirty="0"/>
-          </a:p>
-          <a:p>
-            <a:r>
-              <a:rPr lang="en-US" sz="2400" dirty="0" smtClean="0">
+            <a:endParaRPr lang="en-US" dirty="0"/>
+          </a:p>
+          <a:p>
+            <a:r>
+              <a:rPr lang="en-US" dirty="0" smtClean="0">
                 <a:latin typeface="Consolas" panose="020B0609020204030204" pitchFamily="49" charset="0"/>
                 <a:cs typeface="Consolas" panose="020B0609020204030204" pitchFamily="49" charset="0"/>
               </a:rPr>
               <a:t>to</a:t>
             </a:r>
             <a:r>
-              <a:rPr lang="en-US" sz="2400" dirty="0"/>
+              <a:rPr lang="en-US" dirty="0"/>
               <a:t> - </a:t>
             </a:r>
             <a:r>
-              <a:rPr lang="en-US" sz="2400" dirty="0" smtClean="0"/>
+              <a:rPr lang="en-US" dirty="0" smtClean="0"/>
               <a:t>converts </a:t>
             </a:r>
             <a:r>
-              <a:rPr lang="en-US" sz="2400" dirty="0"/>
-              <a:t>this object to another object </a:t>
-            </a:r>
-            <a:r>
-              <a:rPr lang="en-US" sz="2400" dirty="0" smtClean="0"/>
+              <a:rPr lang="en-US" dirty="0" smtClean="0"/>
+              <a:t>to </a:t>
+            </a:r>
+            <a:r>
+              <a:rPr lang="en-US" dirty="0"/>
+              <a:t>another object </a:t>
+            </a:r>
+            <a:r>
+              <a:rPr lang="en-US" dirty="0" smtClean="0"/>
               <a:t>type</a:t>
             </a:r>
           </a:p>
           <a:p>
             <a:r>
-              <a:rPr lang="en-US" sz="2400" dirty="0">
-                <a:latin typeface="Consolas" panose="020B0609020204030204" pitchFamily="49" charset="0"/>
-                <a:cs typeface="Consolas" panose="020B0609020204030204" pitchFamily="49" charset="0"/>
-              </a:rPr>
-              <a:t>plus, minus </a:t>
-            </a:r>
-            <a:r>
-              <a:rPr lang="en-US" sz="2400" dirty="0"/>
-              <a:t> - returns immutable copy after time </a:t>
-            </a:r>
-            <a:r>
-              <a:rPr lang="en-US" sz="2400" dirty="0" smtClean="0"/>
+              <a:rPr lang="en-US" dirty="0">
+                <a:latin typeface="Consolas" panose="020B0609020204030204" pitchFamily="49" charset="0"/>
+                <a:cs typeface="Consolas" panose="020B0609020204030204" pitchFamily="49" charset="0"/>
+              </a:rPr>
+              <a:t>plus, </a:t>
+            </a:r>
+            <a:r>
+              <a:rPr lang="en-US" dirty="0" smtClean="0">
+                <a:latin typeface="Consolas" panose="020B0609020204030204" pitchFamily="49" charset="0"/>
+                <a:cs typeface="Consolas" panose="020B0609020204030204" pitchFamily="49" charset="0"/>
+              </a:rPr>
+              <a:t>minus </a:t>
+            </a:r>
+            <a:r>
+              <a:rPr lang="en-US" dirty="0" smtClean="0"/>
+              <a:t>- immutable </a:t>
+            </a:r>
+            <a:r>
+              <a:rPr lang="en-US" dirty="0"/>
+              <a:t>copy after </a:t>
+            </a:r>
+            <a:r>
+              <a:rPr lang="en-US" dirty="0" smtClean="0"/>
               <a:t>operation</a:t>
             </a:r>
-            <a:endParaRPr lang="en-US" sz="2400" dirty="0"/>
+            <a:endParaRPr lang="en-US" dirty="0"/>
           </a:p>
         </p:txBody>
       </p:sp>
@@ -15405,8 +15628,8 @@
               <a:t>useful </a:t>
             </a:r>
             <a:r>
-              <a:rPr lang="en-US" dirty="0" err="1"/>
-              <a:t>enums</a:t>
+              <a:rPr lang="en-US" dirty="0" smtClean="0"/>
+              <a:t>constants</a:t>
             </a:r>
             <a:endParaRPr lang="en-US" dirty="0"/>
           </a:p>
@@ -15470,12 +15693,8 @@
           <a:lstStyle/>
           <a:p>
             <a:r>
-              <a:rPr lang="en-US" dirty="0" err="1" smtClean="0"/>
-              <a:t>Enums</a:t>
-            </a:r>
-            <a:r>
               <a:rPr lang="en-US" dirty="0" smtClean="0"/>
-              <a:t> for Everything</a:t>
+              <a:t>Staying Constant</a:t>
             </a:r>
             <a:endParaRPr lang="en-US" dirty="0"/>
           </a:p>
@@ -16015,7 +16234,7 @@
           <a:p>
             <a:r>
               <a:rPr lang="en-US" dirty="0" smtClean="0"/>
-              <a:t>Calendar</a:t>
+              <a:t>Back Story</a:t>
             </a:r>
             <a:endParaRPr lang="en-US" dirty="0"/>
           </a:p>
@@ -16484,7 +16703,7 @@
           <a:p>
             <a:r>
               <a:rPr lang="en-US" dirty="0" smtClean="0"/>
-              <a:t>Let’s Go Out on a Calendar</a:t>
+              <a:t>Calendar</a:t>
             </a:r>
             <a:endParaRPr lang="en-US" dirty="0"/>
           </a:p>
@@ -16686,14 +16905,14 @@
           <a:p>
             <a:pPr lvl="1"/>
             <a:r>
-              <a:rPr lang="en-US" dirty="0" smtClean="0"/>
+              <a:rPr lang="en-US" sz="2800" dirty="0" smtClean="0"/>
               <a:t>as a millisecond offset from the epoch </a:t>
             </a:r>
           </a:p>
           <a:p>
             <a:pPr lvl="1"/>
             <a:r>
-              <a:rPr lang="en-US" dirty="0" smtClean="0"/>
+              <a:rPr lang="en-US" sz="2800" dirty="0" smtClean="0"/>
               <a:t>as a set of fields</a:t>
             </a:r>
           </a:p>
@@ -17624,7 +17843,7 @@
         </p:spPr>
         <p:txBody>
           <a:bodyPr>
-            <a:normAutofit/>
+            <a:noAutofit/>
           </a:bodyPr>
           <a:lstStyle/>
           <a:p>
@@ -17632,7 +17851,7 @@
               <a:buNone/>
             </a:pPr>
             <a:r>
-              <a:rPr lang="en-US" sz="2800" dirty="0" smtClean="0">
+              <a:rPr lang="en-US" sz="3000" dirty="0" smtClean="0">
                 <a:cs typeface="Consolas" panose="020B0609020204030204" pitchFamily="49" charset="0"/>
               </a:rPr>
               <a:t>Several problems here:</a:t>
@@ -17644,7 +17863,7 @@
               <a:buAutoNum type="arabicPeriod"/>
             </a:pPr>
             <a:r>
-              <a:rPr lang="en-US" sz="2800" dirty="0" smtClean="0">
+              <a:rPr lang="en-US" sz="3000" dirty="0" smtClean="0">
                 <a:cs typeface="Consolas" panose="020B0609020204030204" pitchFamily="49" charset="0"/>
               </a:rPr>
               <a:t>Which 12 is for which date field?</a:t>
@@ -17656,38 +17875,11 @@
               <a:buAutoNum type="arabicPeriod"/>
             </a:pPr>
             <a:r>
-              <a:rPr lang="en-US" sz="2800" dirty="0" smtClean="0">
-                <a:cs typeface="Consolas" panose="020B0609020204030204" pitchFamily="49" charset="0"/>
-              </a:rPr>
-              <a:t>Month 12 </a:t>
-            </a:r>
-            <a:r>
-              <a:rPr lang="en-US" sz="2800" dirty="0">
-                <a:cs typeface="Consolas" panose="020B0609020204030204" pitchFamily="49" charset="0"/>
-              </a:rPr>
-              <a:t>should be December</a:t>
-            </a:r>
-            <a:r>
-              <a:rPr lang="en-US" sz="2800" dirty="0" smtClean="0">
-                <a:cs typeface="Consolas" panose="020B0609020204030204" pitchFamily="49" charset="0"/>
-              </a:rPr>
-              <a:t>, </a:t>
-            </a:r>
-            <a:r>
-              <a:rPr lang="en-US" sz="2800" dirty="0">
-                <a:cs typeface="Consolas" panose="020B0609020204030204" pitchFamily="49" charset="0"/>
-              </a:rPr>
-              <a:t>right? Wrong - </a:t>
-            </a:r>
-            <a:r>
-              <a:rPr lang="en-US" sz="2800" dirty="0" smtClean="0">
-                <a:cs typeface="Consolas" panose="020B0609020204030204" pitchFamily="49" charset="0"/>
-              </a:rPr>
-              <a:t>January.</a:t>
-            </a:r>
-            <a:endParaRPr lang="en-US" sz="2800" dirty="0">
-              <a:cs typeface="Consolas" panose="020B0609020204030204" pitchFamily="49" charset="0"/>
-            </a:endParaRPr>
+              <a:rPr lang="en-US" sz="3000" dirty="0">
+                <a:cs typeface="Consolas" panose="020B0609020204030204" pitchFamily="49" charset="0"/>
+              </a:rPr>
+              <a:t>Month 12 is December, right? No. January.</a:t>
+            </a:r>
           </a:p>
           <a:p>
             <a:pPr marL="514350" indent="-514350">
@@ -17695,11 +17887,14 @@
               <a:buAutoNum type="arabicPeriod"/>
             </a:pPr>
             <a:r>
-              <a:rPr lang="en-US" sz="2800" dirty="0" smtClean="0">
-                <a:cs typeface="Consolas" panose="020B0609020204030204" pitchFamily="49" charset="0"/>
-              </a:rPr>
-              <a:t>They got the year right! Well almost… 13 AD</a:t>
-            </a:r>
+              <a:rPr lang="en-US" sz="3000" dirty="0" smtClean="0">
+                <a:cs typeface="Consolas" panose="020B0609020204030204" pitchFamily="49" charset="0"/>
+              </a:rPr>
+              <a:t>They got the year right! Almost. 13 AD.</a:t>
+            </a:r>
+            <a:endParaRPr lang="en-US" sz="3000" dirty="0">
+              <a:cs typeface="Consolas" panose="020B0609020204030204" pitchFamily="49" charset="0"/>
+            </a:endParaRPr>
           </a:p>
           <a:p>
             <a:pPr marL="514350" indent="-514350">
@@ -17707,10 +17902,16 @@
               <a:buAutoNum type="arabicPeriod"/>
             </a:pPr>
             <a:r>
-              <a:rPr lang="en-US" sz="2800" dirty="0" smtClean="0">
-                <a:cs typeface="Consolas" panose="020B0609020204030204" pitchFamily="49" charset="0"/>
-              </a:rPr>
-              <a:t>Wait - there is a time in a calendar?</a:t>
+              <a:rPr lang="en-US" sz="3000" dirty="0" smtClean="0">
+                <a:cs typeface="Consolas" panose="020B0609020204030204" pitchFamily="49" charset="0"/>
+              </a:rPr>
+              <a:t>Wait </a:t>
+            </a:r>
+            <a:r>
+              <a:rPr lang="en-US" sz="3000" dirty="0" smtClean="0">
+                <a:cs typeface="Consolas" panose="020B0609020204030204" pitchFamily="49" charset="0"/>
+              </a:rPr>
+              <a:t>- there is a time in a calendar?</a:t>
             </a:r>
           </a:p>
           <a:p>
@@ -17719,12 +17920,30 @@
               <a:buAutoNum type="arabicPeriod"/>
             </a:pPr>
             <a:r>
-              <a:rPr lang="en-US" sz="2800" dirty="0" smtClean="0">
-                <a:cs typeface="Consolas" panose="020B0609020204030204" pitchFamily="49" charset="0"/>
-              </a:rPr>
-              <a:t>More than that, there is a time zone – EST.</a:t>
-            </a:r>
-            <a:endParaRPr lang="en-US" sz="2800" dirty="0">
+              <a:rPr lang="en-US" sz="3000" dirty="0" smtClean="0">
+                <a:cs typeface="Consolas" panose="020B0609020204030204" pitchFamily="49" charset="0"/>
+              </a:rPr>
+              <a:t>More than that, </a:t>
+            </a:r>
+            <a:r>
+              <a:rPr lang="en-US" sz="3000" dirty="0" smtClean="0">
+                <a:cs typeface="Consolas" panose="020B0609020204030204" pitchFamily="49" charset="0"/>
+              </a:rPr>
+              <a:t>there is a </a:t>
+            </a:r>
+            <a:r>
+              <a:rPr lang="en-US" sz="3000" dirty="0" smtClean="0">
+                <a:cs typeface="Consolas" panose="020B0609020204030204" pitchFamily="49" charset="0"/>
+              </a:rPr>
+              <a:t>time </a:t>
+            </a:r>
+            <a:r>
+              <a:rPr lang="en-US" sz="3000" dirty="0" smtClean="0">
+                <a:cs typeface="Consolas" panose="020B0609020204030204" pitchFamily="49" charset="0"/>
+              </a:rPr>
+              <a:t>zone.</a:t>
+            </a:r>
+            <a:endParaRPr lang="en-US" sz="3000" dirty="0">
               <a:cs typeface="Consolas" panose="020B0609020204030204" pitchFamily="49" charset="0"/>
             </a:endParaRPr>
           </a:p>
@@ -18183,7 +18402,7 @@
                                         <p:tgtEl>
                                           <p:spTgt spid="3">
                                             <p:txEl>
-                                              <p:pRg st="2" end="2"/>
+                                              <p:pRg st="4" end="4"/>
                                             </p:txEl>
                                           </p:spTgt>
                                         </p:tgtEl>
@@ -18201,7 +18420,7 @@
                                         <p:tgtEl>
                                           <p:spTgt spid="3">
                                             <p:txEl>
-                                              <p:pRg st="2" end="2"/>
+                                              <p:pRg st="4" end="4"/>
                                             </p:txEl>
                                           </p:spTgt>
                                         </p:tgtEl>
@@ -18228,7 +18447,7 @@
                                         <p:tgtEl>
                                           <p:spTgt spid="3">
                                             <p:txEl>
-                                              <p:pRg st="2" end="2"/>
+                                              <p:pRg st="4" end="4"/>
                                             </p:txEl>
                                           </p:spTgt>
                                         </p:tgtEl>
@@ -18286,7 +18505,7 @@
                                         <p:tgtEl>
                                           <p:spTgt spid="3">
                                             <p:txEl>
-                                              <p:pRg st="3" end="3"/>
+                                              <p:pRg st="2" end="2"/>
                                             </p:txEl>
                                           </p:spTgt>
                                         </p:tgtEl>
@@ -18304,7 +18523,7 @@
                                         <p:tgtEl>
                                           <p:spTgt spid="3">
                                             <p:txEl>
-                                              <p:pRg st="3" end="3"/>
+                                              <p:pRg st="2" end="2"/>
                                             </p:txEl>
                                           </p:spTgt>
                                         </p:tgtEl>
@@ -18331,7 +18550,7 @@
                                         <p:tgtEl>
                                           <p:spTgt spid="3">
                                             <p:txEl>
-                                              <p:pRg st="3" end="3"/>
+                                              <p:pRg st="2" end="2"/>
                                             </p:txEl>
                                           </p:spTgt>
                                         </p:tgtEl>
@@ -18389,7 +18608,7 @@
                                         <p:tgtEl>
                                           <p:spTgt spid="3">
                                             <p:txEl>
-                                              <p:pRg st="4" end="4"/>
+                                              <p:pRg st="3" end="3"/>
                                             </p:txEl>
                                           </p:spTgt>
                                         </p:tgtEl>
@@ -18407,7 +18626,7 @@
                                         <p:tgtEl>
                                           <p:spTgt spid="3">
                                             <p:txEl>
-                                              <p:pRg st="4" end="4"/>
+                                              <p:pRg st="3" end="3"/>
                                             </p:txEl>
                                           </p:spTgt>
                                         </p:tgtEl>
@@ -18434,7 +18653,7 @@
                                         <p:tgtEl>
                                           <p:spTgt spid="3">
                                             <p:txEl>
-                                              <p:pRg st="4" end="4"/>
+                                              <p:pRg st="3" end="3"/>
                                             </p:txEl>
                                           </p:spTgt>
                                         </p:tgtEl>
@@ -18943,7 +19162,7 @@
   <a:extraClrSchemeLst/>
   <a:extLst>
     <a:ext uri="{05A4C25C-085E-4340-85A3-A5531E510DB2}">
-      <thm15:themeFamily xmlns:thm15="http://schemas.microsoft.com/office/thememl/2012/main" xmlns="" name="Presentation level design" id="{00E2FDB5-77A3-416C-8232-A2B8AB0B9A01}" vid="{6E3E8A63-E899-4F92-AFE5-C80B3CCFC0BD}"/>
+      <thm15:themeFamily xmlns="" xmlns:thm15="http://schemas.microsoft.com/office/thememl/2012/main" name="Presentation level design" id="{00E2FDB5-77A3-416C-8232-A2B8AB0B9A01}" vid="{6E3E8A63-E899-4F92-AFE5-C80B3CCFC0BD}"/>
     </a:ext>
   </a:extLst>
 </a:theme>

--- a/Java 8 Date and Time API.pptx
+++ b/Java 8 Date and Time API.pptx
@@ -12,42 +12,41 @@
     <p:sldId id="259" r:id="rId6"/>
     <p:sldId id="262" r:id="rId7"/>
     <p:sldId id="261" r:id="rId8"/>
-    <p:sldId id="263" r:id="rId9"/>
-    <p:sldId id="264" r:id="rId10"/>
-    <p:sldId id="265" r:id="rId11"/>
-    <p:sldId id="268" r:id="rId12"/>
-    <p:sldId id="267" r:id="rId13"/>
-    <p:sldId id="279" r:id="rId14"/>
-    <p:sldId id="270" r:id="rId15"/>
-    <p:sldId id="271" r:id="rId16"/>
-    <p:sldId id="272" r:id="rId17"/>
-    <p:sldId id="273" r:id="rId18"/>
-    <p:sldId id="276" r:id="rId19"/>
-    <p:sldId id="274" r:id="rId20"/>
-    <p:sldId id="275" r:id="rId21"/>
-    <p:sldId id="294" r:id="rId22"/>
-    <p:sldId id="278" r:id="rId23"/>
-    <p:sldId id="277" r:id="rId24"/>
-    <p:sldId id="282" r:id="rId25"/>
-    <p:sldId id="281" r:id="rId26"/>
-    <p:sldId id="280" r:id="rId27"/>
-    <p:sldId id="298" r:id="rId28"/>
-    <p:sldId id="285" r:id="rId29"/>
-    <p:sldId id="296" r:id="rId30"/>
-    <p:sldId id="286" r:id="rId31"/>
-    <p:sldId id="289" r:id="rId32"/>
-    <p:sldId id="288" r:id="rId33"/>
-    <p:sldId id="283" r:id="rId34"/>
-    <p:sldId id="297" r:id="rId35"/>
-    <p:sldId id="299" r:id="rId36"/>
-    <p:sldId id="284" r:id="rId37"/>
-    <p:sldId id="287" r:id="rId38"/>
-    <p:sldId id="292" r:id="rId39"/>
-    <p:sldId id="293" r:id="rId40"/>
-    <p:sldId id="295" r:id="rId41"/>
-    <p:sldId id="290" r:id="rId42"/>
-    <p:sldId id="291" r:id="rId43"/>
-    <p:sldId id="269" r:id="rId44"/>
+    <p:sldId id="264" r:id="rId9"/>
+    <p:sldId id="265" r:id="rId10"/>
+    <p:sldId id="268" r:id="rId11"/>
+    <p:sldId id="267" r:id="rId12"/>
+    <p:sldId id="279" r:id="rId13"/>
+    <p:sldId id="270" r:id="rId14"/>
+    <p:sldId id="271" r:id="rId15"/>
+    <p:sldId id="272" r:id="rId16"/>
+    <p:sldId id="273" r:id="rId17"/>
+    <p:sldId id="276" r:id="rId18"/>
+    <p:sldId id="274" r:id="rId19"/>
+    <p:sldId id="275" r:id="rId20"/>
+    <p:sldId id="294" r:id="rId21"/>
+    <p:sldId id="278" r:id="rId22"/>
+    <p:sldId id="277" r:id="rId23"/>
+    <p:sldId id="282" r:id="rId24"/>
+    <p:sldId id="281" r:id="rId25"/>
+    <p:sldId id="280" r:id="rId26"/>
+    <p:sldId id="298" r:id="rId27"/>
+    <p:sldId id="285" r:id="rId28"/>
+    <p:sldId id="296" r:id="rId29"/>
+    <p:sldId id="286" r:id="rId30"/>
+    <p:sldId id="289" r:id="rId31"/>
+    <p:sldId id="288" r:id="rId32"/>
+    <p:sldId id="283" r:id="rId33"/>
+    <p:sldId id="297" r:id="rId34"/>
+    <p:sldId id="299" r:id="rId35"/>
+    <p:sldId id="284" r:id="rId36"/>
+    <p:sldId id="287" r:id="rId37"/>
+    <p:sldId id="292" r:id="rId38"/>
+    <p:sldId id="293" r:id="rId39"/>
+    <p:sldId id="295" r:id="rId40"/>
+    <p:sldId id="290" r:id="rId41"/>
+    <p:sldId id="291" r:id="rId42"/>
+    <p:sldId id="269" r:id="rId43"/>
   </p:sldIdLst>
   <p:sldSz cx="9144000" cy="6858000" type="screen4x3"/>
   <p:notesSz cx="6858000" cy="9144000"/>
@@ -158,7 +157,6 @@
             <p14:sldId id="259"/>
             <p14:sldId id="262"/>
             <p14:sldId id="261"/>
-            <p14:sldId id="263"/>
             <p14:sldId id="264"/>
             <p14:sldId id="265"/>
             <p14:sldId id="268"/>
@@ -565,7 +563,7 @@
           <a:p>
             <a:fld id="{9FC8350F-9398-41A4-A7C8-75E8E1FDC641}" type="datetimeFigureOut">
               <a:rPr lang="en-US" smtClean="0"/>
-              <a:t>4/2/2014</a:t>
+              <a:t>4/3/2014</a:t>
             </a:fld>
             <a:endParaRPr lang="en-US"/>
           </a:p>
@@ -811,7 +809,7 @@
           <a:p>
             <a:fld id="{4521DC5A-3FE3-4FD1-BF87-57592AFF8A1E}" type="datetimeFigureOut">
               <a:rPr lang="en-US" smtClean="0"/>
-              <a:t>4/2/2014</a:t>
+              <a:t>4/3/2014</a:t>
             </a:fld>
             <a:endParaRPr lang="en-US"/>
           </a:p>
@@ -1057,7 +1055,7 @@
           <a:p>
             <a:fld id="{4521DC5A-3FE3-4FD1-BF87-57592AFF8A1E}" type="datetimeFigureOut">
               <a:rPr lang="en-US" smtClean="0"/>
-              <a:t>4/2/2014</a:t>
+              <a:t>4/3/2014</a:t>
             </a:fld>
             <a:endParaRPr lang="en-US"/>
           </a:p>
@@ -1303,7 +1301,7 @@
           <a:p>
             <a:fld id="{4521DC5A-3FE3-4FD1-BF87-57592AFF8A1E}" type="datetimeFigureOut">
               <a:rPr lang="en-US" smtClean="0"/>
-              <a:t>4/2/2014</a:t>
+              <a:t>4/3/2014</a:t>
             </a:fld>
             <a:endParaRPr lang="en-US"/>
           </a:p>
@@ -1561,7 +1559,7 @@
           <a:p>
             <a:fld id="{4521DC5A-3FE3-4FD1-BF87-57592AFF8A1E}" type="datetimeFigureOut">
               <a:rPr lang="en-US" smtClean="0"/>
-              <a:t>4/2/2014</a:t>
+              <a:t>4/3/2014</a:t>
             </a:fld>
             <a:endParaRPr lang="en-US"/>
           </a:p>
@@ -1923,7 +1921,7 @@
           <a:p>
             <a:fld id="{4521DC5A-3FE3-4FD1-BF87-57592AFF8A1E}" type="datetimeFigureOut">
               <a:rPr lang="en-US" smtClean="0"/>
-              <a:t>4/2/2014</a:t>
+              <a:t>4/3/2014</a:t>
             </a:fld>
             <a:endParaRPr lang="en-US"/>
           </a:p>
@@ -2421,7 +2419,7 @@
           <a:p>
             <a:fld id="{4521DC5A-3FE3-4FD1-BF87-57592AFF8A1E}" type="datetimeFigureOut">
               <a:rPr lang="en-US" smtClean="0"/>
-              <a:t>4/2/2014</a:t>
+              <a:t>4/3/2014</a:t>
             </a:fld>
             <a:endParaRPr lang="en-US"/>
           </a:p>
@@ -2607,7 +2605,7 @@
           <a:p>
             <a:fld id="{4521DC5A-3FE3-4FD1-BF87-57592AFF8A1E}" type="datetimeFigureOut">
               <a:rPr lang="en-US" smtClean="0"/>
-              <a:t>4/2/2014</a:t>
+              <a:t>4/3/2014</a:t>
             </a:fld>
             <a:endParaRPr lang="en-US"/>
           </a:p>
@@ -2762,7 +2760,7 @@
           <a:p>
             <a:fld id="{4521DC5A-3FE3-4FD1-BF87-57592AFF8A1E}" type="datetimeFigureOut">
               <a:rPr lang="en-US" smtClean="0"/>
-              <a:t>4/2/2014</a:t>
+              <a:t>4/3/2014</a:t>
             </a:fld>
             <a:endParaRPr lang="en-US"/>
           </a:p>
@@ -3108,7 +3106,7 @@
           <a:p>
             <a:fld id="{4521DC5A-3FE3-4FD1-BF87-57592AFF8A1E}" type="datetimeFigureOut">
               <a:rPr lang="en-US" smtClean="0"/>
-              <a:t>4/2/2014</a:t>
+              <a:t>4/3/2014</a:t>
             </a:fld>
             <a:endParaRPr lang="en-US"/>
           </a:p>
@@ -3434,7 +3432,7 @@
           <a:p>
             <a:fld id="{4521DC5A-3FE3-4FD1-BF87-57592AFF8A1E}" type="datetimeFigureOut">
               <a:rPr lang="en-US" smtClean="0"/>
-              <a:t>4/2/2014</a:t>
+              <a:t>4/3/2014</a:t>
             </a:fld>
             <a:endParaRPr lang="en-US"/>
           </a:p>
@@ -4024,7 +4022,7 @@
           <a:p>
             <a:fld id="{4521DC5A-3FE3-4FD1-BF87-57592AFF8A1E}" type="datetimeFigureOut">
               <a:rPr lang="en-US" smtClean="0"/>
-              <a:t>4/2/2014</a:t>
+              <a:t>4/3/2014</a:t>
             </a:fld>
             <a:endParaRPr lang="en-US"/>
           </a:p>
@@ -5047,93 +5045,82 @@
             <p:ph idx="1"/>
           </p:nvPr>
         </p:nvSpPr>
-        <p:spPr>
-          <a:xfrm>
-            <a:off x="457200" y="2590802"/>
-            <a:ext cx="8229600" cy="3535363"/>
-          </a:xfrm>
-        </p:spPr>
+        <p:spPr/>
         <p:txBody>
           <a:bodyPr>
             <a:noAutofit/>
           </a:bodyPr>
           <a:lstStyle/>
           <a:p>
-            <a:pPr marL="0" indent="0">
-              <a:buNone/>
-            </a:pPr>
-            <a:r>
-              <a:rPr lang="en-US" dirty="0" smtClean="0">
-                <a:cs typeface="Consolas" panose="020B0609020204030204" pitchFamily="49" charset="0"/>
-              </a:rPr>
-              <a:t>Several problems here:</a:t>
-            </a:r>
-          </a:p>
-          <a:p>
-            <a:pPr marL="514350" indent="-514350">
-              <a:buFont typeface="+mj-lt"/>
-              <a:buAutoNum type="arabicPeriod"/>
-            </a:pPr>
-            <a:r>
-              <a:rPr lang="en-US" dirty="0" smtClean="0">
-                <a:cs typeface="Consolas" panose="020B0609020204030204" pitchFamily="49" charset="0"/>
-              </a:rPr>
-              <a:t>Which 12 is for which date field?</a:t>
-            </a:r>
-          </a:p>
-          <a:p>
-            <a:pPr marL="514350" indent="-514350">
-              <a:buFont typeface="+mj-lt"/>
-              <a:buAutoNum type="arabicPeriod"/>
-            </a:pPr>
-            <a:r>
-              <a:rPr lang="en-US" dirty="0">
-                <a:cs typeface="Consolas" panose="020B0609020204030204" pitchFamily="49" charset="0"/>
-              </a:rPr>
-              <a:t>Month 12 is December, right? No. January.</a:t>
-            </a:r>
-          </a:p>
-          <a:p>
-            <a:pPr marL="514350" indent="-514350">
-              <a:buFont typeface="+mj-lt"/>
-              <a:buAutoNum type="arabicPeriod"/>
-            </a:pPr>
-            <a:r>
-              <a:rPr lang="en-US" dirty="0" smtClean="0">
-                <a:cs typeface="Consolas" panose="020B0609020204030204" pitchFamily="49" charset="0"/>
-              </a:rPr>
-              <a:t>They got the year right! Almost. 13 AD.</a:t>
-            </a:r>
-            <a:endParaRPr lang="en-US" dirty="0">
-              <a:cs typeface="Consolas" panose="020B0609020204030204" pitchFamily="49" charset="0"/>
-            </a:endParaRPr>
-          </a:p>
-          <a:p>
-            <a:pPr marL="514350" indent="-514350">
-              <a:buFont typeface="+mj-lt"/>
-              <a:buAutoNum type="arabicPeriod"/>
-            </a:pPr>
-            <a:r>
-              <a:rPr lang="en-US" dirty="0" smtClean="0">
-                <a:cs typeface="Consolas" panose="020B0609020204030204" pitchFamily="49" charset="0"/>
-              </a:rPr>
-              <a:t>Wait - there is a time in a calendar?</a:t>
-            </a:r>
-          </a:p>
-          <a:p>
-            <a:pPr marL="514350" indent="-514350">
-              <a:buFont typeface="+mj-lt"/>
-              <a:buAutoNum type="arabicPeriod"/>
-            </a:pPr>
-            <a:r>
-              <a:rPr lang="en-US" dirty="0" smtClean="0">
-                <a:cs typeface="Consolas" panose="020B0609020204030204" pitchFamily="49" charset="0"/>
-              </a:rPr>
-              <a:t>More than that, there is a time zone.</a:t>
-            </a:r>
-            <a:endParaRPr lang="en-US" dirty="0">
-              <a:cs typeface="Consolas" panose="020B0609020204030204" pitchFamily="49" charset="0"/>
-            </a:endParaRPr>
+            <a:r>
+              <a:rPr lang="en-US" dirty="0" smtClean="0"/>
+              <a:t>2002 - Stephen </a:t>
+            </a:r>
+            <a:r>
+              <a:rPr lang="en-US" dirty="0" err="1"/>
+              <a:t>Colebourne</a:t>
+            </a:r>
+            <a:r>
+              <a:rPr lang="en-US" dirty="0"/>
+              <a:t> </a:t>
+            </a:r>
+            <a:r>
+              <a:rPr lang="en-US" dirty="0" smtClean="0"/>
+              <a:t>starts open source </a:t>
+            </a:r>
+            <a:r>
+              <a:rPr lang="en-US" dirty="0" err="1" smtClean="0"/>
+              <a:t>Joda</a:t>
+            </a:r>
+            <a:r>
+              <a:rPr lang="en-US" dirty="0" smtClean="0"/>
+              <a:t>-Time project </a:t>
+            </a:r>
+          </a:p>
+          <a:p>
+            <a:r>
+              <a:rPr lang="en-US" dirty="0" smtClean="0"/>
+              <a:t>2005 - Release of </a:t>
+            </a:r>
+            <a:r>
+              <a:rPr lang="en-US" dirty="0" err="1" smtClean="0"/>
+              <a:t>Joda</a:t>
+            </a:r>
+            <a:r>
+              <a:rPr lang="en-US" dirty="0" smtClean="0"/>
+              <a:t>-Time 1.0 </a:t>
+            </a:r>
+          </a:p>
+          <a:p>
+            <a:r>
+              <a:rPr lang="en-US" dirty="0" smtClean="0"/>
+              <a:t>2007 - JSR 310, for inclusion in Java</a:t>
+            </a:r>
+          </a:p>
+          <a:p>
+            <a:r>
+              <a:rPr lang="en-US" dirty="0" smtClean="0"/>
+              <a:t>2011 - Release </a:t>
+            </a:r>
+            <a:r>
+              <a:rPr lang="en-US" dirty="0"/>
+              <a:t>of </a:t>
+            </a:r>
+            <a:r>
+              <a:rPr lang="en-US" dirty="0" err="1" smtClean="0"/>
+              <a:t>Joda</a:t>
+            </a:r>
+            <a:r>
+              <a:rPr lang="en-US" dirty="0" smtClean="0"/>
+              <a:t>-Time 2.0 </a:t>
+            </a:r>
+          </a:p>
+          <a:p>
+            <a:r>
+              <a:rPr lang="en-US" dirty="0" smtClean="0"/>
+              <a:t>2014 - Finally, the date and time API is in Java 8</a:t>
+            </a:r>
+            <a:endParaRPr lang="en-US" dirty="0"/>
           </a:p>
         </p:txBody>
       </p:sp>
@@ -5154,7 +5141,196 @@
           <a:p>
             <a:r>
               <a:rPr lang="en-US" dirty="0" smtClean="0"/>
-              <a:t>Problems Getting a Date</a:t>
+              <a:t>Java 8 Date and Time API</a:t>
+            </a:r>
+            <a:endParaRPr lang="en-US" dirty="0"/>
+          </a:p>
+        </p:txBody>
+      </p:sp>
+    </p:spTree>
+    <p:extLst>
+      <p:ext uri="{BB962C8B-B14F-4D97-AF65-F5344CB8AC3E}">
+        <p14:creationId xmlns:p14="http://schemas.microsoft.com/office/powerpoint/2010/main" val="4221026556"/>
+      </p:ext>
+    </p:extLst>
+  </p:cSld>
+  <p:clrMapOvr>
+    <a:masterClrMapping/>
+  </p:clrMapOvr>
+  <mc:AlternateContent xmlns:mc="http://schemas.openxmlformats.org/markup-compatibility/2006" xmlns:p14="http://schemas.microsoft.com/office/powerpoint/2010/main">
+    <mc:Choice Requires="p14">
+      <p:transition spd="med" p14:dur="700">
+        <p:fade/>
+      </p:transition>
+    </mc:Choice>
+    <mc:Fallback xmlns="">
+      <p:transition spd="med">
+        <p:fade/>
+      </p:transition>
+    </mc:Fallback>
+  </mc:AlternateContent>
+  <p:timing>
+    <p:tnLst>
+      <p:par>
+        <p:cTn id="1" dur="indefinite" restart="never" nodeType="tmRoot"/>
+      </p:par>
+    </p:tnLst>
+  </p:timing>
+</p:sld>
+</file>
+
+<file path=ppt/slides/slide11.xml><?xml version="1.0" encoding="utf-8"?>
+<p:sld xmlns:a="http://schemas.openxmlformats.org/drawingml/2006/main" xmlns:r="http://schemas.openxmlformats.org/officeDocument/2006/relationships" xmlns:p="http://schemas.openxmlformats.org/presentationml/2006/main">
+  <p:cSld>
+    <p:spTree>
+      <p:nvGrpSpPr>
+        <p:cNvPr id="1" name=""/>
+        <p:cNvGrpSpPr/>
+        <p:nvPr/>
+      </p:nvGrpSpPr>
+      <p:grpSpPr>
+        <a:xfrm>
+          <a:off x="0" y="0"/>
+          <a:ext cx="0" cy="0"/>
+          <a:chOff x="0" y="0"/>
+          <a:chExt cx="0" cy="0"/>
+        </a:xfrm>
+      </p:grpSpPr>
+      <p:sp>
+        <p:nvSpPr>
+          <p:cNvPr id="3" name="Content Placeholder 2"/>
+          <p:cNvSpPr>
+            <a:spLocks noGrp="1"/>
+          </p:cNvSpPr>
+          <p:nvPr>
+            <p:ph idx="1"/>
+          </p:nvPr>
+        </p:nvSpPr>
+        <p:spPr>
+          <a:xfrm>
+            <a:off x="457200" y="2895600"/>
+            <a:ext cx="8229600" cy="3611563"/>
+          </a:xfrm>
+        </p:spPr>
+        <p:txBody>
+          <a:bodyPr>
+            <a:noAutofit/>
+          </a:bodyPr>
+          <a:lstStyle/>
+          <a:p>
+            <a:pPr marL="0" indent="0">
+              <a:buNone/>
+            </a:pPr>
+            <a:r>
+              <a:rPr lang="en-US" dirty="0" smtClean="0">
+                <a:cs typeface="Consolas" panose="020B0609020204030204" pitchFamily="49" charset="0"/>
+              </a:rPr>
+              <a:t>No problems:</a:t>
+            </a:r>
+          </a:p>
+          <a:p>
+            <a:pPr marL="514350" indent="-514350">
+              <a:buFont typeface="+mj-lt"/>
+              <a:buAutoNum type="arabicPeriod"/>
+            </a:pPr>
+            <a:r>
+              <a:rPr lang="en-US" dirty="0">
+                <a:cs typeface="Consolas" panose="020B0609020204030204" pitchFamily="49" charset="0"/>
+              </a:rPr>
+              <a:t>ISO 8601 order </a:t>
+            </a:r>
+            <a:r>
+              <a:rPr lang="en-US" dirty="0" smtClean="0">
+                <a:cs typeface="Consolas" panose="020B0609020204030204" pitchFamily="49" charset="0"/>
+              </a:rPr>
+              <a:t>of fields - </a:t>
+            </a:r>
+            <a:r>
+              <a:rPr lang="en-US" dirty="0">
+                <a:cs typeface="Consolas" panose="020B0609020204030204" pitchFamily="49" charset="0"/>
+              </a:rPr>
+              <a:t>year, month, </a:t>
+            </a:r>
+            <a:r>
+              <a:rPr lang="en-US" dirty="0" smtClean="0">
+                <a:cs typeface="Consolas" panose="020B0609020204030204" pitchFamily="49" charset="0"/>
+              </a:rPr>
+              <a:t>day.</a:t>
+            </a:r>
+          </a:p>
+          <a:p>
+            <a:pPr marL="514350" indent="-514350">
+              <a:buFont typeface="+mj-lt"/>
+              <a:buAutoNum type="arabicPeriod"/>
+            </a:pPr>
+            <a:r>
+              <a:rPr lang="en-US" dirty="0" smtClean="0">
+                <a:cs typeface="Consolas" panose="020B0609020204030204" pitchFamily="49" charset="0"/>
+              </a:rPr>
+              <a:t>Month 12 is December.</a:t>
+            </a:r>
+          </a:p>
+          <a:p>
+            <a:pPr marL="514350" indent="-514350">
+              <a:buFont typeface="+mj-lt"/>
+              <a:buAutoNum type="arabicPeriod"/>
+            </a:pPr>
+            <a:r>
+              <a:rPr lang="en-US" dirty="0" smtClean="0">
+                <a:cs typeface="Consolas" panose="020B0609020204030204" pitchFamily="49" charset="0"/>
+              </a:rPr>
+              <a:t>Year is 12 AD.</a:t>
+            </a:r>
+          </a:p>
+          <a:p>
+            <a:pPr marL="514350" indent="-514350">
+              <a:buFont typeface="+mj-lt"/>
+              <a:buAutoNum type="arabicPeriod"/>
+            </a:pPr>
+            <a:r>
+              <a:rPr lang="en-US" dirty="0" smtClean="0">
+                <a:cs typeface="Consolas" panose="020B0609020204030204" pitchFamily="49" charset="0"/>
+              </a:rPr>
+              <a:t>No time component.</a:t>
+            </a:r>
+          </a:p>
+          <a:p>
+            <a:pPr marL="514350" indent="-514350">
+              <a:buFont typeface="+mj-lt"/>
+              <a:buAutoNum type="arabicPeriod"/>
+            </a:pPr>
+            <a:r>
+              <a:rPr lang="en-US" dirty="0" smtClean="0">
+                <a:cs typeface="Consolas" panose="020B0609020204030204" pitchFamily="49" charset="0"/>
+              </a:rPr>
+              <a:t>No time zone.</a:t>
+            </a:r>
+            <a:endParaRPr lang="en-US" dirty="0">
+              <a:cs typeface="Consolas" panose="020B0609020204030204" pitchFamily="49" charset="0"/>
+            </a:endParaRPr>
+          </a:p>
+        </p:txBody>
+      </p:sp>
+      <p:sp>
+        <p:nvSpPr>
+          <p:cNvPr id="2" name="Title 1"/>
+          <p:cNvSpPr>
+            <a:spLocks noGrp="1"/>
+          </p:cNvSpPr>
+          <p:nvPr>
+            <p:ph type="title"/>
+          </p:nvPr>
+        </p:nvSpPr>
+        <p:spPr/>
+        <p:txBody>
+          <a:bodyPr>
+            <a:normAutofit/>
+          </a:bodyPr>
+          <a:lstStyle/>
+          <a:p>
+            <a:r>
+              <a:rPr lang="en-US" dirty="0" smtClean="0"/>
+              <a:t>No Problem Getting a Date</a:t>
             </a:r>
             <a:endParaRPr lang="en-US" dirty="0"/>
           </a:p>
@@ -5168,8 +5344,8 @@
         </p:nvSpPr>
         <p:spPr>
           <a:xfrm>
-            <a:off x="440871" y="1371600"/>
-            <a:ext cx="8169730" cy="1261884"/>
+            <a:off x="533400" y="1447800"/>
+            <a:ext cx="8153400" cy="1323439"/>
           </a:xfrm>
           <a:prstGeom prst="rect">
             <a:avLst/>
@@ -5188,7 +5364,7 @@
           <a:lstStyle/>
           <a:p>
             <a:r>
-              <a:rPr lang="en-US" sz="2800" dirty="0" err="1" smtClean="0">
+              <a:rPr lang="en-US" sz="2800" dirty="0" err="1">
                 <a:latin typeface="Consolas" panose="020B0609020204030204" pitchFamily="49" charset="0"/>
                 <a:cs typeface="Consolas" panose="020B0609020204030204" pitchFamily="49" charset="0"/>
               </a:rPr>
@@ -5201,66 +5377,40 @@
               </a:rPr>
               <a:t>(</a:t>
             </a:r>
-            <a:r>
-              <a:rPr lang="en-US" sz="2800" dirty="0" err="1" smtClean="0">
-                <a:latin typeface="Consolas" panose="020B0609020204030204" pitchFamily="49" charset="0"/>
-                <a:cs typeface="Consolas" panose="020B0609020204030204" pitchFamily="49" charset="0"/>
-              </a:rPr>
-              <a:t>dtFmt.format</a:t>
-            </a:r>
-            <a:r>
-              <a:rPr lang="en-US" sz="2800" dirty="0" smtClean="0">
-                <a:latin typeface="Consolas" panose="020B0609020204030204" pitchFamily="49" charset="0"/>
-                <a:cs typeface="Consolas" panose="020B0609020204030204" pitchFamily="49" charset="0"/>
-              </a:rPr>
-              <a:t>(</a:t>
+          </a:p>
+          <a:p>
+            <a:r>
+              <a:rPr lang="en-US" sz="2800" b="1" dirty="0" err="1" smtClean="0">
+                <a:latin typeface="Consolas" panose="020B0609020204030204" pitchFamily="49" charset="0"/>
+                <a:cs typeface="Consolas" panose="020B0609020204030204" pitchFamily="49" charset="0"/>
+              </a:rPr>
+              <a:t>LocalDate.of</a:t>
             </a:r>
             <a:r>
               <a:rPr lang="en-US" sz="2800" b="1" dirty="0" smtClean="0">
                 <a:latin typeface="Consolas" panose="020B0609020204030204" pitchFamily="49" charset="0"/>
                 <a:cs typeface="Consolas" panose="020B0609020204030204" pitchFamily="49" charset="0"/>
               </a:rPr>
-              <a:t>new </a:t>
-            </a:r>
-            <a:r>
-              <a:rPr lang="en-US" sz="2800" b="1" dirty="0" err="1">
-                <a:latin typeface="Consolas" panose="020B0609020204030204" pitchFamily="49" charset="0"/>
-                <a:cs typeface="Consolas" panose="020B0609020204030204" pitchFamily="49" charset="0"/>
-              </a:rPr>
-              <a:t>GregorianCalendar</a:t>
+              <a:t>(12</a:t>
             </a:r>
             <a:r>
               <a:rPr lang="en-US" sz="2800" b="1" dirty="0">
                 <a:latin typeface="Consolas" panose="020B0609020204030204" pitchFamily="49" charset="0"/>
                 <a:cs typeface="Consolas" panose="020B0609020204030204" pitchFamily="49" charset="0"/>
               </a:rPr>
-              <a:t>(12,12,12)</a:t>
+              <a:t>, 12, 12)</a:t>
             </a:r>
             <a:r>
               <a:rPr lang="en-US" sz="2800" dirty="0">
                 <a:latin typeface="Consolas" panose="020B0609020204030204" pitchFamily="49" charset="0"/>
                 <a:cs typeface="Consolas" panose="020B0609020204030204" pitchFamily="49" charset="0"/>
               </a:rPr>
-              <a:t>.</a:t>
-            </a:r>
-            <a:r>
-              <a:rPr lang="en-US" sz="2800" dirty="0" err="1">
-                <a:latin typeface="Consolas" panose="020B0609020204030204" pitchFamily="49" charset="0"/>
-                <a:cs typeface="Consolas" panose="020B0609020204030204" pitchFamily="49" charset="0"/>
-              </a:rPr>
-              <a:t>getTime</a:t>
-            </a:r>
-            <a:r>
-              <a:rPr lang="en-US" sz="2800" dirty="0">
-                <a:latin typeface="Consolas" panose="020B0609020204030204" pitchFamily="49" charset="0"/>
-                <a:cs typeface="Consolas" panose="020B0609020204030204" pitchFamily="49" charset="0"/>
-              </a:rPr>
-              <a:t>()));</a:t>
-            </a:r>
-          </a:p>
-          <a:p>
-            <a:r>
-              <a:rPr lang="en-US" sz="2000" dirty="0">
+              <a:t>);</a:t>
+            </a:r>
+          </a:p>
+          <a:p>
+            <a:r>
+              <a:rPr lang="en-US" sz="2400" dirty="0">
                 <a:solidFill>
                   <a:schemeClr val="accent6">
                     <a:lumMod val="75000"/>
@@ -5269,7 +5419,7 @@
                 <a:latin typeface="Consolas" panose="020B0609020204030204" pitchFamily="49" charset="0"/>
                 <a:cs typeface="Consolas" panose="020B0609020204030204" pitchFamily="49" charset="0"/>
               </a:rPr>
-              <a:t>// January 12, 0013 12:00:00 AM EST</a:t>
+              <a:t>// 0012-12-12</a:t>
             </a:r>
           </a:p>
         </p:txBody>
@@ -5277,7 +5427,7 @@
     </p:spTree>
     <p:extLst>
       <p:ext uri="{BB962C8B-B14F-4D97-AF65-F5344CB8AC3E}">
-        <p14:creationId xmlns:p14="http://schemas.microsoft.com/office/powerpoint/2010/main" val="3501960908"/>
+        <p14:creationId xmlns:p14="http://schemas.microsoft.com/office/powerpoint/2010/main" val="4230012414"/>
       </p:ext>
     </p:extLst>
   </p:cSld>
@@ -5308,6 +5458,9 @@
                     <p:cTn id="3" fill="hold">
                       <p:stCondLst>
                         <p:cond delay="indefinite"/>
+                        <p:cond evt="onBegin" delay="0">
+                          <p:tn val="2"/>
+                        </p:cond>
                       </p:stCondLst>
                       <p:childTnLst>
                         <p:par>
@@ -5317,66 +5470,14 @@
                             </p:stCondLst>
                             <p:childTnLst>
                               <p:par>
-                                <p:cTn id="5" presetID="10" presetClass="entr" presetSubtype="0" fill="hold" nodeType="clickEffect">
-                                  <p:stCondLst>
-                                    <p:cond delay="0"/>
-                                  </p:stCondLst>
-                                  <p:childTnLst>
-                                    <p:set>
-                                      <p:cBhvr>
-                                        <p:cTn id="6" dur="1" fill="hold">
-                                          <p:stCondLst>
-                                            <p:cond delay="0"/>
-                                          </p:stCondLst>
-                                        </p:cTn>
-                                        <p:tgtEl>
-                                          <p:spTgt spid="4">
-                                            <p:txEl>
-                                              <p:pRg st="1" end="1"/>
-                                            </p:txEl>
-                                          </p:spTgt>
-                                        </p:tgtEl>
-                                        <p:attrNameLst>
-                                          <p:attrName>style.visibility</p:attrName>
-                                        </p:attrNameLst>
-                                      </p:cBhvr>
-                                      <p:to>
-                                        <p:strVal val="visible"/>
-                                      </p:to>
-                                    </p:set>
-                                    <p:animEffect transition="in" filter="fade">
-                                      <p:cBhvr>
-                                        <p:cTn id="7" dur="500"/>
-                                        <p:tgtEl>
-                                          <p:spTgt spid="4">
-                                            <p:txEl>
-                                              <p:pRg st="1" end="1"/>
-                                            </p:txEl>
-                                          </p:spTgt>
-                                        </p:tgtEl>
-                                      </p:cBhvr>
-                                    </p:animEffect>
-                                  </p:childTnLst>
-                                </p:cTn>
-                              </p:par>
-                            </p:childTnLst>
-                          </p:cTn>
-                        </p:par>
-                        <p:par>
-                          <p:cTn id="8" fill="hold">
-                            <p:stCondLst>
-                              <p:cond delay="500"/>
-                            </p:stCondLst>
-                            <p:childTnLst>
-                              <p:par>
-                                <p:cTn id="9" presetID="2" presetClass="entr" presetSubtype="4" fill="hold" nodeType="afterEffect">
+                                <p:cTn id="5" presetID="2" presetClass="entr" presetSubtype="4" fill="hold" nodeType="afterEffect">
                                   <p:stCondLst>
                                     <p:cond delay="500"/>
                                   </p:stCondLst>
                                   <p:childTnLst>
                                     <p:set>
                                       <p:cBhvr>
-                                        <p:cTn id="10" dur="1" fill="hold">
+                                        <p:cTn id="6" dur="1" fill="hold">
                                           <p:stCondLst>
                                             <p:cond delay="0"/>
                                           </p:stCondLst>
@@ -5398,7 +5499,7 @@
                                     </p:set>
                                     <p:anim calcmode="lin" valueType="num">
                                       <p:cBhvr additive="base">
-                                        <p:cTn id="11" dur="500" fill="hold"/>
+                                        <p:cTn id="7" dur="500" fill="hold"/>
                                         <p:tgtEl>
                                           <p:spTgt spid="3">
                                             <p:txEl>
@@ -5425,7 +5526,7 @@
                                     </p:anim>
                                     <p:anim calcmode="lin" valueType="num">
                                       <p:cBhvr additive="base">
-                                        <p:cTn id="12" dur="500" fill="hold"/>
+                                        <p:cTn id="8" dur="500" fill="hold"/>
                                         <p:tgtEl>
                                           <p:spTgt spid="3">
                                             <p:txEl>
@@ -5460,26 +5561,87 @@
                     </p:cTn>
                   </p:par>
                   <p:par>
-                    <p:cTn id="13" fill="hold">
+                    <p:cTn id="9" fill="hold">
                       <p:stCondLst>
                         <p:cond delay="indefinite"/>
                       </p:stCondLst>
                       <p:childTnLst>
                         <p:par>
-                          <p:cTn id="14" fill="hold">
+                          <p:cTn id="10" fill="hold">
                             <p:stCondLst>
                               <p:cond delay="0"/>
                             </p:stCondLst>
                             <p:childTnLst>
                               <p:par>
-                                <p:cTn id="15" presetID="2" presetClass="entr" presetSubtype="4" fill="hold" nodeType="clickEffect">
+                                <p:cTn id="11" presetID="10" presetClass="entr" presetSubtype="0" fill="hold" nodeType="clickEffect">
                                   <p:stCondLst>
                                     <p:cond delay="0"/>
                                   </p:stCondLst>
                                   <p:childTnLst>
                                     <p:set>
                                       <p:cBhvr>
-                                        <p:cTn id="16" dur="1" fill="hold">
+                                        <p:cTn id="12" dur="1" fill="hold">
+                                          <p:stCondLst>
+                                            <p:cond delay="0"/>
+                                          </p:stCondLst>
+                                        </p:cTn>
+                                        <p:tgtEl>
+                                          <p:spTgt spid="4">
+                                            <p:txEl>
+                                              <p:pRg st="2" end="2"/>
+                                            </p:txEl>
+                                          </p:spTgt>
+                                        </p:tgtEl>
+                                        <p:attrNameLst>
+                                          <p:attrName>style.visibility</p:attrName>
+                                        </p:attrNameLst>
+                                      </p:cBhvr>
+                                      <p:to>
+                                        <p:strVal val="visible"/>
+                                      </p:to>
+                                    </p:set>
+                                    <p:animEffect transition="in" filter="fade">
+                                      <p:cBhvr>
+                                        <p:cTn id="13" dur="500"/>
+                                        <p:tgtEl>
+                                          <p:spTgt spid="4">
+                                            <p:txEl>
+                                              <p:pRg st="2" end="2"/>
+                                            </p:txEl>
+                                          </p:spTgt>
+                                        </p:tgtEl>
+                                      </p:cBhvr>
+                                    </p:animEffect>
+                                  </p:childTnLst>
+                                </p:cTn>
+                              </p:par>
+                            </p:childTnLst>
+                          </p:cTn>
+                        </p:par>
+                      </p:childTnLst>
+                    </p:cTn>
+                  </p:par>
+                  <p:par>
+                    <p:cTn id="14" fill="hold">
+                      <p:stCondLst>
+                        <p:cond delay="indefinite"/>
+                      </p:stCondLst>
+                      <p:childTnLst>
+                        <p:par>
+                          <p:cTn id="15" fill="hold">
+                            <p:stCondLst>
+                              <p:cond delay="0"/>
+                            </p:stCondLst>
+                            <p:childTnLst>
+                              <p:par>
+                                <p:cTn id="16" presetID="2" presetClass="entr" presetSubtype="4" fill="hold" nodeType="clickEffect">
+                                  <p:stCondLst>
+                                    <p:cond delay="0"/>
+                                  </p:stCondLst>
+                                  <p:childTnLst>
+                                    <p:set>
+                                      <p:cBhvr>
+                                        <p:cTn id="17" dur="1" fill="hold">
                                           <p:stCondLst>
                                             <p:cond delay="0"/>
                                           </p:stCondLst>
@@ -5501,7 +5663,7 @@
                                     </p:set>
                                     <p:anim calcmode="lin" valueType="num">
                                       <p:cBhvr additive="base">
-                                        <p:cTn id="17" dur="500" fill="hold"/>
+                                        <p:cTn id="18" dur="500" fill="hold"/>
                                         <p:tgtEl>
                                           <p:spTgt spid="3">
                                             <p:txEl>
@@ -5528,7 +5690,7 @@
                                     </p:anim>
                                     <p:anim calcmode="lin" valueType="num">
                                       <p:cBhvr additive="base">
-                                        <p:cTn id="18" dur="500" fill="hold"/>
+                                        <p:cTn id="19" dur="500" fill="hold"/>
                                         <p:tgtEl>
                                           <p:spTgt spid="3">
                                             <p:txEl>
@@ -5563,26 +5725,26 @@
                     </p:cTn>
                   </p:par>
                   <p:par>
-                    <p:cTn id="19" fill="hold">
+                    <p:cTn id="20" fill="hold">
                       <p:stCondLst>
                         <p:cond delay="indefinite"/>
                       </p:stCondLst>
                       <p:childTnLst>
                         <p:par>
-                          <p:cTn id="20" fill="hold">
+                          <p:cTn id="21" fill="hold">
                             <p:stCondLst>
                               <p:cond delay="0"/>
                             </p:stCondLst>
                             <p:childTnLst>
                               <p:par>
-                                <p:cTn id="21" presetID="2" presetClass="entr" presetSubtype="4" fill="hold" nodeType="clickEffect">
+                                <p:cTn id="22" presetID="2" presetClass="entr" presetSubtype="4" fill="hold" nodeType="clickEffect">
                                   <p:stCondLst>
                                     <p:cond delay="0"/>
                                   </p:stCondLst>
                                   <p:childTnLst>
                                     <p:set>
                                       <p:cBhvr>
-                                        <p:cTn id="22" dur="1" fill="hold">
+                                        <p:cTn id="23" dur="1" fill="hold">
                                           <p:stCondLst>
                                             <p:cond delay="0"/>
                                           </p:stCondLst>
@@ -5604,7 +5766,7 @@
                                     </p:set>
                                     <p:anim calcmode="lin" valueType="num">
                                       <p:cBhvr additive="base">
-                                        <p:cTn id="23" dur="500" fill="hold"/>
+                                        <p:cTn id="24" dur="500" fill="hold"/>
                                         <p:tgtEl>
                                           <p:spTgt spid="3">
                                             <p:txEl>
@@ -5631,7 +5793,7 @@
                                     </p:anim>
                                     <p:anim calcmode="lin" valueType="num">
                                       <p:cBhvr additive="base">
-                                        <p:cTn id="24" dur="500" fill="hold"/>
+                                        <p:cTn id="25" dur="500" fill="hold"/>
                                         <p:tgtEl>
                                           <p:spTgt spid="3">
                                             <p:txEl>
@@ -5666,26 +5828,26 @@
                     </p:cTn>
                   </p:par>
                   <p:par>
-                    <p:cTn id="25" fill="hold">
+                    <p:cTn id="26" fill="hold">
                       <p:stCondLst>
                         <p:cond delay="indefinite"/>
                       </p:stCondLst>
                       <p:childTnLst>
                         <p:par>
-                          <p:cTn id="26" fill="hold">
+                          <p:cTn id="27" fill="hold">
                             <p:stCondLst>
                               <p:cond delay="0"/>
                             </p:stCondLst>
                             <p:childTnLst>
                               <p:par>
-                                <p:cTn id="27" presetID="2" presetClass="entr" presetSubtype="4" fill="hold" nodeType="clickEffect">
+                                <p:cTn id="28" presetID="2" presetClass="entr" presetSubtype="4" fill="hold" nodeType="clickEffect">
                                   <p:stCondLst>
                                     <p:cond delay="0"/>
                                   </p:stCondLst>
                                   <p:childTnLst>
                                     <p:set>
                                       <p:cBhvr>
-                                        <p:cTn id="28" dur="1" fill="hold">
+                                        <p:cTn id="29" dur="1" fill="hold">
                                           <p:stCondLst>
                                             <p:cond delay="0"/>
                                           </p:stCondLst>
@@ -5707,7 +5869,7 @@
                                     </p:set>
                                     <p:anim calcmode="lin" valueType="num">
                                       <p:cBhvr additive="base">
-                                        <p:cTn id="29" dur="500" fill="hold"/>
+                                        <p:cTn id="30" dur="500" fill="hold"/>
                                         <p:tgtEl>
                                           <p:spTgt spid="3">
                                             <p:txEl>
@@ -5734,7 +5896,7 @@
                                     </p:anim>
                                     <p:anim calcmode="lin" valueType="num">
                                       <p:cBhvr additive="base">
-                                        <p:cTn id="30" dur="500" fill="hold"/>
+                                        <p:cTn id="31" dur="500" fill="hold"/>
                                         <p:tgtEl>
                                           <p:spTgt spid="3">
                                             <p:txEl>
@@ -5769,26 +5931,26 @@
                     </p:cTn>
                   </p:par>
                   <p:par>
-                    <p:cTn id="31" fill="hold">
+                    <p:cTn id="32" fill="hold">
                       <p:stCondLst>
                         <p:cond delay="indefinite"/>
                       </p:stCondLst>
                       <p:childTnLst>
                         <p:par>
-                          <p:cTn id="32" fill="hold">
+                          <p:cTn id="33" fill="hold">
                             <p:stCondLst>
                               <p:cond delay="0"/>
                             </p:stCondLst>
                             <p:childTnLst>
                               <p:par>
-                                <p:cTn id="33" presetID="2" presetClass="entr" presetSubtype="4" fill="hold" nodeType="clickEffect">
+                                <p:cTn id="34" presetID="2" presetClass="entr" presetSubtype="4" fill="hold" nodeType="clickEffect">
                                   <p:stCondLst>
                                     <p:cond delay="0"/>
                                   </p:stCondLst>
                                   <p:childTnLst>
                                     <p:set>
                                       <p:cBhvr>
-                                        <p:cTn id="34" dur="1" fill="hold">
+                                        <p:cTn id="35" dur="1" fill="hold">
                                           <p:stCondLst>
                                             <p:cond delay="0"/>
                                           </p:stCondLst>
@@ -5810,7 +5972,7 @@
                                     </p:set>
                                     <p:anim calcmode="lin" valueType="num">
                                       <p:cBhvr additive="base">
-                                        <p:cTn id="35" dur="500" fill="hold"/>
+                                        <p:cTn id="36" dur="500" fill="hold"/>
                                         <p:tgtEl>
                                           <p:spTgt spid="3">
                                             <p:txEl>
@@ -5837,7 +5999,7 @@
                                     </p:anim>
                                     <p:anim calcmode="lin" valueType="num">
                                       <p:cBhvr additive="base">
-                                        <p:cTn id="36" dur="500" fill="hold"/>
+                                        <p:cTn id="37" dur="500" fill="hold"/>
                                         <p:tgtEl>
                                           <p:spTgt spid="3">
                                             <p:txEl>
@@ -5872,26 +6034,26 @@
                     </p:cTn>
                   </p:par>
                   <p:par>
-                    <p:cTn id="37" fill="hold">
+                    <p:cTn id="38" fill="hold">
                       <p:stCondLst>
                         <p:cond delay="indefinite"/>
                       </p:stCondLst>
                       <p:childTnLst>
                         <p:par>
-                          <p:cTn id="38" fill="hold">
+                          <p:cTn id="39" fill="hold">
                             <p:stCondLst>
                               <p:cond delay="0"/>
                             </p:stCondLst>
                             <p:childTnLst>
                               <p:par>
-                                <p:cTn id="39" presetID="2" presetClass="entr" presetSubtype="4" fill="hold" nodeType="clickEffect">
+                                <p:cTn id="40" presetID="2" presetClass="entr" presetSubtype="4" fill="hold" nodeType="clickEffect">
                                   <p:stCondLst>
                                     <p:cond delay="0"/>
                                   </p:stCondLst>
                                   <p:childTnLst>
                                     <p:set>
                                       <p:cBhvr>
-                                        <p:cTn id="40" dur="1" fill="hold">
+                                        <p:cTn id="41" dur="1" fill="hold">
                                           <p:stCondLst>
                                             <p:cond delay="0"/>
                                           </p:stCondLst>
@@ -5913,7 +6075,7 @@
                                     </p:set>
                                     <p:anim calcmode="lin" valueType="num">
                                       <p:cBhvr additive="base">
-                                        <p:cTn id="41" dur="500" fill="hold"/>
+                                        <p:cTn id="42" dur="500" fill="hold"/>
                                         <p:tgtEl>
                                           <p:spTgt spid="3">
                                             <p:txEl>
@@ -5940,7 +6102,7 @@
                                     </p:anim>
                                     <p:anim calcmode="lin" valueType="num">
                                       <p:cBhvr additive="base">
-                                        <p:cTn id="42" dur="500" fill="hold"/>
+                                        <p:cTn id="43" dur="500" fill="hold"/>
                                         <p:tgtEl>
                                           <p:spTgt spid="3">
                                             <p:txEl>
@@ -5999,167 +6161,6 @@
 </p:sld>
 </file>
 
-<file path=ppt/slides/slide11.xml><?xml version="1.0" encoding="utf-8"?>
-<p:sld xmlns:a="http://schemas.openxmlformats.org/drawingml/2006/main" xmlns:r="http://schemas.openxmlformats.org/officeDocument/2006/relationships" xmlns:p="http://schemas.openxmlformats.org/presentationml/2006/main">
-  <p:cSld>
-    <p:spTree>
-      <p:nvGrpSpPr>
-        <p:cNvPr id="1" name=""/>
-        <p:cNvGrpSpPr/>
-        <p:nvPr/>
-      </p:nvGrpSpPr>
-      <p:grpSpPr>
-        <a:xfrm>
-          <a:off x="0" y="0"/>
-          <a:ext cx="0" cy="0"/>
-          <a:chOff x="0" y="0"/>
-          <a:chExt cx="0" cy="0"/>
-        </a:xfrm>
-      </p:grpSpPr>
-      <p:sp>
-        <p:nvSpPr>
-          <p:cNvPr id="3" name="Content Placeholder 2"/>
-          <p:cNvSpPr>
-            <a:spLocks noGrp="1"/>
-          </p:cNvSpPr>
-          <p:nvPr>
-            <p:ph idx="1"/>
-          </p:nvPr>
-        </p:nvSpPr>
-        <p:spPr/>
-        <p:txBody>
-          <a:bodyPr>
-            <a:noAutofit/>
-          </a:bodyPr>
-          <a:lstStyle/>
-          <a:p>
-            <a:r>
-              <a:rPr lang="en-US" dirty="0" smtClean="0"/>
-              <a:t>2002 - Stephen </a:t>
-            </a:r>
-            <a:r>
-              <a:rPr lang="en-US" dirty="0" err="1"/>
-              <a:t>Colebourne</a:t>
-            </a:r>
-            <a:r>
-              <a:rPr lang="en-US" dirty="0"/>
-              <a:t> </a:t>
-            </a:r>
-            <a:r>
-              <a:rPr lang="en-US" dirty="0" smtClean="0"/>
-              <a:t>starts open source </a:t>
-            </a:r>
-            <a:r>
-              <a:rPr lang="en-US" dirty="0" err="1" smtClean="0"/>
-              <a:t>Joda</a:t>
-            </a:r>
-            <a:r>
-              <a:rPr lang="en-US" dirty="0" smtClean="0"/>
-              <a:t>-Time project </a:t>
-            </a:r>
-          </a:p>
-          <a:p>
-            <a:r>
-              <a:rPr lang="en-US" dirty="0" smtClean="0"/>
-              <a:t>2005 - Release of </a:t>
-            </a:r>
-            <a:r>
-              <a:rPr lang="en-US" dirty="0" err="1" smtClean="0"/>
-              <a:t>Joda</a:t>
-            </a:r>
-            <a:r>
-              <a:rPr lang="en-US" dirty="0" smtClean="0"/>
-              <a:t>-Time 1.0 </a:t>
-            </a:r>
-          </a:p>
-          <a:p>
-            <a:r>
-              <a:rPr lang="en-US" dirty="0" smtClean="0"/>
-              <a:t>2007 - JSR 310, for inclusion in Java</a:t>
-            </a:r>
-          </a:p>
-          <a:p>
-            <a:r>
-              <a:rPr lang="en-US" dirty="0" smtClean="0"/>
-              <a:t>2011 - Release </a:t>
-            </a:r>
-            <a:r>
-              <a:rPr lang="en-US" dirty="0"/>
-              <a:t>of </a:t>
-            </a:r>
-            <a:r>
-              <a:rPr lang="en-US" dirty="0" err="1" smtClean="0"/>
-              <a:t>Joda</a:t>
-            </a:r>
-            <a:r>
-              <a:rPr lang="en-US" dirty="0" smtClean="0"/>
-              <a:t>-Time 2.0 </a:t>
-            </a:r>
-          </a:p>
-          <a:p>
-            <a:r>
-              <a:rPr lang="en-US" dirty="0" smtClean="0"/>
-              <a:t>2014 - Finally, the date and time API is in Java 8</a:t>
-            </a:r>
-            <a:endParaRPr lang="en-US" dirty="0"/>
-          </a:p>
-        </p:txBody>
-      </p:sp>
-      <p:sp>
-        <p:nvSpPr>
-          <p:cNvPr id="2" name="Title 1"/>
-          <p:cNvSpPr>
-            <a:spLocks noGrp="1"/>
-          </p:cNvSpPr>
-          <p:nvPr>
-            <p:ph type="title"/>
-          </p:nvPr>
-        </p:nvSpPr>
-        <p:spPr/>
-        <p:txBody>
-          <a:bodyPr/>
-          <a:lstStyle/>
-          <a:p>
-            <a:r>
-              <a:rPr lang="en-US" dirty="0" smtClean="0"/>
-              <a:t>Java 8 Date and Time API</a:t>
-            </a:r>
-            <a:endParaRPr lang="en-US" dirty="0"/>
-          </a:p>
-        </p:txBody>
-      </p:sp>
-    </p:spTree>
-    <p:extLst>
-      <p:ext uri="{BB962C8B-B14F-4D97-AF65-F5344CB8AC3E}">
-        <p14:creationId xmlns:p14="http://schemas.microsoft.com/office/powerpoint/2010/main" val="4221026556"/>
-      </p:ext>
-    </p:extLst>
-  </p:cSld>
-  <p:clrMapOvr>
-    <a:masterClrMapping/>
-  </p:clrMapOvr>
-  <mc:AlternateContent xmlns:mc="http://schemas.openxmlformats.org/markup-compatibility/2006" xmlns:p14="http://schemas.microsoft.com/office/powerpoint/2010/main">
-    <mc:Choice Requires="p14">
-      <p:transition spd="med" p14:dur="700">
-        <p:fade/>
-      </p:transition>
-    </mc:Choice>
-    <mc:Fallback xmlns="">
-      <p:transition spd="med">
-        <p:fade/>
-      </p:transition>
-    </mc:Fallback>
-  </mc:AlternateContent>
-  <p:timing>
-    <p:tnLst>
-      <p:par>
-        <p:cTn id="1" dur="indefinite" restart="never" nodeType="tmRoot"/>
-      </p:par>
-    </p:tnLst>
-  </p:timing>
-</p:sld>
-</file>
-
 <file path=ppt/slides/slide12.xml><?xml version="1.0" encoding="utf-8"?>
 <p:sld xmlns:a="http://schemas.openxmlformats.org/drawingml/2006/main" xmlns:r="http://schemas.openxmlformats.org/officeDocument/2006/relationships" xmlns:p="http://schemas.openxmlformats.org/presentationml/2006/main">
   <p:cSld>
@@ -6189,977 +6190,7 @@
         </p:nvSpPr>
         <p:spPr>
           <a:xfrm>
-            <a:off x="457200" y="2895600"/>
-            <a:ext cx="8229600" cy="3611563"/>
-          </a:xfrm>
-        </p:spPr>
-        <p:txBody>
-          <a:bodyPr>
-            <a:noAutofit/>
-          </a:bodyPr>
-          <a:lstStyle/>
-          <a:p>
-            <a:pPr marL="0" indent="0">
-              <a:buNone/>
-            </a:pPr>
-            <a:r>
-              <a:rPr lang="en-US" dirty="0" smtClean="0">
-                <a:cs typeface="Consolas" panose="020B0609020204030204" pitchFamily="49" charset="0"/>
-              </a:rPr>
-              <a:t>No problems:</a:t>
-            </a:r>
-          </a:p>
-          <a:p>
-            <a:pPr marL="514350" indent="-514350">
-              <a:buFont typeface="+mj-lt"/>
-              <a:buAutoNum type="arabicPeriod"/>
-            </a:pPr>
-            <a:r>
-              <a:rPr lang="en-US" dirty="0">
-                <a:cs typeface="Consolas" panose="020B0609020204030204" pitchFamily="49" charset="0"/>
-              </a:rPr>
-              <a:t>ISO 8601 order </a:t>
-            </a:r>
-            <a:r>
-              <a:rPr lang="en-US" dirty="0" smtClean="0">
-                <a:cs typeface="Consolas" panose="020B0609020204030204" pitchFamily="49" charset="0"/>
-              </a:rPr>
-              <a:t>of fields - </a:t>
-            </a:r>
-            <a:r>
-              <a:rPr lang="en-US" dirty="0">
-                <a:cs typeface="Consolas" panose="020B0609020204030204" pitchFamily="49" charset="0"/>
-              </a:rPr>
-              <a:t>year, month, </a:t>
-            </a:r>
-            <a:r>
-              <a:rPr lang="en-US" dirty="0" smtClean="0">
-                <a:cs typeface="Consolas" panose="020B0609020204030204" pitchFamily="49" charset="0"/>
-              </a:rPr>
-              <a:t>day.</a:t>
-            </a:r>
-          </a:p>
-          <a:p>
-            <a:pPr marL="514350" indent="-514350">
-              <a:buFont typeface="+mj-lt"/>
-              <a:buAutoNum type="arabicPeriod"/>
-            </a:pPr>
-            <a:r>
-              <a:rPr lang="en-US" dirty="0" smtClean="0">
-                <a:cs typeface="Consolas" panose="020B0609020204030204" pitchFamily="49" charset="0"/>
-              </a:rPr>
-              <a:t>Month 12 is December.</a:t>
-            </a:r>
-          </a:p>
-          <a:p>
-            <a:pPr marL="514350" indent="-514350">
-              <a:buFont typeface="+mj-lt"/>
-              <a:buAutoNum type="arabicPeriod"/>
-            </a:pPr>
-            <a:r>
-              <a:rPr lang="en-US" dirty="0" smtClean="0">
-                <a:cs typeface="Consolas" panose="020B0609020204030204" pitchFamily="49" charset="0"/>
-              </a:rPr>
-              <a:t>Year is 12 AD.</a:t>
-            </a:r>
-          </a:p>
-          <a:p>
-            <a:pPr marL="514350" indent="-514350">
-              <a:buFont typeface="+mj-lt"/>
-              <a:buAutoNum type="arabicPeriod"/>
-            </a:pPr>
-            <a:r>
-              <a:rPr lang="en-US" dirty="0" smtClean="0">
-                <a:cs typeface="Consolas" panose="020B0609020204030204" pitchFamily="49" charset="0"/>
-              </a:rPr>
-              <a:t>No time component.</a:t>
-            </a:r>
-          </a:p>
-          <a:p>
-            <a:pPr marL="514350" indent="-514350">
-              <a:buFont typeface="+mj-lt"/>
-              <a:buAutoNum type="arabicPeriod"/>
-            </a:pPr>
-            <a:r>
-              <a:rPr lang="en-US" dirty="0" smtClean="0">
-                <a:cs typeface="Consolas" panose="020B0609020204030204" pitchFamily="49" charset="0"/>
-              </a:rPr>
-              <a:t>No time zone.</a:t>
-            </a:r>
-            <a:endParaRPr lang="en-US" dirty="0">
-              <a:cs typeface="Consolas" panose="020B0609020204030204" pitchFamily="49" charset="0"/>
-            </a:endParaRPr>
-          </a:p>
-        </p:txBody>
-      </p:sp>
-      <p:sp>
-        <p:nvSpPr>
-          <p:cNvPr id="2" name="Title 1"/>
-          <p:cNvSpPr>
-            <a:spLocks noGrp="1"/>
-          </p:cNvSpPr>
-          <p:nvPr>
-            <p:ph type="title"/>
-          </p:nvPr>
-        </p:nvSpPr>
-        <p:spPr/>
-        <p:txBody>
-          <a:bodyPr>
-            <a:normAutofit/>
-          </a:bodyPr>
-          <a:lstStyle/>
-          <a:p>
-            <a:r>
-              <a:rPr lang="en-US" dirty="0" smtClean="0"/>
-              <a:t>No Problem Getting a Date</a:t>
-            </a:r>
-            <a:endParaRPr lang="en-US" dirty="0"/>
-          </a:p>
-        </p:txBody>
-      </p:sp>
-      <p:sp>
-        <p:nvSpPr>
-          <p:cNvPr id="4" name="Rectangle 3"/>
-          <p:cNvSpPr/>
-          <p:nvPr/>
-        </p:nvSpPr>
-        <p:spPr>
-          <a:xfrm>
-            <a:off x="457200" y="1447800"/>
-            <a:ext cx="8153400" cy="1323439"/>
-          </a:xfrm>
-          <a:prstGeom prst="rect">
-            <a:avLst/>
-          </a:prstGeom>
-          <a:solidFill>
-            <a:schemeClr val="accent1">
-              <a:lumMod val="20000"/>
-              <a:lumOff val="80000"/>
-            </a:schemeClr>
-          </a:solidFill>
-        </p:spPr>
-        <p:txBody>
-          <a:bodyPr wrap="square">
-            <a:spAutoFit/>
-          </a:bodyPr>
-          <a:lstStyle/>
-          <a:p>
-            <a:r>
-              <a:rPr lang="en-US" sz="2800" dirty="0" err="1">
-                <a:latin typeface="Consolas" panose="020B0609020204030204" pitchFamily="49" charset="0"/>
-                <a:cs typeface="Consolas" panose="020B0609020204030204" pitchFamily="49" charset="0"/>
-              </a:rPr>
-              <a:t>System.out.println</a:t>
-            </a:r>
-            <a:r>
-              <a:rPr lang="en-US" sz="2800" dirty="0" smtClean="0">
-                <a:latin typeface="Consolas" panose="020B0609020204030204" pitchFamily="49" charset="0"/>
-                <a:cs typeface="Consolas" panose="020B0609020204030204" pitchFamily="49" charset="0"/>
-              </a:rPr>
-              <a:t>(</a:t>
-            </a:r>
-          </a:p>
-          <a:p>
-            <a:r>
-              <a:rPr lang="en-US" sz="2800" b="1" dirty="0" err="1" smtClean="0">
-                <a:latin typeface="Consolas" panose="020B0609020204030204" pitchFamily="49" charset="0"/>
-                <a:cs typeface="Consolas" panose="020B0609020204030204" pitchFamily="49" charset="0"/>
-              </a:rPr>
-              <a:t>LocalDate.of</a:t>
-            </a:r>
-            <a:r>
-              <a:rPr lang="en-US" sz="2800" b="1" dirty="0" smtClean="0">
-                <a:latin typeface="Consolas" panose="020B0609020204030204" pitchFamily="49" charset="0"/>
-                <a:cs typeface="Consolas" panose="020B0609020204030204" pitchFamily="49" charset="0"/>
-              </a:rPr>
-              <a:t>(12</a:t>
-            </a:r>
-            <a:r>
-              <a:rPr lang="en-US" sz="2800" b="1" dirty="0">
-                <a:latin typeface="Consolas" panose="020B0609020204030204" pitchFamily="49" charset="0"/>
-                <a:cs typeface="Consolas" panose="020B0609020204030204" pitchFamily="49" charset="0"/>
-              </a:rPr>
-              <a:t>, 12, 12)</a:t>
-            </a:r>
-            <a:r>
-              <a:rPr lang="en-US" sz="2800" dirty="0">
-                <a:latin typeface="Consolas" panose="020B0609020204030204" pitchFamily="49" charset="0"/>
-                <a:cs typeface="Consolas" panose="020B0609020204030204" pitchFamily="49" charset="0"/>
-              </a:rPr>
-              <a:t>);</a:t>
-            </a:r>
-          </a:p>
-          <a:p>
-            <a:r>
-              <a:rPr lang="en-US" sz="2400" dirty="0">
-                <a:solidFill>
-                  <a:schemeClr val="accent6">
-                    <a:lumMod val="75000"/>
-                  </a:schemeClr>
-                </a:solidFill>
-                <a:latin typeface="Consolas" panose="020B0609020204030204" pitchFamily="49" charset="0"/>
-                <a:cs typeface="Consolas" panose="020B0609020204030204" pitchFamily="49" charset="0"/>
-              </a:rPr>
-              <a:t>// 0012-12-12</a:t>
-            </a:r>
-          </a:p>
-        </p:txBody>
-      </p:sp>
-    </p:spTree>
-    <p:extLst>
-      <p:ext uri="{BB962C8B-B14F-4D97-AF65-F5344CB8AC3E}">
-        <p14:creationId xmlns:p14="http://schemas.microsoft.com/office/powerpoint/2010/main" val="4230012414"/>
-      </p:ext>
-    </p:extLst>
-  </p:cSld>
-  <p:clrMapOvr>
-    <a:masterClrMapping/>
-  </p:clrMapOvr>
-  <mc:AlternateContent xmlns:mc="http://schemas.openxmlformats.org/markup-compatibility/2006" xmlns:p14="http://schemas.microsoft.com/office/powerpoint/2010/main">
-    <mc:Choice Requires="p14">
-      <p:transition spd="med" p14:dur="700">
-        <p:fade/>
-      </p:transition>
-    </mc:Choice>
-    <mc:Fallback xmlns="">
-      <p:transition spd="med">
-        <p:fade/>
-      </p:transition>
-    </mc:Fallback>
-  </mc:AlternateContent>
-  <p:timing>
-    <p:tnLst>
-      <p:par>
-        <p:cTn id="1" dur="indefinite" restart="never" nodeType="tmRoot">
-          <p:childTnLst>
-            <p:seq concurrent="1" nextAc="seek">
-              <p:cTn id="2" dur="indefinite" nodeType="mainSeq">
-                <p:childTnLst>
-                  <p:par>
-                    <p:cTn id="3" fill="hold">
-                      <p:stCondLst>
-                        <p:cond delay="indefinite"/>
-                      </p:stCondLst>
-                      <p:childTnLst>
-                        <p:par>
-                          <p:cTn id="4" fill="hold">
-                            <p:stCondLst>
-                              <p:cond delay="0"/>
-                            </p:stCondLst>
-                            <p:childTnLst>
-                              <p:par>
-                                <p:cTn id="5" presetID="10" presetClass="entr" presetSubtype="0" fill="hold" nodeType="clickEffect">
-                                  <p:stCondLst>
-                                    <p:cond delay="0"/>
-                                  </p:stCondLst>
-                                  <p:childTnLst>
-                                    <p:set>
-                                      <p:cBhvr>
-                                        <p:cTn id="6" dur="1" fill="hold">
-                                          <p:stCondLst>
-                                            <p:cond delay="0"/>
-                                          </p:stCondLst>
-                                        </p:cTn>
-                                        <p:tgtEl>
-                                          <p:spTgt spid="4">
-                                            <p:txEl>
-                                              <p:pRg st="2" end="2"/>
-                                            </p:txEl>
-                                          </p:spTgt>
-                                        </p:tgtEl>
-                                        <p:attrNameLst>
-                                          <p:attrName>style.visibility</p:attrName>
-                                        </p:attrNameLst>
-                                      </p:cBhvr>
-                                      <p:to>
-                                        <p:strVal val="visible"/>
-                                      </p:to>
-                                    </p:set>
-                                    <p:animEffect transition="in" filter="fade">
-                                      <p:cBhvr>
-                                        <p:cTn id="7" dur="500"/>
-                                        <p:tgtEl>
-                                          <p:spTgt spid="4">
-                                            <p:txEl>
-                                              <p:pRg st="2" end="2"/>
-                                            </p:txEl>
-                                          </p:spTgt>
-                                        </p:tgtEl>
-                                      </p:cBhvr>
-                                    </p:animEffect>
-                                  </p:childTnLst>
-                                </p:cTn>
-                              </p:par>
-                            </p:childTnLst>
-                          </p:cTn>
-                        </p:par>
-                        <p:par>
-                          <p:cTn id="8" fill="hold">
-                            <p:stCondLst>
-                              <p:cond delay="500"/>
-                            </p:stCondLst>
-                            <p:childTnLst>
-                              <p:par>
-                                <p:cTn id="9" presetID="2" presetClass="entr" presetSubtype="4" fill="hold" nodeType="afterEffect">
-                                  <p:stCondLst>
-                                    <p:cond delay="500"/>
-                                  </p:stCondLst>
-                                  <p:childTnLst>
-                                    <p:set>
-                                      <p:cBhvr>
-                                        <p:cTn id="10" dur="1" fill="hold">
-                                          <p:stCondLst>
-                                            <p:cond delay="0"/>
-                                          </p:stCondLst>
-                                        </p:cTn>
-                                        <p:tgtEl>
-                                          <p:spTgt spid="3">
-                                            <p:txEl>
-                                              <p:pRg st="0" end="0"/>
-                                            </p:txEl>
-                                          </p:spTgt>
-                                        </p:tgtEl>
-                                        <p:attrNameLst>
-                                          <p:attrName>style.visibility</p:attrName>
-                                        </p:attrNameLst>
-                                      </p:cBhvr>
-                                      <p:to>
-                                        <p:strVal val="visible"/>
-                                      </p:to>
-                                    </p:set>
-                                    <p:anim calcmode="lin" valueType="num">
-                                      <p:cBhvr additive="base">
-                                        <p:cTn id="11" dur="500" fill="hold"/>
-                                        <p:tgtEl>
-                                          <p:spTgt spid="3">
-                                            <p:txEl>
-                                              <p:pRg st="0" end="0"/>
-                                            </p:txEl>
-                                          </p:spTgt>
-                                        </p:tgtEl>
-                                        <p:attrNameLst>
-                                          <p:attrName>ppt_x</p:attrName>
-                                        </p:attrNameLst>
-                                      </p:cBhvr>
-                                      <p:tavLst>
-                                        <p:tav tm="0">
-                                          <p:val>
-                                            <p:strVal val="#ppt_x"/>
-                                          </p:val>
-                                        </p:tav>
-                                        <p:tav tm="100000">
-                                          <p:val>
-                                            <p:strVal val="#ppt_x"/>
-                                          </p:val>
-                                        </p:tav>
-                                      </p:tavLst>
-                                    </p:anim>
-                                    <p:anim calcmode="lin" valueType="num">
-                                      <p:cBhvr additive="base">
-                                        <p:cTn id="12" dur="500" fill="hold"/>
-                                        <p:tgtEl>
-                                          <p:spTgt spid="3">
-                                            <p:txEl>
-                                              <p:pRg st="0" end="0"/>
-                                            </p:txEl>
-                                          </p:spTgt>
-                                        </p:tgtEl>
-                                        <p:attrNameLst>
-                                          <p:attrName>ppt_y</p:attrName>
-                                        </p:attrNameLst>
-                                      </p:cBhvr>
-                                      <p:tavLst>
-                                        <p:tav tm="0">
-                                          <p:val>
-                                            <p:strVal val="1+#ppt_h/2"/>
-                                          </p:val>
-                                        </p:tav>
-                                        <p:tav tm="100000">
-                                          <p:val>
-                                            <p:strVal val="#ppt_y"/>
-                                          </p:val>
-                                        </p:tav>
-                                      </p:tavLst>
-                                    </p:anim>
-                                  </p:childTnLst>
-                                </p:cTn>
-                              </p:par>
-                            </p:childTnLst>
-                          </p:cTn>
-                        </p:par>
-                      </p:childTnLst>
-                    </p:cTn>
-                  </p:par>
-                  <p:par>
-                    <p:cTn id="13" fill="hold">
-                      <p:stCondLst>
-                        <p:cond delay="indefinite"/>
-                      </p:stCondLst>
-                      <p:childTnLst>
-                        <p:par>
-                          <p:cTn id="14" fill="hold">
-                            <p:stCondLst>
-                              <p:cond delay="0"/>
-                            </p:stCondLst>
-                            <p:childTnLst>
-                              <p:par>
-                                <p:cTn id="15" presetID="2" presetClass="entr" presetSubtype="4" fill="hold" nodeType="clickEffect">
-                                  <p:stCondLst>
-                                    <p:cond delay="0"/>
-                                  </p:stCondLst>
-                                  <p:childTnLst>
-                                    <p:set>
-                                      <p:cBhvr>
-                                        <p:cTn id="16" dur="1" fill="hold">
-                                          <p:stCondLst>
-                                            <p:cond delay="0"/>
-                                          </p:stCondLst>
-                                        </p:cTn>
-                                        <p:tgtEl>
-                                          <p:spTgt spid="3">
-                                            <p:txEl>
-                                              <p:pRg st="1" end="1"/>
-                                            </p:txEl>
-                                          </p:spTgt>
-                                        </p:tgtEl>
-                                        <p:attrNameLst>
-                                          <p:attrName>style.visibility</p:attrName>
-                                        </p:attrNameLst>
-                                      </p:cBhvr>
-                                      <p:to>
-                                        <p:strVal val="visible"/>
-                                      </p:to>
-                                    </p:set>
-                                    <p:anim calcmode="lin" valueType="num">
-                                      <p:cBhvr additive="base">
-                                        <p:cTn id="17" dur="500" fill="hold"/>
-                                        <p:tgtEl>
-                                          <p:spTgt spid="3">
-                                            <p:txEl>
-                                              <p:pRg st="1" end="1"/>
-                                            </p:txEl>
-                                          </p:spTgt>
-                                        </p:tgtEl>
-                                        <p:attrNameLst>
-                                          <p:attrName>ppt_x</p:attrName>
-                                        </p:attrNameLst>
-                                      </p:cBhvr>
-                                      <p:tavLst>
-                                        <p:tav tm="0">
-                                          <p:val>
-                                            <p:strVal val="#ppt_x"/>
-                                          </p:val>
-                                        </p:tav>
-                                        <p:tav tm="100000">
-                                          <p:val>
-                                            <p:strVal val="#ppt_x"/>
-                                          </p:val>
-                                        </p:tav>
-                                      </p:tavLst>
-                                    </p:anim>
-                                    <p:anim calcmode="lin" valueType="num">
-                                      <p:cBhvr additive="base">
-                                        <p:cTn id="18" dur="500" fill="hold"/>
-                                        <p:tgtEl>
-                                          <p:spTgt spid="3">
-                                            <p:txEl>
-                                              <p:pRg st="1" end="1"/>
-                                            </p:txEl>
-                                          </p:spTgt>
-                                        </p:tgtEl>
-                                        <p:attrNameLst>
-                                          <p:attrName>ppt_y</p:attrName>
-                                        </p:attrNameLst>
-                                      </p:cBhvr>
-                                      <p:tavLst>
-                                        <p:tav tm="0">
-                                          <p:val>
-                                            <p:strVal val="1+#ppt_h/2"/>
-                                          </p:val>
-                                        </p:tav>
-                                        <p:tav tm="100000">
-                                          <p:val>
-                                            <p:strVal val="#ppt_y"/>
-                                          </p:val>
-                                        </p:tav>
-                                      </p:tavLst>
-                                    </p:anim>
-                                  </p:childTnLst>
-                                </p:cTn>
-                              </p:par>
-                            </p:childTnLst>
-                          </p:cTn>
-                        </p:par>
-                      </p:childTnLst>
-                    </p:cTn>
-                  </p:par>
-                  <p:par>
-                    <p:cTn id="19" fill="hold">
-                      <p:stCondLst>
-                        <p:cond delay="indefinite"/>
-                      </p:stCondLst>
-                      <p:childTnLst>
-                        <p:par>
-                          <p:cTn id="20" fill="hold">
-                            <p:stCondLst>
-                              <p:cond delay="0"/>
-                            </p:stCondLst>
-                            <p:childTnLst>
-                              <p:par>
-                                <p:cTn id="21" presetID="2" presetClass="entr" presetSubtype="4" fill="hold" nodeType="clickEffect">
-                                  <p:stCondLst>
-                                    <p:cond delay="0"/>
-                                  </p:stCondLst>
-                                  <p:childTnLst>
-                                    <p:set>
-                                      <p:cBhvr>
-                                        <p:cTn id="22" dur="1" fill="hold">
-                                          <p:stCondLst>
-                                            <p:cond delay="0"/>
-                                          </p:stCondLst>
-                                        </p:cTn>
-                                        <p:tgtEl>
-                                          <p:spTgt spid="3">
-                                            <p:txEl>
-                                              <p:pRg st="2" end="2"/>
-                                            </p:txEl>
-                                          </p:spTgt>
-                                        </p:tgtEl>
-                                        <p:attrNameLst>
-                                          <p:attrName>style.visibility</p:attrName>
-                                        </p:attrNameLst>
-                                      </p:cBhvr>
-                                      <p:to>
-                                        <p:strVal val="visible"/>
-                                      </p:to>
-                                    </p:set>
-                                    <p:anim calcmode="lin" valueType="num">
-                                      <p:cBhvr additive="base">
-                                        <p:cTn id="23" dur="500" fill="hold"/>
-                                        <p:tgtEl>
-                                          <p:spTgt spid="3">
-                                            <p:txEl>
-                                              <p:pRg st="2" end="2"/>
-                                            </p:txEl>
-                                          </p:spTgt>
-                                        </p:tgtEl>
-                                        <p:attrNameLst>
-                                          <p:attrName>ppt_x</p:attrName>
-                                        </p:attrNameLst>
-                                      </p:cBhvr>
-                                      <p:tavLst>
-                                        <p:tav tm="0">
-                                          <p:val>
-                                            <p:strVal val="#ppt_x"/>
-                                          </p:val>
-                                        </p:tav>
-                                        <p:tav tm="100000">
-                                          <p:val>
-                                            <p:strVal val="#ppt_x"/>
-                                          </p:val>
-                                        </p:tav>
-                                      </p:tavLst>
-                                    </p:anim>
-                                    <p:anim calcmode="lin" valueType="num">
-                                      <p:cBhvr additive="base">
-                                        <p:cTn id="24" dur="500" fill="hold"/>
-                                        <p:tgtEl>
-                                          <p:spTgt spid="3">
-                                            <p:txEl>
-                                              <p:pRg st="2" end="2"/>
-                                            </p:txEl>
-                                          </p:spTgt>
-                                        </p:tgtEl>
-                                        <p:attrNameLst>
-                                          <p:attrName>ppt_y</p:attrName>
-                                        </p:attrNameLst>
-                                      </p:cBhvr>
-                                      <p:tavLst>
-                                        <p:tav tm="0">
-                                          <p:val>
-                                            <p:strVal val="1+#ppt_h/2"/>
-                                          </p:val>
-                                        </p:tav>
-                                        <p:tav tm="100000">
-                                          <p:val>
-                                            <p:strVal val="#ppt_y"/>
-                                          </p:val>
-                                        </p:tav>
-                                      </p:tavLst>
-                                    </p:anim>
-                                  </p:childTnLst>
-                                </p:cTn>
-                              </p:par>
-                            </p:childTnLst>
-                          </p:cTn>
-                        </p:par>
-                      </p:childTnLst>
-                    </p:cTn>
-                  </p:par>
-                  <p:par>
-                    <p:cTn id="25" fill="hold">
-                      <p:stCondLst>
-                        <p:cond delay="indefinite"/>
-                      </p:stCondLst>
-                      <p:childTnLst>
-                        <p:par>
-                          <p:cTn id="26" fill="hold">
-                            <p:stCondLst>
-                              <p:cond delay="0"/>
-                            </p:stCondLst>
-                            <p:childTnLst>
-                              <p:par>
-                                <p:cTn id="27" presetID="2" presetClass="entr" presetSubtype="4" fill="hold" nodeType="clickEffect">
-                                  <p:stCondLst>
-                                    <p:cond delay="0"/>
-                                  </p:stCondLst>
-                                  <p:childTnLst>
-                                    <p:set>
-                                      <p:cBhvr>
-                                        <p:cTn id="28" dur="1" fill="hold">
-                                          <p:stCondLst>
-                                            <p:cond delay="0"/>
-                                          </p:stCondLst>
-                                        </p:cTn>
-                                        <p:tgtEl>
-                                          <p:spTgt spid="3">
-                                            <p:txEl>
-                                              <p:pRg st="3" end="3"/>
-                                            </p:txEl>
-                                          </p:spTgt>
-                                        </p:tgtEl>
-                                        <p:attrNameLst>
-                                          <p:attrName>style.visibility</p:attrName>
-                                        </p:attrNameLst>
-                                      </p:cBhvr>
-                                      <p:to>
-                                        <p:strVal val="visible"/>
-                                      </p:to>
-                                    </p:set>
-                                    <p:anim calcmode="lin" valueType="num">
-                                      <p:cBhvr additive="base">
-                                        <p:cTn id="29" dur="500" fill="hold"/>
-                                        <p:tgtEl>
-                                          <p:spTgt spid="3">
-                                            <p:txEl>
-                                              <p:pRg st="3" end="3"/>
-                                            </p:txEl>
-                                          </p:spTgt>
-                                        </p:tgtEl>
-                                        <p:attrNameLst>
-                                          <p:attrName>ppt_x</p:attrName>
-                                        </p:attrNameLst>
-                                      </p:cBhvr>
-                                      <p:tavLst>
-                                        <p:tav tm="0">
-                                          <p:val>
-                                            <p:strVal val="#ppt_x"/>
-                                          </p:val>
-                                        </p:tav>
-                                        <p:tav tm="100000">
-                                          <p:val>
-                                            <p:strVal val="#ppt_x"/>
-                                          </p:val>
-                                        </p:tav>
-                                      </p:tavLst>
-                                    </p:anim>
-                                    <p:anim calcmode="lin" valueType="num">
-                                      <p:cBhvr additive="base">
-                                        <p:cTn id="30" dur="500" fill="hold"/>
-                                        <p:tgtEl>
-                                          <p:spTgt spid="3">
-                                            <p:txEl>
-                                              <p:pRg st="3" end="3"/>
-                                            </p:txEl>
-                                          </p:spTgt>
-                                        </p:tgtEl>
-                                        <p:attrNameLst>
-                                          <p:attrName>ppt_y</p:attrName>
-                                        </p:attrNameLst>
-                                      </p:cBhvr>
-                                      <p:tavLst>
-                                        <p:tav tm="0">
-                                          <p:val>
-                                            <p:strVal val="1+#ppt_h/2"/>
-                                          </p:val>
-                                        </p:tav>
-                                        <p:tav tm="100000">
-                                          <p:val>
-                                            <p:strVal val="#ppt_y"/>
-                                          </p:val>
-                                        </p:tav>
-                                      </p:tavLst>
-                                    </p:anim>
-                                  </p:childTnLst>
-                                </p:cTn>
-                              </p:par>
-                            </p:childTnLst>
-                          </p:cTn>
-                        </p:par>
-                      </p:childTnLst>
-                    </p:cTn>
-                  </p:par>
-                  <p:par>
-                    <p:cTn id="31" fill="hold">
-                      <p:stCondLst>
-                        <p:cond delay="indefinite"/>
-                      </p:stCondLst>
-                      <p:childTnLst>
-                        <p:par>
-                          <p:cTn id="32" fill="hold">
-                            <p:stCondLst>
-                              <p:cond delay="0"/>
-                            </p:stCondLst>
-                            <p:childTnLst>
-                              <p:par>
-                                <p:cTn id="33" presetID="2" presetClass="entr" presetSubtype="4" fill="hold" nodeType="clickEffect">
-                                  <p:stCondLst>
-                                    <p:cond delay="0"/>
-                                  </p:stCondLst>
-                                  <p:childTnLst>
-                                    <p:set>
-                                      <p:cBhvr>
-                                        <p:cTn id="34" dur="1" fill="hold">
-                                          <p:stCondLst>
-                                            <p:cond delay="0"/>
-                                          </p:stCondLst>
-                                        </p:cTn>
-                                        <p:tgtEl>
-                                          <p:spTgt spid="3">
-                                            <p:txEl>
-                                              <p:pRg st="4" end="4"/>
-                                            </p:txEl>
-                                          </p:spTgt>
-                                        </p:tgtEl>
-                                        <p:attrNameLst>
-                                          <p:attrName>style.visibility</p:attrName>
-                                        </p:attrNameLst>
-                                      </p:cBhvr>
-                                      <p:to>
-                                        <p:strVal val="visible"/>
-                                      </p:to>
-                                    </p:set>
-                                    <p:anim calcmode="lin" valueType="num">
-                                      <p:cBhvr additive="base">
-                                        <p:cTn id="35" dur="500" fill="hold"/>
-                                        <p:tgtEl>
-                                          <p:spTgt spid="3">
-                                            <p:txEl>
-                                              <p:pRg st="4" end="4"/>
-                                            </p:txEl>
-                                          </p:spTgt>
-                                        </p:tgtEl>
-                                        <p:attrNameLst>
-                                          <p:attrName>ppt_x</p:attrName>
-                                        </p:attrNameLst>
-                                      </p:cBhvr>
-                                      <p:tavLst>
-                                        <p:tav tm="0">
-                                          <p:val>
-                                            <p:strVal val="#ppt_x"/>
-                                          </p:val>
-                                        </p:tav>
-                                        <p:tav tm="100000">
-                                          <p:val>
-                                            <p:strVal val="#ppt_x"/>
-                                          </p:val>
-                                        </p:tav>
-                                      </p:tavLst>
-                                    </p:anim>
-                                    <p:anim calcmode="lin" valueType="num">
-                                      <p:cBhvr additive="base">
-                                        <p:cTn id="36" dur="500" fill="hold"/>
-                                        <p:tgtEl>
-                                          <p:spTgt spid="3">
-                                            <p:txEl>
-                                              <p:pRg st="4" end="4"/>
-                                            </p:txEl>
-                                          </p:spTgt>
-                                        </p:tgtEl>
-                                        <p:attrNameLst>
-                                          <p:attrName>ppt_y</p:attrName>
-                                        </p:attrNameLst>
-                                      </p:cBhvr>
-                                      <p:tavLst>
-                                        <p:tav tm="0">
-                                          <p:val>
-                                            <p:strVal val="1+#ppt_h/2"/>
-                                          </p:val>
-                                        </p:tav>
-                                        <p:tav tm="100000">
-                                          <p:val>
-                                            <p:strVal val="#ppt_y"/>
-                                          </p:val>
-                                        </p:tav>
-                                      </p:tavLst>
-                                    </p:anim>
-                                  </p:childTnLst>
-                                </p:cTn>
-                              </p:par>
-                            </p:childTnLst>
-                          </p:cTn>
-                        </p:par>
-                      </p:childTnLst>
-                    </p:cTn>
-                  </p:par>
-                  <p:par>
-                    <p:cTn id="37" fill="hold">
-                      <p:stCondLst>
-                        <p:cond delay="indefinite"/>
-                      </p:stCondLst>
-                      <p:childTnLst>
-                        <p:par>
-                          <p:cTn id="38" fill="hold">
-                            <p:stCondLst>
-                              <p:cond delay="0"/>
-                            </p:stCondLst>
-                            <p:childTnLst>
-                              <p:par>
-                                <p:cTn id="39" presetID="2" presetClass="entr" presetSubtype="4" fill="hold" nodeType="clickEffect">
-                                  <p:stCondLst>
-                                    <p:cond delay="0"/>
-                                  </p:stCondLst>
-                                  <p:childTnLst>
-                                    <p:set>
-                                      <p:cBhvr>
-                                        <p:cTn id="40" dur="1" fill="hold">
-                                          <p:stCondLst>
-                                            <p:cond delay="0"/>
-                                          </p:stCondLst>
-                                        </p:cTn>
-                                        <p:tgtEl>
-                                          <p:spTgt spid="3">
-                                            <p:txEl>
-                                              <p:pRg st="5" end="5"/>
-                                            </p:txEl>
-                                          </p:spTgt>
-                                        </p:tgtEl>
-                                        <p:attrNameLst>
-                                          <p:attrName>style.visibility</p:attrName>
-                                        </p:attrNameLst>
-                                      </p:cBhvr>
-                                      <p:to>
-                                        <p:strVal val="visible"/>
-                                      </p:to>
-                                    </p:set>
-                                    <p:anim calcmode="lin" valueType="num">
-                                      <p:cBhvr additive="base">
-                                        <p:cTn id="41" dur="500" fill="hold"/>
-                                        <p:tgtEl>
-                                          <p:spTgt spid="3">
-                                            <p:txEl>
-                                              <p:pRg st="5" end="5"/>
-                                            </p:txEl>
-                                          </p:spTgt>
-                                        </p:tgtEl>
-                                        <p:attrNameLst>
-                                          <p:attrName>ppt_x</p:attrName>
-                                        </p:attrNameLst>
-                                      </p:cBhvr>
-                                      <p:tavLst>
-                                        <p:tav tm="0">
-                                          <p:val>
-                                            <p:strVal val="#ppt_x"/>
-                                          </p:val>
-                                        </p:tav>
-                                        <p:tav tm="100000">
-                                          <p:val>
-                                            <p:strVal val="#ppt_x"/>
-                                          </p:val>
-                                        </p:tav>
-                                      </p:tavLst>
-                                    </p:anim>
-                                    <p:anim calcmode="lin" valueType="num">
-                                      <p:cBhvr additive="base">
-                                        <p:cTn id="42" dur="500" fill="hold"/>
-                                        <p:tgtEl>
-                                          <p:spTgt spid="3">
-                                            <p:txEl>
-                                              <p:pRg st="5" end="5"/>
-                                            </p:txEl>
-                                          </p:spTgt>
-                                        </p:tgtEl>
-                                        <p:attrNameLst>
-                                          <p:attrName>ppt_y</p:attrName>
-                                        </p:attrNameLst>
-                                      </p:cBhvr>
-                                      <p:tavLst>
-                                        <p:tav tm="0">
-                                          <p:val>
-                                            <p:strVal val="1+#ppt_h/2"/>
-                                          </p:val>
-                                        </p:tav>
-                                        <p:tav tm="100000">
-                                          <p:val>
-                                            <p:strVal val="#ppt_y"/>
-                                          </p:val>
-                                        </p:tav>
-                                      </p:tavLst>
-                                    </p:anim>
-                                  </p:childTnLst>
-                                </p:cTn>
-                              </p:par>
-                            </p:childTnLst>
-                          </p:cTn>
-                        </p:par>
-                      </p:childTnLst>
-                    </p:cTn>
-                  </p:par>
-                </p:childTnLst>
-              </p:cTn>
-              <p:prevCondLst>
-                <p:cond evt="onPrev" delay="0">
-                  <p:tgtEl>
-                    <p:sldTgt/>
-                  </p:tgtEl>
-                </p:cond>
-              </p:prevCondLst>
-              <p:nextCondLst>
-                <p:cond evt="onNext" delay="0">
-                  <p:tgtEl>
-                    <p:sldTgt/>
-                  </p:tgtEl>
-                </p:cond>
-              </p:nextCondLst>
-            </p:seq>
-          </p:childTnLst>
-        </p:cTn>
-      </p:par>
-    </p:tnLst>
-  </p:timing>
-</p:sld>
-</file>
-
-<file path=ppt/slides/slide13.xml><?xml version="1.0" encoding="utf-8"?>
-<p:sld xmlns:a="http://schemas.openxmlformats.org/drawingml/2006/main" xmlns:r="http://schemas.openxmlformats.org/officeDocument/2006/relationships" xmlns:p="http://schemas.openxmlformats.org/presentationml/2006/main">
-  <p:cSld>
-    <p:spTree>
-      <p:nvGrpSpPr>
-        <p:cNvPr id="1" name=""/>
-        <p:cNvGrpSpPr/>
-        <p:nvPr/>
-      </p:nvGrpSpPr>
-      <p:grpSpPr>
-        <a:xfrm>
-          <a:off x="0" y="0"/>
-          <a:ext cx="0" cy="0"/>
-          <a:chOff x="0" y="0"/>
-          <a:chExt cx="0" cy="0"/>
-        </a:xfrm>
-      </p:grpSpPr>
-      <p:sp>
-        <p:nvSpPr>
-          <p:cNvPr id="3" name="Content Placeholder 2"/>
-          <p:cNvSpPr>
-            <a:spLocks noGrp="1"/>
-          </p:cNvSpPr>
-          <p:nvPr>
-            <p:ph idx="1"/>
-          </p:nvPr>
-        </p:nvSpPr>
-        <p:spPr>
-          <a:xfrm>
-            <a:off x="457200" y="1524000"/>
+            <a:off x="533400" y="1524000"/>
             <a:ext cx="8229600" cy="1066799"/>
           </a:xfrm>
           <a:solidFill>
@@ -7266,7 +6297,7 @@
         </p:nvSpPr>
         <p:spPr>
           <a:xfrm>
-            <a:off x="457200" y="2819400"/>
+            <a:off x="533400" y="2819400"/>
             <a:ext cx="8229600" cy="2308324"/>
           </a:xfrm>
           <a:prstGeom prst="rect">
@@ -7610,7 +6641,7 @@
 </p:sld>
 </file>
 
-<file path=ppt/slides/slide14.xml><?xml version="1.0" encoding="utf-8"?>
+<file path=ppt/slides/slide13.xml><?xml version="1.0" encoding="utf-8"?>
 <p:sld xmlns:a="http://schemas.openxmlformats.org/drawingml/2006/main" xmlns:r="http://schemas.openxmlformats.org/officeDocument/2006/relationships" xmlns:p="http://schemas.openxmlformats.org/presentationml/2006/main">
   <p:cSld>
     <p:spTree>
@@ -7690,7 +6721,7 @@
         </p:nvSpPr>
         <p:spPr>
           <a:xfrm>
-            <a:off x="457200" y="4114800"/>
+            <a:off x="533400" y="4114800"/>
             <a:ext cx="8229600" cy="1200329"/>
           </a:xfrm>
           <a:prstGeom prst="rect">
@@ -7797,6 +6828,140 @@
     <p:extLst>
       <p:ext uri="{BB962C8B-B14F-4D97-AF65-F5344CB8AC3E}">
         <p14:creationId xmlns:p14="http://schemas.microsoft.com/office/powerpoint/2010/main" val="209812018"/>
+      </p:ext>
+    </p:extLst>
+  </p:cSld>
+  <p:clrMapOvr>
+    <a:masterClrMapping/>
+  </p:clrMapOvr>
+  <mc:AlternateContent xmlns:mc="http://schemas.openxmlformats.org/markup-compatibility/2006" xmlns:p14="http://schemas.microsoft.com/office/powerpoint/2010/main">
+    <mc:Choice Requires="p14">
+      <p:transition spd="med" p14:dur="700">
+        <p:fade/>
+      </p:transition>
+    </mc:Choice>
+    <mc:Fallback xmlns="">
+      <p:transition spd="med">
+        <p:fade/>
+      </p:transition>
+    </mc:Fallback>
+  </mc:AlternateContent>
+  <p:timing>
+    <p:tnLst>
+      <p:par>
+        <p:cTn id="1" dur="indefinite" restart="never" nodeType="tmRoot"/>
+      </p:par>
+    </p:tnLst>
+  </p:timing>
+</p:sld>
+</file>
+
+<file path=ppt/slides/slide14.xml><?xml version="1.0" encoding="utf-8"?>
+<p:sld xmlns:a="http://schemas.openxmlformats.org/drawingml/2006/main" xmlns:r="http://schemas.openxmlformats.org/officeDocument/2006/relationships" xmlns:p="http://schemas.openxmlformats.org/presentationml/2006/main">
+  <p:cSld>
+    <p:spTree>
+      <p:nvGrpSpPr>
+        <p:cNvPr id="1" name=""/>
+        <p:cNvGrpSpPr/>
+        <p:nvPr/>
+      </p:nvGrpSpPr>
+      <p:grpSpPr>
+        <a:xfrm>
+          <a:off x="0" y="0"/>
+          <a:ext cx="0" cy="0"/>
+          <a:chOff x="0" y="0"/>
+          <a:chExt cx="0" cy="0"/>
+        </a:xfrm>
+      </p:grpSpPr>
+      <p:sp>
+        <p:nvSpPr>
+          <p:cNvPr id="3" name="Content Placeholder 2"/>
+          <p:cNvSpPr>
+            <a:spLocks noGrp="1"/>
+          </p:cNvSpPr>
+          <p:nvPr>
+            <p:ph idx="1"/>
+          </p:nvPr>
+        </p:nvSpPr>
+        <p:spPr/>
+        <p:txBody>
+          <a:bodyPr>
+            <a:normAutofit/>
+          </a:bodyPr>
+          <a:lstStyle/>
+          <a:p>
+            <a:r>
+              <a:rPr lang="en-US" dirty="0" smtClean="0"/>
+              <a:t>Reference </a:t>
+            </a:r>
+            <a:r>
+              <a:rPr lang="en-US" dirty="0"/>
+              <a:t>point </a:t>
+            </a:r>
+            <a:r>
+              <a:rPr lang="en-US" dirty="0" smtClean="0"/>
+              <a:t>to measure time</a:t>
+            </a:r>
+          </a:p>
+          <a:p>
+            <a:r>
+              <a:rPr lang="en-US" dirty="0" smtClean="0"/>
+              <a:t>May be based on </a:t>
+            </a:r>
+            <a:r>
+              <a:rPr lang="en-US" dirty="0"/>
+              <a:t>religious or political milestones</a:t>
+            </a:r>
+          </a:p>
+          <a:p>
+            <a:r>
+              <a:rPr lang="en-US" dirty="0" smtClean="0"/>
+              <a:t>Divides the timeline into eras</a:t>
+            </a:r>
+            <a:endParaRPr lang="en-US" dirty="0"/>
+          </a:p>
+          <a:p>
+            <a:r>
+              <a:rPr lang="en-US" dirty="0" smtClean="0"/>
+              <a:t>Start of </a:t>
+            </a:r>
+            <a:r>
+              <a:rPr lang="en-US" dirty="0"/>
+              <a:t>a particular </a:t>
+            </a:r>
+            <a:r>
+              <a:rPr lang="en-US" dirty="0" smtClean="0"/>
+              <a:t>era</a:t>
+            </a:r>
+          </a:p>
+        </p:txBody>
+      </p:sp>
+      <p:sp>
+        <p:nvSpPr>
+          <p:cNvPr id="2" name="Title 1"/>
+          <p:cNvSpPr>
+            <a:spLocks noGrp="1"/>
+          </p:cNvSpPr>
+          <p:nvPr>
+            <p:ph type="title"/>
+          </p:nvPr>
+        </p:nvSpPr>
+        <p:spPr/>
+        <p:txBody>
+          <a:bodyPr/>
+          <a:lstStyle/>
+          <a:p>
+            <a:r>
+              <a:rPr lang="en-US" dirty="0"/>
+              <a:t>Epoch</a:t>
+            </a:r>
+          </a:p>
+        </p:txBody>
+      </p:sp>
+    </p:spTree>
+    <p:extLst>
+      <p:ext uri="{BB962C8B-B14F-4D97-AF65-F5344CB8AC3E}">
+        <p14:creationId xmlns:p14="http://schemas.microsoft.com/office/powerpoint/2010/main" val="3508304285"/>
       </p:ext>
     </p:extLst>
   </p:cSld>
@@ -7855,53 +7020,128 @@
         <p:spPr/>
         <p:txBody>
           <a:bodyPr>
-            <a:normAutofit/>
+            <a:noAutofit/>
           </a:bodyPr>
           <a:lstStyle/>
           <a:p>
             <a:r>
-              <a:rPr lang="en-US" dirty="0" smtClean="0"/>
-              <a:t>Reference </a:t>
-            </a:r>
-            <a:r>
               <a:rPr lang="en-US" dirty="0"/>
-              <a:t>point </a:t>
-            </a:r>
-            <a:r>
-              <a:rPr lang="en-US" dirty="0" smtClean="0"/>
-              <a:t>to measure time</a:t>
-            </a:r>
-          </a:p>
-          <a:p>
-            <a:r>
-              <a:rPr lang="en-US" dirty="0" smtClean="0"/>
-              <a:t>May be based on </a:t>
-            </a:r>
+              <a:t>January 0, </a:t>
+            </a:r>
+            <a:r>
+              <a:rPr lang="en-US" dirty="0" smtClean="0"/>
+              <a:t>0 - MATLAB </a:t>
+            </a:r>
+            <a:endParaRPr lang="en-US" dirty="0"/>
+          </a:p>
+          <a:p>
             <a:r>
               <a:rPr lang="en-US" dirty="0"/>
-              <a:t>religious or political milestones</a:t>
-            </a:r>
-          </a:p>
-          <a:p>
-            <a:r>
-              <a:rPr lang="en-US" dirty="0" smtClean="0"/>
-              <a:t>Divides the timeline into eras</a:t>
+              <a:t>January 1, 1 </a:t>
+            </a:r>
+            <a:r>
+              <a:rPr lang="en-US" dirty="0" smtClean="0"/>
+              <a:t>- Symbian, .NET</a:t>
+            </a:r>
+          </a:p>
+          <a:p>
+            <a:r>
+              <a:rPr lang="en-US" dirty="0"/>
+              <a:t>January 1, 1601 </a:t>
+            </a:r>
+            <a:r>
+              <a:rPr lang="en-US" dirty="0" smtClean="0"/>
+              <a:t> - COBOL</a:t>
+            </a:r>
+            <a:r>
+              <a:rPr lang="en-US" dirty="0"/>
+              <a:t>, </a:t>
+            </a:r>
+            <a:r>
+              <a:rPr lang="en-US" dirty="0" smtClean="0"/>
+              <a:t>Windows</a:t>
             </a:r>
             <a:endParaRPr lang="en-US" dirty="0"/>
           </a:p>
           <a:p>
             <a:r>
-              <a:rPr lang="en-US" dirty="0" smtClean="0"/>
-              <a:t>Start of </a:t>
-            </a:r>
-            <a:r>
               <a:rPr lang="en-US" dirty="0"/>
-              <a:t>a particular </a:t>
-            </a:r>
-            <a:r>
-              <a:rPr lang="en-US" dirty="0" smtClean="0"/>
-              <a:t>era</a:t>
-            </a:r>
+              <a:t>January 1, 1900 </a:t>
+            </a:r>
+            <a:r>
+              <a:rPr lang="en-US" dirty="0" smtClean="0"/>
+              <a:t> - LISP</a:t>
+            </a:r>
+            <a:r>
+              <a:rPr lang="en-US" dirty="0"/>
+              <a:t>, </a:t>
+            </a:r>
+            <a:r>
+              <a:rPr lang="en-US" dirty="0" smtClean="0"/>
+              <a:t>SNTP</a:t>
+            </a:r>
+            <a:endParaRPr lang="en-US" dirty="0"/>
+          </a:p>
+          <a:p>
+            <a:r>
+              <a:rPr lang="en-US" dirty="0"/>
+              <a:t>January 1, </a:t>
+            </a:r>
+            <a:r>
+              <a:rPr lang="en-US" dirty="0" smtClean="0"/>
+              <a:t>1904 – Old Mac OS</a:t>
+            </a:r>
+          </a:p>
+          <a:p>
+            <a:r>
+              <a:rPr lang="en-US" b="1" dirty="0"/>
+              <a:t>January 1, </a:t>
+            </a:r>
+            <a:r>
+              <a:rPr lang="en-US" b="1" dirty="0" smtClean="0"/>
+              <a:t>1970 </a:t>
+            </a:r>
+            <a:r>
+              <a:rPr lang="en-US" dirty="0" smtClean="0"/>
+              <a:t>- Unix </a:t>
+            </a:r>
+            <a:r>
+              <a:rPr lang="en-US" dirty="0"/>
+              <a:t>Epoch </a:t>
+            </a:r>
+            <a:r>
+              <a:rPr lang="en-US" dirty="0" smtClean="0"/>
+              <a:t>(Linux, Mac </a:t>
+            </a:r>
+            <a:r>
+              <a:rPr lang="en-US" dirty="0"/>
+              <a:t>OS </a:t>
+            </a:r>
+            <a:r>
+              <a:rPr lang="en-US" dirty="0" smtClean="0"/>
+              <a:t>X</a:t>
+            </a:r>
+            <a:r>
+              <a:rPr lang="en-US" dirty="0"/>
+              <a:t>), </a:t>
+            </a:r>
+            <a:r>
+              <a:rPr lang="en-US" dirty="0" smtClean="0"/>
+              <a:t>Java, C</a:t>
+            </a:r>
+            <a:r>
+              <a:rPr lang="en-US" dirty="0"/>
+              <a:t>, </a:t>
+            </a:r>
+            <a:r>
+              <a:rPr lang="en-US" dirty="0" smtClean="0"/>
+              <a:t>JavaScript, Perl, PHP, Python, </a:t>
+            </a:r>
+            <a:r>
+              <a:rPr lang="en-US" dirty="0" smtClean="0"/>
+              <a:t>Ruby</a:t>
+            </a:r>
+            <a:endParaRPr lang="en-US" dirty="0"/>
           </a:p>
         </p:txBody>
       </p:sp>
@@ -7921,16 +7161,17 @@
           <a:lstStyle/>
           <a:p>
             <a:r>
-              <a:rPr lang="en-US" dirty="0"/>
-              <a:t>Epoch</a:t>
-            </a:r>
+              <a:rPr lang="en-US" dirty="0" smtClean="0"/>
+              <a:t>Computer System Epochs</a:t>
+            </a:r>
+            <a:endParaRPr lang="en-US" dirty="0"/>
           </a:p>
         </p:txBody>
       </p:sp>
     </p:spTree>
     <p:extLst>
       <p:ext uri="{BB962C8B-B14F-4D97-AF65-F5344CB8AC3E}">
-        <p14:creationId xmlns:p14="http://schemas.microsoft.com/office/powerpoint/2010/main" val="3508304285"/>
+        <p14:creationId xmlns:p14="http://schemas.microsoft.com/office/powerpoint/2010/main" val="2537420289"/>
       </p:ext>
     </p:extLst>
   </p:cSld>
@@ -7989,122 +7230,65 @@
         <p:spPr/>
         <p:txBody>
           <a:bodyPr>
-            <a:noAutofit/>
+            <a:normAutofit/>
           </a:bodyPr>
           <a:lstStyle/>
           <a:p>
             <a:r>
               <a:rPr lang="en-US" dirty="0"/>
-              <a:t>January 0, </a:t>
-            </a:r>
-            <a:r>
-              <a:rPr lang="en-US" dirty="0" smtClean="0"/>
-              <a:t>0 - MATLAB </a:t>
-            </a:r>
-            <a:endParaRPr lang="en-US" dirty="0"/>
-          </a:p>
-          <a:p>
+              <a:t>Organizes days for social, religious, commercial or administrative purposes</a:t>
+            </a:r>
+          </a:p>
+          <a:p>
+            <a:r>
+              <a:rPr lang="en-US" dirty="0" smtClean="0"/>
+              <a:t>Names periods like days</a:t>
+            </a:r>
             <a:r>
               <a:rPr lang="en-US" dirty="0"/>
-              <a:t>January 1, 1 </a:t>
-            </a:r>
-            <a:r>
-              <a:rPr lang="en-US" dirty="0" smtClean="0"/>
-              <a:t>- Symbian, .NET</a:t>
+              <a:t>, weeks, months, and years</a:t>
             </a:r>
           </a:p>
           <a:p>
             <a:r>
               <a:rPr lang="en-US" dirty="0"/>
-              <a:t>January 1, 1601 </a:t>
-            </a:r>
-            <a:r>
-              <a:rPr lang="en-US" dirty="0" smtClean="0"/>
-              <a:t> - COBOL</a:t>
+              <a:t>Periods may follow cycles of the sun or moon</a:t>
+            </a:r>
+          </a:p>
+          <a:p>
+            <a:r>
+              <a:rPr lang="en-US" dirty="0" smtClean="0"/>
+              <a:t>A </a:t>
             </a:r>
             <a:r>
               <a:rPr lang="en-US" dirty="0"/>
-              <a:t>, </a:t>
-            </a:r>
-            <a:r>
-              <a:rPr lang="en-US" dirty="0" smtClean="0"/>
-              <a:t>Windows</a:t>
-            </a:r>
-            <a:endParaRPr lang="en-US" dirty="0"/>
-          </a:p>
-          <a:p>
+              <a:t>date is a </a:t>
+            </a:r>
+            <a:r>
+              <a:rPr lang="en-US" dirty="0" smtClean="0"/>
+              <a:t>specific </a:t>
+            </a:r>
             <a:r>
               <a:rPr lang="en-US" dirty="0"/>
-              <a:t>January 1, 1900 </a:t>
-            </a:r>
-            <a:r>
-              <a:rPr lang="en-US" dirty="0" smtClean="0"/>
-              <a:t> - LISP</a:t>
+              <a:t>day </a:t>
+            </a:r>
+            <a:r>
+              <a:rPr lang="en-US" dirty="0" smtClean="0"/>
+              <a:t>in the </a:t>
             </a:r>
             <a:r>
               <a:rPr lang="en-US" dirty="0"/>
-              <a:t>, Network Time </a:t>
-            </a:r>
-            <a:r>
-              <a:rPr lang="en-US" dirty="0" smtClean="0"/>
-              <a:t>Protocol</a:t>
-            </a:r>
-            <a:endParaRPr lang="en-US" dirty="0"/>
+              <a:t>system</a:t>
+            </a:r>
           </a:p>
           <a:p>
             <a:r>
               <a:rPr lang="en-US" dirty="0"/>
-              <a:t>January 1, </a:t>
-            </a:r>
-            <a:r>
-              <a:rPr lang="en-US" dirty="0" smtClean="0"/>
-              <a:t>1904 – Old Mac OS</a:t>
-            </a:r>
-          </a:p>
-          <a:p>
-            <a:r>
-              <a:rPr lang="en-US" b="1" dirty="0"/>
-              <a:t>January 1, </a:t>
-            </a:r>
-            <a:r>
-              <a:rPr lang="en-US" b="1" dirty="0" smtClean="0"/>
-              <a:t>1970 </a:t>
-            </a:r>
-            <a:r>
-              <a:rPr lang="en-US" dirty="0" smtClean="0"/>
-              <a:t>- Unix </a:t>
-            </a:r>
-            <a:r>
-              <a:rPr lang="en-US" dirty="0"/>
-              <a:t>Epoch </a:t>
-            </a:r>
-            <a:r>
-              <a:rPr lang="en-US" dirty="0" smtClean="0"/>
-              <a:t>(Linux, Mac </a:t>
-            </a:r>
-            <a:r>
-              <a:rPr lang="en-US" dirty="0"/>
-              <a:t>OS </a:t>
-            </a:r>
-            <a:r>
-              <a:rPr lang="en-US" dirty="0" smtClean="0"/>
-              <a:t>X</a:t>
-            </a:r>
-            <a:r>
-              <a:rPr lang="en-US" dirty="0"/>
-              <a:t>), </a:t>
-            </a:r>
-            <a:r>
-              <a:rPr lang="en-US" dirty="0" smtClean="0"/>
-              <a:t>Java (and also C</a:t>
-            </a:r>
-            <a:r>
-              <a:rPr lang="en-US" dirty="0"/>
-              <a:t>, </a:t>
-            </a:r>
-            <a:r>
-              <a:rPr lang="en-US" dirty="0" smtClean="0"/>
-              <a:t>JavaScript, Perl, PHP, Python, Ruby)</a:t>
+              <a:t>May be based on an </a:t>
+            </a:r>
+            <a:r>
+              <a:rPr lang="en-US" dirty="0" smtClean="0"/>
+              <a:t>epoch</a:t>
             </a:r>
             <a:endParaRPr lang="en-US" dirty="0"/>
           </a:p>
@@ -8126,17 +7310,16 @@
           <a:lstStyle/>
           <a:p>
             <a:r>
-              <a:rPr lang="en-US" dirty="0" smtClean="0"/>
-              <a:t>Computer System Epochs</a:t>
-            </a:r>
-            <a:endParaRPr lang="en-US" dirty="0"/>
+              <a:rPr lang="en-US" dirty="0"/>
+              <a:t>Calendar System</a:t>
+            </a:r>
           </a:p>
         </p:txBody>
       </p:sp>
     </p:spTree>
     <p:extLst>
       <p:ext uri="{BB962C8B-B14F-4D97-AF65-F5344CB8AC3E}">
-        <p14:creationId xmlns:p14="http://schemas.microsoft.com/office/powerpoint/2010/main" val="2537420289"/>
+        <p14:creationId xmlns:p14="http://schemas.microsoft.com/office/powerpoint/2010/main" val="1612303161"/>
       </p:ext>
     </p:extLst>
   </p:cSld>
@@ -8195,65 +7378,119 @@
         <p:spPr/>
         <p:txBody>
           <a:bodyPr>
-            <a:normAutofit/>
+            <a:noAutofit/>
           </a:bodyPr>
           <a:lstStyle/>
           <a:p>
             <a:r>
+              <a:rPr lang="en-US" b="1" dirty="0" smtClean="0"/>
+              <a:t>GMT </a:t>
+            </a:r>
+            <a:r>
+              <a:rPr lang="en-US" dirty="0" smtClean="0"/>
+              <a:t>is</a:t>
+            </a:r>
+            <a:r>
+              <a:rPr lang="en-US" b="1" dirty="0" smtClean="0"/>
+              <a:t> </a:t>
+            </a:r>
+            <a:r>
+              <a:rPr lang="en-US" dirty="0" smtClean="0"/>
+              <a:t>Greenwich </a:t>
+            </a:r>
+            <a:r>
               <a:rPr lang="en-US" dirty="0"/>
-              <a:t>Organizes days for social, religious, commercial or administrative purposes</a:t>
-            </a:r>
-          </a:p>
-          <a:p>
-            <a:r>
-              <a:rPr lang="en-US" dirty="0" smtClean="0"/>
-              <a:t>Names periods like days</a:t>
-            </a:r>
+              <a:t>Mean Time</a:t>
+            </a:r>
+          </a:p>
+          <a:p>
             <a:r>
               <a:rPr lang="en-US" dirty="0"/>
-              <a:t>, weeks, months, and years</a:t>
-            </a:r>
-          </a:p>
-          <a:p>
+              <a:t>Mean solar time at the Royal Observatory in </a:t>
+            </a:r>
+            <a:r>
+              <a:rPr lang="en-US" dirty="0" smtClean="0"/>
+              <a:t>Greenwich</a:t>
+            </a:r>
+          </a:p>
+          <a:p>
+            <a:endParaRPr lang="en-US" dirty="0"/>
+          </a:p>
+          <a:p>
+            <a:r>
+              <a:rPr lang="en-US" b="1" dirty="0" smtClean="0"/>
+              <a:t>UTC </a:t>
+            </a:r>
+            <a:r>
+              <a:rPr lang="en-US" dirty="0" smtClean="0"/>
+              <a:t>is Coordinated </a:t>
+            </a:r>
             <a:r>
               <a:rPr lang="en-US" dirty="0"/>
-              <a:t>Periods may follow cycles of the sun or moon</a:t>
-            </a:r>
-          </a:p>
-          <a:p>
-            <a:r>
-              <a:rPr lang="en-US" dirty="0" smtClean="0"/>
-              <a:t>A </a:t>
-            </a:r>
+              <a:t>Universal </a:t>
+            </a:r>
+            <a:r>
+              <a:rPr lang="en-US" dirty="0" smtClean="0"/>
+              <a:t>Time</a:t>
+            </a:r>
+          </a:p>
+          <a:p>
             <a:r>
               <a:rPr lang="en-US" dirty="0"/>
-              <a:t>date is a </a:t>
-            </a:r>
-            <a:r>
-              <a:rPr lang="en-US" dirty="0" smtClean="0"/>
-              <a:t>specific </a:t>
-            </a:r>
+              <a:t>Precisely defined with atomic </a:t>
+            </a:r>
+            <a:r>
+              <a:rPr lang="en-US" dirty="0" smtClean="0"/>
+              <a:t>time</a:t>
+            </a:r>
+          </a:p>
+          <a:p>
             <a:r>
               <a:rPr lang="en-US" dirty="0"/>
-              <a:t>day </a:t>
-            </a:r>
-            <a:r>
-              <a:rPr lang="en-US" dirty="0" smtClean="0"/>
-              <a:t>in the </a:t>
+              <a:t>D</a:t>
+            </a:r>
+            <a:r>
+              <a:rPr lang="en-US" dirty="0" smtClean="0"/>
+              <a:t>oes </a:t>
             </a:r>
             <a:r>
               <a:rPr lang="en-US" dirty="0"/>
-              <a:t>system</a:t>
-            </a:r>
-          </a:p>
-          <a:p>
+              <a:t>not change with </a:t>
+            </a:r>
+            <a:r>
+              <a:rPr lang="en-US" dirty="0" smtClean="0"/>
+              <a:t>seasons</a:t>
+            </a:r>
+            <a:endParaRPr lang="en-US" dirty="0"/>
+          </a:p>
+          <a:p>
+            <a:r>
+              <a:rPr lang="en-US" dirty="0" smtClean="0"/>
+              <a:t>Replaced </a:t>
+            </a:r>
             <a:r>
               <a:rPr lang="en-US" dirty="0"/>
-              <a:t>May be based on an </a:t>
-            </a:r>
-            <a:r>
-              <a:rPr lang="en-US" dirty="0" smtClean="0"/>
-              <a:t>epoch</a:t>
+              <a:t>GMT as </a:t>
+            </a:r>
+            <a:r>
+              <a:rPr lang="en-US" dirty="0" smtClean="0"/>
+              <a:t>reference </a:t>
+            </a:r>
+            <a:r>
+              <a:rPr lang="en-US" dirty="0"/>
+              <a:t>time scale </a:t>
+            </a:r>
+            <a:r>
+              <a:rPr lang="en-US" dirty="0" smtClean="0"/>
+              <a:t>on </a:t>
+            </a:r>
+            <a:r>
+              <a:rPr lang="en-US" dirty="0"/>
+              <a:t>1 January </a:t>
+            </a:r>
+            <a:r>
+              <a:rPr lang="en-US" dirty="0" smtClean="0"/>
+              <a:t>1972</a:t>
             </a:r>
             <a:endParaRPr lang="en-US" dirty="0"/>
           </a:p>
@@ -8275,16 +7512,17 @@
           <a:lstStyle/>
           <a:p>
             <a:r>
-              <a:rPr lang="en-US" dirty="0"/>
-              <a:t>Calendar System</a:t>
-            </a:r>
+              <a:rPr lang="en-US" dirty="0" smtClean="0"/>
+              <a:t>UTC</a:t>
+            </a:r>
+            <a:endParaRPr lang="en-US" dirty="0"/>
           </a:p>
         </p:txBody>
       </p:sp>
     </p:spTree>
     <p:extLst>
       <p:ext uri="{BB962C8B-B14F-4D97-AF65-F5344CB8AC3E}">
-        <p14:creationId xmlns:p14="http://schemas.microsoft.com/office/powerpoint/2010/main" val="1612303161"/>
+        <p14:creationId xmlns:p14="http://schemas.microsoft.com/office/powerpoint/2010/main" val="39991000"/>
       </p:ext>
     </p:extLst>
   </p:cSld>
@@ -8348,207 +7586,6 @@
           <a:lstStyle/>
           <a:p>
             <a:r>
-              <a:rPr lang="en-US" b="1" dirty="0" smtClean="0"/>
-              <a:t>GMT </a:t>
-            </a:r>
-            <a:r>
-              <a:rPr lang="en-US" dirty="0" smtClean="0"/>
-              <a:t>is</a:t>
-            </a:r>
-            <a:r>
-              <a:rPr lang="en-US" b="1" dirty="0" smtClean="0"/>
-              <a:t> </a:t>
-            </a:r>
-            <a:r>
-              <a:rPr lang="en-US" dirty="0" smtClean="0"/>
-              <a:t>Greenwich </a:t>
-            </a:r>
-            <a:r>
-              <a:rPr lang="en-US" dirty="0"/>
-              <a:t>Mean Time</a:t>
-            </a:r>
-          </a:p>
-          <a:p>
-            <a:r>
-              <a:rPr lang="en-US" dirty="0"/>
-              <a:t>Mean solar time at the Royal Observatory in </a:t>
-            </a:r>
-            <a:r>
-              <a:rPr lang="en-US" dirty="0" smtClean="0"/>
-              <a:t>Greenwich</a:t>
-            </a:r>
-            <a:endParaRPr lang="en-US" dirty="0"/>
-          </a:p>
-          <a:p>
-            <a:r>
-              <a:rPr lang="en-US" b="1" dirty="0" smtClean="0"/>
-              <a:t>UTC </a:t>
-            </a:r>
-            <a:r>
-              <a:rPr lang="en-US" dirty="0" smtClean="0"/>
-              <a:t>is Coordinated </a:t>
-            </a:r>
-            <a:r>
-              <a:rPr lang="en-US" dirty="0"/>
-              <a:t>Universal </a:t>
-            </a:r>
-            <a:r>
-              <a:rPr lang="en-US" dirty="0" smtClean="0"/>
-              <a:t>Time</a:t>
-            </a:r>
-          </a:p>
-          <a:p>
-            <a:r>
-              <a:rPr lang="en-US" dirty="0"/>
-              <a:t>Precisely defined with atomic </a:t>
-            </a:r>
-            <a:r>
-              <a:rPr lang="en-US" dirty="0" smtClean="0"/>
-              <a:t>time</a:t>
-            </a:r>
-          </a:p>
-          <a:p>
-            <a:r>
-              <a:rPr lang="en-US" dirty="0"/>
-              <a:t>D</a:t>
-            </a:r>
-            <a:r>
-              <a:rPr lang="en-US" dirty="0" smtClean="0"/>
-              <a:t>oes </a:t>
-            </a:r>
-            <a:r>
-              <a:rPr lang="en-US" dirty="0"/>
-              <a:t>not change with </a:t>
-            </a:r>
-            <a:r>
-              <a:rPr lang="en-US" dirty="0" smtClean="0"/>
-              <a:t>seasons</a:t>
-            </a:r>
-            <a:endParaRPr lang="en-US" dirty="0"/>
-          </a:p>
-          <a:p>
-            <a:r>
-              <a:rPr lang="en-US" dirty="0" smtClean="0"/>
-              <a:t>UTC </a:t>
-            </a:r>
-            <a:r>
-              <a:rPr lang="en-US" dirty="0"/>
-              <a:t>replaced GMT as the </a:t>
-            </a:r>
-            <a:r>
-              <a:rPr lang="en-US" dirty="0" smtClean="0"/>
-              <a:t>main </a:t>
-            </a:r>
-            <a:r>
-              <a:rPr lang="en-US" dirty="0"/>
-              <a:t>reference time scale </a:t>
-            </a:r>
-            <a:r>
-              <a:rPr lang="en-US" dirty="0" smtClean="0"/>
-              <a:t>on </a:t>
-            </a:r>
-            <a:r>
-              <a:rPr lang="en-US" dirty="0"/>
-              <a:t>1 January </a:t>
-            </a:r>
-            <a:r>
-              <a:rPr lang="en-US" dirty="0" smtClean="0"/>
-              <a:t>1972</a:t>
-            </a:r>
-            <a:endParaRPr lang="en-US" dirty="0"/>
-          </a:p>
-        </p:txBody>
-      </p:sp>
-      <p:sp>
-        <p:nvSpPr>
-          <p:cNvPr id="2" name="Title 1"/>
-          <p:cNvSpPr>
-            <a:spLocks noGrp="1"/>
-          </p:cNvSpPr>
-          <p:nvPr>
-            <p:ph type="title"/>
-          </p:nvPr>
-        </p:nvSpPr>
-        <p:spPr/>
-        <p:txBody>
-          <a:bodyPr/>
-          <a:lstStyle/>
-          <a:p>
-            <a:r>
-              <a:rPr lang="en-US" dirty="0" smtClean="0"/>
-              <a:t>UTC</a:t>
-            </a:r>
-            <a:endParaRPr lang="en-US" dirty="0"/>
-          </a:p>
-        </p:txBody>
-      </p:sp>
-    </p:spTree>
-    <p:extLst>
-      <p:ext uri="{BB962C8B-B14F-4D97-AF65-F5344CB8AC3E}">
-        <p14:creationId xmlns:p14="http://schemas.microsoft.com/office/powerpoint/2010/main" val="39991000"/>
-      </p:ext>
-    </p:extLst>
-  </p:cSld>
-  <p:clrMapOvr>
-    <a:masterClrMapping/>
-  </p:clrMapOvr>
-  <mc:AlternateContent xmlns:mc="http://schemas.openxmlformats.org/markup-compatibility/2006" xmlns:p14="http://schemas.microsoft.com/office/powerpoint/2010/main">
-    <mc:Choice Requires="p14">
-      <p:transition spd="med" p14:dur="700">
-        <p:fade/>
-      </p:transition>
-    </mc:Choice>
-    <mc:Fallback xmlns="">
-      <p:transition spd="med">
-        <p:fade/>
-      </p:transition>
-    </mc:Fallback>
-  </mc:AlternateContent>
-  <p:timing>
-    <p:tnLst>
-      <p:par>
-        <p:cTn id="1" dur="indefinite" restart="never" nodeType="tmRoot"/>
-      </p:par>
-    </p:tnLst>
-  </p:timing>
-</p:sld>
-</file>
-
-<file path=ppt/slides/slide19.xml><?xml version="1.0" encoding="utf-8"?>
-<p:sld xmlns:a="http://schemas.openxmlformats.org/drawingml/2006/main" xmlns:r="http://schemas.openxmlformats.org/officeDocument/2006/relationships" xmlns:p="http://schemas.openxmlformats.org/presentationml/2006/main">
-  <p:cSld>
-    <p:spTree>
-      <p:nvGrpSpPr>
-        <p:cNvPr id="1" name=""/>
-        <p:cNvGrpSpPr/>
-        <p:nvPr/>
-      </p:nvGrpSpPr>
-      <p:grpSpPr>
-        <a:xfrm>
-          <a:off x="0" y="0"/>
-          <a:ext cx="0" cy="0"/>
-          <a:chOff x="0" y="0"/>
-          <a:chExt cx="0" cy="0"/>
-        </a:xfrm>
-      </p:grpSpPr>
-      <p:sp>
-        <p:nvSpPr>
-          <p:cNvPr id="3" name="Content Placeholder 2"/>
-          <p:cNvSpPr>
-            <a:spLocks noGrp="1"/>
-          </p:cNvSpPr>
-          <p:nvPr>
-            <p:ph idx="1"/>
-          </p:nvPr>
-        </p:nvSpPr>
-        <p:spPr/>
-        <p:txBody>
-          <a:bodyPr>
-            <a:noAutofit/>
-          </a:bodyPr>
-          <a:lstStyle/>
-          <a:p>
-            <a:r>
               <a:rPr lang="en-US" dirty="0"/>
               <a:t>International standard for representation of dates and </a:t>
             </a:r>
@@ -8692,114 +7729,7 @@
 </p:sld>
 </file>
 
-<file path=ppt/slides/slide2.xml><?xml version="1.0" encoding="utf-8"?>
-<p:sld xmlns:a="http://schemas.openxmlformats.org/drawingml/2006/main" xmlns:r="http://schemas.openxmlformats.org/officeDocument/2006/relationships" xmlns:p="http://schemas.openxmlformats.org/presentationml/2006/main">
-  <p:cSld>
-    <p:spTree>
-      <p:nvGrpSpPr>
-        <p:cNvPr id="1" name=""/>
-        <p:cNvGrpSpPr/>
-        <p:nvPr/>
-      </p:nvGrpSpPr>
-      <p:grpSpPr>
-        <a:xfrm>
-          <a:off x="0" y="0"/>
-          <a:ext cx="0" cy="0"/>
-          <a:chOff x="0" y="0"/>
-          <a:chExt cx="0" cy="0"/>
-        </a:xfrm>
-      </p:grpSpPr>
-      <p:sp>
-        <p:nvSpPr>
-          <p:cNvPr id="2" name="Content Placeholder 1"/>
-          <p:cNvSpPr>
-            <a:spLocks noGrp="1"/>
-          </p:cNvSpPr>
-          <p:nvPr>
-            <p:ph idx="1"/>
-          </p:nvPr>
-        </p:nvSpPr>
-        <p:spPr/>
-        <p:txBody>
-          <a:bodyPr/>
-          <a:lstStyle/>
-          <a:p>
-            <a:r>
-              <a:rPr lang="en-US" dirty="0" smtClean="0"/>
-              <a:t>Review of the current date and time API</a:t>
-            </a:r>
-          </a:p>
-          <a:p>
-            <a:r>
-              <a:rPr lang="en-US" dirty="0" smtClean="0"/>
-              <a:t>Date and time concepts</a:t>
-            </a:r>
-          </a:p>
-          <a:p>
-            <a:r>
-              <a:rPr lang="en-US" dirty="0" smtClean="0"/>
-              <a:t>Survey of the new </a:t>
-            </a:r>
-            <a:r>
-              <a:rPr lang="en-US" dirty="0"/>
-              <a:t>date and time </a:t>
-            </a:r>
-            <a:r>
-              <a:rPr lang="en-US" dirty="0" smtClean="0"/>
-              <a:t>API</a:t>
-            </a:r>
-          </a:p>
-        </p:txBody>
-      </p:sp>
-      <p:sp>
-        <p:nvSpPr>
-          <p:cNvPr id="3" name="Title 2"/>
-          <p:cNvSpPr>
-            <a:spLocks noGrp="1"/>
-          </p:cNvSpPr>
-          <p:nvPr>
-            <p:ph type="title"/>
-          </p:nvPr>
-        </p:nvSpPr>
-        <p:spPr/>
-        <p:txBody>
-          <a:bodyPr/>
-          <a:lstStyle/>
-          <a:p>
-            <a:r>
-              <a:rPr lang="en-US" dirty="0" smtClean="0"/>
-              <a:t>Overview</a:t>
-            </a:r>
-            <a:endParaRPr lang="en-US" dirty="0"/>
-          </a:p>
-        </p:txBody>
-      </p:sp>
-    </p:spTree>
-    <p:extLst>
-      <p:ext uri="{BB962C8B-B14F-4D97-AF65-F5344CB8AC3E}">
-        <p14:creationId xmlns:p14="http://schemas.microsoft.com/office/powerpoint/2010/main" val="2535973091"/>
-      </p:ext>
-    </p:extLst>
-  </p:cSld>
-  <p:clrMapOvr>
-    <a:masterClrMapping/>
-  </p:clrMapOvr>
-  <mc:AlternateContent xmlns:mc="http://schemas.openxmlformats.org/markup-compatibility/2006" xmlns:p14="http://schemas.microsoft.com/office/powerpoint/2010/main">
-    <mc:Choice Requires="p14">
-      <p:transition spd="med" p14:dur="700">
-        <p:fade/>
-      </p:transition>
-    </mc:Choice>
-    <mc:Fallback xmlns="">
-      <p:transition spd="med">
-        <p:fade/>
-      </p:transition>
-    </mc:Fallback>
-  </mc:AlternateContent>
-</p:sld>
-</file>
-
-<file path=ppt/slides/slide20.xml><?xml version="1.0" encoding="utf-8"?>
+<file path=ppt/slides/slide19.xml><?xml version="1.0" encoding="utf-8"?>
 <p:sld xmlns:a="http://schemas.openxmlformats.org/drawingml/2006/main" xmlns:r="http://schemas.openxmlformats.org/officeDocument/2006/relationships" xmlns:p="http://schemas.openxmlformats.org/presentationml/2006/main">
   <p:cSld>
     <p:spTree>
@@ -8920,7 +7850,121 @@
 </p:sld>
 </file>
 
-<file path=ppt/slides/slide21.xml><?xml version="1.0" encoding="utf-8"?>
+<file path=ppt/slides/slide2.xml><?xml version="1.0" encoding="utf-8"?>
+<p:sld xmlns:a="http://schemas.openxmlformats.org/drawingml/2006/main" xmlns:r="http://schemas.openxmlformats.org/officeDocument/2006/relationships" xmlns:p="http://schemas.openxmlformats.org/presentationml/2006/main">
+  <p:cSld>
+    <p:spTree>
+      <p:nvGrpSpPr>
+        <p:cNvPr id="1" name=""/>
+        <p:cNvGrpSpPr/>
+        <p:nvPr/>
+      </p:nvGrpSpPr>
+      <p:grpSpPr>
+        <a:xfrm>
+          <a:off x="0" y="0"/>
+          <a:ext cx="0" cy="0"/>
+          <a:chOff x="0" y="0"/>
+          <a:chExt cx="0" cy="0"/>
+        </a:xfrm>
+      </p:grpSpPr>
+      <p:sp>
+        <p:nvSpPr>
+          <p:cNvPr id="2" name="Content Placeholder 1"/>
+          <p:cNvSpPr>
+            <a:spLocks noGrp="1"/>
+          </p:cNvSpPr>
+          <p:nvPr>
+            <p:ph idx="1"/>
+          </p:nvPr>
+        </p:nvSpPr>
+        <p:spPr/>
+        <p:txBody>
+          <a:bodyPr/>
+          <a:lstStyle/>
+          <a:p>
+            <a:r>
+              <a:rPr lang="en-US" dirty="0" smtClean="0"/>
+              <a:t>Review of the current date and time API</a:t>
+            </a:r>
+          </a:p>
+          <a:p>
+            <a:r>
+              <a:rPr lang="en-US" dirty="0" smtClean="0"/>
+              <a:t>Date and time concepts</a:t>
+            </a:r>
+          </a:p>
+          <a:p>
+            <a:r>
+              <a:rPr lang="en-US" dirty="0" smtClean="0"/>
+              <a:t>Survey of the new </a:t>
+            </a:r>
+            <a:r>
+              <a:rPr lang="en-US" dirty="0"/>
+              <a:t>date and time </a:t>
+            </a:r>
+            <a:r>
+              <a:rPr lang="en-US" dirty="0" smtClean="0"/>
+              <a:t>API</a:t>
+            </a:r>
+          </a:p>
+        </p:txBody>
+      </p:sp>
+      <p:sp>
+        <p:nvSpPr>
+          <p:cNvPr id="3" name="Title 2"/>
+          <p:cNvSpPr>
+            <a:spLocks noGrp="1"/>
+          </p:cNvSpPr>
+          <p:nvPr>
+            <p:ph type="title"/>
+          </p:nvPr>
+        </p:nvSpPr>
+        <p:spPr/>
+        <p:txBody>
+          <a:bodyPr/>
+          <a:lstStyle/>
+          <a:p>
+            <a:r>
+              <a:rPr lang="en-US" dirty="0" smtClean="0"/>
+              <a:t>Overview</a:t>
+            </a:r>
+            <a:endParaRPr lang="en-US" dirty="0"/>
+          </a:p>
+        </p:txBody>
+      </p:sp>
+    </p:spTree>
+    <p:extLst>
+      <p:ext uri="{BB962C8B-B14F-4D97-AF65-F5344CB8AC3E}">
+        <p14:creationId xmlns:p14="http://schemas.microsoft.com/office/powerpoint/2010/main" val="2535973091"/>
+      </p:ext>
+    </p:extLst>
+  </p:cSld>
+  <p:clrMapOvr>
+    <a:masterClrMapping/>
+  </p:clrMapOvr>
+  <mc:AlternateContent xmlns:mc="http://schemas.openxmlformats.org/markup-compatibility/2006" xmlns:p14="http://schemas.microsoft.com/office/powerpoint/2010/main">
+    <mc:Choice Requires="p14">
+      <p:transition spd="med" p14:dur="700">
+        <p:fade/>
+      </p:transition>
+    </mc:Choice>
+    <mc:Fallback xmlns="">
+      <p:transition spd="med">
+        <p:fade/>
+      </p:transition>
+    </mc:Fallback>
+  </mc:AlternateContent>
+  <p:timing>
+    <p:tnLst>
+      <p:par>
+        <p:cTn id="1" dur="indefinite" restart="never" nodeType="tmRoot"/>
+      </p:par>
+    </p:tnLst>
+  </p:timing>
+</p:sld>
+</file>
+
+<file path=ppt/slides/slide20.xml><?xml version="1.0" encoding="utf-8"?>
 <p:sld xmlns:a="http://schemas.openxmlformats.org/drawingml/2006/main" xmlns:r="http://schemas.openxmlformats.org/officeDocument/2006/relationships" xmlns:p="http://schemas.openxmlformats.org/presentationml/2006/main">
   <p:cSld>
     <p:spTree>
@@ -9108,6 +8152,182 @@
     <p:extLst>
       <p:ext uri="{BB962C8B-B14F-4D97-AF65-F5344CB8AC3E}">
         <p14:creationId xmlns:p14="http://schemas.microsoft.com/office/powerpoint/2010/main" val="1418419703"/>
+      </p:ext>
+    </p:extLst>
+  </p:cSld>
+  <p:clrMapOvr>
+    <a:masterClrMapping/>
+  </p:clrMapOvr>
+  <mc:AlternateContent xmlns:mc="http://schemas.openxmlformats.org/markup-compatibility/2006" xmlns:p14="http://schemas.microsoft.com/office/powerpoint/2010/main">
+    <mc:Choice Requires="p14">
+      <p:transition spd="med" p14:dur="700">
+        <p:fade/>
+      </p:transition>
+    </mc:Choice>
+    <mc:Fallback xmlns="">
+      <p:transition spd="med">
+        <p:fade/>
+      </p:transition>
+    </mc:Fallback>
+  </mc:AlternateContent>
+  <p:timing>
+    <p:tnLst>
+      <p:par>
+        <p:cTn id="1" dur="indefinite" restart="never" nodeType="tmRoot"/>
+      </p:par>
+    </p:tnLst>
+  </p:timing>
+</p:sld>
+</file>
+
+<file path=ppt/slides/slide21.xml><?xml version="1.0" encoding="utf-8"?>
+<p:sld xmlns:a="http://schemas.openxmlformats.org/drawingml/2006/main" xmlns:r="http://schemas.openxmlformats.org/officeDocument/2006/relationships" xmlns:p="http://schemas.openxmlformats.org/presentationml/2006/main">
+  <p:cSld>
+    <p:spTree>
+      <p:nvGrpSpPr>
+        <p:cNvPr id="1" name=""/>
+        <p:cNvGrpSpPr/>
+        <p:nvPr/>
+      </p:nvGrpSpPr>
+      <p:grpSpPr>
+        <a:xfrm>
+          <a:off x="0" y="0"/>
+          <a:ext cx="0" cy="0"/>
+          <a:chOff x="0" y="0"/>
+          <a:chExt cx="0" cy="0"/>
+        </a:xfrm>
+      </p:grpSpPr>
+      <p:sp>
+        <p:nvSpPr>
+          <p:cNvPr id="3" name="Content Placeholder 2"/>
+          <p:cNvSpPr>
+            <a:spLocks noGrp="1"/>
+          </p:cNvSpPr>
+          <p:nvPr>
+            <p:ph idx="1"/>
+          </p:nvPr>
+        </p:nvSpPr>
+        <p:spPr/>
+        <p:txBody>
+          <a:bodyPr>
+            <a:noAutofit/>
+          </a:bodyPr>
+          <a:lstStyle/>
+          <a:p>
+            <a:r>
+              <a:rPr lang="en-US" dirty="0" smtClean="0"/>
+              <a:t>Distinguish </a:t>
+            </a:r>
+            <a:r>
+              <a:rPr lang="en-US" dirty="0"/>
+              <a:t>between machine and human views </a:t>
+            </a:r>
+            <a:endParaRPr lang="en-US" dirty="0" smtClean="0"/>
+          </a:p>
+          <a:p>
+            <a:r>
+              <a:rPr lang="en-US" dirty="0" smtClean="0"/>
+              <a:t>Well-defined </a:t>
+            </a:r>
+            <a:r>
+              <a:rPr lang="en-US" dirty="0"/>
+              <a:t>and clear </a:t>
+            </a:r>
+            <a:r>
+              <a:rPr lang="en-US" dirty="0" smtClean="0"/>
+              <a:t>purpose</a:t>
+            </a:r>
+            <a:endParaRPr lang="en-US" dirty="0"/>
+          </a:p>
+          <a:p>
+            <a:r>
+              <a:rPr lang="en-US" dirty="0"/>
+              <a:t>Immutable, </a:t>
+            </a:r>
+            <a:r>
+              <a:rPr lang="en-US" dirty="0" smtClean="0"/>
+              <a:t>thread-safe</a:t>
+            </a:r>
+            <a:endParaRPr lang="en-US" dirty="0"/>
+          </a:p>
+          <a:p>
+            <a:r>
+              <a:rPr lang="en-US" dirty="0" smtClean="0"/>
+              <a:t>Reject </a:t>
+            </a:r>
+            <a:r>
+              <a:rPr lang="en-US" dirty="0"/>
+              <a:t>null </a:t>
+            </a:r>
+            <a:r>
+              <a:rPr lang="en-US" dirty="0" smtClean="0"/>
+              <a:t>and bad arguments </a:t>
+            </a:r>
+            <a:r>
+              <a:rPr lang="en-US" dirty="0"/>
+              <a:t>early</a:t>
+            </a:r>
+          </a:p>
+          <a:p>
+            <a:r>
+              <a:rPr lang="en-US" dirty="0"/>
+              <a:t>Extensible, by use of </a:t>
+            </a:r>
+            <a:r>
+              <a:rPr lang="en-US" dirty="0" smtClean="0"/>
+              <a:t>strategy pattern</a:t>
+            </a:r>
+          </a:p>
+          <a:p>
+            <a:r>
+              <a:rPr lang="en-US" dirty="0" smtClean="0"/>
+              <a:t>Fluent </a:t>
+            </a:r>
+            <a:r>
+              <a:rPr lang="en-US" dirty="0"/>
+              <a:t>interface with chained </a:t>
+            </a:r>
+            <a:r>
+              <a:rPr lang="en-US" dirty="0" smtClean="0"/>
+              <a:t>methods</a:t>
+            </a:r>
+            <a:endParaRPr lang="en-US" dirty="0"/>
+          </a:p>
+        </p:txBody>
+      </p:sp>
+      <p:sp>
+        <p:nvSpPr>
+          <p:cNvPr id="2" name="Title 1"/>
+          <p:cNvSpPr>
+            <a:spLocks noGrp="1"/>
+          </p:cNvSpPr>
+          <p:nvPr>
+            <p:ph type="title"/>
+          </p:nvPr>
+        </p:nvSpPr>
+        <p:spPr/>
+        <p:txBody>
+          <a:bodyPr>
+            <a:normAutofit/>
+          </a:bodyPr>
+          <a:lstStyle/>
+          <a:p>
+            <a:r>
+              <a:rPr lang="en-US" dirty="0" smtClean="0"/>
+              <a:t>Design </a:t>
+            </a:r>
+            <a:r>
+              <a:rPr lang="en-US" dirty="0" smtClean="0"/>
+              <a:t>Principles</a:t>
+            </a:r>
+            <a:endParaRPr lang="en-US" dirty="0"/>
+          </a:p>
+        </p:txBody>
+      </p:sp>
+    </p:spTree>
+    <p:extLst>
+      <p:ext uri="{BB962C8B-B14F-4D97-AF65-F5344CB8AC3E}">
+        <p14:creationId xmlns:p14="http://schemas.microsoft.com/office/powerpoint/2010/main" val="1338596923"/>
       </p:ext>
     </p:extLst>
   </p:cSld>
@@ -9171,77 +8391,95 @@
           <a:lstStyle/>
           <a:p>
             <a:r>
+              <a:rPr lang="en-US" dirty="0" smtClean="0"/>
+              <a:t>Point </a:t>
+            </a:r>
+            <a:r>
               <a:rPr lang="en-US" dirty="0"/>
-              <a:t>Distinguishes between machine and human views </a:t>
-            </a:r>
-            <a:endParaRPr lang="en-US" dirty="0" smtClean="0"/>
-          </a:p>
-          <a:p>
-            <a:r>
-              <a:rPr lang="en-US" dirty="0" smtClean="0"/>
-              <a:t>Well-defined </a:t>
+              <a:t>on </a:t>
+            </a:r>
+            <a:r>
+              <a:rPr lang="en-US" dirty="0" smtClean="0"/>
+              <a:t>a discretized time-line</a:t>
+            </a:r>
+          </a:p>
+          <a:p>
+            <a:r>
+              <a:rPr lang="en-US" dirty="0" smtClean="0"/>
+              <a:t>Stored </a:t>
             </a:r>
             <a:r>
               <a:rPr lang="en-US" dirty="0"/>
-              <a:t>and clear about </a:t>
-            </a:r>
-            <a:r>
-              <a:rPr lang="en-US" dirty="0" smtClean="0"/>
-              <a:t>purpose</a:t>
-            </a:r>
-            <a:endParaRPr lang="en-US" dirty="0"/>
-          </a:p>
-          <a:p>
+              <a:t>to nanosecond </a:t>
+            </a:r>
+            <a:r>
+              <a:rPr lang="en-US" dirty="0" smtClean="0"/>
+              <a:t>resolution</a:t>
+            </a:r>
+          </a:p>
+          <a:p>
+            <a:r>
+              <a:rPr lang="en-US" dirty="0" smtClean="0"/>
+              <a:t>Stores </a:t>
+            </a:r>
+          </a:p>
+          <a:p>
+            <a:pPr lvl="1"/>
+            <a:r>
+              <a:rPr lang="en-US" dirty="0" smtClean="0">
+                <a:latin typeface="Consolas" panose="020B0609020204030204" pitchFamily="49" charset="0"/>
+                <a:cs typeface="Consolas" panose="020B0609020204030204" pitchFamily="49" charset="0"/>
+              </a:rPr>
+              <a:t>long</a:t>
+            </a:r>
+            <a:r>
+              <a:rPr lang="en-US" dirty="0" smtClean="0"/>
+              <a:t> for </a:t>
+            </a:r>
             <a:r>
               <a:rPr lang="en-US" dirty="0"/>
-              <a:t>Immutable, </a:t>
-            </a:r>
-            <a:r>
-              <a:rPr lang="en-US" dirty="0" smtClean="0"/>
-              <a:t>thread-safe</a:t>
-            </a:r>
-            <a:endParaRPr lang="en-US" dirty="0"/>
-          </a:p>
-          <a:p>
-            <a:r>
-              <a:rPr lang="en-US" dirty="0" smtClean="0"/>
-              <a:t>Rejects </a:t>
+              <a:t>seconds since epoch, </a:t>
+            </a:r>
+            <a:r>
+              <a:rPr lang="en-US" dirty="0" smtClean="0"/>
+              <a:t>and</a:t>
+            </a:r>
+          </a:p>
+          <a:p>
+            <a:pPr lvl="1"/>
+            <a:r>
+              <a:rPr lang="en-US" dirty="0" err="1" smtClean="0">
+                <a:latin typeface="Consolas" panose="020B0609020204030204" pitchFamily="49" charset="0"/>
+                <a:cs typeface="Consolas" panose="020B0609020204030204" pitchFamily="49" charset="0"/>
+              </a:rPr>
+              <a:t>int</a:t>
+            </a:r>
+            <a:r>
+              <a:rPr lang="en-US" dirty="0" smtClean="0"/>
+              <a:t> for nanosecond of second</a:t>
+            </a:r>
+          </a:p>
+          <a:p>
+            <a:r>
+              <a:rPr lang="en-US" dirty="0" smtClean="0"/>
+              <a:t>Convert </a:t>
             </a:r>
             <a:r>
               <a:rPr lang="en-US" dirty="0"/>
-              <a:t>null </a:t>
-            </a:r>
-            <a:r>
-              <a:rPr lang="en-US" dirty="0" smtClean="0"/>
-              <a:t>and bad arguments </a:t>
-            </a:r>
-            <a:r>
-              <a:rPr lang="en-US" dirty="0"/>
-              <a:t>early</a:t>
-            </a:r>
-          </a:p>
-          <a:p>
-            <a:r>
-              <a:rPr lang="en-US" dirty="0"/>
-              <a:t>Extensible, by use of </a:t>
-            </a:r>
-            <a:r>
-              <a:rPr lang="en-US" dirty="0" smtClean="0"/>
-              <a:t>strategy pattern</a:t>
-            </a:r>
-          </a:p>
-          <a:p>
-            <a:r>
-              <a:rPr lang="en-US" dirty="0" smtClean="0"/>
-              <a:t>Fluent </a:t>
-            </a:r>
-            <a:r>
-              <a:rPr lang="en-US" dirty="0"/>
-              <a:t>interface with chained </a:t>
-            </a:r>
-            <a:r>
-              <a:rPr lang="en-US" dirty="0" smtClean="0"/>
-              <a:t>methods</a:t>
+              <a:t>to any date time field using a </a:t>
+            </a:r>
+            <a:r>
+              <a:rPr lang="en-US" dirty="0" smtClean="0">
+                <a:latin typeface="Consolas" panose="020B0609020204030204" pitchFamily="49" charset="0"/>
+                <a:cs typeface="Consolas" panose="020B0609020204030204" pitchFamily="49" charset="0"/>
+              </a:rPr>
+              <a:t>Chronology</a:t>
+            </a:r>
+          </a:p>
+          <a:p>
+            <a:r>
+              <a:rPr lang="en-US" dirty="0" smtClean="0"/>
+              <a:t>Use for event time-stamps</a:t>
             </a:r>
             <a:endParaRPr lang="en-US" dirty="0"/>
           </a:p>
@@ -9259,14 +8497,12 @@
         </p:nvSpPr>
         <p:spPr/>
         <p:txBody>
-          <a:bodyPr>
-            <a:normAutofit/>
-          </a:bodyPr>
+          <a:bodyPr/>
           <a:lstStyle/>
           <a:p>
             <a:r>
               <a:rPr lang="en-US" dirty="0" smtClean="0"/>
-              <a:t>API Design Principles</a:t>
+              <a:t>Instant</a:t>
             </a:r>
             <a:endParaRPr lang="en-US" dirty="0"/>
           </a:p>
@@ -9275,7 +8511,7 @@
     </p:spTree>
     <p:extLst>
       <p:ext uri="{BB962C8B-B14F-4D97-AF65-F5344CB8AC3E}">
-        <p14:creationId xmlns:p14="http://schemas.microsoft.com/office/powerpoint/2010/main" val="1338596923"/>
+        <p14:creationId xmlns:p14="http://schemas.microsoft.com/office/powerpoint/2010/main" val="539299214"/>
       </p:ext>
     </p:extLst>
   </p:cSld>
@@ -9334,98 +8570,115 @@
         <p:spPr/>
         <p:txBody>
           <a:bodyPr>
-            <a:noAutofit/>
+            <a:normAutofit/>
           </a:bodyPr>
           <a:lstStyle/>
           <a:p>
             <a:r>
               <a:rPr lang="en-US" dirty="0" smtClean="0"/>
-              <a:t>Point </a:t>
+              <a:t>An </a:t>
             </a:r>
             <a:r>
               <a:rPr lang="en-US" dirty="0"/>
-              <a:t>on </a:t>
-            </a:r>
-            <a:r>
-              <a:rPr lang="en-US" dirty="0" smtClean="0"/>
-              <a:t>a discretized time-line</a:t>
-            </a:r>
-          </a:p>
-          <a:p>
-            <a:r>
-              <a:rPr lang="en-US" dirty="0" smtClean="0"/>
-              <a:t>Stored </a:t>
+              <a:t>indication of date or </a:t>
+            </a:r>
+            <a:r>
+              <a:rPr lang="en-US" dirty="0" smtClean="0"/>
+              <a:t>time that cannot specify </a:t>
             </a:r>
             <a:r>
               <a:rPr lang="en-US" dirty="0"/>
-              <a:t>to nanosecond </a:t>
-            </a:r>
-            <a:r>
-              <a:rPr lang="en-US" dirty="0" smtClean="0"/>
-              <a:t>resolution</a:t>
-            </a:r>
-          </a:p>
-          <a:p>
-            <a:r>
-              <a:rPr lang="en-US" dirty="0" smtClean="0"/>
-              <a:t>Stores </a:t>
-            </a:r>
-          </a:p>
-          <a:p>
-            <a:pPr lvl="1"/>
-            <a:r>
-              <a:rPr lang="en-US" dirty="0" smtClean="0">
-                <a:latin typeface="Consolas" panose="020B0609020204030204" pitchFamily="49" charset="0"/>
-                <a:cs typeface="Consolas" panose="020B0609020204030204" pitchFamily="49" charset="0"/>
-              </a:rPr>
-              <a:t>long</a:t>
-            </a:r>
-            <a:r>
-              <a:rPr lang="en-US" dirty="0" smtClean="0"/>
-              <a:t> for </a:t>
+              <a:t>a specific, unique </a:t>
+            </a:r>
+            <a:r>
+              <a:rPr lang="en-US" dirty="0" smtClean="0"/>
+              <a:t>instant</a:t>
+            </a:r>
+          </a:p>
+          <a:p>
+            <a:r>
+              <a:rPr lang="en-US" dirty="0" smtClean="0"/>
+              <a:t>Definition uses fields such </a:t>
             </a:r>
             <a:r>
               <a:rPr lang="en-US" dirty="0"/>
-              <a:t>seconds since epoch, </a:t>
-            </a:r>
-            <a:r>
-              <a:rPr lang="en-US" dirty="0" smtClean="0"/>
-              <a:t>and</a:t>
-            </a:r>
-          </a:p>
-          <a:p>
-            <a:pPr lvl="1"/>
-            <a:r>
-              <a:rPr lang="en-US" dirty="0" err="1" smtClean="0">
-                <a:latin typeface="Consolas" panose="020B0609020204030204" pitchFamily="49" charset="0"/>
-                <a:cs typeface="Consolas" panose="020B0609020204030204" pitchFamily="49" charset="0"/>
-              </a:rPr>
-              <a:t>int</a:t>
-            </a:r>
-            <a:r>
-              <a:rPr lang="en-US" dirty="0" smtClean="0"/>
-              <a:t> for nanosecond of second</a:t>
-            </a:r>
-          </a:p>
-          <a:p>
-            <a:r>
-              <a:rPr lang="en-US" dirty="0" smtClean="0"/>
-              <a:t>Convert </a:t>
+              <a:t>as year, month, day of month, and time of </a:t>
+            </a:r>
+            <a:r>
+              <a:rPr lang="en-US" dirty="0" smtClean="0"/>
+              <a:t>day</a:t>
+            </a:r>
+          </a:p>
+          <a:p>
+            <a:r>
+              <a:rPr lang="en-US" dirty="0" smtClean="0"/>
+              <a:t>Commonly </a:t>
             </a:r>
             <a:r>
               <a:rPr lang="en-US" dirty="0"/>
-              <a:t>to any date time field using a </a:t>
-            </a:r>
-            <a:r>
-              <a:rPr lang="en-US" dirty="0" smtClean="0"/>
-              <a:t>Chronology</a:t>
-            </a:r>
-          </a:p>
-          <a:p>
-            <a:r>
-              <a:rPr lang="en-US" dirty="0" smtClean="0"/>
-              <a:t>Use for event time-stamps</a:t>
-            </a:r>
+              <a:t>used partials, </a:t>
+            </a:r>
+            <a:r>
+              <a:rPr lang="en-US" dirty="0" smtClean="0"/>
+              <a:t>such as</a:t>
+            </a:r>
+            <a:r>
+              <a:rPr lang="en-US" dirty="0"/>
+              <a:t> </a:t>
+            </a:r>
+            <a:r>
+              <a:rPr lang="en-US" dirty="0" err="1" smtClean="0"/>
+              <a:t>LocalDate</a:t>
+            </a:r>
+            <a:r>
+              <a:rPr lang="en-US" dirty="0" smtClean="0"/>
+              <a:t> and </a:t>
+            </a:r>
+            <a:r>
+              <a:rPr lang="en-US" dirty="0" err="1" smtClean="0"/>
+              <a:t>LocalTime</a:t>
+            </a:r>
+            <a:r>
+              <a:rPr lang="en-US" dirty="0"/>
+              <a:t> are available </a:t>
+            </a:r>
+          </a:p>
+          <a:p>
+            <a:r>
+              <a:rPr lang="en-US" dirty="0" smtClean="0"/>
+              <a:t>Others like </a:t>
+            </a:r>
+            <a:r>
+              <a:rPr lang="en-US" dirty="0" err="1" smtClean="0"/>
+              <a:t>MonthDay</a:t>
+            </a:r>
+            <a:r>
+              <a:rPr lang="en-US" dirty="0" smtClean="0"/>
+              <a:t>, </a:t>
+            </a:r>
+            <a:r>
+              <a:rPr lang="en-US" dirty="0" err="1" smtClean="0"/>
+              <a:t>YearMonth</a:t>
+            </a:r>
+            <a:r>
+              <a:rPr lang="en-US" dirty="0"/>
+              <a:t> </a:t>
+            </a:r>
+            <a:r>
+              <a:rPr lang="en-US" dirty="0" smtClean="0"/>
+              <a:t>(card expiration</a:t>
+            </a:r>
+            <a:r>
+              <a:rPr lang="en-US" dirty="0"/>
+              <a:t>?) are </a:t>
+            </a:r>
+            <a:r>
+              <a:rPr lang="en-US" dirty="0" smtClean="0"/>
+              <a:t>also available </a:t>
+            </a:r>
+            <a:endParaRPr lang="en-US" dirty="0"/>
+          </a:p>
+          <a:p>
             <a:endParaRPr lang="en-US" dirty="0"/>
           </a:p>
         </p:txBody>
@@ -9447,7 +8700,7 @@
           <a:p>
             <a:r>
               <a:rPr lang="en-US" dirty="0" smtClean="0"/>
-              <a:t>Instant</a:t>
+              <a:t>Partial</a:t>
             </a:r>
             <a:endParaRPr lang="en-US" dirty="0"/>
           </a:p>
@@ -9456,7 +8709,7 @@
     </p:spTree>
     <p:extLst>
       <p:ext uri="{BB962C8B-B14F-4D97-AF65-F5344CB8AC3E}">
-        <p14:creationId xmlns:p14="http://schemas.microsoft.com/office/powerpoint/2010/main" val="539299214"/>
+        <p14:creationId xmlns:p14="http://schemas.microsoft.com/office/powerpoint/2010/main" val="436468171"/>
       </p:ext>
     </p:extLst>
   </p:cSld>
@@ -9521,75 +8774,59 @@
           <a:p>
             <a:r>
               <a:rPr lang="en-US" dirty="0" smtClean="0"/>
-              <a:t>An </a:t>
+              <a:t>Precise </a:t>
             </a:r>
             <a:r>
               <a:rPr lang="en-US" dirty="0"/>
-              <a:t>indication of date or </a:t>
-            </a:r>
-            <a:r>
-              <a:rPr lang="en-US" dirty="0" smtClean="0"/>
-              <a:t>time that cannot specify </a:t>
-            </a:r>
+              <a:t>length of elapsed time, in </a:t>
+            </a:r>
+            <a:r>
+              <a:rPr lang="en-US" dirty="0" smtClean="0"/>
+              <a:t>nanoseconds</a:t>
+            </a:r>
+          </a:p>
+          <a:p>
             <a:r>
               <a:rPr lang="en-US" dirty="0"/>
-              <a:t>a specific, unique </a:t>
-            </a:r>
-            <a:r>
-              <a:rPr lang="en-US" dirty="0" smtClean="0"/>
-              <a:t>instant</a:t>
-            </a:r>
-          </a:p>
-          <a:p>
-            <a:r>
-              <a:rPr lang="en-US" dirty="0" smtClean="0"/>
-              <a:t>Definition uses fields such </a:t>
+              <a:t>D</a:t>
+            </a:r>
+            <a:r>
+              <a:rPr lang="en-US" dirty="0" smtClean="0"/>
+              <a:t>oes </a:t>
             </a:r>
             <a:r>
               <a:rPr lang="en-US" dirty="0"/>
-              <a:t>as year, month, day of month, and time of </a:t>
-            </a:r>
-            <a:r>
-              <a:rPr lang="en-US" dirty="0" smtClean="0"/>
-              <a:t>day</a:t>
-            </a:r>
-          </a:p>
-          <a:p>
-            <a:r>
-              <a:rPr lang="en-US" dirty="0" smtClean="0"/>
-              <a:t>Commonly </a:t>
+              <a:t>not use date-based constructs </a:t>
+            </a:r>
+            <a:r>
+              <a:rPr lang="en-US" dirty="0" smtClean="0"/>
+              <a:t>like </a:t>
             </a:r>
             <a:r>
               <a:rPr lang="en-US" dirty="0"/>
-              <a:t>used partials, </a:t>
-            </a:r>
-            <a:r>
-              <a:rPr lang="en-US" dirty="0" smtClean="0"/>
-              <a:t>such as</a:t>
-            </a:r>
+              <a:t>years, months, and </a:t>
+            </a:r>
+            <a:r>
+              <a:rPr lang="en-US" dirty="0" smtClean="0"/>
+              <a:t>days</a:t>
+            </a:r>
+          </a:p>
+          <a:p>
             <a:r>
               <a:rPr lang="en-US" dirty="0"/>
-              <a:t> </a:t>
-            </a:r>
-            <a:r>
-              <a:rPr lang="en-US" dirty="0" err="1" smtClean="0"/>
-              <a:t>MonthDay</a:t>
-            </a:r>
-            <a:r>
-              <a:rPr lang="en-US" dirty="0" smtClean="0"/>
-              <a:t>, </a:t>
-            </a:r>
-            <a:r>
-              <a:rPr lang="en-US" dirty="0" err="1" smtClean="0"/>
-              <a:t>YearMonth</a:t>
+              <a:t>C</a:t>
+            </a:r>
+            <a:r>
+              <a:rPr lang="en-US" dirty="0" smtClean="0"/>
+              <a:t>an be negative, </a:t>
             </a:r>
             <a:r>
               <a:rPr lang="en-US" dirty="0"/>
-              <a:t> </a:t>
-            </a:r>
-            <a:r>
-              <a:rPr lang="en-US" dirty="0" smtClean="0"/>
-              <a:t>(card expiration?) are available </a:t>
+              <a:t>if </a:t>
+            </a:r>
+            <a:r>
+              <a:rPr lang="en-US" dirty="0" smtClean="0"/>
+              <a:t>end is before start</a:t>
             </a:r>
             <a:endParaRPr lang="en-US" dirty="0"/>
           </a:p>
@@ -9612,7 +8849,7 @@
           <a:p>
             <a:r>
               <a:rPr lang="en-US" dirty="0" smtClean="0"/>
-              <a:t>Partial</a:t>
+              <a:t>Duration</a:t>
             </a:r>
             <a:endParaRPr lang="en-US" dirty="0"/>
           </a:p>
@@ -9621,7 +8858,7 @@
     </p:spTree>
     <p:extLst>
       <p:ext uri="{BB962C8B-B14F-4D97-AF65-F5344CB8AC3E}">
-        <p14:creationId xmlns:p14="http://schemas.microsoft.com/office/powerpoint/2010/main" val="436468171"/>
+        <p14:creationId xmlns:p14="http://schemas.microsoft.com/office/powerpoint/2010/main" val="1780954791"/>
       </p:ext>
     </p:extLst>
   </p:cSld>
@@ -9686,15 +8923,15 @@
           <a:p>
             <a:r>
               <a:rPr lang="en-US" dirty="0" smtClean="0"/>
-              <a:t>Precise </a:t>
+              <a:t>A length </a:t>
             </a:r>
             <a:r>
               <a:rPr lang="en-US" dirty="0"/>
-              <a:t>length of elapsed time, in </a:t>
-            </a:r>
-            <a:r>
-              <a:rPr lang="en-US" dirty="0" smtClean="0"/>
-              <a:t>nanoseconds</a:t>
+              <a:t>of elapsed </a:t>
+            </a:r>
+            <a:r>
+              <a:rPr lang="en-US" dirty="0" smtClean="0"/>
+              <a:t>time</a:t>
             </a:r>
           </a:p>
           <a:p>
@@ -9704,41 +8941,29 @@
             </a:r>
             <a:r>
               <a:rPr lang="en-US" dirty="0" smtClean="0"/>
-              <a:t>oes </a:t>
+              <a:t>efined </a:t>
             </a:r>
             <a:r>
               <a:rPr lang="en-US" dirty="0"/>
-              <a:t>not use date-based constructs </a:t>
-            </a:r>
-            <a:r>
-              <a:rPr lang="en-US" dirty="0" smtClean="0"/>
-              <a:t>like </a:t>
+              <a:t>using calendar </a:t>
+            </a:r>
+            <a:r>
+              <a:rPr lang="en-US" dirty="0" smtClean="0"/>
+              <a:t>fields - years</a:t>
             </a:r>
             <a:r>
               <a:rPr lang="en-US" dirty="0"/>
-              <a:t>years, months, and </a:t>
-            </a:r>
-            <a:r>
-              <a:rPr lang="en-US" dirty="0" smtClean="0"/>
-              <a:t>days</a:t>
-            </a:r>
-          </a:p>
-          <a:p>
-            <a:r>
-              <a:rPr lang="en-US" dirty="0"/>
-              <a:t>C</a:t>
-            </a:r>
-            <a:r>
-              <a:rPr lang="en-US" dirty="0" smtClean="0"/>
-              <a:t>an be negative, </a:t>
-            </a:r>
-            <a:r>
-              <a:rPr lang="en-US" dirty="0"/>
-              <a:t>if </a:t>
-            </a:r>
-            <a:r>
-              <a:rPr lang="en-US" dirty="0" smtClean="0"/>
-              <a:t>end is before start</a:t>
+              <a:t>, months, and </a:t>
+            </a:r>
+            <a:r>
+              <a:rPr lang="en-US" dirty="0" smtClean="0"/>
+              <a:t>days (not minutes and seconds)</a:t>
+            </a:r>
+          </a:p>
+          <a:p>
+            <a:r>
+              <a:rPr lang="en-US" dirty="0" smtClean="0"/>
+              <a:t>Takes time zones into account for calculation</a:t>
             </a:r>
             <a:endParaRPr lang="en-US" dirty="0"/>
           </a:p>
@@ -9761,7 +8986,7 @@
           <a:p>
             <a:r>
               <a:rPr lang="en-US" dirty="0" smtClean="0"/>
-              <a:t>Duration</a:t>
+              <a:t>Period</a:t>
             </a:r>
             <a:endParaRPr lang="en-US" dirty="0"/>
           </a:p>
@@ -9770,7 +8995,7 @@
     </p:spTree>
     <p:extLst>
       <p:ext uri="{BB962C8B-B14F-4D97-AF65-F5344CB8AC3E}">
-        <p14:creationId xmlns:p14="http://schemas.microsoft.com/office/powerpoint/2010/main" val="1780954791"/>
+        <p14:creationId xmlns:p14="http://schemas.microsoft.com/office/powerpoint/2010/main" val="3581493298"/>
       </p:ext>
     </p:extLst>
   </p:cSld>
@@ -9829,53 +9054,89 @@
         <p:spPr/>
         <p:txBody>
           <a:bodyPr>
-            <a:normAutofit/>
+            <a:noAutofit/>
           </a:bodyPr>
           <a:lstStyle/>
           <a:p>
             <a:r>
-              <a:rPr lang="en-US" dirty="0" smtClean="0"/>
-              <a:t>A length </a:t>
-            </a:r>
-            <a:r>
               <a:rPr lang="en-US" dirty="0"/>
-              <a:t>of elapsed </a:t>
-            </a:r>
-            <a:r>
-              <a:rPr lang="en-US" dirty="0" smtClean="0"/>
-              <a:t>time</a:t>
-            </a:r>
-          </a:p>
-          <a:p>
+              <a:t>R</a:t>
+            </a:r>
+            <a:r>
+              <a:rPr lang="en-US" dirty="0" smtClean="0"/>
+              <a:t>egion with </a:t>
+            </a:r>
             <a:r>
               <a:rPr lang="en-US" dirty="0"/>
-              <a:t>D</a:t>
-            </a:r>
-            <a:r>
-              <a:rPr lang="en-US" dirty="0" smtClean="0"/>
-              <a:t>efined </a:t>
+              <a:t>uniform </a:t>
+            </a:r>
+            <a:r>
+              <a:rPr lang="en-US" dirty="0" smtClean="0"/>
+              <a:t>standard time </a:t>
             </a:r>
             <a:r>
               <a:rPr lang="en-US" dirty="0"/>
-              <a:t>using calendar </a:t>
-            </a:r>
-            <a:r>
-              <a:rPr lang="en-US" dirty="0" smtClean="0"/>
-              <a:t>fields - years</a:t>
-            </a:r>
+              <a:t>for legal, commercial, social, and political purposes</a:t>
+            </a:r>
+          </a:p>
+          <a:p>
             <a:r>
               <a:rPr lang="en-US" dirty="0"/>
-              <a:t>, months, and </a:t>
-            </a:r>
-            <a:r>
-              <a:rPr lang="en-US" dirty="0" smtClean="0"/>
-              <a:t>days (not minutes and seconds)</a:t>
-            </a:r>
-          </a:p>
-          <a:p>
-            <a:r>
-              <a:rPr lang="en-US" dirty="0" smtClean="0"/>
-              <a:t>Takes time zones into account for calculation</a:t>
+              <a:t>Some countries use daylight saving time </a:t>
+            </a:r>
+            <a:r>
+              <a:rPr lang="en-US" dirty="0" smtClean="0"/>
+              <a:t>for </a:t>
+            </a:r>
+            <a:r>
+              <a:rPr lang="en-US" dirty="0"/>
+              <a:t>part of the year</a:t>
+            </a:r>
+          </a:p>
+          <a:p>
+            <a:r>
+              <a:rPr lang="en-US" dirty="0" smtClean="0"/>
+              <a:t>Offset </a:t>
+            </a:r>
+            <a:r>
+              <a:rPr lang="en-US" dirty="0"/>
+              <a:t>from UTC (UTC-12 to UTC+12)</a:t>
+            </a:r>
+          </a:p>
+          <a:p>
+            <a:r>
+              <a:rPr lang="en-US" dirty="0"/>
+              <a:t>UTC </a:t>
+            </a:r>
+            <a:r>
+              <a:rPr lang="en-US" dirty="0" smtClean="0"/>
+              <a:t>is </a:t>
+            </a:r>
+            <a:r>
+              <a:rPr lang="en-US" dirty="0"/>
+              <a:t>sometimes denoted by Z (Zulu)</a:t>
+            </a:r>
+          </a:p>
+          <a:p>
+            <a:r>
+              <a:rPr lang="en-US" dirty="0" smtClean="0"/>
+              <a:t>JDK time zone </a:t>
+            </a:r>
+            <a:r>
+              <a:rPr lang="en-US" dirty="0"/>
+              <a:t>data is updated </a:t>
+            </a:r>
+            <a:r>
+              <a:rPr lang="en-US" dirty="0" smtClean="0"/>
+              <a:t>with </a:t>
+            </a:r>
+            <a:r>
+              <a:rPr lang="en-US" dirty="0"/>
+              <a:t>JDK </a:t>
+            </a:r>
+            <a:r>
+              <a:rPr lang="en-US" dirty="0" smtClean="0"/>
+              <a:t>releases</a:t>
             </a:r>
             <a:endParaRPr lang="en-US" dirty="0"/>
           </a:p>
@@ -9898,7 +9159,7 @@
           <a:p>
             <a:r>
               <a:rPr lang="en-US" dirty="0" smtClean="0"/>
-              <a:t>Period</a:t>
+              <a:t>Time Zone</a:t>
             </a:r>
             <a:endParaRPr lang="en-US" dirty="0"/>
           </a:p>
@@ -9907,7 +9168,7 @@
     </p:spTree>
     <p:extLst>
       <p:ext uri="{BB962C8B-B14F-4D97-AF65-F5344CB8AC3E}">
-        <p14:creationId xmlns:p14="http://schemas.microsoft.com/office/powerpoint/2010/main" val="3581493298"/>
+        <p14:creationId xmlns:p14="http://schemas.microsoft.com/office/powerpoint/2010/main" val="1251483798"/>
       </p:ext>
     </p:extLst>
   </p:cSld>
@@ -9963,94 +9224,69 @@
             <p:ph idx="1"/>
           </p:nvPr>
         </p:nvSpPr>
-        <p:spPr/>
+        <p:spPr>
+          <a:xfrm>
+            <a:off x="457200" y="1600202"/>
+            <a:ext cx="8229600" cy="2514599"/>
+          </a:xfrm>
+        </p:spPr>
         <p:txBody>
           <a:bodyPr>
-            <a:noAutofit/>
+            <a:normAutofit/>
           </a:bodyPr>
           <a:lstStyle/>
           <a:p>
             <a:r>
               <a:rPr lang="en-US" dirty="0"/>
-              <a:t>R</a:t>
-            </a:r>
-            <a:r>
-              <a:rPr lang="en-US" dirty="0" smtClean="0"/>
-              <a:t>egion with </a:t>
+              <a:t>Gets the current instant using a time-zone </a:t>
+            </a:r>
+          </a:p>
+          <a:p>
+            <a:r>
+              <a:rPr lang="en-US" dirty="0" smtClean="0"/>
+              <a:t>Use instead </a:t>
             </a:r>
             <a:r>
               <a:rPr lang="en-US" dirty="0"/>
-              <a:t>uniform </a:t>
-            </a:r>
-            <a:r>
-              <a:rPr lang="en-US" dirty="0" smtClean="0"/>
-              <a:t>standard time </a:t>
-            </a:r>
-            <a:r>
-              <a:rPr lang="en-US" dirty="0"/>
-              <a:t>for legal, commercial, social, and political purposes</a:t>
-            </a:r>
-          </a:p>
-          <a:p>
-            <a:r>
-              <a:rPr lang="en-US" dirty="0"/>
-              <a:t>Some countries use daylight saving time </a:t>
-            </a:r>
-            <a:r>
-              <a:rPr lang="en-US" dirty="0" smtClean="0"/>
-              <a:t>for </a:t>
-            </a:r>
-            <a:r>
-              <a:rPr lang="en-US" dirty="0"/>
-              <a:t>part of the year</a:t>
-            </a:r>
-          </a:p>
-          <a:p>
-            <a:r>
-              <a:rPr lang="en-US" dirty="0" smtClean="0"/>
-              <a:t>Offset </a:t>
-            </a:r>
-            <a:r>
-              <a:rPr lang="en-US" dirty="0"/>
-              <a:t>from UTC (UTC-12 to UTC+12)</a:t>
-            </a:r>
-          </a:p>
-          <a:p>
-            <a:r>
-              <a:rPr lang="en-US" dirty="0"/>
-              <a:t>UTC </a:t>
-            </a:r>
-            <a:r>
-              <a:rPr lang="en-US" dirty="0" smtClean="0"/>
-              <a:t>is </a:t>
-            </a:r>
-            <a:r>
-              <a:rPr lang="en-US" dirty="0"/>
-              <a:t>sometimes denoted by Z (Zulu)</a:t>
-            </a:r>
-          </a:p>
-          <a:p>
-            <a:r>
-              <a:rPr lang="en-US" dirty="0" smtClean="0"/>
-              <a:t>JDK time zone </a:t>
-            </a:r>
-            <a:r>
-              <a:rPr lang="en-US" dirty="0"/>
-              <a:t>data is updated </a:t>
-            </a:r>
-            <a:r>
-              <a:rPr lang="en-US" dirty="0" smtClean="0"/>
-              <a:t>with </a:t>
-            </a:r>
-            <a:r>
-              <a:rPr lang="en-US" dirty="0"/>
-              <a:t>JDK </a:t>
-            </a:r>
-            <a:r>
-              <a:rPr lang="en-US" dirty="0" smtClean="0"/>
-              <a:t>releases</a:t>
-            </a:r>
-            <a:endParaRPr lang="en-US" dirty="0"/>
+              <a:t>of </a:t>
+            </a:r>
+            <a:r>
+              <a:rPr lang="en-US" dirty="0" err="1">
+                <a:latin typeface="Consolas" panose="020B0609020204030204" pitchFamily="49" charset="0"/>
+                <a:cs typeface="Consolas" panose="020B0609020204030204" pitchFamily="49" charset="0"/>
+              </a:rPr>
+              <a:t>System.currentTimeMillis</a:t>
+            </a:r>
+            <a:r>
+              <a:rPr lang="en-US" dirty="0" smtClean="0">
+                <a:latin typeface="Consolas" panose="020B0609020204030204" pitchFamily="49" charset="0"/>
+                <a:cs typeface="Consolas" panose="020B0609020204030204" pitchFamily="49" charset="0"/>
+              </a:rPr>
+              <a:t>() </a:t>
+            </a:r>
+          </a:p>
+          <a:p>
+            <a:r>
+              <a:rPr lang="en-US" dirty="0" smtClean="0"/>
+              <a:t>Use an alternate clock for testing</a:t>
+            </a:r>
+            <a:r>
+              <a:rPr lang="en-US" dirty="0" smtClean="0">
+                <a:latin typeface="Consolas" panose="020B0609020204030204" pitchFamily="49" charset="0"/>
+                <a:cs typeface="Consolas" panose="020B0609020204030204" pitchFamily="49" charset="0"/>
+              </a:rPr>
+              <a:t/>
+            </a:r>
+            <a:br>
+              <a:rPr lang="en-US" dirty="0" smtClean="0">
+                <a:latin typeface="Consolas" panose="020B0609020204030204" pitchFamily="49" charset="0"/>
+                <a:cs typeface="Consolas" panose="020B0609020204030204" pitchFamily="49" charset="0"/>
+              </a:rPr>
+            </a:br>
+            <a:endParaRPr lang="en-US" dirty="0">
+              <a:latin typeface="Consolas" panose="020B0609020204030204" pitchFamily="49" charset="0"/>
+              <a:cs typeface="Consolas" panose="020B0609020204030204" pitchFamily="49" charset="0"/>
+            </a:endParaRPr>
           </a:p>
         </p:txBody>
       </p:sp>
@@ -10071,16 +9307,200 @@
           <a:p>
             <a:r>
               <a:rPr lang="en-US" dirty="0" smtClean="0"/>
-              <a:t>Time Zone</a:t>
+              <a:t>Clock</a:t>
             </a:r>
             <a:endParaRPr lang="en-US" dirty="0"/>
+          </a:p>
+        </p:txBody>
+      </p:sp>
+      <p:sp>
+        <p:nvSpPr>
+          <p:cNvPr id="4" name="Rectangle 3"/>
+          <p:cNvSpPr/>
+          <p:nvPr/>
+        </p:nvSpPr>
+        <p:spPr>
+          <a:xfrm>
+            <a:off x="533400" y="3733800"/>
+            <a:ext cx="8229600" cy="2677656"/>
+          </a:xfrm>
+          <a:prstGeom prst="rect">
+            <a:avLst/>
+          </a:prstGeom>
+          <a:solidFill>
+            <a:schemeClr val="accent1">
+              <a:lumMod val="20000"/>
+              <a:lumOff val="80000"/>
+            </a:schemeClr>
+          </a:solidFill>
+        </p:spPr>
+        <p:txBody>
+          <a:bodyPr wrap="square">
+            <a:spAutoFit/>
+          </a:bodyPr>
+          <a:lstStyle/>
+          <a:p>
+            <a:r>
+              <a:rPr lang="en-US" sz="2400" dirty="0">
+                <a:latin typeface="Consolas" panose="020B0609020204030204" pitchFamily="49" charset="0"/>
+                <a:cs typeface="Consolas" panose="020B0609020204030204" pitchFamily="49" charset="0"/>
+              </a:rPr>
+              <a:t>public class </a:t>
+            </a:r>
+            <a:r>
+              <a:rPr lang="en-US" sz="2400" dirty="0" err="1" smtClean="0">
+                <a:latin typeface="Consolas" panose="020B0609020204030204" pitchFamily="49" charset="0"/>
+                <a:cs typeface="Consolas" panose="020B0609020204030204" pitchFamily="49" charset="0"/>
+              </a:rPr>
+              <a:t>SomeBean</a:t>
+            </a:r>
+            <a:r>
+              <a:rPr lang="en-US" sz="2400" dirty="0" smtClean="0">
+                <a:latin typeface="Consolas" panose="020B0609020204030204" pitchFamily="49" charset="0"/>
+                <a:cs typeface="Consolas" panose="020B0609020204030204" pitchFamily="49" charset="0"/>
+              </a:rPr>
+              <a:t> {</a:t>
+            </a:r>
+            <a:endParaRPr lang="en-US" sz="2400" dirty="0">
+              <a:latin typeface="Consolas" panose="020B0609020204030204" pitchFamily="49" charset="0"/>
+              <a:cs typeface="Consolas" panose="020B0609020204030204" pitchFamily="49" charset="0"/>
+            </a:endParaRPr>
+          </a:p>
+          <a:p>
+            <a:r>
+              <a:rPr lang="en-US" sz="2400" dirty="0">
+                <a:latin typeface="Consolas" panose="020B0609020204030204" pitchFamily="49" charset="0"/>
+                <a:cs typeface="Consolas" panose="020B0609020204030204" pitchFamily="49" charset="0"/>
+              </a:rPr>
+              <a:t>  @Inject private Clock </a:t>
+            </a:r>
+            <a:r>
+              <a:rPr lang="en-US" sz="2400" dirty="0" err="1">
+                <a:latin typeface="Consolas" panose="020B0609020204030204" pitchFamily="49" charset="0"/>
+                <a:cs typeface="Consolas" panose="020B0609020204030204" pitchFamily="49" charset="0"/>
+              </a:rPr>
+              <a:t>clock</a:t>
+            </a:r>
+            <a:r>
+              <a:rPr lang="en-US" sz="2400" dirty="0" smtClean="0">
+                <a:latin typeface="Consolas" panose="020B0609020204030204" pitchFamily="49" charset="0"/>
+                <a:cs typeface="Consolas" panose="020B0609020204030204" pitchFamily="49" charset="0"/>
+              </a:rPr>
+              <a:t>;</a:t>
+            </a:r>
+            <a:endParaRPr lang="en-US" sz="2400" dirty="0">
+              <a:latin typeface="Consolas" panose="020B0609020204030204" pitchFamily="49" charset="0"/>
+              <a:cs typeface="Consolas" panose="020B0609020204030204" pitchFamily="49" charset="0"/>
+            </a:endParaRPr>
+          </a:p>
+          <a:p>
+            <a:r>
+              <a:rPr lang="en-US" sz="2400" dirty="0">
+                <a:latin typeface="Consolas" panose="020B0609020204030204" pitchFamily="49" charset="0"/>
+                <a:cs typeface="Consolas" panose="020B0609020204030204" pitchFamily="49" charset="0"/>
+              </a:rPr>
+              <a:t>  public void process</a:t>
+            </a:r>
+            <a:r>
+              <a:rPr lang="en-US" sz="2400" dirty="0" smtClean="0">
+                <a:latin typeface="Consolas" panose="020B0609020204030204" pitchFamily="49" charset="0"/>
+                <a:cs typeface="Consolas" panose="020B0609020204030204" pitchFamily="49" charset="0"/>
+              </a:rPr>
+              <a:t>() </a:t>
+            </a:r>
+            <a:r>
+              <a:rPr lang="en-US" sz="2400" dirty="0">
+                <a:latin typeface="Consolas" panose="020B0609020204030204" pitchFamily="49" charset="0"/>
+                <a:cs typeface="Consolas" panose="020B0609020204030204" pitchFamily="49" charset="0"/>
+              </a:rPr>
+              <a:t>{</a:t>
+            </a:r>
+          </a:p>
+          <a:p>
+            <a:r>
+              <a:rPr lang="en-US" sz="2400" dirty="0">
+                <a:latin typeface="Consolas" panose="020B0609020204030204" pitchFamily="49" charset="0"/>
+                <a:cs typeface="Consolas" panose="020B0609020204030204" pitchFamily="49" charset="0"/>
+              </a:rPr>
+              <a:t>    </a:t>
+            </a:r>
+            <a:r>
+              <a:rPr lang="en-US" sz="2400" dirty="0" err="1" smtClean="0">
+                <a:latin typeface="Consolas" panose="020B0609020204030204" pitchFamily="49" charset="0"/>
+                <a:cs typeface="Consolas" panose="020B0609020204030204" pitchFamily="49" charset="0"/>
+              </a:rPr>
+              <a:t>LocalDate</a:t>
+            </a:r>
+            <a:r>
+              <a:rPr lang="en-US" sz="2400" dirty="0" smtClean="0">
+                <a:latin typeface="Consolas" panose="020B0609020204030204" pitchFamily="49" charset="0"/>
+                <a:cs typeface="Consolas" panose="020B0609020204030204" pitchFamily="49" charset="0"/>
+              </a:rPr>
+              <a:t> date = </a:t>
+            </a:r>
+            <a:r>
+              <a:rPr lang="en-US" sz="2400" dirty="0" err="1" smtClean="0">
+                <a:latin typeface="Consolas" panose="020B0609020204030204" pitchFamily="49" charset="0"/>
+                <a:cs typeface="Consolas" panose="020B0609020204030204" pitchFamily="49" charset="0"/>
+              </a:rPr>
+              <a:t>LocalDate.now</a:t>
+            </a:r>
+            <a:r>
+              <a:rPr lang="en-US" sz="2400" dirty="0" smtClean="0">
+                <a:latin typeface="Consolas" panose="020B0609020204030204" pitchFamily="49" charset="0"/>
+                <a:cs typeface="Consolas" panose="020B0609020204030204" pitchFamily="49" charset="0"/>
+              </a:rPr>
+              <a:t>(clock);</a:t>
+            </a:r>
+            <a:endParaRPr lang="en-US" sz="2400" dirty="0">
+              <a:latin typeface="Consolas" panose="020B0609020204030204" pitchFamily="49" charset="0"/>
+              <a:cs typeface="Consolas" panose="020B0609020204030204" pitchFamily="49" charset="0"/>
+            </a:endParaRPr>
+          </a:p>
+          <a:p>
+            <a:r>
+              <a:rPr lang="en-US" sz="2400" dirty="0">
+                <a:latin typeface="Consolas" panose="020B0609020204030204" pitchFamily="49" charset="0"/>
+                <a:cs typeface="Consolas" panose="020B0609020204030204" pitchFamily="49" charset="0"/>
+              </a:rPr>
+              <a:t>    </a:t>
+            </a:r>
+            <a:r>
+              <a:rPr lang="en-US" sz="2400" dirty="0" smtClean="0">
+                <a:latin typeface="Consolas" panose="020B0609020204030204" pitchFamily="49" charset="0"/>
+                <a:cs typeface="Consolas" panose="020B0609020204030204" pitchFamily="49" charset="0"/>
+              </a:rPr>
+              <a:t>...</a:t>
+            </a:r>
+          </a:p>
+          <a:p>
+            <a:r>
+              <a:rPr lang="en-US" sz="2400" dirty="0" smtClean="0">
+                <a:latin typeface="Consolas" panose="020B0609020204030204" pitchFamily="49" charset="0"/>
+                <a:cs typeface="Consolas" panose="020B0609020204030204" pitchFamily="49" charset="0"/>
+              </a:rPr>
+              <a:t>  }</a:t>
+            </a:r>
+          </a:p>
+          <a:p>
+            <a:r>
+              <a:rPr lang="en-US" sz="2400" dirty="0" smtClean="0">
+                <a:latin typeface="Consolas" panose="020B0609020204030204" pitchFamily="49" charset="0"/>
+                <a:cs typeface="Consolas" panose="020B0609020204030204" pitchFamily="49" charset="0"/>
+              </a:rPr>
+              <a:t>}</a:t>
+            </a:r>
+            <a:endParaRPr lang="en-US" sz="2400" dirty="0">
+              <a:latin typeface="Consolas" panose="020B0609020204030204" pitchFamily="49" charset="0"/>
+              <a:cs typeface="Consolas" panose="020B0609020204030204" pitchFamily="49" charset="0"/>
+            </a:endParaRPr>
           </a:p>
         </p:txBody>
       </p:sp>
     </p:spTree>
     <p:extLst>
       <p:ext uri="{BB962C8B-B14F-4D97-AF65-F5344CB8AC3E}">
-        <p14:creationId xmlns:p14="http://schemas.microsoft.com/office/powerpoint/2010/main" val="1251483798"/>
+        <p14:creationId xmlns:p14="http://schemas.microsoft.com/office/powerpoint/2010/main" val="2066102692"/>
       </p:ext>
     </p:extLst>
   </p:cSld>
@@ -10136,12 +9556,7 @@
             <p:ph idx="1"/>
           </p:nvPr>
         </p:nvSpPr>
-        <p:spPr>
-          <a:xfrm>
-            <a:off x="457200" y="1600202"/>
-            <a:ext cx="8229600" cy="2514599"/>
-          </a:xfrm>
-        </p:spPr>
+        <p:spPr/>
         <p:txBody>
           <a:bodyPr>
             <a:normAutofit/>
@@ -10149,64 +9564,106 @@
           <a:lstStyle/>
           <a:p>
             <a:r>
+              <a:rPr lang="en-US" dirty="0" smtClean="0"/>
+              <a:t>Pluggable </a:t>
+            </a:r>
+            <a:r>
               <a:rPr lang="en-US" dirty="0"/>
-              <a:t>Gets the current instant using a time-zone </a:t>
-            </a:r>
-          </a:p>
-          <a:p>
-            <a:r>
-              <a:rPr lang="en-US" dirty="0" smtClean="0"/>
-              <a:t>Use instead </a:t>
-            </a:r>
+              <a:t>calendar system</a:t>
+            </a:r>
+          </a:p>
+          <a:p>
             <a:r>
               <a:rPr lang="en-US" dirty="0"/>
-              <a:t>of </a:t>
-            </a:r>
-            <a:r>
-              <a:rPr lang="en-US" dirty="0" err="1">
-                <a:latin typeface="Consolas" panose="020B0609020204030204" pitchFamily="49" charset="0"/>
-                <a:cs typeface="Consolas" panose="020B0609020204030204" pitchFamily="49" charset="0"/>
-              </a:rPr>
-              <a:t>System.currentTimeMillis</a:t>
-            </a:r>
-            <a:r>
-              <a:rPr lang="en-US" dirty="0" smtClean="0">
-                <a:latin typeface="Consolas" panose="020B0609020204030204" pitchFamily="49" charset="0"/>
-                <a:cs typeface="Consolas" panose="020B0609020204030204" pitchFamily="49" charset="0"/>
-              </a:rPr>
-              <a:t>() </a:t>
-            </a:r>
-          </a:p>
-          <a:p>
-            <a:r>
-              <a:rPr lang="en-US" dirty="0" smtClean="0"/>
-              <a:t>Use </a:t>
-            </a:r>
-            <a:r>
-              <a:rPr lang="en-US" dirty="0" smtClean="0"/>
-              <a:t>an alternate </a:t>
-            </a:r>
-            <a:r>
-              <a:rPr lang="en-US" dirty="0" smtClean="0"/>
-              <a:t>clock for testing</a:t>
-            </a:r>
-            <a:r>
-              <a:rPr lang="en-US" dirty="0" smtClean="0">
-                <a:latin typeface="Consolas" panose="020B0609020204030204" pitchFamily="49" charset="0"/>
-                <a:cs typeface="Consolas" panose="020B0609020204030204" pitchFamily="49" charset="0"/>
-              </a:rPr>
-              <a:t/>
-            </a:r>
-            <a:br>
-              <a:rPr lang="en-US" dirty="0" smtClean="0">
-                <a:latin typeface="Consolas" panose="020B0609020204030204" pitchFamily="49" charset="0"/>
-                <a:cs typeface="Consolas" panose="020B0609020204030204" pitchFamily="49" charset="0"/>
-              </a:rPr>
-            </a:br>
-            <a:endParaRPr lang="en-US" dirty="0">
-              <a:latin typeface="Consolas" panose="020B0609020204030204" pitchFamily="49" charset="0"/>
-              <a:cs typeface="Consolas" panose="020B0609020204030204" pitchFamily="49" charset="0"/>
-            </a:endParaRPr>
+              <a:t>P</a:t>
+            </a:r>
+            <a:r>
+              <a:rPr lang="en-US" dirty="0" smtClean="0"/>
+              <a:t>rovides </a:t>
+            </a:r>
+            <a:r>
+              <a:rPr lang="en-US" dirty="0"/>
+              <a:t>access to </a:t>
+            </a:r>
+            <a:r>
+              <a:rPr lang="en-US" dirty="0" smtClean="0"/>
+              <a:t>date and time fields</a:t>
+            </a:r>
+          </a:p>
+          <a:p>
+            <a:r>
+              <a:rPr lang="en-US" dirty="0" smtClean="0"/>
+              <a:t>Built-in</a:t>
+            </a:r>
+            <a:endParaRPr lang="en-US" dirty="0"/>
+          </a:p>
+          <a:p>
+            <a:pPr lvl="1"/>
+            <a:r>
+              <a:rPr lang="en-US" dirty="0"/>
+              <a:t>ISO8601 </a:t>
+            </a:r>
+            <a:r>
+              <a:rPr lang="en-US" dirty="0" smtClean="0"/>
+              <a:t>(default): </a:t>
+            </a:r>
+            <a:r>
+              <a:rPr lang="en-US" dirty="0" err="1" smtClean="0"/>
+              <a:t>IsoChronology</a:t>
+            </a:r>
+            <a:endParaRPr lang="en-US" dirty="0"/>
+          </a:p>
+          <a:p>
+            <a:pPr lvl="1"/>
+            <a:r>
+              <a:rPr lang="en-US" dirty="0" smtClean="0"/>
+              <a:t>Chinese: </a:t>
+            </a:r>
+            <a:r>
+              <a:rPr lang="en-US" dirty="0" err="1" smtClean="0"/>
+              <a:t>MinguoChronology</a:t>
+            </a:r>
+            <a:endParaRPr lang="en-US" dirty="0"/>
+          </a:p>
+          <a:p>
+            <a:pPr lvl="1"/>
+            <a:r>
+              <a:rPr lang="en-US" dirty="0" smtClean="0"/>
+              <a:t>Japanese: </a:t>
+            </a:r>
+            <a:r>
+              <a:rPr lang="en-US" dirty="0" err="1"/>
+              <a:t>JapaneseChronology</a:t>
+            </a:r>
+            <a:endParaRPr lang="en-US" dirty="0"/>
+          </a:p>
+          <a:p>
+            <a:pPr lvl="1"/>
+            <a:r>
+              <a:rPr lang="en-US" dirty="0"/>
+              <a:t>Thai </a:t>
+            </a:r>
+            <a:r>
+              <a:rPr lang="en-US" dirty="0" smtClean="0"/>
+              <a:t>Buddhist: </a:t>
+            </a:r>
+            <a:r>
+              <a:rPr lang="en-US" dirty="0" err="1" smtClean="0"/>
+              <a:t>ThaiBuddhistChronology</a:t>
+            </a:r>
+            <a:endParaRPr lang="en-US" dirty="0"/>
+          </a:p>
+          <a:p>
+            <a:pPr lvl="1"/>
+            <a:r>
+              <a:rPr lang="en-US" dirty="0" smtClean="0"/>
+              <a:t>Islamic: </a:t>
+            </a:r>
+            <a:r>
+              <a:rPr lang="en-US" dirty="0" err="1" smtClean="0"/>
+              <a:t>HijrahChronology</a:t>
+            </a:r>
+            <a:endParaRPr lang="en-US" dirty="0"/>
           </a:p>
         </p:txBody>
       </p:sp>
@@ -10226,201 +9683,16 @@
           <a:lstStyle/>
           <a:p>
             <a:r>
-              <a:rPr lang="en-US" dirty="0" smtClean="0"/>
-              <a:t>Clock</a:t>
-            </a:r>
-            <a:endParaRPr lang="en-US" dirty="0"/>
-          </a:p>
-        </p:txBody>
-      </p:sp>
-      <p:sp>
-        <p:nvSpPr>
-          <p:cNvPr id="4" name="Rectangle 3"/>
-          <p:cNvSpPr/>
-          <p:nvPr/>
-        </p:nvSpPr>
-        <p:spPr>
-          <a:xfrm>
-            <a:off x="457200" y="3733800"/>
-            <a:ext cx="8229600" cy="2677656"/>
-          </a:xfrm>
-          <a:prstGeom prst="rect">
-            <a:avLst/>
-          </a:prstGeom>
-          <a:solidFill>
-            <a:schemeClr val="accent1">
-              <a:lumMod val="20000"/>
-              <a:lumOff val="80000"/>
-            </a:schemeClr>
-          </a:solidFill>
-        </p:spPr>
-        <p:txBody>
-          <a:bodyPr wrap="square">
-            <a:spAutoFit/>
-          </a:bodyPr>
-          <a:lstStyle/>
-          <a:p>
-            <a:r>
-              <a:rPr lang="en-US" sz="2400" dirty="0">
-                <a:latin typeface="Consolas" panose="020B0609020204030204" pitchFamily="49" charset="0"/>
-                <a:cs typeface="Consolas" panose="020B0609020204030204" pitchFamily="49" charset="0"/>
-              </a:rPr>
-              <a:t>public class </a:t>
-            </a:r>
-            <a:r>
-              <a:rPr lang="en-US" sz="2400" dirty="0" err="1" smtClean="0">
-                <a:latin typeface="Consolas" panose="020B0609020204030204" pitchFamily="49" charset="0"/>
-                <a:cs typeface="Consolas" panose="020B0609020204030204" pitchFamily="49" charset="0"/>
-              </a:rPr>
-              <a:t>SomeBean</a:t>
-            </a:r>
-            <a:r>
-              <a:rPr lang="en-US" sz="2400" dirty="0" smtClean="0">
-                <a:latin typeface="Consolas" panose="020B0609020204030204" pitchFamily="49" charset="0"/>
-                <a:cs typeface="Consolas" panose="020B0609020204030204" pitchFamily="49" charset="0"/>
-              </a:rPr>
-              <a:t> {</a:t>
-            </a:r>
-            <a:endParaRPr lang="en-US" sz="2400" dirty="0">
-              <a:latin typeface="Consolas" panose="020B0609020204030204" pitchFamily="49" charset="0"/>
-              <a:cs typeface="Consolas" panose="020B0609020204030204" pitchFamily="49" charset="0"/>
-            </a:endParaRPr>
-          </a:p>
-          <a:p>
-            <a:r>
-              <a:rPr lang="en-US" sz="2400" dirty="0">
-                <a:latin typeface="Consolas" panose="020B0609020204030204" pitchFamily="49" charset="0"/>
-                <a:cs typeface="Consolas" panose="020B0609020204030204" pitchFamily="49" charset="0"/>
-              </a:rPr>
-              <a:t>  @Inject private Clock </a:t>
-            </a:r>
-            <a:r>
-              <a:rPr lang="en-US" sz="2400" dirty="0" err="1">
-                <a:latin typeface="Consolas" panose="020B0609020204030204" pitchFamily="49" charset="0"/>
-                <a:cs typeface="Consolas" panose="020B0609020204030204" pitchFamily="49" charset="0"/>
-              </a:rPr>
-              <a:t>clock</a:t>
-            </a:r>
-            <a:r>
-              <a:rPr lang="en-US" sz="2400" dirty="0" smtClean="0">
-                <a:latin typeface="Consolas" panose="020B0609020204030204" pitchFamily="49" charset="0"/>
-                <a:cs typeface="Consolas" panose="020B0609020204030204" pitchFamily="49" charset="0"/>
-              </a:rPr>
-              <a:t>;</a:t>
-            </a:r>
-            <a:endParaRPr lang="en-US" sz="2400" dirty="0">
-              <a:latin typeface="Consolas" panose="020B0609020204030204" pitchFamily="49" charset="0"/>
-              <a:cs typeface="Consolas" panose="020B0609020204030204" pitchFamily="49" charset="0"/>
-            </a:endParaRPr>
-          </a:p>
-          <a:p>
-            <a:r>
-              <a:rPr lang="en-US" sz="2400" dirty="0">
-                <a:latin typeface="Consolas" panose="020B0609020204030204" pitchFamily="49" charset="0"/>
-                <a:cs typeface="Consolas" panose="020B0609020204030204" pitchFamily="49" charset="0"/>
-              </a:rPr>
-              <a:t>  public void process</a:t>
-            </a:r>
-            <a:r>
-              <a:rPr lang="en-US" sz="2400" dirty="0" smtClean="0">
-                <a:latin typeface="Consolas" panose="020B0609020204030204" pitchFamily="49" charset="0"/>
-                <a:cs typeface="Consolas" panose="020B0609020204030204" pitchFamily="49" charset="0"/>
-              </a:rPr>
-              <a:t>() </a:t>
-            </a:r>
-            <a:r>
-              <a:rPr lang="en-US" sz="2400" dirty="0">
-                <a:latin typeface="Consolas" panose="020B0609020204030204" pitchFamily="49" charset="0"/>
-                <a:cs typeface="Consolas" panose="020B0609020204030204" pitchFamily="49" charset="0"/>
-              </a:rPr>
-              <a:t>{</a:t>
-            </a:r>
-          </a:p>
-          <a:p>
-            <a:r>
-              <a:rPr lang="en-US" sz="2400" dirty="0">
-                <a:latin typeface="Consolas" panose="020B0609020204030204" pitchFamily="49" charset="0"/>
-                <a:cs typeface="Consolas" panose="020B0609020204030204" pitchFamily="49" charset="0"/>
-              </a:rPr>
-              <a:t>    </a:t>
-            </a:r>
-            <a:r>
-              <a:rPr lang="en-US" sz="2400" dirty="0" err="1" smtClean="0">
-                <a:latin typeface="Consolas" panose="020B0609020204030204" pitchFamily="49" charset="0"/>
-                <a:cs typeface="Consolas" panose="020B0609020204030204" pitchFamily="49" charset="0"/>
-              </a:rPr>
-              <a:t>LocalDate</a:t>
-            </a:r>
-            <a:r>
-              <a:rPr lang="en-US" sz="2400" dirty="0" smtClean="0">
-                <a:latin typeface="Consolas" panose="020B0609020204030204" pitchFamily="49" charset="0"/>
-                <a:cs typeface="Consolas" panose="020B0609020204030204" pitchFamily="49" charset="0"/>
-              </a:rPr>
-              <a:t> date = </a:t>
-            </a:r>
-            <a:r>
-              <a:rPr lang="en-US" sz="2400" dirty="0" err="1" smtClean="0">
-                <a:latin typeface="Consolas" panose="020B0609020204030204" pitchFamily="49" charset="0"/>
-                <a:cs typeface="Consolas" panose="020B0609020204030204" pitchFamily="49" charset="0"/>
-              </a:rPr>
-              <a:t>LocalDate.now</a:t>
-            </a:r>
-            <a:r>
-              <a:rPr lang="en-US" sz="2400" dirty="0" smtClean="0">
-                <a:latin typeface="Consolas" panose="020B0609020204030204" pitchFamily="49" charset="0"/>
-                <a:cs typeface="Consolas" panose="020B0609020204030204" pitchFamily="49" charset="0"/>
-              </a:rPr>
-              <a:t>(clock);</a:t>
-            </a:r>
-            <a:endParaRPr lang="en-US" sz="2400" dirty="0">
-              <a:latin typeface="Consolas" panose="020B0609020204030204" pitchFamily="49" charset="0"/>
-              <a:cs typeface="Consolas" panose="020B0609020204030204" pitchFamily="49" charset="0"/>
-            </a:endParaRPr>
-          </a:p>
-          <a:p>
-            <a:r>
-              <a:rPr lang="en-US" sz="2400" dirty="0">
-                <a:latin typeface="Consolas" panose="020B0609020204030204" pitchFamily="49" charset="0"/>
-                <a:cs typeface="Consolas" panose="020B0609020204030204" pitchFamily="49" charset="0"/>
-              </a:rPr>
-              <a:t>    </a:t>
-            </a:r>
-            <a:r>
-              <a:rPr lang="en-US" sz="2400" dirty="0" smtClean="0">
-                <a:latin typeface="Consolas" panose="020B0609020204030204" pitchFamily="49" charset="0"/>
-                <a:cs typeface="Consolas" panose="020B0609020204030204" pitchFamily="49" charset="0"/>
-              </a:rPr>
-              <a:t>...</a:t>
-            </a:r>
-          </a:p>
-          <a:p>
-            <a:r>
-              <a:rPr lang="en-US" sz="2400" dirty="0" smtClean="0">
-                <a:latin typeface="Consolas" panose="020B0609020204030204" pitchFamily="49" charset="0"/>
-                <a:cs typeface="Consolas" panose="020B0609020204030204" pitchFamily="49" charset="0"/>
-              </a:rPr>
-              <a:t>  }</a:t>
-            </a:r>
-          </a:p>
-          <a:p>
-            <a:r>
-              <a:rPr lang="en-US" sz="2400" dirty="0" smtClean="0">
-                <a:latin typeface="Consolas" panose="020B0609020204030204" pitchFamily="49" charset="0"/>
-                <a:cs typeface="Consolas" panose="020B0609020204030204" pitchFamily="49" charset="0"/>
-              </a:rPr>
-              <a:t>}</a:t>
-            </a:r>
-            <a:endParaRPr lang="en-US" sz="2400" dirty="0">
-              <a:latin typeface="Consolas" panose="020B0609020204030204" pitchFamily="49" charset="0"/>
-              <a:cs typeface="Consolas" panose="020B0609020204030204" pitchFamily="49" charset="0"/>
-            </a:endParaRPr>
+              <a:rPr lang="en-US" dirty="0"/>
+              <a:t>Chronology</a:t>
+            </a:r>
           </a:p>
         </p:txBody>
       </p:sp>
     </p:spTree>
     <p:extLst>
       <p:ext uri="{BB962C8B-B14F-4D97-AF65-F5344CB8AC3E}">
-        <p14:creationId xmlns:p14="http://schemas.microsoft.com/office/powerpoint/2010/main" val="2066102692"/>
+        <p14:creationId xmlns:p14="http://schemas.microsoft.com/office/powerpoint/2010/main" val="1965216396"/>
       </p:ext>
     </p:extLst>
   </p:cSld>
@@ -10476,114 +9748,324 @@
             <p:ph idx="1"/>
           </p:nvPr>
         </p:nvSpPr>
-        <p:spPr/>
+        <p:spPr>
+          <a:xfrm>
+            <a:off x="533400" y="1825624"/>
+            <a:ext cx="8153400" cy="4651375"/>
+          </a:xfrm>
+          <a:solidFill>
+            <a:schemeClr val="accent1">
+              <a:lumMod val="20000"/>
+              <a:lumOff val="80000"/>
+            </a:schemeClr>
+          </a:solidFill>
+        </p:spPr>
         <p:txBody>
           <a:bodyPr>
-            <a:normAutofit/>
+            <a:noAutofit/>
           </a:bodyPr>
           <a:lstStyle/>
           <a:p>
-            <a:r>
-              <a:rPr lang="en-US" dirty="0" smtClean="0"/>
-              <a:t>Pluggable </a:t>
-            </a:r>
-            <a:r>
-              <a:rPr lang="en-US" dirty="0"/>
-              <a:t>calendar system</a:t>
-            </a:r>
-          </a:p>
-          <a:p>
-            <a:r>
-              <a:rPr lang="en-US" dirty="0"/>
-              <a:t>P</a:t>
-            </a:r>
-            <a:r>
-              <a:rPr lang="en-US" dirty="0" smtClean="0"/>
-              <a:t>rovides </a:t>
-            </a:r>
-            <a:r>
-              <a:rPr lang="en-US" dirty="0"/>
-              <a:t>access to </a:t>
-            </a:r>
-            <a:r>
-              <a:rPr lang="en-US" dirty="0" smtClean="0"/>
-              <a:t>date and time fields</a:t>
-            </a:r>
-          </a:p>
-          <a:p>
-            <a:r>
-              <a:rPr lang="en-US" dirty="0" smtClean="0"/>
-              <a:t>Built-in</a:t>
-            </a:r>
-            <a:endParaRPr lang="en-US" dirty="0"/>
-          </a:p>
-          <a:p>
-            <a:pPr lvl="1"/>
-            <a:r>
-              <a:rPr lang="en-US" dirty="0"/>
-              <a:t>ISO8601 </a:t>
-            </a:r>
-            <a:r>
-              <a:rPr lang="en-US" dirty="0" smtClean="0"/>
-              <a:t>(default): </a:t>
-            </a:r>
-            <a:r>
-              <a:rPr lang="en-US" dirty="0" err="1" smtClean="0"/>
-              <a:t>IsoChronology</a:t>
-            </a:r>
-            <a:endParaRPr lang="en-US" dirty="0"/>
-          </a:p>
-          <a:p>
-            <a:pPr lvl="1"/>
-            <a:r>
-              <a:rPr lang="en-US" dirty="0" smtClean="0"/>
-              <a:t>Chinese: </a:t>
-            </a:r>
-            <a:r>
-              <a:rPr lang="en-US" dirty="0" err="1" smtClean="0"/>
-              <a:t>MinguoChronology</a:t>
-            </a:r>
-            <a:endParaRPr lang="en-US" dirty="0"/>
-          </a:p>
-          <a:p>
-            <a:pPr lvl="1"/>
-            <a:r>
-              <a:rPr lang="en-US" dirty="0" smtClean="0"/>
-              <a:t>Japanese: </a:t>
-            </a:r>
-            <a:r>
-              <a:rPr lang="en-US" dirty="0" err="1"/>
-              <a:t>JapaneseChronology</a:t>
-            </a:r>
-            <a:endParaRPr lang="en-US" dirty="0"/>
-          </a:p>
-          <a:p>
-            <a:pPr lvl="1"/>
-            <a:r>
-              <a:rPr lang="en-US" dirty="0"/>
-              <a:t>Thai </a:t>
-            </a:r>
-            <a:r>
-              <a:rPr lang="en-US" dirty="0" smtClean="0"/>
-              <a:t>Buddhist: </a:t>
-            </a:r>
-            <a:r>
-              <a:rPr lang="en-US" dirty="0" err="1" smtClean="0"/>
-              <a:t>ThaiBuddhistChronology</a:t>
-            </a:r>
-            <a:endParaRPr lang="en-US" dirty="0"/>
-          </a:p>
-          <a:p>
-            <a:pPr lvl="1"/>
-            <a:r>
-              <a:rPr lang="en-US" dirty="0" smtClean="0"/>
-              <a:t>Islamic: </a:t>
-            </a:r>
-            <a:r>
-              <a:rPr lang="en-US" dirty="0" err="1" smtClean="0"/>
-              <a:t>HijrahChronology</a:t>
-            </a:r>
-            <a:endParaRPr lang="en-US" dirty="0"/>
+            <a:pPr marL="0" indent="0">
+              <a:buNone/>
+            </a:pPr>
+            <a:r>
+              <a:rPr lang="en-US" sz="2400" dirty="0" err="1">
+                <a:latin typeface="Consolas" panose="020B0609020204030204" pitchFamily="49" charset="0"/>
+                <a:cs typeface="Consolas" panose="020B0609020204030204" pitchFamily="49" charset="0"/>
+              </a:rPr>
+              <a:t>TemporalAdjuster</a:t>
+            </a:r>
+            <a:r>
+              <a:rPr lang="en-US" sz="2400" dirty="0">
+                <a:latin typeface="Consolas" panose="020B0609020204030204" pitchFamily="49" charset="0"/>
+                <a:cs typeface="Consolas" panose="020B0609020204030204" pitchFamily="49" charset="0"/>
+              </a:rPr>
+              <a:t> </a:t>
+            </a:r>
+            <a:r>
+              <a:rPr lang="en-US" sz="2400" dirty="0" err="1" smtClean="0">
+                <a:latin typeface="Consolas" panose="020B0609020204030204" pitchFamily="49" charset="0"/>
+                <a:cs typeface="Consolas" panose="020B0609020204030204" pitchFamily="49" charset="0"/>
+              </a:rPr>
+              <a:t>fourMinutesLater</a:t>
+            </a:r>
+            <a:r>
+              <a:rPr lang="en-US" sz="2400" dirty="0" smtClean="0">
+                <a:latin typeface="Consolas" panose="020B0609020204030204" pitchFamily="49" charset="0"/>
+                <a:cs typeface="Consolas" panose="020B0609020204030204" pitchFamily="49" charset="0"/>
+              </a:rPr>
+              <a:t> </a:t>
+            </a:r>
+            <a:r>
+              <a:rPr lang="en-US" sz="2400" dirty="0">
+                <a:latin typeface="Consolas" panose="020B0609020204030204" pitchFamily="49" charset="0"/>
+                <a:cs typeface="Consolas" panose="020B0609020204030204" pitchFamily="49" charset="0"/>
+              </a:rPr>
+              <a:t>= </a:t>
+            </a:r>
+            <a:endParaRPr lang="en-US" sz="2400" dirty="0" smtClean="0">
+              <a:latin typeface="Consolas" panose="020B0609020204030204" pitchFamily="49" charset="0"/>
+              <a:cs typeface="Consolas" panose="020B0609020204030204" pitchFamily="49" charset="0"/>
+            </a:endParaRPr>
+          </a:p>
+          <a:p>
+            <a:pPr marL="0" indent="0">
+              <a:buNone/>
+            </a:pPr>
+            <a:r>
+              <a:rPr lang="en-US" sz="2400" dirty="0" smtClean="0">
+                <a:latin typeface="Consolas" panose="020B0609020204030204" pitchFamily="49" charset="0"/>
+                <a:cs typeface="Consolas" panose="020B0609020204030204" pitchFamily="49" charset="0"/>
+              </a:rPr>
+              <a:t>new </a:t>
+            </a:r>
+            <a:r>
+              <a:rPr lang="en-US" sz="2400" dirty="0" err="1">
+                <a:latin typeface="Consolas" panose="020B0609020204030204" pitchFamily="49" charset="0"/>
+                <a:cs typeface="Consolas" panose="020B0609020204030204" pitchFamily="49" charset="0"/>
+              </a:rPr>
+              <a:t>TemporalAdjuster</a:t>
+            </a:r>
+            <a:r>
+              <a:rPr lang="en-US" sz="2400" dirty="0">
+                <a:latin typeface="Consolas" panose="020B0609020204030204" pitchFamily="49" charset="0"/>
+                <a:cs typeface="Consolas" panose="020B0609020204030204" pitchFamily="49" charset="0"/>
+              </a:rPr>
+              <a:t>() { </a:t>
+            </a:r>
+            <a:endParaRPr lang="en-US" sz="2400" dirty="0" smtClean="0">
+              <a:latin typeface="Consolas" panose="020B0609020204030204" pitchFamily="49" charset="0"/>
+              <a:cs typeface="Consolas" panose="020B0609020204030204" pitchFamily="49" charset="0"/>
+            </a:endParaRPr>
+          </a:p>
+          <a:p>
+            <a:pPr marL="0" indent="0">
+              <a:buNone/>
+            </a:pPr>
+            <a:r>
+              <a:rPr lang="en-US" sz="2400" dirty="0" smtClean="0">
+                <a:latin typeface="Consolas" panose="020B0609020204030204" pitchFamily="49" charset="0"/>
+                <a:cs typeface="Consolas" panose="020B0609020204030204" pitchFamily="49" charset="0"/>
+              </a:rPr>
+              <a:t>  @Override </a:t>
+            </a:r>
+          </a:p>
+          <a:p>
+            <a:pPr marL="400050" lvl="1" indent="0">
+              <a:buNone/>
+            </a:pPr>
+            <a:r>
+              <a:rPr lang="en-US" sz="2400" dirty="0" smtClean="0">
+                <a:latin typeface="Consolas" panose="020B0609020204030204" pitchFamily="49" charset="0"/>
+                <a:cs typeface="Consolas" panose="020B0609020204030204" pitchFamily="49" charset="0"/>
+              </a:rPr>
+              <a:t>public Temporal </a:t>
+            </a:r>
+            <a:r>
+              <a:rPr lang="en-US" sz="2400" dirty="0" err="1" smtClean="0">
+                <a:latin typeface="Consolas" panose="020B0609020204030204" pitchFamily="49" charset="0"/>
+                <a:cs typeface="Consolas" panose="020B0609020204030204" pitchFamily="49" charset="0"/>
+              </a:rPr>
+              <a:t>adjustInto</a:t>
+            </a:r>
+            <a:r>
+              <a:rPr lang="en-US" sz="2400" dirty="0" smtClean="0">
+                <a:latin typeface="Consolas" panose="020B0609020204030204" pitchFamily="49" charset="0"/>
+                <a:cs typeface="Consolas" panose="020B0609020204030204" pitchFamily="49" charset="0"/>
+              </a:rPr>
+              <a:t>(Temporal temporal) { </a:t>
+            </a:r>
+          </a:p>
+          <a:p>
+            <a:pPr marL="400050" lvl="1" indent="0">
+              <a:buNone/>
+            </a:pPr>
+            <a:r>
+              <a:rPr lang="en-US" sz="2400" dirty="0" smtClean="0">
+                <a:latin typeface="Consolas" panose="020B0609020204030204" pitchFamily="49" charset="0"/>
+                <a:cs typeface="Consolas" panose="020B0609020204030204" pitchFamily="49" charset="0"/>
+              </a:rPr>
+              <a:t>  return </a:t>
+            </a:r>
+            <a:r>
+              <a:rPr lang="en-US" sz="2400" dirty="0" err="1" smtClean="0">
+                <a:latin typeface="Consolas" panose="020B0609020204030204" pitchFamily="49" charset="0"/>
+                <a:cs typeface="Consolas" panose="020B0609020204030204" pitchFamily="49" charset="0"/>
+              </a:rPr>
+              <a:t>temporal.plus</a:t>
+            </a:r>
+            <a:r>
+              <a:rPr lang="en-US" sz="2400" dirty="0" smtClean="0">
+                <a:latin typeface="Consolas" panose="020B0609020204030204" pitchFamily="49" charset="0"/>
+                <a:cs typeface="Consolas" panose="020B0609020204030204" pitchFamily="49" charset="0"/>
+              </a:rPr>
+              <a:t>(4,    </a:t>
+            </a:r>
+          </a:p>
+          <a:p>
+            <a:pPr marL="400050" lvl="1" indent="0">
+              <a:buNone/>
+            </a:pPr>
+            <a:r>
+              <a:rPr lang="en-US" dirty="0">
+                <a:latin typeface="Consolas" panose="020B0609020204030204" pitchFamily="49" charset="0"/>
+                <a:cs typeface="Consolas" panose="020B0609020204030204" pitchFamily="49" charset="0"/>
+              </a:rPr>
+              <a:t> </a:t>
+            </a:r>
+            <a:r>
+              <a:rPr lang="en-US" dirty="0" smtClean="0">
+                <a:latin typeface="Consolas" panose="020B0609020204030204" pitchFamily="49" charset="0"/>
+                <a:cs typeface="Consolas" panose="020B0609020204030204" pitchFamily="49" charset="0"/>
+              </a:rPr>
+              <a:t>                      </a:t>
+            </a:r>
+            <a:r>
+              <a:rPr lang="en-US" sz="2400" dirty="0" err="1" smtClean="0">
+                <a:latin typeface="Consolas" panose="020B0609020204030204" pitchFamily="49" charset="0"/>
+                <a:cs typeface="Consolas" panose="020B0609020204030204" pitchFamily="49" charset="0"/>
+              </a:rPr>
+              <a:t>ChronoUnit.MINUTES</a:t>
+            </a:r>
+            <a:r>
+              <a:rPr lang="en-US" sz="2400" dirty="0" smtClean="0">
+                <a:latin typeface="Consolas" panose="020B0609020204030204" pitchFamily="49" charset="0"/>
+                <a:cs typeface="Consolas" panose="020B0609020204030204" pitchFamily="49" charset="0"/>
+              </a:rPr>
+              <a:t>); </a:t>
+            </a:r>
+          </a:p>
+          <a:p>
+            <a:pPr marL="400050" lvl="1" indent="0">
+              <a:buNone/>
+            </a:pPr>
+            <a:r>
+              <a:rPr lang="en-US" sz="2400" dirty="0" smtClean="0">
+                <a:latin typeface="Consolas" panose="020B0609020204030204" pitchFamily="49" charset="0"/>
+                <a:cs typeface="Consolas" panose="020B0609020204030204" pitchFamily="49" charset="0"/>
+              </a:rPr>
+              <a:t>} </a:t>
+            </a:r>
+          </a:p>
+          <a:p>
+            <a:pPr marL="0" indent="0">
+              <a:buNone/>
+            </a:pPr>
+            <a:r>
+              <a:rPr lang="en-US" sz="2400" dirty="0" smtClean="0">
+                <a:latin typeface="Consolas" panose="020B0609020204030204" pitchFamily="49" charset="0"/>
+                <a:cs typeface="Consolas" panose="020B0609020204030204" pitchFamily="49" charset="0"/>
+              </a:rPr>
+              <a:t>}; </a:t>
+            </a:r>
+          </a:p>
+          <a:p>
+            <a:pPr marL="0" indent="0">
+              <a:buNone/>
+            </a:pPr>
+            <a:r>
+              <a:rPr lang="en-US" sz="2400" dirty="0" err="1" smtClean="0">
+                <a:latin typeface="Consolas" panose="020B0609020204030204" pitchFamily="49" charset="0"/>
+                <a:cs typeface="Consolas" panose="020B0609020204030204" pitchFamily="49" charset="0"/>
+              </a:rPr>
+              <a:t>LocalTime</a:t>
+            </a:r>
+            <a:r>
+              <a:rPr lang="en-US" sz="2400" dirty="0" smtClean="0">
+                <a:latin typeface="Consolas" panose="020B0609020204030204" pitchFamily="49" charset="0"/>
+                <a:cs typeface="Consolas" panose="020B0609020204030204" pitchFamily="49" charset="0"/>
+              </a:rPr>
+              <a:t> time </a:t>
+            </a:r>
+            <a:r>
+              <a:rPr lang="en-US" sz="2400" dirty="0">
+                <a:latin typeface="Consolas" panose="020B0609020204030204" pitchFamily="49" charset="0"/>
+                <a:cs typeface="Consolas" panose="020B0609020204030204" pitchFamily="49" charset="0"/>
+              </a:rPr>
+              <a:t>= </a:t>
+            </a:r>
+            <a:r>
+              <a:rPr lang="en-US" sz="2400" dirty="0" err="1">
+                <a:latin typeface="Consolas" panose="020B0609020204030204" pitchFamily="49" charset="0"/>
+                <a:cs typeface="Consolas" panose="020B0609020204030204" pitchFamily="49" charset="0"/>
+              </a:rPr>
+              <a:t>LocalTime.of</a:t>
+            </a:r>
+            <a:r>
+              <a:rPr lang="en-US" sz="2400" dirty="0">
+                <a:latin typeface="Consolas" panose="020B0609020204030204" pitchFamily="49" charset="0"/>
+                <a:cs typeface="Consolas" panose="020B0609020204030204" pitchFamily="49" charset="0"/>
+              </a:rPr>
+              <a:t>(12, 0, 0); </a:t>
+            </a:r>
+            <a:endParaRPr lang="en-US" sz="2400" dirty="0" smtClean="0">
+              <a:latin typeface="Consolas" panose="020B0609020204030204" pitchFamily="49" charset="0"/>
+              <a:cs typeface="Consolas" panose="020B0609020204030204" pitchFamily="49" charset="0"/>
+            </a:endParaRPr>
+          </a:p>
+          <a:p>
+            <a:pPr marL="0" indent="0">
+              <a:buNone/>
+            </a:pPr>
+            <a:r>
+              <a:rPr lang="en-US" sz="2400" dirty="0" err="1">
+                <a:latin typeface="Consolas" panose="020B0609020204030204" pitchFamily="49" charset="0"/>
+                <a:cs typeface="Consolas" panose="020B0609020204030204" pitchFamily="49" charset="0"/>
+              </a:rPr>
+              <a:t>LocalTime</a:t>
+            </a:r>
+            <a:r>
+              <a:rPr lang="en-US" sz="2400" dirty="0">
+                <a:latin typeface="Consolas" panose="020B0609020204030204" pitchFamily="49" charset="0"/>
+                <a:cs typeface="Consolas" panose="020B0609020204030204" pitchFamily="49" charset="0"/>
+              </a:rPr>
+              <a:t> </a:t>
+            </a:r>
+            <a:r>
+              <a:rPr lang="en-US" sz="2400" dirty="0" smtClean="0">
+                <a:latin typeface="Consolas" panose="020B0609020204030204" pitchFamily="49" charset="0"/>
+                <a:cs typeface="Consolas" panose="020B0609020204030204" pitchFamily="49" charset="0"/>
+              </a:rPr>
+              <a:t>later = </a:t>
+            </a:r>
+            <a:r>
+              <a:rPr lang="en-US" sz="2400" dirty="0" err="1">
+                <a:latin typeface="Consolas" panose="020B0609020204030204" pitchFamily="49" charset="0"/>
+                <a:cs typeface="Consolas" panose="020B0609020204030204" pitchFamily="49" charset="0"/>
+              </a:rPr>
+              <a:t>time.with</a:t>
+            </a:r>
+            <a:r>
+              <a:rPr lang="en-US" sz="2400" dirty="0">
+                <a:latin typeface="Consolas" panose="020B0609020204030204" pitchFamily="49" charset="0"/>
+                <a:cs typeface="Consolas" panose="020B0609020204030204" pitchFamily="49" charset="0"/>
+              </a:rPr>
+              <a:t>(</a:t>
+            </a:r>
+            <a:r>
+              <a:rPr lang="en-US" sz="2400" dirty="0" err="1">
+                <a:latin typeface="Consolas" panose="020B0609020204030204" pitchFamily="49" charset="0"/>
+                <a:cs typeface="Consolas" panose="020B0609020204030204" pitchFamily="49" charset="0"/>
+              </a:rPr>
+              <a:t>fourMinutesLater</a:t>
+            </a:r>
+            <a:r>
+              <a:rPr lang="en-US" sz="2400" dirty="0" smtClean="0">
+                <a:latin typeface="Consolas" panose="020B0609020204030204" pitchFamily="49" charset="0"/>
+                <a:cs typeface="Consolas" panose="020B0609020204030204" pitchFamily="49" charset="0"/>
+              </a:rPr>
+              <a:t>);</a:t>
+            </a:r>
+            <a:endParaRPr lang="en-US" sz="2400" dirty="0">
+              <a:solidFill>
+                <a:schemeClr val="accent6">
+                  <a:lumMod val="75000"/>
+                </a:schemeClr>
+              </a:solidFill>
+              <a:latin typeface="Consolas" panose="020B0609020204030204" pitchFamily="49" charset="0"/>
+              <a:cs typeface="Consolas" panose="020B0609020204030204" pitchFamily="49" charset="0"/>
+            </a:endParaRPr>
           </a:p>
         </p:txBody>
       </p:sp>
@@ -10603,16 +10085,17 @@
           <a:lstStyle/>
           <a:p>
             <a:r>
-              <a:rPr lang="en-US" dirty="0"/>
-              <a:t>Chronology</a:t>
-            </a:r>
+              <a:rPr lang="en-US" dirty="0" smtClean="0"/>
+              <a:t>Temporal Adjusters</a:t>
+            </a:r>
+            <a:endParaRPr lang="en-US" dirty="0"/>
           </a:p>
         </p:txBody>
       </p:sp>
     </p:spTree>
     <p:extLst>
       <p:ext uri="{BB962C8B-B14F-4D97-AF65-F5344CB8AC3E}">
-        <p14:creationId xmlns:p14="http://schemas.microsoft.com/office/powerpoint/2010/main" val="1965216396"/>
+        <p14:creationId xmlns:p14="http://schemas.microsoft.com/office/powerpoint/2010/main" val="1380035644"/>
       </p:ext>
     </p:extLst>
   </p:cSld>
@@ -10797,7 +10280,7 @@
         </p:nvSpPr>
         <p:spPr>
           <a:xfrm>
-            <a:off x="457200" y="1371602"/>
+            <a:off x="533400" y="1371602"/>
             <a:ext cx="8229600" cy="830997"/>
           </a:xfrm>
           <a:prstGeom prst="rect">
@@ -10923,6 +10406,9 @@
                     <p:cTn id="3" fill="hold">
                       <p:stCondLst>
                         <p:cond delay="indefinite"/>
+                        <p:cond evt="onBegin" delay="0">
+                          <p:tn val="2"/>
+                        </p:cond>
                       </p:stCondLst>
                       <p:childTnLst>
                         <p:par>
@@ -10932,66 +10418,14 @@
                             </p:stCondLst>
                             <p:childTnLst>
                               <p:par>
-                                <p:cTn id="5" presetID="10" presetClass="entr" presetSubtype="0" fill="hold" nodeType="clickEffect">
-                                  <p:stCondLst>
-                                    <p:cond delay="0"/>
-                                  </p:stCondLst>
-                                  <p:childTnLst>
-                                    <p:set>
-                                      <p:cBhvr>
-                                        <p:cTn id="6" dur="1" fill="hold">
-                                          <p:stCondLst>
-                                            <p:cond delay="0"/>
-                                          </p:stCondLst>
-                                        </p:cTn>
-                                        <p:tgtEl>
-                                          <p:spTgt spid="4">
-                                            <p:txEl>
-                                              <p:pRg st="1" end="1"/>
-                                            </p:txEl>
-                                          </p:spTgt>
-                                        </p:tgtEl>
-                                        <p:attrNameLst>
-                                          <p:attrName>style.visibility</p:attrName>
-                                        </p:attrNameLst>
-                                      </p:cBhvr>
-                                      <p:to>
-                                        <p:strVal val="visible"/>
-                                      </p:to>
-                                    </p:set>
-                                    <p:animEffect transition="in" filter="fade">
-                                      <p:cBhvr>
-                                        <p:cTn id="7" dur="500"/>
-                                        <p:tgtEl>
-                                          <p:spTgt spid="4">
-                                            <p:txEl>
-                                              <p:pRg st="1" end="1"/>
-                                            </p:txEl>
-                                          </p:spTgt>
-                                        </p:tgtEl>
-                                      </p:cBhvr>
-                                    </p:animEffect>
-                                  </p:childTnLst>
-                                </p:cTn>
-                              </p:par>
-                            </p:childTnLst>
-                          </p:cTn>
-                        </p:par>
-                        <p:par>
-                          <p:cTn id="8" fill="hold">
-                            <p:stCondLst>
-                              <p:cond delay="500"/>
-                            </p:stCondLst>
-                            <p:childTnLst>
-                              <p:par>
-                                <p:cTn id="9" presetID="2" presetClass="entr" presetSubtype="4" fill="hold" nodeType="afterEffect">
+                                <p:cTn id="5" presetID="2" presetClass="entr" presetSubtype="4" fill="hold" nodeType="afterEffect">
                                   <p:stCondLst>
                                     <p:cond delay="500"/>
                                   </p:stCondLst>
                                   <p:childTnLst>
                                     <p:set>
                                       <p:cBhvr>
-                                        <p:cTn id="10" dur="1" fill="hold">
+                                        <p:cTn id="6" dur="1" fill="hold">
                                           <p:stCondLst>
                                             <p:cond delay="0"/>
                                           </p:stCondLst>
@@ -11013,7 +10447,7 @@
                                     </p:set>
                                     <p:anim calcmode="lin" valueType="num">
                                       <p:cBhvr additive="base">
-                                        <p:cTn id="11" dur="500" fill="hold"/>
+                                        <p:cTn id="7" dur="500" fill="hold"/>
                                         <p:tgtEl>
                                           <p:spTgt spid="3">
                                             <p:txEl>
@@ -11040,7 +10474,7 @@
                                     </p:anim>
                                     <p:anim calcmode="lin" valueType="num">
                                       <p:cBhvr additive="base">
-                                        <p:cTn id="12" dur="500" fill="hold"/>
+                                        <p:cTn id="8" dur="500" fill="hold"/>
                                         <p:tgtEl>
                                           <p:spTgt spid="3">
                                             <p:txEl>
@@ -11075,26 +10509,87 @@
                     </p:cTn>
                   </p:par>
                   <p:par>
-                    <p:cTn id="13" fill="hold">
+                    <p:cTn id="9" fill="hold">
                       <p:stCondLst>
                         <p:cond delay="indefinite"/>
                       </p:stCondLst>
                       <p:childTnLst>
                         <p:par>
-                          <p:cTn id="14" fill="hold">
+                          <p:cTn id="10" fill="hold">
                             <p:stCondLst>
                               <p:cond delay="0"/>
                             </p:stCondLst>
                             <p:childTnLst>
                               <p:par>
-                                <p:cTn id="15" presetID="2" presetClass="entr" presetSubtype="4" fill="hold" nodeType="clickEffect">
+                                <p:cTn id="11" presetID="10" presetClass="entr" presetSubtype="0" fill="hold" nodeType="clickEffect">
                                   <p:stCondLst>
                                     <p:cond delay="0"/>
                                   </p:stCondLst>
                                   <p:childTnLst>
                                     <p:set>
                                       <p:cBhvr>
-                                        <p:cTn id="16" dur="1" fill="hold">
+                                        <p:cTn id="12" dur="1" fill="hold">
+                                          <p:stCondLst>
+                                            <p:cond delay="0"/>
+                                          </p:stCondLst>
+                                        </p:cTn>
+                                        <p:tgtEl>
+                                          <p:spTgt spid="4">
+                                            <p:txEl>
+                                              <p:pRg st="1" end="1"/>
+                                            </p:txEl>
+                                          </p:spTgt>
+                                        </p:tgtEl>
+                                        <p:attrNameLst>
+                                          <p:attrName>style.visibility</p:attrName>
+                                        </p:attrNameLst>
+                                      </p:cBhvr>
+                                      <p:to>
+                                        <p:strVal val="visible"/>
+                                      </p:to>
+                                    </p:set>
+                                    <p:animEffect transition="in" filter="fade">
+                                      <p:cBhvr>
+                                        <p:cTn id="13" dur="500"/>
+                                        <p:tgtEl>
+                                          <p:spTgt spid="4">
+                                            <p:txEl>
+                                              <p:pRg st="1" end="1"/>
+                                            </p:txEl>
+                                          </p:spTgt>
+                                        </p:tgtEl>
+                                      </p:cBhvr>
+                                    </p:animEffect>
+                                  </p:childTnLst>
+                                </p:cTn>
+                              </p:par>
+                            </p:childTnLst>
+                          </p:cTn>
+                        </p:par>
+                      </p:childTnLst>
+                    </p:cTn>
+                  </p:par>
+                  <p:par>
+                    <p:cTn id="14" fill="hold">
+                      <p:stCondLst>
+                        <p:cond delay="indefinite"/>
+                      </p:stCondLst>
+                      <p:childTnLst>
+                        <p:par>
+                          <p:cTn id="15" fill="hold">
+                            <p:stCondLst>
+                              <p:cond delay="0"/>
+                            </p:stCondLst>
+                            <p:childTnLst>
+                              <p:par>
+                                <p:cTn id="16" presetID="2" presetClass="entr" presetSubtype="4" fill="hold" nodeType="clickEffect">
+                                  <p:stCondLst>
+                                    <p:cond delay="0"/>
+                                  </p:stCondLst>
+                                  <p:childTnLst>
+                                    <p:set>
+                                      <p:cBhvr>
+                                        <p:cTn id="17" dur="1" fill="hold">
                                           <p:stCondLst>
                                             <p:cond delay="0"/>
                                           </p:stCondLst>
@@ -11116,7 +10611,7 @@
                                     </p:set>
                                     <p:anim calcmode="lin" valueType="num">
                                       <p:cBhvr additive="base">
-                                        <p:cTn id="17" dur="500" fill="hold"/>
+                                        <p:cTn id="18" dur="500" fill="hold"/>
                                         <p:tgtEl>
                                           <p:spTgt spid="3">
                                             <p:txEl>
@@ -11143,7 +10638,7 @@
                                     </p:anim>
                                     <p:anim calcmode="lin" valueType="num">
                                       <p:cBhvr additive="base">
-                                        <p:cTn id="18" dur="500" fill="hold"/>
+                                        <p:cTn id="19" dur="500" fill="hold"/>
                                         <p:tgtEl>
                                           <p:spTgt spid="3">
                                             <p:txEl>
@@ -11178,26 +10673,26 @@
                     </p:cTn>
                   </p:par>
                   <p:par>
-                    <p:cTn id="19" fill="hold">
+                    <p:cTn id="20" fill="hold">
                       <p:stCondLst>
                         <p:cond delay="indefinite"/>
                       </p:stCondLst>
                       <p:childTnLst>
                         <p:par>
-                          <p:cTn id="20" fill="hold">
+                          <p:cTn id="21" fill="hold">
                             <p:stCondLst>
                               <p:cond delay="0"/>
                             </p:stCondLst>
                             <p:childTnLst>
                               <p:par>
-                                <p:cTn id="21" presetID="2" presetClass="entr" presetSubtype="4" fill="hold" nodeType="clickEffect">
+                                <p:cTn id="22" presetID="2" presetClass="entr" presetSubtype="4" fill="hold" nodeType="clickEffect">
                                   <p:stCondLst>
                                     <p:cond delay="0"/>
                                   </p:stCondLst>
                                   <p:childTnLst>
                                     <p:set>
                                       <p:cBhvr>
-                                        <p:cTn id="22" dur="1" fill="hold">
+                                        <p:cTn id="23" dur="1" fill="hold">
                                           <p:stCondLst>
                                             <p:cond delay="0"/>
                                           </p:stCondLst>
@@ -11219,7 +10714,7 @@
                                     </p:set>
                                     <p:anim calcmode="lin" valueType="num">
                                       <p:cBhvr additive="base">
-                                        <p:cTn id="23" dur="500" fill="hold"/>
+                                        <p:cTn id="24" dur="500" fill="hold"/>
                                         <p:tgtEl>
                                           <p:spTgt spid="3">
                                             <p:txEl>
@@ -11246,7 +10741,7 @@
                                     </p:anim>
                                     <p:anim calcmode="lin" valueType="num">
                                       <p:cBhvr additive="base">
-                                        <p:cTn id="24" dur="500" fill="hold"/>
+                                        <p:cTn id="25" dur="500" fill="hold"/>
                                         <p:tgtEl>
                                           <p:spTgt spid="3">
                                             <p:txEl>
@@ -11281,26 +10776,26 @@
                     </p:cTn>
                   </p:par>
                   <p:par>
-                    <p:cTn id="25" fill="hold">
+                    <p:cTn id="26" fill="hold">
                       <p:stCondLst>
                         <p:cond delay="indefinite"/>
                       </p:stCondLst>
                       <p:childTnLst>
                         <p:par>
-                          <p:cTn id="26" fill="hold">
+                          <p:cTn id="27" fill="hold">
                             <p:stCondLst>
                               <p:cond delay="0"/>
                             </p:stCondLst>
                             <p:childTnLst>
                               <p:par>
-                                <p:cTn id="27" presetID="2" presetClass="entr" presetSubtype="4" fill="hold" nodeType="clickEffect">
+                                <p:cTn id="28" presetID="2" presetClass="entr" presetSubtype="4" fill="hold" nodeType="clickEffect">
                                   <p:stCondLst>
                                     <p:cond delay="0"/>
                                   </p:stCondLst>
                                   <p:childTnLst>
                                     <p:set>
                                       <p:cBhvr>
-                                        <p:cTn id="28" dur="1" fill="hold">
+                                        <p:cTn id="29" dur="1" fill="hold">
                                           <p:stCondLst>
                                             <p:cond delay="0"/>
                                           </p:stCondLst>
@@ -11322,7 +10817,7 @@
                                     </p:set>
                                     <p:anim calcmode="lin" valueType="num">
                                       <p:cBhvr additive="base">
-                                        <p:cTn id="29" dur="500" fill="hold"/>
+                                        <p:cTn id="30" dur="500" fill="hold"/>
                                         <p:tgtEl>
                                           <p:spTgt spid="3">
                                             <p:txEl>
@@ -11349,7 +10844,7 @@
                                     </p:anim>
                                     <p:anim calcmode="lin" valueType="num">
                                       <p:cBhvr additive="base">
-                                        <p:cTn id="30" dur="500" fill="hold"/>
+                                        <p:cTn id="31" dur="500" fill="hold"/>
                                         <p:tgtEl>
                                           <p:spTgt spid="3">
                                             <p:txEl>
@@ -11384,26 +10879,26 @@
                     </p:cTn>
                   </p:par>
                   <p:par>
-                    <p:cTn id="31" fill="hold">
+                    <p:cTn id="32" fill="hold">
                       <p:stCondLst>
                         <p:cond delay="indefinite"/>
                       </p:stCondLst>
                       <p:childTnLst>
                         <p:par>
-                          <p:cTn id="32" fill="hold">
+                          <p:cTn id="33" fill="hold">
                             <p:stCondLst>
                               <p:cond delay="0"/>
                             </p:stCondLst>
                             <p:childTnLst>
                               <p:par>
-                                <p:cTn id="33" presetID="2" presetClass="entr" presetSubtype="4" fill="hold" nodeType="clickEffect">
+                                <p:cTn id="34" presetID="2" presetClass="entr" presetSubtype="4" fill="hold" nodeType="clickEffect">
                                   <p:stCondLst>
                                     <p:cond delay="0"/>
                                   </p:stCondLst>
                                   <p:childTnLst>
                                     <p:set>
                                       <p:cBhvr>
-                                        <p:cTn id="34" dur="1" fill="hold">
+                                        <p:cTn id="35" dur="1" fill="hold">
                                           <p:stCondLst>
                                             <p:cond delay="0"/>
                                           </p:stCondLst>
@@ -11425,7 +10920,7 @@
                                     </p:set>
                                     <p:anim calcmode="lin" valueType="num">
                                       <p:cBhvr additive="base">
-                                        <p:cTn id="35" dur="500" fill="hold"/>
+                                        <p:cTn id="36" dur="500" fill="hold"/>
                                         <p:tgtEl>
                                           <p:spTgt spid="3">
                                             <p:txEl>
@@ -11452,7 +10947,7 @@
                                     </p:anim>
                                     <p:anim calcmode="lin" valueType="num">
                                       <p:cBhvr additive="base">
-                                        <p:cTn id="36" dur="500" fill="hold"/>
+                                        <p:cTn id="37" dur="500" fill="hold"/>
                                         <p:tgtEl>
                                           <p:spTgt spid="3">
                                             <p:txEl>
@@ -11487,26 +10982,26 @@
                     </p:cTn>
                   </p:par>
                   <p:par>
-                    <p:cTn id="37" fill="hold">
+                    <p:cTn id="38" fill="hold">
                       <p:stCondLst>
                         <p:cond delay="indefinite"/>
                       </p:stCondLst>
                       <p:childTnLst>
                         <p:par>
-                          <p:cTn id="38" fill="hold">
+                          <p:cTn id="39" fill="hold">
                             <p:stCondLst>
                               <p:cond delay="0"/>
                             </p:stCondLst>
                             <p:childTnLst>
                               <p:par>
-                                <p:cTn id="39" presetID="2" presetClass="entr" presetSubtype="4" fill="hold" nodeType="clickEffect">
+                                <p:cTn id="40" presetID="2" presetClass="entr" presetSubtype="4" fill="hold" nodeType="clickEffect">
                                   <p:stCondLst>
                                     <p:cond delay="0"/>
                                   </p:stCondLst>
                                   <p:childTnLst>
                                     <p:set>
                                       <p:cBhvr>
-                                        <p:cTn id="40" dur="1" fill="hold">
+                                        <p:cTn id="41" dur="1" fill="hold">
                                           <p:stCondLst>
                                             <p:cond delay="0"/>
                                           </p:stCondLst>
@@ -11528,7 +11023,7 @@
                                     </p:set>
                                     <p:anim calcmode="lin" valueType="num">
                                       <p:cBhvr additive="base">
-                                        <p:cTn id="41" dur="500" fill="hold"/>
+                                        <p:cTn id="42" dur="500" fill="hold"/>
                                         <p:tgtEl>
                                           <p:spTgt spid="3">
                                             <p:txEl>
@@ -11555,7 +11050,7 @@
                                     </p:anim>
                                     <p:anim calcmode="lin" valueType="num">
                                       <p:cBhvr additive="base">
-                                        <p:cTn id="42" dur="500" fill="hold"/>
+                                        <p:cTn id="43" dur="500" fill="hold"/>
                                         <p:tgtEl>
                                           <p:spTgt spid="3">
                                             <p:txEl>
@@ -11643,8 +11138,8 @@
         </p:nvSpPr>
         <p:spPr>
           <a:xfrm>
-            <a:off x="628650" y="1825624"/>
-            <a:ext cx="7981950" cy="4651375"/>
+            <a:off x="533400" y="1825625"/>
+            <a:ext cx="7886700" cy="1374775"/>
           </a:xfrm>
           <a:solidFill>
             <a:schemeClr val="accent1">
@@ -11663,39 +11158,39 @@
               <a:buNone/>
             </a:pPr>
             <a:r>
+              <a:rPr lang="en-US" sz="2400" dirty="0" err="1" smtClean="0">
+                <a:latin typeface="Consolas" panose="020B0609020204030204" pitchFamily="49" charset="0"/>
+                <a:cs typeface="Consolas" panose="020B0609020204030204" pitchFamily="49" charset="0"/>
+              </a:rPr>
+              <a:t>LocalTime</a:t>
+            </a:r>
+            <a:r>
+              <a:rPr lang="en-US" sz="2400" dirty="0" smtClean="0">
+                <a:latin typeface="Consolas" panose="020B0609020204030204" pitchFamily="49" charset="0"/>
+                <a:cs typeface="Consolas" panose="020B0609020204030204" pitchFamily="49" charset="0"/>
+              </a:rPr>
+              <a:t> time </a:t>
+            </a:r>
+            <a:r>
+              <a:rPr lang="en-US" sz="2400" dirty="0">
+                <a:latin typeface="Consolas" panose="020B0609020204030204" pitchFamily="49" charset="0"/>
+                <a:cs typeface="Consolas" panose="020B0609020204030204" pitchFamily="49" charset="0"/>
+              </a:rPr>
+              <a:t>= </a:t>
+            </a:r>
+            <a:r>
               <a:rPr lang="en-US" sz="2400" dirty="0" err="1">
                 <a:latin typeface="Consolas" panose="020B0609020204030204" pitchFamily="49" charset="0"/>
                 <a:cs typeface="Consolas" panose="020B0609020204030204" pitchFamily="49" charset="0"/>
               </a:rPr>
-              <a:t>TemporalAdjuster</a:t>
+              <a:t>LocalTime.of</a:t>
             </a:r>
             <a:r>
               <a:rPr lang="en-US" sz="2400" dirty="0">
                 <a:latin typeface="Consolas" panose="020B0609020204030204" pitchFamily="49" charset="0"/>
                 <a:cs typeface="Consolas" panose="020B0609020204030204" pitchFamily="49" charset="0"/>
               </a:rPr>
-              <a:t> </a:t>
-            </a:r>
-            <a:r>
-              <a:rPr lang="en-US" sz="2400" dirty="0" err="1" smtClean="0">
-                <a:latin typeface="Consolas" panose="020B0609020204030204" pitchFamily="49" charset="0"/>
-                <a:cs typeface="Consolas" panose="020B0609020204030204" pitchFamily="49" charset="0"/>
-              </a:rPr>
-              <a:t>fourMinutesLater</a:t>
-            </a:r>
-            <a:r>
-              <a:rPr lang="en-US" sz="2400" dirty="0" smtClean="0">
-                <a:latin typeface="Consolas" panose="020B0609020204030204" pitchFamily="49" charset="0"/>
-                <a:cs typeface="Consolas" panose="020B0609020204030204" pitchFamily="49" charset="0"/>
-              </a:rPr>
-              <a:t> </a:t>
-            </a:r>
-            <a:r>
-              <a:rPr lang="en-US" sz="2400" dirty="0">
-                <a:latin typeface="Consolas" panose="020B0609020204030204" pitchFamily="49" charset="0"/>
-                <a:cs typeface="Consolas" panose="020B0609020204030204" pitchFamily="49" charset="0"/>
-              </a:rPr>
-              <a:t>= </a:t>
+              <a:t>(12, 0, 0); </a:t>
             </a:r>
             <a:endParaRPr lang="en-US" sz="2400" dirty="0" smtClean="0">
               <a:latin typeface="Consolas" panose="020B0609020204030204" pitchFamily="49" charset="0"/>
@@ -11707,25 +11202,25 @@
               <a:buNone/>
             </a:pPr>
             <a:r>
+              <a:rPr lang="en-US" sz="2400" dirty="0" err="1" smtClean="0">
+                <a:latin typeface="Consolas" panose="020B0609020204030204" pitchFamily="49" charset="0"/>
+                <a:cs typeface="Consolas" panose="020B0609020204030204" pitchFamily="49" charset="0"/>
+              </a:rPr>
+              <a:t>time.with</a:t>
+            </a:r>
+            <a:r>
               <a:rPr lang="en-US" sz="2400" dirty="0" smtClean="0">
                 <a:latin typeface="Consolas" panose="020B0609020204030204" pitchFamily="49" charset="0"/>
                 <a:cs typeface="Consolas" panose="020B0609020204030204" pitchFamily="49" charset="0"/>
               </a:rPr>
-              <a:t>new </a:t>
-            </a:r>
-            <a:r>
-              <a:rPr lang="en-US" sz="2400" dirty="0" err="1">
-                <a:latin typeface="Consolas" panose="020B0609020204030204" pitchFamily="49" charset="0"/>
-                <a:cs typeface="Consolas" panose="020B0609020204030204" pitchFamily="49" charset="0"/>
-              </a:rPr>
-              <a:t>TemporalAdjuster</a:t>
+              <a:t>(</a:t>
             </a:r>
             <a:r>
               <a:rPr lang="en-US" sz="2400" dirty="0">
                 <a:latin typeface="Consolas" panose="020B0609020204030204" pitchFamily="49" charset="0"/>
                 <a:cs typeface="Consolas" panose="020B0609020204030204" pitchFamily="49" charset="0"/>
               </a:rPr>
-              <a:t>() { </a:t>
+              <a:t>temporal -&gt; </a:t>
             </a:r>
             <a:endParaRPr lang="en-US" sz="2400" dirty="0" smtClean="0">
               <a:latin typeface="Consolas" panose="020B0609020204030204" pitchFamily="49" charset="0"/>
@@ -11737,225 +11232,41 @@
               <a:buNone/>
             </a:pPr>
             <a:r>
+              <a:rPr lang="en-US" sz="2400" dirty="0" err="1" smtClean="0">
+                <a:latin typeface="Consolas" panose="020B0609020204030204" pitchFamily="49" charset="0"/>
+                <a:cs typeface="Consolas" panose="020B0609020204030204" pitchFamily="49" charset="0"/>
+              </a:rPr>
+              <a:t>temporal.plus</a:t>
+            </a:r>
+            <a:r>
               <a:rPr lang="en-US" sz="2400" dirty="0" smtClean="0">
                 <a:latin typeface="Consolas" panose="020B0609020204030204" pitchFamily="49" charset="0"/>
                 <a:cs typeface="Consolas" panose="020B0609020204030204" pitchFamily="49" charset="0"/>
               </a:rPr>
-              <a:t>  @Override </a:t>
-            </a:r>
-          </a:p>
-          <a:p>
-            <a:pPr marL="400050" lvl="1" indent="0">
-              <a:buNone/>
-            </a:pPr>
+              <a:t>(4</a:t>
+            </a:r>
+            <a:r>
+              <a:rPr lang="en-US" sz="2400" dirty="0">
+                <a:latin typeface="Consolas" panose="020B0609020204030204" pitchFamily="49" charset="0"/>
+                <a:cs typeface="Consolas" panose="020B0609020204030204" pitchFamily="49" charset="0"/>
+              </a:rPr>
+              <a:t>, </a:t>
+            </a:r>
+            <a:r>
+              <a:rPr lang="en-US" sz="2400" dirty="0" err="1">
+                <a:latin typeface="Consolas" panose="020B0609020204030204" pitchFamily="49" charset="0"/>
+                <a:cs typeface="Consolas" panose="020B0609020204030204" pitchFamily="49" charset="0"/>
+              </a:rPr>
+              <a:t>ChronoUnit.MINUTES</a:t>
+            </a:r>
             <a:r>
               <a:rPr lang="en-US" sz="2400" dirty="0" smtClean="0">
                 <a:latin typeface="Consolas" panose="020B0609020204030204" pitchFamily="49" charset="0"/>
                 <a:cs typeface="Consolas" panose="020B0609020204030204" pitchFamily="49" charset="0"/>
               </a:rPr>
-              <a:t>public Temporal </a:t>
-            </a:r>
-            <a:r>
-              <a:rPr lang="en-US" sz="2400" dirty="0" err="1" smtClean="0">
-                <a:latin typeface="Consolas" panose="020B0609020204030204" pitchFamily="49" charset="0"/>
-                <a:cs typeface="Consolas" panose="020B0609020204030204" pitchFamily="49" charset="0"/>
-              </a:rPr>
-              <a:t>adjustInto</a:t>
-            </a:r>
-            <a:r>
-              <a:rPr lang="en-US" sz="2400" dirty="0" smtClean="0">
-                <a:latin typeface="Consolas" panose="020B0609020204030204" pitchFamily="49" charset="0"/>
-                <a:cs typeface="Consolas" panose="020B0609020204030204" pitchFamily="49" charset="0"/>
-              </a:rPr>
-              <a:t>(Temporal temporal) { </a:t>
-            </a:r>
-          </a:p>
-          <a:p>
-            <a:pPr marL="400050" lvl="1" indent="0">
-              <a:buNone/>
-            </a:pPr>
-            <a:r>
-              <a:rPr lang="en-US" sz="2400" dirty="0" smtClean="0">
-                <a:latin typeface="Consolas" panose="020B0609020204030204" pitchFamily="49" charset="0"/>
-                <a:cs typeface="Consolas" panose="020B0609020204030204" pitchFamily="49" charset="0"/>
-              </a:rPr>
-              <a:t>  return </a:t>
-            </a:r>
-            <a:r>
-              <a:rPr lang="en-US" sz="2400" dirty="0" err="1" smtClean="0">
-                <a:latin typeface="Consolas" panose="020B0609020204030204" pitchFamily="49" charset="0"/>
-                <a:cs typeface="Consolas" panose="020B0609020204030204" pitchFamily="49" charset="0"/>
-              </a:rPr>
-              <a:t>temporal.plus</a:t>
-            </a:r>
-            <a:r>
-              <a:rPr lang="en-US" sz="2400" dirty="0" smtClean="0">
-                <a:latin typeface="Consolas" panose="020B0609020204030204" pitchFamily="49" charset="0"/>
-                <a:cs typeface="Consolas" panose="020B0609020204030204" pitchFamily="49" charset="0"/>
-              </a:rPr>
-              <a:t>(4,    </a:t>
-            </a:r>
-          </a:p>
-          <a:p>
-            <a:pPr marL="400050" lvl="1" indent="0">
-              <a:buNone/>
-            </a:pPr>
-            <a:r>
-              <a:rPr lang="en-US" dirty="0">
-                <a:latin typeface="Consolas" panose="020B0609020204030204" pitchFamily="49" charset="0"/>
-                <a:cs typeface="Consolas" panose="020B0609020204030204" pitchFamily="49" charset="0"/>
-              </a:rPr>
-              <a:t> </a:t>
-            </a:r>
-            <a:r>
-              <a:rPr lang="en-US" dirty="0" smtClean="0">
-                <a:latin typeface="Consolas" panose="020B0609020204030204" pitchFamily="49" charset="0"/>
-                <a:cs typeface="Consolas" panose="020B0609020204030204" pitchFamily="49" charset="0"/>
-              </a:rPr>
-              <a:t>                      </a:t>
-            </a:r>
-            <a:r>
-              <a:rPr lang="en-US" sz="2400" dirty="0" err="1" smtClean="0">
-                <a:latin typeface="Consolas" panose="020B0609020204030204" pitchFamily="49" charset="0"/>
-                <a:cs typeface="Consolas" panose="020B0609020204030204" pitchFamily="49" charset="0"/>
-              </a:rPr>
-              <a:t>ChronoUnit.MINUTES</a:t>
-            </a:r>
-            <a:r>
-              <a:rPr lang="en-US" sz="2400" dirty="0" smtClean="0">
-                <a:latin typeface="Consolas" panose="020B0609020204030204" pitchFamily="49" charset="0"/>
-                <a:cs typeface="Consolas" panose="020B0609020204030204" pitchFamily="49" charset="0"/>
-              </a:rPr>
-              <a:t>); </a:t>
-            </a:r>
-          </a:p>
-          <a:p>
-            <a:pPr marL="400050" lvl="1" indent="0">
-              <a:buNone/>
-            </a:pPr>
-            <a:r>
-              <a:rPr lang="en-US" sz="2400" dirty="0" smtClean="0">
-                <a:latin typeface="Consolas" panose="020B0609020204030204" pitchFamily="49" charset="0"/>
-                <a:cs typeface="Consolas" panose="020B0609020204030204" pitchFamily="49" charset="0"/>
-              </a:rPr>
-              <a:t>} </a:t>
-            </a:r>
-          </a:p>
-          <a:p>
-            <a:pPr marL="0" indent="0">
-              <a:buNone/>
-            </a:pPr>
-            <a:r>
-              <a:rPr lang="en-US" sz="2400" dirty="0" smtClean="0">
-                <a:latin typeface="Consolas" panose="020B0609020204030204" pitchFamily="49" charset="0"/>
-                <a:cs typeface="Consolas" panose="020B0609020204030204" pitchFamily="49" charset="0"/>
-              </a:rPr>
-              <a:t>}; </a:t>
-            </a:r>
-          </a:p>
-          <a:p>
-            <a:pPr marL="0" indent="0">
-              <a:buNone/>
-            </a:pPr>
-            <a:r>
-              <a:rPr lang="en-US" sz="2400" dirty="0" err="1" smtClean="0">
-                <a:latin typeface="Consolas" panose="020B0609020204030204" pitchFamily="49" charset="0"/>
-                <a:cs typeface="Consolas" panose="020B0609020204030204" pitchFamily="49" charset="0"/>
-              </a:rPr>
-              <a:t>LocalTime</a:t>
-            </a:r>
-            <a:r>
-              <a:rPr lang="en-US" sz="2400" dirty="0" smtClean="0">
-                <a:latin typeface="Consolas" panose="020B0609020204030204" pitchFamily="49" charset="0"/>
-                <a:cs typeface="Consolas" panose="020B0609020204030204" pitchFamily="49" charset="0"/>
-              </a:rPr>
-              <a:t> time </a:t>
-            </a:r>
-            <a:r>
-              <a:rPr lang="en-US" sz="2400" dirty="0">
-                <a:latin typeface="Consolas" panose="020B0609020204030204" pitchFamily="49" charset="0"/>
-                <a:cs typeface="Consolas" panose="020B0609020204030204" pitchFamily="49" charset="0"/>
-              </a:rPr>
-              <a:t>= </a:t>
-            </a:r>
-            <a:r>
-              <a:rPr lang="en-US" sz="2400" dirty="0" err="1">
-                <a:latin typeface="Consolas" panose="020B0609020204030204" pitchFamily="49" charset="0"/>
-                <a:cs typeface="Consolas" panose="020B0609020204030204" pitchFamily="49" charset="0"/>
-              </a:rPr>
-              <a:t>LocalTime.of</a:t>
-            </a:r>
-            <a:r>
-              <a:rPr lang="en-US" sz="2400" dirty="0">
-                <a:latin typeface="Consolas" panose="020B0609020204030204" pitchFamily="49" charset="0"/>
-                <a:cs typeface="Consolas" panose="020B0609020204030204" pitchFamily="49" charset="0"/>
-              </a:rPr>
-              <a:t>(12, 0, 0); </a:t>
-            </a:r>
-            <a:endParaRPr lang="en-US" sz="2400" dirty="0" smtClean="0">
-              <a:latin typeface="Consolas" panose="020B0609020204030204" pitchFamily="49" charset="0"/>
-              <a:cs typeface="Consolas" panose="020B0609020204030204" pitchFamily="49" charset="0"/>
-            </a:endParaRPr>
-          </a:p>
-          <a:p>
-            <a:pPr marL="0" indent="0">
-              <a:buNone/>
-            </a:pPr>
-            <a:r>
-              <a:rPr lang="en-US" sz="2400" dirty="0" err="1">
-                <a:latin typeface="Consolas" panose="020B0609020204030204" pitchFamily="49" charset="0"/>
-                <a:cs typeface="Consolas" panose="020B0609020204030204" pitchFamily="49" charset="0"/>
-              </a:rPr>
-              <a:t>LocalTime</a:t>
-            </a:r>
-            <a:r>
-              <a:rPr lang="en-US" sz="2400" dirty="0">
-                <a:latin typeface="Consolas" panose="020B0609020204030204" pitchFamily="49" charset="0"/>
-                <a:cs typeface="Consolas" panose="020B0609020204030204" pitchFamily="49" charset="0"/>
-              </a:rPr>
-              <a:t> </a:t>
-            </a:r>
-            <a:r>
-              <a:rPr lang="en-US" sz="2400" dirty="0" smtClean="0">
-                <a:latin typeface="Consolas" panose="020B0609020204030204" pitchFamily="49" charset="0"/>
-                <a:cs typeface="Consolas" panose="020B0609020204030204" pitchFamily="49" charset="0"/>
-              </a:rPr>
-              <a:t>later = </a:t>
-            </a:r>
-            <a:r>
-              <a:rPr lang="en-US" sz="2400" dirty="0" err="1">
-                <a:latin typeface="Consolas" panose="020B0609020204030204" pitchFamily="49" charset="0"/>
-                <a:cs typeface="Consolas" panose="020B0609020204030204" pitchFamily="49" charset="0"/>
-              </a:rPr>
-              <a:t>time.with</a:t>
-            </a:r>
-            <a:r>
-              <a:rPr lang="en-US" sz="2400" dirty="0">
-                <a:latin typeface="Consolas" panose="020B0609020204030204" pitchFamily="49" charset="0"/>
-                <a:cs typeface="Consolas" panose="020B0609020204030204" pitchFamily="49" charset="0"/>
-              </a:rPr>
-              <a:t>(</a:t>
-            </a:r>
-            <a:r>
-              <a:rPr lang="en-US" sz="2400" dirty="0" err="1">
-                <a:latin typeface="Consolas" panose="020B0609020204030204" pitchFamily="49" charset="0"/>
-                <a:cs typeface="Consolas" panose="020B0609020204030204" pitchFamily="49" charset="0"/>
-              </a:rPr>
-              <a:t>fourMinutesLater</a:t>
-            </a:r>
-            <a:r>
-              <a:rPr lang="en-US" sz="2400" dirty="0" smtClean="0">
-                <a:latin typeface="Consolas" panose="020B0609020204030204" pitchFamily="49" charset="0"/>
-                <a:cs typeface="Consolas" panose="020B0609020204030204" pitchFamily="49" charset="0"/>
-              </a:rPr>
-              <a:t>);</a:t>
+              <a:t>)));</a:t>
             </a:r>
             <a:endParaRPr lang="en-US" sz="2400" dirty="0">
-              <a:solidFill>
-                <a:schemeClr val="accent6">
-                  <a:lumMod val="75000"/>
-                </a:schemeClr>
-              </a:solidFill>
               <a:latin typeface="Consolas" panose="020B0609020204030204" pitchFamily="49" charset="0"/>
               <a:cs typeface="Consolas" panose="020B0609020204030204" pitchFamily="49" charset="0"/>
             </a:endParaRPr>
@@ -11974,12 +11285,21 @@
         </p:nvSpPr>
         <p:spPr/>
         <p:txBody>
-          <a:bodyPr/>
+          <a:bodyPr>
+            <a:normAutofit fontScale="90000"/>
+          </a:bodyPr>
           <a:lstStyle/>
           <a:p>
             <a:r>
               <a:rPr lang="en-US" dirty="0" smtClean="0"/>
               <a:t>Temporal Adjusters</a:t>
+            </a:r>
+            <a:br>
+              <a:rPr lang="en-US" dirty="0" smtClean="0"/>
+            </a:br>
+            <a:r>
+              <a:rPr lang="en-US" dirty="0" smtClean="0"/>
+              <a:t>Java 8 Style</a:t>
             </a:r>
             <a:endParaRPr lang="en-US" dirty="0"/>
           </a:p>
@@ -11988,7 +11308,7 @@
     </p:spTree>
     <p:extLst>
       <p:ext uri="{BB962C8B-B14F-4D97-AF65-F5344CB8AC3E}">
-        <p14:creationId xmlns:p14="http://schemas.microsoft.com/office/powerpoint/2010/main" val="1380035644"/>
+        <p14:creationId xmlns:p14="http://schemas.microsoft.com/office/powerpoint/2010/main" val="2941858501"/>
       </p:ext>
     </p:extLst>
   </p:cSld>
@@ -12044,140 +11364,110 @@
             <p:ph idx="1"/>
           </p:nvPr>
         </p:nvSpPr>
-        <p:spPr>
-          <a:xfrm>
-            <a:off x="628650" y="1825625"/>
-            <a:ext cx="7886700" cy="1374775"/>
-          </a:xfrm>
-          <a:solidFill>
-            <a:schemeClr val="accent1">
-              <a:lumMod val="20000"/>
-              <a:lumOff val="80000"/>
-            </a:schemeClr>
-          </a:solidFill>
-        </p:spPr>
+        <p:spPr/>
         <p:txBody>
           <a:bodyPr>
-            <a:noAutofit/>
+            <a:normAutofit/>
           </a:bodyPr>
           <a:lstStyle/>
           <a:p>
-            <a:pPr marL="0" indent="0">
-              <a:buNone/>
-            </a:pPr>
-            <a:r>
-              <a:rPr lang="en-US" sz="2400" dirty="0" err="1" smtClean="0">
-                <a:latin typeface="Consolas" panose="020B0609020204030204" pitchFamily="49" charset="0"/>
-                <a:cs typeface="Consolas" panose="020B0609020204030204" pitchFamily="49" charset="0"/>
-              </a:rPr>
-              <a:t>LocalTime</a:t>
-            </a:r>
-            <a:r>
-              <a:rPr lang="en-US" sz="2400" dirty="0" smtClean="0">
-                <a:latin typeface="Consolas" panose="020B0609020204030204" pitchFamily="49" charset="0"/>
-                <a:cs typeface="Consolas" panose="020B0609020204030204" pitchFamily="49" charset="0"/>
-              </a:rPr>
-              <a:t> time </a:t>
-            </a:r>
-            <a:r>
-              <a:rPr lang="en-US" sz="2400" dirty="0">
-                <a:latin typeface="Consolas" panose="020B0609020204030204" pitchFamily="49" charset="0"/>
-                <a:cs typeface="Consolas" panose="020B0609020204030204" pitchFamily="49" charset="0"/>
-              </a:rPr>
-              <a:t>= </a:t>
-            </a:r>
-            <a:r>
-              <a:rPr lang="en-US" sz="2400" dirty="0" err="1">
-                <a:latin typeface="Consolas" panose="020B0609020204030204" pitchFamily="49" charset="0"/>
-                <a:cs typeface="Consolas" panose="020B0609020204030204" pitchFamily="49" charset="0"/>
-              </a:rPr>
-              <a:t>LocalTime.of</a:t>
-            </a:r>
-            <a:r>
-              <a:rPr lang="en-US" sz="2400" dirty="0">
-                <a:latin typeface="Consolas" panose="020B0609020204030204" pitchFamily="49" charset="0"/>
-                <a:cs typeface="Consolas" panose="020B0609020204030204" pitchFamily="49" charset="0"/>
-              </a:rPr>
-              <a:t>(12, 0, 0); </a:t>
-            </a:r>
-            <a:endParaRPr lang="en-US" sz="2400" dirty="0" smtClean="0">
-              <a:latin typeface="Consolas" panose="020B0609020204030204" pitchFamily="49" charset="0"/>
-              <a:cs typeface="Consolas" panose="020B0609020204030204" pitchFamily="49" charset="0"/>
-            </a:endParaRPr>
-          </a:p>
-          <a:p>
-            <a:pPr marL="0" indent="0">
-              <a:buNone/>
-            </a:pPr>
-            <a:r>
-              <a:rPr lang="en-US" sz="2400" dirty="0" err="1" smtClean="0">
-                <a:latin typeface="Consolas" panose="020B0609020204030204" pitchFamily="49" charset="0"/>
-                <a:cs typeface="Consolas" panose="020B0609020204030204" pitchFamily="49" charset="0"/>
-              </a:rPr>
-              <a:t>time.with</a:t>
-            </a:r>
-            <a:r>
-              <a:rPr lang="en-US" sz="2400" dirty="0" smtClean="0">
-                <a:latin typeface="Consolas" panose="020B0609020204030204" pitchFamily="49" charset="0"/>
-                <a:cs typeface="Consolas" panose="020B0609020204030204" pitchFamily="49" charset="0"/>
-              </a:rPr>
-              <a:t>(</a:t>
-            </a:r>
-            <a:r>
-              <a:rPr lang="en-US" sz="2400" dirty="0">
-                <a:latin typeface="Consolas" panose="020B0609020204030204" pitchFamily="49" charset="0"/>
-                <a:cs typeface="Consolas" panose="020B0609020204030204" pitchFamily="49" charset="0"/>
-              </a:rPr>
-              <a:t>temporal -&gt; </a:t>
-            </a:r>
-            <a:endParaRPr lang="en-US" sz="2400" dirty="0" smtClean="0">
-              <a:latin typeface="Consolas" panose="020B0609020204030204" pitchFamily="49" charset="0"/>
-              <a:cs typeface="Consolas" panose="020B0609020204030204" pitchFamily="49" charset="0"/>
-            </a:endParaRPr>
-          </a:p>
-          <a:p>
-            <a:pPr marL="0" indent="0">
-              <a:buNone/>
-            </a:pPr>
-            <a:r>
-              <a:rPr lang="en-US" sz="2400" dirty="0" err="1" smtClean="0">
-                <a:latin typeface="Consolas" panose="020B0609020204030204" pitchFamily="49" charset="0"/>
-                <a:cs typeface="Consolas" panose="020B0609020204030204" pitchFamily="49" charset="0"/>
-              </a:rPr>
-              <a:t>temporal.plus</a:t>
-            </a:r>
-            <a:r>
-              <a:rPr lang="en-US" sz="2400" dirty="0" smtClean="0">
-                <a:latin typeface="Consolas" panose="020B0609020204030204" pitchFamily="49" charset="0"/>
-                <a:cs typeface="Consolas" panose="020B0609020204030204" pitchFamily="49" charset="0"/>
-              </a:rPr>
-              <a:t>(4</a:t>
-            </a:r>
-            <a:r>
-              <a:rPr lang="en-US" sz="2400" dirty="0">
-                <a:latin typeface="Consolas" panose="020B0609020204030204" pitchFamily="49" charset="0"/>
-                <a:cs typeface="Consolas" panose="020B0609020204030204" pitchFamily="49" charset="0"/>
-              </a:rPr>
-              <a:t>, </a:t>
-            </a:r>
-            <a:r>
-              <a:rPr lang="en-US" sz="2400" dirty="0" err="1">
-                <a:latin typeface="Consolas" panose="020B0609020204030204" pitchFamily="49" charset="0"/>
-                <a:cs typeface="Consolas" panose="020B0609020204030204" pitchFamily="49" charset="0"/>
-              </a:rPr>
-              <a:t>ChronoUnit.MINUTES</a:t>
-            </a:r>
-            <a:r>
-              <a:rPr lang="en-US" sz="2400" dirty="0" smtClean="0">
-                <a:latin typeface="Consolas" panose="020B0609020204030204" pitchFamily="49" charset="0"/>
-                <a:cs typeface="Consolas" panose="020B0609020204030204" pitchFamily="49" charset="0"/>
-              </a:rPr>
-              <a:t>)));</a:t>
-            </a:r>
-            <a:endParaRPr lang="en-US" sz="2400" dirty="0">
-              <a:latin typeface="Consolas" panose="020B0609020204030204" pitchFamily="49" charset="0"/>
-              <a:cs typeface="Consolas" panose="020B0609020204030204" pitchFamily="49" charset="0"/>
-            </a:endParaRPr>
+            <a:r>
+              <a:rPr lang="en-US" dirty="0"/>
+              <a:t>Strategy for extracting information from </a:t>
+            </a:r>
+            <a:r>
+              <a:rPr lang="en-US" dirty="0" err="1" smtClean="0"/>
+              <a:t>temporals</a:t>
+            </a:r>
+            <a:endParaRPr lang="en-US" dirty="0"/>
+          </a:p>
+          <a:p>
+            <a:r>
+              <a:rPr lang="en-US" dirty="0"/>
+              <a:t>Externalize the process of querying</a:t>
+            </a:r>
+          </a:p>
+          <a:p>
+            <a:r>
+              <a:rPr lang="en-US" dirty="0" smtClean="0"/>
+              <a:t>Examples</a:t>
+            </a:r>
+            <a:endParaRPr lang="en-US" dirty="0"/>
+          </a:p>
+          <a:p>
+            <a:pPr lvl="1"/>
+            <a:r>
+              <a:rPr lang="en-US" dirty="0"/>
+              <a:t>get </a:t>
+            </a:r>
+            <a:r>
+              <a:rPr lang="en-US" dirty="0" smtClean="0"/>
+              <a:t>the time zone </a:t>
+            </a:r>
+            <a:r>
+              <a:rPr lang="en-US" dirty="0"/>
+              <a:t>in a </a:t>
+            </a:r>
+            <a:r>
+              <a:rPr lang="en-US" dirty="0" smtClean="0"/>
+              <a:t>temporal</a:t>
+            </a:r>
+            <a:endParaRPr lang="en-US" dirty="0"/>
+          </a:p>
+          <a:p>
+            <a:pPr lvl="1"/>
+            <a:r>
+              <a:rPr lang="en-US" dirty="0"/>
+              <a:t>check if </a:t>
+            </a:r>
+            <a:r>
+              <a:rPr lang="en-US" dirty="0" smtClean="0"/>
+              <a:t>date </a:t>
+            </a:r>
+            <a:r>
+              <a:rPr lang="en-US" dirty="0"/>
+              <a:t>is </a:t>
+            </a:r>
+            <a:r>
+              <a:rPr lang="en-US" dirty="0" smtClean="0"/>
+              <a:t>February 29 </a:t>
+            </a:r>
+            <a:r>
+              <a:rPr lang="en-US" dirty="0"/>
+              <a:t>in a leap year</a:t>
+            </a:r>
+          </a:p>
+          <a:p>
+            <a:pPr lvl="1"/>
+            <a:r>
+              <a:rPr lang="en-US" dirty="0" smtClean="0"/>
+              <a:t>calculate days until </a:t>
+            </a:r>
+            <a:r>
+              <a:rPr lang="en-US" dirty="0"/>
+              <a:t>your next birthday</a:t>
+            </a:r>
+          </a:p>
+          <a:p>
+            <a:r>
+              <a:rPr lang="en-US" dirty="0" err="1">
+                <a:latin typeface="Consolas" panose="020B0609020204030204" pitchFamily="49" charset="0"/>
+                <a:cs typeface="Consolas" panose="020B0609020204030204" pitchFamily="49" charset="0"/>
+              </a:rPr>
+              <a:t>TemporalQueries</a:t>
+            </a:r>
+            <a:r>
+              <a:rPr lang="en-US" dirty="0"/>
+              <a:t> </a:t>
+            </a:r>
+            <a:r>
+              <a:rPr lang="en-US" dirty="0" smtClean="0"/>
+              <a:t>class has implementations </a:t>
+            </a:r>
+            <a:r>
+              <a:rPr lang="en-US" dirty="0"/>
+              <a:t>of common queries</a:t>
+            </a:r>
           </a:p>
         </p:txBody>
       </p:sp>
@@ -12193,21 +11483,12 @@
         </p:nvSpPr>
         <p:spPr/>
         <p:txBody>
-          <a:bodyPr>
-            <a:normAutofit fontScale="90000"/>
-          </a:bodyPr>
+          <a:bodyPr/>
           <a:lstStyle/>
           <a:p>
             <a:r>
               <a:rPr lang="en-US" dirty="0" smtClean="0"/>
-              <a:t>Temporal Adjusters</a:t>
-            </a:r>
-            <a:br>
-              <a:rPr lang="en-US" dirty="0" smtClean="0"/>
-            </a:br>
-            <a:r>
-              <a:rPr lang="en-US" dirty="0" smtClean="0"/>
-              <a:t>Java 8 Style</a:t>
+              <a:t>Temporal Queries</a:t>
             </a:r>
             <a:endParaRPr lang="en-US" dirty="0"/>
           </a:p>
@@ -12216,7 +11497,7 @@
     </p:spTree>
     <p:extLst>
       <p:ext uri="{BB962C8B-B14F-4D97-AF65-F5344CB8AC3E}">
-        <p14:creationId xmlns:p14="http://schemas.microsoft.com/office/powerpoint/2010/main" val="2941858501"/>
+        <p14:creationId xmlns:p14="http://schemas.microsoft.com/office/powerpoint/2010/main" val="1967694706"/>
       </p:ext>
     </p:extLst>
   </p:cSld>
@@ -12275,13 +11556,62 @@
         <p:spPr/>
         <p:txBody>
           <a:bodyPr>
-            <a:normAutofit/>
+            <a:noAutofit/>
           </a:bodyPr>
           <a:lstStyle/>
           <a:p>
             <a:r>
+              <a:rPr lang="en-US" dirty="0" err="1">
+                <a:latin typeface="Consolas" panose="020B0609020204030204" pitchFamily="49" charset="0"/>
+                <a:cs typeface="Consolas" panose="020B0609020204030204" pitchFamily="49" charset="0"/>
+              </a:rPr>
+              <a:t>java.time</a:t>
+            </a:r>
+            <a:r>
               <a:rPr lang="en-US" dirty="0"/>
-              <a:t>Strategy for extracting information from </a:t>
+              <a:t> </a:t>
+            </a:r>
+            <a:r>
+              <a:rPr lang="en-US" dirty="0" smtClean="0"/>
+              <a:t>- instants</a:t>
+            </a:r>
+            <a:r>
+              <a:rPr lang="en-US" dirty="0"/>
+              <a:t>, durations, dates, times, time zones, </a:t>
+            </a:r>
+            <a:r>
+              <a:rPr lang="en-US" dirty="0" smtClean="0"/>
+              <a:t>periods</a:t>
+            </a:r>
+          </a:p>
+          <a:p>
+            <a:r>
+              <a:rPr lang="en-US" dirty="0" err="1" smtClean="0">
+                <a:latin typeface="Consolas" panose="020B0609020204030204" pitchFamily="49" charset="0"/>
+                <a:cs typeface="Consolas" panose="020B0609020204030204" pitchFamily="49" charset="0"/>
+              </a:rPr>
+              <a:t>java.time.format</a:t>
+            </a:r>
+            <a:r>
+              <a:rPr lang="en-US" dirty="0" smtClean="0"/>
+              <a:t> - formatting and parsing</a:t>
+            </a:r>
+          </a:p>
+          <a:p>
+            <a:r>
+              <a:rPr lang="en-US" dirty="0" err="1" smtClean="0">
+                <a:latin typeface="Consolas" panose="020B0609020204030204" pitchFamily="49" charset="0"/>
+                <a:cs typeface="Consolas" panose="020B0609020204030204" pitchFamily="49" charset="0"/>
+              </a:rPr>
+              <a:t>java.time.temporal</a:t>
+            </a:r>
+            <a:r>
+              <a:rPr lang="en-US" dirty="0" smtClean="0"/>
+              <a:t> - field</a:t>
+            </a:r>
+            <a:r>
+              <a:rPr lang="en-US" dirty="0"/>
+              <a:t>, unit, or adjustment access to </a:t>
             </a:r>
             <a:r>
               <a:rPr lang="en-US" dirty="0" err="1" smtClean="0"/>
@@ -12291,78 +11621,11 @@
           </a:p>
           <a:p>
             <a:r>
-              <a:rPr lang="en-US" dirty="0"/>
-              <a:t>Externalize the process of querying</a:t>
-            </a:r>
-          </a:p>
-          <a:p>
-            <a:r>
-              <a:rPr lang="en-US" dirty="0" smtClean="0"/>
-              <a:t>Examples</a:t>
-            </a:r>
-            <a:endParaRPr lang="en-US" dirty="0"/>
-          </a:p>
-          <a:p>
-            <a:pPr lvl="1"/>
-            <a:r>
-              <a:rPr lang="en-US" dirty="0"/>
-              <a:t>get </a:t>
-            </a:r>
-            <a:r>
-              <a:rPr lang="en-US" dirty="0" smtClean="0"/>
-              <a:t>the time zone </a:t>
-            </a:r>
-            <a:r>
-              <a:rPr lang="en-US" dirty="0"/>
-              <a:t>in a </a:t>
-            </a:r>
-            <a:r>
-              <a:rPr lang="en-US" dirty="0" smtClean="0"/>
-              <a:t>temporal</a:t>
-            </a:r>
-            <a:endParaRPr lang="en-US" dirty="0"/>
-          </a:p>
-          <a:p>
-            <a:pPr lvl="1"/>
-            <a:r>
-              <a:rPr lang="en-US" dirty="0"/>
-              <a:t>check if </a:t>
-            </a:r>
-            <a:r>
-              <a:rPr lang="en-US" dirty="0" smtClean="0"/>
-              <a:t>date </a:t>
-            </a:r>
-            <a:r>
-              <a:rPr lang="en-US" dirty="0"/>
-              <a:t>is </a:t>
-            </a:r>
-            <a:r>
-              <a:rPr lang="en-US" dirty="0" smtClean="0"/>
-              <a:t>February 29 </a:t>
-            </a:r>
-            <a:r>
-              <a:rPr lang="en-US" dirty="0"/>
-              <a:t>in a leap year</a:t>
-            </a:r>
-          </a:p>
-          <a:p>
-            <a:pPr lvl="1"/>
-            <a:r>
-              <a:rPr lang="en-US" dirty="0" smtClean="0"/>
-              <a:t>calculate days until </a:t>
-            </a:r>
-            <a:r>
-              <a:rPr lang="en-US" dirty="0"/>
-              <a:t>your next birthday</a:t>
-            </a:r>
-          </a:p>
-          <a:p>
-            <a:r>
               <a:rPr lang="en-US" dirty="0" err="1">
                 <a:latin typeface="Consolas" panose="020B0609020204030204" pitchFamily="49" charset="0"/>
                 <a:cs typeface="Consolas" panose="020B0609020204030204" pitchFamily="49" charset="0"/>
               </a:rPr>
-              <a:t>TemporalQueries</a:t>
+              <a:t>java.time.zone</a:t>
             </a:r>
             <a:r>
               <a:rPr lang="en-US" dirty="0"/>
@@ -12370,19 +11633,36 @@
             </a:r>
             <a:r>
               <a:rPr lang="en-US" dirty="0" smtClean="0"/>
-              <a:t>class has </a:t>
-            </a:r>
-            <a:r>
-              <a:rPr lang="en-US" dirty="0" smtClean="0"/>
-              <a:t>implementations </a:t>
+              <a:t>– support for </a:t>
             </a:r>
             <a:r>
               <a:rPr lang="en-US" dirty="0"/>
-              <a:t>of </a:t>
+              <a:t>time </a:t>
+            </a:r>
+            <a:r>
+              <a:rPr lang="en-US" dirty="0" smtClean="0"/>
+              <a:t>zones</a:t>
+            </a:r>
+          </a:p>
+          <a:p>
+            <a:r>
+              <a:rPr lang="en-US" dirty="0" err="1" smtClean="0">
+                <a:latin typeface="Consolas" panose="020B0609020204030204" pitchFamily="49" charset="0"/>
+                <a:cs typeface="Consolas" panose="020B0609020204030204" pitchFamily="49" charset="0"/>
+              </a:rPr>
+              <a:t>java.time.chrono</a:t>
+            </a:r>
+            <a:r>
+              <a:rPr lang="en-US" dirty="0" smtClean="0"/>
+              <a:t> </a:t>
             </a:r>
             <a:r>
               <a:rPr lang="en-US" dirty="0"/>
-              <a:t>common queries</a:t>
+              <a:t>- calendar systems other than </a:t>
+            </a:r>
+            <a:r>
+              <a:rPr lang="en-US" dirty="0" smtClean="0"/>
+              <a:t>ISO-8601</a:t>
             </a:r>
             <a:endParaRPr lang="en-US" dirty="0"/>
           </a:p>
@@ -12405,7 +11685,7 @@
           <a:p>
             <a:r>
               <a:rPr lang="en-US" dirty="0" smtClean="0"/>
-              <a:t>Temporal Queries</a:t>
+              <a:t>New Packages</a:t>
             </a:r>
             <a:endParaRPr lang="en-US" dirty="0"/>
           </a:p>
@@ -12414,7 +11694,7 @@
     </p:spTree>
     <p:extLst>
       <p:ext uri="{BB962C8B-B14F-4D97-AF65-F5344CB8AC3E}">
-        <p14:creationId xmlns:p14="http://schemas.microsoft.com/office/powerpoint/2010/main" val="1967694706"/>
+        <p14:creationId xmlns:p14="http://schemas.microsoft.com/office/powerpoint/2010/main" val="3869983739"/>
       </p:ext>
     </p:extLst>
   </p:cSld>
@@ -12478,203 +11758,6 @@
           <a:lstStyle/>
           <a:p>
             <a:r>
-              <a:rPr lang="en-US" dirty="0" err="1">
-                <a:latin typeface="Consolas" panose="020B0609020204030204" pitchFamily="49" charset="0"/>
-                <a:cs typeface="Consolas" panose="020B0609020204030204" pitchFamily="49" charset="0"/>
-              </a:rPr>
-              <a:t>java.time</a:t>
-            </a:r>
-            <a:r>
-              <a:rPr lang="en-US" dirty="0"/>
-              <a:t> </a:t>
-            </a:r>
-            <a:r>
-              <a:rPr lang="en-US" dirty="0" smtClean="0"/>
-              <a:t>- instants</a:t>
-            </a:r>
-            <a:r>
-              <a:rPr lang="en-US" dirty="0"/>
-              <a:t>, durations, dates, times, time zones, </a:t>
-            </a:r>
-            <a:r>
-              <a:rPr lang="en-US" dirty="0" smtClean="0"/>
-              <a:t>periods</a:t>
-            </a:r>
-          </a:p>
-          <a:p>
-            <a:r>
-              <a:rPr lang="en-US" dirty="0" err="1" smtClean="0">
-                <a:latin typeface="Consolas" panose="020B0609020204030204" pitchFamily="49" charset="0"/>
-                <a:cs typeface="Consolas" panose="020B0609020204030204" pitchFamily="49" charset="0"/>
-              </a:rPr>
-              <a:t>java.time.format</a:t>
-            </a:r>
-            <a:r>
-              <a:rPr lang="en-US" dirty="0" smtClean="0"/>
-              <a:t> - formatting and parsing</a:t>
-            </a:r>
-          </a:p>
-          <a:p>
-            <a:r>
-              <a:rPr lang="en-US" dirty="0" err="1" smtClean="0">
-                <a:latin typeface="Consolas" panose="020B0609020204030204" pitchFamily="49" charset="0"/>
-                <a:cs typeface="Consolas" panose="020B0609020204030204" pitchFamily="49" charset="0"/>
-              </a:rPr>
-              <a:t>java.time.temporal</a:t>
-            </a:r>
-            <a:r>
-              <a:rPr lang="en-US" dirty="0" smtClean="0"/>
-              <a:t> - field</a:t>
-            </a:r>
-            <a:r>
-              <a:rPr lang="en-US" dirty="0"/>
-              <a:t>, unit, or adjustment access to </a:t>
-            </a:r>
-            <a:r>
-              <a:rPr lang="en-US" dirty="0" err="1" smtClean="0"/>
-              <a:t>temporals</a:t>
-            </a:r>
-            <a:endParaRPr lang="en-US" dirty="0"/>
-          </a:p>
-          <a:p>
-            <a:r>
-              <a:rPr lang="en-US" dirty="0" err="1">
-                <a:latin typeface="Consolas" panose="020B0609020204030204" pitchFamily="49" charset="0"/>
-                <a:cs typeface="Consolas" panose="020B0609020204030204" pitchFamily="49" charset="0"/>
-              </a:rPr>
-              <a:t>java.time.zone</a:t>
-            </a:r>
-            <a:r>
-              <a:rPr lang="en-US" dirty="0"/>
-              <a:t> </a:t>
-            </a:r>
-            <a:r>
-              <a:rPr lang="en-US" dirty="0" smtClean="0"/>
-              <a:t>– support for </a:t>
-            </a:r>
-            <a:r>
-              <a:rPr lang="en-US" dirty="0"/>
-              <a:t>time </a:t>
-            </a:r>
-            <a:r>
-              <a:rPr lang="en-US" dirty="0" smtClean="0"/>
-              <a:t>zones</a:t>
-            </a:r>
-          </a:p>
-          <a:p>
-            <a:r>
-              <a:rPr lang="en-US" dirty="0" err="1" smtClean="0">
-                <a:latin typeface="Consolas" panose="020B0609020204030204" pitchFamily="49" charset="0"/>
-                <a:cs typeface="Consolas" panose="020B0609020204030204" pitchFamily="49" charset="0"/>
-              </a:rPr>
-              <a:t>java.time.chrono</a:t>
-            </a:r>
-            <a:r>
-              <a:rPr lang="en-US" dirty="0" smtClean="0"/>
-              <a:t> </a:t>
-            </a:r>
-            <a:r>
-              <a:rPr lang="en-US" dirty="0"/>
-              <a:t>- calendar systems other than </a:t>
-            </a:r>
-            <a:r>
-              <a:rPr lang="en-US" dirty="0" smtClean="0"/>
-              <a:t>ISO-8601</a:t>
-            </a:r>
-            <a:endParaRPr lang="en-US" dirty="0"/>
-          </a:p>
-        </p:txBody>
-      </p:sp>
-      <p:sp>
-        <p:nvSpPr>
-          <p:cNvPr id="2" name="Title 1"/>
-          <p:cNvSpPr>
-            <a:spLocks noGrp="1"/>
-          </p:cNvSpPr>
-          <p:nvPr>
-            <p:ph type="title"/>
-          </p:nvPr>
-        </p:nvSpPr>
-        <p:spPr/>
-        <p:txBody>
-          <a:bodyPr/>
-          <a:lstStyle/>
-          <a:p>
-            <a:r>
-              <a:rPr lang="en-US" dirty="0" smtClean="0"/>
-              <a:t>New Packages</a:t>
-            </a:r>
-            <a:endParaRPr lang="en-US" dirty="0"/>
-          </a:p>
-        </p:txBody>
-      </p:sp>
-    </p:spTree>
-    <p:extLst>
-      <p:ext uri="{BB962C8B-B14F-4D97-AF65-F5344CB8AC3E}">
-        <p14:creationId xmlns:p14="http://schemas.microsoft.com/office/powerpoint/2010/main" val="3869983739"/>
-      </p:ext>
-    </p:extLst>
-  </p:cSld>
-  <p:clrMapOvr>
-    <a:masterClrMapping/>
-  </p:clrMapOvr>
-  <mc:AlternateContent xmlns:mc="http://schemas.openxmlformats.org/markup-compatibility/2006" xmlns:p14="http://schemas.microsoft.com/office/powerpoint/2010/main">
-    <mc:Choice Requires="p14">
-      <p:transition spd="med" p14:dur="700">
-        <p:fade/>
-      </p:transition>
-    </mc:Choice>
-    <mc:Fallback xmlns="">
-      <p:transition spd="med">
-        <p:fade/>
-      </p:transition>
-    </mc:Fallback>
-  </mc:AlternateContent>
-  <p:timing>
-    <p:tnLst>
-      <p:par>
-        <p:cTn id="1" dur="indefinite" restart="never" nodeType="tmRoot"/>
-      </p:par>
-    </p:tnLst>
-  </p:timing>
-</p:sld>
-</file>
-
-<file path=ppt/slides/slide34.xml><?xml version="1.0" encoding="utf-8"?>
-<p:sld xmlns:a="http://schemas.openxmlformats.org/drawingml/2006/main" xmlns:r="http://schemas.openxmlformats.org/officeDocument/2006/relationships" xmlns:p="http://schemas.openxmlformats.org/presentationml/2006/main">
-  <p:cSld>
-    <p:spTree>
-      <p:nvGrpSpPr>
-        <p:cNvPr id="1" name=""/>
-        <p:cNvGrpSpPr/>
-        <p:nvPr/>
-      </p:nvGrpSpPr>
-      <p:grpSpPr>
-        <a:xfrm>
-          <a:off x="0" y="0"/>
-          <a:ext cx="0" cy="0"/>
-          <a:chOff x="0" y="0"/>
-          <a:chExt cx="0" cy="0"/>
-        </a:xfrm>
-      </p:grpSpPr>
-      <p:sp>
-        <p:nvSpPr>
-          <p:cNvPr id="3" name="Content Placeholder 2"/>
-          <p:cNvSpPr>
-            <a:spLocks noGrp="1"/>
-          </p:cNvSpPr>
-          <p:nvPr>
-            <p:ph idx="1"/>
-          </p:nvPr>
-        </p:nvSpPr>
-        <p:spPr/>
-        <p:txBody>
-          <a:bodyPr>
-            <a:noAutofit/>
-          </a:bodyPr>
-          <a:lstStyle/>
-          <a:p>
-            <a:r>
               <a:rPr lang="en-US" sz="2400" dirty="0" err="1">
                 <a:latin typeface="Consolas" panose="020B0609020204030204" pitchFamily="49" charset="0"/>
                 <a:cs typeface="Consolas" panose="020B0609020204030204" pitchFamily="49" charset="0"/>
@@ -12939,7 +12022,7 @@
 </p:sld>
 </file>
 
-<file path=ppt/slides/slide35.xml><?xml version="1.0" encoding="utf-8"?>
+<file path=ppt/slides/slide34.xml><?xml version="1.0" encoding="utf-8"?>
 <p:sld xmlns:a="http://schemas.openxmlformats.org/drawingml/2006/main" xmlns:r="http://schemas.openxmlformats.org/officeDocument/2006/relationships" xmlns:p="http://schemas.openxmlformats.org/presentationml/2006/main">
   <p:cSld>
     <p:spTree>
@@ -16031,7 +15114,7 @@
 </p:sld>
 </file>
 
-<file path=ppt/slides/slide36.xml><?xml version="1.0" encoding="utf-8"?>
+<file path=ppt/slides/slide35.xml><?xml version="1.0" encoding="utf-8"?>
 <p:sld xmlns:a="http://schemas.openxmlformats.org/drawingml/2006/main" xmlns:r="http://schemas.openxmlformats.org/officeDocument/2006/relationships" xmlns:p="http://schemas.openxmlformats.org/presentationml/2006/main">
   <p:cSld>
     <p:spTree>
@@ -16264,6 +15347,281 @@
     <p:extLst>
       <p:ext uri="{BB962C8B-B14F-4D97-AF65-F5344CB8AC3E}">
         <p14:creationId xmlns:p14="http://schemas.microsoft.com/office/powerpoint/2010/main" val="2757343577"/>
+      </p:ext>
+    </p:extLst>
+  </p:cSld>
+  <p:clrMapOvr>
+    <a:masterClrMapping/>
+  </p:clrMapOvr>
+  <mc:AlternateContent xmlns:mc="http://schemas.openxmlformats.org/markup-compatibility/2006" xmlns:p14="http://schemas.microsoft.com/office/powerpoint/2010/main">
+    <mc:Choice Requires="p14">
+      <p:transition spd="med" p14:dur="700">
+        <p:fade/>
+      </p:transition>
+    </mc:Choice>
+    <mc:Fallback xmlns="">
+      <p:transition spd="med">
+        <p:fade/>
+      </p:transition>
+    </mc:Fallback>
+  </mc:AlternateContent>
+  <p:timing>
+    <p:tnLst>
+      <p:par>
+        <p:cTn id="1" dur="indefinite" restart="never" nodeType="tmRoot"/>
+      </p:par>
+    </p:tnLst>
+  </p:timing>
+</p:sld>
+</file>
+
+<file path=ppt/slides/slide36.xml><?xml version="1.0" encoding="utf-8"?>
+<p:sld xmlns:a="http://schemas.openxmlformats.org/drawingml/2006/main" xmlns:r="http://schemas.openxmlformats.org/officeDocument/2006/relationships" xmlns:p="http://schemas.openxmlformats.org/presentationml/2006/main">
+  <p:cSld>
+    <p:spTree>
+      <p:nvGrpSpPr>
+        <p:cNvPr id="1" name=""/>
+        <p:cNvGrpSpPr/>
+        <p:nvPr/>
+      </p:nvGrpSpPr>
+      <p:grpSpPr>
+        <a:xfrm>
+          <a:off x="0" y="0"/>
+          <a:ext cx="0" cy="0"/>
+          <a:chOff x="0" y="0"/>
+          <a:chExt cx="0" cy="0"/>
+        </a:xfrm>
+      </p:grpSpPr>
+      <p:sp>
+        <p:nvSpPr>
+          <p:cNvPr id="3" name="Content Placeholder 2"/>
+          <p:cNvSpPr>
+            <a:spLocks noGrp="1"/>
+          </p:cNvSpPr>
+          <p:nvPr>
+            <p:ph idx="1"/>
+          </p:nvPr>
+        </p:nvSpPr>
+        <p:spPr/>
+        <p:txBody>
+          <a:bodyPr>
+            <a:normAutofit/>
+          </a:bodyPr>
+          <a:lstStyle/>
+          <a:p>
+            <a:r>
+              <a:rPr lang="en-US" dirty="0" smtClean="0"/>
+              <a:t>Day of week</a:t>
+            </a:r>
+            <a:r>
+              <a:rPr lang="en-US" dirty="0" smtClean="0"/>
+              <a:t>, for example </a:t>
+            </a:r>
+            <a:r>
+              <a:rPr lang="en-US" dirty="0" err="1" smtClean="0">
+                <a:latin typeface="Consolas" panose="020B0609020204030204" pitchFamily="49" charset="0"/>
+                <a:cs typeface="Consolas" panose="020B0609020204030204" pitchFamily="49" charset="0"/>
+              </a:rPr>
+              <a:t>DayOfWeek.SUNDAY</a:t>
+            </a:r>
+            <a:endParaRPr lang="en-US" dirty="0" smtClean="0">
+              <a:latin typeface="Consolas" panose="020B0609020204030204" pitchFamily="49" charset="0"/>
+              <a:cs typeface="Consolas" panose="020B0609020204030204" pitchFamily="49" charset="0"/>
+            </a:endParaRPr>
+          </a:p>
+          <a:p>
+            <a:r>
+              <a:rPr lang="en-US" dirty="0" smtClean="0"/>
+              <a:t>Month</a:t>
+            </a:r>
+            <a:r>
+              <a:rPr lang="en-US" dirty="0"/>
+              <a:t> , for example </a:t>
+            </a:r>
+            <a:r>
+              <a:rPr lang="en-US" dirty="0" smtClean="0"/>
+              <a:t/>
+            </a:r>
+            <a:br>
+              <a:rPr lang="en-US" dirty="0" smtClean="0"/>
+            </a:br>
+            <a:r>
+              <a:rPr lang="en-US" dirty="0" err="1" smtClean="0">
+                <a:latin typeface="Consolas" panose="020B0609020204030204" pitchFamily="49" charset="0"/>
+                <a:cs typeface="Consolas" panose="020B0609020204030204" pitchFamily="49" charset="0"/>
+              </a:rPr>
+              <a:t>LocalDate.of</a:t>
+            </a:r>
+            <a:r>
+              <a:rPr lang="en-US" dirty="0" smtClean="0">
+                <a:latin typeface="Consolas" panose="020B0609020204030204" pitchFamily="49" charset="0"/>
+                <a:cs typeface="Consolas" panose="020B0609020204030204" pitchFamily="49" charset="0"/>
+              </a:rPr>
+              <a:t>(2014</a:t>
+            </a:r>
+            <a:r>
+              <a:rPr lang="en-US" dirty="0">
+                <a:latin typeface="Consolas" panose="020B0609020204030204" pitchFamily="49" charset="0"/>
+                <a:cs typeface="Consolas" panose="020B0609020204030204" pitchFamily="49" charset="0"/>
+              </a:rPr>
+              <a:t>, </a:t>
+            </a:r>
+            <a:r>
+              <a:rPr lang="en-US" dirty="0" err="1" smtClean="0">
+                <a:latin typeface="Consolas" panose="020B0609020204030204" pitchFamily="49" charset="0"/>
+                <a:cs typeface="Consolas" panose="020B0609020204030204" pitchFamily="49" charset="0"/>
+              </a:rPr>
+              <a:t>Month.MAY</a:t>
+            </a:r>
+            <a:r>
+              <a:rPr lang="en-US" dirty="0" smtClean="0">
+                <a:latin typeface="Consolas" panose="020B0609020204030204" pitchFamily="49" charset="0"/>
+                <a:cs typeface="Consolas" panose="020B0609020204030204" pitchFamily="49" charset="0"/>
+              </a:rPr>
+              <a:t>, </a:t>
+            </a:r>
+            <a:r>
+              <a:rPr lang="en-US" dirty="0">
+                <a:latin typeface="Consolas" panose="020B0609020204030204" pitchFamily="49" charset="0"/>
+                <a:cs typeface="Consolas" panose="020B0609020204030204" pitchFamily="49" charset="0"/>
+              </a:rPr>
+              <a:t>20</a:t>
+            </a:r>
+            <a:r>
+              <a:rPr lang="en-US" dirty="0" smtClean="0">
+                <a:latin typeface="Consolas" panose="020B0609020204030204" pitchFamily="49" charset="0"/>
+                <a:cs typeface="Consolas" panose="020B0609020204030204" pitchFamily="49" charset="0"/>
+              </a:rPr>
+              <a:t>); </a:t>
+            </a:r>
+          </a:p>
+          <a:p>
+            <a:r>
+              <a:rPr lang="en-US" dirty="0" smtClean="0"/>
+              <a:t>Time units, </a:t>
+            </a:r>
+            <a:r>
+              <a:rPr lang="en-US" dirty="0"/>
+              <a:t>for example </a:t>
+            </a:r>
+            <a:br>
+              <a:rPr lang="en-US" dirty="0"/>
+            </a:br>
+            <a:r>
+              <a:rPr lang="en-US" dirty="0" err="1" smtClean="0">
+                <a:latin typeface="Consolas" panose="020B0609020204030204" pitchFamily="49" charset="0"/>
+                <a:cs typeface="Consolas" panose="020B0609020204030204" pitchFamily="49" charset="0"/>
+              </a:rPr>
+              <a:t>Instant.now</a:t>
+            </a:r>
+            <a:r>
+              <a:rPr lang="en-US" dirty="0" smtClean="0">
+                <a:latin typeface="Consolas" panose="020B0609020204030204" pitchFamily="49" charset="0"/>
+                <a:cs typeface="Consolas" panose="020B0609020204030204" pitchFamily="49" charset="0"/>
+              </a:rPr>
+              <a:t>().plus(1, </a:t>
+            </a:r>
+            <a:r>
+              <a:rPr lang="en-US" dirty="0" err="1" smtClean="0">
+                <a:latin typeface="Consolas" panose="020B0609020204030204" pitchFamily="49" charset="0"/>
+                <a:cs typeface="Consolas" panose="020B0609020204030204" pitchFamily="49" charset="0"/>
+              </a:rPr>
+              <a:t>ChronoUnit.DAYS</a:t>
+            </a:r>
+            <a:r>
+              <a:rPr lang="en-US" dirty="0" smtClean="0">
+                <a:latin typeface="Consolas" panose="020B0609020204030204" pitchFamily="49" charset="0"/>
+                <a:cs typeface="Consolas" panose="020B0609020204030204" pitchFamily="49" charset="0"/>
+              </a:rPr>
+              <a:t>) </a:t>
+            </a:r>
+          </a:p>
+          <a:p>
+            <a:r>
+              <a:rPr lang="en-US" dirty="0" smtClean="0"/>
+              <a:t>Other </a:t>
+            </a:r>
+            <a:r>
+              <a:rPr lang="en-US" dirty="0"/>
+              <a:t>useful </a:t>
+            </a:r>
+            <a:r>
+              <a:rPr lang="en-US" dirty="0" smtClean="0"/>
+              <a:t>constants</a:t>
+            </a:r>
+            <a:endParaRPr lang="en-US" dirty="0"/>
+          </a:p>
+          <a:p>
+            <a:pPr lvl="1"/>
+            <a:r>
+              <a:rPr lang="en-US" sz="2800" dirty="0" err="1" smtClean="0">
+                <a:latin typeface="Consolas" panose="020B0609020204030204" pitchFamily="49" charset="0"/>
+                <a:cs typeface="Consolas" panose="020B0609020204030204" pitchFamily="49" charset="0"/>
+              </a:rPr>
+              <a:t>LocalTime.MIDNIGHT</a:t>
+            </a:r>
+            <a:r>
+              <a:rPr lang="en-US" sz="2800" dirty="0" smtClean="0">
+                <a:latin typeface="Consolas" panose="020B0609020204030204" pitchFamily="49" charset="0"/>
+                <a:cs typeface="Consolas" panose="020B0609020204030204" pitchFamily="49" charset="0"/>
+              </a:rPr>
+              <a:t> // 00:00</a:t>
+            </a:r>
+            <a:endParaRPr lang="en-US" sz="2800" dirty="0">
+              <a:latin typeface="Consolas" panose="020B0609020204030204" pitchFamily="49" charset="0"/>
+              <a:cs typeface="Consolas" panose="020B0609020204030204" pitchFamily="49" charset="0"/>
+            </a:endParaRPr>
+          </a:p>
+          <a:p>
+            <a:pPr lvl="1"/>
+            <a:r>
+              <a:rPr lang="en-US" sz="2800" dirty="0" err="1" smtClean="0">
+                <a:latin typeface="Consolas" panose="020B0609020204030204" pitchFamily="49" charset="0"/>
+                <a:cs typeface="Consolas" panose="020B0609020204030204" pitchFamily="49" charset="0"/>
+              </a:rPr>
+              <a:t>LocalTime.NOON</a:t>
+            </a:r>
+            <a:r>
+              <a:rPr lang="en-US" sz="2800" dirty="0" smtClean="0">
+                <a:latin typeface="Consolas" panose="020B0609020204030204" pitchFamily="49" charset="0"/>
+                <a:cs typeface="Consolas" panose="020B0609020204030204" pitchFamily="49" charset="0"/>
+              </a:rPr>
+              <a:t> // 12:00</a:t>
+            </a:r>
+            <a:endParaRPr lang="en-US" sz="2800" dirty="0">
+              <a:latin typeface="Consolas" panose="020B0609020204030204" pitchFamily="49" charset="0"/>
+              <a:cs typeface="Consolas" panose="020B0609020204030204" pitchFamily="49" charset="0"/>
+            </a:endParaRPr>
+          </a:p>
+        </p:txBody>
+      </p:sp>
+      <p:sp>
+        <p:nvSpPr>
+          <p:cNvPr id="2" name="Title 1"/>
+          <p:cNvSpPr>
+            <a:spLocks noGrp="1"/>
+          </p:cNvSpPr>
+          <p:nvPr>
+            <p:ph type="title"/>
+          </p:nvPr>
+        </p:nvSpPr>
+        <p:spPr/>
+        <p:txBody>
+          <a:bodyPr/>
+          <a:lstStyle/>
+          <a:p>
+            <a:r>
+              <a:rPr lang="en-US" dirty="0" smtClean="0"/>
+              <a:t>Staying Constant</a:t>
+            </a:r>
+            <a:endParaRPr lang="en-US" dirty="0"/>
+          </a:p>
+        </p:txBody>
+      </p:sp>
+    </p:spTree>
+    <p:extLst>
+      <p:ext uri="{BB962C8B-B14F-4D97-AF65-F5344CB8AC3E}">
+        <p14:creationId xmlns:p14="http://schemas.microsoft.com/office/powerpoint/2010/main" val="3485339212"/>
       </p:ext>
     </p:extLst>
   </p:cSld>
@@ -16327,188 +15685,51 @@
           <a:lstStyle/>
           <a:p>
             <a:r>
-              <a:rPr lang="en-US" dirty="0" err="1" smtClean="0"/>
-              <a:t>DayOfWeek</a:t>
-            </a:r>
-            <a:r>
-              <a:rPr lang="en-US" dirty="0" smtClean="0"/>
-              <a:t>, for example </a:t>
+              <a:rPr lang="en-US" dirty="0" smtClean="0"/>
+              <a:t>Parse with a </a:t>
             </a:r>
             <a:r>
               <a:rPr lang="en-US" dirty="0" err="1" smtClean="0">
                 <a:latin typeface="Consolas" panose="020B0609020204030204" pitchFamily="49" charset="0"/>
                 <a:cs typeface="Consolas" panose="020B0609020204030204" pitchFamily="49" charset="0"/>
               </a:rPr>
-              <a:t>DayOfWeek.SUNDAY</a:t>
-            </a:r>
-            <a:endParaRPr lang="en-US" dirty="0" smtClean="0">
-              <a:latin typeface="Consolas" panose="020B0609020204030204" pitchFamily="49" charset="0"/>
-              <a:cs typeface="Consolas" panose="020B0609020204030204" pitchFamily="49" charset="0"/>
-            </a:endParaRPr>
-          </a:p>
-          <a:p>
-            <a:r>
-              <a:rPr lang="en-US" dirty="0" smtClean="0"/>
-              <a:t>Month</a:t>
-            </a:r>
-            <a:r>
-              <a:rPr lang="en-US" dirty="0"/>
-              <a:t> , for example </a:t>
-            </a:r>
-            <a:r>
-              <a:rPr lang="en-US" dirty="0" smtClean="0"/>
-              <a:t/>
-            </a:r>
-            <a:br>
-              <a:rPr lang="en-US" dirty="0" smtClean="0"/>
-            </a:br>
-            <a:r>
-              <a:rPr lang="en-US" dirty="0" err="1" smtClean="0">
-                <a:latin typeface="Consolas" panose="020B0609020204030204" pitchFamily="49" charset="0"/>
-                <a:cs typeface="Consolas" panose="020B0609020204030204" pitchFamily="49" charset="0"/>
-              </a:rPr>
-              <a:t>LocalDate.of</a:t>
-            </a:r>
+              <a:t>DateTimeFormatter</a:t>
+            </a:r>
+            <a:r>
+              <a:rPr lang="en-US" dirty="0" smtClean="0"/>
+              <a:t> instance</a:t>
+            </a:r>
+          </a:p>
+          <a:p>
             <a:r>
               <a:rPr lang="en-US" dirty="0" smtClean="0">
                 <a:latin typeface="Consolas" panose="020B0609020204030204" pitchFamily="49" charset="0"/>
                 <a:cs typeface="Consolas" panose="020B0609020204030204" pitchFamily="49" charset="0"/>
               </a:rPr>
-              <a:t>(2014</a:t>
-            </a:r>
-            <a:r>
-              <a:rPr lang="en-US" dirty="0">
-                <a:latin typeface="Consolas" panose="020B0609020204030204" pitchFamily="49" charset="0"/>
-                <a:cs typeface="Consolas" panose="020B0609020204030204" pitchFamily="49" charset="0"/>
-              </a:rPr>
-              <a:t>, </a:t>
-            </a:r>
-            <a:r>
-              <a:rPr lang="en-US" dirty="0" err="1" smtClean="0">
-                <a:latin typeface="Consolas" panose="020B0609020204030204" pitchFamily="49" charset="0"/>
-                <a:cs typeface="Consolas" panose="020B0609020204030204" pitchFamily="49" charset="0"/>
-              </a:rPr>
-              <a:t>Month.MAY</a:t>
+              <a:t>parse(…) </a:t>
+            </a:r>
+            <a:r>
+              <a:rPr lang="en-US" dirty="0" smtClean="0"/>
+              <a:t>methods return a temporal</a:t>
+            </a:r>
+          </a:p>
+          <a:p>
+            <a:r>
+              <a:rPr lang="en-US" dirty="0" smtClean="0"/>
+              <a:t>Use </a:t>
             </a:r>
             <a:r>
               <a:rPr lang="en-US" dirty="0" smtClean="0">
                 <a:latin typeface="Consolas" panose="020B0609020204030204" pitchFamily="49" charset="0"/>
                 <a:cs typeface="Consolas" panose="020B0609020204030204" pitchFamily="49" charset="0"/>
               </a:rPr>
-              <a:t>, </a:t>
-            </a:r>
-            <a:r>
-              <a:rPr lang="en-US" dirty="0">
-                <a:latin typeface="Consolas" panose="020B0609020204030204" pitchFamily="49" charset="0"/>
-                <a:cs typeface="Consolas" panose="020B0609020204030204" pitchFamily="49" charset="0"/>
-              </a:rPr>
-              <a:t>20</a:t>
-            </a:r>
-            <a:r>
-              <a:rPr lang="en-US" dirty="0" smtClean="0">
-                <a:latin typeface="Consolas" panose="020B0609020204030204" pitchFamily="49" charset="0"/>
-                <a:cs typeface="Consolas" panose="020B0609020204030204" pitchFamily="49" charset="0"/>
-              </a:rPr>
-              <a:t>); </a:t>
-            </a:r>
-          </a:p>
-          <a:p>
-            <a:r>
-              <a:rPr lang="en-US" dirty="0" err="1" smtClean="0"/>
-              <a:t>ChronoUnit</a:t>
-            </a:r>
-            <a:r>
-              <a:rPr lang="en-US" dirty="0"/>
-              <a:t> , for example </a:t>
-            </a:r>
-            <a:br>
-              <a:rPr lang="en-US" dirty="0"/>
-            </a:br>
-            <a:r>
-              <a:rPr lang="en-US" dirty="0" err="1" smtClean="0">
-                <a:latin typeface="Consolas" panose="020B0609020204030204" pitchFamily="49" charset="0"/>
-                <a:cs typeface="Consolas" panose="020B0609020204030204" pitchFamily="49" charset="0"/>
-              </a:rPr>
-              <a:t>Instant.now</a:t>
-            </a:r>
-            <a:r>
-              <a:rPr lang="en-US" dirty="0" smtClean="0">
-                <a:latin typeface="Consolas" panose="020B0609020204030204" pitchFamily="49" charset="0"/>
-                <a:cs typeface="Consolas" panose="020B0609020204030204" pitchFamily="49" charset="0"/>
-              </a:rPr>
-              <a:t>().plus(1, </a:t>
-            </a:r>
-            <a:r>
-              <a:rPr lang="en-US" dirty="0" err="1" smtClean="0">
-                <a:latin typeface="Consolas" panose="020B0609020204030204" pitchFamily="49" charset="0"/>
-                <a:cs typeface="Consolas" panose="020B0609020204030204" pitchFamily="49" charset="0"/>
-              </a:rPr>
-              <a:t>ChronoUnit.DAYS</a:t>
-            </a:r>
-            <a:r>
-              <a:rPr lang="en-US" dirty="0" smtClean="0">
-                <a:latin typeface="Consolas" panose="020B0609020204030204" pitchFamily="49" charset="0"/>
-                <a:cs typeface="Consolas" panose="020B0609020204030204" pitchFamily="49" charset="0"/>
-              </a:rPr>
-              <a:t>) </a:t>
-            </a:r>
-          </a:p>
-          <a:p>
-            <a:r>
-              <a:rPr lang="en-US" dirty="0" smtClean="0"/>
-              <a:t>Other </a:t>
-            </a:r>
-            <a:r>
-              <a:rPr lang="en-US" dirty="0"/>
-              <a:t>useful </a:t>
-            </a:r>
-            <a:r>
-              <a:rPr lang="en-US" dirty="0" smtClean="0"/>
-              <a:t>constants</a:t>
+              <a:t>from(…) </a:t>
+            </a:r>
+            <a:r>
+              <a:rPr lang="en-US" dirty="0" smtClean="0"/>
+              <a:t>to convert to a known date or time type</a:t>
             </a:r>
             <a:endParaRPr lang="en-US" dirty="0"/>
-          </a:p>
-          <a:p>
-            <a:pPr lvl="1"/>
-            <a:r>
-              <a:rPr lang="en-US" sz="2800" dirty="0" err="1" smtClean="0">
-                <a:latin typeface="Consolas" panose="020B0609020204030204" pitchFamily="49" charset="0"/>
-                <a:cs typeface="Consolas" panose="020B0609020204030204" pitchFamily="49" charset="0"/>
-              </a:rPr>
-              <a:t>LocalTime.MIDNIGHT</a:t>
-            </a:r>
-            <a:r>
-              <a:rPr lang="en-US" sz="2800" dirty="0" smtClean="0">
-                <a:latin typeface="Consolas" panose="020B0609020204030204" pitchFamily="49" charset="0"/>
-                <a:cs typeface="Consolas" panose="020B0609020204030204" pitchFamily="49" charset="0"/>
-              </a:rPr>
-              <a:t> // 00:00</a:t>
-            </a:r>
-            <a:endParaRPr lang="en-US" sz="2800" dirty="0">
-              <a:latin typeface="Consolas" panose="020B0609020204030204" pitchFamily="49" charset="0"/>
-              <a:cs typeface="Consolas" panose="020B0609020204030204" pitchFamily="49" charset="0"/>
-            </a:endParaRPr>
-          </a:p>
-          <a:p>
-            <a:pPr lvl="1"/>
-            <a:r>
-              <a:rPr lang="en-US" sz="2800" dirty="0" err="1" smtClean="0">
-                <a:latin typeface="Consolas" panose="020B0609020204030204" pitchFamily="49" charset="0"/>
-                <a:cs typeface="Consolas" panose="020B0609020204030204" pitchFamily="49" charset="0"/>
-              </a:rPr>
-              <a:t>LocalTime.NOON</a:t>
-            </a:r>
-            <a:r>
-              <a:rPr lang="en-US" sz="2800" dirty="0" smtClean="0">
-                <a:latin typeface="Consolas" panose="020B0609020204030204" pitchFamily="49" charset="0"/>
-                <a:cs typeface="Consolas" panose="020B0609020204030204" pitchFamily="49" charset="0"/>
-              </a:rPr>
-              <a:t> // 12:00</a:t>
-            </a:r>
-            <a:endParaRPr lang="en-US" sz="2800" dirty="0">
-              <a:latin typeface="Consolas" panose="020B0609020204030204" pitchFamily="49" charset="0"/>
-              <a:cs typeface="Consolas" panose="020B0609020204030204" pitchFamily="49" charset="0"/>
-            </a:endParaRPr>
           </a:p>
         </p:txBody>
       </p:sp>
@@ -16529,7 +15750,7 @@
           <a:p>
             <a:r>
               <a:rPr lang="en-US" dirty="0" smtClean="0"/>
-              <a:t>Staying Constant</a:t>
+              <a:t>Parsing</a:t>
             </a:r>
             <a:endParaRPr lang="en-US" dirty="0"/>
           </a:p>
@@ -16538,7 +15759,7 @@
     </p:spTree>
     <p:extLst>
       <p:ext uri="{BB962C8B-B14F-4D97-AF65-F5344CB8AC3E}">
-        <p14:creationId xmlns:p14="http://schemas.microsoft.com/office/powerpoint/2010/main" val="3485339212"/>
+        <p14:creationId xmlns:p14="http://schemas.microsoft.com/office/powerpoint/2010/main" val="2618759877"/>
       </p:ext>
     </p:extLst>
   </p:cSld>
@@ -16603,48 +15824,34 @@
           <a:p>
             <a:r>
               <a:rPr lang="en-US" dirty="0" smtClean="0"/>
-              <a:t>Parse with a </a:t>
-            </a:r>
-            <a:r>
-              <a:rPr lang="en-US" dirty="0" err="1" smtClean="0">
+              <a:t>Format with a </a:t>
+            </a:r>
+            <a:r>
+              <a:rPr lang="en-US" dirty="0" err="1">
                 <a:latin typeface="Consolas" panose="020B0609020204030204" pitchFamily="49" charset="0"/>
                 <a:cs typeface="Consolas" panose="020B0609020204030204" pitchFamily="49" charset="0"/>
               </a:rPr>
               <a:t>DateTimeFormatter</a:t>
             </a:r>
             <a:r>
-              <a:rPr lang="en-US" dirty="0" smtClean="0"/>
-              <a:t> instance</a:t>
-            </a:r>
-          </a:p>
-          <a:p>
-            <a:r>
-              <a:rPr lang="en-US" dirty="0" smtClean="0">
-                <a:latin typeface="Consolas" panose="020B0609020204030204" pitchFamily="49" charset="0"/>
-                <a:cs typeface="Consolas" panose="020B0609020204030204" pitchFamily="49" charset="0"/>
-              </a:rPr>
-              <a:t>parse(…) </a:t>
-            </a:r>
-            <a:r>
-              <a:rPr lang="en-US" dirty="0" smtClean="0"/>
-              <a:t>methods return a temporal</a:t>
-            </a:r>
-          </a:p>
-          <a:p>
-            <a:r>
-              <a:rPr lang="en-US" dirty="0" smtClean="0"/>
-              <a:t>Use </a:t>
-            </a:r>
-            <a:r>
-              <a:rPr lang="en-US" dirty="0" smtClean="0">
-                <a:latin typeface="Consolas" panose="020B0609020204030204" pitchFamily="49" charset="0"/>
-                <a:cs typeface="Consolas" panose="020B0609020204030204" pitchFamily="49" charset="0"/>
-              </a:rPr>
-              <a:t>from(…) </a:t>
-            </a:r>
-            <a:r>
-              <a:rPr lang="en-US" dirty="0" smtClean="0"/>
-              <a:t>to convert to a known date or time type</a:t>
+              <a:rPr lang="en-US" dirty="0"/>
+              <a:t> </a:t>
+            </a:r>
+            <a:r>
+              <a:rPr lang="en-US" dirty="0" smtClean="0"/>
+              <a:t>instance</a:t>
+            </a:r>
+          </a:p>
+          <a:p>
+            <a:r>
+              <a:rPr lang="en-US" dirty="0" smtClean="0"/>
+              <a:t>Internationalization is supported</a:t>
+            </a:r>
+          </a:p>
+          <a:p>
+            <a:r>
+              <a:rPr lang="en-US" dirty="0" smtClean="0"/>
+              <a:t>Custom formats can be used</a:t>
             </a:r>
             <a:endParaRPr lang="en-US" dirty="0"/>
           </a:p>
@@ -16667,7 +15874,7 @@
           <a:p>
             <a:r>
               <a:rPr lang="en-US" dirty="0" smtClean="0"/>
-              <a:t>Parsing</a:t>
+              <a:t>Formatting</a:t>
             </a:r>
             <a:endParaRPr lang="en-US" dirty="0"/>
           </a:p>
@@ -16676,7 +15883,7 @@
     </p:spTree>
     <p:extLst>
       <p:ext uri="{BB962C8B-B14F-4D97-AF65-F5344CB8AC3E}">
-        <p14:creationId xmlns:p14="http://schemas.microsoft.com/office/powerpoint/2010/main" val="2618759877"/>
+        <p14:creationId xmlns:p14="http://schemas.microsoft.com/office/powerpoint/2010/main" val="2006125657"/>
       </p:ext>
     </p:extLst>
   </p:cSld>
@@ -16741,34 +15948,65 @@
           <a:p>
             <a:r>
               <a:rPr lang="en-US" dirty="0" smtClean="0"/>
-              <a:t>Format with a </a:t>
-            </a:r>
-            <a:r>
-              <a:rPr lang="en-US" dirty="0" err="1">
-                <a:latin typeface="Consolas" panose="020B0609020204030204" pitchFamily="49" charset="0"/>
-                <a:cs typeface="Consolas" panose="020B0609020204030204" pitchFamily="49" charset="0"/>
-              </a:rPr>
-              <a:t>DateTimeFormatter</a:t>
+              <a:t>Existing </a:t>
             </a:r>
             <a:r>
               <a:rPr lang="en-US" dirty="0"/>
-              <a:t> </a:t>
-            </a:r>
-            <a:r>
-              <a:rPr lang="en-US" dirty="0" smtClean="0"/>
-              <a:t>instance</a:t>
-            </a:r>
-          </a:p>
-          <a:p>
-            <a:r>
-              <a:rPr lang="en-US" dirty="0" smtClean="0"/>
-              <a:t>Internationalization is supported</a:t>
-            </a:r>
-          </a:p>
-          <a:p>
-            <a:r>
-              <a:rPr lang="en-US" dirty="0" smtClean="0"/>
-              <a:t>Custom formats can be used</a:t>
+              <a:t>date-related APIs can be </a:t>
+            </a:r>
+            <a:r>
+              <a:rPr lang="en-US" dirty="0" smtClean="0"/>
+              <a:t>error-prone and tedious</a:t>
+            </a:r>
+          </a:p>
+          <a:p>
+            <a:r>
+              <a:rPr lang="en-US" dirty="0"/>
+              <a:t>Separate </a:t>
+            </a:r>
+            <a:r>
+              <a:rPr lang="en-US" dirty="0" smtClean="0"/>
+              <a:t>concepts of computer-related </a:t>
+            </a:r>
+            <a:r>
+              <a:rPr lang="en-US" dirty="0"/>
+              <a:t>times </a:t>
+            </a:r>
+            <a:r>
+              <a:rPr lang="en-US" dirty="0" smtClean="0"/>
+              <a:t>and </a:t>
+            </a:r>
+            <a:r>
+              <a:rPr lang="en-US" dirty="0"/>
+              <a:t>human-related </a:t>
+            </a:r>
+            <a:r>
+              <a:rPr lang="en-US" dirty="0" smtClean="0"/>
+              <a:t>times</a:t>
+            </a:r>
+            <a:endParaRPr lang="en-US" dirty="0"/>
+          </a:p>
+          <a:p>
+            <a:pPr marL="0" indent="0">
+              <a:buNone/>
+            </a:pPr>
+            <a:endParaRPr lang="en-US" dirty="0" smtClean="0"/>
+          </a:p>
+          <a:p>
+            <a:pPr marL="0" indent="0">
+              <a:buNone/>
+            </a:pPr>
+            <a:r>
+              <a:rPr lang="en-US" dirty="0" smtClean="0"/>
+              <a:t>Need to manipulate dates and times? Use </a:t>
+            </a:r>
+            <a:r>
+              <a:rPr lang="en-US" dirty="0" err="1" smtClean="0"/>
+              <a:t>Joda</a:t>
+            </a:r>
+            <a:r>
+              <a:rPr lang="en-US" dirty="0" smtClean="0"/>
+              <a:t>-Time or the Java 8 date and time API.</a:t>
             </a:r>
             <a:endParaRPr lang="en-US" dirty="0"/>
           </a:p>
@@ -16791,7 +16029,7 @@
           <a:p>
             <a:r>
               <a:rPr lang="en-US" dirty="0" smtClean="0"/>
-              <a:t>Formatting</a:t>
+              <a:t>Summary</a:t>
             </a:r>
             <a:endParaRPr lang="en-US" dirty="0"/>
           </a:p>
@@ -16800,7 +16038,7 @@
     </p:spTree>
     <p:extLst>
       <p:ext uri="{BB962C8B-B14F-4D97-AF65-F5344CB8AC3E}">
-        <p14:creationId xmlns:p14="http://schemas.microsoft.com/office/powerpoint/2010/main" val="2006125657"/>
+        <p14:creationId xmlns:p14="http://schemas.microsoft.com/office/powerpoint/2010/main" val="3883097144"/>
       </p:ext>
     </p:extLst>
   </p:cSld>
@@ -16864,6 +16102,12 @@
           <a:lstStyle/>
           <a:p>
             <a:r>
+              <a:rPr lang="en-US" dirty="0"/>
+              <a:t>Conceptually an instant, not a date</a:t>
+            </a:r>
+          </a:p>
+          <a:p>
+            <a:r>
               <a:rPr lang="en-US" dirty="0" smtClean="0"/>
               <a:t>Properties </a:t>
             </a:r>
@@ -16951,13 +16195,11 @@
           <a:p>
             <a:r>
               <a:rPr lang="en-US" dirty="0" smtClean="0"/>
-              <a:t>Conceptually an instant, not a date</a:t>
-            </a:r>
-          </a:p>
-          <a:p>
-            <a:r>
-              <a:rPr lang="en-US" dirty="0" smtClean="0"/>
-              <a:t>Millisecond granularity</a:t>
+              <a:t>Millisecond </a:t>
+            </a:r>
+            <a:r>
+              <a:rPr lang="en-US" dirty="0" smtClean="0"/>
+              <a:t>granularity</a:t>
             </a:r>
           </a:p>
           <a:p>
@@ -16985,7 +16227,9 @@
         </p:nvSpPr>
         <p:spPr/>
         <p:txBody>
-          <a:bodyPr/>
+          <a:bodyPr>
+            <a:normAutofit/>
+          </a:bodyPr>
           <a:lstStyle/>
           <a:p>
             <a:r>
@@ -17063,68 +16307,69 @@
           <a:lstStyle/>
           <a:p>
             <a:r>
-              <a:rPr lang="en-US" sz="2400" dirty="0" smtClean="0"/>
-              <a:t>Existing </a:t>
-            </a:r>
-            <a:r>
-              <a:rPr lang="en-US" sz="2400" dirty="0"/>
-              <a:t>date-related APIs can be </a:t>
-            </a:r>
-            <a:r>
-              <a:rPr lang="en-US" sz="2400" dirty="0" smtClean="0"/>
-              <a:t>error-prone and tedious</a:t>
-            </a:r>
-          </a:p>
-          <a:p>
-            <a:r>
-              <a:rPr lang="en-US" sz="2400" dirty="0"/>
-              <a:t>Separate </a:t>
-            </a:r>
-            <a:r>
-              <a:rPr lang="en-US" sz="2400" dirty="0" smtClean="0"/>
-              <a:t>concepts of computer-related </a:t>
-            </a:r>
-            <a:r>
-              <a:rPr lang="en-US" sz="2400" dirty="0"/>
-              <a:t>times </a:t>
-            </a:r>
-            <a:r>
-              <a:rPr lang="en-US" sz="2400" dirty="0" smtClean="0"/>
-              <a:t>and </a:t>
-            </a:r>
-            <a:r>
-              <a:rPr lang="en-US" sz="2400" dirty="0"/>
-              <a:t>human-related </a:t>
-            </a:r>
-            <a:r>
-              <a:rPr lang="en-US" sz="2400" dirty="0" smtClean="0"/>
-              <a:t>times</a:t>
-            </a:r>
-            <a:endParaRPr lang="en-US" sz="2400" dirty="0"/>
-          </a:p>
-          <a:p>
-            <a:pPr marL="0" indent="0">
-              <a:buNone/>
-            </a:pPr>
-            <a:endParaRPr lang="en-US" sz="2400" dirty="0" smtClean="0"/>
-          </a:p>
-          <a:p>
-            <a:pPr marL="0" indent="0">
-              <a:buNone/>
-            </a:pPr>
-            <a:r>
-              <a:rPr lang="en-US" sz="2400" dirty="0" smtClean="0"/>
-              <a:t>Need to manipulate dates and times? Use </a:t>
-            </a:r>
-            <a:r>
-              <a:rPr lang="en-US" sz="2400" dirty="0" err="1" smtClean="0"/>
+              <a:rPr lang="en-US" dirty="0">
+                <a:hlinkClick r:id="rId2"/>
+              </a:rPr>
+              <a:t>JSR 310: A New Java Date/Time API</a:t>
+            </a:r>
+            <a:endParaRPr lang="en-US" dirty="0"/>
+          </a:p>
+          <a:p>
+            <a:r>
+              <a:rPr lang="en-US" dirty="0" err="1" smtClean="0">
+                <a:hlinkClick r:id="rId3"/>
+              </a:rPr>
               <a:t>Joda</a:t>
             </a:r>
             <a:r>
-              <a:rPr lang="en-US" sz="2400" dirty="0" smtClean="0"/>
-              <a:t>-Time or the Java 8 date and time API.</a:t>
-            </a:r>
-            <a:endParaRPr lang="en-US" sz="2400" dirty="0"/>
+              <a:rPr lang="en-US" dirty="0" smtClean="0">
+                <a:hlinkClick r:id="rId3"/>
+              </a:rPr>
+              <a:t>-Time</a:t>
+            </a:r>
+            <a:endParaRPr lang="en-US" dirty="0" smtClean="0"/>
+          </a:p>
+          <a:p>
+            <a:r>
+              <a:rPr lang="en-US" dirty="0">
+                <a:hlinkClick r:id="rId4"/>
+              </a:rPr>
+              <a:t>Why JSR-310 isn't </a:t>
+            </a:r>
+            <a:r>
+              <a:rPr lang="en-US" dirty="0" err="1">
+                <a:hlinkClick r:id="rId4"/>
+              </a:rPr>
+              <a:t>Joda</a:t>
+            </a:r>
+            <a:r>
+              <a:rPr lang="en-US" dirty="0">
+                <a:hlinkClick r:id="rId4"/>
+              </a:rPr>
+              <a:t>-Time</a:t>
+            </a:r>
+            <a:endParaRPr lang="en-US" dirty="0"/>
+          </a:p>
+          <a:p>
+            <a:r>
+              <a:rPr lang="en-US" dirty="0" smtClean="0">
+                <a:hlinkClick r:id="rId5"/>
+              </a:rPr>
+              <a:t>Java </a:t>
+            </a:r>
+            <a:r>
+              <a:rPr lang="en-US" dirty="0">
+                <a:hlinkClick r:id="rId5"/>
+              </a:rPr>
+              <a:t>101: The next generation: It's time for a </a:t>
+            </a:r>
+            <a:r>
+              <a:rPr lang="en-US" dirty="0" smtClean="0">
+                <a:hlinkClick r:id="rId5"/>
+              </a:rPr>
+              <a:t>change</a:t>
+            </a:r>
+            <a:endParaRPr lang="en-US" dirty="0" smtClean="0"/>
           </a:p>
         </p:txBody>
       </p:sp>
@@ -17145,7 +16390,7 @@
           <a:p>
             <a:r>
               <a:rPr lang="en-US" dirty="0" smtClean="0"/>
-              <a:t>Summary</a:t>
+              <a:t>Resources</a:t>
             </a:r>
             <a:endParaRPr lang="en-US" dirty="0"/>
           </a:p>
@@ -17154,7 +16399,7 @@
     </p:spTree>
     <p:extLst>
       <p:ext uri="{BB962C8B-B14F-4D97-AF65-F5344CB8AC3E}">
-        <p14:creationId xmlns:p14="http://schemas.microsoft.com/office/powerpoint/2010/main" val="3883097144"/>
+        <p14:creationId xmlns:p14="http://schemas.microsoft.com/office/powerpoint/2010/main" val="190584471"/>
       </p:ext>
     </p:extLst>
   </p:cSld>
@@ -17217,162 +16462,6 @@
           </a:bodyPr>
           <a:lstStyle/>
           <a:p>
-            <a:r>
-              <a:rPr lang="en-US" dirty="0">
-                <a:hlinkClick r:id="rId2"/>
-              </a:rPr>
-              <a:t>JSR 310: A New Java Date/Time API</a:t>
-            </a:r>
-            <a:endParaRPr lang="en-US" dirty="0"/>
-          </a:p>
-          <a:p>
-            <a:r>
-              <a:rPr lang="en-US" dirty="0" err="1" smtClean="0">
-                <a:hlinkClick r:id="rId3"/>
-              </a:rPr>
-              <a:t>Joda</a:t>
-            </a:r>
-            <a:r>
-              <a:rPr lang="en-US" dirty="0" smtClean="0">
-                <a:hlinkClick r:id="rId3"/>
-              </a:rPr>
-              <a:t>-Time</a:t>
-            </a:r>
-            <a:endParaRPr lang="en-US" dirty="0" smtClean="0"/>
-          </a:p>
-          <a:p>
-            <a:r>
-              <a:rPr lang="en-US" dirty="0">
-                <a:hlinkClick r:id="rId4"/>
-              </a:rPr>
-              <a:t>Why JSR-310 isn't </a:t>
-            </a:r>
-            <a:r>
-              <a:rPr lang="en-US" dirty="0" err="1">
-                <a:hlinkClick r:id="rId4"/>
-              </a:rPr>
-              <a:t>Joda</a:t>
-            </a:r>
-            <a:r>
-              <a:rPr lang="en-US" dirty="0">
-                <a:hlinkClick r:id="rId4"/>
-              </a:rPr>
-              <a:t>-Time</a:t>
-            </a:r>
-            <a:endParaRPr lang="en-US" dirty="0"/>
-          </a:p>
-          <a:p>
-            <a:r>
-              <a:rPr lang="en-US" dirty="0" smtClean="0">
-                <a:hlinkClick r:id="rId5"/>
-              </a:rPr>
-              <a:t>Java </a:t>
-            </a:r>
-            <a:r>
-              <a:rPr lang="en-US" dirty="0">
-                <a:hlinkClick r:id="rId5"/>
-              </a:rPr>
-              <a:t>101: The next generation: It's time for a </a:t>
-            </a:r>
-            <a:r>
-              <a:rPr lang="en-US" dirty="0" smtClean="0">
-                <a:hlinkClick r:id="rId5"/>
-              </a:rPr>
-              <a:t>change</a:t>
-            </a:r>
-            <a:endParaRPr lang="en-US" dirty="0" smtClean="0"/>
-          </a:p>
-        </p:txBody>
-      </p:sp>
-      <p:sp>
-        <p:nvSpPr>
-          <p:cNvPr id="2" name="Title 1"/>
-          <p:cNvSpPr>
-            <a:spLocks noGrp="1"/>
-          </p:cNvSpPr>
-          <p:nvPr>
-            <p:ph type="title"/>
-          </p:nvPr>
-        </p:nvSpPr>
-        <p:spPr/>
-        <p:txBody>
-          <a:bodyPr/>
-          <a:lstStyle/>
-          <a:p>
-            <a:r>
-              <a:rPr lang="en-US" dirty="0" smtClean="0"/>
-              <a:t>Resources</a:t>
-            </a:r>
-            <a:endParaRPr lang="en-US" dirty="0"/>
-          </a:p>
-        </p:txBody>
-      </p:sp>
-    </p:spTree>
-    <p:extLst>
-      <p:ext uri="{BB962C8B-B14F-4D97-AF65-F5344CB8AC3E}">
-        <p14:creationId xmlns:p14="http://schemas.microsoft.com/office/powerpoint/2010/main" val="190584471"/>
-      </p:ext>
-    </p:extLst>
-  </p:cSld>
-  <p:clrMapOvr>
-    <a:masterClrMapping/>
-  </p:clrMapOvr>
-  <mc:AlternateContent xmlns:mc="http://schemas.openxmlformats.org/markup-compatibility/2006" xmlns:p14="http://schemas.microsoft.com/office/powerpoint/2010/main">
-    <mc:Choice Requires="p14">
-      <p:transition spd="med" p14:dur="700">
-        <p:fade/>
-      </p:transition>
-    </mc:Choice>
-    <mc:Fallback xmlns="">
-      <p:transition spd="med">
-        <p:fade/>
-      </p:transition>
-    </mc:Fallback>
-  </mc:AlternateContent>
-  <p:timing>
-    <p:tnLst>
-      <p:par>
-        <p:cTn id="1" dur="indefinite" restart="never" nodeType="tmRoot"/>
-      </p:par>
-    </p:tnLst>
-  </p:timing>
-</p:sld>
-</file>
-
-<file path=ppt/slides/slide42.xml><?xml version="1.0" encoding="utf-8"?>
-<p:sld xmlns:a="http://schemas.openxmlformats.org/drawingml/2006/main" xmlns:r="http://schemas.openxmlformats.org/officeDocument/2006/relationships" xmlns:p="http://schemas.openxmlformats.org/presentationml/2006/main">
-  <p:cSld>
-    <p:spTree>
-      <p:nvGrpSpPr>
-        <p:cNvPr id="1" name=""/>
-        <p:cNvGrpSpPr/>
-        <p:nvPr/>
-      </p:nvGrpSpPr>
-      <p:grpSpPr>
-        <a:xfrm>
-          <a:off x="0" y="0"/>
-          <a:ext cx="0" cy="0"/>
-          <a:chOff x="0" y="0"/>
-          <a:chExt cx="0" cy="0"/>
-        </a:xfrm>
-      </p:grpSpPr>
-      <p:sp>
-        <p:nvSpPr>
-          <p:cNvPr id="3" name="Content Placeholder 2"/>
-          <p:cNvSpPr>
-            <a:spLocks noGrp="1"/>
-          </p:cNvSpPr>
-          <p:nvPr>
-            <p:ph idx="1"/>
-          </p:nvPr>
-        </p:nvSpPr>
-        <p:spPr/>
-        <p:txBody>
-          <a:bodyPr>
-            <a:normAutofit/>
-          </a:bodyPr>
-          <a:lstStyle/>
-          <a:p>
             <a:pPr marL="0" indent="0">
               <a:buNone/>
             </a:pPr>
@@ -17461,7 +16550,7 @@
 </p:sld>
 </file>
 
-<file path=ppt/slides/slide43.xml><?xml version="1.0" encoding="utf-8"?>
+<file path=ppt/slides/slide42.xml><?xml version="1.0" encoding="utf-8"?>
 <p:sld xmlns:a="http://schemas.openxmlformats.org/drawingml/2006/main" xmlns:r="http://schemas.openxmlformats.org/officeDocument/2006/relationships" xmlns:p="http://schemas.openxmlformats.org/presentationml/2006/main">
   <p:cSld>
     <p:spTree>
@@ -17834,7 +16923,7 @@
         <p:spPr/>
         <p:txBody>
           <a:bodyPr>
-            <a:normAutofit/>
+            <a:normAutofit lnSpcReduction="10000"/>
           </a:bodyPr>
           <a:lstStyle/>
           <a:p>
@@ -17843,9 +16932,18 @@
               <a:t>Conceptually </a:t>
             </a:r>
             <a:r>
+              <a:rPr lang="en-US" dirty="0" smtClean="0"/>
+              <a:t>an instant, </a:t>
+            </a:r>
+            <a:r>
               <a:rPr lang="en-US" dirty="0"/>
-              <a:t>a specific instant in time, not a calendar system</a:t>
-            </a:r>
+              <a:t>not a </a:t>
+            </a:r>
+            <a:r>
+              <a:rPr lang="en-US" dirty="0" smtClean="0"/>
+              <a:t>calendar</a:t>
+            </a:r>
+            <a:endParaRPr lang="en-US" dirty="0"/>
           </a:p>
           <a:p>
             <a:r>
@@ -17891,8 +16989,58 @@
           <a:p>
             <a:r>
               <a:rPr lang="en-US" dirty="0" smtClean="0"/>
-              <a:t>Zero-based offsets</a:t>
-            </a:r>
+              <a:t>Zero-based </a:t>
+            </a:r>
+            <a:r>
+              <a:rPr lang="en-US" dirty="0" smtClean="0"/>
+              <a:t>offsets</a:t>
+            </a:r>
+          </a:p>
+          <a:p>
+            <a:r>
+              <a:rPr lang="en-US" dirty="0"/>
+              <a:t>Stores internal state in two different ways</a:t>
+            </a:r>
+          </a:p>
+          <a:p>
+            <a:pPr lvl="1"/>
+            <a:r>
+              <a:rPr lang="en-US" dirty="0" smtClean="0"/>
+              <a:t>milliseconds from epoch </a:t>
+            </a:r>
+            <a:endParaRPr lang="en-US" dirty="0"/>
+          </a:p>
+          <a:p>
+            <a:pPr lvl="1"/>
+            <a:r>
+              <a:rPr lang="en-US" dirty="0" smtClean="0"/>
+              <a:t>set </a:t>
+            </a:r>
+            <a:r>
+              <a:rPr lang="en-US" dirty="0"/>
+              <a:t>of fields</a:t>
+            </a:r>
+          </a:p>
+          <a:p>
+            <a:r>
+              <a:rPr lang="en-US" dirty="0" smtClean="0"/>
+              <a:t>Has </a:t>
+            </a:r>
+            <a:r>
+              <a:rPr lang="en-US" dirty="0"/>
+              <a:t>bugs and performance issues</a:t>
+            </a:r>
+          </a:p>
+          <a:p>
+            <a:r>
+              <a:rPr lang="en-US" dirty="0"/>
+              <a:t>Mutable, not </a:t>
+            </a:r>
+            <a:r>
+              <a:rPr lang="en-US" dirty="0" smtClean="0"/>
+              <a:t>thread-safe</a:t>
+            </a:r>
+            <a:endParaRPr lang="en-US" dirty="0"/>
           </a:p>
         </p:txBody>
       </p:sp>
@@ -17909,15 +17057,18 @@
         <p:spPr/>
         <p:txBody>
           <a:bodyPr>
-            <a:normAutofit fontScale="90000"/>
+            <a:normAutofit/>
           </a:bodyPr>
           <a:lstStyle/>
           <a:p>
             <a:r>
               <a:rPr lang="en-US" dirty="0" smtClean="0"/>
-              <a:t>What’s Wrong With Calendar</a:t>
-            </a:r>
-            <a:endParaRPr lang="en-US" dirty="0"/>
+              <a:t>Not Much Improvement</a:t>
+            </a:r>
+            <a:endParaRPr lang="en-US" dirty="0">
+              <a:latin typeface="+mn-lt"/>
+              <a:cs typeface="Consolas" panose="020B0609020204030204" pitchFamily="49" charset="0"/>
+            </a:endParaRPr>
           </a:p>
         </p:txBody>
       </p:sp>
@@ -17980,48 +17131,62 @@
             <p:ph idx="1"/>
           </p:nvPr>
         </p:nvSpPr>
-        <p:spPr/>
+        <p:spPr>
+          <a:xfrm>
+            <a:off x="533400" y="1825625"/>
+            <a:ext cx="8382000" cy="993775"/>
+          </a:xfrm>
+          <a:solidFill>
+            <a:schemeClr val="accent1">
+              <a:lumMod val="20000"/>
+              <a:lumOff val="80000"/>
+            </a:schemeClr>
+          </a:solidFill>
+        </p:spPr>
         <p:txBody>
           <a:bodyPr>
             <a:normAutofit/>
           </a:bodyPr>
           <a:lstStyle/>
           <a:p>
-            <a:r>
-              <a:rPr lang="en-US" dirty="0" smtClean="0"/>
-              <a:t>Stores internal state in two different ways</a:t>
-            </a:r>
-          </a:p>
-          <a:p>
-            <a:pPr lvl="1"/>
-            <a:r>
-              <a:rPr lang="en-US" dirty="0" smtClean="0"/>
-              <a:t>as a millisecond offset from the epoch </a:t>
-            </a:r>
-          </a:p>
-          <a:p>
-            <a:pPr lvl="1"/>
-            <a:r>
-              <a:rPr lang="en-US" dirty="0" smtClean="0"/>
-              <a:t>as a set of fields</a:t>
-            </a:r>
-          </a:p>
-          <a:p>
-            <a:r>
-              <a:rPr lang="en-US" dirty="0" smtClean="0"/>
-              <a:t>Source of bugs and performance issues</a:t>
-            </a:r>
-          </a:p>
-          <a:p>
-            <a:r>
-              <a:rPr lang="en-US" dirty="0"/>
-              <a:t>Mutable, not </a:t>
-            </a:r>
-            <a:r>
-              <a:rPr lang="en-US" dirty="0" smtClean="0"/>
-              <a:t>thread-safe</a:t>
-            </a:r>
-            <a:endParaRPr lang="en-US" dirty="0"/>
+            <a:pPr marL="0" indent="0">
+              <a:buNone/>
+            </a:pPr>
+            <a:r>
+              <a:rPr lang="en-US" dirty="0" err="1">
+                <a:latin typeface="Consolas" panose="020B0609020204030204" pitchFamily="49" charset="0"/>
+                <a:cs typeface="Consolas" panose="020B0609020204030204" pitchFamily="49" charset="0"/>
+              </a:rPr>
+              <a:t>System.out.println</a:t>
+            </a:r>
+            <a:r>
+              <a:rPr lang="en-US" dirty="0">
+                <a:latin typeface="Consolas" panose="020B0609020204030204" pitchFamily="49" charset="0"/>
+                <a:cs typeface="Consolas" panose="020B0609020204030204" pitchFamily="49" charset="0"/>
+              </a:rPr>
+              <a:t>(new </a:t>
+            </a:r>
+            <a:r>
+              <a:rPr lang="en-US" dirty="0" err="1">
+                <a:latin typeface="Consolas" panose="020B0609020204030204" pitchFamily="49" charset="0"/>
+                <a:cs typeface="Consolas" panose="020B0609020204030204" pitchFamily="49" charset="0"/>
+              </a:rPr>
+              <a:t>GregorianCalendar</a:t>
+            </a:r>
+            <a:r>
+              <a:rPr lang="en-US" dirty="0">
+                <a:latin typeface="Consolas" panose="020B0609020204030204" pitchFamily="49" charset="0"/>
+                <a:cs typeface="Consolas" panose="020B0609020204030204" pitchFamily="49" charset="0"/>
+              </a:rPr>
+              <a:t>(12, 12, 12</a:t>
+            </a:r>
+            <a:r>
+              <a:rPr lang="en-US" dirty="0" smtClean="0">
+                <a:latin typeface="Consolas" panose="020B0609020204030204" pitchFamily="49" charset="0"/>
+                <a:cs typeface="Consolas" panose="020B0609020204030204" pitchFamily="49" charset="0"/>
+              </a:rPr>
+              <a:t>));</a:t>
+            </a:r>
           </a:p>
         </p:txBody>
       </p:sp>
@@ -18041,151 +17206,6 @@
           <a:lstStyle/>
           <a:p>
             <a:r>
-              <a:rPr lang="en-US" dirty="0"/>
-              <a:t>Calendar Internal </a:t>
-            </a:r>
-            <a:r>
-              <a:rPr lang="en-US" dirty="0" smtClean="0"/>
-              <a:t>State</a:t>
-            </a:r>
-            <a:endParaRPr lang="en-US" dirty="0"/>
-          </a:p>
-        </p:txBody>
-      </p:sp>
-    </p:spTree>
-    <p:extLst>
-      <p:ext uri="{BB962C8B-B14F-4D97-AF65-F5344CB8AC3E}">
-        <p14:creationId xmlns:p14="http://schemas.microsoft.com/office/powerpoint/2010/main" val="3473600942"/>
-      </p:ext>
-    </p:extLst>
-  </p:cSld>
-  <p:clrMapOvr>
-    <a:masterClrMapping/>
-  </p:clrMapOvr>
-  <mc:AlternateContent xmlns:mc="http://schemas.openxmlformats.org/markup-compatibility/2006" xmlns:p14="http://schemas.microsoft.com/office/powerpoint/2010/main">
-    <mc:Choice Requires="p14">
-      <p:transition spd="med" p14:dur="700">
-        <p:fade/>
-      </p:transition>
-    </mc:Choice>
-    <mc:Fallback xmlns="">
-      <p:transition spd="med">
-        <p:fade/>
-      </p:transition>
-    </mc:Fallback>
-  </mc:AlternateContent>
-  <p:timing>
-    <p:tnLst>
-      <p:par>
-        <p:cTn id="1" dur="indefinite" restart="never" nodeType="tmRoot"/>
-      </p:par>
-    </p:tnLst>
-  </p:timing>
-</p:sld>
-</file>
-
-<file path=ppt/slides/slide9.xml><?xml version="1.0" encoding="utf-8"?>
-<p:sld xmlns:a="http://schemas.openxmlformats.org/drawingml/2006/main" xmlns:r="http://schemas.openxmlformats.org/officeDocument/2006/relationships" xmlns:p="http://schemas.openxmlformats.org/presentationml/2006/main">
-  <p:cSld>
-    <p:spTree>
-      <p:nvGrpSpPr>
-        <p:cNvPr id="1" name=""/>
-        <p:cNvGrpSpPr/>
-        <p:nvPr/>
-      </p:nvGrpSpPr>
-      <p:grpSpPr>
-        <a:xfrm>
-          <a:off x="0" y="0"/>
-          <a:ext cx="0" cy="0"/>
-          <a:chOff x="0" y="0"/>
-          <a:chExt cx="0" cy="0"/>
-        </a:xfrm>
-      </p:grpSpPr>
-      <p:sp>
-        <p:nvSpPr>
-          <p:cNvPr id="3" name="Content Placeholder 2"/>
-          <p:cNvSpPr>
-            <a:spLocks noGrp="1"/>
-          </p:cNvSpPr>
-          <p:nvPr>
-            <p:ph idx="1"/>
-          </p:nvPr>
-        </p:nvSpPr>
-        <p:spPr>
-          <a:xfrm>
-            <a:off x="457200" y="1825625"/>
-            <a:ext cx="8382000" cy="993775"/>
-          </a:xfrm>
-          <a:solidFill>
-            <a:schemeClr val="accent1">
-              <a:lumMod val="20000"/>
-              <a:lumOff val="80000"/>
-            </a:schemeClr>
-          </a:solidFill>
-        </p:spPr>
-        <p:txBody>
-          <a:bodyPr>
-            <a:normAutofit/>
-          </a:bodyPr>
-          <a:lstStyle/>
-          <a:p>
-            <a:pPr marL="0" indent="0">
-              <a:buNone/>
-            </a:pPr>
-            <a:r>
-              <a:rPr lang="en-US" dirty="0" err="1">
-                <a:latin typeface="Consolas" panose="020B0609020204030204" pitchFamily="49" charset="0"/>
-                <a:cs typeface="Consolas" panose="020B0609020204030204" pitchFamily="49" charset="0"/>
-              </a:rPr>
-              <a:t>System.out.println</a:t>
-            </a:r>
-            <a:r>
-              <a:rPr lang="en-US" dirty="0">
-                <a:latin typeface="Consolas" panose="020B0609020204030204" pitchFamily="49" charset="0"/>
-                <a:cs typeface="Consolas" panose="020B0609020204030204" pitchFamily="49" charset="0"/>
-              </a:rPr>
-              <a:t>(new </a:t>
-            </a:r>
-            <a:r>
-              <a:rPr lang="en-US" dirty="0" err="1">
-                <a:latin typeface="Consolas" panose="020B0609020204030204" pitchFamily="49" charset="0"/>
-                <a:cs typeface="Consolas" panose="020B0609020204030204" pitchFamily="49" charset="0"/>
-              </a:rPr>
-              <a:t>GregorianCalendar</a:t>
-            </a:r>
-            <a:r>
-              <a:rPr lang="en-US" dirty="0">
-                <a:latin typeface="Consolas" panose="020B0609020204030204" pitchFamily="49" charset="0"/>
-                <a:cs typeface="Consolas" panose="020B0609020204030204" pitchFamily="49" charset="0"/>
-              </a:rPr>
-              <a:t>(12, 12, 12</a:t>
-            </a:r>
-            <a:r>
-              <a:rPr lang="en-US" dirty="0" smtClean="0">
-                <a:latin typeface="Consolas" panose="020B0609020204030204" pitchFamily="49" charset="0"/>
-                <a:cs typeface="Consolas" panose="020B0609020204030204" pitchFamily="49" charset="0"/>
-              </a:rPr>
-              <a:t>));</a:t>
-            </a:r>
-          </a:p>
-        </p:txBody>
-      </p:sp>
-      <p:sp>
-        <p:nvSpPr>
-          <p:cNvPr id="2" name="Title 1"/>
-          <p:cNvSpPr>
-            <a:spLocks noGrp="1"/>
-          </p:cNvSpPr>
-          <p:nvPr>
-            <p:ph type="title"/>
-          </p:nvPr>
-        </p:nvSpPr>
-        <p:spPr/>
-        <p:txBody>
-          <a:bodyPr/>
-          <a:lstStyle/>
-          <a:p>
-            <a:r>
               <a:rPr lang="en-US" dirty="0" smtClean="0"/>
               <a:t>Revisited Examples</a:t>
             </a:r>
@@ -18203,7 +17223,7 @@
         </p:nvSpPr>
         <p:spPr>
           <a:xfrm>
-            <a:off x="457200" y="2895601"/>
+            <a:off x="533400" y="2895601"/>
             <a:ext cx="8382000" cy="3352800"/>
           </a:xfrm>
           <a:prstGeom prst="rect">
@@ -18894,6 +17914,1008 @@
     <p:bldLst>
       <p:bldP spid="4" grpId="0" animBg="1"/>
     </p:bldLst>
+  </p:timing>
+</p:sld>
+</file>
+
+<file path=ppt/slides/slide9.xml><?xml version="1.0" encoding="utf-8"?>
+<p:sld xmlns:a="http://schemas.openxmlformats.org/drawingml/2006/main" xmlns:r="http://schemas.openxmlformats.org/officeDocument/2006/relationships" xmlns:p="http://schemas.openxmlformats.org/presentationml/2006/main">
+  <p:cSld>
+    <p:spTree>
+      <p:nvGrpSpPr>
+        <p:cNvPr id="1" name=""/>
+        <p:cNvGrpSpPr/>
+        <p:nvPr/>
+      </p:nvGrpSpPr>
+      <p:grpSpPr>
+        <a:xfrm>
+          <a:off x="0" y="0"/>
+          <a:ext cx="0" cy="0"/>
+          <a:chOff x="0" y="0"/>
+          <a:chExt cx="0" cy="0"/>
+        </a:xfrm>
+      </p:grpSpPr>
+      <p:sp>
+        <p:nvSpPr>
+          <p:cNvPr id="3" name="Content Placeholder 2"/>
+          <p:cNvSpPr>
+            <a:spLocks noGrp="1"/>
+          </p:cNvSpPr>
+          <p:nvPr>
+            <p:ph idx="1"/>
+          </p:nvPr>
+        </p:nvSpPr>
+        <p:spPr>
+          <a:xfrm>
+            <a:off x="457200" y="2590802"/>
+            <a:ext cx="8229600" cy="3535363"/>
+          </a:xfrm>
+        </p:spPr>
+        <p:txBody>
+          <a:bodyPr>
+            <a:noAutofit/>
+          </a:bodyPr>
+          <a:lstStyle/>
+          <a:p>
+            <a:pPr marL="0" indent="0">
+              <a:buNone/>
+            </a:pPr>
+            <a:r>
+              <a:rPr lang="en-US" dirty="0" smtClean="0">
+                <a:cs typeface="Consolas" panose="020B0609020204030204" pitchFamily="49" charset="0"/>
+              </a:rPr>
+              <a:t>Several problems here:</a:t>
+            </a:r>
+          </a:p>
+          <a:p>
+            <a:pPr marL="514350" indent="-514350">
+              <a:buFont typeface="+mj-lt"/>
+              <a:buAutoNum type="arabicPeriod"/>
+            </a:pPr>
+            <a:r>
+              <a:rPr lang="en-US" dirty="0" smtClean="0">
+                <a:cs typeface="Consolas" panose="020B0609020204030204" pitchFamily="49" charset="0"/>
+              </a:rPr>
+              <a:t>Which 12 is for which date field?</a:t>
+            </a:r>
+          </a:p>
+          <a:p>
+            <a:pPr marL="514350" indent="-514350">
+              <a:buFont typeface="+mj-lt"/>
+              <a:buAutoNum type="arabicPeriod"/>
+            </a:pPr>
+            <a:r>
+              <a:rPr lang="en-US" dirty="0">
+                <a:cs typeface="Consolas" panose="020B0609020204030204" pitchFamily="49" charset="0"/>
+              </a:rPr>
+              <a:t>Month 12 is December, right? No. January.</a:t>
+            </a:r>
+          </a:p>
+          <a:p>
+            <a:pPr marL="514350" indent="-514350">
+              <a:buFont typeface="+mj-lt"/>
+              <a:buAutoNum type="arabicPeriod"/>
+            </a:pPr>
+            <a:r>
+              <a:rPr lang="en-US" dirty="0" smtClean="0">
+                <a:cs typeface="Consolas" panose="020B0609020204030204" pitchFamily="49" charset="0"/>
+              </a:rPr>
+              <a:t>They got the year right! Almost. 13 AD.</a:t>
+            </a:r>
+            <a:endParaRPr lang="en-US" dirty="0">
+              <a:cs typeface="Consolas" panose="020B0609020204030204" pitchFamily="49" charset="0"/>
+            </a:endParaRPr>
+          </a:p>
+          <a:p>
+            <a:pPr marL="514350" indent="-514350">
+              <a:buFont typeface="+mj-lt"/>
+              <a:buAutoNum type="arabicPeriod"/>
+            </a:pPr>
+            <a:r>
+              <a:rPr lang="en-US" dirty="0" smtClean="0">
+                <a:cs typeface="Consolas" panose="020B0609020204030204" pitchFamily="49" charset="0"/>
+              </a:rPr>
+              <a:t>Wait - there is a time in a calendar?</a:t>
+            </a:r>
+          </a:p>
+          <a:p>
+            <a:pPr marL="514350" indent="-514350">
+              <a:buFont typeface="+mj-lt"/>
+              <a:buAutoNum type="arabicPeriod"/>
+            </a:pPr>
+            <a:r>
+              <a:rPr lang="en-US" dirty="0" smtClean="0">
+                <a:cs typeface="Consolas" panose="020B0609020204030204" pitchFamily="49" charset="0"/>
+              </a:rPr>
+              <a:t>More than that, there is a time zone.</a:t>
+            </a:r>
+            <a:endParaRPr lang="en-US" dirty="0">
+              <a:cs typeface="Consolas" panose="020B0609020204030204" pitchFamily="49" charset="0"/>
+            </a:endParaRPr>
+          </a:p>
+        </p:txBody>
+      </p:sp>
+      <p:sp>
+        <p:nvSpPr>
+          <p:cNvPr id="2" name="Title 1"/>
+          <p:cNvSpPr>
+            <a:spLocks noGrp="1"/>
+          </p:cNvSpPr>
+          <p:nvPr>
+            <p:ph type="title"/>
+          </p:nvPr>
+        </p:nvSpPr>
+        <p:spPr/>
+        <p:txBody>
+          <a:bodyPr/>
+          <a:lstStyle/>
+          <a:p>
+            <a:r>
+              <a:rPr lang="en-US" dirty="0" smtClean="0"/>
+              <a:t>Problems Getting a </a:t>
+            </a:r>
+            <a:r>
+              <a:rPr lang="en-US" dirty="0" smtClean="0"/>
+              <a:t>Date</a:t>
+            </a:r>
+            <a:endParaRPr lang="en-US" dirty="0"/>
+          </a:p>
+        </p:txBody>
+      </p:sp>
+      <p:sp>
+        <p:nvSpPr>
+          <p:cNvPr id="4" name="Rectangle 3"/>
+          <p:cNvSpPr/>
+          <p:nvPr/>
+        </p:nvSpPr>
+        <p:spPr>
+          <a:xfrm>
+            <a:off x="517070" y="1371600"/>
+            <a:ext cx="8169730" cy="1261884"/>
+          </a:xfrm>
+          <a:prstGeom prst="rect">
+            <a:avLst/>
+          </a:prstGeom>
+          <a:solidFill>
+            <a:schemeClr val="accent1">
+              <a:lumMod val="20000"/>
+              <a:lumOff val="80000"/>
+            </a:schemeClr>
+          </a:solidFill>
+        </p:spPr>
+        <p:txBody>
+          <a:bodyPr wrap="square">
+            <a:spAutoFit/>
+          </a:bodyPr>
+          <a:lstStyle/>
+          <a:p>
+            <a:r>
+              <a:rPr lang="en-US" sz="2800" dirty="0" err="1" smtClean="0">
+                <a:latin typeface="Consolas" panose="020B0609020204030204" pitchFamily="49" charset="0"/>
+                <a:cs typeface="Consolas" panose="020B0609020204030204" pitchFamily="49" charset="0"/>
+              </a:rPr>
+              <a:t>System.out.println</a:t>
+            </a:r>
+            <a:r>
+              <a:rPr lang="en-US" sz="2800" dirty="0" smtClean="0">
+                <a:latin typeface="Consolas" panose="020B0609020204030204" pitchFamily="49" charset="0"/>
+                <a:cs typeface="Consolas" panose="020B0609020204030204" pitchFamily="49" charset="0"/>
+              </a:rPr>
+              <a:t>(</a:t>
+            </a:r>
+            <a:r>
+              <a:rPr lang="en-US" sz="2800" dirty="0" err="1" smtClean="0">
+                <a:latin typeface="Consolas" panose="020B0609020204030204" pitchFamily="49" charset="0"/>
+                <a:cs typeface="Consolas" panose="020B0609020204030204" pitchFamily="49" charset="0"/>
+              </a:rPr>
+              <a:t>dtFmt.format</a:t>
+            </a:r>
+            <a:r>
+              <a:rPr lang="en-US" sz="2800" dirty="0" smtClean="0">
+                <a:latin typeface="Consolas" panose="020B0609020204030204" pitchFamily="49" charset="0"/>
+                <a:cs typeface="Consolas" panose="020B0609020204030204" pitchFamily="49" charset="0"/>
+              </a:rPr>
+              <a:t>(</a:t>
+            </a:r>
+            <a:r>
+              <a:rPr lang="en-US" sz="2800" b="1" dirty="0" smtClean="0">
+                <a:latin typeface="Consolas" panose="020B0609020204030204" pitchFamily="49" charset="0"/>
+                <a:cs typeface="Consolas" panose="020B0609020204030204" pitchFamily="49" charset="0"/>
+              </a:rPr>
+              <a:t>new </a:t>
+            </a:r>
+            <a:r>
+              <a:rPr lang="en-US" sz="2800" b="1" dirty="0" err="1" smtClean="0">
+                <a:latin typeface="Consolas" panose="020B0609020204030204" pitchFamily="49" charset="0"/>
+                <a:cs typeface="Consolas" panose="020B0609020204030204" pitchFamily="49" charset="0"/>
+              </a:rPr>
+              <a:t>GregorianCalendar</a:t>
+            </a:r>
+            <a:r>
+              <a:rPr lang="en-US" sz="2800" b="1" dirty="0" smtClean="0">
+                <a:latin typeface="Consolas" panose="020B0609020204030204" pitchFamily="49" charset="0"/>
+                <a:cs typeface="Consolas" panose="020B0609020204030204" pitchFamily="49" charset="0"/>
+              </a:rPr>
+              <a:t>(12,12,12</a:t>
+            </a:r>
+            <a:r>
+              <a:rPr lang="en-US" sz="2800" b="1" dirty="0">
+                <a:latin typeface="Consolas" panose="020B0609020204030204" pitchFamily="49" charset="0"/>
+                <a:cs typeface="Consolas" panose="020B0609020204030204" pitchFamily="49" charset="0"/>
+              </a:rPr>
+              <a:t>)</a:t>
+            </a:r>
+            <a:r>
+              <a:rPr lang="en-US" sz="2800" dirty="0">
+                <a:latin typeface="Consolas" panose="020B0609020204030204" pitchFamily="49" charset="0"/>
+                <a:cs typeface="Consolas" panose="020B0609020204030204" pitchFamily="49" charset="0"/>
+              </a:rPr>
+              <a:t>.</a:t>
+            </a:r>
+            <a:r>
+              <a:rPr lang="en-US" sz="2800" dirty="0" err="1">
+                <a:latin typeface="Consolas" panose="020B0609020204030204" pitchFamily="49" charset="0"/>
+                <a:cs typeface="Consolas" panose="020B0609020204030204" pitchFamily="49" charset="0"/>
+              </a:rPr>
+              <a:t>getTime</a:t>
+            </a:r>
+            <a:r>
+              <a:rPr lang="en-US" sz="2800" dirty="0">
+                <a:latin typeface="Consolas" panose="020B0609020204030204" pitchFamily="49" charset="0"/>
+                <a:cs typeface="Consolas" panose="020B0609020204030204" pitchFamily="49" charset="0"/>
+              </a:rPr>
+              <a:t>()));</a:t>
+            </a:r>
+          </a:p>
+          <a:p>
+            <a:r>
+              <a:rPr lang="en-US" sz="2000" dirty="0">
+                <a:solidFill>
+                  <a:schemeClr val="accent6">
+                    <a:lumMod val="75000"/>
+                  </a:schemeClr>
+                </a:solidFill>
+                <a:latin typeface="Consolas" panose="020B0609020204030204" pitchFamily="49" charset="0"/>
+                <a:cs typeface="Consolas" panose="020B0609020204030204" pitchFamily="49" charset="0"/>
+              </a:rPr>
+              <a:t>// January 12, 0013 12:00:00 AM EST</a:t>
+            </a:r>
+          </a:p>
+        </p:txBody>
+      </p:sp>
+    </p:spTree>
+    <p:extLst>
+      <p:ext uri="{BB962C8B-B14F-4D97-AF65-F5344CB8AC3E}">
+        <p14:creationId xmlns:p14="http://schemas.microsoft.com/office/powerpoint/2010/main" val="3501960908"/>
+      </p:ext>
+    </p:extLst>
+  </p:cSld>
+  <p:clrMapOvr>
+    <a:masterClrMapping/>
+  </p:clrMapOvr>
+  <mc:AlternateContent xmlns:mc="http://schemas.openxmlformats.org/markup-compatibility/2006" xmlns:p14="http://schemas.microsoft.com/office/powerpoint/2010/main">
+    <mc:Choice Requires="p14">
+      <p:transition spd="med" p14:dur="700">
+        <p:fade/>
+      </p:transition>
+    </mc:Choice>
+    <mc:Fallback xmlns="">
+      <p:transition spd="med">
+        <p:fade/>
+      </p:transition>
+    </mc:Fallback>
+  </mc:AlternateContent>
+  <p:timing>
+    <p:tnLst>
+      <p:par>
+        <p:cTn id="1" dur="indefinite" restart="never" nodeType="tmRoot">
+          <p:childTnLst>
+            <p:seq concurrent="1" nextAc="seek">
+              <p:cTn id="2" dur="indefinite" nodeType="mainSeq">
+                <p:childTnLst>
+                  <p:par>
+                    <p:cTn id="3" fill="hold">
+                      <p:stCondLst>
+                        <p:cond delay="indefinite"/>
+                        <p:cond evt="onBegin" delay="0">
+                          <p:tn val="2"/>
+                        </p:cond>
+                      </p:stCondLst>
+                      <p:childTnLst>
+                        <p:par>
+                          <p:cTn id="4" fill="hold">
+                            <p:stCondLst>
+                              <p:cond delay="0"/>
+                            </p:stCondLst>
+                            <p:childTnLst>
+                              <p:par>
+                                <p:cTn id="5" presetID="2" presetClass="entr" presetSubtype="4" fill="hold" nodeType="afterEffect">
+                                  <p:stCondLst>
+                                    <p:cond delay="0"/>
+                                  </p:stCondLst>
+                                  <p:childTnLst>
+                                    <p:set>
+                                      <p:cBhvr>
+                                        <p:cTn id="6" dur="1" fill="hold">
+                                          <p:stCondLst>
+                                            <p:cond delay="0"/>
+                                          </p:stCondLst>
+                                        </p:cTn>
+                                        <p:tgtEl>
+                                          <p:spTgt spid="3">
+                                            <p:txEl>
+                                              <p:pRg st="0" end="0"/>
+                                            </p:txEl>
+                                          </p:spTgt>
+                                        </p:tgtEl>
+                                        <p:attrNameLst>
+                                          <p:attrName>style.visibility</p:attrName>
+                                        </p:attrNameLst>
+                                      </p:cBhvr>
+                                      <p:to>
+                                        <p:strVal val="visible"/>
+                                      </p:to>
+                                    </p:set>
+                                    <p:anim calcmode="lin" valueType="num">
+                                      <p:cBhvr additive="base">
+                                        <p:cTn id="7" dur="500" fill="hold"/>
+                                        <p:tgtEl>
+                                          <p:spTgt spid="3">
+                                            <p:txEl>
+                                              <p:pRg st="0" end="0"/>
+                                            </p:txEl>
+                                          </p:spTgt>
+                                        </p:tgtEl>
+                                        <p:attrNameLst>
+                                          <p:attrName>ppt_x</p:attrName>
+                                        </p:attrNameLst>
+                                      </p:cBhvr>
+                                      <p:tavLst>
+                                        <p:tav tm="0">
+                                          <p:val>
+                                            <p:strVal val="#ppt_x"/>
+                                          </p:val>
+                                        </p:tav>
+                                        <p:tav tm="100000">
+                                          <p:val>
+                                            <p:strVal val="#ppt_x"/>
+                                          </p:val>
+                                        </p:tav>
+                                      </p:tavLst>
+                                    </p:anim>
+                                    <p:anim calcmode="lin" valueType="num">
+                                      <p:cBhvr additive="base">
+                                        <p:cTn id="8" dur="500" fill="hold"/>
+                                        <p:tgtEl>
+                                          <p:spTgt spid="3">
+                                            <p:txEl>
+                                              <p:pRg st="0" end="0"/>
+                                            </p:txEl>
+                                          </p:spTgt>
+                                        </p:tgtEl>
+                                        <p:attrNameLst>
+                                          <p:attrName>ppt_y</p:attrName>
+                                        </p:attrNameLst>
+                                      </p:cBhvr>
+                                      <p:tavLst>
+                                        <p:tav tm="0">
+                                          <p:val>
+                                            <p:strVal val="1+#ppt_h/2"/>
+                                          </p:val>
+                                        </p:tav>
+                                        <p:tav tm="100000">
+                                          <p:val>
+                                            <p:strVal val="#ppt_y"/>
+                                          </p:val>
+                                        </p:tav>
+                                      </p:tavLst>
+                                    </p:anim>
+                                  </p:childTnLst>
+                                </p:cTn>
+                              </p:par>
+                            </p:childTnLst>
+                          </p:cTn>
+                        </p:par>
+                      </p:childTnLst>
+                    </p:cTn>
+                  </p:par>
+                  <p:par>
+                    <p:cTn id="9" fill="hold">
+                      <p:stCondLst>
+                        <p:cond delay="indefinite"/>
+                      </p:stCondLst>
+                      <p:childTnLst>
+                        <p:par>
+                          <p:cTn id="10" fill="hold">
+                            <p:stCondLst>
+                              <p:cond delay="0"/>
+                            </p:stCondLst>
+                            <p:childTnLst>
+                              <p:par>
+                                <p:cTn id="11" presetID="10" presetClass="entr" presetSubtype="0" fill="hold" nodeType="clickEffect">
+                                  <p:stCondLst>
+                                    <p:cond delay="0"/>
+                                  </p:stCondLst>
+                                  <p:childTnLst>
+                                    <p:set>
+                                      <p:cBhvr>
+                                        <p:cTn id="12" dur="1" fill="hold">
+                                          <p:stCondLst>
+                                            <p:cond delay="0"/>
+                                          </p:stCondLst>
+                                        </p:cTn>
+                                        <p:tgtEl>
+                                          <p:spTgt spid="4">
+                                            <p:txEl>
+                                              <p:pRg st="1" end="1"/>
+                                            </p:txEl>
+                                          </p:spTgt>
+                                        </p:tgtEl>
+                                        <p:attrNameLst>
+                                          <p:attrName>style.visibility</p:attrName>
+                                        </p:attrNameLst>
+                                      </p:cBhvr>
+                                      <p:to>
+                                        <p:strVal val="visible"/>
+                                      </p:to>
+                                    </p:set>
+                                    <p:animEffect transition="in" filter="fade">
+                                      <p:cBhvr>
+                                        <p:cTn id="13" dur="500"/>
+                                        <p:tgtEl>
+                                          <p:spTgt spid="4">
+                                            <p:txEl>
+                                              <p:pRg st="1" end="1"/>
+                                            </p:txEl>
+                                          </p:spTgt>
+                                        </p:tgtEl>
+                                      </p:cBhvr>
+                                    </p:animEffect>
+                                  </p:childTnLst>
+                                </p:cTn>
+                              </p:par>
+                            </p:childTnLst>
+                          </p:cTn>
+                        </p:par>
+                      </p:childTnLst>
+                    </p:cTn>
+                  </p:par>
+                  <p:par>
+                    <p:cTn id="14" fill="hold">
+                      <p:stCondLst>
+                        <p:cond delay="indefinite"/>
+                      </p:stCondLst>
+                      <p:childTnLst>
+                        <p:par>
+                          <p:cTn id="15" fill="hold">
+                            <p:stCondLst>
+                              <p:cond delay="0"/>
+                            </p:stCondLst>
+                            <p:childTnLst>
+                              <p:par>
+                                <p:cTn id="16" presetID="2" presetClass="entr" presetSubtype="4" fill="hold" nodeType="clickEffect">
+                                  <p:stCondLst>
+                                    <p:cond delay="0"/>
+                                  </p:stCondLst>
+                                  <p:childTnLst>
+                                    <p:set>
+                                      <p:cBhvr>
+                                        <p:cTn id="17" dur="1" fill="hold">
+                                          <p:stCondLst>
+                                            <p:cond delay="0"/>
+                                          </p:stCondLst>
+                                        </p:cTn>
+                                        <p:tgtEl>
+                                          <p:spTgt spid="3">
+                                            <p:txEl>
+                                              <p:pRg st="1" end="1"/>
+                                            </p:txEl>
+                                          </p:spTgt>
+                                        </p:tgtEl>
+                                        <p:attrNameLst>
+                                          <p:attrName>style.visibility</p:attrName>
+                                        </p:attrNameLst>
+                                      </p:cBhvr>
+                                      <p:to>
+                                        <p:strVal val="visible"/>
+                                      </p:to>
+                                    </p:set>
+                                    <p:anim calcmode="lin" valueType="num">
+                                      <p:cBhvr additive="base">
+                                        <p:cTn id="18" dur="500" fill="hold"/>
+                                        <p:tgtEl>
+                                          <p:spTgt spid="3">
+                                            <p:txEl>
+                                              <p:pRg st="1" end="1"/>
+                                            </p:txEl>
+                                          </p:spTgt>
+                                        </p:tgtEl>
+                                        <p:attrNameLst>
+                                          <p:attrName>ppt_x</p:attrName>
+                                        </p:attrNameLst>
+                                      </p:cBhvr>
+                                      <p:tavLst>
+                                        <p:tav tm="0">
+                                          <p:val>
+                                            <p:strVal val="#ppt_x"/>
+                                          </p:val>
+                                        </p:tav>
+                                        <p:tav tm="100000">
+                                          <p:val>
+                                            <p:strVal val="#ppt_x"/>
+                                          </p:val>
+                                        </p:tav>
+                                      </p:tavLst>
+                                    </p:anim>
+                                    <p:anim calcmode="lin" valueType="num">
+                                      <p:cBhvr additive="base">
+                                        <p:cTn id="19" dur="500" fill="hold"/>
+                                        <p:tgtEl>
+                                          <p:spTgt spid="3">
+                                            <p:txEl>
+                                              <p:pRg st="1" end="1"/>
+                                            </p:txEl>
+                                          </p:spTgt>
+                                        </p:tgtEl>
+                                        <p:attrNameLst>
+                                          <p:attrName>ppt_y</p:attrName>
+                                        </p:attrNameLst>
+                                      </p:cBhvr>
+                                      <p:tavLst>
+                                        <p:tav tm="0">
+                                          <p:val>
+                                            <p:strVal val="1+#ppt_h/2"/>
+                                          </p:val>
+                                        </p:tav>
+                                        <p:tav tm="100000">
+                                          <p:val>
+                                            <p:strVal val="#ppt_y"/>
+                                          </p:val>
+                                        </p:tav>
+                                      </p:tavLst>
+                                    </p:anim>
+                                  </p:childTnLst>
+                                </p:cTn>
+                              </p:par>
+                            </p:childTnLst>
+                          </p:cTn>
+                        </p:par>
+                      </p:childTnLst>
+                    </p:cTn>
+                  </p:par>
+                  <p:par>
+                    <p:cTn id="20" fill="hold">
+                      <p:stCondLst>
+                        <p:cond delay="indefinite"/>
+                      </p:stCondLst>
+                      <p:childTnLst>
+                        <p:par>
+                          <p:cTn id="21" fill="hold">
+                            <p:stCondLst>
+                              <p:cond delay="0"/>
+                            </p:stCondLst>
+                            <p:childTnLst>
+                              <p:par>
+                                <p:cTn id="22" presetID="2" presetClass="entr" presetSubtype="4" fill="hold" nodeType="clickEffect">
+                                  <p:stCondLst>
+                                    <p:cond delay="0"/>
+                                  </p:stCondLst>
+                                  <p:childTnLst>
+                                    <p:set>
+                                      <p:cBhvr>
+                                        <p:cTn id="23" dur="1" fill="hold">
+                                          <p:stCondLst>
+                                            <p:cond delay="0"/>
+                                          </p:stCondLst>
+                                        </p:cTn>
+                                        <p:tgtEl>
+                                          <p:spTgt spid="3">
+                                            <p:txEl>
+                                              <p:pRg st="2" end="2"/>
+                                            </p:txEl>
+                                          </p:spTgt>
+                                        </p:tgtEl>
+                                        <p:attrNameLst>
+                                          <p:attrName>style.visibility</p:attrName>
+                                        </p:attrNameLst>
+                                      </p:cBhvr>
+                                      <p:to>
+                                        <p:strVal val="visible"/>
+                                      </p:to>
+                                    </p:set>
+                                    <p:anim calcmode="lin" valueType="num">
+                                      <p:cBhvr additive="base">
+                                        <p:cTn id="24" dur="500" fill="hold"/>
+                                        <p:tgtEl>
+                                          <p:spTgt spid="3">
+                                            <p:txEl>
+                                              <p:pRg st="2" end="2"/>
+                                            </p:txEl>
+                                          </p:spTgt>
+                                        </p:tgtEl>
+                                        <p:attrNameLst>
+                                          <p:attrName>ppt_x</p:attrName>
+                                        </p:attrNameLst>
+                                      </p:cBhvr>
+                                      <p:tavLst>
+                                        <p:tav tm="0">
+                                          <p:val>
+                                            <p:strVal val="#ppt_x"/>
+                                          </p:val>
+                                        </p:tav>
+                                        <p:tav tm="100000">
+                                          <p:val>
+                                            <p:strVal val="#ppt_x"/>
+                                          </p:val>
+                                        </p:tav>
+                                      </p:tavLst>
+                                    </p:anim>
+                                    <p:anim calcmode="lin" valueType="num">
+                                      <p:cBhvr additive="base">
+                                        <p:cTn id="25" dur="500" fill="hold"/>
+                                        <p:tgtEl>
+                                          <p:spTgt spid="3">
+                                            <p:txEl>
+                                              <p:pRg st="2" end="2"/>
+                                            </p:txEl>
+                                          </p:spTgt>
+                                        </p:tgtEl>
+                                        <p:attrNameLst>
+                                          <p:attrName>ppt_y</p:attrName>
+                                        </p:attrNameLst>
+                                      </p:cBhvr>
+                                      <p:tavLst>
+                                        <p:tav tm="0">
+                                          <p:val>
+                                            <p:strVal val="1+#ppt_h/2"/>
+                                          </p:val>
+                                        </p:tav>
+                                        <p:tav tm="100000">
+                                          <p:val>
+                                            <p:strVal val="#ppt_y"/>
+                                          </p:val>
+                                        </p:tav>
+                                      </p:tavLst>
+                                    </p:anim>
+                                  </p:childTnLst>
+                                </p:cTn>
+                              </p:par>
+                            </p:childTnLst>
+                          </p:cTn>
+                        </p:par>
+                      </p:childTnLst>
+                    </p:cTn>
+                  </p:par>
+                  <p:par>
+                    <p:cTn id="26" fill="hold">
+                      <p:stCondLst>
+                        <p:cond delay="indefinite"/>
+                      </p:stCondLst>
+                      <p:childTnLst>
+                        <p:par>
+                          <p:cTn id="27" fill="hold">
+                            <p:stCondLst>
+                              <p:cond delay="0"/>
+                            </p:stCondLst>
+                            <p:childTnLst>
+                              <p:par>
+                                <p:cTn id="28" presetID="2" presetClass="entr" presetSubtype="4" fill="hold" nodeType="clickEffect">
+                                  <p:stCondLst>
+                                    <p:cond delay="0"/>
+                                  </p:stCondLst>
+                                  <p:childTnLst>
+                                    <p:set>
+                                      <p:cBhvr>
+                                        <p:cTn id="29" dur="1" fill="hold">
+                                          <p:stCondLst>
+                                            <p:cond delay="0"/>
+                                          </p:stCondLst>
+                                        </p:cTn>
+                                        <p:tgtEl>
+                                          <p:spTgt spid="3">
+                                            <p:txEl>
+                                              <p:pRg st="3" end="3"/>
+                                            </p:txEl>
+                                          </p:spTgt>
+                                        </p:tgtEl>
+                                        <p:attrNameLst>
+                                          <p:attrName>style.visibility</p:attrName>
+                                        </p:attrNameLst>
+                                      </p:cBhvr>
+                                      <p:to>
+                                        <p:strVal val="visible"/>
+                                      </p:to>
+                                    </p:set>
+                                    <p:anim calcmode="lin" valueType="num">
+                                      <p:cBhvr additive="base">
+                                        <p:cTn id="30" dur="500" fill="hold"/>
+                                        <p:tgtEl>
+                                          <p:spTgt spid="3">
+                                            <p:txEl>
+                                              <p:pRg st="3" end="3"/>
+                                            </p:txEl>
+                                          </p:spTgt>
+                                        </p:tgtEl>
+                                        <p:attrNameLst>
+                                          <p:attrName>ppt_x</p:attrName>
+                                        </p:attrNameLst>
+                                      </p:cBhvr>
+                                      <p:tavLst>
+                                        <p:tav tm="0">
+                                          <p:val>
+                                            <p:strVal val="#ppt_x"/>
+                                          </p:val>
+                                        </p:tav>
+                                        <p:tav tm="100000">
+                                          <p:val>
+                                            <p:strVal val="#ppt_x"/>
+                                          </p:val>
+                                        </p:tav>
+                                      </p:tavLst>
+                                    </p:anim>
+                                    <p:anim calcmode="lin" valueType="num">
+                                      <p:cBhvr additive="base">
+                                        <p:cTn id="31" dur="500" fill="hold"/>
+                                        <p:tgtEl>
+                                          <p:spTgt spid="3">
+                                            <p:txEl>
+                                              <p:pRg st="3" end="3"/>
+                                            </p:txEl>
+                                          </p:spTgt>
+                                        </p:tgtEl>
+                                        <p:attrNameLst>
+                                          <p:attrName>ppt_y</p:attrName>
+                                        </p:attrNameLst>
+                                      </p:cBhvr>
+                                      <p:tavLst>
+                                        <p:tav tm="0">
+                                          <p:val>
+                                            <p:strVal val="1+#ppt_h/2"/>
+                                          </p:val>
+                                        </p:tav>
+                                        <p:tav tm="100000">
+                                          <p:val>
+                                            <p:strVal val="#ppt_y"/>
+                                          </p:val>
+                                        </p:tav>
+                                      </p:tavLst>
+                                    </p:anim>
+                                  </p:childTnLst>
+                                </p:cTn>
+                              </p:par>
+                            </p:childTnLst>
+                          </p:cTn>
+                        </p:par>
+                      </p:childTnLst>
+                    </p:cTn>
+                  </p:par>
+                  <p:par>
+                    <p:cTn id="32" fill="hold">
+                      <p:stCondLst>
+                        <p:cond delay="indefinite"/>
+                      </p:stCondLst>
+                      <p:childTnLst>
+                        <p:par>
+                          <p:cTn id="33" fill="hold">
+                            <p:stCondLst>
+                              <p:cond delay="0"/>
+                            </p:stCondLst>
+                            <p:childTnLst>
+                              <p:par>
+                                <p:cTn id="34" presetID="2" presetClass="entr" presetSubtype="4" fill="hold" nodeType="clickEffect">
+                                  <p:stCondLst>
+                                    <p:cond delay="0"/>
+                                  </p:stCondLst>
+                                  <p:childTnLst>
+                                    <p:set>
+                                      <p:cBhvr>
+                                        <p:cTn id="35" dur="1" fill="hold">
+                                          <p:stCondLst>
+                                            <p:cond delay="0"/>
+                                          </p:stCondLst>
+                                        </p:cTn>
+                                        <p:tgtEl>
+                                          <p:spTgt spid="3">
+                                            <p:txEl>
+                                              <p:pRg st="4" end="4"/>
+                                            </p:txEl>
+                                          </p:spTgt>
+                                        </p:tgtEl>
+                                        <p:attrNameLst>
+                                          <p:attrName>style.visibility</p:attrName>
+                                        </p:attrNameLst>
+                                      </p:cBhvr>
+                                      <p:to>
+                                        <p:strVal val="visible"/>
+                                      </p:to>
+                                    </p:set>
+                                    <p:anim calcmode="lin" valueType="num">
+                                      <p:cBhvr additive="base">
+                                        <p:cTn id="36" dur="500" fill="hold"/>
+                                        <p:tgtEl>
+                                          <p:spTgt spid="3">
+                                            <p:txEl>
+                                              <p:pRg st="4" end="4"/>
+                                            </p:txEl>
+                                          </p:spTgt>
+                                        </p:tgtEl>
+                                        <p:attrNameLst>
+                                          <p:attrName>ppt_x</p:attrName>
+                                        </p:attrNameLst>
+                                      </p:cBhvr>
+                                      <p:tavLst>
+                                        <p:tav tm="0">
+                                          <p:val>
+                                            <p:strVal val="#ppt_x"/>
+                                          </p:val>
+                                        </p:tav>
+                                        <p:tav tm="100000">
+                                          <p:val>
+                                            <p:strVal val="#ppt_x"/>
+                                          </p:val>
+                                        </p:tav>
+                                      </p:tavLst>
+                                    </p:anim>
+                                    <p:anim calcmode="lin" valueType="num">
+                                      <p:cBhvr additive="base">
+                                        <p:cTn id="37" dur="500" fill="hold"/>
+                                        <p:tgtEl>
+                                          <p:spTgt spid="3">
+                                            <p:txEl>
+                                              <p:pRg st="4" end="4"/>
+                                            </p:txEl>
+                                          </p:spTgt>
+                                        </p:tgtEl>
+                                        <p:attrNameLst>
+                                          <p:attrName>ppt_y</p:attrName>
+                                        </p:attrNameLst>
+                                      </p:cBhvr>
+                                      <p:tavLst>
+                                        <p:tav tm="0">
+                                          <p:val>
+                                            <p:strVal val="1+#ppt_h/2"/>
+                                          </p:val>
+                                        </p:tav>
+                                        <p:tav tm="100000">
+                                          <p:val>
+                                            <p:strVal val="#ppt_y"/>
+                                          </p:val>
+                                        </p:tav>
+                                      </p:tavLst>
+                                    </p:anim>
+                                  </p:childTnLst>
+                                </p:cTn>
+                              </p:par>
+                            </p:childTnLst>
+                          </p:cTn>
+                        </p:par>
+                      </p:childTnLst>
+                    </p:cTn>
+                  </p:par>
+                  <p:par>
+                    <p:cTn id="38" fill="hold">
+                      <p:stCondLst>
+                        <p:cond delay="indefinite"/>
+                      </p:stCondLst>
+                      <p:childTnLst>
+                        <p:par>
+                          <p:cTn id="39" fill="hold">
+                            <p:stCondLst>
+                              <p:cond delay="0"/>
+                            </p:stCondLst>
+                            <p:childTnLst>
+                              <p:par>
+                                <p:cTn id="40" presetID="2" presetClass="entr" presetSubtype="4" fill="hold" nodeType="clickEffect">
+                                  <p:stCondLst>
+                                    <p:cond delay="0"/>
+                                  </p:stCondLst>
+                                  <p:childTnLst>
+                                    <p:set>
+                                      <p:cBhvr>
+                                        <p:cTn id="41" dur="1" fill="hold">
+                                          <p:stCondLst>
+                                            <p:cond delay="0"/>
+                                          </p:stCondLst>
+                                        </p:cTn>
+                                        <p:tgtEl>
+                                          <p:spTgt spid="3">
+                                            <p:txEl>
+                                              <p:pRg st="5" end="5"/>
+                                            </p:txEl>
+                                          </p:spTgt>
+                                        </p:tgtEl>
+                                        <p:attrNameLst>
+                                          <p:attrName>style.visibility</p:attrName>
+                                        </p:attrNameLst>
+                                      </p:cBhvr>
+                                      <p:to>
+                                        <p:strVal val="visible"/>
+                                      </p:to>
+                                    </p:set>
+                                    <p:anim calcmode="lin" valueType="num">
+                                      <p:cBhvr additive="base">
+                                        <p:cTn id="42" dur="500" fill="hold"/>
+                                        <p:tgtEl>
+                                          <p:spTgt spid="3">
+                                            <p:txEl>
+                                              <p:pRg st="5" end="5"/>
+                                            </p:txEl>
+                                          </p:spTgt>
+                                        </p:tgtEl>
+                                        <p:attrNameLst>
+                                          <p:attrName>ppt_x</p:attrName>
+                                        </p:attrNameLst>
+                                      </p:cBhvr>
+                                      <p:tavLst>
+                                        <p:tav tm="0">
+                                          <p:val>
+                                            <p:strVal val="#ppt_x"/>
+                                          </p:val>
+                                        </p:tav>
+                                        <p:tav tm="100000">
+                                          <p:val>
+                                            <p:strVal val="#ppt_x"/>
+                                          </p:val>
+                                        </p:tav>
+                                      </p:tavLst>
+                                    </p:anim>
+                                    <p:anim calcmode="lin" valueType="num">
+                                      <p:cBhvr additive="base">
+                                        <p:cTn id="43" dur="500" fill="hold"/>
+                                        <p:tgtEl>
+                                          <p:spTgt spid="3">
+                                            <p:txEl>
+                                              <p:pRg st="5" end="5"/>
+                                            </p:txEl>
+                                          </p:spTgt>
+                                        </p:tgtEl>
+                                        <p:attrNameLst>
+                                          <p:attrName>ppt_y</p:attrName>
+                                        </p:attrNameLst>
+                                      </p:cBhvr>
+                                      <p:tavLst>
+                                        <p:tav tm="0">
+                                          <p:val>
+                                            <p:strVal val="1+#ppt_h/2"/>
+                                          </p:val>
+                                        </p:tav>
+                                        <p:tav tm="100000">
+                                          <p:val>
+                                            <p:strVal val="#ppt_y"/>
+                                          </p:val>
+                                        </p:tav>
+                                      </p:tavLst>
+                                    </p:anim>
+                                  </p:childTnLst>
+                                </p:cTn>
+                              </p:par>
+                            </p:childTnLst>
+                          </p:cTn>
+                        </p:par>
+                      </p:childTnLst>
+                    </p:cTn>
+                  </p:par>
+                </p:childTnLst>
+              </p:cTn>
+              <p:prevCondLst>
+                <p:cond evt="onPrev" delay="0">
+                  <p:tgtEl>
+                    <p:sldTgt/>
+                  </p:tgtEl>
+                </p:cond>
+              </p:prevCondLst>
+              <p:nextCondLst>
+                <p:cond evt="onNext" delay="0">
+                  <p:tgtEl>
+                    <p:sldTgt/>
+                  </p:tgtEl>
+                </p:cond>
+              </p:nextCondLst>
+            </p:seq>
+          </p:childTnLst>
+        </p:cTn>
+      </p:par>
+    </p:tnLst>
   </p:timing>
 </p:sld>
 </file>
@@ -19249,7 +19271,7 @@
   <a:extraClrSchemeLst/>
   <a:extLst>
     <a:ext uri="{05A4C25C-085E-4340-85A3-A5531E510DB2}">
-      <thm15:themeFamily xmlns="" xmlns:thm15="http://schemas.microsoft.com/office/thememl/2012/main" name="Presentation level design" id="{00E2FDB5-77A3-416C-8232-A2B8AB0B9A01}" vid="{6E3E8A63-E899-4F92-AFE5-C80B3CCFC0BD}"/>
+      <thm15:themeFamily xmlns:thm15="http://schemas.microsoft.com/office/thememl/2012/main" xmlns="" name="Presentation level design" id="{00E2FDB5-77A3-416C-8232-A2B8AB0B9A01}" vid="{6E3E8A63-E899-4F92-AFE5-C80B3CCFC0BD}"/>
     </a:ext>
   </a:extLst>
 </a:theme>

--- a/Java 8 Date and Time API.pptx
+++ b/Java 8 Date and Time API.pptx
@@ -563,7 +563,7 @@
           <a:p>
             <a:fld id="{9FC8350F-9398-41A4-A7C8-75E8E1FDC641}" type="datetimeFigureOut">
               <a:rPr lang="en-US" smtClean="0"/>
-              <a:t>4/3/2014</a:t>
+              <a:t>4/4/2014</a:t>
             </a:fld>
             <a:endParaRPr lang="en-US"/>
           </a:p>
@@ -809,7 +809,7 @@
           <a:p>
             <a:fld id="{4521DC5A-3FE3-4FD1-BF87-57592AFF8A1E}" type="datetimeFigureOut">
               <a:rPr lang="en-US" smtClean="0"/>
-              <a:t>4/3/2014</a:t>
+              <a:t>4/4/2014</a:t>
             </a:fld>
             <a:endParaRPr lang="en-US"/>
           </a:p>
@@ -1055,7 +1055,7 @@
           <a:p>
             <a:fld id="{4521DC5A-3FE3-4FD1-BF87-57592AFF8A1E}" type="datetimeFigureOut">
               <a:rPr lang="en-US" smtClean="0"/>
-              <a:t>4/3/2014</a:t>
+              <a:t>4/4/2014</a:t>
             </a:fld>
             <a:endParaRPr lang="en-US"/>
           </a:p>
@@ -1301,7 +1301,7 @@
           <a:p>
             <a:fld id="{4521DC5A-3FE3-4FD1-BF87-57592AFF8A1E}" type="datetimeFigureOut">
               <a:rPr lang="en-US" smtClean="0"/>
-              <a:t>4/3/2014</a:t>
+              <a:t>4/4/2014</a:t>
             </a:fld>
             <a:endParaRPr lang="en-US"/>
           </a:p>
@@ -1559,7 +1559,7 @@
           <a:p>
             <a:fld id="{4521DC5A-3FE3-4FD1-BF87-57592AFF8A1E}" type="datetimeFigureOut">
               <a:rPr lang="en-US" smtClean="0"/>
-              <a:t>4/3/2014</a:t>
+              <a:t>4/4/2014</a:t>
             </a:fld>
             <a:endParaRPr lang="en-US"/>
           </a:p>
@@ -1921,7 +1921,7 @@
           <a:p>
             <a:fld id="{4521DC5A-3FE3-4FD1-BF87-57592AFF8A1E}" type="datetimeFigureOut">
               <a:rPr lang="en-US" smtClean="0"/>
-              <a:t>4/3/2014</a:t>
+              <a:t>4/4/2014</a:t>
             </a:fld>
             <a:endParaRPr lang="en-US"/>
           </a:p>
@@ -2419,7 +2419,7 @@
           <a:p>
             <a:fld id="{4521DC5A-3FE3-4FD1-BF87-57592AFF8A1E}" type="datetimeFigureOut">
               <a:rPr lang="en-US" smtClean="0"/>
-              <a:t>4/3/2014</a:t>
+              <a:t>4/4/2014</a:t>
             </a:fld>
             <a:endParaRPr lang="en-US"/>
           </a:p>
@@ -2605,7 +2605,7 @@
           <a:p>
             <a:fld id="{4521DC5A-3FE3-4FD1-BF87-57592AFF8A1E}" type="datetimeFigureOut">
               <a:rPr lang="en-US" smtClean="0"/>
-              <a:t>4/3/2014</a:t>
+              <a:t>4/4/2014</a:t>
             </a:fld>
             <a:endParaRPr lang="en-US"/>
           </a:p>
@@ -2760,7 +2760,7 @@
           <a:p>
             <a:fld id="{4521DC5A-3FE3-4FD1-BF87-57592AFF8A1E}" type="datetimeFigureOut">
               <a:rPr lang="en-US" smtClean="0"/>
-              <a:t>4/3/2014</a:t>
+              <a:t>4/4/2014</a:t>
             </a:fld>
             <a:endParaRPr lang="en-US"/>
           </a:p>
@@ -3106,7 +3106,7 @@
           <a:p>
             <a:fld id="{4521DC5A-3FE3-4FD1-BF87-57592AFF8A1E}" type="datetimeFigureOut">
               <a:rPr lang="en-US" smtClean="0"/>
-              <a:t>4/3/2014</a:t>
+              <a:t>4/4/2014</a:t>
             </a:fld>
             <a:endParaRPr lang="en-US"/>
           </a:p>
@@ -3432,7 +3432,7 @@
           <a:p>
             <a:fld id="{4521DC5A-3FE3-4FD1-BF87-57592AFF8A1E}" type="datetimeFigureOut">
               <a:rPr lang="en-US" smtClean="0"/>
-              <a:t>4/3/2014</a:t>
+              <a:t>4/4/2014</a:t>
             </a:fld>
             <a:endParaRPr lang="en-US"/>
           </a:p>
@@ -4022,7 +4022,7 @@
           <a:p>
             <a:fld id="{4521DC5A-3FE3-4FD1-BF87-57592AFF8A1E}" type="datetimeFigureOut">
               <a:rPr lang="en-US" smtClean="0"/>
-              <a:t>4/3/2014</a:t>
+              <a:t>4/4/2014</a:t>
             </a:fld>
             <a:endParaRPr lang="en-US"/>
           </a:p>
@@ -7135,11 +7135,7 @@
             </a:r>
             <a:r>
               <a:rPr lang="en-US" dirty="0" smtClean="0"/>
-              <a:t>JavaScript, Perl, PHP, Python, </a:t>
-            </a:r>
-            <a:r>
-              <a:rPr lang="en-US" dirty="0" smtClean="0"/>
-              <a:t>Ruby</a:t>
+              <a:t>JavaScript, Perl, PHP, Python, Ruby</a:t>
             </a:r>
             <a:endParaRPr lang="en-US" dirty="0"/>
           </a:p>
@@ -8314,11 +8310,7 @@
           <a:p>
             <a:r>
               <a:rPr lang="en-US" dirty="0" smtClean="0"/>
-              <a:t>Design </a:t>
-            </a:r>
-            <a:r>
-              <a:rPr lang="en-US" dirty="0" smtClean="0"/>
-              <a:t>Principles</a:t>
+              <a:t>Design Principles</a:t>
             </a:r>
             <a:endParaRPr lang="en-US" dirty="0"/>
           </a:p>
@@ -15411,11 +15403,7 @@
           <a:p>
             <a:r>
               <a:rPr lang="en-US" dirty="0" smtClean="0"/>
-              <a:t>Day of week</a:t>
-            </a:r>
-            <a:r>
-              <a:rPr lang="en-US" dirty="0" smtClean="0"/>
-              <a:t>, for example </a:t>
+              <a:t>Day of week, for example </a:t>
             </a:r>
             <a:r>
               <a:rPr lang="en-US" dirty="0" err="1" smtClean="0">
@@ -15851,7 +15839,15 @@
           <a:p>
             <a:r>
               <a:rPr lang="en-US" dirty="0" smtClean="0"/>
-              <a:t>Custom formats can be used</a:t>
+              <a:t>Custom formats can be </a:t>
+            </a:r>
+            <a:r>
+              <a:rPr lang="en-US" dirty="0" smtClean="0"/>
+              <a:t>used, includin</a:t>
+            </a:r>
+            <a:r>
+              <a:rPr lang="en-US" dirty="0" smtClean="0"/>
+              <a:t>g am/ pm for time</a:t>
             </a:r>
             <a:endParaRPr lang="en-US" dirty="0"/>
           </a:p>
@@ -16195,11 +16191,7 @@
           <a:p>
             <a:r>
               <a:rPr lang="en-US" dirty="0" smtClean="0"/>
-              <a:t>Millisecond </a:t>
-            </a:r>
-            <a:r>
-              <a:rPr lang="en-US" dirty="0" smtClean="0"/>
-              <a:t>granularity</a:t>
+              <a:t>Millisecond granularity</a:t>
             </a:r>
           </a:p>
           <a:p>
@@ -16929,11 +16921,7 @@
           <a:p>
             <a:r>
               <a:rPr lang="en-US" dirty="0" smtClean="0"/>
-              <a:t>Conceptually </a:t>
-            </a:r>
-            <a:r>
-              <a:rPr lang="en-US" dirty="0" smtClean="0"/>
-              <a:t>an instant, </a:t>
+              <a:t>Conceptually an instant, </a:t>
             </a:r>
             <a:r>
               <a:rPr lang="en-US" dirty="0"/>
@@ -16989,11 +16977,7 @@
           <a:p>
             <a:r>
               <a:rPr lang="en-US" dirty="0" smtClean="0"/>
-              <a:t>Zero-based </a:t>
-            </a:r>
-            <a:r>
-              <a:rPr lang="en-US" dirty="0" smtClean="0"/>
-              <a:t>offsets</a:t>
+              <a:t>Zero-based offsets</a:t>
             </a:r>
           </a:p>
           <a:p>
@@ -18052,11 +18036,7 @@
           <a:p>
             <a:r>
               <a:rPr lang="en-US" dirty="0" smtClean="0"/>
-              <a:t>Problems Getting a </a:t>
-            </a:r>
-            <a:r>
-              <a:rPr lang="en-US" dirty="0" smtClean="0"/>
-              <a:t>Date</a:t>
+              <a:t>Problems Getting a Date</a:t>
             </a:r>
             <a:endParaRPr lang="en-US" dirty="0"/>
           </a:p>
@@ -19271,7 +19251,7 @@
   <a:extraClrSchemeLst/>
   <a:extLst>
     <a:ext uri="{05A4C25C-085E-4340-85A3-A5531E510DB2}">
-      <thm15:themeFamily xmlns:thm15="http://schemas.microsoft.com/office/thememl/2012/main" xmlns="" name="Presentation level design" id="{00E2FDB5-77A3-416C-8232-A2B8AB0B9A01}" vid="{6E3E8A63-E899-4F92-AFE5-C80B3CCFC0BD}"/>
+      <thm15:themeFamily xmlns="" xmlns:thm15="http://schemas.microsoft.com/office/thememl/2012/main" name="Presentation level design" id="{00E2FDB5-77A3-416C-8232-A2B8AB0B9A01}" vid="{6E3E8A63-E899-4F92-AFE5-C80B3CCFC0BD}"/>
     </a:ext>
   </a:extLst>
 </a:theme>

--- a/Java 8 Date and Time API.pptx
+++ b/Java 8 Date and Time API.pptx
@@ -10,10 +10,10 @@
     <p:sldId id="257" r:id="rId4"/>
     <p:sldId id="258" r:id="rId5"/>
     <p:sldId id="259" r:id="rId6"/>
-    <p:sldId id="262" r:id="rId7"/>
-    <p:sldId id="261" r:id="rId8"/>
-    <p:sldId id="264" r:id="rId9"/>
-    <p:sldId id="265" r:id="rId10"/>
+    <p:sldId id="264" r:id="rId7"/>
+    <p:sldId id="265" r:id="rId8"/>
+    <p:sldId id="262" r:id="rId9"/>
+    <p:sldId id="261" r:id="rId10"/>
     <p:sldId id="268" r:id="rId11"/>
     <p:sldId id="267" r:id="rId12"/>
     <p:sldId id="279" r:id="rId13"/>
@@ -41,8 +41,8 @@
     <p:sldId id="299" r:id="rId35"/>
     <p:sldId id="284" r:id="rId36"/>
     <p:sldId id="287" r:id="rId37"/>
-    <p:sldId id="292" r:id="rId38"/>
-    <p:sldId id="293" r:id="rId39"/>
+    <p:sldId id="293" r:id="rId38"/>
+    <p:sldId id="292" r:id="rId39"/>
     <p:sldId id="295" r:id="rId40"/>
     <p:sldId id="290" r:id="rId41"/>
     <p:sldId id="291" r:id="rId42"/>
@@ -155,10 +155,10 @@
             <p14:sldId id="257"/>
             <p14:sldId id="258"/>
             <p14:sldId id="259"/>
+            <p14:sldId id="264"/>
+            <p14:sldId id="265"/>
             <p14:sldId id="262"/>
             <p14:sldId id="261"/>
-            <p14:sldId id="264"/>
-            <p14:sldId id="265"/>
             <p14:sldId id="268"/>
             <p14:sldId id="267"/>
             <p14:sldId id="279"/>
@@ -190,8 +190,8 @@
             <p14:sldId id="299"/>
             <p14:sldId id="284"/>
             <p14:sldId id="287"/>
+            <p14:sldId id="293"/>
             <p14:sldId id="292"/>
-            <p14:sldId id="293"/>
             <p14:sldId id="295"/>
             <p14:sldId id="290"/>
             <p14:sldId id="291"/>
@@ -563,7 +563,7 @@
           <a:p>
             <a:fld id="{9FC8350F-9398-41A4-A7C8-75E8E1FDC641}" type="datetimeFigureOut">
               <a:rPr lang="en-US" smtClean="0"/>
-              <a:t>4/4/2014</a:t>
+              <a:t>4/16/2014</a:t>
             </a:fld>
             <a:endParaRPr lang="en-US"/>
           </a:p>
@@ -809,7 +809,7 @@
           <a:p>
             <a:fld id="{4521DC5A-3FE3-4FD1-BF87-57592AFF8A1E}" type="datetimeFigureOut">
               <a:rPr lang="en-US" smtClean="0"/>
-              <a:t>4/4/2014</a:t>
+              <a:t>4/16/2014</a:t>
             </a:fld>
             <a:endParaRPr lang="en-US"/>
           </a:p>
@@ -1055,7 +1055,7 @@
           <a:p>
             <a:fld id="{4521DC5A-3FE3-4FD1-BF87-57592AFF8A1E}" type="datetimeFigureOut">
               <a:rPr lang="en-US" smtClean="0"/>
-              <a:t>4/4/2014</a:t>
+              <a:t>4/16/2014</a:t>
             </a:fld>
             <a:endParaRPr lang="en-US"/>
           </a:p>
@@ -1301,7 +1301,7 @@
           <a:p>
             <a:fld id="{4521DC5A-3FE3-4FD1-BF87-57592AFF8A1E}" type="datetimeFigureOut">
               <a:rPr lang="en-US" smtClean="0"/>
-              <a:t>4/4/2014</a:t>
+              <a:t>4/16/2014</a:t>
             </a:fld>
             <a:endParaRPr lang="en-US"/>
           </a:p>
@@ -1559,7 +1559,7 @@
           <a:p>
             <a:fld id="{4521DC5A-3FE3-4FD1-BF87-57592AFF8A1E}" type="datetimeFigureOut">
               <a:rPr lang="en-US" smtClean="0"/>
-              <a:t>4/4/2014</a:t>
+              <a:t>4/16/2014</a:t>
             </a:fld>
             <a:endParaRPr lang="en-US"/>
           </a:p>
@@ -1921,7 +1921,7 @@
           <a:p>
             <a:fld id="{4521DC5A-3FE3-4FD1-BF87-57592AFF8A1E}" type="datetimeFigureOut">
               <a:rPr lang="en-US" smtClean="0"/>
-              <a:t>4/4/2014</a:t>
+              <a:t>4/16/2014</a:t>
             </a:fld>
             <a:endParaRPr lang="en-US"/>
           </a:p>
@@ -2419,7 +2419,7 @@
           <a:p>
             <a:fld id="{4521DC5A-3FE3-4FD1-BF87-57592AFF8A1E}" type="datetimeFigureOut">
               <a:rPr lang="en-US" smtClean="0"/>
-              <a:t>4/4/2014</a:t>
+              <a:t>4/16/2014</a:t>
             </a:fld>
             <a:endParaRPr lang="en-US"/>
           </a:p>
@@ -2605,7 +2605,7 @@
           <a:p>
             <a:fld id="{4521DC5A-3FE3-4FD1-BF87-57592AFF8A1E}" type="datetimeFigureOut">
               <a:rPr lang="en-US" smtClean="0"/>
-              <a:t>4/4/2014</a:t>
+              <a:t>4/16/2014</a:t>
             </a:fld>
             <a:endParaRPr lang="en-US"/>
           </a:p>
@@ -2760,7 +2760,7 @@
           <a:p>
             <a:fld id="{4521DC5A-3FE3-4FD1-BF87-57592AFF8A1E}" type="datetimeFigureOut">
               <a:rPr lang="en-US" smtClean="0"/>
-              <a:t>4/4/2014</a:t>
+              <a:t>4/16/2014</a:t>
             </a:fld>
             <a:endParaRPr lang="en-US"/>
           </a:p>
@@ -3106,7 +3106,7 @@
           <a:p>
             <a:fld id="{4521DC5A-3FE3-4FD1-BF87-57592AFF8A1E}" type="datetimeFigureOut">
               <a:rPr lang="en-US" smtClean="0"/>
-              <a:t>4/4/2014</a:t>
+              <a:t>4/16/2014</a:t>
             </a:fld>
             <a:endParaRPr lang="en-US"/>
           </a:p>
@@ -3432,7 +3432,7 @@
           <a:p>
             <a:fld id="{4521DC5A-3FE3-4FD1-BF87-57592AFF8A1E}" type="datetimeFigureOut">
               <a:rPr lang="en-US" smtClean="0"/>
-              <a:t>4/4/2014</a:t>
+              <a:t>4/16/2014</a:t>
             </a:fld>
             <a:endParaRPr lang="en-US"/>
           </a:p>
@@ -4022,7 +4022,7 @@
           <a:p>
             <a:fld id="{4521DC5A-3FE3-4FD1-BF87-57592AFF8A1E}" type="datetimeFigureOut">
               <a:rPr lang="en-US" smtClean="0"/>
-              <a:t>4/4/2014</a:t>
+              <a:t>4/16/2014</a:t>
             </a:fld>
             <a:endParaRPr lang="en-US"/>
           </a:p>
@@ -5279,7 +5279,7 @@
               <a:rPr lang="en-US" dirty="0" smtClean="0">
                 <a:cs typeface="Consolas" panose="020B0609020204030204" pitchFamily="49" charset="0"/>
               </a:rPr>
-              <a:t>Year is 12 AD.</a:t>
+              <a:t>Year is 12 CE.</a:t>
             </a:r>
           </a:p>
           <a:p>
@@ -5364,7 +5364,7 @@
           <a:lstStyle/>
           <a:p>
             <a:r>
-              <a:rPr lang="en-US" sz="2800" dirty="0" err="1">
+              <a:rPr lang="en-US" sz="2800" dirty="0" err="1" smtClean="0">
                 <a:latin typeface="Consolas" panose="020B0609020204030204" pitchFamily="49" charset="0"/>
                 <a:cs typeface="Consolas" panose="020B0609020204030204" pitchFamily="49" charset="0"/>
               </a:rPr>
@@ -5391,17 +5391,10 @@
                 <a:latin typeface="Consolas" panose="020B0609020204030204" pitchFamily="49" charset="0"/>
                 <a:cs typeface="Consolas" panose="020B0609020204030204" pitchFamily="49" charset="0"/>
               </a:rPr>
-              <a:t>(12</a:t>
-            </a:r>
-            <a:r>
-              <a:rPr lang="en-US" sz="2800" b="1" dirty="0">
-                <a:latin typeface="Consolas" panose="020B0609020204030204" pitchFamily="49" charset="0"/>
-                <a:cs typeface="Consolas" panose="020B0609020204030204" pitchFamily="49" charset="0"/>
-              </a:rPr>
-              <a:t>, 12, 12)</a:t>
-            </a:r>
-            <a:r>
-              <a:rPr lang="en-US" sz="2800" dirty="0">
+              <a:t>(12, 12, 12)</a:t>
+            </a:r>
+            <a:r>
+              <a:rPr lang="en-US" sz="2800" dirty="0" smtClean="0">
                 <a:latin typeface="Consolas" panose="020B0609020204030204" pitchFamily="49" charset="0"/>
                 <a:cs typeface="Consolas" panose="020B0609020204030204" pitchFamily="49" charset="0"/>
               </a:rPr>
@@ -5409,6 +5402,18 @@
             </a:r>
           </a:p>
           <a:p>
+            <a:r>
+              <a:rPr lang="en-US" sz="2400" dirty="0" smtClean="0">
+                <a:solidFill>
+                  <a:schemeClr val="accent6">
+                    <a:lumMod val="75000"/>
+                  </a:schemeClr>
+                </a:solidFill>
+                <a:latin typeface="Consolas" panose="020B0609020204030204" pitchFamily="49" charset="0"/>
+                <a:cs typeface="Consolas" panose="020B0609020204030204" pitchFamily="49" charset="0"/>
+              </a:rPr>
+              <a:t>// </a:t>
+            </a:r>
             <a:r>
               <a:rPr lang="en-US" sz="2400" dirty="0">
                 <a:solidFill>
@@ -5419,7 +5424,7 @@
                 <a:latin typeface="Consolas" panose="020B0609020204030204" pitchFamily="49" charset="0"/>
                 <a:cs typeface="Consolas" panose="020B0609020204030204" pitchFamily="49" charset="0"/>
               </a:rPr>
-              <a:t>// 0012-12-12</a:t>
+              <a:t>0012-12-12</a:t>
             </a:r>
           </a:p>
         </p:txBody>
@@ -5458,9 +5463,6 @@
                     <p:cTn id="3" fill="hold">
                       <p:stCondLst>
                         <p:cond delay="indefinite"/>
-                        <p:cond evt="onBegin" delay="0">
-                          <p:tn val="2"/>
-                        </p:cond>
                       </p:stCondLst>
                       <p:childTnLst>
                         <p:par>
@@ -5470,14 +5472,66 @@
                             </p:stCondLst>
                             <p:childTnLst>
                               <p:par>
-                                <p:cTn id="5" presetID="2" presetClass="entr" presetSubtype="4" fill="hold" nodeType="afterEffect">
+                                <p:cTn id="5" presetID="10" presetClass="entr" presetSubtype="0" fill="hold" nodeType="clickEffect">
+                                  <p:stCondLst>
+                                    <p:cond delay="0"/>
+                                  </p:stCondLst>
+                                  <p:childTnLst>
+                                    <p:set>
+                                      <p:cBhvr>
+                                        <p:cTn id="6" dur="1" fill="hold">
+                                          <p:stCondLst>
+                                            <p:cond delay="0"/>
+                                          </p:stCondLst>
+                                        </p:cTn>
+                                        <p:tgtEl>
+                                          <p:spTgt spid="4">
+                                            <p:txEl>
+                                              <p:pRg st="2" end="2"/>
+                                            </p:txEl>
+                                          </p:spTgt>
+                                        </p:tgtEl>
+                                        <p:attrNameLst>
+                                          <p:attrName>style.visibility</p:attrName>
+                                        </p:attrNameLst>
+                                      </p:cBhvr>
+                                      <p:to>
+                                        <p:strVal val="visible"/>
+                                      </p:to>
+                                    </p:set>
+                                    <p:animEffect transition="in" filter="fade">
+                                      <p:cBhvr>
+                                        <p:cTn id="7" dur="500"/>
+                                        <p:tgtEl>
+                                          <p:spTgt spid="4">
+                                            <p:txEl>
+                                              <p:pRg st="2" end="2"/>
+                                            </p:txEl>
+                                          </p:spTgt>
+                                        </p:tgtEl>
+                                      </p:cBhvr>
+                                    </p:animEffect>
+                                  </p:childTnLst>
+                                </p:cTn>
+                              </p:par>
+                            </p:childTnLst>
+                          </p:cTn>
+                        </p:par>
+                        <p:par>
+                          <p:cTn id="8" fill="hold">
+                            <p:stCondLst>
+                              <p:cond delay="500"/>
+                            </p:stCondLst>
+                            <p:childTnLst>
+                              <p:par>
+                                <p:cTn id="9" presetID="2" presetClass="entr" presetSubtype="4" fill="hold" nodeType="afterEffect">
                                   <p:stCondLst>
                                     <p:cond delay="500"/>
                                   </p:stCondLst>
                                   <p:childTnLst>
                                     <p:set>
                                       <p:cBhvr>
-                                        <p:cTn id="6" dur="1" fill="hold">
+                                        <p:cTn id="10" dur="1" fill="hold">
                                           <p:stCondLst>
                                             <p:cond delay="0"/>
                                           </p:stCondLst>
@@ -5499,7 +5553,7 @@
                                     </p:set>
                                     <p:anim calcmode="lin" valueType="num">
                                       <p:cBhvr additive="base">
-                                        <p:cTn id="7" dur="500" fill="hold"/>
+                                        <p:cTn id="11" dur="500" fill="hold"/>
                                         <p:tgtEl>
                                           <p:spTgt spid="3">
                                             <p:txEl>
@@ -5526,7 +5580,7 @@
                                     </p:anim>
                                     <p:anim calcmode="lin" valueType="num">
                                       <p:cBhvr additive="base">
-                                        <p:cTn id="8" dur="500" fill="hold"/>
+                                        <p:cTn id="12" dur="500" fill="hold"/>
                                         <p:tgtEl>
                                           <p:spTgt spid="3">
                                             <p:txEl>
@@ -5561,87 +5615,26 @@
                     </p:cTn>
                   </p:par>
                   <p:par>
-                    <p:cTn id="9" fill="hold">
+                    <p:cTn id="13" fill="hold">
                       <p:stCondLst>
                         <p:cond delay="indefinite"/>
                       </p:stCondLst>
                       <p:childTnLst>
                         <p:par>
-                          <p:cTn id="10" fill="hold">
+                          <p:cTn id="14" fill="hold">
                             <p:stCondLst>
                               <p:cond delay="0"/>
                             </p:stCondLst>
                             <p:childTnLst>
                               <p:par>
-                                <p:cTn id="11" presetID="10" presetClass="entr" presetSubtype="0" fill="hold" nodeType="clickEffect">
+                                <p:cTn id="15" presetID="2" presetClass="entr" presetSubtype="4" fill="hold" nodeType="clickEffect">
                                   <p:stCondLst>
                                     <p:cond delay="0"/>
                                   </p:stCondLst>
                                   <p:childTnLst>
                                     <p:set>
                                       <p:cBhvr>
-                                        <p:cTn id="12" dur="1" fill="hold">
-                                          <p:stCondLst>
-                                            <p:cond delay="0"/>
-                                          </p:stCondLst>
-                                        </p:cTn>
-                                        <p:tgtEl>
-                                          <p:spTgt spid="4">
-                                            <p:txEl>
-                                              <p:pRg st="2" end="2"/>
-                                            </p:txEl>
-                                          </p:spTgt>
-                                        </p:tgtEl>
-                                        <p:attrNameLst>
-                                          <p:attrName>style.visibility</p:attrName>
-                                        </p:attrNameLst>
-                                      </p:cBhvr>
-                                      <p:to>
-                                        <p:strVal val="visible"/>
-                                      </p:to>
-                                    </p:set>
-                                    <p:animEffect transition="in" filter="fade">
-                                      <p:cBhvr>
-                                        <p:cTn id="13" dur="500"/>
-                                        <p:tgtEl>
-                                          <p:spTgt spid="4">
-                                            <p:txEl>
-                                              <p:pRg st="2" end="2"/>
-                                            </p:txEl>
-                                          </p:spTgt>
-                                        </p:tgtEl>
-                                      </p:cBhvr>
-                                    </p:animEffect>
-                                  </p:childTnLst>
-                                </p:cTn>
-                              </p:par>
-                            </p:childTnLst>
-                          </p:cTn>
-                        </p:par>
-                      </p:childTnLst>
-                    </p:cTn>
-                  </p:par>
-                  <p:par>
-                    <p:cTn id="14" fill="hold">
-                      <p:stCondLst>
-                        <p:cond delay="indefinite"/>
-                      </p:stCondLst>
-                      <p:childTnLst>
-                        <p:par>
-                          <p:cTn id="15" fill="hold">
-                            <p:stCondLst>
-                              <p:cond delay="0"/>
-                            </p:stCondLst>
-                            <p:childTnLst>
-                              <p:par>
-                                <p:cTn id="16" presetID="2" presetClass="entr" presetSubtype="4" fill="hold" nodeType="clickEffect">
-                                  <p:stCondLst>
-                                    <p:cond delay="0"/>
-                                  </p:stCondLst>
-                                  <p:childTnLst>
-                                    <p:set>
-                                      <p:cBhvr>
-                                        <p:cTn id="17" dur="1" fill="hold">
+                                        <p:cTn id="16" dur="1" fill="hold">
                                           <p:stCondLst>
                                             <p:cond delay="0"/>
                                           </p:stCondLst>
@@ -5663,7 +5656,7 @@
                                     </p:set>
                                     <p:anim calcmode="lin" valueType="num">
                                       <p:cBhvr additive="base">
-                                        <p:cTn id="18" dur="500" fill="hold"/>
+                                        <p:cTn id="17" dur="500" fill="hold"/>
                                         <p:tgtEl>
                                           <p:spTgt spid="3">
                                             <p:txEl>
@@ -5690,7 +5683,7 @@
                                     </p:anim>
                                     <p:anim calcmode="lin" valueType="num">
                                       <p:cBhvr additive="base">
-                                        <p:cTn id="19" dur="500" fill="hold"/>
+                                        <p:cTn id="18" dur="500" fill="hold"/>
                                         <p:tgtEl>
                                           <p:spTgt spid="3">
                                             <p:txEl>
@@ -5725,26 +5718,26 @@
                     </p:cTn>
                   </p:par>
                   <p:par>
-                    <p:cTn id="20" fill="hold">
+                    <p:cTn id="19" fill="hold">
                       <p:stCondLst>
                         <p:cond delay="indefinite"/>
                       </p:stCondLst>
                       <p:childTnLst>
                         <p:par>
-                          <p:cTn id="21" fill="hold">
+                          <p:cTn id="20" fill="hold">
                             <p:stCondLst>
                               <p:cond delay="0"/>
                             </p:stCondLst>
                             <p:childTnLst>
                               <p:par>
-                                <p:cTn id="22" presetID="2" presetClass="entr" presetSubtype="4" fill="hold" nodeType="clickEffect">
+                                <p:cTn id="21" presetID="2" presetClass="entr" presetSubtype="4" fill="hold" nodeType="clickEffect">
                                   <p:stCondLst>
                                     <p:cond delay="0"/>
                                   </p:stCondLst>
                                   <p:childTnLst>
                                     <p:set>
                                       <p:cBhvr>
-                                        <p:cTn id="23" dur="1" fill="hold">
+                                        <p:cTn id="22" dur="1" fill="hold">
                                           <p:stCondLst>
                                             <p:cond delay="0"/>
                                           </p:stCondLst>
@@ -5766,7 +5759,7 @@
                                     </p:set>
                                     <p:anim calcmode="lin" valueType="num">
                                       <p:cBhvr additive="base">
-                                        <p:cTn id="24" dur="500" fill="hold"/>
+                                        <p:cTn id="23" dur="500" fill="hold"/>
                                         <p:tgtEl>
                                           <p:spTgt spid="3">
                                             <p:txEl>
@@ -5793,7 +5786,7 @@
                                     </p:anim>
                                     <p:anim calcmode="lin" valueType="num">
                                       <p:cBhvr additive="base">
-                                        <p:cTn id="25" dur="500" fill="hold"/>
+                                        <p:cTn id="24" dur="500" fill="hold"/>
                                         <p:tgtEl>
                                           <p:spTgt spid="3">
                                             <p:txEl>
@@ -5828,26 +5821,26 @@
                     </p:cTn>
                   </p:par>
                   <p:par>
-                    <p:cTn id="26" fill="hold">
+                    <p:cTn id="25" fill="hold">
                       <p:stCondLst>
                         <p:cond delay="indefinite"/>
                       </p:stCondLst>
                       <p:childTnLst>
                         <p:par>
-                          <p:cTn id="27" fill="hold">
+                          <p:cTn id="26" fill="hold">
                             <p:stCondLst>
                               <p:cond delay="0"/>
                             </p:stCondLst>
                             <p:childTnLst>
                               <p:par>
-                                <p:cTn id="28" presetID="2" presetClass="entr" presetSubtype="4" fill="hold" nodeType="clickEffect">
+                                <p:cTn id="27" presetID="2" presetClass="entr" presetSubtype="4" fill="hold" nodeType="clickEffect">
                                   <p:stCondLst>
                                     <p:cond delay="0"/>
                                   </p:stCondLst>
                                   <p:childTnLst>
                                     <p:set>
                                       <p:cBhvr>
-                                        <p:cTn id="29" dur="1" fill="hold">
+                                        <p:cTn id="28" dur="1" fill="hold">
                                           <p:stCondLst>
                                             <p:cond delay="0"/>
                                           </p:stCondLst>
@@ -5869,7 +5862,7 @@
                                     </p:set>
                                     <p:anim calcmode="lin" valueType="num">
                                       <p:cBhvr additive="base">
-                                        <p:cTn id="30" dur="500" fill="hold"/>
+                                        <p:cTn id="29" dur="500" fill="hold"/>
                                         <p:tgtEl>
                                           <p:spTgt spid="3">
                                             <p:txEl>
@@ -5896,7 +5889,7 @@
                                     </p:anim>
                                     <p:anim calcmode="lin" valueType="num">
                                       <p:cBhvr additive="base">
-                                        <p:cTn id="31" dur="500" fill="hold"/>
+                                        <p:cTn id="30" dur="500" fill="hold"/>
                                         <p:tgtEl>
                                           <p:spTgt spid="3">
                                             <p:txEl>
@@ -5931,26 +5924,26 @@
                     </p:cTn>
                   </p:par>
                   <p:par>
-                    <p:cTn id="32" fill="hold">
+                    <p:cTn id="31" fill="hold">
                       <p:stCondLst>
                         <p:cond delay="indefinite"/>
                       </p:stCondLst>
                       <p:childTnLst>
                         <p:par>
-                          <p:cTn id="33" fill="hold">
+                          <p:cTn id="32" fill="hold">
                             <p:stCondLst>
                               <p:cond delay="0"/>
                             </p:stCondLst>
                             <p:childTnLst>
                               <p:par>
-                                <p:cTn id="34" presetID="2" presetClass="entr" presetSubtype="4" fill="hold" nodeType="clickEffect">
+                                <p:cTn id="33" presetID="2" presetClass="entr" presetSubtype="4" fill="hold" nodeType="clickEffect">
                                   <p:stCondLst>
                                     <p:cond delay="0"/>
                                   </p:stCondLst>
                                   <p:childTnLst>
                                     <p:set>
                                       <p:cBhvr>
-                                        <p:cTn id="35" dur="1" fill="hold">
+                                        <p:cTn id="34" dur="1" fill="hold">
                                           <p:stCondLst>
                                             <p:cond delay="0"/>
                                           </p:stCondLst>
@@ -5972,7 +5965,7 @@
                                     </p:set>
                                     <p:anim calcmode="lin" valueType="num">
                                       <p:cBhvr additive="base">
-                                        <p:cTn id="36" dur="500" fill="hold"/>
+                                        <p:cTn id="35" dur="500" fill="hold"/>
                                         <p:tgtEl>
                                           <p:spTgt spid="3">
                                             <p:txEl>
@@ -5999,7 +5992,7 @@
                                     </p:anim>
                                     <p:anim calcmode="lin" valueType="num">
                                       <p:cBhvr additive="base">
-                                        <p:cTn id="37" dur="500" fill="hold"/>
+                                        <p:cTn id="36" dur="500" fill="hold"/>
                                         <p:tgtEl>
                                           <p:spTgt spid="3">
                                             <p:txEl>
@@ -6034,26 +6027,26 @@
                     </p:cTn>
                   </p:par>
                   <p:par>
-                    <p:cTn id="38" fill="hold">
+                    <p:cTn id="37" fill="hold">
                       <p:stCondLst>
                         <p:cond delay="indefinite"/>
                       </p:stCondLst>
                       <p:childTnLst>
                         <p:par>
-                          <p:cTn id="39" fill="hold">
+                          <p:cTn id="38" fill="hold">
                             <p:stCondLst>
                               <p:cond delay="0"/>
                             </p:stCondLst>
                             <p:childTnLst>
                               <p:par>
-                                <p:cTn id="40" presetID="2" presetClass="entr" presetSubtype="4" fill="hold" nodeType="clickEffect">
+                                <p:cTn id="39" presetID="2" presetClass="entr" presetSubtype="4" fill="hold" nodeType="clickEffect">
                                   <p:stCondLst>
                                     <p:cond delay="0"/>
                                   </p:stCondLst>
                                   <p:childTnLst>
                                     <p:set>
                                       <p:cBhvr>
-                                        <p:cTn id="41" dur="1" fill="hold">
+                                        <p:cTn id="40" dur="1" fill="hold">
                                           <p:stCondLst>
                                             <p:cond delay="0"/>
                                           </p:stCondLst>
@@ -6075,7 +6068,7 @@
                                     </p:set>
                                     <p:anim calcmode="lin" valueType="num">
                                       <p:cBhvr additive="base">
-                                        <p:cTn id="42" dur="500" fill="hold"/>
+                                        <p:cTn id="41" dur="500" fill="hold"/>
                                         <p:tgtEl>
                                           <p:spTgt spid="3">
                                             <p:txEl>
@@ -6102,7 +6095,7 @@
                                     </p:anim>
                                     <p:anim calcmode="lin" valueType="num">
                                       <p:cBhvr additive="base">
-                                        <p:cTn id="43" dur="500" fill="hold"/>
+                                        <p:cTn id="42" dur="500" fill="hold"/>
                                         <p:tgtEl>
                                           <p:spTgt spid="3">
                                             <p:txEl>
@@ -7880,19 +7873,19 @@
           <a:p>
             <a:r>
               <a:rPr lang="en-US" dirty="0" smtClean="0"/>
-              <a:t>Review of the current date and time API</a:t>
-            </a:r>
-          </a:p>
-          <a:p>
-            <a:r>
-              <a:rPr lang="en-US" dirty="0" smtClean="0"/>
-              <a:t>Date and time concepts</a:t>
-            </a:r>
-          </a:p>
-          <a:p>
-            <a:r>
-              <a:rPr lang="en-US" dirty="0" smtClean="0"/>
-              <a:t>Survey of the new </a:t>
+              <a:t>Review the current date and time API</a:t>
+            </a:r>
+          </a:p>
+          <a:p>
+            <a:r>
+              <a:rPr lang="en-US" dirty="0" smtClean="0"/>
+              <a:t>Understand date and time concepts</a:t>
+            </a:r>
+          </a:p>
+          <a:p>
+            <a:r>
+              <a:rPr lang="en-US" dirty="0" smtClean="0"/>
+              <a:t>Take a look at the new </a:t>
             </a:r>
             <a:r>
               <a:rPr lang="en-US" dirty="0"/>
@@ -8410,12 +8403,6 @@
             </a:r>
           </a:p>
           <a:p>
-            <a:r>
-              <a:rPr lang="en-US" dirty="0" smtClean="0"/>
-              <a:t>Stores </a:t>
-            </a:r>
-          </a:p>
-          <a:p>
             <a:pPr lvl="1"/>
             <a:r>
               <a:rPr lang="en-US" dirty="0" smtClean="0">
@@ -8426,15 +8413,7 @@
             </a:r>
             <a:r>
               <a:rPr lang="en-US" dirty="0" smtClean="0"/>
-              <a:t> for </a:t>
-            </a:r>
-            <a:r>
-              <a:rPr lang="en-US" dirty="0"/>
-              <a:t>seconds since epoch, </a:t>
-            </a:r>
-            <a:r>
-              <a:rPr lang="en-US" dirty="0" smtClean="0"/>
-              <a:t>and</a:t>
+              <a:t> for seconds since epoch, and</a:t>
             </a:r>
           </a:p>
           <a:p>
@@ -8576,11 +8555,11 @@
             </a:r>
             <a:r>
               <a:rPr lang="en-US" dirty="0" smtClean="0"/>
-              <a:t>time that cannot specify </a:t>
+              <a:t>time that cannot identify a </a:t>
             </a:r>
             <a:r>
               <a:rPr lang="en-US" dirty="0"/>
-              <a:t>a specific, unique </a:t>
+              <a:t>specific, unique </a:t>
             </a:r>
             <a:r>
               <a:rPr lang="en-US" dirty="0" smtClean="0"/>
@@ -8619,7 +8598,10 @@
               <a:t> </a:t>
             </a:r>
             <a:r>
-              <a:rPr lang="en-US" dirty="0" err="1" smtClean="0"/>
+              <a:rPr lang="en-US" dirty="0" err="1" smtClean="0">
+                <a:latin typeface="Consolas" panose="020B0609020204030204" pitchFamily="49" charset="0"/>
+                <a:cs typeface="Consolas" panose="020B0609020204030204" pitchFamily="49" charset="0"/>
+              </a:rPr>
               <a:t>LocalDate</a:t>
             </a:r>
             <a:r>
@@ -8627,7 +8609,10 @@
               <a:t> and </a:t>
             </a:r>
             <a:r>
-              <a:rPr lang="en-US" dirty="0" err="1" smtClean="0"/>
+              <a:rPr lang="en-US" dirty="0" err="1">
+                <a:latin typeface="Consolas" panose="020B0609020204030204" pitchFamily="49" charset="0"/>
+                <a:cs typeface="Consolas" panose="020B0609020204030204" pitchFamily="49" charset="0"/>
+              </a:rPr>
               <a:t>LocalTime</a:t>
             </a:r>
             <a:r>
@@ -8641,7 +8626,10 @@
               <a:t>Others like </a:t>
             </a:r>
             <a:r>
-              <a:rPr lang="en-US" dirty="0" err="1" smtClean="0"/>
+              <a:rPr lang="en-US" dirty="0" err="1">
+                <a:latin typeface="Consolas" panose="020B0609020204030204" pitchFamily="49" charset="0"/>
+                <a:cs typeface="Consolas" panose="020B0609020204030204" pitchFamily="49" charset="0"/>
+              </a:rPr>
               <a:t>MonthDay</a:t>
             </a:r>
             <a:r>
@@ -8649,7 +8637,10 @@
               <a:t>, </a:t>
             </a:r>
             <a:r>
-              <a:rPr lang="en-US" dirty="0" err="1" smtClean="0"/>
+              <a:rPr lang="en-US" dirty="0" err="1">
+                <a:latin typeface="Consolas" panose="020B0609020204030204" pitchFamily="49" charset="0"/>
+                <a:cs typeface="Consolas" panose="020B0609020204030204" pitchFamily="49" charset="0"/>
+              </a:rPr>
               <a:t>YearMonth</a:t>
             </a:r>
             <a:r>
@@ -9092,8 +9083,13 @@
             </a:r>
             <a:r>
               <a:rPr lang="en-US" dirty="0"/>
-              <a:t>from UTC (UTC-12 to UTC+12)</a:t>
-            </a:r>
+              <a:t>from UTC (UTC-12 to </a:t>
+            </a:r>
+            <a:r>
+              <a:rPr lang="en-US" dirty="0" smtClean="0"/>
+              <a:t>UTC+14)</a:t>
+            </a:r>
+            <a:endParaRPr lang="en-US" dirty="0"/>
           </a:p>
           <a:p>
             <a:r>
@@ -10213,7 +10209,7 @@
               <a:rPr lang="en-US" dirty="0" smtClean="0">
                 <a:cs typeface="Consolas" panose="020B0609020204030204" pitchFamily="49" charset="0"/>
               </a:rPr>
-              <a:t>is 12 AD, right? Wrong. 1913.</a:t>
+              <a:t>is 12 CE, right? Wrong. 1913.</a:t>
             </a:r>
           </a:p>
           <a:p>
@@ -10398,9 +10394,6 @@
                     <p:cTn id="3" fill="hold">
                       <p:stCondLst>
                         <p:cond delay="indefinite"/>
-                        <p:cond evt="onBegin" delay="0">
-                          <p:tn val="2"/>
-                        </p:cond>
                       </p:stCondLst>
                       <p:childTnLst>
                         <p:par>
@@ -10410,14 +10403,66 @@
                             </p:stCondLst>
                             <p:childTnLst>
                               <p:par>
-                                <p:cTn id="5" presetID="2" presetClass="entr" presetSubtype="4" fill="hold" nodeType="afterEffect">
+                                <p:cTn id="5" presetID="10" presetClass="entr" presetSubtype="0" fill="hold" nodeType="clickEffect">
+                                  <p:stCondLst>
+                                    <p:cond delay="0"/>
+                                  </p:stCondLst>
+                                  <p:childTnLst>
+                                    <p:set>
+                                      <p:cBhvr>
+                                        <p:cTn id="6" dur="1" fill="hold">
+                                          <p:stCondLst>
+                                            <p:cond delay="0"/>
+                                          </p:stCondLst>
+                                        </p:cTn>
+                                        <p:tgtEl>
+                                          <p:spTgt spid="4">
+                                            <p:txEl>
+                                              <p:pRg st="1" end="1"/>
+                                            </p:txEl>
+                                          </p:spTgt>
+                                        </p:tgtEl>
+                                        <p:attrNameLst>
+                                          <p:attrName>style.visibility</p:attrName>
+                                        </p:attrNameLst>
+                                      </p:cBhvr>
+                                      <p:to>
+                                        <p:strVal val="visible"/>
+                                      </p:to>
+                                    </p:set>
+                                    <p:animEffect transition="in" filter="fade">
+                                      <p:cBhvr>
+                                        <p:cTn id="7" dur="500"/>
+                                        <p:tgtEl>
+                                          <p:spTgt spid="4">
+                                            <p:txEl>
+                                              <p:pRg st="1" end="1"/>
+                                            </p:txEl>
+                                          </p:spTgt>
+                                        </p:tgtEl>
+                                      </p:cBhvr>
+                                    </p:animEffect>
+                                  </p:childTnLst>
+                                </p:cTn>
+                              </p:par>
+                            </p:childTnLst>
+                          </p:cTn>
+                        </p:par>
+                        <p:par>
+                          <p:cTn id="8" fill="hold">
+                            <p:stCondLst>
+                              <p:cond delay="500"/>
+                            </p:stCondLst>
+                            <p:childTnLst>
+                              <p:par>
+                                <p:cTn id="9" presetID="2" presetClass="entr" presetSubtype="4" fill="hold" nodeType="afterEffect">
                                   <p:stCondLst>
                                     <p:cond delay="500"/>
                                   </p:stCondLst>
                                   <p:childTnLst>
                                     <p:set>
                                       <p:cBhvr>
-                                        <p:cTn id="6" dur="1" fill="hold">
+                                        <p:cTn id="10" dur="1" fill="hold">
                                           <p:stCondLst>
                                             <p:cond delay="0"/>
                                           </p:stCondLst>
@@ -10439,7 +10484,7 @@
                                     </p:set>
                                     <p:anim calcmode="lin" valueType="num">
                                       <p:cBhvr additive="base">
-                                        <p:cTn id="7" dur="500" fill="hold"/>
+                                        <p:cTn id="11" dur="500" fill="hold"/>
                                         <p:tgtEl>
                                           <p:spTgt spid="3">
                                             <p:txEl>
@@ -10466,7 +10511,7 @@
                                     </p:anim>
                                     <p:anim calcmode="lin" valueType="num">
                                       <p:cBhvr additive="base">
-                                        <p:cTn id="8" dur="500" fill="hold"/>
+                                        <p:cTn id="12" dur="500" fill="hold"/>
                                         <p:tgtEl>
                                           <p:spTgt spid="3">
                                             <p:txEl>
@@ -10501,87 +10546,26 @@
                     </p:cTn>
                   </p:par>
                   <p:par>
-                    <p:cTn id="9" fill="hold">
+                    <p:cTn id="13" fill="hold">
                       <p:stCondLst>
                         <p:cond delay="indefinite"/>
                       </p:stCondLst>
                       <p:childTnLst>
                         <p:par>
-                          <p:cTn id="10" fill="hold">
+                          <p:cTn id="14" fill="hold">
                             <p:stCondLst>
                               <p:cond delay="0"/>
                             </p:stCondLst>
                             <p:childTnLst>
                               <p:par>
-                                <p:cTn id="11" presetID="10" presetClass="entr" presetSubtype="0" fill="hold" nodeType="clickEffect">
+                                <p:cTn id="15" presetID="2" presetClass="entr" presetSubtype="4" fill="hold" nodeType="clickEffect">
                                   <p:stCondLst>
                                     <p:cond delay="0"/>
                                   </p:stCondLst>
                                   <p:childTnLst>
                                     <p:set>
                                       <p:cBhvr>
-                                        <p:cTn id="12" dur="1" fill="hold">
-                                          <p:stCondLst>
-                                            <p:cond delay="0"/>
-                                          </p:stCondLst>
-                                        </p:cTn>
-                                        <p:tgtEl>
-                                          <p:spTgt spid="4">
-                                            <p:txEl>
-                                              <p:pRg st="1" end="1"/>
-                                            </p:txEl>
-                                          </p:spTgt>
-                                        </p:tgtEl>
-                                        <p:attrNameLst>
-                                          <p:attrName>style.visibility</p:attrName>
-                                        </p:attrNameLst>
-                                      </p:cBhvr>
-                                      <p:to>
-                                        <p:strVal val="visible"/>
-                                      </p:to>
-                                    </p:set>
-                                    <p:animEffect transition="in" filter="fade">
-                                      <p:cBhvr>
-                                        <p:cTn id="13" dur="500"/>
-                                        <p:tgtEl>
-                                          <p:spTgt spid="4">
-                                            <p:txEl>
-                                              <p:pRg st="1" end="1"/>
-                                            </p:txEl>
-                                          </p:spTgt>
-                                        </p:tgtEl>
-                                      </p:cBhvr>
-                                    </p:animEffect>
-                                  </p:childTnLst>
-                                </p:cTn>
-                              </p:par>
-                            </p:childTnLst>
-                          </p:cTn>
-                        </p:par>
-                      </p:childTnLst>
-                    </p:cTn>
-                  </p:par>
-                  <p:par>
-                    <p:cTn id="14" fill="hold">
-                      <p:stCondLst>
-                        <p:cond delay="indefinite"/>
-                      </p:stCondLst>
-                      <p:childTnLst>
-                        <p:par>
-                          <p:cTn id="15" fill="hold">
-                            <p:stCondLst>
-                              <p:cond delay="0"/>
-                            </p:stCondLst>
-                            <p:childTnLst>
-                              <p:par>
-                                <p:cTn id="16" presetID="2" presetClass="entr" presetSubtype="4" fill="hold" nodeType="clickEffect">
-                                  <p:stCondLst>
-                                    <p:cond delay="0"/>
-                                  </p:stCondLst>
-                                  <p:childTnLst>
-                                    <p:set>
-                                      <p:cBhvr>
-                                        <p:cTn id="17" dur="1" fill="hold">
+                                        <p:cTn id="16" dur="1" fill="hold">
                                           <p:stCondLst>
                                             <p:cond delay="0"/>
                                           </p:stCondLst>
@@ -10603,7 +10587,7 @@
                                     </p:set>
                                     <p:anim calcmode="lin" valueType="num">
                                       <p:cBhvr additive="base">
-                                        <p:cTn id="18" dur="500" fill="hold"/>
+                                        <p:cTn id="17" dur="500" fill="hold"/>
                                         <p:tgtEl>
                                           <p:spTgt spid="3">
                                             <p:txEl>
@@ -10630,7 +10614,7 @@
                                     </p:anim>
                                     <p:anim calcmode="lin" valueType="num">
                                       <p:cBhvr additive="base">
-                                        <p:cTn id="19" dur="500" fill="hold"/>
+                                        <p:cTn id="18" dur="500" fill="hold"/>
                                         <p:tgtEl>
                                           <p:spTgt spid="3">
                                             <p:txEl>
@@ -10665,26 +10649,26 @@
                     </p:cTn>
                   </p:par>
                   <p:par>
-                    <p:cTn id="20" fill="hold">
+                    <p:cTn id="19" fill="hold">
                       <p:stCondLst>
                         <p:cond delay="indefinite"/>
                       </p:stCondLst>
                       <p:childTnLst>
                         <p:par>
-                          <p:cTn id="21" fill="hold">
+                          <p:cTn id="20" fill="hold">
                             <p:stCondLst>
                               <p:cond delay="0"/>
                             </p:stCondLst>
                             <p:childTnLst>
                               <p:par>
-                                <p:cTn id="22" presetID="2" presetClass="entr" presetSubtype="4" fill="hold" nodeType="clickEffect">
+                                <p:cTn id="21" presetID="2" presetClass="entr" presetSubtype="4" fill="hold" nodeType="clickEffect">
                                   <p:stCondLst>
                                     <p:cond delay="0"/>
                                   </p:stCondLst>
                                   <p:childTnLst>
                                     <p:set>
                                       <p:cBhvr>
-                                        <p:cTn id="23" dur="1" fill="hold">
+                                        <p:cTn id="22" dur="1" fill="hold">
                                           <p:stCondLst>
                                             <p:cond delay="0"/>
                                           </p:stCondLst>
@@ -10706,7 +10690,7 @@
                                     </p:set>
                                     <p:anim calcmode="lin" valueType="num">
                                       <p:cBhvr additive="base">
-                                        <p:cTn id="24" dur="500" fill="hold"/>
+                                        <p:cTn id="23" dur="500" fill="hold"/>
                                         <p:tgtEl>
                                           <p:spTgt spid="3">
                                             <p:txEl>
@@ -10733,7 +10717,7 @@
                                     </p:anim>
                                     <p:anim calcmode="lin" valueType="num">
                                       <p:cBhvr additive="base">
-                                        <p:cTn id="25" dur="500" fill="hold"/>
+                                        <p:cTn id="24" dur="500" fill="hold"/>
                                         <p:tgtEl>
                                           <p:spTgt spid="3">
                                             <p:txEl>
@@ -10768,26 +10752,26 @@
                     </p:cTn>
                   </p:par>
                   <p:par>
-                    <p:cTn id="26" fill="hold">
+                    <p:cTn id="25" fill="hold">
                       <p:stCondLst>
                         <p:cond delay="indefinite"/>
                       </p:stCondLst>
                       <p:childTnLst>
                         <p:par>
-                          <p:cTn id="27" fill="hold">
+                          <p:cTn id="26" fill="hold">
                             <p:stCondLst>
                               <p:cond delay="0"/>
                             </p:stCondLst>
                             <p:childTnLst>
                               <p:par>
-                                <p:cTn id="28" presetID="2" presetClass="entr" presetSubtype="4" fill="hold" nodeType="clickEffect">
+                                <p:cTn id="27" presetID="2" presetClass="entr" presetSubtype="4" fill="hold" nodeType="clickEffect">
                                   <p:stCondLst>
                                     <p:cond delay="0"/>
                                   </p:stCondLst>
                                   <p:childTnLst>
                                     <p:set>
                                       <p:cBhvr>
-                                        <p:cTn id="29" dur="1" fill="hold">
+                                        <p:cTn id="28" dur="1" fill="hold">
                                           <p:stCondLst>
                                             <p:cond delay="0"/>
                                           </p:stCondLst>
@@ -10809,7 +10793,7 @@
                                     </p:set>
                                     <p:anim calcmode="lin" valueType="num">
                                       <p:cBhvr additive="base">
-                                        <p:cTn id="30" dur="500" fill="hold"/>
+                                        <p:cTn id="29" dur="500" fill="hold"/>
                                         <p:tgtEl>
                                           <p:spTgt spid="3">
                                             <p:txEl>
@@ -10836,7 +10820,7 @@
                                     </p:anim>
                                     <p:anim calcmode="lin" valueType="num">
                                       <p:cBhvr additive="base">
-                                        <p:cTn id="31" dur="500" fill="hold"/>
+                                        <p:cTn id="30" dur="500" fill="hold"/>
                                         <p:tgtEl>
                                           <p:spTgt spid="3">
                                             <p:txEl>
@@ -10871,26 +10855,26 @@
                     </p:cTn>
                   </p:par>
                   <p:par>
-                    <p:cTn id="32" fill="hold">
+                    <p:cTn id="31" fill="hold">
                       <p:stCondLst>
                         <p:cond delay="indefinite"/>
                       </p:stCondLst>
                       <p:childTnLst>
                         <p:par>
-                          <p:cTn id="33" fill="hold">
+                          <p:cTn id="32" fill="hold">
                             <p:stCondLst>
                               <p:cond delay="0"/>
                             </p:stCondLst>
                             <p:childTnLst>
                               <p:par>
-                                <p:cTn id="34" presetID="2" presetClass="entr" presetSubtype="4" fill="hold" nodeType="clickEffect">
+                                <p:cTn id="33" presetID="2" presetClass="entr" presetSubtype="4" fill="hold" nodeType="clickEffect">
                                   <p:stCondLst>
                                     <p:cond delay="0"/>
                                   </p:stCondLst>
                                   <p:childTnLst>
                                     <p:set>
                                       <p:cBhvr>
-                                        <p:cTn id="35" dur="1" fill="hold">
+                                        <p:cTn id="34" dur="1" fill="hold">
                                           <p:stCondLst>
                                             <p:cond delay="0"/>
                                           </p:stCondLst>
@@ -10912,7 +10896,7 @@
                                     </p:set>
                                     <p:anim calcmode="lin" valueType="num">
                                       <p:cBhvr additive="base">
-                                        <p:cTn id="36" dur="500" fill="hold"/>
+                                        <p:cTn id="35" dur="500" fill="hold"/>
                                         <p:tgtEl>
                                           <p:spTgt spid="3">
                                             <p:txEl>
@@ -10939,7 +10923,7 @@
                                     </p:anim>
                                     <p:anim calcmode="lin" valueType="num">
                                       <p:cBhvr additive="base">
-                                        <p:cTn id="37" dur="500" fill="hold"/>
+                                        <p:cTn id="36" dur="500" fill="hold"/>
                                         <p:tgtEl>
                                           <p:spTgt spid="3">
                                             <p:txEl>
@@ -10974,26 +10958,26 @@
                     </p:cTn>
                   </p:par>
                   <p:par>
-                    <p:cTn id="38" fill="hold">
+                    <p:cTn id="37" fill="hold">
                       <p:stCondLst>
                         <p:cond delay="indefinite"/>
                       </p:stCondLst>
                       <p:childTnLst>
                         <p:par>
-                          <p:cTn id="39" fill="hold">
+                          <p:cTn id="38" fill="hold">
                             <p:stCondLst>
                               <p:cond delay="0"/>
                             </p:stCondLst>
                             <p:childTnLst>
                               <p:par>
-                                <p:cTn id="40" presetID="2" presetClass="entr" presetSubtype="4" fill="hold" nodeType="clickEffect">
+                                <p:cTn id="39" presetID="2" presetClass="entr" presetSubtype="4" fill="hold" nodeType="clickEffect">
                                   <p:stCondLst>
                                     <p:cond delay="0"/>
                                   </p:stCondLst>
                                   <p:childTnLst>
                                     <p:set>
                                       <p:cBhvr>
-                                        <p:cTn id="41" dur="1" fill="hold">
+                                        <p:cTn id="40" dur="1" fill="hold">
                                           <p:stCondLst>
                                             <p:cond delay="0"/>
                                           </p:stCondLst>
@@ -11015,7 +10999,7 @@
                                     </p:set>
                                     <p:anim calcmode="lin" valueType="num">
                                       <p:cBhvr additive="base">
-                                        <p:cTn id="42" dur="500" fill="hold"/>
+                                        <p:cTn id="41" dur="500" fill="hold"/>
                                         <p:tgtEl>
                                           <p:spTgt spid="3">
                                             <p:txEl>
@@ -11042,7 +11026,7 @@
                                     </p:anim>
                                     <p:anim calcmode="lin" valueType="num">
                                       <p:cBhvr additive="base">
-                                        <p:cTn id="43" dur="500" fill="hold"/>
+                                        <p:cTn id="42" dur="500" fill="hold"/>
                                         <p:tgtEl>
                                           <p:spTgt spid="3">
                                             <p:txEl>
@@ -12041,32 +12025,32 @@
             <p:ph idx="1"/>
             <p:extLst>
               <p:ext uri="{D42A27DB-BD31-4B8C-83A1-F6EECF244321}">
-                <p14:modId xmlns:p14="http://schemas.microsoft.com/office/powerpoint/2010/main" val="2896956120"/>
+                <p14:modId xmlns:p14="http://schemas.microsoft.com/office/powerpoint/2010/main" val="415554729"/>
               </p:ext>
             </p:extLst>
           </p:nvPr>
         </p:nvGraphicFramePr>
         <p:xfrm>
-          <a:off x="457200" y="1447798"/>
-          <a:ext cx="8686800" cy="4191002"/>
+          <a:off x="497660" y="1447800"/>
+          <a:ext cx="8646340" cy="4191002"/>
         </p:xfrm>
         <a:graphic>
           <a:graphicData uri="http://schemas.openxmlformats.org/drawingml/2006/table">
             <a:tbl>
               <a:tblPr firstRow="1" firstCol="1" bandRow="1">
-                <a:tableStyleId>{3B4B98B0-60AC-42C2-AFA5-B58CD77FA1E5}</a:tableStyleId>
+                <a:tableStyleId>{68D230F3-CF80-4859-8CE7-A43EE81993B5}</a:tableStyleId>
               </a:tblPr>
               <a:tblGrid>
-                <a:gridCol w="1094630"/>
-                <a:gridCol w="453026"/>
-                <a:gridCol w="570856"/>
-                <a:gridCol w="570856"/>
-                <a:gridCol w="570856"/>
-                <a:gridCol w="570856"/>
-                <a:gridCol w="664720"/>
-                <a:gridCol w="476992"/>
-                <a:gridCol w="818408"/>
-                <a:gridCol w="2895600"/>
+                <a:gridCol w="1219200"/>
+                <a:gridCol w="457200"/>
+                <a:gridCol w="609600"/>
+                <a:gridCol w="457200"/>
+                <a:gridCol w="533400"/>
+                <a:gridCol w="685800"/>
+                <a:gridCol w="609600"/>
+                <a:gridCol w="533400"/>
+                <a:gridCol w="533400"/>
+                <a:gridCol w="3007540"/>
               </a:tblGrid>
               <a:tr h="567630">
                 <a:tc>
@@ -12074,262 +12058,442 @@
                     <a:bodyPr/>
                     <a:lstStyle/>
                     <a:p>
-                      <a:pPr algn="l" fontAlgn="b"/>
+                      <a:pPr marL="0" marR="0" fontAlgn="b">
+                        <a:lnSpc>
+                          <a:spcPct val="107000"/>
+                        </a:lnSpc>
+                        <a:spcBef>
+                          <a:spcPts val="0"/>
+                        </a:spcBef>
+                        <a:spcAft>
+                          <a:spcPts val="0"/>
+                        </a:spcAft>
+                      </a:pPr>
                       <a:r>
-                        <a:rPr lang="en-US" sz="1100" u="none" strike="noStrike" dirty="0">
+                        <a:rPr lang="en-US" sz="1100" kern="1200" dirty="0">
+                          <a:solidFill>
+                            <a:schemeClr val="accent6">
+                              <a:lumMod val="75000"/>
+                            </a:schemeClr>
+                          </a:solidFill>
                           <a:effectLst/>
                         </a:rPr>
                         <a:t>Class or </a:t>
                       </a:r>
                       <a:r>
-                        <a:rPr lang="en-US" sz="1100" u="none" strike="noStrike" dirty="0" err="1">
+                        <a:rPr lang="en-US" sz="1100" kern="1200" dirty="0" err="1">
+                          <a:solidFill>
+                            <a:schemeClr val="accent6">
+                              <a:lumMod val="75000"/>
+                            </a:schemeClr>
+                          </a:solidFill>
                           <a:effectLst/>
                         </a:rPr>
                         <a:t>Enum</a:t>
                       </a:r>
-                      <a:endParaRPr lang="en-US" sz="1100" b="1" i="0" u="none" strike="noStrike" dirty="0">
+                      <a:endParaRPr lang="en-US" sz="1100" kern="100" dirty="0">
                         <a:solidFill>
-                          <a:schemeClr val="accent3">
-                            <a:lumMod val="50000"/>
+                          <a:schemeClr val="accent6">
+                            <a:lumMod val="75000"/>
                           </a:schemeClr>
                         </a:solidFill>
                         <a:effectLst/>
                         <a:latin typeface="Calibri"/>
+                        <a:ea typeface="Calibri"/>
+                        <a:cs typeface="Times New Roman"/>
                       </a:endParaRPr>
                     </a:p>
                   </a:txBody>
-                  <a:tcPr marL="7620" marR="7620" marT="7620" marB="0" anchor="b"/>
+                  <a:tcPr marL="68580" marR="68580" marT="0" marB="0" anchor="b"/>
                 </a:tc>
                 <a:tc>
                   <a:txBody>
                     <a:bodyPr/>
                     <a:lstStyle/>
                     <a:p>
-                      <a:pPr algn="l" fontAlgn="b"/>
+                      <a:pPr marL="0" marR="0" fontAlgn="b">
+                        <a:lnSpc>
+                          <a:spcPct val="107000"/>
+                        </a:lnSpc>
+                        <a:spcBef>
+                          <a:spcPts val="0"/>
+                        </a:spcBef>
+                        <a:spcAft>
+                          <a:spcPts val="0"/>
+                        </a:spcAft>
+                      </a:pPr>
                       <a:r>
-                        <a:rPr lang="en-US" sz="1100" u="none" strike="noStrike" dirty="0">
+                        <a:rPr lang="en-US" sz="1100" kern="1200" dirty="0">
+                          <a:solidFill>
+                            <a:schemeClr val="accent6">
+                              <a:lumMod val="75000"/>
+                            </a:schemeClr>
+                          </a:solidFill>
                           <a:effectLst/>
                         </a:rPr>
                         <a:t>Year</a:t>
                       </a:r>
-                      <a:endParaRPr lang="en-US" sz="1100" b="1" i="0" u="none" strike="noStrike" dirty="0">
+                      <a:endParaRPr lang="en-US" sz="1100" kern="100" dirty="0">
                         <a:solidFill>
-                          <a:schemeClr val="accent3">
-                            <a:lumMod val="50000"/>
+                          <a:schemeClr val="accent6">
+                            <a:lumMod val="75000"/>
                           </a:schemeClr>
                         </a:solidFill>
                         <a:effectLst/>
                         <a:latin typeface="Calibri"/>
+                        <a:ea typeface="Calibri"/>
+                        <a:cs typeface="Times New Roman"/>
                       </a:endParaRPr>
                     </a:p>
                   </a:txBody>
-                  <a:tcPr marL="7620" marR="7620" marT="7620" marB="0" anchor="b"/>
+                  <a:tcPr marL="68580" marR="68580" marT="0" marB="0" anchor="b"/>
                 </a:tc>
                 <a:tc>
                   <a:txBody>
                     <a:bodyPr/>
                     <a:lstStyle/>
                     <a:p>
-                      <a:pPr algn="l" fontAlgn="b"/>
+                      <a:pPr marL="0" marR="0" fontAlgn="b">
+                        <a:lnSpc>
+                          <a:spcPct val="107000"/>
+                        </a:lnSpc>
+                        <a:spcBef>
+                          <a:spcPts val="0"/>
+                        </a:spcBef>
+                        <a:spcAft>
+                          <a:spcPts val="0"/>
+                        </a:spcAft>
+                      </a:pPr>
                       <a:r>
-                        <a:rPr lang="en-US" sz="1100" u="none" strike="noStrike" dirty="0">
+                        <a:rPr lang="en-US" sz="1100" kern="1200" dirty="0">
+                          <a:solidFill>
+                            <a:schemeClr val="accent6">
+                              <a:lumMod val="75000"/>
+                            </a:schemeClr>
+                          </a:solidFill>
                           <a:effectLst/>
                         </a:rPr>
                         <a:t>Month</a:t>
                       </a:r>
-                      <a:endParaRPr lang="en-US" sz="1100" b="1" i="0" u="none" strike="noStrike" dirty="0">
+                      <a:endParaRPr lang="en-US" sz="1100" kern="100" dirty="0">
                         <a:solidFill>
-                          <a:schemeClr val="accent3">
-                            <a:lumMod val="50000"/>
+                          <a:schemeClr val="accent6">
+                            <a:lumMod val="75000"/>
                           </a:schemeClr>
                         </a:solidFill>
                         <a:effectLst/>
                         <a:latin typeface="Calibri"/>
+                        <a:ea typeface="Calibri"/>
+                        <a:cs typeface="Times New Roman"/>
                       </a:endParaRPr>
                     </a:p>
                   </a:txBody>
-                  <a:tcPr marL="7620" marR="7620" marT="7620" marB="0" anchor="b"/>
+                  <a:tcPr marL="68580" marR="68580" marT="0" marB="0" anchor="b"/>
                 </a:tc>
                 <a:tc>
                   <a:txBody>
                     <a:bodyPr/>
                     <a:lstStyle/>
                     <a:p>
-                      <a:pPr algn="l" fontAlgn="b"/>
+                      <a:pPr marL="0" marR="0" fontAlgn="b">
+                        <a:lnSpc>
+                          <a:spcPct val="107000"/>
+                        </a:lnSpc>
+                        <a:spcBef>
+                          <a:spcPts val="0"/>
+                        </a:spcBef>
+                        <a:spcAft>
+                          <a:spcPts val="0"/>
+                        </a:spcAft>
+                      </a:pPr>
                       <a:r>
-                        <a:rPr lang="en-US" sz="1100" u="none" strike="noStrike" dirty="0">
+                        <a:rPr lang="en-US" sz="1100" kern="1200" dirty="0">
+                          <a:solidFill>
+                            <a:schemeClr val="accent6">
+                              <a:lumMod val="75000"/>
+                            </a:schemeClr>
+                          </a:solidFill>
                           <a:effectLst/>
                         </a:rPr>
                         <a:t>Day</a:t>
                       </a:r>
-                      <a:endParaRPr lang="en-US" sz="1100" b="1" i="0" u="none" strike="noStrike" dirty="0">
+                      <a:endParaRPr lang="en-US" sz="1100" kern="100" dirty="0">
                         <a:solidFill>
-                          <a:schemeClr val="accent3">
-                            <a:lumMod val="50000"/>
+                          <a:schemeClr val="accent6">
+                            <a:lumMod val="75000"/>
                           </a:schemeClr>
                         </a:solidFill>
                         <a:effectLst/>
                         <a:latin typeface="Calibri"/>
+                        <a:ea typeface="Calibri"/>
+                        <a:cs typeface="Times New Roman"/>
                       </a:endParaRPr>
                     </a:p>
                   </a:txBody>
-                  <a:tcPr marL="7620" marR="7620" marT="7620" marB="0" anchor="b"/>
+                  <a:tcPr marL="68580" marR="68580" marT="0" marB="0" anchor="b"/>
                 </a:tc>
                 <a:tc>
                   <a:txBody>
                     <a:bodyPr/>
                     <a:lstStyle/>
                     <a:p>
-                      <a:pPr algn="l" fontAlgn="b"/>
+                      <a:pPr marL="0" marR="0" fontAlgn="b">
+                        <a:lnSpc>
+                          <a:spcPct val="107000"/>
+                        </a:lnSpc>
+                        <a:spcBef>
+                          <a:spcPts val="0"/>
+                        </a:spcBef>
+                        <a:spcAft>
+                          <a:spcPts val="0"/>
+                        </a:spcAft>
+                      </a:pPr>
                       <a:r>
-                        <a:rPr lang="en-US" sz="1100" u="none" strike="noStrike" dirty="0">
+                        <a:rPr lang="en-US" sz="1100" kern="1200" dirty="0">
+                          <a:solidFill>
+                            <a:schemeClr val="accent6">
+                              <a:lumMod val="75000"/>
+                            </a:schemeClr>
+                          </a:solidFill>
                           <a:effectLst/>
                         </a:rPr>
                         <a:t>Hours</a:t>
                       </a:r>
-                      <a:endParaRPr lang="en-US" sz="1100" b="1" i="0" u="none" strike="noStrike" dirty="0">
+                      <a:endParaRPr lang="en-US" sz="1100" kern="100" dirty="0">
                         <a:solidFill>
-                          <a:schemeClr val="accent3">
-                            <a:lumMod val="50000"/>
+                          <a:schemeClr val="accent6">
+                            <a:lumMod val="75000"/>
                           </a:schemeClr>
                         </a:solidFill>
                         <a:effectLst/>
                         <a:latin typeface="Calibri"/>
+                        <a:ea typeface="Calibri"/>
+                        <a:cs typeface="Times New Roman"/>
                       </a:endParaRPr>
                     </a:p>
                   </a:txBody>
-                  <a:tcPr marL="7620" marR="7620" marT="7620" marB="0" anchor="b"/>
+                  <a:tcPr marL="68580" marR="68580" marT="0" marB="0" anchor="b"/>
                 </a:tc>
                 <a:tc>
                   <a:txBody>
                     <a:bodyPr/>
                     <a:lstStyle/>
                     <a:p>
-                      <a:pPr algn="l" fontAlgn="b"/>
+                      <a:pPr marL="0" marR="0" fontAlgn="b">
+                        <a:lnSpc>
+                          <a:spcPct val="107000"/>
+                        </a:lnSpc>
+                        <a:spcBef>
+                          <a:spcPts val="0"/>
+                        </a:spcBef>
+                        <a:spcAft>
+                          <a:spcPts val="0"/>
+                        </a:spcAft>
+                      </a:pPr>
                       <a:r>
-                        <a:rPr lang="en-US" sz="1100" u="none" strike="noStrike" dirty="0">
+                        <a:rPr lang="en-US" sz="1100" kern="1200" dirty="0">
+                          <a:solidFill>
+                            <a:schemeClr val="accent6">
+                              <a:lumMod val="75000"/>
+                            </a:schemeClr>
+                          </a:solidFill>
                           <a:effectLst/>
                         </a:rPr>
                         <a:t>Minutes</a:t>
                       </a:r>
-                      <a:endParaRPr lang="en-US" sz="1100" b="1" i="0" u="none" strike="noStrike" dirty="0">
+                      <a:endParaRPr lang="en-US" sz="1100" kern="100" dirty="0">
                         <a:solidFill>
-                          <a:schemeClr val="accent3">
-                            <a:lumMod val="50000"/>
+                          <a:schemeClr val="accent6">
+                            <a:lumMod val="75000"/>
                           </a:schemeClr>
                         </a:solidFill>
                         <a:effectLst/>
                         <a:latin typeface="Calibri"/>
+                        <a:ea typeface="Calibri"/>
+                        <a:cs typeface="Times New Roman"/>
                       </a:endParaRPr>
                     </a:p>
                   </a:txBody>
-                  <a:tcPr marL="7620" marR="7620" marT="7620" marB="0" anchor="b"/>
+                  <a:tcPr marL="68580" marR="68580" marT="0" marB="0" anchor="b"/>
                 </a:tc>
                 <a:tc>
                   <a:txBody>
                     <a:bodyPr/>
                     <a:lstStyle/>
                     <a:p>
-                      <a:pPr algn="l" fontAlgn="b"/>
+                      <a:pPr marL="0" marR="0" fontAlgn="b">
+                        <a:lnSpc>
+                          <a:spcPct val="107000"/>
+                        </a:lnSpc>
+                        <a:spcBef>
+                          <a:spcPts val="0"/>
+                        </a:spcBef>
+                        <a:spcAft>
+                          <a:spcPts val="0"/>
+                        </a:spcAft>
+                      </a:pPr>
                       <a:r>
-                        <a:rPr lang="en-US" sz="1100" u="none" strike="noStrike" dirty="0">
+                        <a:rPr lang="en-US" sz="1100" kern="1200" dirty="0" err="1" smtClean="0">
+                          <a:solidFill>
+                            <a:schemeClr val="accent6">
+                              <a:lumMod val="75000"/>
+                            </a:schemeClr>
+                          </a:solidFill>
                           <a:effectLst/>
                         </a:rPr>
-                        <a:t>Seconds</a:t>
+                        <a:t>Nanos</a:t>
                       </a:r>
-                      <a:endParaRPr lang="en-US" sz="1100" b="1" i="0" u="none" strike="noStrike" dirty="0">
+                      <a:endParaRPr lang="en-US" sz="1100" kern="100" dirty="0">
                         <a:solidFill>
-                          <a:schemeClr val="accent3">
-                            <a:lumMod val="50000"/>
+                          <a:schemeClr val="accent6">
+                            <a:lumMod val="75000"/>
                           </a:schemeClr>
                         </a:solidFill>
                         <a:effectLst/>
                         <a:latin typeface="Calibri"/>
+                        <a:ea typeface="Calibri"/>
+                        <a:cs typeface="Times New Roman"/>
                       </a:endParaRPr>
                     </a:p>
                   </a:txBody>
-                  <a:tcPr marL="7620" marR="7620" marT="7620" marB="0" anchor="b"/>
+                  <a:tcPr marL="68580" marR="68580" marT="0" marB="0" anchor="b"/>
                 </a:tc>
                 <a:tc>
                   <a:txBody>
                     <a:bodyPr/>
                     <a:lstStyle/>
                     <a:p>
-                      <a:pPr algn="l" fontAlgn="b"/>
+                      <a:pPr marL="0" marR="0" fontAlgn="b">
+                        <a:lnSpc>
+                          <a:spcPct val="107000"/>
+                        </a:lnSpc>
+                        <a:spcBef>
+                          <a:spcPts val="0"/>
+                        </a:spcBef>
+                        <a:spcAft>
+                          <a:spcPts val="0"/>
+                        </a:spcAft>
+                      </a:pPr>
                       <a:r>
-                        <a:rPr lang="en-US" sz="1100" u="none" strike="noStrike" dirty="0">
+                        <a:rPr lang="en-US" sz="1100" kern="1200" dirty="0">
+                          <a:solidFill>
+                            <a:schemeClr val="accent6">
+                              <a:lumMod val="75000"/>
+                            </a:schemeClr>
+                          </a:solidFill>
                           <a:effectLst/>
                         </a:rPr>
                         <a:t>Zone Offset</a:t>
                       </a:r>
-                      <a:endParaRPr lang="en-US" sz="1100" b="1" i="0" u="none" strike="noStrike" dirty="0">
+                      <a:endParaRPr lang="en-US" sz="1100" kern="100" dirty="0">
                         <a:solidFill>
-                          <a:schemeClr val="accent3">
-                            <a:lumMod val="50000"/>
+                          <a:schemeClr val="accent6">
+                            <a:lumMod val="75000"/>
                           </a:schemeClr>
                         </a:solidFill>
                         <a:effectLst/>
                         <a:latin typeface="Calibri"/>
+                        <a:ea typeface="Calibri"/>
+                        <a:cs typeface="Times New Roman"/>
                       </a:endParaRPr>
                     </a:p>
                   </a:txBody>
-                  <a:tcPr marL="7620" marR="7620" marT="7620" marB="0" anchor="b"/>
+                  <a:tcPr marL="68580" marR="68580" marT="0" marB="0" anchor="b"/>
                 </a:tc>
                 <a:tc>
                   <a:txBody>
                     <a:bodyPr/>
                     <a:lstStyle/>
                     <a:p>
-                      <a:pPr algn="l" fontAlgn="b"/>
+                      <a:pPr marL="0" marR="0" fontAlgn="b">
+                        <a:lnSpc>
+                          <a:spcPct val="107000"/>
+                        </a:lnSpc>
+                        <a:spcBef>
+                          <a:spcPts val="0"/>
+                        </a:spcBef>
+                        <a:spcAft>
+                          <a:spcPts val="0"/>
+                        </a:spcAft>
+                      </a:pPr>
                       <a:r>
-                        <a:rPr lang="en-US" sz="1100" u="none" strike="noStrike" dirty="0">
+                        <a:rPr lang="en-US" sz="1100" kern="1200" dirty="0">
+                          <a:solidFill>
+                            <a:schemeClr val="accent6">
+                              <a:lumMod val="75000"/>
+                            </a:schemeClr>
+                          </a:solidFill>
                           <a:effectLst/>
                         </a:rPr>
                         <a:t>Zone ID</a:t>
                       </a:r>
-                      <a:endParaRPr lang="en-US" sz="1100" b="1" i="0" u="none" strike="noStrike" dirty="0">
+                      <a:endParaRPr lang="en-US" sz="1100" kern="100" dirty="0">
                         <a:solidFill>
-                          <a:schemeClr val="accent3">
-                            <a:lumMod val="50000"/>
+                          <a:schemeClr val="accent6">
+                            <a:lumMod val="75000"/>
                           </a:schemeClr>
                         </a:solidFill>
                         <a:effectLst/>
                         <a:latin typeface="Calibri"/>
+                        <a:ea typeface="Calibri"/>
+                        <a:cs typeface="Times New Roman"/>
                       </a:endParaRPr>
                     </a:p>
                   </a:txBody>
-                  <a:tcPr marL="7620" marR="7620" marT="7620" marB="0" anchor="b"/>
+                  <a:tcPr marL="68580" marR="68580" marT="0" marB="0" anchor="b"/>
                 </a:tc>
                 <a:tc>
                   <a:txBody>
                     <a:bodyPr/>
                     <a:lstStyle/>
                     <a:p>
-                      <a:pPr algn="l" fontAlgn="b"/>
+                      <a:pPr marL="0" marR="0" fontAlgn="ctr">
+                        <a:lnSpc>
+                          <a:spcPct val="107000"/>
+                        </a:lnSpc>
+                        <a:spcBef>
+                          <a:spcPts val="0"/>
+                        </a:spcBef>
+                        <a:spcAft>
+                          <a:spcPts val="0"/>
+                        </a:spcAft>
+                      </a:pPr>
                       <a:r>
-                        <a:rPr lang="en-US" sz="1100" u="none" strike="noStrike" dirty="0" err="1">
+                        <a:rPr lang="en-US" sz="1100" kern="1200" dirty="0" err="1">
+                          <a:solidFill>
+                            <a:schemeClr val="accent6">
+                              <a:lumMod val="75000"/>
+                            </a:schemeClr>
+                          </a:solidFill>
                           <a:effectLst/>
                         </a:rPr>
                         <a:t>toString</a:t>
                       </a:r>
                       <a:r>
-                        <a:rPr lang="en-US" sz="1100" u="none" strike="noStrike" dirty="0">
+                        <a:rPr lang="en-US" sz="1100" kern="1200" dirty="0">
+                          <a:solidFill>
+                            <a:schemeClr val="accent6">
+                              <a:lumMod val="75000"/>
+                            </a:schemeClr>
+                          </a:solidFill>
                           <a:effectLst/>
                         </a:rPr>
                         <a:t> Output</a:t>
                       </a:r>
-                      <a:endParaRPr lang="en-US" sz="1100" b="1" i="0" u="none" strike="noStrike" dirty="0">
+                      <a:endParaRPr lang="en-US" sz="1100" kern="100" dirty="0">
                         <a:solidFill>
-                          <a:schemeClr val="accent3">
-                            <a:lumMod val="50000"/>
+                          <a:schemeClr val="accent6">
+                            <a:lumMod val="75000"/>
                           </a:schemeClr>
                         </a:solidFill>
                         <a:effectLst/>
                         <a:latin typeface="Calibri"/>
+                        <a:ea typeface="Calibri"/>
+                        <a:cs typeface="Times New Roman"/>
                       </a:endParaRPr>
                     </a:p>
                   </a:txBody>
-                  <a:tcPr marL="7620" marR="7620" marT="7620" marB="0" anchor="b"/>
+                  <a:tcPr marL="68580" marR="68580" marT="0" marB="0" anchor="b"/>
                 </a:tc>
               </a:tr>
               <a:tr h="283815">
@@ -12338,191 +12502,189 @@
                     <a:bodyPr/>
                     <a:lstStyle/>
                     <a:p>
-                      <a:pPr algn="l" fontAlgn="ctr"/>
+                      <a:pPr marL="0" marR="0" fontAlgn="ctr">
+                        <a:lnSpc>
+                          <a:spcPct val="107000"/>
+                        </a:lnSpc>
+                        <a:spcBef>
+                          <a:spcPts val="0"/>
+                        </a:spcBef>
+                        <a:spcAft>
+                          <a:spcPts val="0"/>
+                        </a:spcAft>
+                      </a:pPr>
                       <a:r>
-                        <a:rPr lang="en-US" sz="1100" u="none" strike="noStrike" dirty="0">
+                        <a:rPr lang="en-US" sz="1100" kern="1200" dirty="0">
                           <a:effectLst/>
                           <a:latin typeface="Consolas" panose="020B0609020204030204" pitchFamily="49" charset="0"/>
                           <a:cs typeface="Consolas" panose="020B0609020204030204" pitchFamily="49" charset="0"/>
                         </a:rPr>
                         <a:t>Instant</a:t>
                       </a:r>
-                      <a:endParaRPr lang="en-US" sz="1100" b="1" i="0" u="none" strike="noStrike" dirty="0">
-                        <a:solidFill>
-                          <a:srgbClr val="000000"/>
-                        </a:solidFill>
+                      <a:endParaRPr lang="en-US" sz="1100" kern="100" dirty="0">
                         <a:effectLst/>
                         <a:latin typeface="Consolas" panose="020B0609020204030204" pitchFamily="49" charset="0"/>
+                        <a:ea typeface="Calibri"/>
                         <a:cs typeface="Consolas" panose="020B0609020204030204" pitchFamily="49" charset="0"/>
                       </a:endParaRPr>
                     </a:p>
                   </a:txBody>
-                  <a:tcPr marL="7620" marR="7620" marT="7620" marB="0" anchor="ctr"/>
+                  <a:tcPr marL="68580" marR="68580" marT="0" marB="0" anchor="ctr"/>
                 </a:tc>
                 <a:tc>
                   <a:txBody>
                     <a:bodyPr/>
                     <a:lstStyle/>
                     <a:p>
-                      <a:pPr algn="ctr" fontAlgn="ctr"/>
-                      <a:endParaRPr lang="en-US" sz="1100" b="0" i="0" u="none" strike="noStrike" dirty="0">
-                        <a:solidFill>
-                          <a:srgbClr val="000000"/>
-                        </a:solidFill>
+                      <a:endParaRPr lang="en-US" sz="1100" kern="100">
                         <a:effectLst/>
                         <a:latin typeface="Calibri"/>
                       </a:endParaRPr>
                     </a:p>
                   </a:txBody>
-                  <a:tcPr marL="7620" marR="7620" marT="7620" marB="0" anchor="ctr"/>
+                  <a:tcPr marL="68580" marR="68580" marT="0" marB="0" anchor="ctr"/>
                 </a:tc>
                 <a:tc>
                   <a:txBody>
                     <a:bodyPr/>
                     <a:lstStyle/>
                     <a:p>
-                      <a:pPr algn="ctr" fontAlgn="ctr"/>
-                      <a:endParaRPr lang="en-US" sz="1100" b="0" i="0" u="none" strike="noStrike">
-                        <a:solidFill>
-                          <a:srgbClr val="000000"/>
-                        </a:solidFill>
+                      <a:endParaRPr lang="en-US" sz="1100" kern="100">
                         <a:effectLst/>
                         <a:latin typeface="Calibri"/>
                       </a:endParaRPr>
                     </a:p>
                   </a:txBody>
-                  <a:tcPr marL="7620" marR="7620" marT="7620" marB="0" anchor="ctr"/>
+                  <a:tcPr marL="68580" marR="68580" marT="0" marB="0" anchor="ctr"/>
                 </a:tc>
                 <a:tc>
                   <a:txBody>
                     <a:bodyPr/>
                     <a:lstStyle/>
                     <a:p>
-                      <a:pPr algn="ctr" fontAlgn="ctr"/>
-                      <a:endParaRPr lang="en-US" sz="1100" b="0" i="0" u="none" strike="noStrike">
-                        <a:solidFill>
-                          <a:srgbClr val="000000"/>
-                        </a:solidFill>
+                      <a:endParaRPr lang="en-US" sz="1100" kern="100">
                         <a:effectLst/>
                         <a:latin typeface="Calibri"/>
                       </a:endParaRPr>
                     </a:p>
                   </a:txBody>
-                  <a:tcPr marL="7620" marR="7620" marT="7620" marB="0" anchor="ctr"/>
+                  <a:tcPr marL="68580" marR="68580" marT="0" marB="0" anchor="ctr"/>
                 </a:tc>
                 <a:tc>
                   <a:txBody>
                     <a:bodyPr/>
                     <a:lstStyle/>
                     <a:p>
-                      <a:pPr algn="ctr" fontAlgn="ctr"/>
-                      <a:endParaRPr lang="en-US" sz="1100" b="0" i="0" u="none" strike="noStrike">
-                        <a:solidFill>
-                          <a:srgbClr val="000000"/>
-                        </a:solidFill>
+                      <a:endParaRPr lang="en-US" sz="1100" kern="100">
                         <a:effectLst/>
                         <a:latin typeface="Calibri"/>
                       </a:endParaRPr>
                     </a:p>
                   </a:txBody>
-                  <a:tcPr marL="7620" marR="7620" marT="7620" marB="0" anchor="ctr"/>
+                  <a:tcPr marL="68580" marR="68580" marT="0" marB="0" anchor="ctr"/>
                 </a:tc>
                 <a:tc>
                   <a:txBody>
                     <a:bodyPr/>
                     <a:lstStyle/>
                     <a:p>
-                      <a:pPr algn="ctr" fontAlgn="ctr"/>
-                      <a:endParaRPr lang="en-US" sz="1100" b="0" i="0" u="none" strike="noStrike">
-                        <a:solidFill>
-                          <a:srgbClr val="000000"/>
-                        </a:solidFill>
+                      <a:endParaRPr lang="en-US" sz="1100" kern="100" dirty="0">
                         <a:effectLst/>
                         <a:latin typeface="Calibri"/>
                       </a:endParaRPr>
                     </a:p>
                   </a:txBody>
-                  <a:tcPr marL="7620" marR="7620" marT="7620" marB="0" anchor="ctr"/>
+                  <a:tcPr marL="68580" marR="68580" marT="0" marB="0" anchor="ctr"/>
                 </a:tc>
                 <a:tc>
                   <a:txBody>
                     <a:bodyPr/>
                     <a:lstStyle/>
                     <a:p>
-                      <a:pPr algn="ctr" fontAlgn="ctr"/>
+                      <a:pPr marL="0" marR="0" algn="ctr" fontAlgn="ctr">
+                        <a:lnSpc>
+                          <a:spcPct val="107000"/>
+                        </a:lnSpc>
+                        <a:spcBef>
+                          <a:spcPts val="0"/>
+                        </a:spcBef>
+                        <a:spcAft>
+                          <a:spcPts val="0"/>
+                        </a:spcAft>
+                      </a:pPr>
                       <a:r>
-                        <a:rPr lang="en-US" sz="1100" u="none" strike="noStrike">
+                        <a:rPr lang="en-US" sz="1100" kern="1200" dirty="0">
                           <a:effectLst/>
                         </a:rPr>
                         <a:t>✓</a:t>
                       </a:r>
-                      <a:endParaRPr lang="en-US" sz="1100" b="0" i="0" u="none" strike="noStrike">
-                        <a:solidFill>
-                          <a:srgbClr val="000000"/>
-                        </a:solidFill>
+                      <a:endParaRPr lang="en-US" sz="1100" kern="100" dirty="0">
                         <a:effectLst/>
                         <a:latin typeface="Calibri"/>
+                        <a:ea typeface="Calibri"/>
+                        <a:cs typeface="Times New Roman"/>
                       </a:endParaRPr>
                     </a:p>
                   </a:txBody>
-                  <a:tcPr marL="7620" marR="7620" marT="7620" marB="0" anchor="ctr"/>
+                  <a:tcPr marL="68580" marR="68580" marT="0" marB="0" anchor="ctr"/>
                 </a:tc>
                 <a:tc>
                   <a:txBody>
                     <a:bodyPr/>
                     <a:lstStyle/>
                     <a:p>
-                      <a:pPr algn="ctr" fontAlgn="ctr"/>
-                      <a:endParaRPr lang="en-US" sz="1100" b="0" i="0" u="none" strike="noStrike" dirty="0">
-                        <a:solidFill>
-                          <a:srgbClr val="000000"/>
-                        </a:solidFill>
+                      <a:endParaRPr lang="en-US" sz="1100" kern="100">
                         <a:effectLst/>
                         <a:latin typeface="Calibri"/>
                       </a:endParaRPr>
                     </a:p>
                   </a:txBody>
-                  <a:tcPr marL="7620" marR="7620" marT="7620" marB="0" anchor="ctr"/>
+                  <a:tcPr marL="68580" marR="68580" marT="0" marB="0" anchor="ctr"/>
                 </a:tc>
                 <a:tc>
                   <a:txBody>
                     <a:bodyPr/>
                     <a:lstStyle/>
                     <a:p>
-                      <a:pPr algn="ctr" fontAlgn="ctr"/>
-                      <a:endParaRPr lang="en-US" sz="1100" b="0" i="0" u="none" strike="noStrike">
-                        <a:solidFill>
-                          <a:srgbClr val="000000"/>
-                        </a:solidFill>
+                      <a:endParaRPr lang="en-US" sz="1100" kern="100" dirty="0">
                         <a:effectLst/>
                         <a:latin typeface="Calibri"/>
                       </a:endParaRPr>
                     </a:p>
                   </a:txBody>
-                  <a:tcPr marL="7620" marR="7620" marT="7620" marB="0" anchor="ctr"/>
+                  <a:tcPr marL="68580" marR="68580" marT="0" marB="0" anchor="ctr"/>
                 </a:tc>
                 <a:tc>
                   <a:txBody>
                     <a:bodyPr/>
                     <a:lstStyle/>
                     <a:p>
-                      <a:pPr algn="l" fontAlgn="ctr"/>
+                      <a:pPr marL="0" marR="0" fontAlgn="ctr">
+                        <a:lnSpc>
+                          <a:spcPct val="107000"/>
+                        </a:lnSpc>
+                        <a:spcBef>
+                          <a:spcPts val="0"/>
+                        </a:spcBef>
+                        <a:spcAft>
+                          <a:spcPts val="0"/>
+                        </a:spcAft>
+                      </a:pPr>
                       <a:r>
-                        <a:rPr lang="en-US" sz="1100" u="none" strike="noStrike" dirty="0">
+                        <a:rPr lang="en-US" sz="1100" kern="1200" dirty="0">
                           <a:effectLst/>
                         </a:rPr>
                         <a:t>2013-08-20T15:16:26.355Z</a:t>
                       </a:r>
-                      <a:endParaRPr lang="en-US" sz="1100" b="0" i="0" u="none" strike="noStrike" dirty="0">
-                        <a:solidFill>
-                          <a:srgbClr val="000000"/>
-                        </a:solidFill>
+                      <a:endParaRPr lang="en-US" sz="1100" kern="100" dirty="0">
                         <a:effectLst/>
                         <a:latin typeface="Calibri"/>
+                        <a:ea typeface="Calibri"/>
+                        <a:cs typeface="Times New Roman"/>
                       </a:endParaRPr>
                     </a:p>
                   </a:txBody>
-                  <a:tcPr marL="7620" marR="7620" marT="7620" marB="0" anchor="ctr"/>
+                  <a:tcPr marL="68580" marR="68580" marT="0" marB="0" anchor="ctr"/>
                 </a:tc>
               </a:tr>
               <a:tr h="283815">
@@ -12531,203 +12693,227 @@
                     <a:bodyPr/>
                     <a:lstStyle/>
                     <a:p>
-                      <a:pPr algn="l" fontAlgn="ctr"/>
+                      <a:pPr marL="0" marR="0" fontAlgn="ctr">
+                        <a:lnSpc>
+                          <a:spcPct val="107000"/>
+                        </a:lnSpc>
+                        <a:spcBef>
+                          <a:spcPts val="0"/>
+                        </a:spcBef>
+                        <a:spcAft>
+                          <a:spcPts val="0"/>
+                        </a:spcAft>
+                      </a:pPr>
                       <a:r>
-                        <a:rPr lang="en-US" sz="1100" u="none" strike="noStrike" dirty="0" err="1">
+                        <a:rPr lang="en-US" sz="1100" kern="1200" dirty="0" err="1">
                           <a:effectLst/>
                           <a:latin typeface="Consolas" panose="020B0609020204030204" pitchFamily="49" charset="0"/>
                           <a:cs typeface="Consolas" panose="020B0609020204030204" pitchFamily="49" charset="0"/>
                         </a:rPr>
                         <a:t>LocalDate</a:t>
                       </a:r>
-                      <a:endParaRPr lang="en-US" sz="1100" b="1" i="0" u="none" strike="noStrike" dirty="0">
-                        <a:solidFill>
-                          <a:srgbClr val="000000"/>
-                        </a:solidFill>
+                      <a:endParaRPr lang="en-US" sz="1100" kern="100" dirty="0">
                         <a:effectLst/>
                         <a:latin typeface="Consolas" panose="020B0609020204030204" pitchFamily="49" charset="0"/>
+                        <a:ea typeface="Calibri"/>
                         <a:cs typeface="Consolas" panose="020B0609020204030204" pitchFamily="49" charset="0"/>
                       </a:endParaRPr>
                     </a:p>
                   </a:txBody>
-                  <a:tcPr marL="7620" marR="7620" marT="7620" marB="0" anchor="ctr"/>
+                  <a:tcPr marL="68580" marR="68580" marT="0" marB="0" anchor="ctr"/>
                 </a:tc>
                 <a:tc>
                   <a:txBody>
                     <a:bodyPr/>
                     <a:lstStyle/>
                     <a:p>
-                      <a:pPr algn="ctr" fontAlgn="ctr"/>
+                      <a:pPr marL="0" marR="0" algn="ctr" fontAlgn="ctr">
+                        <a:lnSpc>
+                          <a:spcPct val="107000"/>
+                        </a:lnSpc>
+                        <a:spcBef>
+                          <a:spcPts val="0"/>
+                        </a:spcBef>
+                        <a:spcAft>
+                          <a:spcPts val="0"/>
+                        </a:spcAft>
+                      </a:pPr>
                       <a:r>
-                        <a:rPr lang="en-US" sz="1100" u="none" strike="noStrike" dirty="0">
+                        <a:rPr lang="en-US" sz="1100" kern="1200">
                           <a:effectLst/>
                         </a:rPr>
                         <a:t>✓</a:t>
                       </a:r>
-                      <a:endParaRPr lang="en-US" sz="1100" b="0" i="0" u="none" strike="noStrike" dirty="0">
-                        <a:solidFill>
-                          <a:srgbClr val="000000"/>
-                        </a:solidFill>
+                      <a:endParaRPr lang="en-US" sz="1100" kern="100">
                         <a:effectLst/>
                         <a:latin typeface="Calibri"/>
+                        <a:ea typeface="Calibri"/>
+                        <a:cs typeface="Times New Roman"/>
                       </a:endParaRPr>
                     </a:p>
                   </a:txBody>
-                  <a:tcPr marL="7620" marR="7620" marT="7620" marB="0" anchor="ctr"/>
+                  <a:tcPr marL="68580" marR="68580" marT="0" marB="0" anchor="ctr"/>
                 </a:tc>
                 <a:tc>
                   <a:txBody>
                     <a:bodyPr/>
                     <a:lstStyle/>
                     <a:p>
-                      <a:pPr algn="ctr" fontAlgn="ctr"/>
+                      <a:pPr marL="0" marR="0" algn="ctr" fontAlgn="ctr">
+                        <a:lnSpc>
+                          <a:spcPct val="107000"/>
+                        </a:lnSpc>
+                        <a:spcBef>
+                          <a:spcPts val="0"/>
+                        </a:spcBef>
+                        <a:spcAft>
+                          <a:spcPts val="0"/>
+                        </a:spcAft>
+                      </a:pPr>
                       <a:r>
-                        <a:rPr lang="en-US" sz="1100" u="none" strike="noStrike" dirty="0">
+                        <a:rPr lang="en-US" sz="1100" kern="1200">
                           <a:effectLst/>
                         </a:rPr>
                         <a:t>✓</a:t>
                       </a:r>
-                      <a:endParaRPr lang="en-US" sz="1100" b="0" i="0" u="none" strike="noStrike" dirty="0">
-                        <a:solidFill>
-                          <a:srgbClr val="000000"/>
-                        </a:solidFill>
+                      <a:endParaRPr lang="en-US" sz="1100" kern="100">
                         <a:effectLst/>
                         <a:latin typeface="Calibri"/>
+                        <a:ea typeface="Calibri"/>
+                        <a:cs typeface="Times New Roman"/>
                       </a:endParaRPr>
                     </a:p>
                   </a:txBody>
-                  <a:tcPr marL="7620" marR="7620" marT="7620" marB="0" anchor="ctr"/>
+                  <a:tcPr marL="68580" marR="68580" marT="0" marB="0" anchor="ctr"/>
                 </a:tc>
                 <a:tc>
                   <a:txBody>
                     <a:bodyPr/>
                     <a:lstStyle/>
                     <a:p>
-                      <a:pPr algn="ctr" fontAlgn="ctr"/>
+                      <a:pPr marL="0" marR="0" algn="ctr" fontAlgn="ctr">
+                        <a:lnSpc>
+                          <a:spcPct val="107000"/>
+                        </a:lnSpc>
+                        <a:spcBef>
+                          <a:spcPts val="0"/>
+                        </a:spcBef>
+                        <a:spcAft>
+                          <a:spcPts val="0"/>
+                        </a:spcAft>
+                      </a:pPr>
                       <a:r>
-                        <a:rPr lang="en-US" sz="1100" u="none" strike="noStrike" dirty="0">
+                        <a:rPr lang="en-US" sz="1100" kern="1200">
                           <a:effectLst/>
                         </a:rPr>
                         <a:t>✓</a:t>
                       </a:r>
-                      <a:endParaRPr lang="en-US" sz="1100" b="0" i="0" u="none" strike="noStrike" dirty="0">
-                        <a:solidFill>
-                          <a:srgbClr val="000000"/>
-                        </a:solidFill>
+                      <a:endParaRPr lang="en-US" sz="1100" kern="100">
                         <a:effectLst/>
                         <a:latin typeface="Calibri"/>
+                        <a:ea typeface="Calibri"/>
+                        <a:cs typeface="Times New Roman"/>
                       </a:endParaRPr>
                     </a:p>
                   </a:txBody>
-                  <a:tcPr marL="7620" marR="7620" marT="7620" marB="0" anchor="ctr"/>
+                  <a:tcPr marL="68580" marR="68580" marT="0" marB="0" anchor="ctr"/>
                 </a:tc>
                 <a:tc>
                   <a:txBody>
                     <a:bodyPr/>
                     <a:lstStyle/>
                     <a:p>
-                      <a:pPr algn="ctr" fontAlgn="ctr"/>
-                      <a:endParaRPr lang="en-US" sz="1100" b="0" i="0" u="none" strike="noStrike" dirty="0">
-                        <a:solidFill>
-                          <a:srgbClr val="000000"/>
-                        </a:solidFill>
+                      <a:endParaRPr lang="en-US" sz="1100" kern="100">
                         <a:effectLst/>
                         <a:latin typeface="Calibri"/>
                       </a:endParaRPr>
                     </a:p>
                   </a:txBody>
-                  <a:tcPr marL="7620" marR="7620" marT="7620" marB="0" anchor="ctr"/>
+                  <a:tcPr marL="68580" marR="68580" marT="0" marB="0" anchor="ctr"/>
                 </a:tc>
                 <a:tc>
                   <a:txBody>
                     <a:bodyPr/>
                     <a:lstStyle/>
                     <a:p>
-                      <a:pPr algn="ctr" fontAlgn="ctr"/>
-                      <a:endParaRPr lang="en-US" sz="1100" b="0" i="0" u="none" strike="noStrike">
-                        <a:solidFill>
-                          <a:srgbClr val="000000"/>
-                        </a:solidFill>
+                      <a:endParaRPr lang="en-US" sz="1100" kern="100">
                         <a:effectLst/>
                         <a:latin typeface="Calibri"/>
                       </a:endParaRPr>
                     </a:p>
                   </a:txBody>
-                  <a:tcPr marL="7620" marR="7620" marT="7620" marB="0" anchor="ctr"/>
+                  <a:tcPr marL="68580" marR="68580" marT="0" marB="0" anchor="ctr"/>
                 </a:tc>
                 <a:tc>
                   <a:txBody>
                     <a:bodyPr/>
                     <a:lstStyle/>
                     <a:p>
-                      <a:pPr algn="ctr" fontAlgn="ctr"/>
-                      <a:endParaRPr lang="en-US" sz="1100" b="0" i="0" u="none" strike="noStrike">
-                        <a:solidFill>
-                          <a:srgbClr val="000000"/>
-                        </a:solidFill>
+                      <a:endParaRPr lang="en-US" sz="1100" kern="100">
                         <a:effectLst/>
                         <a:latin typeface="Calibri"/>
                       </a:endParaRPr>
                     </a:p>
                   </a:txBody>
-                  <a:tcPr marL="7620" marR="7620" marT="7620" marB="0" anchor="ctr"/>
+                  <a:tcPr marL="68580" marR="68580" marT="0" marB="0" anchor="ctr"/>
                 </a:tc>
                 <a:tc>
                   <a:txBody>
                     <a:bodyPr/>
                     <a:lstStyle/>
                     <a:p>
-                      <a:pPr algn="ctr" fontAlgn="ctr"/>
-                      <a:endParaRPr lang="en-US" sz="1100" b="0" i="0" u="none" strike="noStrike">
-                        <a:solidFill>
-                          <a:srgbClr val="000000"/>
-                        </a:solidFill>
+                      <a:endParaRPr lang="en-US" sz="1100" kern="100">
                         <a:effectLst/>
                         <a:latin typeface="Calibri"/>
                       </a:endParaRPr>
                     </a:p>
                   </a:txBody>
-                  <a:tcPr marL="7620" marR="7620" marT="7620" marB="0" anchor="ctr"/>
+                  <a:tcPr marL="68580" marR="68580" marT="0" marB="0" anchor="ctr"/>
                 </a:tc>
                 <a:tc>
                   <a:txBody>
                     <a:bodyPr/>
                     <a:lstStyle/>
                     <a:p>
-                      <a:pPr algn="ctr" fontAlgn="ctr"/>
-                      <a:endParaRPr lang="en-US" sz="1100" b="0" i="0" u="none" strike="noStrike">
-                        <a:solidFill>
-                          <a:srgbClr val="000000"/>
-                        </a:solidFill>
+                      <a:endParaRPr lang="en-US" sz="1100" kern="100">
                         <a:effectLst/>
                         <a:latin typeface="Calibri"/>
                       </a:endParaRPr>
                     </a:p>
                   </a:txBody>
-                  <a:tcPr marL="7620" marR="7620" marT="7620" marB="0" anchor="ctr"/>
+                  <a:tcPr marL="68580" marR="68580" marT="0" marB="0" anchor="ctr"/>
                 </a:tc>
                 <a:tc>
                   <a:txBody>
                     <a:bodyPr/>
                     <a:lstStyle/>
                     <a:p>
-                      <a:pPr algn="l" fontAlgn="ctr"/>
+                      <a:pPr marL="0" marR="0" fontAlgn="ctr">
+                        <a:lnSpc>
+                          <a:spcPct val="107000"/>
+                        </a:lnSpc>
+                        <a:spcBef>
+                          <a:spcPts val="0"/>
+                        </a:spcBef>
+                        <a:spcAft>
+                          <a:spcPts val="0"/>
+                        </a:spcAft>
+                      </a:pPr>
                       <a:r>
-                        <a:rPr lang="en-US" sz="1100" u="none" strike="noStrike" dirty="0">
+                        <a:rPr lang="en-US" sz="1100" kern="1200">
                           <a:effectLst/>
                         </a:rPr>
-                        <a:t>41506</a:t>
+                        <a:t>2013-08-20</a:t>
                       </a:r>
-                      <a:endParaRPr lang="en-US" sz="1100" b="0" i="0" u="none" strike="noStrike" dirty="0">
-                        <a:solidFill>
-                          <a:srgbClr val="000000"/>
-                        </a:solidFill>
+                      <a:endParaRPr lang="en-US" sz="1100" kern="100">
                         <a:effectLst/>
                         <a:latin typeface="Calibri"/>
+                        <a:ea typeface="Calibri"/>
+                        <a:cs typeface="Times New Roman"/>
                       </a:endParaRPr>
                     </a:p>
                   </a:txBody>
-                  <a:tcPr marL="7620" marR="7620" marT="7620" marB="0" anchor="ctr"/>
+                  <a:tcPr marL="68580" marR="68580" marT="0" marB="0" anchor="ctr"/>
                 </a:tc>
               </a:tr>
               <a:tr h="283815">
@@ -12736,221 +12922,284 @@
                     <a:bodyPr/>
                     <a:lstStyle/>
                     <a:p>
-                      <a:pPr algn="l" fontAlgn="ctr"/>
+                      <a:pPr marL="0" marR="0" fontAlgn="ctr">
+                        <a:lnSpc>
+                          <a:spcPct val="107000"/>
+                        </a:lnSpc>
+                        <a:spcBef>
+                          <a:spcPts val="0"/>
+                        </a:spcBef>
+                        <a:spcAft>
+                          <a:spcPts val="0"/>
+                        </a:spcAft>
+                      </a:pPr>
                       <a:r>
-                        <a:rPr lang="en-US" sz="1100" u="none" strike="noStrike" dirty="0" err="1">
+                        <a:rPr lang="en-US" sz="1100" kern="1200">
                           <a:effectLst/>
                           <a:latin typeface="Consolas" panose="020B0609020204030204" pitchFamily="49" charset="0"/>
                           <a:cs typeface="Consolas" panose="020B0609020204030204" pitchFamily="49" charset="0"/>
                         </a:rPr>
                         <a:t>LocalDateTime</a:t>
                       </a:r>
-                      <a:endParaRPr lang="en-US" sz="1100" b="1" i="0" u="none" strike="noStrike" dirty="0">
-                        <a:solidFill>
-                          <a:srgbClr val="000000"/>
-                        </a:solidFill>
+                      <a:endParaRPr lang="en-US" sz="1100" kern="100">
                         <a:effectLst/>
                         <a:latin typeface="Consolas" panose="020B0609020204030204" pitchFamily="49" charset="0"/>
+                        <a:ea typeface="Calibri"/>
                         <a:cs typeface="Consolas" panose="020B0609020204030204" pitchFamily="49" charset="0"/>
                       </a:endParaRPr>
                     </a:p>
                   </a:txBody>
-                  <a:tcPr marL="7620" marR="7620" marT="7620" marB="0" anchor="ctr"/>
+                  <a:tcPr marL="68580" marR="68580" marT="0" marB="0" anchor="ctr"/>
                 </a:tc>
                 <a:tc>
                   <a:txBody>
                     <a:bodyPr/>
                     <a:lstStyle/>
                     <a:p>
-                      <a:pPr algn="ctr" fontAlgn="ctr"/>
+                      <a:pPr marL="0" marR="0" algn="ctr" fontAlgn="ctr">
+                        <a:lnSpc>
+                          <a:spcPct val="107000"/>
+                        </a:lnSpc>
+                        <a:spcBef>
+                          <a:spcPts val="0"/>
+                        </a:spcBef>
+                        <a:spcAft>
+                          <a:spcPts val="0"/>
+                        </a:spcAft>
+                      </a:pPr>
                       <a:r>
-                        <a:rPr lang="en-US" sz="1100" u="none" strike="noStrike">
+                        <a:rPr lang="en-US" sz="1100" kern="1200">
                           <a:effectLst/>
                         </a:rPr>
                         <a:t>✓</a:t>
                       </a:r>
-                      <a:endParaRPr lang="en-US" sz="1100" b="0" i="0" u="none" strike="noStrike">
-                        <a:solidFill>
-                          <a:srgbClr val="000000"/>
-                        </a:solidFill>
+                      <a:endParaRPr lang="en-US" sz="1100" kern="100">
                         <a:effectLst/>
                         <a:latin typeface="Calibri"/>
+                        <a:ea typeface="Calibri"/>
+                        <a:cs typeface="Times New Roman"/>
                       </a:endParaRPr>
                     </a:p>
                   </a:txBody>
-                  <a:tcPr marL="7620" marR="7620" marT="7620" marB="0" anchor="ctr"/>
+                  <a:tcPr marL="68580" marR="68580" marT="0" marB="0" anchor="ctr"/>
                 </a:tc>
                 <a:tc>
                   <a:txBody>
                     <a:bodyPr/>
                     <a:lstStyle/>
                     <a:p>
-                      <a:pPr algn="ctr" fontAlgn="ctr"/>
+                      <a:pPr marL="0" marR="0" algn="ctr" fontAlgn="ctr">
+                        <a:lnSpc>
+                          <a:spcPct val="107000"/>
+                        </a:lnSpc>
+                        <a:spcBef>
+                          <a:spcPts val="0"/>
+                        </a:spcBef>
+                        <a:spcAft>
+                          <a:spcPts val="0"/>
+                        </a:spcAft>
+                      </a:pPr>
                       <a:r>
-                        <a:rPr lang="en-US" sz="1100" u="none" strike="noStrike" dirty="0">
+                        <a:rPr lang="en-US" sz="1100" kern="1200">
                           <a:effectLst/>
                         </a:rPr>
                         <a:t>✓</a:t>
                       </a:r>
-                      <a:endParaRPr lang="en-US" sz="1100" b="0" i="0" u="none" strike="noStrike" dirty="0">
-                        <a:solidFill>
-                          <a:srgbClr val="000000"/>
-                        </a:solidFill>
+                      <a:endParaRPr lang="en-US" sz="1100" kern="100">
                         <a:effectLst/>
                         <a:latin typeface="Calibri"/>
+                        <a:ea typeface="Calibri"/>
+                        <a:cs typeface="Times New Roman"/>
                       </a:endParaRPr>
                     </a:p>
                   </a:txBody>
-                  <a:tcPr marL="7620" marR="7620" marT="7620" marB="0" anchor="ctr"/>
+                  <a:tcPr marL="68580" marR="68580" marT="0" marB="0" anchor="ctr"/>
                 </a:tc>
                 <a:tc>
                   <a:txBody>
                     <a:bodyPr/>
                     <a:lstStyle/>
                     <a:p>
-                      <a:pPr algn="ctr" fontAlgn="ctr"/>
+                      <a:pPr marL="0" marR="0" algn="ctr" fontAlgn="ctr">
+                        <a:lnSpc>
+                          <a:spcPct val="107000"/>
+                        </a:lnSpc>
+                        <a:spcBef>
+                          <a:spcPts val="0"/>
+                        </a:spcBef>
+                        <a:spcAft>
+                          <a:spcPts val="0"/>
+                        </a:spcAft>
+                      </a:pPr>
                       <a:r>
-                        <a:rPr lang="en-US" sz="1100" u="none" strike="noStrike">
+                        <a:rPr lang="en-US" sz="1100" kern="1200">
                           <a:effectLst/>
                         </a:rPr>
                         <a:t>✓</a:t>
                       </a:r>
-                      <a:endParaRPr lang="en-US" sz="1100" b="0" i="0" u="none" strike="noStrike">
-                        <a:solidFill>
-                          <a:srgbClr val="000000"/>
-                        </a:solidFill>
+                      <a:endParaRPr lang="en-US" sz="1100" kern="100">
                         <a:effectLst/>
                         <a:latin typeface="Calibri"/>
+                        <a:ea typeface="Calibri"/>
+                        <a:cs typeface="Times New Roman"/>
                       </a:endParaRPr>
                     </a:p>
                   </a:txBody>
-                  <a:tcPr marL="7620" marR="7620" marT="7620" marB="0" anchor="ctr"/>
+                  <a:tcPr marL="68580" marR="68580" marT="0" marB="0" anchor="ctr"/>
                 </a:tc>
                 <a:tc>
                   <a:txBody>
                     <a:bodyPr/>
                     <a:lstStyle/>
                     <a:p>
-                      <a:pPr algn="ctr" fontAlgn="ctr"/>
+                      <a:pPr marL="0" marR="0" algn="ctr" fontAlgn="ctr">
+                        <a:lnSpc>
+                          <a:spcPct val="107000"/>
+                        </a:lnSpc>
+                        <a:spcBef>
+                          <a:spcPts val="0"/>
+                        </a:spcBef>
+                        <a:spcAft>
+                          <a:spcPts val="0"/>
+                        </a:spcAft>
+                      </a:pPr>
                       <a:r>
-                        <a:rPr lang="en-US" sz="1100" u="none" strike="noStrike">
+                        <a:rPr lang="en-US" sz="1100" kern="1200">
                           <a:effectLst/>
                         </a:rPr>
                         <a:t>✓</a:t>
                       </a:r>
-                      <a:endParaRPr lang="en-US" sz="1100" b="0" i="0" u="none" strike="noStrike">
-                        <a:solidFill>
-                          <a:srgbClr val="000000"/>
-                        </a:solidFill>
+                      <a:endParaRPr lang="en-US" sz="1100" kern="100">
                         <a:effectLst/>
                         <a:latin typeface="Calibri"/>
+                        <a:ea typeface="Calibri"/>
+                        <a:cs typeface="Times New Roman"/>
                       </a:endParaRPr>
                     </a:p>
                   </a:txBody>
-                  <a:tcPr marL="7620" marR="7620" marT="7620" marB="0" anchor="ctr"/>
+                  <a:tcPr marL="68580" marR="68580" marT="0" marB="0" anchor="ctr"/>
                 </a:tc>
                 <a:tc>
                   <a:txBody>
                     <a:bodyPr/>
                     <a:lstStyle/>
                     <a:p>
-                      <a:pPr algn="ctr" fontAlgn="ctr"/>
+                      <a:pPr marL="0" marR="0" algn="ctr" fontAlgn="ctr">
+                        <a:lnSpc>
+                          <a:spcPct val="107000"/>
+                        </a:lnSpc>
+                        <a:spcBef>
+                          <a:spcPts val="0"/>
+                        </a:spcBef>
+                        <a:spcAft>
+                          <a:spcPts val="0"/>
+                        </a:spcAft>
+                      </a:pPr>
                       <a:r>
-                        <a:rPr lang="en-US" sz="1100" u="none" strike="noStrike">
+                        <a:rPr lang="en-US" sz="1100" kern="1200">
                           <a:effectLst/>
                         </a:rPr>
                         <a:t>✓</a:t>
                       </a:r>
-                      <a:endParaRPr lang="en-US" sz="1100" b="0" i="0" u="none" strike="noStrike">
-                        <a:solidFill>
-                          <a:srgbClr val="000000"/>
-                        </a:solidFill>
+                      <a:endParaRPr lang="en-US" sz="1100" kern="100">
                         <a:effectLst/>
                         <a:latin typeface="Calibri"/>
+                        <a:ea typeface="Calibri"/>
+                        <a:cs typeface="Times New Roman"/>
                       </a:endParaRPr>
                     </a:p>
                   </a:txBody>
-                  <a:tcPr marL="7620" marR="7620" marT="7620" marB="0" anchor="ctr"/>
+                  <a:tcPr marL="68580" marR="68580" marT="0" marB="0" anchor="ctr"/>
                 </a:tc>
                 <a:tc>
                   <a:txBody>
                     <a:bodyPr/>
                     <a:lstStyle/>
                     <a:p>
-                      <a:pPr algn="ctr" fontAlgn="ctr"/>
+                      <a:pPr marL="0" marR="0" algn="ctr" fontAlgn="ctr">
+                        <a:lnSpc>
+                          <a:spcPct val="107000"/>
+                        </a:lnSpc>
+                        <a:spcBef>
+                          <a:spcPts val="0"/>
+                        </a:spcBef>
+                        <a:spcAft>
+                          <a:spcPts val="0"/>
+                        </a:spcAft>
+                      </a:pPr>
                       <a:r>
-                        <a:rPr lang="en-US" sz="1100" u="none" strike="noStrike">
+                        <a:rPr lang="en-US" sz="1100" kern="1200">
                           <a:effectLst/>
                         </a:rPr>
                         <a:t>✓</a:t>
                       </a:r>
-                      <a:endParaRPr lang="en-US" sz="1100" b="0" i="0" u="none" strike="noStrike">
-                        <a:solidFill>
-                          <a:srgbClr val="000000"/>
-                        </a:solidFill>
+                      <a:endParaRPr lang="en-US" sz="1100" kern="100">
                         <a:effectLst/>
                         <a:latin typeface="Calibri"/>
+                        <a:ea typeface="Calibri"/>
+                        <a:cs typeface="Times New Roman"/>
                       </a:endParaRPr>
                     </a:p>
                   </a:txBody>
-                  <a:tcPr marL="7620" marR="7620" marT="7620" marB="0" anchor="ctr"/>
+                  <a:tcPr marL="68580" marR="68580" marT="0" marB="0" anchor="ctr"/>
                 </a:tc>
                 <a:tc>
                   <a:txBody>
                     <a:bodyPr/>
                     <a:lstStyle/>
                     <a:p>
-                      <a:pPr algn="ctr" fontAlgn="ctr"/>
-                      <a:endParaRPr lang="en-US" sz="1100" b="0" i="0" u="none" strike="noStrike" dirty="0">
-                        <a:solidFill>
-                          <a:srgbClr val="000000"/>
-                        </a:solidFill>
+                      <a:endParaRPr lang="en-US" sz="1100" kern="100">
                         <a:effectLst/>
                         <a:latin typeface="Calibri"/>
                       </a:endParaRPr>
                     </a:p>
                   </a:txBody>
-                  <a:tcPr marL="7620" marR="7620" marT="7620" marB="0" anchor="ctr"/>
+                  <a:tcPr marL="68580" marR="68580" marT="0" marB="0" anchor="ctr"/>
                 </a:tc>
                 <a:tc>
                   <a:txBody>
                     <a:bodyPr/>
                     <a:lstStyle/>
                     <a:p>
-                      <a:pPr algn="ctr" fontAlgn="ctr"/>
-                      <a:endParaRPr lang="en-US" sz="1100" b="0" i="0" u="none" strike="noStrike">
-                        <a:solidFill>
-                          <a:srgbClr val="000000"/>
-                        </a:solidFill>
+                      <a:endParaRPr lang="en-US" sz="1100" kern="100">
                         <a:effectLst/>
                         <a:latin typeface="Calibri"/>
                       </a:endParaRPr>
                     </a:p>
                   </a:txBody>
-                  <a:tcPr marL="7620" marR="7620" marT="7620" marB="0" anchor="ctr"/>
+                  <a:tcPr marL="68580" marR="68580" marT="0" marB="0" anchor="ctr"/>
                 </a:tc>
                 <a:tc>
                   <a:txBody>
                     <a:bodyPr/>
                     <a:lstStyle/>
                     <a:p>
-                      <a:pPr algn="l" fontAlgn="ctr"/>
+                      <a:pPr marL="0" marR="0" fontAlgn="ctr">
+                        <a:lnSpc>
+                          <a:spcPct val="107000"/>
+                        </a:lnSpc>
+                        <a:spcBef>
+                          <a:spcPts val="0"/>
+                        </a:spcBef>
+                        <a:spcAft>
+                          <a:spcPts val="0"/>
+                        </a:spcAft>
+                      </a:pPr>
                       <a:r>
-                        <a:rPr lang="en-US" sz="1100" u="none" strike="noStrike" dirty="0">
+                        <a:rPr lang="en-US" sz="1100" kern="1200">
                           <a:effectLst/>
                         </a:rPr>
                         <a:t>2013-08-20T08:16:26.937</a:t>
                       </a:r>
-                      <a:endParaRPr lang="en-US" sz="1100" b="0" i="0" u="none" strike="noStrike" dirty="0">
-                        <a:solidFill>
-                          <a:srgbClr val="000000"/>
-                        </a:solidFill>
+                      <a:endParaRPr lang="en-US" sz="1100" kern="100">
                         <a:effectLst/>
                         <a:latin typeface="Calibri"/>
+                        <a:ea typeface="Calibri"/>
+                        <a:cs typeface="Times New Roman"/>
                       </a:endParaRPr>
                     </a:p>
                   </a:txBody>
-                  <a:tcPr marL="7620" marR="7620" marT="7620" marB="0" anchor="ctr"/>
+                  <a:tcPr marL="68580" marR="68580" marT="0" marB="0" anchor="ctr"/>
                 </a:tc>
               </a:tr>
               <a:tr h="283815">
@@ -12959,233 +13208,322 @@
                     <a:bodyPr/>
                     <a:lstStyle/>
                     <a:p>
-                      <a:pPr algn="l" fontAlgn="ctr"/>
+                      <a:pPr marL="0" marR="0" fontAlgn="ctr">
+                        <a:lnSpc>
+                          <a:spcPct val="107000"/>
+                        </a:lnSpc>
+                        <a:spcBef>
+                          <a:spcPts val="0"/>
+                        </a:spcBef>
+                        <a:spcAft>
+                          <a:spcPts val="0"/>
+                        </a:spcAft>
+                      </a:pPr>
                       <a:r>
-                        <a:rPr lang="en-US" sz="1100" u="none" strike="noStrike">
+                        <a:rPr lang="en-US" sz="1100" kern="1200" dirty="0" err="1">
                           <a:effectLst/>
                           <a:latin typeface="Consolas" panose="020B0609020204030204" pitchFamily="49" charset="0"/>
                           <a:cs typeface="Consolas" panose="020B0609020204030204" pitchFamily="49" charset="0"/>
                         </a:rPr>
                         <a:t>ZonedDateTime</a:t>
                       </a:r>
-                      <a:endParaRPr lang="en-US" sz="1100" b="1" i="0" u="none" strike="noStrike">
-                        <a:solidFill>
-                          <a:srgbClr val="000000"/>
-                        </a:solidFill>
+                      <a:endParaRPr lang="en-US" sz="1100" kern="100" dirty="0">
                         <a:effectLst/>
                         <a:latin typeface="Consolas" panose="020B0609020204030204" pitchFamily="49" charset="0"/>
+                        <a:ea typeface="Calibri"/>
                         <a:cs typeface="Consolas" panose="020B0609020204030204" pitchFamily="49" charset="0"/>
                       </a:endParaRPr>
                     </a:p>
                   </a:txBody>
-                  <a:tcPr marL="7620" marR="7620" marT="7620" marB="0" anchor="ctr"/>
+                  <a:tcPr marL="68580" marR="68580" marT="0" marB="0" anchor="ctr"/>
                 </a:tc>
                 <a:tc>
                   <a:txBody>
                     <a:bodyPr/>
                     <a:lstStyle/>
                     <a:p>
-                      <a:pPr algn="ctr" fontAlgn="ctr"/>
+                      <a:pPr marL="0" marR="0" algn="ctr" fontAlgn="ctr">
+                        <a:lnSpc>
+                          <a:spcPct val="107000"/>
+                        </a:lnSpc>
+                        <a:spcBef>
+                          <a:spcPts val="0"/>
+                        </a:spcBef>
+                        <a:spcAft>
+                          <a:spcPts val="0"/>
+                        </a:spcAft>
+                      </a:pPr>
                       <a:r>
-                        <a:rPr lang="en-US" sz="1100" u="none" strike="noStrike" dirty="0">
+                        <a:rPr lang="en-US" sz="1100" kern="1200" dirty="0">
                           <a:effectLst/>
                         </a:rPr>
                         <a:t>✓</a:t>
                       </a:r>
-                      <a:endParaRPr lang="en-US" sz="1100" b="0" i="0" u="none" strike="noStrike" dirty="0">
-                        <a:solidFill>
-                          <a:srgbClr val="000000"/>
-                        </a:solidFill>
+                      <a:endParaRPr lang="en-US" sz="1100" kern="100" dirty="0">
                         <a:effectLst/>
                         <a:latin typeface="Calibri"/>
+                        <a:ea typeface="Calibri"/>
+                        <a:cs typeface="Times New Roman"/>
                       </a:endParaRPr>
                     </a:p>
                   </a:txBody>
-                  <a:tcPr marL="7620" marR="7620" marT="7620" marB="0" anchor="ctr"/>
+                  <a:tcPr marL="68580" marR="68580" marT="0" marB="0" anchor="ctr"/>
                 </a:tc>
                 <a:tc>
                   <a:txBody>
                     <a:bodyPr/>
                     <a:lstStyle/>
                     <a:p>
-                      <a:pPr algn="ctr" fontAlgn="ctr"/>
+                      <a:pPr marL="0" marR="0" algn="ctr" fontAlgn="ctr">
+                        <a:lnSpc>
+                          <a:spcPct val="107000"/>
+                        </a:lnSpc>
+                        <a:spcBef>
+                          <a:spcPts val="0"/>
+                        </a:spcBef>
+                        <a:spcAft>
+                          <a:spcPts val="0"/>
+                        </a:spcAft>
+                      </a:pPr>
                       <a:r>
-                        <a:rPr lang="en-US" sz="1100" u="none" strike="noStrike">
+                        <a:rPr lang="en-US" sz="1100" kern="1200">
                           <a:effectLst/>
                         </a:rPr>
                         <a:t>✓</a:t>
                       </a:r>
-                      <a:endParaRPr lang="en-US" sz="1100" b="0" i="0" u="none" strike="noStrike">
-                        <a:solidFill>
-                          <a:srgbClr val="000000"/>
-                        </a:solidFill>
+                      <a:endParaRPr lang="en-US" sz="1100" kern="100">
                         <a:effectLst/>
                         <a:latin typeface="Calibri"/>
+                        <a:ea typeface="Calibri"/>
+                        <a:cs typeface="Times New Roman"/>
                       </a:endParaRPr>
                     </a:p>
                   </a:txBody>
-                  <a:tcPr marL="7620" marR="7620" marT="7620" marB="0" anchor="ctr"/>
+                  <a:tcPr marL="68580" marR="68580" marT="0" marB="0" anchor="ctr"/>
                 </a:tc>
                 <a:tc>
                   <a:txBody>
                     <a:bodyPr/>
                     <a:lstStyle/>
                     <a:p>
-                      <a:pPr algn="ctr" fontAlgn="ctr"/>
+                      <a:pPr marL="0" marR="0" algn="ctr" fontAlgn="ctr">
+                        <a:lnSpc>
+                          <a:spcPct val="107000"/>
+                        </a:lnSpc>
+                        <a:spcBef>
+                          <a:spcPts val="0"/>
+                        </a:spcBef>
+                        <a:spcAft>
+                          <a:spcPts val="0"/>
+                        </a:spcAft>
+                      </a:pPr>
                       <a:r>
-                        <a:rPr lang="en-US" sz="1100" u="none" strike="noStrike" dirty="0">
+                        <a:rPr lang="en-US" sz="1100" kern="1200">
                           <a:effectLst/>
                         </a:rPr>
                         <a:t>✓</a:t>
                       </a:r>
-                      <a:endParaRPr lang="en-US" sz="1100" b="0" i="0" u="none" strike="noStrike" dirty="0">
-                        <a:solidFill>
-                          <a:srgbClr val="000000"/>
-                        </a:solidFill>
+                      <a:endParaRPr lang="en-US" sz="1100" kern="100">
                         <a:effectLst/>
                         <a:latin typeface="Calibri"/>
+                        <a:ea typeface="Calibri"/>
+                        <a:cs typeface="Times New Roman"/>
                       </a:endParaRPr>
                     </a:p>
                   </a:txBody>
-                  <a:tcPr marL="7620" marR="7620" marT="7620" marB="0" anchor="ctr"/>
+                  <a:tcPr marL="68580" marR="68580" marT="0" marB="0" anchor="ctr"/>
                 </a:tc>
                 <a:tc>
                   <a:txBody>
                     <a:bodyPr/>
                     <a:lstStyle/>
                     <a:p>
-                      <a:pPr algn="ctr" fontAlgn="ctr"/>
+                      <a:pPr marL="0" marR="0" algn="ctr" fontAlgn="ctr">
+                        <a:lnSpc>
+                          <a:spcPct val="107000"/>
+                        </a:lnSpc>
+                        <a:spcBef>
+                          <a:spcPts val="0"/>
+                        </a:spcBef>
+                        <a:spcAft>
+                          <a:spcPts val="0"/>
+                        </a:spcAft>
+                      </a:pPr>
                       <a:r>
-                        <a:rPr lang="en-US" sz="1100" u="none" strike="noStrike">
+                        <a:rPr lang="en-US" sz="1100" kern="1200">
                           <a:effectLst/>
                         </a:rPr>
                         <a:t>✓</a:t>
                       </a:r>
-                      <a:endParaRPr lang="en-US" sz="1100" b="0" i="0" u="none" strike="noStrike">
-                        <a:solidFill>
-                          <a:srgbClr val="000000"/>
-                        </a:solidFill>
+                      <a:endParaRPr lang="en-US" sz="1100" kern="100">
                         <a:effectLst/>
                         <a:latin typeface="Calibri"/>
+                        <a:ea typeface="Calibri"/>
+                        <a:cs typeface="Times New Roman"/>
                       </a:endParaRPr>
                     </a:p>
                   </a:txBody>
-                  <a:tcPr marL="7620" marR="7620" marT="7620" marB="0" anchor="ctr"/>
+                  <a:tcPr marL="68580" marR="68580" marT="0" marB="0" anchor="ctr"/>
                 </a:tc>
                 <a:tc>
                   <a:txBody>
                     <a:bodyPr/>
                     <a:lstStyle/>
                     <a:p>
-                      <a:pPr algn="ctr" fontAlgn="ctr"/>
+                      <a:pPr marL="0" marR="0" algn="ctr" fontAlgn="ctr">
+                        <a:lnSpc>
+                          <a:spcPct val="107000"/>
+                        </a:lnSpc>
+                        <a:spcBef>
+                          <a:spcPts val="0"/>
+                        </a:spcBef>
+                        <a:spcAft>
+                          <a:spcPts val="0"/>
+                        </a:spcAft>
+                      </a:pPr>
                       <a:r>
-                        <a:rPr lang="en-US" sz="1100" u="none" strike="noStrike">
+                        <a:rPr lang="en-US" sz="1100" kern="1200">
                           <a:effectLst/>
                         </a:rPr>
                         <a:t>✓</a:t>
                       </a:r>
-                      <a:endParaRPr lang="en-US" sz="1100" b="0" i="0" u="none" strike="noStrike">
-                        <a:solidFill>
-                          <a:srgbClr val="000000"/>
-                        </a:solidFill>
+                      <a:endParaRPr lang="en-US" sz="1100" kern="100">
                         <a:effectLst/>
                         <a:latin typeface="Calibri"/>
+                        <a:ea typeface="Calibri"/>
+                        <a:cs typeface="Times New Roman"/>
                       </a:endParaRPr>
                     </a:p>
                   </a:txBody>
-                  <a:tcPr marL="7620" marR="7620" marT="7620" marB="0" anchor="ctr"/>
+                  <a:tcPr marL="68580" marR="68580" marT="0" marB="0" anchor="ctr"/>
                 </a:tc>
                 <a:tc>
                   <a:txBody>
                     <a:bodyPr/>
                     <a:lstStyle/>
                     <a:p>
-                      <a:pPr algn="ctr" fontAlgn="ctr"/>
+                      <a:pPr marL="0" marR="0" algn="ctr" fontAlgn="ctr">
+                        <a:lnSpc>
+                          <a:spcPct val="107000"/>
+                        </a:lnSpc>
+                        <a:spcBef>
+                          <a:spcPts val="0"/>
+                        </a:spcBef>
+                        <a:spcAft>
+                          <a:spcPts val="0"/>
+                        </a:spcAft>
+                      </a:pPr>
                       <a:r>
-                        <a:rPr lang="en-US" sz="1100" u="none" strike="noStrike" dirty="0">
+                        <a:rPr lang="en-US" sz="1100" kern="1200">
                           <a:effectLst/>
                         </a:rPr>
                         <a:t>✓</a:t>
                       </a:r>
-                      <a:endParaRPr lang="en-US" sz="1100" b="0" i="0" u="none" strike="noStrike" dirty="0">
-                        <a:solidFill>
-                          <a:srgbClr val="000000"/>
-                        </a:solidFill>
+                      <a:endParaRPr lang="en-US" sz="1100" kern="100">
                         <a:effectLst/>
                         <a:latin typeface="Calibri"/>
+                        <a:ea typeface="Calibri"/>
+                        <a:cs typeface="Times New Roman"/>
                       </a:endParaRPr>
                     </a:p>
                   </a:txBody>
-                  <a:tcPr marL="7620" marR="7620" marT="7620" marB="0" anchor="ctr"/>
+                  <a:tcPr marL="68580" marR="68580" marT="0" marB="0" anchor="ctr"/>
                 </a:tc>
                 <a:tc>
                   <a:txBody>
                     <a:bodyPr/>
                     <a:lstStyle/>
                     <a:p>
-                      <a:pPr algn="ctr" fontAlgn="ctr"/>
+                      <a:pPr marL="0" marR="0" algn="ctr" fontAlgn="ctr">
+                        <a:lnSpc>
+                          <a:spcPct val="107000"/>
+                        </a:lnSpc>
+                        <a:spcBef>
+                          <a:spcPts val="0"/>
+                        </a:spcBef>
+                        <a:spcAft>
+                          <a:spcPts val="0"/>
+                        </a:spcAft>
+                      </a:pPr>
                       <a:r>
-                        <a:rPr lang="en-US" sz="1100" u="none" strike="noStrike">
+                        <a:rPr lang="en-US" sz="1100" kern="1200">
                           <a:effectLst/>
                         </a:rPr>
                         <a:t>✓</a:t>
                       </a:r>
-                      <a:endParaRPr lang="en-US" sz="1100" b="0" i="0" u="none" strike="noStrike">
-                        <a:solidFill>
-                          <a:srgbClr val="000000"/>
-                        </a:solidFill>
+                      <a:endParaRPr lang="en-US" sz="1100" kern="100">
                         <a:effectLst/>
                         <a:latin typeface="Calibri"/>
+                        <a:ea typeface="Calibri"/>
+                        <a:cs typeface="Times New Roman"/>
                       </a:endParaRPr>
                     </a:p>
                   </a:txBody>
-                  <a:tcPr marL="7620" marR="7620" marT="7620" marB="0" anchor="ctr"/>
+                  <a:tcPr marL="68580" marR="68580" marT="0" marB="0" anchor="ctr"/>
                 </a:tc>
                 <a:tc>
                   <a:txBody>
                     <a:bodyPr/>
                     <a:lstStyle/>
                     <a:p>
-                      <a:pPr algn="ctr" fontAlgn="ctr"/>
+                      <a:pPr marL="0" marR="0" algn="ctr" fontAlgn="ctr">
+                        <a:lnSpc>
+                          <a:spcPct val="107000"/>
+                        </a:lnSpc>
+                        <a:spcBef>
+                          <a:spcPts val="0"/>
+                        </a:spcBef>
+                        <a:spcAft>
+                          <a:spcPts val="0"/>
+                        </a:spcAft>
+                      </a:pPr>
                       <a:r>
-                        <a:rPr lang="en-US" sz="1100" u="none" strike="noStrike">
+                        <a:rPr lang="en-US" sz="1100" kern="1200">
                           <a:effectLst/>
                         </a:rPr>
                         <a:t>✓</a:t>
                       </a:r>
-                      <a:endParaRPr lang="en-US" sz="1100" b="0" i="0" u="none" strike="noStrike">
-                        <a:solidFill>
-                          <a:srgbClr val="000000"/>
-                        </a:solidFill>
+                      <a:endParaRPr lang="en-US" sz="1100" kern="100">
                         <a:effectLst/>
                         <a:latin typeface="Calibri"/>
+                        <a:ea typeface="Calibri"/>
+                        <a:cs typeface="Times New Roman"/>
                       </a:endParaRPr>
                     </a:p>
                   </a:txBody>
-                  <a:tcPr marL="7620" marR="7620" marT="7620" marB="0" anchor="ctr"/>
+                  <a:tcPr marL="68580" marR="68580" marT="0" marB="0" anchor="ctr"/>
                 </a:tc>
                 <a:tc>
                   <a:txBody>
                     <a:bodyPr/>
                     <a:lstStyle/>
                     <a:p>
-                      <a:pPr algn="l" fontAlgn="ctr"/>
+                      <a:pPr marL="0" marR="0" fontAlgn="ctr">
+                        <a:lnSpc>
+                          <a:spcPct val="107000"/>
+                        </a:lnSpc>
+                        <a:spcBef>
+                          <a:spcPts val="0"/>
+                        </a:spcBef>
+                        <a:spcAft>
+                          <a:spcPts val="0"/>
+                        </a:spcAft>
+                      </a:pPr>
                       <a:r>
-                        <a:rPr lang="en-US" sz="1100" u="none" strike="noStrike" dirty="0">
+                        <a:rPr lang="en-US" sz="1100" kern="1200">
                           <a:effectLst/>
                         </a:rPr>
                         <a:t>2013-08-21T00:16:26.941+09:00[Asia/Tokyo]</a:t>
                       </a:r>
-                      <a:endParaRPr lang="en-US" sz="1100" b="0" i="0" u="none" strike="noStrike" dirty="0">
-                        <a:solidFill>
-                          <a:srgbClr val="000000"/>
-                        </a:solidFill>
+                      <a:endParaRPr lang="en-US" sz="1100" kern="100">
                         <a:effectLst/>
                         <a:latin typeface="Calibri"/>
+                        <a:ea typeface="Calibri"/>
+                        <a:cs typeface="Times New Roman"/>
                       </a:endParaRPr>
                     </a:p>
                   </a:txBody>
-                  <a:tcPr marL="7620" marR="7620" marT="7620" marB="0" anchor="ctr"/>
+                  <a:tcPr marL="68580" marR="68580" marT="0" marB="0" anchor="ctr"/>
                 </a:tc>
               </a:tr>
               <a:tr h="283815">
@@ -13194,203 +13532,227 @@
                     <a:bodyPr/>
                     <a:lstStyle/>
                     <a:p>
-                      <a:pPr algn="l" fontAlgn="ctr"/>
+                      <a:pPr marL="0" marR="0" fontAlgn="ctr">
+                        <a:lnSpc>
+                          <a:spcPct val="107000"/>
+                        </a:lnSpc>
+                        <a:spcBef>
+                          <a:spcPts val="0"/>
+                        </a:spcBef>
+                        <a:spcAft>
+                          <a:spcPts val="0"/>
+                        </a:spcAft>
+                      </a:pPr>
                       <a:r>
-                        <a:rPr lang="en-US" sz="1100" u="none" strike="noStrike">
+                        <a:rPr lang="en-US" sz="1100" kern="1200" dirty="0" err="1">
                           <a:effectLst/>
                           <a:latin typeface="Consolas" panose="020B0609020204030204" pitchFamily="49" charset="0"/>
                           <a:cs typeface="Consolas" panose="020B0609020204030204" pitchFamily="49" charset="0"/>
                         </a:rPr>
                         <a:t>LocalTime</a:t>
                       </a:r>
-                      <a:endParaRPr lang="en-US" sz="1100" b="1" i="0" u="none" strike="noStrike">
-                        <a:solidFill>
-                          <a:srgbClr val="000000"/>
-                        </a:solidFill>
+                      <a:endParaRPr lang="en-US" sz="1100" kern="100" dirty="0">
                         <a:effectLst/>
                         <a:latin typeface="Consolas" panose="020B0609020204030204" pitchFamily="49" charset="0"/>
+                        <a:ea typeface="Calibri"/>
                         <a:cs typeface="Consolas" panose="020B0609020204030204" pitchFamily="49" charset="0"/>
                       </a:endParaRPr>
                     </a:p>
                   </a:txBody>
-                  <a:tcPr marL="7620" marR="7620" marT="7620" marB="0" anchor="ctr"/>
+                  <a:tcPr marL="68580" marR="68580" marT="0" marB="0" anchor="ctr"/>
                 </a:tc>
                 <a:tc>
                   <a:txBody>
                     <a:bodyPr/>
                     <a:lstStyle/>
                     <a:p>
-                      <a:pPr algn="ctr" fontAlgn="ctr"/>
-                      <a:endParaRPr lang="en-US" sz="1100" b="0" i="0" u="none" strike="noStrike">
-                        <a:solidFill>
-                          <a:srgbClr val="000000"/>
-                        </a:solidFill>
+                      <a:endParaRPr lang="en-US" sz="1100" kern="100" dirty="0">
                         <a:effectLst/>
                         <a:latin typeface="Calibri"/>
                       </a:endParaRPr>
                     </a:p>
                   </a:txBody>
-                  <a:tcPr marL="7620" marR="7620" marT="7620" marB="0" anchor="ctr"/>
+                  <a:tcPr marL="68580" marR="68580" marT="0" marB="0" anchor="ctr"/>
                 </a:tc>
                 <a:tc>
                   <a:txBody>
                     <a:bodyPr/>
                     <a:lstStyle/>
                     <a:p>
-                      <a:pPr algn="ctr" fontAlgn="ctr"/>
-                      <a:endParaRPr lang="en-US" sz="1100" b="0" i="0" u="none" strike="noStrike">
-                        <a:solidFill>
-                          <a:srgbClr val="000000"/>
-                        </a:solidFill>
+                      <a:endParaRPr lang="en-US" sz="1100" kern="100" dirty="0">
                         <a:effectLst/>
                         <a:latin typeface="Calibri"/>
                       </a:endParaRPr>
                     </a:p>
                   </a:txBody>
-                  <a:tcPr marL="7620" marR="7620" marT="7620" marB="0" anchor="ctr"/>
+                  <a:tcPr marL="68580" marR="68580" marT="0" marB="0" anchor="ctr"/>
                 </a:tc>
                 <a:tc>
                   <a:txBody>
                     <a:bodyPr/>
                     <a:lstStyle/>
                     <a:p>
-                      <a:pPr algn="ctr" fontAlgn="ctr"/>
-                      <a:endParaRPr lang="en-US" sz="1100" b="0" i="0" u="none" strike="noStrike" dirty="0">
-                        <a:solidFill>
-                          <a:srgbClr val="000000"/>
-                        </a:solidFill>
+                      <a:endParaRPr lang="en-US" sz="1100" kern="100" dirty="0">
                         <a:effectLst/>
                         <a:latin typeface="Calibri"/>
                       </a:endParaRPr>
                     </a:p>
                   </a:txBody>
-                  <a:tcPr marL="7620" marR="7620" marT="7620" marB="0" anchor="ctr"/>
+                  <a:tcPr marL="68580" marR="68580" marT="0" marB="0" anchor="ctr"/>
                 </a:tc>
                 <a:tc>
                   <a:txBody>
                     <a:bodyPr/>
                     <a:lstStyle/>
                     <a:p>
-                      <a:pPr algn="ctr" fontAlgn="ctr"/>
+                      <a:pPr marL="0" marR="0" algn="ctr" fontAlgn="ctr">
+                        <a:lnSpc>
+                          <a:spcPct val="107000"/>
+                        </a:lnSpc>
+                        <a:spcBef>
+                          <a:spcPts val="0"/>
+                        </a:spcBef>
+                        <a:spcAft>
+                          <a:spcPts val="0"/>
+                        </a:spcAft>
+                      </a:pPr>
                       <a:r>
-                        <a:rPr lang="en-US" sz="1100" u="none" strike="noStrike" dirty="0">
+                        <a:rPr lang="en-US" sz="1100" kern="1200">
                           <a:effectLst/>
                         </a:rPr>
                         <a:t>✓</a:t>
                       </a:r>
-                      <a:endParaRPr lang="en-US" sz="1100" b="0" i="0" u="none" strike="noStrike" dirty="0">
-                        <a:solidFill>
-                          <a:srgbClr val="000000"/>
-                        </a:solidFill>
+                      <a:endParaRPr lang="en-US" sz="1100" kern="100">
                         <a:effectLst/>
                         <a:latin typeface="Calibri"/>
+                        <a:ea typeface="Calibri"/>
+                        <a:cs typeface="Times New Roman"/>
                       </a:endParaRPr>
                     </a:p>
                   </a:txBody>
-                  <a:tcPr marL="7620" marR="7620" marT="7620" marB="0" anchor="ctr"/>
+                  <a:tcPr marL="68580" marR="68580" marT="0" marB="0" anchor="ctr"/>
                 </a:tc>
                 <a:tc>
                   <a:txBody>
                     <a:bodyPr/>
                     <a:lstStyle/>
                     <a:p>
-                      <a:pPr algn="ctr" fontAlgn="ctr"/>
+                      <a:pPr marL="0" marR="0" algn="ctr" fontAlgn="ctr">
+                        <a:lnSpc>
+                          <a:spcPct val="107000"/>
+                        </a:lnSpc>
+                        <a:spcBef>
+                          <a:spcPts val="0"/>
+                        </a:spcBef>
+                        <a:spcAft>
+                          <a:spcPts val="0"/>
+                        </a:spcAft>
+                      </a:pPr>
                       <a:r>
-                        <a:rPr lang="en-US" sz="1100" u="none" strike="noStrike">
+                        <a:rPr lang="en-US" sz="1100" kern="1200">
                           <a:effectLst/>
                         </a:rPr>
                         <a:t>✓</a:t>
                       </a:r>
-                      <a:endParaRPr lang="en-US" sz="1100" b="0" i="0" u="none" strike="noStrike">
-                        <a:solidFill>
-                          <a:srgbClr val="000000"/>
-                        </a:solidFill>
+                      <a:endParaRPr lang="en-US" sz="1100" kern="100">
                         <a:effectLst/>
                         <a:latin typeface="Calibri"/>
+                        <a:ea typeface="Calibri"/>
+                        <a:cs typeface="Times New Roman"/>
                       </a:endParaRPr>
                     </a:p>
                   </a:txBody>
-                  <a:tcPr marL="7620" marR="7620" marT="7620" marB="0" anchor="ctr"/>
+                  <a:tcPr marL="68580" marR="68580" marT="0" marB="0" anchor="ctr"/>
                 </a:tc>
                 <a:tc>
                   <a:txBody>
                     <a:bodyPr/>
                     <a:lstStyle/>
                     <a:p>
-                      <a:pPr algn="ctr" fontAlgn="ctr"/>
+                      <a:pPr marL="0" marR="0" algn="ctr" fontAlgn="ctr">
+                        <a:lnSpc>
+                          <a:spcPct val="107000"/>
+                        </a:lnSpc>
+                        <a:spcBef>
+                          <a:spcPts val="0"/>
+                        </a:spcBef>
+                        <a:spcAft>
+                          <a:spcPts val="0"/>
+                        </a:spcAft>
+                      </a:pPr>
                       <a:r>
-                        <a:rPr lang="en-US" sz="1100" u="none" strike="noStrike" dirty="0">
+                        <a:rPr lang="en-US" sz="1100" kern="1200">
                           <a:effectLst/>
                         </a:rPr>
                         <a:t>✓</a:t>
                       </a:r>
-                      <a:endParaRPr lang="en-US" sz="1100" b="0" i="0" u="none" strike="noStrike" dirty="0">
-                        <a:solidFill>
-                          <a:srgbClr val="000000"/>
-                        </a:solidFill>
+                      <a:endParaRPr lang="en-US" sz="1100" kern="100">
                         <a:effectLst/>
                         <a:latin typeface="Calibri"/>
+                        <a:ea typeface="Calibri"/>
+                        <a:cs typeface="Times New Roman"/>
                       </a:endParaRPr>
                     </a:p>
                   </a:txBody>
-                  <a:tcPr marL="7620" marR="7620" marT="7620" marB="0" anchor="ctr"/>
+                  <a:tcPr marL="68580" marR="68580" marT="0" marB="0" anchor="ctr"/>
                 </a:tc>
                 <a:tc>
                   <a:txBody>
                     <a:bodyPr/>
                     <a:lstStyle/>
                     <a:p>
-                      <a:pPr algn="ctr" fontAlgn="ctr"/>
-                      <a:endParaRPr lang="en-US" sz="1100" b="0" i="0" u="none" strike="noStrike">
-                        <a:solidFill>
-                          <a:srgbClr val="000000"/>
-                        </a:solidFill>
+                      <a:endParaRPr lang="en-US" sz="1100" kern="100">
                         <a:effectLst/>
                         <a:latin typeface="Calibri"/>
                       </a:endParaRPr>
                     </a:p>
                   </a:txBody>
-                  <a:tcPr marL="7620" marR="7620" marT="7620" marB="0" anchor="ctr"/>
+                  <a:tcPr marL="68580" marR="68580" marT="0" marB="0" anchor="ctr"/>
                 </a:tc>
                 <a:tc>
                   <a:txBody>
                     <a:bodyPr/>
                     <a:lstStyle/>
                     <a:p>
-                      <a:pPr algn="ctr" fontAlgn="ctr"/>
-                      <a:endParaRPr lang="en-US" sz="1100" b="0" i="0" u="none" strike="noStrike">
-                        <a:solidFill>
-                          <a:srgbClr val="000000"/>
-                        </a:solidFill>
+                      <a:endParaRPr lang="en-US" sz="1100" kern="100">
                         <a:effectLst/>
                         <a:latin typeface="Calibri"/>
                       </a:endParaRPr>
                     </a:p>
                   </a:txBody>
-                  <a:tcPr marL="7620" marR="7620" marT="7620" marB="0" anchor="ctr"/>
+                  <a:tcPr marL="68580" marR="68580" marT="0" marB="0" anchor="ctr"/>
                 </a:tc>
                 <a:tc>
                   <a:txBody>
                     <a:bodyPr/>
                     <a:lstStyle/>
                     <a:p>
-                      <a:pPr algn="l" fontAlgn="ctr"/>
+                      <a:pPr marL="0" marR="0" fontAlgn="ctr">
+                        <a:lnSpc>
+                          <a:spcPct val="107000"/>
+                        </a:lnSpc>
+                        <a:spcBef>
+                          <a:spcPts val="0"/>
+                        </a:spcBef>
+                        <a:spcAft>
+                          <a:spcPts val="0"/>
+                        </a:spcAft>
+                      </a:pPr>
                       <a:r>
-                        <a:rPr lang="en-US" sz="1100" u="none" strike="noStrike" dirty="0">
+                        <a:rPr lang="en-US" sz="1100" kern="1200">
                           <a:effectLst/>
                         </a:rPr>
-                        <a:t>0.344756285</a:t>
+                        <a:t>08:16:26.943</a:t>
                       </a:r>
-                      <a:endParaRPr lang="en-US" sz="1100" b="0" i="0" u="none" strike="noStrike" dirty="0">
-                        <a:solidFill>
-                          <a:srgbClr val="000000"/>
-                        </a:solidFill>
+                      <a:endParaRPr lang="en-US" sz="1100" kern="100">
                         <a:effectLst/>
                         <a:latin typeface="Calibri"/>
+                        <a:ea typeface="Calibri"/>
+                        <a:cs typeface="Times New Roman"/>
                       </a:endParaRPr>
                     </a:p>
                   </a:txBody>
-                  <a:tcPr marL="7620" marR="7620" marT="7620" marB="0" anchor="ctr"/>
+                  <a:tcPr marL="68580" marR="68580" marT="0" marB="0" anchor="ctr"/>
                 </a:tc>
               </a:tr>
               <a:tr h="283815">
@@ -13399,197 +13761,208 @@
                     <a:bodyPr/>
                     <a:lstStyle/>
                     <a:p>
-                      <a:pPr algn="l" fontAlgn="ctr"/>
+                      <a:pPr marL="0" marR="0" fontAlgn="ctr">
+                        <a:lnSpc>
+                          <a:spcPct val="107000"/>
+                        </a:lnSpc>
+                        <a:spcBef>
+                          <a:spcPts val="0"/>
+                        </a:spcBef>
+                        <a:spcAft>
+                          <a:spcPts val="0"/>
+                        </a:spcAft>
+                      </a:pPr>
                       <a:r>
-                        <a:rPr lang="en-US" sz="1100" u="none" strike="noStrike">
+                        <a:rPr lang="en-US" sz="1100" kern="1200" dirty="0" err="1">
                           <a:effectLst/>
                           <a:latin typeface="Consolas" panose="020B0609020204030204" pitchFamily="49" charset="0"/>
                           <a:cs typeface="Consolas" panose="020B0609020204030204" pitchFamily="49" charset="0"/>
                         </a:rPr>
                         <a:t>MonthDay</a:t>
                       </a:r>
-                      <a:endParaRPr lang="en-US" sz="1100" b="1" i="0" u="none" strike="noStrike">
-                        <a:solidFill>
-                          <a:srgbClr val="000000"/>
-                        </a:solidFill>
+                      <a:endParaRPr lang="en-US" sz="1100" kern="100" dirty="0">
                         <a:effectLst/>
                         <a:latin typeface="Consolas" panose="020B0609020204030204" pitchFamily="49" charset="0"/>
+                        <a:ea typeface="Calibri"/>
                         <a:cs typeface="Consolas" panose="020B0609020204030204" pitchFamily="49" charset="0"/>
                       </a:endParaRPr>
                     </a:p>
                   </a:txBody>
-                  <a:tcPr marL="7620" marR="7620" marT="7620" marB="0" anchor="ctr"/>
+                  <a:tcPr marL="68580" marR="68580" marT="0" marB="0" anchor="ctr"/>
                 </a:tc>
                 <a:tc>
                   <a:txBody>
                     <a:bodyPr/>
                     <a:lstStyle/>
                     <a:p>
-                      <a:pPr algn="ctr" fontAlgn="ctr"/>
-                      <a:endParaRPr lang="en-US" sz="1100" b="0" i="0" u="none" strike="noStrike">
-                        <a:solidFill>
-                          <a:srgbClr val="000000"/>
-                        </a:solidFill>
+                      <a:endParaRPr lang="en-US" sz="1100" kern="100">
                         <a:effectLst/>
                         <a:latin typeface="Calibri"/>
                       </a:endParaRPr>
                     </a:p>
                   </a:txBody>
-                  <a:tcPr marL="7620" marR="7620" marT="7620" marB="0" anchor="ctr"/>
+                  <a:tcPr marL="68580" marR="68580" marT="0" marB="0" anchor="ctr"/>
                 </a:tc>
                 <a:tc>
                   <a:txBody>
                     <a:bodyPr/>
                     <a:lstStyle/>
                     <a:p>
-                      <a:pPr algn="ctr" fontAlgn="ctr"/>
+                      <a:pPr marL="0" marR="0" algn="ctr" fontAlgn="ctr">
+                        <a:lnSpc>
+                          <a:spcPct val="107000"/>
+                        </a:lnSpc>
+                        <a:spcBef>
+                          <a:spcPts val="0"/>
+                        </a:spcBef>
+                        <a:spcAft>
+                          <a:spcPts val="0"/>
+                        </a:spcAft>
+                      </a:pPr>
                       <a:r>
-                        <a:rPr lang="en-US" sz="1100" u="none" strike="noStrike">
+                        <a:rPr lang="en-US" sz="1100" kern="1200">
                           <a:effectLst/>
                         </a:rPr>
                         <a:t>✓</a:t>
                       </a:r>
-                      <a:endParaRPr lang="en-US" sz="1100" b="0" i="0" u="none" strike="noStrike">
-                        <a:solidFill>
-                          <a:srgbClr val="000000"/>
-                        </a:solidFill>
+                      <a:endParaRPr lang="en-US" sz="1100" kern="100">
                         <a:effectLst/>
                         <a:latin typeface="Calibri"/>
+                        <a:ea typeface="Calibri"/>
+                        <a:cs typeface="Times New Roman"/>
                       </a:endParaRPr>
                     </a:p>
                   </a:txBody>
-                  <a:tcPr marL="7620" marR="7620" marT="7620" marB="0" anchor="ctr"/>
+                  <a:tcPr marL="68580" marR="68580" marT="0" marB="0" anchor="ctr"/>
                 </a:tc>
                 <a:tc>
                   <a:txBody>
                     <a:bodyPr/>
                     <a:lstStyle/>
                     <a:p>
-                      <a:pPr algn="ctr" fontAlgn="ctr"/>
+                      <a:pPr marL="0" marR="0" algn="ctr" fontAlgn="ctr">
+                        <a:lnSpc>
+                          <a:spcPct val="107000"/>
+                        </a:lnSpc>
+                        <a:spcBef>
+                          <a:spcPts val="0"/>
+                        </a:spcBef>
+                        <a:spcAft>
+                          <a:spcPts val="0"/>
+                        </a:spcAft>
+                      </a:pPr>
                       <a:r>
-                        <a:rPr lang="en-US" sz="1100" u="none" strike="noStrike">
+                        <a:rPr lang="en-US" sz="1100" kern="1200">
                           <a:effectLst/>
                         </a:rPr>
                         <a:t>✓</a:t>
                       </a:r>
-                      <a:endParaRPr lang="en-US" sz="1100" b="0" i="0" u="none" strike="noStrike">
-                        <a:solidFill>
-                          <a:srgbClr val="000000"/>
-                        </a:solidFill>
+                      <a:endParaRPr lang="en-US" sz="1100" kern="100">
                         <a:effectLst/>
                         <a:latin typeface="Calibri"/>
+                        <a:ea typeface="Calibri"/>
+                        <a:cs typeface="Times New Roman"/>
                       </a:endParaRPr>
                     </a:p>
                   </a:txBody>
-                  <a:tcPr marL="7620" marR="7620" marT="7620" marB="0" anchor="ctr"/>
+                  <a:tcPr marL="68580" marR="68580" marT="0" marB="0" anchor="ctr"/>
                 </a:tc>
                 <a:tc>
                   <a:txBody>
                     <a:bodyPr/>
                     <a:lstStyle/>
                     <a:p>
-                      <a:pPr algn="ctr" fontAlgn="ctr"/>
-                      <a:endParaRPr lang="en-US" sz="1100" b="0" i="0" u="none" strike="noStrike">
-                        <a:solidFill>
-                          <a:srgbClr val="000000"/>
-                        </a:solidFill>
+                      <a:endParaRPr lang="en-US" sz="1100" kern="100" dirty="0">
                         <a:effectLst/>
                         <a:latin typeface="Calibri"/>
                       </a:endParaRPr>
                     </a:p>
                   </a:txBody>
-                  <a:tcPr marL="7620" marR="7620" marT="7620" marB="0" anchor="ctr"/>
+                  <a:tcPr marL="68580" marR="68580" marT="0" marB="0" anchor="ctr"/>
                 </a:tc>
                 <a:tc>
                   <a:txBody>
                     <a:bodyPr/>
                     <a:lstStyle/>
                     <a:p>
-                      <a:pPr algn="ctr" fontAlgn="ctr"/>
-                      <a:endParaRPr lang="en-US" sz="1100" b="0" i="0" u="none" strike="noStrike" dirty="0">
-                        <a:solidFill>
-                          <a:srgbClr val="000000"/>
-                        </a:solidFill>
+                      <a:endParaRPr lang="en-US" sz="1100" kern="100">
                         <a:effectLst/>
                         <a:latin typeface="Calibri"/>
                       </a:endParaRPr>
                     </a:p>
                   </a:txBody>
-                  <a:tcPr marL="7620" marR="7620" marT="7620" marB="0" anchor="ctr"/>
+                  <a:tcPr marL="68580" marR="68580" marT="0" marB="0" anchor="ctr"/>
                 </a:tc>
                 <a:tc>
                   <a:txBody>
                     <a:bodyPr/>
                     <a:lstStyle/>
                     <a:p>
-                      <a:pPr algn="ctr" fontAlgn="ctr"/>
-                      <a:endParaRPr lang="en-US" sz="1100" b="0" i="0" u="none" strike="noStrike">
-                        <a:solidFill>
-                          <a:srgbClr val="000000"/>
-                        </a:solidFill>
+                      <a:endParaRPr lang="en-US" sz="1100" kern="100">
                         <a:effectLst/>
                         <a:latin typeface="Calibri"/>
                       </a:endParaRPr>
                     </a:p>
                   </a:txBody>
-                  <a:tcPr marL="7620" marR="7620" marT="7620" marB="0" anchor="ctr"/>
+                  <a:tcPr marL="68580" marR="68580" marT="0" marB="0" anchor="ctr"/>
                 </a:tc>
                 <a:tc>
                   <a:txBody>
                     <a:bodyPr/>
                     <a:lstStyle/>
                     <a:p>
-                      <a:pPr algn="ctr" fontAlgn="ctr"/>
-                      <a:endParaRPr lang="en-US" sz="1100" b="0" i="0" u="none" strike="noStrike">
-                        <a:solidFill>
-                          <a:srgbClr val="000000"/>
-                        </a:solidFill>
+                      <a:endParaRPr lang="en-US" sz="1100" kern="100">
                         <a:effectLst/>
                         <a:latin typeface="Calibri"/>
                       </a:endParaRPr>
                     </a:p>
                   </a:txBody>
-                  <a:tcPr marL="7620" marR="7620" marT="7620" marB="0" anchor="ctr"/>
+                  <a:tcPr marL="68580" marR="68580" marT="0" marB="0" anchor="ctr"/>
                 </a:tc>
                 <a:tc>
                   <a:txBody>
                     <a:bodyPr/>
                     <a:lstStyle/>
                     <a:p>
-                      <a:pPr algn="ctr" fontAlgn="ctr"/>
-                      <a:endParaRPr lang="en-US" sz="1100" b="0" i="0" u="none" strike="noStrike">
-                        <a:solidFill>
-                          <a:srgbClr val="000000"/>
-                        </a:solidFill>
+                      <a:endParaRPr lang="en-US" sz="1100" kern="100">
                         <a:effectLst/>
                         <a:latin typeface="Calibri"/>
                       </a:endParaRPr>
                     </a:p>
                   </a:txBody>
-                  <a:tcPr marL="7620" marR="7620" marT="7620" marB="0" anchor="ctr"/>
+                  <a:tcPr marL="68580" marR="68580" marT="0" marB="0" anchor="ctr"/>
                 </a:tc>
                 <a:tc>
                   <a:txBody>
                     <a:bodyPr/>
                     <a:lstStyle/>
                     <a:p>
-                      <a:pPr algn="l" fontAlgn="ctr"/>
+                      <a:pPr marL="0" marR="0" fontAlgn="ctr">
+                        <a:lnSpc>
+                          <a:spcPct val="107000"/>
+                        </a:lnSpc>
+                        <a:spcBef>
+                          <a:spcPts val="0"/>
+                        </a:spcBef>
+                        <a:spcAft>
+                          <a:spcPts val="0"/>
+                        </a:spcAft>
+                      </a:pPr>
                       <a:r>
-                        <a:rPr lang="en-US" sz="1100" u="none" strike="noStrike">
+                        <a:rPr lang="en-US" sz="1100" kern="1200">
                           <a:effectLst/>
                         </a:rPr>
-                        <a:t>-12</a:t>
+                        <a:t>--08-20</a:t>
                       </a:r>
-                      <a:endParaRPr lang="en-US" sz="1100" b="0" i="0" u="none" strike="noStrike">
-                        <a:solidFill>
-                          <a:srgbClr val="000000"/>
-                        </a:solidFill>
+                      <a:endParaRPr lang="en-US" sz="1100" kern="100">
                         <a:effectLst/>
                         <a:latin typeface="Calibri"/>
+                        <a:ea typeface="Calibri"/>
+                        <a:cs typeface="Times New Roman"/>
                       </a:endParaRPr>
                     </a:p>
                   </a:txBody>
-                  <a:tcPr marL="7620" marR="7620" marT="7620" marB="0" anchor="ctr"/>
+                  <a:tcPr marL="68580" marR="68580" marT="0" marB="0" anchor="ctr"/>
                 </a:tc>
               </a:tr>
               <a:tr h="283815">
@@ -13598,191 +13971,189 @@
                     <a:bodyPr/>
                     <a:lstStyle/>
                     <a:p>
-                      <a:pPr algn="l" fontAlgn="ctr"/>
+                      <a:pPr marL="0" marR="0" fontAlgn="ctr">
+                        <a:lnSpc>
+                          <a:spcPct val="107000"/>
+                        </a:lnSpc>
+                        <a:spcBef>
+                          <a:spcPts val="0"/>
+                        </a:spcBef>
+                        <a:spcAft>
+                          <a:spcPts val="0"/>
+                        </a:spcAft>
+                      </a:pPr>
                       <a:r>
-                        <a:rPr lang="en-US" sz="1100" u="none" strike="noStrike">
+                        <a:rPr lang="en-US" sz="1100" kern="1200" dirty="0">
                           <a:effectLst/>
                           <a:latin typeface="Consolas" panose="020B0609020204030204" pitchFamily="49" charset="0"/>
                           <a:cs typeface="Consolas" panose="020B0609020204030204" pitchFamily="49" charset="0"/>
                         </a:rPr>
                         <a:t>Year</a:t>
                       </a:r>
-                      <a:endParaRPr lang="en-US" sz="1100" b="1" i="0" u="none" strike="noStrike">
-                        <a:solidFill>
-                          <a:srgbClr val="000000"/>
-                        </a:solidFill>
+                      <a:endParaRPr lang="en-US" sz="1100" kern="100" dirty="0">
                         <a:effectLst/>
                         <a:latin typeface="Consolas" panose="020B0609020204030204" pitchFamily="49" charset="0"/>
+                        <a:ea typeface="Calibri"/>
                         <a:cs typeface="Consolas" panose="020B0609020204030204" pitchFamily="49" charset="0"/>
                       </a:endParaRPr>
                     </a:p>
                   </a:txBody>
-                  <a:tcPr marL="7620" marR="7620" marT="7620" marB="0" anchor="ctr"/>
+                  <a:tcPr marL="68580" marR="68580" marT="0" marB="0" anchor="ctr"/>
                 </a:tc>
                 <a:tc>
                   <a:txBody>
                     <a:bodyPr/>
                     <a:lstStyle/>
                     <a:p>
-                      <a:pPr algn="ctr" fontAlgn="ctr"/>
+                      <a:pPr marL="0" marR="0" algn="ctr" fontAlgn="ctr">
+                        <a:lnSpc>
+                          <a:spcPct val="107000"/>
+                        </a:lnSpc>
+                        <a:spcBef>
+                          <a:spcPts val="0"/>
+                        </a:spcBef>
+                        <a:spcAft>
+                          <a:spcPts val="0"/>
+                        </a:spcAft>
+                      </a:pPr>
                       <a:r>
-                        <a:rPr lang="en-US" sz="1100" u="none" strike="noStrike">
+                        <a:rPr lang="en-US" sz="1100" kern="1200">
                           <a:effectLst/>
                         </a:rPr>
                         <a:t>✓</a:t>
                       </a:r>
-                      <a:endParaRPr lang="en-US" sz="1100" b="0" i="0" u="none" strike="noStrike">
-                        <a:solidFill>
-                          <a:srgbClr val="000000"/>
-                        </a:solidFill>
+                      <a:endParaRPr lang="en-US" sz="1100" kern="100">
                         <a:effectLst/>
                         <a:latin typeface="Calibri"/>
+                        <a:ea typeface="Calibri"/>
+                        <a:cs typeface="Times New Roman"/>
                       </a:endParaRPr>
                     </a:p>
                   </a:txBody>
-                  <a:tcPr marL="7620" marR="7620" marT="7620" marB="0" anchor="ctr"/>
+                  <a:tcPr marL="68580" marR="68580" marT="0" marB="0" anchor="ctr"/>
                 </a:tc>
                 <a:tc>
                   <a:txBody>
                     <a:bodyPr/>
                     <a:lstStyle/>
                     <a:p>
-                      <a:pPr algn="ctr" fontAlgn="ctr"/>
-                      <a:endParaRPr lang="en-US" sz="1100" b="0" i="0" u="none" strike="noStrike">
-                        <a:solidFill>
-                          <a:srgbClr val="000000"/>
-                        </a:solidFill>
+                      <a:endParaRPr lang="en-US" sz="1100" kern="100">
                         <a:effectLst/>
                         <a:latin typeface="Calibri"/>
                       </a:endParaRPr>
                     </a:p>
                   </a:txBody>
-                  <a:tcPr marL="7620" marR="7620" marT="7620" marB="0" anchor="ctr"/>
+                  <a:tcPr marL="68580" marR="68580" marT="0" marB="0" anchor="ctr"/>
                 </a:tc>
                 <a:tc>
                   <a:txBody>
                     <a:bodyPr/>
                     <a:lstStyle/>
                     <a:p>
-                      <a:pPr algn="ctr" fontAlgn="ctr"/>
-                      <a:endParaRPr lang="en-US" sz="1100" b="0" i="0" u="none" strike="noStrike">
-                        <a:solidFill>
-                          <a:srgbClr val="000000"/>
-                        </a:solidFill>
+                      <a:endParaRPr lang="en-US" sz="1100" kern="100">
                         <a:effectLst/>
                         <a:latin typeface="Calibri"/>
                       </a:endParaRPr>
                     </a:p>
                   </a:txBody>
-                  <a:tcPr marL="7620" marR="7620" marT="7620" marB="0" anchor="ctr"/>
+                  <a:tcPr marL="68580" marR="68580" marT="0" marB="0" anchor="ctr"/>
                 </a:tc>
                 <a:tc>
                   <a:txBody>
                     <a:bodyPr/>
                     <a:lstStyle/>
                     <a:p>
-                      <a:pPr algn="ctr" fontAlgn="ctr"/>
-                      <a:endParaRPr lang="en-US" sz="1100" b="0" i="0" u="none" strike="noStrike">
-                        <a:solidFill>
-                          <a:srgbClr val="000000"/>
-                        </a:solidFill>
+                      <a:endParaRPr lang="en-US" sz="1100" kern="100">
                         <a:effectLst/>
                         <a:latin typeface="Calibri"/>
                       </a:endParaRPr>
                     </a:p>
                   </a:txBody>
-                  <a:tcPr marL="7620" marR="7620" marT="7620" marB="0" anchor="ctr"/>
+                  <a:tcPr marL="68580" marR="68580" marT="0" marB="0" anchor="ctr"/>
                 </a:tc>
                 <a:tc>
                   <a:txBody>
                     <a:bodyPr/>
                     <a:lstStyle/>
                     <a:p>
-                      <a:pPr algn="ctr" fontAlgn="ctr"/>
-                      <a:endParaRPr lang="en-US" sz="1100" b="0" i="0" u="none" strike="noStrike">
-                        <a:solidFill>
-                          <a:srgbClr val="000000"/>
-                        </a:solidFill>
+                      <a:endParaRPr lang="en-US" sz="1100" kern="100">
                         <a:effectLst/>
                         <a:latin typeface="Calibri"/>
                       </a:endParaRPr>
                     </a:p>
                   </a:txBody>
-                  <a:tcPr marL="7620" marR="7620" marT="7620" marB="0" anchor="ctr"/>
+                  <a:tcPr marL="68580" marR="68580" marT="0" marB="0" anchor="ctr"/>
                 </a:tc>
                 <a:tc>
                   <a:txBody>
                     <a:bodyPr/>
                     <a:lstStyle/>
                     <a:p>
-                      <a:pPr algn="ctr" fontAlgn="ctr"/>
-                      <a:endParaRPr lang="en-US" sz="1100" b="0" i="0" u="none" strike="noStrike">
-                        <a:solidFill>
-                          <a:srgbClr val="000000"/>
-                        </a:solidFill>
+                      <a:endParaRPr lang="en-US" sz="1100" kern="100">
                         <a:effectLst/>
                         <a:latin typeface="Calibri"/>
                       </a:endParaRPr>
                     </a:p>
                   </a:txBody>
-                  <a:tcPr marL="7620" marR="7620" marT="7620" marB="0" anchor="ctr"/>
+                  <a:tcPr marL="68580" marR="68580" marT="0" marB="0" anchor="ctr"/>
                 </a:tc>
                 <a:tc>
                   <a:txBody>
                     <a:bodyPr/>
                     <a:lstStyle/>
                     <a:p>
-                      <a:pPr algn="ctr" fontAlgn="ctr"/>
-                      <a:endParaRPr lang="en-US" sz="1100" b="0" i="0" u="none" strike="noStrike" dirty="0">
-                        <a:solidFill>
-                          <a:srgbClr val="000000"/>
-                        </a:solidFill>
+                      <a:endParaRPr lang="en-US" sz="1100" kern="100">
                         <a:effectLst/>
                         <a:latin typeface="Calibri"/>
                       </a:endParaRPr>
                     </a:p>
                   </a:txBody>
-                  <a:tcPr marL="7620" marR="7620" marT="7620" marB="0" anchor="ctr"/>
+                  <a:tcPr marL="68580" marR="68580" marT="0" marB="0" anchor="ctr"/>
                 </a:tc>
                 <a:tc>
                   <a:txBody>
                     <a:bodyPr/>
                     <a:lstStyle/>
                     <a:p>
-                      <a:pPr algn="ctr" fontAlgn="ctr"/>
-                      <a:endParaRPr lang="en-US" sz="1100" b="0" i="0" u="none" strike="noStrike" dirty="0">
-                        <a:solidFill>
-                          <a:srgbClr val="000000"/>
-                        </a:solidFill>
+                      <a:endParaRPr lang="en-US" sz="1100" kern="100">
                         <a:effectLst/>
                         <a:latin typeface="Calibri"/>
                       </a:endParaRPr>
                     </a:p>
                   </a:txBody>
-                  <a:tcPr marL="7620" marR="7620" marT="7620" marB="0" anchor="ctr"/>
+                  <a:tcPr marL="68580" marR="68580" marT="0" marB="0" anchor="ctr"/>
                 </a:tc>
                 <a:tc>
                   <a:txBody>
                     <a:bodyPr/>
                     <a:lstStyle/>
                     <a:p>
-                      <a:pPr algn="l" fontAlgn="ctr"/>
+                      <a:pPr marL="0" marR="0" fontAlgn="ctr">
+                        <a:lnSpc>
+                          <a:spcPct val="107000"/>
+                        </a:lnSpc>
+                        <a:spcBef>
+                          <a:spcPts val="0"/>
+                        </a:spcBef>
+                        <a:spcAft>
+                          <a:spcPts val="0"/>
+                        </a:spcAft>
+                      </a:pPr>
                       <a:r>
-                        <a:rPr lang="en-US" sz="1100" u="none" strike="noStrike">
+                        <a:rPr lang="en-US" sz="1100" kern="1200">
                           <a:effectLst/>
                         </a:rPr>
                         <a:t>2013</a:t>
                       </a:r>
-                      <a:endParaRPr lang="en-US" sz="1100" b="0" i="0" u="none" strike="noStrike">
-                        <a:solidFill>
-                          <a:srgbClr val="000000"/>
-                        </a:solidFill>
+                      <a:endParaRPr lang="en-US" sz="1100" kern="100">
                         <a:effectLst/>
                         <a:latin typeface="Calibri"/>
+                        <a:ea typeface="Calibri"/>
+                        <a:cs typeface="Times New Roman"/>
                       </a:endParaRPr>
                     </a:p>
                   </a:txBody>
-                  <a:tcPr marL="7620" marR="7620" marT="7620" marB="0" anchor="ctr"/>
+                  <a:tcPr marL="68580" marR="68580" marT="0" marB="0" anchor="ctr"/>
                 </a:tc>
               </a:tr>
               <a:tr h="283815">
@@ -13791,197 +14162,208 @@
                     <a:bodyPr/>
                     <a:lstStyle/>
                     <a:p>
-                      <a:pPr algn="l" fontAlgn="ctr"/>
+                      <a:pPr marL="0" marR="0" fontAlgn="ctr">
+                        <a:lnSpc>
+                          <a:spcPct val="107000"/>
+                        </a:lnSpc>
+                        <a:spcBef>
+                          <a:spcPts val="0"/>
+                        </a:spcBef>
+                        <a:spcAft>
+                          <a:spcPts val="0"/>
+                        </a:spcAft>
+                      </a:pPr>
                       <a:r>
-                        <a:rPr lang="en-US" sz="1100" u="none" strike="noStrike" dirty="0" err="1">
+                        <a:rPr lang="en-US" sz="1100" kern="1200" dirty="0" err="1">
                           <a:effectLst/>
                           <a:latin typeface="Consolas" panose="020B0609020204030204" pitchFamily="49" charset="0"/>
                           <a:cs typeface="Consolas" panose="020B0609020204030204" pitchFamily="49" charset="0"/>
                         </a:rPr>
                         <a:t>YearMonth</a:t>
                       </a:r>
-                      <a:endParaRPr lang="en-US" sz="1100" b="1" i="0" u="none" strike="noStrike" dirty="0">
-                        <a:solidFill>
-                          <a:srgbClr val="000000"/>
-                        </a:solidFill>
+                      <a:endParaRPr lang="en-US" sz="1100" kern="100" dirty="0">
                         <a:effectLst/>
                         <a:latin typeface="Consolas" panose="020B0609020204030204" pitchFamily="49" charset="0"/>
+                        <a:ea typeface="Calibri"/>
                         <a:cs typeface="Consolas" panose="020B0609020204030204" pitchFamily="49" charset="0"/>
                       </a:endParaRPr>
                     </a:p>
                   </a:txBody>
-                  <a:tcPr marL="7620" marR="7620" marT="7620" marB="0" anchor="ctr"/>
+                  <a:tcPr marL="68580" marR="68580" marT="0" marB="0" anchor="ctr"/>
                 </a:tc>
                 <a:tc>
                   <a:txBody>
                     <a:bodyPr/>
                     <a:lstStyle/>
                     <a:p>
-                      <a:pPr algn="ctr" fontAlgn="ctr"/>
+                      <a:pPr marL="0" marR="0" algn="ctr" fontAlgn="ctr">
+                        <a:lnSpc>
+                          <a:spcPct val="107000"/>
+                        </a:lnSpc>
+                        <a:spcBef>
+                          <a:spcPts val="0"/>
+                        </a:spcBef>
+                        <a:spcAft>
+                          <a:spcPts val="0"/>
+                        </a:spcAft>
+                      </a:pPr>
                       <a:r>
-                        <a:rPr lang="en-US" sz="1100" u="none" strike="noStrike">
+                        <a:rPr lang="en-US" sz="1100" kern="1200">
                           <a:effectLst/>
                         </a:rPr>
                         <a:t>✓</a:t>
                       </a:r>
-                      <a:endParaRPr lang="en-US" sz="1100" b="0" i="0" u="none" strike="noStrike">
-                        <a:solidFill>
-                          <a:srgbClr val="000000"/>
-                        </a:solidFill>
+                      <a:endParaRPr lang="en-US" sz="1100" kern="100">
                         <a:effectLst/>
                         <a:latin typeface="Calibri"/>
+                        <a:ea typeface="Calibri"/>
+                        <a:cs typeface="Times New Roman"/>
                       </a:endParaRPr>
                     </a:p>
                   </a:txBody>
-                  <a:tcPr marL="7620" marR="7620" marT="7620" marB="0" anchor="ctr"/>
+                  <a:tcPr marL="68580" marR="68580" marT="0" marB="0" anchor="ctr"/>
                 </a:tc>
                 <a:tc>
                   <a:txBody>
                     <a:bodyPr/>
                     <a:lstStyle/>
                     <a:p>
-                      <a:pPr algn="ctr" fontAlgn="ctr"/>
+                      <a:pPr marL="0" marR="0" algn="ctr" fontAlgn="ctr">
+                        <a:lnSpc>
+                          <a:spcPct val="107000"/>
+                        </a:lnSpc>
+                        <a:spcBef>
+                          <a:spcPts val="0"/>
+                        </a:spcBef>
+                        <a:spcAft>
+                          <a:spcPts val="0"/>
+                        </a:spcAft>
+                      </a:pPr>
                       <a:r>
-                        <a:rPr lang="en-US" sz="1100" u="none" strike="noStrike">
+                        <a:rPr lang="en-US" sz="1100" kern="1200">
                           <a:effectLst/>
                         </a:rPr>
                         <a:t>✓</a:t>
                       </a:r>
-                      <a:endParaRPr lang="en-US" sz="1100" b="0" i="0" u="none" strike="noStrike">
-                        <a:solidFill>
-                          <a:srgbClr val="000000"/>
-                        </a:solidFill>
+                      <a:endParaRPr lang="en-US" sz="1100" kern="100">
                         <a:effectLst/>
                         <a:latin typeface="Calibri"/>
+                        <a:ea typeface="Calibri"/>
+                        <a:cs typeface="Times New Roman"/>
                       </a:endParaRPr>
                     </a:p>
                   </a:txBody>
-                  <a:tcPr marL="7620" marR="7620" marT="7620" marB="0" anchor="ctr"/>
+                  <a:tcPr marL="68580" marR="68580" marT="0" marB="0" anchor="ctr"/>
                 </a:tc>
                 <a:tc>
                   <a:txBody>
                     <a:bodyPr/>
                     <a:lstStyle/>
                     <a:p>
-                      <a:pPr algn="ctr" fontAlgn="ctr"/>
-                      <a:endParaRPr lang="en-US" sz="1100" b="0" i="0" u="none" strike="noStrike">
-                        <a:solidFill>
-                          <a:srgbClr val="000000"/>
-                        </a:solidFill>
+                      <a:endParaRPr lang="en-US" sz="1100" kern="100">
                         <a:effectLst/>
                         <a:latin typeface="Calibri"/>
                       </a:endParaRPr>
                     </a:p>
                   </a:txBody>
-                  <a:tcPr marL="7620" marR="7620" marT="7620" marB="0" anchor="ctr"/>
+                  <a:tcPr marL="68580" marR="68580" marT="0" marB="0" anchor="ctr"/>
                 </a:tc>
                 <a:tc>
                   <a:txBody>
                     <a:bodyPr/>
                     <a:lstStyle/>
                     <a:p>
-                      <a:pPr algn="ctr" fontAlgn="ctr"/>
-                      <a:endParaRPr lang="en-US" sz="1100" b="0" i="0" u="none" strike="noStrike">
-                        <a:solidFill>
-                          <a:srgbClr val="000000"/>
-                        </a:solidFill>
+                      <a:endParaRPr lang="en-US" sz="1100" kern="100">
                         <a:effectLst/>
                         <a:latin typeface="Calibri"/>
                       </a:endParaRPr>
                     </a:p>
                   </a:txBody>
-                  <a:tcPr marL="7620" marR="7620" marT="7620" marB="0" anchor="ctr"/>
+                  <a:tcPr marL="68580" marR="68580" marT="0" marB="0" anchor="ctr"/>
                 </a:tc>
                 <a:tc>
                   <a:txBody>
                     <a:bodyPr/>
                     <a:lstStyle/>
                     <a:p>
-                      <a:pPr algn="ctr" fontAlgn="ctr"/>
-                      <a:endParaRPr lang="en-US" sz="1100" b="0" i="0" u="none" strike="noStrike">
-                        <a:solidFill>
-                          <a:srgbClr val="000000"/>
-                        </a:solidFill>
+                      <a:endParaRPr lang="en-US" sz="1100" kern="100" dirty="0">
                         <a:effectLst/>
                         <a:latin typeface="Calibri"/>
                       </a:endParaRPr>
                     </a:p>
                   </a:txBody>
-                  <a:tcPr marL="7620" marR="7620" marT="7620" marB="0" anchor="ctr"/>
+                  <a:tcPr marL="68580" marR="68580" marT="0" marB="0" anchor="ctr"/>
                 </a:tc>
                 <a:tc>
                   <a:txBody>
                     <a:bodyPr/>
                     <a:lstStyle/>
                     <a:p>
-                      <a:pPr algn="ctr" fontAlgn="ctr"/>
-                      <a:endParaRPr lang="en-US" sz="1100" b="0" i="0" u="none" strike="noStrike">
-                        <a:solidFill>
-                          <a:srgbClr val="000000"/>
-                        </a:solidFill>
+                      <a:endParaRPr lang="en-US" sz="1100" kern="100">
                         <a:effectLst/>
                         <a:latin typeface="Calibri"/>
                       </a:endParaRPr>
                     </a:p>
                   </a:txBody>
-                  <a:tcPr marL="7620" marR="7620" marT="7620" marB="0" anchor="ctr"/>
+                  <a:tcPr marL="68580" marR="68580" marT="0" marB="0" anchor="ctr"/>
                 </a:tc>
                 <a:tc>
                   <a:txBody>
                     <a:bodyPr/>
                     <a:lstStyle/>
                     <a:p>
-                      <a:pPr algn="ctr" fontAlgn="ctr"/>
-                      <a:endParaRPr lang="en-US" sz="1100" b="0" i="0" u="none" strike="noStrike">
-                        <a:solidFill>
-                          <a:srgbClr val="000000"/>
-                        </a:solidFill>
+                      <a:endParaRPr lang="en-US" sz="1100" kern="100">
                         <a:effectLst/>
                         <a:latin typeface="Calibri"/>
                       </a:endParaRPr>
                     </a:p>
                   </a:txBody>
-                  <a:tcPr marL="7620" marR="7620" marT="7620" marB="0" anchor="ctr"/>
+                  <a:tcPr marL="68580" marR="68580" marT="0" marB="0" anchor="ctr"/>
                 </a:tc>
                 <a:tc>
                   <a:txBody>
                     <a:bodyPr/>
                     <a:lstStyle/>
                     <a:p>
-                      <a:pPr algn="ctr" fontAlgn="ctr"/>
-                      <a:endParaRPr lang="en-US" sz="1100" b="0" i="0" u="none" strike="noStrike">
-                        <a:solidFill>
-                          <a:srgbClr val="000000"/>
-                        </a:solidFill>
+                      <a:endParaRPr lang="en-US" sz="1100" kern="100">
                         <a:effectLst/>
                         <a:latin typeface="Calibri"/>
                       </a:endParaRPr>
                     </a:p>
                   </a:txBody>
-                  <a:tcPr marL="7620" marR="7620" marT="7620" marB="0" anchor="ctr"/>
+                  <a:tcPr marL="68580" marR="68580" marT="0" marB="0" anchor="ctr"/>
                 </a:tc>
                 <a:tc>
                   <a:txBody>
                     <a:bodyPr/>
                     <a:lstStyle/>
                     <a:p>
-                      <a:pPr algn="l" fontAlgn="ctr"/>
+                      <a:pPr marL="0" marR="0" fontAlgn="ctr">
+                        <a:lnSpc>
+                          <a:spcPct val="107000"/>
+                        </a:lnSpc>
+                        <a:spcBef>
+                          <a:spcPts val="0"/>
+                        </a:spcBef>
+                        <a:spcAft>
+                          <a:spcPts val="0"/>
+                        </a:spcAft>
+                      </a:pPr>
                       <a:r>
-                        <a:rPr lang="en-US" sz="1100" u="none" strike="noStrike">
+                        <a:rPr lang="en-US" sz="1100" kern="1200">
                           <a:effectLst/>
                         </a:rPr>
                         <a:t>2013-08</a:t>
                       </a:r>
-                      <a:endParaRPr lang="en-US" sz="1100" b="0" i="0" u="none" strike="noStrike">
-                        <a:solidFill>
-                          <a:srgbClr val="000000"/>
-                        </a:solidFill>
+                      <a:endParaRPr lang="en-US" sz="1100" kern="100">
                         <a:effectLst/>
                         <a:latin typeface="Calibri"/>
+                        <a:ea typeface="Calibri"/>
+                        <a:cs typeface="Times New Roman"/>
                       </a:endParaRPr>
                     </a:p>
                   </a:txBody>
-                  <a:tcPr marL="7620" marR="7620" marT="7620" marB="0" anchor="ctr"/>
+                  <a:tcPr marL="68580" marR="68580" marT="0" marB="0" anchor="ctr"/>
                 </a:tc>
               </a:tr>
               <a:tr h="283815">
@@ -13990,191 +14372,189 @@
                     <a:bodyPr/>
                     <a:lstStyle/>
                     <a:p>
-                      <a:pPr algn="l" fontAlgn="ctr"/>
+                      <a:pPr marL="0" marR="0" fontAlgn="ctr">
+                        <a:lnSpc>
+                          <a:spcPct val="107000"/>
+                        </a:lnSpc>
+                        <a:spcBef>
+                          <a:spcPts val="0"/>
+                        </a:spcBef>
+                        <a:spcAft>
+                          <a:spcPts val="0"/>
+                        </a:spcAft>
+                      </a:pPr>
                       <a:r>
-                        <a:rPr lang="en-US" sz="1100" u="none" strike="noStrike">
+                        <a:rPr lang="en-US" sz="1100" kern="1200" dirty="0">
                           <a:effectLst/>
                           <a:latin typeface="Consolas" panose="020B0609020204030204" pitchFamily="49" charset="0"/>
                           <a:cs typeface="Consolas" panose="020B0609020204030204" pitchFamily="49" charset="0"/>
                         </a:rPr>
                         <a:t>Month</a:t>
                       </a:r>
-                      <a:endParaRPr lang="en-US" sz="1100" b="1" i="0" u="none" strike="noStrike">
-                        <a:solidFill>
-                          <a:srgbClr val="000000"/>
-                        </a:solidFill>
+                      <a:endParaRPr lang="en-US" sz="1100" kern="100" dirty="0">
                         <a:effectLst/>
                         <a:latin typeface="Consolas" panose="020B0609020204030204" pitchFamily="49" charset="0"/>
+                        <a:ea typeface="Calibri"/>
                         <a:cs typeface="Consolas" panose="020B0609020204030204" pitchFamily="49" charset="0"/>
                       </a:endParaRPr>
                     </a:p>
                   </a:txBody>
-                  <a:tcPr marL="7620" marR="7620" marT="7620" marB="0" anchor="ctr"/>
+                  <a:tcPr marL="68580" marR="68580" marT="0" marB="0" anchor="ctr"/>
                 </a:tc>
                 <a:tc>
                   <a:txBody>
                     <a:bodyPr/>
                     <a:lstStyle/>
                     <a:p>
-                      <a:pPr algn="ctr" fontAlgn="ctr"/>
-                      <a:endParaRPr lang="en-US" sz="1100" b="0" i="0" u="none" strike="noStrike">
-                        <a:solidFill>
-                          <a:srgbClr val="000000"/>
-                        </a:solidFill>
+                      <a:endParaRPr lang="en-US" sz="1100" kern="100">
                         <a:effectLst/>
                         <a:latin typeface="Calibri"/>
                       </a:endParaRPr>
                     </a:p>
                   </a:txBody>
-                  <a:tcPr marL="7620" marR="7620" marT="7620" marB="0" anchor="ctr"/>
+                  <a:tcPr marL="68580" marR="68580" marT="0" marB="0" anchor="ctr"/>
                 </a:tc>
                 <a:tc>
                   <a:txBody>
                     <a:bodyPr/>
                     <a:lstStyle/>
                     <a:p>
-                      <a:pPr algn="ctr" fontAlgn="ctr"/>
+                      <a:pPr marL="0" marR="0" algn="ctr" fontAlgn="ctr">
+                        <a:lnSpc>
+                          <a:spcPct val="107000"/>
+                        </a:lnSpc>
+                        <a:spcBef>
+                          <a:spcPts val="0"/>
+                        </a:spcBef>
+                        <a:spcAft>
+                          <a:spcPts val="0"/>
+                        </a:spcAft>
+                      </a:pPr>
                       <a:r>
-                        <a:rPr lang="en-US" sz="1100" u="none" strike="noStrike">
+                        <a:rPr lang="en-US" sz="1100" kern="1200">
                           <a:effectLst/>
                         </a:rPr>
                         <a:t>✓</a:t>
                       </a:r>
-                      <a:endParaRPr lang="en-US" sz="1100" b="0" i="0" u="none" strike="noStrike">
-                        <a:solidFill>
-                          <a:srgbClr val="000000"/>
-                        </a:solidFill>
+                      <a:endParaRPr lang="en-US" sz="1100" kern="100">
                         <a:effectLst/>
                         <a:latin typeface="Calibri"/>
+                        <a:ea typeface="Calibri"/>
+                        <a:cs typeface="Times New Roman"/>
                       </a:endParaRPr>
                     </a:p>
                   </a:txBody>
-                  <a:tcPr marL="7620" marR="7620" marT="7620" marB="0" anchor="ctr"/>
+                  <a:tcPr marL="68580" marR="68580" marT="0" marB="0" anchor="ctr"/>
                 </a:tc>
                 <a:tc>
                   <a:txBody>
                     <a:bodyPr/>
                     <a:lstStyle/>
                     <a:p>
-                      <a:pPr algn="ctr" fontAlgn="ctr"/>
-                      <a:endParaRPr lang="en-US" sz="1100" b="0" i="0" u="none" strike="noStrike">
-                        <a:solidFill>
-                          <a:srgbClr val="000000"/>
-                        </a:solidFill>
+                      <a:endParaRPr lang="en-US" sz="1100" kern="100">
                         <a:effectLst/>
                         <a:latin typeface="Calibri"/>
                       </a:endParaRPr>
                     </a:p>
                   </a:txBody>
-                  <a:tcPr marL="7620" marR="7620" marT="7620" marB="0" anchor="ctr"/>
+                  <a:tcPr marL="68580" marR="68580" marT="0" marB="0" anchor="ctr"/>
                 </a:tc>
                 <a:tc>
                   <a:txBody>
                     <a:bodyPr/>
                     <a:lstStyle/>
                     <a:p>
-                      <a:pPr algn="ctr" fontAlgn="ctr"/>
-                      <a:endParaRPr lang="en-US" sz="1100" b="0" i="0" u="none" strike="noStrike">
-                        <a:solidFill>
-                          <a:srgbClr val="000000"/>
-                        </a:solidFill>
+                      <a:endParaRPr lang="en-US" sz="1100" kern="100">
                         <a:effectLst/>
                         <a:latin typeface="Calibri"/>
                       </a:endParaRPr>
                     </a:p>
                   </a:txBody>
-                  <a:tcPr marL="7620" marR="7620" marT="7620" marB="0" anchor="ctr"/>
+                  <a:tcPr marL="68580" marR="68580" marT="0" marB="0" anchor="ctr"/>
                 </a:tc>
                 <a:tc>
                   <a:txBody>
                     <a:bodyPr/>
                     <a:lstStyle/>
                     <a:p>
-                      <a:pPr algn="ctr" fontAlgn="ctr"/>
-                      <a:endParaRPr lang="en-US" sz="1100" b="0" i="0" u="none" strike="noStrike">
-                        <a:solidFill>
-                          <a:srgbClr val="000000"/>
-                        </a:solidFill>
+                      <a:endParaRPr lang="en-US" sz="1100" kern="100">
                         <a:effectLst/>
                         <a:latin typeface="Calibri"/>
                       </a:endParaRPr>
                     </a:p>
                   </a:txBody>
-                  <a:tcPr marL="7620" marR="7620" marT="7620" marB="0" anchor="ctr"/>
+                  <a:tcPr marL="68580" marR="68580" marT="0" marB="0" anchor="ctr"/>
                 </a:tc>
                 <a:tc>
                   <a:txBody>
                     <a:bodyPr/>
                     <a:lstStyle/>
                     <a:p>
-                      <a:pPr algn="ctr" fontAlgn="ctr"/>
-                      <a:endParaRPr lang="en-US" sz="1100" b="0" i="0" u="none" strike="noStrike">
-                        <a:solidFill>
-                          <a:srgbClr val="000000"/>
-                        </a:solidFill>
+                      <a:endParaRPr lang="en-US" sz="1100" kern="100" dirty="0">
                         <a:effectLst/>
                         <a:latin typeface="Calibri"/>
                       </a:endParaRPr>
                     </a:p>
                   </a:txBody>
-                  <a:tcPr marL="7620" marR="7620" marT="7620" marB="0" anchor="ctr"/>
+                  <a:tcPr marL="68580" marR="68580" marT="0" marB="0" anchor="ctr"/>
                 </a:tc>
                 <a:tc>
                   <a:txBody>
                     <a:bodyPr/>
                     <a:lstStyle/>
                     <a:p>
-                      <a:pPr algn="ctr" fontAlgn="ctr"/>
-                      <a:endParaRPr lang="en-US" sz="1100" b="0" i="0" u="none" strike="noStrike" dirty="0">
-                        <a:solidFill>
-                          <a:srgbClr val="000000"/>
-                        </a:solidFill>
+                      <a:endParaRPr lang="en-US" sz="1100" kern="100" dirty="0">
                         <a:effectLst/>
                         <a:latin typeface="Calibri"/>
                       </a:endParaRPr>
                     </a:p>
                   </a:txBody>
-                  <a:tcPr marL="7620" marR="7620" marT="7620" marB="0" anchor="ctr"/>
+                  <a:tcPr marL="68580" marR="68580" marT="0" marB="0" anchor="ctr"/>
                 </a:tc>
                 <a:tc>
                   <a:txBody>
                     <a:bodyPr/>
                     <a:lstStyle/>
                     <a:p>
-                      <a:pPr algn="ctr" fontAlgn="ctr"/>
-                      <a:endParaRPr lang="en-US" sz="1100" b="0" i="0" u="none" strike="noStrike">
-                        <a:solidFill>
-                          <a:srgbClr val="000000"/>
-                        </a:solidFill>
+                      <a:endParaRPr lang="en-US" sz="1100" kern="100">
                         <a:effectLst/>
                         <a:latin typeface="Calibri"/>
                       </a:endParaRPr>
                     </a:p>
                   </a:txBody>
-                  <a:tcPr marL="7620" marR="7620" marT="7620" marB="0" anchor="ctr"/>
+                  <a:tcPr marL="68580" marR="68580" marT="0" marB="0" anchor="ctr"/>
                 </a:tc>
                 <a:tc>
                   <a:txBody>
                     <a:bodyPr/>
                     <a:lstStyle/>
                     <a:p>
-                      <a:pPr algn="l" fontAlgn="ctr"/>
+                      <a:pPr marL="0" marR="0" fontAlgn="ctr">
+                        <a:lnSpc>
+                          <a:spcPct val="107000"/>
+                        </a:lnSpc>
+                        <a:spcBef>
+                          <a:spcPts val="0"/>
+                        </a:spcBef>
+                        <a:spcAft>
+                          <a:spcPts val="0"/>
+                        </a:spcAft>
+                      </a:pPr>
                       <a:r>
-                        <a:rPr lang="en-US" sz="1100" u="none" strike="noStrike" dirty="0">
+                        <a:rPr lang="en-US" sz="1100" kern="1200">
                           <a:effectLst/>
                         </a:rPr>
                         <a:t>AUGUST</a:t>
                       </a:r>
-                      <a:endParaRPr lang="en-US" sz="1100" b="0" i="0" u="none" strike="noStrike" dirty="0">
-                        <a:solidFill>
-                          <a:srgbClr val="000000"/>
-                        </a:solidFill>
+                      <a:endParaRPr lang="en-US" sz="1100" kern="100">
                         <a:effectLst/>
                         <a:latin typeface="Calibri"/>
+                        <a:ea typeface="Calibri"/>
+                        <a:cs typeface="Times New Roman"/>
                       </a:endParaRPr>
                     </a:p>
                   </a:txBody>
-                  <a:tcPr marL="7620" marR="7620" marT="7620" marB="0" anchor="ctr"/>
+                  <a:tcPr marL="68580" marR="68580" marT="0" marB="0" anchor="ctr"/>
                 </a:tc>
               </a:tr>
               <a:tr h="283815">
@@ -14183,227 +14563,303 @@
                     <a:bodyPr/>
                     <a:lstStyle/>
                     <a:p>
-                      <a:pPr algn="l" fontAlgn="ctr"/>
+                      <a:pPr marL="0" marR="0" fontAlgn="ctr">
+                        <a:lnSpc>
+                          <a:spcPct val="107000"/>
+                        </a:lnSpc>
+                        <a:spcBef>
+                          <a:spcPts val="0"/>
+                        </a:spcBef>
+                        <a:spcAft>
+                          <a:spcPts val="0"/>
+                        </a:spcAft>
+                      </a:pPr>
                       <a:r>
-                        <a:rPr lang="en-US" sz="1100" u="none" strike="noStrike">
+                        <a:rPr lang="en-US" sz="1100" kern="1200" dirty="0" err="1">
                           <a:effectLst/>
                           <a:latin typeface="Consolas" panose="020B0609020204030204" pitchFamily="49" charset="0"/>
                           <a:cs typeface="Consolas" panose="020B0609020204030204" pitchFamily="49" charset="0"/>
                         </a:rPr>
                         <a:t>OffsetDateTime</a:t>
                       </a:r>
-                      <a:endParaRPr lang="en-US" sz="1100" b="1" i="0" u="none" strike="noStrike">
-                        <a:solidFill>
-                          <a:srgbClr val="000000"/>
-                        </a:solidFill>
+                      <a:endParaRPr lang="en-US" sz="1100" kern="100" dirty="0">
                         <a:effectLst/>
                         <a:latin typeface="Consolas" panose="020B0609020204030204" pitchFamily="49" charset="0"/>
+                        <a:ea typeface="Calibri"/>
                         <a:cs typeface="Consolas" panose="020B0609020204030204" pitchFamily="49" charset="0"/>
                       </a:endParaRPr>
                     </a:p>
                   </a:txBody>
-                  <a:tcPr marL="7620" marR="7620" marT="7620" marB="0" anchor="ctr"/>
+                  <a:tcPr marL="68580" marR="68580" marT="0" marB="0" anchor="ctr"/>
                 </a:tc>
                 <a:tc>
                   <a:txBody>
                     <a:bodyPr/>
                     <a:lstStyle/>
                     <a:p>
-                      <a:pPr algn="ctr" fontAlgn="ctr"/>
+                      <a:pPr marL="0" marR="0" algn="ctr" fontAlgn="ctr">
+                        <a:lnSpc>
+                          <a:spcPct val="107000"/>
+                        </a:lnSpc>
+                        <a:spcBef>
+                          <a:spcPts val="0"/>
+                        </a:spcBef>
+                        <a:spcAft>
+                          <a:spcPts val="0"/>
+                        </a:spcAft>
+                      </a:pPr>
                       <a:r>
-                        <a:rPr lang="en-US" sz="1100" u="none" strike="noStrike">
+                        <a:rPr lang="en-US" sz="1100" kern="1200">
                           <a:effectLst/>
                         </a:rPr>
                         <a:t>✓</a:t>
                       </a:r>
-                      <a:endParaRPr lang="en-US" sz="1100" b="0" i="0" u="none" strike="noStrike">
-                        <a:solidFill>
-                          <a:srgbClr val="000000"/>
-                        </a:solidFill>
+                      <a:endParaRPr lang="en-US" sz="1100" kern="100">
                         <a:effectLst/>
                         <a:latin typeface="Calibri"/>
+                        <a:ea typeface="Calibri"/>
+                        <a:cs typeface="Times New Roman"/>
                       </a:endParaRPr>
                     </a:p>
                   </a:txBody>
-                  <a:tcPr marL="7620" marR="7620" marT="7620" marB="0" anchor="ctr"/>
+                  <a:tcPr marL="68580" marR="68580" marT="0" marB="0" anchor="ctr"/>
                 </a:tc>
                 <a:tc>
                   <a:txBody>
                     <a:bodyPr/>
                     <a:lstStyle/>
                     <a:p>
-                      <a:pPr algn="ctr" fontAlgn="ctr"/>
+                      <a:pPr marL="0" marR="0" algn="ctr" fontAlgn="ctr">
+                        <a:lnSpc>
+                          <a:spcPct val="107000"/>
+                        </a:lnSpc>
+                        <a:spcBef>
+                          <a:spcPts val="0"/>
+                        </a:spcBef>
+                        <a:spcAft>
+                          <a:spcPts val="0"/>
+                        </a:spcAft>
+                      </a:pPr>
                       <a:r>
-                        <a:rPr lang="en-US" sz="1100" u="none" strike="noStrike">
+                        <a:rPr lang="en-US" sz="1100" kern="1200">
                           <a:effectLst/>
                         </a:rPr>
                         <a:t>✓</a:t>
                       </a:r>
-                      <a:endParaRPr lang="en-US" sz="1100" b="0" i="0" u="none" strike="noStrike">
-                        <a:solidFill>
-                          <a:srgbClr val="000000"/>
-                        </a:solidFill>
+                      <a:endParaRPr lang="en-US" sz="1100" kern="100">
                         <a:effectLst/>
                         <a:latin typeface="Calibri"/>
+                        <a:ea typeface="Calibri"/>
+                        <a:cs typeface="Times New Roman"/>
                       </a:endParaRPr>
                     </a:p>
                   </a:txBody>
-                  <a:tcPr marL="7620" marR="7620" marT="7620" marB="0" anchor="ctr"/>
+                  <a:tcPr marL="68580" marR="68580" marT="0" marB="0" anchor="ctr"/>
                 </a:tc>
                 <a:tc>
                   <a:txBody>
                     <a:bodyPr/>
                     <a:lstStyle/>
                     <a:p>
-                      <a:pPr algn="ctr" fontAlgn="ctr"/>
+                      <a:pPr marL="0" marR="0" algn="ctr" fontAlgn="ctr">
+                        <a:lnSpc>
+                          <a:spcPct val="107000"/>
+                        </a:lnSpc>
+                        <a:spcBef>
+                          <a:spcPts val="0"/>
+                        </a:spcBef>
+                        <a:spcAft>
+                          <a:spcPts val="0"/>
+                        </a:spcAft>
+                      </a:pPr>
                       <a:r>
-                        <a:rPr lang="en-US" sz="1100" u="none" strike="noStrike">
+                        <a:rPr lang="en-US" sz="1100" kern="1200">
                           <a:effectLst/>
                         </a:rPr>
                         <a:t>✓</a:t>
                       </a:r>
-                      <a:endParaRPr lang="en-US" sz="1100" b="0" i="0" u="none" strike="noStrike">
-                        <a:solidFill>
-                          <a:srgbClr val="000000"/>
-                        </a:solidFill>
+                      <a:endParaRPr lang="en-US" sz="1100" kern="100">
                         <a:effectLst/>
                         <a:latin typeface="Calibri"/>
+                        <a:ea typeface="Calibri"/>
+                        <a:cs typeface="Times New Roman"/>
                       </a:endParaRPr>
                     </a:p>
                   </a:txBody>
-                  <a:tcPr marL="7620" marR="7620" marT="7620" marB="0" anchor="ctr"/>
+                  <a:tcPr marL="68580" marR="68580" marT="0" marB="0" anchor="ctr"/>
                 </a:tc>
                 <a:tc>
                   <a:txBody>
                     <a:bodyPr/>
                     <a:lstStyle/>
                     <a:p>
-                      <a:pPr algn="ctr" fontAlgn="ctr"/>
+                      <a:pPr marL="0" marR="0" algn="ctr" fontAlgn="ctr">
+                        <a:lnSpc>
+                          <a:spcPct val="107000"/>
+                        </a:lnSpc>
+                        <a:spcBef>
+                          <a:spcPts val="0"/>
+                        </a:spcBef>
+                        <a:spcAft>
+                          <a:spcPts val="0"/>
+                        </a:spcAft>
+                      </a:pPr>
                       <a:r>
-                        <a:rPr lang="en-US" sz="1100" u="none" strike="noStrike">
+                        <a:rPr lang="en-US" sz="1100" kern="1200">
                           <a:effectLst/>
                         </a:rPr>
                         <a:t>✓</a:t>
                       </a:r>
-                      <a:endParaRPr lang="en-US" sz="1100" b="0" i="0" u="none" strike="noStrike">
-                        <a:solidFill>
-                          <a:srgbClr val="000000"/>
-                        </a:solidFill>
+                      <a:endParaRPr lang="en-US" sz="1100" kern="100">
                         <a:effectLst/>
                         <a:latin typeface="Calibri"/>
+                        <a:ea typeface="Calibri"/>
+                        <a:cs typeface="Times New Roman"/>
                       </a:endParaRPr>
                     </a:p>
                   </a:txBody>
-                  <a:tcPr marL="7620" marR="7620" marT="7620" marB="0" anchor="ctr"/>
+                  <a:tcPr marL="68580" marR="68580" marT="0" marB="0" anchor="ctr"/>
                 </a:tc>
                 <a:tc>
                   <a:txBody>
                     <a:bodyPr/>
                     <a:lstStyle/>
                     <a:p>
-                      <a:pPr algn="ctr" fontAlgn="ctr"/>
+    